--- a/presentation/DataDrivenForesight.pptx
+++ b/presentation/DataDrivenForesight.pptx
@@ -13,6 +13,11 @@
     <p:sldId id="261" r:id="rId7"/>
     <p:sldId id="262" r:id="rId8"/>
     <p:sldId id="263" r:id="rId9"/>
+    <p:sldId id="265" r:id="rId10"/>
+    <p:sldId id="266" r:id="rId11"/>
+    <p:sldId id="268" r:id="rId12"/>
+    <p:sldId id="269" r:id="rId13"/>
+    <p:sldId id="270" r:id="rId14"/>
   </p:sldIdLst>
   <p:sldSz cx="12192000" cy="6858000"/>
   <p:notesSz cx="6858000" cy="9144000"/>
@@ -258,7 +263,7 @@
           <a:p>
             <a:fld id="{846CE7D5-CF57-46EF-B807-FDD0502418D4}" type="datetimeFigureOut">
               <a:rPr lang="en-GB" smtClean="0"/>
-              <a:t>04/01/2025</a:t>
+              <a:t>05/01/2025</a:t>
             </a:fld>
             <a:endParaRPr lang="en-GB"/>
           </a:p>
@@ -300,7 +305,7 @@
           <a:p>
             <a:fld id="{330EA680-D336-4FF7-8B7A-9848BB0A1C32}" type="slidenum">
               <a:rPr lang="en-GB" smtClean="0"/>
-              <a:t>‹Nr.›</a:t>
+              <a:t>‹#›</a:t>
             </a:fld>
             <a:endParaRPr lang="en-GB"/>
           </a:p>
@@ -428,7 +433,7 @@
           <a:p>
             <a:fld id="{846CE7D5-CF57-46EF-B807-FDD0502418D4}" type="datetimeFigureOut">
               <a:rPr lang="en-GB" smtClean="0"/>
-              <a:t>04/01/2025</a:t>
+              <a:t>05/01/2025</a:t>
             </a:fld>
             <a:endParaRPr lang="en-GB"/>
           </a:p>
@@ -470,7 +475,7 @@
           <a:p>
             <a:fld id="{330EA680-D336-4FF7-8B7A-9848BB0A1C32}" type="slidenum">
               <a:rPr lang="en-GB" smtClean="0"/>
-              <a:t>‹Nr.›</a:t>
+              <a:t>‹#›</a:t>
             </a:fld>
             <a:endParaRPr lang="en-GB"/>
           </a:p>
@@ -608,7 +613,7 @@
           <a:p>
             <a:fld id="{846CE7D5-CF57-46EF-B807-FDD0502418D4}" type="datetimeFigureOut">
               <a:rPr lang="en-GB" smtClean="0"/>
-              <a:t>04/01/2025</a:t>
+              <a:t>05/01/2025</a:t>
             </a:fld>
             <a:endParaRPr lang="en-GB"/>
           </a:p>
@@ -650,7 +655,7 @@
           <a:p>
             <a:fld id="{330EA680-D336-4FF7-8B7A-9848BB0A1C32}" type="slidenum">
               <a:rPr lang="en-GB" smtClean="0"/>
-              <a:t>‹Nr.›</a:t>
+              <a:t>‹#›</a:t>
             </a:fld>
             <a:endParaRPr lang="en-GB"/>
           </a:p>
@@ -778,7 +783,7 @@
           <a:p>
             <a:fld id="{846CE7D5-CF57-46EF-B807-FDD0502418D4}" type="datetimeFigureOut">
               <a:rPr lang="en-GB" smtClean="0"/>
-              <a:t>04/01/2025</a:t>
+              <a:t>05/01/2025</a:t>
             </a:fld>
             <a:endParaRPr lang="en-GB"/>
           </a:p>
@@ -820,7 +825,7 @@
           <a:p>
             <a:fld id="{330EA680-D336-4FF7-8B7A-9848BB0A1C32}" type="slidenum">
               <a:rPr lang="en-GB" smtClean="0"/>
-              <a:t>‹Nr.›</a:t>
+              <a:t>‹#›</a:t>
             </a:fld>
             <a:endParaRPr lang="en-GB"/>
           </a:p>
@@ -1024,7 +1029,7 @@
           <a:p>
             <a:fld id="{846CE7D5-CF57-46EF-B807-FDD0502418D4}" type="datetimeFigureOut">
               <a:rPr lang="en-GB" smtClean="0"/>
-              <a:t>04/01/2025</a:t>
+              <a:t>05/01/2025</a:t>
             </a:fld>
             <a:endParaRPr lang="en-GB"/>
           </a:p>
@@ -1066,7 +1071,7 @@
           <a:p>
             <a:fld id="{330EA680-D336-4FF7-8B7A-9848BB0A1C32}" type="slidenum">
               <a:rPr lang="en-GB" smtClean="0"/>
-              <a:t>‹Nr.›</a:t>
+              <a:t>‹#›</a:t>
             </a:fld>
             <a:endParaRPr lang="en-GB"/>
           </a:p>
@@ -1256,7 +1261,7 @@
           <a:p>
             <a:fld id="{846CE7D5-CF57-46EF-B807-FDD0502418D4}" type="datetimeFigureOut">
               <a:rPr lang="en-GB" smtClean="0"/>
-              <a:t>04/01/2025</a:t>
+              <a:t>05/01/2025</a:t>
             </a:fld>
             <a:endParaRPr lang="en-GB"/>
           </a:p>
@@ -1298,7 +1303,7 @@
           <a:p>
             <a:fld id="{330EA680-D336-4FF7-8B7A-9848BB0A1C32}" type="slidenum">
               <a:rPr lang="en-GB" smtClean="0"/>
-              <a:t>‹Nr.›</a:t>
+              <a:t>‹#›</a:t>
             </a:fld>
             <a:endParaRPr lang="en-GB"/>
           </a:p>
@@ -1623,7 +1628,7 @@
           <a:p>
             <a:fld id="{846CE7D5-CF57-46EF-B807-FDD0502418D4}" type="datetimeFigureOut">
               <a:rPr lang="en-GB" smtClean="0"/>
-              <a:t>04/01/2025</a:t>
+              <a:t>05/01/2025</a:t>
             </a:fld>
             <a:endParaRPr lang="en-GB"/>
           </a:p>
@@ -1665,7 +1670,7 @@
           <a:p>
             <a:fld id="{330EA680-D336-4FF7-8B7A-9848BB0A1C32}" type="slidenum">
               <a:rPr lang="en-GB" smtClean="0"/>
-              <a:t>‹Nr.›</a:t>
+              <a:t>‹#›</a:t>
             </a:fld>
             <a:endParaRPr lang="en-GB"/>
           </a:p>
@@ -1741,7 +1746,7 @@
           <a:p>
             <a:fld id="{846CE7D5-CF57-46EF-B807-FDD0502418D4}" type="datetimeFigureOut">
               <a:rPr lang="en-GB" smtClean="0"/>
-              <a:t>04/01/2025</a:t>
+              <a:t>05/01/2025</a:t>
             </a:fld>
             <a:endParaRPr lang="en-GB"/>
           </a:p>
@@ -1783,7 +1788,7 @@
           <a:p>
             <a:fld id="{330EA680-D336-4FF7-8B7A-9848BB0A1C32}" type="slidenum">
               <a:rPr lang="en-GB" smtClean="0"/>
-              <a:t>‹Nr.›</a:t>
+              <a:t>‹#›</a:t>
             </a:fld>
             <a:endParaRPr lang="en-GB"/>
           </a:p>
@@ -1836,7 +1841,7 @@
           <a:p>
             <a:fld id="{846CE7D5-CF57-46EF-B807-FDD0502418D4}" type="datetimeFigureOut">
               <a:rPr lang="en-GB" smtClean="0"/>
-              <a:t>04/01/2025</a:t>
+              <a:t>05/01/2025</a:t>
             </a:fld>
             <a:endParaRPr lang="en-GB"/>
           </a:p>
@@ -1878,7 +1883,7 @@
           <a:p>
             <a:fld id="{330EA680-D336-4FF7-8B7A-9848BB0A1C32}" type="slidenum">
               <a:rPr lang="en-GB" smtClean="0"/>
-              <a:t>‹Nr.›</a:t>
+              <a:t>‹#›</a:t>
             </a:fld>
             <a:endParaRPr lang="en-GB"/>
           </a:p>
@@ -2113,7 +2118,7 @@
           <a:p>
             <a:fld id="{846CE7D5-CF57-46EF-B807-FDD0502418D4}" type="datetimeFigureOut">
               <a:rPr lang="en-GB" smtClean="0"/>
-              <a:t>04/01/2025</a:t>
+              <a:t>05/01/2025</a:t>
             </a:fld>
             <a:endParaRPr lang="en-GB"/>
           </a:p>
@@ -2155,7 +2160,7 @@
           <a:p>
             <a:fld id="{330EA680-D336-4FF7-8B7A-9848BB0A1C32}" type="slidenum">
               <a:rPr lang="en-GB" smtClean="0"/>
-              <a:t>‹Nr.›</a:t>
+              <a:t>‹#›</a:t>
             </a:fld>
             <a:endParaRPr lang="en-GB"/>
           </a:p>
@@ -2370,7 +2375,7 @@
           <a:p>
             <a:fld id="{846CE7D5-CF57-46EF-B807-FDD0502418D4}" type="datetimeFigureOut">
               <a:rPr lang="en-GB" smtClean="0"/>
-              <a:t>04/01/2025</a:t>
+              <a:t>05/01/2025</a:t>
             </a:fld>
             <a:endParaRPr lang="en-GB"/>
           </a:p>
@@ -2412,7 +2417,7 @@
           <a:p>
             <a:fld id="{330EA680-D336-4FF7-8B7A-9848BB0A1C32}" type="slidenum">
               <a:rPr lang="en-GB" smtClean="0"/>
-              <a:t>‹Nr.›</a:t>
+              <a:t>‹#›</a:t>
             </a:fld>
             <a:endParaRPr lang="en-GB"/>
           </a:p>
@@ -2583,7 +2588,7 @@
           <a:p>
             <a:fld id="{846CE7D5-CF57-46EF-B807-FDD0502418D4}" type="datetimeFigureOut">
               <a:rPr lang="en-GB" smtClean="0"/>
-              <a:t>04/01/2025</a:t>
+              <a:t>05/01/2025</a:t>
             </a:fld>
             <a:endParaRPr lang="en-GB"/>
           </a:p>
@@ -2661,7 +2666,7 @@
           <a:p>
             <a:fld id="{330EA680-D336-4FF7-8B7A-9848BB0A1C32}" type="slidenum">
               <a:rPr lang="en-GB" smtClean="0"/>
-              <a:t>‹Nr.›</a:t>
+              <a:t>‹#›</a:t>
             </a:fld>
             <a:endParaRPr lang="en-GB"/>
           </a:p>
@@ -3062,6 +3067,482 @@
 </p:sld>
 </file>
 
+<file path=ppt/slides/slide10.xml><?xml version="1.0" encoding="utf-8"?>
+<p:sld xmlns:a="http://schemas.openxmlformats.org/drawingml/2006/main" xmlns:r="http://schemas.openxmlformats.org/officeDocument/2006/relationships" xmlns:p="http://schemas.openxmlformats.org/presentationml/2006/main">
+  <p:cSld>
+    <p:spTree>
+      <p:nvGrpSpPr>
+        <p:cNvPr id="1" name=""/>
+        <p:cNvGrpSpPr/>
+        <p:nvPr/>
+      </p:nvGrpSpPr>
+      <p:grpSpPr>
+        <a:xfrm>
+          <a:off x="0" y="0"/>
+          <a:ext cx="0" cy="0"/>
+          <a:chOff x="0" y="0"/>
+          <a:chExt cx="0" cy="0"/>
+        </a:xfrm>
+      </p:grpSpPr>
+      <p:sp>
+        <p:nvSpPr>
+          <p:cNvPr id="2" name="Title 1">
+            <a:extLst>
+              <a:ext uri="{FF2B5EF4-FFF2-40B4-BE49-F238E27FC236}">
+                <a16:creationId xmlns:a16="http://schemas.microsoft.com/office/drawing/2014/main" id="{A1B1FB28-5B8C-BCFB-04B3-54966AAE995C}"/>
+              </a:ext>
+            </a:extLst>
+          </p:cNvPr>
+          <p:cNvSpPr>
+            <a:spLocks noGrp="1"/>
+          </p:cNvSpPr>
+          <p:nvPr>
+            <p:ph type="title"/>
+          </p:nvPr>
+        </p:nvSpPr>
+        <p:spPr/>
+        <p:txBody>
+          <a:bodyPr/>
+          <a:lstStyle/>
+          <a:p>
+            <a:r>
+              <a:rPr lang="en-US" dirty="0" err="1"/>
+              <a:t>Espacenet</a:t>
+            </a:r>
+            <a:endParaRPr lang="en-DE" dirty="0"/>
+          </a:p>
+        </p:txBody>
+      </p:sp>
+      <p:pic>
+        <p:nvPicPr>
+          <p:cNvPr id="6" name="Content Placeholder 5" descr="A graph with orange line&#10;&#10;Description automatically generated">
+            <a:extLst>
+              <a:ext uri="{FF2B5EF4-FFF2-40B4-BE49-F238E27FC236}">
+                <a16:creationId xmlns:a16="http://schemas.microsoft.com/office/drawing/2014/main" id="{3B06DD3A-2AA8-12A5-CADB-AE91931A3D5D}"/>
+              </a:ext>
+            </a:extLst>
+          </p:cNvPr>
+          <p:cNvPicPr>
+            <a:picLocks noGrp="1" noChangeAspect="1"/>
+          </p:cNvPicPr>
+          <p:nvPr>
+            <p:ph idx="1"/>
+          </p:nvPr>
+        </p:nvPicPr>
+        <p:blipFill>
+          <a:blip r:embed="rId2">
+            <a:extLst>
+              <a:ext uri="{28A0092B-C50C-407E-A947-70E740481C1C}">
+                <a14:useLocalDpi xmlns:a14="http://schemas.microsoft.com/office/drawing/2010/main" val="0"/>
+              </a:ext>
+            </a:extLst>
+          </a:blip>
+          <a:stretch>
+            <a:fillRect/>
+          </a:stretch>
+        </p:blipFill>
+        <p:spPr>
+          <a:xfrm>
+            <a:off x="5183188" y="1572577"/>
+            <a:ext cx="6172200" cy="3703320"/>
+          </a:xfrm>
+        </p:spPr>
+      </p:pic>
+      <p:sp>
+        <p:nvSpPr>
+          <p:cNvPr id="4" name="Text Placeholder 3">
+            <a:extLst>
+              <a:ext uri="{FF2B5EF4-FFF2-40B4-BE49-F238E27FC236}">
+                <a16:creationId xmlns:a16="http://schemas.microsoft.com/office/drawing/2014/main" id="{EC61FC60-B060-12B2-5E82-55544DE04D4C}"/>
+              </a:ext>
+            </a:extLst>
+          </p:cNvPr>
+          <p:cNvSpPr>
+            <a:spLocks noGrp="1"/>
+          </p:cNvSpPr>
+          <p:nvPr>
+            <p:ph type="body" sz="half" idx="2"/>
+          </p:nvPr>
+        </p:nvSpPr>
+        <p:spPr/>
+        <p:txBody>
+          <a:bodyPr/>
+          <a:lstStyle/>
+          <a:p>
+            <a:endParaRPr lang="en-DE"/>
+          </a:p>
+        </p:txBody>
+      </p:sp>
+    </p:spTree>
+    <p:extLst>
+      <p:ext uri="{BB962C8B-B14F-4D97-AF65-F5344CB8AC3E}">
+        <p14:creationId xmlns:p14="http://schemas.microsoft.com/office/powerpoint/2010/main" val="3666487214"/>
+      </p:ext>
+    </p:extLst>
+  </p:cSld>
+  <p:clrMapOvr>
+    <a:masterClrMapping/>
+  </p:clrMapOvr>
+</p:sld>
+</file>
+
+<file path=ppt/slides/slide11.xml><?xml version="1.0" encoding="utf-8"?>
+<p:sld xmlns:a="http://schemas.openxmlformats.org/drawingml/2006/main" xmlns:r="http://schemas.openxmlformats.org/officeDocument/2006/relationships" xmlns:p="http://schemas.openxmlformats.org/presentationml/2006/main">
+  <p:cSld>
+    <p:spTree>
+      <p:nvGrpSpPr>
+        <p:cNvPr id="1" name=""/>
+        <p:cNvGrpSpPr/>
+        <p:nvPr/>
+      </p:nvGrpSpPr>
+      <p:grpSpPr>
+        <a:xfrm>
+          <a:off x="0" y="0"/>
+          <a:ext cx="0" cy="0"/>
+          <a:chOff x="0" y="0"/>
+          <a:chExt cx="0" cy="0"/>
+        </a:xfrm>
+      </p:grpSpPr>
+      <p:sp>
+        <p:nvSpPr>
+          <p:cNvPr id="2" name="Title 1">
+            <a:extLst>
+              <a:ext uri="{FF2B5EF4-FFF2-40B4-BE49-F238E27FC236}">
+                <a16:creationId xmlns:a16="http://schemas.microsoft.com/office/drawing/2014/main" id="{7103A217-21A5-7901-6120-28237D26EEE7}"/>
+              </a:ext>
+            </a:extLst>
+          </p:cNvPr>
+          <p:cNvSpPr>
+            <a:spLocks noGrp="1"/>
+          </p:cNvSpPr>
+          <p:nvPr>
+            <p:ph type="title"/>
+          </p:nvPr>
+        </p:nvSpPr>
+        <p:spPr/>
+        <p:txBody>
+          <a:bodyPr/>
+          <a:lstStyle/>
+          <a:p>
+            <a:r>
+              <a:rPr lang="en-US" dirty="0"/>
+              <a:t>WIPO</a:t>
+            </a:r>
+            <a:endParaRPr lang="en-DE" dirty="0"/>
+          </a:p>
+        </p:txBody>
+      </p:sp>
+      <p:pic>
+        <p:nvPicPr>
+          <p:cNvPr id="6" name="Content Placeholder 5" descr="A screenshot of a computer&#10;&#10;Description automatically generated">
+            <a:extLst>
+              <a:ext uri="{FF2B5EF4-FFF2-40B4-BE49-F238E27FC236}">
+                <a16:creationId xmlns:a16="http://schemas.microsoft.com/office/drawing/2014/main" id="{4B3A4204-5FA0-8266-8F40-B1B7C419A7FD}"/>
+              </a:ext>
+            </a:extLst>
+          </p:cNvPr>
+          <p:cNvPicPr>
+            <a:picLocks noGrp="1" noChangeAspect="1"/>
+          </p:cNvPicPr>
+          <p:nvPr>
+            <p:ph idx="1"/>
+          </p:nvPr>
+        </p:nvPicPr>
+        <p:blipFill>
+          <a:blip r:embed="rId2" cstate="print">
+            <a:extLst>
+              <a:ext uri="{28A0092B-C50C-407E-A947-70E740481C1C}">
+                <a14:useLocalDpi xmlns:a14="http://schemas.microsoft.com/office/drawing/2010/main" val="0"/>
+              </a:ext>
+            </a:extLst>
+          </a:blip>
+          <a:stretch>
+            <a:fillRect/>
+          </a:stretch>
+        </p:blipFill>
+        <p:spPr>
+          <a:xfrm>
+            <a:off x="5225609" y="2499396"/>
+            <a:ext cx="6172200" cy="1387771"/>
+          </a:xfrm>
+        </p:spPr>
+      </p:pic>
+      <p:sp>
+        <p:nvSpPr>
+          <p:cNvPr id="4" name="Text Placeholder 3">
+            <a:extLst>
+              <a:ext uri="{FF2B5EF4-FFF2-40B4-BE49-F238E27FC236}">
+                <a16:creationId xmlns:a16="http://schemas.microsoft.com/office/drawing/2014/main" id="{62A3F758-1198-A982-F141-E7B7353A52B0}"/>
+              </a:ext>
+            </a:extLst>
+          </p:cNvPr>
+          <p:cNvSpPr>
+            <a:spLocks noGrp="1"/>
+          </p:cNvSpPr>
+          <p:nvPr>
+            <p:ph type="body" sz="half" idx="2"/>
+          </p:nvPr>
+        </p:nvSpPr>
+        <p:spPr/>
+        <p:txBody>
+          <a:bodyPr/>
+          <a:lstStyle/>
+          <a:p>
+            <a:endParaRPr lang="en-DE"/>
+          </a:p>
+        </p:txBody>
+      </p:sp>
+    </p:spTree>
+    <p:extLst>
+      <p:ext uri="{BB962C8B-B14F-4D97-AF65-F5344CB8AC3E}">
+        <p14:creationId xmlns:p14="http://schemas.microsoft.com/office/powerpoint/2010/main" val="3145640299"/>
+      </p:ext>
+    </p:extLst>
+  </p:cSld>
+  <p:clrMapOvr>
+    <a:masterClrMapping/>
+  </p:clrMapOvr>
+</p:sld>
+</file>
+
+<file path=ppt/slides/slide12.xml><?xml version="1.0" encoding="utf-8"?>
+<p:sld xmlns:a="http://schemas.openxmlformats.org/drawingml/2006/main" xmlns:r="http://schemas.openxmlformats.org/officeDocument/2006/relationships" xmlns:p="http://schemas.openxmlformats.org/presentationml/2006/main">
+  <p:cSld>
+    <p:spTree>
+      <p:nvGrpSpPr>
+        <p:cNvPr id="1" name=""/>
+        <p:cNvGrpSpPr/>
+        <p:nvPr/>
+      </p:nvGrpSpPr>
+      <p:grpSpPr>
+        <a:xfrm>
+          <a:off x="0" y="0"/>
+          <a:ext cx="0" cy="0"/>
+          <a:chOff x="0" y="0"/>
+          <a:chExt cx="0" cy="0"/>
+        </a:xfrm>
+      </p:grpSpPr>
+      <p:sp>
+        <p:nvSpPr>
+          <p:cNvPr id="2" name="Title 1">
+            <a:extLst>
+              <a:ext uri="{FF2B5EF4-FFF2-40B4-BE49-F238E27FC236}">
+                <a16:creationId xmlns:a16="http://schemas.microsoft.com/office/drawing/2014/main" id="{2607136C-E885-609E-94FD-103F489D415B}"/>
+              </a:ext>
+            </a:extLst>
+          </p:cNvPr>
+          <p:cNvSpPr>
+            <a:spLocks noGrp="1"/>
+          </p:cNvSpPr>
+          <p:nvPr>
+            <p:ph type="title"/>
+          </p:nvPr>
+        </p:nvSpPr>
+        <p:spPr/>
+        <p:txBody>
+          <a:bodyPr/>
+          <a:lstStyle/>
+          <a:p>
+            <a:r>
+              <a:rPr lang="en-US" dirty="0"/>
+              <a:t>WIPO</a:t>
+            </a:r>
+            <a:endParaRPr lang="en-DE" dirty="0"/>
+          </a:p>
+        </p:txBody>
+      </p:sp>
+      <p:pic>
+        <p:nvPicPr>
+          <p:cNvPr id="6" name="Content Placeholder 5" descr="A graph with blue lines&#10;&#10;Description automatically generated with medium confidence">
+            <a:extLst>
+              <a:ext uri="{FF2B5EF4-FFF2-40B4-BE49-F238E27FC236}">
+                <a16:creationId xmlns:a16="http://schemas.microsoft.com/office/drawing/2014/main" id="{1F093164-2A53-596D-D50E-AC3E9C2EFF2F}"/>
+              </a:ext>
+            </a:extLst>
+          </p:cNvPr>
+          <p:cNvPicPr>
+            <a:picLocks noGrp="1" noChangeAspect="1"/>
+          </p:cNvPicPr>
+          <p:nvPr>
+            <p:ph idx="1"/>
+          </p:nvPr>
+        </p:nvPicPr>
+        <p:blipFill>
+          <a:blip r:embed="rId2" cstate="print">
+            <a:extLst>
+              <a:ext uri="{28A0092B-C50C-407E-A947-70E740481C1C}">
+                <a14:useLocalDpi xmlns:a14="http://schemas.microsoft.com/office/drawing/2010/main" val="0"/>
+              </a:ext>
+            </a:extLst>
+          </a:blip>
+          <a:stretch>
+            <a:fillRect/>
+          </a:stretch>
+        </p:blipFill>
+        <p:spPr>
+          <a:xfrm>
+            <a:off x="5183188" y="2738438"/>
+            <a:ext cx="6172200" cy="1371599"/>
+          </a:xfrm>
+        </p:spPr>
+      </p:pic>
+      <p:sp>
+        <p:nvSpPr>
+          <p:cNvPr id="4" name="Text Placeholder 3">
+            <a:extLst>
+              <a:ext uri="{FF2B5EF4-FFF2-40B4-BE49-F238E27FC236}">
+                <a16:creationId xmlns:a16="http://schemas.microsoft.com/office/drawing/2014/main" id="{A9E17B91-A842-294D-FDBB-489DAA25A9FA}"/>
+              </a:ext>
+            </a:extLst>
+          </p:cNvPr>
+          <p:cNvSpPr>
+            <a:spLocks noGrp="1"/>
+          </p:cNvSpPr>
+          <p:nvPr>
+            <p:ph type="body" sz="half" idx="2"/>
+          </p:nvPr>
+        </p:nvSpPr>
+        <p:spPr/>
+        <p:txBody>
+          <a:bodyPr/>
+          <a:lstStyle/>
+          <a:p>
+            <a:endParaRPr lang="en-DE"/>
+          </a:p>
+        </p:txBody>
+      </p:sp>
+    </p:spTree>
+    <p:extLst>
+      <p:ext uri="{BB962C8B-B14F-4D97-AF65-F5344CB8AC3E}">
+        <p14:creationId xmlns:p14="http://schemas.microsoft.com/office/powerpoint/2010/main" val="3793083112"/>
+      </p:ext>
+    </p:extLst>
+  </p:cSld>
+  <p:clrMapOvr>
+    <a:masterClrMapping/>
+  </p:clrMapOvr>
+</p:sld>
+</file>
+
+<file path=ppt/slides/slide13.xml><?xml version="1.0" encoding="utf-8"?>
+<p:sld xmlns:a="http://schemas.openxmlformats.org/drawingml/2006/main" xmlns:r="http://schemas.openxmlformats.org/officeDocument/2006/relationships" xmlns:p="http://schemas.openxmlformats.org/presentationml/2006/main">
+  <p:cSld>
+    <p:spTree>
+      <p:nvGrpSpPr>
+        <p:cNvPr id="1" name=""/>
+        <p:cNvGrpSpPr/>
+        <p:nvPr/>
+      </p:nvGrpSpPr>
+      <p:grpSpPr>
+        <a:xfrm>
+          <a:off x="0" y="0"/>
+          <a:ext cx="0" cy="0"/>
+          <a:chOff x="0" y="0"/>
+          <a:chExt cx="0" cy="0"/>
+        </a:xfrm>
+      </p:grpSpPr>
+      <p:sp>
+        <p:nvSpPr>
+          <p:cNvPr id="2" name="Title 1">
+            <a:extLst>
+              <a:ext uri="{FF2B5EF4-FFF2-40B4-BE49-F238E27FC236}">
+                <a16:creationId xmlns:a16="http://schemas.microsoft.com/office/drawing/2014/main" id="{48B0D354-45FF-F7F1-B31C-13325FBFAE41}"/>
+              </a:ext>
+            </a:extLst>
+          </p:cNvPr>
+          <p:cNvSpPr>
+            <a:spLocks noGrp="1"/>
+          </p:cNvSpPr>
+          <p:nvPr>
+            <p:ph type="title"/>
+          </p:nvPr>
+        </p:nvSpPr>
+        <p:spPr/>
+        <p:txBody>
+          <a:bodyPr/>
+          <a:lstStyle/>
+          <a:p>
+            <a:r>
+              <a:rPr lang="en-US" dirty="0"/>
+              <a:t>WIPO</a:t>
+            </a:r>
+            <a:endParaRPr lang="en-DE" dirty="0"/>
+          </a:p>
+        </p:txBody>
+      </p:sp>
+      <p:pic>
+        <p:nvPicPr>
+          <p:cNvPr id="6" name="Content Placeholder 5" descr="A graph with blue squares&#10;&#10;Description automatically generated with medium confidence">
+            <a:extLst>
+              <a:ext uri="{FF2B5EF4-FFF2-40B4-BE49-F238E27FC236}">
+                <a16:creationId xmlns:a16="http://schemas.microsoft.com/office/drawing/2014/main" id="{B59F976F-0FF9-CD23-DA00-823CD41175A3}"/>
+              </a:ext>
+            </a:extLst>
+          </p:cNvPr>
+          <p:cNvPicPr>
+            <a:picLocks noGrp="1" noChangeAspect="1"/>
+          </p:cNvPicPr>
+          <p:nvPr>
+            <p:ph idx="1"/>
+          </p:nvPr>
+        </p:nvPicPr>
+        <p:blipFill>
+          <a:blip r:embed="rId2" cstate="print">
+            <a:extLst>
+              <a:ext uri="{28A0092B-C50C-407E-A947-70E740481C1C}">
+                <a14:useLocalDpi xmlns:a14="http://schemas.microsoft.com/office/drawing/2010/main" val="0"/>
+              </a:ext>
+            </a:extLst>
+          </a:blip>
+          <a:stretch>
+            <a:fillRect/>
+          </a:stretch>
+        </p:blipFill>
+        <p:spPr>
+          <a:xfrm>
+            <a:off x="5183188" y="2736787"/>
+            <a:ext cx="6172200" cy="1374900"/>
+          </a:xfrm>
+        </p:spPr>
+      </p:pic>
+      <p:sp>
+        <p:nvSpPr>
+          <p:cNvPr id="4" name="Text Placeholder 3">
+            <a:extLst>
+              <a:ext uri="{FF2B5EF4-FFF2-40B4-BE49-F238E27FC236}">
+                <a16:creationId xmlns:a16="http://schemas.microsoft.com/office/drawing/2014/main" id="{B6B3E347-573E-8418-4C83-C104B4CA332C}"/>
+              </a:ext>
+            </a:extLst>
+          </p:cNvPr>
+          <p:cNvSpPr>
+            <a:spLocks noGrp="1"/>
+          </p:cNvSpPr>
+          <p:nvPr>
+            <p:ph type="body" sz="half" idx="2"/>
+          </p:nvPr>
+        </p:nvSpPr>
+        <p:spPr/>
+        <p:txBody>
+          <a:bodyPr/>
+          <a:lstStyle/>
+          <a:p>
+            <a:endParaRPr lang="en-DE" dirty="0"/>
+          </a:p>
+        </p:txBody>
+      </p:sp>
+    </p:spTree>
+    <p:extLst>
+      <p:ext uri="{BB962C8B-B14F-4D97-AF65-F5344CB8AC3E}">
+        <p14:creationId xmlns:p14="http://schemas.microsoft.com/office/powerpoint/2010/main" val="1780811718"/>
+      </p:ext>
+    </p:extLst>
+  </p:cSld>
+  <p:clrMapOvr>
+    <a:masterClrMapping/>
+  </p:clrMapOvr>
+</p:sld>
+</file>
+
 <file path=ppt/slides/slide2.xml><?xml version="1.0" encoding="utf-8"?>
 <p:sld xmlns:a="http://schemas.openxmlformats.org/drawingml/2006/main" xmlns:r="http://schemas.openxmlformats.org/officeDocument/2006/relationships" xmlns:p="http://schemas.openxmlformats.org/presentationml/2006/main">
   <p:cSld>
@@ -4402,13 +4883,8 @@
             </a:pPr>
             <a:r>
               <a:rPr lang="en-GB" dirty="0"/>
-              <a:t>Most institutes are located in </a:t>
-            </a:r>
-            <a:r>
-              <a:rPr lang="en-GB" err="1"/>
-              <a:t>china</a:t>
-            </a:r>
-            <a:endParaRPr lang="en-GB"/>
+              <a:t>Most institutes are located in China</a:t>
+            </a:r>
           </a:p>
           <a:p>
             <a:pPr marL="285750" indent="-285750">
@@ -4416,23 +4892,7 @@
             </a:pPr>
             <a:r>
               <a:rPr lang="en-GB" dirty="0"/>
-              <a:t>The </a:t>
-            </a:r>
-            <a:r>
-              <a:rPr lang="en-GB" dirty="0" err="1"/>
-              <a:t>chinese</a:t>
-            </a:r>
-            <a:r>
-              <a:rPr lang="en-GB" dirty="0"/>
-              <a:t> academy of sciences (CAS) is listed under three different names, possibly to different translations to </a:t>
-            </a:r>
-            <a:r>
-              <a:rPr lang="en-GB" dirty="0" err="1"/>
-              <a:t>english</a:t>
-            </a:r>
-            <a:r>
-              <a:rPr lang="en-GB" dirty="0"/>
-              <a:t>:</a:t>
+              <a:t>The Chinese Academy of Sciences (CAS) is listed under three different names, possibly to different translations to English:</a:t>
             </a:r>
           </a:p>
           <a:p>
@@ -4838,6 +5298,125 @@
     <p:extLst>
       <p:ext uri="{BB962C8B-B14F-4D97-AF65-F5344CB8AC3E}">
         <p14:creationId xmlns:p14="http://schemas.microsoft.com/office/powerpoint/2010/main" val="2163132736"/>
+      </p:ext>
+    </p:extLst>
+  </p:cSld>
+  <p:clrMapOvr>
+    <a:masterClrMapping/>
+  </p:clrMapOvr>
+</p:sld>
+</file>
+
+<file path=ppt/slides/slide9.xml><?xml version="1.0" encoding="utf-8"?>
+<p:sld xmlns:a="http://schemas.openxmlformats.org/drawingml/2006/main" xmlns:r="http://schemas.openxmlformats.org/officeDocument/2006/relationships" xmlns:p="http://schemas.openxmlformats.org/presentationml/2006/main">
+  <p:cSld>
+    <p:spTree>
+      <p:nvGrpSpPr>
+        <p:cNvPr id="1" name=""/>
+        <p:cNvGrpSpPr/>
+        <p:nvPr/>
+      </p:nvGrpSpPr>
+      <p:grpSpPr>
+        <a:xfrm>
+          <a:off x="0" y="0"/>
+          <a:ext cx="0" cy="0"/>
+          <a:chOff x="0" y="0"/>
+          <a:chExt cx="0" cy="0"/>
+        </a:xfrm>
+      </p:grpSpPr>
+      <p:sp>
+        <p:nvSpPr>
+          <p:cNvPr id="2" name="Title 1">
+            <a:extLst>
+              <a:ext uri="{FF2B5EF4-FFF2-40B4-BE49-F238E27FC236}">
+                <a16:creationId xmlns:a16="http://schemas.microsoft.com/office/drawing/2014/main" id="{2AB2648D-BA5B-91F5-8BC1-12201440757D}"/>
+              </a:ext>
+            </a:extLst>
+          </p:cNvPr>
+          <p:cNvSpPr>
+            <a:spLocks noGrp="1"/>
+          </p:cNvSpPr>
+          <p:nvPr>
+            <p:ph type="title"/>
+          </p:nvPr>
+        </p:nvSpPr>
+        <p:spPr/>
+        <p:txBody>
+          <a:bodyPr/>
+          <a:lstStyle/>
+          <a:p>
+            <a:r>
+              <a:rPr lang="en-US" dirty="0" err="1"/>
+              <a:t>Espacenet</a:t>
+            </a:r>
+            <a:endParaRPr lang="en-DE" dirty="0"/>
+          </a:p>
+        </p:txBody>
+      </p:sp>
+      <p:pic>
+        <p:nvPicPr>
+          <p:cNvPr id="6" name="Content Placeholder 5" descr="A graph with numbers and lines&#10;&#10;Description automatically generated">
+            <a:extLst>
+              <a:ext uri="{FF2B5EF4-FFF2-40B4-BE49-F238E27FC236}">
+                <a16:creationId xmlns:a16="http://schemas.microsoft.com/office/drawing/2014/main" id="{00CEFB6E-7FBC-873C-D07C-D4DA47C2DFA9}"/>
+              </a:ext>
+            </a:extLst>
+          </p:cNvPr>
+          <p:cNvPicPr>
+            <a:picLocks noGrp="1" noChangeAspect="1"/>
+          </p:cNvPicPr>
+          <p:nvPr>
+            <p:ph idx="1"/>
+          </p:nvPr>
+        </p:nvPicPr>
+        <p:blipFill>
+          <a:blip r:embed="rId2">
+            <a:extLst>
+              <a:ext uri="{28A0092B-C50C-407E-A947-70E740481C1C}">
+                <a14:useLocalDpi xmlns:a14="http://schemas.microsoft.com/office/drawing/2010/main" val="0"/>
+              </a:ext>
+            </a:extLst>
+          </a:blip>
+          <a:stretch>
+            <a:fillRect/>
+          </a:stretch>
+        </p:blipFill>
+        <p:spPr>
+          <a:xfrm>
+            <a:off x="5183188" y="1572577"/>
+            <a:ext cx="6172200" cy="3703320"/>
+          </a:xfrm>
+        </p:spPr>
+      </p:pic>
+      <p:sp>
+        <p:nvSpPr>
+          <p:cNvPr id="4" name="Text Placeholder 3">
+            <a:extLst>
+              <a:ext uri="{FF2B5EF4-FFF2-40B4-BE49-F238E27FC236}">
+                <a16:creationId xmlns:a16="http://schemas.microsoft.com/office/drawing/2014/main" id="{8DC21876-0FFB-AD28-4A1F-84768DB132F2}"/>
+              </a:ext>
+            </a:extLst>
+          </p:cNvPr>
+          <p:cNvSpPr>
+            <a:spLocks noGrp="1"/>
+          </p:cNvSpPr>
+          <p:nvPr>
+            <p:ph type="body" sz="half" idx="2"/>
+          </p:nvPr>
+        </p:nvSpPr>
+        <p:spPr/>
+        <p:txBody>
+          <a:bodyPr/>
+          <a:lstStyle/>
+          <a:p>
+            <a:endParaRPr lang="en-DE"/>
+          </a:p>
+        </p:txBody>
+      </p:sp>
+    </p:spTree>
+    <p:extLst>
+      <p:ext uri="{BB962C8B-B14F-4D97-AF65-F5344CB8AC3E}">
+        <p14:creationId xmlns:p14="http://schemas.microsoft.com/office/powerpoint/2010/main" val="233784213"/>
       </p:ext>
     </p:extLst>
   </p:cSld>

--- a/presentation/DataDrivenForesight.pptx
+++ b/presentation/DataDrivenForesight.pptx
@@ -127,6 +127,7 @@
 <file path=ppt/revisionInfo.xml><?xml version="1.0" encoding="utf-8"?>
 <p1510:revInfo xmlns:a="http://schemas.openxmlformats.org/drawingml/2006/main" xmlns:r="http://schemas.openxmlformats.org/officeDocument/2006/relationships" xmlns:p1510="http://schemas.microsoft.com/office/powerpoint/2015/10/main">
   <p1510:revLst>
+    <p1510:client id="{51F9B3D5-8488-FBE2-A0B2-6C7041F5146D}" v="14" dt="2025-01-06T08:52:58.948"/>
     <p1510:client id="{540E3A87-2F00-841D-61E9-926E31F8BBFD}" v="736" dt="2025-01-04T10:53:10.167"/>
   </p1510:revLst>
 </p1510:revInfo>
@@ -263,7 +264,7 @@
           <a:p>
             <a:fld id="{846CE7D5-CF57-46EF-B807-FDD0502418D4}" type="datetimeFigureOut">
               <a:rPr lang="en-GB" smtClean="0"/>
-              <a:t>05/01/2025</a:t>
+              <a:t>06/01/2025</a:t>
             </a:fld>
             <a:endParaRPr lang="en-GB"/>
           </a:p>
@@ -433,7 +434,7 @@
           <a:p>
             <a:fld id="{846CE7D5-CF57-46EF-B807-FDD0502418D4}" type="datetimeFigureOut">
               <a:rPr lang="en-GB" smtClean="0"/>
-              <a:t>05/01/2025</a:t>
+              <a:t>06/01/2025</a:t>
             </a:fld>
             <a:endParaRPr lang="en-GB"/>
           </a:p>
@@ -613,7 +614,7 @@
           <a:p>
             <a:fld id="{846CE7D5-CF57-46EF-B807-FDD0502418D4}" type="datetimeFigureOut">
               <a:rPr lang="en-GB" smtClean="0"/>
-              <a:t>05/01/2025</a:t>
+              <a:t>06/01/2025</a:t>
             </a:fld>
             <a:endParaRPr lang="en-GB"/>
           </a:p>
@@ -783,7 +784,7 @@
           <a:p>
             <a:fld id="{846CE7D5-CF57-46EF-B807-FDD0502418D4}" type="datetimeFigureOut">
               <a:rPr lang="en-GB" smtClean="0"/>
-              <a:t>05/01/2025</a:t>
+              <a:t>06/01/2025</a:t>
             </a:fld>
             <a:endParaRPr lang="en-GB"/>
           </a:p>
@@ -1029,7 +1030,7 @@
           <a:p>
             <a:fld id="{846CE7D5-CF57-46EF-B807-FDD0502418D4}" type="datetimeFigureOut">
               <a:rPr lang="en-GB" smtClean="0"/>
-              <a:t>05/01/2025</a:t>
+              <a:t>06/01/2025</a:t>
             </a:fld>
             <a:endParaRPr lang="en-GB"/>
           </a:p>
@@ -1261,7 +1262,7 @@
           <a:p>
             <a:fld id="{846CE7D5-CF57-46EF-B807-FDD0502418D4}" type="datetimeFigureOut">
               <a:rPr lang="en-GB" smtClean="0"/>
-              <a:t>05/01/2025</a:t>
+              <a:t>06/01/2025</a:t>
             </a:fld>
             <a:endParaRPr lang="en-GB"/>
           </a:p>
@@ -1628,7 +1629,7 @@
           <a:p>
             <a:fld id="{846CE7D5-CF57-46EF-B807-FDD0502418D4}" type="datetimeFigureOut">
               <a:rPr lang="en-GB" smtClean="0"/>
-              <a:t>05/01/2025</a:t>
+              <a:t>06/01/2025</a:t>
             </a:fld>
             <a:endParaRPr lang="en-GB"/>
           </a:p>
@@ -1746,7 +1747,7 @@
           <a:p>
             <a:fld id="{846CE7D5-CF57-46EF-B807-FDD0502418D4}" type="datetimeFigureOut">
               <a:rPr lang="en-GB" smtClean="0"/>
-              <a:t>05/01/2025</a:t>
+              <a:t>06/01/2025</a:t>
             </a:fld>
             <a:endParaRPr lang="en-GB"/>
           </a:p>
@@ -1841,7 +1842,7 @@
           <a:p>
             <a:fld id="{846CE7D5-CF57-46EF-B807-FDD0502418D4}" type="datetimeFigureOut">
               <a:rPr lang="en-GB" smtClean="0"/>
-              <a:t>05/01/2025</a:t>
+              <a:t>06/01/2025</a:t>
             </a:fld>
             <a:endParaRPr lang="en-GB"/>
           </a:p>
@@ -2118,7 +2119,7 @@
           <a:p>
             <a:fld id="{846CE7D5-CF57-46EF-B807-FDD0502418D4}" type="datetimeFigureOut">
               <a:rPr lang="en-GB" smtClean="0"/>
-              <a:t>05/01/2025</a:t>
+              <a:t>06/01/2025</a:t>
             </a:fld>
             <a:endParaRPr lang="en-GB"/>
           </a:p>
@@ -2375,7 +2376,7 @@
           <a:p>
             <a:fld id="{846CE7D5-CF57-46EF-B807-FDD0502418D4}" type="datetimeFigureOut">
               <a:rPr lang="en-GB" smtClean="0"/>
-              <a:t>05/01/2025</a:t>
+              <a:t>06/01/2025</a:t>
             </a:fld>
             <a:endParaRPr lang="en-GB"/>
           </a:p>
@@ -2588,7 +2589,7 @@
           <a:p>
             <a:fld id="{846CE7D5-CF57-46EF-B807-FDD0502418D4}" type="datetimeFigureOut">
               <a:rPr lang="en-GB" smtClean="0"/>
-              <a:t>05/01/2025</a:t>
+              <a:t>06/01/2025</a:t>
             </a:fld>
             <a:endParaRPr lang="en-GB"/>
           </a:p>
@@ -3113,41 +3114,6 @@
           </a:p>
         </p:txBody>
       </p:sp>
-      <p:pic>
-        <p:nvPicPr>
-          <p:cNvPr id="6" name="Content Placeholder 5" descr="A graph with orange line&#10;&#10;Description automatically generated">
-            <a:extLst>
-              <a:ext uri="{FF2B5EF4-FFF2-40B4-BE49-F238E27FC236}">
-                <a16:creationId xmlns:a16="http://schemas.microsoft.com/office/drawing/2014/main" id="{3B06DD3A-2AA8-12A5-CADB-AE91931A3D5D}"/>
-              </a:ext>
-            </a:extLst>
-          </p:cNvPr>
-          <p:cNvPicPr>
-            <a:picLocks noGrp="1" noChangeAspect="1"/>
-          </p:cNvPicPr>
-          <p:nvPr>
-            <p:ph idx="1"/>
-          </p:nvPr>
-        </p:nvPicPr>
-        <p:blipFill>
-          <a:blip r:embed="rId2">
-            <a:extLst>
-              <a:ext uri="{28A0092B-C50C-407E-A947-70E740481C1C}">
-                <a14:useLocalDpi xmlns:a14="http://schemas.microsoft.com/office/drawing/2010/main" val="0"/>
-              </a:ext>
-            </a:extLst>
-          </a:blip>
-          <a:stretch>
-            <a:fillRect/>
-          </a:stretch>
-        </p:blipFill>
-        <p:spPr>
-          <a:xfrm>
-            <a:off x="5183188" y="1572577"/>
-            <a:ext cx="6172200" cy="3703320"/>
-          </a:xfrm>
-        </p:spPr>
-      </p:pic>
       <p:sp>
         <p:nvSpPr>
           <p:cNvPr id="4" name="Text Placeholder 3">
@@ -3173,6 +3139,35 @@
           </a:p>
         </p:txBody>
       </p:sp>
+      <p:pic>
+        <p:nvPicPr>
+          <p:cNvPr id="7" name="Content Placeholder 6" descr="A graph showing the growth of a book&#10;&#10;Description automatically generated">
+            <a:extLst>
+              <a:ext uri="{FF2B5EF4-FFF2-40B4-BE49-F238E27FC236}">
+                <a16:creationId xmlns:a16="http://schemas.microsoft.com/office/drawing/2014/main" id="{19EA9D37-D23E-EE12-4ACB-031C10461D17}"/>
+              </a:ext>
+            </a:extLst>
+          </p:cNvPr>
+          <p:cNvPicPr>
+            <a:picLocks noGrp="1" noChangeAspect="1"/>
+          </p:cNvPicPr>
+          <p:nvPr>
+            <p:ph idx="1"/>
+          </p:nvPr>
+        </p:nvPicPr>
+        <p:blipFill>
+          <a:blip r:embed="rId2"/>
+          <a:stretch>
+            <a:fillRect/>
+          </a:stretch>
+        </p:blipFill>
+        <p:spPr>
+          <a:xfrm>
+            <a:off x="5221288" y="1595437"/>
+            <a:ext cx="6096000" cy="3657600"/>
+          </a:xfrm>
+        </p:spPr>
+      </p:pic>
     </p:spTree>
     <p:extLst>
       <p:ext uri="{BB962C8B-B14F-4D97-AF65-F5344CB8AC3E}">
@@ -3351,41 +3346,6 @@
           </a:p>
         </p:txBody>
       </p:sp>
-      <p:pic>
-        <p:nvPicPr>
-          <p:cNvPr id="6" name="Content Placeholder 5" descr="A graph with blue lines&#10;&#10;Description automatically generated with medium confidence">
-            <a:extLst>
-              <a:ext uri="{FF2B5EF4-FFF2-40B4-BE49-F238E27FC236}">
-                <a16:creationId xmlns:a16="http://schemas.microsoft.com/office/drawing/2014/main" id="{1F093164-2A53-596D-D50E-AC3E9C2EFF2F}"/>
-              </a:ext>
-            </a:extLst>
-          </p:cNvPr>
-          <p:cNvPicPr>
-            <a:picLocks noGrp="1" noChangeAspect="1"/>
-          </p:cNvPicPr>
-          <p:nvPr>
-            <p:ph idx="1"/>
-          </p:nvPr>
-        </p:nvPicPr>
-        <p:blipFill>
-          <a:blip r:embed="rId2" cstate="print">
-            <a:extLst>
-              <a:ext uri="{28A0092B-C50C-407E-A947-70E740481C1C}">
-                <a14:useLocalDpi xmlns:a14="http://schemas.microsoft.com/office/drawing/2010/main" val="0"/>
-              </a:ext>
-            </a:extLst>
-          </a:blip>
-          <a:stretch>
-            <a:fillRect/>
-          </a:stretch>
-        </p:blipFill>
-        <p:spPr>
-          <a:xfrm>
-            <a:off x="5183188" y="2738438"/>
-            <a:ext cx="6172200" cy="1371599"/>
-          </a:xfrm>
-        </p:spPr>
-      </p:pic>
       <p:sp>
         <p:nvSpPr>
           <p:cNvPr id="4" name="Text Placeholder 3">
@@ -3411,6 +3371,35 @@
           </a:p>
         </p:txBody>
       </p:sp>
+      <p:pic>
+        <p:nvPicPr>
+          <p:cNvPr id="7" name="Content Placeholder 6" descr="A graph of blue and white bars&#10;&#10;Description automatically generated">
+            <a:extLst>
+              <a:ext uri="{FF2B5EF4-FFF2-40B4-BE49-F238E27FC236}">
+                <a16:creationId xmlns:a16="http://schemas.microsoft.com/office/drawing/2014/main" id="{28E7E884-2B3B-27CF-FF3A-73A149F825F9}"/>
+              </a:ext>
+            </a:extLst>
+          </p:cNvPr>
+          <p:cNvPicPr>
+            <a:picLocks noGrp="1" noChangeAspect="1"/>
+          </p:cNvPicPr>
+          <p:nvPr>
+            <p:ph idx="1"/>
+          </p:nvPr>
+        </p:nvPicPr>
+        <p:blipFill>
+          <a:blip r:embed="rId2"/>
+          <a:stretch>
+            <a:fillRect/>
+          </a:stretch>
+        </p:blipFill>
+        <p:spPr>
+          <a:xfrm>
+            <a:off x="5221288" y="1595437"/>
+            <a:ext cx="6096000" cy="3657600"/>
+          </a:xfrm>
+        </p:spPr>
+      </p:pic>
     </p:spTree>
     <p:extLst>
       <p:ext uri="{BB962C8B-B14F-4D97-AF65-F5344CB8AC3E}">
@@ -3470,41 +3459,6 @@
           </a:p>
         </p:txBody>
       </p:sp>
-      <p:pic>
-        <p:nvPicPr>
-          <p:cNvPr id="6" name="Content Placeholder 5" descr="A graph with blue squares&#10;&#10;Description automatically generated with medium confidence">
-            <a:extLst>
-              <a:ext uri="{FF2B5EF4-FFF2-40B4-BE49-F238E27FC236}">
-                <a16:creationId xmlns:a16="http://schemas.microsoft.com/office/drawing/2014/main" id="{B59F976F-0FF9-CD23-DA00-823CD41175A3}"/>
-              </a:ext>
-            </a:extLst>
-          </p:cNvPr>
-          <p:cNvPicPr>
-            <a:picLocks noGrp="1" noChangeAspect="1"/>
-          </p:cNvPicPr>
-          <p:nvPr>
-            <p:ph idx="1"/>
-          </p:nvPr>
-        </p:nvPicPr>
-        <p:blipFill>
-          <a:blip r:embed="rId2" cstate="print">
-            <a:extLst>
-              <a:ext uri="{28A0092B-C50C-407E-A947-70E740481C1C}">
-                <a14:useLocalDpi xmlns:a14="http://schemas.microsoft.com/office/drawing/2010/main" val="0"/>
-              </a:ext>
-            </a:extLst>
-          </a:blip>
-          <a:stretch>
-            <a:fillRect/>
-          </a:stretch>
-        </p:blipFill>
-        <p:spPr>
-          <a:xfrm>
-            <a:off x="5183188" y="2736787"/>
-            <a:ext cx="6172200" cy="1374900"/>
-          </a:xfrm>
-        </p:spPr>
-      </p:pic>
       <p:sp>
         <p:nvSpPr>
           <p:cNvPr id="4" name="Text Placeholder 3">
@@ -3530,6 +3484,35 @@
           </a:p>
         </p:txBody>
       </p:sp>
+      <p:pic>
+        <p:nvPicPr>
+          <p:cNvPr id="7" name="Content Placeholder 6" descr="A graph showing the number of patentes&#10;&#10;Description automatically generated">
+            <a:extLst>
+              <a:ext uri="{FF2B5EF4-FFF2-40B4-BE49-F238E27FC236}">
+                <a16:creationId xmlns:a16="http://schemas.microsoft.com/office/drawing/2014/main" id="{32121764-E93C-8100-8E7A-17DFC621D7B6}"/>
+              </a:ext>
+            </a:extLst>
+          </p:cNvPr>
+          <p:cNvPicPr>
+            <a:picLocks noGrp="1" noChangeAspect="1"/>
+          </p:cNvPicPr>
+          <p:nvPr>
+            <p:ph idx="1"/>
+          </p:nvPr>
+        </p:nvPicPr>
+        <p:blipFill>
+          <a:blip r:embed="rId2"/>
+          <a:stretch>
+            <a:fillRect/>
+          </a:stretch>
+        </p:blipFill>
+        <p:spPr>
+          <a:xfrm>
+            <a:off x="5221288" y="1595437"/>
+            <a:ext cx="6096000" cy="3657600"/>
+          </a:xfrm>
+        </p:spPr>
+      </p:pic>
     </p:spTree>
     <p:extLst>
       <p:ext uri="{BB962C8B-B14F-4D97-AF65-F5344CB8AC3E}">
@@ -5353,41 +5336,6 @@
           </a:p>
         </p:txBody>
       </p:sp>
-      <p:pic>
-        <p:nvPicPr>
-          <p:cNvPr id="6" name="Content Placeholder 5" descr="A graph with numbers and lines&#10;&#10;Description automatically generated">
-            <a:extLst>
-              <a:ext uri="{FF2B5EF4-FFF2-40B4-BE49-F238E27FC236}">
-                <a16:creationId xmlns:a16="http://schemas.microsoft.com/office/drawing/2014/main" id="{00CEFB6E-7FBC-873C-D07C-D4DA47C2DFA9}"/>
-              </a:ext>
-            </a:extLst>
-          </p:cNvPr>
-          <p:cNvPicPr>
-            <a:picLocks noGrp="1" noChangeAspect="1"/>
-          </p:cNvPicPr>
-          <p:nvPr>
-            <p:ph idx="1"/>
-          </p:nvPr>
-        </p:nvPicPr>
-        <p:blipFill>
-          <a:blip r:embed="rId2">
-            <a:extLst>
-              <a:ext uri="{28A0092B-C50C-407E-A947-70E740481C1C}">
-                <a14:useLocalDpi xmlns:a14="http://schemas.microsoft.com/office/drawing/2010/main" val="0"/>
-              </a:ext>
-            </a:extLst>
-          </a:blip>
-          <a:stretch>
-            <a:fillRect/>
-          </a:stretch>
-        </p:blipFill>
-        <p:spPr>
-          <a:xfrm>
-            <a:off x="5183188" y="1572577"/>
-            <a:ext cx="6172200" cy="3703320"/>
-          </a:xfrm>
-        </p:spPr>
-      </p:pic>
       <p:sp>
         <p:nvSpPr>
           <p:cNvPr id="4" name="Text Placeholder 3">
@@ -5413,6 +5361,35 @@
           </a:p>
         </p:txBody>
       </p:sp>
+      <p:pic>
+        <p:nvPicPr>
+          <p:cNvPr id="10" name="Content Placeholder 9" descr="A graph of a bar graph&#10;&#10;Description automatically generated">
+            <a:extLst>
+              <a:ext uri="{FF2B5EF4-FFF2-40B4-BE49-F238E27FC236}">
+                <a16:creationId xmlns:a16="http://schemas.microsoft.com/office/drawing/2014/main" id="{B9389AA9-7EC0-A736-18AF-F9E6C5DCF848}"/>
+              </a:ext>
+            </a:extLst>
+          </p:cNvPr>
+          <p:cNvPicPr>
+            <a:picLocks noGrp="1" noChangeAspect="1"/>
+          </p:cNvPicPr>
+          <p:nvPr>
+            <p:ph idx="1"/>
+          </p:nvPr>
+        </p:nvPicPr>
+        <p:blipFill>
+          <a:blip r:embed="rId2"/>
+          <a:stretch>
+            <a:fillRect/>
+          </a:stretch>
+        </p:blipFill>
+        <p:spPr>
+          <a:xfrm>
+            <a:off x="5221288" y="1595437"/>
+            <a:ext cx="6096000" cy="3657600"/>
+          </a:xfrm>
+        </p:spPr>
+      </p:pic>
     </p:spTree>
     <p:extLst>
       <p:ext uri="{BB962C8B-B14F-4D97-AF65-F5344CB8AC3E}">

--- a/presentation/DataDrivenForesight.pptx
+++ b/presentation/DataDrivenForesight.pptx
@@ -18,6 +18,7 @@
     <p:sldId id="268" r:id="rId12"/>
     <p:sldId id="269" r:id="rId13"/>
     <p:sldId id="270" r:id="rId14"/>
+    <p:sldId id="271" r:id="rId15"/>
   </p:sldIdLst>
   <p:sldSz cx="12192000" cy="6858000"/>
   <p:notesSz cx="6858000" cy="9144000"/>
@@ -127,8 +128,8 @@
 <file path=ppt/revisionInfo.xml><?xml version="1.0" encoding="utf-8"?>
 <p1510:revInfo xmlns:a="http://schemas.openxmlformats.org/drawingml/2006/main" xmlns:r="http://schemas.openxmlformats.org/officeDocument/2006/relationships" xmlns:p1510="http://schemas.microsoft.com/office/powerpoint/2015/10/main">
   <p1510:revLst>
-    <p1510:client id="{51F9B3D5-8488-FBE2-A0B2-6C7041F5146D}" v="14" dt="2025-01-06T08:52:58.948"/>
-    <p1510:client id="{540E3A87-2F00-841D-61E9-926E31F8BBFD}" v="736" dt="2025-01-04T10:53:10.167"/>
+    <p1510:client id="{51F9B3D5-8488-FBE2-A0B2-6C7041F5146D}" v="18" dt="2025-01-06T08:55:25.624"/>
+    <p1510:client id="{FD523F67-A01E-BEE9-25A9-635C9EDD590C}" v="923" dt="2025-01-06T16:03:35.428"/>
   </p1510:revLst>
 </p1510:revInfo>
 </file>
@@ -306,7 +307,7 @@
           <a:p>
             <a:fld id="{330EA680-D336-4FF7-8B7A-9848BB0A1C32}" type="slidenum">
               <a:rPr lang="en-GB" smtClean="0"/>
-              <a:t>‹#›</a:t>
+              <a:t>‹Nr.›</a:t>
             </a:fld>
             <a:endParaRPr lang="en-GB"/>
           </a:p>
@@ -476,7 +477,7 @@
           <a:p>
             <a:fld id="{330EA680-D336-4FF7-8B7A-9848BB0A1C32}" type="slidenum">
               <a:rPr lang="en-GB" smtClean="0"/>
-              <a:t>‹#›</a:t>
+              <a:t>‹Nr.›</a:t>
             </a:fld>
             <a:endParaRPr lang="en-GB"/>
           </a:p>
@@ -656,7 +657,7 @@
           <a:p>
             <a:fld id="{330EA680-D336-4FF7-8B7A-9848BB0A1C32}" type="slidenum">
               <a:rPr lang="en-GB" smtClean="0"/>
-              <a:t>‹#›</a:t>
+              <a:t>‹Nr.›</a:t>
             </a:fld>
             <a:endParaRPr lang="en-GB"/>
           </a:p>
@@ -826,7 +827,7 @@
           <a:p>
             <a:fld id="{330EA680-D336-4FF7-8B7A-9848BB0A1C32}" type="slidenum">
               <a:rPr lang="en-GB" smtClean="0"/>
-              <a:t>‹#›</a:t>
+              <a:t>‹Nr.›</a:t>
             </a:fld>
             <a:endParaRPr lang="en-GB"/>
           </a:p>
@@ -1072,7 +1073,7 @@
           <a:p>
             <a:fld id="{330EA680-D336-4FF7-8B7A-9848BB0A1C32}" type="slidenum">
               <a:rPr lang="en-GB" smtClean="0"/>
-              <a:t>‹#›</a:t>
+              <a:t>‹Nr.›</a:t>
             </a:fld>
             <a:endParaRPr lang="en-GB"/>
           </a:p>
@@ -1304,7 +1305,7 @@
           <a:p>
             <a:fld id="{330EA680-D336-4FF7-8B7A-9848BB0A1C32}" type="slidenum">
               <a:rPr lang="en-GB" smtClean="0"/>
-              <a:t>‹#›</a:t>
+              <a:t>‹Nr.›</a:t>
             </a:fld>
             <a:endParaRPr lang="en-GB"/>
           </a:p>
@@ -1671,7 +1672,7 @@
           <a:p>
             <a:fld id="{330EA680-D336-4FF7-8B7A-9848BB0A1C32}" type="slidenum">
               <a:rPr lang="en-GB" smtClean="0"/>
-              <a:t>‹#›</a:t>
+              <a:t>‹Nr.›</a:t>
             </a:fld>
             <a:endParaRPr lang="en-GB"/>
           </a:p>
@@ -1789,7 +1790,7 @@
           <a:p>
             <a:fld id="{330EA680-D336-4FF7-8B7A-9848BB0A1C32}" type="slidenum">
               <a:rPr lang="en-GB" smtClean="0"/>
-              <a:t>‹#›</a:t>
+              <a:t>‹Nr.›</a:t>
             </a:fld>
             <a:endParaRPr lang="en-GB"/>
           </a:p>
@@ -1884,7 +1885,7 @@
           <a:p>
             <a:fld id="{330EA680-D336-4FF7-8B7A-9848BB0A1C32}" type="slidenum">
               <a:rPr lang="en-GB" smtClean="0"/>
-              <a:t>‹#›</a:t>
+              <a:t>‹Nr.›</a:t>
             </a:fld>
             <a:endParaRPr lang="en-GB"/>
           </a:p>
@@ -2161,7 +2162,7 @@
           <a:p>
             <a:fld id="{330EA680-D336-4FF7-8B7A-9848BB0A1C32}" type="slidenum">
               <a:rPr lang="en-GB" smtClean="0"/>
-              <a:t>‹#›</a:t>
+              <a:t>‹Nr.›</a:t>
             </a:fld>
             <a:endParaRPr lang="en-GB"/>
           </a:p>
@@ -2418,7 +2419,7 @@
           <a:p>
             <a:fld id="{330EA680-D336-4FF7-8B7A-9848BB0A1C32}" type="slidenum">
               <a:rPr lang="en-GB" smtClean="0"/>
-              <a:t>‹#›</a:t>
+              <a:t>‹Nr.›</a:t>
             </a:fld>
             <a:endParaRPr lang="en-GB"/>
           </a:p>
@@ -2667,7 +2668,7 @@
           <a:p>
             <a:fld id="{330EA680-D336-4FF7-8B7A-9848BB0A1C32}" type="slidenum">
               <a:rPr lang="en-GB" smtClean="0"/>
-              <a:t>‹#›</a:t>
+              <a:t>‹Nr.›</a:t>
             </a:fld>
             <a:endParaRPr lang="en-GB"/>
           </a:p>
@@ -3168,6 +3169,140 @@
           </a:xfrm>
         </p:spPr>
       </p:pic>
+      <p:sp>
+        <p:nvSpPr>
+          <p:cNvPr id="3" name="Textfeld 2">
+            <a:extLst>
+              <a:ext uri="{FF2B5EF4-FFF2-40B4-BE49-F238E27FC236}">
+                <a16:creationId xmlns:a16="http://schemas.microsoft.com/office/drawing/2014/main" id="{99B88837-E2FE-A893-9E97-7F7FEF4938FC}"/>
+              </a:ext>
+            </a:extLst>
+          </p:cNvPr>
+          <p:cNvSpPr txBox="1"/>
+          <p:nvPr/>
+        </p:nvSpPr>
+        <p:spPr>
+          <a:xfrm>
+            <a:off x="1749126" y="3321856"/>
+            <a:ext cx="3265714" cy="369332"/>
+          </a:xfrm>
+          <a:prstGeom prst="rect">
+            <a:avLst/>
+          </a:prstGeom>
+          <a:noFill/>
+        </p:spPr>
+        <p:txBody>
+          <a:bodyPr rot="0" spcFirstLastPara="0" vertOverflow="overflow" horzOverflow="overflow" vert="horz" wrap="square" lIns="91440" tIns="45720" rIns="91440" bIns="45720" numCol="1" spcCol="0" rtlCol="0" fromWordArt="0" anchor="t" anchorCtr="0" forceAA="0" compatLnSpc="1">
+            <a:prstTxWarp prst="textNoShape">
+              <a:avLst/>
+            </a:prstTxWarp>
+            <a:spAutoFit/>
+          </a:bodyPr>
+          <a:lstStyle/>
+          <a:p>
+            <a:r>
+              <a:rPr lang="de-DE" dirty="0">
+                <a:solidFill>
+                  <a:srgbClr val="FF0000"/>
+                </a:solidFill>
+              </a:rPr>
+              <a:t>Warum Daten vor 2015? </a:t>
+            </a:r>
+          </a:p>
+        </p:txBody>
+      </p:sp>
+      <p:sp>
+        <p:nvSpPr>
+          <p:cNvPr id="5" name="Textfeld 4">
+            <a:extLst>
+              <a:ext uri="{FF2B5EF4-FFF2-40B4-BE49-F238E27FC236}">
+                <a16:creationId xmlns:a16="http://schemas.microsoft.com/office/drawing/2014/main" id="{7E388F70-DC19-C63B-C5DD-9939BF3A9210}"/>
+              </a:ext>
+            </a:extLst>
+          </p:cNvPr>
+          <p:cNvSpPr txBox="1"/>
+          <p:nvPr/>
+        </p:nvSpPr>
+        <p:spPr>
+          <a:xfrm>
+            <a:off x="5547731" y="5380961"/>
+            <a:ext cx="4293053" cy="369332"/>
+          </a:xfrm>
+          <a:prstGeom prst="rect">
+            <a:avLst/>
+          </a:prstGeom>
+          <a:noFill/>
+        </p:spPr>
+        <p:txBody>
+          <a:bodyPr rot="0" spcFirstLastPara="0" vertOverflow="overflow" horzOverflow="overflow" vert="horz" wrap="square" lIns="91440" tIns="45720" rIns="91440" bIns="45720" numCol="1" spcCol="0" rtlCol="0" fromWordArt="0" anchor="t" anchorCtr="0" forceAA="0" compatLnSpc="1">
+            <a:prstTxWarp prst="textNoShape">
+              <a:avLst/>
+            </a:prstTxWarp>
+            <a:spAutoFit/>
+          </a:bodyPr>
+          <a:lstStyle/>
+          <a:p>
+            <a:r>
+              <a:rPr lang="de-DE" dirty="0">
+                <a:solidFill>
+                  <a:srgbClr val="FF0000"/>
+                </a:solidFill>
+              </a:rPr>
+              <a:t>X-Achse Major/Minor Ticks (Georg)</a:t>
+            </a:r>
+          </a:p>
+        </p:txBody>
+      </p:sp>
+      <p:sp>
+        <p:nvSpPr>
+          <p:cNvPr id="6" name="Textfeld 5">
+            <a:extLst>
+              <a:ext uri="{FF2B5EF4-FFF2-40B4-BE49-F238E27FC236}">
+                <a16:creationId xmlns:a16="http://schemas.microsoft.com/office/drawing/2014/main" id="{04763C24-0F1C-6ED9-C263-605C9DE2CF33}"/>
+              </a:ext>
+            </a:extLst>
+          </p:cNvPr>
+          <p:cNvSpPr txBox="1"/>
+          <p:nvPr/>
+        </p:nvSpPr>
+        <p:spPr>
+          <a:xfrm>
+            <a:off x="5548947" y="5869213"/>
+            <a:ext cx="3816803" cy="646331"/>
+          </a:xfrm>
+          <a:prstGeom prst="rect">
+            <a:avLst/>
+          </a:prstGeom>
+          <a:noFill/>
+        </p:spPr>
+        <p:txBody>
+          <a:bodyPr rot="0" spcFirstLastPara="0" vertOverflow="overflow" horzOverflow="overflow" vert="horz" wrap="square" lIns="91440" tIns="45720" rIns="91440" bIns="45720" numCol="1" spcCol="0" rtlCol="0" fromWordArt="0" anchor="t" anchorCtr="0" forceAA="0" compatLnSpc="1">
+            <a:prstTxWarp prst="textNoShape">
+              <a:avLst/>
+            </a:prstTxWarp>
+            <a:spAutoFit/>
+          </a:bodyPr>
+          <a:lstStyle/>
+          <a:p>
+            <a:r>
+              <a:rPr lang="de-DE" dirty="0">
+                <a:solidFill>
+                  <a:srgbClr val="FF0000"/>
+                </a:solidFill>
+              </a:rPr>
+              <a:t>Vergleich mit Publikationsdaten, </a:t>
+            </a:r>
+            <a:r>
+              <a:rPr lang="de-DE">
+                <a:solidFill>
+                  <a:srgbClr val="FF0000"/>
+                </a:solidFill>
+              </a:rPr>
+              <a:t>auch vor 2015</a:t>
+            </a:r>
+          </a:p>
+        </p:txBody>
+      </p:sp>
     </p:spTree>
     <p:extLst>
       <p:ext uri="{BB962C8B-B14F-4D97-AF65-F5344CB8AC3E}">
@@ -3257,8 +3392,8 @@
         </p:blipFill>
         <p:spPr>
           <a:xfrm>
-            <a:off x="5225609" y="2499396"/>
-            <a:ext cx="6172200" cy="1387771"/>
+            <a:off x="-312830" y="2499396"/>
+            <a:ext cx="11710639" cy="2632990"/>
           </a:xfrm>
         </p:spPr>
       </p:pic>
@@ -3284,6 +3419,48 @@
           <a:lstStyle/>
           <a:p>
             <a:endParaRPr lang="en-DE"/>
+          </a:p>
+        </p:txBody>
+      </p:sp>
+      <p:sp>
+        <p:nvSpPr>
+          <p:cNvPr id="3" name="Textfeld 2">
+            <a:extLst>
+              <a:ext uri="{FF2B5EF4-FFF2-40B4-BE49-F238E27FC236}">
+                <a16:creationId xmlns:a16="http://schemas.microsoft.com/office/drawing/2014/main" id="{8F97CCA7-EE85-DE8E-AC2C-A412E11936F7}"/>
+              </a:ext>
+            </a:extLst>
+          </p:cNvPr>
+          <p:cNvSpPr txBox="1"/>
+          <p:nvPr/>
+        </p:nvSpPr>
+        <p:spPr>
+          <a:xfrm>
+            <a:off x="6170839" y="5572125"/>
+            <a:ext cx="4082142" cy="369332"/>
+          </a:xfrm>
+          <a:prstGeom prst="rect">
+            <a:avLst/>
+          </a:prstGeom>
+          <a:noFill/>
+        </p:spPr>
+        <p:txBody>
+          <a:bodyPr rot="0" spcFirstLastPara="0" vertOverflow="overflow" horzOverflow="overflow" vert="horz" wrap="square" lIns="91440" tIns="45720" rIns="91440" bIns="45720" numCol="1" spcCol="0" rtlCol="0" fromWordArt="0" anchor="t" anchorCtr="0" forceAA="0" compatLnSpc="1">
+            <a:prstTxWarp prst="textNoShape">
+              <a:avLst/>
+            </a:prstTxWarp>
+            <a:spAutoFit/>
+          </a:bodyPr>
+          <a:lstStyle/>
+          <a:p>
+            <a:r>
+              <a:rPr lang="de-DE" dirty="0">
+                <a:solidFill>
+                  <a:srgbClr val="FF0000"/>
+                </a:solidFill>
+              </a:rPr>
+              <a:t>IPC Codes (?)</a:t>
+            </a:r>
           </a:p>
         </p:txBody>
       </p:sp>
@@ -3364,10 +3541,23 @@
         </p:nvSpPr>
         <p:spPr/>
         <p:txBody>
-          <a:bodyPr/>
-          <a:lstStyle/>
-          <a:p>
-            <a:endParaRPr lang="en-DE"/>
+          <a:bodyPr vert="horz" lIns="91440" tIns="45720" rIns="91440" bIns="45720" rtlCol="0" anchor="t">
+            <a:normAutofit/>
+          </a:bodyPr>
+          <a:lstStyle/>
+          <a:p>
+            <a:pPr marL="285750" indent="-285750">
+              <a:buChar char="•"/>
+            </a:pPr>
+            <a:r>
+              <a:rPr lang="en-DE" dirty="0"/>
+              <a:t>WIPO additionally manages the rights to 605 international patents (not shown </a:t>
+            </a:r>
+            <a:r>
+              <a:rPr lang="en-DE"/>
+              <a:t>in graph)</a:t>
+            </a:r>
+            <a:endParaRPr lang="en-DE" dirty="0"/>
           </a:p>
         </p:txBody>
       </p:sp>
@@ -3400,6 +3590,61 @@
           </a:xfrm>
         </p:spPr>
       </p:pic>
+      <p:sp>
+        <p:nvSpPr>
+          <p:cNvPr id="3" name="Textfeld 2">
+            <a:extLst>
+              <a:ext uri="{FF2B5EF4-FFF2-40B4-BE49-F238E27FC236}">
+                <a16:creationId xmlns:a16="http://schemas.microsoft.com/office/drawing/2014/main" id="{EE654DBD-9C9F-7792-2F9B-8D0FD2B9BF5F}"/>
+              </a:ext>
+            </a:extLst>
+          </p:cNvPr>
+          <p:cNvSpPr txBox="1"/>
+          <p:nvPr/>
+        </p:nvSpPr>
+        <p:spPr>
+          <a:xfrm>
+            <a:off x="5651887" y="5417744"/>
+            <a:ext cx="3510642" cy="369332"/>
+          </a:xfrm>
+          <a:prstGeom prst="rect">
+            <a:avLst/>
+          </a:prstGeom>
+          <a:noFill/>
+        </p:spPr>
+        <p:txBody>
+          <a:bodyPr rot="0" spcFirstLastPara="0" vertOverflow="overflow" horzOverflow="overflow" vert="horz" wrap="square" lIns="91440" tIns="45720" rIns="91440" bIns="45720" numCol="1" spcCol="0" rtlCol="0" fromWordArt="0" anchor="t" anchorCtr="0" forceAA="0" compatLnSpc="1">
+            <a:prstTxWarp prst="textNoShape">
+              <a:avLst/>
+            </a:prstTxWarp>
+            <a:spAutoFit/>
+          </a:bodyPr>
+          <a:lstStyle/>
+          <a:p>
+            <a:r>
+              <a:rPr lang="de-DE" dirty="0">
+                <a:solidFill>
+                  <a:srgbClr val="FF0000"/>
+                </a:solidFill>
+              </a:rPr>
+              <a:t>Vergleich mit </a:t>
+            </a:r>
+            <a:r>
+              <a:rPr lang="de-DE" err="1">
+                <a:solidFill>
+                  <a:srgbClr val="FF0000"/>
+                </a:solidFill>
+              </a:rPr>
+              <a:t>Espacenet</a:t>
+            </a:r>
+            <a:endParaRPr lang="de-DE">
+              <a:solidFill>
+                <a:srgbClr val="FF0000"/>
+              </a:solidFill>
+            </a:endParaRPr>
+          </a:p>
+        </p:txBody>
+      </p:sp>
     </p:spTree>
     <p:extLst>
       <p:ext uri="{BB962C8B-B14F-4D97-AF65-F5344CB8AC3E}">
@@ -3513,10 +3758,148 @@
           </a:xfrm>
         </p:spPr>
       </p:pic>
+      <p:sp>
+        <p:nvSpPr>
+          <p:cNvPr id="5" name="Textfeld 4">
+            <a:extLst>
+              <a:ext uri="{FF2B5EF4-FFF2-40B4-BE49-F238E27FC236}">
+                <a16:creationId xmlns:a16="http://schemas.microsoft.com/office/drawing/2014/main" id="{95B7076F-BE07-C16A-E0EA-63DC64B2E388}"/>
+              </a:ext>
+            </a:extLst>
+          </p:cNvPr>
+          <p:cNvSpPr txBox="1"/>
+          <p:nvPr/>
+        </p:nvSpPr>
+        <p:spPr>
+          <a:xfrm>
+            <a:off x="5651887" y="5417744"/>
+            <a:ext cx="3510642" cy="369332"/>
+          </a:xfrm>
+          <a:prstGeom prst="rect">
+            <a:avLst/>
+          </a:prstGeom>
+          <a:noFill/>
+        </p:spPr>
+        <p:txBody>
+          <a:bodyPr rot="0" spcFirstLastPara="0" vertOverflow="overflow" horzOverflow="overflow" vert="horz" wrap="square" lIns="91440" tIns="45720" rIns="91440" bIns="45720" numCol="1" spcCol="0" rtlCol="0" fromWordArt="0" anchor="t" anchorCtr="0" forceAA="0" compatLnSpc="1">
+            <a:prstTxWarp prst="textNoShape">
+              <a:avLst/>
+            </a:prstTxWarp>
+            <a:spAutoFit/>
+          </a:bodyPr>
+          <a:lstStyle/>
+          <a:p>
+            <a:r>
+              <a:rPr lang="de-DE" dirty="0">
+                <a:solidFill>
+                  <a:srgbClr val="FF0000"/>
+                </a:solidFill>
+              </a:rPr>
+              <a:t>Vergleich mit </a:t>
+            </a:r>
+            <a:r>
+              <a:rPr lang="de-DE" err="1">
+                <a:solidFill>
+                  <a:srgbClr val="FF0000"/>
+                </a:solidFill>
+              </a:rPr>
+              <a:t>Espacenet</a:t>
+            </a:r>
+            <a:endParaRPr lang="de-DE">
+              <a:solidFill>
+                <a:srgbClr val="FF0000"/>
+              </a:solidFill>
+            </a:endParaRPr>
+          </a:p>
+        </p:txBody>
+      </p:sp>
     </p:spTree>
     <p:extLst>
       <p:ext uri="{BB962C8B-B14F-4D97-AF65-F5344CB8AC3E}">
         <p14:creationId xmlns:p14="http://schemas.microsoft.com/office/powerpoint/2010/main" val="1780811718"/>
+      </p:ext>
+    </p:extLst>
+  </p:cSld>
+  <p:clrMapOvr>
+    <a:masterClrMapping/>
+  </p:clrMapOvr>
+</p:sld>
+</file>
+
+<file path=ppt/slides/slide14.xml><?xml version="1.0" encoding="utf-8"?>
+<p:sld xmlns:a="http://schemas.openxmlformats.org/drawingml/2006/main" xmlns:r="http://schemas.openxmlformats.org/officeDocument/2006/relationships" xmlns:p="http://schemas.openxmlformats.org/presentationml/2006/main">
+  <p:cSld>
+    <p:spTree>
+      <p:nvGrpSpPr>
+        <p:cNvPr id="1" name=""/>
+        <p:cNvGrpSpPr/>
+        <p:nvPr/>
+      </p:nvGrpSpPr>
+      <p:grpSpPr>
+        <a:xfrm>
+          <a:off x="0" y="0"/>
+          <a:ext cx="0" cy="0"/>
+          <a:chOff x="0" y="0"/>
+          <a:chExt cx="0" cy="0"/>
+        </a:xfrm>
+      </p:grpSpPr>
+      <p:sp>
+        <p:nvSpPr>
+          <p:cNvPr id="2" name="Titel 1">
+            <a:extLst>
+              <a:ext uri="{FF2B5EF4-FFF2-40B4-BE49-F238E27FC236}">
+                <a16:creationId xmlns:a16="http://schemas.microsoft.com/office/drawing/2014/main" id="{C16490C6-193D-122B-4565-06AD1D2AF218}"/>
+              </a:ext>
+            </a:extLst>
+          </p:cNvPr>
+          <p:cNvSpPr>
+            <a:spLocks noGrp="1"/>
+          </p:cNvSpPr>
+          <p:nvPr>
+            <p:ph type="title"/>
+          </p:nvPr>
+        </p:nvSpPr>
+        <p:spPr/>
+        <p:txBody>
+          <a:bodyPr/>
+          <a:lstStyle/>
+          <a:p>
+            <a:r>
+              <a:rPr lang="de-DE" dirty="0"/>
+              <a:t>Summary</a:t>
+            </a:r>
+          </a:p>
+        </p:txBody>
+      </p:sp>
+      <p:sp>
+        <p:nvSpPr>
+          <p:cNvPr id="3" name="Inhaltsplatzhalter 2">
+            <a:extLst>
+              <a:ext uri="{FF2B5EF4-FFF2-40B4-BE49-F238E27FC236}">
+                <a16:creationId xmlns:a16="http://schemas.microsoft.com/office/drawing/2014/main" id="{89E36CB5-CFDD-D18D-B31B-2501F85DCB3E}"/>
+              </a:ext>
+            </a:extLst>
+          </p:cNvPr>
+          <p:cNvSpPr>
+            <a:spLocks noGrp="1"/>
+          </p:cNvSpPr>
+          <p:nvPr>
+            <p:ph idx="1"/>
+          </p:nvPr>
+        </p:nvSpPr>
+        <p:spPr/>
+        <p:txBody>
+          <a:bodyPr/>
+          <a:lstStyle/>
+          <a:p>
+            <a:endParaRPr lang="de-DE"/>
+          </a:p>
+        </p:txBody>
+      </p:sp>
+    </p:spTree>
+    <p:extLst>
+      <p:ext uri="{BB962C8B-B14F-4D97-AF65-F5344CB8AC3E}">
+        <p14:creationId xmlns:p14="http://schemas.microsoft.com/office/powerpoint/2010/main" val="2724192011"/>
       </p:ext>
     </p:extLst>
   </p:cSld>
@@ -4045,6 +4428,19 @@
               </a:rPr>
               <a:t> "performance")  </a:t>
             </a:r>
+            <a:endParaRPr lang="en-GB" sz="1400" dirty="0">
+              <a:solidFill>
+                <a:srgbClr val="000000"/>
+              </a:solidFill>
+              <a:latin typeface="Aptos" panose="020B0004020202020204"/>
+              <a:ea typeface="+mn-lt"/>
+              <a:cs typeface="+mn-lt"/>
+            </a:endParaRPr>
+          </a:p>
+          <a:p>
+            <a:pPr marL="0" indent="0">
+              <a:buNone/>
+            </a:pPr>
             <a:r>
               <a:rPr lang="en-GB" sz="1400" b="1" dirty="0">
                 <a:solidFill>
@@ -4054,7 +4450,7 @@
                 <a:ea typeface="+mn-lt"/>
                 <a:cs typeface="+mn-lt"/>
               </a:rPr>
-              <a:t>NOT</a:t>
+              <a:t>  NOT</a:t>
             </a:r>
             <a:r>
               <a:rPr lang="en-GB" sz="1400" dirty="0">
@@ -4073,7 +4469,7 @@
                 <a:ea typeface="+mn-lt"/>
                 <a:cs typeface="+mn-lt"/>
               </a:rPr>
-              <a:t>  OR</a:t>
+              <a:t>OR</a:t>
             </a:r>
             <a:r>
               <a:rPr lang="en-GB" sz="1400" dirty="0">
@@ -4149,6 +4545,25 @@
                 <a:ea typeface="+mn-lt"/>
                 <a:cs typeface="+mn-lt"/>
               </a:rPr>
+              <a:t> OR</a:t>
+            </a:r>
+            <a:r>
+              <a:rPr lang="en-GB" sz="1400" dirty="0">
+                <a:latin typeface="Lucida Console"/>
+                <a:ea typeface="+mn-lt"/>
+                <a:cs typeface="+mn-lt"/>
+              </a:rPr>
+              <a:t> "wound heal*" </a:t>
+            </a:r>
+            <a:r>
+              <a:rPr lang="en-GB" sz="1400" b="1" dirty="0">
+                <a:solidFill>
+                  <a:srgbClr val="000080"/>
+                </a:solidFill>
+                <a:latin typeface="Lucida Console"/>
+                <a:ea typeface="+mn-lt"/>
+                <a:cs typeface="+mn-lt"/>
+              </a:rPr>
               <a:t>OR</a:t>
             </a:r>
             <a:r>
@@ -4157,7 +4572,7 @@
                 <a:ea typeface="+mn-lt"/>
                 <a:cs typeface="+mn-lt"/>
               </a:rPr>
-              <a:t> "wound heal*" </a:t>
+              <a:t> "medic*" </a:t>
             </a:r>
             <a:r>
               <a:rPr lang="en-GB" sz="1400" b="1" dirty="0">
@@ -4176,7 +4591,7 @@
                 <a:ea typeface="+mn-lt"/>
                 <a:cs typeface="+mn-lt"/>
               </a:rPr>
-              <a:t>   "medic*" </a:t>
+              <a:t>  "healthcare" </a:t>
             </a:r>
             <a:r>
               <a:rPr lang="en-GB" sz="1400" b="1" dirty="0">
@@ -4195,28 +4610,9 @@
                 <a:ea typeface="+mn-lt"/>
                 <a:cs typeface="+mn-lt"/>
               </a:rPr>
-              <a:t>  "healthcare" </a:t>
-            </a:r>
-            <a:r>
-              <a:rPr lang="en-GB" sz="1400" b="1" dirty="0">
-                <a:solidFill>
-                  <a:srgbClr val="000080"/>
-                </a:solidFill>
-                <a:latin typeface="Lucida Console"/>
-                <a:ea typeface="+mn-lt"/>
-                <a:cs typeface="+mn-lt"/>
-              </a:rPr>
-              <a:t>OR</a:t>
-            </a:r>
-            <a:r>
-              <a:rPr lang="en-GB" sz="1400" dirty="0">
-                <a:latin typeface="Lucida Console"/>
-                <a:ea typeface="+mn-lt"/>
-                <a:cs typeface="+mn-lt"/>
-              </a:rPr>
               <a:t> "spirit*")  </a:t>
             </a:r>
-            <a:endParaRPr lang="en-GB" sz="1400" dirty="0">
+            <a:endParaRPr lang="en-GB" sz="1400">
               <a:solidFill>
                 <a:srgbClr val="000000"/>
               </a:solidFill>
@@ -4312,6 +4708,56 @@
             <a:r>
               <a:rPr lang="en-GB" dirty="0"/>
               <a:t>Limit Data to 2015-2025</a:t>
+            </a:r>
+          </a:p>
+        </p:txBody>
+      </p:sp>
+      <p:sp>
+        <p:nvSpPr>
+          <p:cNvPr id="6" name="Textfeld 5">
+            <a:extLst>
+              <a:ext uri="{FF2B5EF4-FFF2-40B4-BE49-F238E27FC236}">
+                <a16:creationId xmlns:a16="http://schemas.microsoft.com/office/drawing/2014/main" id="{3B8ACF60-3648-8FB3-D135-68FBE9BDE417}"/>
+              </a:ext>
+            </a:extLst>
+          </p:cNvPr>
+          <p:cNvSpPr txBox="1"/>
+          <p:nvPr/>
+        </p:nvSpPr>
+        <p:spPr>
+          <a:xfrm>
+            <a:off x="2081892" y="4667250"/>
+            <a:ext cx="2694214" cy="646331"/>
+          </a:xfrm>
+          <a:prstGeom prst="rect">
+            <a:avLst/>
+          </a:prstGeom>
+          <a:noFill/>
+        </p:spPr>
+        <p:txBody>
+          <a:bodyPr rot="0" spcFirstLastPara="0" vertOverflow="overflow" horzOverflow="overflow" vert="horz" wrap="square" lIns="91440" tIns="45720" rIns="91440" bIns="45720" numCol="1" spcCol="0" rtlCol="0" fromWordArt="0" anchor="t" anchorCtr="0" forceAA="0" compatLnSpc="1">
+            <a:prstTxWarp prst="textNoShape">
+              <a:avLst/>
+            </a:prstTxWarp>
+            <a:spAutoFit/>
+          </a:bodyPr>
+          <a:lstStyle/>
+          <a:p>
+            <a:r>
+              <a:rPr lang="de-DE" dirty="0">
+                <a:solidFill>
+                  <a:srgbClr val="FF0000"/>
+                </a:solidFill>
+              </a:rPr>
+              <a:t>Suchstring Tabellarisch aufbauen: </a:t>
+            </a:r>
+            <a:r>
+              <a:rPr lang="de-DE" dirty="0" err="1">
+                <a:solidFill>
+                  <a:srgbClr val="FF0000"/>
+                </a:solidFill>
+              </a:rPr>
+              <a:t>Seiar</a:t>
             </a:r>
           </a:p>
         </p:txBody>
@@ -4381,12 +4827,227 @@
           </a:p>
         </p:txBody>
       </p:sp>
+      <p:sp>
+        <p:nvSpPr>
+          <p:cNvPr id="8" name="Text Placeholder 7">
+            <a:extLst>
+              <a:ext uri="{FF2B5EF4-FFF2-40B4-BE49-F238E27FC236}">
+                <a16:creationId xmlns:a16="http://schemas.microsoft.com/office/drawing/2014/main" id="{A6E5084A-F6BC-6D7F-4C69-E9374639CCDA}"/>
+              </a:ext>
+            </a:extLst>
+          </p:cNvPr>
+          <p:cNvSpPr>
+            <a:spLocks noGrp="1"/>
+          </p:cNvSpPr>
+          <p:nvPr>
+            <p:ph type="body" sz="half" idx="2"/>
+          </p:nvPr>
+        </p:nvSpPr>
+        <p:spPr>
+          <a:xfrm>
+            <a:off x="839788" y="1574180"/>
+            <a:ext cx="3932237" cy="3706271"/>
+          </a:xfrm>
+        </p:spPr>
+        <p:txBody>
+          <a:bodyPr vert="horz" lIns="91440" tIns="45720" rIns="91440" bIns="45720" rtlCol="0" anchor="ctr">
+            <a:normAutofit/>
+          </a:bodyPr>
+          <a:lstStyle/>
+          <a:p>
+            <a:pPr marL="285750" indent="-285750">
+              <a:buChar char="•"/>
+            </a:pPr>
+            <a:r>
+              <a:rPr lang="en-GB" dirty="0"/>
+              <a:t>Yearly Number of Publications is generally rising for all material types. </a:t>
+            </a:r>
+          </a:p>
+          <a:p>
+            <a:pPr marL="285750" indent="-285750">
+              <a:buChar char="•"/>
+            </a:pPr>
+            <a:r>
+              <a:rPr lang="en-GB" dirty="0"/>
+              <a:t>The most amount of research is done regarding self-healing polymer materials</a:t>
+            </a:r>
+          </a:p>
+        </p:txBody>
+      </p:sp>
+      <p:sp>
+        <p:nvSpPr>
+          <p:cNvPr id="3" name="Textfeld 3">
+            <a:extLst>
+              <a:ext uri="{FF2B5EF4-FFF2-40B4-BE49-F238E27FC236}">
+                <a16:creationId xmlns:a16="http://schemas.microsoft.com/office/drawing/2014/main" id="{15D7607B-3C72-1CDA-7C45-2D9F0CBAC657}"/>
+              </a:ext>
+            </a:extLst>
+          </p:cNvPr>
+          <p:cNvSpPr txBox="1"/>
+          <p:nvPr/>
+        </p:nvSpPr>
+        <p:spPr>
+          <a:xfrm>
+            <a:off x="2041071" y="4565196"/>
+            <a:ext cx="2769053" cy="1754326"/>
+          </a:xfrm>
+          <a:prstGeom prst="rect">
+            <a:avLst/>
+          </a:prstGeom>
+          <a:noFill/>
+        </p:spPr>
+        <p:txBody>
+          <a:bodyPr rot="0" spcFirstLastPara="0" vert="horz" wrap="square" lIns="91440" tIns="45720" rIns="91440" bIns="45720" numCol="1" spcCol="0" rtlCol="0" fromWordArt="0" anchor="t" anchorCtr="0" forceAA="0" compatLnSpc="1">
+            <a:prstTxWarp prst="textNoShape">
+              <a:avLst/>
+            </a:prstTxWarp>
+            <a:spAutoFit/>
+          </a:bodyPr>
+          <a:lstStyle>
+            <a:defPPr>
+              <a:defRPr lang="en-GB"/>
+            </a:defPPr>
+            <a:lvl1pPr marL="0" algn="l" defTabSz="914400" rtl="0" eaLnBrk="1" latinLnBrk="0" hangingPunct="1">
+              <a:defRPr sz="1800" kern="1200">
+                <a:solidFill>
+                  <a:schemeClr val="tx1"/>
+                </a:solidFill>
+                <a:latin typeface="+mn-lt"/>
+                <a:ea typeface="+mn-ea"/>
+                <a:cs typeface="+mn-cs"/>
+              </a:defRPr>
+            </a:lvl1pPr>
+            <a:lvl2pPr marL="457200" algn="l" defTabSz="914400" rtl="0" eaLnBrk="1" latinLnBrk="0" hangingPunct="1">
+              <a:defRPr sz="1800" kern="1200">
+                <a:solidFill>
+                  <a:schemeClr val="tx1"/>
+                </a:solidFill>
+                <a:latin typeface="+mn-lt"/>
+                <a:ea typeface="+mn-ea"/>
+                <a:cs typeface="+mn-cs"/>
+              </a:defRPr>
+            </a:lvl2pPr>
+            <a:lvl3pPr marL="914400" algn="l" defTabSz="914400" rtl="0" eaLnBrk="1" latinLnBrk="0" hangingPunct="1">
+              <a:defRPr sz="1800" kern="1200">
+                <a:solidFill>
+                  <a:schemeClr val="tx1"/>
+                </a:solidFill>
+                <a:latin typeface="+mn-lt"/>
+                <a:ea typeface="+mn-ea"/>
+                <a:cs typeface="+mn-cs"/>
+              </a:defRPr>
+            </a:lvl3pPr>
+            <a:lvl4pPr marL="1371600" algn="l" defTabSz="914400" rtl="0" eaLnBrk="1" latinLnBrk="0" hangingPunct="1">
+              <a:defRPr sz="1800" kern="1200">
+                <a:solidFill>
+                  <a:schemeClr val="tx1"/>
+                </a:solidFill>
+                <a:latin typeface="+mn-lt"/>
+                <a:ea typeface="+mn-ea"/>
+                <a:cs typeface="+mn-cs"/>
+              </a:defRPr>
+            </a:lvl4pPr>
+            <a:lvl5pPr marL="1828800" algn="l" defTabSz="914400" rtl="0" eaLnBrk="1" latinLnBrk="0" hangingPunct="1">
+              <a:defRPr sz="1800" kern="1200">
+                <a:solidFill>
+                  <a:schemeClr val="tx1"/>
+                </a:solidFill>
+                <a:latin typeface="+mn-lt"/>
+                <a:ea typeface="+mn-ea"/>
+                <a:cs typeface="+mn-cs"/>
+              </a:defRPr>
+            </a:lvl5pPr>
+            <a:lvl6pPr marL="2286000" algn="l" defTabSz="914400" rtl="0" eaLnBrk="1" latinLnBrk="0" hangingPunct="1">
+              <a:defRPr sz="1800" kern="1200">
+                <a:solidFill>
+                  <a:schemeClr val="tx1"/>
+                </a:solidFill>
+                <a:latin typeface="+mn-lt"/>
+                <a:ea typeface="+mn-ea"/>
+                <a:cs typeface="+mn-cs"/>
+              </a:defRPr>
+            </a:lvl6pPr>
+            <a:lvl7pPr marL="2743200" algn="l" defTabSz="914400" rtl="0" eaLnBrk="1" latinLnBrk="0" hangingPunct="1">
+              <a:defRPr sz="1800" kern="1200">
+                <a:solidFill>
+                  <a:schemeClr val="tx1"/>
+                </a:solidFill>
+                <a:latin typeface="+mn-lt"/>
+                <a:ea typeface="+mn-ea"/>
+                <a:cs typeface="+mn-cs"/>
+              </a:defRPr>
+            </a:lvl7pPr>
+            <a:lvl8pPr marL="3200400" algn="l" defTabSz="914400" rtl="0" eaLnBrk="1" latinLnBrk="0" hangingPunct="1">
+              <a:defRPr sz="1800" kern="1200">
+                <a:solidFill>
+                  <a:schemeClr val="tx1"/>
+                </a:solidFill>
+                <a:latin typeface="+mn-lt"/>
+                <a:ea typeface="+mn-ea"/>
+                <a:cs typeface="+mn-cs"/>
+              </a:defRPr>
+            </a:lvl8pPr>
+            <a:lvl9pPr marL="3657600" algn="l" defTabSz="914400" rtl="0" eaLnBrk="1" latinLnBrk="0" hangingPunct="1">
+              <a:defRPr sz="1800" kern="1200">
+                <a:solidFill>
+                  <a:schemeClr val="tx1"/>
+                </a:solidFill>
+                <a:latin typeface="+mn-lt"/>
+                <a:ea typeface="+mn-ea"/>
+                <a:cs typeface="+mn-cs"/>
+              </a:defRPr>
+            </a:lvl9pPr>
+          </a:lstStyle>
+          <a:p>
+            <a:r>
+              <a:rPr lang="de-DE" dirty="0">
+                <a:solidFill>
+                  <a:srgbClr val="FF0000"/>
+                </a:solidFill>
+              </a:rPr>
+              <a:t>Kategorien summieren wegen </a:t>
+            </a:r>
+            <a:r>
+              <a:rPr lang="de-DE" err="1">
+                <a:solidFill>
+                  <a:srgbClr val="FF0000"/>
+                </a:solidFill>
+              </a:rPr>
+              <a:t>Searchstring</a:t>
+            </a:r>
+            <a:r>
+              <a:rPr lang="de-DE" dirty="0">
+                <a:solidFill>
+                  <a:srgbClr val="FF0000"/>
+                </a:solidFill>
+              </a:rPr>
+              <a:t>, bzw. </a:t>
+            </a:r>
+            <a:r>
+              <a:rPr lang="de-DE" err="1">
+                <a:solidFill>
+                  <a:srgbClr val="FF0000"/>
+                </a:solidFill>
+              </a:rPr>
+              <a:t>Seachstring</a:t>
+            </a:r>
+            <a:r>
+              <a:rPr lang="de-DE" dirty="0">
+                <a:solidFill>
+                  <a:srgbClr val="FF0000"/>
+                </a:solidFill>
+              </a:rPr>
+              <a:t> nach Kategorien aufteilen oder Filter nach Material erwähnen</a:t>
+            </a:r>
+          </a:p>
+        </p:txBody>
+      </p:sp>
       <p:pic>
         <p:nvPicPr>
-          <p:cNvPr id="7" name="Content Placeholder 6" descr="A graph of a number of publications&#10;&#10;Description automatically generated">
+          <p:cNvPr id="6" name="Inhaltsplatzhalter 5" descr="Ein Bild, das Text, Reihe, Diagramm, Screenshot enthält.&#10;&#10;Beschreibung automatisch generiert.">
             <a:extLst>
               <a:ext uri="{FF2B5EF4-FFF2-40B4-BE49-F238E27FC236}">
-                <a16:creationId xmlns:a16="http://schemas.microsoft.com/office/drawing/2014/main" id="{E36C7DA0-73CB-4654-7499-9EB717B2F032}"/>
+                <a16:creationId xmlns:a16="http://schemas.microsoft.com/office/drawing/2014/main" id="{ED0031ED-5354-027E-95B4-BE0D40A43108}"/>
               </a:ext>
             </a:extLst>
           </p:cNvPr>
@@ -4405,58 +5066,11 @@
         </p:blipFill>
         <p:spPr>
           <a:xfrm>
-            <a:off x="5183188" y="1572577"/>
-            <a:ext cx="6172200" cy="3703320"/>
+            <a:off x="5221288" y="1595437"/>
+            <a:ext cx="6096000" cy="3657600"/>
           </a:xfrm>
         </p:spPr>
       </p:pic>
-      <p:sp>
-        <p:nvSpPr>
-          <p:cNvPr id="8" name="Text Placeholder 7">
-            <a:extLst>
-              <a:ext uri="{FF2B5EF4-FFF2-40B4-BE49-F238E27FC236}">
-                <a16:creationId xmlns:a16="http://schemas.microsoft.com/office/drawing/2014/main" id="{A6E5084A-F6BC-6D7F-4C69-E9374639CCDA}"/>
-              </a:ext>
-            </a:extLst>
-          </p:cNvPr>
-          <p:cNvSpPr>
-            <a:spLocks noGrp="1"/>
-          </p:cNvSpPr>
-          <p:nvPr>
-            <p:ph type="body" sz="half" idx="2"/>
-          </p:nvPr>
-        </p:nvSpPr>
-        <p:spPr>
-          <a:xfrm>
-            <a:off x="839788" y="1574180"/>
-            <a:ext cx="3932237" cy="3706271"/>
-          </a:xfrm>
-        </p:spPr>
-        <p:txBody>
-          <a:bodyPr vert="horz" lIns="91440" tIns="45720" rIns="91440" bIns="45720" rtlCol="0" anchor="ctr">
-            <a:normAutofit/>
-          </a:bodyPr>
-          <a:lstStyle/>
-          <a:p>
-            <a:pPr marL="285750" indent="-285750">
-              <a:buChar char="•"/>
-            </a:pPr>
-            <a:r>
-              <a:rPr lang="en-GB" dirty="0"/>
-              <a:t>Yearly Number of Publications is generally rising for all material types. </a:t>
-            </a:r>
-          </a:p>
-          <a:p>
-            <a:pPr marL="285750" indent="-285750">
-              <a:buChar char="•"/>
-            </a:pPr>
-            <a:r>
-              <a:rPr lang="en-GB" dirty="0"/>
-              <a:t>The most amount of research is done regarding self-healing polymer materials</a:t>
-            </a:r>
-          </a:p>
-        </p:txBody>
-      </p:sp>
     </p:spTree>
     <p:extLst>
       <p:ext uri="{BB962C8B-B14F-4D97-AF65-F5344CB8AC3E}">
@@ -4563,7 +5177,25 @@
             </a:pPr>
             <a:r>
               <a:rPr lang="en-GB" dirty="0"/>
-              <a:t>Total Number of Publications is growing non-linearly</a:t>
+              <a:t>Total Number of Publications is growing approximately quadratically at the current time</a:t>
+            </a:r>
+          </a:p>
+          <a:p>
+            <a:pPr marL="285750" indent="-285750">
+              <a:buChar char="•"/>
+            </a:pPr>
+            <a:r>
+              <a:rPr lang="en-GB" dirty="0"/>
+              <a:t>We can use the given data to roughly forecast the number of publications for the next years</a:t>
+            </a:r>
+          </a:p>
+          <a:p>
+            <a:pPr marL="285750" indent="-285750">
+              <a:buChar char="•"/>
+            </a:pPr>
+            <a:r>
+              <a:rPr lang="en-GB" dirty="0"/>
+              <a:t>Research for metal and cement was done equally much up to 2020. Since then there was more research regarding metals</a:t>
             </a:r>
           </a:p>
           <a:p>
@@ -4576,10 +5208,10 @@
       </p:sp>
       <p:pic>
         <p:nvPicPr>
-          <p:cNvPr id="5" name="Content Placeholder 4" descr="A graph of a number of publications&#10;&#10;Description automatically generated">
+          <p:cNvPr id="7" name="Inhaltsplatzhalter 6" descr="Ein Bild, das Text, Screenshot, Reihe, Diagramm enthält.&#10;&#10;Beschreibung automatisch generiert.">
             <a:extLst>
               <a:ext uri="{FF2B5EF4-FFF2-40B4-BE49-F238E27FC236}">
-                <a16:creationId xmlns:a16="http://schemas.microsoft.com/office/drawing/2014/main" id="{26B686A3-463D-C692-5172-C062C4189D89}"/>
+                <a16:creationId xmlns:a16="http://schemas.microsoft.com/office/drawing/2014/main" id="{877150A0-4063-5034-D87C-B34E8F9C6B2E}"/>
               </a:ext>
             </a:extLst>
           </p:cNvPr>
@@ -4598,8 +5230,8 @@
         </p:blipFill>
         <p:spPr>
           <a:xfrm>
-            <a:off x="5183188" y="1571625"/>
-            <a:ext cx="6172200" cy="3705225"/>
+            <a:off x="5221288" y="1595437"/>
+            <a:ext cx="6096000" cy="3657600"/>
           </a:xfrm>
         </p:spPr>
       </p:pic>
@@ -4663,7 +5295,7 @@
           <a:p>
             <a:r>
               <a:rPr lang="en-GB" dirty="0"/>
-              <a:t>Histogram for number of publications per Institute regarding polymer materials</a:t>
+              <a:t>Histogram for number of publications per Institute</a:t>
             </a:r>
           </a:p>
         </p:txBody>
@@ -4701,7 +5333,7 @@
             </a:pPr>
             <a:r>
               <a:rPr lang="en-GB" dirty="0"/>
-              <a:t>The majority of institutes has an affiliation with less than 25 published papers</a:t>
+              <a:t>The majority of institutes have an affiliation with less than 25 published papers</a:t>
             </a:r>
           </a:p>
           <a:p>
@@ -4719,7 +5351,16 @@
             </a:pPr>
             <a:r>
               <a:rPr lang="en-GB" dirty="0"/>
-              <a:t>Look at top institutes on next slide</a:t>
+              <a:t>Look at top institutes for polymers on next slide</a:t>
+            </a:r>
+          </a:p>
+          <a:p>
+            <a:pPr marL="285750" indent="-285750">
+              <a:buChar char="•"/>
+            </a:pPr>
+            <a:r>
+              <a:rPr lang="en-GB" dirty="0"/>
+              <a:t>Assumption: No less than 10 publications for polymers per institute because of limited data from 2015 to 2025</a:t>
             </a:r>
           </a:p>
           <a:p>
@@ -4732,10 +5373,10 @@
       </p:sp>
       <p:pic>
         <p:nvPicPr>
-          <p:cNvPr id="3" name="Content Placeholder 2" descr="A graph of a number of publications&#10;&#10;Description automatically generated">
+          <p:cNvPr id="7" name="Inhaltsplatzhalter 6" descr="Ein Bild, das Text, Screenshot, Diagramm, Reihe enthält.&#10;&#10;Beschreibung automatisch generiert.">
             <a:extLst>
               <a:ext uri="{FF2B5EF4-FFF2-40B4-BE49-F238E27FC236}">
-                <a16:creationId xmlns:a16="http://schemas.microsoft.com/office/drawing/2014/main" id="{BC17D817-8B74-28AE-2893-7787641E7A59}"/>
+                <a16:creationId xmlns:a16="http://schemas.microsoft.com/office/drawing/2014/main" id="{4CD85222-5961-2963-B92E-99298D207CBA}"/>
               </a:ext>
             </a:extLst>
           </p:cNvPr>
@@ -4848,7 +5489,7 @@
         </p:spPr>
         <p:txBody>
           <a:bodyPr vert="horz" lIns="91440" tIns="45720" rIns="91440" bIns="45720" rtlCol="0" anchor="ctr">
-            <a:normAutofit/>
+            <a:normAutofit lnSpcReduction="10000"/>
           </a:bodyPr>
           <a:lstStyle/>
           <a:p>
@@ -4909,6 +5550,21 @@
             </a:r>
           </a:p>
           <a:p>
+            <a:pPr marL="742950" lvl="1" indent="-285750">
+              <a:buFont typeface="Courier New" panose="020B0604020202020204" pitchFamily="34" charset="0"/>
+              <a:buChar char="o"/>
+            </a:pPr>
+            <a:r>
+              <a:rPr lang="en-GB" dirty="0"/>
+              <a:t>Possibly a name change </a:t>
+            </a:r>
+            <a:r>
+              <a:rPr lang="en-GB"/>
+              <a:t>occurred</a:t>
+            </a:r>
+            <a:endParaRPr lang="en-GB" dirty="0"/>
+          </a:p>
+          <a:p>
             <a:pPr marL="285750" indent="-285750">
               <a:buChar char="•"/>
             </a:pPr>
@@ -4916,12 +5572,70 @@
           </a:p>
         </p:txBody>
       </p:sp>
+      <p:sp>
+        <p:nvSpPr>
+          <p:cNvPr id="4" name="Textfeld 3">
+            <a:extLst>
+              <a:ext uri="{FF2B5EF4-FFF2-40B4-BE49-F238E27FC236}">
+                <a16:creationId xmlns:a16="http://schemas.microsoft.com/office/drawing/2014/main" id="{BA2B4F4A-60F9-6D47-00DE-675F78EB287E}"/>
+              </a:ext>
+            </a:extLst>
+          </p:cNvPr>
+          <p:cNvSpPr txBox="1"/>
+          <p:nvPr/>
+        </p:nvSpPr>
+        <p:spPr>
+          <a:xfrm>
+            <a:off x="911678" y="5540541"/>
+            <a:ext cx="2138921" cy="1200329"/>
+          </a:xfrm>
+          <a:prstGeom prst="rect">
+            <a:avLst/>
+          </a:prstGeom>
+          <a:noFill/>
+        </p:spPr>
+        <p:txBody>
+          <a:bodyPr rot="0" spcFirstLastPara="0" vertOverflow="overflow" horzOverflow="overflow" vert="horz" wrap="square" lIns="91440" tIns="45720" rIns="91440" bIns="45720" numCol="1" spcCol="0" rtlCol="0" fromWordArt="0" anchor="t" anchorCtr="0" forceAA="0" compatLnSpc="1">
+            <a:prstTxWarp prst="textNoShape">
+              <a:avLst/>
+            </a:prstTxWarp>
+            <a:spAutoFit/>
+          </a:bodyPr>
+          <a:lstStyle/>
+          <a:p>
+            <a:r>
+              <a:rPr lang="de-DE" dirty="0">
+                <a:solidFill>
+                  <a:srgbClr val="FF0000"/>
+                </a:solidFill>
+              </a:rPr>
+              <a:t>CAS Prüfen ob es eine einzige </a:t>
+            </a:r>
+            <a:r>
+              <a:rPr lang="de-DE" err="1">
+                <a:solidFill>
+                  <a:srgbClr val="FF0000"/>
+                </a:solidFill>
+              </a:rPr>
+              <a:t>Universtität</a:t>
+            </a:r>
+            <a:r>
+              <a:rPr lang="de-DE" dirty="0">
+                <a:solidFill>
+                  <a:srgbClr val="FF0000"/>
+                </a:solidFill>
+              </a:rPr>
+              <a:t> ist (Andre)</a:t>
+            </a:r>
+          </a:p>
+        </p:txBody>
+      </p:sp>
       <p:pic>
         <p:nvPicPr>
-          <p:cNvPr id="6" name="Content Placeholder 5">
+          <p:cNvPr id="9" name="Inhaltsplatzhalter 8" descr="Ein Bild, das Text, Screenshot, Schrift, Zahl enthält.&#10;&#10;Beschreibung automatisch generiert.">
             <a:extLst>
               <a:ext uri="{FF2B5EF4-FFF2-40B4-BE49-F238E27FC236}">
-                <a16:creationId xmlns:a16="http://schemas.microsoft.com/office/drawing/2014/main" id="{4C01547A-C4A8-487D-EB8C-1C7A93546FB3}"/>
+                <a16:creationId xmlns:a16="http://schemas.microsoft.com/office/drawing/2014/main" id="{6DB65620-50C6-CF67-E98D-88FD618C3EF9}"/>
               </a:ext>
             </a:extLst>
           </p:cNvPr>
@@ -5277,6 +5991,48 @@
           </a:prstGeom>
         </p:spPr>
       </p:pic>
+      <p:sp>
+        <p:nvSpPr>
+          <p:cNvPr id="3" name="Textfeld 2">
+            <a:extLst>
+              <a:ext uri="{FF2B5EF4-FFF2-40B4-BE49-F238E27FC236}">
+                <a16:creationId xmlns:a16="http://schemas.microsoft.com/office/drawing/2014/main" id="{85BC8F17-0385-2CC2-E1DD-64386C261278}"/>
+              </a:ext>
+            </a:extLst>
+          </p:cNvPr>
+          <p:cNvSpPr txBox="1"/>
+          <p:nvPr/>
+        </p:nvSpPr>
+        <p:spPr>
+          <a:xfrm>
+            <a:off x="7605839" y="5626940"/>
+            <a:ext cx="3960286" cy="923330"/>
+          </a:xfrm>
+          <a:prstGeom prst="rect">
+            <a:avLst/>
+          </a:prstGeom>
+          <a:noFill/>
+        </p:spPr>
+        <p:txBody>
+          <a:bodyPr rot="0" spcFirstLastPara="0" vertOverflow="overflow" horzOverflow="overflow" vert="horz" wrap="square" lIns="91440" tIns="45720" rIns="91440" bIns="45720" numCol="1" spcCol="0" rtlCol="0" fromWordArt="0" anchor="t" anchorCtr="0" forceAA="0" compatLnSpc="1">
+            <a:prstTxWarp prst="textNoShape">
+              <a:avLst/>
+            </a:prstTxWarp>
+            <a:spAutoFit/>
+          </a:bodyPr>
+          <a:lstStyle/>
+          <a:p>
+            <a:r>
+              <a:rPr lang="de-DE" dirty="0">
+                <a:solidFill>
+                  <a:srgbClr val="FF0000"/>
+                </a:solidFill>
+              </a:rPr>
+              <a:t>Prüfen ob Daten für United Kingdom korrekt sind oder doppelt gezählte Paper vorkommen (Andre)</a:t>
+            </a:r>
+          </a:p>
+        </p:txBody>
+      </p:sp>
     </p:spTree>
     <p:extLst>
       <p:ext uri="{BB962C8B-B14F-4D97-AF65-F5344CB8AC3E}">
@@ -5361,12 +6117,70 @@
           </a:p>
         </p:txBody>
       </p:sp>
+      <p:sp>
+        <p:nvSpPr>
+          <p:cNvPr id="5" name="Textfeld 4">
+            <a:extLst>
+              <a:ext uri="{FF2B5EF4-FFF2-40B4-BE49-F238E27FC236}">
+                <a16:creationId xmlns:a16="http://schemas.microsoft.com/office/drawing/2014/main" id="{340D1631-92C9-1212-9EA2-BC51E54E31A4}"/>
+              </a:ext>
+            </a:extLst>
+          </p:cNvPr>
+          <p:cNvSpPr txBox="1"/>
+          <p:nvPr/>
+        </p:nvSpPr>
+        <p:spPr>
+          <a:xfrm>
+            <a:off x="1149471" y="2763964"/>
+            <a:ext cx="2735035" cy="369332"/>
+          </a:xfrm>
+          <a:prstGeom prst="rect">
+            <a:avLst/>
+          </a:prstGeom>
+          <a:noFill/>
+        </p:spPr>
+        <p:txBody>
+          <a:bodyPr rot="0" spcFirstLastPara="0" vertOverflow="overflow" horzOverflow="overflow" vert="horz" wrap="square" lIns="91440" tIns="45720" rIns="91440" bIns="45720" numCol="1" spcCol="0" rtlCol="0" fromWordArt="0" anchor="t" anchorCtr="0" forceAA="0" compatLnSpc="1">
+            <a:prstTxWarp prst="textNoShape">
+              <a:avLst/>
+            </a:prstTxWarp>
+            <a:spAutoFit/>
+          </a:bodyPr>
+          <a:lstStyle/>
+          <a:p>
+            <a:r>
+              <a:rPr lang="de-DE" dirty="0">
+                <a:solidFill>
+                  <a:srgbClr val="FF0000"/>
+                </a:solidFill>
+              </a:rPr>
+              <a:t>Summary (</a:t>
+            </a:r>
+            <a:r>
+              <a:rPr lang="de-DE" err="1">
+                <a:solidFill>
+                  <a:srgbClr val="FF0000"/>
+                </a:solidFill>
+              </a:rPr>
+              <a:t>Seiar</a:t>
+            </a:r>
+            <a:r>
+              <a:rPr lang="de-DE" dirty="0">
+                <a:solidFill>
+                  <a:srgbClr val="FF0000"/>
+                </a:solidFill>
+              </a:rPr>
+              <a:t> )</a:t>
+            </a:r>
+          </a:p>
+        </p:txBody>
+      </p:sp>
       <p:pic>
         <p:nvPicPr>
-          <p:cNvPr id="10" name="Content Placeholder 9" descr="A graph of a bar graph&#10;&#10;Description automatically generated">
+          <p:cNvPr id="12" name="Inhaltsplatzhalter 11" descr="Ein Bild, das Text, Screenshot, Diagramm, Reihe enthält.&#10;&#10;Beschreibung automatisch generiert.">
             <a:extLst>
               <a:ext uri="{FF2B5EF4-FFF2-40B4-BE49-F238E27FC236}">
-                <a16:creationId xmlns:a16="http://schemas.microsoft.com/office/drawing/2014/main" id="{B9389AA9-7EC0-A736-18AF-F9E6C5DCF848}"/>
+                <a16:creationId xmlns:a16="http://schemas.microsoft.com/office/drawing/2014/main" id="{6FC40EEA-592C-668A-0F4D-CC47AC3839DF}"/>
               </a:ext>
             </a:extLst>
           </p:cNvPr>

--- a/presentation/DataDrivenForesight.pptx
+++ b/presentation/DataDrivenForesight.pptx
@@ -265,7 +265,7 @@
           <a:p>
             <a:fld id="{846CE7D5-CF57-46EF-B807-FDD0502418D4}" type="datetimeFigureOut">
               <a:rPr lang="en-GB" smtClean="0"/>
-              <a:t>06/01/2025</a:t>
+              <a:t>07/01/2025</a:t>
             </a:fld>
             <a:endParaRPr lang="en-GB"/>
           </a:p>
@@ -307,7 +307,7 @@
           <a:p>
             <a:fld id="{330EA680-D336-4FF7-8B7A-9848BB0A1C32}" type="slidenum">
               <a:rPr lang="en-GB" smtClean="0"/>
-              <a:t>‹Nr.›</a:t>
+              <a:t>‹#›</a:t>
             </a:fld>
             <a:endParaRPr lang="en-GB"/>
           </a:p>
@@ -435,7 +435,7 @@
           <a:p>
             <a:fld id="{846CE7D5-CF57-46EF-B807-FDD0502418D4}" type="datetimeFigureOut">
               <a:rPr lang="en-GB" smtClean="0"/>
-              <a:t>06/01/2025</a:t>
+              <a:t>07/01/2025</a:t>
             </a:fld>
             <a:endParaRPr lang="en-GB"/>
           </a:p>
@@ -477,7 +477,7 @@
           <a:p>
             <a:fld id="{330EA680-D336-4FF7-8B7A-9848BB0A1C32}" type="slidenum">
               <a:rPr lang="en-GB" smtClean="0"/>
-              <a:t>‹Nr.›</a:t>
+              <a:t>‹#›</a:t>
             </a:fld>
             <a:endParaRPr lang="en-GB"/>
           </a:p>
@@ -615,7 +615,7 @@
           <a:p>
             <a:fld id="{846CE7D5-CF57-46EF-B807-FDD0502418D4}" type="datetimeFigureOut">
               <a:rPr lang="en-GB" smtClean="0"/>
-              <a:t>06/01/2025</a:t>
+              <a:t>07/01/2025</a:t>
             </a:fld>
             <a:endParaRPr lang="en-GB"/>
           </a:p>
@@ -657,7 +657,7 @@
           <a:p>
             <a:fld id="{330EA680-D336-4FF7-8B7A-9848BB0A1C32}" type="slidenum">
               <a:rPr lang="en-GB" smtClean="0"/>
-              <a:t>‹Nr.›</a:t>
+              <a:t>‹#›</a:t>
             </a:fld>
             <a:endParaRPr lang="en-GB"/>
           </a:p>
@@ -785,7 +785,7 @@
           <a:p>
             <a:fld id="{846CE7D5-CF57-46EF-B807-FDD0502418D4}" type="datetimeFigureOut">
               <a:rPr lang="en-GB" smtClean="0"/>
-              <a:t>06/01/2025</a:t>
+              <a:t>07/01/2025</a:t>
             </a:fld>
             <a:endParaRPr lang="en-GB"/>
           </a:p>
@@ -827,7 +827,7 @@
           <a:p>
             <a:fld id="{330EA680-D336-4FF7-8B7A-9848BB0A1C32}" type="slidenum">
               <a:rPr lang="en-GB" smtClean="0"/>
-              <a:t>‹Nr.›</a:t>
+              <a:t>‹#›</a:t>
             </a:fld>
             <a:endParaRPr lang="en-GB"/>
           </a:p>
@@ -1031,7 +1031,7 @@
           <a:p>
             <a:fld id="{846CE7D5-CF57-46EF-B807-FDD0502418D4}" type="datetimeFigureOut">
               <a:rPr lang="en-GB" smtClean="0"/>
-              <a:t>06/01/2025</a:t>
+              <a:t>07/01/2025</a:t>
             </a:fld>
             <a:endParaRPr lang="en-GB"/>
           </a:p>
@@ -1073,7 +1073,7 @@
           <a:p>
             <a:fld id="{330EA680-D336-4FF7-8B7A-9848BB0A1C32}" type="slidenum">
               <a:rPr lang="en-GB" smtClean="0"/>
-              <a:t>‹Nr.›</a:t>
+              <a:t>‹#›</a:t>
             </a:fld>
             <a:endParaRPr lang="en-GB"/>
           </a:p>
@@ -1263,7 +1263,7 @@
           <a:p>
             <a:fld id="{846CE7D5-CF57-46EF-B807-FDD0502418D4}" type="datetimeFigureOut">
               <a:rPr lang="en-GB" smtClean="0"/>
-              <a:t>06/01/2025</a:t>
+              <a:t>07/01/2025</a:t>
             </a:fld>
             <a:endParaRPr lang="en-GB"/>
           </a:p>
@@ -1305,7 +1305,7 @@
           <a:p>
             <a:fld id="{330EA680-D336-4FF7-8B7A-9848BB0A1C32}" type="slidenum">
               <a:rPr lang="en-GB" smtClean="0"/>
-              <a:t>‹Nr.›</a:t>
+              <a:t>‹#›</a:t>
             </a:fld>
             <a:endParaRPr lang="en-GB"/>
           </a:p>
@@ -1630,7 +1630,7 @@
           <a:p>
             <a:fld id="{846CE7D5-CF57-46EF-B807-FDD0502418D4}" type="datetimeFigureOut">
               <a:rPr lang="en-GB" smtClean="0"/>
-              <a:t>06/01/2025</a:t>
+              <a:t>07/01/2025</a:t>
             </a:fld>
             <a:endParaRPr lang="en-GB"/>
           </a:p>
@@ -1672,7 +1672,7 @@
           <a:p>
             <a:fld id="{330EA680-D336-4FF7-8B7A-9848BB0A1C32}" type="slidenum">
               <a:rPr lang="en-GB" smtClean="0"/>
-              <a:t>‹Nr.›</a:t>
+              <a:t>‹#›</a:t>
             </a:fld>
             <a:endParaRPr lang="en-GB"/>
           </a:p>
@@ -1748,7 +1748,7 @@
           <a:p>
             <a:fld id="{846CE7D5-CF57-46EF-B807-FDD0502418D4}" type="datetimeFigureOut">
               <a:rPr lang="en-GB" smtClean="0"/>
-              <a:t>06/01/2025</a:t>
+              <a:t>07/01/2025</a:t>
             </a:fld>
             <a:endParaRPr lang="en-GB"/>
           </a:p>
@@ -1790,7 +1790,7 @@
           <a:p>
             <a:fld id="{330EA680-D336-4FF7-8B7A-9848BB0A1C32}" type="slidenum">
               <a:rPr lang="en-GB" smtClean="0"/>
-              <a:t>‹Nr.›</a:t>
+              <a:t>‹#›</a:t>
             </a:fld>
             <a:endParaRPr lang="en-GB"/>
           </a:p>
@@ -1843,7 +1843,7 @@
           <a:p>
             <a:fld id="{846CE7D5-CF57-46EF-B807-FDD0502418D4}" type="datetimeFigureOut">
               <a:rPr lang="en-GB" smtClean="0"/>
-              <a:t>06/01/2025</a:t>
+              <a:t>07/01/2025</a:t>
             </a:fld>
             <a:endParaRPr lang="en-GB"/>
           </a:p>
@@ -1885,7 +1885,7 @@
           <a:p>
             <a:fld id="{330EA680-D336-4FF7-8B7A-9848BB0A1C32}" type="slidenum">
               <a:rPr lang="en-GB" smtClean="0"/>
-              <a:t>‹Nr.›</a:t>
+              <a:t>‹#›</a:t>
             </a:fld>
             <a:endParaRPr lang="en-GB"/>
           </a:p>
@@ -2120,7 +2120,7 @@
           <a:p>
             <a:fld id="{846CE7D5-CF57-46EF-B807-FDD0502418D4}" type="datetimeFigureOut">
               <a:rPr lang="en-GB" smtClean="0"/>
-              <a:t>06/01/2025</a:t>
+              <a:t>07/01/2025</a:t>
             </a:fld>
             <a:endParaRPr lang="en-GB"/>
           </a:p>
@@ -2162,7 +2162,7 @@
           <a:p>
             <a:fld id="{330EA680-D336-4FF7-8B7A-9848BB0A1C32}" type="slidenum">
               <a:rPr lang="en-GB" smtClean="0"/>
-              <a:t>‹Nr.›</a:t>
+              <a:t>‹#›</a:t>
             </a:fld>
             <a:endParaRPr lang="en-GB"/>
           </a:p>
@@ -2377,7 +2377,7 @@
           <a:p>
             <a:fld id="{846CE7D5-CF57-46EF-B807-FDD0502418D4}" type="datetimeFigureOut">
               <a:rPr lang="en-GB" smtClean="0"/>
-              <a:t>06/01/2025</a:t>
+              <a:t>07/01/2025</a:t>
             </a:fld>
             <a:endParaRPr lang="en-GB"/>
           </a:p>
@@ -2419,7 +2419,7 @@
           <a:p>
             <a:fld id="{330EA680-D336-4FF7-8B7A-9848BB0A1C32}" type="slidenum">
               <a:rPr lang="en-GB" smtClean="0"/>
-              <a:t>‹Nr.›</a:t>
+              <a:t>‹#›</a:t>
             </a:fld>
             <a:endParaRPr lang="en-GB"/>
           </a:p>
@@ -2590,7 +2590,7 @@
           <a:p>
             <a:fld id="{846CE7D5-CF57-46EF-B807-FDD0502418D4}" type="datetimeFigureOut">
               <a:rPr lang="en-GB" smtClean="0"/>
-              <a:t>06/01/2025</a:t>
+              <a:t>07/01/2025</a:t>
             </a:fld>
             <a:endParaRPr lang="en-GB"/>
           </a:p>
@@ -2668,7 +2668,7 @@
           <a:p>
             <a:fld id="{330EA680-D336-4FF7-8B7A-9848BB0A1C32}" type="slidenum">
               <a:rPr lang="en-GB" smtClean="0"/>
-              <a:t>‹Nr.›</a:t>
+              <a:t>‹#›</a:t>
             </a:fld>
             <a:endParaRPr lang="en-GB"/>
           </a:p>
@@ -5489,7 +5489,7 @@
         </p:spPr>
         <p:txBody>
           <a:bodyPr vert="horz" lIns="91440" tIns="45720" rIns="91440" bIns="45720" rtlCol="0" anchor="ctr">
-            <a:normAutofit lnSpcReduction="10000"/>
+            <a:normAutofit fontScale="92500" lnSpcReduction="20000"/>
           </a:bodyPr>
           <a:lstStyle/>
           <a:p>
@@ -5550,92 +5550,22 @@
             </a:r>
           </a:p>
           <a:p>
-            <a:pPr marL="742950" lvl="1" indent="-285750">
-              <a:buFont typeface="Courier New" panose="020B0604020202020204" pitchFamily="34" charset="0"/>
-              <a:buChar char="o"/>
-            </a:pPr>
-            <a:r>
-              <a:rPr lang="en-GB" dirty="0"/>
-              <a:t>Possibly a name change </a:t>
-            </a:r>
-            <a:r>
-              <a:rPr lang="en-GB"/>
-              <a:t>occurred</a:t>
-            </a:r>
-            <a:endParaRPr lang="en-GB" dirty="0"/>
-          </a:p>
-          <a:p>
             <a:pPr marL="285750" indent="-285750">
               <a:buChar char="•"/>
             </a:pPr>
-            <a:endParaRPr lang="en-GB" dirty="0"/>
-          </a:p>
-        </p:txBody>
-      </p:sp>
-      <p:sp>
-        <p:nvSpPr>
-          <p:cNvPr id="4" name="Textfeld 3">
+            <a:r>
+              <a:rPr lang="en-GB" dirty="0"/>
+              <a:t>Papers mentioned under different variations of CAS are all included in “Chinese Academy of Sciences”. The others have thus been omitted</a:t>
+            </a:r>
+          </a:p>
+        </p:txBody>
+      </p:sp>
+      <p:pic>
+        <p:nvPicPr>
+          <p:cNvPr id="7" name="Content Placeholder 6" descr="A graph with text and numbers&#10;&#10;Description automatically generated">
             <a:extLst>
               <a:ext uri="{FF2B5EF4-FFF2-40B4-BE49-F238E27FC236}">
-                <a16:creationId xmlns:a16="http://schemas.microsoft.com/office/drawing/2014/main" id="{BA2B4F4A-60F9-6D47-00DE-675F78EB287E}"/>
-              </a:ext>
-            </a:extLst>
-          </p:cNvPr>
-          <p:cNvSpPr txBox="1"/>
-          <p:nvPr/>
-        </p:nvSpPr>
-        <p:spPr>
-          <a:xfrm>
-            <a:off x="911678" y="5540541"/>
-            <a:ext cx="2138921" cy="1200329"/>
-          </a:xfrm>
-          <a:prstGeom prst="rect">
-            <a:avLst/>
-          </a:prstGeom>
-          <a:noFill/>
-        </p:spPr>
-        <p:txBody>
-          <a:bodyPr rot="0" spcFirstLastPara="0" vertOverflow="overflow" horzOverflow="overflow" vert="horz" wrap="square" lIns="91440" tIns="45720" rIns="91440" bIns="45720" numCol="1" spcCol="0" rtlCol="0" fromWordArt="0" anchor="t" anchorCtr="0" forceAA="0" compatLnSpc="1">
-            <a:prstTxWarp prst="textNoShape">
-              <a:avLst/>
-            </a:prstTxWarp>
-            <a:spAutoFit/>
-          </a:bodyPr>
-          <a:lstStyle/>
-          <a:p>
-            <a:r>
-              <a:rPr lang="de-DE" dirty="0">
-                <a:solidFill>
-                  <a:srgbClr val="FF0000"/>
-                </a:solidFill>
-              </a:rPr>
-              <a:t>CAS Prüfen ob es eine einzige </a:t>
-            </a:r>
-            <a:r>
-              <a:rPr lang="de-DE" err="1">
-                <a:solidFill>
-                  <a:srgbClr val="FF0000"/>
-                </a:solidFill>
-              </a:rPr>
-              <a:t>Universtität</a:t>
-            </a:r>
-            <a:r>
-              <a:rPr lang="de-DE" dirty="0">
-                <a:solidFill>
-                  <a:srgbClr val="FF0000"/>
-                </a:solidFill>
-              </a:rPr>
-              <a:t> ist (Andre)</a:t>
-            </a:r>
-          </a:p>
-        </p:txBody>
-      </p:sp>
-      <p:pic>
-        <p:nvPicPr>
-          <p:cNvPr id="9" name="Inhaltsplatzhalter 8" descr="Ein Bild, das Text, Screenshot, Schrift, Zahl enthält.&#10;&#10;Beschreibung automatisch generiert.">
-            <a:extLst>
-              <a:ext uri="{FF2B5EF4-FFF2-40B4-BE49-F238E27FC236}">
-                <a16:creationId xmlns:a16="http://schemas.microsoft.com/office/drawing/2014/main" id="{6DB65620-50C6-CF67-E98D-88FD618C3EF9}"/>
+                <a16:creationId xmlns:a16="http://schemas.microsoft.com/office/drawing/2014/main" id="{30ACB7C0-A576-7C01-C14A-8F97BEDBC501}"/>
               </a:ext>
             </a:extLst>
           </p:cNvPr>
@@ -5647,15 +5577,21 @@
           </p:nvPr>
         </p:nvPicPr>
         <p:blipFill>
-          <a:blip r:embed="rId2"/>
+          <a:blip r:embed="rId2">
+            <a:extLst>
+              <a:ext uri="{28A0092B-C50C-407E-A947-70E740481C1C}">
+                <a14:useLocalDpi xmlns:a14="http://schemas.microsoft.com/office/drawing/2010/main" val="0"/>
+              </a:ext>
+            </a:extLst>
+          </a:blip>
           <a:stretch>
             <a:fillRect/>
           </a:stretch>
         </p:blipFill>
         <p:spPr>
           <a:xfrm>
-            <a:off x="5221288" y="1595437"/>
-            <a:ext cx="6096000" cy="3657600"/>
+            <a:off x="5183188" y="1572577"/>
+            <a:ext cx="6172200" cy="3703320"/>
           </a:xfrm>
         </p:spPr>
       </p:pic>
@@ -5777,10 +5713,10 @@
       </p:sp>
       <p:pic>
         <p:nvPicPr>
-          <p:cNvPr id="13" name="Content Placeholder 12" descr="A graph of a number of publications&#10;&#10;Description automatically generated">
+          <p:cNvPr id="6" name="Content Placeholder 5" descr="A graph of a number of publications&#10;&#10;Description automatically generated">
             <a:extLst>
               <a:ext uri="{FF2B5EF4-FFF2-40B4-BE49-F238E27FC236}">
-                <a16:creationId xmlns:a16="http://schemas.microsoft.com/office/drawing/2014/main" id="{6A1D2B9B-177A-C221-FF46-6A8EAC97F0B7}"/>
+                <a16:creationId xmlns:a16="http://schemas.microsoft.com/office/drawing/2014/main" id="{82690D4E-AA80-F13C-B8CF-EDB4DFD30003}"/>
               </a:ext>
             </a:extLst>
           </p:cNvPr>
@@ -5792,15 +5728,21 @@
           </p:nvPr>
         </p:nvPicPr>
         <p:blipFill>
-          <a:blip r:embed="rId2"/>
+          <a:blip r:embed="rId2">
+            <a:extLst>
+              <a:ext uri="{28A0092B-C50C-407E-A947-70E740481C1C}">
+                <a14:useLocalDpi xmlns:a14="http://schemas.microsoft.com/office/drawing/2010/main" val="0"/>
+              </a:ext>
+            </a:extLst>
+          </a:blip>
           <a:stretch>
             <a:fillRect/>
           </a:stretch>
         </p:blipFill>
         <p:spPr>
           <a:xfrm>
-            <a:off x="5221288" y="1595437"/>
-            <a:ext cx="6096000" cy="3657600"/>
+            <a:off x="5183188" y="1572577"/>
+            <a:ext cx="6172200" cy="3703320"/>
           </a:xfrm>
         </p:spPr>
       </p:pic>
@@ -5934,35 +5876,6 @@
       </p:sp>
       <p:pic>
         <p:nvPicPr>
-          <p:cNvPr id="5" name="Content Placeholder 4" descr="A graph of a number of people&#10;&#10;Description automatically generated">
-            <a:extLst>
-              <a:ext uri="{FF2B5EF4-FFF2-40B4-BE49-F238E27FC236}">
-                <a16:creationId xmlns:a16="http://schemas.microsoft.com/office/drawing/2014/main" id="{DF394CB4-5B75-EA0E-1CC5-A4BEFEFD3619}"/>
-              </a:ext>
-            </a:extLst>
-          </p:cNvPr>
-          <p:cNvPicPr>
-            <a:picLocks noGrp="1" noChangeAspect="1"/>
-          </p:cNvPicPr>
-          <p:nvPr>
-            <p:ph idx="1"/>
-          </p:nvPr>
-        </p:nvPicPr>
-        <p:blipFill>
-          <a:blip r:embed="rId3"/>
-          <a:stretch>
-            <a:fillRect/>
-          </a:stretch>
-        </p:blipFill>
-        <p:spPr>
-          <a:xfrm>
-            <a:off x="6096177" y="1574271"/>
-            <a:ext cx="5263444" cy="3170766"/>
-          </a:xfrm>
-        </p:spPr>
-      </p:pic>
-      <p:pic>
-        <p:nvPicPr>
           <p:cNvPr id="6" name="Picture 5" descr="A graph of a number of people&#10;&#10;Description automatically generated">
             <a:extLst>
               <a:ext uri="{FF2B5EF4-FFF2-40B4-BE49-F238E27FC236}">
@@ -5976,7 +5889,7 @@
           <p:nvPr/>
         </p:nvPicPr>
         <p:blipFill>
-          <a:blip r:embed="rId4"/>
+          <a:blip r:embed="rId3"/>
           <a:stretch>
             <a:fillRect/>
           </a:stretch>
@@ -5991,48 +5904,41 @@
           </a:prstGeom>
         </p:spPr>
       </p:pic>
-      <p:sp>
-        <p:nvSpPr>
-          <p:cNvPr id="3" name="Textfeld 2">
+      <p:pic>
+        <p:nvPicPr>
+          <p:cNvPr id="10" name="Content Placeholder 9" descr="A graph of a bar graph&#10;&#10;Description automatically generated">
             <a:extLst>
               <a:ext uri="{FF2B5EF4-FFF2-40B4-BE49-F238E27FC236}">
-                <a16:creationId xmlns:a16="http://schemas.microsoft.com/office/drawing/2014/main" id="{85BC8F17-0385-2CC2-E1DD-64386C261278}"/>
+                <a16:creationId xmlns:a16="http://schemas.microsoft.com/office/drawing/2014/main" id="{C558C557-7972-C7A9-F5D7-43281D2AD907}"/>
               </a:ext>
             </a:extLst>
           </p:cNvPr>
-          <p:cNvSpPr txBox="1"/>
-          <p:nvPr/>
-        </p:nvSpPr>
+          <p:cNvPicPr>
+            <a:picLocks noGrp="1" noChangeAspect="1"/>
+          </p:cNvPicPr>
+          <p:nvPr>
+            <p:ph idx="1"/>
+          </p:nvPr>
+        </p:nvPicPr>
+        <p:blipFill>
+          <a:blip r:embed="rId4">
+            <a:extLst>
+              <a:ext uri="{28A0092B-C50C-407E-A947-70E740481C1C}">
+                <a14:useLocalDpi xmlns:a14="http://schemas.microsoft.com/office/drawing/2010/main" val="0"/>
+              </a:ext>
+            </a:extLst>
+          </a:blip>
+          <a:stretch>
+            <a:fillRect/>
+          </a:stretch>
+        </p:blipFill>
         <p:spPr>
           <a:xfrm>
-            <a:off x="7605839" y="5626940"/>
-            <a:ext cx="3960286" cy="923330"/>
+            <a:off x="6103056" y="1571978"/>
+            <a:ext cx="5185432" cy="3111259"/>
           </a:xfrm>
-          <a:prstGeom prst="rect">
-            <a:avLst/>
-          </a:prstGeom>
-          <a:noFill/>
         </p:spPr>
-        <p:txBody>
-          <a:bodyPr rot="0" spcFirstLastPara="0" vertOverflow="overflow" horzOverflow="overflow" vert="horz" wrap="square" lIns="91440" tIns="45720" rIns="91440" bIns="45720" numCol="1" spcCol="0" rtlCol="0" fromWordArt="0" anchor="t" anchorCtr="0" forceAA="0" compatLnSpc="1">
-            <a:prstTxWarp prst="textNoShape">
-              <a:avLst/>
-            </a:prstTxWarp>
-            <a:spAutoFit/>
-          </a:bodyPr>
-          <a:lstStyle/>
-          <a:p>
-            <a:r>
-              <a:rPr lang="de-DE" dirty="0">
-                <a:solidFill>
-                  <a:srgbClr val="FF0000"/>
-                </a:solidFill>
-              </a:rPr>
-              <a:t>Prüfen ob Daten für United Kingdom korrekt sind oder doppelt gezählte Paper vorkommen (Andre)</a:t>
-            </a:r>
-          </a:p>
-        </p:txBody>
-      </p:sp>
+      </p:pic>
     </p:spTree>
     <p:extLst>
       <p:ext uri="{BB962C8B-B14F-4D97-AF65-F5344CB8AC3E}">

--- a/presentation/DataDrivenForesight.pptx
+++ b/presentation/DataDrivenForesight.pptx
@@ -7,18 +7,19 @@
   <p:sldIdLst>
     <p:sldId id="256" r:id="rId2"/>
     <p:sldId id="264" r:id="rId3"/>
-    <p:sldId id="257" r:id="rId4"/>
-    <p:sldId id="259" r:id="rId5"/>
-    <p:sldId id="260" r:id="rId6"/>
-    <p:sldId id="261" r:id="rId7"/>
-    <p:sldId id="262" r:id="rId8"/>
-    <p:sldId id="263" r:id="rId9"/>
-    <p:sldId id="265" r:id="rId10"/>
-    <p:sldId id="266" r:id="rId11"/>
-    <p:sldId id="268" r:id="rId12"/>
-    <p:sldId id="269" r:id="rId13"/>
-    <p:sldId id="270" r:id="rId14"/>
-    <p:sldId id="271" r:id="rId15"/>
+    <p:sldId id="272" r:id="rId4"/>
+    <p:sldId id="257" r:id="rId5"/>
+    <p:sldId id="259" r:id="rId6"/>
+    <p:sldId id="260" r:id="rId7"/>
+    <p:sldId id="261" r:id="rId8"/>
+    <p:sldId id="262" r:id="rId9"/>
+    <p:sldId id="263" r:id="rId10"/>
+    <p:sldId id="265" r:id="rId11"/>
+    <p:sldId id="266" r:id="rId12"/>
+    <p:sldId id="268" r:id="rId13"/>
+    <p:sldId id="269" r:id="rId14"/>
+    <p:sldId id="270" r:id="rId15"/>
+    <p:sldId id="271" r:id="rId16"/>
   </p:sldIdLst>
   <p:sldSz cx="12192000" cy="6858000"/>
   <p:notesSz cx="6858000" cy="9144000"/>
@@ -3091,7 +3092,7 @@
           <p:cNvPr id="2" name="Title 1">
             <a:extLst>
               <a:ext uri="{FF2B5EF4-FFF2-40B4-BE49-F238E27FC236}">
-                <a16:creationId xmlns:a16="http://schemas.microsoft.com/office/drawing/2014/main" id="{A1B1FB28-5B8C-BCFB-04B3-54966AAE995C}"/>
+                <a16:creationId xmlns:a16="http://schemas.microsoft.com/office/drawing/2014/main" id="{2AB2648D-BA5B-91F5-8BC1-12201440757D}"/>
               </a:ext>
             </a:extLst>
           </p:cNvPr>
@@ -3120,7 +3121,7 @@
           <p:cNvPr id="4" name="Text Placeholder 3">
             <a:extLst>
               <a:ext uri="{FF2B5EF4-FFF2-40B4-BE49-F238E27FC236}">
-                <a16:creationId xmlns:a16="http://schemas.microsoft.com/office/drawing/2014/main" id="{EC61FC60-B060-12B2-5E82-55544DE04D4C}"/>
+                <a16:creationId xmlns:a16="http://schemas.microsoft.com/office/drawing/2014/main" id="{8DC21876-0FFB-AD28-4A1F-84768DB132F2}"/>
               </a:ext>
             </a:extLst>
           </p:cNvPr>
@@ -3140,12 +3141,70 @@
           </a:p>
         </p:txBody>
       </p:sp>
+      <p:sp>
+        <p:nvSpPr>
+          <p:cNvPr id="5" name="Textfeld 4">
+            <a:extLst>
+              <a:ext uri="{FF2B5EF4-FFF2-40B4-BE49-F238E27FC236}">
+                <a16:creationId xmlns:a16="http://schemas.microsoft.com/office/drawing/2014/main" id="{340D1631-92C9-1212-9EA2-BC51E54E31A4}"/>
+              </a:ext>
+            </a:extLst>
+          </p:cNvPr>
+          <p:cNvSpPr txBox="1"/>
+          <p:nvPr/>
+        </p:nvSpPr>
+        <p:spPr>
+          <a:xfrm>
+            <a:off x="1149471" y="2763964"/>
+            <a:ext cx="2735035" cy="369332"/>
+          </a:xfrm>
+          <a:prstGeom prst="rect">
+            <a:avLst/>
+          </a:prstGeom>
+          <a:noFill/>
+        </p:spPr>
+        <p:txBody>
+          <a:bodyPr rot="0" spcFirstLastPara="0" vertOverflow="overflow" horzOverflow="overflow" vert="horz" wrap="square" lIns="91440" tIns="45720" rIns="91440" bIns="45720" numCol="1" spcCol="0" rtlCol="0" fromWordArt="0" anchor="t" anchorCtr="0" forceAA="0" compatLnSpc="1">
+            <a:prstTxWarp prst="textNoShape">
+              <a:avLst/>
+            </a:prstTxWarp>
+            <a:spAutoFit/>
+          </a:bodyPr>
+          <a:lstStyle/>
+          <a:p>
+            <a:r>
+              <a:rPr lang="de-DE" dirty="0">
+                <a:solidFill>
+                  <a:srgbClr val="FF0000"/>
+                </a:solidFill>
+              </a:rPr>
+              <a:t>Summary (</a:t>
+            </a:r>
+            <a:r>
+              <a:rPr lang="de-DE" err="1">
+                <a:solidFill>
+                  <a:srgbClr val="FF0000"/>
+                </a:solidFill>
+              </a:rPr>
+              <a:t>Seiar</a:t>
+            </a:r>
+            <a:r>
+              <a:rPr lang="de-DE" dirty="0">
+                <a:solidFill>
+                  <a:srgbClr val="FF0000"/>
+                </a:solidFill>
+              </a:rPr>
+              <a:t> )</a:t>
+            </a:r>
+          </a:p>
+        </p:txBody>
+      </p:sp>
       <p:pic>
         <p:nvPicPr>
-          <p:cNvPr id="7" name="Content Placeholder 6" descr="A graph showing the growth of a book&#10;&#10;Description automatically generated">
+          <p:cNvPr id="12" name="Inhaltsplatzhalter 11" descr="Ein Bild, das Text, Screenshot, Diagramm, Reihe enthält.&#10;&#10;Beschreibung automatisch generiert.">
             <a:extLst>
               <a:ext uri="{FF2B5EF4-FFF2-40B4-BE49-F238E27FC236}">
-                <a16:creationId xmlns:a16="http://schemas.microsoft.com/office/drawing/2014/main" id="{19EA9D37-D23E-EE12-4ACB-031C10461D17}"/>
+                <a16:creationId xmlns:a16="http://schemas.microsoft.com/office/drawing/2014/main" id="{6FC40EEA-592C-668A-0F4D-CC47AC3839DF}"/>
               </a:ext>
             </a:extLst>
           </p:cNvPr>
@@ -3169,144 +3228,10 @@
           </a:xfrm>
         </p:spPr>
       </p:pic>
-      <p:sp>
-        <p:nvSpPr>
-          <p:cNvPr id="3" name="Textfeld 2">
-            <a:extLst>
-              <a:ext uri="{FF2B5EF4-FFF2-40B4-BE49-F238E27FC236}">
-                <a16:creationId xmlns:a16="http://schemas.microsoft.com/office/drawing/2014/main" id="{99B88837-E2FE-A893-9E97-7F7FEF4938FC}"/>
-              </a:ext>
-            </a:extLst>
-          </p:cNvPr>
-          <p:cNvSpPr txBox="1"/>
-          <p:nvPr/>
-        </p:nvSpPr>
-        <p:spPr>
-          <a:xfrm>
-            <a:off x="1749126" y="3321856"/>
-            <a:ext cx="3265714" cy="369332"/>
-          </a:xfrm>
-          <a:prstGeom prst="rect">
-            <a:avLst/>
-          </a:prstGeom>
-          <a:noFill/>
-        </p:spPr>
-        <p:txBody>
-          <a:bodyPr rot="0" spcFirstLastPara="0" vertOverflow="overflow" horzOverflow="overflow" vert="horz" wrap="square" lIns="91440" tIns="45720" rIns="91440" bIns="45720" numCol="1" spcCol="0" rtlCol="0" fromWordArt="0" anchor="t" anchorCtr="0" forceAA="0" compatLnSpc="1">
-            <a:prstTxWarp prst="textNoShape">
-              <a:avLst/>
-            </a:prstTxWarp>
-            <a:spAutoFit/>
-          </a:bodyPr>
-          <a:lstStyle/>
-          <a:p>
-            <a:r>
-              <a:rPr lang="de-DE" dirty="0">
-                <a:solidFill>
-                  <a:srgbClr val="FF0000"/>
-                </a:solidFill>
-              </a:rPr>
-              <a:t>Warum Daten vor 2015? </a:t>
-            </a:r>
-          </a:p>
-        </p:txBody>
-      </p:sp>
-      <p:sp>
-        <p:nvSpPr>
-          <p:cNvPr id="5" name="Textfeld 4">
-            <a:extLst>
-              <a:ext uri="{FF2B5EF4-FFF2-40B4-BE49-F238E27FC236}">
-                <a16:creationId xmlns:a16="http://schemas.microsoft.com/office/drawing/2014/main" id="{7E388F70-DC19-C63B-C5DD-9939BF3A9210}"/>
-              </a:ext>
-            </a:extLst>
-          </p:cNvPr>
-          <p:cNvSpPr txBox="1"/>
-          <p:nvPr/>
-        </p:nvSpPr>
-        <p:spPr>
-          <a:xfrm>
-            <a:off x="5547731" y="5380961"/>
-            <a:ext cx="4293053" cy="369332"/>
-          </a:xfrm>
-          <a:prstGeom prst="rect">
-            <a:avLst/>
-          </a:prstGeom>
-          <a:noFill/>
-        </p:spPr>
-        <p:txBody>
-          <a:bodyPr rot="0" spcFirstLastPara="0" vertOverflow="overflow" horzOverflow="overflow" vert="horz" wrap="square" lIns="91440" tIns="45720" rIns="91440" bIns="45720" numCol="1" spcCol="0" rtlCol="0" fromWordArt="0" anchor="t" anchorCtr="0" forceAA="0" compatLnSpc="1">
-            <a:prstTxWarp prst="textNoShape">
-              <a:avLst/>
-            </a:prstTxWarp>
-            <a:spAutoFit/>
-          </a:bodyPr>
-          <a:lstStyle/>
-          <a:p>
-            <a:r>
-              <a:rPr lang="de-DE" dirty="0">
-                <a:solidFill>
-                  <a:srgbClr val="FF0000"/>
-                </a:solidFill>
-              </a:rPr>
-              <a:t>X-Achse Major/Minor Ticks (Georg)</a:t>
-            </a:r>
-          </a:p>
-        </p:txBody>
-      </p:sp>
-      <p:sp>
-        <p:nvSpPr>
-          <p:cNvPr id="6" name="Textfeld 5">
-            <a:extLst>
-              <a:ext uri="{FF2B5EF4-FFF2-40B4-BE49-F238E27FC236}">
-                <a16:creationId xmlns:a16="http://schemas.microsoft.com/office/drawing/2014/main" id="{04763C24-0F1C-6ED9-C263-605C9DE2CF33}"/>
-              </a:ext>
-            </a:extLst>
-          </p:cNvPr>
-          <p:cNvSpPr txBox="1"/>
-          <p:nvPr/>
-        </p:nvSpPr>
-        <p:spPr>
-          <a:xfrm>
-            <a:off x="5548947" y="5869213"/>
-            <a:ext cx="3816803" cy="646331"/>
-          </a:xfrm>
-          <a:prstGeom prst="rect">
-            <a:avLst/>
-          </a:prstGeom>
-          <a:noFill/>
-        </p:spPr>
-        <p:txBody>
-          <a:bodyPr rot="0" spcFirstLastPara="0" vertOverflow="overflow" horzOverflow="overflow" vert="horz" wrap="square" lIns="91440" tIns="45720" rIns="91440" bIns="45720" numCol="1" spcCol="0" rtlCol="0" fromWordArt="0" anchor="t" anchorCtr="0" forceAA="0" compatLnSpc="1">
-            <a:prstTxWarp prst="textNoShape">
-              <a:avLst/>
-            </a:prstTxWarp>
-            <a:spAutoFit/>
-          </a:bodyPr>
-          <a:lstStyle/>
-          <a:p>
-            <a:r>
-              <a:rPr lang="de-DE" dirty="0">
-                <a:solidFill>
-                  <a:srgbClr val="FF0000"/>
-                </a:solidFill>
-              </a:rPr>
-              <a:t>Vergleich mit Publikationsdaten, </a:t>
-            </a:r>
-            <a:r>
-              <a:rPr lang="de-DE">
-                <a:solidFill>
-                  <a:srgbClr val="FF0000"/>
-                </a:solidFill>
-              </a:rPr>
-              <a:t>auch vor 2015</a:t>
-            </a:r>
-          </a:p>
-        </p:txBody>
-      </p:sp>
     </p:spTree>
     <p:extLst>
       <p:ext uri="{BB962C8B-B14F-4D97-AF65-F5344CB8AC3E}">
-        <p14:creationId xmlns:p14="http://schemas.microsoft.com/office/powerpoint/2010/main" val="3666487214"/>
+        <p14:creationId xmlns:p14="http://schemas.microsoft.com/office/powerpoint/2010/main" val="233784213"/>
       </p:ext>
     </p:extLst>
   </p:cSld>
@@ -3338,7 +3263,7 @@
           <p:cNvPr id="2" name="Title 1">
             <a:extLst>
               <a:ext uri="{FF2B5EF4-FFF2-40B4-BE49-F238E27FC236}">
-                <a16:creationId xmlns:a16="http://schemas.microsoft.com/office/drawing/2014/main" id="{7103A217-21A5-7901-6120-28237D26EEE7}"/>
+                <a16:creationId xmlns:a16="http://schemas.microsoft.com/office/drawing/2014/main" id="{A1B1FB28-5B8C-BCFB-04B3-54966AAE995C}"/>
               </a:ext>
             </a:extLst>
           </p:cNvPr>
@@ -3355,19 +3280,44 @@
           <a:lstStyle/>
           <a:p>
             <a:r>
-              <a:rPr lang="en-US" dirty="0"/>
-              <a:t>WIPO</a:t>
+              <a:rPr lang="en-US" dirty="0" err="1"/>
+              <a:t>Espacenet</a:t>
             </a:r>
             <a:endParaRPr lang="en-DE" dirty="0"/>
+          </a:p>
+        </p:txBody>
+      </p:sp>
+      <p:sp>
+        <p:nvSpPr>
+          <p:cNvPr id="4" name="Text Placeholder 3">
+            <a:extLst>
+              <a:ext uri="{FF2B5EF4-FFF2-40B4-BE49-F238E27FC236}">
+                <a16:creationId xmlns:a16="http://schemas.microsoft.com/office/drawing/2014/main" id="{EC61FC60-B060-12B2-5E82-55544DE04D4C}"/>
+              </a:ext>
+            </a:extLst>
+          </p:cNvPr>
+          <p:cNvSpPr>
+            <a:spLocks noGrp="1"/>
+          </p:cNvSpPr>
+          <p:nvPr>
+            <p:ph type="body" sz="half" idx="2"/>
+          </p:nvPr>
+        </p:nvSpPr>
+        <p:spPr/>
+        <p:txBody>
+          <a:bodyPr/>
+          <a:lstStyle/>
+          <a:p>
+            <a:endParaRPr lang="en-DE"/>
           </a:p>
         </p:txBody>
       </p:sp>
       <p:pic>
         <p:nvPicPr>
-          <p:cNvPr id="6" name="Content Placeholder 5" descr="A screenshot of a computer&#10;&#10;Description automatically generated">
+          <p:cNvPr id="7" name="Content Placeholder 6" descr="A graph showing the growth of a book&#10;&#10;Description automatically generated">
             <a:extLst>
               <a:ext uri="{FF2B5EF4-FFF2-40B4-BE49-F238E27FC236}">
-                <a16:creationId xmlns:a16="http://schemas.microsoft.com/office/drawing/2014/main" id="{4B3A4204-5FA0-8266-8F40-B1B7C419A7FD}"/>
+                <a16:creationId xmlns:a16="http://schemas.microsoft.com/office/drawing/2014/main" id="{19EA9D37-D23E-EE12-4ACB-031C10461D17}"/>
               </a:ext>
             </a:extLst>
           </p:cNvPr>
@@ -3379,55 +3329,24 @@
           </p:nvPr>
         </p:nvPicPr>
         <p:blipFill>
-          <a:blip r:embed="rId2" cstate="print">
-            <a:extLst>
-              <a:ext uri="{28A0092B-C50C-407E-A947-70E740481C1C}">
-                <a14:useLocalDpi xmlns:a14="http://schemas.microsoft.com/office/drawing/2010/main" val="0"/>
-              </a:ext>
-            </a:extLst>
-          </a:blip>
+          <a:blip r:embed="rId2"/>
           <a:stretch>
             <a:fillRect/>
           </a:stretch>
         </p:blipFill>
         <p:spPr>
           <a:xfrm>
-            <a:off x="-312830" y="2499396"/>
-            <a:ext cx="11710639" cy="2632990"/>
+            <a:off x="5221288" y="1595437"/>
+            <a:ext cx="6096000" cy="3657600"/>
           </a:xfrm>
         </p:spPr>
       </p:pic>
       <p:sp>
         <p:nvSpPr>
-          <p:cNvPr id="4" name="Text Placeholder 3">
-            <a:extLst>
-              <a:ext uri="{FF2B5EF4-FFF2-40B4-BE49-F238E27FC236}">
-                <a16:creationId xmlns:a16="http://schemas.microsoft.com/office/drawing/2014/main" id="{62A3F758-1198-A982-F141-E7B7353A52B0}"/>
-              </a:ext>
-            </a:extLst>
-          </p:cNvPr>
-          <p:cNvSpPr>
-            <a:spLocks noGrp="1"/>
-          </p:cNvSpPr>
-          <p:nvPr>
-            <p:ph type="body" sz="half" idx="2"/>
-          </p:nvPr>
-        </p:nvSpPr>
-        <p:spPr/>
-        <p:txBody>
-          <a:bodyPr/>
-          <a:lstStyle/>
-          <a:p>
-            <a:endParaRPr lang="en-DE"/>
-          </a:p>
-        </p:txBody>
-      </p:sp>
-      <p:sp>
-        <p:nvSpPr>
           <p:cNvPr id="3" name="Textfeld 2">
             <a:extLst>
               <a:ext uri="{FF2B5EF4-FFF2-40B4-BE49-F238E27FC236}">
-                <a16:creationId xmlns:a16="http://schemas.microsoft.com/office/drawing/2014/main" id="{8F97CCA7-EE85-DE8E-AC2C-A412E11936F7}"/>
+                <a16:creationId xmlns:a16="http://schemas.microsoft.com/office/drawing/2014/main" id="{99B88837-E2FE-A893-9E97-7F7FEF4938FC}"/>
               </a:ext>
             </a:extLst>
           </p:cNvPr>
@@ -3436,8 +3355,8 @@
         </p:nvSpPr>
         <p:spPr>
           <a:xfrm>
-            <a:off x="6170839" y="5572125"/>
-            <a:ext cx="4082142" cy="369332"/>
+            <a:off x="1749126" y="3321856"/>
+            <a:ext cx="3265714" cy="369332"/>
           </a:xfrm>
           <a:prstGeom prst="rect">
             <a:avLst/>
@@ -3459,7 +3378,99 @@
                   <a:srgbClr val="FF0000"/>
                 </a:solidFill>
               </a:rPr>
-              <a:t>IPC Codes (?)</a:t>
+              <a:t>Warum Daten vor 2015? </a:t>
+            </a:r>
+          </a:p>
+        </p:txBody>
+      </p:sp>
+      <p:sp>
+        <p:nvSpPr>
+          <p:cNvPr id="5" name="Textfeld 4">
+            <a:extLst>
+              <a:ext uri="{FF2B5EF4-FFF2-40B4-BE49-F238E27FC236}">
+                <a16:creationId xmlns:a16="http://schemas.microsoft.com/office/drawing/2014/main" id="{7E388F70-DC19-C63B-C5DD-9939BF3A9210}"/>
+              </a:ext>
+            </a:extLst>
+          </p:cNvPr>
+          <p:cNvSpPr txBox="1"/>
+          <p:nvPr/>
+        </p:nvSpPr>
+        <p:spPr>
+          <a:xfrm>
+            <a:off x="5547731" y="5380961"/>
+            <a:ext cx="4293053" cy="369332"/>
+          </a:xfrm>
+          <a:prstGeom prst="rect">
+            <a:avLst/>
+          </a:prstGeom>
+          <a:noFill/>
+        </p:spPr>
+        <p:txBody>
+          <a:bodyPr rot="0" spcFirstLastPara="0" vertOverflow="overflow" horzOverflow="overflow" vert="horz" wrap="square" lIns="91440" tIns="45720" rIns="91440" bIns="45720" numCol="1" spcCol="0" rtlCol="0" fromWordArt="0" anchor="t" anchorCtr="0" forceAA="0" compatLnSpc="1">
+            <a:prstTxWarp prst="textNoShape">
+              <a:avLst/>
+            </a:prstTxWarp>
+            <a:spAutoFit/>
+          </a:bodyPr>
+          <a:lstStyle/>
+          <a:p>
+            <a:r>
+              <a:rPr lang="de-DE" dirty="0">
+                <a:solidFill>
+                  <a:srgbClr val="FF0000"/>
+                </a:solidFill>
+              </a:rPr>
+              <a:t>X-Achse Major/Minor Ticks (Georg)</a:t>
+            </a:r>
+          </a:p>
+        </p:txBody>
+      </p:sp>
+      <p:sp>
+        <p:nvSpPr>
+          <p:cNvPr id="6" name="Textfeld 5">
+            <a:extLst>
+              <a:ext uri="{FF2B5EF4-FFF2-40B4-BE49-F238E27FC236}">
+                <a16:creationId xmlns:a16="http://schemas.microsoft.com/office/drawing/2014/main" id="{04763C24-0F1C-6ED9-C263-605C9DE2CF33}"/>
+              </a:ext>
+            </a:extLst>
+          </p:cNvPr>
+          <p:cNvSpPr txBox="1"/>
+          <p:nvPr/>
+        </p:nvSpPr>
+        <p:spPr>
+          <a:xfrm>
+            <a:off x="5548947" y="5869213"/>
+            <a:ext cx="3816803" cy="646331"/>
+          </a:xfrm>
+          <a:prstGeom prst="rect">
+            <a:avLst/>
+          </a:prstGeom>
+          <a:noFill/>
+        </p:spPr>
+        <p:txBody>
+          <a:bodyPr rot="0" spcFirstLastPara="0" vertOverflow="overflow" horzOverflow="overflow" vert="horz" wrap="square" lIns="91440" tIns="45720" rIns="91440" bIns="45720" numCol="1" spcCol="0" rtlCol="0" fromWordArt="0" anchor="t" anchorCtr="0" forceAA="0" compatLnSpc="1">
+            <a:prstTxWarp prst="textNoShape">
+              <a:avLst/>
+            </a:prstTxWarp>
+            <a:spAutoFit/>
+          </a:bodyPr>
+          <a:lstStyle/>
+          <a:p>
+            <a:r>
+              <a:rPr lang="de-DE" dirty="0">
+                <a:solidFill>
+                  <a:srgbClr val="FF0000"/>
+                </a:solidFill>
+              </a:rPr>
+              <a:t>Vergleich mit Publikationsdaten, </a:t>
+            </a:r>
+            <a:r>
+              <a:rPr lang="de-DE">
+                <a:solidFill>
+                  <a:srgbClr val="FF0000"/>
+                </a:solidFill>
+              </a:rPr>
+              <a:t>auch vor 2015</a:t>
             </a:r>
           </a:p>
         </p:txBody>
@@ -3467,7 +3478,7 @@
     </p:spTree>
     <p:extLst>
       <p:ext uri="{BB962C8B-B14F-4D97-AF65-F5344CB8AC3E}">
-        <p14:creationId xmlns:p14="http://schemas.microsoft.com/office/powerpoint/2010/main" val="3145640299"/>
+        <p14:creationId xmlns:p14="http://schemas.microsoft.com/office/powerpoint/2010/main" val="3666487214"/>
       </p:ext>
     </p:extLst>
   </p:cSld>
@@ -3499,7 +3510,7 @@
           <p:cNvPr id="2" name="Title 1">
             <a:extLst>
               <a:ext uri="{FF2B5EF4-FFF2-40B4-BE49-F238E27FC236}">
-                <a16:creationId xmlns:a16="http://schemas.microsoft.com/office/drawing/2014/main" id="{2607136C-E885-609E-94FD-103F489D415B}"/>
+                <a16:creationId xmlns:a16="http://schemas.microsoft.com/office/drawing/2014/main" id="{7103A217-21A5-7901-6120-28237D26EEE7}"/>
               </a:ext>
             </a:extLst>
           </p:cNvPr>
@@ -3523,50 +3534,12 @@
           </a:p>
         </p:txBody>
       </p:sp>
-      <p:sp>
-        <p:nvSpPr>
-          <p:cNvPr id="4" name="Text Placeholder 3">
+      <p:pic>
+        <p:nvPicPr>
+          <p:cNvPr id="6" name="Content Placeholder 5" descr="A screenshot of a computer&#10;&#10;Description automatically generated">
             <a:extLst>
               <a:ext uri="{FF2B5EF4-FFF2-40B4-BE49-F238E27FC236}">
-                <a16:creationId xmlns:a16="http://schemas.microsoft.com/office/drawing/2014/main" id="{A9E17B91-A842-294D-FDBB-489DAA25A9FA}"/>
-              </a:ext>
-            </a:extLst>
-          </p:cNvPr>
-          <p:cNvSpPr>
-            <a:spLocks noGrp="1"/>
-          </p:cNvSpPr>
-          <p:nvPr>
-            <p:ph type="body" sz="half" idx="2"/>
-          </p:nvPr>
-        </p:nvSpPr>
-        <p:spPr/>
-        <p:txBody>
-          <a:bodyPr vert="horz" lIns="91440" tIns="45720" rIns="91440" bIns="45720" rtlCol="0" anchor="t">
-            <a:normAutofit/>
-          </a:bodyPr>
-          <a:lstStyle/>
-          <a:p>
-            <a:pPr marL="285750" indent="-285750">
-              <a:buChar char="•"/>
-            </a:pPr>
-            <a:r>
-              <a:rPr lang="en-DE" dirty="0"/>
-              <a:t>WIPO additionally manages the rights to 605 international patents (not shown </a:t>
-            </a:r>
-            <a:r>
-              <a:rPr lang="en-DE"/>
-              <a:t>in graph)</a:t>
-            </a:r>
-            <a:endParaRPr lang="en-DE" dirty="0"/>
-          </a:p>
-        </p:txBody>
-      </p:sp>
-      <p:pic>
-        <p:nvPicPr>
-          <p:cNvPr id="7" name="Content Placeholder 6" descr="A graph of blue and white bars&#10;&#10;Description automatically generated">
-            <a:extLst>
-              <a:ext uri="{FF2B5EF4-FFF2-40B4-BE49-F238E27FC236}">
-                <a16:creationId xmlns:a16="http://schemas.microsoft.com/office/drawing/2014/main" id="{28E7E884-2B3B-27CF-FF3A-73A149F825F9}"/>
+                <a16:creationId xmlns:a16="http://schemas.microsoft.com/office/drawing/2014/main" id="{4B3A4204-5FA0-8266-8F40-B1B7C419A7FD}"/>
               </a:ext>
             </a:extLst>
           </p:cNvPr>
@@ -3578,24 +3551,55 @@
           </p:nvPr>
         </p:nvPicPr>
         <p:blipFill>
-          <a:blip r:embed="rId2"/>
+          <a:blip r:embed="rId2" cstate="print">
+            <a:extLst>
+              <a:ext uri="{28A0092B-C50C-407E-A947-70E740481C1C}">
+                <a14:useLocalDpi xmlns:a14="http://schemas.microsoft.com/office/drawing/2010/main" val="0"/>
+              </a:ext>
+            </a:extLst>
+          </a:blip>
           <a:stretch>
             <a:fillRect/>
           </a:stretch>
         </p:blipFill>
         <p:spPr>
           <a:xfrm>
-            <a:off x="5221288" y="1595437"/>
-            <a:ext cx="6096000" cy="3657600"/>
+            <a:off x="-312830" y="2499396"/>
+            <a:ext cx="11710639" cy="2632990"/>
           </a:xfrm>
         </p:spPr>
       </p:pic>
       <p:sp>
         <p:nvSpPr>
+          <p:cNvPr id="4" name="Text Placeholder 3">
+            <a:extLst>
+              <a:ext uri="{FF2B5EF4-FFF2-40B4-BE49-F238E27FC236}">
+                <a16:creationId xmlns:a16="http://schemas.microsoft.com/office/drawing/2014/main" id="{62A3F758-1198-A982-F141-E7B7353A52B0}"/>
+              </a:ext>
+            </a:extLst>
+          </p:cNvPr>
+          <p:cNvSpPr>
+            <a:spLocks noGrp="1"/>
+          </p:cNvSpPr>
+          <p:nvPr>
+            <p:ph type="body" sz="half" idx="2"/>
+          </p:nvPr>
+        </p:nvSpPr>
+        <p:spPr/>
+        <p:txBody>
+          <a:bodyPr/>
+          <a:lstStyle/>
+          <a:p>
+            <a:endParaRPr lang="en-DE"/>
+          </a:p>
+        </p:txBody>
+      </p:sp>
+      <p:sp>
+        <p:nvSpPr>
           <p:cNvPr id="3" name="Textfeld 2">
             <a:extLst>
               <a:ext uri="{FF2B5EF4-FFF2-40B4-BE49-F238E27FC236}">
-                <a16:creationId xmlns:a16="http://schemas.microsoft.com/office/drawing/2014/main" id="{EE654DBD-9C9F-7792-2F9B-8D0FD2B9BF5F}"/>
+                <a16:creationId xmlns:a16="http://schemas.microsoft.com/office/drawing/2014/main" id="{8F97CCA7-EE85-DE8E-AC2C-A412E11936F7}"/>
               </a:ext>
             </a:extLst>
           </p:cNvPr>
@@ -3604,8 +3608,8 @@
         </p:nvSpPr>
         <p:spPr>
           <a:xfrm>
-            <a:off x="5651887" y="5417744"/>
-            <a:ext cx="3510642" cy="369332"/>
+            <a:off x="6170839" y="5572125"/>
+            <a:ext cx="4082142" cy="369332"/>
           </a:xfrm>
           <a:prstGeom prst="rect">
             <a:avLst/>
@@ -3627,28 +3631,15 @@
                   <a:srgbClr val="FF0000"/>
                 </a:solidFill>
               </a:rPr>
-              <a:t>Vergleich mit </a:t>
-            </a:r>
-            <a:r>
-              <a:rPr lang="de-DE" err="1">
-                <a:solidFill>
-                  <a:srgbClr val="FF0000"/>
-                </a:solidFill>
-              </a:rPr>
-              <a:t>Espacenet</a:t>
-            </a:r>
-            <a:endParaRPr lang="de-DE">
-              <a:solidFill>
-                <a:srgbClr val="FF0000"/>
-              </a:solidFill>
-            </a:endParaRPr>
+              <a:t>IPC Codes (?)</a:t>
+            </a:r>
           </a:p>
         </p:txBody>
       </p:sp>
     </p:spTree>
     <p:extLst>
       <p:ext uri="{BB962C8B-B14F-4D97-AF65-F5344CB8AC3E}">
-        <p14:creationId xmlns:p14="http://schemas.microsoft.com/office/powerpoint/2010/main" val="3793083112"/>
+        <p14:creationId xmlns:p14="http://schemas.microsoft.com/office/powerpoint/2010/main" val="3145640299"/>
       </p:ext>
     </p:extLst>
   </p:cSld>
@@ -3680,7 +3671,7 @@
           <p:cNvPr id="2" name="Title 1">
             <a:extLst>
               <a:ext uri="{FF2B5EF4-FFF2-40B4-BE49-F238E27FC236}">
-                <a16:creationId xmlns:a16="http://schemas.microsoft.com/office/drawing/2014/main" id="{48B0D354-45FF-F7F1-B31C-13325FBFAE41}"/>
+                <a16:creationId xmlns:a16="http://schemas.microsoft.com/office/drawing/2014/main" id="{2607136C-E885-609E-94FD-103F489D415B}"/>
               </a:ext>
             </a:extLst>
           </p:cNvPr>
@@ -3709,7 +3700,7 @@
           <p:cNvPr id="4" name="Text Placeholder 3">
             <a:extLst>
               <a:ext uri="{FF2B5EF4-FFF2-40B4-BE49-F238E27FC236}">
-                <a16:creationId xmlns:a16="http://schemas.microsoft.com/office/drawing/2014/main" id="{B6B3E347-573E-8418-4C83-C104B4CA332C}"/>
+                <a16:creationId xmlns:a16="http://schemas.microsoft.com/office/drawing/2014/main" id="{A9E17B91-A842-294D-FDBB-489DAA25A9FA}"/>
               </a:ext>
             </a:extLst>
           </p:cNvPr>
@@ -3722,19 +3713,32 @@
         </p:nvSpPr>
         <p:spPr/>
         <p:txBody>
-          <a:bodyPr/>
-          <a:lstStyle/>
-          <a:p>
+          <a:bodyPr vert="horz" lIns="91440" tIns="45720" rIns="91440" bIns="45720" rtlCol="0" anchor="t">
+            <a:normAutofit/>
+          </a:bodyPr>
+          <a:lstStyle/>
+          <a:p>
+            <a:pPr marL="285750" indent="-285750">
+              <a:buChar char="•"/>
+            </a:pPr>
+            <a:r>
+              <a:rPr lang="en-DE" dirty="0"/>
+              <a:t>WIPO additionally manages the rights to 605 international patents (not shown </a:t>
+            </a:r>
+            <a:r>
+              <a:rPr lang="en-DE"/>
+              <a:t>in graph)</a:t>
+            </a:r>
             <a:endParaRPr lang="en-DE" dirty="0"/>
           </a:p>
         </p:txBody>
       </p:sp>
       <p:pic>
         <p:nvPicPr>
-          <p:cNvPr id="7" name="Content Placeholder 6" descr="A graph showing the number of patentes&#10;&#10;Description automatically generated">
+          <p:cNvPr id="7" name="Content Placeholder 6" descr="A graph of blue and white bars&#10;&#10;Description automatically generated">
             <a:extLst>
               <a:ext uri="{FF2B5EF4-FFF2-40B4-BE49-F238E27FC236}">
-                <a16:creationId xmlns:a16="http://schemas.microsoft.com/office/drawing/2014/main" id="{32121764-E93C-8100-8E7A-17DFC621D7B6}"/>
+                <a16:creationId xmlns:a16="http://schemas.microsoft.com/office/drawing/2014/main" id="{28E7E884-2B3B-27CF-FF3A-73A149F825F9}"/>
               </a:ext>
             </a:extLst>
           </p:cNvPr>
@@ -3760,6 +3764,174 @@
       </p:pic>
       <p:sp>
         <p:nvSpPr>
+          <p:cNvPr id="3" name="Textfeld 2">
+            <a:extLst>
+              <a:ext uri="{FF2B5EF4-FFF2-40B4-BE49-F238E27FC236}">
+                <a16:creationId xmlns:a16="http://schemas.microsoft.com/office/drawing/2014/main" id="{EE654DBD-9C9F-7792-2F9B-8D0FD2B9BF5F}"/>
+              </a:ext>
+            </a:extLst>
+          </p:cNvPr>
+          <p:cNvSpPr txBox="1"/>
+          <p:nvPr/>
+        </p:nvSpPr>
+        <p:spPr>
+          <a:xfrm>
+            <a:off x="5651887" y="5417744"/>
+            <a:ext cx="3510642" cy="369332"/>
+          </a:xfrm>
+          <a:prstGeom prst="rect">
+            <a:avLst/>
+          </a:prstGeom>
+          <a:noFill/>
+        </p:spPr>
+        <p:txBody>
+          <a:bodyPr rot="0" spcFirstLastPara="0" vertOverflow="overflow" horzOverflow="overflow" vert="horz" wrap="square" lIns="91440" tIns="45720" rIns="91440" bIns="45720" numCol="1" spcCol="0" rtlCol="0" fromWordArt="0" anchor="t" anchorCtr="0" forceAA="0" compatLnSpc="1">
+            <a:prstTxWarp prst="textNoShape">
+              <a:avLst/>
+            </a:prstTxWarp>
+            <a:spAutoFit/>
+          </a:bodyPr>
+          <a:lstStyle/>
+          <a:p>
+            <a:r>
+              <a:rPr lang="de-DE" dirty="0">
+                <a:solidFill>
+                  <a:srgbClr val="FF0000"/>
+                </a:solidFill>
+              </a:rPr>
+              <a:t>Vergleich mit </a:t>
+            </a:r>
+            <a:r>
+              <a:rPr lang="de-DE" err="1">
+                <a:solidFill>
+                  <a:srgbClr val="FF0000"/>
+                </a:solidFill>
+              </a:rPr>
+              <a:t>Espacenet</a:t>
+            </a:r>
+            <a:endParaRPr lang="de-DE">
+              <a:solidFill>
+                <a:srgbClr val="FF0000"/>
+              </a:solidFill>
+            </a:endParaRPr>
+          </a:p>
+        </p:txBody>
+      </p:sp>
+    </p:spTree>
+    <p:extLst>
+      <p:ext uri="{BB962C8B-B14F-4D97-AF65-F5344CB8AC3E}">
+        <p14:creationId xmlns:p14="http://schemas.microsoft.com/office/powerpoint/2010/main" val="3793083112"/>
+      </p:ext>
+    </p:extLst>
+  </p:cSld>
+  <p:clrMapOvr>
+    <a:masterClrMapping/>
+  </p:clrMapOvr>
+</p:sld>
+</file>
+
+<file path=ppt/slides/slide14.xml><?xml version="1.0" encoding="utf-8"?>
+<p:sld xmlns:a="http://schemas.openxmlformats.org/drawingml/2006/main" xmlns:r="http://schemas.openxmlformats.org/officeDocument/2006/relationships" xmlns:p="http://schemas.openxmlformats.org/presentationml/2006/main">
+  <p:cSld>
+    <p:spTree>
+      <p:nvGrpSpPr>
+        <p:cNvPr id="1" name=""/>
+        <p:cNvGrpSpPr/>
+        <p:nvPr/>
+      </p:nvGrpSpPr>
+      <p:grpSpPr>
+        <a:xfrm>
+          <a:off x="0" y="0"/>
+          <a:ext cx="0" cy="0"/>
+          <a:chOff x="0" y="0"/>
+          <a:chExt cx="0" cy="0"/>
+        </a:xfrm>
+      </p:grpSpPr>
+      <p:sp>
+        <p:nvSpPr>
+          <p:cNvPr id="2" name="Title 1">
+            <a:extLst>
+              <a:ext uri="{FF2B5EF4-FFF2-40B4-BE49-F238E27FC236}">
+                <a16:creationId xmlns:a16="http://schemas.microsoft.com/office/drawing/2014/main" id="{48B0D354-45FF-F7F1-B31C-13325FBFAE41}"/>
+              </a:ext>
+            </a:extLst>
+          </p:cNvPr>
+          <p:cNvSpPr>
+            <a:spLocks noGrp="1"/>
+          </p:cNvSpPr>
+          <p:nvPr>
+            <p:ph type="title"/>
+          </p:nvPr>
+        </p:nvSpPr>
+        <p:spPr/>
+        <p:txBody>
+          <a:bodyPr/>
+          <a:lstStyle/>
+          <a:p>
+            <a:r>
+              <a:rPr lang="en-US" dirty="0"/>
+              <a:t>WIPO</a:t>
+            </a:r>
+            <a:endParaRPr lang="en-DE" dirty="0"/>
+          </a:p>
+        </p:txBody>
+      </p:sp>
+      <p:sp>
+        <p:nvSpPr>
+          <p:cNvPr id="4" name="Text Placeholder 3">
+            <a:extLst>
+              <a:ext uri="{FF2B5EF4-FFF2-40B4-BE49-F238E27FC236}">
+                <a16:creationId xmlns:a16="http://schemas.microsoft.com/office/drawing/2014/main" id="{B6B3E347-573E-8418-4C83-C104B4CA332C}"/>
+              </a:ext>
+            </a:extLst>
+          </p:cNvPr>
+          <p:cNvSpPr>
+            <a:spLocks noGrp="1"/>
+          </p:cNvSpPr>
+          <p:nvPr>
+            <p:ph type="body" sz="half" idx="2"/>
+          </p:nvPr>
+        </p:nvSpPr>
+        <p:spPr/>
+        <p:txBody>
+          <a:bodyPr/>
+          <a:lstStyle/>
+          <a:p>
+            <a:endParaRPr lang="en-DE" dirty="0"/>
+          </a:p>
+        </p:txBody>
+      </p:sp>
+      <p:pic>
+        <p:nvPicPr>
+          <p:cNvPr id="7" name="Content Placeholder 6" descr="A graph showing the number of patentes&#10;&#10;Description automatically generated">
+            <a:extLst>
+              <a:ext uri="{FF2B5EF4-FFF2-40B4-BE49-F238E27FC236}">
+                <a16:creationId xmlns:a16="http://schemas.microsoft.com/office/drawing/2014/main" id="{32121764-E93C-8100-8E7A-17DFC621D7B6}"/>
+              </a:ext>
+            </a:extLst>
+          </p:cNvPr>
+          <p:cNvPicPr>
+            <a:picLocks noGrp="1" noChangeAspect="1"/>
+          </p:cNvPicPr>
+          <p:nvPr>
+            <p:ph idx="1"/>
+          </p:nvPr>
+        </p:nvPicPr>
+        <p:blipFill>
+          <a:blip r:embed="rId2"/>
+          <a:stretch>
+            <a:fillRect/>
+          </a:stretch>
+        </p:blipFill>
+        <p:spPr>
+          <a:xfrm>
+            <a:off x="5221288" y="1595437"/>
+            <a:ext cx="6096000" cy="3657600"/>
+          </a:xfrm>
+        </p:spPr>
+      </p:pic>
+      <p:sp>
+        <p:nvSpPr>
           <p:cNvPr id="5" name="Textfeld 4">
             <a:extLst>
               <a:ext uri="{FF2B5EF4-FFF2-40B4-BE49-F238E27FC236}">
@@ -3826,7 +3998,7 @@
 </p:sld>
 </file>
 
-<file path=ppt/slides/slide14.xml><?xml version="1.0" encoding="utf-8"?>
+<file path=ppt/slides/slide15.xml><?xml version="1.0" encoding="utf-8"?>
 <p:sld xmlns:a="http://schemas.openxmlformats.org/drawingml/2006/main" xmlns:r="http://schemas.openxmlformats.org/officeDocument/2006/relationships" xmlns:p="http://schemas.openxmlformats.org/presentationml/2006/main">
   <p:cSld>
     <p:spTree>
@@ -3991,15 +4163,18 @@
                 <a:ea typeface="+mn-lt"/>
                 <a:cs typeface="+mn-lt"/>
               </a:rPr>
-              <a:t>  TS=("</a:t>
-            </a:r>
-            <a:r>
-              <a:rPr lang="en-GB" sz="1400" err="1">
-                <a:latin typeface="Lucida Console"/>
-                <a:ea typeface="+mn-lt"/>
-                <a:cs typeface="+mn-lt"/>
-              </a:rPr>
-              <a:t>self heal</a:t>
+              <a:t>  TS=("self heal*" </a:t>
+            </a:r>
+            <a:r>
+              <a:rPr lang="en-GB" sz="1400" b="1" dirty="0">
+                <a:solidFill>
+                  <a:srgbClr val="000080"/>
+                </a:solidFill>
+                <a:latin typeface="Lucida Console"/>
+                <a:ea typeface="+mn-lt"/>
+                <a:cs typeface="+mn-lt"/>
+              </a:rPr>
+              <a:t>OR</a:t>
             </a:r>
             <a:r>
               <a:rPr lang="en-GB" sz="1400" dirty="0">
@@ -4007,7 +4182,7 @@
                 <a:ea typeface="+mn-lt"/>
                 <a:cs typeface="+mn-lt"/>
               </a:rPr>
-              <a:t>*" </a:t>
+              <a:t> "self repair*" </a:t>
             </a:r>
             <a:r>
               <a:rPr lang="en-GB" sz="1400" b="1" dirty="0">
@@ -4029,12 +4204,12 @@
               <a:t> "</a:t>
             </a:r>
             <a:r>
-              <a:rPr lang="en-GB" sz="1400" err="1">
-                <a:latin typeface="Lucida Console"/>
-                <a:ea typeface="+mn-lt"/>
-                <a:cs typeface="+mn-lt"/>
-              </a:rPr>
-              <a:t>self repair</a:t>
+              <a:rPr lang="en-GB" sz="1400" dirty="0" err="1">
+                <a:latin typeface="Lucida Console"/>
+                <a:ea typeface="+mn-lt"/>
+                <a:cs typeface="+mn-lt"/>
+              </a:rPr>
+              <a:t>autonom</a:t>
             </a:r>
             <a:r>
               <a:rPr lang="en-GB" sz="1400" dirty="0">
@@ -4042,7 +4217,7 @@
                 <a:ea typeface="+mn-lt"/>
                 <a:cs typeface="+mn-lt"/>
               </a:rPr>
-              <a:t>*" </a:t>
+              <a:t>* repair*" </a:t>
             </a:r>
             <a:r>
               <a:rPr lang="en-GB" sz="1400" b="1" dirty="0">
@@ -4064,7 +4239,7 @@
               <a:t> "</a:t>
             </a:r>
             <a:r>
-              <a:rPr lang="en-GB" sz="1400" err="1">
+              <a:rPr lang="en-GB" sz="1400" dirty="0" err="1">
                 <a:latin typeface="Lucida Console"/>
                 <a:ea typeface="+mn-lt"/>
                 <a:cs typeface="+mn-lt"/>
@@ -4077,44 +4252,9 @@
                 <a:ea typeface="+mn-lt"/>
                 <a:cs typeface="+mn-lt"/>
               </a:rPr>
-              <a:t>* repair*" </a:t>
-            </a:r>
-            <a:r>
-              <a:rPr lang="en-GB" sz="1400" b="1" dirty="0">
-                <a:solidFill>
-                  <a:srgbClr val="000080"/>
-                </a:solidFill>
-                <a:latin typeface="Lucida Console"/>
-                <a:ea typeface="+mn-lt"/>
-                <a:cs typeface="+mn-lt"/>
-              </a:rPr>
-              <a:t>OR</a:t>
-            </a:r>
-            <a:r>
-              <a:rPr lang="en-GB" sz="1400" dirty="0">
-                <a:latin typeface="Lucida Console"/>
-                <a:ea typeface="+mn-lt"/>
-                <a:cs typeface="+mn-lt"/>
-              </a:rPr>
-              <a:t> "</a:t>
-            </a:r>
-            <a:r>
-              <a:rPr lang="en-GB" sz="1400" err="1">
-                <a:latin typeface="Lucida Console"/>
-                <a:ea typeface="+mn-lt"/>
-                <a:cs typeface="+mn-lt"/>
-              </a:rPr>
-              <a:t>autonom</a:t>
-            </a:r>
-            <a:r>
-              <a:rPr lang="en-GB" sz="1400" dirty="0">
-                <a:latin typeface="Lucida Console"/>
-                <a:ea typeface="+mn-lt"/>
-                <a:cs typeface="+mn-lt"/>
-              </a:rPr>
               <a:t>* heal*")</a:t>
             </a:r>
-            <a:endParaRPr lang="en-US" sz="1400"/>
+            <a:endParaRPr lang="en-US" sz="1400" dirty="0"/>
           </a:p>
           <a:p>
             <a:pPr marL="0" indent="0">
@@ -4612,7 +4752,7 @@
               </a:rPr>
               <a:t> "spirit*")  </a:t>
             </a:r>
-            <a:endParaRPr lang="en-GB" sz="1400">
+            <a:endParaRPr lang="en-GB" sz="1400" dirty="0">
               <a:solidFill>
                 <a:srgbClr val="000000"/>
               </a:solidFill>
@@ -4663,7 +4803,7 @@
               </a:rPr>
               <a:t>)</a:t>
             </a:r>
-            <a:endParaRPr lang="en-GB" sz="1400"/>
+            <a:endParaRPr lang="en-GB" sz="1400" dirty="0"/>
           </a:p>
           <a:p>
             <a:endParaRPr lang="en-GB" dirty="0"/>
@@ -4780,6 +4920,165 @@
   <p:cSld>
     <p:spTree>
       <p:nvGrpSpPr>
+        <p:cNvPr id="1" name="">
+          <a:extLst>
+            <a:ext uri="{FF2B5EF4-FFF2-40B4-BE49-F238E27FC236}">
+              <a16:creationId xmlns:a16="http://schemas.microsoft.com/office/drawing/2014/main" id="{B0D8BFF9-DE05-DAAC-6ACC-438907B13EFC}"/>
+            </a:ext>
+          </a:extLst>
+        </p:cNvPr>
+        <p:cNvGrpSpPr/>
+        <p:nvPr/>
+      </p:nvGrpSpPr>
+      <p:grpSpPr>
+        <a:xfrm>
+          <a:off x="0" y="0"/>
+          <a:ext cx="0" cy="0"/>
+          <a:chOff x="0" y="0"/>
+          <a:chExt cx="0" cy="0"/>
+        </a:xfrm>
+      </p:grpSpPr>
+      <p:sp>
+        <p:nvSpPr>
+          <p:cNvPr id="2" name="Title 1">
+            <a:extLst>
+              <a:ext uri="{FF2B5EF4-FFF2-40B4-BE49-F238E27FC236}">
+                <a16:creationId xmlns:a16="http://schemas.microsoft.com/office/drawing/2014/main" id="{00B2BAF8-5B1E-961D-5B94-0AF612A46044}"/>
+              </a:ext>
+            </a:extLst>
+          </p:cNvPr>
+          <p:cNvSpPr>
+            <a:spLocks noGrp="1"/>
+          </p:cNvSpPr>
+          <p:nvPr>
+            <p:ph type="title"/>
+          </p:nvPr>
+        </p:nvSpPr>
+        <p:spPr>
+          <a:xfrm>
+            <a:off x="839788" y="457200"/>
+            <a:ext cx="10517651" cy="1309030"/>
+          </a:xfrm>
+        </p:spPr>
+        <p:txBody>
+          <a:bodyPr vert="horz" lIns="91440" tIns="45720" rIns="91440" bIns="45720" rtlCol="0" anchor="t">
+            <a:normAutofit/>
+          </a:bodyPr>
+          <a:lstStyle/>
+          <a:p>
+            <a:r>
+              <a:rPr lang="en-GB" dirty="0"/>
+              <a:t>Number of annual publications for all material types</a:t>
+            </a:r>
+          </a:p>
+        </p:txBody>
+      </p:sp>
+      <p:sp>
+        <p:nvSpPr>
+          <p:cNvPr id="8" name="Text Placeholder 7">
+            <a:extLst>
+              <a:ext uri="{FF2B5EF4-FFF2-40B4-BE49-F238E27FC236}">
+                <a16:creationId xmlns:a16="http://schemas.microsoft.com/office/drawing/2014/main" id="{DBC74D7B-5F0F-DD3B-3637-3A5FCF93D79E}"/>
+              </a:ext>
+            </a:extLst>
+          </p:cNvPr>
+          <p:cNvSpPr>
+            <a:spLocks noGrp="1"/>
+          </p:cNvSpPr>
+          <p:nvPr>
+            <p:ph type="body" sz="half" idx="2"/>
+          </p:nvPr>
+        </p:nvSpPr>
+        <p:spPr>
+          <a:xfrm>
+            <a:off x="839788" y="1574180"/>
+            <a:ext cx="3932237" cy="3706271"/>
+          </a:xfrm>
+        </p:spPr>
+        <p:txBody>
+          <a:bodyPr vert="horz" lIns="91440" tIns="45720" rIns="91440" bIns="45720" rtlCol="0" anchor="ctr">
+            <a:normAutofit/>
+          </a:bodyPr>
+          <a:lstStyle/>
+          <a:p>
+            <a:pPr marL="285750" indent="-285750">
+              <a:buChar char="•"/>
+            </a:pPr>
+            <a:r>
+              <a:rPr lang="en-GB" dirty="0"/>
+              <a:t>Annual publications are steadily increasing each year</a:t>
+            </a:r>
+          </a:p>
+          <a:p>
+            <a:pPr marL="285750" indent="-285750">
+              <a:buChar char="•"/>
+            </a:pPr>
+            <a:r>
+              <a:rPr lang="en-GB" dirty="0"/>
+              <a:t>While some years have a higher increase than others to the previous year, generally the increase is linear</a:t>
+            </a:r>
+          </a:p>
+          <a:p>
+            <a:pPr marL="285750" indent="-285750">
+              <a:buChar char="•"/>
+            </a:pPr>
+            <a:endParaRPr lang="en-GB" dirty="0"/>
+          </a:p>
+        </p:txBody>
+      </p:sp>
+      <p:pic>
+        <p:nvPicPr>
+          <p:cNvPr id="9" name="Content Placeholder 8" descr="A graph showing the growth of a number of publications&#10;&#10;Description automatically generated">
+            <a:extLst>
+              <a:ext uri="{FF2B5EF4-FFF2-40B4-BE49-F238E27FC236}">
+                <a16:creationId xmlns:a16="http://schemas.microsoft.com/office/drawing/2014/main" id="{4D1B89E6-3507-606D-9C55-C974AFEADE1D}"/>
+              </a:ext>
+            </a:extLst>
+          </p:cNvPr>
+          <p:cNvPicPr>
+            <a:picLocks noGrp="1" noChangeAspect="1"/>
+          </p:cNvPicPr>
+          <p:nvPr>
+            <p:ph idx="1"/>
+          </p:nvPr>
+        </p:nvPicPr>
+        <p:blipFill>
+          <a:blip r:embed="rId2">
+            <a:extLst>
+              <a:ext uri="{28A0092B-C50C-407E-A947-70E740481C1C}">
+                <a14:useLocalDpi xmlns:a14="http://schemas.microsoft.com/office/drawing/2010/main" val="0"/>
+              </a:ext>
+            </a:extLst>
+          </a:blip>
+          <a:stretch>
+            <a:fillRect/>
+          </a:stretch>
+        </p:blipFill>
+        <p:spPr>
+          <a:xfrm>
+            <a:off x="5183188" y="1572577"/>
+            <a:ext cx="6172200" cy="3703320"/>
+          </a:xfrm>
+        </p:spPr>
+      </p:pic>
+    </p:spTree>
+    <p:extLst>
+      <p:ext uri="{BB962C8B-B14F-4D97-AF65-F5344CB8AC3E}">
+        <p14:creationId xmlns:p14="http://schemas.microsoft.com/office/powerpoint/2010/main" val="2583637851"/>
+      </p:ext>
+    </p:extLst>
+  </p:cSld>
+  <p:clrMapOvr>
+    <a:masterClrMapping/>
+  </p:clrMapOvr>
+</p:sld>
+</file>
+
+<file path=ppt/slides/slide4.xml><?xml version="1.0" encoding="utf-8"?>
+<p:sld xmlns:a="http://schemas.openxmlformats.org/drawingml/2006/main" xmlns:r="http://schemas.openxmlformats.org/officeDocument/2006/relationships" xmlns:p="http://schemas.openxmlformats.org/presentationml/2006/main">
+  <p:cSld>
+    <p:spTree>
+      <p:nvGrpSpPr>
         <p:cNvPr id="1" name=""/>
         <p:cNvGrpSpPr/>
         <p:nvPr/>
@@ -4856,12 +5155,193 @@
           <a:lstStyle/>
           <a:p>
             <a:pPr marL="285750" indent="-285750">
+              <a:buFont typeface="Arial" panose="020B0604020202020204" pitchFamily="34" charset="0"/>
               <a:buChar char="•"/>
             </a:pPr>
             <a:r>
-              <a:rPr lang="en-GB" dirty="0"/>
-              <a:t>Yearly Number of Publications is generally rising for all material types. </a:t>
-            </a:r>
+              <a:rPr lang="en-GB" sz="1600" b="1" dirty="0">
+                <a:solidFill>
+                  <a:srgbClr val="000080"/>
+                </a:solidFill>
+                <a:latin typeface="Lucida Console"/>
+                <a:ea typeface="+mn-lt"/>
+                <a:cs typeface="+mn-lt"/>
+              </a:rPr>
+              <a:t>AND</a:t>
+            </a:r>
+            <a:r>
+              <a:rPr lang="en-GB" sz="1600" dirty="0">
+                <a:latin typeface="Lucida Console"/>
+                <a:ea typeface="+mn-lt"/>
+                <a:cs typeface="+mn-lt"/>
+              </a:rPr>
+              <a:t> TS=(</a:t>
+            </a:r>
+            <a:r>
+              <a:rPr lang="en-GB" sz="1600" strike="sngStrike" dirty="0">
+                <a:latin typeface="Lucida Console"/>
+                <a:ea typeface="+mn-lt"/>
+                <a:cs typeface="+mn-lt"/>
+              </a:rPr>
+              <a:t>"material*" </a:t>
+            </a:r>
+            <a:r>
+              <a:rPr lang="en-GB" sz="1600" b="1" strike="sngStrike" dirty="0">
+                <a:solidFill>
+                  <a:srgbClr val="000080"/>
+                </a:solidFill>
+                <a:latin typeface="Lucida Console"/>
+                <a:ea typeface="+mn-lt"/>
+                <a:cs typeface="+mn-lt"/>
+              </a:rPr>
+              <a:t>OR</a:t>
+            </a:r>
+            <a:r>
+              <a:rPr lang="en-GB" sz="1600" dirty="0">
+                <a:latin typeface="Lucida Console"/>
+                <a:ea typeface="+mn-lt"/>
+                <a:cs typeface="+mn-lt"/>
+              </a:rPr>
+              <a:t> </a:t>
+            </a:r>
+            <a:r>
+              <a:rPr lang="en-GB" sz="1600" dirty="0">
+                <a:solidFill>
+                  <a:srgbClr val="FF0000"/>
+                </a:solidFill>
+                <a:latin typeface="Lucida Console"/>
+                <a:ea typeface="+mn-lt"/>
+                <a:cs typeface="+mn-lt"/>
+              </a:rPr>
+              <a:t>"polymer*" </a:t>
+            </a:r>
+            <a:r>
+              <a:rPr lang="en-GB" sz="1600" b="1" strike="sngStrike" dirty="0">
+                <a:solidFill>
+                  <a:srgbClr val="000080"/>
+                </a:solidFill>
+                <a:latin typeface="Lucida Console"/>
+                <a:ea typeface="+mn-lt"/>
+                <a:cs typeface="+mn-lt"/>
+              </a:rPr>
+              <a:t>OR</a:t>
+            </a:r>
+            <a:r>
+              <a:rPr lang="en-GB" sz="1600" strike="sngStrike" dirty="0">
+                <a:latin typeface="Lucida Console"/>
+                <a:ea typeface="+mn-lt"/>
+                <a:cs typeface="+mn-lt"/>
+              </a:rPr>
+              <a:t> "composite*" </a:t>
+            </a:r>
+            <a:r>
+              <a:rPr lang="en-GB" sz="1600" b="1" strike="sngStrike" dirty="0">
+                <a:solidFill>
+                  <a:srgbClr val="000080"/>
+                </a:solidFill>
+                <a:latin typeface="Lucida Console"/>
+                <a:ea typeface="+mn-lt"/>
+                <a:cs typeface="+mn-lt"/>
+              </a:rPr>
+              <a:t>OR</a:t>
+            </a:r>
+            <a:r>
+              <a:rPr lang="en-GB" sz="1600" strike="sngStrike" dirty="0">
+                <a:latin typeface="Lucida Console"/>
+                <a:ea typeface="+mn-lt"/>
+                <a:cs typeface="+mn-lt"/>
+              </a:rPr>
+              <a:t> "ceramic*" </a:t>
+            </a:r>
+            <a:r>
+              <a:rPr lang="en-GB" sz="1600" b="1" strike="sngStrike" dirty="0">
+                <a:solidFill>
+                  <a:srgbClr val="000080"/>
+                </a:solidFill>
+                <a:latin typeface="Lucida Console"/>
+                <a:ea typeface="+mn-lt"/>
+                <a:cs typeface="+mn-lt"/>
+              </a:rPr>
+              <a:t>OR</a:t>
+            </a:r>
+            <a:r>
+              <a:rPr lang="en-GB" sz="1600" strike="sngStrike" dirty="0">
+                <a:latin typeface="Lucida Console"/>
+                <a:ea typeface="+mn-lt"/>
+                <a:cs typeface="+mn-lt"/>
+              </a:rPr>
+              <a:t> "metal*" </a:t>
+            </a:r>
+            <a:r>
+              <a:rPr lang="en-GB" sz="1600" b="1" strike="sngStrike" dirty="0">
+                <a:solidFill>
+                  <a:srgbClr val="000080"/>
+                </a:solidFill>
+                <a:latin typeface="Lucida Console"/>
+                <a:ea typeface="+mn-lt"/>
+                <a:cs typeface="+mn-lt"/>
+              </a:rPr>
+              <a:t>OR</a:t>
+            </a:r>
+            <a:r>
+              <a:rPr lang="en-GB" sz="1600" strike="sngStrike" dirty="0">
+                <a:latin typeface="Lucida Console"/>
+                <a:ea typeface="+mn-lt"/>
+                <a:cs typeface="+mn-lt"/>
+              </a:rPr>
+              <a:t>  "alloy*" </a:t>
+            </a:r>
+            <a:r>
+              <a:rPr lang="en-GB" sz="1600" b="1" strike="sngStrike" dirty="0">
+                <a:solidFill>
+                  <a:srgbClr val="000080"/>
+                </a:solidFill>
+                <a:latin typeface="Lucida Console"/>
+                <a:ea typeface="+mn-lt"/>
+                <a:cs typeface="+mn-lt"/>
+              </a:rPr>
+              <a:t>OR</a:t>
+            </a:r>
+            <a:r>
+              <a:rPr lang="en-GB" sz="1600" strike="sngStrike" dirty="0">
+                <a:latin typeface="Lucida Console"/>
+                <a:ea typeface="+mn-lt"/>
+                <a:cs typeface="+mn-lt"/>
+              </a:rPr>
+              <a:t>   "cement*" </a:t>
+            </a:r>
+            <a:r>
+              <a:rPr lang="en-GB" sz="1600" b="1" strike="sngStrike" dirty="0">
+                <a:solidFill>
+                  <a:srgbClr val="000080"/>
+                </a:solidFill>
+                <a:latin typeface="Lucida Console"/>
+                <a:ea typeface="+mn-lt"/>
+                <a:cs typeface="+mn-lt"/>
+              </a:rPr>
+              <a:t>OR</a:t>
+            </a:r>
+            <a:r>
+              <a:rPr lang="en-GB" sz="1600" strike="sngStrike" dirty="0">
+                <a:latin typeface="Lucida Console"/>
+                <a:ea typeface="+mn-lt"/>
+                <a:cs typeface="+mn-lt"/>
+              </a:rPr>
+              <a:t> "concrete*“</a:t>
+            </a:r>
+            <a:r>
+              <a:rPr lang="en-GB" sz="1600" dirty="0">
+                <a:latin typeface="Lucida Console"/>
+                <a:ea typeface="+mn-lt"/>
+                <a:cs typeface="+mn-lt"/>
+              </a:rPr>
+              <a:t>) and so on</a:t>
+            </a:r>
+            <a:endParaRPr lang="en-GB" sz="1600" dirty="0">
+              <a:latin typeface="Aptos" panose="020B0004020202020204"/>
+              <a:ea typeface="+mn-lt"/>
+              <a:cs typeface="+mn-lt"/>
+            </a:endParaRPr>
           </a:p>
           <a:p>
             <a:pPr marL="285750" indent="-285750">
@@ -4870,6 +5350,16 @@
             <a:r>
               <a:rPr lang="en-GB" dirty="0"/>
               <a:t>The most amount of research is done regarding self-healing polymer materials</a:t>
+            </a:r>
+          </a:p>
+          <a:p>
+            <a:pPr marL="285750" indent="-285750">
+              <a:buFont typeface="Arial" panose="020B0604020202020204" pitchFamily="34" charset="0"/>
+              <a:buChar char="•"/>
+            </a:pPr>
+            <a:r>
+              <a:rPr lang="en-GB" dirty="0"/>
+              <a:t>Yearly Number of Publications is generally rising for all material types. </a:t>
             </a:r>
           </a:p>
         </p:txBody>
@@ -4888,7 +5378,7 @@
         </p:nvSpPr>
         <p:spPr>
           <a:xfrm>
-            <a:off x="2041071" y="4565196"/>
+            <a:off x="2649310" y="4932589"/>
             <a:ext cx="2769053" cy="1754326"/>
           </a:xfrm>
           <a:prstGeom prst="rect">
@@ -5005,39 +5495,7 @@
                   <a:srgbClr val="FF0000"/>
                 </a:solidFill>
               </a:rPr>
-              <a:t>Kategorien summieren wegen </a:t>
-            </a:r>
-            <a:r>
-              <a:rPr lang="de-DE" err="1">
-                <a:solidFill>
-                  <a:srgbClr val="FF0000"/>
-                </a:solidFill>
-              </a:rPr>
-              <a:t>Searchstring</a:t>
-            </a:r>
-            <a:r>
-              <a:rPr lang="de-DE" dirty="0">
-                <a:solidFill>
-                  <a:srgbClr val="FF0000"/>
-                </a:solidFill>
-              </a:rPr>
-              <a:t>, bzw. </a:t>
-            </a:r>
-            <a:r>
-              <a:rPr lang="de-DE" err="1">
-                <a:solidFill>
-                  <a:srgbClr val="FF0000"/>
-                </a:solidFill>
-              </a:rPr>
-              <a:t>Seachstring</a:t>
-            </a:r>
-            <a:r>
-              <a:rPr lang="de-DE" dirty="0">
-                <a:solidFill>
-                  <a:srgbClr val="FF0000"/>
-                </a:solidFill>
-              </a:rPr>
-              <a:t> nach Kategorien aufteilen oder Filter nach Material erwähnen</a:t>
+              <a:t>Kategorien summieren wegen Searchstring, bzw. Seachstring nach Kategorien aufteilen oder Filter nach Material erwähnen</a:t>
             </a:r>
           </a:p>
         </p:txBody>
@@ -5084,7 +5542,7 @@
 </p:sld>
 </file>
 
-<file path=ppt/slides/slide4.xml><?xml version="1.0" encoding="utf-8"?>
+<file path=ppt/slides/slide5.xml><?xml version="1.0" encoding="utf-8"?>
 <p:sld xmlns:a="http://schemas.openxmlformats.org/drawingml/2006/main" xmlns:r="http://schemas.openxmlformats.org/officeDocument/2006/relationships" xmlns:p="http://schemas.openxmlformats.org/presentationml/2006/main">
   <p:cSld>
     <p:spTree>
@@ -5248,7 +5706,7 @@
 </p:sld>
 </file>
 
-<file path=ppt/slides/slide5.xml><?xml version="1.0" encoding="utf-8"?>
+<file path=ppt/slides/slide6.xml><?xml version="1.0" encoding="utf-8"?>
 <p:sld xmlns:a="http://schemas.openxmlformats.org/drawingml/2006/main" xmlns:r="http://schemas.openxmlformats.org/officeDocument/2006/relationships" xmlns:p="http://schemas.openxmlformats.org/presentationml/2006/main">
   <p:cSld>
     <p:spTree>
@@ -5413,7 +5871,7 @@
 </p:sld>
 </file>
 
-<file path=ppt/slides/slide6.xml><?xml version="1.0" encoding="utf-8"?>
+<file path=ppt/slides/slide7.xml><?xml version="1.0" encoding="utf-8"?>
 <p:sld xmlns:a="http://schemas.openxmlformats.org/drawingml/2006/main" xmlns:r="http://schemas.openxmlformats.org/officeDocument/2006/relationships" xmlns:p="http://schemas.openxmlformats.org/presentationml/2006/main">
   <p:cSld>
     <p:spTree>
@@ -5555,7 +6013,17 @@
             </a:pPr>
             <a:r>
               <a:rPr lang="en-GB" dirty="0"/>
-              <a:t>Papers mentioned under different variations of CAS are all included in “Chinese Academy of Sciences”. The others have thus been omitted</a:t>
+              <a:t>Papers mentioned under variations of CAS are all included in “Chinese Academy of Sciences” </a:t>
+            </a:r>
+            <a:r>
+              <a:rPr lang="en-GB" dirty="0">
+                <a:sym typeface="Wingdings" panose="05000000000000000000" pitchFamily="2" charset="2"/>
+              </a:rPr>
+              <a:t> </a:t>
+            </a:r>
+            <a:r>
+              <a:rPr lang="en-GB" dirty="0"/>
+              <a:t>others have thus been omitted</a:t>
             </a:r>
           </a:p>
         </p:txBody>
@@ -5608,7 +6076,7 @@
 </p:sld>
 </file>
 
-<file path=ppt/slides/slide7.xml><?xml version="1.0" encoding="utf-8"?>
+<file path=ppt/slides/slide8.xml><?xml version="1.0" encoding="utf-8"?>
 <p:sld xmlns:a="http://schemas.openxmlformats.org/drawingml/2006/main" xmlns:r="http://schemas.openxmlformats.org/officeDocument/2006/relationships" xmlns:p="http://schemas.openxmlformats.org/presentationml/2006/main">
   <p:cSld>
     <p:spTree>
@@ -5759,7 +6227,7 @@
 </p:sld>
 </file>
 
-<file path=ppt/slides/slide8.xml><?xml version="1.0" encoding="utf-8"?>
+<file path=ppt/slides/slide9.xml><?xml version="1.0" encoding="utf-8"?>
 <p:sld xmlns:a="http://schemas.openxmlformats.org/drawingml/2006/main" xmlns:r="http://schemas.openxmlformats.org/officeDocument/2006/relationships" xmlns:p="http://schemas.openxmlformats.org/presentationml/2006/main">
   <p:cSld>
     <p:spTree>
@@ -5943,177 +6411,6 @@
     <p:extLst>
       <p:ext uri="{BB962C8B-B14F-4D97-AF65-F5344CB8AC3E}">
         <p14:creationId xmlns:p14="http://schemas.microsoft.com/office/powerpoint/2010/main" val="2163132736"/>
-      </p:ext>
-    </p:extLst>
-  </p:cSld>
-  <p:clrMapOvr>
-    <a:masterClrMapping/>
-  </p:clrMapOvr>
-</p:sld>
-</file>
-
-<file path=ppt/slides/slide9.xml><?xml version="1.0" encoding="utf-8"?>
-<p:sld xmlns:a="http://schemas.openxmlformats.org/drawingml/2006/main" xmlns:r="http://schemas.openxmlformats.org/officeDocument/2006/relationships" xmlns:p="http://schemas.openxmlformats.org/presentationml/2006/main">
-  <p:cSld>
-    <p:spTree>
-      <p:nvGrpSpPr>
-        <p:cNvPr id="1" name=""/>
-        <p:cNvGrpSpPr/>
-        <p:nvPr/>
-      </p:nvGrpSpPr>
-      <p:grpSpPr>
-        <a:xfrm>
-          <a:off x="0" y="0"/>
-          <a:ext cx="0" cy="0"/>
-          <a:chOff x="0" y="0"/>
-          <a:chExt cx="0" cy="0"/>
-        </a:xfrm>
-      </p:grpSpPr>
-      <p:sp>
-        <p:nvSpPr>
-          <p:cNvPr id="2" name="Title 1">
-            <a:extLst>
-              <a:ext uri="{FF2B5EF4-FFF2-40B4-BE49-F238E27FC236}">
-                <a16:creationId xmlns:a16="http://schemas.microsoft.com/office/drawing/2014/main" id="{2AB2648D-BA5B-91F5-8BC1-12201440757D}"/>
-              </a:ext>
-            </a:extLst>
-          </p:cNvPr>
-          <p:cNvSpPr>
-            <a:spLocks noGrp="1"/>
-          </p:cNvSpPr>
-          <p:nvPr>
-            <p:ph type="title"/>
-          </p:nvPr>
-        </p:nvSpPr>
-        <p:spPr/>
-        <p:txBody>
-          <a:bodyPr/>
-          <a:lstStyle/>
-          <a:p>
-            <a:r>
-              <a:rPr lang="en-US" dirty="0" err="1"/>
-              <a:t>Espacenet</a:t>
-            </a:r>
-            <a:endParaRPr lang="en-DE" dirty="0"/>
-          </a:p>
-        </p:txBody>
-      </p:sp>
-      <p:sp>
-        <p:nvSpPr>
-          <p:cNvPr id="4" name="Text Placeholder 3">
-            <a:extLst>
-              <a:ext uri="{FF2B5EF4-FFF2-40B4-BE49-F238E27FC236}">
-                <a16:creationId xmlns:a16="http://schemas.microsoft.com/office/drawing/2014/main" id="{8DC21876-0FFB-AD28-4A1F-84768DB132F2}"/>
-              </a:ext>
-            </a:extLst>
-          </p:cNvPr>
-          <p:cNvSpPr>
-            <a:spLocks noGrp="1"/>
-          </p:cNvSpPr>
-          <p:nvPr>
-            <p:ph type="body" sz="half" idx="2"/>
-          </p:nvPr>
-        </p:nvSpPr>
-        <p:spPr/>
-        <p:txBody>
-          <a:bodyPr/>
-          <a:lstStyle/>
-          <a:p>
-            <a:endParaRPr lang="en-DE"/>
-          </a:p>
-        </p:txBody>
-      </p:sp>
-      <p:sp>
-        <p:nvSpPr>
-          <p:cNvPr id="5" name="Textfeld 4">
-            <a:extLst>
-              <a:ext uri="{FF2B5EF4-FFF2-40B4-BE49-F238E27FC236}">
-                <a16:creationId xmlns:a16="http://schemas.microsoft.com/office/drawing/2014/main" id="{340D1631-92C9-1212-9EA2-BC51E54E31A4}"/>
-              </a:ext>
-            </a:extLst>
-          </p:cNvPr>
-          <p:cNvSpPr txBox="1"/>
-          <p:nvPr/>
-        </p:nvSpPr>
-        <p:spPr>
-          <a:xfrm>
-            <a:off x="1149471" y="2763964"/>
-            <a:ext cx="2735035" cy="369332"/>
-          </a:xfrm>
-          <a:prstGeom prst="rect">
-            <a:avLst/>
-          </a:prstGeom>
-          <a:noFill/>
-        </p:spPr>
-        <p:txBody>
-          <a:bodyPr rot="0" spcFirstLastPara="0" vertOverflow="overflow" horzOverflow="overflow" vert="horz" wrap="square" lIns="91440" tIns="45720" rIns="91440" bIns="45720" numCol="1" spcCol="0" rtlCol="0" fromWordArt="0" anchor="t" anchorCtr="0" forceAA="0" compatLnSpc="1">
-            <a:prstTxWarp prst="textNoShape">
-              <a:avLst/>
-            </a:prstTxWarp>
-            <a:spAutoFit/>
-          </a:bodyPr>
-          <a:lstStyle/>
-          <a:p>
-            <a:r>
-              <a:rPr lang="de-DE" dirty="0">
-                <a:solidFill>
-                  <a:srgbClr val="FF0000"/>
-                </a:solidFill>
-              </a:rPr>
-              <a:t>Summary (</a:t>
-            </a:r>
-            <a:r>
-              <a:rPr lang="de-DE" err="1">
-                <a:solidFill>
-                  <a:srgbClr val="FF0000"/>
-                </a:solidFill>
-              </a:rPr>
-              <a:t>Seiar</a:t>
-            </a:r>
-            <a:r>
-              <a:rPr lang="de-DE" dirty="0">
-                <a:solidFill>
-                  <a:srgbClr val="FF0000"/>
-                </a:solidFill>
-              </a:rPr>
-              <a:t> )</a:t>
-            </a:r>
-          </a:p>
-        </p:txBody>
-      </p:sp>
-      <p:pic>
-        <p:nvPicPr>
-          <p:cNvPr id="12" name="Inhaltsplatzhalter 11" descr="Ein Bild, das Text, Screenshot, Diagramm, Reihe enthält.&#10;&#10;Beschreibung automatisch generiert.">
-            <a:extLst>
-              <a:ext uri="{FF2B5EF4-FFF2-40B4-BE49-F238E27FC236}">
-                <a16:creationId xmlns:a16="http://schemas.microsoft.com/office/drawing/2014/main" id="{6FC40EEA-592C-668A-0F4D-CC47AC3839DF}"/>
-              </a:ext>
-            </a:extLst>
-          </p:cNvPr>
-          <p:cNvPicPr>
-            <a:picLocks noGrp="1" noChangeAspect="1"/>
-          </p:cNvPicPr>
-          <p:nvPr>
-            <p:ph idx="1"/>
-          </p:nvPr>
-        </p:nvPicPr>
-        <p:blipFill>
-          <a:blip r:embed="rId2"/>
-          <a:stretch>
-            <a:fillRect/>
-          </a:stretch>
-        </p:blipFill>
-        <p:spPr>
-          <a:xfrm>
-            <a:off x="5221288" y="1595437"/>
-            <a:ext cx="6096000" cy="3657600"/>
-          </a:xfrm>
-        </p:spPr>
-      </p:pic>
-    </p:spTree>
-    <p:extLst>
-      <p:ext uri="{BB962C8B-B14F-4D97-AF65-F5344CB8AC3E}">
-        <p14:creationId xmlns:p14="http://schemas.microsoft.com/office/powerpoint/2010/main" val="233784213"/>
       </p:ext>
     </p:extLst>
   </p:cSld>

--- a/presentation/DataDrivenForesight.pptx
+++ b/presentation/DataDrivenForesight.pptx
@@ -6,20 +6,22 @@
   </p:sldMasterIdLst>
   <p:sldIdLst>
     <p:sldId id="256" r:id="rId2"/>
-    <p:sldId id="264" r:id="rId3"/>
+    <p:sldId id="273" r:id="rId3"/>
     <p:sldId id="272" r:id="rId4"/>
     <p:sldId id="257" r:id="rId5"/>
-    <p:sldId id="259" r:id="rId6"/>
-    <p:sldId id="260" r:id="rId7"/>
-    <p:sldId id="261" r:id="rId8"/>
-    <p:sldId id="262" r:id="rId9"/>
-    <p:sldId id="263" r:id="rId10"/>
-    <p:sldId id="265" r:id="rId11"/>
-    <p:sldId id="266" r:id="rId12"/>
-    <p:sldId id="268" r:id="rId13"/>
-    <p:sldId id="269" r:id="rId14"/>
-    <p:sldId id="270" r:id="rId15"/>
-    <p:sldId id="271" r:id="rId16"/>
+    <p:sldId id="275" r:id="rId6"/>
+    <p:sldId id="276" r:id="rId7"/>
+    <p:sldId id="274" r:id="rId8"/>
+    <p:sldId id="259" r:id="rId9"/>
+    <p:sldId id="260" r:id="rId10"/>
+    <p:sldId id="261" r:id="rId11"/>
+    <p:sldId id="262" r:id="rId12"/>
+    <p:sldId id="263" r:id="rId13"/>
+    <p:sldId id="265" r:id="rId14"/>
+    <p:sldId id="266" r:id="rId15"/>
+    <p:sldId id="269" r:id="rId16"/>
+    <p:sldId id="270" r:id="rId17"/>
+    <p:sldId id="271" r:id="rId18"/>
   </p:sldIdLst>
   <p:sldSz cx="12192000" cy="6858000"/>
   <p:notesSz cx="6858000" cy="9144000"/>
@@ -130,6 +132,8 @@
 <p1510:revInfo xmlns:a="http://schemas.openxmlformats.org/drawingml/2006/main" xmlns:r="http://schemas.openxmlformats.org/officeDocument/2006/relationships" xmlns:p1510="http://schemas.microsoft.com/office/powerpoint/2015/10/main">
   <p1510:revLst>
     <p1510:client id="{51F9B3D5-8488-FBE2-A0B2-6C7041F5146D}" v="18" dt="2025-01-06T08:55:25.624"/>
+    <p1510:client id="{CE29154A-A8FB-B5BB-4A73-AED6D465535C}" v="196" dt="2025-01-07T13:37:20.413"/>
+    <p1510:client id="{ECD94408-2C53-09B6-AC7A-C0C0B5E06EF7}" v="120" dt="2025-01-07T13:15:18.389"/>
     <p1510:client id="{FD523F67-A01E-BEE9-25A9-635C9EDD590C}" v="923" dt="2025-01-06T16:03:35.428"/>
   </p1510:revLst>
 </p1510:revInfo>
@@ -308,7 +312,7 @@
           <a:p>
             <a:fld id="{330EA680-D336-4FF7-8B7A-9848BB0A1C32}" type="slidenum">
               <a:rPr lang="en-GB" smtClean="0"/>
-              <a:t>‹#›</a:t>
+              <a:t>‹Nr.›</a:t>
             </a:fld>
             <a:endParaRPr lang="en-GB"/>
           </a:p>
@@ -478,7 +482,7 @@
           <a:p>
             <a:fld id="{330EA680-D336-4FF7-8B7A-9848BB0A1C32}" type="slidenum">
               <a:rPr lang="en-GB" smtClean="0"/>
-              <a:t>‹#›</a:t>
+              <a:t>‹Nr.›</a:t>
             </a:fld>
             <a:endParaRPr lang="en-GB"/>
           </a:p>
@@ -658,7 +662,7 @@
           <a:p>
             <a:fld id="{330EA680-D336-4FF7-8B7A-9848BB0A1C32}" type="slidenum">
               <a:rPr lang="en-GB" smtClean="0"/>
-              <a:t>‹#›</a:t>
+              <a:t>‹Nr.›</a:t>
             </a:fld>
             <a:endParaRPr lang="en-GB"/>
           </a:p>
@@ -828,7 +832,7 @@
           <a:p>
             <a:fld id="{330EA680-D336-4FF7-8B7A-9848BB0A1C32}" type="slidenum">
               <a:rPr lang="en-GB" smtClean="0"/>
-              <a:t>‹#›</a:t>
+              <a:t>‹Nr.›</a:t>
             </a:fld>
             <a:endParaRPr lang="en-GB"/>
           </a:p>
@@ -1074,7 +1078,7 @@
           <a:p>
             <a:fld id="{330EA680-D336-4FF7-8B7A-9848BB0A1C32}" type="slidenum">
               <a:rPr lang="en-GB" smtClean="0"/>
-              <a:t>‹#›</a:t>
+              <a:t>‹Nr.›</a:t>
             </a:fld>
             <a:endParaRPr lang="en-GB"/>
           </a:p>
@@ -1306,7 +1310,7 @@
           <a:p>
             <a:fld id="{330EA680-D336-4FF7-8B7A-9848BB0A1C32}" type="slidenum">
               <a:rPr lang="en-GB" smtClean="0"/>
-              <a:t>‹#›</a:t>
+              <a:t>‹Nr.›</a:t>
             </a:fld>
             <a:endParaRPr lang="en-GB"/>
           </a:p>
@@ -1673,7 +1677,7 @@
           <a:p>
             <a:fld id="{330EA680-D336-4FF7-8B7A-9848BB0A1C32}" type="slidenum">
               <a:rPr lang="en-GB" smtClean="0"/>
-              <a:t>‹#›</a:t>
+              <a:t>‹Nr.›</a:t>
             </a:fld>
             <a:endParaRPr lang="en-GB"/>
           </a:p>
@@ -1791,7 +1795,7 @@
           <a:p>
             <a:fld id="{330EA680-D336-4FF7-8B7A-9848BB0A1C32}" type="slidenum">
               <a:rPr lang="en-GB" smtClean="0"/>
-              <a:t>‹#›</a:t>
+              <a:t>‹Nr.›</a:t>
             </a:fld>
             <a:endParaRPr lang="en-GB"/>
           </a:p>
@@ -1886,7 +1890,7 @@
           <a:p>
             <a:fld id="{330EA680-D336-4FF7-8B7A-9848BB0A1C32}" type="slidenum">
               <a:rPr lang="en-GB" smtClean="0"/>
-              <a:t>‹#›</a:t>
+              <a:t>‹Nr.›</a:t>
             </a:fld>
             <a:endParaRPr lang="en-GB"/>
           </a:p>
@@ -2163,7 +2167,7 @@
           <a:p>
             <a:fld id="{330EA680-D336-4FF7-8B7A-9848BB0A1C32}" type="slidenum">
               <a:rPr lang="en-GB" smtClean="0"/>
-              <a:t>‹#›</a:t>
+              <a:t>‹Nr.›</a:t>
             </a:fld>
             <a:endParaRPr lang="en-GB"/>
           </a:p>
@@ -2420,7 +2424,7 @@
           <a:p>
             <a:fld id="{330EA680-D336-4FF7-8B7A-9848BB0A1C32}" type="slidenum">
               <a:rPr lang="en-GB" smtClean="0"/>
-              <a:t>‹#›</a:t>
+              <a:t>‹Nr.›</a:t>
             </a:fld>
             <a:endParaRPr lang="en-GB"/>
           </a:p>
@@ -2669,7 +2673,7 @@
           <a:p>
             <a:fld id="{330EA680-D336-4FF7-8B7A-9848BB0A1C32}" type="slidenum">
               <a:rPr lang="en-GB" smtClean="0"/>
-              <a:t>‹#›</a:t>
+              <a:t>‹Nr.›</a:t>
             </a:fld>
             <a:endParaRPr lang="en-GB"/>
           </a:p>
@@ -3092,7 +3096,7 @@
           <p:cNvPr id="2" name="Title 1">
             <a:extLst>
               <a:ext uri="{FF2B5EF4-FFF2-40B4-BE49-F238E27FC236}">
-                <a16:creationId xmlns:a16="http://schemas.microsoft.com/office/drawing/2014/main" id="{2AB2648D-BA5B-91F5-8BC1-12201440757D}"/>
+                <a16:creationId xmlns:a16="http://schemas.microsoft.com/office/drawing/2014/main" id="{8A738D5E-E749-E8E0-A0EE-47ED215D46EF}"/>
               </a:ext>
             </a:extLst>
           </p:cNvPr>
@@ -3103,25 +3107,31 @@
             <p:ph type="title"/>
           </p:nvPr>
         </p:nvSpPr>
-        <p:spPr/>
-        <p:txBody>
-          <a:bodyPr/>
+        <p:spPr>
+          <a:xfrm>
+            <a:off x="839788" y="457200"/>
+            <a:ext cx="10517651" cy="1048835"/>
+          </a:xfrm>
+        </p:spPr>
+        <p:txBody>
+          <a:bodyPr vert="horz" lIns="91440" tIns="45720" rIns="91440" bIns="45720" rtlCol="0" anchor="t">
+            <a:normAutofit/>
+          </a:bodyPr>
           <a:lstStyle/>
           <a:p>
             <a:r>
-              <a:rPr lang="en-US" dirty="0" err="1"/>
-              <a:t>Espacenet</a:t>
-            </a:r>
-            <a:endParaRPr lang="en-DE" dirty="0"/>
-          </a:p>
-        </p:txBody>
-      </p:sp>
-      <p:sp>
-        <p:nvSpPr>
-          <p:cNvPr id="4" name="Text Placeholder 3">
+              <a:rPr lang="en-GB" dirty="0"/>
+              <a:t>Institutes with most publications affiliated to them regarding polymer materials</a:t>
+            </a:r>
+          </a:p>
+        </p:txBody>
+      </p:sp>
+      <p:sp>
+        <p:nvSpPr>
+          <p:cNvPr id="8" name="Text Placeholder 7">
             <a:extLst>
               <a:ext uri="{FF2B5EF4-FFF2-40B4-BE49-F238E27FC236}">
-                <a16:creationId xmlns:a16="http://schemas.microsoft.com/office/drawing/2014/main" id="{8DC21876-0FFB-AD28-4A1F-84768DB132F2}"/>
+                <a16:creationId xmlns:a16="http://schemas.microsoft.com/office/drawing/2014/main" id="{A6E5084A-F6BC-6D7F-4C69-E9374639CCDA}"/>
               </a:ext>
             </a:extLst>
           </p:cNvPr>
@@ -3132,79 +3142,101 @@
             <p:ph type="body" sz="half" idx="2"/>
           </p:nvPr>
         </p:nvSpPr>
-        <p:spPr/>
-        <p:txBody>
-          <a:bodyPr/>
+        <p:spPr>
+          <a:xfrm>
+            <a:off x="839788" y="1574180"/>
+            <a:ext cx="3932237" cy="3706271"/>
+          </a:xfrm>
+        </p:spPr>
+        <p:txBody>
+          <a:bodyPr vert="horz" lIns="91440" tIns="45720" rIns="91440" bIns="45720" rtlCol="0" anchor="ctr">
+            <a:normAutofit fontScale="92500" lnSpcReduction="20000"/>
+          </a:bodyPr>
           <a:lstStyle/>
           <a:p>
-            <a:endParaRPr lang="en-DE"/>
-          </a:p>
-        </p:txBody>
-      </p:sp>
-      <p:sp>
-        <p:nvSpPr>
-          <p:cNvPr id="5" name="Textfeld 4">
+            <a:pPr marL="285750" indent="-285750">
+              <a:buChar char="•"/>
+            </a:pPr>
+            <a:r>
+              <a:rPr lang="en-GB" dirty="0"/>
+              <a:t>The institute with the most affiliations has more than twice the amount of affiliations as the institute with the second most affiliations</a:t>
+            </a:r>
+          </a:p>
+          <a:p>
+            <a:pPr marL="285750" indent="-285750">
+              <a:buChar char="•"/>
+            </a:pPr>
+            <a:r>
+              <a:rPr lang="en-GB" dirty="0"/>
+              <a:t>Most institutes are located in China</a:t>
+            </a:r>
+          </a:p>
+          <a:p>
+            <a:pPr marL="285750" indent="-285750">
+              <a:buChar char="•"/>
+            </a:pPr>
+            <a:r>
+              <a:rPr lang="en-GB" dirty="0"/>
+              <a:t>The Chinese Academy of Sciences (CAS) is listed under three different names, possibly to different translations to English:</a:t>
+            </a:r>
+          </a:p>
+          <a:p>
+            <a:pPr marL="742950" lvl="1" indent="-285750">
+              <a:buFont typeface="Courier New" panose="020B0604020202020204" pitchFamily="34" charset="0"/>
+              <a:buChar char="o"/>
+            </a:pPr>
+            <a:r>
+              <a:rPr lang="en-GB" dirty="0"/>
+              <a:t>University of Chinese Academy of Sciences CAS</a:t>
+            </a:r>
+          </a:p>
+          <a:p>
+            <a:pPr marL="742950" lvl="1" indent="-285750">
+              <a:buFont typeface="Courier New" panose="020B0604020202020204" pitchFamily="34" charset="0"/>
+              <a:buChar char="o"/>
+            </a:pPr>
+            <a:r>
+              <a:rPr lang="en-GB" dirty="0"/>
+              <a:t>Chinese Academy of Sciences CAS</a:t>
+            </a:r>
+          </a:p>
+          <a:p>
+            <a:pPr marL="742950" lvl="1" indent="-285750">
+              <a:buFont typeface="Courier New" panose="020B0604020202020204" pitchFamily="34" charset="0"/>
+              <a:buChar char="o"/>
+            </a:pPr>
+            <a:r>
+              <a:rPr lang="en-GB" dirty="0"/>
+              <a:t>University of Science Technology of China CAS</a:t>
+            </a:r>
+          </a:p>
+          <a:p>
+            <a:pPr marL="285750" indent="-285750">
+              <a:buChar char="•"/>
+            </a:pPr>
+            <a:r>
+              <a:rPr lang="en-GB" dirty="0"/>
+              <a:t>Papers mentioned under variations of CAS are all included in “Chinese Academy of Sciences” </a:t>
+            </a:r>
+            <a:r>
+              <a:rPr lang="en-GB" dirty="0">
+                <a:sym typeface="Wingdings" panose="05000000000000000000" pitchFamily="2" charset="2"/>
+              </a:rPr>
+              <a:t> </a:t>
+            </a:r>
+            <a:r>
+              <a:rPr lang="en-GB" dirty="0"/>
+              <a:t>others have thus been omitted</a:t>
+            </a:r>
+          </a:p>
+        </p:txBody>
+      </p:sp>
+      <p:pic>
+        <p:nvPicPr>
+          <p:cNvPr id="7" name="Content Placeholder 6" descr="A graph with text and numbers&#10;&#10;Description automatically generated">
             <a:extLst>
               <a:ext uri="{FF2B5EF4-FFF2-40B4-BE49-F238E27FC236}">
-                <a16:creationId xmlns:a16="http://schemas.microsoft.com/office/drawing/2014/main" id="{340D1631-92C9-1212-9EA2-BC51E54E31A4}"/>
-              </a:ext>
-            </a:extLst>
-          </p:cNvPr>
-          <p:cNvSpPr txBox="1"/>
-          <p:nvPr/>
-        </p:nvSpPr>
-        <p:spPr>
-          <a:xfrm>
-            <a:off x="1149471" y="2763964"/>
-            <a:ext cx="2735035" cy="369332"/>
-          </a:xfrm>
-          <a:prstGeom prst="rect">
-            <a:avLst/>
-          </a:prstGeom>
-          <a:noFill/>
-        </p:spPr>
-        <p:txBody>
-          <a:bodyPr rot="0" spcFirstLastPara="0" vertOverflow="overflow" horzOverflow="overflow" vert="horz" wrap="square" lIns="91440" tIns="45720" rIns="91440" bIns="45720" numCol="1" spcCol="0" rtlCol="0" fromWordArt="0" anchor="t" anchorCtr="0" forceAA="0" compatLnSpc="1">
-            <a:prstTxWarp prst="textNoShape">
-              <a:avLst/>
-            </a:prstTxWarp>
-            <a:spAutoFit/>
-          </a:bodyPr>
-          <a:lstStyle/>
-          <a:p>
-            <a:r>
-              <a:rPr lang="de-DE" dirty="0">
-                <a:solidFill>
-                  <a:srgbClr val="FF0000"/>
-                </a:solidFill>
-              </a:rPr>
-              <a:t>Summary (</a:t>
-            </a:r>
-            <a:r>
-              <a:rPr lang="de-DE" err="1">
-                <a:solidFill>
-                  <a:srgbClr val="FF0000"/>
-                </a:solidFill>
-              </a:rPr>
-              <a:t>Seiar</a:t>
-            </a:r>
-            <a:r>
-              <a:rPr lang="de-DE" dirty="0">
-                <a:solidFill>
-                  <a:srgbClr val="FF0000"/>
-                </a:solidFill>
-              </a:rPr>
-              <a:t> )</a:t>
-            </a:r>
-          </a:p>
-        </p:txBody>
-      </p:sp>
-      <p:pic>
-        <p:nvPicPr>
-          <p:cNvPr id="12" name="Inhaltsplatzhalter 11" descr="Ein Bild, das Text, Screenshot, Diagramm, Reihe enthält.&#10;&#10;Beschreibung automatisch generiert.">
-            <a:extLst>
-              <a:ext uri="{FF2B5EF4-FFF2-40B4-BE49-F238E27FC236}">
-                <a16:creationId xmlns:a16="http://schemas.microsoft.com/office/drawing/2014/main" id="{6FC40EEA-592C-668A-0F4D-CC47AC3839DF}"/>
+                <a16:creationId xmlns:a16="http://schemas.microsoft.com/office/drawing/2014/main" id="{30ACB7C0-A576-7C01-C14A-8F97BEDBC501}"/>
               </a:ext>
             </a:extLst>
           </p:cNvPr>
@@ -3216,22 +3248,28 @@
           </p:nvPr>
         </p:nvPicPr>
         <p:blipFill>
-          <a:blip r:embed="rId2"/>
+          <a:blip r:embed="rId2">
+            <a:extLst>
+              <a:ext uri="{28A0092B-C50C-407E-A947-70E740481C1C}">
+                <a14:useLocalDpi xmlns:a14="http://schemas.microsoft.com/office/drawing/2010/main" val="0"/>
+              </a:ext>
+            </a:extLst>
+          </a:blip>
           <a:stretch>
             <a:fillRect/>
           </a:stretch>
         </p:blipFill>
         <p:spPr>
           <a:xfrm>
-            <a:off x="5221288" y="1595437"/>
-            <a:ext cx="6096000" cy="3657600"/>
+            <a:off x="5183188" y="1572577"/>
+            <a:ext cx="6172200" cy="3703320"/>
           </a:xfrm>
         </p:spPr>
       </p:pic>
     </p:spTree>
     <p:extLst>
       <p:ext uri="{BB962C8B-B14F-4D97-AF65-F5344CB8AC3E}">
-        <p14:creationId xmlns:p14="http://schemas.microsoft.com/office/powerpoint/2010/main" val="233784213"/>
+        <p14:creationId xmlns:p14="http://schemas.microsoft.com/office/powerpoint/2010/main" val="1245074985"/>
       </p:ext>
     </p:extLst>
   </p:cSld>
@@ -3263,7 +3301,7 @@
           <p:cNvPr id="2" name="Title 1">
             <a:extLst>
               <a:ext uri="{FF2B5EF4-FFF2-40B4-BE49-F238E27FC236}">
-                <a16:creationId xmlns:a16="http://schemas.microsoft.com/office/drawing/2014/main" id="{A1B1FB28-5B8C-BCFB-04B3-54966AAE995C}"/>
+                <a16:creationId xmlns:a16="http://schemas.microsoft.com/office/drawing/2014/main" id="{8A738D5E-E749-E8E0-A0EE-47ED215D46EF}"/>
               </a:ext>
             </a:extLst>
           </p:cNvPr>
@@ -3274,25 +3312,31 @@
             <p:ph type="title"/>
           </p:nvPr>
         </p:nvSpPr>
-        <p:spPr/>
-        <p:txBody>
-          <a:bodyPr/>
+        <p:spPr>
+          <a:xfrm>
+            <a:off x="839788" y="457200"/>
+            <a:ext cx="10517651" cy="1048835"/>
+          </a:xfrm>
+        </p:spPr>
+        <p:txBody>
+          <a:bodyPr vert="horz" lIns="91440" tIns="45720" rIns="91440" bIns="45720" rtlCol="0" anchor="t">
+            <a:normAutofit/>
+          </a:bodyPr>
           <a:lstStyle/>
           <a:p>
             <a:r>
-              <a:rPr lang="en-US" dirty="0" err="1"/>
-              <a:t>Espacenet</a:t>
-            </a:r>
-            <a:endParaRPr lang="en-DE" dirty="0"/>
-          </a:p>
-        </p:txBody>
-      </p:sp>
-      <p:sp>
-        <p:nvSpPr>
-          <p:cNvPr id="4" name="Text Placeholder 3">
+              <a:rPr lang="en-GB" dirty="0"/>
+              <a:t>Countries with most publications affiliated to them regarding polymer materials</a:t>
+            </a:r>
+          </a:p>
+        </p:txBody>
+      </p:sp>
+      <p:sp>
+        <p:nvSpPr>
+          <p:cNvPr id="8" name="Text Placeholder 7">
             <a:extLst>
               <a:ext uri="{FF2B5EF4-FFF2-40B4-BE49-F238E27FC236}">
-                <a16:creationId xmlns:a16="http://schemas.microsoft.com/office/drawing/2014/main" id="{EC61FC60-B060-12B2-5E82-55544DE04D4C}"/>
+                <a16:creationId xmlns:a16="http://schemas.microsoft.com/office/drawing/2014/main" id="{A6E5084A-F6BC-6D7F-4C69-E9374639CCDA}"/>
               </a:ext>
             </a:extLst>
           </p:cNvPr>
@@ -3303,21 +3347,47 @@
             <p:ph type="body" sz="half" idx="2"/>
           </p:nvPr>
         </p:nvSpPr>
-        <p:spPr/>
-        <p:txBody>
-          <a:bodyPr/>
+        <p:spPr>
+          <a:xfrm>
+            <a:off x="839788" y="1574180"/>
+            <a:ext cx="3932237" cy="3706271"/>
+          </a:xfrm>
+        </p:spPr>
+        <p:txBody>
+          <a:bodyPr vert="horz" lIns="91440" tIns="45720" rIns="91440" bIns="45720" rtlCol="0" anchor="ctr">
+            <a:normAutofit/>
+          </a:bodyPr>
           <a:lstStyle/>
           <a:p>
-            <a:endParaRPr lang="en-DE"/>
+            <a:pPr marL="285750" indent="-285750">
+              <a:buChar char="•"/>
+            </a:pPr>
+            <a:r>
+              <a:rPr lang="en-GB" dirty="0"/>
+              <a:t>Most papers are published with affiliations to China or USA </a:t>
+            </a:r>
+            <a:endParaRPr lang="en-US" dirty="0"/>
+          </a:p>
+          <a:p>
+            <a:pPr marL="285750" indent="-285750">
+              <a:buChar char="•"/>
+            </a:pPr>
+            <a:endParaRPr lang="en-GB" dirty="0"/>
+          </a:p>
+          <a:p>
+            <a:pPr marL="285750" indent="-285750">
+              <a:buChar char="•"/>
+            </a:pPr>
+            <a:endParaRPr lang="en-GB" dirty="0"/>
           </a:p>
         </p:txBody>
       </p:sp>
       <p:pic>
         <p:nvPicPr>
-          <p:cNvPr id="7" name="Content Placeholder 6" descr="A graph showing the growth of a book&#10;&#10;Description automatically generated">
+          <p:cNvPr id="6" name="Content Placeholder 5" descr="A graph of a number of publications&#10;&#10;Description automatically generated">
             <a:extLst>
               <a:ext uri="{FF2B5EF4-FFF2-40B4-BE49-F238E27FC236}">
-                <a16:creationId xmlns:a16="http://schemas.microsoft.com/office/drawing/2014/main" id="{19EA9D37-D23E-EE12-4ACB-031C10461D17}"/>
+                <a16:creationId xmlns:a16="http://schemas.microsoft.com/office/drawing/2014/main" id="{82690D4E-AA80-F13C-B8CF-EDB4DFD30003}"/>
               </a:ext>
             </a:extLst>
           </p:cNvPr>
@@ -3329,156 +3399,28 @@
           </p:nvPr>
         </p:nvPicPr>
         <p:blipFill>
-          <a:blip r:embed="rId2"/>
+          <a:blip r:embed="rId2">
+            <a:extLst>
+              <a:ext uri="{28A0092B-C50C-407E-A947-70E740481C1C}">
+                <a14:useLocalDpi xmlns:a14="http://schemas.microsoft.com/office/drawing/2010/main" val="0"/>
+              </a:ext>
+            </a:extLst>
+          </a:blip>
           <a:stretch>
             <a:fillRect/>
           </a:stretch>
         </p:blipFill>
         <p:spPr>
           <a:xfrm>
-            <a:off x="5221288" y="1595437"/>
-            <a:ext cx="6096000" cy="3657600"/>
+            <a:off x="5183188" y="1572577"/>
+            <a:ext cx="6172200" cy="3703320"/>
           </a:xfrm>
         </p:spPr>
       </p:pic>
-      <p:sp>
-        <p:nvSpPr>
-          <p:cNvPr id="3" name="Textfeld 2">
-            <a:extLst>
-              <a:ext uri="{FF2B5EF4-FFF2-40B4-BE49-F238E27FC236}">
-                <a16:creationId xmlns:a16="http://schemas.microsoft.com/office/drawing/2014/main" id="{99B88837-E2FE-A893-9E97-7F7FEF4938FC}"/>
-              </a:ext>
-            </a:extLst>
-          </p:cNvPr>
-          <p:cNvSpPr txBox="1"/>
-          <p:nvPr/>
-        </p:nvSpPr>
-        <p:spPr>
-          <a:xfrm>
-            <a:off x="1749126" y="3321856"/>
-            <a:ext cx="3265714" cy="369332"/>
-          </a:xfrm>
-          <a:prstGeom prst="rect">
-            <a:avLst/>
-          </a:prstGeom>
-          <a:noFill/>
-        </p:spPr>
-        <p:txBody>
-          <a:bodyPr rot="0" spcFirstLastPara="0" vertOverflow="overflow" horzOverflow="overflow" vert="horz" wrap="square" lIns="91440" tIns="45720" rIns="91440" bIns="45720" numCol="1" spcCol="0" rtlCol="0" fromWordArt="0" anchor="t" anchorCtr="0" forceAA="0" compatLnSpc="1">
-            <a:prstTxWarp prst="textNoShape">
-              <a:avLst/>
-            </a:prstTxWarp>
-            <a:spAutoFit/>
-          </a:bodyPr>
-          <a:lstStyle/>
-          <a:p>
-            <a:r>
-              <a:rPr lang="de-DE" dirty="0">
-                <a:solidFill>
-                  <a:srgbClr val="FF0000"/>
-                </a:solidFill>
-              </a:rPr>
-              <a:t>Warum Daten vor 2015? </a:t>
-            </a:r>
-          </a:p>
-        </p:txBody>
-      </p:sp>
-      <p:sp>
-        <p:nvSpPr>
-          <p:cNvPr id="5" name="Textfeld 4">
-            <a:extLst>
-              <a:ext uri="{FF2B5EF4-FFF2-40B4-BE49-F238E27FC236}">
-                <a16:creationId xmlns:a16="http://schemas.microsoft.com/office/drawing/2014/main" id="{7E388F70-DC19-C63B-C5DD-9939BF3A9210}"/>
-              </a:ext>
-            </a:extLst>
-          </p:cNvPr>
-          <p:cNvSpPr txBox="1"/>
-          <p:nvPr/>
-        </p:nvSpPr>
-        <p:spPr>
-          <a:xfrm>
-            <a:off x="5547731" y="5380961"/>
-            <a:ext cx="4293053" cy="369332"/>
-          </a:xfrm>
-          <a:prstGeom prst="rect">
-            <a:avLst/>
-          </a:prstGeom>
-          <a:noFill/>
-        </p:spPr>
-        <p:txBody>
-          <a:bodyPr rot="0" spcFirstLastPara="0" vertOverflow="overflow" horzOverflow="overflow" vert="horz" wrap="square" lIns="91440" tIns="45720" rIns="91440" bIns="45720" numCol="1" spcCol="0" rtlCol="0" fromWordArt="0" anchor="t" anchorCtr="0" forceAA="0" compatLnSpc="1">
-            <a:prstTxWarp prst="textNoShape">
-              <a:avLst/>
-            </a:prstTxWarp>
-            <a:spAutoFit/>
-          </a:bodyPr>
-          <a:lstStyle/>
-          <a:p>
-            <a:r>
-              <a:rPr lang="de-DE" dirty="0">
-                <a:solidFill>
-                  <a:srgbClr val="FF0000"/>
-                </a:solidFill>
-              </a:rPr>
-              <a:t>X-Achse Major/Minor Ticks (Georg)</a:t>
-            </a:r>
-          </a:p>
-        </p:txBody>
-      </p:sp>
-      <p:sp>
-        <p:nvSpPr>
-          <p:cNvPr id="6" name="Textfeld 5">
-            <a:extLst>
-              <a:ext uri="{FF2B5EF4-FFF2-40B4-BE49-F238E27FC236}">
-                <a16:creationId xmlns:a16="http://schemas.microsoft.com/office/drawing/2014/main" id="{04763C24-0F1C-6ED9-C263-605C9DE2CF33}"/>
-              </a:ext>
-            </a:extLst>
-          </p:cNvPr>
-          <p:cNvSpPr txBox="1"/>
-          <p:nvPr/>
-        </p:nvSpPr>
-        <p:spPr>
-          <a:xfrm>
-            <a:off x="5548947" y="5869213"/>
-            <a:ext cx="3816803" cy="646331"/>
-          </a:xfrm>
-          <a:prstGeom prst="rect">
-            <a:avLst/>
-          </a:prstGeom>
-          <a:noFill/>
-        </p:spPr>
-        <p:txBody>
-          <a:bodyPr rot="0" spcFirstLastPara="0" vertOverflow="overflow" horzOverflow="overflow" vert="horz" wrap="square" lIns="91440" tIns="45720" rIns="91440" bIns="45720" numCol="1" spcCol="0" rtlCol="0" fromWordArt="0" anchor="t" anchorCtr="0" forceAA="0" compatLnSpc="1">
-            <a:prstTxWarp prst="textNoShape">
-              <a:avLst/>
-            </a:prstTxWarp>
-            <a:spAutoFit/>
-          </a:bodyPr>
-          <a:lstStyle/>
-          <a:p>
-            <a:r>
-              <a:rPr lang="de-DE" dirty="0">
-                <a:solidFill>
-                  <a:srgbClr val="FF0000"/>
-                </a:solidFill>
-              </a:rPr>
-              <a:t>Vergleich mit Publikationsdaten, </a:t>
-            </a:r>
-            <a:r>
-              <a:rPr lang="de-DE">
-                <a:solidFill>
-                  <a:srgbClr val="FF0000"/>
-                </a:solidFill>
-              </a:rPr>
-              <a:t>auch vor 2015</a:t>
-            </a:r>
-          </a:p>
-        </p:txBody>
-      </p:sp>
     </p:spTree>
     <p:extLst>
       <p:ext uri="{BB962C8B-B14F-4D97-AF65-F5344CB8AC3E}">
-        <p14:creationId xmlns:p14="http://schemas.microsoft.com/office/powerpoint/2010/main" val="3666487214"/>
+        <p14:creationId xmlns:p14="http://schemas.microsoft.com/office/powerpoint/2010/main" val="4262371085"/>
       </p:ext>
     </p:extLst>
   </p:cSld>
@@ -3510,7 +3452,7 @@
           <p:cNvPr id="2" name="Title 1">
             <a:extLst>
               <a:ext uri="{FF2B5EF4-FFF2-40B4-BE49-F238E27FC236}">
-                <a16:creationId xmlns:a16="http://schemas.microsoft.com/office/drawing/2014/main" id="{7103A217-21A5-7901-6120-28237D26EEE7}"/>
+                <a16:creationId xmlns:a16="http://schemas.microsoft.com/office/drawing/2014/main" id="{8A738D5E-E749-E8E0-A0EE-47ED215D46EF}"/>
               </a:ext>
             </a:extLst>
           </p:cNvPr>
@@ -3521,25 +3463,124 @@
             <p:ph type="title"/>
           </p:nvPr>
         </p:nvSpPr>
-        <p:spPr/>
-        <p:txBody>
-          <a:bodyPr/>
+        <p:spPr>
+          <a:xfrm>
+            <a:off x="839788" y="457200"/>
+            <a:ext cx="10517651" cy="1048835"/>
+          </a:xfrm>
+        </p:spPr>
+        <p:txBody>
+          <a:bodyPr vert="horz" lIns="91440" tIns="45720" rIns="91440" bIns="45720" rtlCol="0" anchor="t">
+            <a:normAutofit/>
+          </a:bodyPr>
           <a:lstStyle/>
           <a:p>
             <a:r>
-              <a:rPr lang="en-US" dirty="0"/>
-              <a:t>WIPO</a:t>
-            </a:r>
-            <a:endParaRPr lang="en-DE" dirty="0"/>
+              <a:rPr lang="en-GB" dirty="0"/>
+              <a:t>Countries with most publications affiliated to them regarding polymer materials, scaled by population</a:t>
+            </a:r>
+          </a:p>
+        </p:txBody>
+      </p:sp>
+      <p:sp>
+        <p:nvSpPr>
+          <p:cNvPr id="8" name="Text Placeholder 7">
+            <a:extLst>
+              <a:ext uri="{FF2B5EF4-FFF2-40B4-BE49-F238E27FC236}">
+                <a16:creationId xmlns:a16="http://schemas.microsoft.com/office/drawing/2014/main" id="{A6E5084A-F6BC-6D7F-4C69-E9374639CCDA}"/>
+              </a:ext>
+            </a:extLst>
+          </p:cNvPr>
+          <p:cNvSpPr>
+            <a:spLocks noGrp="1"/>
+          </p:cNvSpPr>
+          <p:nvPr>
+            <p:ph type="body" sz="half" idx="2"/>
+          </p:nvPr>
+        </p:nvSpPr>
+        <p:spPr>
+          <a:xfrm>
+            <a:off x="832733" y="4749180"/>
+            <a:ext cx="10529181" cy="1554327"/>
+          </a:xfrm>
+        </p:spPr>
+        <p:txBody>
+          <a:bodyPr vert="horz" lIns="91440" tIns="45720" rIns="91440" bIns="45720" rtlCol="0" anchor="ctr">
+            <a:normAutofit/>
+          </a:bodyPr>
+          <a:lstStyle/>
+          <a:p>
+            <a:pPr marL="285750" indent="-285750">
+              <a:buChar char="•"/>
+            </a:pPr>
+            <a:r>
+              <a:rPr lang="en-GB" dirty="0"/>
+              <a:t>When compared to their population, Singapore and Belgium have the most publications affiliated to them</a:t>
+            </a:r>
+          </a:p>
+          <a:p>
+            <a:pPr marL="285750" indent="-285750">
+              <a:buChar char="•"/>
+            </a:pPr>
+            <a:r>
+              <a:rPr lang="en-GB" dirty="0"/>
+              <a:t>Population data taken from </a:t>
+            </a:r>
+            <a:r>
+              <a:rPr lang="en-GB" dirty="0">
+                <a:ea typeface="+mn-lt"/>
+                <a:cs typeface="+mn-lt"/>
+                <a:hlinkClick r:id="rId2"/>
+              </a:rPr>
+              <a:t>www.census.gov</a:t>
+            </a:r>
+            <a:r>
+              <a:rPr lang="en-GB" dirty="0">
+                <a:ea typeface="+mn-lt"/>
+                <a:cs typeface="+mn-lt"/>
+              </a:rPr>
+              <a:t> in January 2025</a:t>
+            </a:r>
+            <a:endParaRPr lang="en-GB" dirty="0"/>
           </a:p>
         </p:txBody>
       </p:sp>
       <p:pic>
         <p:nvPicPr>
-          <p:cNvPr id="6" name="Content Placeholder 5" descr="A screenshot of a computer&#10;&#10;Description automatically generated">
+          <p:cNvPr id="6" name="Picture 5" descr="A graph of a number of people&#10;&#10;Description automatically generated">
             <a:extLst>
               <a:ext uri="{FF2B5EF4-FFF2-40B4-BE49-F238E27FC236}">
-                <a16:creationId xmlns:a16="http://schemas.microsoft.com/office/drawing/2014/main" id="{4B3A4204-5FA0-8266-8F40-B1B7C419A7FD}"/>
+                <a16:creationId xmlns:a16="http://schemas.microsoft.com/office/drawing/2014/main" id="{E5C2298E-852A-FBF0-2C9F-61CC5D5A58A9}"/>
+              </a:ext>
+            </a:extLst>
+          </p:cNvPr>
+          <p:cNvPicPr>
+            <a:picLocks noChangeAspect="1"/>
+          </p:cNvPicPr>
+          <p:nvPr/>
+        </p:nvPicPr>
+        <p:blipFill>
+          <a:blip r:embed="rId3"/>
+          <a:stretch>
+            <a:fillRect/>
+          </a:stretch>
+        </p:blipFill>
+        <p:spPr>
+          <a:xfrm>
+            <a:off x="839611" y="1571978"/>
+            <a:ext cx="5263445" cy="3177822"/>
+          </a:xfrm>
+          <a:prstGeom prst="rect">
+            <a:avLst/>
+          </a:prstGeom>
+        </p:spPr>
+      </p:pic>
+      <p:pic>
+        <p:nvPicPr>
+          <p:cNvPr id="10" name="Content Placeholder 9" descr="A graph of a bar graph&#10;&#10;Description automatically generated">
+            <a:extLst>
+              <a:ext uri="{FF2B5EF4-FFF2-40B4-BE49-F238E27FC236}">
+                <a16:creationId xmlns:a16="http://schemas.microsoft.com/office/drawing/2014/main" id="{C558C557-7972-C7A9-F5D7-43281D2AD907}"/>
               </a:ext>
             </a:extLst>
           </p:cNvPr>
@@ -3551,7 +3592,7 @@
           </p:nvPr>
         </p:nvPicPr>
         <p:blipFill>
-          <a:blip r:embed="rId2" cstate="print">
+          <a:blip r:embed="rId4">
             <a:extLst>
               <a:ext uri="{28A0092B-C50C-407E-A947-70E740481C1C}">
                 <a14:useLocalDpi xmlns:a14="http://schemas.microsoft.com/office/drawing/2010/main" val="0"/>
@@ -3564,82 +3605,15 @@
         </p:blipFill>
         <p:spPr>
           <a:xfrm>
-            <a:off x="-312830" y="2499396"/>
-            <a:ext cx="11710639" cy="2632990"/>
+            <a:off x="6103056" y="1571978"/>
+            <a:ext cx="5185432" cy="3111259"/>
           </a:xfrm>
         </p:spPr>
       </p:pic>
-      <p:sp>
-        <p:nvSpPr>
-          <p:cNvPr id="4" name="Text Placeholder 3">
-            <a:extLst>
-              <a:ext uri="{FF2B5EF4-FFF2-40B4-BE49-F238E27FC236}">
-                <a16:creationId xmlns:a16="http://schemas.microsoft.com/office/drawing/2014/main" id="{62A3F758-1198-A982-F141-E7B7353A52B0}"/>
-              </a:ext>
-            </a:extLst>
-          </p:cNvPr>
-          <p:cNvSpPr>
-            <a:spLocks noGrp="1"/>
-          </p:cNvSpPr>
-          <p:nvPr>
-            <p:ph type="body" sz="half" idx="2"/>
-          </p:nvPr>
-        </p:nvSpPr>
-        <p:spPr/>
-        <p:txBody>
-          <a:bodyPr/>
-          <a:lstStyle/>
-          <a:p>
-            <a:endParaRPr lang="en-DE"/>
-          </a:p>
-        </p:txBody>
-      </p:sp>
-      <p:sp>
-        <p:nvSpPr>
-          <p:cNvPr id="3" name="Textfeld 2">
-            <a:extLst>
-              <a:ext uri="{FF2B5EF4-FFF2-40B4-BE49-F238E27FC236}">
-                <a16:creationId xmlns:a16="http://schemas.microsoft.com/office/drawing/2014/main" id="{8F97CCA7-EE85-DE8E-AC2C-A412E11936F7}"/>
-              </a:ext>
-            </a:extLst>
-          </p:cNvPr>
-          <p:cNvSpPr txBox="1"/>
-          <p:nvPr/>
-        </p:nvSpPr>
-        <p:spPr>
-          <a:xfrm>
-            <a:off x="6170839" y="5572125"/>
-            <a:ext cx="4082142" cy="369332"/>
-          </a:xfrm>
-          <a:prstGeom prst="rect">
-            <a:avLst/>
-          </a:prstGeom>
-          <a:noFill/>
-        </p:spPr>
-        <p:txBody>
-          <a:bodyPr rot="0" spcFirstLastPara="0" vertOverflow="overflow" horzOverflow="overflow" vert="horz" wrap="square" lIns="91440" tIns="45720" rIns="91440" bIns="45720" numCol="1" spcCol="0" rtlCol="0" fromWordArt="0" anchor="t" anchorCtr="0" forceAA="0" compatLnSpc="1">
-            <a:prstTxWarp prst="textNoShape">
-              <a:avLst/>
-            </a:prstTxWarp>
-            <a:spAutoFit/>
-          </a:bodyPr>
-          <a:lstStyle/>
-          <a:p>
-            <a:r>
-              <a:rPr lang="de-DE" dirty="0">
-                <a:solidFill>
-                  <a:srgbClr val="FF0000"/>
-                </a:solidFill>
-              </a:rPr>
-              <a:t>IPC Codes (?)</a:t>
-            </a:r>
-          </a:p>
-        </p:txBody>
-      </p:sp>
     </p:spTree>
     <p:extLst>
       <p:ext uri="{BB962C8B-B14F-4D97-AF65-F5344CB8AC3E}">
-        <p14:creationId xmlns:p14="http://schemas.microsoft.com/office/powerpoint/2010/main" val="3145640299"/>
+        <p14:creationId xmlns:p14="http://schemas.microsoft.com/office/powerpoint/2010/main" val="2163132736"/>
       </p:ext>
     </p:extLst>
   </p:cSld>
@@ -3668,39 +3642,10 @@
       </p:grpSpPr>
       <p:sp>
         <p:nvSpPr>
-          <p:cNvPr id="2" name="Title 1">
-            <a:extLst>
-              <a:ext uri="{FF2B5EF4-FFF2-40B4-BE49-F238E27FC236}">
-                <a16:creationId xmlns:a16="http://schemas.microsoft.com/office/drawing/2014/main" id="{2607136C-E885-609E-94FD-103F489D415B}"/>
-              </a:ext>
-            </a:extLst>
-          </p:cNvPr>
-          <p:cNvSpPr>
-            <a:spLocks noGrp="1"/>
-          </p:cNvSpPr>
-          <p:nvPr>
-            <p:ph type="title"/>
-          </p:nvPr>
-        </p:nvSpPr>
-        <p:spPr/>
-        <p:txBody>
-          <a:bodyPr/>
-          <a:lstStyle/>
-          <a:p>
-            <a:r>
-              <a:rPr lang="en-US" dirty="0"/>
-              <a:t>WIPO</a:t>
-            </a:r>
-            <a:endParaRPr lang="en-DE" dirty="0"/>
-          </a:p>
-        </p:txBody>
-      </p:sp>
-      <p:sp>
-        <p:nvSpPr>
           <p:cNvPr id="4" name="Text Placeholder 3">
             <a:extLst>
               <a:ext uri="{FF2B5EF4-FFF2-40B4-BE49-F238E27FC236}">
-                <a16:creationId xmlns:a16="http://schemas.microsoft.com/office/drawing/2014/main" id="{A9E17B91-A842-294D-FDBB-489DAA25A9FA}"/>
+                <a16:creationId xmlns:a16="http://schemas.microsoft.com/office/drawing/2014/main" id="{8DC21876-0FFB-AD28-4A1F-84768DB132F2}"/>
               </a:ext>
             </a:extLst>
           </p:cNvPr>
@@ -3719,15 +3664,337 @@
           <a:lstStyle/>
           <a:p>
             <a:pPr marL="285750" indent="-285750">
+              <a:buFont typeface="Arial,Sans-Serif"/>
               <a:buChar char="•"/>
             </a:pPr>
             <a:r>
-              <a:rPr lang="en-DE" dirty="0"/>
-              <a:t>WIPO additionally manages the rights to 605 international patents (not shown </a:t>
-            </a:r>
-            <a:r>
-              <a:rPr lang="en-DE"/>
-              <a:t>in graph)</a:t>
+              <a:rPr lang="de-DE" b="1" dirty="0"/>
+              <a:t>China </a:t>
+            </a:r>
+            <a:r>
+              <a:rPr lang="de-DE" b="1" dirty="0" err="1"/>
+              <a:t>leads</a:t>
+            </a:r>
+            <a:r>
+              <a:rPr lang="de-DE" b="1" dirty="0"/>
+              <a:t> </a:t>
+            </a:r>
+            <a:r>
+              <a:rPr lang="de-DE" b="1" dirty="0" err="1"/>
+              <a:t>globally</a:t>
+            </a:r>
+            <a:r>
+              <a:rPr lang="de-DE" dirty="0"/>
+              <a:t>, </a:t>
+            </a:r>
+            <a:r>
+              <a:rPr lang="de-DE" dirty="0" err="1"/>
+              <a:t>with</a:t>
+            </a:r>
+            <a:r>
+              <a:rPr lang="de-DE" dirty="0"/>
+              <a:t> </a:t>
+            </a:r>
+            <a:r>
+              <a:rPr lang="de-DE" dirty="0" err="1"/>
+              <a:t>the</a:t>
+            </a:r>
+            <a:r>
+              <a:rPr lang="de-DE" dirty="0"/>
+              <a:t> </a:t>
+            </a:r>
+            <a:r>
+              <a:rPr lang="de-DE" dirty="0" err="1"/>
+              <a:t>highest</a:t>
+            </a:r>
+            <a:r>
+              <a:rPr lang="de-DE" dirty="0"/>
+              <a:t> patent </a:t>
+            </a:r>
+            <a:r>
+              <a:rPr lang="de-DE" dirty="0" err="1"/>
+              <a:t>activity</a:t>
+            </a:r>
+            <a:r>
+              <a:rPr lang="de-DE" dirty="0"/>
+              <a:t> in </a:t>
+            </a:r>
+            <a:r>
+              <a:rPr lang="de-DE" dirty="0" err="1"/>
+              <a:t>self-healing</a:t>
+            </a:r>
+            <a:r>
+              <a:rPr lang="de-DE" dirty="0"/>
+              <a:t> </a:t>
+            </a:r>
+            <a:r>
+              <a:rPr lang="de-DE" dirty="0" err="1"/>
+              <a:t>materials</a:t>
+            </a:r>
+            <a:r>
+              <a:rPr lang="de-DE" dirty="0"/>
+              <a:t>, </a:t>
+            </a:r>
+            <a:r>
+              <a:rPr lang="de-DE" dirty="0" err="1"/>
+              <a:t>driven</a:t>
+            </a:r>
+            <a:r>
+              <a:rPr lang="de-DE" dirty="0"/>
+              <a:t> </a:t>
+            </a:r>
+            <a:r>
+              <a:rPr lang="de-DE" dirty="0" err="1"/>
+              <a:t>by</a:t>
+            </a:r>
+            <a:r>
+              <a:rPr lang="de-DE" dirty="0"/>
+              <a:t> strong </a:t>
+            </a:r>
+            <a:r>
+              <a:rPr lang="de-DE" dirty="0" err="1"/>
+              <a:t>innovation</a:t>
+            </a:r>
+            <a:r>
+              <a:rPr lang="de-DE" dirty="0"/>
+              <a:t> </a:t>
+            </a:r>
+            <a:r>
+              <a:rPr lang="de-DE" dirty="0" err="1"/>
+              <a:t>efforts</a:t>
+            </a:r>
+            <a:r>
+              <a:rPr lang="de-DE" dirty="0"/>
+              <a:t>.</a:t>
+            </a:r>
+            <a:endParaRPr lang="en-US" dirty="0"/>
+          </a:p>
+          <a:p>
+            <a:pPr marL="285750" indent="-285750">
+              <a:buFont typeface="Arial,Sans-Serif"/>
+              <a:buChar char="•"/>
+            </a:pPr>
+            <a:r>
+              <a:rPr lang="de-DE" b="1" dirty="0"/>
+              <a:t>USA, South Korea, and Japan</a:t>
+            </a:r>
+            <a:r>
+              <a:rPr lang="de-DE" dirty="0"/>
+              <a:t> follow </a:t>
+            </a:r>
+            <a:r>
+              <a:rPr lang="de-DE" dirty="0" err="1"/>
+              <a:t>as</a:t>
+            </a:r>
+            <a:r>
+              <a:rPr lang="de-DE" dirty="0"/>
+              <a:t> </a:t>
+            </a:r>
+            <a:r>
+              <a:rPr lang="de-DE" dirty="0" err="1"/>
+              <a:t>key</a:t>
+            </a:r>
+            <a:r>
+              <a:rPr lang="de-DE" dirty="0"/>
+              <a:t> </a:t>
+            </a:r>
+            <a:r>
+              <a:rPr lang="de-DE" dirty="0" err="1"/>
+              <a:t>contributors</a:t>
+            </a:r>
+            <a:r>
+              <a:rPr lang="de-DE" dirty="0"/>
+              <a:t>, but </a:t>
+            </a:r>
+            <a:r>
+              <a:rPr lang="de-DE" dirty="0" err="1"/>
+              <a:t>far</a:t>
+            </a:r>
+            <a:r>
+              <a:rPr lang="de-DE" dirty="0"/>
+              <a:t> </a:t>
+            </a:r>
+            <a:r>
+              <a:rPr lang="de-DE" dirty="0" err="1"/>
+              <a:t>behind</a:t>
+            </a:r>
+            <a:r>
+              <a:rPr lang="de-DE" dirty="0"/>
+              <a:t> China.</a:t>
+            </a:r>
+            <a:endParaRPr lang="en-US" dirty="0"/>
+          </a:p>
+          <a:p>
+            <a:pPr marL="285750" indent="-285750">
+              <a:buFont typeface="Arial,Sans-Serif"/>
+              <a:buChar char="•"/>
+            </a:pPr>
+            <a:r>
+              <a:rPr lang="de-DE" b="1" dirty="0"/>
+              <a:t>Europe lags</a:t>
+            </a:r>
+            <a:r>
+              <a:rPr lang="de-DE" dirty="0"/>
+              <a:t>, </a:t>
+            </a:r>
+            <a:r>
+              <a:rPr lang="de-DE" dirty="0" err="1"/>
+              <a:t>with</a:t>
+            </a:r>
+            <a:r>
+              <a:rPr lang="de-DE" dirty="0"/>
+              <a:t> limited patent </a:t>
+            </a:r>
+            <a:r>
+              <a:rPr lang="de-DE" dirty="0" err="1"/>
+              <a:t>activity</a:t>
+            </a:r>
+            <a:r>
+              <a:rPr lang="de-DE" dirty="0"/>
+              <a:t>, </a:t>
+            </a:r>
+            <a:r>
+              <a:rPr lang="de-DE" dirty="0" err="1"/>
+              <a:t>suggesting</a:t>
+            </a:r>
+            <a:r>
+              <a:rPr lang="de-DE" dirty="0"/>
+              <a:t> a </a:t>
+            </a:r>
+            <a:r>
+              <a:rPr lang="de-DE" dirty="0" err="1"/>
+              <a:t>focus</a:t>
+            </a:r>
+            <a:r>
+              <a:rPr lang="de-DE" dirty="0"/>
+              <a:t> on </a:t>
+            </a:r>
+            <a:r>
+              <a:rPr lang="de-DE" dirty="0" err="1"/>
+              <a:t>other</a:t>
+            </a:r>
+            <a:r>
+              <a:rPr lang="de-DE" dirty="0"/>
+              <a:t> </a:t>
+            </a:r>
+            <a:r>
+              <a:rPr lang="de-DE" dirty="0" err="1"/>
+              <a:t>priorities</a:t>
+            </a:r>
+            <a:r>
+              <a:rPr lang="de-DE" dirty="0"/>
+              <a:t> </a:t>
+            </a:r>
+            <a:r>
+              <a:rPr lang="de-DE" dirty="0" err="1"/>
+              <a:t>or</a:t>
+            </a:r>
+            <a:r>
+              <a:rPr lang="de-DE" dirty="0"/>
+              <a:t> </a:t>
+            </a:r>
+            <a:r>
+              <a:rPr lang="de-DE" dirty="0" err="1"/>
+              <a:t>academic</a:t>
+            </a:r>
+            <a:r>
+              <a:rPr lang="de-DE" dirty="0"/>
+              <a:t> </a:t>
+            </a:r>
+            <a:r>
+              <a:rPr lang="de-DE" dirty="0" err="1"/>
+              <a:t>research</a:t>
+            </a:r>
+            <a:r>
+              <a:rPr lang="de-DE" dirty="0"/>
+              <a:t>.</a:t>
+            </a:r>
+            <a:endParaRPr lang="en-US" dirty="0"/>
+          </a:p>
+          <a:p>
+            <a:pPr marL="285750" indent="-285750">
+              <a:buFont typeface="Arial,Sans-Serif"/>
+              <a:buChar char="•"/>
+            </a:pPr>
+            <a:r>
+              <a:rPr lang="de-DE" b="1" dirty="0"/>
+              <a:t>Strategic </a:t>
+            </a:r>
+            <a:r>
+              <a:rPr lang="de-DE" b="1" dirty="0" err="1"/>
+              <a:t>focus</a:t>
+            </a:r>
+            <a:r>
+              <a:rPr lang="de-DE" b="1" dirty="0"/>
+              <a:t> on China</a:t>
+            </a:r>
+            <a:r>
+              <a:rPr lang="de-DE" dirty="0"/>
+              <a:t> </a:t>
+            </a:r>
+            <a:r>
+              <a:rPr lang="de-DE" dirty="0" err="1"/>
+              <a:t>is</a:t>
+            </a:r>
+            <a:r>
+              <a:rPr lang="de-DE" dirty="0"/>
+              <a:t> </a:t>
+            </a:r>
+            <a:r>
+              <a:rPr lang="de-DE" dirty="0" err="1"/>
+              <a:t>crucial</a:t>
+            </a:r>
+            <a:r>
+              <a:rPr lang="de-DE" dirty="0"/>
+              <a:t> </a:t>
+            </a:r>
+            <a:r>
+              <a:rPr lang="de-DE" dirty="0" err="1"/>
+              <a:t>to</a:t>
+            </a:r>
+            <a:r>
+              <a:rPr lang="de-DE" dirty="0"/>
+              <a:t> track </a:t>
+            </a:r>
+            <a:r>
+              <a:rPr lang="de-DE" dirty="0" err="1"/>
+              <a:t>emerging</a:t>
+            </a:r>
+            <a:r>
+              <a:rPr lang="de-DE" dirty="0"/>
+              <a:t> </a:t>
+            </a:r>
+            <a:r>
+              <a:rPr lang="de-DE" dirty="0" err="1"/>
+              <a:t>trends</a:t>
+            </a:r>
+            <a:r>
+              <a:rPr lang="de-DE" dirty="0"/>
+              <a:t> and </a:t>
+            </a:r>
+            <a:r>
+              <a:rPr lang="de-DE" dirty="0" err="1"/>
+              <a:t>opportunities</a:t>
+            </a:r>
+            <a:r>
+              <a:rPr lang="de-DE" dirty="0"/>
+              <a:t> in </a:t>
+            </a:r>
+            <a:r>
+              <a:rPr lang="de-DE" dirty="0" err="1"/>
+              <a:t>this</a:t>
+            </a:r>
+            <a:r>
+              <a:rPr lang="de-DE" dirty="0"/>
+              <a:t> </a:t>
+            </a:r>
+            <a:r>
+              <a:rPr lang="de-DE" dirty="0" err="1"/>
+              <a:t>field</a:t>
+            </a:r>
+            <a:r>
+              <a:rPr lang="de-DE" dirty="0"/>
+              <a:t>.</a:t>
             </a:r>
             <a:endParaRPr lang="en-DE" dirty="0"/>
           </a:p>
@@ -3735,10 +4002,10 @@
       </p:sp>
       <p:pic>
         <p:nvPicPr>
-          <p:cNvPr id="7" name="Content Placeholder 6" descr="A graph of blue and white bars&#10;&#10;Description automatically generated">
+          <p:cNvPr id="12" name="Inhaltsplatzhalter 11" descr="Ein Bild, das Text, Screenshot, Diagramm, Reihe enthält.&#10;&#10;Beschreibung automatisch generiert.">
             <a:extLst>
               <a:ext uri="{FF2B5EF4-FFF2-40B4-BE49-F238E27FC236}">
-                <a16:creationId xmlns:a16="http://schemas.microsoft.com/office/drawing/2014/main" id="{28E7E884-2B3B-27CF-FF3A-73A149F825F9}"/>
+                <a16:creationId xmlns:a16="http://schemas.microsoft.com/office/drawing/2014/main" id="{6FC40EEA-592C-668A-0F4D-CC47AC3839DF}"/>
               </a:ext>
             </a:extLst>
           </p:cNvPr>
@@ -3764,63 +4031,67 @@
       </p:pic>
       <p:sp>
         <p:nvSpPr>
-          <p:cNvPr id="3" name="Textfeld 2">
+          <p:cNvPr id="6" name="Title 1">
             <a:extLst>
               <a:ext uri="{FF2B5EF4-FFF2-40B4-BE49-F238E27FC236}">
-                <a16:creationId xmlns:a16="http://schemas.microsoft.com/office/drawing/2014/main" id="{EE654DBD-9C9F-7792-2F9B-8D0FD2B9BF5F}"/>
+                <a16:creationId xmlns:a16="http://schemas.microsoft.com/office/drawing/2014/main" id="{C57DEE2B-58F9-3509-05A9-B78DC46CAD95}"/>
               </a:ext>
             </a:extLst>
           </p:cNvPr>
-          <p:cNvSpPr txBox="1"/>
+          <p:cNvSpPr txBox="1">
+            <a:spLocks/>
+          </p:cNvSpPr>
           <p:nvPr/>
         </p:nvSpPr>
         <p:spPr>
           <a:xfrm>
-            <a:off x="5651887" y="5417744"/>
-            <a:ext cx="3510642" cy="369332"/>
+            <a:off x="839788" y="457200"/>
+            <a:ext cx="10486676" cy="522250"/>
           </a:xfrm>
           <a:prstGeom prst="rect">
             <a:avLst/>
           </a:prstGeom>
-          <a:noFill/>
         </p:spPr>
         <p:txBody>
-          <a:bodyPr rot="0" spcFirstLastPara="0" vertOverflow="overflow" horzOverflow="overflow" vert="horz" wrap="square" lIns="91440" tIns="45720" rIns="91440" bIns="45720" numCol="1" spcCol="0" rtlCol="0" fromWordArt="0" anchor="t" anchorCtr="0" forceAA="0" compatLnSpc="1">
-            <a:prstTxWarp prst="textNoShape">
-              <a:avLst/>
-            </a:prstTxWarp>
-            <a:spAutoFit/>
+          <a:bodyPr vert="horz" lIns="91440" tIns="45720" rIns="91440" bIns="45720" rtlCol="0" anchor="t">
+            <a:normAutofit lnSpcReduction="10000"/>
           </a:bodyPr>
-          <a:lstStyle/>
-          <a:p>
-            <a:r>
-              <a:rPr lang="de-DE" dirty="0">
-                <a:solidFill>
-                  <a:srgbClr val="FF0000"/>
-                </a:solidFill>
-              </a:rPr>
-              <a:t>Vergleich mit </a:t>
-            </a:r>
-            <a:r>
-              <a:rPr lang="de-DE" err="1">
-                <a:solidFill>
-                  <a:srgbClr val="FF0000"/>
-                </a:solidFill>
-              </a:rPr>
+          <a:lstStyle>
+            <a:lvl1pPr algn="l" defTabSz="914400" rtl="0" eaLnBrk="1" latinLnBrk="0" hangingPunct="1">
+              <a:lnSpc>
+                <a:spcPct val="90000"/>
+              </a:lnSpc>
+              <a:spcBef>
+                <a:spcPct val="0"/>
+              </a:spcBef>
+              <a:buNone/>
+              <a:defRPr sz="3200" kern="1200">
+                <a:solidFill>
+                  <a:schemeClr val="tx1"/>
+                </a:solidFill>
+                <a:latin typeface="+mj-lt"/>
+                <a:ea typeface="+mj-ea"/>
+                <a:cs typeface="+mj-cs"/>
+              </a:defRPr>
+            </a:lvl1pPr>
+          </a:lstStyle>
+          <a:p>
+            <a:r>
+              <a:rPr lang="en-GB" dirty="0" err="1"/>
               <a:t>Espacenet</a:t>
             </a:r>
-            <a:endParaRPr lang="de-DE">
-              <a:solidFill>
-                <a:srgbClr val="FF0000"/>
-              </a:solidFill>
-            </a:endParaRPr>
+            <a:r>
+              <a:rPr lang="en-GB" dirty="0"/>
+              <a:t> Data: Patent families </a:t>
+            </a:r>
+            <a:endParaRPr lang="de-DE" dirty="0"/>
           </a:p>
         </p:txBody>
       </p:sp>
     </p:spTree>
     <p:extLst>
       <p:ext uri="{BB962C8B-B14F-4D97-AF65-F5344CB8AC3E}">
-        <p14:creationId xmlns:p14="http://schemas.microsoft.com/office/powerpoint/2010/main" val="3793083112"/>
+        <p14:creationId xmlns:p14="http://schemas.microsoft.com/office/powerpoint/2010/main" val="233784213"/>
       </p:ext>
     </p:extLst>
   </p:cSld>
@@ -3852,7 +4123,7 @@
           <p:cNvPr id="2" name="Title 1">
             <a:extLst>
               <a:ext uri="{FF2B5EF4-FFF2-40B4-BE49-F238E27FC236}">
-                <a16:creationId xmlns:a16="http://schemas.microsoft.com/office/drawing/2014/main" id="{48B0D354-45FF-F7F1-B31C-13325FBFAE41}"/>
+                <a16:creationId xmlns:a16="http://schemas.microsoft.com/office/drawing/2014/main" id="{A1B1FB28-5B8C-BCFB-04B3-54966AAE995C}"/>
               </a:ext>
             </a:extLst>
           </p:cNvPr>
@@ -3869,8 +4140,8 @@
           <a:lstStyle/>
           <a:p>
             <a:r>
-              <a:rPr lang="en-US" dirty="0"/>
-              <a:t>WIPO</a:t>
+              <a:rPr lang="en-US" dirty="0" err="1"/>
+              <a:t>Espacenet</a:t>
             </a:r>
             <a:endParaRPr lang="en-DE" dirty="0"/>
           </a:p>
@@ -3881,7 +4152,7 @@
           <p:cNvPr id="4" name="Text Placeholder 3">
             <a:extLst>
               <a:ext uri="{FF2B5EF4-FFF2-40B4-BE49-F238E27FC236}">
-                <a16:creationId xmlns:a16="http://schemas.microsoft.com/office/drawing/2014/main" id="{B6B3E347-573E-8418-4C83-C104B4CA332C}"/>
+                <a16:creationId xmlns:a16="http://schemas.microsoft.com/office/drawing/2014/main" id="{EC61FC60-B060-12B2-5E82-55544DE04D4C}"/>
               </a:ext>
             </a:extLst>
           </p:cNvPr>
@@ -3897,16 +4168,16 @@
           <a:bodyPr/>
           <a:lstStyle/>
           <a:p>
-            <a:endParaRPr lang="en-DE" dirty="0"/>
+            <a:endParaRPr lang="en-DE"/>
           </a:p>
         </p:txBody>
       </p:sp>
       <p:pic>
         <p:nvPicPr>
-          <p:cNvPr id="7" name="Content Placeholder 6" descr="A graph showing the number of patentes&#10;&#10;Description automatically generated">
+          <p:cNvPr id="7" name="Content Placeholder 6" descr="A graph showing the growth of a book&#10;&#10;Description automatically generated">
             <a:extLst>
               <a:ext uri="{FF2B5EF4-FFF2-40B4-BE49-F238E27FC236}">
-                <a16:creationId xmlns:a16="http://schemas.microsoft.com/office/drawing/2014/main" id="{32121764-E93C-8100-8E7A-17DFC621D7B6}"/>
+                <a16:creationId xmlns:a16="http://schemas.microsoft.com/office/drawing/2014/main" id="{19EA9D37-D23E-EE12-4ACB-031C10461D17}"/>
               </a:ext>
             </a:extLst>
           </p:cNvPr>
@@ -3932,6 +4203,434 @@
       </p:pic>
       <p:sp>
         <p:nvSpPr>
+          <p:cNvPr id="3" name="Textfeld 2">
+            <a:extLst>
+              <a:ext uri="{FF2B5EF4-FFF2-40B4-BE49-F238E27FC236}">
+                <a16:creationId xmlns:a16="http://schemas.microsoft.com/office/drawing/2014/main" id="{99B88837-E2FE-A893-9E97-7F7FEF4938FC}"/>
+              </a:ext>
+            </a:extLst>
+          </p:cNvPr>
+          <p:cNvSpPr txBox="1"/>
+          <p:nvPr/>
+        </p:nvSpPr>
+        <p:spPr>
+          <a:xfrm>
+            <a:off x="1749126" y="3321856"/>
+            <a:ext cx="3265714" cy="369332"/>
+          </a:xfrm>
+          <a:prstGeom prst="rect">
+            <a:avLst/>
+          </a:prstGeom>
+          <a:noFill/>
+        </p:spPr>
+        <p:txBody>
+          <a:bodyPr rot="0" spcFirstLastPara="0" vertOverflow="overflow" horzOverflow="overflow" vert="horz" wrap="square" lIns="91440" tIns="45720" rIns="91440" bIns="45720" numCol="1" spcCol="0" rtlCol="0" fromWordArt="0" anchor="t" anchorCtr="0" forceAA="0" compatLnSpc="1">
+            <a:prstTxWarp prst="textNoShape">
+              <a:avLst/>
+            </a:prstTxWarp>
+            <a:spAutoFit/>
+          </a:bodyPr>
+          <a:lstStyle/>
+          <a:p>
+            <a:r>
+              <a:rPr lang="de-DE" dirty="0">
+                <a:solidFill>
+                  <a:srgbClr val="FF0000"/>
+                </a:solidFill>
+              </a:rPr>
+              <a:t>Warum Daten vor 2015? </a:t>
+            </a:r>
+          </a:p>
+        </p:txBody>
+      </p:sp>
+      <p:sp>
+        <p:nvSpPr>
+          <p:cNvPr id="5" name="Textfeld 4">
+            <a:extLst>
+              <a:ext uri="{FF2B5EF4-FFF2-40B4-BE49-F238E27FC236}">
+                <a16:creationId xmlns:a16="http://schemas.microsoft.com/office/drawing/2014/main" id="{7E388F70-DC19-C63B-C5DD-9939BF3A9210}"/>
+              </a:ext>
+            </a:extLst>
+          </p:cNvPr>
+          <p:cNvSpPr txBox="1"/>
+          <p:nvPr/>
+        </p:nvSpPr>
+        <p:spPr>
+          <a:xfrm>
+            <a:off x="5547731" y="5380961"/>
+            <a:ext cx="4293053" cy="369332"/>
+          </a:xfrm>
+          <a:prstGeom prst="rect">
+            <a:avLst/>
+          </a:prstGeom>
+          <a:noFill/>
+        </p:spPr>
+        <p:txBody>
+          <a:bodyPr rot="0" spcFirstLastPara="0" vertOverflow="overflow" horzOverflow="overflow" vert="horz" wrap="square" lIns="91440" tIns="45720" rIns="91440" bIns="45720" numCol="1" spcCol="0" rtlCol="0" fromWordArt="0" anchor="t" anchorCtr="0" forceAA="0" compatLnSpc="1">
+            <a:prstTxWarp prst="textNoShape">
+              <a:avLst/>
+            </a:prstTxWarp>
+            <a:spAutoFit/>
+          </a:bodyPr>
+          <a:lstStyle/>
+          <a:p>
+            <a:r>
+              <a:rPr lang="de-DE" dirty="0">
+                <a:solidFill>
+                  <a:srgbClr val="FF0000"/>
+                </a:solidFill>
+              </a:rPr>
+              <a:t>X-Achse Major/Minor Ticks (Georg)</a:t>
+            </a:r>
+          </a:p>
+        </p:txBody>
+      </p:sp>
+      <p:sp>
+        <p:nvSpPr>
+          <p:cNvPr id="6" name="Textfeld 5">
+            <a:extLst>
+              <a:ext uri="{FF2B5EF4-FFF2-40B4-BE49-F238E27FC236}">
+                <a16:creationId xmlns:a16="http://schemas.microsoft.com/office/drawing/2014/main" id="{04763C24-0F1C-6ED9-C263-605C9DE2CF33}"/>
+              </a:ext>
+            </a:extLst>
+          </p:cNvPr>
+          <p:cNvSpPr txBox="1"/>
+          <p:nvPr/>
+        </p:nvSpPr>
+        <p:spPr>
+          <a:xfrm>
+            <a:off x="5548947" y="5869213"/>
+            <a:ext cx="3816803" cy="646331"/>
+          </a:xfrm>
+          <a:prstGeom prst="rect">
+            <a:avLst/>
+          </a:prstGeom>
+          <a:noFill/>
+        </p:spPr>
+        <p:txBody>
+          <a:bodyPr rot="0" spcFirstLastPara="0" vertOverflow="overflow" horzOverflow="overflow" vert="horz" wrap="square" lIns="91440" tIns="45720" rIns="91440" bIns="45720" numCol="1" spcCol="0" rtlCol="0" fromWordArt="0" anchor="t" anchorCtr="0" forceAA="0" compatLnSpc="1">
+            <a:prstTxWarp prst="textNoShape">
+              <a:avLst/>
+            </a:prstTxWarp>
+            <a:spAutoFit/>
+          </a:bodyPr>
+          <a:lstStyle/>
+          <a:p>
+            <a:r>
+              <a:rPr lang="de-DE" dirty="0">
+                <a:solidFill>
+                  <a:srgbClr val="FF0000"/>
+                </a:solidFill>
+              </a:rPr>
+              <a:t>Vergleich mit Publikationsdaten, </a:t>
+            </a:r>
+            <a:r>
+              <a:rPr lang="de-DE">
+                <a:solidFill>
+                  <a:srgbClr val="FF0000"/>
+                </a:solidFill>
+              </a:rPr>
+              <a:t>auch vor 2015</a:t>
+            </a:r>
+          </a:p>
+        </p:txBody>
+      </p:sp>
+    </p:spTree>
+    <p:extLst>
+      <p:ext uri="{BB962C8B-B14F-4D97-AF65-F5344CB8AC3E}">
+        <p14:creationId xmlns:p14="http://schemas.microsoft.com/office/powerpoint/2010/main" val="3666487214"/>
+      </p:ext>
+    </p:extLst>
+  </p:cSld>
+  <p:clrMapOvr>
+    <a:masterClrMapping/>
+  </p:clrMapOvr>
+</p:sld>
+</file>
+
+<file path=ppt/slides/slide15.xml><?xml version="1.0" encoding="utf-8"?>
+<p:sld xmlns:a="http://schemas.openxmlformats.org/drawingml/2006/main" xmlns:r="http://schemas.openxmlformats.org/officeDocument/2006/relationships" xmlns:p="http://schemas.openxmlformats.org/presentationml/2006/main">
+  <p:cSld>
+    <p:spTree>
+      <p:nvGrpSpPr>
+        <p:cNvPr id="1" name=""/>
+        <p:cNvGrpSpPr/>
+        <p:nvPr/>
+      </p:nvGrpSpPr>
+      <p:grpSpPr>
+        <a:xfrm>
+          <a:off x="0" y="0"/>
+          <a:ext cx="0" cy="0"/>
+          <a:chOff x="0" y="0"/>
+          <a:chExt cx="0" cy="0"/>
+        </a:xfrm>
+      </p:grpSpPr>
+      <p:sp>
+        <p:nvSpPr>
+          <p:cNvPr id="2" name="Title 1">
+            <a:extLst>
+              <a:ext uri="{FF2B5EF4-FFF2-40B4-BE49-F238E27FC236}">
+                <a16:creationId xmlns:a16="http://schemas.microsoft.com/office/drawing/2014/main" id="{2607136C-E885-609E-94FD-103F489D415B}"/>
+              </a:ext>
+            </a:extLst>
+          </p:cNvPr>
+          <p:cNvSpPr>
+            <a:spLocks noGrp="1"/>
+          </p:cNvSpPr>
+          <p:nvPr>
+            <p:ph type="title"/>
+          </p:nvPr>
+        </p:nvSpPr>
+        <p:spPr/>
+        <p:txBody>
+          <a:bodyPr/>
+          <a:lstStyle/>
+          <a:p>
+            <a:r>
+              <a:rPr lang="en-US" dirty="0"/>
+              <a:t>WIPO</a:t>
+            </a:r>
+            <a:endParaRPr lang="en-DE" dirty="0"/>
+          </a:p>
+        </p:txBody>
+      </p:sp>
+      <p:sp>
+        <p:nvSpPr>
+          <p:cNvPr id="4" name="Text Placeholder 3">
+            <a:extLst>
+              <a:ext uri="{FF2B5EF4-FFF2-40B4-BE49-F238E27FC236}">
+                <a16:creationId xmlns:a16="http://schemas.microsoft.com/office/drawing/2014/main" id="{A9E17B91-A842-294D-FDBB-489DAA25A9FA}"/>
+              </a:ext>
+            </a:extLst>
+          </p:cNvPr>
+          <p:cNvSpPr>
+            <a:spLocks noGrp="1"/>
+          </p:cNvSpPr>
+          <p:nvPr>
+            <p:ph type="body" sz="half" idx="2"/>
+          </p:nvPr>
+        </p:nvSpPr>
+        <p:spPr/>
+        <p:txBody>
+          <a:bodyPr vert="horz" lIns="91440" tIns="45720" rIns="91440" bIns="45720" rtlCol="0" anchor="t">
+            <a:normAutofit/>
+          </a:bodyPr>
+          <a:lstStyle/>
+          <a:p>
+            <a:pPr marL="285750" indent="-285750">
+              <a:buChar char="•"/>
+            </a:pPr>
+            <a:r>
+              <a:rPr lang="en-DE" dirty="0"/>
+              <a:t>WIPO additionally manages the rights to 605 international patents (not shown </a:t>
+            </a:r>
+            <a:r>
+              <a:rPr lang="en-DE"/>
+              <a:t>in graph)</a:t>
+            </a:r>
+            <a:endParaRPr lang="en-DE" dirty="0"/>
+          </a:p>
+        </p:txBody>
+      </p:sp>
+      <p:pic>
+        <p:nvPicPr>
+          <p:cNvPr id="7" name="Content Placeholder 6" descr="A graph of blue and white bars&#10;&#10;Description automatically generated">
+            <a:extLst>
+              <a:ext uri="{FF2B5EF4-FFF2-40B4-BE49-F238E27FC236}">
+                <a16:creationId xmlns:a16="http://schemas.microsoft.com/office/drawing/2014/main" id="{28E7E884-2B3B-27CF-FF3A-73A149F825F9}"/>
+              </a:ext>
+            </a:extLst>
+          </p:cNvPr>
+          <p:cNvPicPr>
+            <a:picLocks noGrp="1" noChangeAspect="1"/>
+          </p:cNvPicPr>
+          <p:nvPr>
+            <p:ph idx="1"/>
+          </p:nvPr>
+        </p:nvPicPr>
+        <p:blipFill>
+          <a:blip r:embed="rId2"/>
+          <a:stretch>
+            <a:fillRect/>
+          </a:stretch>
+        </p:blipFill>
+        <p:spPr>
+          <a:xfrm>
+            <a:off x="5221288" y="1595437"/>
+            <a:ext cx="6096000" cy="3657600"/>
+          </a:xfrm>
+        </p:spPr>
+      </p:pic>
+      <p:sp>
+        <p:nvSpPr>
+          <p:cNvPr id="3" name="Textfeld 2">
+            <a:extLst>
+              <a:ext uri="{FF2B5EF4-FFF2-40B4-BE49-F238E27FC236}">
+                <a16:creationId xmlns:a16="http://schemas.microsoft.com/office/drawing/2014/main" id="{EE654DBD-9C9F-7792-2F9B-8D0FD2B9BF5F}"/>
+              </a:ext>
+            </a:extLst>
+          </p:cNvPr>
+          <p:cNvSpPr txBox="1"/>
+          <p:nvPr/>
+        </p:nvSpPr>
+        <p:spPr>
+          <a:xfrm>
+            <a:off x="5651887" y="5417744"/>
+            <a:ext cx="3510642" cy="369332"/>
+          </a:xfrm>
+          <a:prstGeom prst="rect">
+            <a:avLst/>
+          </a:prstGeom>
+          <a:noFill/>
+        </p:spPr>
+        <p:txBody>
+          <a:bodyPr rot="0" spcFirstLastPara="0" vertOverflow="overflow" horzOverflow="overflow" vert="horz" wrap="square" lIns="91440" tIns="45720" rIns="91440" bIns="45720" numCol="1" spcCol="0" rtlCol="0" fromWordArt="0" anchor="t" anchorCtr="0" forceAA="0" compatLnSpc="1">
+            <a:prstTxWarp prst="textNoShape">
+              <a:avLst/>
+            </a:prstTxWarp>
+            <a:spAutoFit/>
+          </a:bodyPr>
+          <a:lstStyle/>
+          <a:p>
+            <a:r>
+              <a:rPr lang="de-DE" dirty="0">
+                <a:solidFill>
+                  <a:srgbClr val="FF0000"/>
+                </a:solidFill>
+              </a:rPr>
+              <a:t>Vergleich mit </a:t>
+            </a:r>
+            <a:r>
+              <a:rPr lang="de-DE" err="1">
+                <a:solidFill>
+                  <a:srgbClr val="FF0000"/>
+                </a:solidFill>
+              </a:rPr>
+              <a:t>Espacenet</a:t>
+            </a:r>
+            <a:endParaRPr lang="de-DE">
+              <a:solidFill>
+                <a:srgbClr val="FF0000"/>
+              </a:solidFill>
+            </a:endParaRPr>
+          </a:p>
+        </p:txBody>
+      </p:sp>
+    </p:spTree>
+    <p:extLst>
+      <p:ext uri="{BB962C8B-B14F-4D97-AF65-F5344CB8AC3E}">
+        <p14:creationId xmlns:p14="http://schemas.microsoft.com/office/powerpoint/2010/main" val="3793083112"/>
+      </p:ext>
+    </p:extLst>
+  </p:cSld>
+  <p:clrMapOvr>
+    <a:masterClrMapping/>
+  </p:clrMapOvr>
+</p:sld>
+</file>
+
+<file path=ppt/slides/slide16.xml><?xml version="1.0" encoding="utf-8"?>
+<p:sld xmlns:a="http://schemas.openxmlformats.org/drawingml/2006/main" xmlns:r="http://schemas.openxmlformats.org/officeDocument/2006/relationships" xmlns:p="http://schemas.openxmlformats.org/presentationml/2006/main">
+  <p:cSld>
+    <p:spTree>
+      <p:nvGrpSpPr>
+        <p:cNvPr id="1" name=""/>
+        <p:cNvGrpSpPr/>
+        <p:nvPr/>
+      </p:nvGrpSpPr>
+      <p:grpSpPr>
+        <a:xfrm>
+          <a:off x="0" y="0"/>
+          <a:ext cx="0" cy="0"/>
+          <a:chOff x="0" y="0"/>
+          <a:chExt cx="0" cy="0"/>
+        </a:xfrm>
+      </p:grpSpPr>
+      <p:sp>
+        <p:nvSpPr>
+          <p:cNvPr id="2" name="Title 1">
+            <a:extLst>
+              <a:ext uri="{FF2B5EF4-FFF2-40B4-BE49-F238E27FC236}">
+                <a16:creationId xmlns:a16="http://schemas.microsoft.com/office/drawing/2014/main" id="{48B0D354-45FF-F7F1-B31C-13325FBFAE41}"/>
+              </a:ext>
+            </a:extLst>
+          </p:cNvPr>
+          <p:cNvSpPr>
+            <a:spLocks noGrp="1"/>
+          </p:cNvSpPr>
+          <p:nvPr>
+            <p:ph type="title"/>
+          </p:nvPr>
+        </p:nvSpPr>
+        <p:spPr/>
+        <p:txBody>
+          <a:bodyPr/>
+          <a:lstStyle/>
+          <a:p>
+            <a:r>
+              <a:rPr lang="en-US" dirty="0"/>
+              <a:t>WIPO</a:t>
+            </a:r>
+            <a:endParaRPr lang="en-DE" dirty="0"/>
+          </a:p>
+        </p:txBody>
+      </p:sp>
+      <p:sp>
+        <p:nvSpPr>
+          <p:cNvPr id="4" name="Text Placeholder 3">
+            <a:extLst>
+              <a:ext uri="{FF2B5EF4-FFF2-40B4-BE49-F238E27FC236}">
+                <a16:creationId xmlns:a16="http://schemas.microsoft.com/office/drawing/2014/main" id="{B6B3E347-573E-8418-4C83-C104B4CA332C}"/>
+              </a:ext>
+            </a:extLst>
+          </p:cNvPr>
+          <p:cNvSpPr>
+            <a:spLocks noGrp="1"/>
+          </p:cNvSpPr>
+          <p:nvPr>
+            <p:ph type="body" sz="half" idx="2"/>
+          </p:nvPr>
+        </p:nvSpPr>
+        <p:spPr/>
+        <p:txBody>
+          <a:bodyPr/>
+          <a:lstStyle/>
+          <a:p>
+            <a:endParaRPr lang="en-DE" dirty="0"/>
+          </a:p>
+        </p:txBody>
+      </p:sp>
+      <p:pic>
+        <p:nvPicPr>
+          <p:cNvPr id="7" name="Content Placeholder 6" descr="A graph showing the number of patentes&#10;&#10;Description automatically generated">
+            <a:extLst>
+              <a:ext uri="{FF2B5EF4-FFF2-40B4-BE49-F238E27FC236}">
+                <a16:creationId xmlns:a16="http://schemas.microsoft.com/office/drawing/2014/main" id="{32121764-E93C-8100-8E7A-17DFC621D7B6}"/>
+              </a:ext>
+            </a:extLst>
+          </p:cNvPr>
+          <p:cNvPicPr>
+            <a:picLocks noGrp="1" noChangeAspect="1"/>
+          </p:cNvPicPr>
+          <p:nvPr>
+            <p:ph idx="1"/>
+          </p:nvPr>
+        </p:nvPicPr>
+        <p:blipFill>
+          <a:blip r:embed="rId2"/>
+          <a:stretch>
+            <a:fillRect/>
+          </a:stretch>
+        </p:blipFill>
+        <p:spPr>
+          <a:xfrm>
+            <a:off x="5221288" y="1595437"/>
+            <a:ext cx="6096000" cy="3657600"/>
+          </a:xfrm>
+        </p:spPr>
+      </p:pic>
+      <p:sp>
+        <p:nvSpPr>
           <p:cNvPr id="5" name="Textfeld 4">
             <a:extLst>
               <a:ext uri="{FF2B5EF4-FFF2-40B4-BE49-F238E27FC236}">
@@ -3998,7 +4697,7 @@
 </p:sld>
 </file>
 
-<file path=ppt/slides/slide15.xml><?xml version="1.0" encoding="utf-8"?>
+<file path=ppt/slides/slide17.xml><?xml version="1.0" encoding="utf-8"?>
 <p:sld xmlns:a="http://schemas.openxmlformats.org/drawingml/2006/main" xmlns:r="http://schemas.openxmlformats.org/officeDocument/2006/relationships" xmlns:p="http://schemas.openxmlformats.org/presentationml/2006/main">
   <p:cSld>
     <p:spTree>
@@ -4144,13 +4843,13 @@
         </p:nvSpPr>
         <p:spPr>
           <a:xfrm>
-            <a:off x="838200" y="1825625"/>
-            <a:ext cx="10515600" cy="1987726"/>
+            <a:off x="838200" y="4482828"/>
+            <a:ext cx="10515600" cy="1857629"/>
           </a:xfrm>
         </p:spPr>
         <p:txBody>
           <a:bodyPr vert="horz" lIns="91440" tIns="45720" rIns="91440" bIns="45720" rtlCol="0" anchor="t">
-            <a:normAutofit/>
+            <a:normAutofit lnSpcReduction="10000"/>
           </a:bodyPr>
           <a:lstStyle/>
           <a:p>
@@ -4159,7 +4858,7 @@
             </a:pPr>
             <a:r>
               <a:rPr lang="en-GB" sz="1400" dirty="0">
-                <a:latin typeface="Lucida Console"/>
+                <a:latin typeface="Consolas"/>
                 <a:ea typeface="+mn-lt"/>
                 <a:cs typeface="+mn-lt"/>
               </a:rPr>
@@ -4170,7 +4869,7 @@
                 <a:solidFill>
                   <a:srgbClr val="000080"/>
                 </a:solidFill>
-                <a:latin typeface="Lucida Console"/>
+                <a:latin typeface="Consolas"/>
                 <a:ea typeface="+mn-lt"/>
                 <a:cs typeface="+mn-lt"/>
               </a:rPr>
@@ -4178,7 +4877,7 @@
             </a:r>
             <a:r>
               <a:rPr lang="en-GB" sz="1400" dirty="0">
-                <a:latin typeface="Lucida Console"/>
+                <a:latin typeface="Consolas"/>
                 <a:ea typeface="+mn-lt"/>
                 <a:cs typeface="+mn-lt"/>
               </a:rPr>
@@ -4189,7 +4888,7 @@
                 <a:solidFill>
                   <a:srgbClr val="000080"/>
                 </a:solidFill>
-                <a:latin typeface="Lucida Console"/>
+                <a:latin typeface="Consolas"/>
                 <a:ea typeface="+mn-lt"/>
                 <a:cs typeface="+mn-lt"/>
               </a:rPr>
@@ -4197,15 +4896,15 @@
             </a:r>
             <a:r>
               <a:rPr lang="en-GB" sz="1400" dirty="0">
-                <a:latin typeface="Lucida Console"/>
+                <a:latin typeface="Consolas"/>
                 <a:ea typeface="+mn-lt"/>
                 <a:cs typeface="+mn-lt"/>
               </a:rPr>
               <a:t> "</a:t>
             </a:r>
             <a:r>
-              <a:rPr lang="en-GB" sz="1400" dirty="0" err="1">
-                <a:latin typeface="Lucida Console"/>
+              <a:rPr lang="en-GB" sz="1400" err="1">
+                <a:latin typeface="Consolas"/>
                 <a:ea typeface="+mn-lt"/>
                 <a:cs typeface="+mn-lt"/>
               </a:rPr>
@@ -4213,7 +4912,7 @@
             </a:r>
             <a:r>
               <a:rPr lang="en-GB" sz="1400" dirty="0">
-                <a:latin typeface="Lucida Console"/>
+                <a:latin typeface="Consolas"/>
                 <a:ea typeface="+mn-lt"/>
                 <a:cs typeface="+mn-lt"/>
               </a:rPr>
@@ -4224,7 +4923,7 @@
                 <a:solidFill>
                   <a:srgbClr val="000080"/>
                 </a:solidFill>
-                <a:latin typeface="Lucida Console"/>
+                <a:latin typeface="Consolas"/>
                 <a:ea typeface="+mn-lt"/>
                 <a:cs typeface="+mn-lt"/>
               </a:rPr>
@@ -4232,15 +4931,15 @@
             </a:r>
             <a:r>
               <a:rPr lang="en-GB" sz="1400" dirty="0">
-                <a:latin typeface="Lucida Console"/>
+                <a:latin typeface="Consolas"/>
                 <a:ea typeface="+mn-lt"/>
                 <a:cs typeface="+mn-lt"/>
               </a:rPr>
               <a:t> "</a:t>
             </a:r>
             <a:r>
-              <a:rPr lang="en-GB" sz="1400" dirty="0" err="1">
-                <a:latin typeface="Lucida Console"/>
+              <a:rPr lang="en-GB" sz="1400" err="1">
+                <a:latin typeface="Consolas"/>
                 <a:ea typeface="+mn-lt"/>
                 <a:cs typeface="+mn-lt"/>
               </a:rPr>
@@ -4248,13 +4947,15 @@
             </a:r>
             <a:r>
               <a:rPr lang="en-GB" sz="1400" dirty="0">
-                <a:latin typeface="Lucida Console"/>
+                <a:latin typeface="Consolas"/>
                 <a:ea typeface="+mn-lt"/>
                 <a:cs typeface="+mn-lt"/>
               </a:rPr>
               <a:t>* heal*")</a:t>
             </a:r>
-            <a:endParaRPr lang="en-US" sz="1400" dirty="0"/>
+            <a:endParaRPr lang="en-US" sz="1400">
+              <a:latin typeface="Consolas"/>
+            </a:endParaRPr>
           </a:p>
           <a:p>
             <a:pPr marL="0" indent="0">
@@ -4262,177 +4963,188 @@
             </a:pPr>
             <a:r>
               <a:rPr lang="en-GB" sz="1400" dirty="0">
-                <a:latin typeface="Lucida Console"/>
+                <a:latin typeface="Consolas"/>
                 <a:ea typeface="+mn-lt"/>
                 <a:cs typeface="+mn-lt"/>
               </a:rPr>
               <a:t>  </a:t>
             </a:r>
             <a:r>
-              <a:rPr lang="en-GB" sz="1400" dirty="0">
-                <a:solidFill>
-                  <a:srgbClr val="000000"/>
-                </a:solidFill>
-                <a:latin typeface="Lucida Console"/>
+              <a:rPr lang="en-GB" sz="1400" b="1" dirty="0">
+                <a:solidFill>
+                  <a:srgbClr val="000080"/>
+                </a:solidFill>
+                <a:latin typeface="Consolas"/>
                 <a:ea typeface="+mn-lt"/>
                 <a:cs typeface="+mn-lt"/>
               </a:rPr>
-              <a:t> </a:t>
-            </a:r>
-            <a:r>
-              <a:rPr lang="en-GB" sz="1400" b="1" dirty="0">
-                <a:solidFill>
-                  <a:srgbClr val="000080"/>
-                </a:solidFill>
-                <a:latin typeface="Lucida Console"/>
+              <a:t>AND</a:t>
+            </a:r>
+            <a:r>
+              <a:rPr lang="en-GB" sz="1400" dirty="0">
+                <a:latin typeface="Consolas"/>
                 <a:ea typeface="+mn-lt"/>
                 <a:cs typeface="+mn-lt"/>
               </a:rPr>
-              <a:t>AND</a:t>
-            </a:r>
-            <a:r>
-              <a:rPr lang="en-GB" sz="1400" dirty="0">
-                <a:latin typeface="Lucida Console"/>
+              <a:t> TS=("material*" </a:t>
+            </a:r>
+            <a:r>
+              <a:rPr lang="en-GB" sz="1400" b="1" dirty="0">
+                <a:solidFill>
+                  <a:srgbClr val="000080"/>
+                </a:solidFill>
+                <a:latin typeface="Consolas"/>
                 <a:ea typeface="+mn-lt"/>
                 <a:cs typeface="+mn-lt"/>
               </a:rPr>
-              <a:t> TS=("material*" </a:t>
-            </a:r>
-            <a:r>
-              <a:rPr lang="en-GB" sz="1400" b="1" dirty="0">
-                <a:solidFill>
-                  <a:srgbClr val="000080"/>
-                </a:solidFill>
-                <a:latin typeface="Lucida Console"/>
+              <a:t>OR</a:t>
+            </a:r>
+            <a:r>
+              <a:rPr lang="en-GB" sz="1400" dirty="0">
+                <a:latin typeface="Consolas"/>
                 <a:ea typeface="+mn-lt"/>
                 <a:cs typeface="+mn-lt"/>
               </a:rPr>
-              <a:t>OR</a:t>
-            </a:r>
-            <a:r>
-              <a:rPr lang="en-GB" sz="1400" dirty="0">
-                <a:latin typeface="Lucida Console"/>
+              <a:t> "polymer*" </a:t>
+            </a:r>
+            <a:r>
+              <a:rPr lang="en-GB" sz="1400" b="1" dirty="0">
+                <a:solidFill>
+                  <a:srgbClr val="000080"/>
+                </a:solidFill>
+                <a:latin typeface="Consolas"/>
                 <a:ea typeface="+mn-lt"/>
                 <a:cs typeface="+mn-lt"/>
               </a:rPr>
-              <a:t> "polymer*" </a:t>
-            </a:r>
-            <a:r>
-              <a:rPr lang="en-GB" sz="1400" b="1" dirty="0">
-                <a:solidFill>
-                  <a:srgbClr val="000080"/>
-                </a:solidFill>
-                <a:latin typeface="Lucida Console"/>
+              <a:t>OR</a:t>
+            </a:r>
+            <a:r>
+              <a:rPr lang="en-GB" sz="1400" dirty="0">
+                <a:latin typeface="Consolas"/>
                 <a:ea typeface="+mn-lt"/>
                 <a:cs typeface="+mn-lt"/>
               </a:rPr>
-              <a:t>OR</a:t>
-            </a:r>
-            <a:r>
-              <a:rPr lang="en-GB" sz="1400" dirty="0">
-                <a:latin typeface="Lucida Console"/>
+              <a:t> "composite*" </a:t>
+            </a:r>
+            <a:r>
+              <a:rPr lang="en-GB" sz="1400" b="1" dirty="0">
+                <a:solidFill>
+                  <a:srgbClr val="000080"/>
+                </a:solidFill>
+                <a:latin typeface="Consolas"/>
                 <a:ea typeface="+mn-lt"/>
                 <a:cs typeface="+mn-lt"/>
               </a:rPr>
-              <a:t> "composite*" </a:t>
-            </a:r>
-            <a:r>
-              <a:rPr lang="en-GB" sz="1400" b="1" dirty="0">
-                <a:solidFill>
-                  <a:srgbClr val="000080"/>
-                </a:solidFill>
-                <a:latin typeface="Lucida Console"/>
+              <a:t>OR</a:t>
+            </a:r>
+            <a:r>
+              <a:rPr lang="en-GB" sz="1400" dirty="0">
+                <a:latin typeface="Consolas"/>
                 <a:ea typeface="+mn-lt"/>
                 <a:cs typeface="+mn-lt"/>
               </a:rPr>
-              <a:t>OR</a:t>
-            </a:r>
-            <a:r>
-              <a:rPr lang="en-GB" sz="1400" dirty="0">
-                <a:latin typeface="Lucida Console"/>
+              <a:t> "ceramic*" </a:t>
+            </a:r>
+            <a:r>
+              <a:rPr lang="en-GB" sz="1400" b="1" dirty="0">
+                <a:solidFill>
+                  <a:srgbClr val="000080"/>
+                </a:solidFill>
+                <a:latin typeface="Consolas"/>
                 <a:ea typeface="+mn-lt"/>
                 <a:cs typeface="+mn-lt"/>
               </a:rPr>
-              <a:t> "ceramic*" </a:t>
-            </a:r>
-            <a:r>
-              <a:rPr lang="en-GB" sz="1400" b="1" dirty="0">
-                <a:solidFill>
-                  <a:srgbClr val="000080"/>
-                </a:solidFill>
-                <a:latin typeface="Lucida Console"/>
+              <a:t>OR</a:t>
+            </a:r>
+            <a:r>
+              <a:rPr lang="en-GB" sz="1400" dirty="0">
+                <a:latin typeface="Consolas"/>
                 <a:ea typeface="+mn-lt"/>
                 <a:cs typeface="+mn-lt"/>
               </a:rPr>
-              <a:t>OR</a:t>
-            </a:r>
-            <a:r>
-              <a:rPr lang="en-GB" sz="1400" dirty="0">
-                <a:latin typeface="Lucida Console"/>
+              <a:t> "metal*" </a:t>
+            </a:r>
+            <a:r>
+              <a:rPr lang="en-GB" sz="1400" b="1" dirty="0">
+                <a:solidFill>
+                  <a:srgbClr val="000080"/>
+                </a:solidFill>
+                <a:latin typeface="Consolas"/>
                 <a:ea typeface="+mn-lt"/>
                 <a:cs typeface="+mn-lt"/>
               </a:rPr>
-              <a:t> "metal*" </a:t>
-            </a:r>
-            <a:r>
-              <a:rPr lang="en-GB" sz="1400" b="1" dirty="0">
-                <a:solidFill>
-                  <a:srgbClr val="000080"/>
-                </a:solidFill>
-                <a:latin typeface="Lucida Console"/>
+              <a:t>OR</a:t>
+            </a:r>
+            <a:r>
+              <a:rPr lang="en-GB" sz="1400" dirty="0">
+                <a:latin typeface="Consolas"/>
                 <a:ea typeface="+mn-lt"/>
                 <a:cs typeface="+mn-lt"/>
               </a:rPr>
-              <a:t>OR</a:t>
-            </a:r>
-            <a:r>
-              <a:rPr lang="en-GB" sz="1400" dirty="0">
-                <a:latin typeface="Lucida Console"/>
+              <a:t>  "alloy*" </a:t>
+            </a:r>
+            <a:r>
+              <a:rPr lang="en-GB" sz="1400" b="1" dirty="0">
+                <a:solidFill>
+                  <a:srgbClr val="000080"/>
+                </a:solidFill>
+                <a:latin typeface="Consolas"/>
                 <a:ea typeface="+mn-lt"/>
                 <a:cs typeface="+mn-lt"/>
               </a:rPr>
-              <a:t>  "alloy*" </a:t>
-            </a:r>
-            <a:r>
-              <a:rPr lang="en-GB" sz="1400" b="1" dirty="0">
-                <a:solidFill>
-                  <a:srgbClr val="000080"/>
-                </a:solidFill>
-                <a:latin typeface="Lucida Console"/>
+              <a:t>OR</a:t>
+            </a:r>
+            <a:r>
+              <a:rPr lang="en-GB" sz="1400" dirty="0">
+                <a:latin typeface="Consolas"/>
                 <a:ea typeface="+mn-lt"/>
                 <a:cs typeface="+mn-lt"/>
               </a:rPr>
-              <a:t>OR</a:t>
+              <a:t> "cement*" </a:t>
             </a:r>
             <a:r>
               <a:rPr lang="en-GB" sz="1400" dirty="0">
-                <a:latin typeface="Lucida Console"/>
+                <a:solidFill>
+                  <a:srgbClr val="000000"/>
+                </a:solidFill>
+                <a:latin typeface="Consolas"/>
                 <a:ea typeface="+mn-lt"/>
                 <a:cs typeface="+mn-lt"/>
               </a:rPr>
-              <a:t>   "cement*" </a:t>
-            </a:r>
-            <a:r>
-              <a:rPr lang="en-GB" sz="1400" b="1" dirty="0">
+              <a:t>    </a:t>
+            </a:r>
+            <a:r>
+              <a:rPr lang="en-GB" sz="1400" b="1">
                 <a:solidFill>
                   <a:srgbClr val="000080"/>
                 </a:solidFill>
-                <a:latin typeface="Lucida Console"/>
+                <a:latin typeface="Consolas"/>
                 <a:ea typeface="+mn-lt"/>
                 <a:cs typeface="+mn-lt"/>
               </a:rPr>
-              <a:t>OR</a:t>
-            </a:r>
-            <a:r>
-              <a:rPr lang="en-GB" sz="1400" dirty="0">
-                <a:latin typeface="Lucida Console"/>
+              <a:t>  </a:t>
+            </a:r>
+            <a:r>
+              <a:rPr lang="en-GB" sz="1400" b="1" dirty="0">
+                <a:solidFill>
+                  <a:srgbClr val="000080"/>
+                </a:solidFill>
+                <a:latin typeface="Consolas"/>
                 <a:ea typeface="+mn-lt"/>
                 <a:cs typeface="+mn-lt"/>
               </a:rPr>
+              <a:t>OR</a:t>
+            </a:r>
+            <a:r>
+              <a:rPr lang="en-GB" sz="1400" dirty="0">
+                <a:latin typeface="Consolas"/>
+                <a:ea typeface="+mn-lt"/>
+                <a:cs typeface="+mn-lt"/>
+              </a:rPr>
               <a:t> "concrete*")</a:t>
             </a:r>
-            <a:endParaRPr lang="en-GB" sz="1400" dirty="0">
-              <a:latin typeface="Aptos" panose="020B0004020202020204"/>
+            <a:endParaRPr lang="en-GB" sz="1400">
+              <a:latin typeface="Consolas"/>
               <a:ea typeface="+mn-lt"/>
               <a:cs typeface="+mn-lt"/>
             </a:endParaRPr>
@@ -4443,136 +5155,350 @@
             </a:pPr>
             <a:r>
               <a:rPr lang="en-GB" sz="1400" dirty="0">
-                <a:latin typeface="Lucida Console"/>
+                <a:latin typeface="Consolas"/>
                 <a:ea typeface="+mn-lt"/>
                 <a:cs typeface="+mn-lt"/>
               </a:rPr>
               <a:t>  </a:t>
             </a:r>
             <a:r>
-              <a:rPr lang="en-GB" sz="1400" dirty="0">
-                <a:solidFill>
-                  <a:srgbClr val="000000"/>
-                </a:solidFill>
-                <a:latin typeface="Lucida Console"/>
+              <a:rPr lang="en-GB" sz="1400" b="1" dirty="0">
+                <a:solidFill>
+                  <a:srgbClr val="000080"/>
+                </a:solidFill>
+                <a:latin typeface="Consolas"/>
                 <a:ea typeface="+mn-lt"/>
                 <a:cs typeface="+mn-lt"/>
               </a:rPr>
-              <a:t> </a:t>
-            </a:r>
-            <a:r>
-              <a:rPr lang="en-GB" sz="1400" b="1" dirty="0">
-                <a:solidFill>
-                  <a:srgbClr val="000080"/>
-                </a:solidFill>
-                <a:latin typeface="Lucida Console"/>
+              <a:t>AND</a:t>
+            </a:r>
+            <a:r>
+              <a:rPr lang="en-GB" sz="1400" dirty="0">
+                <a:latin typeface="Consolas"/>
                 <a:ea typeface="+mn-lt"/>
                 <a:cs typeface="+mn-lt"/>
               </a:rPr>
-              <a:t>AND</a:t>
-            </a:r>
-            <a:r>
-              <a:rPr lang="en-GB" sz="1400" dirty="0">
-                <a:latin typeface="Lucida Console"/>
+              <a:t> TS=("application*" </a:t>
+            </a:r>
+            <a:r>
+              <a:rPr lang="en-GB" sz="1400" b="1" dirty="0">
+                <a:solidFill>
+                  <a:srgbClr val="000080"/>
+                </a:solidFill>
+                <a:latin typeface="Consolas"/>
                 <a:ea typeface="+mn-lt"/>
                 <a:cs typeface="+mn-lt"/>
               </a:rPr>
-              <a:t> TS=("application*" </a:t>
-            </a:r>
-            <a:r>
-              <a:rPr lang="en-GB" sz="1400" b="1" dirty="0">
-                <a:solidFill>
-                  <a:srgbClr val="000080"/>
-                </a:solidFill>
-                <a:latin typeface="Lucida Console"/>
+              <a:t>OR</a:t>
+            </a:r>
+            <a:r>
+              <a:rPr lang="en-GB" sz="1400" dirty="0">
+                <a:latin typeface="Consolas"/>
                 <a:ea typeface="+mn-lt"/>
                 <a:cs typeface="+mn-lt"/>
               </a:rPr>
-              <a:t>OR</a:t>
-            </a:r>
-            <a:r>
-              <a:rPr lang="en-GB" sz="1400" dirty="0">
-                <a:latin typeface="Lucida Console"/>
+              <a:t> "</a:t>
+            </a:r>
+            <a:r>
+              <a:rPr lang="en-GB" sz="1400" dirty="0" err="1">
+                <a:latin typeface="Consolas"/>
                 <a:ea typeface="+mn-lt"/>
                 <a:cs typeface="+mn-lt"/>
               </a:rPr>
-              <a:t> "</a:t>
-            </a:r>
-            <a:r>
-              <a:rPr lang="en-GB" sz="1400" dirty="0" err="1">
-                <a:latin typeface="Lucida Console"/>
+              <a:t>technolog</a:t>
+            </a:r>
+            <a:r>
+              <a:rPr lang="en-GB" sz="1400" dirty="0">
+                <a:latin typeface="Consolas"/>
                 <a:ea typeface="+mn-lt"/>
                 <a:cs typeface="+mn-lt"/>
               </a:rPr>
-              <a:t>technolog</a:t>
-            </a:r>
-            <a:r>
-              <a:rPr lang="en-GB" sz="1400" dirty="0">
-                <a:latin typeface="Lucida Console"/>
+              <a:t>*" </a:t>
+            </a:r>
+            <a:r>
+              <a:rPr lang="en-GB" sz="1400" b="1" dirty="0">
+                <a:solidFill>
+                  <a:srgbClr val="000080"/>
+                </a:solidFill>
+                <a:latin typeface="Consolas"/>
                 <a:ea typeface="+mn-lt"/>
                 <a:cs typeface="+mn-lt"/>
               </a:rPr>
-              <a:t>*" </a:t>
-            </a:r>
-            <a:r>
-              <a:rPr lang="en-GB" sz="1400" b="1" dirty="0">
-                <a:solidFill>
-                  <a:srgbClr val="000080"/>
-                </a:solidFill>
-                <a:latin typeface="Lucida Console"/>
+              <a:t>OR</a:t>
+            </a:r>
+            <a:r>
+              <a:rPr lang="en-GB" sz="1400" dirty="0">
+                <a:latin typeface="Consolas"/>
                 <a:ea typeface="+mn-lt"/>
                 <a:cs typeface="+mn-lt"/>
               </a:rPr>
-              <a:t>OR</a:t>
-            </a:r>
-            <a:r>
-              <a:rPr lang="en-GB" sz="1400" dirty="0">
-                <a:latin typeface="Lucida Console"/>
+              <a:t> "</a:t>
+            </a:r>
+            <a:r>
+              <a:rPr lang="en-GB" sz="1400" dirty="0" err="1">
+                <a:latin typeface="Consolas"/>
                 <a:ea typeface="+mn-lt"/>
                 <a:cs typeface="+mn-lt"/>
               </a:rPr>
-              <a:t> "</a:t>
-            </a:r>
-            <a:r>
-              <a:rPr lang="en-GB" sz="1400" dirty="0" err="1">
-                <a:latin typeface="Lucida Console"/>
+              <a:t>propert</a:t>
+            </a:r>
+            <a:r>
+              <a:rPr lang="en-GB" sz="1400" dirty="0">
+                <a:latin typeface="Consolas"/>
                 <a:ea typeface="+mn-lt"/>
                 <a:cs typeface="+mn-lt"/>
               </a:rPr>
-              <a:t>propert</a:t>
-            </a:r>
-            <a:r>
-              <a:rPr lang="en-GB" sz="1400" dirty="0">
-                <a:latin typeface="Lucida Console"/>
+              <a:t>*" </a:t>
+            </a:r>
+            <a:r>
+              <a:rPr lang="en-GB" sz="1400" b="1" dirty="0">
+                <a:solidFill>
+                  <a:srgbClr val="000080"/>
+                </a:solidFill>
+                <a:latin typeface="Consolas"/>
                 <a:ea typeface="+mn-lt"/>
                 <a:cs typeface="+mn-lt"/>
               </a:rPr>
-              <a:t>*" </a:t>
-            </a:r>
-            <a:r>
-              <a:rPr lang="en-GB" sz="1400" b="1" dirty="0">
-                <a:solidFill>
-                  <a:srgbClr val="000080"/>
-                </a:solidFill>
-                <a:latin typeface="Lucida Console"/>
+              <a:t>OR</a:t>
+            </a:r>
+            <a:r>
+              <a:rPr lang="en-GB" sz="1400" dirty="0">
+                <a:latin typeface="Consolas"/>
                 <a:ea typeface="+mn-lt"/>
                 <a:cs typeface="+mn-lt"/>
               </a:rPr>
-              <a:t>OR</a:t>
+              <a:t> "performance")</a:t>
             </a:r>
             <a:r>
               <a:rPr lang="en-GB" sz="1400" dirty="0">
-                <a:latin typeface="Lucida Console"/>
+                <a:solidFill>
+                  <a:srgbClr val="000000"/>
+                </a:solidFill>
+                <a:latin typeface="Consolas"/>
                 <a:ea typeface="+mn-lt"/>
                 <a:cs typeface="+mn-lt"/>
               </a:rPr>
-              <a:t> "performance")  </a:t>
+              <a:t> </a:t>
+            </a:r>
+          </a:p>
+          <a:p>
+            <a:pPr marL="0" indent="0">
+              <a:buNone/>
+            </a:pPr>
+            <a:r>
+              <a:rPr lang="en-GB" sz="1400" b="1" dirty="0">
+                <a:solidFill>
+                  <a:srgbClr val="000080"/>
+                </a:solidFill>
+                <a:latin typeface="Consolas"/>
+                <a:ea typeface="+mn-lt"/>
+                <a:cs typeface="+mn-lt"/>
+              </a:rPr>
+              <a:t>  NOT</a:t>
+            </a:r>
+            <a:r>
+              <a:rPr lang="en-GB" sz="1400" dirty="0">
+                <a:latin typeface="Consolas"/>
+                <a:ea typeface="+mn-lt"/>
+                <a:cs typeface="+mn-lt"/>
+              </a:rPr>
+              <a:t> TS=("biology"</a:t>
+            </a:r>
+            <a:r>
+              <a:rPr lang="en-GB" sz="1400" dirty="0">
+                <a:solidFill>
+                  <a:srgbClr val="000000"/>
+                </a:solidFill>
+                <a:latin typeface="Consolas"/>
+                <a:ea typeface="+mn-lt"/>
+                <a:cs typeface="+mn-lt"/>
+              </a:rPr>
+              <a:t> </a:t>
+            </a:r>
+            <a:r>
+              <a:rPr lang="en-GB" sz="1400" b="1" dirty="0">
+                <a:solidFill>
+                  <a:srgbClr val="000080"/>
+                </a:solidFill>
+                <a:latin typeface="Consolas"/>
+                <a:ea typeface="+mn-lt"/>
+                <a:cs typeface="+mn-lt"/>
+              </a:rPr>
+              <a:t>OR</a:t>
+            </a:r>
+            <a:r>
+              <a:rPr lang="en-GB" sz="1400" dirty="0">
+                <a:latin typeface="Consolas"/>
+                <a:ea typeface="+mn-lt"/>
+                <a:cs typeface="+mn-lt"/>
+              </a:rPr>
+              <a:t> "biological system*" </a:t>
+            </a:r>
+            <a:r>
+              <a:rPr lang="en-GB" sz="1400" b="1" dirty="0">
+                <a:solidFill>
+                  <a:srgbClr val="000080"/>
+                </a:solidFill>
+                <a:latin typeface="Consolas"/>
+                <a:ea typeface="+mn-lt"/>
+                <a:cs typeface="+mn-lt"/>
+              </a:rPr>
+              <a:t>OR</a:t>
+            </a:r>
+            <a:r>
+              <a:rPr lang="en-GB" sz="1400" dirty="0">
+                <a:latin typeface="Consolas"/>
+                <a:ea typeface="+mn-lt"/>
+                <a:cs typeface="+mn-lt"/>
+              </a:rPr>
+              <a:t> "hydrogel*" </a:t>
+            </a:r>
+            <a:r>
+              <a:rPr lang="en-GB" sz="1400" b="1" dirty="0">
+                <a:solidFill>
+                  <a:srgbClr val="000080"/>
+                </a:solidFill>
+                <a:latin typeface="Consolas"/>
+                <a:ea typeface="+mn-lt"/>
+                <a:cs typeface="+mn-lt"/>
+              </a:rPr>
+              <a:t>OR</a:t>
+            </a:r>
+            <a:r>
+              <a:rPr lang="en-GB" sz="1400" dirty="0">
+                <a:latin typeface="Consolas"/>
+                <a:ea typeface="+mn-lt"/>
+                <a:cs typeface="+mn-lt"/>
+              </a:rPr>
+              <a:t> "gel*" </a:t>
+            </a:r>
+            <a:r>
+              <a:rPr lang="en-GB" sz="1400" b="1" dirty="0">
+                <a:solidFill>
+                  <a:srgbClr val="000080"/>
+                </a:solidFill>
+                <a:latin typeface="Consolas"/>
+                <a:ea typeface="+mn-lt"/>
+                <a:cs typeface="+mn-lt"/>
+              </a:rPr>
+              <a:t>OR</a:t>
+            </a:r>
+            <a:r>
+              <a:rPr lang="en-GB" sz="1400" dirty="0">
+                <a:latin typeface="Consolas"/>
+                <a:ea typeface="+mn-lt"/>
+                <a:cs typeface="+mn-lt"/>
+              </a:rPr>
+              <a:t> "organic material*"</a:t>
+            </a:r>
+            <a:r>
+              <a:rPr lang="en-GB" sz="1400" dirty="0">
+                <a:solidFill>
+                  <a:srgbClr val="000000"/>
+                </a:solidFill>
+                <a:latin typeface="Consolas"/>
+                <a:ea typeface="+mn-lt"/>
+                <a:cs typeface="+mn-lt"/>
+              </a:rPr>
+              <a:t> </a:t>
+            </a:r>
+            <a:r>
+              <a:rPr lang="en-GB" sz="1400" b="1" dirty="0">
+                <a:solidFill>
+                  <a:srgbClr val="000080"/>
+                </a:solidFill>
+                <a:latin typeface="Consolas"/>
+                <a:ea typeface="+mn-lt"/>
+                <a:cs typeface="+mn-lt"/>
+              </a:rPr>
+              <a:t>OR</a:t>
+            </a:r>
+            <a:r>
+              <a:rPr lang="en-GB" sz="1400" dirty="0">
+                <a:latin typeface="Consolas"/>
+                <a:ea typeface="+mn-lt"/>
+                <a:cs typeface="+mn-lt"/>
+              </a:rPr>
+              <a:t> "wound    </a:t>
+            </a:r>
+            <a:r>
+              <a:rPr lang="en-GB" sz="1400">
+                <a:latin typeface="Consolas"/>
+                <a:ea typeface="+mn-lt"/>
+                <a:cs typeface="+mn-lt"/>
+              </a:rPr>
+              <a:t> </a:t>
+            </a:r>
+            <a:r>
+              <a:rPr lang="en-GB" sz="1400" dirty="0">
+                <a:latin typeface="Consolas"/>
+                <a:ea typeface="+mn-lt"/>
+                <a:cs typeface="+mn-lt"/>
+              </a:rPr>
+              <a:t>heal*" </a:t>
+            </a:r>
+            <a:r>
+              <a:rPr lang="en-GB" sz="1400" b="1" dirty="0">
+                <a:solidFill>
+                  <a:srgbClr val="000080"/>
+                </a:solidFill>
+                <a:latin typeface="Consolas"/>
+                <a:ea typeface="+mn-lt"/>
+                <a:cs typeface="+mn-lt"/>
+              </a:rPr>
+              <a:t>OR </a:t>
+            </a:r>
+            <a:r>
+              <a:rPr lang="en-GB" sz="1400" dirty="0">
+                <a:latin typeface="Consolas"/>
+                <a:ea typeface="+mn-lt"/>
+                <a:cs typeface="+mn-lt"/>
+              </a:rPr>
+              <a:t>"medic*" </a:t>
+            </a:r>
+            <a:r>
+              <a:rPr lang="en-GB" sz="1400" b="1" dirty="0">
+                <a:solidFill>
+                  <a:srgbClr val="000080"/>
+                </a:solidFill>
+                <a:latin typeface="Consolas"/>
+                <a:ea typeface="+mn-lt"/>
+                <a:cs typeface="+mn-lt"/>
+              </a:rPr>
+              <a:t>OR</a:t>
+            </a:r>
+            <a:r>
+              <a:rPr lang="en-GB" sz="1400" dirty="0">
+                <a:latin typeface="Consolas"/>
+                <a:ea typeface="+mn-lt"/>
+                <a:cs typeface="+mn-lt"/>
+              </a:rPr>
+              <a:t> "healthcare" </a:t>
+            </a:r>
+            <a:r>
+              <a:rPr lang="en-GB" sz="1400" b="1" dirty="0">
+                <a:solidFill>
+                  <a:srgbClr val="000080"/>
+                </a:solidFill>
+                <a:latin typeface="Consolas"/>
+                <a:ea typeface="+mn-lt"/>
+                <a:cs typeface="+mn-lt"/>
+              </a:rPr>
+              <a:t>OR</a:t>
+            </a:r>
+            <a:r>
+              <a:rPr lang="en-GB" sz="1400" dirty="0">
+                <a:latin typeface="Consolas"/>
+                <a:ea typeface="+mn-lt"/>
+                <a:cs typeface="+mn-lt"/>
+              </a:rPr>
+              <a:t> "spirit*")  </a:t>
             </a:r>
             <a:endParaRPr lang="en-GB" sz="1400" dirty="0">
               <a:solidFill>
                 <a:srgbClr val="000000"/>
               </a:solidFill>
-              <a:latin typeface="Aptos" panose="020B0004020202020204"/>
+              <a:latin typeface="Consolas"/>
               <a:ea typeface="+mn-lt"/>
               <a:cs typeface="+mn-lt"/>
             </a:endParaRPr>
@@ -4586,326 +5512,1124 @@
                 <a:solidFill>
                   <a:srgbClr val="000080"/>
                 </a:solidFill>
-                <a:latin typeface="Lucida Console"/>
+                <a:latin typeface="Consolas"/>
                 <a:ea typeface="+mn-lt"/>
                 <a:cs typeface="+mn-lt"/>
               </a:rPr>
-              <a:t>  NOT</a:t>
+              <a:t>  AND</a:t>
             </a:r>
             <a:r>
               <a:rPr lang="en-GB" sz="1400" dirty="0">
-                <a:latin typeface="Lucida Console"/>
+                <a:latin typeface="Consolas"/>
                 <a:ea typeface="+mn-lt"/>
                 <a:cs typeface="+mn-lt"/>
               </a:rPr>
-              <a:t> TS=("biology" </a:t>
-            </a:r>
-            <a:r>
-              <a:rPr lang="en-GB" sz="1400" b="1" dirty="0">
-                <a:solidFill>
-                  <a:srgbClr val="000080"/>
-                </a:solidFill>
-                <a:latin typeface="Lucida Console"/>
+              <a:t> PY=(</a:t>
+            </a:r>
+            <a:r>
+              <a:rPr lang="en-GB" sz="1400" dirty="0">
+                <a:solidFill>
+                  <a:srgbClr val="0000FF"/>
+                </a:solidFill>
+                <a:latin typeface="Consolas"/>
                 <a:ea typeface="+mn-lt"/>
                 <a:cs typeface="+mn-lt"/>
               </a:rPr>
-              <a:t>OR</a:t>
+              <a:t>2015-2025</a:t>
             </a:r>
             <a:r>
               <a:rPr lang="en-GB" sz="1400" dirty="0">
-                <a:latin typeface="Lucida Console"/>
+                <a:latin typeface="Consolas"/>
                 <a:ea typeface="+mn-lt"/>
                 <a:cs typeface="+mn-lt"/>
               </a:rPr>
-              <a:t> "biological system*" </a:t>
-            </a:r>
-            <a:r>
-              <a:rPr lang="en-GB" sz="1400" b="1" dirty="0">
-                <a:solidFill>
-                  <a:srgbClr val="000080"/>
-                </a:solidFill>
-                <a:latin typeface="Lucida Console"/>
-                <a:ea typeface="+mn-lt"/>
-                <a:cs typeface="+mn-lt"/>
-              </a:rPr>
-              <a:t>OR</a:t>
-            </a:r>
-            <a:r>
-              <a:rPr lang="en-GB" sz="1400" dirty="0">
-                <a:latin typeface="Lucida Console"/>
-                <a:ea typeface="+mn-lt"/>
-                <a:cs typeface="+mn-lt"/>
-              </a:rPr>
-              <a:t> "hydrogel*" </a:t>
-            </a:r>
-            <a:r>
-              <a:rPr lang="en-GB" sz="1400" b="1" dirty="0">
-                <a:solidFill>
-                  <a:srgbClr val="000080"/>
-                </a:solidFill>
-                <a:latin typeface="Lucida Console"/>
-                <a:ea typeface="+mn-lt"/>
-                <a:cs typeface="+mn-lt"/>
-              </a:rPr>
-              <a:t>OR</a:t>
-            </a:r>
-            <a:r>
-              <a:rPr lang="en-GB" sz="1400" dirty="0">
-                <a:latin typeface="Lucida Console"/>
-                <a:ea typeface="+mn-lt"/>
-                <a:cs typeface="+mn-lt"/>
-              </a:rPr>
-              <a:t> "gel*" </a:t>
-            </a:r>
-            <a:r>
-              <a:rPr lang="en-GB" sz="1400" b="1" dirty="0">
-                <a:solidFill>
-                  <a:srgbClr val="000080"/>
-                </a:solidFill>
-                <a:latin typeface="Lucida Console"/>
-                <a:ea typeface="+mn-lt"/>
-                <a:cs typeface="+mn-lt"/>
-              </a:rPr>
-              <a:t>OR</a:t>
-            </a:r>
-            <a:r>
-              <a:rPr lang="en-GB" sz="1400" dirty="0">
-                <a:latin typeface="Lucida Console"/>
-                <a:ea typeface="+mn-lt"/>
-                <a:cs typeface="+mn-lt"/>
-              </a:rPr>
-              <a:t> "organic material*"  </a:t>
-            </a:r>
-            <a:r>
-              <a:rPr lang="en-GB" sz="1400" b="1" dirty="0">
-                <a:solidFill>
-                  <a:srgbClr val="000080"/>
-                </a:solidFill>
-                <a:latin typeface="Lucida Console"/>
-                <a:ea typeface="+mn-lt"/>
-                <a:cs typeface="+mn-lt"/>
-              </a:rPr>
-              <a:t> OR</a:t>
-            </a:r>
-            <a:r>
-              <a:rPr lang="en-GB" sz="1400" dirty="0">
-                <a:latin typeface="Lucida Console"/>
-                <a:ea typeface="+mn-lt"/>
-                <a:cs typeface="+mn-lt"/>
-              </a:rPr>
-              <a:t> "wound heal*" </a:t>
-            </a:r>
-            <a:r>
-              <a:rPr lang="en-GB" sz="1400" b="1" dirty="0">
-                <a:solidFill>
-                  <a:srgbClr val="000080"/>
-                </a:solidFill>
-                <a:latin typeface="Lucida Console"/>
-                <a:ea typeface="+mn-lt"/>
-                <a:cs typeface="+mn-lt"/>
-              </a:rPr>
-              <a:t>OR</a:t>
-            </a:r>
-            <a:r>
-              <a:rPr lang="en-GB" sz="1400" dirty="0">
-                <a:latin typeface="Lucida Console"/>
-                <a:ea typeface="+mn-lt"/>
-                <a:cs typeface="+mn-lt"/>
-              </a:rPr>
-              <a:t> "medic*" </a:t>
-            </a:r>
-            <a:r>
-              <a:rPr lang="en-GB" sz="1400" b="1" dirty="0">
-                <a:solidFill>
-                  <a:srgbClr val="000080"/>
-                </a:solidFill>
-                <a:latin typeface="Lucida Console"/>
-                <a:ea typeface="+mn-lt"/>
-                <a:cs typeface="+mn-lt"/>
-              </a:rPr>
-              <a:t>OR</a:t>
-            </a:r>
-            <a:r>
-              <a:rPr lang="en-GB" sz="1400" dirty="0">
-                <a:latin typeface="Lucida Console"/>
-                <a:ea typeface="+mn-lt"/>
-                <a:cs typeface="+mn-lt"/>
-              </a:rPr>
-              <a:t>  "healthcare" </a:t>
-            </a:r>
-            <a:r>
-              <a:rPr lang="en-GB" sz="1400" b="1" dirty="0">
-                <a:solidFill>
-                  <a:srgbClr val="000080"/>
-                </a:solidFill>
-                <a:latin typeface="Lucida Console"/>
-                <a:ea typeface="+mn-lt"/>
-                <a:cs typeface="+mn-lt"/>
-              </a:rPr>
-              <a:t>OR</a:t>
-            </a:r>
-            <a:r>
-              <a:rPr lang="en-GB" sz="1400" dirty="0">
-                <a:latin typeface="Lucida Console"/>
-                <a:ea typeface="+mn-lt"/>
-                <a:cs typeface="+mn-lt"/>
-              </a:rPr>
-              <a:t> "spirit*")  </a:t>
+              <a:t>)</a:t>
             </a:r>
             <a:endParaRPr lang="en-GB" sz="1400" dirty="0">
-              <a:solidFill>
-                <a:srgbClr val="000000"/>
-              </a:solidFill>
-              <a:latin typeface="Aptos" panose="020B0004020202020204"/>
-              <a:ea typeface="+mn-lt"/>
-              <a:cs typeface="+mn-lt"/>
+              <a:latin typeface="Consolas"/>
             </a:endParaRPr>
           </a:p>
           <a:p>
-            <a:pPr marL="0" indent="0">
-              <a:buNone/>
-            </a:pPr>
-            <a:r>
-              <a:rPr lang="en-GB" sz="1400" b="1" dirty="0">
-                <a:solidFill>
-                  <a:srgbClr val="000080"/>
-                </a:solidFill>
-                <a:latin typeface="Lucida Console"/>
-                <a:ea typeface="+mn-lt"/>
-                <a:cs typeface="+mn-lt"/>
-              </a:rPr>
-              <a:t>  AND</a:t>
-            </a:r>
-            <a:r>
-              <a:rPr lang="en-GB" sz="1400" dirty="0">
-                <a:latin typeface="Lucida Console"/>
-                <a:ea typeface="+mn-lt"/>
-                <a:cs typeface="+mn-lt"/>
-              </a:rPr>
-              <a:t> PY=(</a:t>
-            </a:r>
-            <a:r>
-              <a:rPr lang="en-GB" sz="1400" dirty="0">
-                <a:solidFill>
-                  <a:srgbClr val="0000FF"/>
-                </a:solidFill>
-                <a:latin typeface="Lucida Console"/>
-                <a:ea typeface="+mn-lt"/>
-                <a:cs typeface="+mn-lt"/>
-              </a:rPr>
-              <a:t>2015-2025</a:t>
-            </a:r>
-            <a:r>
-              <a:rPr lang="en-GB" sz="1400" dirty="0">
-                <a:latin typeface="Lucida Console"/>
-                <a:ea typeface="+mn-lt"/>
-                <a:cs typeface="+mn-lt"/>
-              </a:rPr>
-              <a:t>)</a:t>
-            </a:r>
-            <a:endParaRPr lang="en-GB" sz="1400" dirty="0"/>
-          </a:p>
-          <a:p>
             <a:endParaRPr lang="en-GB" dirty="0"/>
           </a:p>
         </p:txBody>
       </p:sp>
-      <p:sp>
-        <p:nvSpPr>
-          <p:cNvPr id="5" name="TextBox 4">
+      <p:graphicFrame>
+        <p:nvGraphicFramePr>
+          <p:cNvPr id="4" name="Tabelle 3">
             <a:extLst>
               <a:ext uri="{FF2B5EF4-FFF2-40B4-BE49-F238E27FC236}">
-                <a16:creationId xmlns:a16="http://schemas.microsoft.com/office/drawing/2014/main" id="{CE062F72-A1B3-BC0F-DC2C-C5090D1D6455}"/>
+                <a16:creationId xmlns:a16="http://schemas.microsoft.com/office/drawing/2014/main" id="{2D65E9D7-338B-87D8-49A4-7D5A32E7A8ED}"/>
               </a:ext>
             </a:extLst>
           </p:cNvPr>
-          <p:cNvSpPr txBox="1"/>
-          <p:nvPr/>
-        </p:nvSpPr>
-        <p:spPr>
-          <a:xfrm>
-            <a:off x="839611" y="3866444"/>
-            <a:ext cx="10512776" cy="369332"/>
-          </a:xfrm>
-          <a:prstGeom prst="rect">
-            <a:avLst/>
-          </a:prstGeom>
-          <a:noFill/>
-        </p:spPr>
-        <p:txBody>
-          <a:bodyPr rot="0" spcFirstLastPara="0" vertOverflow="overflow" horzOverflow="overflow" vert="horz" wrap="square" lIns="91440" tIns="45720" rIns="91440" bIns="45720" numCol="1" spcCol="0" rtlCol="0" fromWordArt="0" anchor="t" anchorCtr="0" forceAA="0" compatLnSpc="1">
-            <a:prstTxWarp prst="textNoShape">
-              <a:avLst/>
-            </a:prstTxWarp>
-            <a:spAutoFit/>
-          </a:bodyPr>
-          <a:lstStyle/>
-          <a:p>
-            <a:pPr marL="285750" indent="-285750">
-              <a:buFont typeface="Arial"/>
-              <a:buChar char="•"/>
-            </a:pPr>
-            <a:r>
-              <a:rPr lang="en-GB" dirty="0"/>
-              <a:t>Limit Data to 2015-2025</a:t>
-            </a:r>
-          </a:p>
-        </p:txBody>
-      </p:sp>
-      <p:sp>
-        <p:nvSpPr>
-          <p:cNvPr id="6" name="Textfeld 5">
+          <p:cNvGraphicFramePr>
+            <a:graphicFrameLocks noGrp="1"/>
+          </p:cNvGraphicFramePr>
+          <p:nvPr>
+            <p:extLst>
+              <p:ext uri="{D42A27DB-BD31-4B8C-83A1-F6EECF244321}">
+                <p14:modId xmlns:p14="http://schemas.microsoft.com/office/powerpoint/2010/main" val="3941980139"/>
+              </p:ext>
+            </p:extLst>
+          </p:nvPr>
+        </p:nvGraphicFramePr>
+        <p:xfrm>
+          <a:off x="1757129" y="1437772"/>
+          <a:ext cx="8700603" cy="2853918"/>
+        </p:xfrm>
+        <a:graphic>
+          <a:graphicData uri="http://schemas.openxmlformats.org/drawingml/2006/table">
+            <a:tbl>
+              <a:tblPr bandCol="1">
+                <a:tableStyleId>{7E9639D4-E3E2-4D34-9284-5A2195B3D0D7}</a:tableStyleId>
+              </a:tblPr>
+              <a:tblGrid>
+                <a:gridCol w="2072763">
+                  <a:extLst>
+                    <a:ext uri="{9D8B030D-6E8A-4147-A177-3AD203B41FA5}">
+                      <a16:colId xmlns:a16="http://schemas.microsoft.com/office/drawing/2014/main" val="2294655383"/>
+                    </a:ext>
+                  </a:extLst>
+                </a:gridCol>
+                <a:gridCol w="636240">
+                  <a:extLst>
+                    <a:ext uri="{9D8B030D-6E8A-4147-A177-3AD203B41FA5}">
+                      <a16:colId xmlns:a16="http://schemas.microsoft.com/office/drawing/2014/main" val="2338996259"/>
+                    </a:ext>
+                  </a:extLst>
+                </a:gridCol>
+                <a:gridCol w="1328798">
+                  <a:extLst>
+                    <a:ext uri="{9D8B030D-6E8A-4147-A177-3AD203B41FA5}">
+                      <a16:colId xmlns:a16="http://schemas.microsoft.com/office/drawing/2014/main" val="4176836242"/>
+                    </a:ext>
+                  </a:extLst>
+                </a:gridCol>
+                <a:gridCol w="636240">
+                  <a:extLst>
+                    <a:ext uri="{9D8B030D-6E8A-4147-A177-3AD203B41FA5}">
+                      <a16:colId xmlns:a16="http://schemas.microsoft.com/office/drawing/2014/main" val="1867451006"/>
+                    </a:ext>
+                  </a:extLst>
+                </a:gridCol>
+                <a:gridCol w="1495385">
+                  <a:extLst>
+                    <a:ext uri="{9D8B030D-6E8A-4147-A177-3AD203B41FA5}">
+                      <a16:colId xmlns:a16="http://schemas.microsoft.com/office/drawing/2014/main" val="1580553824"/>
+                    </a:ext>
+                  </a:extLst>
+                </a:gridCol>
+                <a:gridCol w="615654">
+                  <a:extLst>
+                    <a:ext uri="{9D8B030D-6E8A-4147-A177-3AD203B41FA5}">
+                      <a16:colId xmlns:a16="http://schemas.microsoft.com/office/drawing/2014/main" val="254465487"/>
+                    </a:ext>
+                  </a:extLst>
+                </a:gridCol>
+                <a:gridCol w="1915523">
+                  <a:extLst>
+                    <a:ext uri="{9D8B030D-6E8A-4147-A177-3AD203B41FA5}">
+                      <a16:colId xmlns:a16="http://schemas.microsoft.com/office/drawing/2014/main" val="2690576278"/>
+                    </a:ext>
+                  </a:extLst>
+                </a:gridCol>
+              </a:tblGrid>
+              <a:tr h="317102">
+                <a:tc>
+                  <a:txBody>
+                    <a:bodyPr/>
+                    <a:lstStyle/>
+                    <a:p>
+                      <a:r>
+                        <a:rPr lang="de-DE" sz="1400" dirty="0"/>
+                        <a:t>Self </a:t>
+                      </a:r>
+                      <a:r>
+                        <a:rPr lang="de-DE" sz="1400" err="1"/>
+                        <a:t>heal</a:t>
+                      </a:r>
+                      <a:r>
+                        <a:rPr lang="de-DE" sz="1400" dirty="0"/>
+                        <a:t>*</a:t>
+                      </a:r>
+                    </a:p>
+                  </a:txBody>
+                  <a:tcPr marL="90000"/>
+                </a:tc>
+                <a:tc rowSpan="9">
+                  <a:txBody>
+                    <a:bodyPr/>
+                    <a:lstStyle/>
+                    <a:p>
+                      <a:r>
+                        <a:rPr lang="de-DE" sz="1400" b="1" dirty="0"/>
+                        <a:t>AND</a:t>
+                      </a:r>
+                    </a:p>
+                  </a:txBody>
+                  <a:tcPr marL="90000"/>
+                </a:tc>
+                <a:tc>
+                  <a:txBody>
+                    <a:bodyPr/>
+                    <a:lstStyle/>
+                    <a:p>
+                      <a:r>
+                        <a:rPr lang="de-DE" sz="1400" dirty="0"/>
+                        <a:t>Material*</a:t>
+                      </a:r>
+                    </a:p>
+                  </a:txBody>
+                  <a:tcPr marL="90000"/>
+                </a:tc>
+                <a:tc rowSpan="9">
+                  <a:txBody>
+                    <a:bodyPr/>
+                    <a:lstStyle/>
+                    <a:p>
+                      <a:r>
+                        <a:rPr lang="de-DE" sz="1400" b="1" dirty="0"/>
+                        <a:t>AND</a:t>
+                      </a:r>
+                    </a:p>
+                  </a:txBody>
+                  <a:tcPr marL="90000"/>
+                </a:tc>
+                <a:tc>
+                  <a:txBody>
+                    <a:bodyPr/>
+                    <a:lstStyle/>
+                    <a:p>
+                      <a:r>
+                        <a:rPr lang="de-DE" sz="1400" err="1"/>
+                        <a:t>Application</a:t>
+                      </a:r>
+                      <a:r>
+                        <a:rPr lang="de-DE" sz="1400" dirty="0"/>
+                        <a:t>*</a:t>
+                      </a:r>
+                    </a:p>
+                  </a:txBody>
+                  <a:tcPr marL="90000"/>
+                </a:tc>
+                <a:tc rowSpan="9">
+                  <a:txBody>
+                    <a:bodyPr/>
+                    <a:lstStyle/>
+                    <a:p>
+                      <a:r>
+                        <a:rPr lang="de-DE" sz="1400" b="1" dirty="0"/>
+                        <a:t>NOT</a:t>
+                      </a:r>
+                    </a:p>
+                  </a:txBody>
+                  <a:tcPr marL="90000"/>
+                </a:tc>
+                <a:tc>
+                  <a:txBody>
+                    <a:bodyPr/>
+                    <a:lstStyle/>
+                    <a:p>
+                      <a:r>
+                        <a:rPr lang="de-DE" sz="1400" err="1"/>
+                        <a:t>Biology</a:t>
+                      </a:r>
+                      <a:endParaRPr lang="de-DE" sz="1400"/>
+                    </a:p>
+                  </a:txBody>
+                  <a:tcPr marL="90000"/>
+                </a:tc>
+                <a:extLst>
+                  <a:ext uri="{0D108BD9-81ED-4DB2-BD59-A6C34878D82A}">
+                    <a16:rowId xmlns:a16="http://schemas.microsoft.com/office/drawing/2014/main" val="2123838626"/>
+                  </a:ext>
+                </a:extLst>
+              </a:tr>
+              <a:tr h="317102">
+                <a:tc>
+                  <a:txBody>
+                    <a:bodyPr/>
+                    <a:lstStyle/>
+                    <a:p>
+                      <a:r>
+                        <a:rPr lang="de-DE" sz="1400" dirty="0"/>
+                        <a:t>Self </a:t>
+                      </a:r>
+                      <a:r>
+                        <a:rPr lang="de-DE" sz="1400" err="1"/>
+                        <a:t>repair</a:t>
+                      </a:r>
+                      <a:r>
+                        <a:rPr lang="de-DE" sz="1400" dirty="0"/>
+                        <a:t>*</a:t>
+                      </a:r>
+                    </a:p>
+                  </a:txBody>
+                  <a:tcPr marL="90000"/>
+                </a:tc>
+                <a:tc vMerge="1">
+                  <a:txBody>
+                    <a:bodyPr/>
+                    <a:lstStyle/>
+                    <a:p>
+                      <a:endParaRPr lang="de-DE" dirty="0"/>
+                    </a:p>
+                  </a:txBody>
+                  <a:tcPr/>
+                </a:tc>
+                <a:tc>
+                  <a:txBody>
+                    <a:bodyPr/>
+                    <a:lstStyle/>
+                    <a:p>
+                      <a:r>
+                        <a:rPr lang="de-DE" sz="1400" dirty="0"/>
+                        <a:t>Polymer*</a:t>
+                      </a:r>
+                    </a:p>
+                  </a:txBody>
+                  <a:tcPr marL="90000"/>
+                </a:tc>
+                <a:tc vMerge="1">
+                  <a:txBody>
+                    <a:bodyPr/>
+                    <a:lstStyle/>
+                    <a:p>
+                      <a:endParaRPr lang="de-DE" dirty="0"/>
+                    </a:p>
+                  </a:txBody>
+                  <a:tcPr/>
+                </a:tc>
+                <a:tc>
+                  <a:txBody>
+                    <a:bodyPr/>
+                    <a:lstStyle/>
+                    <a:p>
+                      <a:r>
+                        <a:rPr lang="de-DE" sz="1400" dirty="0"/>
+                        <a:t>Technolog*</a:t>
+                      </a:r>
+                    </a:p>
+                  </a:txBody>
+                  <a:tcPr marL="90000"/>
+                </a:tc>
+                <a:tc vMerge="1">
+                  <a:txBody>
+                    <a:bodyPr/>
+                    <a:lstStyle/>
+                    <a:p>
+                      <a:endParaRPr lang="de-DE" dirty="0"/>
+                    </a:p>
+                  </a:txBody>
+                  <a:tcPr/>
+                </a:tc>
+                <a:tc>
+                  <a:txBody>
+                    <a:bodyPr/>
+                    <a:lstStyle/>
+                    <a:p>
+                      <a:r>
+                        <a:rPr lang="de-DE" sz="1400" dirty="0"/>
+                        <a:t>Biological </a:t>
+                      </a:r>
+                      <a:r>
+                        <a:rPr lang="de-DE" sz="1400" err="1"/>
+                        <a:t>system</a:t>
+                      </a:r>
+                      <a:r>
+                        <a:rPr lang="de-DE" sz="1400" dirty="0"/>
+                        <a:t>*</a:t>
+                      </a:r>
+                    </a:p>
+                  </a:txBody>
+                  <a:tcPr marL="90000"/>
+                </a:tc>
+                <a:extLst>
+                  <a:ext uri="{0D108BD9-81ED-4DB2-BD59-A6C34878D82A}">
+                    <a16:rowId xmlns:a16="http://schemas.microsoft.com/office/drawing/2014/main" val="1175503715"/>
+                  </a:ext>
+                </a:extLst>
+              </a:tr>
+              <a:tr h="317102">
+                <a:tc>
+                  <a:txBody>
+                    <a:bodyPr/>
+                    <a:lstStyle/>
+                    <a:p>
+                      <a:r>
+                        <a:rPr lang="de-DE" sz="1400" err="1"/>
+                        <a:t>Autonomous</a:t>
+                      </a:r>
+                      <a:r>
+                        <a:rPr lang="de-DE" sz="1400" dirty="0"/>
+                        <a:t> </a:t>
+                      </a:r>
+                      <a:r>
+                        <a:rPr lang="de-DE" sz="1400" err="1"/>
+                        <a:t>repair</a:t>
+                      </a:r>
+                      <a:r>
+                        <a:rPr lang="de-DE" sz="1400" dirty="0"/>
+                        <a:t>*</a:t>
+                      </a:r>
+                    </a:p>
+                  </a:txBody>
+                  <a:tcPr marL="90000"/>
+                </a:tc>
+                <a:tc vMerge="1">
+                  <a:txBody>
+                    <a:bodyPr/>
+                    <a:lstStyle/>
+                    <a:p>
+                      <a:endParaRPr lang="de-DE" dirty="0"/>
+                    </a:p>
+                  </a:txBody>
+                  <a:tcPr/>
+                </a:tc>
+                <a:tc>
+                  <a:txBody>
+                    <a:bodyPr/>
+                    <a:lstStyle/>
+                    <a:p>
+                      <a:r>
+                        <a:rPr lang="de-DE" sz="1400" dirty="0"/>
+                        <a:t>Composite*</a:t>
+                      </a:r>
+                    </a:p>
+                  </a:txBody>
+                  <a:tcPr marL="90000"/>
+                </a:tc>
+                <a:tc vMerge="1">
+                  <a:txBody>
+                    <a:bodyPr/>
+                    <a:lstStyle/>
+                    <a:p>
+                      <a:endParaRPr lang="de-DE" dirty="0"/>
+                    </a:p>
+                  </a:txBody>
+                  <a:tcPr/>
+                </a:tc>
+                <a:tc>
+                  <a:txBody>
+                    <a:bodyPr/>
+                    <a:lstStyle/>
+                    <a:p>
+                      <a:r>
+                        <a:rPr lang="de-DE" sz="1400" err="1"/>
+                        <a:t>Propert</a:t>
+                      </a:r>
+                      <a:r>
+                        <a:rPr lang="de-DE" sz="1400" dirty="0"/>
+                        <a:t>*</a:t>
+                      </a:r>
+                    </a:p>
+                  </a:txBody>
+                  <a:tcPr marL="90000"/>
+                </a:tc>
+                <a:tc vMerge="1">
+                  <a:txBody>
+                    <a:bodyPr/>
+                    <a:lstStyle/>
+                    <a:p>
+                      <a:endParaRPr lang="de-DE" dirty="0"/>
+                    </a:p>
+                  </a:txBody>
+                  <a:tcPr/>
+                </a:tc>
+                <a:tc>
+                  <a:txBody>
+                    <a:bodyPr/>
+                    <a:lstStyle/>
+                    <a:p>
+                      <a:r>
+                        <a:rPr lang="de-DE" sz="1400" dirty="0"/>
+                        <a:t>Hydrogel*</a:t>
+                      </a:r>
+                    </a:p>
+                  </a:txBody>
+                  <a:tcPr marL="90000"/>
+                </a:tc>
+                <a:extLst>
+                  <a:ext uri="{0D108BD9-81ED-4DB2-BD59-A6C34878D82A}">
+                    <a16:rowId xmlns:a16="http://schemas.microsoft.com/office/drawing/2014/main" val="3867287500"/>
+                  </a:ext>
+                </a:extLst>
+              </a:tr>
+              <a:tr h="317102">
+                <a:tc>
+                  <a:txBody>
+                    <a:bodyPr/>
+                    <a:lstStyle/>
+                    <a:p>
+                      <a:r>
+                        <a:rPr lang="de-DE" sz="1400" err="1"/>
+                        <a:t>Autonomous</a:t>
+                      </a:r>
+                      <a:r>
+                        <a:rPr lang="de-DE" sz="1400" dirty="0"/>
+                        <a:t> </a:t>
+                      </a:r>
+                      <a:r>
+                        <a:rPr lang="de-DE" sz="1400" err="1"/>
+                        <a:t>heal</a:t>
+                      </a:r>
+                      <a:r>
+                        <a:rPr lang="de-DE" sz="1400" dirty="0"/>
+                        <a:t>*</a:t>
+                      </a:r>
+                    </a:p>
+                  </a:txBody>
+                  <a:tcPr marL="90000"/>
+                </a:tc>
+                <a:tc vMerge="1">
+                  <a:txBody>
+                    <a:bodyPr/>
+                    <a:lstStyle/>
+                    <a:p>
+                      <a:endParaRPr lang="de-DE" dirty="0"/>
+                    </a:p>
+                  </a:txBody>
+                  <a:tcPr/>
+                </a:tc>
+                <a:tc>
+                  <a:txBody>
+                    <a:bodyPr/>
+                    <a:lstStyle/>
+                    <a:p>
+                      <a:r>
+                        <a:rPr lang="de-DE" sz="1400" err="1"/>
+                        <a:t>Ceramic</a:t>
+                      </a:r>
+                      <a:r>
+                        <a:rPr lang="de-DE" sz="1400" dirty="0"/>
+                        <a:t>*</a:t>
+                      </a:r>
+                    </a:p>
+                  </a:txBody>
+                  <a:tcPr marL="90000"/>
+                </a:tc>
+                <a:tc vMerge="1">
+                  <a:txBody>
+                    <a:bodyPr/>
+                    <a:lstStyle/>
+                    <a:p>
+                      <a:endParaRPr lang="de-DE" dirty="0"/>
+                    </a:p>
+                  </a:txBody>
+                  <a:tcPr/>
+                </a:tc>
+                <a:tc>
+                  <a:txBody>
+                    <a:bodyPr/>
+                    <a:lstStyle/>
+                    <a:p>
+                      <a:r>
+                        <a:rPr lang="de-DE" sz="1400" dirty="0"/>
+                        <a:t>Performance*</a:t>
+                      </a:r>
+                    </a:p>
+                  </a:txBody>
+                  <a:tcPr marL="90000"/>
+                </a:tc>
+                <a:tc vMerge="1">
+                  <a:txBody>
+                    <a:bodyPr/>
+                    <a:lstStyle/>
+                    <a:p>
+                      <a:endParaRPr lang="de-DE" dirty="0"/>
+                    </a:p>
+                  </a:txBody>
+                  <a:tcPr/>
+                </a:tc>
+                <a:tc>
+                  <a:txBody>
+                    <a:bodyPr/>
+                    <a:lstStyle/>
+                    <a:p>
+                      <a:r>
+                        <a:rPr lang="de-DE" sz="1400" dirty="0"/>
+                        <a:t>Gel*</a:t>
+                      </a:r>
+                    </a:p>
+                  </a:txBody>
+                  <a:tcPr marL="90000"/>
+                </a:tc>
+                <a:extLst>
+                  <a:ext uri="{0D108BD9-81ED-4DB2-BD59-A6C34878D82A}">
+                    <a16:rowId xmlns:a16="http://schemas.microsoft.com/office/drawing/2014/main" val="3195697292"/>
+                  </a:ext>
+                </a:extLst>
+              </a:tr>
+              <a:tr h="317102">
+                <a:tc>
+                  <a:txBody>
+                    <a:bodyPr/>
+                    <a:lstStyle/>
+                    <a:p>
+                      <a:endParaRPr lang="de-DE" sz="1400" dirty="0"/>
+                    </a:p>
+                  </a:txBody>
+                  <a:tcPr marL="90000"/>
+                </a:tc>
+                <a:tc vMerge="1">
+                  <a:txBody>
+                    <a:bodyPr/>
+                    <a:lstStyle/>
+                    <a:p>
+                      <a:endParaRPr lang="de-DE" dirty="0"/>
+                    </a:p>
+                  </a:txBody>
+                  <a:tcPr/>
+                </a:tc>
+                <a:tc>
+                  <a:txBody>
+                    <a:bodyPr/>
+                    <a:lstStyle/>
+                    <a:p>
+                      <a:r>
+                        <a:rPr lang="de-DE" sz="1400" err="1"/>
+                        <a:t>Metal</a:t>
+                      </a:r>
+                      <a:r>
+                        <a:rPr lang="de-DE" sz="1400" dirty="0"/>
+                        <a:t>*</a:t>
+                      </a:r>
+                    </a:p>
+                  </a:txBody>
+                  <a:tcPr marL="90000"/>
+                </a:tc>
+                <a:tc vMerge="1">
+                  <a:txBody>
+                    <a:bodyPr/>
+                    <a:lstStyle/>
+                    <a:p>
+                      <a:endParaRPr lang="de-DE" dirty="0"/>
+                    </a:p>
+                  </a:txBody>
+                  <a:tcPr/>
+                </a:tc>
+                <a:tc>
+                  <a:txBody>
+                    <a:bodyPr/>
+                    <a:lstStyle/>
+                    <a:p>
+                      <a:endParaRPr lang="de-DE" sz="1400" dirty="0"/>
+                    </a:p>
+                  </a:txBody>
+                  <a:tcPr marL="90000"/>
+                </a:tc>
+                <a:tc vMerge="1">
+                  <a:txBody>
+                    <a:bodyPr/>
+                    <a:lstStyle/>
+                    <a:p>
+                      <a:endParaRPr lang="de-DE" dirty="0"/>
+                    </a:p>
+                  </a:txBody>
+                  <a:tcPr/>
+                </a:tc>
+                <a:tc>
+                  <a:txBody>
+                    <a:bodyPr/>
+                    <a:lstStyle/>
+                    <a:p>
+                      <a:r>
+                        <a:rPr lang="de-DE" sz="1400" err="1"/>
+                        <a:t>Organic</a:t>
+                      </a:r>
+                      <a:r>
+                        <a:rPr lang="de-DE" sz="1400" dirty="0"/>
+                        <a:t> material*</a:t>
+                      </a:r>
+                    </a:p>
+                  </a:txBody>
+                  <a:tcPr marL="90000"/>
+                </a:tc>
+                <a:extLst>
+                  <a:ext uri="{0D108BD9-81ED-4DB2-BD59-A6C34878D82A}">
+                    <a16:rowId xmlns:a16="http://schemas.microsoft.com/office/drawing/2014/main" val="230727640"/>
+                  </a:ext>
+                </a:extLst>
+              </a:tr>
+              <a:tr h="317102">
+                <a:tc>
+                  <a:txBody>
+                    <a:bodyPr/>
+                    <a:lstStyle/>
+                    <a:p>
+                      <a:endParaRPr lang="de-DE" sz="1400" dirty="0"/>
+                    </a:p>
+                  </a:txBody>
+                  <a:tcPr marL="90000"/>
+                </a:tc>
+                <a:tc vMerge="1">
+                  <a:txBody>
+                    <a:bodyPr/>
+                    <a:lstStyle/>
+                    <a:p>
+                      <a:endParaRPr lang="de-DE" dirty="0"/>
+                    </a:p>
+                  </a:txBody>
+                  <a:tcPr/>
+                </a:tc>
+                <a:tc>
+                  <a:txBody>
+                    <a:bodyPr/>
+                    <a:lstStyle/>
+                    <a:p>
+                      <a:r>
+                        <a:rPr lang="de-DE" sz="1400" err="1"/>
+                        <a:t>Alloy</a:t>
+                      </a:r>
+                      <a:r>
+                        <a:rPr lang="de-DE" sz="1400" dirty="0"/>
+                        <a:t>*</a:t>
+                      </a:r>
+                    </a:p>
+                  </a:txBody>
+                  <a:tcPr marL="90000"/>
+                </a:tc>
+                <a:tc vMerge="1">
+                  <a:txBody>
+                    <a:bodyPr/>
+                    <a:lstStyle/>
+                    <a:p>
+                      <a:endParaRPr lang="de-DE" dirty="0"/>
+                    </a:p>
+                  </a:txBody>
+                  <a:tcPr/>
+                </a:tc>
+                <a:tc>
+                  <a:txBody>
+                    <a:bodyPr/>
+                    <a:lstStyle/>
+                    <a:p>
+                      <a:endParaRPr lang="de-DE" sz="1400" dirty="0"/>
+                    </a:p>
+                  </a:txBody>
+                  <a:tcPr marL="90000"/>
+                </a:tc>
+                <a:tc vMerge="1">
+                  <a:txBody>
+                    <a:bodyPr/>
+                    <a:lstStyle/>
+                    <a:p>
+                      <a:endParaRPr lang="de-DE" dirty="0"/>
+                    </a:p>
+                  </a:txBody>
+                  <a:tcPr/>
+                </a:tc>
+                <a:tc>
+                  <a:txBody>
+                    <a:bodyPr/>
+                    <a:lstStyle/>
+                    <a:p>
+                      <a:r>
+                        <a:rPr lang="de-DE" sz="1400" err="1"/>
+                        <a:t>Wound</a:t>
+                      </a:r>
+                      <a:r>
+                        <a:rPr lang="de-DE" sz="1400" dirty="0"/>
+                        <a:t> </a:t>
+                      </a:r>
+                      <a:r>
+                        <a:rPr lang="de-DE" sz="1400" err="1"/>
+                        <a:t>heal</a:t>
+                      </a:r>
+                      <a:r>
+                        <a:rPr lang="de-DE" sz="1400" dirty="0"/>
+                        <a:t>*</a:t>
+                      </a:r>
+                    </a:p>
+                  </a:txBody>
+                  <a:tcPr marL="90000"/>
+                </a:tc>
+                <a:extLst>
+                  <a:ext uri="{0D108BD9-81ED-4DB2-BD59-A6C34878D82A}">
+                    <a16:rowId xmlns:a16="http://schemas.microsoft.com/office/drawing/2014/main" val="365619972"/>
+                  </a:ext>
+                </a:extLst>
+              </a:tr>
+              <a:tr h="317102">
+                <a:tc>
+                  <a:txBody>
+                    <a:bodyPr/>
+                    <a:lstStyle/>
+                    <a:p>
+                      <a:endParaRPr lang="de-DE" sz="1400" dirty="0"/>
+                    </a:p>
+                  </a:txBody>
+                  <a:tcPr marL="90000"/>
+                </a:tc>
+                <a:tc vMerge="1">
+                  <a:txBody>
+                    <a:bodyPr/>
+                    <a:lstStyle/>
+                    <a:p>
+                      <a:endParaRPr lang="de-DE" dirty="0"/>
+                    </a:p>
+                  </a:txBody>
+                  <a:tcPr/>
+                </a:tc>
+                <a:tc>
+                  <a:txBody>
+                    <a:bodyPr/>
+                    <a:lstStyle/>
+                    <a:p>
+                      <a:r>
+                        <a:rPr lang="de-DE" sz="1400" err="1"/>
+                        <a:t>Cement</a:t>
+                      </a:r>
+                      <a:r>
+                        <a:rPr lang="de-DE" sz="1400" dirty="0"/>
+                        <a:t>*</a:t>
+                      </a:r>
+                    </a:p>
+                  </a:txBody>
+                  <a:tcPr marL="90000"/>
+                </a:tc>
+                <a:tc vMerge="1">
+                  <a:txBody>
+                    <a:bodyPr/>
+                    <a:lstStyle/>
+                    <a:p>
+                      <a:endParaRPr lang="de-DE" dirty="0"/>
+                    </a:p>
+                  </a:txBody>
+                  <a:tcPr/>
+                </a:tc>
+                <a:tc>
+                  <a:txBody>
+                    <a:bodyPr/>
+                    <a:lstStyle/>
+                    <a:p>
+                      <a:endParaRPr lang="de-DE" sz="1400" dirty="0"/>
+                    </a:p>
+                  </a:txBody>
+                  <a:tcPr marL="90000"/>
+                </a:tc>
+                <a:tc vMerge="1">
+                  <a:txBody>
+                    <a:bodyPr/>
+                    <a:lstStyle/>
+                    <a:p>
+                      <a:endParaRPr lang="de-DE" dirty="0"/>
+                    </a:p>
+                  </a:txBody>
+                  <a:tcPr/>
+                </a:tc>
+                <a:tc>
+                  <a:txBody>
+                    <a:bodyPr/>
+                    <a:lstStyle/>
+                    <a:p>
+                      <a:r>
+                        <a:rPr lang="de-DE" sz="1400" dirty="0"/>
+                        <a:t>Medic*</a:t>
+                      </a:r>
+                    </a:p>
+                  </a:txBody>
+                  <a:tcPr marL="90000"/>
+                </a:tc>
+                <a:extLst>
+                  <a:ext uri="{0D108BD9-81ED-4DB2-BD59-A6C34878D82A}">
+                    <a16:rowId xmlns:a16="http://schemas.microsoft.com/office/drawing/2014/main" val="115387316"/>
+                  </a:ext>
+                </a:extLst>
+              </a:tr>
+              <a:tr h="317102">
+                <a:tc>
+                  <a:txBody>
+                    <a:bodyPr/>
+                    <a:lstStyle/>
+                    <a:p>
+                      <a:endParaRPr lang="de-DE" sz="1400" dirty="0"/>
+                    </a:p>
+                  </a:txBody>
+                  <a:tcPr marL="90000"/>
+                </a:tc>
+                <a:tc vMerge="1">
+                  <a:txBody>
+                    <a:bodyPr/>
+                    <a:lstStyle/>
+                    <a:p>
+                      <a:endParaRPr lang="de-DE" dirty="0"/>
+                    </a:p>
+                  </a:txBody>
+                  <a:tcPr/>
+                </a:tc>
+                <a:tc>
+                  <a:txBody>
+                    <a:bodyPr/>
+                    <a:lstStyle/>
+                    <a:p>
+                      <a:r>
+                        <a:rPr lang="de-DE" sz="1400" err="1"/>
+                        <a:t>Concrete</a:t>
+                      </a:r>
+                      <a:r>
+                        <a:rPr lang="de-DE" sz="1400" dirty="0"/>
+                        <a:t>*</a:t>
+                      </a:r>
+                    </a:p>
+                  </a:txBody>
+                  <a:tcPr marL="90000"/>
+                </a:tc>
+                <a:tc vMerge="1">
+                  <a:txBody>
+                    <a:bodyPr/>
+                    <a:lstStyle/>
+                    <a:p>
+                      <a:endParaRPr lang="de-DE" dirty="0"/>
+                    </a:p>
+                  </a:txBody>
+                  <a:tcPr/>
+                </a:tc>
+                <a:tc>
+                  <a:txBody>
+                    <a:bodyPr/>
+                    <a:lstStyle/>
+                    <a:p>
+                      <a:endParaRPr lang="de-DE" sz="1400" dirty="0"/>
+                    </a:p>
+                  </a:txBody>
+                  <a:tcPr marL="90000"/>
+                </a:tc>
+                <a:tc vMerge="1">
+                  <a:txBody>
+                    <a:bodyPr/>
+                    <a:lstStyle/>
+                    <a:p>
+                      <a:endParaRPr lang="de-DE" dirty="0"/>
+                    </a:p>
+                  </a:txBody>
+                  <a:tcPr/>
+                </a:tc>
+                <a:tc>
+                  <a:txBody>
+                    <a:bodyPr/>
+                    <a:lstStyle/>
+                    <a:p>
+                      <a:r>
+                        <a:rPr lang="de-DE" sz="1400" err="1"/>
+                        <a:t>Healthcare</a:t>
+                      </a:r>
+                      <a:endParaRPr lang="de-DE" sz="1400"/>
+                    </a:p>
+                  </a:txBody>
+                  <a:tcPr marL="90000"/>
+                </a:tc>
+                <a:extLst>
+                  <a:ext uri="{0D108BD9-81ED-4DB2-BD59-A6C34878D82A}">
+                    <a16:rowId xmlns:a16="http://schemas.microsoft.com/office/drawing/2014/main" val="2374768205"/>
+                  </a:ext>
+                </a:extLst>
+              </a:tr>
+              <a:tr h="317102">
+                <a:tc>
+                  <a:txBody>
+                    <a:bodyPr/>
+                    <a:lstStyle/>
+                    <a:p>
+                      <a:endParaRPr lang="de-DE" sz="1400" dirty="0"/>
+                    </a:p>
+                  </a:txBody>
+                  <a:tcPr marL="90000"/>
+                </a:tc>
+                <a:tc vMerge="1">
+                  <a:txBody>
+                    <a:bodyPr/>
+                    <a:lstStyle/>
+                    <a:p>
+                      <a:endParaRPr lang="de-DE" dirty="0"/>
+                    </a:p>
+                  </a:txBody>
+                  <a:tcPr/>
+                </a:tc>
+                <a:tc>
+                  <a:txBody>
+                    <a:bodyPr/>
+                    <a:lstStyle/>
+                    <a:p>
+                      <a:endParaRPr lang="de-DE" sz="1400" dirty="0"/>
+                    </a:p>
+                  </a:txBody>
+                  <a:tcPr marL="90000"/>
+                </a:tc>
+                <a:tc vMerge="1">
+                  <a:txBody>
+                    <a:bodyPr/>
+                    <a:lstStyle/>
+                    <a:p>
+                      <a:endParaRPr lang="de-DE" dirty="0"/>
+                    </a:p>
+                  </a:txBody>
+                  <a:tcPr/>
+                </a:tc>
+                <a:tc>
+                  <a:txBody>
+                    <a:bodyPr/>
+                    <a:lstStyle/>
+                    <a:p>
+                      <a:endParaRPr lang="de-DE" sz="1400" dirty="0"/>
+                    </a:p>
+                  </a:txBody>
+                  <a:tcPr marL="90000"/>
+                </a:tc>
+                <a:tc vMerge="1">
+                  <a:txBody>
+                    <a:bodyPr/>
+                    <a:lstStyle/>
+                    <a:p>
+                      <a:endParaRPr lang="de-DE" dirty="0"/>
+                    </a:p>
+                  </a:txBody>
+                  <a:tcPr/>
+                </a:tc>
+                <a:tc>
+                  <a:txBody>
+                    <a:bodyPr/>
+                    <a:lstStyle/>
+                    <a:p>
+                      <a:r>
+                        <a:rPr lang="de-DE" sz="1400" dirty="0"/>
+                        <a:t>Spirit*</a:t>
+                      </a:r>
+                    </a:p>
+                  </a:txBody>
+                  <a:tcPr marL="90000"/>
+                </a:tc>
+                <a:extLst>
+                  <a:ext uri="{0D108BD9-81ED-4DB2-BD59-A6C34878D82A}">
+                    <a16:rowId xmlns:a16="http://schemas.microsoft.com/office/drawing/2014/main" val="1860320147"/>
+                  </a:ext>
+                </a:extLst>
+              </a:tr>
+            </a:tbl>
+          </a:graphicData>
+        </a:graphic>
+      </p:graphicFrame>
+      <p:grpSp>
+        <p:nvGrpSpPr>
+          <p:cNvPr id="5" name="Gruppieren 4">
             <a:extLst>
               <a:ext uri="{FF2B5EF4-FFF2-40B4-BE49-F238E27FC236}">
-                <a16:creationId xmlns:a16="http://schemas.microsoft.com/office/drawing/2014/main" id="{3B8ACF60-3648-8FB3-D135-68FBE9BDE417}"/>
+                <a16:creationId xmlns:a16="http://schemas.microsoft.com/office/drawing/2014/main" id="{334D4C06-04BE-E866-15BB-83A88A253F92}"/>
               </a:ext>
             </a:extLst>
           </p:cNvPr>
-          <p:cNvSpPr txBox="1"/>
+          <p:cNvGrpSpPr/>
           <p:nvPr/>
-        </p:nvSpPr>
-        <p:spPr>
+        </p:nvGrpSpPr>
+        <p:grpSpPr>
           <a:xfrm>
-            <a:off x="2081892" y="4667250"/>
-            <a:ext cx="2694214" cy="646331"/>
+            <a:off x="1191821" y="2292889"/>
+            <a:ext cx="553878" cy="1337310"/>
+            <a:chOff x="872490" y="4401996"/>
+            <a:chExt cx="553878" cy="1337310"/>
           </a:xfrm>
-          <a:prstGeom prst="rect">
-            <a:avLst/>
-          </a:prstGeom>
-          <a:noFill/>
-        </p:spPr>
-        <p:txBody>
-          <a:bodyPr rot="0" spcFirstLastPara="0" vertOverflow="overflow" horzOverflow="overflow" vert="horz" wrap="square" lIns="91440" tIns="45720" rIns="91440" bIns="45720" numCol="1" spcCol="0" rtlCol="0" fromWordArt="0" anchor="t" anchorCtr="0" forceAA="0" compatLnSpc="1">
-            <a:prstTxWarp prst="textNoShape">
+        </p:grpSpPr>
+        <p:cxnSp>
+          <p:nvCxnSpPr>
+            <p:cNvPr id="9" name="Gerade Verbindung mit Pfeil 8">
+              <a:extLst>
+                <a:ext uri="{FF2B5EF4-FFF2-40B4-BE49-F238E27FC236}">
+                  <a16:creationId xmlns:a16="http://schemas.microsoft.com/office/drawing/2014/main" id="{D049C26A-8463-CE8B-F386-4F1167F80B72}"/>
+                </a:ext>
+              </a:extLst>
+            </p:cNvPr>
+            <p:cNvCxnSpPr/>
+            <p:nvPr/>
+          </p:nvCxnSpPr>
+          <p:spPr>
+            <a:xfrm>
+              <a:off x="1115139" y="4401996"/>
+              <a:ext cx="0" cy="1337310"/>
+            </a:xfrm>
+            <a:prstGeom prst="straightConnector1">
               <a:avLst/>
-            </a:prstTxWarp>
-            <a:spAutoFit/>
-          </a:bodyPr>
-          <a:lstStyle/>
-          <a:p>
-            <a:r>
-              <a:rPr lang="de-DE" dirty="0">
-                <a:solidFill>
-                  <a:srgbClr val="FF0000"/>
-                </a:solidFill>
-              </a:rPr>
-              <a:t>Suchstring Tabellarisch aufbauen: </a:t>
-            </a:r>
-            <a:r>
-              <a:rPr lang="de-DE" dirty="0" err="1">
-                <a:solidFill>
-                  <a:srgbClr val="FF0000"/>
-                </a:solidFill>
-              </a:rPr>
-              <a:t>Seiar</a:t>
-            </a:r>
-          </a:p>
-        </p:txBody>
-      </p:sp>
+            </a:prstGeom>
+            <a:ln w="25400" cap="flat">
+              <a:solidFill>
+                <a:schemeClr val="dk1"/>
+              </a:solidFill>
+              <a:headEnd type="triangle" w="lg" len="lg"/>
+              <a:tailEnd type="triangle" w="lg" len="lg"/>
+            </a:ln>
+          </p:spPr>
+          <p:style>
+            <a:lnRef idx="3">
+              <a:schemeClr val="dk1"/>
+            </a:lnRef>
+            <a:fillRef idx="0">
+              <a:schemeClr val="dk1"/>
+            </a:fillRef>
+            <a:effectRef idx="2">
+              <a:schemeClr val="dk1"/>
+            </a:effectRef>
+            <a:fontRef idx="minor">
+              <a:schemeClr val="tx1"/>
+            </a:fontRef>
+          </p:style>
+        </p:cxnSp>
+        <p:sp>
+          <p:nvSpPr>
+            <p:cNvPr id="7" name="Textfeld 6">
+              <a:extLst>
+                <a:ext uri="{FF2B5EF4-FFF2-40B4-BE49-F238E27FC236}">
+                  <a16:creationId xmlns:a16="http://schemas.microsoft.com/office/drawing/2014/main" id="{ADD40E20-582F-0E8B-8172-FAD03A2E2C84}"/>
+                </a:ext>
+              </a:extLst>
+            </p:cNvPr>
+            <p:cNvSpPr txBox="1"/>
+            <p:nvPr/>
+          </p:nvSpPr>
+          <p:spPr>
+            <a:xfrm>
+              <a:off x="872490" y="4885985"/>
+              <a:ext cx="553878" cy="338554"/>
+            </a:xfrm>
+            <a:prstGeom prst="rect">
+              <a:avLst/>
+            </a:prstGeom>
+            <a:ln>
+              <a:noFill/>
+            </a:ln>
+          </p:spPr>
+          <p:style>
+            <a:lnRef idx="2">
+              <a:schemeClr val="dk1"/>
+            </a:lnRef>
+            <a:fillRef idx="1">
+              <a:schemeClr val="lt1"/>
+            </a:fillRef>
+            <a:effectRef idx="0">
+              <a:schemeClr val="dk1"/>
+            </a:effectRef>
+            <a:fontRef idx="minor">
+              <a:schemeClr val="dk1"/>
+            </a:fontRef>
+          </p:style>
+          <p:txBody>
+            <a:bodyPr wrap="square">
+              <a:spAutoFit/>
+            </a:bodyPr>
+            <a:lstStyle/>
+            <a:p>
+              <a:r>
+                <a:rPr lang="de-DE" sz="1600" b="1" dirty="0"/>
+                <a:t>OR</a:t>
+              </a:r>
+              <a:endParaRPr lang="de-DE" sz="1600" dirty="0"/>
+            </a:p>
+          </p:txBody>
+        </p:sp>
+      </p:grpSp>
     </p:spTree>
     <p:extLst>
       <p:ext uri="{BB962C8B-B14F-4D97-AF65-F5344CB8AC3E}">
-        <p14:creationId xmlns:p14="http://schemas.microsoft.com/office/powerpoint/2010/main" val="1889094317"/>
+        <p14:creationId xmlns:p14="http://schemas.microsoft.com/office/powerpoint/2010/main" val="767064345"/>
       </p:ext>
     </p:extLst>
   </p:cSld>
@@ -5159,198 +6883,10 @@
               <a:buChar char="•"/>
             </a:pPr>
             <a:r>
-              <a:rPr lang="en-GB" sz="1600" b="1" dirty="0">
-                <a:solidFill>
-                  <a:srgbClr val="000080"/>
-                </a:solidFill>
-                <a:latin typeface="Lucida Console"/>
-                <a:ea typeface="+mn-lt"/>
-                <a:cs typeface="+mn-lt"/>
-              </a:rPr>
-              <a:t>AND</a:t>
-            </a:r>
-            <a:r>
-              <a:rPr lang="en-GB" sz="1600" dirty="0">
-                <a:latin typeface="Lucida Console"/>
-                <a:ea typeface="+mn-lt"/>
-                <a:cs typeface="+mn-lt"/>
-              </a:rPr>
-              <a:t> TS=(</a:t>
-            </a:r>
-            <a:r>
-              <a:rPr lang="en-GB" sz="1600" strike="sngStrike" dirty="0">
-                <a:latin typeface="Lucida Console"/>
-                <a:ea typeface="+mn-lt"/>
-                <a:cs typeface="+mn-lt"/>
-              </a:rPr>
-              <a:t>"material*" </a:t>
-            </a:r>
-            <a:r>
-              <a:rPr lang="en-GB" sz="1600" b="1" strike="sngStrike" dirty="0">
-                <a:solidFill>
-                  <a:srgbClr val="000080"/>
-                </a:solidFill>
-                <a:latin typeface="Lucida Console"/>
-                <a:ea typeface="+mn-lt"/>
-                <a:cs typeface="+mn-lt"/>
-              </a:rPr>
-              <a:t>OR</a:t>
-            </a:r>
-            <a:r>
-              <a:rPr lang="en-GB" sz="1600" dirty="0">
-                <a:latin typeface="Lucida Console"/>
-                <a:ea typeface="+mn-lt"/>
-                <a:cs typeface="+mn-lt"/>
-              </a:rPr>
-              <a:t> </a:t>
-            </a:r>
-            <a:r>
-              <a:rPr lang="en-GB" sz="1600" dirty="0">
-                <a:solidFill>
-                  <a:srgbClr val="FF0000"/>
-                </a:solidFill>
-                <a:latin typeface="Lucida Console"/>
-                <a:ea typeface="+mn-lt"/>
-                <a:cs typeface="+mn-lt"/>
-              </a:rPr>
-              <a:t>"polymer*" </a:t>
-            </a:r>
-            <a:r>
-              <a:rPr lang="en-GB" sz="1600" b="1" strike="sngStrike" dirty="0">
-                <a:solidFill>
-                  <a:srgbClr val="000080"/>
-                </a:solidFill>
-                <a:latin typeface="Lucida Console"/>
-                <a:ea typeface="+mn-lt"/>
-                <a:cs typeface="+mn-lt"/>
-              </a:rPr>
-              <a:t>OR</a:t>
-            </a:r>
-            <a:r>
-              <a:rPr lang="en-GB" sz="1600" strike="sngStrike" dirty="0">
-                <a:latin typeface="Lucida Console"/>
-                <a:ea typeface="+mn-lt"/>
-                <a:cs typeface="+mn-lt"/>
-              </a:rPr>
-              <a:t> "composite*" </a:t>
-            </a:r>
-            <a:r>
-              <a:rPr lang="en-GB" sz="1600" b="1" strike="sngStrike" dirty="0">
-                <a:solidFill>
-                  <a:srgbClr val="000080"/>
-                </a:solidFill>
-                <a:latin typeface="Lucida Console"/>
-                <a:ea typeface="+mn-lt"/>
-                <a:cs typeface="+mn-lt"/>
-              </a:rPr>
-              <a:t>OR</a:t>
-            </a:r>
-            <a:r>
-              <a:rPr lang="en-GB" sz="1600" strike="sngStrike" dirty="0">
-                <a:latin typeface="Lucida Console"/>
-                <a:ea typeface="+mn-lt"/>
-                <a:cs typeface="+mn-lt"/>
-              </a:rPr>
-              <a:t> "ceramic*" </a:t>
-            </a:r>
-            <a:r>
-              <a:rPr lang="en-GB" sz="1600" b="1" strike="sngStrike" dirty="0">
-                <a:solidFill>
-                  <a:srgbClr val="000080"/>
-                </a:solidFill>
-                <a:latin typeface="Lucida Console"/>
-                <a:ea typeface="+mn-lt"/>
-                <a:cs typeface="+mn-lt"/>
-              </a:rPr>
-              <a:t>OR</a:t>
-            </a:r>
-            <a:r>
-              <a:rPr lang="en-GB" sz="1600" strike="sngStrike" dirty="0">
-                <a:latin typeface="Lucida Console"/>
-                <a:ea typeface="+mn-lt"/>
-                <a:cs typeface="+mn-lt"/>
-              </a:rPr>
-              <a:t> "metal*" </a:t>
-            </a:r>
-            <a:r>
-              <a:rPr lang="en-GB" sz="1600" b="1" strike="sngStrike" dirty="0">
-                <a:solidFill>
-                  <a:srgbClr val="000080"/>
-                </a:solidFill>
-                <a:latin typeface="Lucida Console"/>
-                <a:ea typeface="+mn-lt"/>
-                <a:cs typeface="+mn-lt"/>
-              </a:rPr>
-              <a:t>OR</a:t>
-            </a:r>
-            <a:r>
-              <a:rPr lang="en-GB" sz="1600" strike="sngStrike" dirty="0">
-                <a:latin typeface="Lucida Console"/>
-                <a:ea typeface="+mn-lt"/>
-                <a:cs typeface="+mn-lt"/>
-              </a:rPr>
-              <a:t>  "alloy*" </a:t>
-            </a:r>
-            <a:r>
-              <a:rPr lang="en-GB" sz="1600" b="1" strike="sngStrike" dirty="0">
-                <a:solidFill>
-                  <a:srgbClr val="000080"/>
-                </a:solidFill>
-                <a:latin typeface="Lucida Console"/>
-                <a:ea typeface="+mn-lt"/>
-                <a:cs typeface="+mn-lt"/>
-              </a:rPr>
-              <a:t>OR</a:t>
-            </a:r>
-            <a:r>
-              <a:rPr lang="en-GB" sz="1600" strike="sngStrike" dirty="0">
-                <a:latin typeface="Lucida Console"/>
-                <a:ea typeface="+mn-lt"/>
-                <a:cs typeface="+mn-lt"/>
-              </a:rPr>
-              <a:t>   "cement*" </a:t>
-            </a:r>
-            <a:r>
-              <a:rPr lang="en-GB" sz="1600" b="1" strike="sngStrike" dirty="0">
-                <a:solidFill>
-                  <a:srgbClr val="000080"/>
-                </a:solidFill>
-                <a:latin typeface="Lucida Console"/>
-                <a:ea typeface="+mn-lt"/>
-                <a:cs typeface="+mn-lt"/>
-              </a:rPr>
-              <a:t>OR</a:t>
-            </a:r>
-            <a:r>
-              <a:rPr lang="en-GB" sz="1600" strike="sngStrike" dirty="0">
-                <a:latin typeface="Lucida Console"/>
-                <a:ea typeface="+mn-lt"/>
-                <a:cs typeface="+mn-lt"/>
-              </a:rPr>
-              <a:t> "concrete*“</a:t>
-            </a:r>
-            <a:r>
-              <a:rPr lang="en-GB" sz="1600" dirty="0">
-                <a:latin typeface="Lucida Console"/>
-                <a:ea typeface="+mn-lt"/>
-                <a:cs typeface="+mn-lt"/>
-              </a:rPr>
-              <a:t>) and so on</a:t>
-            </a:r>
-            <a:endParaRPr lang="en-GB" sz="1600" dirty="0">
-              <a:latin typeface="Aptos" panose="020B0004020202020204"/>
-              <a:ea typeface="+mn-lt"/>
-              <a:cs typeface="+mn-lt"/>
-            </a:endParaRPr>
-          </a:p>
-          <a:p>
-            <a:pPr marL="285750" indent="-285750">
-              <a:buChar char="•"/>
-            </a:pPr>
-            <a:r>
               <a:rPr lang="en-GB" dirty="0"/>
               <a:t>The most amount of research is done regarding self-healing polymer materials</a:t>
             </a:r>
+            <a:endParaRPr lang="de-DE"/>
           </a:p>
           <a:p>
             <a:pPr marL="285750" indent="-285750">
@@ -5360,142 +6896,6 @@
             <a:r>
               <a:rPr lang="en-GB" dirty="0"/>
               <a:t>Yearly Number of Publications is generally rising for all material types. </a:t>
-            </a:r>
-          </a:p>
-        </p:txBody>
-      </p:sp>
-      <p:sp>
-        <p:nvSpPr>
-          <p:cNvPr id="3" name="Textfeld 3">
-            <a:extLst>
-              <a:ext uri="{FF2B5EF4-FFF2-40B4-BE49-F238E27FC236}">
-                <a16:creationId xmlns:a16="http://schemas.microsoft.com/office/drawing/2014/main" id="{15D7607B-3C72-1CDA-7C45-2D9F0CBAC657}"/>
-              </a:ext>
-            </a:extLst>
-          </p:cNvPr>
-          <p:cNvSpPr txBox="1"/>
-          <p:nvPr/>
-        </p:nvSpPr>
-        <p:spPr>
-          <a:xfrm>
-            <a:off x="2649310" y="4932589"/>
-            <a:ext cx="2769053" cy="1754326"/>
-          </a:xfrm>
-          <a:prstGeom prst="rect">
-            <a:avLst/>
-          </a:prstGeom>
-          <a:noFill/>
-        </p:spPr>
-        <p:txBody>
-          <a:bodyPr rot="0" spcFirstLastPara="0" vert="horz" wrap="square" lIns="91440" tIns="45720" rIns="91440" bIns="45720" numCol="1" spcCol="0" rtlCol="0" fromWordArt="0" anchor="t" anchorCtr="0" forceAA="0" compatLnSpc="1">
-            <a:prstTxWarp prst="textNoShape">
-              <a:avLst/>
-            </a:prstTxWarp>
-            <a:spAutoFit/>
-          </a:bodyPr>
-          <a:lstStyle>
-            <a:defPPr>
-              <a:defRPr lang="en-GB"/>
-            </a:defPPr>
-            <a:lvl1pPr marL="0" algn="l" defTabSz="914400" rtl="0" eaLnBrk="1" latinLnBrk="0" hangingPunct="1">
-              <a:defRPr sz="1800" kern="1200">
-                <a:solidFill>
-                  <a:schemeClr val="tx1"/>
-                </a:solidFill>
-                <a:latin typeface="+mn-lt"/>
-                <a:ea typeface="+mn-ea"/>
-                <a:cs typeface="+mn-cs"/>
-              </a:defRPr>
-            </a:lvl1pPr>
-            <a:lvl2pPr marL="457200" algn="l" defTabSz="914400" rtl="0" eaLnBrk="1" latinLnBrk="0" hangingPunct="1">
-              <a:defRPr sz="1800" kern="1200">
-                <a:solidFill>
-                  <a:schemeClr val="tx1"/>
-                </a:solidFill>
-                <a:latin typeface="+mn-lt"/>
-                <a:ea typeface="+mn-ea"/>
-                <a:cs typeface="+mn-cs"/>
-              </a:defRPr>
-            </a:lvl2pPr>
-            <a:lvl3pPr marL="914400" algn="l" defTabSz="914400" rtl="0" eaLnBrk="1" latinLnBrk="0" hangingPunct="1">
-              <a:defRPr sz="1800" kern="1200">
-                <a:solidFill>
-                  <a:schemeClr val="tx1"/>
-                </a:solidFill>
-                <a:latin typeface="+mn-lt"/>
-                <a:ea typeface="+mn-ea"/>
-                <a:cs typeface="+mn-cs"/>
-              </a:defRPr>
-            </a:lvl3pPr>
-            <a:lvl4pPr marL="1371600" algn="l" defTabSz="914400" rtl="0" eaLnBrk="1" latinLnBrk="0" hangingPunct="1">
-              <a:defRPr sz="1800" kern="1200">
-                <a:solidFill>
-                  <a:schemeClr val="tx1"/>
-                </a:solidFill>
-                <a:latin typeface="+mn-lt"/>
-                <a:ea typeface="+mn-ea"/>
-                <a:cs typeface="+mn-cs"/>
-              </a:defRPr>
-            </a:lvl4pPr>
-            <a:lvl5pPr marL="1828800" algn="l" defTabSz="914400" rtl="0" eaLnBrk="1" latinLnBrk="0" hangingPunct="1">
-              <a:defRPr sz="1800" kern="1200">
-                <a:solidFill>
-                  <a:schemeClr val="tx1"/>
-                </a:solidFill>
-                <a:latin typeface="+mn-lt"/>
-                <a:ea typeface="+mn-ea"/>
-                <a:cs typeface="+mn-cs"/>
-              </a:defRPr>
-            </a:lvl5pPr>
-            <a:lvl6pPr marL="2286000" algn="l" defTabSz="914400" rtl="0" eaLnBrk="1" latinLnBrk="0" hangingPunct="1">
-              <a:defRPr sz="1800" kern="1200">
-                <a:solidFill>
-                  <a:schemeClr val="tx1"/>
-                </a:solidFill>
-                <a:latin typeface="+mn-lt"/>
-                <a:ea typeface="+mn-ea"/>
-                <a:cs typeface="+mn-cs"/>
-              </a:defRPr>
-            </a:lvl6pPr>
-            <a:lvl7pPr marL="2743200" algn="l" defTabSz="914400" rtl="0" eaLnBrk="1" latinLnBrk="0" hangingPunct="1">
-              <a:defRPr sz="1800" kern="1200">
-                <a:solidFill>
-                  <a:schemeClr val="tx1"/>
-                </a:solidFill>
-                <a:latin typeface="+mn-lt"/>
-                <a:ea typeface="+mn-ea"/>
-                <a:cs typeface="+mn-cs"/>
-              </a:defRPr>
-            </a:lvl7pPr>
-            <a:lvl8pPr marL="3200400" algn="l" defTabSz="914400" rtl="0" eaLnBrk="1" latinLnBrk="0" hangingPunct="1">
-              <a:defRPr sz="1800" kern="1200">
-                <a:solidFill>
-                  <a:schemeClr val="tx1"/>
-                </a:solidFill>
-                <a:latin typeface="+mn-lt"/>
-                <a:ea typeface="+mn-ea"/>
-                <a:cs typeface="+mn-cs"/>
-              </a:defRPr>
-            </a:lvl8pPr>
-            <a:lvl9pPr marL="3657600" algn="l" defTabSz="914400" rtl="0" eaLnBrk="1" latinLnBrk="0" hangingPunct="1">
-              <a:defRPr sz="1800" kern="1200">
-                <a:solidFill>
-                  <a:schemeClr val="tx1"/>
-                </a:solidFill>
-                <a:latin typeface="+mn-lt"/>
-                <a:ea typeface="+mn-ea"/>
-                <a:cs typeface="+mn-cs"/>
-              </a:defRPr>
-            </a:lvl9pPr>
-          </a:lstStyle>
-          <a:p>
-            <a:r>
-              <a:rPr lang="de-DE" dirty="0">
-                <a:solidFill>
-                  <a:srgbClr val="FF0000"/>
-                </a:solidFill>
-              </a:rPr>
-              <a:t>Kategorien summieren wegen Searchstring, bzw. Seachstring nach Kategorien aufteilen oder Filter nach Material erwähnen</a:t>
             </a:r>
           </a:p>
         </p:txBody>
@@ -5529,6 +6929,312 @@
           </a:xfrm>
         </p:spPr>
       </p:pic>
+      <p:sp>
+        <p:nvSpPr>
+          <p:cNvPr id="4" name="Textfeld 3">
+            <a:extLst>
+              <a:ext uri="{FF2B5EF4-FFF2-40B4-BE49-F238E27FC236}">
+                <a16:creationId xmlns:a16="http://schemas.microsoft.com/office/drawing/2014/main" id="{4752414B-8212-4E79-D435-D34BDE5DD8A7}"/>
+              </a:ext>
+            </a:extLst>
+          </p:cNvPr>
+          <p:cNvSpPr txBox="1"/>
+          <p:nvPr/>
+        </p:nvSpPr>
+        <p:spPr>
+          <a:xfrm>
+            <a:off x="799557" y="5340803"/>
+            <a:ext cx="10521473" cy="584775"/>
+          </a:xfrm>
+          <a:prstGeom prst="rect">
+            <a:avLst/>
+          </a:prstGeom>
+          <a:noFill/>
+        </p:spPr>
+        <p:txBody>
+          <a:bodyPr rot="0" spcFirstLastPara="0" vertOverflow="overflow" horzOverflow="overflow" vert="horz" wrap="square" lIns="91440" tIns="45720" rIns="91440" bIns="45720" numCol="1" spcCol="0" rtlCol="0" fromWordArt="0" anchor="t" anchorCtr="0" forceAA="0" compatLnSpc="1">
+            <a:prstTxWarp prst="textNoShape">
+              <a:avLst/>
+            </a:prstTxWarp>
+            <a:spAutoFit/>
+          </a:bodyPr>
+          <a:lstStyle/>
+          <a:p>
+            <a:pPr algn="l"/>
+            <a:r>
+              <a:rPr lang="en-GB" sz="1600" b="1" baseline="0" dirty="0">
+                <a:solidFill>
+                  <a:srgbClr val="000080"/>
+                </a:solidFill>
+                <a:latin typeface="Consolas"/>
+                <a:ea typeface="Arial"/>
+                <a:cs typeface="Arial"/>
+              </a:rPr>
+              <a:t>AND</a:t>
+            </a:r>
+            <a:r>
+              <a:rPr lang="en-GB" sz="1600" baseline="0" dirty="0">
+                <a:latin typeface="Consolas"/>
+                <a:ea typeface="Arial"/>
+                <a:cs typeface="Arial"/>
+              </a:rPr>
+              <a:t> TS=</a:t>
+            </a:r>
+            <a:r>
+              <a:rPr lang="en-GB" sz="1600" baseline="0" dirty="0">
+                <a:solidFill>
+                  <a:schemeClr val="bg1">
+                    <a:lumMod val="76000"/>
+                  </a:schemeClr>
+                </a:solidFill>
+                <a:latin typeface="Consolas"/>
+                <a:ea typeface="Arial"/>
+                <a:cs typeface="Arial"/>
+              </a:rPr>
+              <a:t>(</a:t>
+            </a:r>
+            <a:r>
+              <a:rPr lang="en-GB" sz="1600" strike="sngStrike" baseline="0" dirty="0">
+                <a:solidFill>
+                  <a:schemeClr val="bg1">
+                    <a:lumMod val="76000"/>
+                  </a:schemeClr>
+                </a:solidFill>
+                <a:latin typeface="Consolas"/>
+                <a:ea typeface="Arial"/>
+                <a:cs typeface="Arial"/>
+              </a:rPr>
+              <a:t>"material*" </a:t>
+            </a:r>
+            <a:r>
+              <a:rPr lang="en-GB" sz="1600" b="1" strike="sngStrike" baseline="0" dirty="0">
+                <a:solidFill>
+                  <a:schemeClr val="bg1">
+                    <a:lumMod val="76000"/>
+                  </a:schemeClr>
+                </a:solidFill>
+                <a:latin typeface="Consolas"/>
+                <a:ea typeface="Arial"/>
+                <a:cs typeface="Arial"/>
+              </a:rPr>
+              <a:t>OR</a:t>
+            </a:r>
+            <a:r>
+              <a:rPr lang="en-GB" sz="1600" baseline="0" dirty="0">
+                <a:solidFill>
+                  <a:schemeClr val="bg1">
+                    <a:lumMod val="76000"/>
+                  </a:schemeClr>
+                </a:solidFill>
+                <a:latin typeface="Consolas"/>
+                <a:ea typeface="Arial"/>
+                <a:cs typeface="Arial"/>
+              </a:rPr>
+              <a:t> </a:t>
+            </a:r>
+            <a:r>
+              <a:rPr lang="en-GB" sz="1600" baseline="0" dirty="0">
+                <a:solidFill>
+                  <a:srgbClr val="205C96"/>
+                </a:solidFill>
+                <a:latin typeface="Consolas"/>
+                <a:ea typeface="Arial"/>
+                <a:cs typeface="Arial"/>
+              </a:rPr>
+              <a:t>"polymer*"</a:t>
+            </a:r>
+            <a:r>
+              <a:rPr lang="en-GB" sz="1600" baseline="0" dirty="0">
+                <a:solidFill>
+                  <a:srgbClr val="FF0000"/>
+                </a:solidFill>
+                <a:latin typeface="Consolas"/>
+                <a:ea typeface="Arial"/>
+                <a:cs typeface="Arial"/>
+              </a:rPr>
+              <a:t> </a:t>
+            </a:r>
+            <a:r>
+              <a:rPr lang="en-GB" sz="1600" b="1" strike="sngStrike" baseline="0" dirty="0">
+                <a:solidFill>
+                  <a:schemeClr val="bg1">
+                    <a:lumMod val="76000"/>
+                  </a:schemeClr>
+                </a:solidFill>
+                <a:latin typeface="Consolas"/>
+                <a:ea typeface="Arial"/>
+                <a:cs typeface="Arial"/>
+              </a:rPr>
+              <a:t>OR</a:t>
+            </a:r>
+            <a:r>
+              <a:rPr lang="en-GB" sz="1600" strike="sngStrike" baseline="0" dirty="0">
+                <a:solidFill>
+                  <a:schemeClr val="bg1">
+                    <a:lumMod val="76000"/>
+                  </a:schemeClr>
+                </a:solidFill>
+                <a:latin typeface="Consolas"/>
+                <a:ea typeface="Arial"/>
+                <a:cs typeface="Arial"/>
+              </a:rPr>
+              <a:t> "composite*" </a:t>
+            </a:r>
+            <a:r>
+              <a:rPr lang="en-GB" sz="1600" b="1" strike="sngStrike" baseline="0" dirty="0">
+                <a:solidFill>
+                  <a:schemeClr val="bg1">
+                    <a:lumMod val="76000"/>
+                  </a:schemeClr>
+                </a:solidFill>
+                <a:latin typeface="Consolas"/>
+                <a:ea typeface="Arial"/>
+                <a:cs typeface="Arial"/>
+              </a:rPr>
+              <a:t>OR</a:t>
+            </a:r>
+            <a:r>
+              <a:rPr lang="en-GB" sz="1600" strike="sngStrike" baseline="0" dirty="0">
+                <a:solidFill>
+                  <a:schemeClr val="bg1">
+                    <a:lumMod val="76000"/>
+                  </a:schemeClr>
+                </a:solidFill>
+                <a:latin typeface="Consolas"/>
+                <a:ea typeface="Arial"/>
+                <a:cs typeface="Arial"/>
+              </a:rPr>
+              <a:t> "ceramic*" </a:t>
+            </a:r>
+            <a:r>
+              <a:rPr lang="en-GB" sz="1600" b="1" strike="sngStrike" baseline="0" dirty="0">
+                <a:solidFill>
+                  <a:schemeClr val="bg1">
+                    <a:lumMod val="76000"/>
+                  </a:schemeClr>
+                </a:solidFill>
+                <a:latin typeface="Consolas"/>
+                <a:ea typeface="Arial"/>
+                <a:cs typeface="Arial"/>
+              </a:rPr>
+              <a:t>OR</a:t>
+            </a:r>
+            <a:r>
+              <a:rPr lang="en-GB" sz="1600" strike="sngStrike" baseline="0" dirty="0">
+                <a:solidFill>
+                  <a:schemeClr val="bg1">
+                    <a:lumMod val="76000"/>
+                  </a:schemeClr>
+                </a:solidFill>
+                <a:latin typeface="Consolas"/>
+                <a:ea typeface="Arial"/>
+                <a:cs typeface="Arial"/>
+              </a:rPr>
+              <a:t> "metal*" </a:t>
+            </a:r>
+            <a:r>
+              <a:rPr lang="en-GB" sz="1600" b="1" strike="sngStrike" baseline="0" dirty="0">
+                <a:solidFill>
+                  <a:schemeClr val="bg1">
+                    <a:lumMod val="76000"/>
+                  </a:schemeClr>
+                </a:solidFill>
+                <a:latin typeface="Consolas"/>
+                <a:ea typeface="Arial"/>
+                <a:cs typeface="Arial"/>
+              </a:rPr>
+              <a:t>OR</a:t>
+            </a:r>
+            <a:r>
+              <a:rPr lang="en-GB" sz="1600" strike="sngStrike" baseline="0" dirty="0">
+                <a:solidFill>
+                  <a:schemeClr val="bg1">
+                    <a:lumMod val="76000"/>
+                  </a:schemeClr>
+                </a:solidFill>
+                <a:latin typeface="Consolas"/>
+                <a:ea typeface="Arial"/>
+                <a:cs typeface="Arial"/>
+              </a:rPr>
+              <a:t>  "alloy*" </a:t>
+            </a:r>
+            <a:r>
+              <a:rPr lang="en-GB" sz="1600" b="1" strike="sngStrike" baseline="0" dirty="0">
+                <a:solidFill>
+                  <a:schemeClr val="bg1">
+                    <a:lumMod val="76000"/>
+                  </a:schemeClr>
+                </a:solidFill>
+                <a:latin typeface="Consolas"/>
+                <a:ea typeface="Arial"/>
+                <a:cs typeface="Arial"/>
+              </a:rPr>
+              <a:t>OR</a:t>
+            </a:r>
+            <a:r>
+              <a:rPr lang="en-GB" sz="1600" strike="sngStrike" baseline="0" dirty="0">
+                <a:solidFill>
+                  <a:schemeClr val="bg1">
+                    <a:lumMod val="76000"/>
+                  </a:schemeClr>
+                </a:solidFill>
+                <a:latin typeface="Consolas"/>
+                <a:ea typeface="Arial"/>
+                <a:cs typeface="Arial"/>
+              </a:rPr>
+              <a:t> "cement*" </a:t>
+            </a:r>
+            <a:r>
+              <a:rPr lang="en-GB" sz="1600" b="1" strike="sngStrike" baseline="0" dirty="0">
+                <a:solidFill>
+                  <a:schemeClr val="bg1">
+                    <a:lumMod val="76000"/>
+                  </a:schemeClr>
+                </a:solidFill>
+                <a:latin typeface="Consolas"/>
+                <a:ea typeface="Arial"/>
+                <a:cs typeface="Arial"/>
+              </a:rPr>
+              <a:t>OR</a:t>
+            </a:r>
+            <a:r>
+              <a:rPr lang="en-GB" sz="1600" strike="sngStrike" baseline="0" dirty="0">
+                <a:solidFill>
+                  <a:schemeClr val="bg1">
+                    <a:lumMod val="76000"/>
+                  </a:schemeClr>
+                </a:solidFill>
+                <a:latin typeface="Consolas"/>
+                <a:ea typeface="Arial"/>
+                <a:cs typeface="Arial"/>
+              </a:rPr>
+              <a:t> "concrete*“</a:t>
+            </a:r>
+            <a:r>
+              <a:rPr lang="en-GB" sz="1600" baseline="0" dirty="0">
+                <a:solidFill>
+                  <a:schemeClr val="bg1">
+                    <a:lumMod val="76000"/>
+                  </a:schemeClr>
+                </a:solidFill>
+                <a:latin typeface="Consolas"/>
+                <a:ea typeface="Arial"/>
+                <a:cs typeface="Arial"/>
+              </a:rPr>
+              <a:t>)</a:t>
+            </a:r>
+            <a:endParaRPr lang="en-GB" sz="1600" dirty="0">
+              <a:solidFill>
+                <a:schemeClr val="bg1">
+                  <a:lumMod val="76000"/>
+                </a:schemeClr>
+              </a:solidFill>
+              <a:latin typeface="Consolas"/>
+              <a:cs typeface="Arial"/>
+            </a:endParaRPr>
+          </a:p>
+        </p:txBody>
+      </p:sp>
     </p:spTree>
     <p:extLst>
       <p:ext uri="{BB962C8B-B14F-4D97-AF65-F5344CB8AC3E}">
@@ -5578,6 +7284,1297 @@
         <p:spPr>
           <a:xfrm>
             <a:off x="839788" y="457200"/>
+            <a:ext cx="10517651" cy="1309030"/>
+          </a:xfrm>
+        </p:spPr>
+        <p:txBody>
+          <a:bodyPr vert="horz" lIns="91440" tIns="45720" rIns="91440" bIns="45720" rtlCol="0" anchor="t">
+            <a:normAutofit/>
+          </a:bodyPr>
+          <a:lstStyle/>
+          <a:p>
+            <a:r>
+              <a:rPr lang="en-GB" dirty="0"/>
+              <a:t>Number of annual publications for different material types</a:t>
+            </a:r>
+          </a:p>
+        </p:txBody>
+      </p:sp>
+      <p:sp>
+        <p:nvSpPr>
+          <p:cNvPr id="8" name="Text Placeholder 7">
+            <a:extLst>
+              <a:ext uri="{FF2B5EF4-FFF2-40B4-BE49-F238E27FC236}">
+                <a16:creationId xmlns:a16="http://schemas.microsoft.com/office/drawing/2014/main" id="{A6E5084A-F6BC-6D7F-4C69-E9374639CCDA}"/>
+              </a:ext>
+            </a:extLst>
+          </p:cNvPr>
+          <p:cNvSpPr>
+            <a:spLocks noGrp="1"/>
+          </p:cNvSpPr>
+          <p:nvPr>
+            <p:ph type="body" sz="half" idx="2"/>
+          </p:nvPr>
+        </p:nvSpPr>
+        <p:spPr>
+          <a:xfrm>
+            <a:off x="839788" y="1574180"/>
+            <a:ext cx="3932237" cy="3706271"/>
+          </a:xfrm>
+        </p:spPr>
+        <p:txBody>
+          <a:bodyPr vert="horz" lIns="91440" tIns="45720" rIns="91440" bIns="45720" rtlCol="0" anchor="ctr">
+            <a:normAutofit/>
+          </a:bodyPr>
+          <a:lstStyle/>
+          <a:p>
+            <a:pPr marL="285750" indent="-285750">
+              <a:buFont typeface="Arial" panose="020B0604020202020204" pitchFamily="34" charset="0"/>
+              <a:buChar char="•"/>
+            </a:pPr>
+            <a:r>
+              <a:rPr lang="en-GB" dirty="0"/>
+              <a:t>The most amount of research is done regarding self-healing polymer materials</a:t>
+            </a:r>
+            <a:endParaRPr lang="de-DE"/>
+          </a:p>
+          <a:p>
+            <a:pPr marL="285750" indent="-285750">
+              <a:buFont typeface="Arial" panose="020B0604020202020204" pitchFamily="34" charset="0"/>
+              <a:buChar char="•"/>
+            </a:pPr>
+            <a:r>
+              <a:rPr lang="en-GB" dirty="0"/>
+              <a:t>Yearly Number of Publications is generally rising for all material types. </a:t>
+            </a:r>
+          </a:p>
+        </p:txBody>
+      </p:sp>
+      <p:pic>
+        <p:nvPicPr>
+          <p:cNvPr id="6" name="Inhaltsplatzhalter 5" descr="Ein Bild, das Text, Reihe, Diagramm, Screenshot enthält.&#10;&#10;Beschreibung automatisch generiert.">
+            <a:extLst>
+              <a:ext uri="{FF2B5EF4-FFF2-40B4-BE49-F238E27FC236}">
+                <a16:creationId xmlns:a16="http://schemas.microsoft.com/office/drawing/2014/main" id="{ED0031ED-5354-027E-95B4-BE0D40A43108}"/>
+              </a:ext>
+            </a:extLst>
+          </p:cNvPr>
+          <p:cNvPicPr>
+            <a:picLocks noGrp="1" noChangeAspect="1"/>
+          </p:cNvPicPr>
+          <p:nvPr>
+            <p:ph idx="1"/>
+          </p:nvPr>
+        </p:nvPicPr>
+        <p:blipFill>
+          <a:blip r:embed="rId2"/>
+          <a:stretch>
+            <a:fillRect/>
+          </a:stretch>
+        </p:blipFill>
+        <p:spPr>
+          <a:xfrm>
+            <a:off x="5221288" y="1595437"/>
+            <a:ext cx="6096000" cy="3657600"/>
+          </a:xfrm>
+        </p:spPr>
+      </p:pic>
+      <p:sp>
+        <p:nvSpPr>
+          <p:cNvPr id="4" name="Textfeld 3">
+            <a:extLst>
+              <a:ext uri="{FF2B5EF4-FFF2-40B4-BE49-F238E27FC236}">
+                <a16:creationId xmlns:a16="http://schemas.microsoft.com/office/drawing/2014/main" id="{4752414B-8212-4E79-D435-D34BDE5DD8A7}"/>
+              </a:ext>
+            </a:extLst>
+          </p:cNvPr>
+          <p:cNvSpPr txBox="1"/>
+          <p:nvPr/>
+        </p:nvSpPr>
+        <p:spPr>
+          <a:xfrm>
+            <a:off x="799557" y="5340803"/>
+            <a:ext cx="10521473" cy="584775"/>
+          </a:xfrm>
+          <a:prstGeom prst="rect">
+            <a:avLst/>
+          </a:prstGeom>
+          <a:noFill/>
+        </p:spPr>
+        <p:txBody>
+          <a:bodyPr rot="0" spcFirstLastPara="0" vertOverflow="overflow" horzOverflow="overflow" vert="horz" wrap="square" lIns="91440" tIns="45720" rIns="91440" bIns="45720" numCol="1" spcCol="0" rtlCol="0" fromWordArt="0" anchor="t" anchorCtr="0" forceAA="0" compatLnSpc="1">
+            <a:prstTxWarp prst="textNoShape">
+              <a:avLst/>
+            </a:prstTxWarp>
+            <a:spAutoFit/>
+          </a:bodyPr>
+          <a:lstStyle/>
+          <a:p>
+            <a:pPr algn="l"/>
+            <a:r>
+              <a:rPr lang="en-GB" sz="1600" b="1" baseline="0" dirty="0">
+                <a:solidFill>
+                  <a:srgbClr val="000080"/>
+                </a:solidFill>
+                <a:latin typeface="Consolas"/>
+                <a:ea typeface="Arial"/>
+                <a:cs typeface="Arial"/>
+              </a:rPr>
+              <a:t>AND</a:t>
+            </a:r>
+            <a:r>
+              <a:rPr lang="en-GB" sz="1600" baseline="0" dirty="0">
+                <a:latin typeface="Consolas"/>
+                <a:ea typeface="Arial"/>
+                <a:cs typeface="Arial"/>
+              </a:rPr>
+              <a:t> TS=</a:t>
+            </a:r>
+            <a:r>
+              <a:rPr lang="en-GB" sz="1600" baseline="0" dirty="0">
+                <a:solidFill>
+                  <a:schemeClr val="bg1">
+                    <a:lumMod val="76000"/>
+                  </a:schemeClr>
+                </a:solidFill>
+                <a:latin typeface="Consolas"/>
+                <a:ea typeface="Arial"/>
+                <a:cs typeface="Arial"/>
+              </a:rPr>
+              <a:t>(</a:t>
+            </a:r>
+            <a:r>
+              <a:rPr lang="en-GB" sz="1600" strike="sngStrike" baseline="0" dirty="0">
+                <a:solidFill>
+                  <a:schemeClr val="bg1">
+                    <a:lumMod val="76000"/>
+                  </a:schemeClr>
+                </a:solidFill>
+                <a:latin typeface="Consolas"/>
+                <a:ea typeface="Arial"/>
+                <a:cs typeface="Arial"/>
+              </a:rPr>
+              <a:t>"material*" </a:t>
+            </a:r>
+            <a:r>
+              <a:rPr lang="en-GB" sz="1600" b="1" strike="sngStrike" baseline="0" dirty="0">
+                <a:solidFill>
+                  <a:schemeClr val="bg1">
+                    <a:lumMod val="76000"/>
+                  </a:schemeClr>
+                </a:solidFill>
+                <a:latin typeface="Consolas"/>
+                <a:ea typeface="Arial"/>
+                <a:cs typeface="Arial"/>
+              </a:rPr>
+              <a:t>OR</a:t>
+            </a:r>
+            <a:r>
+              <a:rPr lang="en-GB" sz="1600" strike="sngStrike" baseline="0" dirty="0">
+                <a:solidFill>
+                  <a:schemeClr val="bg1">
+                    <a:lumMod val="76000"/>
+                  </a:schemeClr>
+                </a:solidFill>
+                <a:latin typeface="Consolas"/>
+                <a:ea typeface="Arial"/>
+                <a:cs typeface="Arial"/>
+              </a:rPr>
+              <a:t> "polymer*" </a:t>
+            </a:r>
+            <a:r>
+              <a:rPr lang="en-GB" sz="1600" b="1" strike="sngStrike" baseline="0" dirty="0">
+                <a:solidFill>
+                  <a:schemeClr val="bg1">
+                    <a:lumMod val="76000"/>
+                  </a:schemeClr>
+                </a:solidFill>
+                <a:latin typeface="Consolas"/>
+                <a:ea typeface="Arial"/>
+                <a:cs typeface="Arial"/>
+              </a:rPr>
+              <a:t>OR</a:t>
+            </a:r>
+            <a:r>
+              <a:rPr lang="en-GB" sz="1600" strike="sngStrike" baseline="0" dirty="0">
+                <a:solidFill>
+                  <a:schemeClr val="bg1">
+                    <a:lumMod val="76000"/>
+                  </a:schemeClr>
+                </a:solidFill>
+                <a:latin typeface="Consolas"/>
+                <a:ea typeface="Arial"/>
+                <a:cs typeface="Arial"/>
+              </a:rPr>
+              <a:t> "composite*" </a:t>
+            </a:r>
+            <a:r>
+              <a:rPr lang="en-GB" sz="1600" b="1" strike="sngStrike" baseline="0" dirty="0">
+                <a:solidFill>
+                  <a:schemeClr val="bg1">
+                    <a:lumMod val="76000"/>
+                  </a:schemeClr>
+                </a:solidFill>
+                <a:latin typeface="Consolas"/>
+                <a:ea typeface="Arial"/>
+                <a:cs typeface="Arial"/>
+              </a:rPr>
+              <a:t>OR</a:t>
+            </a:r>
+            <a:r>
+              <a:rPr lang="en-GB" sz="1600" strike="sngStrike" baseline="0" dirty="0">
+                <a:solidFill>
+                  <a:schemeClr val="bg1">
+                    <a:lumMod val="76000"/>
+                  </a:schemeClr>
+                </a:solidFill>
+                <a:latin typeface="Consolas"/>
+                <a:ea typeface="Arial"/>
+                <a:cs typeface="Arial"/>
+              </a:rPr>
+              <a:t> "ceramic*" </a:t>
+            </a:r>
+            <a:r>
+              <a:rPr lang="en-GB" sz="1600" b="1" strike="sngStrike" baseline="0" dirty="0">
+                <a:solidFill>
+                  <a:schemeClr val="bg1">
+                    <a:lumMod val="76000"/>
+                  </a:schemeClr>
+                </a:solidFill>
+                <a:latin typeface="Consolas"/>
+                <a:ea typeface="Arial"/>
+                <a:cs typeface="Arial"/>
+              </a:rPr>
+              <a:t>OR</a:t>
+            </a:r>
+            <a:r>
+              <a:rPr lang="en-GB" sz="1600" baseline="0" dirty="0">
+                <a:solidFill>
+                  <a:srgbClr val="FFC000"/>
+                </a:solidFill>
+                <a:latin typeface="Consolas"/>
+                <a:ea typeface="Arial"/>
+                <a:cs typeface="Arial"/>
+              </a:rPr>
+              <a:t> "metal*" </a:t>
+            </a:r>
+            <a:r>
+              <a:rPr lang="en-GB" sz="1600" b="1" strike="sngStrike" baseline="0" dirty="0">
+                <a:solidFill>
+                  <a:schemeClr val="bg1">
+                    <a:lumMod val="76000"/>
+                  </a:schemeClr>
+                </a:solidFill>
+                <a:latin typeface="Consolas"/>
+                <a:ea typeface="Arial"/>
+                <a:cs typeface="Arial"/>
+              </a:rPr>
+              <a:t>OR</a:t>
+            </a:r>
+            <a:r>
+              <a:rPr lang="en-GB" sz="1600" strike="sngStrike" baseline="0" dirty="0">
+                <a:solidFill>
+                  <a:schemeClr val="bg1">
+                    <a:lumMod val="76000"/>
+                  </a:schemeClr>
+                </a:solidFill>
+                <a:latin typeface="Consolas"/>
+                <a:ea typeface="Arial"/>
+                <a:cs typeface="Arial"/>
+              </a:rPr>
+              <a:t>  "alloy*" </a:t>
+            </a:r>
+            <a:r>
+              <a:rPr lang="en-GB" sz="1600" b="1" strike="sngStrike" baseline="0" dirty="0">
+                <a:solidFill>
+                  <a:schemeClr val="bg1">
+                    <a:lumMod val="76000"/>
+                  </a:schemeClr>
+                </a:solidFill>
+                <a:latin typeface="Consolas"/>
+                <a:ea typeface="Arial"/>
+                <a:cs typeface="Arial"/>
+              </a:rPr>
+              <a:t>OR</a:t>
+            </a:r>
+            <a:r>
+              <a:rPr lang="en-GB" sz="1600" strike="sngStrike" baseline="0" dirty="0">
+                <a:solidFill>
+                  <a:schemeClr val="bg1">
+                    <a:lumMod val="76000"/>
+                  </a:schemeClr>
+                </a:solidFill>
+                <a:latin typeface="Consolas"/>
+                <a:ea typeface="Arial"/>
+                <a:cs typeface="Arial"/>
+              </a:rPr>
+              <a:t> "cement*" </a:t>
+            </a:r>
+            <a:r>
+              <a:rPr lang="en-GB" sz="1600" b="1" strike="sngStrike" baseline="0" dirty="0">
+                <a:solidFill>
+                  <a:schemeClr val="bg1">
+                    <a:lumMod val="76000"/>
+                  </a:schemeClr>
+                </a:solidFill>
+                <a:latin typeface="Consolas"/>
+                <a:ea typeface="Arial"/>
+                <a:cs typeface="Arial"/>
+              </a:rPr>
+              <a:t>OR</a:t>
+            </a:r>
+            <a:r>
+              <a:rPr lang="en-GB" sz="1600" strike="sngStrike" baseline="0" dirty="0">
+                <a:solidFill>
+                  <a:schemeClr val="bg1">
+                    <a:lumMod val="76000"/>
+                  </a:schemeClr>
+                </a:solidFill>
+                <a:latin typeface="Consolas"/>
+                <a:ea typeface="Arial"/>
+                <a:cs typeface="Arial"/>
+              </a:rPr>
+              <a:t> "concrete*“</a:t>
+            </a:r>
+            <a:r>
+              <a:rPr lang="en-GB" sz="1600" baseline="0" dirty="0">
+                <a:solidFill>
+                  <a:schemeClr val="bg1">
+                    <a:lumMod val="76000"/>
+                  </a:schemeClr>
+                </a:solidFill>
+                <a:latin typeface="Consolas"/>
+                <a:ea typeface="Arial"/>
+                <a:cs typeface="Arial"/>
+              </a:rPr>
+              <a:t>)</a:t>
+            </a:r>
+            <a:endParaRPr lang="en-GB" sz="1600" dirty="0">
+              <a:solidFill>
+                <a:schemeClr val="bg1">
+                  <a:lumMod val="76000"/>
+                </a:schemeClr>
+              </a:solidFill>
+              <a:latin typeface="Consolas"/>
+              <a:cs typeface="Arial"/>
+            </a:endParaRPr>
+          </a:p>
+        </p:txBody>
+      </p:sp>
+    </p:spTree>
+    <p:extLst>
+      <p:ext uri="{BB962C8B-B14F-4D97-AF65-F5344CB8AC3E}">
+        <p14:creationId xmlns:p14="http://schemas.microsoft.com/office/powerpoint/2010/main" val="1829557225"/>
+      </p:ext>
+    </p:extLst>
+  </p:cSld>
+  <p:clrMapOvr>
+    <a:masterClrMapping/>
+  </p:clrMapOvr>
+</p:sld>
+</file>
+
+<file path=ppt/slides/slide6.xml><?xml version="1.0" encoding="utf-8"?>
+<p:sld xmlns:a="http://schemas.openxmlformats.org/drawingml/2006/main" xmlns:r="http://schemas.openxmlformats.org/officeDocument/2006/relationships" xmlns:p="http://schemas.openxmlformats.org/presentationml/2006/main">
+  <p:cSld>
+    <p:spTree>
+      <p:nvGrpSpPr>
+        <p:cNvPr id="1" name=""/>
+        <p:cNvGrpSpPr/>
+        <p:nvPr/>
+      </p:nvGrpSpPr>
+      <p:grpSpPr>
+        <a:xfrm>
+          <a:off x="0" y="0"/>
+          <a:ext cx="0" cy="0"/>
+          <a:chOff x="0" y="0"/>
+          <a:chExt cx="0" cy="0"/>
+        </a:xfrm>
+      </p:grpSpPr>
+      <p:sp>
+        <p:nvSpPr>
+          <p:cNvPr id="2" name="Title 1">
+            <a:extLst>
+              <a:ext uri="{FF2B5EF4-FFF2-40B4-BE49-F238E27FC236}">
+                <a16:creationId xmlns:a16="http://schemas.microsoft.com/office/drawing/2014/main" id="{8A738D5E-E749-E8E0-A0EE-47ED215D46EF}"/>
+              </a:ext>
+            </a:extLst>
+          </p:cNvPr>
+          <p:cNvSpPr>
+            <a:spLocks noGrp="1"/>
+          </p:cNvSpPr>
+          <p:nvPr>
+            <p:ph type="title"/>
+          </p:nvPr>
+        </p:nvSpPr>
+        <p:spPr>
+          <a:xfrm>
+            <a:off x="839788" y="457200"/>
+            <a:ext cx="10517651" cy="1309030"/>
+          </a:xfrm>
+        </p:spPr>
+        <p:txBody>
+          <a:bodyPr vert="horz" lIns="91440" tIns="45720" rIns="91440" bIns="45720" rtlCol="0" anchor="t">
+            <a:normAutofit/>
+          </a:bodyPr>
+          <a:lstStyle/>
+          <a:p>
+            <a:r>
+              <a:rPr lang="en-GB" dirty="0"/>
+              <a:t>Number of annual publications for different material types</a:t>
+            </a:r>
+          </a:p>
+        </p:txBody>
+      </p:sp>
+      <p:sp>
+        <p:nvSpPr>
+          <p:cNvPr id="8" name="Text Placeholder 7">
+            <a:extLst>
+              <a:ext uri="{FF2B5EF4-FFF2-40B4-BE49-F238E27FC236}">
+                <a16:creationId xmlns:a16="http://schemas.microsoft.com/office/drawing/2014/main" id="{A6E5084A-F6BC-6D7F-4C69-E9374639CCDA}"/>
+              </a:ext>
+            </a:extLst>
+          </p:cNvPr>
+          <p:cNvSpPr>
+            <a:spLocks noGrp="1"/>
+          </p:cNvSpPr>
+          <p:nvPr>
+            <p:ph type="body" sz="half" idx="2"/>
+          </p:nvPr>
+        </p:nvSpPr>
+        <p:spPr>
+          <a:xfrm>
+            <a:off x="839788" y="1574180"/>
+            <a:ext cx="3932237" cy="3706271"/>
+          </a:xfrm>
+        </p:spPr>
+        <p:txBody>
+          <a:bodyPr vert="horz" lIns="91440" tIns="45720" rIns="91440" bIns="45720" rtlCol="0" anchor="ctr">
+            <a:normAutofit/>
+          </a:bodyPr>
+          <a:lstStyle/>
+          <a:p>
+            <a:pPr marL="285750" indent="-285750">
+              <a:buFont typeface="Arial" panose="020B0604020202020204" pitchFamily="34" charset="0"/>
+              <a:buChar char="•"/>
+            </a:pPr>
+            <a:r>
+              <a:rPr lang="en-GB" dirty="0"/>
+              <a:t>The most amount of research is done regarding self-healing polymer materials</a:t>
+            </a:r>
+            <a:endParaRPr lang="de-DE"/>
+          </a:p>
+          <a:p>
+            <a:pPr marL="285750" indent="-285750">
+              <a:buFont typeface="Arial" panose="020B0604020202020204" pitchFamily="34" charset="0"/>
+              <a:buChar char="•"/>
+            </a:pPr>
+            <a:r>
+              <a:rPr lang="en-GB" dirty="0"/>
+              <a:t>Yearly Number of Publications is generally rising for all material types. </a:t>
+            </a:r>
+          </a:p>
+        </p:txBody>
+      </p:sp>
+      <p:pic>
+        <p:nvPicPr>
+          <p:cNvPr id="6" name="Inhaltsplatzhalter 5" descr="Ein Bild, das Text, Reihe, Diagramm, Screenshot enthält.&#10;&#10;Beschreibung automatisch generiert.">
+            <a:extLst>
+              <a:ext uri="{FF2B5EF4-FFF2-40B4-BE49-F238E27FC236}">
+                <a16:creationId xmlns:a16="http://schemas.microsoft.com/office/drawing/2014/main" id="{ED0031ED-5354-027E-95B4-BE0D40A43108}"/>
+              </a:ext>
+            </a:extLst>
+          </p:cNvPr>
+          <p:cNvPicPr>
+            <a:picLocks noGrp="1" noChangeAspect="1"/>
+          </p:cNvPicPr>
+          <p:nvPr>
+            <p:ph idx="1"/>
+          </p:nvPr>
+        </p:nvPicPr>
+        <p:blipFill>
+          <a:blip r:embed="rId2"/>
+          <a:stretch>
+            <a:fillRect/>
+          </a:stretch>
+        </p:blipFill>
+        <p:spPr>
+          <a:xfrm>
+            <a:off x="5221288" y="1595437"/>
+            <a:ext cx="6096000" cy="3657600"/>
+          </a:xfrm>
+        </p:spPr>
+      </p:pic>
+      <p:sp>
+        <p:nvSpPr>
+          <p:cNvPr id="4" name="Textfeld 3">
+            <a:extLst>
+              <a:ext uri="{FF2B5EF4-FFF2-40B4-BE49-F238E27FC236}">
+                <a16:creationId xmlns:a16="http://schemas.microsoft.com/office/drawing/2014/main" id="{4752414B-8212-4E79-D435-D34BDE5DD8A7}"/>
+              </a:ext>
+            </a:extLst>
+          </p:cNvPr>
+          <p:cNvSpPr txBox="1"/>
+          <p:nvPr/>
+        </p:nvSpPr>
+        <p:spPr>
+          <a:xfrm>
+            <a:off x="799557" y="5340803"/>
+            <a:ext cx="10521473" cy="584775"/>
+          </a:xfrm>
+          <a:prstGeom prst="rect">
+            <a:avLst/>
+          </a:prstGeom>
+          <a:noFill/>
+        </p:spPr>
+        <p:txBody>
+          <a:bodyPr rot="0" spcFirstLastPara="0" vertOverflow="overflow" horzOverflow="overflow" vert="horz" wrap="square" lIns="91440" tIns="45720" rIns="91440" bIns="45720" numCol="1" spcCol="0" rtlCol="0" fromWordArt="0" anchor="t" anchorCtr="0" forceAA="0" compatLnSpc="1">
+            <a:prstTxWarp prst="textNoShape">
+              <a:avLst/>
+            </a:prstTxWarp>
+            <a:spAutoFit/>
+          </a:bodyPr>
+          <a:lstStyle/>
+          <a:p>
+            <a:pPr algn="l"/>
+            <a:r>
+              <a:rPr lang="en-GB" sz="1600" b="1" baseline="0" dirty="0">
+                <a:solidFill>
+                  <a:srgbClr val="000080"/>
+                </a:solidFill>
+                <a:latin typeface="Consolas"/>
+                <a:ea typeface="Arial"/>
+                <a:cs typeface="Arial"/>
+              </a:rPr>
+              <a:t>AND</a:t>
+            </a:r>
+            <a:r>
+              <a:rPr lang="en-GB" sz="1600" baseline="0" dirty="0">
+                <a:latin typeface="Consolas"/>
+                <a:ea typeface="Arial"/>
+                <a:cs typeface="Arial"/>
+              </a:rPr>
+              <a:t> TS=</a:t>
+            </a:r>
+            <a:r>
+              <a:rPr lang="en-GB" sz="1600" baseline="0" dirty="0">
+                <a:solidFill>
+                  <a:schemeClr val="bg1">
+                    <a:lumMod val="76000"/>
+                  </a:schemeClr>
+                </a:solidFill>
+                <a:latin typeface="Consolas"/>
+                <a:ea typeface="Arial"/>
+                <a:cs typeface="Arial"/>
+              </a:rPr>
+              <a:t>(</a:t>
+            </a:r>
+            <a:r>
+              <a:rPr lang="en-GB" sz="1600" strike="sngStrike" baseline="0" dirty="0">
+                <a:solidFill>
+                  <a:schemeClr val="bg1">
+                    <a:lumMod val="76000"/>
+                  </a:schemeClr>
+                </a:solidFill>
+                <a:latin typeface="Consolas"/>
+                <a:ea typeface="Arial"/>
+                <a:cs typeface="Arial"/>
+              </a:rPr>
+              <a:t>"material*" </a:t>
+            </a:r>
+            <a:r>
+              <a:rPr lang="en-GB" sz="1600" b="1" strike="sngStrike" baseline="0" dirty="0">
+                <a:solidFill>
+                  <a:schemeClr val="bg1">
+                    <a:lumMod val="76000"/>
+                  </a:schemeClr>
+                </a:solidFill>
+                <a:latin typeface="Consolas"/>
+                <a:ea typeface="Arial"/>
+                <a:cs typeface="Arial"/>
+              </a:rPr>
+              <a:t>OR</a:t>
+            </a:r>
+            <a:r>
+              <a:rPr lang="en-GB" sz="1600" strike="sngStrike" baseline="0" dirty="0">
+                <a:solidFill>
+                  <a:schemeClr val="bg1">
+                    <a:lumMod val="76000"/>
+                  </a:schemeClr>
+                </a:solidFill>
+                <a:latin typeface="Consolas"/>
+                <a:ea typeface="Arial"/>
+                <a:cs typeface="Arial"/>
+              </a:rPr>
+              <a:t> "polymer*" </a:t>
+            </a:r>
+            <a:r>
+              <a:rPr lang="en-GB" sz="1600" b="1" strike="sngStrike" baseline="0" dirty="0">
+                <a:solidFill>
+                  <a:schemeClr val="bg1">
+                    <a:lumMod val="76000"/>
+                  </a:schemeClr>
+                </a:solidFill>
+                <a:latin typeface="Consolas"/>
+                <a:ea typeface="Arial"/>
+                <a:cs typeface="Arial"/>
+              </a:rPr>
+              <a:t>OR</a:t>
+            </a:r>
+            <a:r>
+              <a:rPr lang="en-GB" sz="1600" strike="sngStrike" baseline="0" dirty="0">
+                <a:solidFill>
+                  <a:schemeClr val="bg1">
+                    <a:lumMod val="76000"/>
+                  </a:schemeClr>
+                </a:solidFill>
+                <a:latin typeface="Consolas"/>
+                <a:ea typeface="Arial"/>
+                <a:cs typeface="Arial"/>
+              </a:rPr>
+              <a:t> "composite*" </a:t>
+            </a:r>
+            <a:r>
+              <a:rPr lang="en-GB" sz="1600" b="1" strike="sngStrike" baseline="0" dirty="0">
+                <a:solidFill>
+                  <a:schemeClr val="bg1">
+                    <a:lumMod val="76000"/>
+                  </a:schemeClr>
+                </a:solidFill>
+                <a:latin typeface="Consolas"/>
+                <a:ea typeface="Arial"/>
+                <a:cs typeface="Arial"/>
+              </a:rPr>
+              <a:t>OR</a:t>
+            </a:r>
+            <a:r>
+              <a:rPr lang="en-GB" sz="1600" strike="sngStrike" baseline="0" dirty="0">
+                <a:solidFill>
+                  <a:schemeClr val="bg1">
+                    <a:lumMod val="76000"/>
+                  </a:schemeClr>
+                </a:solidFill>
+                <a:latin typeface="Consolas"/>
+                <a:ea typeface="Arial"/>
+                <a:cs typeface="Arial"/>
+              </a:rPr>
+              <a:t> "ceramic*" </a:t>
+            </a:r>
+            <a:r>
+              <a:rPr lang="en-GB" sz="1600" b="1" strike="sngStrike" baseline="0" dirty="0">
+                <a:solidFill>
+                  <a:schemeClr val="bg1">
+                    <a:lumMod val="76000"/>
+                  </a:schemeClr>
+                </a:solidFill>
+                <a:latin typeface="Consolas"/>
+                <a:ea typeface="Arial"/>
+                <a:cs typeface="Arial"/>
+              </a:rPr>
+              <a:t>OR</a:t>
+            </a:r>
+            <a:r>
+              <a:rPr lang="en-GB" sz="1600" strike="sngStrike" baseline="0" dirty="0">
+                <a:solidFill>
+                  <a:schemeClr val="bg1">
+                    <a:lumMod val="76000"/>
+                  </a:schemeClr>
+                </a:solidFill>
+                <a:latin typeface="Consolas"/>
+                <a:ea typeface="Arial"/>
+                <a:cs typeface="Arial"/>
+              </a:rPr>
+              <a:t> "metal*" </a:t>
+            </a:r>
+            <a:r>
+              <a:rPr lang="en-GB" sz="1600" b="1" strike="sngStrike" baseline="0" dirty="0">
+                <a:solidFill>
+                  <a:schemeClr val="bg1">
+                    <a:lumMod val="76000"/>
+                  </a:schemeClr>
+                </a:solidFill>
+                <a:latin typeface="Consolas"/>
+                <a:ea typeface="Arial"/>
+                <a:cs typeface="Arial"/>
+              </a:rPr>
+              <a:t>OR</a:t>
+            </a:r>
+            <a:r>
+              <a:rPr lang="en-GB" sz="1600" strike="sngStrike" baseline="0" dirty="0">
+                <a:solidFill>
+                  <a:schemeClr val="bg1">
+                    <a:lumMod val="76000"/>
+                  </a:schemeClr>
+                </a:solidFill>
+                <a:latin typeface="Consolas"/>
+                <a:ea typeface="Arial"/>
+                <a:cs typeface="Arial"/>
+              </a:rPr>
+              <a:t>  "alloy*" </a:t>
+            </a:r>
+            <a:r>
+              <a:rPr lang="en-GB" sz="1600" b="1" strike="sngStrike" baseline="0" dirty="0">
+                <a:solidFill>
+                  <a:schemeClr val="bg1">
+                    <a:lumMod val="76000"/>
+                  </a:schemeClr>
+                </a:solidFill>
+                <a:latin typeface="Consolas"/>
+                <a:ea typeface="Arial"/>
+                <a:cs typeface="Arial"/>
+              </a:rPr>
+              <a:t>OR</a:t>
+            </a:r>
+            <a:r>
+              <a:rPr lang="en-GB" sz="1600" baseline="0" dirty="0">
+                <a:solidFill>
+                  <a:schemeClr val="accent6"/>
+                </a:solidFill>
+                <a:latin typeface="Consolas"/>
+                <a:ea typeface="Arial"/>
+                <a:cs typeface="Arial"/>
+              </a:rPr>
+              <a:t> "cement*"</a:t>
+            </a:r>
+            <a:r>
+              <a:rPr lang="en-GB" sz="1600" strike="sngStrike" baseline="0" dirty="0">
+                <a:solidFill>
+                  <a:schemeClr val="bg1">
+                    <a:lumMod val="76000"/>
+                  </a:schemeClr>
+                </a:solidFill>
+                <a:latin typeface="Consolas"/>
+                <a:ea typeface="Arial"/>
+                <a:cs typeface="Arial"/>
+              </a:rPr>
+              <a:t> </a:t>
+            </a:r>
+            <a:r>
+              <a:rPr lang="en-GB" sz="1600" b="1" strike="sngStrike" baseline="0" dirty="0">
+                <a:solidFill>
+                  <a:schemeClr val="bg1">
+                    <a:lumMod val="76000"/>
+                  </a:schemeClr>
+                </a:solidFill>
+                <a:latin typeface="Consolas"/>
+                <a:ea typeface="Arial"/>
+                <a:cs typeface="Arial"/>
+              </a:rPr>
+              <a:t>OR</a:t>
+            </a:r>
+            <a:r>
+              <a:rPr lang="en-GB" sz="1600" strike="sngStrike" baseline="0" dirty="0">
+                <a:solidFill>
+                  <a:schemeClr val="bg1">
+                    <a:lumMod val="76000"/>
+                  </a:schemeClr>
+                </a:solidFill>
+                <a:latin typeface="Consolas"/>
+                <a:ea typeface="Arial"/>
+                <a:cs typeface="Arial"/>
+              </a:rPr>
+              <a:t> "concrete*“</a:t>
+            </a:r>
+            <a:r>
+              <a:rPr lang="en-GB" sz="1600" baseline="0" dirty="0">
+                <a:solidFill>
+                  <a:schemeClr val="bg1">
+                    <a:lumMod val="76000"/>
+                  </a:schemeClr>
+                </a:solidFill>
+                <a:latin typeface="Consolas"/>
+                <a:ea typeface="Arial"/>
+                <a:cs typeface="Arial"/>
+              </a:rPr>
+              <a:t>)</a:t>
+            </a:r>
+            <a:endParaRPr lang="en-GB" sz="1600" dirty="0">
+              <a:solidFill>
+                <a:schemeClr val="bg1">
+                  <a:lumMod val="76000"/>
+                </a:schemeClr>
+              </a:solidFill>
+              <a:latin typeface="Consolas"/>
+              <a:cs typeface="Arial"/>
+            </a:endParaRPr>
+          </a:p>
+        </p:txBody>
+      </p:sp>
+    </p:spTree>
+    <p:extLst>
+      <p:ext uri="{BB962C8B-B14F-4D97-AF65-F5344CB8AC3E}">
+        <p14:creationId xmlns:p14="http://schemas.microsoft.com/office/powerpoint/2010/main" val="2854044737"/>
+      </p:ext>
+    </p:extLst>
+  </p:cSld>
+  <p:clrMapOvr>
+    <a:masterClrMapping/>
+  </p:clrMapOvr>
+</p:sld>
+</file>
+
+<file path=ppt/slides/slide7.xml><?xml version="1.0" encoding="utf-8"?>
+<p:sld xmlns:a="http://schemas.openxmlformats.org/drawingml/2006/main" xmlns:r="http://schemas.openxmlformats.org/officeDocument/2006/relationships" xmlns:p="http://schemas.openxmlformats.org/presentationml/2006/main">
+  <p:cSld>
+    <p:spTree>
+      <p:nvGrpSpPr>
+        <p:cNvPr id="1" name=""/>
+        <p:cNvGrpSpPr/>
+        <p:nvPr/>
+      </p:nvGrpSpPr>
+      <p:grpSpPr>
+        <a:xfrm>
+          <a:off x="0" y="0"/>
+          <a:ext cx="0" cy="0"/>
+          <a:chOff x="0" y="0"/>
+          <a:chExt cx="0" cy="0"/>
+        </a:xfrm>
+      </p:grpSpPr>
+      <p:sp>
+        <p:nvSpPr>
+          <p:cNvPr id="2" name="Title 1">
+            <a:extLst>
+              <a:ext uri="{FF2B5EF4-FFF2-40B4-BE49-F238E27FC236}">
+                <a16:creationId xmlns:a16="http://schemas.microsoft.com/office/drawing/2014/main" id="{8A738D5E-E749-E8E0-A0EE-47ED215D46EF}"/>
+              </a:ext>
+            </a:extLst>
+          </p:cNvPr>
+          <p:cNvSpPr>
+            <a:spLocks noGrp="1"/>
+          </p:cNvSpPr>
+          <p:nvPr>
+            <p:ph type="title"/>
+          </p:nvPr>
+        </p:nvSpPr>
+        <p:spPr>
+          <a:xfrm>
+            <a:off x="839788" y="457200"/>
+            <a:ext cx="10517651" cy="1309030"/>
+          </a:xfrm>
+        </p:spPr>
+        <p:txBody>
+          <a:bodyPr vert="horz" lIns="91440" tIns="45720" rIns="91440" bIns="45720" rtlCol="0" anchor="t">
+            <a:normAutofit/>
+          </a:bodyPr>
+          <a:lstStyle/>
+          <a:p>
+            <a:r>
+              <a:rPr lang="en-GB" dirty="0"/>
+              <a:t>Number of annual publications for different material types</a:t>
+            </a:r>
+          </a:p>
+        </p:txBody>
+      </p:sp>
+      <p:sp>
+        <p:nvSpPr>
+          <p:cNvPr id="8" name="Text Placeholder 7">
+            <a:extLst>
+              <a:ext uri="{FF2B5EF4-FFF2-40B4-BE49-F238E27FC236}">
+                <a16:creationId xmlns:a16="http://schemas.microsoft.com/office/drawing/2014/main" id="{A6E5084A-F6BC-6D7F-4C69-E9374639CCDA}"/>
+              </a:ext>
+            </a:extLst>
+          </p:cNvPr>
+          <p:cNvSpPr>
+            <a:spLocks noGrp="1"/>
+          </p:cNvSpPr>
+          <p:nvPr>
+            <p:ph type="body" sz="half" idx="2"/>
+          </p:nvPr>
+        </p:nvSpPr>
+        <p:spPr>
+          <a:xfrm>
+            <a:off x="839788" y="1574180"/>
+            <a:ext cx="3932237" cy="3706271"/>
+          </a:xfrm>
+        </p:spPr>
+        <p:txBody>
+          <a:bodyPr vert="horz" lIns="91440" tIns="45720" rIns="91440" bIns="45720" rtlCol="0" anchor="ctr">
+            <a:normAutofit/>
+          </a:bodyPr>
+          <a:lstStyle/>
+          <a:p>
+            <a:pPr marL="285750" indent="-285750">
+              <a:buFont typeface="Arial" panose="020B0604020202020204" pitchFamily="34" charset="0"/>
+              <a:buChar char="•"/>
+            </a:pPr>
+            <a:r>
+              <a:rPr lang="en-GB" dirty="0"/>
+              <a:t>The most amount of research is done regarding self-healing polymer materials</a:t>
+            </a:r>
+            <a:endParaRPr lang="de-DE"/>
+          </a:p>
+          <a:p>
+            <a:pPr marL="285750" indent="-285750">
+              <a:buFont typeface="Arial" panose="020B0604020202020204" pitchFamily="34" charset="0"/>
+              <a:buChar char="•"/>
+            </a:pPr>
+            <a:r>
+              <a:rPr lang="en-GB" dirty="0"/>
+              <a:t>Yearly Number of Publications is generally rising for all material types. </a:t>
+            </a:r>
+          </a:p>
+        </p:txBody>
+      </p:sp>
+      <p:pic>
+        <p:nvPicPr>
+          <p:cNvPr id="6" name="Inhaltsplatzhalter 5" descr="Ein Bild, das Text, Reihe, Diagramm, Screenshot enthält.&#10;&#10;Beschreibung automatisch generiert.">
+            <a:extLst>
+              <a:ext uri="{FF2B5EF4-FFF2-40B4-BE49-F238E27FC236}">
+                <a16:creationId xmlns:a16="http://schemas.microsoft.com/office/drawing/2014/main" id="{ED0031ED-5354-027E-95B4-BE0D40A43108}"/>
+              </a:ext>
+            </a:extLst>
+          </p:cNvPr>
+          <p:cNvPicPr>
+            <a:picLocks noGrp="1" noChangeAspect="1"/>
+          </p:cNvPicPr>
+          <p:nvPr>
+            <p:ph idx="1"/>
+          </p:nvPr>
+        </p:nvPicPr>
+        <p:blipFill>
+          <a:blip r:embed="rId2"/>
+          <a:stretch>
+            <a:fillRect/>
+          </a:stretch>
+        </p:blipFill>
+        <p:spPr>
+          <a:xfrm>
+            <a:off x="5221288" y="1595437"/>
+            <a:ext cx="6096000" cy="3657600"/>
+          </a:xfrm>
+        </p:spPr>
+      </p:pic>
+      <p:sp>
+        <p:nvSpPr>
+          <p:cNvPr id="4" name="Textfeld 3">
+            <a:extLst>
+              <a:ext uri="{FF2B5EF4-FFF2-40B4-BE49-F238E27FC236}">
+                <a16:creationId xmlns:a16="http://schemas.microsoft.com/office/drawing/2014/main" id="{4752414B-8212-4E79-D435-D34BDE5DD8A7}"/>
+              </a:ext>
+            </a:extLst>
+          </p:cNvPr>
+          <p:cNvSpPr txBox="1"/>
+          <p:nvPr/>
+        </p:nvSpPr>
+        <p:spPr>
+          <a:xfrm>
+            <a:off x="799557" y="5340803"/>
+            <a:ext cx="10521473" cy="584775"/>
+          </a:xfrm>
+          <a:prstGeom prst="rect">
+            <a:avLst/>
+          </a:prstGeom>
+          <a:noFill/>
+        </p:spPr>
+        <p:txBody>
+          <a:bodyPr rot="0" spcFirstLastPara="0" vertOverflow="overflow" horzOverflow="overflow" vert="horz" wrap="square" lIns="91440" tIns="45720" rIns="91440" bIns="45720" numCol="1" spcCol="0" rtlCol="0" fromWordArt="0" anchor="t" anchorCtr="0" forceAA="0" compatLnSpc="1">
+            <a:prstTxWarp prst="textNoShape">
+              <a:avLst/>
+            </a:prstTxWarp>
+            <a:spAutoFit/>
+          </a:bodyPr>
+          <a:lstStyle/>
+          <a:p>
+            <a:pPr algn="l"/>
+            <a:r>
+              <a:rPr lang="en-GB" sz="1600" b="1" baseline="0" dirty="0">
+                <a:solidFill>
+                  <a:srgbClr val="000080"/>
+                </a:solidFill>
+                <a:latin typeface="Consolas"/>
+                <a:ea typeface="Arial"/>
+                <a:cs typeface="Arial"/>
+              </a:rPr>
+              <a:t>AND</a:t>
+            </a:r>
+            <a:r>
+              <a:rPr lang="en-GB" sz="1600" baseline="0" dirty="0">
+                <a:latin typeface="Consolas"/>
+                <a:ea typeface="Arial"/>
+                <a:cs typeface="Arial"/>
+              </a:rPr>
+              <a:t> TS=</a:t>
+            </a:r>
+            <a:r>
+              <a:rPr lang="en-GB" sz="1600" baseline="0" dirty="0">
+                <a:solidFill>
+                  <a:schemeClr val="bg1">
+                    <a:lumMod val="76000"/>
+                  </a:schemeClr>
+                </a:solidFill>
+                <a:latin typeface="Consolas"/>
+                <a:ea typeface="Arial"/>
+                <a:cs typeface="Arial"/>
+              </a:rPr>
+              <a:t>(</a:t>
+            </a:r>
+            <a:r>
+              <a:rPr lang="en-GB" sz="1600" strike="sngStrike" baseline="0" dirty="0">
+                <a:solidFill>
+                  <a:schemeClr val="bg1">
+                    <a:lumMod val="76000"/>
+                  </a:schemeClr>
+                </a:solidFill>
+                <a:latin typeface="Consolas"/>
+                <a:ea typeface="Arial"/>
+                <a:cs typeface="Arial"/>
+              </a:rPr>
+              <a:t>"material*" </a:t>
+            </a:r>
+            <a:r>
+              <a:rPr lang="en-GB" sz="1600" b="1" strike="sngStrike" baseline="0" dirty="0">
+                <a:solidFill>
+                  <a:schemeClr val="bg1">
+                    <a:lumMod val="76000"/>
+                  </a:schemeClr>
+                </a:solidFill>
+                <a:latin typeface="Consolas"/>
+                <a:ea typeface="Arial"/>
+                <a:cs typeface="Arial"/>
+              </a:rPr>
+              <a:t>OR</a:t>
+            </a:r>
+            <a:r>
+              <a:rPr lang="en-GB" sz="1600" strike="sngStrike" baseline="0" dirty="0">
+                <a:solidFill>
+                  <a:schemeClr val="bg1">
+                    <a:lumMod val="76000"/>
+                  </a:schemeClr>
+                </a:solidFill>
+                <a:latin typeface="Consolas"/>
+                <a:ea typeface="Arial"/>
+                <a:cs typeface="Arial"/>
+              </a:rPr>
+              <a:t> "polymer*" </a:t>
+            </a:r>
+            <a:r>
+              <a:rPr lang="en-GB" sz="1600" b="1" strike="sngStrike" baseline="0" dirty="0">
+                <a:solidFill>
+                  <a:schemeClr val="bg1">
+                    <a:lumMod val="76000"/>
+                  </a:schemeClr>
+                </a:solidFill>
+                <a:latin typeface="Consolas"/>
+                <a:ea typeface="Arial"/>
+                <a:cs typeface="Arial"/>
+              </a:rPr>
+              <a:t>OR</a:t>
+            </a:r>
+            <a:r>
+              <a:rPr lang="en-GB" sz="1600" strike="sngStrike" baseline="0" dirty="0">
+                <a:solidFill>
+                  <a:schemeClr val="bg1">
+                    <a:lumMod val="76000"/>
+                  </a:schemeClr>
+                </a:solidFill>
+                <a:latin typeface="Consolas"/>
+                <a:ea typeface="Arial"/>
+                <a:cs typeface="Arial"/>
+              </a:rPr>
+              <a:t> "composite*" </a:t>
+            </a:r>
+            <a:r>
+              <a:rPr lang="en-GB" sz="1600" b="1" strike="sngStrike" baseline="0" dirty="0">
+                <a:solidFill>
+                  <a:schemeClr val="bg1">
+                    <a:lumMod val="76000"/>
+                  </a:schemeClr>
+                </a:solidFill>
+                <a:latin typeface="Consolas"/>
+                <a:ea typeface="Arial"/>
+                <a:cs typeface="Arial"/>
+              </a:rPr>
+              <a:t>OR</a:t>
+            </a:r>
+            <a:r>
+              <a:rPr lang="en-GB" sz="1600" baseline="0" dirty="0">
+                <a:solidFill>
+                  <a:srgbClr val="FF0000"/>
+                </a:solidFill>
+                <a:latin typeface="Consolas"/>
+                <a:ea typeface="Arial"/>
+                <a:cs typeface="Arial"/>
+              </a:rPr>
+              <a:t> "ceramic*" </a:t>
+            </a:r>
+            <a:r>
+              <a:rPr lang="en-GB" sz="1600" b="1" strike="sngStrike" baseline="0" dirty="0">
+                <a:solidFill>
+                  <a:schemeClr val="bg1">
+                    <a:lumMod val="76000"/>
+                  </a:schemeClr>
+                </a:solidFill>
+                <a:latin typeface="Consolas"/>
+                <a:ea typeface="Arial"/>
+                <a:cs typeface="Arial"/>
+              </a:rPr>
+              <a:t>OR</a:t>
+            </a:r>
+            <a:r>
+              <a:rPr lang="en-GB" sz="1600" strike="sngStrike" baseline="0" dirty="0">
+                <a:solidFill>
+                  <a:schemeClr val="bg1">
+                    <a:lumMod val="76000"/>
+                  </a:schemeClr>
+                </a:solidFill>
+                <a:latin typeface="Consolas"/>
+                <a:ea typeface="Arial"/>
+                <a:cs typeface="Arial"/>
+              </a:rPr>
+              <a:t> "metal*" </a:t>
+            </a:r>
+            <a:r>
+              <a:rPr lang="en-GB" sz="1600" b="1" strike="sngStrike" baseline="0" dirty="0">
+                <a:solidFill>
+                  <a:schemeClr val="bg1">
+                    <a:lumMod val="76000"/>
+                  </a:schemeClr>
+                </a:solidFill>
+                <a:latin typeface="Consolas"/>
+                <a:ea typeface="Arial"/>
+                <a:cs typeface="Arial"/>
+              </a:rPr>
+              <a:t>OR</a:t>
+            </a:r>
+            <a:r>
+              <a:rPr lang="en-GB" sz="1600" strike="sngStrike" baseline="0" dirty="0">
+                <a:solidFill>
+                  <a:schemeClr val="bg1">
+                    <a:lumMod val="76000"/>
+                  </a:schemeClr>
+                </a:solidFill>
+                <a:latin typeface="Consolas"/>
+                <a:ea typeface="Arial"/>
+                <a:cs typeface="Arial"/>
+              </a:rPr>
+              <a:t>  "alloy*" </a:t>
+            </a:r>
+            <a:r>
+              <a:rPr lang="en-GB" sz="1600" b="1" strike="sngStrike" baseline="0" dirty="0">
+                <a:solidFill>
+                  <a:schemeClr val="bg1">
+                    <a:lumMod val="76000"/>
+                  </a:schemeClr>
+                </a:solidFill>
+                <a:latin typeface="Consolas"/>
+                <a:ea typeface="Arial"/>
+                <a:cs typeface="Arial"/>
+              </a:rPr>
+              <a:t>OR</a:t>
+            </a:r>
+            <a:r>
+              <a:rPr lang="en-GB" sz="1600" strike="sngStrike" baseline="0" dirty="0">
+                <a:solidFill>
+                  <a:schemeClr val="bg1">
+                    <a:lumMod val="76000"/>
+                  </a:schemeClr>
+                </a:solidFill>
+                <a:latin typeface="Consolas"/>
+                <a:ea typeface="Arial"/>
+                <a:cs typeface="Arial"/>
+              </a:rPr>
+              <a:t> "cement*" </a:t>
+            </a:r>
+            <a:r>
+              <a:rPr lang="en-GB" sz="1600" b="1" strike="sngStrike" baseline="0" dirty="0">
+                <a:solidFill>
+                  <a:schemeClr val="bg1">
+                    <a:lumMod val="76000"/>
+                  </a:schemeClr>
+                </a:solidFill>
+                <a:latin typeface="Consolas"/>
+                <a:ea typeface="Arial"/>
+                <a:cs typeface="Arial"/>
+              </a:rPr>
+              <a:t>OR</a:t>
+            </a:r>
+            <a:r>
+              <a:rPr lang="en-GB" sz="1600" strike="sngStrike" baseline="0" dirty="0">
+                <a:solidFill>
+                  <a:schemeClr val="bg1">
+                    <a:lumMod val="76000"/>
+                  </a:schemeClr>
+                </a:solidFill>
+                <a:latin typeface="Consolas"/>
+                <a:ea typeface="Arial"/>
+                <a:cs typeface="Arial"/>
+              </a:rPr>
+              <a:t> "concrete*“</a:t>
+            </a:r>
+            <a:r>
+              <a:rPr lang="en-GB" sz="1600" baseline="0" dirty="0">
+                <a:solidFill>
+                  <a:schemeClr val="bg1">
+                    <a:lumMod val="76000"/>
+                  </a:schemeClr>
+                </a:solidFill>
+                <a:latin typeface="Consolas"/>
+                <a:ea typeface="Arial"/>
+                <a:cs typeface="Arial"/>
+              </a:rPr>
+              <a:t>)</a:t>
+            </a:r>
+            <a:endParaRPr lang="en-GB" sz="1600" dirty="0">
+              <a:solidFill>
+                <a:schemeClr val="bg1">
+                  <a:lumMod val="76000"/>
+                </a:schemeClr>
+              </a:solidFill>
+              <a:latin typeface="Consolas"/>
+              <a:cs typeface="Arial"/>
+            </a:endParaRPr>
+          </a:p>
+        </p:txBody>
+      </p:sp>
+    </p:spTree>
+    <p:extLst>
+      <p:ext uri="{BB962C8B-B14F-4D97-AF65-F5344CB8AC3E}">
+        <p14:creationId xmlns:p14="http://schemas.microsoft.com/office/powerpoint/2010/main" val="338522245"/>
+      </p:ext>
+    </p:extLst>
+  </p:cSld>
+  <p:clrMapOvr>
+    <a:masterClrMapping/>
+  </p:clrMapOvr>
+</p:sld>
+</file>
+
+<file path=ppt/slides/slide8.xml><?xml version="1.0" encoding="utf-8"?>
+<p:sld xmlns:a="http://schemas.openxmlformats.org/drawingml/2006/main" xmlns:r="http://schemas.openxmlformats.org/officeDocument/2006/relationships" xmlns:p="http://schemas.openxmlformats.org/presentationml/2006/main">
+  <p:cSld>
+    <p:spTree>
+      <p:nvGrpSpPr>
+        <p:cNvPr id="1" name=""/>
+        <p:cNvGrpSpPr/>
+        <p:nvPr/>
+      </p:nvGrpSpPr>
+      <p:grpSpPr>
+        <a:xfrm>
+          <a:off x="0" y="0"/>
+          <a:ext cx="0" cy="0"/>
+          <a:chOff x="0" y="0"/>
+          <a:chExt cx="0" cy="0"/>
+        </a:xfrm>
+      </p:grpSpPr>
+      <p:sp>
+        <p:nvSpPr>
+          <p:cNvPr id="2" name="Title 1">
+            <a:extLst>
+              <a:ext uri="{FF2B5EF4-FFF2-40B4-BE49-F238E27FC236}">
+                <a16:creationId xmlns:a16="http://schemas.microsoft.com/office/drawing/2014/main" id="{8A738D5E-E749-E8E0-A0EE-47ED215D46EF}"/>
+              </a:ext>
+            </a:extLst>
+          </p:cNvPr>
+          <p:cNvSpPr>
+            <a:spLocks noGrp="1"/>
+          </p:cNvSpPr>
+          <p:nvPr>
+            <p:ph type="title"/>
+          </p:nvPr>
+        </p:nvSpPr>
+        <p:spPr>
+          <a:xfrm>
+            <a:off x="839788" y="457200"/>
             <a:ext cx="10517651" cy="1048835"/>
           </a:xfrm>
         </p:spPr>
@@ -5706,7 +8703,7 @@
 </p:sld>
 </file>
 
-<file path=ppt/slides/slide6.xml><?xml version="1.0" encoding="utf-8"?>
+<file path=ppt/slides/slide9.xml><?xml version="1.0" encoding="utf-8"?>
 <p:sld xmlns:a="http://schemas.openxmlformats.org/drawingml/2006/main" xmlns:r="http://schemas.openxmlformats.org/officeDocument/2006/relationships" xmlns:p="http://schemas.openxmlformats.org/presentationml/2006/main">
   <p:cSld>
     <p:spTree>
@@ -5862,555 +8859,6 @@
     <p:extLst>
       <p:ext uri="{BB962C8B-B14F-4D97-AF65-F5344CB8AC3E}">
         <p14:creationId xmlns:p14="http://schemas.microsoft.com/office/powerpoint/2010/main" val="1560567676"/>
-      </p:ext>
-    </p:extLst>
-  </p:cSld>
-  <p:clrMapOvr>
-    <a:masterClrMapping/>
-  </p:clrMapOvr>
-</p:sld>
-</file>
-
-<file path=ppt/slides/slide7.xml><?xml version="1.0" encoding="utf-8"?>
-<p:sld xmlns:a="http://schemas.openxmlformats.org/drawingml/2006/main" xmlns:r="http://schemas.openxmlformats.org/officeDocument/2006/relationships" xmlns:p="http://schemas.openxmlformats.org/presentationml/2006/main">
-  <p:cSld>
-    <p:spTree>
-      <p:nvGrpSpPr>
-        <p:cNvPr id="1" name=""/>
-        <p:cNvGrpSpPr/>
-        <p:nvPr/>
-      </p:nvGrpSpPr>
-      <p:grpSpPr>
-        <a:xfrm>
-          <a:off x="0" y="0"/>
-          <a:ext cx="0" cy="0"/>
-          <a:chOff x="0" y="0"/>
-          <a:chExt cx="0" cy="0"/>
-        </a:xfrm>
-      </p:grpSpPr>
-      <p:sp>
-        <p:nvSpPr>
-          <p:cNvPr id="2" name="Title 1">
-            <a:extLst>
-              <a:ext uri="{FF2B5EF4-FFF2-40B4-BE49-F238E27FC236}">
-                <a16:creationId xmlns:a16="http://schemas.microsoft.com/office/drawing/2014/main" id="{8A738D5E-E749-E8E0-A0EE-47ED215D46EF}"/>
-              </a:ext>
-            </a:extLst>
-          </p:cNvPr>
-          <p:cNvSpPr>
-            <a:spLocks noGrp="1"/>
-          </p:cNvSpPr>
-          <p:nvPr>
-            <p:ph type="title"/>
-          </p:nvPr>
-        </p:nvSpPr>
-        <p:spPr>
-          <a:xfrm>
-            <a:off x="839788" y="457200"/>
-            <a:ext cx="10517651" cy="1048835"/>
-          </a:xfrm>
-        </p:spPr>
-        <p:txBody>
-          <a:bodyPr vert="horz" lIns="91440" tIns="45720" rIns="91440" bIns="45720" rtlCol="0" anchor="t">
-            <a:normAutofit/>
-          </a:bodyPr>
-          <a:lstStyle/>
-          <a:p>
-            <a:r>
-              <a:rPr lang="en-GB" dirty="0"/>
-              <a:t>Institutes with most publications affiliated to them regarding polymer materials</a:t>
-            </a:r>
-          </a:p>
-        </p:txBody>
-      </p:sp>
-      <p:sp>
-        <p:nvSpPr>
-          <p:cNvPr id="8" name="Text Placeholder 7">
-            <a:extLst>
-              <a:ext uri="{FF2B5EF4-FFF2-40B4-BE49-F238E27FC236}">
-                <a16:creationId xmlns:a16="http://schemas.microsoft.com/office/drawing/2014/main" id="{A6E5084A-F6BC-6D7F-4C69-E9374639CCDA}"/>
-              </a:ext>
-            </a:extLst>
-          </p:cNvPr>
-          <p:cNvSpPr>
-            <a:spLocks noGrp="1"/>
-          </p:cNvSpPr>
-          <p:nvPr>
-            <p:ph type="body" sz="half" idx="2"/>
-          </p:nvPr>
-        </p:nvSpPr>
-        <p:spPr>
-          <a:xfrm>
-            <a:off x="839788" y="1574180"/>
-            <a:ext cx="3932237" cy="3706271"/>
-          </a:xfrm>
-        </p:spPr>
-        <p:txBody>
-          <a:bodyPr vert="horz" lIns="91440" tIns="45720" rIns="91440" bIns="45720" rtlCol="0" anchor="ctr">
-            <a:normAutofit fontScale="92500" lnSpcReduction="20000"/>
-          </a:bodyPr>
-          <a:lstStyle/>
-          <a:p>
-            <a:pPr marL="285750" indent="-285750">
-              <a:buChar char="•"/>
-            </a:pPr>
-            <a:r>
-              <a:rPr lang="en-GB" dirty="0"/>
-              <a:t>The institute with the most affiliations has more than twice the amount of affiliations as the institute with the second most affiliations</a:t>
-            </a:r>
-          </a:p>
-          <a:p>
-            <a:pPr marL="285750" indent="-285750">
-              <a:buChar char="•"/>
-            </a:pPr>
-            <a:r>
-              <a:rPr lang="en-GB" dirty="0"/>
-              <a:t>Most institutes are located in China</a:t>
-            </a:r>
-          </a:p>
-          <a:p>
-            <a:pPr marL="285750" indent="-285750">
-              <a:buChar char="•"/>
-            </a:pPr>
-            <a:r>
-              <a:rPr lang="en-GB" dirty="0"/>
-              <a:t>The Chinese Academy of Sciences (CAS) is listed under three different names, possibly to different translations to English:</a:t>
-            </a:r>
-          </a:p>
-          <a:p>
-            <a:pPr marL="742950" lvl="1" indent="-285750">
-              <a:buFont typeface="Courier New" panose="020B0604020202020204" pitchFamily="34" charset="0"/>
-              <a:buChar char="o"/>
-            </a:pPr>
-            <a:r>
-              <a:rPr lang="en-GB" dirty="0"/>
-              <a:t>University of Chinese Academy of Sciences CAS</a:t>
-            </a:r>
-          </a:p>
-          <a:p>
-            <a:pPr marL="742950" lvl="1" indent="-285750">
-              <a:buFont typeface="Courier New" panose="020B0604020202020204" pitchFamily="34" charset="0"/>
-              <a:buChar char="o"/>
-            </a:pPr>
-            <a:r>
-              <a:rPr lang="en-GB" dirty="0"/>
-              <a:t>Chinese Academy of Sciences CAS</a:t>
-            </a:r>
-          </a:p>
-          <a:p>
-            <a:pPr marL="742950" lvl="1" indent="-285750">
-              <a:buFont typeface="Courier New" panose="020B0604020202020204" pitchFamily="34" charset="0"/>
-              <a:buChar char="o"/>
-            </a:pPr>
-            <a:r>
-              <a:rPr lang="en-GB" dirty="0"/>
-              <a:t>University of Science Technology of China CAS</a:t>
-            </a:r>
-          </a:p>
-          <a:p>
-            <a:pPr marL="285750" indent="-285750">
-              <a:buChar char="•"/>
-            </a:pPr>
-            <a:r>
-              <a:rPr lang="en-GB" dirty="0"/>
-              <a:t>Papers mentioned under variations of CAS are all included in “Chinese Academy of Sciences” </a:t>
-            </a:r>
-            <a:r>
-              <a:rPr lang="en-GB" dirty="0">
-                <a:sym typeface="Wingdings" panose="05000000000000000000" pitchFamily="2" charset="2"/>
-              </a:rPr>
-              <a:t> </a:t>
-            </a:r>
-            <a:r>
-              <a:rPr lang="en-GB" dirty="0"/>
-              <a:t>others have thus been omitted</a:t>
-            </a:r>
-          </a:p>
-        </p:txBody>
-      </p:sp>
-      <p:pic>
-        <p:nvPicPr>
-          <p:cNvPr id="7" name="Content Placeholder 6" descr="A graph with text and numbers&#10;&#10;Description automatically generated">
-            <a:extLst>
-              <a:ext uri="{FF2B5EF4-FFF2-40B4-BE49-F238E27FC236}">
-                <a16:creationId xmlns:a16="http://schemas.microsoft.com/office/drawing/2014/main" id="{30ACB7C0-A576-7C01-C14A-8F97BEDBC501}"/>
-              </a:ext>
-            </a:extLst>
-          </p:cNvPr>
-          <p:cNvPicPr>
-            <a:picLocks noGrp="1" noChangeAspect="1"/>
-          </p:cNvPicPr>
-          <p:nvPr>
-            <p:ph idx="1"/>
-          </p:nvPr>
-        </p:nvPicPr>
-        <p:blipFill>
-          <a:blip r:embed="rId2">
-            <a:extLst>
-              <a:ext uri="{28A0092B-C50C-407E-A947-70E740481C1C}">
-                <a14:useLocalDpi xmlns:a14="http://schemas.microsoft.com/office/drawing/2010/main" val="0"/>
-              </a:ext>
-            </a:extLst>
-          </a:blip>
-          <a:stretch>
-            <a:fillRect/>
-          </a:stretch>
-        </p:blipFill>
-        <p:spPr>
-          <a:xfrm>
-            <a:off x="5183188" y="1572577"/>
-            <a:ext cx="6172200" cy="3703320"/>
-          </a:xfrm>
-        </p:spPr>
-      </p:pic>
-    </p:spTree>
-    <p:extLst>
-      <p:ext uri="{BB962C8B-B14F-4D97-AF65-F5344CB8AC3E}">
-        <p14:creationId xmlns:p14="http://schemas.microsoft.com/office/powerpoint/2010/main" val="1245074985"/>
-      </p:ext>
-    </p:extLst>
-  </p:cSld>
-  <p:clrMapOvr>
-    <a:masterClrMapping/>
-  </p:clrMapOvr>
-</p:sld>
-</file>
-
-<file path=ppt/slides/slide8.xml><?xml version="1.0" encoding="utf-8"?>
-<p:sld xmlns:a="http://schemas.openxmlformats.org/drawingml/2006/main" xmlns:r="http://schemas.openxmlformats.org/officeDocument/2006/relationships" xmlns:p="http://schemas.openxmlformats.org/presentationml/2006/main">
-  <p:cSld>
-    <p:spTree>
-      <p:nvGrpSpPr>
-        <p:cNvPr id="1" name=""/>
-        <p:cNvGrpSpPr/>
-        <p:nvPr/>
-      </p:nvGrpSpPr>
-      <p:grpSpPr>
-        <a:xfrm>
-          <a:off x="0" y="0"/>
-          <a:ext cx="0" cy="0"/>
-          <a:chOff x="0" y="0"/>
-          <a:chExt cx="0" cy="0"/>
-        </a:xfrm>
-      </p:grpSpPr>
-      <p:sp>
-        <p:nvSpPr>
-          <p:cNvPr id="2" name="Title 1">
-            <a:extLst>
-              <a:ext uri="{FF2B5EF4-FFF2-40B4-BE49-F238E27FC236}">
-                <a16:creationId xmlns:a16="http://schemas.microsoft.com/office/drawing/2014/main" id="{8A738D5E-E749-E8E0-A0EE-47ED215D46EF}"/>
-              </a:ext>
-            </a:extLst>
-          </p:cNvPr>
-          <p:cNvSpPr>
-            <a:spLocks noGrp="1"/>
-          </p:cNvSpPr>
-          <p:nvPr>
-            <p:ph type="title"/>
-          </p:nvPr>
-        </p:nvSpPr>
-        <p:spPr>
-          <a:xfrm>
-            <a:off x="839788" y="457200"/>
-            <a:ext cx="10517651" cy="1048835"/>
-          </a:xfrm>
-        </p:spPr>
-        <p:txBody>
-          <a:bodyPr vert="horz" lIns="91440" tIns="45720" rIns="91440" bIns="45720" rtlCol="0" anchor="t">
-            <a:normAutofit/>
-          </a:bodyPr>
-          <a:lstStyle/>
-          <a:p>
-            <a:r>
-              <a:rPr lang="en-GB" dirty="0"/>
-              <a:t>Countries with most publications affiliated to them regarding polymer materials</a:t>
-            </a:r>
-          </a:p>
-        </p:txBody>
-      </p:sp>
-      <p:sp>
-        <p:nvSpPr>
-          <p:cNvPr id="8" name="Text Placeholder 7">
-            <a:extLst>
-              <a:ext uri="{FF2B5EF4-FFF2-40B4-BE49-F238E27FC236}">
-                <a16:creationId xmlns:a16="http://schemas.microsoft.com/office/drawing/2014/main" id="{A6E5084A-F6BC-6D7F-4C69-E9374639CCDA}"/>
-              </a:ext>
-            </a:extLst>
-          </p:cNvPr>
-          <p:cNvSpPr>
-            <a:spLocks noGrp="1"/>
-          </p:cNvSpPr>
-          <p:nvPr>
-            <p:ph type="body" sz="half" idx="2"/>
-          </p:nvPr>
-        </p:nvSpPr>
-        <p:spPr>
-          <a:xfrm>
-            <a:off x="839788" y="1574180"/>
-            <a:ext cx="3932237" cy="3706271"/>
-          </a:xfrm>
-        </p:spPr>
-        <p:txBody>
-          <a:bodyPr vert="horz" lIns="91440" tIns="45720" rIns="91440" bIns="45720" rtlCol="0" anchor="ctr">
-            <a:normAutofit/>
-          </a:bodyPr>
-          <a:lstStyle/>
-          <a:p>
-            <a:pPr marL="285750" indent="-285750">
-              <a:buChar char="•"/>
-            </a:pPr>
-            <a:r>
-              <a:rPr lang="en-GB" dirty="0"/>
-              <a:t>Most papers are published with affiliations to China or USA </a:t>
-            </a:r>
-            <a:endParaRPr lang="en-US" dirty="0"/>
-          </a:p>
-          <a:p>
-            <a:pPr marL="285750" indent="-285750">
-              <a:buChar char="•"/>
-            </a:pPr>
-            <a:endParaRPr lang="en-GB" dirty="0"/>
-          </a:p>
-          <a:p>
-            <a:pPr marL="285750" indent="-285750">
-              <a:buChar char="•"/>
-            </a:pPr>
-            <a:endParaRPr lang="en-GB" dirty="0"/>
-          </a:p>
-        </p:txBody>
-      </p:sp>
-      <p:pic>
-        <p:nvPicPr>
-          <p:cNvPr id="6" name="Content Placeholder 5" descr="A graph of a number of publications&#10;&#10;Description automatically generated">
-            <a:extLst>
-              <a:ext uri="{FF2B5EF4-FFF2-40B4-BE49-F238E27FC236}">
-                <a16:creationId xmlns:a16="http://schemas.microsoft.com/office/drawing/2014/main" id="{82690D4E-AA80-F13C-B8CF-EDB4DFD30003}"/>
-              </a:ext>
-            </a:extLst>
-          </p:cNvPr>
-          <p:cNvPicPr>
-            <a:picLocks noGrp="1" noChangeAspect="1"/>
-          </p:cNvPicPr>
-          <p:nvPr>
-            <p:ph idx="1"/>
-          </p:nvPr>
-        </p:nvPicPr>
-        <p:blipFill>
-          <a:blip r:embed="rId2">
-            <a:extLst>
-              <a:ext uri="{28A0092B-C50C-407E-A947-70E740481C1C}">
-                <a14:useLocalDpi xmlns:a14="http://schemas.microsoft.com/office/drawing/2010/main" val="0"/>
-              </a:ext>
-            </a:extLst>
-          </a:blip>
-          <a:stretch>
-            <a:fillRect/>
-          </a:stretch>
-        </p:blipFill>
-        <p:spPr>
-          <a:xfrm>
-            <a:off x="5183188" y="1572577"/>
-            <a:ext cx="6172200" cy="3703320"/>
-          </a:xfrm>
-        </p:spPr>
-      </p:pic>
-    </p:spTree>
-    <p:extLst>
-      <p:ext uri="{BB962C8B-B14F-4D97-AF65-F5344CB8AC3E}">
-        <p14:creationId xmlns:p14="http://schemas.microsoft.com/office/powerpoint/2010/main" val="4262371085"/>
-      </p:ext>
-    </p:extLst>
-  </p:cSld>
-  <p:clrMapOvr>
-    <a:masterClrMapping/>
-  </p:clrMapOvr>
-</p:sld>
-</file>
-
-<file path=ppt/slides/slide9.xml><?xml version="1.0" encoding="utf-8"?>
-<p:sld xmlns:a="http://schemas.openxmlformats.org/drawingml/2006/main" xmlns:r="http://schemas.openxmlformats.org/officeDocument/2006/relationships" xmlns:p="http://schemas.openxmlformats.org/presentationml/2006/main">
-  <p:cSld>
-    <p:spTree>
-      <p:nvGrpSpPr>
-        <p:cNvPr id="1" name=""/>
-        <p:cNvGrpSpPr/>
-        <p:nvPr/>
-      </p:nvGrpSpPr>
-      <p:grpSpPr>
-        <a:xfrm>
-          <a:off x="0" y="0"/>
-          <a:ext cx="0" cy="0"/>
-          <a:chOff x="0" y="0"/>
-          <a:chExt cx="0" cy="0"/>
-        </a:xfrm>
-      </p:grpSpPr>
-      <p:sp>
-        <p:nvSpPr>
-          <p:cNvPr id="2" name="Title 1">
-            <a:extLst>
-              <a:ext uri="{FF2B5EF4-FFF2-40B4-BE49-F238E27FC236}">
-                <a16:creationId xmlns:a16="http://schemas.microsoft.com/office/drawing/2014/main" id="{8A738D5E-E749-E8E0-A0EE-47ED215D46EF}"/>
-              </a:ext>
-            </a:extLst>
-          </p:cNvPr>
-          <p:cNvSpPr>
-            <a:spLocks noGrp="1"/>
-          </p:cNvSpPr>
-          <p:nvPr>
-            <p:ph type="title"/>
-          </p:nvPr>
-        </p:nvSpPr>
-        <p:spPr>
-          <a:xfrm>
-            <a:off x="839788" y="457200"/>
-            <a:ext cx="10517651" cy="1048835"/>
-          </a:xfrm>
-        </p:spPr>
-        <p:txBody>
-          <a:bodyPr vert="horz" lIns="91440" tIns="45720" rIns="91440" bIns="45720" rtlCol="0" anchor="t">
-            <a:normAutofit/>
-          </a:bodyPr>
-          <a:lstStyle/>
-          <a:p>
-            <a:r>
-              <a:rPr lang="en-GB" dirty="0"/>
-              <a:t>Countries with most publications affiliated to them regarding polymer materials, scaled by population</a:t>
-            </a:r>
-          </a:p>
-        </p:txBody>
-      </p:sp>
-      <p:sp>
-        <p:nvSpPr>
-          <p:cNvPr id="8" name="Text Placeholder 7">
-            <a:extLst>
-              <a:ext uri="{FF2B5EF4-FFF2-40B4-BE49-F238E27FC236}">
-                <a16:creationId xmlns:a16="http://schemas.microsoft.com/office/drawing/2014/main" id="{A6E5084A-F6BC-6D7F-4C69-E9374639CCDA}"/>
-              </a:ext>
-            </a:extLst>
-          </p:cNvPr>
-          <p:cNvSpPr>
-            <a:spLocks noGrp="1"/>
-          </p:cNvSpPr>
-          <p:nvPr>
-            <p:ph type="body" sz="half" idx="2"/>
-          </p:nvPr>
-        </p:nvSpPr>
-        <p:spPr>
-          <a:xfrm>
-            <a:off x="832733" y="4749180"/>
-            <a:ext cx="10529181" cy="1554327"/>
-          </a:xfrm>
-        </p:spPr>
-        <p:txBody>
-          <a:bodyPr vert="horz" lIns="91440" tIns="45720" rIns="91440" bIns="45720" rtlCol="0" anchor="ctr">
-            <a:normAutofit/>
-          </a:bodyPr>
-          <a:lstStyle/>
-          <a:p>
-            <a:pPr marL="285750" indent="-285750">
-              <a:buChar char="•"/>
-            </a:pPr>
-            <a:r>
-              <a:rPr lang="en-GB" dirty="0"/>
-              <a:t>When compared to their population, Singapore and Belgium have the most publications affiliated to them</a:t>
-            </a:r>
-          </a:p>
-          <a:p>
-            <a:pPr marL="285750" indent="-285750">
-              <a:buChar char="•"/>
-            </a:pPr>
-            <a:r>
-              <a:rPr lang="en-GB" dirty="0"/>
-              <a:t>Population data taken from </a:t>
-            </a:r>
-            <a:r>
-              <a:rPr lang="en-GB" dirty="0">
-                <a:ea typeface="+mn-lt"/>
-                <a:cs typeface="+mn-lt"/>
-                <a:hlinkClick r:id="rId2"/>
-              </a:rPr>
-              <a:t>www.census.gov</a:t>
-            </a:r>
-            <a:r>
-              <a:rPr lang="en-GB" dirty="0">
-                <a:ea typeface="+mn-lt"/>
-                <a:cs typeface="+mn-lt"/>
-              </a:rPr>
-              <a:t> in January 2025</a:t>
-            </a:r>
-            <a:endParaRPr lang="en-GB" dirty="0"/>
-          </a:p>
-        </p:txBody>
-      </p:sp>
-      <p:pic>
-        <p:nvPicPr>
-          <p:cNvPr id="6" name="Picture 5" descr="A graph of a number of people&#10;&#10;Description automatically generated">
-            <a:extLst>
-              <a:ext uri="{FF2B5EF4-FFF2-40B4-BE49-F238E27FC236}">
-                <a16:creationId xmlns:a16="http://schemas.microsoft.com/office/drawing/2014/main" id="{E5C2298E-852A-FBF0-2C9F-61CC5D5A58A9}"/>
-              </a:ext>
-            </a:extLst>
-          </p:cNvPr>
-          <p:cNvPicPr>
-            <a:picLocks noChangeAspect="1"/>
-          </p:cNvPicPr>
-          <p:nvPr/>
-        </p:nvPicPr>
-        <p:blipFill>
-          <a:blip r:embed="rId3"/>
-          <a:stretch>
-            <a:fillRect/>
-          </a:stretch>
-        </p:blipFill>
-        <p:spPr>
-          <a:xfrm>
-            <a:off x="839611" y="1571978"/>
-            <a:ext cx="5263445" cy="3177822"/>
-          </a:xfrm>
-          <a:prstGeom prst="rect">
-            <a:avLst/>
-          </a:prstGeom>
-        </p:spPr>
-      </p:pic>
-      <p:pic>
-        <p:nvPicPr>
-          <p:cNvPr id="10" name="Content Placeholder 9" descr="A graph of a bar graph&#10;&#10;Description automatically generated">
-            <a:extLst>
-              <a:ext uri="{FF2B5EF4-FFF2-40B4-BE49-F238E27FC236}">
-                <a16:creationId xmlns:a16="http://schemas.microsoft.com/office/drawing/2014/main" id="{C558C557-7972-C7A9-F5D7-43281D2AD907}"/>
-              </a:ext>
-            </a:extLst>
-          </p:cNvPr>
-          <p:cNvPicPr>
-            <a:picLocks noGrp="1" noChangeAspect="1"/>
-          </p:cNvPicPr>
-          <p:nvPr>
-            <p:ph idx="1"/>
-          </p:nvPr>
-        </p:nvPicPr>
-        <p:blipFill>
-          <a:blip r:embed="rId4">
-            <a:extLst>
-              <a:ext uri="{28A0092B-C50C-407E-A947-70E740481C1C}">
-                <a14:useLocalDpi xmlns:a14="http://schemas.microsoft.com/office/drawing/2010/main" val="0"/>
-              </a:ext>
-            </a:extLst>
-          </a:blip>
-          <a:stretch>
-            <a:fillRect/>
-          </a:stretch>
-        </p:blipFill>
-        <p:spPr>
-          <a:xfrm>
-            <a:off x="6103056" y="1571978"/>
-            <a:ext cx="5185432" cy="3111259"/>
-          </a:xfrm>
-        </p:spPr>
-      </p:pic>
-    </p:spTree>
-    <p:extLst>
-      <p:ext uri="{BB962C8B-B14F-4D97-AF65-F5344CB8AC3E}">
-        <p14:creationId xmlns:p14="http://schemas.microsoft.com/office/powerpoint/2010/main" val="2163132736"/>
       </p:ext>
     </p:extLst>
   </p:cSld>

--- a/presentation/DataDrivenForesight.pptx
+++ b/presentation/DataDrivenForesight.pptx
@@ -15,13 +15,14 @@
     <p:sldId id="259" r:id="rId9"/>
     <p:sldId id="260" r:id="rId10"/>
     <p:sldId id="261" r:id="rId11"/>
-    <p:sldId id="262" r:id="rId12"/>
-    <p:sldId id="263" r:id="rId13"/>
-    <p:sldId id="265" r:id="rId14"/>
-    <p:sldId id="266" r:id="rId15"/>
-    <p:sldId id="269" r:id="rId16"/>
-    <p:sldId id="270" r:id="rId17"/>
-    <p:sldId id="271" r:id="rId18"/>
+    <p:sldId id="277" r:id="rId12"/>
+    <p:sldId id="262" r:id="rId13"/>
+    <p:sldId id="263" r:id="rId14"/>
+    <p:sldId id="265" r:id="rId15"/>
+    <p:sldId id="266" r:id="rId16"/>
+    <p:sldId id="269" r:id="rId17"/>
+    <p:sldId id="270" r:id="rId18"/>
+    <p:sldId id="271" r:id="rId19"/>
   </p:sldIdLst>
   <p:sldSz cx="12192000" cy="6858000"/>
   <p:notesSz cx="6858000" cy="9144000"/>
@@ -312,7 +313,7 @@
           <a:p>
             <a:fld id="{330EA680-D336-4FF7-8B7A-9848BB0A1C32}" type="slidenum">
               <a:rPr lang="en-GB" smtClean="0"/>
-              <a:t>‹Nr.›</a:t>
+              <a:t>‹#›</a:t>
             </a:fld>
             <a:endParaRPr lang="en-GB"/>
           </a:p>
@@ -482,7 +483,7 @@
           <a:p>
             <a:fld id="{330EA680-D336-4FF7-8B7A-9848BB0A1C32}" type="slidenum">
               <a:rPr lang="en-GB" smtClean="0"/>
-              <a:t>‹Nr.›</a:t>
+              <a:t>‹#›</a:t>
             </a:fld>
             <a:endParaRPr lang="en-GB"/>
           </a:p>
@@ -662,7 +663,7 @@
           <a:p>
             <a:fld id="{330EA680-D336-4FF7-8B7A-9848BB0A1C32}" type="slidenum">
               <a:rPr lang="en-GB" smtClean="0"/>
-              <a:t>‹Nr.›</a:t>
+              <a:t>‹#›</a:t>
             </a:fld>
             <a:endParaRPr lang="en-GB"/>
           </a:p>
@@ -832,7 +833,7 @@
           <a:p>
             <a:fld id="{330EA680-D336-4FF7-8B7A-9848BB0A1C32}" type="slidenum">
               <a:rPr lang="en-GB" smtClean="0"/>
-              <a:t>‹Nr.›</a:t>
+              <a:t>‹#›</a:t>
             </a:fld>
             <a:endParaRPr lang="en-GB"/>
           </a:p>
@@ -1078,7 +1079,7 @@
           <a:p>
             <a:fld id="{330EA680-D336-4FF7-8B7A-9848BB0A1C32}" type="slidenum">
               <a:rPr lang="en-GB" smtClean="0"/>
-              <a:t>‹Nr.›</a:t>
+              <a:t>‹#›</a:t>
             </a:fld>
             <a:endParaRPr lang="en-GB"/>
           </a:p>
@@ -1310,7 +1311,7 @@
           <a:p>
             <a:fld id="{330EA680-D336-4FF7-8B7A-9848BB0A1C32}" type="slidenum">
               <a:rPr lang="en-GB" smtClean="0"/>
-              <a:t>‹Nr.›</a:t>
+              <a:t>‹#›</a:t>
             </a:fld>
             <a:endParaRPr lang="en-GB"/>
           </a:p>
@@ -1677,7 +1678,7 @@
           <a:p>
             <a:fld id="{330EA680-D336-4FF7-8B7A-9848BB0A1C32}" type="slidenum">
               <a:rPr lang="en-GB" smtClean="0"/>
-              <a:t>‹Nr.›</a:t>
+              <a:t>‹#›</a:t>
             </a:fld>
             <a:endParaRPr lang="en-GB"/>
           </a:p>
@@ -1795,7 +1796,7 @@
           <a:p>
             <a:fld id="{330EA680-D336-4FF7-8B7A-9848BB0A1C32}" type="slidenum">
               <a:rPr lang="en-GB" smtClean="0"/>
-              <a:t>‹Nr.›</a:t>
+              <a:t>‹#›</a:t>
             </a:fld>
             <a:endParaRPr lang="en-GB"/>
           </a:p>
@@ -1890,7 +1891,7 @@
           <a:p>
             <a:fld id="{330EA680-D336-4FF7-8B7A-9848BB0A1C32}" type="slidenum">
               <a:rPr lang="en-GB" smtClean="0"/>
-              <a:t>‹Nr.›</a:t>
+              <a:t>‹#›</a:t>
             </a:fld>
             <a:endParaRPr lang="en-GB"/>
           </a:p>
@@ -2167,7 +2168,7 @@
           <a:p>
             <a:fld id="{330EA680-D336-4FF7-8B7A-9848BB0A1C32}" type="slidenum">
               <a:rPr lang="en-GB" smtClean="0"/>
-              <a:t>‹Nr.›</a:t>
+              <a:t>‹#›</a:t>
             </a:fld>
             <a:endParaRPr lang="en-GB"/>
           </a:p>
@@ -2424,7 +2425,7 @@
           <a:p>
             <a:fld id="{330EA680-D336-4FF7-8B7A-9848BB0A1C32}" type="slidenum">
               <a:rPr lang="en-GB" smtClean="0"/>
-              <a:t>‹Nr.›</a:t>
+              <a:t>‹#›</a:t>
             </a:fld>
             <a:endParaRPr lang="en-GB"/>
           </a:p>
@@ -2673,7 +2674,7 @@
           <a:p>
             <a:fld id="{330EA680-D336-4FF7-8B7A-9848BB0A1C32}" type="slidenum">
               <a:rPr lang="en-GB" smtClean="0"/>
-              <a:t>‹Nr.›</a:t>
+              <a:t>‹#›</a:t>
             </a:fld>
             <a:endParaRPr lang="en-GB"/>
           </a:p>
@@ -3150,7 +3151,7 @@
         </p:spPr>
         <p:txBody>
           <a:bodyPr vert="horz" lIns="91440" tIns="45720" rIns="91440" bIns="45720" rtlCol="0" anchor="ctr">
-            <a:normAutofit fontScale="92500" lnSpcReduction="20000"/>
+            <a:normAutofit/>
           </a:bodyPr>
           <a:lstStyle/>
           <a:p>
@@ -3187,7 +3188,7 @@
             </a:pPr>
             <a:r>
               <a:rPr lang="en-GB" dirty="0"/>
-              <a:t>University of Chinese Academy of Sciences CAS</a:t>
+              <a:t>Chinese Academy of Sciences</a:t>
             </a:r>
           </a:p>
           <a:p>
@@ -3197,7 +3198,7 @@
             </a:pPr>
             <a:r>
               <a:rPr lang="en-GB" dirty="0"/>
-              <a:t>Chinese Academy of Sciences CAS</a:t>
+              <a:t>University of Chinese Academy of Sciences CAS</a:t>
             </a:r>
           </a:p>
           <a:p>
@@ -3208,25 +3209,6 @@
             <a:r>
               <a:rPr lang="en-GB" dirty="0"/>
               <a:t>University of Science Technology of China CAS</a:t>
-            </a:r>
-          </a:p>
-          <a:p>
-            <a:pPr marL="285750" indent="-285750">
-              <a:buChar char="•"/>
-            </a:pPr>
-            <a:r>
-              <a:rPr lang="en-GB" dirty="0"/>
-              <a:t>Papers mentioned under variations of CAS are all included in “Chinese Academy of Sciences” </a:t>
-            </a:r>
-            <a:r>
-              <a:rPr lang="en-GB" dirty="0">
-                <a:sym typeface="Wingdings" panose="05000000000000000000" pitchFamily="2" charset="2"/>
-              </a:rPr>
-              <a:t> </a:t>
-            </a:r>
-            <a:r>
-              <a:rPr lang="en-GB" dirty="0"/>
-              <a:t>others have thus been omitted</a:t>
             </a:r>
           </a:p>
         </p:txBody>
@@ -3284,6 +3266,170 @@
   <p:cSld>
     <p:spTree>
       <p:nvGrpSpPr>
+        <p:cNvPr id="1" name="">
+          <a:extLst>
+            <a:ext uri="{FF2B5EF4-FFF2-40B4-BE49-F238E27FC236}">
+              <a16:creationId xmlns:a16="http://schemas.microsoft.com/office/drawing/2014/main" id="{A696BECD-2FD1-5593-3959-E631DAC2C1E8}"/>
+            </a:ext>
+          </a:extLst>
+        </p:cNvPr>
+        <p:cNvGrpSpPr/>
+        <p:nvPr/>
+      </p:nvGrpSpPr>
+      <p:grpSpPr>
+        <a:xfrm>
+          <a:off x="0" y="0"/>
+          <a:ext cx="0" cy="0"/>
+          <a:chOff x="0" y="0"/>
+          <a:chExt cx="0" cy="0"/>
+        </a:xfrm>
+      </p:grpSpPr>
+      <p:sp>
+        <p:nvSpPr>
+          <p:cNvPr id="2" name="Title 1">
+            <a:extLst>
+              <a:ext uri="{FF2B5EF4-FFF2-40B4-BE49-F238E27FC236}">
+                <a16:creationId xmlns:a16="http://schemas.microsoft.com/office/drawing/2014/main" id="{042D5337-1510-3A3A-AC84-ECB5D723B21D}"/>
+              </a:ext>
+            </a:extLst>
+          </p:cNvPr>
+          <p:cNvSpPr>
+            <a:spLocks noGrp="1"/>
+          </p:cNvSpPr>
+          <p:nvPr>
+            <p:ph type="title"/>
+          </p:nvPr>
+        </p:nvSpPr>
+        <p:spPr>
+          <a:xfrm>
+            <a:off x="839788" y="457200"/>
+            <a:ext cx="10517651" cy="1048835"/>
+          </a:xfrm>
+        </p:spPr>
+        <p:txBody>
+          <a:bodyPr vert="horz" lIns="91440" tIns="45720" rIns="91440" bIns="45720" rtlCol="0" anchor="t">
+            <a:normAutofit/>
+          </a:bodyPr>
+          <a:lstStyle/>
+          <a:p>
+            <a:r>
+              <a:rPr lang="en-GB" dirty="0"/>
+              <a:t>Institutes with most publications affiliated to them regarding polymer materials</a:t>
+            </a:r>
+          </a:p>
+        </p:txBody>
+      </p:sp>
+      <p:sp>
+        <p:nvSpPr>
+          <p:cNvPr id="8" name="Text Placeholder 7">
+            <a:extLst>
+              <a:ext uri="{FF2B5EF4-FFF2-40B4-BE49-F238E27FC236}">
+                <a16:creationId xmlns:a16="http://schemas.microsoft.com/office/drawing/2014/main" id="{282A8A15-72E6-1E72-2821-653C896296D3}"/>
+              </a:ext>
+            </a:extLst>
+          </p:cNvPr>
+          <p:cNvSpPr>
+            <a:spLocks noGrp="1"/>
+          </p:cNvSpPr>
+          <p:nvPr>
+            <p:ph type="body" sz="half" idx="2"/>
+          </p:nvPr>
+        </p:nvSpPr>
+        <p:spPr>
+          <a:xfrm>
+            <a:off x="839788" y="1574180"/>
+            <a:ext cx="3932237" cy="3706271"/>
+          </a:xfrm>
+        </p:spPr>
+        <p:txBody>
+          <a:bodyPr vert="horz" lIns="91440" tIns="45720" rIns="91440" bIns="45720" rtlCol="0" anchor="ctr">
+            <a:normAutofit/>
+          </a:bodyPr>
+          <a:lstStyle/>
+          <a:p>
+            <a:pPr marL="285750" indent="-285750">
+              <a:buChar char="•"/>
+            </a:pPr>
+            <a:r>
+              <a:rPr lang="en-GB" dirty="0"/>
+              <a:t>Chinese Academy of Science is a research organization, while others are university branches situated in Beijing and Hefei respectively</a:t>
+            </a:r>
+          </a:p>
+          <a:p>
+            <a:pPr marL="285750" indent="-285750">
+              <a:buFont typeface="Arial" panose="020B0604020202020204" pitchFamily="34" charset="0"/>
+              <a:buChar char="•"/>
+            </a:pPr>
+            <a:r>
+              <a:rPr lang="en-GB" dirty="0"/>
+              <a:t>Publications mentioned under variations of CAS are all included in “Chinese Academy of Sciences” </a:t>
+            </a:r>
+            <a:r>
+              <a:rPr lang="en-GB" dirty="0">
+                <a:sym typeface="Wingdings" panose="05000000000000000000" pitchFamily="2" charset="2"/>
+              </a:rPr>
+              <a:t> </a:t>
+            </a:r>
+            <a:r>
+              <a:rPr lang="en-GB" dirty="0"/>
+              <a:t>others have thus been omitted</a:t>
+            </a:r>
+          </a:p>
+        </p:txBody>
+      </p:sp>
+      <p:pic>
+        <p:nvPicPr>
+          <p:cNvPr id="7" name="Content Placeholder 6" descr="A graph with text and numbers&#10;&#10;Description automatically generated">
+            <a:extLst>
+              <a:ext uri="{FF2B5EF4-FFF2-40B4-BE49-F238E27FC236}">
+                <a16:creationId xmlns:a16="http://schemas.microsoft.com/office/drawing/2014/main" id="{8B0F8B9B-7C7C-0DF7-92DA-D34F3476EB41}"/>
+              </a:ext>
+            </a:extLst>
+          </p:cNvPr>
+          <p:cNvPicPr>
+            <a:picLocks noGrp="1" noChangeAspect="1"/>
+          </p:cNvPicPr>
+          <p:nvPr>
+            <p:ph idx="1"/>
+          </p:nvPr>
+        </p:nvPicPr>
+        <p:blipFill>
+          <a:blip r:embed="rId2">
+            <a:extLst>
+              <a:ext uri="{28A0092B-C50C-407E-A947-70E740481C1C}">
+                <a14:useLocalDpi xmlns:a14="http://schemas.microsoft.com/office/drawing/2010/main" val="0"/>
+              </a:ext>
+            </a:extLst>
+          </a:blip>
+          <a:stretch>
+            <a:fillRect/>
+          </a:stretch>
+        </p:blipFill>
+        <p:spPr>
+          <a:xfrm>
+            <a:off x="5183188" y="1572577"/>
+            <a:ext cx="6172200" cy="3703320"/>
+          </a:xfrm>
+        </p:spPr>
+      </p:pic>
+    </p:spTree>
+    <p:extLst>
+      <p:ext uri="{BB962C8B-B14F-4D97-AF65-F5344CB8AC3E}">
+        <p14:creationId xmlns:p14="http://schemas.microsoft.com/office/powerpoint/2010/main" val="2588729548"/>
+      </p:ext>
+    </p:extLst>
+  </p:cSld>
+  <p:clrMapOvr>
+    <a:masterClrMapping/>
+  </p:clrMapOvr>
+</p:sld>
+</file>
+
+<file path=ppt/slides/slide12.xml><?xml version="1.0" encoding="utf-8"?>
+<p:sld xmlns:a="http://schemas.openxmlformats.org/drawingml/2006/main" xmlns:r="http://schemas.openxmlformats.org/officeDocument/2006/relationships" xmlns:p="http://schemas.openxmlformats.org/presentationml/2006/main">
+  <p:cSld>
+    <p:spTree>
+      <p:nvGrpSpPr>
         <p:cNvPr id="1" name=""/>
         <p:cNvGrpSpPr/>
         <p:nvPr/>
@@ -3430,7 +3576,7 @@
 </p:sld>
 </file>
 
-<file path=ppt/slides/slide12.xml><?xml version="1.0" encoding="utf-8"?>
+<file path=ppt/slides/slide13.xml><?xml version="1.0" encoding="utf-8"?>
 <p:sld xmlns:a="http://schemas.openxmlformats.org/drawingml/2006/main" xmlns:r="http://schemas.openxmlformats.org/officeDocument/2006/relationships" xmlns:p="http://schemas.openxmlformats.org/presentationml/2006/main">
   <p:cSld>
     <p:spTree>
@@ -3623,484 +3769,6 @@
 </p:sld>
 </file>
 
-<file path=ppt/slides/slide13.xml><?xml version="1.0" encoding="utf-8"?>
-<p:sld xmlns:a="http://schemas.openxmlformats.org/drawingml/2006/main" xmlns:r="http://schemas.openxmlformats.org/officeDocument/2006/relationships" xmlns:p="http://schemas.openxmlformats.org/presentationml/2006/main">
-  <p:cSld>
-    <p:spTree>
-      <p:nvGrpSpPr>
-        <p:cNvPr id="1" name=""/>
-        <p:cNvGrpSpPr/>
-        <p:nvPr/>
-      </p:nvGrpSpPr>
-      <p:grpSpPr>
-        <a:xfrm>
-          <a:off x="0" y="0"/>
-          <a:ext cx="0" cy="0"/>
-          <a:chOff x="0" y="0"/>
-          <a:chExt cx="0" cy="0"/>
-        </a:xfrm>
-      </p:grpSpPr>
-      <p:sp>
-        <p:nvSpPr>
-          <p:cNvPr id="4" name="Text Placeholder 3">
-            <a:extLst>
-              <a:ext uri="{FF2B5EF4-FFF2-40B4-BE49-F238E27FC236}">
-                <a16:creationId xmlns:a16="http://schemas.microsoft.com/office/drawing/2014/main" id="{8DC21876-0FFB-AD28-4A1F-84768DB132F2}"/>
-              </a:ext>
-            </a:extLst>
-          </p:cNvPr>
-          <p:cNvSpPr>
-            <a:spLocks noGrp="1"/>
-          </p:cNvSpPr>
-          <p:nvPr>
-            <p:ph type="body" sz="half" idx="2"/>
-          </p:nvPr>
-        </p:nvSpPr>
-        <p:spPr/>
-        <p:txBody>
-          <a:bodyPr vert="horz" lIns="91440" tIns="45720" rIns="91440" bIns="45720" rtlCol="0" anchor="t">
-            <a:normAutofit/>
-          </a:bodyPr>
-          <a:lstStyle/>
-          <a:p>
-            <a:pPr marL="285750" indent="-285750">
-              <a:buFont typeface="Arial,Sans-Serif"/>
-              <a:buChar char="•"/>
-            </a:pPr>
-            <a:r>
-              <a:rPr lang="de-DE" b="1" dirty="0"/>
-              <a:t>China </a:t>
-            </a:r>
-            <a:r>
-              <a:rPr lang="de-DE" b="1" dirty="0" err="1"/>
-              <a:t>leads</a:t>
-            </a:r>
-            <a:r>
-              <a:rPr lang="de-DE" b="1" dirty="0"/>
-              <a:t> </a:t>
-            </a:r>
-            <a:r>
-              <a:rPr lang="de-DE" b="1" dirty="0" err="1"/>
-              <a:t>globally</a:t>
-            </a:r>
-            <a:r>
-              <a:rPr lang="de-DE" dirty="0"/>
-              <a:t>, </a:t>
-            </a:r>
-            <a:r>
-              <a:rPr lang="de-DE" dirty="0" err="1"/>
-              <a:t>with</a:t>
-            </a:r>
-            <a:r>
-              <a:rPr lang="de-DE" dirty="0"/>
-              <a:t> </a:t>
-            </a:r>
-            <a:r>
-              <a:rPr lang="de-DE" dirty="0" err="1"/>
-              <a:t>the</a:t>
-            </a:r>
-            <a:r>
-              <a:rPr lang="de-DE" dirty="0"/>
-              <a:t> </a:t>
-            </a:r>
-            <a:r>
-              <a:rPr lang="de-DE" dirty="0" err="1"/>
-              <a:t>highest</a:t>
-            </a:r>
-            <a:r>
-              <a:rPr lang="de-DE" dirty="0"/>
-              <a:t> patent </a:t>
-            </a:r>
-            <a:r>
-              <a:rPr lang="de-DE" dirty="0" err="1"/>
-              <a:t>activity</a:t>
-            </a:r>
-            <a:r>
-              <a:rPr lang="de-DE" dirty="0"/>
-              <a:t> in </a:t>
-            </a:r>
-            <a:r>
-              <a:rPr lang="de-DE" dirty="0" err="1"/>
-              <a:t>self-healing</a:t>
-            </a:r>
-            <a:r>
-              <a:rPr lang="de-DE" dirty="0"/>
-              <a:t> </a:t>
-            </a:r>
-            <a:r>
-              <a:rPr lang="de-DE" dirty="0" err="1"/>
-              <a:t>materials</a:t>
-            </a:r>
-            <a:r>
-              <a:rPr lang="de-DE" dirty="0"/>
-              <a:t>, </a:t>
-            </a:r>
-            <a:r>
-              <a:rPr lang="de-DE" dirty="0" err="1"/>
-              <a:t>driven</a:t>
-            </a:r>
-            <a:r>
-              <a:rPr lang="de-DE" dirty="0"/>
-              <a:t> </a:t>
-            </a:r>
-            <a:r>
-              <a:rPr lang="de-DE" dirty="0" err="1"/>
-              <a:t>by</a:t>
-            </a:r>
-            <a:r>
-              <a:rPr lang="de-DE" dirty="0"/>
-              <a:t> strong </a:t>
-            </a:r>
-            <a:r>
-              <a:rPr lang="de-DE" dirty="0" err="1"/>
-              <a:t>innovation</a:t>
-            </a:r>
-            <a:r>
-              <a:rPr lang="de-DE" dirty="0"/>
-              <a:t> </a:t>
-            </a:r>
-            <a:r>
-              <a:rPr lang="de-DE" dirty="0" err="1"/>
-              <a:t>efforts</a:t>
-            </a:r>
-            <a:r>
-              <a:rPr lang="de-DE" dirty="0"/>
-              <a:t>.</a:t>
-            </a:r>
-            <a:endParaRPr lang="en-US" dirty="0"/>
-          </a:p>
-          <a:p>
-            <a:pPr marL="285750" indent="-285750">
-              <a:buFont typeface="Arial,Sans-Serif"/>
-              <a:buChar char="•"/>
-            </a:pPr>
-            <a:r>
-              <a:rPr lang="de-DE" b="1" dirty="0"/>
-              <a:t>USA, South Korea, and Japan</a:t>
-            </a:r>
-            <a:r>
-              <a:rPr lang="de-DE" dirty="0"/>
-              <a:t> follow </a:t>
-            </a:r>
-            <a:r>
-              <a:rPr lang="de-DE" dirty="0" err="1"/>
-              <a:t>as</a:t>
-            </a:r>
-            <a:r>
-              <a:rPr lang="de-DE" dirty="0"/>
-              <a:t> </a:t>
-            </a:r>
-            <a:r>
-              <a:rPr lang="de-DE" dirty="0" err="1"/>
-              <a:t>key</a:t>
-            </a:r>
-            <a:r>
-              <a:rPr lang="de-DE" dirty="0"/>
-              <a:t> </a:t>
-            </a:r>
-            <a:r>
-              <a:rPr lang="de-DE" dirty="0" err="1"/>
-              <a:t>contributors</a:t>
-            </a:r>
-            <a:r>
-              <a:rPr lang="de-DE" dirty="0"/>
-              <a:t>, but </a:t>
-            </a:r>
-            <a:r>
-              <a:rPr lang="de-DE" dirty="0" err="1"/>
-              <a:t>far</a:t>
-            </a:r>
-            <a:r>
-              <a:rPr lang="de-DE" dirty="0"/>
-              <a:t> </a:t>
-            </a:r>
-            <a:r>
-              <a:rPr lang="de-DE" dirty="0" err="1"/>
-              <a:t>behind</a:t>
-            </a:r>
-            <a:r>
-              <a:rPr lang="de-DE" dirty="0"/>
-              <a:t> China.</a:t>
-            </a:r>
-            <a:endParaRPr lang="en-US" dirty="0"/>
-          </a:p>
-          <a:p>
-            <a:pPr marL="285750" indent="-285750">
-              <a:buFont typeface="Arial,Sans-Serif"/>
-              <a:buChar char="•"/>
-            </a:pPr>
-            <a:r>
-              <a:rPr lang="de-DE" b="1" dirty="0"/>
-              <a:t>Europe lags</a:t>
-            </a:r>
-            <a:r>
-              <a:rPr lang="de-DE" dirty="0"/>
-              <a:t>, </a:t>
-            </a:r>
-            <a:r>
-              <a:rPr lang="de-DE" dirty="0" err="1"/>
-              <a:t>with</a:t>
-            </a:r>
-            <a:r>
-              <a:rPr lang="de-DE" dirty="0"/>
-              <a:t> limited patent </a:t>
-            </a:r>
-            <a:r>
-              <a:rPr lang="de-DE" dirty="0" err="1"/>
-              <a:t>activity</a:t>
-            </a:r>
-            <a:r>
-              <a:rPr lang="de-DE" dirty="0"/>
-              <a:t>, </a:t>
-            </a:r>
-            <a:r>
-              <a:rPr lang="de-DE" dirty="0" err="1"/>
-              <a:t>suggesting</a:t>
-            </a:r>
-            <a:r>
-              <a:rPr lang="de-DE" dirty="0"/>
-              <a:t> a </a:t>
-            </a:r>
-            <a:r>
-              <a:rPr lang="de-DE" dirty="0" err="1"/>
-              <a:t>focus</a:t>
-            </a:r>
-            <a:r>
-              <a:rPr lang="de-DE" dirty="0"/>
-              <a:t> on </a:t>
-            </a:r>
-            <a:r>
-              <a:rPr lang="de-DE" dirty="0" err="1"/>
-              <a:t>other</a:t>
-            </a:r>
-            <a:r>
-              <a:rPr lang="de-DE" dirty="0"/>
-              <a:t> </a:t>
-            </a:r>
-            <a:r>
-              <a:rPr lang="de-DE" dirty="0" err="1"/>
-              <a:t>priorities</a:t>
-            </a:r>
-            <a:r>
-              <a:rPr lang="de-DE" dirty="0"/>
-              <a:t> </a:t>
-            </a:r>
-            <a:r>
-              <a:rPr lang="de-DE" dirty="0" err="1"/>
-              <a:t>or</a:t>
-            </a:r>
-            <a:r>
-              <a:rPr lang="de-DE" dirty="0"/>
-              <a:t> </a:t>
-            </a:r>
-            <a:r>
-              <a:rPr lang="de-DE" dirty="0" err="1"/>
-              <a:t>academic</a:t>
-            </a:r>
-            <a:r>
-              <a:rPr lang="de-DE" dirty="0"/>
-              <a:t> </a:t>
-            </a:r>
-            <a:r>
-              <a:rPr lang="de-DE" dirty="0" err="1"/>
-              <a:t>research</a:t>
-            </a:r>
-            <a:r>
-              <a:rPr lang="de-DE" dirty="0"/>
-              <a:t>.</a:t>
-            </a:r>
-            <a:endParaRPr lang="en-US" dirty="0"/>
-          </a:p>
-          <a:p>
-            <a:pPr marL="285750" indent="-285750">
-              <a:buFont typeface="Arial,Sans-Serif"/>
-              <a:buChar char="•"/>
-            </a:pPr>
-            <a:r>
-              <a:rPr lang="de-DE" b="1" dirty="0"/>
-              <a:t>Strategic </a:t>
-            </a:r>
-            <a:r>
-              <a:rPr lang="de-DE" b="1" dirty="0" err="1"/>
-              <a:t>focus</a:t>
-            </a:r>
-            <a:r>
-              <a:rPr lang="de-DE" b="1" dirty="0"/>
-              <a:t> on China</a:t>
-            </a:r>
-            <a:r>
-              <a:rPr lang="de-DE" dirty="0"/>
-              <a:t> </a:t>
-            </a:r>
-            <a:r>
-              <a:rPr lang="de-DE" dirty="0" err="1"/>
-              <a:t>is</a:t>
-            </a:r>
-            <a:r>
-              <a:rPr lang="de-DE" dirty="0"/>
-              <a:t> </a:t>
-            </a:r>
-            <a:r>
-              <a:rPr lang="de-DE" dirty="0" err="1"/>
-              <a:t>crucial</a:t>
-            </a:r>
-            <a:r>
-              <a:rPr lang="de-DE" dirty="0"/>
-              <a:t> </a:t>
-            </a:r>
-            <a:r>
-              <a:rPr lang="de-DE" dirty="0" err="1"/>
-              <a:t>to</a:t>
-            </a:r>
-            <a:r>
-              <a:rPr lang="de-DE" dirty="0"/>
-              <a:t> track </a:t>
-            </a:r>
-            <a:r>
-              <a:rPr lang="de-DE" dirty="0" err="1"/>
-              <a:t>emerging</a:t>
-            </a:r>
-            <a:r>
-              <a:rPr lang="de-DE" dirty="0"/>
-              <a:t> </a:t>
-            </a:r>
-            <a:r>
-              <a:rPr lang="de-DE" dirty="0" err="1"/>
-              <a:t>trends</a:t>
-            </a:r>
-            <a:r>
-              <a:rPr lang="de-DE" dirty="0"/>
-              <a:t> and </a:t>
-            </a:r>
-            <a:r>
-              <a:rPr lang="de-DE" dirty="0" err="1"/>
-              <a:t>opportunities</a:t>
-            </a:r>
-            <a:r>
-              <a:rPr lang="de-DE" dirty="0"/>
-              <a:t> in </a:t>
-            </a:r>
-            <a:r>
-              <a:rPr lang="de-DE" dirty="0" err="1"/>
-              <a:t>this</a:t>
-            </a:r>
-            <a:r>
-              <a:rPr lang="de-DE" dirty="0"/>
-              <a:t> </a:t>
-            </a:r>
-            <a:r>
-              <a:rPr lang="de-DE" dirty="0" err="1"/>
-              <a:t>field</a:t>
-            </a:r>
-            <a:r>
-              <a:rPr lang="de-DE" dirty="0"/>
-              <a:t>.</a:t>
-            </a:r>
-            <a:endParaRPr lang="en-DE" dirty="0"/>
-          </a:p>
-        </p:txBody>
-      </p:sp>
-      <p:pic>
-        <p:nvPicPr>
-          <p:cNvPr id="12" name="Inhaltsplatzhalter 11" descr="Ein Bild, das Text, Screenshot, Diagramm, Reihe enthält.&#10;&#10;Beschreibung automatisch generiert.">
-            <a:extLst>
-              <a:ext uri="{FF2B5EF4-FFF2-40B4-BE49-F238E27FC236}">
-                <a16:creationId xmlns:a16="http://schemas.microsoft.com/office/drawing/2014/main" id="{6FC40EEA-592C-668A-0F4D-CC47AC3839DF}"/>
-              </a:ext>
-            </a:extLst>
-          </p:cNvPr>
-          <p:cNvPicPr>
-            <a:picLocks noGrp="1" noChangeAspect="1"/>
-          </p:cNvPicPr>
-          <p:nvPr>
-            <p:ph idx="1"/>
-          </p:nvPr>
-        </p:nvPicPr>
-        <p:blipFill>
-          <a:blip r:embed="rId2"/>
-          <a:stretch>
-            <a:fillRect/>
-          </a:stretch>
-        </p:blipFill>
-        <p:spPr>
-          <a:xfrm>
-            <a:off x="5221288" y="1595437"/>
-            <a:ext cx="6096000" cy="3657600"/>
-          </a:xfrm>
-        </p:spPr>
-      </p:pic>
-      <p:sp>
-        <p:nvSpPr>
-          <p:cNvPr id="6" name="Title 1">
-            <a:extLst>
-              <a:ext uri="{FF2B5EF4-FFF2-40B4-BE49-F238E27FC236}">
-                <a16:creationId xmlns:a16="http://schemas.microsoft.com/office/drawing/2014/main" id="{C57DEE2B-58F9-3509-05A9-B78DC46CAD95}"/>
-              </a:ext>
-            </a:extLst>
-          </p:cNvPr>
-          <p:cNvSpPr txBox="1">
-            <a:spLocks/>
-          </p:cNvSpPr>
-          <p:nvPr/>
-        </p:nvSpPr>
-        <p:spPr>
-          <a:xfrm>
-            <a:off x="839788" y="457200"/>
-            <a:ext cx="10486676" cy="522250"/>
-          </a:xfrm>
-          <a:prstGeom prst="rect">
-            <a:avLst/>
-          </a:prstGeom>
-        </p:spPr>
-        <p:txBody>
-          <a:bodyPr vert="horz" lIns="91440" tIns="45720" rIns="91440" bIns="45720" rtlCol="0" anchor="t">
-            <a:normAutofit lnSpcReduction="10000"/>
-          </a:bodyPr>
-          <a:lstStyle>
-            <a:lvl1pPr algn="l" defTabSz="914400" rtl="0" eaLnBrk="1" latinLnBrk="0" hangingPunct="1">
-              <a:lnSpc>
-                <a:spcPct val="90000"/>
-              </a:lnSpc>
-              <a:spcBef>
-                <a:spcPct val="0"/>
-              </a:spcBef>
-              <a:buNone/>
-              <a:defRPr sz="3200" kern="1200">
-                <a:solidFill>
-                  <a:schemeClr val="tx1"/>
-                </a:solidFill>
-                <a:latin typeface="+mj-lt"/>
-                <a:ea typeface="+mj-ea"/>
-                <a:cs typeface="+mj-cs"/>
-              </a:defRPr>
-            </a:lvl1pPr>
-          </a:lstStyle>
-          <a:p>
-            <a:r>
-              <a:rPr lang="en-GB" dirty="0" err="1"/>
-              <a:t>Espacenet</a:t>
-            </a:r>
-            <a:r>
-              <a:rPr lang="en-GB" dirty="0"/>
-              <a:t> Data: Patent families </a:t>
-            </a:r>
-            <a:endParaRPr lang="de-DE" dirty="0"/>
-          </a:p>
-        </p:txBody>
-      </p:sp>
-    </p:spTree>
-    <p:extLst>
-      <p:ext uri="{BB962C8B-B14F-4D97-AF65-F5344CB8AC3E}">
-        <p14:creationId xmlns:p14="http://schemas.microsoft.com/office/powerpoint/2010/main" val="233784213"/>
-      </p:ext>
-    </p:extLst>
-  </p:cSld>
-  <p:clrMapOvr>
-    <a:masterClrMapping/>
-  </p:clrMapOvr>
-</p:sld>
-</file>
-
 <file path=ppt/slides/slide14.xml><?xml version="1.0" encoding="utf-8"?>
 <p:sld xmlns:a="http://schemas.openxmlformats.org/drawingml/2006/main" xmlns:r="http://schemas.openxmlformats.org/officeDocument/2006/relationships" xmlns:p="http://schemas.openxmlformats.org/presentationml/2006/main">
   <p:cSld>
@@ -4120,10 +3788,10 @@
       </p:grpSpPr>
       <p:sp>
         <p:nvSpPr>
-          <p:cNvPr id="2" name="Title 1">
+          <p:cNvPr id="4" name="Text Placeholder 3">
             <a:extLst>
               <a:ext uri="{FF2B5EF4-FFF2-40B4-BE49-F238E27FC236}">
-                <a16:creationId xmlns:a16="http://schemas.microsoft.com/office/drawing/2014/main" id="{A1B1FB28-5B8C-BCFB-04B3-54966AAE995C}"/>
+                <a16:creationId xmlns:a16="http://schemas.microsoft.com/office/drawing/2014/main" id="{8DC21876-0FFB-AD28-4A1F-84768DB132F2}"/>
               </a:ext>
             </a:extLst>
           </p:cNvPr>
@@ -4131,53 +3799,359 @@
             <a:spLocks noGrp="1"/>
           </p:cNvSpPr>
           <p:nvPr>
-            <p:ph type="title"/>
+            <p:ph type="body" sz="half" idx="2"/>
           </p:nvPr>
         </p:nvSpPr>
         <p:spPr/>
         <p:txBody>
-          <a:bodyPr/>
+          <a:bodyPr vert="horz" lIns="91440" tIns="45720" rIns="91440" bIns="45720" rtlCol="0" anchor="t">
+            <a:normAutofit/>
+          </a:bodyPr>
           <a:lstStyle/>
           <a:p>
-            <a:r>
-              <a:rPr lang="en-US" dirty="0" err="1"/>
-              <a:t>Espacenet</a:t>
+            <a:pPr marL="285750" indent="-285750">
+              <a:buFont typeface="Arial,Sans-Serif"/>
+              <a:buChar char="•"/>
+            </a:pPr>
+            <a:r>
+              <a:rPr lang="de-DE" b="1" dirty="0"/>
+              <a:t>China </a:t>
+            </a:r>
+            <a:r>
+              <a:rPr lang="de-DE" b="1" dirty="0" err="1"/>
+              <a:t>leads</a:t>
+            </a:r>
+            <a:r>
+              <a:rPr lang="de-DE" b="1" dirty="0"/>
+              <a:t> </a:t>
+            </a:r>
+            <a:r>
+              <a:rPr lang="de-DE" b="1" dirty="0" err="1"/>
+              <a:t>globally</a:t>
+            </a:r>
+            <a:r>
+              <a:rPr lang="de-DE" dirty="0"/>
+              <a:t>, </a:t>
+            </a:r>
+            <a:r>
+              <a:rPr lang="de-DE" dirty="0" err="1"/>
+              <a:t>with</a:t>
+            </a:r>
+            <a:r>
+              <a:rPr lang="de-DE" dirty="0"/>
+              <a:t> </a:t>
+            </a:r>
+            <a:r>
+              <a:rPr lang="de-DE" dirty="0" err="1"/>
+              <a:t>the</a:t>
+            </a:r>
+            <a:r>
+              <a:rPr lang="de-DE" dirty="0"/>
+              <a:t> </a:t>
+            </a:r>
+            <a:r>
+              <a:rPr lang="de-DE" dirty="0" err="1"/>
+              <a:t>highest</a:t>
+            </a:r>
+            <a:r>
+              <a:rPr lang="de-DE" dirty="0"/>
+              <a:t> patent </a:t>
+            </a:r>
+            <a:r>
+              <a:rPr lang="de-DE" dirty="0" err="1"/>
+              <a:t>activity</a:t>
+            </a:r>
+            <a:r>
+              <a:rPr lang="de-DE" dirty="0"/>
+              <a:t> in </a:t>
+            </a:r>
+            <a:r>
+              <a:rPr lang="de-DE" dirty="0" err="1"/>
+              <a:t>self-healing</a:t>
+            </a:r>
+            <a:r>
+              <a:rPr lang="de-DE" dirty="0"/>
+              <a:t> </a:t>
+            </a:r>
+            <a:r>
+              <a:rPr lang="de-DE" dirty="0" err="1"/>
+              <a:t>materials</a:t>
+            </a:r>
+            <a:r>
+              <a:rPr lang="de-DE" dirty="0"/>
+              <a:t>, </a:t>
+            </a:r>
+            <a:r>
+              <a:rPr lang="de-DE" dirty="0" err="1"/>
+              <a:t>driven</a:t>
+            </a:r>
+            <a:r>
+              <a:rPr lang="de-DE" dirty="0"/>
+              <a:t> </a:t>
+            </a:r>
+            <a:r>
+              <a:rPr lang="de-DE" dirty="0" err="1"/>
+              <a:t>by</a:t>
+            </a:r>
+            <a:r>
+              <a:rPr lang="de-DE" dirty="0"/>
+              <a:t> strong </a:t>
+            </a:r>
+            <a:r>
+              <a:rPr lang="de-DE" dirty="0" err="1"/>
+              <a:t>innovation</a:t>
+            </a:r>
+            <a:r>
+              <a:rPr lang="de-DE" dirty="0"/>
+              <a:t> </a:t>
+            </a:r>
+            <a:r>
+              <a:rPr lang="de-DE" dirty="0" err="1"/>
+              <a:t>efforts</a:t>
+            </a:r>
+            <a:r>
+              <a:rPr lang="de-DE" dirty="0"/>
+              <a:t>.</a:t>
+            </a:r>
+            <a:endParaRPr lang="en-US" dirty="0"/>
+          </a:p>
+          <a:p>
+            <a:pPr marL="285750" indent="-285750">
+              <a:buFont typeface="Arial,Sans-Serif"/>
+              <a:buChar char="•"/>
+            </a:pPr>
+            <a:r>
+              <a:rPr lang="de-DE" b="1" dirty="0"/>
+              <a:t>USA, South Korea, and Japan</a:t>
+            </a:r>
+            <a:r>
+              <a:rPr lang="de-DE" dirty="0"/>
+              <a:t> follow </a:t>
+            </a:r>
+            <a:r>
+              <a:rPr lang="de-DE" dirty="0" err="1"/>
+              <a:t>as</a:t>
+            </a:r>
+            <a:r>
+              <a:rPr lang="de-DE" dirty="0"/>
+              <a:t> </a:t>
+            </a:r>
+            <a:r>
+              <a:rPr lang="de-DE" dirty="0" err="1"/>
+              <a:t>key</a:t>
+            </a:r>
+            <a:r>
+              <a:rPr lang="de-DE" dirty="0"/>
+              <a:t> </a:t>
+            </a:r>
+            <a:r>
+              <a:rPr lang="de-DE" dirty="0" err="1"/>
+              <a:t>contributors</a:t>
+            </a:r>
+            <a:r>
+              <a:rPr lang="de-DE" dirty="0"/>
+              <a:t>, but </a:t>
+            </a:r>
+            <a:r>
+              <a:rPr lang="de-DE" dirty="0" err="1"/>
+              <a:t>far</a:t>
+            </a:r>
+            <a:r>
+              <a:rPr lang="de-DE" dirty="0"/>
+              <a:t> </a:t>
+            </a:r>
+            <a:r>
+              <a:rPr lang="de-DE" dirty="0" err="1"/>
+              <a:t>behind</a:t>
+            </a:r>
+            <a:r>
+              <a:rPr lang="de-DE" dirty="0"/>
+              <a:t> China.</a:t>
+            </a:r>
+            <a:endParaRPr lang="en-US" dirty="0"/>
+          </a:p>
+          <a:p>
+            <a:pPr marL="285750" indent="-285750">
+              <a:buFont typeface="Arial,Sans-Serif"/>
+              <a:buChar char="•"/>
+            </a:pPr>
+            <a:r>
+              <a:rPr lang="de-DE" b="1" dirty="0"/>
+              <a:t>Europe lags</a:t>
+            </a:r>
+            <a:r>
+              <a:rPr lang="de-DE" dirty="0"/>
+              <a:t>, </a:t>
+            </a:r>
+            <a:r>
+              <a:rPr lang="de-DE" dirty="0" err="1"/>
+              <a:t>with</a:t>
+            </a:r>
+            <a:r>
+              <a:rPr lang="de-DE" dirty="0"/>
+              <a:t> limited patent </a:t>
+            </a:r>
+            <a:r>
+              <a:rPr lang="de-DE" dirty="0" err="1"/>
+              <a:t>activity</a:t>
+            </a:r>
+            <a:r>
+              <a:rPr lang="de-DE" dirty="0"/>
+              <a:t>, </a:t>
+            </a:r>
+            <a:r>
+              <a:rPr lang="de-DE" dirty="0" err="1"/>
+              <a:t>suggesting</a:t>
+            </a:r>
+            <a:r>
+              <a:rPr lang="de-DE" dirty="0"/>
+              <a:t> a </a:t>
+            </a:r>
+            <a:r>
+              <a:rPr lang="de-DE" dirty="0" err="1"/>
+              <a:t>focus</a:t>
+            </a:r>
+            <a:r>
+              <a:rPr lang="de-DE" dirty="0"/>
+              <a:t> on </a:t>
+            </a:r>
+            <a:r>
+              <a:rPr lang="de-DE" dirty="0" err="1"/>
+              <a:t>other</a:t>
+            </a:r>
+            <a:r>
+              <a:rPr lang="de-DE" dirty="0"/>
+              <a:t> </a:t>
+            </a:r>
+            <a:r>
+              <a:rPr lang="de-DE" dirty="0" err="1"/>
+              <a:t>priorities</a:t>
+            </a:r>
+            <a:r>
+              <a:rPr lang="de-DE" dirty="0"/>
+              <a:t> </a:t>
+            </a:r>
+            <a:r>
+              <a:rPr lang="de-DE" dirty="0" err="1"/>
+              <a:t>or</a:t>
+            </a:r>
+            <a:r>
+              <a:rPr lang="de-DE" dirty="0"/>
+              <a:t> </a:t>
+            </a:r>
+            <a:r>
+              <a:rPr lang="de-DE" dirty="0" err="1"/>
+              <a:t>academic</a:t>
+            </a:r>
+            <a:r>
+              <a:rPr lang="de-DE" dirty="0"/>
+              <a:t> </a:t>
+            </a:r>
+            <a:r>
+              <a:rPr lang="de-DE" dirty="0" err="1"/>
+              <a:t>research</a:t>
+            </a:r>
+            <a:r>
+              <a:rPr lang="de-DE" dirty="0"/>
+              <a:t>.</a:t>
+            </a:r>
+            <a:endParaRPr lang="en-US" dirty="0"/>
+          </a:p>
+          <a:p>
+            <a:pPr marL="285750" indent="-285750">
+              <a:buFont typeface="Arial,Sans-Serif"/>
+              <a:buChar char="•"/>
+            </a:pPr>
+            <a:r>
+              <a:rPr lang="de-DE" b="1" dirty="0"/>
+              <a:t>Strategic </a:t>
+            </a:r>
+            <a:r>
+              <a:rPr lang="de-DE" b="1" dirty="0" err="1"/>
+              <a:t>focus</a:t>
+            </a:r>
+            <a:r>
+              <a:rPr lang="de-DE" b="1" dirty="0"/>
+              <a:t> on China</a:t>
+            </a:r>
+            <a:r>
+              <a:rPr lang="de-DE" dirty="0"/>
+              <a:t> </a:t>
+            </a:r>
+            <a:r>
+              <a:rPr lang="de-DE" dirty="0" err="1"/>
+              <a:t>is</a:t>
+            </a:r>
+            <a:r>
+              <a:rPr lang="de-DE" dirty="0"/>
+              <a:t> </a:t>
+            </a:r>
+            <a:r>
+              <a:rPr lang="de-DE" dirty="0" err="1"/>
+              <a:t>crucial</a:t>
+            </a:r>
+            <a:r>
+              <a:rPr lang="de-DE" dirty="0"/>
+              <a:t> </a:t>
+            </a:r>
+            <a:r>
+              <a:rPr lang="de-DE" dirty="0" err="1"/>
+              <a:t>to</a:t>
+            </a:r>
+            <a:r>
+              <a:rPr lang="de-DE" dirty="0"/>
+              <a:t> track </a:t>
+            </a:r>
+            <a:r>
+              <a:rPr lang="de-DE" dirty="0" err="1"/>
+              <a:t>emerging</a:t>
+            </a:r>
+            <a:r>
+              <a:rPr lang="de-DE" dirty="0"/>
+              <a:t> </a:t>
+            </a:r>
+            <a:r>
+              <a:rPr lang="de-DE" dirty="0" err="1"/>
+              <a:t>trends</a:t>
+            </a:r>
+            <a:r>
+              <a:rPr lang="de-DE" dirty="0"/>
+              <a:t> and </a:t>
+            </a:r>
+            <a:r>
+              <a:rPr lang="de-DE" dirty="0" err="1"/>
+              <a:t>opportunities</a:t>
+            </a:r>
+            <a:r>
+              <a:rPr lang="de-DE" dirty="0"/>
+              <a:t> in </a:t>
+            </a:r>
+            <a:r>
+              <a:rPr lang="de-DE" dirty="0" err="1"/>
+              <a:t>this</a:t>
+            </a:r>
+            <a:r>
+              <a:rPr lang="de-DE" dirty="0"/>
+              <a:t> </a:t>
+            </a:r>
+            <a:r>
+              <a:rPr lang="de-DE" dirty="0" err="1"/>
+              <a:t>field</a:t>
+            </a:r>
+            <a:r>
+              <a:rPr lang="de-DE" dirty="0"/>
+              <a:t>.</a:t>
             </a:r>
             <a:endParaRPr lang="en-DE" dirty="0"/>
           </a:p>
         </p:txBody>
       </p:sp>
-      <p:sp>
-        <p:nvSpPr>
-          <p:cNvPr id="4" name="Text Placeholder 3">
+      <p:pic>
+        <p:nvPicPr>
+          <p:cNvPr id="12" name="Inhaltsplatzhalter 11" descr="Ein Bild, das Text, Screenshot, Diagramm, Reihe enthält.&#10;&#10;Beschreibung automatisch generiert.">
             <a:extLst>
               <a:ext uri="{FF2B5EF4-FFF2-40B4-BE49-F238E27FC236}">
-                <a16:creationId xmlns:a16="http://schemas.microsoft.com/office/drawing/2014/main" id="{EC61FC60-B060-12B2-5E82-55544DE04D4C}"/>
-              </a:ext>
-            </a:extLst>
-          </p:cNvPr>
-          <p:cNvSpPr>
-            <a:spLocks noGrp="1"/>
-          </p:cNvSpPr>
-          <p:nvPr>
-            <p:ph type="body" sz="half" idx="2"/>
-          </p:nvPr>
-        </p:nvSpPr>
-        <p:spPr/>
-        <p:txBody>
-          <a:bodyPr/>
-          <a:lstStyle/>
-          <a:p>
-            <a:endParaRPr lang="en-DE"/>
-          </a:p>
-        </p:txBody>
-      </p:sp>
-      <p:pic>
-        <p:nvPicPr>
-          <p:cNvPr id="7" name="Content Placeholder 6" descr="A graph showing the growth of a book&#10;&#10;Description automatically generated">
-            <a:extLst>
-              <a:ext uri="{FF2B5EF4-FFF2-40B4-BE49-F238E27FC236}">
-                <a16:creationId xmlns:a16="http://schemas.microsoft.com/office/drawing/2014/main" id="{19EA9D37-D23E-EE12-4ACB-031C10461D17}"/>
+                <a16:creationId xmlns:a16="http://schemas.microsoft.com/office/drawing/2014/main" id="{6FC40EEA-592C-668A-0F4D-CC47AC3839DF}"/>
               </a:ext>
             </a:extLst>
           </p:cNvPr>
@@ -4203,142 +4177,67 @@
       </p:pic>
       <p:sp>
         <p:nvSpPr>
-          <p:cNvPr id="3" name="Textfeld 2">
+          <p:cNvPr id="6" name="Title 1">
             <a:extLst>
               <a:ext uri="{FF2B5EF4-FFF2-40B4-BE49-F238E27FC236}">
-                <a16:creationId xmlns:a16="http://schemas.microsoft.com/office/drawing/2014/main" id="{99B88837-E2FE-A893-9E97-7F7FEF4938FC}"/>
+                <a16:creationId xmlns:a16="http://schemas.microsoft.com/office/drawing/2014/main" id="{C57DEE2B-58F9-3509-05A9-B78DC46CAD95}"/>
               </a:ext>
             </a:extLst>
           </p:cNvPr>
-          <p:cNvSpPr txBox="1"/>
+          <p:cNvSpPr txBox="1">
+            <a:spLocks/>
+          </p:cNvSpPr>
           <p:nvPr/>
         </p:nvSpPr>
         <p:spPr>
           <a:xfrm>
-            <a:off x="1749126" y="3321856"/>
-            <a:ext cx="3265714" cy="369332"/>
+            <a:off x="839788" y="457200"/>
+            <a:ext cx="10486676" cy="522250"/>
           </a:xfrm>
           <a:prstGeom prst="rect">
             <a:avLst/>
           </a:prstGeom>
-          <a:noFill/>
         </p:spPr>
         <p:txBody>
-          <a:bodyPr rot="0" spcFirstLastPara="0" vertOverflow="overflow" horzOverflow="overflow" vert="horz" wrap="square" lIns="91440" tIns="45720" rIns="91440" bIns="45720" numCol="1" spcCol="0" rtlCol="0" fromWordArt="0" anchor="t" anchorCtr="0" forceAA="0" compatLnSpc="1">
-            <a:prstTxWarp prst="textNoShape">
-              <a:avLst/>
-            </a:prstTxWarp>
-            <a:spAutoFit/>
+          <a:bodyPr vert="horz" lIns="91440" tIns="45720" rIns="91440" bIns="45720" rtlCol="0" anchor="t">
+            <a:normAutofit lnSpcReduction="10000"/>
           </a:bodyPr>
-          <a:lstStyle/>
-          <a:p>
-            <a:r>
-              <a:rPr lang="de-DE" dirty="0">
-                <a:solidFill>
-                  <a:srgbClr val="FF0000"/>
-                </a:solidFill>
-              </a:rPr>
-              <a:t>Warum Daten vor 2015? </a:t>
-            </a:r>
-          </a:p>
-        </p:txBody>
-      </p:sp>
-      <p:sp>
-        <p:nvSpPr>
-          <p:cNvPr id="5" name="Textfeld 4">
-            <a:extLst>
-              <a:ext uri="{FF2B5EF4-FFF2-40B4-BE49-F238E27FC236}">
-                <a16:creationId xmlns:a16="http://schemas.microsoft.com/office/drawing/2014/main" id="{7E388F70-DC19-C63B-C5DD-9939BF3A9210}"/>
-              </a:ext>
-            </a:extLst>
-          </p:cNvPr>
-          <p:cNvSpPr txBox="1"/>
-          <p:nvPr/>
-        </p:nvSpPr>
-        <p:spPr>
-          <a:xfrm>
-            <a:off x="5547731" y="5380961"/>
-            <a:ext cx="4293053" cy="369332"/>
-          </a:xfrm>
-          <a:prstGeom prst="rect">
-            <a:avLst/>
-          </a:prstGeom>
-          <a:noFill/>
-        </p:spPr>
-        <p:txBody>
-          <a:bodyPr rot="0" spcFirstLastPara="0" vertOverflow="overflow" horzOverflow="overflow" vert="horz" wrap="square" lIns="91440" tIns="45720" rIns="91440" bIns="45720" numCol="1" spcCol="0" rtlCol="0" fromWordArt="0" anchor="t" anchorCtr="0" forceAA="0" compatLnSpc="1">
-            <a:prstTxWarp prst="textNoShape">
-              <a:avLst/>
-            </a:prstTxWarp>
-            <a:spAutoFit/>
-          </a:bodyPr>
-          <a:lstStyle/>
-          <a:p>
-            <a:r>
-              <a:rPr lang="de-DE" dirty="0">
-                <a:solidFill>
-                  <a:srgbClr val="FF0000"/>
-                </a:solidFill>
-              </a:rPr>
-              <a:t>X-Achse Major/Minor Ticks (Georg)</a:t>
-            </a:r>
-          </a:p>
-        </p:txBody>
-      </p:sp>
-      <p:sp>
-        <p:nvSpPr>
-          <p:cNvPr id="6" name="Textfeld 5">
-            <a:extLst>
-              <a:ext uri="{FF2B5EF4-FFF2-40B4-BE49-F238E27FC236}">
-                <a16:creationId xmlns:a16="http://schemas.microsoft.com/office/drawing/2014/main" id="{04763C24-0F1C-6ED9-C263-605C9DE2CF33}"/>
-              </a:ext>
-            </a:extLst>
-          </p:cNvPr>
-          <p:cNvSpPr txBox="1"/>
-          <p:nvPr/>
-        </p:nvSpPr>
-        <p:spPr>
-          <a:xfrm>
-            <a:off x="5548947" y="5869213"/>
-            <a:ext cx="3816803" cy="646331"/>
-          </a:xfrm>
-          <a:prstGeom prst="rect">
-            <a:avLst/>
-          </a:prstGeom>
-          <a:noFill/>
-        </p:spPr>
-        <p:txBody>
-          <a:bodyPr rot="0" spcFirstLastPara="0" vertOverflow="overflow" horzOverflow="overflow" vert="horz" wrap="square" lIns="91440" tIns="45720" rIns="91440" bIns="45720" numCol="1" spcCol="0" rtlCol="0" fromWordArt="0" anchor="t" anchorCtr="0" forceAA="0" compatLnSpc="1">
-            <a:prstTxWarp prst="textNoShape">
-              <a:avLst/>
-            </a:prstTxWarp>
-            <a:spAutoFit/>
-          </a:bodyPr>
-          <a:lstStyle/>
-          <a:p>
-            <a:r>
-              <a:rPr lang="de-DE" dirty="0">
-                <a:solidFill>
-                  <a:srgbClr val="FF0000"/>
-                </a:solidFill>
-              </a:rPr>
-              <a:t>Vergleich mit Publikationsdaten, </a:t>
-            </a:r>
-            <a:r>
-              <a:rPr lang="de-DE">
-                <a:solidFill>
-                  <a:srgbClr val="FF0000"/>
-                </a:solidFill>
-              </a:rPr>
-              <a:t>auch vor 2015</a:t>
-            </a:r>
+          <a:lstStyle>
+            <a:lvl1pPr algn="l" defTabSz="914400" rtl="0" eaLnBrk="1" latinLnBrk="0" hangingPunct="1">
+              <a:lnSpc>
+                <a:spcPct val="90000"/>
+              </a:lnSpc>
+              <a:spcBef>
+                <a:spcPct val="0"/>
+              </a:spcBef>
+              <a:buNone/>
+              <a:defRPr sz="3200" kern="1200">
+                <a:solidFill>
+                  <a:schemeClr val="tx1"/>
+                </a:solidFill>
+                <a:latin typeface="+mj-lt"/>
+                <a:ea typeface="+mj-ea"/>
+                <a:cs typeface="+mj-cs"/>
+              </a:defRPr>
+            </a:lvl1pPr>
+          </a:lstStyle>
+          <a:p>
+            <a:r>
+              <a:rPr lang="en-GB" dirty="0" err="1"/>
+              <a:t>Espacenet</a:t>
+            </a:r>
+            <a:r>
+              <a:rPr lang="en-GB" dirty="0"/>
+              <a:t> Data: Patent families </a:t>
+            </a:r>
+            <a:endParaRPr lang="de-DE" dirty="0"/>
           </a:p>
         </p:txBody>
       </p:sp>
     </p:spTree>
     <p:extLst>
       <p:ext uri="{BB962C8B-B14F-4D97-AF65-F5344CB8AC3E}">
-        <p14:creationId xmlns:p14="http://schemas.microsoft.com/office/powerpoint/2010/main" val="3666487214"/>
+        <p14:creationId xmlns:p14="http://schemas.microsoft.com/office/powerpoint/2010/main" val="233784213"/>
       </p:ext>
     </p:extLst>
   </p:cSld>
@@ -4370,7 +4269,7 @@
           <p:cNvPr id="2" name="Title 1">
             <a:extLst>
               <a:ext uri="{FF2B5EF4-FFF2-40B4-BE49-F238E27FC236}">
-                <a16:creationId xmlns:a16="http://schemas.microsoft.com/office/drawing/2014/main" id="{2607136C-E885-609E-94FD-103F489D415B}"/>
+                <a16:creationId xmlns:a16="http://schemas.microsoft.com/office/drawing/2014/main" id="{A1B1FB28-5B8C-BCFB-04B3-54966AAE995C}"/>
               </a:ext>
             </a:extLst>
           </p:cNvPr>
@@ -4387,8 +4286,8 @@
           <a:lstStyle/>
           <a:p>
             <a:r>
-              <a:rPr lang="en-US" dirty="0"/>
-              <a:t>WIPO</a:t>
+              <a:rPr lang="en-US" dirty="0" err="1"/>
+              <a:t>Espacenet</a:t>
             </a:r>
             <a:endParaRPr lang="en-DE" dirty="0"/>
           </a:p>
@@ -4399,7 +4298,7 @@
           <p:cNvPr id="4" name="Text Placeholder 3">
             <a:extLst>
               <a:ext uri="{FF2B5EF4-FFF2-40B4-BE49-F238E27FC236}">
-                <a16:creationId xmlns:a16="http://schemas.microsoft.com/office/drawing/2014/main" id="{A9E17B91-A842-294D-FDBB-489DAA25A9FA}"/>
+                <a16:creationId xmlns:a16="http://schemas.microsoft.com/office/drawing/2014/main" id="{EC61FC60-B060-12B2-5E82-55544DE04D4C}"/>
               </a:ext>
             </a:extLst>
           </p:cNvPr>
@@ -4412,21 +4311,16 @@
         </p:nvSpPr>
         <p:spPr/>
         <p:txBody>
-          <a:bodyPr vert="horz" lIns="91440" tIns="45720" rIns="91440" bIns="45720" rtlCol="0" anchor="t">
-            <a:normAutofit/>
-          </a:bodyPr>
+          <a:bodyPr/>
           <a:lstStyle/>
           <a:p>
             <a:pPr marL="285750" indent="-285750">
+              <a:buFont typeface="Arial" panose="020B0604020202020204" pitchFamily="34" charset="0"/>
               <a:buChar char="•"/>
             </a:pPr>
             <a:r>
-              <a:rPr lang="en-DE" dirty="0"/>
-              <a:t>WIPO additionally manages the rights to 605 international patents (not shown </a:t>
-            </a:r>
-            <a:r>
-              <a:rPr lang="en-DE"/>
-              <a:t>in graph)</a:t>
+              <a:rPr lang="en-US" dirty="0"/>
+              <a:t>Data before 2015 shown likely due to the earliest publication being before 2015, while current publication of the corresponding patent is from 2015 onward</a:t>
             </a:r>
             <a:endParaRPr lang="en-DE" dirty="0"/>
           </a:p>
@@ -4434,10 +4328,10 @@
       </p:sp>
       <p:pic>
         <p:nvPicPr>
-          <p:cNvPr id="7" name="Content Placeholder 6" descr="A graph of blue and white bars&#10;&#10;Description automatically generated">
+          <p:cNvPr id="7" name="Content Placeholder 6" descr="A graph showing the growth of a book&#10;&#10;Description automatically generated">
             <a:extLst>
               <a:ext uri="{FF2B5EF4-FFF2-40B4-BE49-F238E27FC236}">
-                <a16:creationId xmlns:a16="http://schemas.microsoft.com/office/drawing/2014/main" id="{28E7E884-2B3B-27CF-FF3A-73A149F825F9}"/>
+                <a16:creationId xmlns:a16="http://schemas.microsoft.com/office/drawing/2014/main" id="{19EA9D37-D23E-EE12-4ACB-031C10461D17}"/>
               </a:ext>
             </a:extLst>
           </p:cNvPr>
@@ -4463,10 +4357,10 @@
       </p:pic>
       <p:sp>
         <p:nvSpPr>
-          <p:cNvPr id="3" name="Textfeld 2">
+          <p:cNvPr id="5" name="Textfeld 4">
             <a:extLst>
               <a:ext uri="{FF2B5EF4-FFF2-40B4-BE49-F238E27FC236}">
-                <a16:creationId xmlns:a16="http://schemas.microsoft.com/office/drawing/2014/main" id="{EE654DBD-9C9F-7792-2F9B-8D0FD2B9BF5F}"/>
+                <a16:creationId xmlns:a16="http://schemas.microsoft.com/office/drawing/2014/main" id="{7E388F70-DC19-C63B-C5DD-9939BF3A9210}"/>
               </a:ext>
             </a:extLst>
           </p:cNvPr>
@@ -4475,8 +4369,8 @@
         </p:nvSpPr>
         <p:spPr>
           <a:xfrm>
-            <a:off x="5651887" y="5417744"/>
-            <a:ext cx="3510642" cy="369332"/>
+            <a:off x="5547731" y="5380961"/>
+            <a:ext cx="4293053" cy="369332"/>
           </a:xfrm>
           <a:prstGeom prst="rect">
             <a:avLst/>
@@ -4498,28 +4392,65 @@
                   <a:srgbClr val="FF0000"/>
                 </a:solidFill>
               </a:rPr>
-              <a:t>Vergleich mit </a:t>
-            </a:r>
-            <a:r>
-              <a:rPr lang="de-DE" err="1">
+              <a:t>X-Achse Major/Minor Ticks (Georg)</a:t>
+            </a:r>
+          </a:p>
+        </p:txBody>
+      </p:sp>
+      <p:sp>
+        <p:nvSpPr>
+          <p:cNvPr id="6" name="Textfeld 5">
+            <a:extLst>
+              <a:ext uri="{FF2B5EF4-FFF2-40B4-BE49-F238E27FC236}">
+                <a16:creationId xmlns:a16="http://schemas.microsoft.com/office/drawing/2014/main" id="{04763C24-0F1C-6ED9-C263-605C9DE2CF33}"/>
+              </a:ext>
+            </a:extLst>
+          </p:cNvPr>
+          <p:cNvSpPr txBox="1"/>
+          <p:nvPr/>
+        </p:nvSpPr>
+        <p:spPr>
+          <a:xfrm>
+            <a:off x="5548947" y="5869213"/>
+            <a:ext cx="3816803" cy="646331"/>
+          </a:xfrm>
+          <a:prstGeom prst="rect">
+            <a:avLst/>
+          </a:prstGeom>
+          <a:noFill/>
+        </p:spPr>
+        <p:txBody>
+          <a:bodyPr rot="0" spcFirstLastPara="0" vertOverflow="overflow" horzOverflow="overflow" vert="horz" wrap="square" lIns="91440" tIns="45720" rIns="91440" bIns="45720" numCol="1" spcCol="0" rtlCol="0" fromWordArt="0" anchor="t" anchorCtr="0" forceAA="0" compatLnSpc="1">
+            <a:prstTxWarp prst="textNoShape">
+              <a:avLst/>
+            </a:prstTxWarp>
+            <a:spAutoFit/>
+          </a:bodyPr>
+          <a:lstStyle/>
+          <a:p>
+            <a:r>
+              <a:rPr lang="de-DE" dirty="0">
                 <a:solidFill>
                   <a:srgbClr val="FF0000"/>
                 </a:solidFill>
               </a:rPr>
-              <a:t>Espacenet</a:t>
-            </a:r>
-            <a:endParaRPr lang="de-DE">
-              <a:solidFill>
-                <a:srgbClr val="FF0000"/>
-              </a:solidFill>
-            </a:endParaRPr>
+              <a:t>Vergleich mit Publikationsdaten, </a:t>
+            </a:r>
+            <a:r>
+              <a:rPr lang="de-DE">
+                <a:solidFill>
+                  <a:srgbClr val="FF0000"/>
+                </a:solidFill>
+              </a:rPr>
+              <a:t>auch vor 2015</a:t>
+            </a:r>
           </a:p>
         </p:txBody>
       </p:sp>
     </p:spTree>
     <p:extLst>
       <p:ext uri="{BB962C8B-B14F-4D97-AF65-F5344CB8AC3E}">
-        <p14:creationId xmlns:p14="http://schemas.microsoft.com/office/powerpoint/2010/main" val="3793083112"/>
+        <p14:creationId xmlns:p14="http://schemas.microsoft.com/office/powerpoint/2010/main" val="3666487214"/>
       </p:ext>
     </p:extLst>
   </p:cSld>
@@ -4551,7 +4482,7 @@
           <p:cNvPr id="2" name="Title 1">
             <a:extLst>
               <a:ext uri="{FF2B5EF4-FFF2-40B4-BE49-F238E27FC236}">
-                <a16:creationId xmlns:a16="http://schemas.microsoft.com/office/drawing/2014/main" id="{48B0D354-45FF-F7F1-B31C-13325FBFAE41}"/>
+                <a16:creationId xmlns:a16="http://schemas.microsoft.com/office/drawing/2014/main" id="{2607136C-E885-609E-94FD-103F489D415B}"/>
               </a:ext>
             </a:extLst>
           </p:cNvPr>
@@ -4580,7 +4511,7 @@
           <p:cNvPr id="4" name="Text Placeholder 3">
             <a:extLst>
               <a:ext uri="{FF2B5EF4-FFF2-40B4-BE49-F238E27FC236}">
-                <a16:creationId xmlns:a16="http://schemas.microsoft.com/office/drawing/2014/main" id="{B6B3E347-573E-8418-4C83-C104B4CA332C}"/>
+                <a16:creationId xmlns:a16="http://schemas.microsoft.com/office/drawing/2014/main" id="{A9E17B91-A842-294D-FDBB-489DAA25A9FA}"/>
               </a:ext>
             </a:extLst>
           </p:cNvPr>
@@ -4593,19 +4524,32 @@
         </p:nvSpPr>
         <p:spPr/>
         <p:txBody>
-          <a:bodyPr/>
+          <a:bodyPr vert="horz" lIns="91440" tIns="45720" rIns="91440" bIns="45720" rtlCol="0" anchor="t">
+            <a:normAutofit/>
+          </a:bodyPr>
           <a:lstStyle/>
           <a:p>
+            <a:pPr marL="285750" indent="-285750">
+              <a:buChar char="•"/>
+            </a:pPr>
+            <a:r>
+              <a:rPr lang="en-DE" dirty="0"/>
+              <a:t>WIPO additionally manages the rights to 605 international patents (not shown </a:t>
+            </a:r>
+            <a:r>
+              <a:rPr lang="en-DE"/>
+              <a:t>in graph)</a:t>
+            </a:r>
             <a:endParaRPr lang="en-DE" dirty="0"/>
           </a:p>
         </p:txBody>
       </p:sp>
       <p:pic>
         <p:nvPicPr>
-          <p:cNvPr id="7" name="Content Placeholder 6" descr="A graph showing the number of patentes&#10;&#10;Description automatically generated">
+          <p:cNvPr id="7" name="Content Placeholder 6" descr="A graph of blue and white bars&#10;&#10;Description automatically generated">
             <a:extLst>
               <a:ext uri="{FF2B5EF4-FFF2-40B4-BE49-F238E27FC236}">
-                <a16:creationId xmlns:a16="http://schemas.microsoft.com/office/drawing/2014/main" id="{32121764-E93C-8100-8E7A-17DFC621D7B6}"/>
+                <a16:creationId xmlns:a16="http://schemas.microsoft.com/office/drawing/2014/main" id="{28E7E884-2B3B-27CF-FF3A-73A149F825F9}"/>
               </a:ext>
             </a:extLst>
           </p:cNvPr>
@@ -4631,6 +4575,174 @@
       </p:pic>
       <p:sp>
         <p:nvSpPr>
+          <p:cNvPr id="3" name="Textfeld 2">
+            <a:extLst>
+              <a:ext uri="{FF2B5EF4-FFF2-40B4-BE49-F238E27FC236}">
+                <a16:creationId xmlns:a16="http://schemas.microsoft.com/office/drawing/2014/main" id="{EE654DBD-9C9F-7792-2F9B-8D0FD2B9BF5F}"/>
+              </a:ext>
+            </a:extLst>
+          </p:cNvPr>
+          <p:cNvSpPr txBox="1"/>
+          <p:nvPr/>
+        </p:nvSpPr>
+        <p:spPr>
+          <a:xfrm>
+            <a:off x="5651887" y="5417744"/>
+            <a:ext cx="3510642" cy="369332"/>
+          </a:xfrm>
+          <a:prstGeom prst="rect">
+            <a:avLst/>
+          </a:prstGeom>
+          <a:noFill/>
+        </p:spPr>
+        <p:txBody>
+          <a:bodyPr rot="0" spcFirstLastPara="0" vertOverflow="overflow" horzOverflow="overflow" vert="horz" wrap="square" lIns="91440" tIns="45720" rIns="91440" bIns="45720" numCol="1" spcCol="0" rtlCol="0" fromWordArt="0" anchor="t" anchorCtr="0" forceAA="0" compatLnSpc="1">
+            <a:prstTxWarp prst="textNoShape">
+              <a:avLst/>
+            </a:prstTxWarp>
+            <a:spAutoFit/>
+          </a:bodyPr>
+          <a:lstStyle/>
+          <a:p>
+            <a:r>
+              <a:rPr lang="de-DE" dirty="0">
+                <a:solidFill>
+                  <a:srgbClr val="FF0000"/>
+                </a:solidFill>
+              </a:rPr>
+              <a:t>Vergleich mit </a:t>
+            </a:r>
+            <a:r>
+              <a:rPr lang="de-DE" err="1">
+                <a:solidFill>
+                  <a:srgbClr val="FF0000"/>
+                </a:solidFill>
+              </a:rPr>
+              <a:t>Espacenet</a:t>
+            </a:r>
+            <a:endParaRPr lang="de-DE">
+              <a:solidFill>
+                <a:srgbClr val="FF0000"/>
+              </a:solidFill>
+            </a:endParaRPr>
+          </a:p>
+        </p:txBody>
+      </p:sp>
+    </p:spTree>
+    <p:extLst>
+      <p:ext uri="{BB962C8B-B14F-4D97-AF65-F5344CB8AC3E}">
+        <p14:creationId xmlns:p14="http://schemas.microsoft.com/office/powerpoint/2010/main" val="3793083112"/>
+      </p:ext>
+    </p:extLst>
+  </p:cSld>
+  <p:clrMapOvr>
+    <a:masterClrMapping/>
+  </p:clrMapOvr>
+</p:sld>
+</file>
+
+<file path=ppt/slides/slide17.xml><?xml version="1.0" encoding="utf-8"?>
+<p:sld xmlns:a="http://schemas.openxmlformats.org/drawingml/2006/main" xmlns:r="http://schemas.openxmlformats.org/officeDocument/2006/relationships" xmlns:p="http://schemas.openxmlformats.org/presentationml/2006/main">
+  <p:cSld>
+    <p:spTree>
+      <p:nvGrpSpPr>
+        <p:cNvPr id="1" name=""/>
+        <p:cNvGrpSpPr/>
+        <p:nvPr/>
+      </p:nvGrpSpPr>
+      <p:grpSpPr>
+        <a:xfrm>
+          <a:off x="0" y="0"/>
+          <a:ext cx="0" cy="0"/>
+          <a:chOff x="0" y="0"/>
+          <a:chExt cx="0" cy="0"/>
+        </a:xfrm>
+      </p:grpSpPr>
+      <p:sp>
+        <p:nvSpPr>
+          <p:cNvPr id="2" name="Title 1">
+            <a:extLst>
+              <a:ext uri="{FF2B5EF4-FFF2-40B4-BE49-F238E27FC236}">
+                <a16:creationId xmlns:a16="http://schemas.microsoft.com/office/drawing/2014/main" id="{48B0D354-45FF-F7F1-B31C-13325FBFAE41}"/>
+              </a:ext>
+            </a:extLst>
+          </p:cNvPr>
+          <p:cNvSpPr>
+            <a:spLocks noGrp="1"/>
+          </p:cNvSpPr>
+          <p:nvPr>
+            <p:ph type="title"/>
+          </p:nvPr>
+        </p:nvSpPr>
+        <p:spPr/>
+        <p:txBody>
+          <a:bodyPr/>
+          <a:lstStyle/>
+          <a:p>
+            <a:r>
+              <a:rPr lang="en-US" dirty="0"/>
+              <a:t>WIPO</a:t>
+            </a:r>
+            <a:endParaRPr lang="en-DE" dirty="0"/>
+          </a:p>
+        </p:txBody>
+      </p:sp>
+      <p:sp>
+        <p:nvSpPr>
+          <p:cNvPr id="4" name="Text Placeholder 3">
+            <a:extLst>
+              <a:ext uri="{FF2B5EF4-FFF2-40B4-BE49-F238E27FC236}">
+                <a16:creationId xmlns:a16="http://schemas.microsoft.com/office/drawing/2014/main" id="{B6B3E347-573E-8418-4C83-C104B4CA332C}"/>
+              </a:ext>
+            </a:extLst>
+          </p:cNvPr>
+          <p:cNvSpPr>
+            <a:spLocks noGrp="1"/>
+          </p:cNvSpPr>
+          <p:nvPr>
+            <p:ph type="body" sz="half" idx="2"/>
+          </p:nvPr>
+        </p:nvSpPr>
+        <p:spPr/>
+        <p:txBody>
+          <a:bodyPr/>
+          <a:lstStyle/>
+          <a:p>
+            <a:endParaRPr lang="en-DE" dirty="0"/>
+          </a:p>
+        </p:txBody>
+      </p:sp>
+      <p:pic>
+        <p:nvPicPr>
+          <p:cNvPr id="7" name="Content Placeholder 6" descr="A graph showing the number of patentes&#10;&#10;Description automatically generated">
+            <a:extLst>
+              <a:ext uri="{FF2B5EF4-FFF2-40B4-BE49-F238E27FC236}">
+                <a16:creationId xmlns:a16="http://schemas.microsoft.com/office/drawing/2014/main" id="{32121764-E93C-8100-8E7A-17DFC621D7B6}"/>
+              </a:ext>
+            </a:extLst>
+          </p:cNvPr>
+          <p:cNvPicPr>
+            <a:picLocks noGrp="1" noChangeAspect="1"/>
+          </p:cNvPicPr>
+          <p:nvPr>
+            <p:ph idx="1"/>
+          </p:nvPr>
+        </p:nvPicPr>
+        <p:blipFill>
+          <a:blip r:embed="rId2"/>
+          <a:stretch>
+            <a:fillRect/>
+          </a:stretch>
+        </p:blipFill>
+        <p:spPr>
+          <a:xfrm>
+            <a:off x="5221288" y="1595437"/>
+            <a:ext cx="6096000" cy="3657600"/>
+          </a:xfrm>
+        </p:spPr>
+      </p:pic>
+      <p:sp>
+        <p:nvSpPr>
           <p:cNvPr id="5" name="Textfeld 4">
             <a:extLst>
               <a:ext uri="{FF2B5EF4-FFF2-40B4-BE49-F238E27FC236}">
@@ -4697,7 +4809,7 @@
 </p:sld>
 </file>
 
-<file path=ppt/slides/slide17.xml><?xml version="1.0" encoding="utf-8"?>
+<file path=ppt/slides/slide18.xml><?xml version="1.0" encoding="utf-8"?>
 <p:sld xmlns:a="http://schemas.openxmlformats.org/drawingml/2006/main" xmlns:r="http://schemas.openxmlformats.org/officeDocument/2006/relationships" xmlns:p="http://schemas.openxmlformats.org/presentationml/2006/main">
   <p:cSld>
     <p:spTree>
@@ -6730,16 +6842,7 @@
             </a:pPr>
             <a:r>
               <a:rPr lang="en-GB" dirty="0"/>
-              <a:t>Annual publications are steadily increasing each year</a:t>
-            </a:r>
-          </a:p>
-          <a:p>
-            <a:pPr marL="285750" indent="-285750">
-              <a:buChar char="•"/>
-            </a:pPr>
-            <a:r>
-              <a:rPr lang="en-GB" dirty="0"/>
-              <a:t>While some years have a higher increase than others to the previous year, generally the increase is linear</a:t>
+              <a:t>Increase can be characterized as roughly linear</a:t>
             </a:r>
           </a:p>
           <a:p>

--- a/presentation/DataDrivenForesight.pptx
+++ b/presentation/DataDrivenForesight.pptx
@@ -4355,98 +4355,6 @@
           </a:xfrm>
         </p:spPr>
       </p:pic>
-      <p:sp>
-        <p:nvSpPr>
-          <p:cNvPr id="5" name="Textfeld 4">
-            <a:extLst>
-              <a:ext uri="{FF2B5EF4-FFF2-40B4-BE49-F238E27FC236}">
-                <a16:creationId xmlns:a16="http://schemas.microsoft.com/office/drawing/2014/main" id="{7E388F70-DC19-C63B-C5DD-9939BF3A9210}"/>
-              </a:ext>
-            </a:extLst>
-          </p:cNvPr>
-          <p:cNvSpPr txBox="1"/>
-          <p:nvPr/>
-        </p:nvSpPr>
-        <p:spPr>
-          <a:xfrm>
-            <a:off x="5547731" y="5380961"/>
-            <a:ext cx="4293053" cy="369332"/>
-          </a:xfrm>
-          <a:prstGeom prst="rect">
-            <a:avLst/>
-          </a:prstGeom>
-          <a:noFill/>
-        </p:spPr>
-        <p:txBody>
-          <a:bodyPr rot="0" spcFirstLastPara="0" vertOverflow="overflow" horzOverflow="overflow" vert="horz" wrap="square" lIns="91440" tIns="45720" rIns="91440" bIns="45720" numCol="1" spcCol="0" rtlCol="0" fromWordArt="0" anchor="t" anchorCtr="0" forceAA="0" compatLnSpc="1">
-            <a:prstTxWarp prst="textNoShape">
-              <a:avLst/>
-            </a:prstTxWarp>
-            <a:spAutoFit/>
-          </a:bodyPr>
-          <a:lstStyle/>
-          <a:p>
-            <a:r>
-              <a:rPr lang="de-DE" dirty="0">
-                <a:solidFill>
-                  <a:srgbClr val="FF0000"/>
-                </a:solidFill>
-              </a:rPr>
-              <a:t>X-Achse Major/Minor Ticks (Georg)</a:t>
-            </a:r>
-          </a:p>
-        </p:txBody>
-      </p:sp>
-      <p:sp>
-        <p:nvSpPr>
-          <p:cNvPr id="6" name="Textfeld 5">
-            <a:extLst>
-              <a:ext uri="{FF2B5EF4-FFF2-40B4-BE49-F238E27FC236}">
-                <a16:creationId xmlns:a16="http://schemas.microsoft.com/office/drawing/2014/main" id="{04763C24-0F1C-6ED9-C263-605C9DE2CF33}"/>
-              </a:ext>
-            </a:extLst>
-          </p:cNvPr>
-          <p:cNvSpPr txBox="1"/>
-          <p:nvPr/>
-        </p:nvSpPr>
-        <p:spPr>
-          <a:xfrm>
-            <a:off x="5548947" y="5869213"/>
-            <a:ext cx="3816803" cy="646331"/>
-          </a:xfrm>
-          <a:prstGeom prst="rect">
-            <a:avLst/>
-          </a:prstGeom>
-          <a:noFill/>
-        </p:spPr>
-        <p:txBody>
-          <a:bodyPr rot="0" spcFirstLastPara="0" vertOverflow="overflow" horzOverflow="overflow" vert="horz" wrap="square" lIns="91440" tIns="45720" rIns="91440" bIns="45720" numCol="1" spcCol="0" rtlCol="0" fromWordArt="0" anchor="t" anchorCtr="0" forceAA="0" compatLnSpc="1">
-            <a:prstTxWarp prst="textNoShape">
-              <a:avLst/>
-            </a:prstTxWarp>
-            <a:spAutoFit/>
-          </a:bodyPr>
-          <a:lstStyle/>
-          <a:p>
-            <a:r>
-              <a:rPr lang="de-DE" dirty="0">
-                <a:solidFill>
-                  <a:srgbClr val="FF0000"/>
-                </a:solidFill>
-              </a:rPr>
-              <a:t>Vergleich mit Publikationsdaten, </a:t>
-            </a:r>
-            <a:r>
-              <a:rPr lang="de-DE">
-                <a:solidFill>
-                  <a:srgbClr val="FF0000"/>
-                </a:solidFill>
-              </a:rPr>
-              <a:t>auch vor 2015</a:t>
-            </a:r>
-          </a:p>
-        </p:txBody>
-      </p:sp>
     </p:spTree>
     <p:extLst>
       <p:ext uri="{BB962C8B-B14F-4D97-AF65-F5344CB8AC3E}">
@@ -4534,11 +4442,38 @@
             </a:pPr>
             <a:r>
               <a:rPr lang="en-DE" dirty="0"/>
-              <a:t>WIPO additionally manages the rights to 605 international patents (not shown </a:t>
-            </a:r>
-            <a:r>
-              <a:rPr lang="en-DE"/>
-              <a:t>in graph)</a:t>
+              <a:t>WIPO additionally manages the rights to 605 international patents (not shown in graph)</a:t>
+            </a:r>
+            <a:endParaRPr lang="en-US" dirty="0"/>
+          </a:p>
+          <a:p>
+            <a:pPr marL="285750" indent="-285750">
+              <a:buChar char="•"/>
+            </a:pPr>
+            <a:r>
+              <a:rPr lang="en-US" dirty="0"/>
+              <a:t>Unlike </a:t>
+            </a:r>
+            <a:r>
+              <a:rPr lang="en-US" dirty="0" err="1"/>
+              <a:t>Espacenet</a:t>
+            </a:r>
+            <a:r>
+              <a:rPr lang="en-US" dirty="0"/>
+              <a:t>, WIPO is dominated by the USA</a:t>
+            </a:r>
+          </a:p>
+          <a:p>
+            <a:pPr marL="285750" indent="-285750">
+              <a:buChar char="•"/>
+            </a:pPr>
+            <a:r>
+              <a:rPr lang="en-US" dirty="0"/>
+              <a:t>India, Australia and Canada have a much higher number of patents published compared to </a:t>
+            </a:r>
+            <a:r>
+              <a:rPr lang="en-US" dirty="0" err="1"/>
+              <a:t>Espacenet</a:t>
             </a:r>
             <a:endParaRPr lang="en-DE" dirty="0"/>
           </a:p>
@@ -4573,61 +4508,6 @@
           </a:xfrm>
         </p:spPr>
       </p:pic>
-      <p:sp>
-        <p:nvSpPr>
-          <p:cNvPr id="3" name="Textfeld 2">
-            <a:extLst>
-              <a:ext uri="{FF2B5EF4-FFF2-40B4-BE49-F238E27FC236}">
-                <a16:creationId xmlns:a16="http://schemas.microsoft.com/office/drawing/2014/main" id="{EE654DBD-9C9F-7792-2F9B-8D0FD2B9BF5F}"/>
-              </a:ext>
-            </a:extLst>
-          </p:cNvPr>
-          <p:cNvSpPr txBox="1"/>
-          <p:nvPr/>
-        </p:nvSpPr>
-        <p:spPr>
-          <a:xfrm>
-            <a:off x="5651887" y="5417744"/>
-            <a:ext cx="3510642" cy="369332"/>
-          </a:xfrm>
-          <a:prstGeom prst="rect">
-            <a:avLst/>
-          </a:prstGeom>
-          <a:noFill/>
-        </p:spPr>
-        <p:txBody>
-          <a:bodyPr rot="0" spcFirstLastPara="0" vertOverflow="overflow" horzOverflow="overflow" vert="horz" wrap="square" lIns="91440" tIns="45720" rIns="91440" bIns="45720" numCol="1" spcCol="0" rtlCol="0" fromWordArt="0" anchor="t" anchorCtr="0" forceAA="0" compatLnSpc="1">
-            <a:prstTxWarp prst="textNoShape">
-              <a:avLst/>
-            </a:prstTxWarp>
-            <a:spAutoFit/>
-          </a:bodyPr>
-          <a:lstStyle/>
-          <a:p>
-            <a:r>
-              <a:rPr lang="de-DE" dirty="0">
-                <a:solidFill>
-                  <a:srgbClr val="FF0000"/>
-                </a:solidFill>
-              </a:rPr>
-              <a:t>Vergleich mit </a:t>
-            </a:r>
-            <a:r>
-              <a:rPr lang="de-DE" err="1">
-                <a:solidFill>
-                  <a:srgbClr val="FF0000"/>
-                </a:solidFill>
-              </a:rPr>
-              <a:t>Espacenet</a:t>
-            </a:r>
-            <a:endParaRPr lang="de-DE">
-              <a:solidFill>
-                <a:srgbClr val="FF0000"/>
-              </a:solidFill>
-            </a:endParaRPr>
-          </a:p>
-        </p:txBody>
-      </p:sp>
     </p:spTree>
     <p:extLst>
       <p:ext uri="{BB962C8B-B14F-4D97-AF65-F5344CB8AC3E}">
@@ -4708,6 +4588,34 @@
           <a:bodyPr/>
           <a:lstStyle/>
           <a:p>
+            <a:pPr marL="285750" indent="-285750">
+              <a:buFont typeface="Arial" panose="020B0604020202020204" pitchFamily="34" charset="0"/>
+              <a:buChar char="•"/>
+            </a:pPr>
+            <a:r>
+              <a:rPr lang="en-US" dirty="0"/>
+              <a:t>Visible decline from 2021 onwards</a:t>
+            </a:r>
+          </a:p>
+          <a:p>
+            <a:pPr marL="285750" indent="-285750">
+              <a:buFont typeface="Arial" panose="020B0604020202020204" pitchFamily="34" charset="0"/>
+              <a:buChar char="•"/>
+            </a:pPr>
+            <a:r>
+              <a:rPr lang="en-US" dirty="0"/>
+              <a:t>Given the dominance of the USA in WIPO, the decline is likely in large part due to a declining number of patents published in that area</a:t>
+            </a:r>
+          </a:p>
+          <a:p>
+            <a:pPr marL="285750" indent="-285750">
+              <a:buFont typeface="Arial" panose="020B0604020202020204" pitchFamily="34" charset="0"/>
+              <a:buChar char="•"/>
+            </a:pPr>
+            <a:r>
+              <a:rPr lang="en-US" dirty="0"/>
+              <a:t>Possible links to the Ukraine-Russia conflict that emerged in early 2022 and the economic regression that followed in many Western countries</a:t>
+            </a:r>
             <a:endParaRPr lang="en-DE" dirty="0"/>
           </a:p>
         </p:txBody>
@@ -4741,61 +4649,6 @@
           </a:xfrm>
         </p:spPr>
       </p:pic>
-      <p:sp>
-        <p:nvSpPr>
-          <p:cNvPr id="5" name="Textfeld 4">
-            <a:extLst>
-              <a:ext uri="{FF2B5EF4-FFF2-40B4-BE49-F238E27FC236}">
-                <a16:creationId xmlns:a16="http://schemas.microsoft.com/office/drawing/2014/main" id="{95B7076F-BE07-C16A-E0EA-63DC64B2E388}"/>
-              </a:ext>
-            </a:extLst>
-          </p:cNvPr>
-          <p:cNvSpPr txBox="1"/>
-          <p:nvPr/>
-        </p:nvSpPr>
-        <p:spPr>
-          <a:xfrm>
-            <a:off x="5651887" y="5417744"/>
-            <a:ext cx="3510642" cy="369332"/>
-          </a:xfrm>
-          <a:prstGeom prst="rect">
-            <a:avLst/>
-          </a:prstGeom>
-          <a:noFill/>
-        </p:spPr>
-        <p:txBody>
-          <a:bodyPr rot="0" spcFirstLastPara="0" vertOverflow="overflow" horzOverflow="overflow" vert="horz" wrap="square" lIns="91440" tIns="45720" rIns="91440" bIns="45720" numCol="1" spcCol="0" rtlCol="0" fromWordArt="0" anchor="t" anchorCtr="0" forceAA="0" compatLnSpc="1">
-            <a:prstTxWarp prst="textNoShape">
-              <a:avLst/>
-            </a:prstTxWarp>
-            <a:spAutoFit/>
-          </a:bodyPr>
-          <a:lstStyle/>
-          <a:p>
-            <a:r>
-              <a:rPr lang="de-DE" dirty="0">
-                <a:solidFill>
-                  <a:srgbClr val="FF0000"/>
-                </a:solidFill>
-              </a:rPr>
-              <a:t>Vergleich mit </a:t>
-            </a:r>
-            <a:r>
-              <a:rPr lang="de-DE" err="1">
-                <a:solidFill>
-                  <a:srgbClr val="FF0000"/>
-                </a:solidFill>
-              </a:rPr>
-              <a:t>Espacenet</a:t>
-            </a:r>
-            <a:endParaRPr lang="de-DE">
-              <a:solidFill>
-                <a:srgbClr val="FF0000"/>
-              </a:solidFill>
-            </a:endParaRPr>
-          </a:p>
-        </p:txBody>
-      </p:sp>
     </p:spTree>
     <p:extLst>
       <p:ext uri="{BB962C8B-B14F-4D97-AF65-F5344CB8AC3E}">

--- a/presentation/DataDrivenForesight.pptx
+++ b/presentation/DataDrivenForesight.pptx
@@ -14,15 +14,17 @@
     <p:sldId id="274" r:id="rId8"/>
     <p:sldId id="259" r:id="rId9"/>
     <p:sldId id="260" r:id="rId10"/>
-    <p:sldId id="261" r:id="rId11"/>
-    <p:sldId id="277" r:id="rId12"/>
-    <p:sldId id="262" r:id="rId13"/>
-    <p:sldId id="263" r:id="rId14"/>
-    <p:sldId id="265" r:id="rId15"/>
-    <p:sldId id="266" r:id="rId16"/>
-    <p:sldId id="269" r:id="rId17"/>
-    <p:sldId id="270" r:id="rId18"/>
-    <p:sldId id="271" r:id="rId19"/>
+    <p:sldId id="279" r:id="rId11"/>
+    <p:sldId id="278" r:id="rId12"/>
+    <p:sldId id="261" r:id="rId13"/>
+    <p:sldId id="277" r:id="rId14"/>
+    <p:sldId id="262" r:id="rId15"/>
+    <p:sldId id="263" r:id="rId16"/>
+    <p:sldId id="265" r:id="rId17"/>
+    <p:sldId id="266" r:id="rId18"/>
+    <p:sldId id="269" r:id="rId19"/>
+    <p:sldId id="270" r:id="rId20"/>
+    <p:sldId id="271" r:id="rId21"/>
   </p:sldIdLst>
   <p:sldSz cx="12192000" cy="6858000"/>
   <p:notesSz cx="6858000" cy="9144000"/>
@@ -132,12 +134,610 @@
 <file path=ppt/revisionInfo.xml><?xml version="1.0" encoding="utf-8"?>
 <p1510:revInfo xmlns:a="http://schemas.openxmlformats.org/drawingml/2006/main" xmlns:r="http://schemas.openxmlformats.org/officeDocument/2006/relationships" xmlns:p1510="http://schemas.microsoft.com/office/powerpoint/2015/10/main">
   <p1510:revLst>
-    <p1510:client id="{51F9B3D5-8488-FBE2-A0B2-6C7041F5146D}" v="18" dt="2025-01-06T08:55:25.624"/>
-    <p1510:client id="{CE29154A-A8FB-B5BB-4A73-AED6D465535C}" v="196" dt="2025-01-07T13:37:20.413"/>
-    <p1510:client id="{ECD94408-2C53-09B6-AC7A-C0C0B5E06EF7}" v="120" dt="2025-01-07T13:15:18.389"/>
-    <p1510:client id="{FD523F67-A01E-BEE9-25A9-635C9EDD590C}" v="923" dt="2025-01-06T16:03:35.428"/>
+    <p1510:client id="{6901E9F8-7762-69A4-839D-98505DAC4062}" v="397" dt="2025-01-09T15:05:35.123"/>
   </p1510:revLst>
 </p1510:revInfo>
+</file>
+
+<file path=ppt/changesInfos/changesInfo1.xml><?xml version="1.0" encoding="utf-8"?>
+<pc:chgInfo xmlns:a="http://schemas.openxmlformats.org/drawingml/2006/main" xmlns:r="http://schemas.openxmlformats.org/officeDocument/2006/relationships" xmlns:ac="http://schemas.microsoft.com/office/drawing/2013/main/command" xmlns:pc="http://schemas.microsoft.com/office/powerpoint/2013/main/command">
+  <pc:docChgLst>
+    <pc:chgData name="Georg P" userId="53d5f090c11d6345" providerId="Windows Live" clId="Web-{6901E9F8-7762-69A4-839D-98505DAC4062}"/>
+    <pc:docChg chg="addSld modSld sldOrd">
+      <pc:chgData name="Georg P" userId="53d5f090c11d6345" providerId="Windows Live" clId="Web-{6901E9F8-7762-69A4-839D-98505DAC4062}" dt="2025-01-09T15:05:34.841" v="373" actId="20577"/>
+      <pc:docMkLst>
+        <pc:docMk/>
+      </pc:docMkLst>
+      <pc:sldChg chg="addSp delSp modSp">
+        <pc:chgData name="Georg P" userId="53d5f090c11d6345" providerId="Windows Live" clId="Web-{6901E9F8-7762-69A4-839D-98505DAC4062}" dt="2025-01-09T14:49:30.651" v="147" actId="20577"/>
+        <pc:sldMkLst>
+          <pc:docMk/>
+          <pc:sldMk cId="4224963371" sldId="257"/>
+        </pc:sldMkLst>
+        <pc:spChg chg="mod">
+          <ac:chgData name="Georg P" userId="53d5f090c11d6345" providerId="Windows Live" clId="Web-{6901E9F8-7762-69A4-839D-98505DAC4062}" dt="2025-01-09T14:49:30.651" v="147" actId="20577"/>
+          <ac:spMkLst>
+            <pc:docMk/>
+            <pc:sldMk cId="4224963371" sldId="257"/>
+            <ac:spMk id="2" creationId="{8A738D5E-E749-E8E0-A0EE-47ED215D46EF}"/>
+          </ac:spMkLst>
+        </pc:spChg>
+        <pc:spChg chg="add del mod">
+          <ac:chgData name="Georg P" userId="53d5f090c11d6345" providerId="Windows Live" clId="Web-{6901E9F8-7762-69A4-839D-98505DAC4062}" dt="2025-01-09T14:42:25.917" v="3"/>
+          <ac:spMkLst>
+            <pc:docMk/>
+            <pc:sldMk cId="4224963371" sldId="257"/>
+            <ac:spMk id="5" creationId="{F1FF5973-5A87-8D03-4264-A82F4475A352}"/>
+          </ac:spMkLst>
+        </pc:spChg>
+        <pc:picChg chg="del">
+          <ac:chgData name="Georg P" userId="53d5f090c11d6345" providerId="Windows Live" clId="Web-{6901E9F8-7762-69A4-839D-98505DAC4062}" dt="2025-01-09T14:42:24.417" v="2"/>
+          <ac:picMkLst>
+            <pc:docMk/>
+            <pc:sldMk cId="4224963371" sldId="257"/>
+            <ac:picMk id="6" creationId="{ED0031ED-5354-027E-95B4-BE0D40A43108}"/>
+          </ac:picMkLst>
+        </pc:picChg>
+        <pc:picChg chg="add mod ord">
+          <ac:chgData name="Georg P" userId="53d5f090c11d6345" providerId="Windows Live" clId="Web-{6901E9F8-7762-69A4-839D-98505DAC4062}" dt="2025-01-09T14:42:25.917" v="3"/>
+          <ac:picMkLst>
+            <pc:docMk/>
+            <pc:sldMk cId="4224963371" sldId="257"/>
+            <ac:picMk id="7" creationId="{9254F509-BE39-54A4-7B2F-A045FAEBC3B2}"/>
+          </ac:picMkLst>
+        </pc:picChg>
+      </pc:sldChg>
+      <pc:sldChg chg="addSp delSp modSp">
+        <pc:chgData name="Georg P" userId="53d5f090c11d6345" providerId="Windows Live" clId="Web-{6901E9F8-7762-69A4-839D-98505DAC4062}" dt="2025-01-09T14:50:37.169" v="164" actId="20577"/>
+        <pc:sldMkLst>
+          <pc:docMk/>
+          <pc:sldMk cId="2297290928" sldId="259"/>
+        </pc:sldMkLst>
+        <pc:spChg chg="mod">
+          <ac:chgData name="Georg P" userId="53d5f090c11d6345" providerId="Windows Live" clId="Web-{6901E9F8-7762-69A4-839D-98505DAC4062}" dt="2025-01-09T14:50:37.169" v="164" actId="20577"/>
+          <ac:spMkLst>
+            <pc:docMk/>
+            <pc:sldMk cId="2297290928" sldId="259"/>
+            <ac:spMk id="2" creationId="{8A738D5E-E749-E8E0-A0EE-47ED215D46EF}"/>
+          </ac:spMkLst>
+        </pc:spChg>
+        <pc:spChg chg="add del mod">
+          <ac:chgData name="Georg P" userId="53d5f090c11d6345" providerId="Windows Live" clId="Web-{6901E9F8-7762-69A4-839D-98505DAC4062}" dt="2025-01-09T14:42:45.183" v="11"/>
+          <ac:spMkLst>
+            <pc:docMk/>
+            <pc:sldMk cId="2297290928" sldId="259"/>
+            <ac:spMk id="4" creationId="{423CDCEF-CBFA-CEE4-3E03-BA7ADA94699C}"/>
+          </ac:spMkLst>
+        </pc:spChg>
+        <pc:picChg chg="add mod ord">
+          <ac:chgData name="Georg P" userId="53d5f090c11d6345" providerId="Windows Live" clId="Web-{6901E9F8-7762-69A4-839D-98505DAC4062}" dt="2025-01-09T14:42:45.183" v="11"/>
+          <ac:picMkLst>
+            <pc:docMk/>
+            <pc:sldMk cId="2297290928" sldId="259"/>
+            <ac:picMk id="5" creationId="{B4D2E8F1-910B-400A-110A-F3E1ED93E624}"/>
+          </ac:picMkLst>
+        </pc:picChg>
+        <pc:picChg chg="del">
+          <ac:chgData name="Georg P" userId="53d5f090c11d6345" providerId="Windows Live" clId="Web-{6901E9F8-7762-69A4-839D-98505DAC4062}" dt="2025-01-09T14:42:43.715" v="10"/>
+          <ac:picMkLst>
+            <pc:docMk/>
+            <pc:sldMk cId="2297290928" sldId="259"/>
+            <ac:picMk id="7" creationId="{877150A0-4063-5034-D87C-B34E8F9C6B2E}"/>
+          </ac:picMkLst>
+        </pc:picChg>
+      </pc:sldChg>
+      <pc:sldChg chg="modSp">
+        <pc:chgData name="Georg P" userId="53d5f090c11d6345" providerId="Windows Live" clId="Web-{6901E9F8-7762-69A4-839D-98505DAC4062}" dt="2025-01-09T14:57:07.058" v="256" actId="20577"/>
+        <pc:sldMkLst>
+          <pc:docMk/>
+          <pc:sldMk cId="1560567676" sldId="260"/>
+        </pc:sldMkLst>
+        <pc:spChg chg="mod">
+          <ac:chgData name="Georg P" userId="53d5f090c11d6345" providerId="Windows Live" clId="Web-{6901E9F8-7762-69A4-839D-98505DAC4062}" dt="2025-01-09T14:55:54.524" v="212" actId="20577"/>
+          <ac:spMkLst>
+            <pc:docMk/>
+            <pc:sldMk cId="1560567676" sldId="260"/>
+            <ac:spMk id="2" creationId="{8A738D5E-E749-E8E0-A0EE-47ED215D46EF}"/>
+          </ac:spMkLst>
+        </pc:spChg>
+        <pc:spChg chg="mod">
+          <ac:chgData name="Georg P" userId="53d5f090c11d6345" providerId="Windows Live" clId="Web-{6901E9F8-7762-69A4-839D-98505DAC4062}" dt="2025-01-09T14:57:07.058" v="256" actId="20577"/>
+          <ac:spMkLst>
+            <pc:docMk/>
+            <pc:sldMk cId="1560567676" sldId="260"/>
+            <ac:spMk id="8" creationId="{A6E5084A-F6BC-6D7F-4C69-E9374639CCDA}"/>
+          </ac:spMkLst>
+        </pc:spChg>
+      </pc:sldChg>
+      <pc:sldChg chg="addSp delSp modSp">
+        <pc:chgData name="Georg P" userId="53d5f090c11d6345" providerId="Windows Live" clId="Web-{6901E9F8-7762-69A4-839D-98505DAC4062}" dt="2025-01-09T14:57:14.292" v="258"/>
+        <pc:sldMkLst>
+          <pc:docMk/>
+          <pc:sldMk cId="1245074985" sldId="261"/>
+        </pc:sldMkLst>
+        <pc:spChg chg="add del mod">
+          <ac:chgData name="Georg P" userId="53d5f090c11d6345" providerId="Windows Live" clId="Web-{6901E9F8-7762-69A4-839D-98505DAC4062}" dt="2025-01-09T14:57:14.292" v="258"/>
+          <ac:spMkLst>
+            <pc:docMk/>
+            <pc:sldMk cId="1245074985" sldId="261"/>
+            <ac:spMk id="4" creationId="{EF4CAF92-1EE7-9B64-2DC4-1955A9B89C7E}"/>
+          </ac:spMkLst>
+        </pc:spChg>
+        <pc:picChg chg="add mod ord">
+          <ac:chgData name="Georg P" userId="53d5f090c11d6345" providerId="Windows Live" clId="Web-{6901E9F8-7762-69A4-839D-98505DAC4062}" dt="2025-01-09T14:57:14.292" v="258"/>
+          <ac:picMkLst>
+            <pc:docMk/>
+            <pc:sldMk cId="1245074985" sldId="261"/>
+            <ac:picMk id="5" creationId="{520886D8-FDE6-7DA1-8134-13CE69B3EA34}"/>
+          </ac:picMkLst>
+        </pc:picChg>
+        <pc:picChg chg="del">
+          <ac:chgData name="Georg P" userId="53d5f090c11d6345" providerId="Windows Live" clId="Web-{6901E9F8-7762-69A4-839D-98505DAC4062}" dt="2025-01-09T14:57:09.261" v="257"/>
+          <ac:picMkLst>
+            <pc:docMk/>
+            <pc:sldMk cId="1245074985" sldId="261"/>
+            <ac:picMk id="7" creationId="{30ACB7C0-A576-7C01-C14A-8F97BEDBC501}"/>
+          </ac:picMkLst>
+        </pc:picChg>
+      </pc:sldChg>
+      <pc:sldChg chg="addSp delSp modSp">
+        <pc:chgData name="Georg P" userId="53d5f090c11d6345" providerId="Windows Live" clId="Web-{6901E9F8-7762-69A4-839D-98505DAC4062}" dt="2025-01-09T15:04:57.621" v="356"/>
+        <pc:sldMkLst>
+          <pc:docMk/>
+          <pc:sldMk cId="4262371085" sldId="262"/>
+        </pc:sldMkLst>
+        <pc:spChg chg="add del mod">
+          <ac:chgData name="Georg P" userId="53d5f090c11d6345" providerId="Windows Live" clId="Web-{6901E9F8-7762-69A4-839D-98505DAC4062}" dt="2025-01-09T15:04:57.621" v="356"/>
+          <ac:spMkLst>
+            <pc:docMk/>
+            <pc:sldMk cId="4262371085" sldId="262"/>
+            <ac:spMk id="4" creationId="{0C58BE7A-9ECE-FEF1-EECA-A094B88316E5}"/>
+          </ac:spMkLst>
+        </pc:spChg>
+        <pc:picChg chg="add mod ord">
+          <ac:chgData name="Georg P" userId="53d5f090c11d6345" providerId="Windows Live" clId="Web-{6901E9F8-7762-69A4-839D-98505DAC4062}" dt="2025-01-09T15:04:57.621" v="356"/>
+          <ac:picMkLst>
+            <pc:docMk/>
+            <pc:sldMk cId="4262371085" sldId="262"/>
+            <ac:picMk id="5" creationId="{5914075A-C816-6CA2-F6AB-4348D64F1C71}"/>
+          </ac:picMkLst>
+        </pc:picChg>
+        <pc:picChg chg="del">
+          <ac:chgData name="Georg P" userId="53d5f090c11d6345" providerId="Windows Live" clId="Web-{6901E9F8-7762-69A4-839D-98505DAC4062}" dt="2025-01-09T15:04:56.387" v="355"/>
+          <ac:picMkLst>
+            <pc:docMk/>
+            <pc:sldMk cId="4262371085" sldId="262"/>
+            <ac:picMk id="6" creationId="{82690D4E-AA80-F13C-B8CF-EDB4DFD30003}"/>
+          </ac:picMkLst>
+        </pc:picChg>
+      </pc:sldChg>
+      <pc:sldChg chg="addSp delSp modSp">
+        <pc:chgData name="Georg P" userId="53d5f090c11d6345" providerId="Windows Live" clId="Web-{6901E9F8-7762-69A4-839D-98505DAC4062}" dt="2025-01-09T15:05:34.841" v="373" actId="20577"/>
+        <pc:sldMkLst>
+          <pc:docMk/>
+          <pc:sldMk cId="2163132736" sldId="263"/>
+        </pc:sldMkLst>
+        <pc:spChg chg="add del mod">
+          <ac:chgData name="Georg P" userId="53d5f090c11d6345" providerId="Windows Live" clId="Web-{6901E9F8-7762-69A4-839D-98505DAC4062}" dt="2025-01-09T15:05:04.340" v="359"/>
+          <ac:spMkLst>
+            <pc:docMk/>
+            <pc:sldMk cId="2163132736" sldId="263"/>
+            <ac:spMk id="4" creationId="{0516C6D9-C1DB-226C-5CFE-9A189AF53B95}"/>
+          </ac:spMkLst>
+        </pc:spChg>
+        <pc:spChg chg="mod">
+          <ac:chgData name="Georg P" userId="53d5f090c11d6345" providerId="Windows Live" clId="Web-{6901E9F8-7762-69A4-839D-98505DAC4062}" dt="2025-01-09T15:05:34.841" v="373" actId="20577"/>
+          <ac:spMkLst>
+            <pc:docMk/>
+            <pc:sldMk cId="2163132736" sldId="263"/>
+            <ac:spMk id="8" creationId="{A6E5084A-F6BC-6D7F-4C69-E9374639CCDA}"/>
+          </ac:spMkLst>
+        </pc:spChg>
+        <pc:picChg chg="add mod ord">
+          <ac:chgData name="Georg P" userId="53d5f090c11d6345" providerId="Windows Live" clId="Web-{6901E9F8-7762-69A4-839D-98505DAC4062}" dt="2025-01-09T15:05:13.778" v="364" actId="1076"/>
+          <ac:picMkLst>
+            <pc:docMk/>
+            <pc:sldMk cId="2163132736" sldId="263"/>
+            <ac:picMk id="5" creationId="{A6E6866C-D4BC-78C8-85B6-7E5BE0B54248}"/>
+          </ac:picMkLst>
+        </pc:picChg>
+        <pc:picChg chg="del">
+          <ac:chgData name="Georg P" userId="53d5f090c11d6345" providerId="Windows Live" clId="Web-{6901E9F8-7762-69A4-839D-98505DAC4062}" dt="2025-01-09T15:05:01.746" v="358"/>
+          <ac:picMkLst>
+            <pc:docMk/>
+            <pc:sldMk cId="2163132736" sldId="263"/>
+            <ac:picMk id="6" creationId="{E5C2298E-852A-FBF0-2C9F-61CC5D5A58A9}"/>
+          </ac:picMkLst>
+        </pc:picChg>
+        <pc:picChg chg="del">
+          <ac:chgData name="Georg P" userId="53d5f090c11d6345" providerId="Windows Live" clId="Web-{6901E9F8-7762-69A4-839D-98505DAC4062}" dt="2025-01-09T15:05:01.496" v="357"/>
+          <ac:picMkLst>
+            <pc:docMk/>
+            <pc:sldMk cId="2163132736" sldId="263"/>
+            <ac:picMk id="10" creationId="{C558C557-7972-C7A9-F5D7-43281D2AD907}"/>
+          </ac:picMkLst>
+        </pc:picChg>
+      </pc:sldChg>
+      <pc:sldChg chg="addSp delSp modSp">
+        <pc:chgData name="Georg P" userId="53d5f090c11d6345" providerId="Windows Live" clId="Web-{6901E9F8-7762-69A4-839D-98505DAC4062}" dt="2025-01-09T14:48:58.181" v="119" actId="20577"/>
+        <pc:sldMkLst>
+          <pc:docMk/>
+          <pc:sldMk cId="2583637851" sldId="272"/>
+        </pc:sldMkLst>
+        <pc:spChg chg="mod">
+          <ac:chgData name="Georg P" userId="53d5f090c11d6345" providerId="Windows Live" clId="Web-{6901E9F8-7762-69A4-839D-98505DAC4062}" dt="2025-01-09T14:48:58.181" v="119" actId="20577"/>
+          <ac:spMkLst>
+            <pc:docMk/>
+            <pc:sldMk cId="2583637851" sldId="272"/>
+            <ac:spMk id="2" creationId="{00B2BAF8-5B1E-961D-5B94-0AF612A46044}"/>
+          </ac:spMkLst>
+        </pc:spChg>
+        <pc:spChg chg="add del mod">
+          <ac:chgData name="Georg P" userId="53d5f090c11d6345" providerId="Windows Live" clId="Web-{6901E9F8-7762-69A4-839D-98505DAC4062}" dt="2025-01-09T14:42:06.385" v="1"/>
+          <ac:spMkLst>
+            <pc:docMk/>
+            <pc:sldMk cId="2583637851" sldId="272"/>
+            <ac:spMk id="4" creationId="{16E14451-AB63-044C-31DF-CC05B786682D}"/>
+          </ac:spMkLst>
+        </pc:spChg>
+        <pc:spChg chg="mod">
+          <ac:chgData name="Georg P" userId="53d5f090c11d6345" providerId="Windows Live" clId="Web-{6901E9F8-7762-69A4-839D-98505DAC4062}" dt="2025-01-09T14:47:50.132" v="66" actId="1076"/>
+          <ac:spMkLst>
+            <pc:docMk/>
+            <pc:sldMk cId="2583637851" sldId="272"/>
+            <ac:spMk id="8" creationId="{DBC74D7B-5F0F-DD3B-3637-3A5FCF93D79E}"/>
+          </ac:spMkLst>
+        </pc:spChg>
+        <pc:spChg chg="add mod">
+          <ac:chgData name="Georg P" userId="53d5f090c11d6345" providerId="Windows Live" clId="Web-{6901E9F8-7762-69A4-839D-98505DAC4062}" dt="2025-01-09T14:48:19.226" v="89" actId="20577"/>
+          <ac:spMkLst>
+            <pc:docMk/>
+            <pc:sldMk cId="2583637851" sldId="272"/>
+            <ac:spMk id="10" creationId="{640B3352-CDE3-12EC-2660-793541E53B50}"/>
+          </ac:spMkLst>
+        </pc:spChg>
+        <pc:picChg chg="add mod ord">
+          <ac:chgData name="Georg P" userId="53d5f090c11d6345" providerId="Windows Live" clId="Web-{6901E9F8-7762-69A4-839D-98505DAC4062}" dt="2025-01-09T14:45:56.549" v="32" actId="1076"/>
+          <ac:picMkLst>
+            <pc:docMk/>
+            <pc:sldMk cId="2583637851" sldId="272"/>
+            <ac:picMk id="5" creationId="{A72C411E-86CF-4452-7353-7D75A1F4FCC6}"/>
+          </ac:picMkLst>
+        </pc:picChg>
+        <pc:picChg chg="add mod">
+          <ac:chgData name="Georg P" userId="53d5f090c11d6345" providerId="Windows Live" clId="Web-{6901E9F8-7762-69A4-839D-98505DAC4062}" dt="2025-01-09T14:46:02.612" v="33" actId="1076"/>
+          <ac:picMkLst>
+            <pc:docMk/>
+            <pc:sldMk cId="2583637851" sldId="272"/>
+            <ac:picMk id="6" creationId="{444125B9-BEB1-E20A-EA98-B1929EB64818}"/>
+          </ac:picMkLst>
+        </pc:picChg>
+        <pc:picChg chg="del">
+          <ac:chgData name="Georg P" userId="53d5f090c11d6345" providerId="Windows Live" clId="Web-{6901E9F8-7762-69A4-839D-98505DAC4062}" dt="2025-01-09T14:42:05.041" v="0"/>
+          <ac:picMkLst>
+            <pc:docMk/>
+            <pc:sldMk cId="2583637851" sldId="272"/>
+            <ac:picMk id="9" creationId="{4D1B89E6-3507-606D-9C55-C974AFEADE1D}"/>
+          </ac:picMkLst>
+        </pc:picChg>
+      </pc:sldChg>
+      <pc:sldChg chg="addSp delSp modSp">
+        <pc:chgData name="Georg P" userId="53d5f090c11d6345" providerId="Windows Live" clId="Web-{6901E9F8-7762-69A4-839D-98505DAC4062}" dt="2025-01-09T14:49:38.292" v="152" actId="20577"/>
+        <pc:sldMkLst>
+          <pc:docMk/>
+          <pc:sldMk cId="338522245" sldId="274"/>
+        </pc:sldMkLst>
+        <pc:spChg chg="mod">
+          <ac:chgData name="Georg P" userId="53d5f090c11d6345" providerId="Windows Live" clId="Web-{6901E9F8-7762-69A4-839D-98505DAC4062}" dt="2025-01-09T14:49:38.292" v="152" actId="20577"/>
+          <ac:spMkLst>
+            <pc:docMk/>
+            <pc:sldMk cId="338522245" sldId="274"/>
+            <ac:spMk id="2" creationId="{8A738D5E-E749-E8E0-A0EE-47ED215D46EF}"/>
+          </ac:spMkLst>
+        </pc:spChg>
+        <pc:spChg chg="add del mod">
+          <ac:chgData name="Georg P" userId="53d5f090c11d6345" providerId="Windows Live" clId="Web-{6901E9F8-7762-69A4-839D-98505DAC4062}" dt="2025-01-09T14:42:38.761" v="9"/>
+          <ac:spMkLst>
+            <pc:docMk/>
+            <pc:sldMk cId="338522245" sldId="274"/>
+            <ac:spMk id="5" creationId="{059443D7-BCB9-F1C7-1264-B91264B8D19E}"/>
+          </ac:spMkLst>
+        </pc:spChg>
+        <pc:picChg chg="del">
+          <ac:chgData name="Georg P" userId="53d5f090c11d6345" providerId="Windows Live" clId="Web-{6901E9F8-7762-69A4-839D-98505DAC4062}" dt="2025-01-09T14:42:37.417" v="8"/>
+          <ac:picMkLst>
+            <pc:docMk/>
+            <pc:sldMk cId="338522245" sldId="274"/>
+            <ac:picMk id="6" creationId="{ED0031ED-5354-027E-95B4-BE0D40A43108}"/>
+          </ac:picMkLst>
+        </pc:picChg>
+        <pc:picChg chg="add mod ord">
+          <ac:chgData name="Georg P" userId="53d5f090c11d6345" providerId="Windows Live" clId="Web-{6901E9F8-7762-69A4-839D-98505DAC4062}" dt="2025-01-09T14:42:38.761" v="9"/>
+          <ac:picMkLst>
+            <pc:docMk/>
+            <pc:sldMk cId="338522245" sldId="274"/>
+            <ac:picMk id="7" creationId="{43115BA7-3A9C-CCD7-4678-E0551D02A554}"/>
+          </ac:picMkLst>
+        </pc:picChg>
+      </pc:sldChg>
+      <pc:sldChg chg="addSp delSp modSp">
+        <pc:chgData name="Georg P" userId="53d5f090c11d6345" providerId="Windows Live" clId="Web-{6901E9F8-7762-69A4-839D-98505DAC4062}" dt="2025-01-09T14:49:33.213" v="149" actId="20577"/>
+        <pc:sldMkLst>
+          <pc:docMk/>
+          <pc:sldMk cId="1829557225" sldId="275"/>
+        </pc:sldMkLst>
+        <pc:spChg chg="mod">
+          <ac:chgData name="Georg P" userId="53d5f090c11d6345" providerId="Windows Live" clId="Web-{6901E9F8-7762-69A4-839D-98505DAC4062}" dt="2025-01-09T14:49:33.213" v="149" actId="20577"/>
+          <ac:spMkLst>
+            <pc:docMk/>
+            <pc:sldMk cId="1829557225" sldId="275"/>
+            <ac:spMk id="2" creationId="{8A738D5E-E749-E8E0-A0EE-47ED215D46EF}"/>
+          </ac:spMkLst>
+        </pc:spChg>
+        <pc:spChg chg="add del mod">
+          <ac:chgData name="Georg P" userId="53d5f090c11d6345" providerId="Windows Live" clId="Web-{6901E9F8-7762-69A4-839D-98505DAC4062}" dt="2025-01-09T14:42:29.042" v="5"/>
+          <ac:spMkLst>
+            <pc:docMk/>
+            <pc:sldMk cId="1829557225" sldId="275"/>
+            <ac:spMk id="5" creationId="{5D5DA9FC-CA04-5EE9-22FD-9D93770790FD}"/>
+          </ac:spMkLst>
+        </pc:spChg>
+        <pc:picChg chg="del">
+          <ac:chgData name="Georg P" userId="53d5f090c11d6345" providerId="Windows Live" clId="Web-{6901E9F8-7762-69A4-839D-98505DAC4062}" dt="2025-01-09T14:42:27.698" v="4"/>
+          <ac:picMkLst>
+            <pc:docMk/>
+            <pc:sldMk cId="1829557225" sldId="275"/>
+            <ac:picMk id="6" creationId="{ED0031ED-5354-027E-95B4-BE0D40A43108}"/>
+          </ac:picMkLst>
+        </pc:picChg>
+        <pc:picChg chg="add mod ord">
+          <ac:chgData name="Georg P" userId="53d5f090c11d6345" providerId="Windows Live" clId="Web-{6901E9F8-7762-69A4-839D-98505DAC4062}" dt="2025-01-09T14:42:29.042" v="5"/>
+          <ac:picMkLst>
+            <pc:docMk/>
+            <pc:sldMk cId="1829557225" sldId="275"/>
+            <ac:picMk id="7" creationId="{E0C7B4C6-F9CF-0017-6612-791A26D8DEB8}"/>
+          </ac:picMkLst>
+        </pc:picChg>
+      </pc:sldChg>
+      <pc:sldChg chg="addSp delSp modSp">
+        <pc:chgData name="Georg P" userId="53d5f090c11d6345" providerId="Windows Live" clId="Web-{6901E9F8-7762-69A4-839D-98505DAC4062}" dt="2025-01-09T14:49:35.464" v="151" actId="20577"/>
+        <pc:sldMkLst>
+          <pc:docMk/>
+          <pc:sldMk cId="2854044737" sldId="276"/>
+        </pc:sldMkLst>
+        <pc:spChg chg="mod">
+          <ac:chgData name="Georg P" userId="53d5f090c11d6345" providerId="Windows Live" clId="Web-{6901E9F8-7762-69A4-839D-98505DAC4062}" dt="2025-01-09T14:49:35.464" v="151" actId="20577"/>
+          <ac:spMkLst>
+            <pc:docMk/>
+            <pc:sldMk cId="2854044737" sldId="276"/>
+            <ac:spMk id="2" creationId="{8A738D5E-E749-E8E0-A0EE-47ED215D46EF}"/>
+          </ac:spMkLst>
+        </pc:spChg>
+        <pc:spChg chg="add del mod">
+          <ac:chgData name="Georg P" userId="53d5f090c11d6345" providerId="Windows Live" clId="Web-{6901E9F8-7762-69A4-839D-98505DAC4062}" dt="2025-01-09T14:42:33.183" v="7"/>
+          <ac:spMkLst>
+            <pc:docMk/>
+            <pc:sldMk cId="2854044737" sldId="276"/>
+            <ac:spMk id="5" creationId="{06BFD68F-3E82-BEC2-01A3-42E9595D2A39}"/>
+          </ac:spMkLst>
+        </pc:spChg>
+        <pc:picChg chg="del">
+          <ac:chgData name="Georg P" userId="53d5f090c11d6345" providerId="Windows Live" clId="Web-{6901E9F8-7762-69A4-839D-98505DAC4062}" dt="2025-01-09T14:42:31.839" v="6"/>
+          <ac:picMkLst>
+            <pc:docMk/>
+            <pc:sldMk cId="2854044737" sldId="276"/>
+            <ac:picMk id="6" creationId="{ED0031ED-5354-027E-95B4-BE0D40A43108}"/>
+          </ac:picMkLst>
+        </pc:picChg>
+        <pc:picChg chg="add mod ord">
+          <ac:chgData name="Georg P" userId="53d5f090c11d6345" providerId="Windows Live" clId="Web-{6901E9F8-7762-69A4-839D-98505DAC4062}" dt="2025-01-09T14:42:33.183" v="7"/>
+          <ac:picMkLst>
+            <pc:docMk/>
+            <pc:sldMk cId="2854044737" sldId="276"/>
+            <ac:picMk id="7" creationId="{2DF8D132-91AA-7663-FBDF-C0F316B9C151}"/>
+          </ac:picMkLst>
+        </pc:picChg>
+      </pc:sldChg>
+      <pc:sldChg chg="addSp delSp modSp">
+        <pc:chgData name="Georg P" userId="53d5f090c11d6345" providerId="Windows Live" clId="Web-{6901E9F8-7762-69A4-839D-98505DAC4062}" dt="2025-01-09T14:57:59.559" v="270"/>
+        <pc:sldMkLst>
+          <pc:docMk/>
+          <pc:sldMk cId="2588729548" sldId="277"/>
+        </pc:sldMkLst>
+        <pc:spChg chg="add del mod">
+          <ac:chgData name="Georg P" userId="53d5f090c11d6345" providerId="Windows Live" clId="Web-{6901E9F8-7762-69A4-839D-98505DAC4062}" dt="2025-01-09T14:57:59.559" v="270"/>
+          <ac:spMkLst>
+            <pc:docMk/>
+            <pc:sldMk cId="2588729548" sldId="277"/>
+            <ac:spMk id="4" creationId="{5962FCFF-2DE8-E3BA-86B2-16AC93698AB3}"/>
+          </ac:spMkLst>
+        </pc:spChg>
+        <pc:picChg chg="add mod ord">
+          <ac:chgData name="Georg P" userId="53d5f090c11d6345" providerId="Windows Live" clId="Web-{6901E9F8-7762-69A4-839D-98505DAC4062}" dt="2025-01-09T14:57:59.559" v="270"/>
+          <ac:picMkLst>
+            <pc:docMk/>
+            <pc:sldMk cId="2588729548" sldId="277"/>
+            <ac:picMk id="5" creationId="{48B9779D-3141-F267-BFD8-5618C9118D7E}"/>
+          </ac:picMkLst>
+        </pc:picChg>
+        <pc:picChg chg="del">
+          <ac:chgData name="Georg P" userId="53d5f090c11d6345" providerId="Windows Live" clId="Web-{6901E9F8-7762-69A4-839D-98505DAC4062}" dt="2025-01-09T14:57:56.091" v="269"/>
+          <ac:picMkLst>
+            <pc:docMk/>
+            <pc:sldMk cId="2588729548" sldId="277"/>
+            <ac:picMk id="7" creationId="{8B0F8B9B-7C7C-0DF7-92DA-D34F3476EB41}"/>
+          </ac:picMkLst>
+        </pc:picChg>
+      </pc:sldChg>
+      <pc:sldChg chg="addSp delSp modSp new mod ord setBg modClrScheme chgLayout">
+        <pc:chgData name="Georg P" userId="53d5f090c11d6345" providerId="Windows Live" clId="Web-{6901E9F8-7762-69A4-839D-98505DAC4062}" dt="2025-01-09T15:04:42.058" v="354"/>
+        <pc:sldMkLst>
+          <pc:docMk/>
+          <pc:sldMk cId="2081908271" sldId="278"/>
+        </pc:sldMkLst>
+        <pc:spChg chg="mod ord">
+          <ac:chgData name="Georg P" userId="53d5f090c11d6345" providerId="Windows Live" clId="Web-{6901E9F8-7762-69A4-839D-98505DAC4062}" dt="2025-01-09T15:04:42.058" v="354"/>
+          <ac:spMkLst>
+            <pc:docMk/>
+            <pc:sldMk cId="2081908271" sldId="278"/>
+            <ac:spMk id="2" creationId="{C26FA727-A523-B6BC-43A9-4FDA74659C81}"/>
+          </ac:spMkLst>
+        </pc:spChg>
+        <pc:spChg chg="mod ord">
+          <ac:chgData name="Georg P" userId="53d5f090c11d6345" providerId="Windows Live" clId="Web-{6901E9F8-7762-69A4-839D-98505DAC4062}" dt="2025-01-09T15:04:42.058" v="354"/>
+          <ac:spMkLst>
+            <pc:docMk/>
+            <pc:sldMk cId="2081908271" sldId="278"/>
+            <ac:spMk id="3" creationId="{AAE42C5C-85A3-BA6D-DFA8-A6B88FB8869E}"/>
+          </ac:spMkLst>
+        </pc:spChg>
+        <pc:spChg chg="del">
+          <ac:chgData name="Georg P" userId="53d5f090c11d6345" providerId="Windows Live" clId="Web-{6901E9F8-7762-69A4-839D-98505DAC4062}" dt="2025-01-09T14:57:29.762" v="261"/>
+          <ac:spMkLst>
+            <pc:docMk/>
+            <pc:sldMk cId="2081908271" sldId="278"/>
+            <ac:spMk id="4" creationId="{C7630074-CF8C-8310-9F55-F448930040FB}"/>
+          </ac:spMkLst>
+        </pc:spChg>
+        <pc:spChg chg="add del">
+          <ac:chgData name="Georg P" userId="53d5f090c11d6345" providerId="Windows Live" clId="Web-{6901E9F8-7762-69A4-839D-98505DAC4062}" dt="2025-01-09T15:04:42.058" v="354"/>
+          <ac:spMkLst>
+            <pc:docMk/>
+            <pc:sldMk cId="2081908271" sldId="278"/>
+            <ac:spMk id="9" creationId="{6F828D28-8E09-41CC-8229-3070B5467A96}"/>
+          </ac:spMkLst>
+        </pc:spChg>
+        <pc:spChg chg="add del">
+          <ac:chgData name="Georg P" userId="53d5f090c11d6345" providerId="Windows Live" clId="Web-{6901E9F8-7762-69A4-839D-98505DAC4062}" dt="2025-01-09T15:04:42.058" v="354"/>
+          <ac:spMkLst>
+            <pc:docMk/>
+            <pc:sldMk cId="2081908271" sldId="278"/>
+            <ac:spMk id="11" creationId="{D5B012D8-7F27-4758-9AC6-C889B154BD73}"/>
+          </ac:spMkLst>
+        </pc:spChg>
+        <pc:spChg chg="add del">
+          <ac:chgData name="Georg P" userId="53d5f090c11d6345" providerId="Windows Live" clId="Web-{6901E9F8-7762-69A4-839D-98505DAC4062}" dt="2025-01-09T15:04:42.058" v="354"/>
+          <ac:spMkLst>
+            <pc:docMk/>
+            <pc:sldMk cId="2081908271" sldId="278"/>
+            <ac:spMk id="13" creationId="{4063B759-00FC-46D1-9898-8E8625268FAF}"/>
+          </ac:spMkLst>
+        </pc:spChg>
+        <pc:picChg chg="add del">
+          <ac:chgData name="Georg P" userId="53d5f090c11d6345" providerId="Windows Live" clId="Web-{6901E9F8-7762-69A4-839D-98505DAC4062}" dt="2025-01-09T15:04:42.058" v="354"/>
+          <ac:picMkLst>
+            <pc:docMk/>
+            <pc:sldMk cId="2081908271" sldId="278"/>
+            <ac:picMk id="5" creationId="{37E72653-CACD-8BAA-5893-C4212A9BE44B}"/>
+          </ac:picMkLst>
+        </pc:picChg>
+      </pc:sldChg>
+      <pc:sldChg chg="addSp delSp modSp new mod modClrScheme chgLayout">
+        <pc:chgData name="Georg P" userId="53d5f090c11d6345" providerId="Windows Live" clId="Web-{6901E9F8-7762-69A4-839D-98505DAC4062}" dt="2025-01-09T15:03:41.478" v="352" actId="1076"/>
+        <pc:sldMkLst>
+          <pc:docMk/>
+          <pc:sldMk cId="3686345209" sldId="279"/>
+        </pc:sldMkLst>
+        <pc:spChg chg="del mod ord">
+          <ac:chgData name="Georg P" userId="53d5f090c11d6345" providerId="Windows Live" clId="Web-{6901E9F8-7762-69A4-839D-98505DAC4062}" dt="2025-01-09T15:02:11.912" v="322"/>
+          <ac:spMkLst>
+            <pc:docMk/>
+            <pc:sldMk cId="3686345209" sldId="279"/>
+            <ac:spMk id="2" creationId="{0265F586-BB31-D39B-8B16-2B731900A1F8}"/>
+          </ac:spMkLst>
+        </pc:spChg>
+        <pc:spChg chg="del mod ord">
+          <ac:chgData name="Georg P" userId="53d5f090c11d6345" providerId="Windows Live" clId="Web-{6901E9F8-7762-69A4-839D-98505DAC4062}" dt="2025-01-09T14:58:25.639" v="275"/>
+          <ac:spMkLst>
+            <pc:docMk/>
+            <pc:sldMk cId="3686345209" sldId="279"/>
+            <ac:spMk id="3" creationId="{434101E4-ED82-FCF0-C215-66328C9ACD04}"/>
+          </ac:spMkLst>
+        </pc:spChg>
+        <pc:spChg chg="del">
+          <ac:chgData name="Georg P" userId="53d5f090c11d6345" providerId="Windows Live" clId="Web-{6901E9F8-7762-69A4-839D-98505DAC4062}" dt="2025-01-09T14:58:12.372" v="272"/>
+          <ac:spMkLst>
+            <pc:docMk/>
+            <pc:sldMk cId="3686345209" sldId="279"/>
+            <ac:spMk id="4" creationId="{34AB08FF-BA85-82BA-4402-DF38B92BAF0D}"/>
+          </ac:spMkLst>
+        </pc:spChg>
+        <pc:spChg chg="add del mod">
+          <ac:chgData name="Georg P" userId="53d5f090c11d6345" providerId="Windows Live" clId="Web-{6901E9F8-7762-69A4-839D-98505DAC4062}" dt="2025-01-09T15:00:53.112" v="310"/>
+          <ac:spMkLst>
+            <pc:docMk/>
+            <pc:sldMk cId="3686345209" sldId="279"/>
+            <ac:spMk id="12" creationId="{61A88548-1411-72B1-E935-14201FEFF0F9}"/>
+          </ac:spMkLst>
+        </pc:spChg>
+        <pc:spChg chg="add del mod">
+          <ac:chgData name="Georg P" userId="53d5f090c11d6345" providerId="Windows Live" clId="Web-{6901E9F8-7762-69A4-839D-98505DAC4062}" dt="2025-01-09T15:02:15.912" v="323"/>
+          <ac:spMkLst>
+            <pc:docMk/>
+            <pc:sldMk cId="3686345209" sldId="279"/>
+            <ac:spMk id="15" creationId="{2FB24712-9D00-62B3-8AF4-1F1AFB109350}"/>
+          </ac:spMkLst>
+        </pc:spChg>
+        <pc:graphicFrameChg chg="add del mod ord modGraphic">
+          <ac:chgData name="Georg P" userId="53d5f090c11d6345" providerId="Windows Live" clId="Web-{6901E9F8-7762-69A4-839D-98505DAC4062}" dt="2025-01-09T15:00:45.315" v="307"/>
+          <ac:graphicFrameMkLst>
+            <pc:docMk/>
+            <pc:sldMk cId="3686345209" sldId="279"/>
+            <ac:graphicFrameMk id="5" creationId="{FE02E577-5431-6692-5146-2A11EBBC8AD0}"/>
+          </ac:graphicFrameMkLst>
+        </pc:graphicFrameChg>
+        <pc:picChg chg="add del mod">
+          <ac:chgData name="Georg P" userId="53d5f090c11d6345" providerId="Windows Live" clId="Web-{6901E9F8-7762-69A4-839D-98505DAC4062}" dt="2025-01-09T14:58:51.108" v="281"/>
+          <ac:picMkLst>
+            <pc:docMk/>
+            <pc:sldMk cId="3686345209" sldId="279"/>
+            <ac:picMk id="6" creationId="{1BF22E2F-37B3-B47A-00B4-E9BFD8009ACA}"/>
+          </ac:picMkLst>
+        </pc:picChg>
+        <pc:picChg chg="add del mod">
+          <ac:chgData name="Georg P" userId="53d5f090c11d6345" providerId="Windows Live" clId="Web-{6901E9F8-7762-69A4-839D-98505DAC4062}" dt="2025-01-09T14:59:01.687" v="283"/>
+          <ac:picMkLst>
+            <pc:docMk/>
+            <pc:sldMk cId="3686345209" sldId="279"/>
+            <ac:picMk id="7" creationId="{F29931E5-4080-2CAC-B018-027285BE9637}"/>
+          </ac:picMkLst>
+        </pc:picChg>
+        <pc:picChg chg="add mod">
+          <ac:chgData name="Georg P" userId="53d5f090c11d6345" providerId="Windows Live" clId="Web-{6901E9F8-7762-69A4-839D-98505DAC4062}" dt="2025-01-09T15:03:41.259" v="349" actId="1076"/>
+          <ac:picMkLst>
+            <pc:docMk/>
+            <pc:sldMk cId="3686345209" sldId="279"/>
+            <ac:picMk id="8" creationId="{2044E551-2EF2-4CA6-A5F0-BA1FACBECEED}"/>
+          </ac:picMkLst>
+        </pc:picChg>
+        <pc:picChg chg="add mod">
+          <ac:chgData name="Georg P" userId="53d5f090c11d6345" providerId="Windows Live" clId="Web-{6901E9F8-7762-69A4-839D-98505DAC4062}" dt="2025-01-09T15:03:41.337" v="350" actId="1076"/>
+          <ac:picMkLst>
+            <pc:docMk/>
+            <pc:sldMk cId="3686345209" sldId="279"/>
+            <ac:picMk id="9" creationId="{02B295B9-D327-23CE-A83A-8F1CB774B947}"/>
+          </ac:picMkLst>
+        </pc:picChg>
+        <pc:picChg chg="add mod">
+          <ac:chgData name="Georg P" userId="53d5f090c11d6345" providerId="Windows Live" clId="Web-{6901E9F8-7762-69A4-839D-98505DAC4062}" dt="2025-01-09T15:03:41.384" v="351" actId="1076"/>
+          <ac:picMkLst>
+            <pc:docMk/>
+            <pc:sldMk cId="3686345209" sldId="279"/>
+            <ac:picMk id="10" creationId="{A7695196-A241-2859-8B85-77C1B07A4EE8}"/>
+          </ac:picMkLst>
+        </pc:picChg>
+        <pc:picChg chg="add mod">
+          <ac:chgData name="Georg P" userId="53d5f090c11d6345" providerId="Windows Live" clId="Web-{6901E9F8-7762-69A4-839D-98505DAC4062}" dt="2025-01-09T15:03:41.478" v="352" actId="1076"/>
+          <ac:picMkLst>
+            <pc:docMk/>
+            <pc:sldMk cId="3686345209" sldId="279"/>
+            <ac:picMk id="13" creationId="{169025DA-1FED-1FE0-9771-38F97A07C62B}"/>
+          </ac:picMkLst>
+        </pc:picChg>
+      </pc:sldChg>
+    </pc:docChg>
+  </pc:docChgLst>
+</pc:chgInfo>
 </file>
 
 <file path=ppt/slideLayouts/slideLayout1.xml><?xml version="1.0" encoding="utf-8"?>
@@ -271,7 +871,7 @@
           <a:p>
             <a:fld id="{846CE7D5-CF57-46EF-B807-FDD0502418D4}" type="datetimeFigureOut">
               <a:rPr lang="en-GB" smtClean="0"/>
-              <a:t>07/01/2025</a:t>
+              <a:t>09/01/2025</a:t>
             </a:fld>
             <a:endParaRPr lang="en-GB"/>
           </a:p>
@@ -441,7 +1041,7 @@
           <a:p>
             <a:fld id="{846CE7D5-CF57-46EF-B807-FDD0502418D4}" type="datetimeFigureOut">
               <a:rPr lang="en-GB" smtClean="0"/>
-              <a:t>07/01/2025</a:t>
+              <a:t>09/01/2025</a:t>
             </a:fld>
             <a:endParaRPr lang="en-GB"/>
           </a:p>
@@ -621,7 +1221,7 @@
           <a:p>
             <a:fld id="{846CE7D5-CF57-46EF-B807-FDD0502418D4}" type="datetimeFigureOut">
               <a:rPr lang="en-GB" smtClean="0"/>
-              <a:t>07/01/2025</a:t>
+              <a:t>09/01/2025</a:t>
             </a:fld>
             <a:endParaRPr lang="en-GB"/>
           </a:p>
@@ -791,7 +1391,7 @@
           <a:p>
             <a:fld id="{846CE7D5-CF57-46EF-B807-FDD0502418D4}" type="datetimeFigureOut">
               <a:rPr lang="en-GB" smtClean="0"/>
-              <a:t>07/01/2025</a:t>
+              <a:t>09/01/2025</a:t>
             </a:fld>
             <a:endParaRPr lang="en-GB"/>
           </a:p>
@@ -1037,7 +1637,7 @@
           <a:p>
             <a:fld id="{846CE7D5-CF57-46EF-B807-FDD0502418D4}" type="datetimeFigureOut">
               <a:rPr lang="en-GB" smtClean="0"/>
-              <a:t>07/01/2025</a:t>
+              <a:t>09/01/2025</a:t>
             </a:fld>
             <a:endParaRPr lang="en-GB"/>
           </a:p>
@@ -1269,7 +1869,7 @@
           <a:p>
             <a:fld id="{846CE7D5-CF57-46EF-B807-FDD0502418D4}" type="datetimeFigureOut">
               <a:rPr lang="en-GB" smtClean="0"/>
-              <a:t>07/01/2025</a:t>
+              <a:t>09/01/2025</a:t>
             </a:fld>
             <a:endParaRPr lang="en-GB"/>
           </a:p>
@@ -1636,7 +2236,7 @@
           <a:p>
             <a:fld id="{846CE7D5-CF57-46EF-B807-FDD0502418D4}" type="datetimeFigureOut">
               <a:rPr lang="en-GB" smtClean="0"/>
-              <a:t>07/01/2025</a:t>
+              <a:t>09/01/2025</a:t>
             </a:fld>
             <a:endParaRPr lang="en-GB"/>
           </a:p>
@@ -1754,7 +2354,7 @@
           <a:p>
             <a:fld id="{846CE7D5-CF57-46EF-B807-FDD0502418D4}" type="datetimeFigureOut">
               <a:rPr lang="en-GB" smtClean="0"/>
-              <a:t>07/01/2025</a:t>
+              <a:t>09/01/2025</a:t>
             </a:fld>
             <a:endParaRPr lang="en-GB"/>
           </a:p>
@@ -1849,7 +2449,7 @@
           <a:p>
             <a:fld id="{846CE7D5-CF57-46EF-B807-FDD0502418D4}" type="datetimeFigureOut">
               <a:rPr lang="en-GB" smtClean="0"/>
-              <a:t>07/01/2025</a:t>
+              <a:t>09/01/2025</a:t>
             </a:fld>
             <a:endParaRPr lang="en-GB"/>
           </a:p>
@@ -2126,7 +2726,7 @@
           <a:p>
             <a:fld id="{846CE7D5-CF57-46EF-B807-FDD0502418D4}" type="datetimeFigureOut">
               <a:rPr lang="en-GB" smtClean="0"/>
-              <a:t>07/01/2025</a:t>
+              <a:t>09/01/2025</a:t>
             </a:fld>
             <a:endParaRPr lang="en-GB"/>
           </a:p>
@@ -2383,7 +2983,7 @@
           <a:p>
             <a:fld id="{846CE7D5-CF57-46EF-B807-FDD0502418D4}" type="datetimeFigureOut">
               <a:rPr lang="en-GB" smtClean="0"/>
-              <a:t>07/01/2025</a:t>
+              <a:t>09/01/2025</a:t>
             </a:fld>
             <a:endParaRPr lang="en-GB"/>
           </a:p>
@@ -2596,7 +3196,7 @@
           <a:p>
             <a:fld id="{846CE7D5-CF57-46EF-B807-FDD0502418D4}" type="datetimeFigureOut">
               <a:rPr lang="en-GB" smtClean="0"/>
-              <a:t>07/01/2025</a:t>
+              <a:t>09/01/2025</a:t>
             </a:fld>
             <a:endParaRPr lang="en-GB"/>
           </a:p>
@@ -3092,166 +3692,130 @@
           <a:chExt cx="0" cy="0"/>
         </a:xfrm>
       </p:grpSpPr>
-      <p:sp>
-        <p:nvSpPr>
-          <p:cNvPr id="2" name="Title 1">
+      <p:pic>
+        <p:nvPicPr>
+          <p:cNvPr id="8" name="Picture 7" descr="A graph with green and white bars&#10;&#10;Description automatically generated">
             <a:extLst>
               <a:ext uri="{FF2B5EF4-FFF2-40B4-BE49-F238E27FC236}">
-                <a16:creationId xmlns:a16="http://schemas.microsoft.com/office/drawing/2014/main" id="{8A738D5E-E749-E8E0-A0EE-47ED215D46EF}"/>
-              </a:ext>
-            </a:extLst>
-          </p:cNvPr>
-          <p:cNvSpPr>
-            <a:spLocks noGrp="1"/>
-          </p:cNvSpPr>
-          <p:nvPr>
-            <p:ph type="title"/>
-          </p:nvPr>
-        </p:nvSpPr>
-        <p:spPr>
-          <a:xfrm>
-            <a:off x="839788" y="457200"/>
-            <a:ext cx="10517651" cy="1048835"/>
-          </a:xfrm>
-        </p:spPr>
-        <p:txBody>
-          <a:bodyPr vert="horz" lIns="91440" tIns="45720" rIns="91440" bIns="45720" rtlCol="0" anchor="t">
-            <a:normAutofit/>
-          </a:bodyPr>
-          <a:lstStyle/>
-          <a:p>
-            <a:r>
-              <a:rPr lang="en-GB" dirty="0"/>
-              <a:t>Institutes with most publications affiliated to them regarding polymer materials</a:t>
-            </a:r>
-          </a:p>
-        </p:txBody>
-      </p:sp>
-      <p:sp>
-        <p:nvSpPr>
-          <p:cNvPr id="8" name="Text Placeholder 7">
-            <a:extLst>
-              <a:ext uri="{FF2B5EF4-FFF2-40B4-BE49-F238E27FC236}">
-                <a16:creationId xmlns:a16="http://schemas.microsoft.com/office/drawing/2014/main" id="{A6E5084A-F6BC-6D7F-4C69-E9374639CCDA}"/>
-              </a:ext>
-            </a:extLst>
-          </p:cNvPr>
-          <p:cNvSpPr>
-            <a:spLocks noGrp="1"/>
-          </p:cNvSpPr>
-          <p:nvPr>
-            <p:ph type="body" sz="half" idx="2"/>
-          </p:nvPr>
-        </p:nvSpPr>
-        <p:spPr>
-          <a:xfrm>
-            <a:off x="839788" y="1574180"/>
-            <a:ext cx="3932237" cy="3706271"/>
-          </a:xfrm>
-        </p:spPr>
-        <p:txBody>
-          <a:bodyPr vert="horz" lIns="91440" tIns="45720" rIns="91440" bIns="45720" rtlCol="0" anchor="ctr">
-            <a:normAutofit/>
-          </a:bodyPr>
-          <a:lstStyle/>
-          <a:p>
-            <a:pPr marL="285750" indent="-285750">
-              <a:buChar char="•"/>
-            </a:pPr>
-            <a:r>
-              <a:rPr lang="en-GB" dirty="0"/>
-              <a:t>The institute with the most affiliations has more than twice the amount of affiliations as the institute with the second most affiliations</a:t>
-            </a:r>
-          </a:p>
-          <a:p>
-            <a:pPr marL="285750" indent="-285750">
-              <a:buChar char="•"/>
-            </a:pPr>
-            <a:r>
-              <a:rPr lang="en-GB" dirty="0"/>
-              <a:t>Most institutes are located in China</a:t>
-            </a:r>
-          </a:p>
-          <a:p>
-            <a:pPr marL="285750" indent="-285750">
-              <a:buChar char="•"/>
-            </a:pPr>
-            <a:r>
-              <a:rPr lang="en-GB" dirty="0"/>
-              <a:t>The Chinese Academy of Sciences (CAS) is listed under three different names, possibly to different translations to English:</a:t>
-            </a:r>
-          </a:p>
-          <a:p>
-            <a:pPr marL="742950" lvl="1" indent="-285750">
-              <a:buFont typeface="Courier New" panose="020B0604020202020204" pitchFamily="34" charset="0"/>
-              <a:buChar char="o"/>
-            </a:pPr>
-            <a:r>
-              <a:rPr lang="en-GB" dirty="0"/>
-              <a:t>Chinese Academy of Sciences</a:t>
-            </a:r>
-          </a:p>
-          <a:p>
-            <a:pPr marL="742950" lvl="1" indent="-285750">
-              <a:buFont typeface="Courier New" panose="020B0604020202020204" pitchFamily="34" charset="0"/>
-              <a:buChar char="o"/>
-            </a:pPr>
-            <a:r>
-              <a:rPr lang="en-GB" dirty="0"/>
-              <a:t>University of Chinese Academy of Sciences CAS</a:t>
-            </a:r>
-          </a:p>
-          <a:p>
-            <a:pPr marL="742950" lvl="1" indent="-285750">
-              <a:buFont typeface="Courier New" panose="020B0604020202020204" pitchFamily="34" charset="0"/>
-              <a:buChar char="o"/>
-            </a:pPr>
-            <a:r>
-              <a:rPr lang="en-GB" dirty="0"/>
-              <a:t>University of Science Technology of China CAS</a:t>
-            </a:r>
-          </a:p>
-        </p:txBody>
-      </p:sp>
-      <p:pic>
-        <p:nvPicPr>
-          <p:cNvPr id="7" name="Content Placeholder 6" descr="A graph with text and numbers&#10;&#10;Description automatically generated">
-            <a:extLst>
-              <a:ext uri="{FF2B5EF4-FFF2-40B4-BE49-F238E27FC236}">
-                <a16:creationId xmlns:a16="http://schemas.microsoft.com/office/drawing/2014/main" id="{30ACB7C0-A576-7C01-C14A-8F97BEDBC501}"/>
+                <a16:creationId xmlns:a16="http://schemas.microsoft.com/office/drawing/2014/main" id="{2044E551-2EF2-4CA6-A5F0-BA1FACBECEED}"/>
               </a:ext>
             </a:extLst>
           </p:cNvPr>
           <p:cNvPicPr>
-            <a:picLocks noGrp="1" noChangeAspect="1"/>
+            <a:picLocks noChangeAspect="1"/>
           </p:cNvPicPr>
-          <p:nvPr>
-            <p:ph idx="1"/>
-          </p:nvPr>
+          <p:nvPr/>
         </p:nvPicPr>
         <p:blipFill>
-          <a:blip r:embed="rId2">
-            <a:extLst>
-              <a:ext uri="{28A0092B-C50C-407E-A947-70E740481C1C}">
-                <a14:useLocalDpi xmlns:a14="http://schemas.microsoft.com/office/drawing/2010/main" val="0"/>
-              </a:ext>
-            </a:extLst>
-          </a:blip>
+          <a:blip r:embed="rId2"/>
           <a:stretch>
             <a:fillRect/>
           </a:stretch>
         </p:blipFill>
         <p:spPr>
           <a:xfrm>
-            <a:off x="5183188" y="1572577"/>
-            <a:ext cx="6172200" cy="3703320"/>
+            <a:off x="915628" y="337983"/>
+            <a:ext cx="5088193" cy="2986550"/>
           </a:xfrm>
+          <a:prstGeom prst="rect">
+            <a:avLst/>
+          </a:prstGeom>
+        </p:spPr>
+      </p:pic>
+      <p:pic>
+        <p:nvPicPr>
+          <p:cNvPr id="9" name="Picture 8" descr="A graph with red squares&#10;&#10;Description automatically generated">
+            <a:extLst>
+              <a:ext uri="{FF2B5EF4-FFF2-40B4-BE49-F238E27FC236}">
+                <a16:creationId xmlns:a16="http://schemas.microsoft.com/office/drawing/2014/main" id="{02B295B9-D327-23CE-A83A-8F1CB774B947}"/>
+              </a:ext>
+            </a:extLst>
+          </p:cNvPr>
+          <p:cNvPicPr>
+            <a:picLocks noChangeAspect="1"/>
+          </p:cNvPicPr>
+          <p:nvPr/>
+        </p:nvPicPr>
+        <p:blipFill>
+          <a:blip r:embed="rId3"/>
+          <a:stretch>
+            <a:fillRect/>
+          </a:stretch>
+        </p:blipFill>
+        <p:spPr>
+          <a:xfrm>
+            <a:off x="6083710" y="337985"/>
+            <a:ext cx="5088194" cy="2986548"/>
+          </a:xfrm>
+          <a:prstGeom prst="rect">
+            <a:avLst/>
+          </a:prstGeom>
+        </p:spPr>
+      </p:pic>
+      <p:pic>
+        <p:nvPicPr>
+          <p:cNvPr id="10" name="Picture 9" descr="A graph with numbers and lines&#10;&#10;Description automatically generated">
+            <a:extLst>
+              <a:ext uri="{FF2B5EF4-FFF2-40B4-BE49-F238E27FC236}">
+                <a16:creationId xmlns:a16="http://schemas.microsoft.com/office/drawing/2014/main" id="{A7695196-A241-2859-8B85-77C1B07A4EE8}"/>
+              </a:ext>
+            </a:extLst>
+          </p:cNvPr>
+          <p:cNvPicPr>
+            <a:picLocks noChangeAspect="1"/>
+          </p:cNvPicPr>
+          <p:nvPr/>
+        </p:nvPicPr>
+        <p:blipFill>
+          <a:blip r:embed="rId4"/>
+          <a:stretch>
+            <a:fillRect/>
+          </a:stretch>
+        </p:blipFill>
+        <p:spPr>
+          <a:xfrm>
+            <a:off x="915629" y="3385984"/>
+            <a:ext cx="5088195" cy="3066434"/>
+          </a:xfrm>
+          <a:prstGeom prst="rect">
+            <a:avLst/>
+          </a:prstGeom>
+        </p:spPr>
+      </p:pic>
+      <p:pic>
+        <p:nvPicPr>
+          <p:cNvPr id="13" name="Picture 12" descr="A graph of a number of publications&#10;&#10;Description automatically generated">
+            <a:extLst>
+              <a:ext uri="{FF2B5EF4-FFF2-40B4-BE49-F238E27FC236}">
+                <a16:creationId xmlns:a16="http://schemas.microsoft.com/office/drawing/2014/main" id="{169025DA-1FED-1FE0-9771-38F97A07C62B}"/>
+              </a:ext>
+            </a:extLst>
+          </p:cNvPr>
+          <p:cNvPicPr>
+            <a:picLocks noChangeAspect="1"/>
+          </p:cNvPicPr>
+          <p:nvPr/>
+        </p:nvPicPr>
+        <p:blipFill>
+          <a:blip r:embed="rId5"/>
+          <a:stretch>
+            <a:fillRect/>
+          </a:stretch>
+        </p:blipFill>
+        <p:spPr>
+          <a:xfrm>
+            <a:off x="6084587" y="3388442"/>
+            <a:ext cx="5088194" cy="3061520"/>
+          </a:xfrm>
+          <a:prstGeom prst="rect">
+            <a:avLst/>
+          </a:prstGeom>
         </p:spPr>
       </p:pic>
     </p:spTree>
     <p:extLst>
       <p:ext uri="{BB962C8B-B14F-4D97-AF65-F5344CB8AC3E}">
-        <p14:creationId xmlns:p14="http://schemas.microsoft.com/office/powerpoint/2010/main" val="1245074985"/>
+        <p14:creationId xmlns:p14="http://schemas.microsoft.com/office/powerpoint/2010/main" val="3686345209"/>
       </p:ext>
     </p:extLst>
   </p:cSld>
@@ -3266,13 +3830,7 @@
   <p:cSld>
     <p:spTree>
       <p:nvGrpSpPr>
-        <p:cNvPr id="1" name="">
-          <a:extLst>
-            <a:ext uri="{FF2B5EF4-FFF2-40B4-BE49-F238E27FC236}">
-              <a16:creationId xmlns:a16="http://schemas.microsoft.com/office/drawing/2014/main" id="{A696BECD-2FD1-5593-3959-E631DAC2C1E8}"/>
-            </a:ext>
-          </a:extLst>
-        </p:cNvPr>
+        <p:cNvPr id="1" name=""/>
         <p:cNvGrpSpPr/>
         <p:nvPr/>
       </p:nvGrpSpPr>
@@ -3289,7 +3847,7 @@
           <p:cNvPr id="2" name="Title 1">
             <a:extLst>
               <a:ext uri="{FF2B5EF4-FFF2-40B4-BE49-F238E27FC236}">
-                <a16:creationId xmlns:a16="http://schemas.microsoft.com/office/drawing/2014/main" id="{042D5337-1510-3A3A-AC84-ECB5D723B21D}"/>
+                <a16:creationId xmlns:a16="http://schemas.microsoft.com/office/drawing/2014/main" id="{C26FA727-A523-B6BC-43A9-4FDA74659C81}"/>
               </a:ext>
             </a:extLst>
           </p:cNvPr>
@@ -3297,34 +3855,27 @@
             <a:spLocks noGrp="1"/>
           </p:cNvSpPr>
           <p:nvPr>
-            <p:ph type="title"/>
-          </p:nvPr>
-        </p:nvSpPr>
-        <p:spPr>
-          <a:xfrm>
-            <a:off x="839788" y="457200"/>
-            <a:ext cx="10517651" cy="1048835"/>
-          </a:xfrm>
-        </p:spPr>
-        <p:txBody>
-          <a:bodyPr vert="horz" lIns="91440" tIns="45720" rIns="91440" bIns="45720" rtlCol="0" anchor="t">
-            <a:normAutofit/>
-          </a:bodyPr>
+            <p:ph type="ctrTitle"/>
+          </p:nvPr>
+        </p:nvSpPr>
+        <p:spPr/>
+        <p:txBody>
+          <a:bodyPr/>
           <a:lstStyle/>
           <a:p>
             <a:r>
               <a:rPr lang="en-GB" dirty="0"/>
-              <a:t>Institutes with most publications affiliated to them regarding polymer materials</a:t>
-            </a:r>
-          </a:p>
-        </p:txBody>
-      </p:sp>
-      <p:sp>
-        <p:nvSpPr>
-          <p:cNvPr id="8" name="Text Placeholder 7">
+              <a:t>Polymers</a:t>
+            </a:r>
+          </a:p>
+        </p:txBody>
+      </p:sp>
+      <p:sp>
+        <p:nvSpPr>
+          <p:cNvPr id="3" name="Content Placeholder 2">
             <a:extLst>
               <a:ext uri="{FF2B5EF4-FFF2-40B4-BE49-F238E27FC236}">
-                <a16:creationId xmlns:a16="http://schemas.microsoft.com/office/drawing/2014/main" id="{282A8A15-72E6-1E72-2821-653C896296D3}"/>
+                <a16:creationId xmlns:a16="http://schemas.microsoft.com/office/drawing/2014/main" id="{AAE42C5C-85A3-BA6D-DFA8-A6B88FB8869E}"/>
               </a:ext>
             </a:extLst>
           </p:cNvPr>
@@ -3332,90 +3883,30 @@
             <a:spLocks noGrp="1"/>
           </p:cNvSpPr>
           <p:nvPr>
-            <p:ph type="body" sz="half" idx="2"/>
-          </p:nvPr>
-        </p:nvSpPr>
-        <p:spPr>
-          <a:xfrm>
-            <a:off x="839788" y="1574180"/>
-            <a:ext cx="3932237" cy="3706271"/>
-          </a:xfrm>
-        </p:spPr>
-        <p:txBody>
-          <a:bodyPr vert="horz" lIns="91440" tIns="45720" rIns="91440" bIns="45720" rtlCol="0" anchor="ctr">
+            <p:ph type="subTitle" idx="1"/>
+          </p:nvPr>
+        </p:nvSpPr>
+        <p:spPr/>
+        <p:txBody>
+          <a:bodyPr vert="horz" lIns="91440" tIns="45720" rIns="91440" bIns="45720" rtlCol="0" anchor="t">
             <a:normAutofit/>
           </a:bodyPr>
           <a:lstStyle/>
           <a:p>
-            <a:pPr marL="285750" indent="-285750">
-              <a:buChar char="•"/>
-            </a:pPr>
-            <a:r>
-              <a:rPr lang="en-GB" dirty="0"/>
-              <a:t>Chinese Academy of Science is a research organization, while others are university branches situated in Beijing and Hefei respectively</a:t>
-            </a:r>
-          </a:p>
-          <a:p>
-            <a:pPr marL="285750" indent="-285750">
-              <a:buFont typeface="Arial" panose="020B0604020202020204" pitchFamily="34" charset="0"/>
-              <a:buChar char="•"/>
-            </a:pPr>
-            <a:r>
-              <a:rPr lang="en-GB" dirty="0"/>
-              <a:t>Publications mentioned under variations of CAS are all included in “Chinese Academy of Sciences” </a:t>
-            </a:r>
-            <a:r>
-              <a:rPr lang="en-GB" dirty="0">
-                <a:sym typeface="Wingdings" panose="05000000000000000000" pitchFamily="2" charset="2"/>
-              </a:rPr>
-              <a:t> </a:t>
-            </a:r>
-            <a:r>
-              <a:rPr lang="en-GB" dirty="0"/>
-              <a:t>others have thus been omitted</a:t>
-            </a:r>
-          </a:p>
-        </p:txBody>
-      </p:sp>
-      <p:pic>
-        <p:nvPicPr>
-          <p:cNvPr id="7" name="Content Placeholder 6" descr="A graph with text and numbers&#10;&#10;Description automatically generated">
-            <a:extLst>
-              <a:ext uri="{FF2B5EF4-FFF2-40B4-BE49-F238E27FC236}">
-                <a16:creationId xmlns:a16="http://schemas.microsoft.com/office/drawing/2014/main" id="{8B0F8B9B-7C7C-0DF7-92DA-D34F3476EB41}"/>
-              </a:ext>
-            </a:extLst>
-          </p:cNvPr>
-          <p:cNvPicPr>
-            <a:picLocks noGrp="1" noChangeAspect="1"/>
-          </p:cNvPicPr>
-          <p:nvPr>
-            <p:ph idx="1"/>
-          </p:nvPr>
-        </p:nvPicPr>
-        <p:blipFill>
-          <a:blip r:embed="rId2">
-            <a:extLst>
-              <a:ext uri="{28A0092B-C50C-407E-A947-70E740481C1C}">
-                <a14:useLocalDpi xmlns:a14="http://schemas.microsoft.com/office/drawing/2010/main" val="0"/>
-              </a:ext>
-            </a:extLst>
-          </a:blip>
-          <a:stretch>
-            <a:fillRect/>
-          </a:stretch>
-        </p:blipFill>
-        <p:spPr>
-          <a:xfrm>
-            <a:off x="5183188" y="1572577"/>
-            <a:ext cx="6172200" cy="3703320"/>
-          </a:xfrm>
-        </p:spPr>
-      </p:pic>
+            <a:r>
+              <a:rPr lang="en-GB" sz="6000" dirty="0">
+                <a:latin typeface="Aptos Display"/>
+              </a:rPr>
+              <a:t>Detailed Analysis</a:t>
+            </a:r>
+            <a:endParaRPr lang="en-US" dirty="0"/>
+          </a:p>
+        </p:txBody>
+      </p:sp>
     </p:spTree>
     <p:extLst>
       <p:ext uri="{BB962C8B-B14F-4D97-AF65-F5344CB8AC3E}">
-        <p14:creationId xmlns:p14="http://schemas.microsoft.com/office/powerpoint/2010/main" val="2588729548"/>
+        <p14:creationId xmlns:p14="http://schemas.microsoft.com/office/powerpoint/2010/main" val="2081908271"/>
       </p:ext>
     </p:extLst>
   </p:cSld>
@@ -3472,7 +3963,7 @@
           <a:p>
             <a:r>
               <a:rPr lang="en-GB" dirty="0"/>
-              <a:t>Countries with most publications affiliated to them regarding polymer materials</a:t>
+              <a:t>Institutes with most publications affiliated to them regarding polymer materials</a:t>
             </a:r>
           </a:p>
         </p:txBody>
@@ -3510,30 +4001,65 @@
             </a:pPr>
             <a:r>
               <a:rPr lang="en-GB" dirty="0"/>
-              <a:t>Most papers are published with affiliations to China or USA </a:t>
-            </a:r>
-            <a:endParaRPr lang="en-US" dirty="0"/>
+              <a:t>The institute with the most affiliations has more than twice the amount of affiliations as the institute with the second most affiliations</a:t>
+            </a:r>
           </a:p>
           <a:p>
             <a:pPr marL="285750" indent="-285750">
               <a:buChar char="•"/>
             </a:pPr>
-            <a:endParaRPr lang="en-GB" dirty="0"/>
+            <a:r>
+              <a:rPr lang="en-GB" dirty="0"/>
+              <a:t>Most institutes are located in China</a:t>
+            </a:r>
           </a:p>
           <a:p>
             <a:pPr marL="285750" indent="-285750">
               <a:buChar char="•"/>
             </a:pPr>
-            <a:endParaRPr lang="en-GB" dirty="0"/>
+            <a:r>
+              <a:rPr lang="en-GB" dirty="0"/>
+              <a:t>The Chinese Academy of Sciences (CAS) is listed under three different names, possibly to different translations to English:</a:t>
+            </a:r>
+          </a:p>
+          <a:p>
+            <a:pPr marL="742950" lvl="1" indent="-285750">
+              <a:buFont typeface="Courier New" panose="020B0604020202020204" pitchFamily="34" charset="0"/>
+              <a:buChar char="o"/>
+            </a:pPr>
+            <a:r>
+              <a:rPr lang="en-GB" dirty="0"/>
+              <a:t>Chinese Academy of Sciences</a:t>
+            </a:r>
+          </a:p>
+          <a:p>
+            <a:pPr marL="742950" lvl="1" indent="-285750">
+              <a:buFont typeface="Courier New" panose="020B0604020202020204" pitchFamily="34" charset="0"/>
+              <a:buChar char="o"/>
+            </a:pPr>
+            <a:r>
+              <a:rPr lang="en-GB" dirty="0"/>
+              <a:t>University of Chinese Academy of Sciences CAS</a:t>
+            </a:r>
+          </a:p>
+          <a:p>
+            <a:pPr marL="742950" lvl="1" indent="-285750">
+              <a:buFont typeface="Courier New" panose="020B0604020202020204" pitchFamily="34" charset="0"/>
+              <a:buChar char="o"/>
+            </a:pPr>
+            <a:r>
+              <a:rPr lang="en-GB" dirty="0"/>
+              <a:t>University of Science Technology of China CAS</a:t>
+            </a:r>
           </a:p>
         </p:txBody>
       </p:sp>
       <p:pic>
         <p:nvPicPr>
-          <p:cNvPr id="6" name="Content Placeholder 5" descr="A graph of a number of publications&#10;&#10;Description automatically generated">
+          <p:cNvPr id="5" name="Content Placeholder 4">
             <a:extLst>
               <a:ext uri="{FF2B5EF4-FFF2-40B4-BE49-F238E27FC236}">
-                <a16:creationId xmlns:a16="http://schemas.microsoft.com/office/drawing/2014/main" id="{82690D4E-AA80-F13C-B8CF-EDB4DFD30003}"/>
+                <a16:creationId xmlns:a16="http://schemas.microsoft.com/office/drawing/2014/main" id="{520886D8-FDE6-7DA1-8134-13CE69B3EA34}"/>
               </a:ext>
             </a:extLst>
           </p:cNvPr>
@@ -3545,28 +4071,22 @@
           </p:nvPr>
         </p:nvPicPr>
         <p:blipFill>
-          <a:blip r:embed="rId2">
-            <a:extLst>
-              <a:ext uri="{28A0092B-C50C-407E-A947-70E740481C1C}">
-                <a14:useLocalDpi xmlns:a14="http://schemas.microsoft.com/office/drawing/2010/main" val="0"/>
-              </a:ext>
-            </a:extLst>
-          </a:blip>
+          <a:blip r:embed="rId2"/>
           <a:stretch>
             <a:fillRect/>
           </a:stretch>
         </p:blipFill>
         <p:spPr>
           <a:xfrm>
-            <a:off x="5183188" y="1572577"/>
-            <a:ext cx="6172200" cy="3703320"/>
+            <a:off x="5221288" y="1595437"/>
+            <a:ext cx="6096000" cy="3657600"/>
           </a:xfrm>
         </p:spPr>
       </p:pic>
     </p:spTree>
     <p:extLst>
       <p:ext uri="{BB962C8B-B14F-4D97-AF65-F5344CB8AC3E}">
-        <p14:creationId xmlns:p14="http://schemas.microsoft.com/office/powerpoint/2010/main" val="4262371085"/>
+        <p14:creationId xmlns:p14="http://schemas.microsoft.com/office/powerpoint/2010/main" val="1245074985"/>
       </p:ext>
     </p:extLst>
   </p:cSld>
@@ -3581,7 +4101,13 @@
   <p:cSld>
     <p:spTree>
       <p:nvGrpSpPr>
-        <p:cNvPr id="1" name=""/>
+        <p:cNvPr id="1" name="">
+          <a:extLst>
+            <a:ext uri="{FF2B5EF4-FFF2-40B4-BE49-F238E27FC236}">
+              <a16:creationId xmlns:a16="http://schemas.microsoft.com/office/drawing/2014/main" id="{A696BECD-2FD1-5593-3959-E631DAC2C1E8}"/>
+            </a:ext>
+          </a:extLst>
+        </p:cNvPr>
         <p:cNvGrpSpPr/>
         <p:nvPr/>
       </p:nvGrpSpPr>
@@ -3598,7 +4124,7 @@
           <p:cNvPr id="2" name="Title 1">
             <a:extLst>
               <a:ext uri="{FF2B5EF4-FFF2-40B4-BE49-F238E27FC236}">
-                <a16:creationId xmlns:a16="http://schemas.microsoft.com/office/drawing/2014/main" id="{8A738D5E-E749-E8E0-A0EE-47ED215D46EF}"/>
+                <a16:creationId xmlns:a16="http://schemas.microsoft.com/office/drawing/2014/main" id="{042D5337-1510-3A3A-AC84-ECB5D723B21D}"/>
               </a:ext>
             </a:extLst>
           </p:cNvPr>
@@ -3623,7 +4149,7 @@
           <a:p>
             <a:r>
               <a:rPr lang="en-GB" dirty="0"/>
-              <a:t>Countries with most publications affiliated to them regarding polymer materials, scaled by population</a:t>
+              <a:t>Institutes with most publications affiliated to them regarding polymer materials</a:t>
             </a:r>
           </a:p>
         </p:txBody>
@@ -3633,7 +4159,7 @@
           <p:cNvPr id="8" name="Text Placeholder 7">
             <a:extLst>
               <a:ext uri="{FF2B5EF4-FFF2-40B4-BE49-F238E27FC236}">
-                <a16:creationId xmlns:a16="http://schemas.microsoft.com/office/drawing/2014/main" id="{A6E5084A-F6BC-6D7F-4C69-E9374639CCDA}"/>
+                <a16:creationId xmlns:a16="http://schemas.microsoft.com/office/drawing/2014/main" id="{282A8A15-72E6-1E72-2821-653C896296D3}"/>
               </a:ext>
             </a:extLst>
           </p:cNvPr>
@@ -3646,8 +4172,8 @@
         </p:nvSpPr>
         <p:spPr>
           <a:xfrm>
-            <a:off x="832733" y="4749180"/>
-            <a:ext cx="10529181" cy="1554327"/>
+            <a:off x="839788" y="1574180"/>
+            <a:ext cx="3932237" cy="3706271"/>
           </a:xfrm>
         </p:spPr>
         <p:txBody>
@@ -3661,105 +4187,64 @@
             </a:pPr>
             <a:r>
               <a:rPr lang="en-GB" dirty="0"/>
-              <a:t>When compared to their population, Singapore and Belgium have the most publications affiliated to them</a:t>
+              <a:t>Chinese Academy of Science is a research organization, while others are university branches situated in Beijing and Hefei respectively</a:t>
             </a:r>
           </a:p>
           <a:p>
             <a:pPr marL="285750" indent="-285750">
+              <a:buFont typeface="Arial" panose="020B0604020202020204" pitchFamily="34" charset="0"/>
               <a:buChar char="•"/>
             </a:pPr>
             <a:r>
               <a:rPr lang="en-GB" dirty="0"/>
-              <a:t>Population data taken from </a:t>
+              <a:t>Publications mentioned under variations of CAS are all included in “Chinese Academy of Sciences” </a:t>
             </a:r>
             <a:r>
               <a:rPr lang="en-GB" dirty="0">
-                <a:ea typeface="+mn-lt"/>
-                <a:cs typeface="+mn-lt"/>
-                <a:hlinkClick r:id="rId2"/>
-              </a:rPr>
-              <a:t>www.census.gov</a:t>
-            </a:r>
-            <a:r>
-              <a:rPr lang="en-GB" dirty="0">
-                <a:ea typeface="+mn-lt"/>
-                <a:cs typeface="+mn-lt"/>
-              </a:rPr>
-              <a:t> in January 2025</a:t>
-            </a:r>
-            <a:endParaRPr lang="en-GB" dirty="0"/>
+                <a:sym typeface="Wingdings" panose="05000000000000000000" pitchFamily="2" charset="2"/>
+              </a:rPr>
+              <a:t> </a:t>
+            </a:r>
+            <a:r>
+              <a:rPr lang="en-GB" dirty="0"/>
+              <a:t>others have thus been omitted</a:t>
+            </a:r>
           </a:p>
         </p:txBody>
       </p:sp>
       <p:pic>
         <p:nvPicPr>
-          <p:cNvPr id="6" name="Picture 5" descr="A graph of a number of people&#10;&#10;Description automatically generated">
+          <p:cNvPr id="5" name="Content Placeholder 4">
             <a:extLst>
               <a:ext uri="{FF2B5EF4-FFF2-40B4-BE49-F238E27FC236}">
-                <a16:creationId xmlns:a16="http://schemas.microsoft.com/office/drawing/2014/main" id="{E5C2298E-852A-FBF0-2C9F-61CC5D5A58A9}"/>
+                <a16:creationId xmlns:a16="http://schemas.microsoft.com/office/drawing/2014/main" id="{48B9779D-3141-F267-BFD8-5618C9118D7E}"/>
               </a:ext>
             </a:extLst>
           </p:cNvPr>
           <p:cNvPicPr>
-            <a:picLocks noChangeAspect="1"/>
+            <a:picLocks noGrp="1" noChangeAspect="1"/>
           </p:cNvPicPr>
-          <p:nvPr/>
+          <p:nvPr>
+            <p:ph idx="1"/>
+          </p:nvPr>
         </p:nvPicPr>
         <p:blipFill>
-          <a:blip r:embed="rId3"/>
+          <a:blip r:embed="rId2"/>
           <a:stretch>
             <a:fillRect/>
           </a:stretch>
         </p:blipFill>
         <p:spPr>
           <a:xfrm>
-            <a:off x="839611" y="1571978"/>
-            <a:ext cx="5263445" cy="3177822"/>
-          </a:xfrm>
-          <a:prstGeom prst="rect">
-            <a:avLst/>
-          </a:prstGeom>
-        </p:spPr>
-      </p:pic>
-      <p:pic>
-        <p:nvPicPr>
-          <p:cNvPr id="10" name="Content Placeholder 9" descr="A graph of a bar graph&#10;&#10;Description automatically generated">
-            <a:extLst>
-              <a:ext uri="{FF2B5EF4-FFF2-40B4-BE49-F238E27FC236}">
-                <a16:creationId xmlns:a16="http://schemas.microsoft.com/office/drawing/2014/main" id="{C558C557-7972-C7A9-F5D7-43281D2AD907}"/>
-              </a:ext>
-            </a:extLst>
-          </p:cNvPr>
-          <p:cNvPicPr>
-            <a:picLocks noGrp="1" noChangeAspect="1"/>
-          </p:cNvPicPr>
-          <p:nvPr>
-            <p:ph idx="1"/>
-          </p:nvPr>
-        </p:nvPicPr>
-        <p:blipFill>
-          <a:blip r:embed="rId4">
-            <a:extLst>
-              <a:ext uri="{28A0092B-C50C-407E-A947-70E740481C1C}">
-                <a14:useLocalDpi xmlns:a14="http://schemas.microsoft.com/office/drawing/2010/main" val="0"/>
-              </a:ext>
-            </a:extLst>
-          </a:blip>
-          <a:stretch>
-            <a:fillRect/>
-          </a:stretch>
-        </p:blipFill>
-        <p:spPr>
-          <a:xfrm>
-            <a:off x="6103056" y="1571978"/>
-            <a:ext cx="5185432" cy="3111259"/>
+            <a:off x="5221288" y="1595437"/>
+            <a:ext cx="6096000" cy="3657600"/>
           </a:xfrm>
         </p:spPr>
       </p:pic>
     </p:spTree>
     <p:extLst>
       <p:ext uri="{BB962C8B-B14F-4D97-AF65-F5344CB8AC3E}">
-        <p14:creationId xmlns:p14="http://schemas.microsoft.com/office/powerpoint/2010/main" val="2163132736"/>
+        <p14:creationId xmlns:p14="http://schemas.microsoft.com/office/powerpoint/2010/main" val="2588729548"/>
       </p:ext>
     </p:extLst>
   </p:cSld>
@@ -3788,10 +4273,10 @@
       </p:grpSpPr>
       <p:sp>
         <p:nvSpPr>
-          <p:cNvPr id="4" name="Text Placeholder 3">
+          <p:cNvPr id="2" name="Title 1">
             <a:extLst>
               <a:ext uri="{FF2B5EF4-FFF2-40B4-BE49-F238E27FC236}">
-                <a16:creationId xmlns:a16="http://schemas.microsoft.com/office/drawing/2014/main" id="{8DC21876-0FFB-AD28-4A1F-84768DB132F2}"/>
+                <a16:creationId xmlns:a16="http://schemas.microsoft.com/office/drawing/2014/main" id="{8A738D5E-E749-E8E0-A0EE-47ED215D46EF}"/>
               </a:ext>
             </a:extLst>
           </p:cNvPr>
@@ -3799,359 +4284,85 @@
             <a:spLocks noGrp="1"/>
           </p:cNvSpPr>
           <p:nvPr>
-            <p:ph type="body" sz="half" idx="2"/>
-          </p:nvPr>
-        </p:nvSpPr>
-        <p:spPr/>
+            <p:ph type="title"/>
+          </p:nvPr>
+        </p:nvSpPr>
+        <p:spPr>
+          <a:xfrm>
+            <a:off x="839788" y="457200"/>
+            <a:ext cx="10517651" cy="1048835"/>
+          </a:xfrm>
+        </p:spPr>
         <p:txBody>
           <a:bodyPr vert="horz" lIns="91440" tIns="45720" rIns="91440" bIns="45720" rtlCol="0" anchor="t">
             <a:normAutofit/>
           </a:bodyPr>
           <a:lstStyle/>
           <a:p>
+            <a:r>
+              <a:rPr lang="en-GB" dirty="0"/>
+              <a:t>Countries with most publications affiliated to them regarding polymer materials</a:t>
+            </a:r>
+          </a:p>
+        </p:txBody>
+      </p:sp>
+      <p:sp>
+        <p:nvSpPr>
+          <p:cNvPr id="8" name="Text Placeholder 7">
+            <a:extLst>
+              <a:ext uri="{FF2B5EF4-FFF2-40B4-BE49-F238E27FC236}">
+                <a16:creationId xmlns:a16="http://schemas.microsoft.com/office/drawing/2014/main" id="{A6E5084A-F6BC-6D7F-4C69-E9374639CCDA}"/>
+              </a:ext>
+            </a:extLst>
+          </p:cNvPr>
+          <p:cNvSpPr>
+            <a:spLocks noGrp="1"/>
+          </p:cNvSpPr>
+          <p:nvPr>
+            <p:ph type="body" sz="half" idx="2"/>
+          </p:nvPr>
+        </p:nvSpPr>
+        <p:spPr>
+          <a:xfrm>
+            <a:off x="839788" y="1574180"/>
+            <a:ext cx="3932237" cy="3706271"/>
+          </a:xfrm>
+        </p:spPr>
+        <p:txBody>
+          <a:bodyPr vert="horz" lIns="91440" tIns="45720" rIns="91440" bIns="45720" rtlCol="0" anchor="ctr">
+            <a:normAutofit/>
+          </a:bodyPr>
+          <a:lstStyle/>
+          <a:p>
             <a:pPr marL="285750" indent="-285750">
-              <a:buFont typeface="Arial,Sans-Serif"/>
               <a:buChar char="•"/>
             </a:pPr>
             <a:r>
-              <a:rPr lang="de-DE" b="1" dirty="0"/>
-              <a:t>China </a:t>
-            </a:r>
-            <a:r>
-              <a:rPr lang="de-DE" b="1" dirty="0" err="1"/>
-              <a:t>leads</a:t>
-            </a:r>
-            <a:r>
-              <a:rPr lang="de-DE" b="1" dirty="0"/>
-              <a:t> </a:t>
-            </a:r>
-            <a:r>
-              <a:rPr lang="de-DE" b="1" dirty="0" err="1"/>
-              <a:t>globally</a:t>
-            </a:r>
-            <a:r>
-              <a:rPr lang="de-DE" dirty="0"/>
-              <a:t>, </a:t>
-            </a:r>
-            <a:r>
-              <a:rPr lang="de-DE" dirty="0" err="1"/>
-              <a:t>with</a:t>
-            </a:r>
-            <a:r>
-              <a:rPr lang="de-DE" dirty="0"/>
-              <a:t> </a:t>
-            </a:r>
-            <a:r>
-              <a:rPr lang="de-DE" dirty="0" err="1"/>
-              <a:t>the</a:t>
-            </a:r>
-            <a:r>
-              <a:rPr lang="de-DE" dirty="0"/>
-              <a:t> </a:t>
-            </a:r>
-            <a:r>
-              <a:rPr lang="de-DE" dirty="0" err="1"/>
-              <a:t>highest</a:t>
-            </a:r>
-            <a:r>
-              <a:rPr lang="de-DE" dirty="0"/>
-              <a:t> patent </a:t>
-            </a:r>
-            <a:r>
-              <a:rPr lang="de-DE" dirty="0" err="1"/>
-              <a:t>activity</a:t>
-            </a:r>
-            <a:r>
-              <a:rPr lang="de-DE" dirty="0"/>
-              <a:t> in </a:t>
-            </a:r>
-            <a:r>
-              <a:rPr lang="de-DE" dirty="0" err="1"/>
-              <a:t>self-healing</a:t>
-            </a:r>
-            <a:r>
-              <a:rPr lang="de-DE" dirty="0"/>
-              <a:t> </a:t>
-            </a:r>
-            <a:r>
-              <a:rPr lang="de-DE" dirty="0" err="1"/>
-              <a:t>materials</a:t>
-            </a:r>
-            <a:r>
-              <a:rPr lang="de-DE" dirty="0"/>
-              <a:t>, </a:t>
-            </a:r>
-            <a:r>
-              <a:rPr lang="de-DE" dirty="0" err="1"/>
-              <a:t>driven</a:t>
-            </a:r>
-            <a:r>
-              <a:rPr lang="de-DE" dirty="0"/>
-              <a:t> </a:t>
-            </a:r>
-            <a:r>
-              <a:rPr lang="de-DE" dirty="0" err="1"/>
-              <a:t>by</a:t>
-            </a:r>
-            <a:r>
-              <a:rPr lang="de-DE" dirty="0"/>
-              <a:t> strong </a:t>
-            </a:r>
-            <a:r>
-              <a:rPr lang="de-DE" dirty="0" err="1"/>
-              <a:t>innovation</a:t>
-            </a:r>
-            <a:r>
-              <a:rPr lang="de-DE" dirty="0"/>
-              <a:t> </a:t>
-            </a:r>
-            <a:r>
-              <a:rPr lang="de-DE" dirty="0" err="1"/>
-              <a:t>efforts</a:t>
-            </a:r>
-            <a:r>
-              <a:rPr lang="de-DE" dirty="0"/>
-              <a:t>.</a:t>
+              <a:rPr lang="en-GB" dirty="0"/>
+              <a:t>Most papers are published with affiliations to China or USA </a:t>
             </a:r>
             <a:endParaRPr lang="en-US" dirty="0"/>
           </a:p>
           <a:p>
             <a:pPr marL="285750" indent="-285750">
-              <a:buFont typeface="Arial,Sans-Serif"/>
               <a:buChar char="•"/>
             </a:pPr>
-            <a:r>
-              <a:rPr lang="de-DE" b="1" dirty="0"/>
-              <a:t>USA, South Korea, and Japan</a:t>
-            </a:r>
-            <a:r>
-              <a:rPr lang="de-DE" dirty="0"/>
-              <a:t> follow </a:t>
-            </a:r>
-            <a:r>
-              <a:rPr lang="de-DE" dirty="0" err="1"/>
-              <a:t>as</a:t>
-            </a:r>
-            <a:r>
-              <a:rPr lang="de-DE" dirty="0"/>
-              <a:t> </a:t>
-            </a:r>
-            <a:r>
-              <a:rPr lang="de-DE" dirty="0" err="1"/>
-              <a:t>key</a:t>
-            </a:r>
-            <a:r>
-              <a:rPr lang="de-DE" dirty="0"/>
-              <a:t> </a:t>
-            </a:r>
-            <a:r>
-              <a:rPr lang="de-DE" dirty="0" err="1"/>
-              <a:t>contributors</a:t>
-            </a:r>
-            <a:r>
-              <a:rPr lang="de-DE" dirty="0"/>
-              <a:t>, but </a:t>
-            </a:r>
-            <a:r>
-              <a:rPr lang="de-DE" dirty="0" err="1"/>
-              <a:t>far</a:t>
-            </a:r>
-            <a:r>
-              <a:rPr lang="de-DE" dirty="0"/>
-              <a:t> </a:t>
-            </a:r>
-            <a:r>
-              <a:rPr lang="de-DE" dirty="0" err="1"/>
-              <a:t>behind</a:t>
-            </a:r>
-            <a:r>
-              <a:rPr lang="de-DE" dirty="0"/>
-              <a:t> China.</a:t>
-            </a:r>
-            <a:endParaRPr lang="en-US" dirty="0"/>
+            <a:endParaRPr lang="en-GB" dirty="0"/>
           </a:p>
           <a:p>
             <a:pPr marL="285750" indent="-285750">
-              <a:buFont typeface="Arial,Sans-Serif"/>
               <a:buChar char="•"/>
             </a:pPr>
-            <a:r>
-              <a:rPr lang="de-DE" b="1" dirty="0"/>
-              <a:t>Europe lags</a:t>
-            </a:r>
-            <a:r>
-              <a:rPr lang="de-DE" dirty="0"/>
-              <a:t>, </a:t>
-            </a:r>
-            <a:r>
-              <a:rPr lang="de-DE" dirty="0" err="1"/>
-              <a:t>with</a:t>
-            </a:r>
-            <a:r>
-              <a:rPr lang="de-DE" dirty="0"/>
-              <a:t> limited patent </a:t>
-            </a:r>
-            <a:r>
-              <a:rPr lang="de-DE" dirty="0" err="1"/>
-              <a:t>activity</a:t>
-            </a:r>
-            <a:r>
-              <a:rPr lang="de-DE" dirty="0"/>
-              <a:t>, </a:t>
-            </a:r>
-            <a:r>
-              <a:rPr lang="de-DE" dirty="0" err="1"/>
-              <a:t>suggesting</a:t>
-            </a:r>
-            <a:r>
-              <a:rPr lang="de-DE" dirty="0"/>
-              <a:t> a </a:t>
-            </a:r>
-            <a:r>
-              <a:rPr lang="de-DE" dirty="0" err="1"/>
-              <a:t>focus</a:t>
-            </a:r>
-            <a:r>
-              <a:rPr lang="de-DE" dirty="0"/>
-              <a:t> on </a:t>
-            </a:r>
-            <a:r>
-              <a:rPr lang="de-DE" dirty="0" err="1"/>
-              <a:t>other</a:t>
-            </a:r>
-            <a:r>
-              <a:rPr lang="de-DE" dirty="0"/>
-              <a:t> </a:t>
-            </a:r>
-            <a:r>
-              <a:rPr lang="de-DE" dirty="0" err="1"/>
-              <a:t>priorities</a:t>
-            </a:r>
-            <a:r>
-              <a:rPr lang="de-DE" dirty="0"/>
-              <a:t> </a:t>
-            </a:r>
-            <a:r>
-              <a:rPr lang="de-DE" dirty="0" err="1"/>
-              <a:t>or</a:t>
-            </a:r>
-            <a:r>
-              <a:rPr lang="de-DE" dirty="0"/>
-              <a:t> </a:t>
-            </a:r>
-            <a:r>
-              <a:rPr lang="de-DE" dirty="0" err="1"/>
-              <a:t>academic</a:t>
-            </a:r>
-            <a:r>
-              <a:rPr lang="de-DE" dirty="0"/>
-              <a:t> </a:t>
-            </a:r>
-            <a:r>
-              <a:rPr lang="de-DE" dirty="0" err="1"/>
-              <a:t>research</a:t>
-            </a:r>
-            <a:r>
-              <a:rPr lang="de-DE" dirty="0"/>
-              <a:t>.</a:t>
-            </a:r>
-            <a:endParaRPr lang="en-US" dirty="0"/>
-          </a:p>
-          <a:p>
-            <a:pPr marL="285750" indent="-285750">
-              <a:buFont typeface="Arial,Sans-Serif"/>
-              <a:buChar char="•"/>
-            </a:pPr>
-            <a:r>
-              <a:rPr lang="de-DE" b="1" dirty="0"/>
-              <a:t>Strategic </a:t>
-            </a:r>
-            <a:r>
-              <a:rPr lang="de-DE" b="1" dirty="0" err="1"/>
-              <a:t>focus</a:t>
-            </a:r>
-            <a:r>
-              <a:rPr lang="de-DE" b="1" dirty="0"/>
-              <a:t> on China</a:t>
-            </a:r>
-            <a:r>
-              <a:rPr lang="de-DE" dirty="0"/>
-              <a:t> </a:t>
-            </a:r>
-            <a:r>
-              <a:rPr lang="de-DE" dirty="0" err="1"/>
-              <a:t>is</a:t>
-            </a:r>
-            <a:r>
-              <a:rPr lang="de-DE" dirty="0"/>
-              <a:t> </a:t>
-            </a:r>
-            <a:r>
-              <a:rPr lang="de-DE" dirty="0" err="1"/>
-              <a:t>crucial</a:t>
-            </a:r>
-            <a:r>
-              <a:rPr lang="de-DE" dirty="0"/>
-              <a:t> </a:t>
-            </a:r>
-            <a:r>
-              <a:rPr lang="de-DE" dirty="0" err="1"/>
-              <a:t>to</a:t>
-            </a:r>
-            <a:r>
-              <a:rPr lang="de-DE" dirty="0"/>
-              <a:t> track </a:t>
-            </a:r>
-            <a:r>
-              <a:rPr lang="de-DE" dirty="0" err="1"/>
-              <a:t>emerging</a:t>
-            </a:r>
-            <a:r>
-              <a:rPr lang="de-DE" dirty="0"/>
-              <a:t> </a:t>
-            </a:r>
-            <a:r>
-              <a:rPr lang="de-DE" dirty="0" err="1"/>
-              <a:t>trends</a:t>
-            </a:r>
-            <a:r>
-              <a:rPr lang="de-DE" dirty="0"/>
-              <a:t> and </a:t>
-            </a:r>
-            <a:r>
-              <a:rPr lang="de-DE" dirty="0" err="1"/>
-              <a:t>opportunities</a:t>
-            </a:r>
-            <a:r>
-              <a:rPr lang="de-DE" dirty="0"/>
-              <a:t> in </a:t>
-            </a:r>
-            <a:r>
-              <a:rPr lang="de-DE" dirty="0" err="1"/>
-              <a:t>this</a:t>
-            </a:r>
-            <a:r>
-              <a:rPr lang="de-DE" dirty="0"/>
-              <a:t> </a:t>
-            </a:r>
-            <a:r>
-              <a:rPr lang="de-DE" dirty="0" err="1"/>
-              <a:t>field</a:t>
-            </a:r>
-            <a:r>
-              <a:rPr lang="de-DE" dirty="0"/>
-              <a:t>.</a:t>
-            </a:r>
-            <a:endParaRPr lang="en-DE" dirty="0"/>
+            <a:endParaRPr lang="en-GB" dirty="0"/>
           </a:p>
         </p:txBody>
       </p:sp>
       <p:pic>
         <p:nvPicPr>
-          <p:cNvPr id="12" name="Inhaltsplatzhalter 11" descr="Ein Bild, das Text, Screenshot, Diagramm, Reihe enthält.&#10;&#10;Beschreibung automatisch generiert.">
+          <p:cNvPr id="5" name="Content Placeholder 4" descr="A graph of a number of publications&#10;&#10;Description automatically generated">
             <a:extLst>
               <a:ext uri="{FF2B5EF4-FFF2-40B4-BE49-F238E27FC236}">
-                <a16:creationId xmlns:a16="http://schemas.microsoft.com/office/drawing/2014/main" id="{6FC40EEA-592C-668A-0F4D-CC47AC3839DF}"/>
+                <a16:creationId xmlns:a16="http://schemas.microsoft.com/office/drawing/2014/main" id="{5914075A-C816-6CA2-F6AB-4348D64F1C71}"/>
               </a:ext>
             </a:extLst>
           </p:cNvPr>
@@ -4175,6 +4386,582 @@
           </a:xfrm>
         </p:spPr>
       </p:pic>
+    </p:spTree>
+    <p:extLst>
+      <p:ext uri="{BB962C8B-B14F-4D97-AF65-F5344CB8AC3E}">
+        <p14:creationId xmlns:p14="http://schemas.microsoft.com/office/powerpoint/2010/main" val="4262371085"/>
+      </p:ext>
+    </p:extLst>
+  </p:cSld>
+  <p:clrMapOvr>
+    <a:masterClrMapping/>
+  </p:clrMapOvr>
+</p:sld>
+</file>
+
+<file path=ppt/slides/slide15.xml><?xml version="1.0" encoding="utf-8"?>
+<p:sld xmlns:a="http://schemas.openxmlformats.org/drawingml/2006/main" xmlns:r="http://schemas.openxmlformats.org/officeDocument/2006/relationships" xmlns:p="http://schemas.openxmlformats.org/presentationml/2006/main">
+  <p:cSld>
+    <p:spTree>
+      <p:nvGrpSpPr>
+        <p:cNvPr id="1" name=""/>
+        <p:cNvGrpSpPr/>
+        <p:nvPr/>
+      </p:nvGrpSpPr>
+      <p:grpSpPr>
+        <a:xfrm>
+          <a:off x="0" y="0"/>
+          <a:ext cx="0" cy="0"/>
+          <a:chOff x="0" y="0"/>
+          <a:chExt cx="0" cy="0"/>
+        </a:xfrm>
+      </p:grpSpPr>
+      <p:sp>
+        <p:nvSpPr>
+          <p:cNvPr id="2" name="Title 1">
+            <a:extLst>
+              <a:ext uri="{FF2B5EF4-FFF2-40B4-BE49-F238E27FC236}">
+                <a16:creationId xmlns:a16="http://schemas.microsoft.com/office/drawing/2014/main" id="{8A738D5E-E749-E8E0-A0EE-47ED215D46EF}"/>
+              </a:ext>
+            </a:extLst>
+          </p:cNvPr>
+          <p:cNvSpPr>
+            <a:spLocks noGrp="1"/>
+          </p:cNvSpPr>
+          <p:nvPr>
+            <p:ph type="title"/>
+          </p:nvPr>
+        </p:nvSpPr>
+        <p:spPr>
+          <a:xfrm>
+            <a:off x="839788" y="457200"/>
+            <a:ext cx="10517651" cy="1048835"/>
+          </a:xfrm>
+        </p:spPr>
+        <p:txBody>
+          <a:bodyPr vert="horz" lIns="91440" tIns="45720" rIns="91440" bIns="45720" rtlCol="0" anchor="t">
+            <a:normAutofit/>
+          </a:bodyPr>
+          <a:lstStyle/>
+          <a:p>
+            <a:r>
+              <a:rPr lang="en-GB" dirty="0"/>
+              <a:t>Countries with most publications affiliated to them regarding polymer materials, scaled by population</a:t>
+            </a:r>
+          </a:p>
+        </p:txBody>
+      </p:sp>
+      <p:sp>
+        <p:nvSpPr>
+          <p:cNvPr id="8" name="Text Placeholder 7">
+            <a:extLst>
+              <a:ext uri="{FF2B5EF4-FFF2-40B4-BE49-F238E27FC236}">
+                <a16:creationId xmlns:a16="http://schemas.microsoft.com/office/drawing/2014/main" id="{A6E5084A-F6BC-6D7F-4C69-E9374639CCDA}"/>
+              </a:ext>
+            </a:extLst>
+          </p:cNvPr>
+          <p:cNvSpPr>
+            <a:spLocks noGrp="1"/>
+          </p:cNvSpPr>
+          <p:nvPr>
+            <p:ph type="body" sz="half" idx="2"/>
+          </p:nvPr>
+        </p:nvSpPr>
+        <p:spPr>
+          <a:xfrm>
+            <a:off x="832733" y="4749180"/>
+            <a:ext cx="10529181" cy="1554327"/>
+          </a:xfrm>
+        </p:spPr>
+        <p:txBody>
+          <a:bodyPr vert="horz" lIns="91440" tIns="45720" rIns="91440" bIns="45720" rtlCol="0" anchor="ctr">
+            <a:normAutofit/>
+          </a:bodyPr>
+          <a:lstStyle/>
+          <a:p>
+            <a:pPr marL="285750" indent="-285750">
+              <a:buChar char="•"/>
+            </a:pPr>
+            <a:r>
+              <a:rPr lang="en-GB" dirty="0"/>
+              <a:t>When compared to their population, Singapore and Belgium and the Netherlands have the most publications affiliated to them</a:t>
+            </a:r>
+          </a:p>
+          <a:p>
+            <a:pPr marL="285750" indent="-285750">
+              <a:buChar char="•"/>
+            </a:pPr>
+            <a:r>
+              <a:rPr lang="en-GB" dirty="0"/>
+              <a:t>Population data taken from </a:t>
+            </a:r>
+            <a:r>
+              <a:rPr lang="en-GB" dirty="0">
+                <a:ea typeface="+mn-lt"/>
+                <a:cs typeface="+mn-lt"/>
+                <a:hlinkClick r:id="rId2"/>
+              </a:rPr>
+              <a:t>www.census.gov</a:t>
+            </a:r>
+            <a:r>
+              <a:rPr lang="en-GB" dirty="0">
+                <a:ea typeface="+mn-lt"/>
+                <a:cs typeface="+mn-lt"/>
+              </a:rPr>
+              <a:t> in January 2025</a:t>
+            </a:r>
+            <a:endParaRPr lang="en-GB" dirty="0"/>
+          </a:p>
+        </p:txBody>
+      </p:sp>
+      <p:pic>
+        <p:nvPicPr>
+          <p:cNvPr id="5" name="Content Placeholder 4" descr="A graph of a number of people&#10;&#10;Description automatically generated">
+            <a:extLst>
+              <a:ext uri="{FF2B5EF4-FFF2-40B4-BE49-F238E27FC236}">
+                <a16:creationId xmlns:a16="http://schemas.microsoft.com/office/drawing/2014/main" id="{A6E6866C-D4BC-78C8-85B6-7E5BE0B54248}"/>
+              </a:ext>
+            </a:extLst>
+          </p:cNvPr>
+          <p:cNvPicPr>
+            <a:picLocks noGrp="1" noChangeAspect="1"/>
+          </p:cNvPicPr>
+          <p:nvPr>
+            <p:ph idx="1"/>
+          </p:nvPr>
+        </p:nvPicPr>
+        <p:blipFill>
+          <a:blip r:embed="rId3"/>
+          <a:stretch>
+            <a:fillRect/>
+          </a:stretch>
+        </p:blipFill>
+        <p:spPr>
+          <a:xfrm>
+            <a:off x="540431" y="1652588"/>
+            <a:ext cx="11110230" cy="3332388"/>
+          </a:xfrm>
+        </p:spPr>
+      </p:pic>
+    </p:spTree>
+    <p:extLst>
+      <p:ext uri="{BB962C8B-B14F-4D97-AF65-F5344CB8AC3E}">
+        <p14:creationId xmlns:p14="http://schemas.microsoft.com/office/powerpoint/2010/main" val="2163132736"/>
+      </p:ext>
+    </p:extLst>
+  </p:cSld>
+  <p:clrMapOvr>
+    <a:masterClrMapping/>
+  </p:clrMapOvr>
+</p:sld>
+</file>
+
+<file path=ppt/slides/slide16.xml><?xml version="1.0" encoding="utf-8"?>
+<p:sld xmlns:a="http://schemas.openxmlformats.org/drawingml/2006/main" xmlns:r="http://schemas.openxmlformats.org/officeDocument/2006/relationships" xmlns:p="http://schemas.openxmlformats.org/presentationml/2006/main">
+  <p:cSld>
+    <p:spTree>
+      <p:nvGrpSpPr>
+        <p:cNvPr id="1" name=""/>
+        <p:cNvGrpSpPr/>
+        <p:nvPr/>
+      </p:nvGrpSpPr>
+      <p:grpSpPr>
+        <a:xfrm>
+          <a:off x="0" y="0"/>
+          <a:ext cx="0" cy="0"/>
+          <a:chOff x="0" y="0"/>
+          <a:chExt cx="0" cy="0"/>
+        </a:xfrm>
+      </p:grpSpPr>
+      <p:sp>
+        <p:nvSpPr>
+          <p:cNvPr id="4" name="Text Placeholder 3">
+            <a:extLst>
+              <a:ext uri="{FF2B5EF4-FFF2-40B4-BE49-F238E27FC236}">
+                <a16:creationId xmlns:a16="http://schemas.microsoft.com/office/drawing/2014/main" id="{8DC21876-0FFB-AD28-4A1F-84768DB132F2}"/>
+              </a:ext>
+            </a:extLst>
+          </p:cNvPr>
+          <p:cNvSpPr>
+            <a:spLocks noGrp="1"/>
+          </p:cNvSpPr>
+          <p:nvPr>
+            <p:ph type="body" sz="half" idx="2"/>
+          </p:nvPr>
+        </p:nvSpPr>
+        <p:spPr/>
+        <p:txBody>
+          <a:bodyPr vert="horz" lIns="91440" tIns="45720" rIns="91440" bIns="45720" rtlCol="0" anchor="t">
+            <a:normAutofit/>
+          </a:bodyPr>
+          <a:lstStyle/>
+          <a:p>
+            <a:pPr marL="285750" indent="-285750">
+              <a:buFont typeface="Arial,Sans-Serif"/>
+              <a:buChar char="•"/>
+            </a:pPr>
+            <a:r>
+              <a:rPr lang="de-DE" b="1" dirty="0"/>
+              <a:t>China </a:t>
+            </a:r>
+            <a:r>
+              <a:rPr lang="de-DE" b="1" dirty="0" err="1"/>
+              <a:t>leads</a:t>
+            </a:r>
+            <a:r>
+              <a:rPr lang="de-DE" b="1" dirty="0"/>
+              <a:t> </a:t>
+            </a:r>
+            <a:r>
+              <a:rPr lang="de-DE" b="1" dirty="0" err="1"/>
+              <a:t>globally</a:t>
+            </a:r>
+            <a:r>
+              <a:rPr lang="de-DE" dirty="0"/>
+              <a:t>, </a:t>
+            </a:r>
+            <a:r>
+              <a:rPr lang="de-DE" dirty="0" err="1"/>
+              <a:t>with</a:t>
+            </a:r>
+            <a:r>
+              <a:rPr lang="de-DE" dirty="0"/>
+              <a:t> </a:t>
+            </a:r>
+            <a:r>
+              <a:rPr lang="de-DE" dirty="0" err="1"/>
+              <a:t>the</a:t>
+            </a:r>
+            <a:r>
+              <a:rPr lang="de-DE" dirty="0"/>
+              <a:t> </a:t>
+            </a:r>
+            <a:r>
+              <a:rPr lang="de-DE" dirty="0" err="1"/>
+              <a:t>highest</a:t>
+            </a:r>
+            <a:r>
+              <a:rPr lang="de-DE" dirty="0"/>
+              <a:t> patent </a:t>
+            </a:r>
+            <a:r>
+              <a:rPr lang="de-DE" dirty="0" err="1"/>
+              <a:t>activity</a:t>
+            </a:r>
+            <a:r>
+              <a:rPr lang="de-DE" dirty="0"/>
+              <a:t> in </a:t>
+            </a:r>
+            <a:r>
+              <a:rPr lang="de-DE" dirty="0" err="1"/>
+              <a:t>self-healing</a:t>
+            </a:r>
+            <a:r>
+              <a:rPr lang="de-DE" dirty="0"/>
+              <a:t> </a:t>
+            </a:r>
+            <a:r>
+              <a:rPr lang="de-DE" dirty="0" err="1"/>
+              <a:t>materials</a:t>
+            </a:r>
+            <a:r>
+              <a:rPr lang="de-DE" dirty="0"/>
+              <a:t>, </a:t>
+            </a:r>
+            <a:r>
+              <a:rPr lang="de-DE" dirty="0" err="1"/>
+              <a:t>driven</a:t>
+            </a:r>
+            <a:r>
+              <a:rPr lang="de-DE" dirty="0"/>
+              <a:t> </a:t>
+            </a:r>
+            <a:r>
+              <a:rPr lang="de-DE" dirty="0" err="1"/>
+              <a:t>by</a:t>
+            </a:r>
+            <a:r>
+              <a:rPr lang="de-DE" dirty="0"/>
+              <a:t> strong </a:t>
+            </a:r>
+            <a:r>
+              <a:rPr lang="de-DE" dirty="0" err="1"/>
+              <a:t>innovation</a:t>
+            </a:r>
+            <a:r>
+              <a:rPr lang="de-DE" dirty="0"/>
+              <a:t> </a:t>
+            </a:r>
+            <a:r>
+              <a:rPr lang="de-DE" dirty="0" err="1"/>
+              <a:t>efforts</a:t>
+            </a:r>
+            <a:r>
+              <a:rPr lang="de-DE" dirty="0"/>
+              <a:t>.</a:t>
+            </a:r>
+            <a:endParaRPr lang="en-US" dirty="0"/>
+          </a:p>
+          <a:p>
+            <a:pPr marL="285750" indent="-285750">
+              <a:buFont typeface="Arial,Sans-Serif"/>
+              <a:buChar char="•"/>
+            </a:pPr>
+            <a:r>
+              <a:rPr lang="de-DE" b="1" dirty="0"/>
+              <a:t>USA, South Korea, and Japan</a:t>
+            </a:r>
+            <a:r>
+              <a:rPr lang="de-DE" dirty="0"/>
+              <a:t> follow </a:t>
+            </a:r>
+            <a:r>
+              <a:rPr lang="de-DE" dirty="0" err="1"/>
+              <a:t>as</a:t>
+            </a:r>
+            <a:r>
+              <a:rPr lang="de-DE" dirty="0"/>
+              <a:t> </a:t>
+            </a:r>
+            <a:r>
+              <a:rPr lang="de-DE" dirty="0" err="1"/>
+              <a:t>key</a:t>
+            </a:r>
+            <a:r>
+              <a:rPr lang="de-DE" dirty="0"/>
+              <a:t> </a:t>
+            </a:r>
+            <a:r>
+              <a:rPr lang="de-DE" dirty="0" err="1"/>
+              <a:t>contributors</a:t>
+            </a:r>
+            <a:r>
+              <a:rPr lang="de-DE" dirty="0"/>
+              <a:t>, but </a:t>
+            </a:r>
+            <a:r>
+              <a:rPr lang="de-DE" dirty="0" err="1"/>
+              <a:t>far</a:t>
+            </a:r>
+            <a:r>
+              <a:rPr lang="de-DE" dirty="0"/>
+              <a:t> </a:t>
+            </a:r>
+            <a:r>
+              <a:rPr lang="de-DE" dirty="0" err="1"/>
+              <a:t>behind</a:t>
+            </a:r>
+            <a:r>
+              <a:rPr lang="de-DE" dirty="0"/>
+              <a:t> China.</a:t>
+            </a:r>
+            <a:endParaRPr lang="en-US" dirty="0"/>
+          </a:p>
+          <a:p>
+            <a:pPr marL="285750" indent="-285750">
+              <a:buFont typeface="Arial,Sans-Serif"/>
+              <a:buChar char="•"/>
+            </a:pPr>
+            <a:r>
+              <a:rPr lang="de-DE" b="1" dirty="0"/>
+              <a:t>Europe lags</a:t>
+            </a:r>
+            <a:r>
+              <a:rPr lang="de-DE" dirty="0"/>
+              <a:t>, </a:t>
+            </a:r>
+            <a:r>
+              <a:rPr lang="de-DE" dirty="0" err="1"/>
+              <a:t>with</a:t>
+            </a:r>
+            <a:r>
+              <a:rPr lang="de-DE" dirty="0"/>
+              <a:t> limited patent </a:t>
+            </a:r>
+            <a:r>
+              <a:rPr lang="de-DE" dirty="0" err="1"/>
+              <a:t>activity</a:t>
+            </a:r>
+            <a:r>
+              <a:rPr lang="de-DE" dirty="0"/>
+              <a:t>, </a:t>
+            </a:r>
+            <a:r>
+              <a:rPr lang="de-DE" dirty="0" err="1"/>
+              <a:t>suggesting</a:t>
+            </a:r>
+            <a:r>
+              <a:rPr lang="de-DE" dirty="0"/>
+              <a:t> a </a:t>
+            </a:r>
+            <a:r>
+              <a:rPr lang="de-DE" dirty="0" err="1"/>
+              <a:t>focus</a:t>
+            </a:r>
+            <a:r>
+              <a:rPr lang="de-DE" dirty="0"/>
+              <a:t> on </a:t>
+            </a:r>
+            <a:r>
+              <a:rPr lang="de-DE" dirty="0" err="1"/>
+              <a:t>other</a:t>
+            </a:r>
+            <a:r>
+              <a:rPr lang="de-DE" dirty="0"/>
+              <a:t> </a:t>
+            </a:r>
+            <a:r>
+              <a:rPr lang="de-DE" dirty="0" err="1"/>
+              <a:t>priorities</a:t>
+            </a:r>
+            <a:r>
+              <a:rPr lang="de-DE" dirty="0"/>
+              <a:t> </a:t>
+            </a:r>
+            <a:r>
+              <a:rPr lang="de-DE" dirty="0" err="1"/>
+              <a:t>or</a:t>
+            </a:r>
+            <a:r>
+              <a:rPr lang="de-DE" dirty="0"/>
+              <a:t> </a:t>
+            </a:r>
+            <a:r>
+              <a:rPr lang="de-DE" dirty="0" err="1"/>
+              <a:t>academic</a:t>
+            </a:r>
+            <a:r>
+              <a:rPr lang="de-DE" dirty="0"/>
+              <a:t> </a:t>
+            </a:r>
+            <a:r>
+              <a:rPr lang="de-DE" dirty="0" err="1"/>
+              <a:t>research</a:t>
+            </a:r>
+            <a:r>
+              <a:rPr lang="de-DE" dirty="0"/>
+              <a:t>.</a:t>
+            </a:r>
+            <a:endParaRPr lang="en-US" dirty="0"/>
+          </a:p>
+          <a:p>
+            <a:pPr marL="285750" indent="-285750">
+              <a:buFont typeface="Arial,Sans-Serif"/>
+              <a:buChar char="•"/>
+            </a:pPr>
+            <a:r>
+              <a:rPr lang="de-DE" b="1" dirty="0"/>
+              <a:t>Strategic </a:t>
+            </a:r>
+            <a:r>
+              <a:rPr lang="de-DE" b="1" dirty="0" err="1"/>
+              <a:t>focus</a:t>
+            </a:r>
+            <a:r>
+              <a:rPr lang="de-DE" b="1" dirty="0"/>
+              <a:t> on China</a:t>
+            </a:r>
+            <a:r>
+              <a:rPr lang="de-DE" dirty="0"/>
+              <a:t> </a:t>
+            </a:r>
+            <a:r>
+              <a:rPr lang="de-DE" dirty="0" err="1"/>
+              <a:t>is</a:t>
+            </a:r>
+            <a:r>
+              <a:rPr lang="de-DE" dirty="0"/>
+              <a:t> </a:t>
+            </a:r>
+            <a:r>
+              <a:rPr lang="de-DE" dirty="0" err="1"/>
+              <a:t>crucial</a:t>
+            </a:r>
+            <a:r>
+              <a:rPr lang="de-DE" dirty="0"/>
+              <a:t> </a:t>
+            </a:r>
+            <a:r>
+              <a:rPr lang="de-DE" dirty="0" err="1"/>
+              <a:t>to</a:t>
+            </a:r>
+            <a:r>
+              <a:rPr lang="de-DE" dirty="0"/>
+              <a:t> track </a:t>
+            </a:r>
+            <a:r>
+              <a:rPr lang="de-DE" dirty="0" err="1"/>
+              <a:t>emerging</a:t>
+            </a:r>
+            <a:r>
+              <a:rPr lang="de-DE" dirty="0"/>
+              <a:t> </a:t>
+            </a:r>
+            <a:r>
+              <a:rPr lang="de-DE" dirty="0" err="1"/>
+              <a:t>trends</a:t>
+            </a:r>
+            <a:r>
+              <a:rPr lang="de-DE" dirty="0"/>
+              <a:t> and </a:t>
+            </a:r>
+            <a:r>
+              <a:rPr lang="de-DE" dirty="0" err="1"/>
+              <a:t>opportunities</a:t>
+            </a:r>
+            <a:r>
+              <a:rPr lang="de-DE" dirty="0"/>
+              <a:t> in </a:t>
+            </a:r>
+            <a:r>
+              <a:rPr lang="de-DE" dirty="0" err="1"/>
+              <a:t>this</a:t>
+            </a:r>
+            <a:r>
+              <a:rPr lang="de-DE" dirty="0"/>
+              <a:t> </a:t>
+            </a:r>
+            <a:r>
+              <a:rPr lang="de-DE" dirty="0" err="1"/>
+              <a:t>field</a:t>
+            </a:r>
+            <a:r>
+              <a:rPr lang="de-DE" dirty="0"/>
+              <a:t>.</a:t>
+            </a:r>
+            <a:endParaRPr lang="en-DE" dirty="0"/>
+          </a:p>
+        </p:txBody>
+      </p:sp>
+      <p:pic>
+        <p:nvPicPr>
+          <p:cNvPr id="12" name="Inhaltsplatzhalter 11" descr="Ein Bild, das Text, Screenshot, Diagramm, Reihe enthält.&#10;&#10;Beschreibung automatisch generiert.">
+            <a:extLst>
+              <a:ext uri="{FF2B5EF4-FFF2-40B4-BE49-F238E27FC236}">
+                <a16:creationId xmlns:a16="http://schemas.microsoft.com/office/drawing/2014/main" id="{6FC40EEA-592C-668A-0F4D-CC47AC3839DF}"/>
+              </a:ext>
+            </a:extLst>
+          </p:cNvPr>
+          <p:cNvPicPr>
+            <a:picLocks noGrp="1" noChangeAspect="1"/>
+          </p:cNvPicPr>
+          <p:nvPr>
+            <p:ph idx="1"/>
+          </p:nvPr>
+        </p:nvPicPr>
+        <p:blipFill>
+          <a:blip r:embed="rId2"/>
+          <a:stretch>
+            <a:fillRect/>
+          </a:stretch>
+        </p:blipFill>
+        <p:spPr>
+          <a:xfrm>
+            <a:off x="5221288" y="1595437"/>
+            <a:ext cx="6096000" cy="3657600"/>
+          </a:xfrm>
+        </p:spPr>
+      </p:pic>
       <p:sp>
         <p:nvSpPr>
           <p:cNvPr id="6" name="Title 1">
@@ -4247,7 +5034,7 @@
 </p:sld>
 </file>
 
-<file path=ppt/slides/slide15.xml><?xml version="1.0" encoding="utf-8"?>
+<file path=ppt/slides/slide17.xml><?xml version="1.0" encoding="utf-8"?>
 <p:sld xmlns:a="http://schemas.openxmlformats.org/drawingml/2006/main" xmlns:r="http://schemas.openxmlformats.org/officeDocument/2006/relationships" xmlns:p="http://schemas.openxmlformats.org/presentationml/2006/main">
   <p:cSld>
     <p:spTree>
@@ -4368,7 +5155,7 @@
 </p:sld>
 </file>
 
-<file path=ppt/slides/slide16.xml><?xml version="1.0" encoding="utf-8"?>
+<file path=ppt/slides/slide18.xml><?xml version="1.0" encoding="utf-8"?>
 <p:sld xmlns:a="http://schemas.openxmlformats.org/drawingml/2006/main" xmlns:r="http://schemas.openxmlformats.org/officeDocument/2006/relationships" xmlns:p="http://schemas.openxmlformats.org/presentationml/2006/main">
   <p:cSld>
     <p:spTree>
@@ -4442,7 +5229,11 @@
             </a:pPr>
             <a:r>
               <a:rPr lang="en-DE" dirty="0"/>
-              <a:t>WIPO additionally manages the rights to 605 international patents (not shown in graph)</a:t>
+              <a:t>WIPO additionally manages the rights to 605 international patents (not shown </a:t>
+            </a:r>
+            <a:r>
+              <a:rPr lang="en-DE"/>
+              <a:t>in graph)</a:t>
             </a:r>
             <a:endParaRPr lang="en-US" dirty="0"/>
           </a:p>
@@ -4521,7 +5312,7 @@
 </p:sld>
 </file>
 
-<file path=ppt/slides/slide17.xml><?xml version="1.0" encoding="utf-8"?>
+<file path=ppt/slides/slide19.xml><?xml version="1.0" encoding="utf-8"?>
 <p:sld xmlns:a="http://schemas.openxmlformats.org/drawingml/2006/main" xmlns:r="http://schemas.openxmlformats.org/officeDocument/2006/relationships" xmlns:p="http://schemas.openxmlformats.org/presentationml/2006/main">
   <p:cSld>
     <p:spTree>
@@ -4653,89 +5444,6 @@
     <p:extLst>
       <p:ext uri="{BB962C8B-B14F-4D97-AF65-F5344CB8AC3E}">
         <p14:creationId xmlns:p14="http://schemas.microsoft.com/office/powerpoint/2010/main" val="1780811718"/>
-      </p:ext>
-    </p:extLst>
-  </p:cSld>
-  <p:clrMapOvr>
-    <a:masterClrMapping/>
-  </p:clrMapOvr>
-</p:sld>
-</file>
-
-<file path=ppt/slides/slide18.xml><?xml version="1.0" encoding="utf-8"?>
-<p:sld xmlns:a="http://schemas.openxmlformats.org/drawingml/2006/main" xmlns:r="http://schemas.openxmlformats.org/officeDocument/2006/relationships" xmlns:p="http://schemas.openxmlformats.org/presentationml/2006/main">
-  <p:cSld>
-    <p:spTree>
-      <p:nvGrpSpPr>
-        <p:cNvPr id="1" name=""/>
-        <p:cNvGrpSpPr/>
-        <p:nvPr/>
-      </p:nvGrpSpPr>
-      <p:grpSpPr>
-        <a:xfrm>
-          <a:off x="0" y="0"/>
-          <a:ext cx="0" cy="0"/>
-          <a:chOff x="0" y="0"/>
-          <a:chExt cx="0" cy="0"/>
-        </a:xfrm>
-      </p:grpSpPr>
-      <p:sp>
-        <p:nvSpPr>
-          <p:cNvPr id="2" name="Titel 1">
-            <a:extLst>
-              <a:ext uri="{FF2B5EF4-FFF2-40B4-BE49-F238E27FC236}">
-                <a16:creationId xmlns:a16="http://schemas.microsoft.com/office/drawing/2014/main" id="{C16490C6-193D-122B-4565-06AD1D2AF218}"/>
-              </a:ext>
-            </a:extLst>
-          </p:cNvPr>
-          <p:cNvSpPr>
-            <a:spLocks noGrp="1"/>
-          </p:cNvSpPr>
-          <p:nvPr>
-            <p:ph type="title"/>
-          </p:nvPr>
-        </p:nvSpPr>
-        <p:spPr/>
-        <p:txBody>
-          <a:bodyPr/>
-          <a:lstStyle/>
-          <a:p>
-            <a:r>
-              <a:rPr lang="de-DE" dirty="0"/>
-              <a:t>Summary</a:t>
-            </a:r>
-          </a:p>
-        </p:txBody>
-      </p:sp>
-      <p:sp>
-        <p:nvSpPr>
-          <p:cNvPr id="3" name="Inhaltsplatzhalter 2">
-            <a:extLst>
-              <a:ext uri="{FF2B5EF4-FFF2-40B4-BE49-F238E27FC236}">
-                <a16:creationId xmlns:a16="http://schemas.microsoft.com/office/drawing/2014/main" id="{89E36CB5-CFDD-D18D-B31B-2501F85DCB3E}"/>
-              </a:ext>
-            </a:extLst>
-          </p:cNvPr>
-          <p:cNvSpPr>
-            <a:spLocks noGrp="1"/>
-          </p:cNvSpPr>
-          <p:nvPr>
-            <p:ph idx="1"/>
-          </p:nvPr>
-        </p:nvSpPr>
-        <p:spPr/>
-        <p:txBody>
-          <a:bodyPr/>
-          <a:lstStyle/>
-          <a:p>
-            <a:endParaRPr lang="de-DE"/>
-          </a:p>
-        </p:txBody>
-      </p:sp>
-    </p:spTree>
-    <p:extLst>
-      <p:ext uri="{BB962C8B-B14F-4D97-AF65-F5344CB8AC3E}">
-        <p14:creationId xmlns:p14="http://schemas.microsoft.com/office/powerpoint/2010/main" val="2724192011"/>
       </p:ext>
     </p:extLst>
   </p:cSld>
@@ -6604,6 +7312,89 @@
 </p:sld>
 </file>
 
+<file path=ppt/slides/slide20.xml><?xml version="1.0" encoding="utf-8"?>
+<p:sld xmlns:a="http://schemas.openxmlformats.org/drawingml/2006/main" xmlns:r="http://schemas.openxmlformats.org/officeDocument/2006/relationships" xmlns:p="http://schemas.openxmlformats.org/presentationml/2006/main">
+  <p:cSld>
+    <p:spTree>
+      <p:nvGrpSpPr>
+        <p:cNvPr id="1" name=""/>
+        <p:cNvGrpSpPr/>
+        <p:nvPr/>
+      </p:nvGrpSpPr>
+      <p:grpSpPr>
+        <a:xfrm>
+          <a:off x="0" y="0"/>
+          <a:ext cx="0" cy="0"/>
+          <a:chOff x="0" y="0"/>
+          <a:chExt cx="0" cy="0"/>
+        </a:xfrm>
+      </p:grpSpPr>
+      <p:sp>
+        <p:nvSpPr>
+          <p:cNvPr id="2" name="Titel 1">
+            <a:extLst>
+              <a:ext uri="{FF2B5EF4-FFF2-40B4-BE49-F238E27FC236}">
+                <a16:creationId xmlns:a16="http://schemas.microsoft.com/office/drawing/2014/main" id="{C16490C6-193D-122B-4565-06AD1D2AF218}"/>
+              </a:ext>
+            </a:extLst>
+          </p:cNvPr>
+          <p:cNvSpPr>
+            <a:spLocks noGrp="1"/>
+          </p:cNvSpPr>
+          <p:nvPr>
+            <p:ph type="title"/>
+          </p:nvPr>
+        </p:nvSpPr>
+        <p:spPr/>
+        <p:txBody>
+          <a:bodyPr/>
+          <a:lstStyle/>
+          <a:p>
+            <a:r>
+              <a:rPr lang="de-DE" dirty="0"/>
+              <a:t>Summary</a:t>
+            </a:r>
+          </a:p>
+        </p:txBody>
+      </p:sp>
+      <p:sp>
+        <p:nvSpPr>
+          <p:cNvPr id="3" name="Inhaltsplatzhalter 2">
+            <a:extLst>
+              <a:ext uri="{FF2B5EF4-FFF2-40B4-BE49-F238E27FC236}">
+                <a16:creationId xmlns:a16="http://schemas.microsoft.com/office/drawing/2014/main" id="{89E36CB5-CFDD-D18D-B31B-2501F85DCB3E}"/>
+              </a:ext>
+            </a:extLst>
+          </p:cNvPr>
+          <p:cNvSpPr>
+            <a:spLocks noGrp="1"/>
+          </p:cNvSpPr>
+          <p:nvPr>
+            <p:ph idx="1"/>
+          </p:nvPr>
+        </p:nvSpPr>
+        <p:spPr/>
+        <p:txBody>
+          <a:bodyPr/>
+          <a:lstStyle/>
+          <a:p>
+            <a:endParaRPr lang="de-DE"/>
+          </a:p>
+        </p:txBody>
+      </p:sp>
+    </p:spTree>
+    <p:extLst>
+      <p:ext uri="{BB962C8B-B14F-4D97-AF65-F5344CB8AC3E}">
+        <p14:creationId xmlns:p14="http://schemas.microsoft.com/office/powerpoint/2010/main" val="2724192011"/>
+      </p:ext>
+    </p:extLst>
+  </p:cSld>
+  <p:clrMapOvr>
+    <a:masterClrMapping/>
+  </p:clrMapOvr>
+</p:sld>
+</file>
+
 <file path=ppt/slides/slide3.xml><?xml version="1.0" encoding="utf-8"?>
 <p:sld xmlns:a="http://schemas.openxmlformats.org/drawingml/2006/main" xmlns:r="http://schemas.openxmlformats.org/officeDocument/2006/relationships" xmlns:p="http://schemas.openxmlformats.org/presentationml/2006/main">
   <p:cSld>
@@ -6655,10 +7446,12 @@
           </a:bodyPr>
           <a:lstStyle/>
           <a:p>
+            <a:pPr algn="ctr"/>
             <a:r>
               <a:rPr lang="en-GB" dirty="0"/>
-              <a:t>Number of annual publications for all material types</a:t>
-            </a:r>
+              <a:t>Total number of publications regarding self-healing materials is growing fast</a:t>
+            </a:r>
+            <a:endParaRPr lang="en-US"/>
           </a:p>
         </p:txBody>
       </p:sp>
@@ -6680,8 +7473,8 @@
         </p:nvSpPr>
         <p:spPr>
           <a:xfrm>
-            <a:off x="839788" y="1574180"/>
-            <a:ext cx="3932237" cy="3706271"/>
+            <a:off x="1331400" y="4837261"/>
+            <a:ext cx="3932237" cy="971675"/>
           </a:xfrm>
         </p:spPr>
         <p:txBody>
@@ -6695,7 +7488,7 @@
             </a:pPr>
             <a:r>
               <a:rPr lang="en-GB" dirty="0"/>
-              <a:t>Increase can be characterized as roughly linear</a:t>
+              <a:t>Publications per year double roughly every 5 years</a:t>
             </a:r>
           </a:p>
           <a:p>
@@ -6708,10 +7501,10 @@
       </p:sp>
       <p:pic>
         <p:nvPicPr>
-          <p:cNvPr id="9" name="Content Placeholder 8" descr="A graph showing the growth of a number of publications&#10;&#10;Description automatically generated">
+          <p:cNvPr id="5" name="Content Placeholder 4" descr="A graph with blue dotted line&#10;&#10;Description automatically generated">
             <a:extLst>
               <a:ext uri="{FF2B5EF4-FFF2-40B4-BE49-F238E27FC236}">
-                <a16:creationId xmlns:a16="http://schemas.microsoft.com/office/drawing/2014/main" id="{4D1B89E6-3507-606D-9C55-C974AFEADE1D}"/>
+                <a16:creationId xmlns:a16="http://schemas.microsoft.com/office/drawing/2014/main" id="{A72C411E-86CF-4452-7353-7D75A1F4FCC6}"/>
               </a:ext>
             </a:extLst>
           </p:cNvPr>
@@ -6723,24 +7516,258 @@
           </p:nvPr>
         </p:nvPicPr>
         <p:blipFill>
-          <a:blip r:embed="rId2">
-            <a:extLst>
-              <a:ext uri="{28A0092B-C50C-407E-A947-70E740481C1C}">
-                <a14:useLocalDpi xmlns:a14="http://schemas.microsoft.com/office/drawing/2010/main" val="0"/>
-              </a:ext>
-            </a:extLst>
-          </a:blip>
+          <a:blip r:embed="rId2"/>
           <a:stretch>
             <a:fillRect/>
           </a:stretch>
         </p:blipFill>
         <p:spPr>
           <a:xfrm>
-            <a:off x="5183188" y="1572577"/>
-            <a:ext cx="6172200" cy="3703320"/>
+            <a:off x="839789" y="1540131"/>
+            <a:ext cx="4916130" cy="2950907"/>
           </a:xfrm>
         </p:spPr>
       </p:pic>
+      <p:pic>
+        <p:nvPicPr>
+          <p:cNvPr id="6" name="Picture 5" descr="A graph with a line graph&#10;&#10;Description automatically generated">
+            <a:extLst>
+              <a:ext uri="{FF2B5EF4-FFF2-40B4-BE49-F238E27FC236}">
+                <a16:creationId xmlns:a16="http://schemas.microsoft.com/office/drawing/2014/main" id="{444125B9-BEB1-E20A-EA98-B1929EB64818}"/>
+              </a:ext>
+            </a:extLst>
+          </p:cNvPr>
+          <p:cNvPicPr>
+            <a:picLocks noChangeAspect="1"/>
+          </p:cNvPicPr>
+          <p:nvPr/>
+        </p:nvPicPr>
+        <p:blipFill>
+          <a:blip r:embed="rId3"/>
+          <a:stretch>
+            <a:fillRect/>
+          </a:stretch>
+        </p:blipFill>
+        <p:spPr>
+          <a:xfrm>
+            <a:off x="6438812" y="1543138"/>
+            <a:ext cx="4916130" cy="2950907"/>
+          </a:xfrm>
+          <a:prstGeom prst="rect">
+            <a:avLst/>
+          </a:prstGeom>
+        </p:spPr>
+      </p:pic>
+      <p:sp>
+        <p:nvSpPr>
+          <p:cNvPr id="10" name="Text Placeholder 7">
+            <a:extLst>
+              <a:ext uri="{FF2B5EF4-FFF2-40B4-BE49-F238E27FC236}">
+                <a16:creationId xmlns:a16="http://schemas.microsoft.com/office/drawing/2014/main" id="{640B3352-CDE3-12EC-2660-793541E53B50}"/>
+              </a:ext>
+            </a:extLst>
+          </p:cNvPr>
+          <p:cNvSpPr txBox="1">
+            <a:spLocks/>
+          </p:cNvSpPr>
+          <p:nvPr/>
+        </p:nvSpPr>
+        <p:spPr>
+          <a:xfrm>
+            <a:off x="6928413" y="4836032"/>
+            <a:ext cx="3932237" cy="971675"/>
+          </a:xfrm>
+          <a:prstGeom prst="rect">
+            <a:avLst/>
+          </a:prstGeom>
+        </p:spPr>
+        <p:txBody>
+          <a:bodyPr vert="horz" lIns="91440" tIns="45720" rIns="91440" bIns="45720" rtlCol="0" anchor="ctr">
+            <a:normAutofit/>
+          </a:bodyPr>
+          <a:lstStyle>
+            <a:lvl1pPr marL="0" indent="0" algn="l" defTabSz="914400" rtl="0" eaLnBrk="1" latinLnBrk="0" hangingPunct="1">
+              <a:lnSpc>
+                <a:spcPct val="90000"/>
+              </a:lnSpc>
+              <a:spcBef>
+                <a:spcPts val="1000"/>
+              </a:spcBef>
+              <a:buFont typeface="Arial" panose="020B0604020202020204" pitchFamily="34" charset="0"/>
+              <a:buNone/>
+              <a:defRPr sz="1600" kern="1200">
+                <a:solidFill>
+                  <a:schemeClr val="tx1"/>
+                </a:solidFill>
+                <a:latin typeface="+mn-lt"/>
+                <a:ea typeface="+mn-ea"/>
+                <a:cs typeface="+mn-cs"/>
+              </a:defRPr>
+            </a:lvl1pPr>
+            <a:lvl2pPr marL="457200" indent="0" algn="l" defTabSz="914400" rtl="0" eaLnBrk="1" latinLnBrk="0" hangingPunct="1">
+              <a:lnSpc>
+                <a:spcPct val="90000"/>
+              </a:lnSpc>
+              <a:spcBef>
+                <a:spcPts val="500"/>
+              </a:spcBef>
+              <a:buFont typeface="Arial" panose="020B0604020202020204" pitchFamily="34" charset="0"/>
+              <a:buNone/>
+              <a:defRPr sz="1400" kern="1200">
+                <a:solidFill>
+                  <a:schemeClr val="tx1"/>
+                </a:solidFill>
+                <a:latin typeface="+mn-lt"/>
+                <a:ea typeface="+mn-ea"/>
+                <a:cs typeface="+mn-cs"/>
+              </a:defRPr>
+            </a:lvl2pPr>
+            <a:lvl3pPr marL="914400" indent="0" algn="l" defTabSz="914400" rtl="0" eaLnBrk="1" latinLnBrk="0" hangingPunct="1">
+              <a:lnSpc>
+                <a:spcPct val="90000"/>
+              </a:lnSpc>
+              <a:spcBef>
+                <a:spcPts val="500"/>
+              </a:spcBef>
+              <a:buFont typeface="Arial" panose="020B0604020202020204" pitchFamily="34" charset="0"/>
+              <a:buNone/>
+              <a:defRPr sz="1200" kern="1200">
+                <a:solidFill>
+                  <a:schemeClr val="tx1"/>
+                </a:solidFill>
+                <a:latin typeface="+mn-lt"/>
+                <a:ea typeface="+mn-ea"/>
+                <a:cs typeface="+mn-cs"/>
+              </a:defRPr>
+            </a:lvl3pPr>
+            <a:lvl4pPr marL="1371600" indent="0" algn="l" defTabSz="914400" rtl="0" eaLnBrk="1" latinLnBrk="0" hangingPunct="1">
+              <a:lnSpc>
+                <a:spcPct val="90000"/>
+              </a:lnSpc>
+              <a:spcBef>
+                <a:spcPts val="500"/>
+              </a:spcBef>
+              <a:buFont typeface="Arial" panose="020B0604020202020204" pitchFamily="34" charset="0"/>
+              <a:buNone/>
+              <a:defRPr sz="1000" kern="1200">
+                <a:solidFill>
+                  <a:schemeClr val="tx1"/>
+                </a:solidFill>
+                <a:latin typeface="+mn-lt"/>
+                <a:ea typeface="+mn-ea"/>
+                <a:cs typeface="+mn-cs"/>
+              </a:defRPr>
+            </a:lvl4pPr>
+            <a:lvl5pPr marL="1828800" indent="0" algn="l" defTabSz="914400" rtl="0" eaLnBrk="1" latinLnBrk="0" hangingPunct="1">
+              <a:lnSpc>
+                <a:spcPct val="90000"/>
+              </a:lnSpc>
+              <a:spcBef>
+                <a:spcPts val="500"/>
+              </a:spcBef>
+              <a:buFont typeface="Arial" panose="020B0604020202020204" pitchFamily="34" charset="0"/>
+              <a:buNone/>
+              <a:defRPr sz="1000" kern="1200">
+                <a:solidFill>
+                  <a:schemeClr val="tx1"/>
+                </a:solidFill>
+                <a:latin typeface="+mn-lt"/>
+                <a:ea typeface="+mn-ea"/>
+                <a:cs typeface="+mn-cs"/>
+              </a:defRPr>
+            </a:lvl5pPr>
+            <a:lvl6pPr marL="2286000" indent="0" algn="l" defTabSz="914400" rtl="0" eaLnBrk="1" latinLnBrk="0" hangingPunct="1">
+              <a:lnSpc>
+                <a:spcPct val="90000"/>
+              </a:lnSpc>
+              <a:spcBef>
+                <a:spcPts val="500"/>
+              </a:spcBef>
+              <a:buFont typeface="Arial" panose="020B0604020202020204" pitchFamily="34" charset="0"/>
+              <a:buNone/>
+              <a:defRPr sz="1000" kern="1200">
+                <a:solidFill>
+                  <a:schemeClr val="tx1"/>
+                </a:solidFill>
+                <a:latin typeface="+mn-lt"/>
+                <a:ea typeface="+mn-ea"/>
+                <a:cs typeface="+mn-cs"/>
+              </a:defRPr>
+            </a:lvl6pPr>
+            <a:lvl7pPr marL="2743200" indent="0" algn="l" defTabSz="914400" rtl="0" eaLnBrk="1" latinLnBrk="0" hangingPunct="1">
+              <a:lnSpc>
+                <a:spcPct val="90000"/>
+              </a:lnSpc>
+              <a:spcBef>
+                <a:spcPts val="500"/>
+              </a:spcBef>
+              <a:buFont typeface="Arial" panose="020B0604020202020204" pitchFamily="34" charset="0"/>
+              <a:buNone/>
+              <a:defRPr sz="1000" kern="1200">
+                <a:solidFill>
+                  <a:schemeClr val="tx1"/>
+                </a:solidFill>
+                <a:latin typeface="+mn-lt"/>
+                <a:ea typeface="+mn-ea"/>
+                <a:cs typeface="+mn-cs"/>
+              </a:defRPr>
+            </a:lvl7pPr>
+            <a:lvl8pPr marL="3200400" indent="0" algn="l" defTabSz="914400" rtl="0" eaLnBrk="1" latinLnBrk="0" hangingPunct="1">
+              <a:lnSpc>
+                <a:spcPct val="90000"/>
+              </a:lnSpc>
+              <a:spcBef>
+                <a:spcPts val="500"/>
+              </a:spcBef>
+              <a:buFont typeface="Arial" panose="020B0604020202020204" pitchFamily="34" charset="0"/>
+              <a:buNone/>
+              <a:defRPr sz="1000" kern="1200">
+                <a:solidFill>
+                  <a:schemeClr val="tx1"/>
+                </a:solidFill>
+                <a:latin typeface="+mn-lt"/>
+                <a:ea typeface="+mn-ea"/>
+                <a:cs typeface="+mn-cs"/>
+              </a:defRPr>
+            </a:lvl8pPr>
+            <a:lvl9pPr marL="3657600" indent="0" algn="l" defTabSz="914400" rtl="0" eaLnBrk="1" latinLnBrk="0" hangingPunct="1">
+              <a:lnSpc>
+                <a:spcPct val="90000"/>
+              </a:lnSpc>
+              <a:spcBef>
+                <a:spcPts val="500"/>
+              </a:spcBef>
+              <a:buFont typeface="Arial" panose="020B0604020202020204" pitchFamily="34" charset="0"/>
+              <a:buNone/>
+              <a:defRPr sz="1000" kern="1200">
+                <a:solidFill>
+                  <a:schemeClr val="tx1"/>
+                </a:solidFill>
+                <a:latin typeface="+mn-lt"/>
+                <a:ea typeface="+mn-ea"/>
+                <a:cs typeface="+mn-cs"/>
+              </a:defRPr>
+            </a:lvl9pPr>
+          </a:lstStyle>
+          <a:p>
+            <a:pPr marL="285750" indent="-285750">
+              <a:buFont typeface="Arial" panose="020B0604020202020204" pitchFamily="34" charset="0"/>
+              <a:buChar char="•"/>
+            </a:pPr>
+            <a:r>
+              <a:rPr lang="en-GB" dirty="0"/>
+              <a:t>Total number of publications grows roughly quadratically</a:t>
+            </a:r>
+          </a:p>
+          <a:p>
+            <a:pPr marL="285750" indent="-285750">
+              <a:buFont typeface="Arial" panose="020B0604020202020204" pitchFamily="34" charset="0"/>
+              <a:buChar char="•"/>
+            </a:pPr>
+            <a:endParaRPr lang="en-GB" dirty="0"/>
+          </a:p>
+        </p:txBody>
+      </p:sp>
     </p:spTree>
     <p:extLst>
       <p:ext uri="{BB962C8B-B14F-4D97-AF65-F5344CB8AC3E}">
@@ -6801,7 +7828,15 @@
           <a:p>
             <a:r>
               <a:rPr lang="en-GB" dirty="0"/>
-              <a:t>Number of annual publications for different material types</a:t>
+              <a:t>Polymers are the most researched material regarding </a:t>
+            </a:r>
+            <a:r>
+              <a:rPr lang="en-GB" dirty="0" err="1"/>
+              <a:t>self healing</a:t>
+            </a:r>
+            <a:r>
+              <a:rPr lang="en-GB" dirty="0"/>
+              <a:t> properties</a:t>
             </a:r>
           </a:p>
         </p:txBody>
@@ -6856,12 +7891,318 @@
           </a:p>
         </p:txBody>
       </p:sp>
+      <p:sp>
+        <p:nvSpPr>
+          <p:cNvPr id="4" name="Textfeld 3">
+            <a:extLst>
+              <a:ext uri="{FF2B5EF4-FFF2-40B4-BE49-F238E27FC236}">
+                <a16:creationId xmlns:a16="http://schemas.microsoft.com/office/drawing/2014/main" id="{4752414B-8212-4E79-D435-D34BDE5DD8A7}"/>
+              </a:ext>
+            </a:extLst>
+          </p:cNvPr>
+          <p:cNvSpPr txBox="1"/>
+          <p:nvPr/>
+        </p:nvSpPr>
+        <p:spPr>
+          <a:xfrm>
+            <a:off x="799557" y="5340803"/>
+            <a:ext cx="10521473" cy="584775"/>
+          </a:xfrm>
+          <a:prstGeom prst="rect">
+            <a:avLst/>
+          </a:prstGeom>
+          <a:noFill/>
+        </p:spPr>
+        <p:txBody>
+          <a:bodyPr rot="0" spcFirstLastPara="0" vertOverflow="overflow" horzOverflow="overflow" vert="horz" wrap="square" lIns="91440" tIns="45720" rIns="91440" bIns="45720" numCol="1" spcCol="0" rtlCol="0" fromWordArt="0" anchor="t" anchorCtr="0" forceAA="0" compatLnSpc="1">
+            <a:prstTxWarp prst="textNoShape">
+              <a:avLst/>
+            </a:prstTxWarp>
+            <a:spAutoFit/>
+          </a:bodyPr>
+          <a:lstStyle/>
+          <a:p>
+            <a:pPr algn="l"/>
+            <a:r>
+              <a:rPr lang="en-GB" sz="1600" b="1" baseline="0" dirty="0">
+                <a:solidFill>
+                  <a:srgbClr val="000080"/>
+                </a:solidFill>
+                <a:latin typeface="Consolas"/>
+                <a:ea typeface="Arial"/>
+                <a:cs typeface="Arial"/>
+              </a:rPr>
+              <a:t>AND</a:t>
+            </a:r>
+            <a:r>
+              <a:rPr lang="en-GB" sz="1600" baseline="0" dirty="0">
+                <a:latin typeface="Consolas"/>
+                <a:ea typeface="Arial"/>
+                <a:cs typeface="Arial"/>
+              </a:rPr>
+              <a:t> TS=</a:t>
+            </a:r>
+            <a:r>
+              <a:rPr lang="en-GB" sz="1600" baseline="0" dirty="0">
+                <a:solidFill>
+                  <a:schemeClr val="bg1">
+                    <a:lumMod val="76000"/>
+                  </a:schemeClr>
+                </a:solidFill>
+                <a:latin typeface="Consolas"/>
+                <a:ea typeface="Arial"/>
+                <a:cs typeface="Arial"/>
+              </a:rPr>
+              <a:t>(</a:t>
+            </a:r>
+            <a:r>
+              <a:rPr lang="en-GB" sz="1600" strike="sngStrike" baseline="0" dirty="0">
+                <a:solidFill>
+                  <a:schemeClr val="bg1">
+                    <a:lumMod val="76000"/>
+                  </a:schemeClr>
+                </a:solidFill>
+                <a:latin typeface="Consolas"/>
+                <a:ea typeface="Arial"/>
+                <a:cs typeface="Arial"/>
+              </a:rPr>
+              <a:t>"material*" </a:t>
+            </a:r>
+            <a:r>
+              <a:rPr lang="en-GB" sz="1600" b="1" strike="sngStrike" baseline="0" dirty="0">
+                <a:solidFill>
+                  <a:schemeClr val="bg1">
+                    <a:lumMod val="76000"/>
+                  </a:schemeClr>
+                </a:solidFill>
+                <a:latin typeface="Consolas"/>
+                <a:ea typeface="Arial"/>
+                <a:cs typeface="Arial"/>
+              </a:rPr>
+              <a:t>OR</a:t>
+            </a:r>
+            <a:r>
+              <a:rPr lang="en-GB" sz="1600" baseline="0" dirty="0">
+                <a:solidFill>
+                  <a:schemeClr val="bg1">
+                    <a:lumMod val="76000"/>
+                  </a:schemeClr>
+                </a:solidFill>
+                <a:latin typeface="Consolas"/>
+                <a:ea typeface="Arial"/>
+                <a:cs typeface="Arial"/>
+              </a:rPr>
+              <a:t> </a:t>
+            </a:r>
+            <a:r>
+              <a:rPr lang="en-GB" sz="1600" baseline="0" dirty="0">
+                <a:solidFill>
+                  <a:srgbClr val="205C96"/>
+                </a:solidFill>
+                <a:latin typeface="Consolas"/>
+                <a:ea typeface="Arial"/>
+                <a:cs typeface="Arial"/>
+              </a:rPr>
+              <a:t>"polymer*"</a:t>
+            </a:r>
+            <a:r>
+              <a:rPr lang="en-GB" sz="1600" baseline="0" dirty="0">
+                <a:solidFill>
+                  <a:srgbClr val="FF0000"/>
+                </a:solidFill>
+                <a:latin typeface="Consolas"/>
+                <a:ea typeface="Arial"/>
+                <a:cs typeface="Arial"/>
+              </a:rPr>
+              <a:t> </a:t>
+            </a:r>
+            <a:r>
+              <a:rPr lang="en-GB" sz="1600" b="1" strike="sngStrike" baseline="0" dirty="0">
+                <a:solidFill>
+                  <a:schemeClr val="bg1">
+                    <a:lumMod val="76000"/>
+                  </a:schemeClr>
+                </a:solidFill>
+                <a:latin typeface="Consolas"/>
+                <a:ea typeface="Arial"/>
+                <a:cs typeface="Arial"/>
+              </a:rPr>
+              <a:t>OR</a:t>
+            </a:r>
+            <a:r>
+              <a:rPr lang="en-GB" sz="1600" strike="sngStrike" baseline="0" dirty="0">
+                <a:solidFill>
+                  <a:schemeClr val="bg1">
+                    <a:lumMod val="76000"/>
+                  </a:schemeClr>
+                </a:solidFill>
+                <a:latin typeface="Consolas"/>
+                <a:ea typeface="Arial"/>
+                <a:cs typeface="Arial"/>
+              </a:rPr>
+              <a:t> "composite*" </a:t>
+            </a:r>
+            <a:r>
+              <a:rPr lang="en-GB" sz="1600" b="1" strike="sngStrike" baseline="0" dirty="0">
+                <a:solidFill>
+                  <a:schemeClr val="bg1">
+                    <a:lumMod val="76000"/>
+                  </a:schemeClr>
+                </a:solidFill>
+                <a:latin typeface="Consolas"/>
+                <a:ea typeface="Arial"/>
+                <a:cs typeface="Arial"/>
+              </a:rPr>
+              <a:t>OR</a:t>
+            </a:r>
+            <a:r>
+              <a:rPr lang="en-GB" sz="1600" strike="sngStrike" baseline="0" dirty="0">
+                <a:solidFill>
+                  <a:schemeClr val="bg1">
+                    <a:lumMod val="76000"/>
+                  </a:schemeClr>
+                </a:solidFill>
+                <a:latin typeface="Consolas"/>
+                <a:ea typeface="Arial"/>
+                <a:cs typeface="Arial"/>
+              </a:rPr>
+              <a:t> "ceramic*" </a:t>
+            </a:r>
+            <a:r>
+              <a:rPr lang="en-GB" sz="1600" b="1" strike="sngStrike" baseline="0" dirty="0">
+                <a:solidFill>
+                  <a:schemeClr val="bg1">
+                    <a:lumMod val="76000"/>
+                  </a:schemeClr>
+                </a:solidFill>
+                <a:latin typeface="Consolas"/>
+                <a:ea typeface="Arial"/>
+                <a:cs typeface="Arial"/>
+              </a:rPr>
+              <a:t>OR</a:t>
+            </a:r>
+            <a:r>
+              <a:rPr lang="en-GB" sz="1600" strike="sngStrike" baseline="0" dirty="0">
+                <a:solidFill>
+                  <a:schemeClr val="bg1">
+                    <a:lumMod val="76000"/>
+                  </a:schemeClr>
+                </a:solidFill>
+                <a:latin typeface="Consolas"/>
+                <a:ea typeface="Arial"/>
+                <a:cs typeface="Arial"/>
+              </a:rPr>
+              <a:t> "metal*" </a:t>
+            </a:r>
+            <a:r>
+              <a:rPr lang="en-GB" sz="1600" b="1" strike="sngStrike" baseline="0" dirty="0">
+                <a:solidFill>
+                  <a:schemeClr val="bg1">
+                    <a:lumMod val="76000"/>
+                  </a:schemeClr>
+                </a:solidFill>
+                <a:latin typeface="Consolas"/>
+                <a:ea typeface="Arial"/>
+                <a:cs typeface="Arial"/>
+              </a:rPr>
+              <a:t>OR</a:t>
+            </a:r>
+            <a:r>
+              <a:rPr lang="en-GB" sz="1600" strike="sngStrike" baseline="0" dirty="0">
+                <a:solidFill>
+                  <a:schemeClr val="bg1">
+                    <a:lumMod val="76000"/>
+                  </a:schemeClr>
+                </a:solidFill>
+                <a:latin typeface="Consolas"/>
+                <a:ea typeface="Arial"/>
+                <a:cs typeface="Arial"/>
+              </a:rPr>
+              <a:t>  "alloy*" </a:t>
+            </a:r>
+            <a:r>
+              <a:rPr lang="en-GB" sz="1600" b="1" strike="sngStrike" baseline="0" dirty="0">
+                <a:solidFill>
+                  <a:schemeClr val="bg1">
+                    <a:lumMod val="76000"/>
+                  </a:schemeClr>
+                </a:solidFill>
+                <a:latin typeface="Consolas"/>
+                <a:ea typeface="Arial"/>
+                <a:cs typeface="Arial"/>
+              </a:rPr>
+              <a:t>OR</a:t>
+            </a:r>
+            <a:r>
+              <a:rPr lang="en-GB" sz="1600" strike="sngStrike" baseline="0" dirty="0">
+                <a:solidFill>
+                  <a:schemeClr val="bg1">
+                    <a:lumMod val="76000"/>
+                  </a:schemeClr>
+                </a:solidFill>
+                <a:latin typeface="Consolas"/>
+                <a:ea typeface="Arial"/>
+                <a:cs typeface="Arial"/>
+              </a:rPr>
+              <a:t> "cement*" </a:t>
+            </a:r>
+            <a:r>
+              <a:rPr lang="en-GB" sz="1600" b="1" strike="sngStrike" baseline="0" dirty="0">
+                <a:solidFill>
+                  <a:schemeClr val="bg1">
+                    <a:lumMod val="76000"/>
+                  </a:schemeClr>
+                </a:solidFill>
+                <a:latin typeface="Consolas"/>
+                <a:ea typeface="Arial"/>
+                <a:cs typeface="Arial"/>
+              </a:rPr>
+              <a:t>OR</a:t>
+            </a:r>
+            <a:r>
+              <a:rPr lang="en-GB" sz="1600" strike="sngStrike" baseline="0" dirty="0">
+                <a:solidFill>
+                  <a:schemeClr val="bg1">
+                    <a:lumMod val="76000"/>
+                  </a:schemeClr>
+                </a:solidFill>
+                <a:latin typeface="Consolas"/>
+                <a:ea typeface="Arial"/>
+                <a:cs typeface="Arial"/>
+              </a:rPr>
+              <a:t> "concrete*“</a:t>
+            </a:r>
+            <a:r>
+              <a:rPr lang="en-GB" sz="1600" baseline="0" dirty="0">
+                <a:solidFill>
+                  <a:schemeClr val="bg1">
+                    <a:lumMod val="76000"/>
+                  </a:schemeClr>
+                </a:solidFill>
+                <a:latin typeface="Consolas"/>
+                <a:ea typeface="Arial"/>
+                <a:cs typeface="Arial"/>
+              </a:rPr>
+              <a:t>)</a:t>
+            </a:r>
+            <a:endParaRPr lang="en-GB" sz="1600" dirty="0">
+              <a:solidFill>
+                <a:schemeClr val="bg1">
+                  <a:lumMod val="76000"/>
+                </a:schemeClr>
+              </a:solidFill>
+              <a:latin typeface="Consolas"/>
+              <a:cs typeface="Arial"/>
+            </a:endParaRPr>
+          </a:p>
+        </p:txBody>
+      </p:sp>
       <p:pic>
         <p:nvPicPr>
-          <p:cNvPr id="6" name="Inhaltsplatzhalter 5" descr="Ein Bild, das Text, Reihe, Diagramm, Screenshot enthält.&#10;&#10;Beschreibung automatisch generiert.">
+          <p:cNvPr id="7" name="Content Placeholder 6" descr="A graph of a number of publications&#10;&#10;Description automatically generated">
             <a:extLst>
               <a:ext uri="{FF2B5EF4-FFF2-40B4-BE49-F238E27FC236}">
-                <a16:creationId xmlns:a16="http://schemas.microsoft.com/office/drawing/2014/main" id="{ED0031ED-5354-027E-95B4-BE0D40A43108}"/>
+                <a16:creationId xmlns:a16="http://schemas.microsoft.com/office/drawing/2014/main" id="{9254F509-BE39-54A4-7B2F-A045FAEBC3B2}"/>
               </a:ext>
             </a:extLst>
           </p:cNvPr>
@@ -6885,312 +8226,6 @@
           </a:xfrm>
         </p:spPr>
       </p:pic>
-      <p:sp>
-        <p:nvSpPr>
-          <p:cNvPr id="4" name="Textfeld 3">
-            <a:extLst>
-              <a:ext uri="{FF2B5EF4-FFF2-40B4-BE49-F238E27FC236}">
-                <a16:creationId xmlns:a16="http://schemas.microsoft.com/office/drawing/2014/main" id="{4752414B-8212-4E79-D435-D34BDE5DD8A7}"/>
-              </a:ext>
-            </a:extLst>
-          </p:cNvPr>
-          <p:cNvSpPr txBox="1"/>
-          <p:nvPr/>
-        </p:nvSpPr>
-        <p:spPr>
-          <a:xfrm>
-            <a:off x="799557" y="5340803"/>
-            <a:ext cx="10521473" cy="584775"/>
-          </a:xfrm>
-          <a:prstGeom prst="rect">
-            <a:avLst/>
-          </a:prstGeom>
-          <a:noFill/>
-        </p:spPr>
-        <p:txBody>
-          <a:bodyPr rot="0" spcFirstLastPara="0" vertOverflow="overflow" horzOverflow="overflow" vert="horz" wrap="square" lIns="91440" tIns="45720" rIns="91440" bIns="45720" numCol="1" spcCol="0" rtlCol="0" fromWordArt="0" anchor="t" anchorCtr="0" forceAA="0" compatLnSpc="1">
-            <a:prstTxWarp prst="textNoShape">
-              <a:avLst/>
-            </a:prstTxWarp>
-            <a:spAutoFit/>
-          </a:bodyPr>
-          <a:lstStyle/>
-          <a:p>
-            <a:pPr algn="l"/>
-            <a:r>
-              <a:rPr lang="en-GB" sz="1600" b="1" baseline="0" dirty="0">
-                <a:solidFill>
-                  <a:srgbClr val="000080"/>
-                </a:solidFill>
-                <a:latin typeface="Consolas"/>
-                <a:ea typeface="Arial"/>
-                <a:cs typeface="Arial"/>
-              </a:rPr>
-              <a:t>AND</a:t>
-            </a:r>
-            <a:r>
-              <a:rPr lang="en-GB" sz="1600" baseline="0" dirty="0">
-                <a:latin typeface="Consolas"/>
-                <a:ea typeface="Arial"/>
-                <a:cs typeface="Arial"/>
-              </a:rPr>
-              <a:t> TS=</a:t>
-            </a:r>
-            <a:r>
-              <a:rPr lang="en-GB" sz="1600" baseline="0" dirty="0">
-                <a:solidFill>
-                  <a:schemeClr val="bg1">
-                    <a:lumMod val="76000"/>
-                  </a:schemeClr>
-                </a:solidFill>
-                <a:latin typeface="Consolas"/>
-                <a:ea typeface="Arial"/>
-                <a:cs typeface="Arial"/>
-              </a:rPr>
-              <a:t>(</a:t>
-            </a:r>
-            <a:r>
-              <a:rPr lang="en-GB" sz="1600" strike="sngStrike" baseline="0" dirty="0">
-                <a:solidFill>
-                  <a:schemeClr val="bg1">
-                    <a:lumMod val="76000"/>
-                  </a:schemeClr>
-                </a:solidFill>
-                <a:latin typeface="Consolas"/>
-                <a:ea typeface="Arial"/>
-                <a:cs typeface="Arial"/>
-              </a:rPr>
-              <a:t>"material*" </a:t>
-            </a:r>
-            <a:r>
-              <a:rPr lang="en-GB" sz="1600" b="1" strike="sngStrike" baseline="0" dirty="0">
-                <a:solidFill>
-                  <a:schemeClr val="bg1">
-                    <a:lumMod val="76000"/>
-                  </a:schemeClr>
-                </a:solidFill>
-                <a:latin typeface="Consolas"/>
-                <a:ea typeface="Arial"/>
-                <a:cs typeface="Arial"/>
-              </a:rPr>
-              <a:t>OR</a:t>
-            </a:r>
-            <a:r>
-              <a:rPr lang="en-GB" sz="1600" baseline="0" dirty="0">
-                <a:solidFill>
-                  <a:schemeClr val="bg1">
-                    <a:lumMod val="76000"/>
-                  </a:schemeClr>
-                </a:solidFill>
-                <a:latin typeface="Consolas"/>
-                <a:ea typeface="Arial"/>
-                <a:cs typeface="Arial"/>
-              </a:rPr>
-              <a:t> </a:t>
-            </a:r>
-            <a:r>
-              <a:rPr lang="en-GB" sz="1600" baseline="0" dirty="0">
-                <a:solidFill>
-                  <a:srgbClr val="205C96"/>
-                </a:solidFill>
-                <a:latin typeface="Consolas"/>
-                <a:ea typeface="Arial"/>
-                <a:cs typeface="Arial"/>
-              </a:rPr>
-              <a:t>"polymer*"</a:t>
-            </a:r>
-            <a:r>
-              <a:rPr lang="en-GB" sz="1600" baseline="0" dirty="0">
-                <a:solidFill>
-                  <a:srgbClr val="FF0000"/>
-                </a:solidFill>
-                <a:latin typeface="Consolas"/>
-                <a:ea typeface="Arial"/>
-                <a:cs typeface="Arial"/>
-              </a:rPr>
-              <a:t> </a:t>
-            </a:r>
-            <a:r>
-              <a:rPr lang="en-GB" sz="1600" b="1" strike="sngStrike" baseline="0" dirty="0">
-                <a:solidFill>
-                  <a:schemeClr val="bg1">
-                    <a:lumMod val="76000"/>
-                  </a:schemeClr>
-                </a:solidFill>
-                <a:latin typeface="Consolas"/>
-                <a:ea typeface="Arial"/>
-                <a:cs typeface="Arial"/>
-              </a:rPr>
-              <a:t>OR</a:t>
-            </a:r>
-            <a:r>
-              <a:rPr lang="en-GB" sz="1600" strike="sngStrike" baseline="0" dirty="0">
-                <a:solidFill>
-                  <a:schemeClr val="bg1">
-                    <a:lumMod val="76000"/>
-                  </a:schemeClr>
-                </a:solidFill>
-                <a:latin typeface="Consolas"/>
-                <a:ea typeface="Arial"/>
-                <a:cs typeface="Arial"/>
-              </a:rPr>
-              <a:t> "composite*" </a:t>
-            </a:r>
-            <a:r>
-              <a:rPr lang="en-GB" sz="1600" b="1" strike="sngStrike" baseline="0" dirty="0">
-                <a:solidFill>
-                  <a:schemeClr val="bg1">
-                    <a:lumMod val="76000"/>
-                  </a:schemeClr>
-                </a:solidFill>
-                <a:latin typeface="Consolas"/>
-                <a:ea typeface="Arial"/>
-                <a:cs typeface="Arial"/>
-              </a:rPr>
-              <a:t>OR</a:t>
-            </a:r>
-            <a:r>
-              <a:rPr lang="en-GB" sz="1600" strike="sngStrike" baseline="0" dirty="0">
-                <a:solidFill>
-                  <a:schemeClr val="bg1">
-                    <a:lumMod val="76000"/>
-                  </a:schemeClr>
-                </a:solidFill>
-                <a:latin typeface="Consolas"/>
-                <a:ea typeface="Arial"/>
-                <a:cs typeface="Arial"/>
-              </a:rPr>
-              <a:t> "ceramic*" </a:t>
-            </a:r>
-            <a:r>
-              <a:rPr lang="en-GB" sz="1600" b="1" strike="sngStrike" baseline="0" dirty="0">
-                <a:solidFill>
-                  <a:schemeClr val="bg1">
-                    <a:lumMod val="76000"/>
-                  </a:schemeClr>
-                </a:solidFill>
-                <a:latin typeface="Consolas"/>
-                <a:ea typeface="Arial"/>
-                <a:cs typeface="Arial"/>
-              </a:rPr>
-              <a:t>OR</a:t>
-            </a:r>
-            <a:r>
-              <a:rPr lang="en-GB" sz="1600" strike="sngStrike" baseline="0" dirty="0">
-                <a:solidFill>
-                  <a:schemeClr val="bg1">
-                    <a:lumMod val="76000"/>
-                  </a:schemeClr>
-                </a:solidFill>
-                <a:latin typeface="Consolas"/>
-                <a:ea typeface="Arial"/>
-                <a:cs typeface="Arial"/>
-              </a:rPr>
-              <a:t> "metal*" </a:t>
-            </a:r>
-            <a:r>
-              <a:rPr lang="en-GB" sz="1600" b="1" strike="sngStrike" baseline="0" dirty="0">
-                <a:solidFill>
-                  <a:schemeClr val="bg1">
-                    <a:lumMod val="76000"/>
-                  </a:schemeClr>
-                </a:solidFill>
-                <a:latin typeface="Consolas"/>
-                <a:ea typeface="Arial"/>
-                <a:cs typeface="Arial"/>
-              </a:rPr>
-              <a:t>OR</a:t>
-            </a:r>
-            <a:r>
-              <a:rPr lang="en-GB" sz="1600" strike="sngStrike" baseline="0" dirty="0">
-                <a:solidFill>
-                  <a:schemeClr val="bg1">
-                    <a:lumMod val="76000"/>
-                  </a:schemeClr>
-                </a:solidFill>
-                <a:latin typeface="Consolas"/>
-                <a:ea typeface="Arial"/>
-                <a:cs typeface="Arial"/>
-              </a:rPr>
-              <a:t>  "alloy*" </a:t>
-            </a:r>
-            <a:r>
-              <a:rPr lang="en-GB" sz="1600" b="1" strike="sngStrike" baseline="0" dirty="0">
-                <a:solidFill>
-                  <a:schemeClr val="bg1">
-                    <a:lumMod val="76000"/>
-                  </a:schemeClr>
-                </a:solidFill>
-                <a:latin typeface="Consolas"/>
-                <a:ea typeface="Arial"/>
-                <a:cs typeface="Arial"/>
-              </a:rPr>
-              <a:t>OR</a:t>
-            </a:r>
-            <a:r>
-              <a:rPr lang="en-GB" sz="1600" strike="sngStrike" baseline="0" dirty="0">
-                <a:solidFill>
-                  <a:schemeClr val="bg1">
-                    <a:lumMod val="76000"/>
-                  </a:schemeClr>
-                </a:solidFill>
-                <a:latin typeface="Consolas"/>
-                <a:ea typeface="Arial"/>
-                <a:cs typeface="Arial"/>
-              </a:rPr>
-              <a:t> "cement*" </a:t>
-            </a:r>
-            <a:r>
-              <a:rPr lang="en-GB" sz="1600" b="1" strike="sngStrike" baseline="0" dirty="0">
-                <a:solidFill>
-                  <a:schemeClr val="bg1">
-                    <a:lumMod val="76000"/>
-                  </a:schemeClr>
-                </a:solidFill>
-                <a:latin typeface="Consolas"/>
-                <a:ea typeface="Arial"/>
-                <a:cs typeface="Arial"/>
-              </a:rPr>
-              <a:t>OR</a:t>
-            </a:r>
-            <a:r>
-              <a:rPr lang="en-GB" sz="1600" strike="sngStrike" baseline="0" dirty="0">
-                <a:solidFill>
-                  <a:schemeClr val="bg1">
-                    <a:lumMod val="76000"/>
-                  </a:schemeClr>
-                </a:solidFill>
-                <a:latin typeface="Consolas"/>
-                <a:ea typeface="Arial"/>
-                <a:cs typeface="Arial"/>
-              </a:rPr>
-              <a:t> "concrete*“</a:t>
-            </a:r>
-            <a:r>
-              <a:rPr lang="en-GB" sz="1600" baseline="0" dirty="0">
-                <a:solidFill>
-                  <a:schemeClr val="bg1">
-                    <a:lumMod val="76000"/>
-                  </a:schemeClr>
-                </a:solidFill>
-                <a:latin typeface="Consolas"/>
-                <a:ea typeface="Arial"/>
-                <a:cs typeface="Arial"/>
-              </a:rPr>
-              <a:t>)</a:t>
-            </a:r>
-            <a:endParaRPr lang="en-GB" sz="1600" dirty="0">
-              <a:solidFill>
-                <a:schemeClr val="bg1">
-                  <a:lumMod val="76000"/>
-                </a:schemeClr>
-              </a:solidFill>
-              <a:latin typeface="Consolas"/>
-              <a:cs typeface="Arial"/>
-            </a:endParaRPr>
-          </a:p>
-        </p:txBody>
-      </p:sp>
     </p:spTree>
     <p:extLst>
       <p:ext uri="{BB962C8B-B14F-4D97-AF65-F5344CB8AC3E}">
@@ -7251,8 +8286,17 @@
           <a:p>
             <a:r>
               <a:rPr lang="en-GB" dirty="0"/>
-              <a:t>Number of annual publications for different material types</a:t>
-            </a:r>
+              <a:t>Polymers are the most researched material regarding </a:t>
+            </a:r>
+            <a:r>
+              <a:rPr lang="en-GB" dirty="0" err="1"/>
+              <a:t>self healing</a:t>
+            </a:r>
+            <a:r>
+              <a:rPr lang="en-GB" dirty="0"/>
+              <a:t> properties</a:t>
+            </a:r>
+            <a:endParaRPr lang="en-US" dirty="0"/>
           </a:p>
         </p:txBody>
       </p:sp>
@@ -7306,12 +8350,294 @@
           </a:p>
         </p:txBody>
       </p:sp>
+      <p:sp>
+        <p:nvSpPr>
+          <p:cNvPr id="4" name="Textfeld 3">
+            <a:extLst>
+              <a:ext uri="{FF2B5EF4-FFF2-40B4-BE49-F238E27FC236}">
+                <a16:creationId xmlns:a16="http://schemas.microsoft.com/office/drawing/2014/main" id="{4752414B-8212-4E79-D435-D34BDE5DD8A7}"/>
+              </a:ext>
+            </a:extLst>
+          </p:cNvPr>
+          <p:cNvSpPr txBox="1"/>
+          <p:nvPr/>
+        </p:nvSpPr>
+        <p:spPr>
+          <a:xfrm>
+            <a:off x="799557" y="5340803"/>
+            <a:ext cx="10521473" cy="584775"/>
+          </a:xfrm>
+          <a:prstGeom prst="rect">
+            <a:avLst/>
+          </a:prstGeom>
+          <a:noFill/>
+        </p:spPr>
+        <p:txBody>
+          <a:bodyPr rot="0" spcFirstLastPara="0" vertOverflow="overflow" horzOverflow="overflow" vert="horz" wrap="square" lIns="91440" tIns="45720" rIns="91440" bIns="45720" numCol="1" spcCol="0" rtlCol="0" fromWordArt="0" anchor="t" anchorCtr="0" forceAA="0" compatLnSpc="1">
+            <a:prstTxWarp prst="textNoShape">
+              <a:avLst/>
+            </a:prstTxWarp>
+            <a:spAutoFit/>
+          </a:bodyPr>
+          <a:lstStyle/>
+          <a:p>
+            <a:pPr algn="l"/>
+            <a:r>
+              <a:rPr lang="en-GB" sz="1600" b="1" baseline="0" dirty="0">
+                <a:solidFill>
+                  <a:srgbClr val="000080"/>
+                </a:solidFill>
+                <a:latin typeface="Consolas"/>
+                <a:ea typeface="Arial"/>
+                <a:cs typeface="Arial"/>
+              </a:rPr>
+              <a:t>AND</a:t>
+            </a:r>
+            <a:r>
+              <a:rPr lang="en-GB" sz="1600" baseline="0" dirty="0">
+                <a:latin typeface="Consolas"/>
+                <a:ea typeface="Arial"/>
+                <a:cs typeface="Arial"/>
+              </a:rPr>
+              <a:t> TS=</a:t>
+            </a:r>
+            <a:r>
+              <a:rPr lang="en-GB" sz="1600" baseline="0" dirty="0">
+                <a:solidFill>
+                  <a:schemeClr val="bg1">
+                    <a:lumMod val="76000"/>
+                  </a:schemeClr>
+                </a:solidFill>
+                <a:latin typeface="Consolas"/>
+                <a:ea typeface="Arial"/>
+                <a:cs typeface="Arial"/>
+              </a:rPr>
+              <a:t>(</a:t>
+            </a:r>
+            <a:r>
+              <a:rPr lang="en-GB" sz="1600" strike="sngStrike" baseline="0" dirty="0">
+                <a:solidFill>
+                  <a:schemeClr val="bg1">
+                    <a:lumMod val="76000"/>
+                  </a:schemeClr>
+                </a:solidFill>
+                <a:latin typeface="Consolas"/>
+                <a:ea typeface="Arial"/>
+                <a:cs typeface="Arial"/>
+              </a:rPr>
+              <a:t>"material*" </a:t>
+            </a:r>
+            <a:r>
+              <a:rPr lang="en-GB" sz="1600" b="1" strike="sngStrike" baseline="0" dirty="0">
+                <a:solidFill>
+                  <a:schemeClr val="bg1">
+                    <a:lumMod val="76000"/>
+                  </a:schemeClr>
+                </a:solidFill>
+                <a:latin typeface="Consolas"/>
+                <a:ea typeface="Arial"/>
+                <a:cs typeface="Arial"/>
+              </a:rPr>
+              <a:t>OR</a:t>
+            </a:r>
+            <a:r>
+              <a:rPr lang="en-GB" sz="1600" strike="sngStrike" baseline="0" dirty="0">
+                <a:solidFill>
+                  <a:schemeClr val="bg1">
+                    <a:lumMod val="76000"/>
+                  </a:schemeClr>
+                </a:solidFill>
+                <a:latin typeface="Consolas"/>
+                <a:ea typeface="Arial"/>
+                <a:cs typeface="Arial"/>
+              </a:rPr>
+              <a:t> "polymer*" </a:t>
+            </a:r>
+            <a:r>
+              <a:rPr lang="en-GB" sz="1600" b="1" strike="sngStrike" baseline="0" dirty="0">
+                <a:solidFill>
+                  <a:schemeClr val="bg1">
+                    <a:lumMod val="76000"/>
+                  </a:schemeClr>
+                </a:solidFill>
+                <a:latin typeface="Consolas"/>
+                <a:ea typeface="Arial"/>
+                <a:cs typeface="Arial"/>
+              </a:rPr>
+              <a:t>OR</a:t>
+            </a:r>
+            <a:r>
+              <a:rPr lang="en-GB" sz="1600" strike="sngStrike" baseline="0" dirty="0">
+                <a:solidFill>
+                  <a:schemeClr val="bg1">
+                    <a:lumMod val="76000"/>
+                  </a:schemeClr>
+                </a:solidFill>
+                <a:latin typeface="Consolas"/>
+                <a:ea typeface="Arial"/>
+                <a:cs typeface="Arial"/>
+              </a:rPr>
+              <a:t> "composite*" </a:t>
+            </a:r>
+            <a:r>
+              <a:rPr lang="en-GB" sz="1600" b="1" strike="sngStrike" baseline="0" dirty="0">
+                <a:solidFill>
+                  <a:schemeClr val="bg1">
+                    <a:lumMod val="76000"/>
+                  </a:schemeClr>
+                </a:solidFill>
+                <a:latin typeface="Consolas"/>
+                <a:ea typeface="Arial"/>
+                <a:cs typeface="Arial"/>
+              </a:rPr>
+              <a:t>OR</a:t>
+            </a:r>
+            <a:r>
+              <a:rPr lang="en-GB" sz="1600" strike="sngStrike" baseline="0" dirty="0">
+                <a:solidFill>
+                  <a:schemeClr val="bg1">
+                    <a:lumMod val="76000"/>
+                  </a:schemeClr>
+                </a:solidFill>
+                <a:latin typeface="Consolas"/>
+                <a:ea typeface="Arial"/>
+                <a:cs typeface="Arial"/>
+              </a:rPr>
+              <a:t> "ceramic*" </a:t>
+            </a:r>
+            <a:r>
+              <a:rPr lang="en-GB" sz="1600" b="1" strike="sngStrike" baseline="0" dirty="0">
+                <a:solidFill>
+                  <a:schemeClr val="bg1">
+                    <a:lumMod val="76000"/>
+                  </a:schemeClr>
+                </a:solidFill>
+                <a:latin typeface="Consolas"/>
+                <a:ea typeface="Arial"/>
+                <a:cs typeface="Arial"/>
+              </a:rPr>
+              <a:t>OR</a:t>
+            </a:r>
+            <a:r>
+              <a:rPr lang="en-GB" sz="1600" baseline="0" dirty="0">
+                <a:solidFill>
+                  <a:srgbClr val="FFC000"/>
+                </a:solidFill>
+                <a:latin typeface="Consolas"/>
+                <a:ea typeface="Arial"/>
+                <a:cs typeface="Arial"/>
+              </a:rPr>
+              <a:t> "metal*" </a:t>
+            </a:r>
+            <a:r>
+              <a:rPr lang="en-GB" sz="1600" b="1" strike="sngStrike" baseline="0" dirty="0">
+                <a:solidFill>
+                  <a:schemeClr val="bg1">
+                    <a:lumMod val="76000"/>
+                  </a:schemeClr>
+                </a:solidFill>
+                <a:latin typeface="Consolas"/>
+                <a:ea typeface="Arial"/>
+                <a:cs typeface="Arial"/>
+              </a:rPr>
+              <a:t>OR</a:t>
+            </a:r>
+            <a:r>
+              <a:rPr lang="en-GB" sz="1600" strike="sngStrike" baseline="0" dirty="0">
+                <a:solidFill>
+                  <a:schemeClr val="bg1">
+                    <a:lumMod val="76000"/>
+                  </a:schemeClr>
+                </a:solidFill>
+                <a:latin typeface="Consolas"/>
+                <a:ea typeface="Arial"/>
+                <a:cs typeface="Arial"/>
+              </a:rPr>
+              <a:t>  "alloy*" </a:t>
+            </a:r>
+            <a:r>
+              <a:rPr lang="en-GB" sz="1600" b="1" strike="sngStrike" baseline="0" dirty="0">
+                <a:solidFill>
+                  <a:schemeClr val="bg1">
+                    <a:lumMod val="76000"/>
+                  </a:schemeClr>
+                </a:solidFill>
+                <a:latin typeface="Consolas"/>
+                <a:ea typeface="Arial"/>
+                <a:cs typeface="Arial"/>
+              </a:rPr>
+              <a:t>OR</a:t>
+            </a:r>
+            <a:r>
+              <a:rPr lang="en-GB" sz="1600" strike="sngStrike" baseline="0" dirty="0">
+                <a:solidFill>
+                  <a:schemeClr val="bg1">
+                    <a:lumMod val="76000"/>
+                  </a:schemeClr>
+                </a:solidFill>
+                <a:latin typeface="Consolas"/>
+                <a:ea typeface="Arial"/>
+                <a:cs typeface="Arial"/>
+              </a:rPr>
+              <a:t> "cement*" </a:t>
+            </a:r>
+            <a:r>
+              <a:rPr lang="en-GB" sz="1600" b="1" strike="sngStrike" baseline="0" dirty="0">
+                <a:solidFill>
+                  <a:schemeClr val="bg1">
+                    <a:lumMod val="76000"/>
+                  </a:schemeClr>
+                </a:solidFill>
+                <a:latin typeface="Consolas"/>
+                <a:ea typeface="Arial"/>
+                <a:cs typeface="Arial"/>
+              </a:rPr>
+              <a:t>OR</a:t>
+            </a:r>
+            <a:r>
+              <a:rPr lang="en-GB" sz="1600" strike="sngStrike" baseline="0" dirty="0">
+                <a:solidFill>
+                  <a:schemeClr val="bg1">
+                    <a:lumMod val="76000"/>
+                  </a:schemeClr>
+                </a:solidFill>
+                <a:latin typeface="Consolas"/>
+                <a:ea typeface="Arial"/>
+                <a:cs typeface="Arial"/>
+              </a:rPr>
+              <a:t> "concrete*“</a:t>
+            </a:r>
+            <a:r>
+              <a:rPr lang="en-GB" sz="1600" baseline="0" dirty="0">
+                <a:solidFill>
+                  <a:schemeClr val="bg1">
+                    <a:lumMod val="76000"/>
+                  </a:schemeClr>
+                </a:solidFill>
+                <a:latin typeface="Consolas"/>
+                <a:ea typeface="Arial"/>
+                <a:cs typeface="Arial"/>
+              </a:rPr>
+              <a:t>)</a:t>
+            </a:r>
+            <a:endParaRPr lang="en-GB" sz="1600" dirty="0">
+              <a:solidFill>
+                <a:schemeClr val="bg1">
+                  <a:lumMod val="76000"/>
+                </a:schemeClr>
+              </a:solidFill>
+              <a:latin typeface="Consolas"/>
+              <a:cs typeface="Arial"/>
+            </a:endParaRPr>
+          </a:p>
+        </p:txBody>
+      </p:sp>
       <p:pic>
         <p:nvPicPr>
-          <p:cNvPr id="6" name="Inhaltsplatzhalter 5" descr="Ein Bild, das Text, Reihe, Diagramm, Screenshot enthält.&#10;&#10;Beschreibung automatisch generiert.">
+          <p:cNvPr id="7" name="Content Placeholder 6" descr="A graph of a number of publications&#10;&#10;Description automatically generated">
             <a:extLst>
               <a:ext uri="{FF2B5EF4-FFF2-40B4-BE49-F238E27FC236}">
-                <a16:creationId xmlns:a16="http://schemas.microsoft.com/office/drawing/2014/main" id="{ED0031ED-5354-027E-95B4-BE0D40A43108}"/>
+                <a16:creationId xmlns:a16="http://schemas.microsoft.com/office/drawing/2014/main" id="{E0C7B4C6-F9CF-0017-6612-791A26D8DEB8}"/>
               </a:ext>
             </a:extLst>
           </p:cNvPr>
@@ -7335,288 +8661,6 @@
           </a:xfrm>
         </p:spPr>
       </p:pic>
-      <p:sp>
-        <p:nvSpPr>
-          <p:cNvPr id="4" name="Textfeld 3">
-            <a:extLst>
-              <a:ext uri="{FF2B5EF4-FFF2-40B4-BE49-F238E27FC236}">
-                <a16:creationId xmlns:a16="http://schemas.microsoft.com/office/drawing/2014/main" id="{4752414B-8212-4E79-D435-D34BDE5DD8A7}"/>
-              </a:ext>
-            </a:extLst>
-          </p:cNvPr>
-          <p:cNvSpPr txBox="1"/>
-          <p:nvPr/>
-        </p:nvSpPr>
-        <p:spPr>
-          <a:xfrm>
-            <a:off x="799557" y="5340803"/>
-            <a:ext cx="10521473" cy="584775"/>
-          </a:xfrm>
-          <a:prstGeom prst="rect">
-            <a:avLst/>
-          </a:prstGeom>
-          <a:noFill/>
-        </p:spPr>
-        <p:txBody>
-          <a:bodyPr rot="0" spcFirstLastPara="0" vertOverflow="overflow" horzOverflow="overflow" vert="horz" wrap="square" lIns="91440" tIns="45720" rIns="91440" bIns="45720" numCol="1" spcCol="0" rtlCol="0" fromWordArt="0" anchor="t" anchorCtr="0" forceAA="0" compatLnSpc="1">
-            <a:prstTxWarp prst="textNoShape">
-              <a:avLst/>
-            </a:prstTxWarp>
-            <a:spAutoFit/>
-          </a:bodyPr>
-          <a:lstStyle/>
-          <a:p>
-            <a:pPr algn="l"/>
-            <a:r>
-              <a:rPr lang="en-GB" sz="1600" b="1" baseline="0" dirty="0">
-                <a:solidFill>
-                  <a:srgbClr val="000080"/>
-                </a:solidFill>
-                <a:latin typeface="Consolas"/>
-                <a:ea typeface="Arial"/>
-                <a:cs typeface="Arial"/>
-              </a:rPr>
-              <a:t>AND</a:t>
-            </a:r>
-            <a:r>
-              <a:rPr lang="en-GB" sz="1600" baseline="0" dirty="0">
-                <a:latin typeface="Consolas"/>
-                <a:ea typeface="Arial"/>
-                <a:cs typeface="Arial"/>
-              </a:rPr>
-              <a:t> TS=</a:t>
-            </a:r>
-            <a:r>
-              <a:rPr lang="en-GB" sz="1600" baseline="0" dirty="0">
-                <a:solidFill>
-                  <a:schemeClr val="bg1">
-                    <a:lumMod val="76000"/>
-                  </a:schemeClr>
-                </a:solidFill>
-                <a:latin typeface="Consolas"/>
-                <a:ea typeface="Arial"/>
-                <a:cs typeface="Arial"/>
-              </a:rPr>
-              <a:t>(</a:t>
-            </a:r>
-            <a:r>
-              <a:rPr lang="en-GB" sz="1600" strike="sngStrike" baseline="0" dirty="0">
-                <a:solidFill>
-                  <a:schemeClr val="bg1">
-                    <a:lumMod val="76000"/>
-                  </a:schemeClr>
-                </a:solidFill>
-                <a:latin typeface="Consolas"/>
-                <a:ea typeface="Arial"/>
-                <a:cs typeface="Arial"/>
-              </a:rPr>
-              <a:t>"material*" </a:t>
-            </a:r>
-            <a:r>
-              <a:rPr lang="en-GB" sz="1600" b="1" strike="sngStrike" baseline="0" dirty="0">
-                <a:solidFill>
-                  <a:schemeClr val="bg1">
-                    <a:lumMod val="76000"/>
-                  </a:schemeClr>
-                </a:solidFill>
-                <a:latin typeface="Consolas"/>
-                <a:ea typeface="Arial"/>
-                <a:cs typeface="Arial"/>
-              </a:rPr>
-              <a:t>OR</a:t>
-            </a:r>
-            <a:r>
-              <a:rPr lang="en-GB" sz="1600" strike="sngStrike" baseline="0" dirty="0">
-                <a:solidFill>
-                  <a:schemeClr val="bg1">
-                    <a:lumMod val="76000"/>
-                  </a:schemeClr>
-                </a:solidFill>
-                <a:latin typeface="Consolas"/>
-                <a:ea typeface="Arial"/>
-                <a:cs typeface="Arial"/>
-              </a:rPr>
-              <a:t> "polymer*" </a:t>
-            </a:r>
-            <a:r>
-              <a:rPr lang="en-GB" sz="1600" b="1" strike="sngStrike" baseline="0" dirty="0">
-                <a:solidFill>
-                  <a:schemeClr val="bg1">
-                    <a:lumMod val="76000"/>
-                  </a:schemeClr>
-                </a:solidFill>
-                <a:latin typeface="Consolas"/>
-                <a:ea typeface="Arial"/>
-                <a:cs typeface="Arial"/>
-              </a:rPr>
-              <a:t>OR</a:t>
-            </a:r>
-            <a:r>
-              <a:rPr lang="en-GB" sz="1600" strike="sngStrike" baseline="0" dirty="0">
-                <a:solidFill>
-                  <a:schemeClr val="bg1">
-                    <a:lumMod val="76000"/>
-                  </a:schemeClr>
-                </a:solidFill>
-                <a:latin typeface="Consolas"/>
-                <a:ea typeface="Arial"/>
-                <a:cs typeface="Arial"/>
-              </a:rPr>
-              <a:t> "composite*" </a:t>
-            </a:r>
-            <a:r>
-              <a:rPr lang="en-GB" sz="1600" b="1" strike="sngStrike" baseline="0" dirty="0">
-                <a:solidFill>
-                  <a:schemeClr val="bg1">
-                    <a:lumMod val="76000"/>
-                  </a:schemeClr>
-                </a:solidFill>
-                <a:latin typeface="Consolas"/>
-                <a:ea typeface="Arial"/>
-                <a:cs typeface="Arial"/>
-              </a:rPr>
-              <a:t>OR</a:t>
-            </a:r>
-            <a:r>
-              <a:rPr lang="en-GB" sz="1600" strike="sngStrike" baseline="0" dirty="0">
-                <a:solidFill>
-                  <a:schemeClr val="bg1">
-                    <a:lumMod val="76000"/>
-                  </a:schemeClr>
-                </a:solidFill>
-                <a:latin typeface="Consolas"/>
-                <a:ea typeface="Arial"/>
-                <a:cs typeface="Arial"/>
-              </a:rPr>
-              <a:t> "ceramic*" </a:t>
-            </a:r>
-            <a:r>
-              <a:rPr lang="en-GB" sz="1600" b="1" strike="sngStrike" baseline="0" dirty="0">
-                <a:solidFill>
-                  <a:schemeClr val="bg1">
-                    <a:lumMod val="76000"/>
-                  </a:schemeClr>
-                </a:solidFill>
-                <a:latin typeface="Consolas"/>
-                <a:ea typeface="Arial"/>
-                <a:cs typeface="Arial"/>
-              </a:rPr>
-              <a:t>OR</a:t>
-            </a:r>
-            <a:r>
-              <a:rPr lang="en-GB" sz="1600" baseline="0" dirty="0">
-                <a:solidFill>
-                  <a:srgbClr val="FFC000"/>
-                </a:solidFill>
-                <a:latin typeface="Consolas"/>
-                <a:ea typeface="Arial"/>
-                <a:cs typeface="Arial"/>
-              </a:rPr>
-              <a:t> "metal*" </a:t>
-            </a:r>
-            <a:r>
-              <a:rPr lang="en-GB" sz="1600" b="1" strike="sngStrike" baseline="0" dirty="0">
-                <a:solidFill>
-                  <a:schemeClr val="bg1">
-                    <a:lumMod val="76000"/>
-                  </a:schemeClr>
-                </a:solidFill>
-                <a:latin typeface="Consolas"/>
-                <a:ea typeface="Arial"/>
-                <a:cs typeface="Arial"/>
-              </a:rPr>
-              <a:t>OR</a:t>
-            </a:r>
-            <a:r>
-              <a:rPr lang="en-GB" sz="1600" strike="sngStrike" baseline="0" dirty="0">
-                <a:solidFill>
-                  <a:schemeClr val="bg1">
-                    <a:lumMod val="76000"/>
-                  </a:schemeClr>
-                </a:solidFill>
-                <a:latin typeface="Consolas"/>
-                <a:ea typeface="Arial"/>
-                <a:cs typeface="Arial"/>
-              </a:rPr>
-              <a:t>  "alloy*" </a:t>
-            </a:r>
-            <a:r>
-              <a:rPr lang="en-GB" sz="1600" b="1" strike="sngStrike" baseline="0" dirty="0">
-                <a:solidFill>
-                  <a:schemeClr val="bg1">
-                    <a:lumMod val="76000"/>
-                  </a:schemeClr>
-                </a:solidFill>
-                <a:latin typeface="Consolas"/>
-                <a:ea typeface="Arial"/>
-                <a:cs typeface="Arial"/>
-              </a:rPr>
-              <a:t>OR</a:t>
-            </a:r>
-            <a:r>
-              <a:rPr lang="en-GB" sz="1600" strike="sngStrike" baseline="0" dirty="0">
-                <a:solidFill>
-                  <a:schemeClr val="bg1">
-                    <a:lumMod val="76000"/>
-                  </a:schemeClr>
-                </a:solidFill>
-                <a:latin typeface="Consolas"/>
-                <a:ea typeface="Arial"/>
-                <a:cs typeface="Arial"/>
-              </a:rPr>
-              <a:t> "cement*" </a:t>
-            </a:r>
-            <a:r>
-              <a:rPr lang="en-GB" sz="1600" b="1" strike="sngStrike" baseline="0" dirty="0">
-                <a:solidFill>
-                  <a:schemeClr val="bg1">
-                    <a:lumMod val="76000"/>
-                  </a:schemeClr>
-                </a:solidFill>
-                <a:latin typeface="Consolas"/>
-                <a:ea typeface="Arial"/>
-                <a:cs typeface="Arial"/>
-              </a:rPr>
-              <a:t>OR</a:t>
-            </a:r>
-            <a:r>
-              <a:rPr lang="en-GB" sz="1600" strike="sngStrike" baseline="0" dirty="0">
-                <a:solidFill>
-                  <a:schemeClr val="bg1">
-                    <a:lumMod val="76000"/>
-                  </a:schemeClr>
-                </a:solidFill>
-                <a:latin typeface="Consolas"/>
-                <a:ea typeface="Arial"/>
-                <a:cs typeface="Arial"/>
-              </a:rPr>
-              <a:t> "concrete*“</a:t>
-            </a:r>
-            <a:r>
-              <a:rPr lang="en-GB" sz="1600" baseline="0" dirty="0">
-                <a:solidFill>
-                  <a:schemeClr val="bg1">
-                    <a:lumMod val="76000"/>
-                  </a:schemeClr>
-                </a:solidFill>
-                <a:latin typeface="Consolas"/>
-                <a:ea typeface="Arial"/>
-                <a:cs typeface="Arial"/>
-              </a:rPr>
-              <a:t>)</a:t>
-            </a:r>
-            <a:endParaRPr lang="en-GB" sz="1600" dirty="0">
-              <a:solidFill>
-                <a:schemeClr val="bg1">
-                  <a:lumMod val="76000"/>
-                </a:schemeClr>
-              </a:solidFill>
-              <a:latin typeface="Consolas"/>
-              <a:cs typeface="Arial"/>
-            </a:endParaRPr>
-          </a:p>
-        </p:txBody>
-      </p:sp>
     </p:spTree>
     <p:extLst>
       <p:ext uri="{BB962C8B-B14F-4D97-AF65-F5344CB8AC3E}">
@@ -7677,8 +8721,17 @@
           <a:p>
             <a:r>
               <a:rPr lang="en-GB" dirty="0"/>
-              <a:t>Number of annual publications for different material types</a:t>
-            </a:r>
+              <a:t>Polymers are the most researched material regarding </a:t>
+            </a:r>
+            <a:r>
+              <a:rPr lang="en-GB" dirty="0" err="1"/>
+              <a:t>self healing</a:t>
+            </a:r>
+            <a:r>
+              <a:rPr lang="en-GB" dirty="0"/>
+              <a:t> properties</a:t>
+            </a:r>
+            <a:endParaRPr lang="en-US" dirty="0"/>
           </a:p>
         </p:txBody>
       </p:sp>
@@ -7732,12 +8785,307 @@
           </a:p>
         </p:txBody>
       </p:sp>
+      <p:sp>
+        <p:nvSpPr>
+          <p:cNvPr id="4" name="Textfeld 3">
+            <a:extLst>
+              <a:ext uri="{FF2B5EF4-FFF2-40B4-BE49-F238E27FC236}">
+                <a16:creationId xmlns:a16="http://schemas.microsoft.com/office/drawing/2014/main" id="{4752414B-8212-4E79-D435-D34BDE5DD8A7}"/>
+              </a:ext>
+            </a:extLst>
+          </p:cNvPr>
+          <p:cNvSpPr txBox="1"/>
+          <p:nvPr/>
+        </p:nvSpPr>
+        <p:spPr>
+          <a:xfrm>
+            <a:off x="799557" y="5340803"/>
+            <a:ext cx="10521473" cy="584775"/>
+          </a:xfrm>
+          <a:prstGeom prst="rect">
+            <a:avLst/>
+          </a:prstGeom>
+          <a:noFill/>
+        </p:spPr>
+        <p:txBody>
+          <a:bodyPr rot="0" spcFirstLastPara="0" vertOverflow="overflow" horzOverflow="overflow" vert="horz" wrap="square" lIns="91440" tIns="45720" rIns="91440" bIns="45720" numCol="1" spcCol="0" rtlCol="0" fromWordArt="0" anchor="t" anchorCtr="0" forceAA="0" compatLnSpc="1">
+            <a:prstTxWarp prst="textNoShape">
+              <a:avLst/>
+            </a:prstTxWarp>
+            <a:spAutoFit/>
+          </a:bodyPr>
+          <a:lstStyle/>
+          <a:p>
+            <a:pPr algn="l"/>
+            <a:r>
+              <a:rPr lang="en-GB" sz="1600" b="1" baseline="0" dirty="0">
+                <a:solidFill>
+                  <a:srgbClr val="000080"/>
+                </a:solidFill>
+                <a:latin typeface="Consolas"/>
+                <a:ea typeface="Arial"/>
+                <a:cs typeface="Arial"/>
+              </a:rPr>
+              <a:t>AND</a:t>
+            </a:r>
+            <a:r>
+              <a:rPr lang="en-GB" sz="1600" baseline="0" dirty="0">
+                <a:latin typeface="Consolas"/>
+                <a:ea typeface="Arial"/>
+                <a:cs typeface="Arial"/>
+              </a:rPr>
+              <a:t> TS=</a:t>
+            </a:r>
+            <a:r>
+              <a:rPr lang="en-GB" sz="1600" baseline="0" dirty="0">
+                <a:solidFill>
+                  <a:schemeClr val="bg1">
+                    <a:lumMod val="76000"/>
+                  </a:schemeClr>
+                </a:solidFill>
+                <a:latin typeface="Consolas"/>
+                <a:ea typeface="Arial"/>
+                <a:cs typeface="Arial"/>
+              </a:rPr>
+              <a:t>(</a:t>
+            </a:r>
+            <a:r>
+              <a:rPr lang="en-GB" sz="1600" strike="sngStrike" baseline="0" dirty="0">
+                <a:solidFill>
+                  <a:schemeClr val="bg1">
+                    <a:lumMod val="76000"/>
+                  </a:schemeClr>
+                </a:solidFill>
+                <a:latin typeface="Consolas"/>
+                <a:ea typeface="Arial"/>
+                <a:cs typeface="Arial"/>
+              </a:rPr>
+              <a:t>"material*" </a:t>
+            </a:r>
+            <a:r>
+              <a:rPr lang="en-GB" sz="1600" b="1" strike="sngStrike" baseline="0" dirty="0">
+                <a:solidFill>
+                  <a:schemeClr val="bg1">
+                    <a:lumMod val="76000"/>
+                  </a:schemeClr>
+                </a:solidFill>
+                <a:latin typeface="Consolas"/>
+                <a:ea typeface="Arial"/>
+                <a:cs typeface="Arial"/>
+              </a:rPr>
+              <a:t>OR</a:t>
+            </a:r>
+            <a:r>
+              <a:rPr lang="en-GB" sz="1600" strike="sngStrike" baseline="0" dirty="0">
+                <a:solidFill>
+                  <a:schemeClr val="bg1">
+                    <a:lumMod val="76000"/>
+                  </a:schemeClr>
+                </a:solidFill>
+                <a:latin typeface="Consolas"/>
+                <a:ea typeface="Arial"/>
+                <a:cs typeface="Arial"/>
+              </a:rPr>
+              <a:t> "polymer*" </a:t>
+            </a:r>
+            <a:r>
+              <a:rPr lang="en-GB" sz="1600" b="1" strike="sngStrike" baseline="0" dirty="0">
+                <a:solidFill>
+                  <a:schemeClr val="bg1">
+                    <a:lumMod val="76000"/>
+                  </a:schemeClr>
+                </a:solidFill>
+                <a:latin typeface="Consolas"/>
+                <a:ea typeface="Arial"/>
+                <a:cs typeface="Arial"/>
+              </a:rPr>
+              <a:t>OR</a:t>
+            </a:r>
+            <a:r>
+              <a:rPr lang="en-GB" sz="1600" strike="sngStrike" baseline="0" dirty="0">
+                <a:solidFill>
+                  <a:schemeClr val="bg1">
+                    <a:lumMod val="76000"/>
+                  </a:schemeClr>
+                </a:solidFill>
+                <a:latin typeface="Consolas"/>
+                <a:ea typeface="Arial"/>
+                <a:cs typeface="Arial"/>
+              </a:rPr>
+              <a:t> "composite*" </a:t>
+            </a:r>
+            <a:r>
+              <a:rPr lang="en-GB" sz="1600" b="1" strike="sngStrike" baseline="0" dirty="0">
+                <a:solidFill>
+                  <a:schemeClr val="bg1">
+                    <a:lumMod val="76000"/>
+                  </a:schemeClr>
+                </a:solidFill>
+                <a:latin typeface="Consolas"/>
+                <a:ea typeface="Arial"/>
+                <a:cs typeface="Arial"/>
+              </a:rPr>
+              <a:t>OR</a:t>
+            </a:r>
+            <a:r>
+              <a:rPr lang="en-GB" sz="1600" strike="sngStrike" baseline="0" dirty="0">
+                <a:solidFill>
+                  <a:schemeClr val="bg1">
+                    <a:lumMod val="76000"/>
+                  </a:schemeClr>
+                </a:solidFill>
+                <a:latin typeface="Consolas"/>
+                <a:ea typeface="Arial"/>
+                <a:cs typeface="Arial"/>
+              </a:rPr>
+              <a:t> "ceramic*" </a:t>
+            </a:r>
+            <a:r>
+              <a:rPr lang="en-GB" sz="1600" b="1" strike="sngStrike" baseline="0" dirty="0">
+                <a:solidFill>
+                  <a:schemeClr val="bg1">
+                    <a:lumMod val="76000"/>
+                  </a:schemeClr>
+                </a:solidFill>
+                <a:latin typeface="Consolas"/>
+                <a:ea typeface="Arial"/>
+                <a:cs typeface="Arial"/>
+              </a:rPr>
+              <a:t>OR</a:t>
+            </a:r>
+            <a:r>
+              <a:rPr lang="en-GB" sz="1600" strike="sngStrike" baseline="0" dirty="0">
+                <a:solidFill>
+                  <a:schemeClr val="bg1">
+                    <a:lumMod val="76000"/>
+                  </a:schemeClr>
+                </a:solidFill>
+                <a:latin typeface="Consolas"/>
+                <a:ea typeface="Arial"/>
+                <a:cs typeface="Arial"/>
+              </a:rPr>
+              <a:t> "metal*" </a:t>
+            </a:r>
+            <a:r>
+              <a:rPr lang="en-GB" sz="1600" b="1" strike="sngStrike" baseline="0" dirty="0">
+                <a:solidFill>
+                  <a:schemeClr val="bg1">
+                    <a:lumMod val="76000"/>
+                  </a:schemeClr>
+                </a:solidFill>
+                <a:latin typeface="Consolas"/>
+                <a:ea typeface="Arial"/>
+                <a:cs typeface="Arial"/>
+              </a:rPr>
+              <a:t>OR</a:t>
+            </a:r>
+            <a:r>
+              <a:rPr lang="en-GB" sz="1600" strike="sngStrike" baseline="0" dirty="0">
+                <a:solidFill>
+                  <a:schemeClr val="bg1">
+                    <a:lumMod val="76000"/>
+                  </a:schemeClr>
+                </a:solidFill>
+                <a:latin typeface="Consolas"/>
+                <a:ea typeface="Arial"/>
+                <a:cs typeface="Arial"/>
+              </a:rPr>
+              <a:t>  "alloy*" </a:t>
+            </a:r>
+            <a:r>
+              <a:rPr lang="en-GB" sz="1600" b="1" strike="sngStrike" baseline="0" dirty="0">
+                <a:solidFill>
+                  <a:schemeClr val="bg1">
+                    <a:lumMod val="76000"/>
+                  </a:schemeClr>
+                </a:solidFill>
+                <a:latin typeface="Consolas"/>
+                <a:ea typeface="Arial"/>
+                <a:cs typeface="Arial"/>
+              </a:rPr>
+              <a:t>OR</a:t>
+            </a:r>
+            <a:r>
+              <a:rPr lang="en-GB" sz="1600" baseline="0" dirty="0">
+                <a:solidFill>
+                  <a:schemeClr val="accent6"/>
+                </a:solidFill>
+                <a:latin typeface="Consolas"/>
+                <a:ea typeface="Arial"/>
+                <a:cs typeface="Arial"/>
+              </a:rPr>
+              <a:t> "cement*"</a:t>
+            </a:r>
+            <a:r>
+              <a:rPr lang="en-GB" sz="1600" strike="sngStrike" baseline="0" dirty="0">
+                <a:solidFill>
+                  <a:schemeClr val="bg1">
+                    <a:lumMod val="76000"/>
+                  </a:schemeClr>
+                </a:solidFill>
+                <a:latin typeface="Consolas"/>
+                <a:ea typeface="Arial"/>
+                <a:cs typeface="Arial"/>
+              </a:rPr>
+              <a:t> </a:t>
+            </a:r>
+            <a:r>
+              <a:rPr lang="en-GB" sz="1600" b="1" strike="sngStrike" baseline="0" dirty="0">
+                <a:solidFill>
+                  <a:schemeClr val="bg1">
+                    <a:lumMod val="76000"/>
+                  </a:schemeClr>
+                </a:solidFill>
+                <a:latin typeface="Consolas"/>
+                <a:ea typeface="Arial"/>
+                <a:cs typeface="Arial"/>
+              </a:rPr>
+              <a:t>OR</a:t>
+            </a:r>
+            <a:r>
+              <a:rPr lang="en-GB" sz="1600" strike="sngStrike" baseline="0" dirty="0">
+                <a:solidFill>
+                  <a:schemeClr val="bg1">
+                    <a:lumMod val="76000"/>
+                  </a:schemeClr>
+                </a:solidFill>
+                <a:latin typeface="Consolas"/>
+                <a:ea typeface="Arial"/>
+                <a:cs typeface="Arial"/>
+              </a:rPr>
+              <a:t> "concrete*“</a:t>
+            </a:r>
+            <a:r>
+              <a:rPr lang="en-GB" sz="1600" baseline="0" dirty="0">
+                <a:solidFill>
+                  <a:schemeClr val="bg1">
+                    <a:lumMod val="76000"/>
+                  </a:schemeClr>
+                </a:solidFill>
+                <a:latin typeface="Consolas"/>
+                <a:ea typeface="Arial"/>
+                <a:cs typeface="Arial"/>
+              </a:rPr>
+              <a:t>)</a:t>
+            </a:r>
+            <a:endParaRPr lang="en-GB" sz="1600" dirty="0">
+              <a:solidFill>
+                <a:schemeClr val="bg1">
+                  <a:lumMod val="76000"/>
+                </a:schemeClr>
+              </a:solidFill>
+              <a:latin typeface="Consolas"/>
+              <a:cs typeface="Arial"/>
+            </a:endParaRPr>
+          </a:p>
+        </p:txBody>
+      </p:sp>
       <p:pic>
         <p:nvPicPr>
-          <p:cNvPr id="6" name="Inhaltsplatzhalter 5" descr="Ein Bild, das Text, Reihe, Diagramm, Screenshot enthält.&#10;&#10;Beschreibung automatisch generiert.">
+          <p:cNvPr id="7" name="Content Placeholder 6" descr="A graph of a number of publications&#10;&#10;Description automatically generated">
             <a:extLst>
               <a:ext uri="{FF2B5EF4-FFF2-40B4-BE49-F238E27FC236}">
-                <a16:creationId xmlns:a16="http://schemas.microsoft.com/office/drawing/2014/main" id="{ED0031ED-5354-027E-95B4-BE0D40A43108}"/>
+                <a16:creationId xmlns:a16="http://schemas.microsoft.com/office/drawing/2014/main" id="{2DF8D132-91AA-7663-FBDF-C0F316B9C151}"/>
               </a:ext>
             </a:extLst>
           </p:cNvPr>
@@ -7761,301 +9109,6 @@
           </a:xfrm>
         </p:spPr>
       </p:pic>
-      <p:sp>
-        <p:nvSpPr>
-          <p:cNvPr id="4" name="Textfeld 3">
-            <a:extLst>
-              <a:ext uri="{FF2B5EF4-FFF2-40B4-BE49-F238E27FC236}">
-                <a16:creationId xmlns:a16="http://schemas.microsoft.com/office/drawing/2014/main" id="{4752414B-8212-4E79-D435-D34BDE5DD8A7}"/>
-              </a:ext>
-            </a:extLst>
-          </p:cNvPr>
-          <p:cNvSpPr txBox="1"/>
-          <p:nvPr/>
-        </p:nvSpPr>
-        <p:spPr>
-          <a:xfrm>
-            <a:off x="799557" y="5340803"/>
-            <a:ext cx="10521473" cy="584775"/>
-          </a:xfrm>
-          <a:prstGeom prst="rect">
-            <a:avLst/>
-          </a:prstGeom>
-          <a:noFill/>
-        </p:spPr>
-        <p:txBody>
-          <a:bodyPr rot="0" spcFirstLastPara="0" vertOverflow="overflow" horzOverflow="overflow" vert="horz" wrap="square" lIns="91440" tIns="45720" rIns="91440" bIns="45720" numCol="1" spcCol="0" rtlCol="0" fromWordArt="0" anchor="t" anchorCtr="0" forceAA="0" compatLnSpc="1">
-            <a:prstTxWarp prst="textNoShape">
-              <a:avLst/>
-            </a:prstTxWarp>
-            <a:spAutoFit/>
-          </a:bodyPr>
-          <a:lstStyle/>
-          <a:p>
-            <a:pPr algn="l"/>
-            <a:r>
-              <a:rPr lang="en-GB" sz="1600" b="1" baseline="0" dirty="0">
-                <a:solidFill>
-                  <a:srgbClr val="000080"/>
-                </a:solidFill>
-                <a:latin typeface="Consolas"/>
-                <a:ea typeface="Arial"/>
-                <a:cs typeface="Arial"/>
-              </a:rPr>
-              <a:t>AND</a:t>
-            </a:r>
-            <a:r>
-              <a:rPr lang="en-GB" sz="1600" baseline="0" dirty="0">
-                <a:latin typeface="Consolas"/>
-                <a:ea typeface="Arial"/>
-                <a:cs typeface="Arial"/>
-              </a:rPr>
-              <a:t> TS=</a:t>
-            </a:r>
-            <a:r>
-              <a:rPr lang="en-GB" sz="1600" baseline="0" dirty="0">
-                <a:solidFill>
-                  <a:schemeClr val="bg1">
-                    <a:lumMod val="76000"/>
-                  </a:schemeClr>
-                </a:solidFill>
-                <a:latin typeface="Consolas"/>
-                <a:ea typeface="Arial"/>
-                <a:cs typeface="Arial"/>
-              </a:rPr>
-              <a:t>(</a:t>
-            </a:r>
-            <a:r>
-              <a:rPr lang="en-GB" sz="1600" strike="sngStrike" baseline="0" dirty="0">
-                <a:solidFill>
-                  <a:schemeClr val="bg1">
-                    <a:lumMod val="76000"/>
-                  </a:schemeClr>
-                </a:solidFill>
-                <a:latin typeface="Consolas"/>
-                <a:ea typeface="Arial"/>
-                <a:cs typeface="Arial"/>
-              </a:rPr>
-              <a:t>"material*" </a:t>
-            </a:r>
-            <a:r>
-              <a:rPr lang="en-GB" sz="1600" b="1" strike="sngStrike" baseline="0" dirty="0">
-                <a:solidFill>
-                  <a:schemeClr val="bg1">
-                    <a:lumMod val="76000"/>
-                  </a:schemeClr>
-                </a:solidFill>
-                <a:latin typeface="Consolas"/>
-                <a:ea typeface="Arial"/>
-                <a:cs typeface="Arial"/>
-              </a:rPr>
-              <a:t>OR</a:t>
-            </a:r>
-            <a:r>
-              <a:rPr lang="en-GB" sz="1600" strike="sngStrike" baseline="0" dirty="0">
-                <a:solidFill>
-                  <a:schemeClr val="bg1">
-                    <a:lumMod val="76000"/>
-                  </a:schemeClr>
-                </a:solidFill>
-                <a:latin typeface="Consolas"/>
-                <a:ea typeface="Arial"/>
-                <a:cs typeface="Arial"/>
-              </a:rPr>
-              <a:t> "polymer*" </a:t>
-            </a:r>
-            <a:r>
-              <a:rPr lang="en-GB" sz="1600" b="1" strike="sngStrike" baseline="0" dirty="0">
-                <a:solidFill>
-                  <a:schemeClr val="bg1">
-                    <a:lumMod val="76000"/>
-                  </a:schemeClr>
-                </a:solidFill>
-                <a:latin typeface="Consolas"/>
-                <a:ea typeface="Arial"/>
-                <a:cs typeface="Arial"/>
-              </a:rPr>
-              <a:t>OR</a:t>
-            </a:r>
-            <a:r>
-              <a:rPr lang="en-GB" sz="1600" strike="sngStrike" baseline="0" dirty="0">
-                <a:solidFill>
-                  <a:schemeClr val="bg1">
-                    <a:lumMod val="76000"/>
-                  </a:schemeClr>
-                </a:solidFill>
-                <a:latin typeface="Consolas"/>
-                <a:ea typeface="Arial"/>
-                <a:cs typeface="Arial"/>
-              </a:rPr>
-              <a:t> "composite*" </a:t>
-            </a:r>
-            <a:r>
-              <a:rPr lang="en-GB" sz="1600" b="1" strike="sngStrike" baseline="0" dirty="0">
-                <a:solidFill>
-                  <a:schemeClr val="bg1">
-                    <a:lumMod val="76000"/>
-                  </a:schemeClr>
-                </a:solidFill>
-                <a:latin typeface="Consolas"/>
-                <a:ea typeface="Arial"/>
-                <a:cs typeface="Arial"/>
-              </a:rPr>
-              <a:t>OR</a:t>
-            </a:r>
-            <a:r>
-              <a:rPr lang="en-GB" sz="1600" strike="sngStrike" baseline="0" dirty="0">
-                <a:solidFill>
-                  <a:schemeClr val="bg1">
-                    <a:lumMod val="76000"/>
-                  </a:schemeClr>
-                </a:solidFill>
-                <a:latin typeface="Consolas"/>
-                <a:ea typeface="Arial"/>
-                <a:cs typeface="Arial"/>
-              </a:rPr>
-              <a:t> "ceramic*" </a:t>
-            </a:r>
-            <a:r>
-              <a:rPr lang="en-GB" sz="1600" b="1" strike="sngStrike" baseline="0" dirty="0">
-                <a:solidFill>
-                  <a:schemeClr val="bg1">
-                    <a:lumMod val="76000"/>
-                  </a:schemeClr>
-                </a:solidFill>
-                <a:latin typeface="Consolas"/>
-                <a:ea typeface="Arial"/>
-                <a:cs typeface="Arial"/>
-              </a:rPr>
-              <a:t>OR</a:t>
-            </a:r>
-            <a:r>
-              <a:rPr lang="en-GB" sz="1600" strike="sngStrike" baseline="0" dirty="0">
-                <a:solidFill>
-                  <a:schemeClr val="bg1">
-                    <a:lumMod val="76000"/>
-                  </a:schemeClr>
-                </a:solidFill>
-                <a:latin typeface="Consolas"/>
-                <a:ea typeface="Arial"/>
-                <a:cs typeface="Arial"/>
-              </a:rPr>
-              <a:t> "metal*" </a:t>
-            </a:r>
-            <a:r>
-              <a:rPr lang="en-GB" sz="1600" b="1" strike="sngStrike" baseline="0" dirty="0">
-                <a:solidFill>
-                  <a:schemeClr val="bg1">
-                    <a:lumMod val="76000"/>
-                  </a:schemeClr>
-                </a:solidFill>
-                <a:latin typeface="Consolas"/>
-                <a:ea typeface="Arial"/>
-                <a:cs typeface="Arial"/>
-              </a:rPr>
-              <a:t>OR</a:t>
-            </a:r>
-            <a:r>
-              <a:rPr lang="en-GB" sz="1600" strike="sngStrike" baseline="0" dirty="0">
-                <a:solidFill>
-                  <a:schemeClr val="bg1">
-                    <a:lumMod val="76000"/>
-                  </a:schemeClr>
-                </a:solidFill>
-                <a:latin typeface="Consolas"/>
-                <a:ea typeface="Arial"/>
-                <a:cs typeface="Arial"/>
-              </a:rPr>
-              <a:t>  "alloy*" </a:t>
-            </a:r>
-            <a:r>
-              <a:rPr lang="en-GB" sz="1600" b="1" strike="sngStrike" baseline="0" dirty="0">
-                <a:solidFill>
-                  <a:schemeClr val="bg1">
-                    <a:lumMod val="76000"/>
-                  </a:schemeClr>
-                </a:solidFill>
-                <a:latin typeface="Consolas"/>
-                <a:ea typeface="Arial"/>
-                <a:cs typeface="Arial"/>
-              </a:rPr>
-              <a:t>OR</a:t>
-            </a:r>
-            <a:r>
-              <a:rPr lang="en-GB" sz="1600" baseline="0" dirty="0">
-                <a:solidFill>
-                  <a:schemeClr val="accent6"/>
-                </a:solidFill>
-                <a:latin typeface="Consolas"/>
-                <a:ea typeface="Arial"/>
-                <a:cs typeface="Arial"/>
-              </a:rPr>
-              <a:t> "cement*"</a:t>
-            </a:r>
-            <a:r>
-              <a:rPr lang="en-GB" sz="1600" strike="sngStrike" baseline="0" dirty="0">
-                <a:solidFill>
-                  <a:schemeClr val="bg1">
-                    <a:lumMod val="76000"/>
-                  </a:schemeClr>
-                </a:solidFill>
-                <a:latin typeface="Consolas"/>
-                <a:ea typeface="Arial"/>
-                <a:cs typeface="Arial"/>
-              </a:rPr>
-              <a:t> </a:t>
-            </a:r>
-            <a:r>
-              <a:rPr lang="en-GB" sz="1600" b="1" strike="sngStrike" baseline="0" dirty="0">
-                <a:solidFill>
-                  <a:schemeClr val="bg1">
-                    <a:lumMod val="76000"/>
-                  </a:schemeClr>
-                </a:solidFill>
-                <a:latin typeface="Consolas"/>
-                <a:ea typeface="Arial"/>
-                <a:cs typeface="Arial"/>
-              </a:rPr>
-              <a:t>OR</a:t>
-            </a:r>
-            <a:r>
-              <a:rPr lang="en-GB" sz="1600" strike="sngStrike" baseline="0" dirty="0">
-                <a:solidFill>
-                  <a:schemeClr val="bg1">
-                    <a:lumMod val="76000"/>
-                  </a:schemeClr>
-                </a:solidFill>
-                <a:latin typeface="Consolas"/>
-                <a:ea typeface="Arial"/>
-                <a:cs typeface="Arial"/>
-              </a:rPr>
-              <a:t> "concrete*“</a:t>
-            </a:r>
-            <a:r>
-              <a:rPr lang="en-GB" sz="1600" baseline="0" dirty="0">
-                <a:solidFill>
-                  <a:schemeClr val="bg1">
-                    <a:lumMod val="76000"/>
-                  </a:schemeClr>
-                </a:solidFill>
-                <a:latin typeface="Consolas"/>
-                <a:ea typeface="Arial"/>
-                <a:cs typeface="Arial"/>
-              </a:rPr>
-              <a:t>)</a:t>
-            </a:r>
-            <a:endParaRPr lang="en-GB" sz="1600" dirty="0">
-              <a:solidFill>
-                <a:schemeClr val="bg1">
-                  <a:lumMod val="76000"/>
-                </a:schemeClr>
-              </a:solidFill>
-              <a:latin typeface="Consolas"/>
-              <a:cs typeface="Arial"/>
-            </a:endParaRPr>
-          </a:p>
-        </p:txBody>
-      </p:sp>
     </p:spTree>
     <p:extLst>
       <p:ext uri="{BB962C8B-B14F-4D97-AF65-F5344CB8AC3E}">
@@ -8116,8 +9169,17 @@
           <a:p>
             <a:r>
               <a:rPr lang="en-GB" dirty="0"/>
-              <a:t>Number of annual publications for different material types</a:t>
-            </a:r>
+              <a:t>Polymers are the most researched material regarding </a:t>
+            </a:r>
+            <a:r>
+              <a:rPr lang="en-GB" dirty="0" err="1"/>
+              <a:t>self healing</a:t>
+            </a:r>
+            <a:r>
+              <a:rPr lang="en-GB" dirty="0"/>
+              <a:t> properties</a:t>
+            </a:r>
+            <a:endParaRPr lang="en-US" dirty="0"/>
           </a:p>
         </p:txBody>
       </p:sp>
@@ -8171,12 +9233,294 @@
           </a:p>
         </p:txBody>
       </p:sp>
+      <p:sp>
+        <p:nvSpPr>
+          <p:cNvPr id="4" name="Textfeld 3">
+            <a:extLst>
+              <a:ext uri="{FF2B5EF4-FFF2-40B4-BE49-F238E27FC236}">
+                <a16:creationId xmlns:a16="http://schemas.microsoft.com/office/drawing/2014/main" id="{4752414B-8212-4E79-D435-D34BDE5DD8A7}"/>
+              </a:ext>
+            </a:extLst>
+          </p:cNvPr>
+          <p:cNvSpPr txBox="1"/>
+          <p:nvPr/>
+        </p:nvSpPr>
+        <p:spPr>
+          <a:xfrm>
+            <a:off x="799557" y="5340803"/>
+            <a:ext cx="10521473" cy="584775"/>
+          </a:xfrm>
+          <a:prstGeom prst="rect">
+            <a:avLst/>
+          </a:prstGeom>
+          <a:noFill/>
+        </p:spPr>
+        <p:txBody>
+          <a:bodyPr rot="0" spcFirstLastPara="0" vertOverflow="overflow" horzOverflow="overflow" vert="horz" wrap="square" lIns="91440" tIns="45720" rIns="91440" bIns="45720" numCol="1" spcCol="0" rtlCol="0" fromWordArt="0" anchor="t" anchorCtr="0" forceAA="0" compatLnSpc="1">
+            <a:prstTxWarp prst="textNoShape">
+              <a:avLst/>
+            </a:prstTxWarp>
+            <a:spAutoFit/>
+          </a:bodyPr>
+          <a:lstStyle/>
+          <a:p>
+            <a:pPr algn="l"/>
+            <a:r>
+              <a:rPr lang="en-GB" sz="1600" b="1" baseline="0" dirty="0">
+                <a:solidFill>
+                  <a:srgbClr val="000080"/>
+                </a:solidFill>
+                <a:latin typeface="Consolas"/>
+                <a:ea typeface="Arial"/>
+                <a:cs typeface="Arial"/>
+              </a:rPr>
+              <a:t>AND</a:t>
+            </a:r>
+            <a:r>
+              <a:rPr lang="en-GB" sz="1600" baseline="0" dirty="0">
+                <a:latin typeface="Consolas"/>
+                <a:ea typeface="Arial"/>
+                <a:cs typeface="Arial"/>
+              </a:rPr>
+              <a:t> TS=</a:t>
+            </a:r>
+            <a:r>
+              <a:rPr lang="en-GB" sz="1600" baseline="0" dirty="0">
+                <a:solidFill>
+                  <a:schemeClr val="bg1">
+                    <a:lumMod val="76000"/>
+                  </a:schemeClr>
+                </a:solidFill>
+                <a:latin typeface="Consolas"/>
+                <a:ea typeface="Arial"/>
+                <a:cs typeface="Arial"/>
+              </a:rPr>
+              <a:t>(</a:t>
+            </a:r>
+            <a:r>
+              <a:rPr lang="en-GB" sz="1600" strike="sngStrike" baseline="0" dirty="0">
+                <a:solidFill>
+                  <a:schemeClr val="bg1">
+                    <a:lumMod val="76000"/>
+                  </a:schemeClr>
+                </a:solidFill>
+                <a:latin typeface="Consolas"/>
+                <a:ea typeface="Arial"/>
+                <a:cs typeface="Arial"/>
+              </a:rPr>
+              <a:t>"material*" </a:t>
+            </a:r>
+            <a:r>
+              <a:rPr lang="en-GB" sz="1600" b="1" strike="sngStrike" baseline="0" dirty="0">
+                <a:solidFill>
+                  <a:schemeClr val="bg1">
+                    <a:lumMod val="76000"/>
+                  </a:schemeClr>
+                </a:solidFill>
+                <a:latin typeface="Consolas"/>
+                <a:ea typeface="Arial"/>
+                <a:cs typeface="Arial"/>
+              </a:rPr>
+              <a:t>OR</a:t>
+            </a:r>
+            <a:r>
+              <a:rPr lang="en-GB" sz="1600" strike="sngStrike" baseline="0" dirty="0">
+                <a:solidFill>
+                  <a:schemeClr val="bg1">
+                    <a:lumMod val="76000"/>
+                  </a:schemeClr>
+                </a:solidFill>
+                <a:latin typeface="Consolas"/>
+                <a:ea typeface="Arial"/>
+                <a:cs typeface="Arial"/>
+              </a:rPr>
+              <a:t> "polymer*" </a:t>
+            </a:r>
+            <a:r>
+              <a:rPr lang="en-GB" sz="1600" b="1" strike="sngStrike" baseline="0" dirty="0">
+                <a:solidFill>
+                  <a:schemeClr val="bg1">
+                    <a:lumMod val="76000"/>
+                  </a:schemeClr>
+                </a:solidFill>
+                <a:latin typeface="Consolas"/>
+                <a:ea typeface="Arial"/>
+                <a:cs typeface="Arial"/>
+              </a:rPr>
+              <a:t>OR</a:t>
+            </a:r>
+            <a:r>
+              <a:rPr lang="en-GB" sz="1600" strike="sngStrike" baseline="0" dirty="0">
+                <a:solidFill>
+                  <a:schemeClr val="bg1">
+                    <a:lumMod val="76000"/>
+                  </a:schemeClr>
+                </a:solidFill>
+                <a:latin typeface="Consolas"/>
+                <a:ea typeface="Arial"/>
+                <a:cs typeface="Arial"/>
+              </a:rPr>
+              <a:t> "composite*" </a:t>
+            </a:r>
+            <a:r>
+              <a:rPr lang="en-GB" sz="1600" b="1" strike="sngStrike" baseline="0" dirty="0">
+                <a:solidFill>
+                  <a:schemeClr val="bg1">
+                    <a:lumMod val="76000"/>
+                  </a:schemeClr>
+                </a:solidFill>
+                <a:latin typeface="Consolas"/>
+                <a:ea typeface="Arial"/>
+                <a:cs typeface="Arial"/>
+              </a:rPr>
+              <a:t>OR</a:t>
+            </a:r>
+            <a:r>
+              <a:rPr lang="en-GB" sz="1600" baseline="0" dirty="0">
+                <a:solidFill>
+                  <a:srgbClr val="FF0000"/>
+                </a:solidFill>
+                <a:latin typeface="Consolas"/>
+                <a:ea typeface="Arial"/>
+                <a:cs typeface="Arial"/>
+              </a:rPr>
+              <a:t> "ceramic*" </a:t>
+            </a:r>
+            <a:r>
+              <a:rPr lang="en-GB" sz="1600" b="1" strike="sngStrike" baseline="0" dirty="0">
+                <a:solidFill>
+                  <a:schemeClr val="bg1">
+                    <a:lumMod val="76000"/>
+                  </a:schemeClr>
+                </a:solidFill>
+                <a:latin typeface="Consolas"/>
+                <a:ea typeface="Arial"/>
+                <a:cs typeface="Arial"/>
+              </a:rPr>
+              <a:t>OR</a:t>
+            </a:r>
+            <a:r>
+              <a:rPr lang="en-GB" sz="1600" strike="sngStrike" baseline="0" dirty="0">
+                <a:solidFill>
+                  <a:schemeClr val="bg1">
+                    <a:lumMod val="76000"/>
+                  </a:schemeClr>
+                </a:solidFill>
+                <a:latin typeface="Consolas"/>
+                <a:ea typeface="Arial"/>
+                <a:cs typeface="Arial"/>
+              </a:rPr>
+              <a:t> "metal*" </a:t>
+            </a:r>
+            <a:r>
+              <a:rPr lang="en-GB" sz="1600" b="1" strike="sngStrike" baseline="0" dirty="0">
+                <a:solidFill>
+                  <a:schemeClr val="bg1">
+                    <a:lumMod val="76000"/>
+                  </a:schemeClr>
+                </a:solidFill>
+                <a:latin typeface="Consolas"/>
+                <a:ea typeface="Arial"/>
+                <a:cs typeface="Arial"/>
+              </a:rPr>
+              <a:t>OR</a:t>
+            </a:r>
+            <a:r>
+              <a:rPr lang="en-GB" sz="1600" strike="sngStrike" baseline="0" dirty="0">
+                <a:solidFill>
+                  <a:schemeClr val="bg1">
+                    <a:lumMod val="76000"/>
+                  </a:schemeClr>
+                </a:solidFill>
+                <a:latin typeface="Consolas"/>
+                <a:ea typeface="Arial"/>
+                <a:cs typeface="Arial"/>
+              </a:rPr>
+              <a:t>  "alloy*" </a:t>
+            </a:r>
+            <a:r>
+              <a:rPr lang="en-GB" sz="1600" b="1" strike="sngStrike" baseline="0" dirty="0">
+                <a:solidFill>
+                  <a:schemeClr val="bg1">
+                    <a:lumMod val="76000"/>
+                  </a:schemeClr>
+                </a:solidFill>
+                <a:latin typeface="Consolas"/>
+                <a:ea typeface="Arial"/>
+                <a:cs typeface="Arial"/>
+              </a:rPr>
+              <a:t>OR</a:t>
+            </a:r>
+            <a:r>
+              <a:rPr lang="en-GB" sz="1600" strike="sngStrike" baseline="0" dirty="0">
+                <a:solidFill>
+                  <a:schemeClr val="bg1">
+                    <a:lumMod val="76000"/>
+                  </a:schemeClr>
+                </a:solidFill>
+                <a:latin typeface="Consolas"/>
+                <a:ea typeface="Arial"/>
+                <a:cs typeface="Arial"/>
+              </a:rPr>
+              <a:t> "cement*" </a:t>
+            </a:r>
+            <a:r>
+              <a:rPr lang="en-GB" sz="1600" b="1" strike="sngStrike" baseline="0" dirty="0">
+                <a:solidFill>
+                  <a:schemeClr val="bg1">
+                    <a:lumMod val="76000"/>
+                  </a:schemeClr>
+                </a:solidFill>
+                <a:latin typeface="Consolas"/>
+                <a:ea typeface="Arial"/>
+                <a:cs typeface="Arial"/>
+              </a:rPr>
+              <a:t>OR</a:t>
+            </a:r>
+            <a:r>
+              <a:rPr lang="en-GB" sz="1600" strike="sngStrike" baseline="0" dirty="0">
+                <a:solidFill>
+                  <a:schemeClr val="bg1">
+                    <a:lumMod val="76000"/>
+                  </a:schemeClr>
+                </a:solidFill>
+                <a:latin typeface="Consolas"/>
+                <a:ea typeface="Arial"/>
+                <a:cs typeface="Arial"/>
+              </a:rPr>
+              <a:t> "concrete*“</a:t>
+            </a:r>
+            <a:r>
+              <a:rPr lang="en-GB" sz="1600" baseline="0" dirty="0">
+                <a:solidFill>
+                  <a:schemeClr val="bg1">
+                    <a:lumMod val="76000"/>
+                  </a:schemeClr>
+                </a:solidFill>
+                <a:latin typeface="Consolas"/>
+                <a:ea typeface="Arial"/>
+                <a:cs typeface="Arial"/>
+              </a:rPr>
+              <a:t>)</a:t>
+            </a:r>
+            <a:endParaRPr lang="en-GB" sz="1600" dirty="0">
+              <a:solidFill>
+                <a:schemeClr val="bg1">
+                  <a:lumMod val="76000"/>
+                </a:schemeClr>
+              </a:solidFill>
+              <a:latin typeface="Consolas"/>
+              <a:cs typeface="Arial"/>
+            </a:endParaRPr>
+          </a:p>
+        </p:txBody>
+      </p:sp>
       <p:pic>
         <p:nvPicPr>
-          <p:cNvPr id="6" name="Inhaltsplatzhalter 5" descr="Ein Bild, das Text, Reihe, Diagramm, Screenshot enthält.&#10;&#10;Beschreibung automatisch generiert.">
+          <p:cNvPr id="7" name="Content Placeholder 6" descr="A graph of a number of publications&#10;&#10;Description automatically generated">
             <a:extLst>
               <a:ext uri="{FF2B5EF4-FFF2-40B4-BE49-F238E27FC236}">
-                <a16:creationId xmlns:a16="http://schemas.microsoft.com/office/drawing/2014/main" id="{ED0031ED-5354-027E-95B4-BE0D40A43108}"/>
+                <a16:creationId xmlns:a16="http://schemas.microsoft.com/office/drawing/2014/main" id="{43115BA7-3A9C-CCD7-4678-E0551D02A554}"/>
               </a:ext>
             </a:extLst>
           </p:cNvPr>
@@ -8200,288 +9544,6 @@
           </a:xfrm>
         </p:spPr>
       </p:pic>
-      <p:sp>
-        <p:nvSpPr>
-          <p:cNvPr id="4" name="Textfeld 3">
-            <a:extLst>
-              <a:ext uri="{FF2B5EF4-FFF2-40B4-BE49-F238E27FC236}">
-                <a16:creationId xmlns:a16="http://schemas.microsoft.com/office/drawing/2014/main" id="{4752414B-8212-4E79-D435-D34BDE5DD8A7}"/>
-              </a:ext>
-            </a:extLst>
-          </p:cNvPr>
-          <p:cNvSpPr txBox="1"/>
-          <p:nvPr/>
-        </p:nvSpPr>
-        <p:spPr>
-          <a:xfrm>
-            <a:off x="799557" y="5340803"/>
-            <a:ext cx="10521473" cy="584775"/>
-          </a:xfrm>
-          <a:prstGeom prst="rect">
-            <a:avLst/>
-          </a:prstGeom>
-          <a:noFill/>
-        </p:spPr>
-        <p:txBody>
-          <a:bodyPr rot="0" spcFirstLastPara="0" vertOverflow="overflow" horzOverflow="overflow" vert="horz" wrap="square" lIns="91440" tIns="45720" rIns="91440" bIns="45720" numCol="1" spcCol="0" rtlCol="0" fromWordArt="0" anchor="t" anchorCtr="0" forceAA="0" compatLnSpc="1">
-            <a:prstTxWarp prst="textNoShape">
-              <a:avLst/>
-            </a:prstTxWarp>
-            <a:spAutoFit/>
-          </a:bodyPr>
-          <a:lstStyle/>
-          <a:p>
-            <a:pPr algn="l"/>
-            <a:r>
-              <a:rPr lang="en-GB" sz="1600" b="1" baseline="0" dirty="0">
-                <a:solidFill>
-                  <a:srgbClr val="000080"/>
-                </a:solidFill>
-                <a:latin typeface="Consolas"/>
-                <a:ea typeface="Arial"/>
-                <a:cs typeface="Arial"/>
-              </a:rPr>
-              <a:t>AND</a:t>
-            </a:r>
-            <a:r>
-              <a:rPr lang="en-GB" sz="1600" baseline="0" dirty="0">
-                <a:latin typeface="Consolas"/>
-                <a:ea typeface="Arial"/>
-                <a:cs typeface="Arial"/>
-              </a:rPr>
-              <a:t> TS=</a:t>
-            </a:r>
-            <a:r>
-              <a:rPr lang="en-GB" sz="1600" baseline="0" dirty="0">
-                <a:solidFill>
-                  <a:schemeClr val="bg1">
-                    <a:lumMod val="76000"/>
-                  </a:schemeClr>
-                </a:solidFill>
-                <a:latin typeface="Consolas"/>
-                <a:ea typeface="Arial"/>
-                <a:cs typeface="Arial"/>
-              </a:rPr>
-              <a:t>(</a:t>
-            </a:r>
-            <a:r>
-              <a:rPr lang="en-GB" sz="1600" strike="sngStrike" baseline="0" dirty="0">
-                <a:solidFill>
-                  <a:schemeClr val="bg1">
-                    <a:lumMod val="76000"/>
-                  </a:schemeClr>
-                </a:solidFill>
-                <a:latin typeface="Consolas"/>
-                <a:ea typeface="Arial"/>
-                <a:cs typeface="Arial"/>
-              </a:rPr>
-              <a:t>"material*" </a:t>
-            </a:r>
-            <a:r>
-              <a:rPr lang="en-GB" sz="1600" b="1" strike="sngStrike" baseline="0" dirty="0">
-                <a:solidFill>
-                  <a:schemeClr val="bg1">
-                    <a:lumMod val="76000"/>
-                  </a:schemeClr>
-                </a:solidFill>
-                <a:latin typeface="Consolas"/>
-                <a:ea typeface="Arial"/>
-                <a:cs typeface="Arial"/>
-              </a:rPr>
-              <a:t>OR</a:t>
-            </a:r>
-            <a:r>
-              <a:rPr lang="en-GB" sz="1600" strike="sngStrike" baseline="0" dirty="0">
-                <a:solidFill>
-                  <a:schemeClr val="bg1">
-                    <a:lumMod val="76000"/>
-                  </a:schemeClr>
-                </a:solidFill>
-                <a:latin typeface="Consolas"/>
-                <a:ea typeface="Arial"/>
-                <a:cs typeface="Arial"/>
-              </a:rPr>
-              <a:t> "polymer*" </a:t>
-            </a:r>
-            <a:r>
-              <a:rPr lang="en-GB" sz="1600" b="1" strike="sngStrike" baseline="0" dirty="0">
-                <a:solidFill>
-                  <a:schemeClr val="bg1">
-                    <a:lumMod val="76000"/>
-                  </a:schemeClr>
-                </a:solidFill>
-                <a:latin typeface="Consolas"/>
-                <a:ea typeface="Arial"/>
-                <a:cs typeface="Arial"/>
-              </a:rPr>
-              <a:t>OR</a:t>
-            </a:r>
-            <a:r>
-              <a:rPr lang="en-GB" sz="1600" strike="sngStrike" baseline="0" dirty="0">
-                <a:solidFill>
-                  <a:schemeClr val="bg1">
-                    <a:lumMod val="76000"/>
-                  </a:schemeClr>
-                </a:solidFill>
-                <a:latin typeface="Consolas"/>
-                <a:ea typeface="Arial"/>
-                <a:cs typeface="Arial"/>
-              </a:rPr>
-              <a:t> "composite*" </a:t>
-            </a:r>
-            <a:r>
-              <a:rPr lang="en-GB" sz="1600" b="1" strike="sngStrike" baseline="0" dirty="0">
-                <a:solidFill>
-                  <a:schemeClr val="bg1">
-                    <a:lumMod val="76000"/>
-                  </a:schemeClr>
-                </a:solidFill>
-                <a:latin typeface="Consolas"/>
-                <a:ea typeface="Arial"/>
-                <a:cs typeface="Arial"/>
-              </a:rPr>
-              <a:t>OR</a:t>
-            </a:r>
-            <a:r>
-              <a:rPr lang="en-GB" sz="1600" baseline="0" dirty="0">
-                <a:solidFill>
-                  <a:srgbClr val="FF0000"/>
-                </a:solidFill>
-                <a:latin typeface="Consolas"/>
-                <a:ea typeface="Arial"/>
-                <a:cs typeface="Arial"/>
-              </a:rPr>
-              <a:t> "ceramic*" </a:t>
-            </a:r>
-            <a:r>
-              <a:rPr lang="en-GB" sz="1600" b="1" strike="sngStrike" baseline="0" dirty="0">
-                <a:solidFill>
-                  <a:schemeClr val="bg1">
-                    <a:lumMod val="76000"/>
-                  </a:schemeClr>
-                </a:solidFill>
-                <a:latin typeface="Consolas"/>
-                <a:ea typeface="Arial"/>
-                <a:cs typeface="Arial"/>
-              </a:rPr>
-              <a:t>OR</a:t>
-            </a:r>
-            <a:r>
-              <a:rPr lang="en-GB" sz="1600" strike="sngStrike" baseline="0" dirty="0">
-                <a:solidFill>
-                  <a:schemeClr val="bg1">
-                    <a:lumMod val="76000"/>
-                  </a:schemeClr>
-                </a:solidFill>
-                <a:latin typeface="Consolas"/>
-                <a:ea typeface="Arial"/>
-                <a:cs typeface="Arial"/>
-              </a:rPr>
-              <a:t> "metal*" </a:t>
-            </a:r>
-            <a:r>
-              <a:rPr lang="en-GB" sz="1600" b="1" strike="sngStrike" baseline="0" dirty="0">
-                <a:solidFill>
-                  <a:schemeClr val="bg1">
-                    <a:lumMod val="76000"/>
-                  </a:schemeClr>
-                </a:solidFill>
-                <a:latin typeface="Consolas"/>
-                <a:ea typeface="Arial"/>
-                <a:cs typeface="Arial"/>
-              </a:rPr>
-              <a:t>OR</a:t>
-            </a:r>
-            <a:r>
-              <a:rPr lang="en-GB" sz="1600" strike="sngStrike" baseline="0" dirty="0">
-                <a:solidFill>
-                  <a:schemeClr val="bg1">
-                    <a:lumMod val="76000"/>
-                  </a:schemeClr>
-                </a:solidFill>
-                <a:latin typeface="Consolas"/>
-                <a:ea typeface="Arial"/>
-                <a:cs typeface="Arial"/>
-              </a:rPr>
-              <a:t>  "alloy*" </a:t>
-            </a:r>
-            <a:r>
-              <a:rPr lang="en-GB" sz="1600" b="1" strike="sngStrike" baseline="0" dirty="0">
-                <a:solidFill>
-                  <a:schemeClr val="bg1">
-                    <a:lumMod val="76000"/>
-                  </a:schemeClr>
-                </a:solidFill>
-                <a:latin typeface="Consolas"/>
-                <a:ea typeface="Arial"/>
-                <a:cs typeface="Arial"/>
-              </a:rPr>
-              <a:t>OR</a:t>
-            </a:r>
-            <a:r>
-              <a:rPr lang="en-GB" sz="1600" strike="sngStrike" baseline="0" dirty="0">
-                <a:solidFill>
-                  <a:schemeClr val="bg1">
-                    <a:lumMod val="76000"/>
-                  </a:schemeClr>
-                </a:solidFill>
-                <a:latin typeface="Consolas"/>
-                <a:ea typeface="Arial"/>
-                <a:cs typeface="Arial"/>
-              </a:rPr>
-              <a:t> "cement*" </a:t>
-            </a:r>
-            <a:r>
-              <a:rPr lang="en-GB" sz="1600" b="1" strike="sngStrike" baseline="0" dirty="0">
-                <a:solidFill>
-                  <a:schemeClr val="bg1">
-                    <a:lumMod val="76000"/>
-                  </a:schemeClr>
-                </a:solidFill>
-                <a:latin typeface="Consolas"/>
-                <a:ea typeface="Arial"/>
-                <a:cs typeface="Arial"/>
-              </a:rPr>
-              <a:t>OR</a:t>
-            </a:r>
-            <a:r>
-              <a:rPr lang="en-GB" sz="1600" strike="sngStrike" baseline="0" dirty="0">
-                <a:solidFill>
-                  <a:schemeClr val="bg1">
-                    <a:lumMod val="76000"/>
-                  </a:schemeClr>
-                </a:solidFill>
-                <a:latin typeface="Consolas"/>
-                <a:ea typeface="Arial"/>
-                <a:cs typeface="Arial"/>
-              </a:rPr>
-              <a:t> "concrete*“</a:t>
-            </a:r>
-            <a:r>
-              <a:rPr lang="en-GB" sz="1600" baseline="0" dirty="0">
-                <a:solidFill>
-                  <a:schemeClr val="bg1">
-                    <a:lumMod val="76000"/>
-                  </a:schemeClr>
-                </a:solidFill>
-                <a:latin typeface="Consolas"/>
-                <a:ea typeface="Arial"/>
-                <a:cs typeface="Arial"/>
-              </a:rPr>
-              <a:t>)</a:t>
-            </a:r>
-            <a:endParaRPr lang="en-GB" sz="1600" dirty="0">
-              <a:solidFill>
-                <a:schemeClr val="bg1">
-                  <a:lumMod val="76000"/>
-                </a:schemeClr>
-              </a:solidFill>
-              <a:latin typeface="Consolas"/>
-              <a:cs typeface="Arial"/>
-            </a:endParaRPr>
-          </a:p>
-        </p:txBody>
-      </p:sp>
     </p:spTree>
     <p:extLst>
       <p:ext uri="{BB962C8B-B14F-4D97-AF65-F5344CB8AC3E}">
@@ -8542,16 +9604,8 @@
           <a:p>
             <a:r>
               <a:rPr lang="en-GB" dirty="0"/>
-              <a:t>Number of annual publications for different material types</a:t>
-            </a:r>
-            <a:br>
-              <a:rPr lang="en-GB" dirty="0"/>
-            </a:br>
-            <a:r>
-              <a:rPr lang="en-GB" dirty="0"/>
-              <a:t>(cumulative)</a:t>
-            </a:r>
-            <a:endParaRPr lang="en-US" dirty="0"/>
+              <a:t>Number of annual publications expected to further grow</a:t>
+            </a:r>
           </a:p>
         </p:txBody>
       </p:sp>
@@ -8619,10 +9673,10 @@
       </p:sp>
       <p:pic>
         <p:nvPicPr>
-          <p:cNvPr id="7" name="Inhaltsplatzhalter 6" descr="Ein Bild, das Text, Screenshot, Reihe, Diagramm enthält.&#10;&#10;Beschreibung automatisch generiert.">
+          <p:cNvPr id="5" name="Content Placeholder 4" descr="A graph with numbers and lines&#10;&#10;Description automatically generated">
             <a:extLst>
               <a:ext uri="{FF2B5EF4-FFF2-40B4-BE49-F238E27FC236}">
-                <a16:creationId xmlns:a16="http://schemas.microsoft.com/office/drawing/2014/main" id="{877150A0-4063-5034-D87C-B34E8F9C6B2E}"/>
+                <a16:creationId xmlns:a16="http://schemas.microsoft.com/office/drawing/2014/main" id="{B4D2E8F1-910B-400A-110A-F3E1ED93E624}"/>
               </a:ext>
             </a:extLst>
           </p:cNvPr>
@@ -8706,7 +9760,7 @@
           <a:p>
             <a:r>
               <a:rPr lang="en-GB" dirty="0"/>
-              <a:t>Histogram for number of publications per Institute</a:t>
+              <a:t>Analysis of affiliations</a:t>
             </a:r>
           </a:p>
         </p:txBody>
@@ -8762,7 +9816,7 @@
             </a:pPr>
             <a:r>
               <a:rPr lang="en-GB" dirty="0"/>
-              <a:t>Look at top institutes for polymers on next slide</a:t>
+              <a:t>All institutes that research polymers have published more than 10 papers on the topic already</a:t>
             </a:r>
           </a:p>
           <a:p>
@@ -8771,8 +9825,12 @@
             </a:pPr>
             <a:r>
               <a:rPr lang="en-GB" dirty="0"/>
-              <a:t>Assumption: No less than 10 publications for polymers per institute because of limited data from 2015 to 2025</a:t>
-            </a:r>
+              <a:t>Look at top institutes for polymers on next slide</a:t>
+            </a:r>
+            <a:endParaRPr lang="en-GB"/>
+          </a:p>
+          <a:p>
+            <a:endParaRPr lang="en-GB" dirty="0"/>
           </a:p>
           <a:p>
             <a:pPr marL="285750" indent="-285750">

--- a/presentation/DataDrivenForesight.pptx
+++ b/presentation/DataDrivenForesight.pptx
@@ -15,15 +15,15 @@
     <p:sldId id="259" r:id="rId9"/>
     <p:sldId id="260" r:id="rId10"/>
     <p:sldId id="279" r:id="rId11"/>
-    <p:sldId id="278" r:id="rId12"/>
-    <p:sldId id="261" r:id="rId13"/>
-    <p:sldId id="277" r:id="rId14"/>
-    <p:sldId id="262" r:id="rId15"/>
-    <p:sldId id="263" r:id="rId16"/>
-    <p:sldId id="265" r:id="rId17"/>
-    <p:sldId id="266" r:id="rId18"/>
-    <p:sldId id="269" r:id="rId19"/>
-    <p:sldId id="270" r:id="rId20"/>
+    <p:sldId id="281" r:id="rId12"/>
+    <p:sldId id="278" r:id="rId13"/>
+    <p:sldId id="261" r:id="rId14"/>
+    <p:sldId id="277" r:id="rId15"/>
+    <p:sldId id="262" r:id="rId16"/>
+    <p:sldId id="263" r:id="rId17"/>
+    <p:sldId id="265" r:id="rId18"/>
+    <p:sldId id="266" r:id="rId19"/>
+    <p:sldId id="280" r:id="rId20"/>
     <p:sldId id="271" r:id="rId21"/>
   </p:sldIdLst>
   <p:sldSz cx="12192000" cy="6858000"/>
@@ -134,7 +134,8 @@
 <file path=ppt/revisionInfo.xml><?xml version="1.0" encoding="utf-8"?>
 <p1510:revInfo xmlns:a="http://schemas.openxmlformats.org/drawingml/2006/main" xmlns:r="http://schemas.openxmlformats.org/officeDocument/2006/relationships" xmlns:p1510="http://schemas.microsoft.com/office/powerpoint/2015/10/main">
   <p1510:revLst>
-    <p1510:client id="{6901E9F8-7762-69A4-839D-98505DAC4062}" v="397" dt="2025-01-09T15:05:35.123"/>
+    <p1510:client id="{6901E9F8-7762-69A4-839D-98505DAC4062}" v="409" dt="2025-01-09T15:06:13.046"/>
+    <p1510:client id="{E3EB7CE3-B7CF-A62C-CCB9-60DEDDC237EE}" v="203" dt="2025-01-09T15:10:06.339"/>
   </p1510:revLst>
 </p1510:revInfo>
 </file>
@@ -143,8 +144,8 @@
 <pc:chgInfo xmlns:a="http://schemas.openxmlformats.org/drawingml/2006/main" xmlns:r="http://schemas.openxmlformats.org/officeDocument/2006/relationships" xmlns:ac="http://schemas.microsoft.com/office/drawing/2013/main/command" xmlns:pc="http://schemas.microsoft.com/office/powerpoint/2013/main/command">
   <pc:docChgLst>
     <pc:chgData name="Georg P" userId="53d5f090c11d6345" providerId="Windows Live" clId="Web-{6901E9F8-7762-69A4-839D-98505DAC4062}"/>
-    <pc:docChg chg="addSld modSld sldOrd">
-      <pc:chgData name="Georg P" userId="53d5f090c11d6345" providerId="Windows Live" clId="Web-{6901E9F8-7762-69A4-839D-98505DAC4062}" dt="2025-01-09T15:05:34.841" v="373" actId="20577"/>
+    <pc:docChg chg="addSld delSld modSld sldOrd">
+      <pc:chgData name="Georg P" userId="53d5f090c11d6345" providerId="Windows Live" clId="Web-{6901E9F8-7762-69A4-839D-98505DAC4062}" dt="2025-01-09T15:06:11.561" v="382"/>
       <pc:docMkLst>
         <pc:docMk/>
       </pc:docMkLst>
@@ -357,6 +358,82 @@
             <ac:picMk id="10" creationId="{C558C557-7972-C7A9-F5D7-43281D2AD907}"/>
           </ac:picMkLst>
         </pc:picChg>
+      </pc:sldChg>
+      <pc:sldChg chg="addSp delSp modSp">
+        <pc:chgData name="Georg P" userId="53d5f090c11d6345" providerId="Windows Live" clId="Web-{6901E9F8-7762-69A4-839D-98505DAC4062}" dt="2025-01-09T15:05:46.545" v="375"/>
+        <pc:sldMkLst>
+          <pc:docMk/>
+          <pc:sldMk cId="233784213" sldId="265"/>
+        </pc:sldMkLst>
+        <pc:spChg chg="add del mod">
+          <ac:chgData name="Georg P" userId="53d5f090c11d6345" providerId="Windows Live" clId="Web-{6901E9F8-7762-69A4-839D-98505DAC4062}" dt="2025-01-09T15:05:46.545" v="375"/>
+          <ac:spMkLst>
+            <pc:docMk/>
+            <pc:sldMk cId="233784213" sldId="265"/>
+            <ac:spMk id="3" creationId="{370B7CDF-CE2B-4C48-9081-608E798095FF}"/>
+          </ac:spMkLst>
+        </pc:spChg>
+        <pc:picChg chg="add mod ord">
+          <ac:chgData name="Georg P" userId="53d5f090c11d6345" providerId="Windows Live" clId="Web-{6901E9F8-7762-69A4-839D-98505DAC4062}" dt="2025-01-09T15:05:46.545" v="375"/>
+          <ac:picMkLst>
+            <pc:docMk/>
+            <pc:sldMk cId="233784213" sldId="265"/>
+            <ac:picMk id="5" creationId="{E5140478-E8F8-31CF-8577-F7625D55D1AA}"/>
+          </ac:picMkLst>
+        </pc:picChg>
+        <pc:picChg chg="del">
+          <ac:chgData name="Georg P" userId="53d5f090c11d6345" providerId="Windows Live" clId="Web-{6901E9F8-7762-69A4-839D-98505DAC4062}" dt="2025-01-09T15:05:44.060" v="374"/>
+          <ac:picMkLst>
+            <pc:docMk/>
+            <pc:sldMk cId="233784213" sldId="265"/>
+            <ac:picMk id="12" creationId="{6FC40EEA-592C-668A-0F4D-CC47AC3839DF}"/>
+          </ac:picMkLst>
+        </pc:picChg>
+      </pc:sldChg>
+      <pc:sldChg chg="addSp delSp modSp">
+        <pc:chgData name="Georg P" userId="53d5f090c11d6345" providerId="Windows Live" clId="Web-{6901E9F8-7762-69A4-839D-98505DAC4062}" dt="2025-01-09T15:05:54.217" v="377"/>
+        <pc:sldMkLst>
+          <pc:docMk/>
+          <pc:sldMk cId="3666487214" sldId="266"/>
+        </pc:sldMkLst>
+        <pc:spChg chg="add del mod">
+          <ac:chgData name="Georg P" userId="53d5f090c11d6345" providerId="Windows Live" clId="Web-{6901E9F8-7762-69A4-839D-98505DAC4062}" dt="2025-01-09T15:05:54.217" v="377"/>
+          <ac:spMkLst>
+            <pc:docMk/>
+            <pc:sldMk cId="3666487214" sldId="266"/>
+            <ac:spMk id="5" creationId="{AB6FE34F-6C35-A582-E4BD-0F243A792637}"/>
+          </ac:spMkLst>
+        </pc:spChg>
+        <pc:picChg chg="add mod ord">
+          <ac:chgData name="Georg P" userId="53d5f090c11d6345" providerId="Windows Live" clId="Web-{6901E9F8-7762-69A4-839D-98505DAC4062}" dt="2025-01-09T15:05:54.217" v="377"/>
+          <ac:picMkLst>
+            <pc:docMk/>
+            <pc:sldMk cId="3666487214" sldId="266"/>
+            <ac:picMk id="6" creationId="{9D3E5814-5C9A-7F41-EC8B-5C35FFDDB850}"/>
+          </ac:picMkLst>
+        </pc:picChg>
+        <pc:picChg chg="del">
+          <ac:chgData name="Georg P" userId="53d5f090c11d6345" providerId="Windows Live" clId="Web-{6901E9F8-7762-69A4-839D-98505DAC4062}" dt="2025-01-09T15:05:52.857" v="376"/>
+          <ac:picMkLst>
+            <pc:docMk/>
+            <pc:sldMk cId="3666487214" sldId="266"/>
+            <ac:picMk id="7" creationId="{19EA9D37-D23E-EE12-4ACB-031C10461D17}"/>
+          </ac:picMkLst>
+        </pc:picChg>
+      </pc:sldChg>
+      <pc:sldChg chg="del">
+        <pc:chgData name="Georg P" userId="53d5f090c11d6345" providerId="Windows Live" clId="Web-{6901E9F8-7762-69A4-839D-98505DAC4062}" dt="2025-01-09T15:06:01.483" v="378"/>
+        <pc:sldMkLst>
+          <pc:docMk/>
+          <pc:sldMk cId="3793083112" sldId="269"/>
+        </pc:sldMkLst>
+      </pc:sldChg>
+      <pc:sldChg chg="del">
+        <pc:chgData name="Georg P" userId="53d5f090c11d6345" providerId="Windows Live" clId="Web-{6901E9F8-7762-69A4-839D-98505DAC4062}" dt="2025-01-09T15:06:02.405" v="379"/>
+        <pc:sldMkLst>
+          <pc:docMk/>
+          <pc:sldMk cId="1780811718" sldId="270"/>
+        </pc:sldMkLst>
       </pc:sldChg>
       <pc:sldChg chg="addSp delSp modSp">
         <pc:chgData name="Georg P" userId="53d5f090c11d6345" providerId="Windows Live" clId="Web-{6901E9F8-7762-69A4-839D-98505DAC4062}" dt="2025-01-09T14:48:58.181" v="119" actId="20577"/>
@@ -735,6 +812,153 @@
           </ac:picMkLst>
         </pc:picChg>
       </pc:sldChg>
+      <pc:sldChg chg="addSp delSp modSp add replId">
+        <pc:chgData name="Georg P" userId="53d5f090c11d6345" providerId="Windows Live" clId="Web-{6901E9F8-7762-69A4-839D-98505DAC4062}" dt="2025-01-09T15:06:11.561" v="382"/>
+        <pc:sldMkLst>
+          <pc:docMk/>
+          <pc:sldMk cId="247480324" sldId="280"/>
+        </pc:sldMkLst>
+        <pc:spChg chg="add del mod">
+          <ac:chgData name="Georg P" userId="53d5f090c11d6345" providerId="Windows Live" clId="Web-{6901E9F8-7762-69A4-839D-98505DAC4062}" dt="2025-01-09T15:06:11.561" v="382"/>
+          <ac:spMkLst>
+            <pc:docMk/>
+            <pc:sldMk cId="247480324" sldId="280"/>
+            <ac:spMk id="5" creationId="{8A82E71C-A802-AF6C-0C60-B1465F76E234}"/>
+          </ac:spMkLst>
+        </pc:spChg>
+        <pc:picChg chg="del">
+          <ac:chgData name="Georg P" userId="53d5f090c11d6345" providerId="Windows Live" clId="Web-{6901E9F8-7762-69A4-839D-98505DAC4062}" dt="2025-01-09T15:06:07.920" v="381"/>
+          <ac:picMkLst>
+            <pc:docMk/>
+            <pc:sldMk cId="247480324" sldId="280"/>
+            <ac:picMk id="6" creationId="{9D3E5814-5C9A-7F41-EC8B-5C35FFDDB850}"/>
+          </ac:picMkLst>
+        </pc:picChg>
+        <pc:picChg chg="add mod ord">
+          <ac:chgData name="Georg P" userId="53d5f090c11d6345" providerId="Windows Live" clId="Web-{6901E9F8-7762-69A4-839D-98505DAC4062}" dt="2025-01-09T15:06:11.561" v="382"/>
+          <ac:picMkLst>
+            <pc:docMk/>
+            <pc:sldMk cId="247480324" sldId="280"/>
+            <ac:picMk id="7" creationId="{2E12B85E-2AB5-43B1-0DA4-A44F1B6A085E}"/>
+          </ac:picMkLst>
+        </pc:picChg>
+      </pc:sldChg>
+    </pc:docChg>
+  </pc:docChgLst>
+  <pc:docChgLst>
+    <pc:chgData name="Georg P" userId="53d5f090c11d6345" providerId="Windows Live" clId="Web-{E3EB7CE3-B7CF-A62C-CCB9-60DEDDC237EE}"/>
+    <pc:docChg chg="addSld modSld sldOrd">
+      <pc:chgData name="Georg P" userId="53d5f090c11d6345" providerId="Windows Live" clId="Web-{E3EB7CE3-B7CF-A62C-CCB9-60DEDDC237EE}" dt="2025-01-09T15:10:04.901" v="120" actId="20577"/>
+      <pc:docMkLst>
+        <pc:docMk/>
+      </pc:docMkLst>
+      <pc:sldChg chg="addSp modSp">
+        <pc:chgData name="Georg P" userId="53d5f090c11d6345" providerId="Windows Live" clId="Web-{E3EB7CE3-B7CF-A62C-CCB9-60DEDDC237EE}" dt="2025-01-09T15:09:53.119" v="103" actId="1076"/>
+        <pc:sldMkLst>
+          <pc:docMk/>
+          <pc:sldMk cId="3666487214" sldId="266"/>
+        </pc:sldMkLst>
+        <pc:spChg chg="add mod">
+          <ac:chgData name="Georg P" userId="53d5f090c11d6345" providerId="Windows Live" clId="Web-{E3EB7CE3-B7CF-A62C-CCB9-60DEDDC237EE}" dt="2025-01-09T15:09:53.119" v="103" actId="1076"/>
+          <ac:spMkLst>
+            <pc:docMk/>
+            <pc:sldMk cId="3666487214" sldId="266"/>
+            <ac:spMk id="5" creationId="{9FE5F8D1-AC54-3C3F-FF5D-3996FB214FDD}"/>
+          </ac:spMkLst>
+        </pc:spChg>
+      </pc:sldChg>
+      <pc:sldChg chg="addSp modSp">
+        <pc:chgData name="Georg P" userId="53d5f090c11d6345" providerId="Windows Live" clId="Web-{E3EB7CE3-B7CF-A62C-CCB9-60DEDDC237EE}" dt="2025-01-09T15:10:04.901" v="120" actId="20577"/>
+        <pc:sldMkLst>
+          <pc:docMk/>
+          <pc:sldMk cId="2724192011" sldId="271"/>
+        </pc:sldMkLst>
+        <pc:spChg chg="add mod">
+          <ac:chgData name="Georg P" userId="53d5f090c11d6345" providerId="Windows Live" clId="Web-{E3EB7CE3-B7CF-A62C-CCB9-60DEDDC237EE}" dt="2025-01-09T15:10:04.901" v="120" actId="20577"/>
+          <ac:spMkLst>
+            <pc:docMk/>
+            <pc:sldMk cId="2724192011" sldId="271"/>
+            <ac:spMk id="5" creationId="{ACD473AE-AD85-438B-5D31-23FA612120E3}"/>
+          </ac:spMkLst>
+        </pc:spChg>
+      </pc:sldChg>
+      <pc:sldChg chg="addSp modSp">
+        <pc:chgData name="Georg P" userId="53d5f090c11d6345" providerId="Windows Live" clId="Web-{E3EB7CE3-B7CF-A62C-CCB9-60DEDDC237EE}" dt="2025-01-09T15:09:01.071" v="34" actId="1076"/>
+        <pc:sldMkLst>
+          <pc:docMk/>
+          <pc:sldMk cId="767064345" sldId="273"/>
+        </pc:sldMkLst>
+        <pc:spChg chg="mod">
+          <ac:chgData name="Georg P" userId="53d5f090c11d6345" providerId="Windows Live" clId="Web-{E3EB7CE3-B7CF-A62C-CCB9-60DEDDC237EE}" dt="2025-01-09T15:08:11.663" v="10" actId="1076"/>
+          <ac:spMkLst>
+            <pc:docMk/>
+            <pc:sldMk cId="767064345" sldId="273"/>
+            <ac:spMk id="2" creationId="{20FC69B5-48D2-4C14-C348-CFC4931FD38A}"/>
+          </ac:spMkLst>
+        </pc:spChg>
+        <pc:spChg chg="mod">
+          <ac:chgData name="Georg P" userId="53d5f090c11d6345" providerId="Windows Live" clId="Web-{E3EB7CE3-B7CF-A62C-CCB9-60DEDDC237EE}" dt="2025-01-09T15:08:24.789" v="15" actId="20577"/>
+          <ac:spMkLst>
+            <pc:docMk/>
+            <pc:sldMk cId="767064345" sldId="273"/>
+            <ac:spMk id="3" creationId="{4CE6DA70-5ED9-740E-8B84-BA7E3A128781}"/>
+          </ac:spMkLst>
+        </pc:spChg>
+        <pc:spChg chg="add mod">
+          <ac:chgData name="Georg P" userId="53d5f090c11d6345" providerId="Windows Live" clId="Web-{E3EB7CE3-B7CF-A62C-CCB9-60DEDDC237EE}" dt="2025-01-09T15:09:01.071" v="34" actId="1076"/>
+          <ac:spMkLst>
+            <pc:docMk/>
+            <pc:sldMk cId="767064345" sldId="273"/>
+            <ac:spMk id="6" creationId="{8DBD5D5B-06F5-213F-4F9C-2CD752AA9F26}"/>
+          </ac:spMkLst>
+        </pc:spChg>
+        <pc:grpChg chg="mod">
+          <ac:chgData name="Georg P" userId="53d5f090c11d6345" providerId="Windows Live" clId="Web-{E3EB7CE3-B7CF-A62C-CCB9-60DEDDC237EE}" dt="2025-01-09T15:08:22.023" v="12" actId="1076"/>
+          <ac:grpSpMkLst>
+            <pc:docMk/>
+            <pc:sldMk cId="767064345" sldId="273"/>
+            <ac:grpSpMk id="5" creationId="{334D4C06-04BE-E866-15BB-83A88A253F92}"/>
+          </ac:grpSpMkLst>
+        </pc:grpChg>
+        <pc:graphicFrameChg chg="mod modGraphic">
+          <ac:chgData name="Georg P" userId="53d5f090c11d6345" providerId="Windows Live" clId="Web-{E3EB7CE3-B7CF-A62C-CCB9-60DEDDC237EE}" dt="2025-01-09T15:08:21.976" v="11" actId="1076"/>
+          <ac:graphicFrameMkLst>
+            <pc:docMk/>
+            <pc:sldMk cId="767064345" sldId="273"/>
+            <ac:graphicFrameMk id="4" creationId="{2D65E9D7-338B-87D8-49A4-7D5A32E7A8ED}"/>
+          </ac:graphicFrameMkLst>
+        </pc:graphicFrameChg>
+      </pc:sldChg>
+      <pc:sldChg chg="addSp modSp">
+        <pc:chgData name="Georg P" userId="53d5f090c11d6345" providerId="Windows Live" clId="Web-{E3EB7CE3-B7CF-A62C-CCB9-60DEDDC237EE}" dt="2025-01-09T15:09:56.354" v="105" actId="1076"/>
+        <pc:sldMkLst>
+          <pc:docMk/>
+          <pc:sldMk cId="247480324" sldId="280"/>
+        </pc:sldMkLst>
+        <pc:spChg chg="add mod">
+          <ac:chgData name="Georg P" userId="53d5f090c11d6345" providerId="Windows Live" clId="Web-{E3EB7CE3-B7CF-A62C-CCB9-60DEDDC237EE}" dt="2025-01-09T15:09:56.354" v="105" actId="1076"/>
+          <ac:spMkLst>
+            <pc:docMk/>
+            <pc:sldMk cId="247480324" sldId="280"/>
+            <ac:spMk id="5" creationId="{37A8797B-7C54-DF99-34BB-B5AD38258131}"/>
+          </ac:spMkLst>
+        </pc:spChg>
+      </pc:sldChg>
+      <pc:sldChg chg="addSp modSp new ord">
+        <pc:chgData name="Georg P" userId="53d5f090c11d6345" providerId="Windows Live" clId="Web-{E3EB7CE3-B7CF-A62C-CCB9-60DEDDC237EE}" dt="2025-01-09T15:09:42.994" v="101" actId="1076"/>
+        <pc:sldMkLst>
+          <pc:docMk/>
+          <pc:sldMk cId="341005238" sldId="281"/>
+        </pc:sldMkLst>
+        <pc:spChg chg="add mod">
+          <ac:chgData name="Georg P" userId="53d5f090c11d6345" providerId="Windows Live" clId="Web-{E3EB7CE3-B7CF-A62C-CCB9-60DEDDC237EE}" dt="2025-01-09T15:09:42.994" v="101" actId="1076"/>
+          <ac:spMkLst>
+            <pc:docMk/>
+            <pc:sldMk cId="341005238" sldId="281"/>
+            <ac:spMk id="5" creationId="{1DB0201F-29C5-2B46-8740-EC9900921B7F}"/>
+          </ac:spMkLst>
+        </pc:spChg>
+      </pc:sldChg>
     </pc:docChg>
   </pc:docChgLst>
 </pc:chgInfo>
@@ -785,7 +1009,6 @@
               <a:rPr lang="en-GB"/>
               <a:t>Click to edit Master title style</a:t>
             </a:r>
-            <a:endParaRPr lang="en-GB" dirty="0"/>
           </a:p>
         </p:txBody>
       </p:sp>
@@ -850,7 +1073,6 @@
               <a:rPr lang="en-GB"/>
               <a:t>Click to edit Master subtitle style</a:t>
             </a:r>
-            <a:endParaRPr lang="en-GB" dirty="0"/>
           </a:p>
         </p:txBody>
       </p:sp>
@@ -968,7 +1190,6 @@
               <a:rPr lang="en-GB"/>
               <a:t>Click to edit Master title style</a:t>
             </a:r>
-            <a:endParaRPr lang="en-GB" dirty="0"/>
           </a:p>
         </p:txBody>
       </p:sp>
@@ -1020,7 +1241,6 @@
               <a:rPr lang="en-GB"/>
               <a:t>Fifth level</a:t>
             </a:r>
-            <a:endParaRPr lang="en-GB" dirty="0"/>
           </a:p>
         </p:txBody>
       </p:sp>
@@ -1143,7 +1363,6 @@
               <a:rPr lang="en-GB"/>
               <a:t>Click to edit Master title style</a:t>
             </a:r>
-            <a:endParaRPr lang="en-GB" dirty="0"/>
           </a:p>
         </p:txBody>
       </p:sp>
@@ -1200,7 +1419,6 @@
               <a:rPr lang="en-GB"/>
               <a:t>Fifth level</a:t>
             </a:r>
-            <a:endParaRPr lang="en-GB" dirty="0"/>
           </a:p>
         </p:txBody>
       </p:sp>
@@ -1318,7 +1536,6 @@
               <a:rPr lang="en-GB"/>
               <a:t>Click to edit Master title style</a:t>
             </a:r>
-            <a:endParaRPr lang="en-GB" dirty="0"/>
           </a:p>
         </p:txBody>
       </p:sp>
@@ -1370,7 +1587,6 @@
               <a:rPr lang="en-GB"/>
               <a:t>Fifth level</a:t>
             </a:r>
-            <a:endParaRPr lang="en-GB" dirty="0"/>
           </a:p>
         </p:txBody>
       </p:sp>
@@ -1497,7 +1713,6 @@
               <a:rPr lang="en-GB"/>
               <a:t>Click to edit Master title style</a:t>
             </a:r>
-            <a:endParaRPr lang="en-GB" dirty="0"/>
           </a:p>
         </p:txBody>
       </p:sp>
@@ -1734,7 +1949,6 @@
               <a:rPr lang="en-GB"/>
               <a:t>Click to edit Master title style</a:t>
             </a:r>
-            <a:endParaRPr lang="en-GB" dirty="0"/>
           </a:p>
         </p:txBody>
       </p:sp>
@@ -1791,7 +2005,6 @@
               <a:rPr lang="en-GB"/>
               <a:t>Fifth level</a:t>
             </a:r>
-            <a:endParaRPr lang="en-GB" dirty="0"/>
           </a:p>
         </p:txBody>
       </p:sp>
@@ -1848,7 +2061,6 @@
               <a:rPr lang="en-GB"/>
               <a:t>Fifth level</a:t>
             </a:r>
-            <a:endParaRPr lang="en-GB" dirty="0"/>
           </a:p>
         </p:txBody>
       </p:sp>
@@ -1971,7 +2183,6 @@
               <a:rPr lang="en-GB"/>
               <a:t>Click to edit Master title style</a:t>
             </a:r>
-            <a:endParaRPr lang="en-GB" dirty="0"/>
           </a:p>
         </p:txBody>
       </p:sp>
@@ -2093,7 +2304,6 @@
               <a:rPr lang="en-GB"/>
               <a:t>Fifth level</a:t>
             </a:r>
-            <a:endParaRPr lang="en-GB" dirty="0"/>
           </a:p>
         </p:txBody>
       </p:sp>
@@ -2215,7 +2425,6 @@
               <a:rPr lang="en-GB"/>
               <a:t>Fifth level</a:t>
             </a:r>
-            <a:endParaRPr lang="en-GB" dirty="0"/>
           </a:p>
         </p:txBody>
       </p:sp>
@@ -2333,7 +2542,6 @@
               <a:rPr lang="en-GB"/>
               <a:t>Click to edit Master title style</a:t>
             </a:r>
-            <a:endParaRPr lang="en-GB" dirty="0"/>
           </a:p>
         </p:txBody>
       </p:sp>
@@ -2555,7 +2763,6 @@
               <a:rPr lang="en-GB"/>
               <a:t>Click to edit Master title style</a:t>
             </a:r>
-            <a:endParaRPr lang="en-GB" dirty="0"/>
           </a:p>
         </p:txBody>
       </p:sp>
@@ -2640,7 +2847,6 @@
               <a:rPr lang="en-GB"/>
               <a:t>Fifth level</a:t>
             </a:r>
-            <a:endParaRPr lang="en-GB" dirty="0"/>
           </a:p>
         </p:txBody>
       </p:sp>
@@ -2832,7 +3038,6 @@
               <a:rPr lang="en-GB"/>
               <a:t>Click to edit Master title style</a:t>
             </a:r>
-            <a:endParaRPr lang="en-GB" dirty="0"/>
           </a:p>
         </p:txBody>
       </p:sp>
@@ -2897,7 +3102,6 @@
               <a:rPr lang="en-GB"/>
               <a:t>Click icon to add picture</a:t>
             </a:r>
-            <a:endParaRPr lang="en-GB" dirty="0"/>
           </a:p>
         </p:txBody>
       </p:sp>
@@ -3095,7 +3299,6 @@
               <a:rPr lang="en-GB"/>
               <a:t>Click to edit Master title style</a:t>
             </a:r>
-            <a:endParaRPr lang="en-GB" dirty="0"/>
           </a:p>
         </p:txBody>
       </p:sp>
@@ -3157,7 +3360,6 @@
               <a:rPr lang="en-GB"/>
               <a:t>Fifth level</a:t>
             </a:r>
-            <a:endParaRPr lang="en-GB" dirty="0"/>
           </a:p>
         </p:txBody>
       </p:sp>
@@ -3617,10 +3819,10 @@
           <a:lstStyle/>
           <a:p>
             <a:r>
-              <a:rPr lang="en-GB" dirty="0"/>
+              <a:rPr lang="en-GB"/>
               <a:t> Data Driven Foresight</a:t>
             </a:r>
-            <a:endParaRPr lang="en-GB" dirty="0" err="1"/>
+            <a:endParaRPr lang="en-GB" err="1"/>
           </a:p>
         </p:txBody>
       </p:sp>
@@ -3642,20 +3844,20 @@
           <a:lstStyle/>
           <a:p>
             <a:r>
-              <a:rPr lang="en-GB" sz="3200" dirty="0"/>
+              <a:rPr lang="en-GB" sz="3200"/>
               <a:t>Topic: Self-Healing Materials </a:t>
             </a:r>
           </a:p>
           <a:p>
-            <a:endParaRPr lang="en-GB" sz="3200" dirty="0"/>
-          </a:p>
-          <a:p>
-            <a:r>
-              <a:rPr lang="en-GB" sz="2000" dirty="0"/>
+            <a:endParaRPr lang="en-GB" sz="3200"/>
+          </a:p>
+          <a:p>
+            <a:r>
+              <a:rPr lang="en-GB" sz="2000"/>
               <a:t>Presentation by Liang, Puntigam, </a:t>
             </a:r>
             <a:r>
-              <a:rPr lang="en-GB" sz="2000" dirty="0" err="1"/>
+              <a:rPr lang="en-GB" sz="2000" err="1"/>
               <a:t>Yousofi</a:t>
             </a:r>
             <a:endParaRPr lang="en-GB" sz="2000"/>
@@ -3847,7 +4049,7 @@
           <p:cNvPr id="2" name="Title 1">
             <a:extLst>
               <a:ext uri="{FF2B5EF4-FFF2-40B4-BE49-F238E27FC236}">
-                <a16:creationId xmlns:a16="http://schemas.microsoft.com/office/drawing/2014/main" id="{C26FA727-A523-B6BC-43A9-4FDA74659C81}"/>
+                <a16:creationId xmlns:a16="http://schemas.microsoft.com/office/drawing/2014/main" id="{0D9E3DED-F345-A856-D255-A151064C30E9}"/>
               </a:ext>
             </a:extLst>
           </p:cNvPr>
@@ -3855,7 +4057,7 @@
             <a:spLocks noGrp="1"/>
           </p:cNvSpPr>
           <p:nvPr>
-            <p:ph type="ctrTitle"/>
+            <p:ph type="title"/>
           </p:nvPr>
         </p:nvSpPr>
         <p:spPr/>
@@ -3863,10 +4065,7 @@
           <a:bodyPr/>
           <a:lstStyle/>
           <a:p>
-            <a:r>
-              <a:rPr lang="en-GB" dirty="0"/>
-              <a:t>Polymers</a:t>
-            </a:r>
+            <a:endParaRPr lang="en-GB"/>
           </a:p>
         </p:txBody>
       </p:sp>
@@ -3875,7 +4074,7 @@
           <p:cNvPr id="3" name="Content Placeholder 2">
             <a:extLst>
               <a:ext uri="{FF2B5EF4-FFF2-40B4-BE49-F238E27FC236}">
-                <a16:creationId xmlns:a16="http://schemas.microsoft.com/office/drawing/2014/main" id="{AAE42C5C-85A3-BA6D-DFA8-A6B88FB8869E}"/>
+                <a16:creationId xmlns:a16="http://schemas.microsoft.com/office/drawing/2014/main" id="{E2273137-6F7F-12C4-D4AE-E176F5F2240A}"/>
               </a:ext>
             </a:extLst>
           </p:cNvPr>
@@ -3883,30 +4082,140 @@
             <a:spLocks noGrp="1"/>
           </p:cNvSpPr>
           <p:nvPr>
-            <p:ph type="subTitle" idx="1"/>
+            <p:ph idx="1"/>
           </p:nvPr>
         </p:nvSpPr>
         <p:spPr/>
         <p:txBody>
-          <a:bodyPr vert="horz" lIns="91440" tIns="45720" rIns="91440" bIns="45720" rtlCol="0" anchor="t">
-            <a:normAutofit/>
+          <a:bodyPr/>
+          <a:lstStyle/>
+          <a:p>
+            <a:endParaRPr lang="en-GB"/>
+          </a:p>
+        </p:txBody>
+      </p:sp>
+      <p:sp>
+        <p:nvSpPr>
+          <p:cNvPr id="5" name="TextBox 4">
+            <a:extLst>
+              <a:ext uri="{FF2B5EF4-FFF2-40B4-BE49-F238E27FC236}">
+                <a16:creationId xmlns:a16="http://schemas.microsoft.com/office/drawing/2014/main" id="{1DB0201F-29C5-2B46-8740-EC9900921B7F}"/>
+              </a:ext>
+            </a:extLst>
+          </p:cNvPr>
+          <p:cNvSpPr txBox="1"/>
+          <p:nvPr/>
+        </p:nvSpPr>
+        <p:spPr>
+          <a:xfrm>
+            <a:off x="1855838" y="1157924"/>
+            <a:ext cx="8354126" cy="3785652"/>
+          </a:xfrm>
+          <a:prstGeom prst="rect">
+            <a:avLst/>
+          </a:prstGeom>
+          <a:solidFill>
+            <a:schemeClr val="bg1"/>
+          </a:solidFill>
+        </p:spPr>
+        <p:txBody>
+          <a:bodyPr rot="0" spcFirstLastPara="0" vertOverflow="overflow" horzOverflow="overflow" vert="horz" wrap="square" lIns="91440" tIns="45720" rIns="91440" bIns="45720" numCol="1" spcCol="0" rtlCol="0" fromWordArt="0" anchor="t" anchorCtr="0" forceAA="0" compatLnSpc="1">
+            <a:prstTxWarp prst="textNoShape">
+              <a:avLst/>
+            </a:prstTxWarp>
+            <a:spAutoFit/>
           </a:bodyPr>
           <a:lstStyle/>
           <a:p>
             <a:r>
-              <a:rPr lang="en-GB" sz="6000" dirty="0">
-                <a:latin typeface="Aptos Display"/>
-              </a:rPr>
-              <a:t>Detailed Analysis</a:t>
-            </a:r>
-            <a:endParaRPr lang="en-US" dirty="0"/>
+              <a:rPr lang="en-GB" sz="6000" err="1">
+                <a:solidFill>
+                  <a:srgbClr val="FF0000"/>
+                </a:solidFill>
+              </a:rPr>
+              <a:t>Ggf</a:t>
+            </a:r>
+            <a:r>
+              <a:rPr lang="en-GB" sz="6000">
+                <a:solidFill>
+                  <a:srgbClr val="FF0000"/>
+                </a:solidFill>
+              </a:rPr>
+              <a:t>. </a:t>
+            </a:r>
+            <a:r>
+              <a:rPr lang="en-GB" sz="6000" err="1">
+                <a:solidFill>
+                  <a:srgbClr val="FF0000"/>
+                </a:solidFill>
+              </a:rPr>
+              <a:t>Zusammenfassung</a:t>
+            </a:r>
+            <a:r>
+              <a:rPr lang="en-GB" sz="6000">
+                <a:solidFill>
+                  <a:srgbClr val="FF0000"/>
+                </a:solidFill>
+              </a:rPr>
+              <a:t> </a:t>
+            </a:r>
+            <a:r>
+              <a:rPr lang="en-GB" sz="6000" err="1">
+                <a:solidFill>
+                  <a:srgbClr val="FF0000"/>
+                </a:solidFill>
+              </a:rPr>
+              <a:t>Publikationsdynamik</a:t>
+            </a:r>
+          </a:p>
+          <a:p>
+            <a:r>
+              <a:rPr lang="en-GB" sz="6000">
+                <a:solidFill>
+                  <a:srgbClr val="FF0000"/>
+                </a:solidFill>
+              </a:rPr>
+              <a:t>Statt </a:t>
+            </a:r>
+            <a:r>
+              <a:rPr lang="en-GB" sz="6000" err="1">
+                <a:solidFill>
+                  <a:srgbClr val="FF0000"/>
+                </a:solidFill>
+              </a:rPr>
+              <a:t>einzelne</a:t>
+            </a:r>
+            <a:r>
+              <a:rPr lang="en-GB" sz="6000">
+                <a:solidFill>
+                  <a:srgbClr val="FF0000"/>
+                </a:solidFill>
+              </a:rPr>
+              <a:t> </a:t>
+            </a:r>
+            <a:r>
+              <a:rPr lang="en-GB" sz="6000" err="1">
+                <a:solidFill>
+                  <a:srgbClr val="FF0000"/>
+                </a:solidFill>
+              </a:rPr>
+              <a:t>Stichpunkte</a:t>
+            </a:r>
+            <a:r>
+              <a:rPr lang="en-GB" sz="6000">
+                <a:solidFill>
+                  <a:srgbClr val="FF0000"/>
+                </a:solidFill>
+              </a:rPr>
+              <a:t> </a:t>
+            </a:r>
           </a:p>
         </p:txBody>
       </p:sp>
     </p:spTree>
     <p:extLst>
       <p:ext uri="{BB962C8B-B14F-4D97-AF65-F5344CB8AC3E}">
-        <p14:creationId xmlns:p14="http://schemas.microsoft.com/office/powerpoint/2010/main" val="2081908271"/>
+        <p14:creationId xmlns:p14="http://schemas.microsoft.com/office/powerpoint/2010/main" val="341005238"/>
       </p:ext>
     </p:extLst>
   </p:cSld>
@@ -3938,6 +4247,97 @@
           <p:cNvPr id="2" name="Title 1">
             <a:extLst>
               <a:ext uri="{FF2B5EF4-FFF2-40B4-BE49-F238E27FC236}">
+                <a16:creationId xmlns:a16="http://schemas.microsoft.com/office/drawing/2014/main" id="{C26FA727-A523-B6BC-43A9-4FDA74659C81}"/>
+              </a:ext>
+            </a:extLst>
+          </p:cNvPr>
+          <p:cNvSpPr>
+            <a:spLocks noGrp="1"/>
+          </p:cNvSpPr>
+          <p:nvPr>
+            <p:ph type="ctrTitle"/>
+          </p:nvPr>
+        </p:nvSpPr>
+        <p:spPr/>
+        <p:txBody>
+          <a:bodyPr/>
+          <a:lstStyle/>
+          <a:p>
+            <a:r>
+              <a:rPr lang="en-GB"/>
+              <a:t>Polymers</a:t>
+            </a:r>
+          </a:p>
+        </p:txBody>
+      </p:sp>
+      <p:sp>
+        <p:nvSpPr>
+          <p:cNvPr id="3" name="Content Placeholder 2">
+            <a:extLst>
+              <a:ext uri="{FF2B5EF4-FFF2-40B4-BE49-F238E27FC236}">
+                <a16:creationId xmlns:a16="http://schemas.microsoft.com/office/drawing/2014/main" id="{AAE42C5C-85A3-BA6D-DFA8-A6B88FB8869E}"/>
+              </a:ext>
+            </a:extLst>
+          </p:cNvPr>
+          <p:cNvSpPr>
+            <a:spLocks noGrp="1"/>
+          </p:cNvSpPr>
+          <p:nvPr>
+            <p:ph type="subTitle" idx="1"/>
+          </p:nvPr>
+        </p:nvSpPr>
+        <p:spPr/>
+        <p:txBody>
+          <a:bodyPr vert="horz" lIns="91440" tIns="45720" rIns="91440" bIns="45720" rtlCol="0" anchor="t">
+            <a:normAutofit/>
+          </a:bodyPr>
+          <a:lstStyle/>
+          <a:p>
+            <a:r>
+              <a:rPr lang="en-GB" sz="6000">
+                <a:latin typeface="Aptos Display"/>
+              </a:rPr>
+              <a:t>Detailed Analysis</a:t>
+            </a:r>
+            <a:endParaRPr lang="en-US"/>
+          </a:p>
+        </p:txBody>
+      </p:sp>
+    </p:spTree>
+    <p:extLst>
+      <p:ext uri="{BB962C8B-B14F-4D97-AF65-F5344CB8AC3E}">
+        <p14:creationId xmlns:p14="http://schemas.microsoft.com/office/powerpoint/2010/main" val="2081908271"/>
+      </p:ext>
+    </p:extLst>
+  </p:cSld>
+  <p:clrMapOvr>
+    <a:masterClrMapping/>
+  </p:clrMapOvr>
+</p:sld>
+</file>
+
+<file path=ppt/slides/slide13.xml><?xml version="1.0" encoding="utf-8"?>
+<p:sld xmlns:a="http://schemas.openxmlformats.org/drawingml/2006/main" xmlns:r="http://schemas.openxmlformats.org/officeDocument/2006/relationships" xmlns:p="http://schemas.openxmlformats.org/presentationml/2006/main">
+  <p:cSld>
+    <p:spTree>
+      <p:nvGrpSpPr>
+        <p:cNvPr id="1" name=""/>
+        <p:cNvGrpSpPr/>
+        <p:nvPr/>
+      </p:nvGrpSpPr>
+      <p:grpSpPr>
+        <a:xfrm>
+          <a:off x="0" y="0"/>
+          <a:ext cx="0" cy="0"/>
+          <a:chOff x="0" y="0"/>
+          <a:chExt cx="0" cy="0"/>
+        </a:xfrm>
+      </p:grpSpPr>
+      <p:sp>
+        <p:nvSpPr>
+          <p:cNvPr id="2" name="Title 1">
+            <a:extLst>
+              <a:ext uri="{FF2B5EF4-FFF2-40B4-BE49-F238E27FC236}">
                 <a16:creationId xmlns:a16="http://schemas.microsoft.com/office/drawing/2014/main" id="{8A738D5E-E749-E8E0-A0EE-47ED215D46EF}"/>
               </a:ext>
             </a:extLst>
@@ -3962,7 +4362,7 @@
           <a:lstStyle/>
           <a:p>
             <a:r>
-              <a:rPr lang="en-GB" dirty="0"/>
+              <a:rPr lang="en-GB"/>
               <a:t>Institutes with most publications affiliated to them regarding polymer materials</a:t>
             </a:r>
           </a:p>
@@ -4000,7 +4400,7 @@
               <a:buChar char="•"/>
             </a:pPr>
             <a:r>
-              <a:rPr lang="en-GB" dirty="0"/>
+              <a:rPr lang="en-GB"/>
               <a:t>The institute with the most affiliations has more than twice the amount of affiliations as the institute with the second most affiliations</a:t>
             </a:r>
           </a:p>
@@ -4009,7 +4409,7 @@
               <a:buChar char="•"/>
             </a:pPr>
             <a:r>
-              <a:rPr lang="en-GB" dirty="0"/>
+              <a:rPr lang="en-GB"/>
               <a:t>Most institutes are located in China</a:t>
             </a:r>
           </a:p>
@@ -4018,7 +4418,7 @@
               <a:buChar char="•"/>
             </a:pPr>
             <a:r>
-              <a:rPr lang="en-GB" dirty="0"/>
+              <a:rPr lang="en-GB"/>
               <a:t>The Chinese Academy of Sciences (CAS) is listed under three different names, possibly to different translations to English:</a:t>
             </a:r>
           </a:p>
@@ -4028,7 +4428,7 @@
               <a:buChar char="o"/>
             </a:pPr>
             <a:r>
-              <a:rPr lang="en-GB" dirty="0"/>
+              <a:rPr lang="en-GB"/>
               <a:t>Chinese Academy of Sciences</a:t>
             </a:r>
           </a:p>
@@ -4038,7 +4438,7 @@
               <a:buChar char="o"/>
             </a:pPr>
             <a:r>
-              <a:rPr lang="en-GB" dirty="0"/>
+              <a:rPr lang="en-GB"/>
               <a:t>University of Chinese Academy of Sciences CAS</a:t>
             </a:r>
           </a:p>
@@ -4048,7 +4448,7 @@
               <a:buChar char="o"/>
             </a:pPr>
             <a:r>
-              <a:rPr lang="en-GB" dirty="0"/>
+              <a:rPr lang="en-GB"/>
               <a:t>University of Science Technology of China CAS</a:t>
             </a:r>
           </a:p>
@@ -4096,7 +4496,7 @@
 </p:sld>
 </file>
 
-<file path=ppt/slides/slide13.xml><?xml version="1.0" encoding="utf-8"?>
+<file path=ppt/slides/slide14.xml><?xml version="1.0" encoding="utf-8"?>
 <p:sld xmlns:a="http://schemas.openxmlformats.org/drawingml/2006/main" xmlns:r="http://schemas.openxmlformats.org/officeDocument/2006/relationships" xmlns:p="http://schemas.openxmlformats.org/presentationml/2006/main">
   <p:cSld>
     <p:spTree>
@@ -4148,7 +4548,7 @@
           <a:lstStyle/>
           <a:p>
             <a:r>
-              <a:rPr lang="en-GB" dirty="0"/>
+              <a:rPr lang="en-GB"/>
               <a:t>Institutes with most publications affiliated to them regarding polymer materials</a:t>
             </a:r>
           </a:p>
@@ -4186,7 +4586,7 @@
               <a:buChar char="•"/>
             </a:pPr>
             <a:r>
-              <a:rPr lang="en-GB" dirty="0"/>
+              <a:rPr lang="en-GB"/>
               <a:t>Chinese Academy of Science is a research organization, while others are university branches situated in Beijing and Hefei respectively</a:t>
             </a:r>
           </a:p>
@@ -4196,17 +4596,17 @@
               <a:buChar char="•"/>
             </a:pPr>
             <a:r>
-              <a:rPr lang="en-GB" dirty="0"/>
+              <a:rPr lang="en-GB"/>
               <a:t>Publications mentioned under variations of CAS are all included in “Chinese Academy of Sciences” </a:t>
             </a:r>
             <a:r>
-              <a:rPr lang="en-GB" dirty="0">
+              <a:rPr lang="en-GB">
                 <a:sym typeface="Wingdings" panose="05000000000000000000" pitchFamily="2" charset="2"/>
               </a:rPr>
               <a:t> </a:t>
             </a:r>
             <a:r>
-              <a:rPr lang="en-GB" dirty="0"/>
+              <a:rPr lang="en-GB"/>
               <a:t>others have thus been omitted</a:t>
             </a:r>
           </a:p>
@@ -4254,7 +4654,7 @@
 </p:sld>
 </file>
 
-<file path=ppt/slides/slide14.xml><?xml version="1.0" encoding="utf-8"?>
+<file path=ppt/slides/slide15.xml><?xml version="1.0" encoding="utf-8"?>
 <p:sld xmlns:a="http://schemas.openxmlformats.org/drawingml/2006/main" xmlns:r="http://schemas.openxmlformats.org/officeDocument/2006/relationships" xmlns:p="http://schemas.openxmlformats.org/presentationml/2006/main">
   <p:cSld>
     <p:spTree>
@@ -4300,7 +4700,7 @@
           <a:lstStyle/>
           <a:p>
             <a:r>
-              <a:rPr lang="en-GB" dirty="0"/>
+              <a:rPr lang="en-GB"/>
               <a:t>Countries with most publications affiliated to them regarding polymer materials</a:t>
             </a:r>
           </a:p>
@@ -4338,22 +4738,22 @@
               <a:buChar char="•"/>
             </a:pPr>
             <a:r>
-              <a:rPr lang="en-GB" dirty="0"/>
+              <a:rPr lang="en-GB"/>
               <a:t>Most papers are published with affiliations to China or USA </a:t>
             </a:r>
-            <a:endParaRPr lang="en-US" dirty="0"/>
+            <a:endParaRPr lang="en-US"/>
           </a:p>
           <a:p>
             <a:pPr marL="285750" indent="-285750">
               <a:buChar char="•"/>
             </a:pPr>
-            <a:endParaRPr lang="en-GB" dirty="0"/>
+            <a:endParaRPr lang="en-GB"/>
           </a:p>
           <a:p>
             <a:pPr marL="285750" indent="-285750">
               <a:buChar char="•"/>
             </a:pPr>
-            <a:endParaRPr lang="en-GB" dirty="0"/>
+            <a:endParaRPr lang="en-GB"/>
           </a:p>
         </p:txBody>
       </p:sp>
@@ -4399,7 +4799,7 @@
 </p:sld>
 </file>
 
-<file path=ppt/slides/slide15.xml><?xml version="1.0" encoding="utf-8"?>
+<file path=ppt/slides/slide16.xml><?xml version="1.0" encoding="utf-8"?>
 <p:sld xmlns:a="http://schemas.openxmlformats.org/drawingml/2006/main" xmlns:r="http://schemas.openxmlformats.org/officeDocument/2006/relationships" xmlns:p="http://schemas.openxmlformats.org/presentationml/2006/main">
   <p:cSld>
     <p:spTree>
@@ -4445,7 +4845,7 @@
           <a:lstStyle/>
           <a:p>
             <a:r>
-              <a:rPr lang="en-GB" dirty="0"/>
+              <a:rPr lang="en-GB"/>
               <a:t>Countries with most publications affiliated to them regarding polymer materials, scaled by population</a:t>
             </a:r>
           </a:p>
@@ -4483,7 +4883,7 @@
               <a:buChar char="•"/>
             </a:pPr>
             <a:r>
-              <a:rPr lang="en-GB" dirty="0"/>
+              <a:rPr lang="en-GB"/>
               <a:t>When compared to their population, Singapore and Belgium and the Netherlands have the most publications affiliated to them</a:t>
             </a:r>
           </a:p>
@@ -4492,11 +4892,11 @@
               <a:buChar char="•"/>
             </a:pPr>
             <a:r>
-              <a:rPr lang="en-GB" dirty="0"/>
+              <a:rPr lang="en-GB"/>
               <a:t>Population data taken from </a:t>
             </a:r>
             <a:r>
-              <a:rPr lang="en-GB" dirty="0">
+              <a:rPr lang="en-GB">
                 <a:ea typeface="+mn-lt"/>
                 <a:cs typeface="+mn-lt"/>
                 <a:hlinkClick r:id="rId2"/>
@@ -4504,13 +4904,13 @@
               <a:t>www.census.gov</a:t>
             </a:r>
             <a:r>
-              <a:rPr lang="en-GB" dirty="0">
+              <a:rPr lang="en-GB">
                 <a:ea typeface="+mn-lt"/>
                 <a:cs typeface="+mn-lt"/>
               </a:rPr>
               <a:t> in January 2025</a:t>
             </a:r>
-            <a:endParaRPr lang="en-GB" dirty="0"/>
+            <a:endParaRPr lang="en-GB"/>
           </a:p>
         </p:txBody>
       </p:sp>
@@ -4556,484 +4956,6 @@
 </p:sld>
 </file>
 
-<file path=ppt/slides/slide16.xml><?xml version="1.0" encoding="utf-8"?>
-<p:sld xmlns:a="http://schemas.openxmlformats.org/drawingml/2006/main" xmlns:r="http://schemas.openxmlformats.org/officeDocument/2006/relationships" xmlns:p="http://schemas.openxmlformats.org/presentationml/2006/main">
-  <p:cSld>
-    <p:spTree>
-      <p:nvGrpSpPr>
-        <p:cNvPr id="1" name=""/>
-        <p:cNvGrpSpPr/>
-        <p:nvPr/>
-      </p:nvGrpSpPr>
-      <p:grpSpPr>
-        <a:xfrm>
-          <a:off x="0" y="0"/>
-          <a:ext cx="0" cy="0"/>
-          <a:chOff x="0" y="0"/>
-          <a:chExt cx="0" cy="0"/>
-        </a:xfrm>
-      </p:grpSpPr>
-      <p:sp>
-        <p:nvSpPr>
-          <p:cNvPr id="4" name="Text Placeholder 3">
-            <a:extLst>
-              <a:ext uri="{FF2B5EF4-FFF2-40B4-BE49-F238E27FC236}">
-                <a16:creationId xmlns:a16="http://schemas.microsoft.com/office/drawing/2014/main" id="{8DC21876-0FFB-AD28-4A1F-84768DB132F2}"/>
-              </a:ext>
-            </a:extLst>
-          </p:cNvPr>
-          <p:cNvSpPr>
-            <a:spLocks noGrp="1"/>
-          </p:cNvSpPr>
-          <p:nvPr>
-            <p:ph type="body" sz="half" idx="2"/>
-          </p:nvPr>
-        </p:nvSpPr>
-        <p:spPr/>
-        <p:txBody>
-          <a:bodyPr vert="horz" lIns="91440" tIns="45720" rIns="91440" bIns="45720" rtlCol="0" anchor="t">
-            <a:normAutofit/>
-          </a:bodyPr>
-          <a:lstStyle/>
-          <a:p>
-            <a:pPr marL="285750" indent="-285750">
-              <a:buFont typeface="Arial,Sans-Serif"/>
-              <a:buChar char="•"/>
-            </a:pPr>
-            <a:r>
-              <a:rPr lang="de-DE" b="1" dirty="0"/>
-              <a:t>China </a:t>
-            </a:r>
-            <a:r>
-              <a:rPr lang="de-DE" b="1" dirty="0" err="1"/>
-              <a:t>leads</a:t>
-            </a:r>
-            <a:r>
-              <a:rPr lang="de-DE" b="1" dirty="0"/>
-              <a:t> </a:t>
-            </a:r>
-            <a:r>
-              <a:rPr lang="de-DE" b="1" dirty="0" err="1"/>
-              <a:t>globally</a:t>
-            </a:r>
-            <a:r>
-              <a:rPr lang="de-DE" dirty="0"/>
-              <a:t>, </a:t>
-            </a:r>
-            <a:r>
-              <a:rPr lang="de-DE" dirty="0" err="1"/>
-              <a:t>with</a:t>
-            </a:r>
-            <a:r>
-              <a:rPr lang="de-DE" dirty="0"/>
-              <a:t> </a:t>
-            </a:r>
-            <a:r>
-              <a:rPr lang="de-DE" dirty="0" err="1"/>
-              <a:t>the</a:t>
-            </a:r>
-            <a:r>
-              <a:rPr lang="de-DE" dirty="0"/>
-              <a:t> </a:t>
-            </a:r>
-            <a:r>
-              <a:rPr lang="de-DE" dirty="0" err="1"/>
-              <a:t>highest</a:t>
-            </a:r>
-            <a:r>
-              <a:rPr lang="de-DE" dirty="0"/>
-              <a:t> patent </a:t>
-            </a:r>
-            <a:r>
-              <a:rPr lang="de-DE" dirty="0" err="1"/>
-              <a:t>activity</a:t>
-            </a:r>
-            <a:r>
-              <a:rPr lang="de-DE" dirty="0"/>
-              <a:t> in </a:t>
-            </a:r>
-            <a:r>
-              <a:rPr lang="de-DE" dirty="0" err="1"/>
-              <a:t>self-healing</a:t>
-            </a:r>
-            <a:r>
-              <a:rPr lang="de-DE" dirty="0"/>
-              <a:t> </a:t>
-            </a:r>
-            <a:r>
-              <a:rPr lang="de-DE" dirty="0" err="1"/>
-              <a:t>materials</a:t>
-            </a:r>
-            <a:r>
-              <a:rPr lang="de-DE" dirty="0"/>
-              <a:t>, </a:t>
-            </a:r>
-            <a:r>
-              <a:rPr lang="de-DE" dirty="0" err="1"/>
-              <a:t>driven</a:t>
-            </a:r>
-            <a:r>
-              <a:rPr lang="de-DE" dirty="0"/>
-              <a:t> </a:t>
-            </a:r>
-            <a:r>
-              <a:rPr lang="de-DE" dirty="0" err="1"/>
-              <a:t>by</a:t>
-            </a:r>
-            <a:r>
-              <a:rPr lang="de-DE" dirty="0"/>
-              <a:t> strong </a:t>
-            </a:r>
-            <a:r>
-              <a:rPr lang="de-DE" dirty="0" err="1"/>
-              <a:t>innovation</a:t>
-            </a:r>
-            <a:r>
-              <a:rPr lang="de-DE" dirty="0"/>
-              <a:t> </a:t>
-            </a:r>
-            <a:r>
-              <a:rPr lang="de-DE" dirty="0" err="1"/>
-              <a:t>efforts</a:t>
-            </a:r>
-            <a:r>
-              <a:rPr lang="de-DE" dirty="0"/>
-              <a:t>.</a:t>
-            </a:r>
-            <a:endParaRPr lang="en-US" dirty="0"/>
-          </a:p>
-          <a:p>
-            <a:pPr marL="285750" indent="-285750">
-              <a:buFont typeface="Arial,Sans-Serif"/>
-              <a:buChar char="•"/>
-            </a:pPr>
-            <a:r>
-              <a:rPr lang="de-DE" b="1" dirty="0"/>
-              <a:t>USA, South Korea, and Japan</a:t>
-            </a:r>
-            <a:r>
-              <a:rPr lang="de-DE" dirty="0"/>
-              <a:t> follow </a:t>
-            </a:r>
-            <a:r>
-              <a:rPr lang="de-DE" dirty="0" err="1"/>
-              <a:t>as</a:t>
-            </a:r>
-            <a:r>
-              <a:rPr lang="de-DE" dirty="0"/>
-              <a:t> </a:t>
-            </a:r>
-            <a:r>
-              <a:rPr lang="de-DE" dirty="0" err="1"/>
-              <a:t>key</a:t>
-            </a:r>
-            <a:r>
-              <a:rPr lang="de-DE" dirty="0"/>
-              <a:t> </a:t>
-            </a:r>
-            <a:r>
-              <a:rPr lang="de-DE" dirty="0" err="1"/>
-              <a:t>contributors</a:t>
-            </a:r>
-            <a:r>
-              <a:rPr lang="de-DE" dirty="0"/>
-              <a:t>, but </a:t>
-            </a:r>
-            <a:r>
-              <a:rPr lang="de-DE" dirty="0" err="1"/>
-              <a:t>far</a:t>
-            </a:r>
-            <a:r>
-              <a:rPr lang="de-DE" dirty="0"/>
-              <a:t> </a:t>
-            </a:r>
-            <a:r>
-              <a:rPr lang="de-DE" dirty="0" err="1"/>
-              <a:t>behind</a:t>
-            </a:r>
-            <a:r>
-              <a:rPr lang="de-DE" dirty="0"/>
-              <a:t> China.</a:t>
-            </a:r>
-            <a:endParaRPr lang="en-US" dirty="0"/>
-          </a:p>
-          <a:p>
-            <a:pPr marL="285750" indent="-285750">
-              <a:buFont typeface="Arial,Sans-Serif"/>
-              <a:buChar char="•"/>
-            </a:pPr>
-            <a:r>
-              <a:rPr lang="de-DE" b="1" dirty="0"/>
-              <a:t>Europe lags</a:t>
-            </a:r>
-            <a:r>
-              <a:rPr lang="de-DE" dirty="0"/>
-              <a:t>, </a:t>
-            </a:r>
-            <a:r>
-              <a:rPr lang="de-DE" dirty="0" err="1"/>
-              <a:t>with</a:t>
-            </a:r>
-            <a:r>
-              <a:rPr lang="de-DE" dirty="0"/>
-              <a:t> limited patent </a:t>
-            </a:r>
-            <a:r>
-              <a:rPr lang="de-DE" dirty="0" err="1"/>
-              <a:t>activity</a:t>
-            </a:r>
-            <a:r>
-              <a:rPr lang="de-DE" dirty="0"/>
-              <a:t>, </a:t>
-            </a:r>
-            <a:r>
-              <a:rPr lang="de-DE" dirty="0" err="1"/>
-              <a:t>suggesting</a:t>
-            </a:r>
-            <a:r>
-              <a:rPr lang="de-DE" dirty="0"/>
-              <a:t> a </a:t>
-            </a:r>
-            <a:r>
-              <a:rPr lang="de-DE" dirty="0" err="1"/>
-              <a:t>focus</a:t>
-            </a:r>
-            <a:r>
-              <a:rPr lang="de-DE" dirty="0"/>
-              <a:t> on </a:t>
-            </a:r>
-            <a:r>
-              <a:rPr lang="de-DE" dirty="0" err="1"/>
-              <a:t>other</a:t>
-            </a:r>
-            <a:r>
-              <a:rPr lang="de-DE" dirty="0"/>
-              <a:t> </a:t>
-            </a:r>
-            <a:r>
-              <a:rPr lang="de-DE" dirty="0" err="1"/>
-              <a:t>priorities</a:t>
-            </a:r>
-            <a:r>
-              <a:rPr lang="de-DE" dirty="0"/>
-              <a:t> </a:t>
-            </a:r>
-            <a:r>
-              <a:rPr lang="de-DE" dirty="0" err="1"/>
-              <a:t>or</a:t>
-            </a:r>
-            <a:r>
-              <a:rPr lang="de-DE" dirty="0"/>
-              <a:t> </a:t>
-            </a:r>
-            <a:r>
-              <a:rPr lang="de-DE" dirty="0" err="1"/>
-              <a:t>academic</a:t>
-            </a:r>
-            <a:r>
-              <a:rPr lang="de-DE" dirty="0"/>
-              <a:t> </a:t>
-            </a:r>
-            <a:r>
-              <a:rPr lang="de-DE" dirty="0" err="1"/>
-              <a:t>research</a:t>
-            </a:r>
-            <a:r>
-              <a:rPr lang="de-DE" dirty="0"/>
-              <a:t>.</a:t>
-            </a:r>
-            <a:endParaRPr lang="en-US" dirty="0"/>
-          </a:p>
-          <a:p>
-            <a:pPr marL="285750" indent="-285750">
-              <a:buFont typeface="Arial,Sans-Serif"/>
-              <a:buChar char="•"/>
-            </a:pPr>
-            <a:r>
-              <a:rPr lang="de-DE" b="1" dirty="0"/>
-              <a:t>Strategic </a:t>
-            </a:r>
-            <a:r>
-              <a:rPr lang="de-DE" b="1" dirty="0" err="1"/>
-              <a:t>focus</a:t>
-            </a:r>
-            <a:r>
-              <a:rPr lang="de-DE" b="1" dirty="0"/>
-              <a:t> on China</a:t>
-            </a:r>
-            <a:r>
-              <a:rPr lang="de-DE" dirty="0"/>
-              <a:t> </a:t>
-            </a:r>
-            <a:r>
-              <a:rPr lang="de-DE" dirty="0" err="1"/>
-              <a:t>is</a:t>
-            </a:r>
-            <a:r>
-              <a:rPr lang="de-DE" dirty="0"/>
-              <a:t> </a:t>
-            </a:r>
-            <a:r>
-              <a:rPr lang="de-DE" dirty="0" err="1"/>
-              <a:t>crucial</a:t>
-            </a:r>
-            <a:r>
-              <a:rPr lang="de-DE" dirty="0"/>
-              <a:t> </a:t>
-            </a:r>
-            <a:r>
-              <a:rPr lang="de-DE" dirty="0" err="1"/>
-              <a:t>to</a:t>
-            </a:r>
-            <a:r>
-              <a:rPr lang="de-DE" dirty="0"/>
-              <a:t> track </a:t>
-            </a:r>
-            <a:r>
-              <a:rPr lang="de-DE" dirty="0" err="1"/>
-              <a:t>emerging</a:t>
-            </a:r>
-            <a:r>
-              <a:rPr lang="de-DE" dirty="0"/>
-              <a:t> </a:t>
-            </a:r>
-            <a:r>
-              <a:rPr lang="de-DE" dirty="0" err="1"/>
-              <a:t>trends</a:t>
-            </a:r>
-            <a:r>
-              <a:rPr lang="de-DE" dirty="0"/>
-              <a:t> and </a:t>
-            </a:r>
-            <a:r>
-              <a:rPr lang="de-DE" dirty="0" err="1"/>
-              <a:t>opportunities</a:t>
-            </a:r>
-            <a:r>
-              <a:rPr lang="de-DE" dirty="0"/>
-              <a:t> in </a:t>
-            </a:r>
-            <a:r>
-              <a:rPr lang="de-DE" dirty="0" err="1"/>
-              <a:t>this</a:t>
-            </a:r>
-            <a:r>
-              <a:rPr lang="de-DE" dirty="0"/>
-              <a:t> </a:t>
-            </a:r>
-            <a:r>
-              <a:rPr lang="de-DE" dirty="0" err="1"/>
-              <a:t>field</a:t>
-            </a:r>
-            <a:r>
-              <a:rPr lang="de-DE" dirty="0"/>
-              <a:t>.</a:t>
-            </a:r>
-            <a:endParaRPr lang="en-DE" dirty="0"/>
-          </a:p>
-        </p:txBody>
-      </p:sp>
-      <p:pic>
-        <p:nvPicPr>
-          <p:cNvPr id="12" name="Inhaltsplatzhalter 11" descr="Ein Bild, das Text, Screenshot, Diagramm, Reihe enthält.&#10;&#10;Beschreibung automatisch generiert.">
-            <a:extLst>
-              <a:ext uri="{FF2B5EF4-FFF2-40B4-BE49-F238E27FC236}">
-                <a16:creationId xmlns:a16="http://schemas.microsoft.com/office/drawing/2014/main" id="{6FC40EEA-592C-668A-0F4D-CC47AC3839DF}"/>
-              </a:ext>
-            </a:extLst>
-          </p:cNvPr>
-          <p:cNvPicPr>
-            <a:picLocks noGrp="1" noChangeAspect="1"/>
-          </p:cNvPicPr>
-          <p:nvPr>
-            <p:ph idx="1"/>
-          </p:nvPr>
-        </p:nvPicPr>
-        <p:blipFill>
-          <a:blip r:embed="rId2"/>
-          <a:stretch>
-            <a:fillRect/>
-          </a:stretch>
-        </p:blipFill>
-        <p:spPr>
-          <a:xfrm>
-            <a:off x="5221288" y="1595437"/>
-            <a:ext cx="6096000" cy="3657600"/>
-          </a:xfrm>
-        </p:spPr>
-      </p:pic>
-      <p:sp>
-        <p:nvSpPr>
-          <p:cNvPr id="6" name="Title 1">
-            <a:extLst>
-              <a:ext uri="{FF2B5EF4-FFF2-40B4-BE49-F238E27FC236}">
-                <a16:creationId xmlns:a16="http://schemas.microsoft.com/office/drawing/2014/main" id="{C57DEE2B-58F9-3509-05A9-B78DC46CAD95}"/>
-              </a:ext>
-            </a:extLst>
-          </p:cNvPr>
-          <p:cNvSpPr txBox="1">
-            <a:spLocks/>
-          </p:cNvSpPr>
-          <p:nvPr/>
-        </p:nvSpPr>
-        <p:spPr>
-          <a:xfrm>
-            <a:off x="839788" y="457200"/>
-            <a:ext cx="10486676" cy="522250"/>
-          </a:xfrm>
-          <a:prstGeom prst="rect">
-            <a:avLst/>
-          </a:prstGeom>
-        </p:spPr>
-        <p:txBody>
-          <a:bodyPr vert="horz" lIns="91440" tIns="45720" rIns="91440" bIns="45720" rtlCol="0" anchor="t">
-            <a:normAutofit lnSpcReduction="10000"/>
-          </a:bodyPr>
-          <a:lstStyle>
-            <a:lvl1pPr algn="l" defTabSz="914400" rtl="0" eaLnBrk="1" latinLnBrk="0" hangingPunct="1">
-              <a:lnSpc>
-                <a:spcPct val="90000"/>
-              </a:lnSpc>
-              <a:spcBef>
-                <a:spcPct val="0"/>
-              </a:spcBef>
-              <a:buNone/>
-              <a:defRPr sz="3200" kern="1200">
-                <a:solidFill>
-                  <a:schemeClr val="tx1"/>
-                </a:solidFill>
-                <a:latin typeface="+mj-lt"/>
-                <a:ea typeface="+mj-ea"/>
-                <a:cs typeface="+mj-cs"/>
-              </a:defRPr>
-            </a:lvl1pPr>
-          </a:lstStyle>
-          <a:p>
-            <a:r>
-              <a:rPr lang="en-GB" dirty="0" err="1"/>
-              <a:t>Espacenet</a:t>
-            </a:r>
-            <a:r>
-              <a:rPr lang="en-GB" dirty="0"/>
-              <a:t> Data: Patent families </a:t>
-            </a:r>
-            <a:endParaRPr lang="de-DE" dirty="0"/>
-          </a:p>
-        </p:txBody>
-      </p:sp>
-    </p:spTree>
-    <p:extLst>
-      <p:ext uri="{BB962C8B-B14F-4D97-AF65-F5344CB8AC3E}">
-        <p14:creationId xmlns:p14="http://schemas.microsoft.com/office/powerpoint/2010/main" val="233784213"/>
-      </p:ext>
-    </p:extLst>
-  </p:cSld>
-  <p:clrMapOvr>
-    <a:masterClrMapping/>
-  </p:clrMapOvr>
-</p:sld>
-</file>
-
 <file path=ppt/slides/slide17.xml><?xml version="1.0" encoding="utf-8"?>
 <p:sld xmlns:a="http://schemas.openxmlformats.org/drawingml/2006/main" xmlns:r="http://schemas.openxmlformats.org/officeDocument/2006/relationships" xmlns:p="http://schemas.openxmlformats.org/presentationml/2006/main">
   <p:cSld>
@@ -5053,10 +4975,10 @@
       </p:grpSpPr>
       <p:sp>
         <p:nvSpPr>
-          <p:cNvPr id="2" name="Title 1">
+          <p:cNvPr id="4" name="Text Placeholder 3">
             <a:extLst>
               <a:ext uri="{FF2B5EF4-FFF2-40B4-BE49-F238E27FC236}">
-                <a16:creationId xmlns:a16="http://schemas.microsoft.com/office/drawing/2014/main" id="{A1B1FB28-5B8C-BCFB-04B3-54966AAE995C}"/>
+                <a16:creationId xmlns:a16="http://schemas.microsoft.com/office/drawing/2014/main" id="{8DC21876-0FFB-AD28-4A1F-84768DB132F2}"/>
               </a:ext>
             </a:extLst>
           </p:cNvPr>
@@ -5064,61 +4986,418 @@
             <a:spLocks noGrp="1"/>
           </p:cNvSpPr>
           <p:nvPr>
-            <p:ph type="title"/>
+            <p:ph type="body" sz="half" idx="2"/>
           </p:nvPr>
         </p:nvSpPr>
         <p:spPr/>
         <p:txBody>
-          <a:bodyPr/>
+          <a:bodyPr vert="horz" lIns="91440" tIns="45720" rIns="91440" bIns="45720" rtlCol="0" anchor="t">
+            <a:normAutofit/>
+          </a:bodyPr>
           <a:lstStyle/>
           <a:p>
-            <a:r>
-              <a:rPr lang="en-US" dirty="0" err="1"/>
-              <a:t>Espacenet</a:t>
-            </a:r>
-            <a:endParaRPr lang="en-DE" dirty="0"/>
-          </a:p>
-        </p:txBody>
-      </p:sp>
-      <p:sp>
-        <p:nvSpPr>
-          <p:cNvPr id="4" name="Text Placeholder 3">
+            <a:pPr marL="285750" indent="-285750">
+              <a:buFont typeface="Arial,Sans-Serif"/>
+              <a:buChar char="•"/>
+            </a:pPr>
+            <a:r>
+              <a:rPr lang="de-DE" b="1"/>
+              <a:t>China </a:t>
+            </a:r>
+            <a:r>
+              <a:rPr lang="de-DE" b="1" err="1"/>
+              <a:t>leads</a:t>
+            </a:r>
+            <a:r>
+              <a:rPr lang="de-DE" b="1"/>
+              <a:t> </a:t>
+            </a:r>
+            <a:r>
+              <a:rPr lang="de-DE" b="1" err="1"/>
+              <a:t>globally</a:t>
+            </a:r>
+            <a:r>
+              <a:rPr lang="de-DE"/>
+              <a:t>, </a:t>
+            </a:r>
+            <a:r>
+              <a:rPr lang="de-DE" err="1"/>
+              <a:t>with</a:t>
+            </a:r>
+            <a:r>
+              <a:rPr lang="de-DE"/>
+              <a:t> </a:t>
+            </a:r>
+            <a:r>
+              <a:rPr lang="de-DE" err="1"/>
+              <a:t>the</a:t>
+            </a:r>
+            <a:r>
+              <a:rPr lang="de-DE"/>
+              <a:t> </a:t>
+            </a:r>
+            <a:r>
+              <a:rPr lang="de-DE" err="1"/>
+              <a:t>highest</a:t>
+            </a:r>
+            <a:r>
+              <a:rPr lang="de-DE"/>
+              <a:t> patent </a:t>
+            </a:r>
+            <a:r>
+              <a:rPr lang="de-DE" err="1"/>
+              <a:t>activity</a:t>
+            </a:r>
+            <a:r>
+              <a:rPr lang="de-DE"/>
+              <a:t> in </a:t>
+            </a:r>
+            <a:r>
+              <a:rPr lang="de-DE" err="1"/>
+              <a:t>self-healing</a:t>
+            </a:r>
+            <a:r>
+              <a:rPr lang="de-DE"/>
+              <a:t> </a:t>
+            </a:r>
+            <a:r>
+              <a:rPr lang="de-DE" err="1"/>
+              <a:t>materials</a:t>
+            </a:r>
+            <a:r>
+              <a:rPr lang="de-DE"/>
+              <a:t>, </a:t>
+            </a:r>
+            <a:r>
+              <a:rPr lang="de-DE" err="1"/>
+              <a:t>driven</a:t>
+            </a:r>
+            <a:r>
+              <a:rPr lang="de-DE"/>
+              <a:t> </a:t>
+            </a:r>
+            <a:r>
+              <a:rPr lang="de-DE" err="1"/>
+              <a:t>by</a:t>
+            </a:r>
+            <a:r>
+              <a:rPr lang="de-DE"/>
+              <a:t> strong </a:t>
+            </a:r>
+            <a:r>
+              <a:rPr lang="de-DE" err="1"/>
+              <a:t>innovation</a:t>
+            </a:r>
+            <a:r>
+              <a:rPr lang="de-DE"/>
+              <a:t> </a:t>
+            </a:r>
+            <a:r>
+              <a:rPr lang="de-DE" err="1"/>
+              <a:t>efforts</a:t>
+            </a:r>
+            <a:r>
+              <a:rPr lang="de-DE"/>
+              <a:t>.</a:t>
+            </a:r>
+            <a:endParaRPr lang="en-US"/>
+          </a:p>
+          <a:p>
+            <a:pPr marL="285750" indent="-285750">
+              <a:buFont typeface="Arial,Sans-Serif"/>
+              <a:buChar char="•"/>
+            </a:pPr>
+            <a:r>
+              <a:rPr lang="de-DE" b="1"/>
+              <a:t>USA, South Korea, and Japan</a:t>
+            </a:r>
+            <a:r>
+              <a:rPr lang="de-DE"/>
+              <a:t> follow </a:t>
+            </a:r>
+            <a:r>
+              <a:rPr lang="de-DE" err="1"/>
+              <a:t>as</a:t>
+            </a:r>
+            <a:r>
+              <a:rPr lang="de-DE"/>
+              <a:t> </a:t>
+            </a:r>
+            <a:r>
+              <a:rPr lang="de-DE" err="1"/>
+              <a:t>key</a:t>
+            </a:r>
+            <a:r>
+              <a:rPr lang="de-DE"/>
+              <a:t> </a:t>
+            </a:r>
+            <a:r>
+              <a:rPr lang="de-DE" err="1"/>
+              <a:t>contributors</a:t>
+            </a:r>
+            <a:r>
+              <a:rPr lang="de-DE"/>
+              <a:t>, but </a:t>
+            </a:r>
+            <a:r>
+              <a:rPr lang="de-DE" err="1"/>
+              <a:t>far</a:t>
+            </a:r>
+            <a:r>
+              <a:rPr lang="de-DE"/>
+              <a:t> </a:t>
+            </a:r>
+            <a:r>
+              <a:rPr lang="de-DE" err="1"/>
+              <a:t>behind</a:t>
+            </a:r>
+            <a:r>
+              <a:rPr lang="de-DE"/>
+              <a:t> China.</a:t>
+            </a:r>
+            <a:endParaRPr lang="en-US"/>
+          </a:p>
+          <a:p>
+            <a:pPr marL="285750" indent="-285750">
+              <a:buFont typeface="Arial,Sans-Serif"/>
+              <a:buChar char="•"/>
+            </a:pPr>
+            <a:r>
+              <a:rPr lang="de-DE" b="1"/>
+              <a:t>Europe lags</a:t>
+            </a:r>
+            <a:r>
+              <a:rPr lang="de-DE"/>
+              <a:t>, </a:t>
+            </a:r>
+            <a:r>
+              <a:rPr lang="de-DE" err="1"/>
+              <a:t>with</a:t>
+            </a:r>
+            <a:r>
+              <a:rPr lang="de-DE"/>
+              <a:t> limited patent </a:t>
+            </a:r>
+            <a:r>
+              <a:rPr lang="de-DE" err="1"/>
+              <a:t>activity</a:t>
+            </a:r>
+            <a:r>
+              <a:rPr lang="de-DE"/>
+              <a:t>, </a:t>
+            </a:r>
+            <a:r>
+              <a:rPr lang="de-DE" err="1"/>
+              <a:t>suggesting</a:t>
+            </a:r>
+            <a:r>
+              <a:rPr lang="de-DE"/>
+              <a:t> a </a:t>
+            </a:r>
+            <a:r>
+              <a:rPr lang="de-DE" err="1"/>
+              <a:t>focus</a:t>
+            </a:r>
+            <a:r>
+              <a:rPr lang="de-DE"/>
+              <a:t> on </a:t>
+            </a:r>
+            <a:r>
+              <a:rPr lang="de-DE" err="1"/>
+              <a:t>other</a:t>
+            </a:r>
+            <a:r>
+              <a:rPr lang="de-DE"/>
+              <a:t> </a:t>
+            </a:r>
+            <a:r>
+              <a:rPr lang="de-DE" err="1"/>
+              <a:t>priorities</a:t>
+            </a:r>
+            <a:r>
+              <a:rPr lang="de-DE"/>
+              <a:t> </a:t>
+            </a:r>
+            <a:r>
+              <a:rPr lang="de-DE" err="1"/>
+              <a:t>or</a:t>
+            </a:r>
+            <a:r>
+              <a:rPr lang="de-DE"/>
+              <a:t> </a:t>
+            </a:r>
+            <a:r>
+              <a:rPr lang="de-DE" err="1"/>
+              <a:t>academic</a:t>
+            </a:r>
+            <a:r>
+              <a:rPr lang="de-DE"/>
+              <a:t> </a:t>
+            </a:r>
+            <a:r>
+              <a:rPr lang="de-DE" err="1"/>
+              <a:t>research</a:t>
+            </a:r>
+            <a:r>
+              <a:rPr lang="de-DE"/>
+              <a:t>.</a:t>
+            </a:r>
+            <a:endParaRPr lang="en-US"/>
+          </a:p>
+          <a:p>
+            <a:pPr marL="285750" indent="-285750">
+              <a:buFont typeface="Arial,Sans-Serif"/>
+              <a:buChar char="•"/>
+            </a:pPr>
+            <a:r>
+              <a:rPr lang="de-DE" b="1"/>
+              <a:t>Strategic </a:t>
+            </a:r>
+            <a:r>
+              <a:rPr lang="de-DE" b="1" err="1"/>
+              <a:t>focus</a:t>
+            </a:r>
+            <a:r>
+              <a:rPr lang="de-DE" b="1"/>
+              <a:t> on China</a:t>
+            </a:r>
+            <a:r>
+              <a:rPr lang="de-DE"/>
+              <a:t> </a:t>
+            </a:r>
+            <a:r>
+              <a:rPr lang="de-DE" err="1"/>
+              <a:t>is</a:t>
+            </a:r>
+            <a:r>
+              <a:rPr lang="de-DE"/>
+              <a:t> </a:t>
+            </a:r>
+            <a:r>
+              <a:rPr lang="de-DE" err="1"/>
+              <a:t>crucial</a:t>
+            </a:r>
+            <a:r>
+              <a:rPr lang="de-DE"/>
+              <a:t> </a:t>
+            </a:r>
+            <a:r>
+              <a:rPr lang="de-DE" err="1"/>
+              <a:t>to</a:t>
+            </a:r>
+            <a:r>
+              <a:rPr lang="de-DE"/>
+              <a:t> track </a:t>
+            </a:r>
+            <a:r>
+              <a:rPr lang="de-DE" err="1"/>
+              <a:t>emerging</a:t>
+            </a:r>
+            <a:r>
+              <a:rPr lang="de-DE"/>
+              <a:t> </a:t>
+            </a:r>
+            <a:r>
+              <a:rPr lang="de-DE" err="1"/>
+              <a:t>trends</a:t>
+            </a:r>
+            <a:r>
+              <a:rPr lang="de-DE"/>
+              <a:t> and </a:t>
+            </a:r>
+            <a:r>
+              <a:rPr lang="de-DE" err="1"/>
+              <a:t>opportunities</a:t>
+            </a:r>
+            <a:r>
+              <a:rPr lang="de-DE"/>
+              <a:t> in </a:t>
+            </a:r>
+            <a:r>
+              <a:rPr lang="de-DE" err="1"/>
+              <a:t>this</a:t>
+            </a:r>
+            <a:r>
+              <a:rPr lang="de-DE"/>
+              <a:t> </a:t>
+            </a:r>
+            <a:r>
+              <a:rPr lang="de-DE" err="1"/>
+              <a:t>field</a:t>
+            </a:r>
+            <a:r>
+              <a:rPr lang="de-DE"/>
+              <a:t>.</a:t>
+            </a:r>
+            <a:endParaRPr lang="en-DE"/>
+          </a:p>
+        </p:txBody>
+      </p:sp>
+      <p:sp>
+        <p:nvSpPr>
+          <p:cNvPr id="6" name="Title 1">
             <a:extLst>
               <a:ext uri="{FF2B5EF4-FFF2-40B4-BE49-F238E27FC236}">
-                <a16:creationId xmlns:a16="http://schemas.microsoft.com/office/drawing/2014/main" id="{EC61FC60-B060-12B2-5E82-55544DE04D4C}"/>
+                <a16:creationId xmlns:a16="http://schemas.microsoft.com/office/drawing/2014/main" id="{C57DEE2B-58F9-3509-05A9-B78DC46CAD95}"/>
               </a:ext>
             </a:extLst>
           </p:cNvPr>
-          <p:cNvSpPr>
-            <a:spLocks noGrp="1"/>
+          <p:cNvSpPr txBox="1">
+            <a:spLocks/>
           </p:cNvSpPr>
-          <p:nvPr>
-            <p:ph type="body" sz="half" idx="2"/>
-          </p:nvPr>
-        </p:nvSpPr>
-        <p:spPr/>
-        <p:txBody>
-          <a:bodyPr/>
-          <a:lstStyle/>
-          <a:p>
-            <a:pPr marL="285750" indent="-285750">
-              <a:buFont typeface="Arial" panose="020B0604020202020204" pitchFamily="34" charset="0"/>
-              <a:buChar char="•"/>
-            </a:pPr>
-            <a:r>
-              <a:rPr lang="en-US" dirty="0"/>
-              <a:t>Data before 2015 shown likely due to the earliest publication being before 2015, while current publication of the corresponding patent is from 2015 onward</a:t>
-            </a:r>
-            <a:endParaRPr lang="en-DE" dirty="0"/>
+          <p:nvPr/>
+        </p:nvSpPr>
+        <p:spPr>
+          <a:xfrm>
+            <a:off x="839788" y="457200"/>
+            <a:ext cx="10486676" cy="522250"/>
+          </a:xfrm>
+          <a:prstGeom prst="rect">
+            <a:avLst/>
+          </a:prstGeom>
+        </p:spPr>
+        <p:txBody>
+          <a:bodyPr vert="horz" lIns="91440" tIns="45720" rIns="91440" bIns="45720" rtlCol="0" anchor="t">
+            <a:normAutofit lnSpcReduction="10000"/>
+          </a:bodyPr>
+          <a:lstStyle>
+            <a:lvl1pPr algn="l" defTabSz="914400" rtl="0" eaLnBrk="1" latinLnBrk="0" hangingPunct="1">
+              <a:lnSpc>
+                <a:spcPct val="90000"/>
+              </a:lnSpc>
+              <a:spcBef>
+                <a:spcPct val="0"/>
+              </a:spcBef>
+              <a:buNone/>
+              <a:defRPr sz="3200" kern="1200">
+                <a:solidFill>
+                  <a:schemeClr val="tx1"/>
+                </a:solidFill>
+                <a:latin typeface="+mj-lt"/>
+                <a:ea typeface="+mj-ea"/>
+                <a:cs typeface="+mj-cs"/>
+              </a:defRPr>
+            </a:lvl1pPr>
+          </a:lstStyle>
+          <a:p>
+            <a:r>
+              <a:rPr lang="en-GB" err="1"/>
+              <a:t>Espacenet</a:t>
+            </a:r>
+            <a:r>
+              <a:rPr lang="en-GB"/>
+              <a:t> Data: Patent families </a:t>
+            </a:r>
+            <a:endParaRPr lang="de-DE"/>
           </a:p>
         </p:txBody>
       </p:sp>
       <p:pic>
         <p:nvPicPr>
-          <p:cNvPr id="7" name="Content Placeholder 6" descr="A graph showing the growth of a book&#10;&#10;Description automatically generated">
+          <p:cNvPr id="5" name="Content Placeholder 4" descr="A graph of a number of families&#10;&#10;Description automatically generated">
             <a:extLst>
               <a:ext uri="{FF2B5EF4-FFF2-40B4-BE49-F238E27FC236}">
-                <a16:creationId xmlns:a16="http://schemas.microsoft.com/office/drawing/2014/main" id="{19EA9D37-D23E-EE12-4ACB-031C10461D17}"/>
+                <a16:creationId xmlns:a16="http://schemas.microsoft.com/office/drawing/2014/main" id="{E5140478-E8F8-31CF-8577-F7625D55D1AA}"/>
               </a:ext>
             </a:extLst>
           </p:cNvPr>
@@ -5145,7 +5424,7 @@
     </p:spTree>
     <p:extLst>
       <p:ext uri="{BB962C8B-B14F-4D97-AF65-F5344CB8AC3E}">
-        <p14:creationId xmlns:p14="http://schemas.microsoft.com/office/powerpoint/2010/main" val="3666487214"/>
+        <p14:creationId xmlns:p14="http://schemas.microsoft.com/office/powerpoint/2010/main" val="233784213"/>
       </p:ext>
     </p:extLst>
   </p:cSld>
@@ -5177,7 +5456,7 @@
           <p:cNvPr id="2" name="Title 1">
             <a:extLst>
               <a:ext uri="{FF2B5EF4-FFF2-40B4-BE49-F238E27FC236}">
-                <a16:creationId xmlns:a16="http://schemas.microsoft.com/office/drawing/2014/main" id="{2607136C-E885-609E-94FD-103F489D415B}"/>
+                <a16:creationId xmlns:a16="http://schemas.microsoft.com/office/drawing/2014/main" id="{A1B1FB28-5B8C-BCFB-04B3-54966AAE995C}"/>
               </a:ext>
             </a:extLst>
           </p:cNvPr>
@@ -5194,10 +5473,10 @@
           <a:lstStyle/>
           <a:p>
             <a:r>
-              <a:rPr lang="en-US" dirty="0"/>
-              <a:t>WIPO</a:t>
-            </a:r>
-            <a:endParaRPr lang="en-DE" dirty="0"/>
+              <a:rPr lang="en-US" err="1"/>
+              <a:t>Espacenet</a:t>
+            </a:r>
+            <a:endParaRPr lang="en-DE"/>
           </a:p>
         </p:txBody>
       </p:sp>
@@ -5206,7 +5485,7 @@
           <p:cNvPr id="4" name="Text Placeholder 3">
             <a:extLst>
               <a:ext uri="{FF2B5EF4-FFF2-40B4-BE49-F238E27FC236}">
-                <a16:creationId xmlns:a16="http://schemas.microsoft.com/office/drawing/2014/main" id="{A9E17B91-A842-294D-FDBB-489DAA25A9FA}"/>
+                <a16:creationId xmlns:a16="http://schemas.microsoft.com/office/drawing/2014/main" id="{EC61FC60-B060-12B2-5E82-55544DE04D4C}"/>
               </a:ext>
             </a:extLst>
           </p:cNvPr>
@@ -5219,63 +5498,27 @@
         </p:nvSpPr>
         <p:spPr/>
         <p:txBody>
-          <a:bodyPr vert="horz" lIns="91440" tIns="45720" rIns="91440" bIns="45720" rtlCol="0" anchor="t">
-            <a:normAutofit/>
-          </a:bodyPr>
+          <a:bodyPr/>
           <a:lstStyle/>
           <a:p>
             <a:pPr marL="285750" indent="-285750">
+              <a:buFont typeface="Arial" panose="020B0604020202020204" pitchFamily="34" charset="0"/>
               <a:buChar char="•"/>
             </a:pPr>
             <a:r>
-              <a:rPr lang="en-DE" dirty="0"/>
-              <a:t>WIPO additionally manages the rights to 605 international patents (not shown </a:t>
-            </a:r>
-            <a:r>
-              <a:rPr lang="en-DE"/>
-              <a:t>in graph)</a:t>
-            </a:r>
-            <a:endParaRPr lang="en-US" dirty="0"/>
-          </a:p>
-          <a:p>
-            <a:pPr marL="285750" indent="-285750">
-              <a:buChar char="•"/>
-            </a:pPr>
-            <a:r>
-              <a:rPr lang="en-US" dirty="0"/>
-              <a:t>Unlike </a:t>
-            </a:r>
-            <a:r>
-              <a:rPr lang="en-US" dirty="0" err="1"/>
-              <a:t>Espacenet</a:t>
-            </a:r>
-            <a:r>
-              <a:rPr lang="en-US" dirty="0"/>
-              <a:t>, WIPO is dominated by the USA</a:t>
-            </a:r>
-          </a:p>
-          <a:p>
-            <a:pPr marL="285750" indent="-285750">
-              <a:buChar char="•"/>
-            </a:pPr>
-            <a:r>
-              <a:rPr lang="en-US" dirty="0"/>
-              <a:t>India, Australia and Canada have a much higher number of patents published compared to </a:t>
-            </a:r>
-            <a:r>
-              <a:rPr lang="en-US" dirty="0" err="1"/>
-              <a:t>Espacenet</a:t>
-            </a:r>
-            <a:endParaRPr lang="en-DE" dirty="0"/>
+              <a:rPr lang="en-US"/>
+              <a:t>Data before 2015 shown likely due to the earliest publication being before 2015, while current publication of the corresponding patent is from 2015 onward</a:t>
+            </a:r>
+            <a:endParaRPr lang="en-DE"/>
           </a:p>
         </p:txBody>
       </p:sp>
       <p:pic>
         <p:nvPicPr>
-          <p:cNvPr id="7" name="Content Placeholder 6" descr="A graph of blue and white bars&#10;&#10;Description automatically generated">
+          <p:cNvPr id="6" name="Content Placeholder 5" descr="A graph with a line going up&#10;&#10;Description automatically generated">
             <a:extLst>
               <a:ext uri="{FF2B5EF4-FFF2-40B4-BE49-F238E27FC236}">
-                <a16:creationId xmlns:a16="http://schemas.microsoft.com/office/drawing/2014/main" id="{28E7E884-2B3B-27CF-FF3A-73A149F825F9}"/>
+                <a16:creationId xmlns:a16="http://schemas.microsoft.com/office/drawing/2014/main" id="{9D3E5814-5C9A-7F41-EC8B-5C35FFDDB850}"/>
               </a:ext>
             </a:extLst>
           </p:cNvPr>
@@ -5299,10 +5542,55 @@
           </a:xfrm>
         </p:spPr>
       </p:pic>
+      <p:sp>
+        <p:nvSpPr>
+          <p:cNvPr id="5" name="TextBox 4">
+            <a:extLst>
+              <a:ext uri="{FF2B5EF4-FFF2-40B4-BE49-F238E27FC236}">
+                <a16:creationId xmlns:a16="http://schemas.microsoft.com/office/drawing/2014/main" id="{9FE5F8D1-AC54-3C3F-FF5D-3996FB214FDD}"/>
+              </a:ext>
+            </a:extLst>
+          </p:cNvPr>
+          <p:cNvSpPr txBox="1"/>
+          <p:nvPr/>
+        </p:nvSpPr>
+        <p:spPr>
+          <a:xfrm>
+            <a:off x="202790" y="4021569"/>
+            <a:ext cx="5693272" cy="1015663"/>
+          </a:xfrm>
+          <a:prstGeom prst="rect">
+            <a:avLst/>
+          </a:prstGeom>
+          <a:solidFill>
+            <a:schemeClr val="bg1"/>
+          </a:solidFill>
+        </p:spPr>
+        <p:txBody>
+          <a:bodyPr rot="0" spcFirstLastPara="0" vertOverflow="overflow" horzOverflow="overflow" vert="horz" wrap="square" lIns="91440" tIns="45720" rIns="91440" bIns="45720" numCol="1" spcCol="0" rtlCol="0" fromWordArt="0" anchor="t" anchorCtr="0" forceAA="0" compatLnSpc="1">
+            <a:prstTxWarp prst="textNoShape">
+              <a:avLst/>
+            </a:prstTxWarp>
+            <a:spAutoFit/>
+          </a:bodyPr>
+          <a:lstStyle/>
+          <a:p>
+            <a:pPr algn="l"/>
+            <a:r>
+              <a:rPr lang="en-GB" sz="6000">
+                <a:solidFill>
+                  <a:srgbClr val="FF0000"/>
+                </a:solidFill>
+              </a:rPr>
+              <a:t>UPDATEN</a:t>
+            </a:r>
+          </a:p>
+        </p:txBody>
+      </p:sp>
     </p:spTree>
     <p:extLst>
       <p:ext uri="{BB962C8B-B14F-4D97-AF65-F5344CB8AC3E}">
-        <p14:creationId xmlns:p14="http://schemas.microsoft.com/office/powerpoint/2010/main" val="3793083112"/>
+        <p14:creationId xmlns:p14="http://schemas.microsoft.com/office/powerpoint/2010/main" val="3666487214"/>
       </p:ext>
     </p:extLst>
   </p:cSld>
@@ -5334,7 +5622,7 @@
           <p:cNvPr id="2" name="Title 1">
             <a:extLst>
               <a:ext uri="{FF2B5EF4-FFF2-40B4-BE49-F238E27FC236}">
-                <a16:creationId xmlns:a16="http://schemas.microsoft.com/office/drawing/2014/main" id="{48B0D354-45FF-F7F1-B31C-13325FBFAE41}"/>
+                <a16:creationId xmlns:a16="http://schemas.microsoft.com/office/drawing/2014/main" id="{A1B1FB28-5B8C-BCFB-04B3-54966AAE995C}"/>
               </a:ext>
             </a:extLst>
           </p:cNvPr>
@@ -5351,10 +5639,10 @@
           <a:lstStyle/>
           <a:p>
             <a:r>
-              <a:rPr lang="en-US" dirty="0"/>
-              <a:t>WIPO</a:t>
-            </a:r>
-            <a:endParaRPr lang="en-DE" dirty="0"/>
+              <a:rPr lang="en-US" err="1"/>
+              <a:t>Espacenet</a:t>
+            </a:r>
+            <a:endParaRPr lang="en-DE"/>
           </a:p>
         </p:txBody>
       </p:sp>
@@ -5363,7 +5651,7 @@
           <p:cNvPr id="4" name="Text Placeholder 3">
             <a:extLst>
               <a:ext uri="{FF2B5EF4-FFF2-40B4-BE49-F238E27FC236}">
-                <a16:creationId xmlns:a16="http://schemas.microsoft.com/office/drawing/2014/main" id="{B6B3E347-573E-8418-4C83-C104B4CA332C}"/>
+                <a16:creationId xmlns:a16="http://schemas.microsoft.com/office/drawing/2014/main" id="{EC61FC60-B060-12B2-5E82-55544DE04D4C}"/>
               </a:ext>
             </a:extLst>
           </p:cNvPr>
@@ -5384,39 +5672,19 @@
               <a:buChar char="•"/>
             </a:pPr>
             <a:r>
-              <a:rPr lang="en-US" dirty="0"/>
-              <a:t>Visible decline from 2021 onwards</a:t>
-            </a:r>
-          </a:p>
-          <a:p>
-            <a:pPr marL="285750" indent="-285750">
-              <a:buFont typeface="Arial" panose="020B0604020202020204" pitchFamily="34" charset="0"/>
-              <a:buChar char="•"/>
-            </a:pPr>
-            <a:r>
-              <a:rPr lang="en-US" dirty="0"/>
-              <a:t>Given the dominance of the USA in WIPO, the decline is likely in large part due to a declining number of patents published in that area</a:t>
-            </a:r>
-          </a:p>
-          <a:p>
-            <a:pPr marL="285750" indent="-285750">
-              <a:buFont typeface="Arial" panose="020B0604020202020204" pitchFamily="34" charset="0"/>
-              <a:buChar char="•"/>
-            </a:pPr>
-            <a:r>
-              <a:rPr lang="en-US" dirty="0"/>
-              <a:t>Possible links to the Ukraine-Russia conflict that emerged in early 2022 and the economic regression that followed in many Western countries</a:t>
-            </a:r>
-            <a:endParaRPr lang="en-DE" dirty="0"/>
+              <a:rPr lang="en-US"/>
+              <a:t>Data before 2015 shown likely due to the earliest publication being before 2015, while current publication of the corresponding patent is from 2015 onward</a:t>
+            </a:r>
+            <a:endParaRPr lang="en-DE"/>
           </a:p>
         </p:txBody>
       </p:sp>
       <p:pic>
         <p:nvPicPr>
-          <p:cNvPr id="7" name="Content Placeholder 6" descr="A graph showing the number of patentes&#10;&#10;Description automatically generated">
+          <p:cNvPr id="7" name="Content Placeholder 6" descr="A graph with blue and orange lines&#10;&#10;Description automatically generated">
             <a:extLst>
               <a:ext uri="{FF2B5EF4-FFF2-40B4-BE49-F238E27FC236}">
-                <a16:creationId xmlns:a16="http://schemas.microsoft.com/office/drawing/2014/main" id="{32121764-E93C-8100-8E7A-17DFC621D7B6}"/>
+                <a16:creationId xmlns:a16="http://schemas.microsoft.com/office/drawing/2014/main" id="{2E12B85E-2AB5-43B1-0DA4-A44F1B6A085E}"/>
               </a:ext>
             </a:extLst>
           </p:cNvPr>
@@ -5440,10 +5708,55 @@
           </a:xfrm>
         </p:spPr>
       </p:pic>
+      <p:sp>
+        <p:nvSpPr>
+          <p:cNvPr id="5" name="TextBox 4">
+            <a:extLst>
+              <a:ext uri="{FF2B5EF4-FFF2-40B4-BE49-F238E27FC236}">
+                <a16:creationId xmlns:a16="http://schemas.microsoft.com/office/drawing/2014/main" id="{37A8797B-7C54-DF99-34BB-B5AD38258131}"/>
+              </a:ext>
+            </a:extLst>
+          </p:cNvPr>
+          <p:cNvSpPr txBox="1"/>
+          <p:nvPr/>
+        </p:nvSpPr>
+        <p:spPr>
+          <a:xfrm>
+            <a:off x="2636274" y="3960118"/>
+            <a:ext cx="5693272" cy="1015663"/>
+          </a:xfrm>
+          <a:prstGeom prst="rect">
+            <a:avLst/>
+          </a:prstGeom>
+          <a:solidFill>
+            <a:schemeClr val="bg1"/>
+          </a:solidFill>
+        </p:spPr>
+        <p:txBody>
+          <a:bodyPr rot="0" spcFirstLastPara="0" vertOverflow="overflow" horzOverflow="overflow" vert="horz" wrap="square" lIns="91440" tIns="45720" rIns="91440" bIns="45720" numCol="1" spcCol="0" rtlCol="0" fromWordArt="0" anchor="t" anchorCtr="0" forceAA="0" compatLnSpc="1">
+            <a:prstTxWarp prst="textNoShape">
+              <a:avLst/>
+            </a:prstTxWarp>
+            <a:spAutoFit/>
+          </a:bodyPr>
+          <a:lstStyle/>
+          <a:p>
+            <a:pPr algn="l"/>
+            <a:r>
+              <a:rPr lang="en-GB" sz="6000">
+                <a:solidFill>
+                  <a:srgbClr val="FF0000"/>
+                </a:solidFill>
+              </a:rPr>
+              <a:t>UPDATEN</a:t>
+            </a:r>
+          </a:p>
+        </p:txBody>
+      </p:sp>
     </p:spTree>
     <p:extLst>
       <p:ext uri="{BB962C8B-B14F-4D97-AF65-F5344CB8AC3E}">
-        <p14:creationId xmlns:p14="http://schemas.microsoft.com/office/powerpoint/2010/main" val="1780811718"/>
+        <p14:creationId xmlns:p14="http://schemas.microsoft.com/office/powerpoint/2010/main" val="247480324"/>
       </p:ext>
     </p:extLst>
   </p:cSld>
@@ -5492,7 +5805,7 @@
           <a:lstStyle/>
           <a:p>
             <a:r>
-              <a:rPr lang="en-GB" dirty="0"/>
+              <a:rPr lang="en-GB"/>
               <a:t>Web of Science Search String</a:t>
             </a:r>
           </a:p>
@@ -5522,7 +5835,7 @@
         </p:spPr>
         <p:txBody>
           <a:bodyPr vert="horz" lIns="91440" tIns="45720" rIns="91440" bIns="45720" rtlCol="0" anchor="t">
-            <a:normAutofit lnSpcReduction="10000"/>
+            <a:normAutofit/>
           </a:bodyPr>
           <a:lstStyle/>
           <a:p>
@@ -5530,7 +5843,7 @@
               <a:buNone/>
             </a:pPr>
             <a:r>
-              <a:rPr lang="en-GB" sz="1400" dirty="0">
+              <a:rPr lang="en-GB" sz="1400">
                 <a:latin typeface="Consolas"/>
                 <a:ea typeface="+mn-lt"/>
                 <a:cs typeface="+mn-lt"/>
@@ -5538,7 +5851,7 @@
               <a:t>  TS=("self heal*" </a:t>
             </a:r>
             <a:r>
-              <a:rPr lang="en-GB" sz="1400" b="1" dirty="0">
+              <a:rPr lang="en-GB" sz="1400" b="1">
                 <a:solidFill>
                   <a:srgbClr val="000080"/>
                 </a:solidFill>
@@ -5549,7 +5862,7 @@
               <a:t>OR</a:t>
             </a:r>
             <a:r>
-              <a:rPr lang="en-GB" sz="1400" dirty="0">
+              <a:rPr lang="en-GB" sz="1400">
                 <a:latin typeface="Consolas"/>
                 <a:ea typeface="+mn-lt"/>
                 <a:cs typeface="+mn-lt"/>
@@ -5557,7 +5870,7 @@
               <a:t> "self repair*" </a:t>
             </a:r>
             <a:r>
-              <a:rPr lang="en-GB" sz="1400" b="1" dirty="0">
+              <a:rPr lang="en-GB" sz="1400" b="1">
                 <a:solidFill>
                   <a:srgbClr val="000080"/>
                 </a:solidFill>
@@ -5568,7 +5881,7 @@
               <a:t>OR</a:t>
             </a:r>
             <a:r>
-              <a:rPr lang="en-GB" sz="1400" dirty="0">
+              <a:rPr lang="en-GB" sz="1400">
                 <a:latin typeface="Consolas"/>
                 <a:ea typeface="+mn-lt"/>
                 <a:cs typeface="+mn-lt"/>
@@ -5584,7 +5897,7 @@
               <a:t>autonom</a:t>
             </a:r>
             <a:r>
-              <a:rPr lang="en-GB" sz="1400" dirty="0">
+              <a:rPr lang="en-GB" sz="1400">
                 <a:latin typeface="Consolas"/>
                 <a:ea typeface="+mn-lt"/>
                 <a:cs typeface="+mn-lt"/>
@@ -5592,7 +5905,7 @@
               <a:t>* repair*" </a:t>
             </a:r>
             <a:r>
-              <a:rPr lang="en-GB" sz="1400" b="1" dirty="0">
+              <a:rPr lang="en-GB" sz="1400" b="1">
                 <a:solidFill>
                   <a:srgbClr val="000080"/>
                 </a:solidFill>
@@ -5603,7 +5916,7 @@
               <a:t>OR</a:t>
             </a:r>
             <a:r>
-              <a:rPr lang="en-GB" sz="1400" dirty="0">
+              <a:rPr lang="en-GB" sz="1400">
                 <a:latin typeface="Consolas"/>
                 <a:ea typeface="+mn-lt"/>
                 <a:cs typeface="+mn-lt"/>
@@ -5619,7 +5932,7 @@
               <a:t>autonom</a:t>
             </a:r>
             <a:r>
-              <a:rPr lang="en-GB" sz="1400" dirty="0">
+              <a:rPr lang="en-GB" sz="1400">
                 <a:latin typeface="Consolas"/>
                 <a:ea typeface="+mn-lt"/>
                 <a:cs typeface="+mn-lt"/>
@@ -5635,7 +5948,7 @@
               <a:buNone/>
             </a:pPr>
             <a:r>
-              <a:rPr lang="en-GB" sz="1400" dirty="0">
+              <a:rPr lang="en-GB" sz="1400">
                 <a:latin typeface="Consolas"/>
                 <a:ea typeface="+mn-lt"/>
                 <a:cs typeface="+mn-lt"/>
@@ -5643,7 +5956,7 @@
               <a:t>  </a:t>
             </a:r>
             <a:r>
-              <a:rPr lang="en-GB" sz="1400" b="1" dirty="0">
+              <a:rPr lang="en-GB" sz="1400" b="1">
                 <a:solidFill>
                   <a:srgbClr val="000080"/>
                 </a:solidFill>
@@ -5654,7 +5967,7 @@
               <a:t>AND</a:t>
             </a:r>
             <a:r>
-              <a:rPr lang="en-GB" sz="1400" dirty="0">
+              <a:rPr lang="en-GB" sz="1400">
                 <a:latin typeface="Consolas"/>
                 <a:ea typeface="+mn-lt"/>
                 <a:cs typeface="+mn-lt"/>
@@ -5662,7 +5975,7 @@
               <a:t> TS=("material*" </a:t>
             </a:r>
             <a:r>
-              <a:rPr lang="en-GB" sz="1400" b="1" dirty="0">
+              <a:rPr lang="en-GB" sz="1400" b="1">
                 <a:solidFill>
                   <a:srgbClr val="000080"/>
                 </a:solidFill>
@@ -5673,7 +5986,7 @@
               <a:t>OR</a:t>
             </a:r>
             <a:r>
-              <a:rPr lang="en-GB" sz="1400" dirty="0">
+              <a:rPr lang="en-GB" sz="1400">
                 <a:latin typeface="Consolas"/>
                 <a:ea typeface="+mn-lt"/>
                 <a:cs typeface="+mn-lt"/>
@@ -5681,7 +5994,7 @@
               <a:t> "polymer*" </a:t>
             </a:r>
             <a:r>
-              <a:rPr lang="en-GB" sz="1400" b="1" dirty="0">
+              <a:rPr lang="en-GB" sz="1400" b="1">
                 <a:solidFill>
                   <a:srgbClr val="000080"/>
                 </a:solidFill>
@@ -5692,7 +6005,7 @@
               <a:t>OR</a:t>
             </a:r>
             <a:r>
-              <a:rPr lang="en-GB" sz="1400" dirty="0">
+              <a:rPr lang="en-GB" sz="1400">
                 <a:latin typeface="Consolas"/>
                 <a:ea typeface="+mn-lt"/>
                 <a:cs typeface="+mn-lt"/>
@@ -5700,7 +6013,7 @@
               <a:t> "composite*" </a:t>
             </a:r>
             <a:r>
-              <a:rPr lang="en-GB" sz="1400" b="1" dirty="0">
+              <a:rPr lang="en-GB" sz="1400" b="1">
                 <a:solidFill>
                   <a:srgbClr val="000080"/>
                 </a:solidFill>
@@ -5711,7 +6024,7 @@
               <a:t>OR</a:t>
             </a:r>
             <a:r>
-              <a:rPr lang="en-GB" sz="1400" dirty="0">
+              <a:rPr lang="en-GB" sz="1400">
                 <a:latin typeface="Consolas"/>
                 <a:ea typeface="+mn-lt"/>
                 <a:cs typeface="+mn-lt"/>
@@ -5719,7 +6032,7 @@
               <a:t> "ceramic*" </a:t>
             </a:r>
             <a:r>
-              <a:rPr lang="en-GB" sz="1400" b="1" dirty="0">
+              <a:rPr lang="en-GB" sz="1400" b="1">
                 <a:solidFill>
                   <a:srgbClr val="000080"/>
                 </a:solidFill>
@@ -5730,7 +6043,7 @@
               <a:t>OR</a:t>
             </a:r>
             <a:r>
-              <a:rPr lang="en-GB" sz="1400" dirty="0">
+              <a:rPr lang="en-GB" sz="1400">
                 <a:latin typeface="Consolas"/>
                 <a:ea typeface="+mn-lt"/>
                 <a:cs typeface="+mn-lt"/>
@@ -5738,7 +6051,7 @@
               <a:t> "metal*" </a:t>
             </a:r>
             <a:r>
-              <a:rPr lang="en-GB" sz="1400" b="1" dirty="0">
+              <a:rPr lang="en-GB" sz="1400" b="1">
                 <a:solidFill>
                   <a:srgbClr val="000080"/>
                 </a:solidFill>
@@ -5749,7 +6062,7 @@
               <a:t>OR</a:t>
             </a:r>
             <a:r>
-              <a:rPr lang="en-GB" sz="1400" dirty="0">
+              <a:rPr lang="en-GB" sz="1400">
                 <a:latin typeface="Consolas"/>
                 <a:ea typeface="+mn-lt"/>
                 <a:cs typeface="+mn-lt"/>
@@ -5757,7 +6070,7 @@
               <a:t>  "alloy*" </a:t>
             </a:r>
             <a:r>
-              <a:rPr lang="en-GB" sz="1400" b="1" dirty="0">
+              <a:rPr lang="en-GB" sz="1400" b="1">
                 <a:solidFill>
                   <a:srgbClr val="000080"/>
                 </a:solidFill>
@@ -5768,7 +6081,7 @@
               <a:t>OR</a:t>
             </a:r>
             <a:r>
-              <a:rPr lang="en-GB" sz="1400" dirty="0">
+              <a:rPr lang="en-GB" sz="1400">
                 <a:latin typeface="Consolas"/>
                 <a:ea typeface="+mn-lt"/>
                 <a:cs typeface="+mn-lt"/>
@@ -5776,7 +6089,7 @@
               <a:t> "cement*" </a:t>
             </a:r>
             <a:r>
-              <a:rPr lang="en-GB" sz="1400" dirty="0">
+              <a:rPr lang="en-GB" sz="1400">
                 <a:solidFill>
                   <a:srgbClr val="000000"/>
                 </a:solidFill>
@@ -5795,66 +6108,53 @@
                 <a:ea typeface="+mn-lt"/>
                 <a:cs typeface="+mn-lt"/>
               </a:rPr>
-              <a:t>  </a:t>
-            </a:r>
-            <a:r>
-              <a:rPr lang="en-GB" sz="1400" b="1" dirty="0">
-                <a:solidFill>
-                  <a:srgbClr val="000080"/>
-                </a:solidFill>
+              <a:t>  OR</a:t>
+            </a:r>
+            <a:r>
+              <a:rPr lang="en-GB" sz="1400">
                 <a:latin typeface="Consolas"/>
                 <a:ea typeface="+mn-lt"/>
                 <a:cs typeface="+mn-lt"/>
               </a:rPr>
-              <a:t>OR</a:t>
-            </a:r>
-            <a:r>
-              <a:rPr lang="en-GB" sz="1400" dirty="0">
-                <a:latin typeface="Consolas"/>
-                <a:ea typeface="+mn-lt"/>
-                <a:cs typeface="+mn-lt"/>
-              </a:rPr>
               <a:t> "concrete*")</a:t>
             </a:r>
-            <a:endParaRPr lang="en-GB" sz="1400">
-              <a:latin typeface="Consolas"/>
-              <a:ea typeface="+mn-lt"/>
-              <a:cs typeface="+mn-lt"/>
-            </a:endParaRPr>
           </a:p>
           <a:p>
             <a:pPr marL="0" indent="0">
               <a:buNone/>
             </a:pPr>
             <a:r>
-              <a:rPr lang="en-GB" sz="1400" dirty="0">
+              <a:rPr lang="en-GB" sz="1400" b="1">
+                <a:solidFill>
+                  <a:srgbClr val="000080"/>
+                </a:solidFill>
                 <a:latin typeface="Consolas"/>
                 <a:ea typeface="+mn-lt"/>
                 <a:cs typeface="+mn-lt"/>
               </a:rPr>
-              <a:t>  </a:t>
-            </a:r>
-            <a:r>
-              <a:rPr lang="en-GB" sz="1400" b="1" dirty="0">
-                <a:solidFill>
-                  <a:srgbClr val="000080"/>
-                </a:solidFill>
+              <a:t>  NOT</a:t>
+            </a:r>
+            <a:r>
+              <a:rPr lang="en-GB" sz="1400">
                 <a:latin typeface="Consolas"/>
                 <a:ea typeface="+mn-lt"/>
                 <a:cs typeface="+mn-lt"/>
               </a:rPr>
-              <a:t>AND</a:t>
-            </a:r>
-            <a:r>
-              <a:rPr lang="en-GB" sz="1400" dirty="0">
+              <a:t> TS=("biology"</a:t>
+            </a:r>
+            <a:r>
+              <a:rPr lang="en-GB" sz="1400">
+                <a:solidFill>
+                  <a:srgbClr val="000000"/>
+                </a:solidFill>
                 <a:latin typeface="Consolas"/>
                 <a:ea typeface="+mn-lt"/>
                 <a:cs typeface="+mn-lt"/>
               </a:rPr>
-              <a:t> TS=("application*" </a:t>
-            </a:r>
-            <a:r>
-              <a:rPr lang="en-GB" sz="1400" b="1" dirty="0">
+              <a:t> </a:t>
+            </a:r>
+            <a:r>
+              <a:rPr lang="en-GB" sz="1400" b="1">
                 <a:solidFill>
                   <a:srgbClr val="000080"/>
                 </a:solidFill>
@@ -5865,31 +6165,34 @@
               <a:t>OR</a:t>
             </a:r>
             <a:r>
-              <a:rPr lang="en-GB" sz="1400" dirty="0">
+              <a:rPr lang="en-GB" sz="1400">
                 <a:latin typeface="Consolas"/>
                 <a:ea typeface="+mn-lt"/>
                 <a:cs typeface="+mn-lt"/>
               </a:rPr>
-              <a:t> "</a:t>
-            </a:r>
-            <a:r>
-              <a:rPr lang="en-GB" sz="1400" dirty="0" err="1">
+              <a:t> "biological system*" </a:t>
+            </a:r>
+            <a:r>
+              <a:rPr lang="en-GB" sz="1400" b="1">
+                <a:solidFill>
+                  <a:srgbClr val="000080"/>
+                </a:solidFill>
                 <a:latin typeface="Consolas"/>
                 <a:ea typeface="+mn-lt"/>
                 <a:cs typeface="+mn-lt"/>
               </a:rPr>
-              <a:t>technolog</a:t>
-            </a:r>
-            <a:r>
-              <a:rPr lang="en-GB" sz="1400" dirty="0">
+              <a:t>OR</a:t>
+            </a:r>
+            <a:r>
+              <a:rPr lang="en-GB" sz="1400">
                 <a:latin typeface="Consolas"/>
                 <a:ea typeface="+mn-lt"/>
                 <a:cs typeface="+mn-lt"/>
               </a:rPr>
-              <a:t>*" </a:t>
-            </a:r>
-            <a:r>
-              <a:rPr lang="en-GB" sz="1400" b="1" dirty="0">
+              <a:t> "hydrogel*" </a:t>
+            </a:r>
+            <a:r>
+              <a:rPr lang="en-GB" sz="1400" b="1">
                 <a:solidFill>
                   <a:srgbClr val="000080"/>
                 </a:solidFill>
@@ -5900,66 +6203,64 @@
               <a:t>OR</a:t>
             </a:r>
             <a:r>
-              <a:rPr lang="en-GB" sz="1400" dirty="0">
+              <a:rPr lang="en-GB" sz="1400">
                 <a:latin typeface="Consolas"/>
                 <a:ea typeface="+mn-lt"/>
                 <a:cs typeface="+mn-lt"/>
               </a:rPr>
-              <a:t> "</a:t>
-            </a:r>
-            <a:r>
-              <a:rPr lang="en-GB" sz="1400" dirty="0" err="1">
+              <a:t> "gel*" </a:t>
+            </a:r>
+            <a:r>
+              <a:rPr lang="en-GB" sz="1400" b="1">
+                <a:solidFill>
+                  <a:srgbClr val="000080"/>
+                </a:solidFill>
                 <a:latin typeface="Consolas"/>
                 <a:ea typeface="+mn-lt"/>
                 <a:cs typeface="+mn-lt"/>
               </a:rPr>
-              <a:t>propert</a:t>
-            </a:r>
-            <a:r>
-              <a:rPr lang="en-GB" sz="1400" dirty="0">
+              <a:t>OR</a:t>
+            </a:r>
+            <a:r>
+              <a:rPr lang="en-GB" sz="1400">
                 <a:latin typeface="Consolas"/>
                 <a:ea typeface="+mn-lt"/>
                 <a:cs typeface="+mn-lt"/>
               </a:rPr>
-              <a:t>*" </a:t>
-            </a:r>
-            <a:r>
-              <a:rPr lang="en-GB" sz="1400" b="1" dirty="0">
-                <a:solidFill>
-                  <a:srgbClr val="000080"/>
+              <a:t> "organic material*"</a:t>
+            </a:r>
+            <a:r>
+              <a:rPr lang="en-GB" sz="1400">
+                <a:solidFill>
+                  <a:srgbClr val="000000"/>
                 </a:solidFill>
                 <a:latin typeface="Consolas"/>
                 <a:ea typeface="+mn-lt"/>
                 <a:cs typeface="+mn-lt"/>
               </a:rPr>
-              <a:t>OR</a:t>
-            </a:r>
-            <a:r>
-              <a:rPr lang="en-GB" sz="1400" dirty="0">
+              <a:t> </a:t>
+            </a:r>
+            <a:r>
+              <a:rPr lang="en-GB" sz="1400" b="1">
+                <a:solidFill>
+                  <a:srgbClr val="000080"/>
+                </a:solidFill>
                 <a:latin typeface="Consolas"/>
                 <a:ea typeface="+mn-lt"/>
                 <a:cs typeface="+mn-lt"/>
               </a:rPr>
-              <a:t> "performance")</a:t>
-            </a:r>
-            <a:r>
-              <a:rPr lang="en-GB" sz="1400" dirty="0">
-                <a:solidFill>
-                  <a:srgbClr val="000000"/>
-                </a:solidFill>
+              <a:t>OR</a:t>
+            </a:r>
+            <a:r>
+              <a:rPr lang="en-GB" sz="1400">
                 <a:latin typeface="Consolas"/>
                 <a:ea typeface="+mn-lt"/>
                 <a:cs typeface="+mn-lt"/>
               </a:rPr>
-              <a:t> </a:t>
-            </a:r>
-          </a:p>
-          <a:p>
-            <a:pPr marL="0" indent="0">
-              <a:buNone/>
-            </a:pPr>
-            <a:r>
-              <a:rPr lang="en-GB" sz="1400" b="1" dirty="0">
+              <a:t> "wound     heal*" </a:t>
+            </a:r>
+            <a:r>
+              <a:rPr lang="en-GB" sz="1400" b="1">
                 <a:solidFill>
                   <a:srgbClr val="000080"/>
                 </a:solidFill>
@@ -5967,207 +6268,55 @@
                 <a:ea typeface="+mn-lt"/>
                 <a:cs typeface="+mn-lt"/>
               </a:rPr>
-              <a:t>  NOT</a:t>
-            </a:r>
-            <a:r>
-              <a:rPr lang="en-GB" sz="1400" dirty="0">
+              <a:t>OR </a:t>
+            </a:r>
+            <a:r>
+              <a:rPr lang="en-GB" sz="1400">
                 <a:latin typeface="Consolas"/>
                 <a:ea typeface="+mn-lt"/>
                 <a:cs typeface="+mn-lt"/>
               </a:rPr>
-              <a:t> TS=("biology"</a:t>
-            </a:r>
-            <a:r>
-              <a:rPr lang="en-GB" sz="1400" dirty="0">
-                <a:solidFill>
-                  <a:srgbClr val="000000"/>
+              <a:t>"medic*" </a:t>
+            </a:r>
+            <a:r>
+              <a:rPr lang="en-GB" sz="1400" b="1">
+                <a:solidFill>
+                  <a:srgbClr val="000080"/>
                 </a:solidFill>
                 <a:latin typeface="Consolas"/>
                 <a:ea typeface="+mn-lt"/>
                 <a:cs typeface="+mn-lt"/>
               </a:rPr>
-              <a:t> </a:t>
-            </a:r>
-            <a:r>
-              <a:rPr lang="en-GB" sz="1400" b="1" dirty="0">
-                <a:solidFill>
-                  <a:srgbClr val="000080"/>
-                </a:solidFill>
+              <a:t>OR</a:t>
+            </a:r>
+            <a:r>
+              <a:rPr lang="en-GB" sz="1400">
                 <a:latin typeface="Consolas"/>
                 <a:ea typeface="+mn-lt"/>
                 <a:cs typeface="+mn-lt"/>
               </a:rPr>
-              <a:t>OR</a:t>
-            </a:r>
-            <a:r>
-              <a:rPr lang="en-GB" sz="1400" dirty="0">
+              <a:t> "healthcare" </a:t>
+            </a:r>
+            <a:r>
+              <a:rPr lang="en-GB" sz="1400" b="1">
+                <a:solidFill>
+                  <a:srgbClr val="000080"/>
+                </a:solidFill>
                 <a:latin typeface="Consolas"/>
                 <a:ea typeface="+mn-lt"/>
                 <a:cs typeface="+mn-lt"/>
               </a:rPr>
-              <a:t> "biological system*" </a:t>
-            </a:r>
-            <a:r>
-              <a:rPr lang="en-GB" sz="1400" b="1" dirty="0">
-                <a:solidFill>
-                  <a:srgbClr val="000080"/>
-                </a:solidFill>
+              <a:t>OR</a:t>
+            </a:r>
+            <a:r>
+              <a:rPr lang="en-GB" sz="1400">
                 <a:latin typeface="Consolas"/>
                 <a:ea typeface="+mn-lt"/>
                 <a:cs typeface="+mn-lt"/>
               </a:rPr>
-              <a:t>OR</a:t>
-            </a:r>
-            <a:r>
-              <a:rPr lang="en-GB" sz="1400" dirty="0">
-                <a:latin typeface="Consolas"/>
-                <a:ea typeface="+mn-lt"/>
-                <a:cs typeface="+mn-lt"/>
-              </a:rPr>
-              <a:t> "hydrogel*" </a:t>
-            </a:r>
-            <a:r>
-              <a:rPr lang="en-GB" sz="1400" b="1" dirty="0">
-                <a:solidFill>
-                  <a:srgbClr val="000080"/>
-                </a:solidFill>
-                <a:latin typeface="Consolas"/>
-                <a:ea typeface="+mn-lt"/>
-                <a:cs typeface="+mn-lt"/>
-              </a:rPr>
-              <a:t>OR</a:t>
-            </a:r>
-            <a:r>
-              <a:rPr lang="en-GB" sz="1400" dirty="0">
-                <a:latin typeface="Consolas"/>
-                <a:ea typeface="+mn-lt"/>
-                <a:cs typeface="+mn-lt"/>
-              </a:rPr>
-              <a:t> "gel*" </a:t>
-            </a:r>
-            <a:r>
-              <a:rPr lang="en-GB" sz="1400" b="1" dirty="0">
-                <a:solidFill>
-                  <a:srgbClr val="000080"/>
-                </a:solidFill>
-                <a:latin typeface="Consolas"/>
-                <a:ea typeface="+mn-lt"/>
-                <a:cs typeface="+mn-lt"/>
-              </a:rPr>
-              <a:t>OR</a:t>
-            </a:r>
-            <a:r>
-              <a:rPr lang="en-GB" sz="1400" dirty="0">
-                <a:latin typeface="Consolas"/>
-                <a:ea typeface="+mn-lt"/>
-                <a:cs typeface="+mn-lt"/>
-              </a:rPr>
-              <a:t> "organic material*"</a:t>
-            </a:r>
-            <a:r>
-              <a:rPr lang="en-GB" sz="1400" dirty="0">
-                <a:solidFill>
-                  <a:srgbClr val="000000"/>
-                </a:solidFill>
-                <a:latin typeface="Consolas"/>
-                <a:ea typeface="+mn-lt"/>
-                <a:cs typeface="+mn-lt"/>
-              </a:rPr>
-              <a:t> </a:t>
-            </a:r>
-            <a:r>
-              <a:rPr lang="en-GB" sz="1400" b="1" dirty="0">
-                <a:solidFill>
-                  <a:srgbClr val="000080"/>
-                </a:solidFill>
-                <a:latin typeface="Consolas"/>
-                <a:ea typeface="+mn-lt"/>
-                <a:cs typeface="+mn-lt"/>
-              </a:rPr>
-              <a:t>OR</a:t>
-            </a:r>
-            <a:r>
-              <a:rPr lang="en-GB" sz="1400" dirty="0">
-                <a:latin typeface="Consolas"/>
-                <a:ea typeface="+mn-lt"/>
-                <a:cs typeface="+mn-lt"/>
-              </a:rPr>
-              <a:t> "wound    </a:t>
-            </a:r>
-            <a:r>
-              <a:rPr lang="en-GB" sz="1400">
-                <a:latin typeface="Consolas"/>
-                <a:ea typeface="+mn-lt"/>
-                <a:cs typeface="+mn-lt"/>
-              </a:rPr>
-              <a:t> </a:t>
-            </a:r>
-            <a:r>
-              <a:rPr lang="en-GB" sz="1400" dirty="0">
-                <a:latin typeface="Consolas"/>
-                <a:ea typeface="+mn-lt"/>
-                <a:cs typeface="+mn-lt"/>
-              </a:rPr>
-              <a:t>heal*" </a:t>
-            </a:r>
-            <a:r>
-              <a:rPr lang="en-GB" sz="1400" b="1" dirty="0">
-                <a:solidFill>
-                  <a:srgbClr val="000080"/>
-                </a:solidFill>
-                <a:latin typeface="Consolas"/>
-                <a:ea typeface="+mn-lt"/>
-                <a:cs typeface="+mn-lt"/>
-              </a:rPr>
-              <a:t>OR </a:t>
-            </a:r>
-            <a:r>
-              <a:rPr lang="en-GB" sz="1400" dirty="0">
-                <a:latin typeface="Consolas"/>
-                <a:ea typeface="+mn-lt"/>
-                <a:cs typeface="+mn-lt"/>
-              </a:rPr>
-              <a:t>"medic*" </a:t>
-            </a:r>
-            <a:r>
-              <a:rPr lang="en-GB" sz="1400" b="1" dirty="0">
-                <a:solidFill>
-                  <a:srgbClr val="000080"/>
-                </a:solidFill>
-                <a:latin typeface="Consolas"/>
-                <a:ea typeface="+mn-lt"/>
-                <a:cs typeface="+mn-lt"/>
-              </a:rPr>
-              <a:t>OR</a:t>
-            </a:r>
-            <a:r>
-              <a:rPr lang="en-GB" sz="1400" dirty="0">
-                <a:latin typeface="Consolas"/>
-                <a:ea typeface="+mn-lt"/>
-                <a:cs typeface="+mn-lt"/>
-              </a:rPr>
-              <a:t> "healthcare" </a:t>
-            </a:r>
-            <a:r>
-              <a:rPr lang="en-GB" sz="1400" b="1" dirty="0">
-                <a:solidFill>
-                  <a:srgbClr val="000080"/>
-                </a:solidFill>
-                <a:latin typeface="Consolas"/>
-                <a:ea typeface="+mn-lt"/>
-                <a:cs typeface="+mn-lt"/>
-              </a:rPr>
-              <a:t>OR</a:t>
-            </a:r>
-            <a:r>
-              <a:rPr lang="en-GB" sz="1400" dirty="0">
-                <a:latin typeface="Consolas"/>
-                <a:ea typeface="+mn-lt"/>
-                <a:cs typeface="+mn-lt"/>
-              </a:rPr>
               <a:t> "spirit*")  </a:t>
             </a:r>
-            <a:endParaRPr lang="en-GB" sz="1400" dirty="0">
+            <a:endParaRPr lang="en-GB" sz="1400">
               <a:solidFill>
                 <a:srgbClr val="000000"/>
               </a:solidFill>
@@ -6181,7 +6330,7 @@
               <a:buNone/>
             </a:pPr>
             <a:r>
-              <a:rPr lang="en-GB" sz="1400" b="1" dirty="0">
+              <a:rPr lang="en-GB" sz="1400" b="1">
                 <a:solidFill>
                   <a:srgbClr val="000080"/>
                 </a:solidFill>
@@ -6192,7 +6341,7 @@
               <a:t>  AND</a:t>
             </a:r>
             <a:r>
-              <a:rPr lang="en-GB" sz="1400" dirty="0">
+              <a:rPr lang="en-GB" sz="1400">
                 <a:latin typeface="Consolas"/>
                 <a:ea typeface="+mn-lt"/>
                 <a:cs typeface="+mn-lt"/>
@@ -6200,7 +6349,7 @@
               <a:t> PY=(</a:t>
             </a:r>
             <a:r>
-              <a:rPr lang="en-GB" sz="1400" dirty="0">
+              <a:rPr lang="en-GB" sz="1400">
                 <a:solidFill>
                   <a:srgbClr val="0000FF"/>
                 </a:solidFill>
@@ -6211,19 +6360,19 @@
               <a:t>2015-2025</a:t>
             </a:r>
             <a:r>
-              <a:rPr lang="en-GB" sz="1400" dirty="0">
+              <a:rPr lang="en-GB" sz="1400">
                 <a:latin typeface="Consolas"/>
                 <a:ea typeface="+mn-lt"/>
                 <a:cs typeface="+mn-lt"/>
               </a:rPr>
               <a:t>)</a:t>
             </a:r>
-            <a:endParaRPr lang="en-GB" sz="1400" dirty="0">
+            <a:endParaRPr lang="en-GB" sz="1400">
               <a:latin typeface="Consolas"/>
             </a:endParaRPr>
           </a:p>
           <a:p>
-            <a:endParaRPr lang="en-GB" dirty="0"/>
+            <a:endParaRPr lang="en-GB"/>
           </a:p>
         </p:txBody>
       </p:sp>
@@ -6242,14 +6391,14 @@
           <p:nvPr>
             <p:extLst>
               <p:ext uri="{D42A27DB-BD31-4B8C-83A1-F6EECF244321}">
-                <p14:modId xmlns:p14="http://schemas.microsoft.com/office/powerpoint/2010/main" val="3941980139"/>
+                <p14:modId xmlns:p14="http://schemas.microsoft.com/office/powerpoint/2010/main" val="4036500019"/>
               </p:ext>
             </p:extLst>
           </p:nvPr>
         </p:nvGraphicFramePr>
         <p:xfrm>
-          <a:off x="1757129" y="1437772"/>
-          <a:ext cx="8700603" cy="2853918"/>
+          <a:off x="2721919" y="1437772"/>
+          <a:ext cx="6596191" cy="2853918"/>
         </p:xfrm>
         <a:graphic>
           <a:graphicData uri="http://schemas.openxmlformats.org/drawingml/2006/table">
@@ -6258,49 +6407,35 @@
                 <a:tableStyleId>{7E9639D4-E3E2-4D34-9284-5A2195B3D0D7}</a:tableStyleId>
               </a:tblPr>
               <a:tblGrid>
-                <a:gridCol w="2072763">
+                <a:gridCol w="2081350">
                   <a:extLst>
                     <a:ext uri="{9D8B030D-6E8A-4147-A177-3AD203B41FA5}">
                       <a16:colId xmlns:a16="http://schemas.microsoft.com/office/drawing/2014/main" val="2294655383"/>
                     </a:ext>
                   </a:extLst>
                 </a:gridCol>
-                <a:gridCol w="636240">
+                <a:gridCol w="638875">
                   <a:extLst>
                     <a:ext uri="{9D8B030D-6E8A-4147-A177-3AD203B41FA5}">
                       <a16:colId xmlns:a16="http://schemas.microsoft.com/office/drawing/2014/main" val="2338996259"/>
                     </a:ext>
                   </a:extLst>
                 </a:gridCol>
-                <a:gridCol w="1328798">
+                <a:gridCol w="1334303">
                   <a:extLst>
                     <a:ext uri="{9D8B030D-6E8A-4147-A177-3AD203B41FA5}">
                       <a16:colId xmlns:a16="http://schemas.microsoft.com/office/drawing/2014/main" val="4176836242"/>
                     </a:ext>
                   </a:extLst>
                 </a:gridCol>
-                <a:gridCol w="636240">
-                  <a:extLst>
-                    <a:ext uri="{9D8B030D-6E8A-4147-A177-3AD203B41FA5}">
-                      <a16:colId xmlns:a16="http://schemas.microsoft.com/office/drawing/2014/main" val="1867451006"/>
-                    </a:ext>
-                  </a:extLst>
-                </a:gridCol>
-                <a:gridCol w="1495385">
-                  <a:extLst>
-                    <a:ext uri="{9D8B030D-6E8A-4147-A177-3AD203B41FA5}">
-                      <a16:colId xmlns:a16="http://schemas.microsoft.com/office/drawing/2014/main" val="1580553824"/>
-                    </a:ext>
-                  </a:extLst>
-                </a:gridCol>
-                <a:gridCol w="615654">
+                <a:gridCol w="618204">
                   <a:extLst>
                     <a:ext uri="{9D8B030D-6E8A-4147-A177-3AD203B41FA5}">
                       <a16:colId xmlns:a16="http://schemas.microsoft.com/office/drawing/2014/main" val="254465487"/>
                     </a:ext>
                   </a:extLst>
                 </a:gridCol>
-                <a:gridCol w="1915523">
+                <a:gridCol w="1923459">
                   <a:extLst>
                     <a:ext uri="{9D8B030D-6E8A-4147-A177-3AD203B41FA5}">
                       <a16:colId xmlns:a16="http://schemas.microsoft.com/office/drawing/2014/main" val="2690576278"/>
@@ -6315,7 +6450,7 @@
                     <a:lstStyle/>
                     <a:p>
                       <a:r>
-                        <a:rPr lang="de-DE" sz="1400" dirty="0"/>
+                        <a:rPr lang="de-DE" sz="1400"/>
                         <a:t>Self </a:t>
                       </a:r>
                       <a:r>
@@ -6323,7 +6458,7 @@
                         <a:t>heal</a:t>
                       </a:r>
                       <a:r>
-                        <a:rPr lang="de-DE" sz="1400" dirty="0"/>
+                        <a:rPr lang="de-DE" sz="1400"/>
                         <a:t>*</a:t>
                       </a:r>
                     </a:p>
@@ -6336,7 +6471,7 @@
                     <a:lstStyle/>
                     <a:p>
                       <a:r>
-                        <a:rPr lang="de-DE" sz="1400" b="1" dirty="0"/>
+                        <a:rPr lang="de-DE" sz="1400" b="1"/>
                         <a:t>AND</a:t>
                       </a:r>
                     </a:p>
@@ -6349,7 +6484,7 @@
                     <a:lstStyle/>
                     <a:p>
                       <a:r>
-                        <a:rPr lang="de-DE" sz="1400" dirty="0"/>
+                        <a:rPr lang="de-DE" sz="1400"/>
                         <a:t>Material*</a:t>
                       </a:r>
                     </a:p>
@@ -6362,37 +6497,7 @@
                     <a:lstStyle/>
                     <a:p>
                       <a:r>
-                        <a:rPr lang="de-DE" sz="1400" b="1" dirty="0"/>
-                        <a:t>AND</a:t>
-                      </a:r>
-                    </a:p>
-                  </a:txBody>
-                  <a:tcPr marL="90000"/>
-                </a:tc>
-                <a:tc>
-                  <a:txBody>
-                    <a:bodyPr/>
-                    <a:lstStyle/>
-                    <a:p>
-                      <a:r>
-                        <a:rPr lang="de-DE" sz="1400" err="1"/>
-                        <a:t>Application</a:t>
-                      </a:r>
-                      <a:r>
-                        <a:rPr lang="de-DE" sz="1400" dirty="0"/>
-                        <a:t>*</a:t>
-                      </a:r>
-                    </a:p>
-                  </a:txBody>
-                  <a:tcPr marL="90000"/>
-                </a:tc>
-                <a:tc rowSpan="9">
-                  <a:txBody>
-                    <a:bodyPr/>
-                    <a:lstStyle/>
-                    <a:p>
-                      <a:r>
-                        <a:rPr lang="de-DE" sz="1400" b="1" dirty="0"/>
+                        <a:rPr lang="de-DE" sz="1400" b="1"/>
                         <a:t>NOT</a:t>
                       </a:r>
                     </a:p>
@@ -6426,7 +6531,7 @@
                     <a:lstStyle/>
                     <a:p>
                       <a:r>
-                        <a:rPr lang="de-DE" sz="1400" dirty="0"/>
+                        <a:rPr lang="de-DE" sz="1400"/>
                         <a:t>Self </a:t>
                       </a:r>
                       <a:r>
@@ -6434,7 +6539,7 @@
                         <a:t>repair</a:t>
                       </a:r>
                       <a:r>
-                        <a:rPr lang="de-DE" sz="1400" dirty="0"/>
+                        <a:rPr lang="de-DE" sz="1400"/>
                         <a:t>*</a:t>
                       </a:r>
                     </a:p>
@@ -6446,7 +6551,7 @@
                     <a:bodyPr/>
                     <a:lstStyle/>
                     <a:p>
-                      <a:endParaRPr lang="de-DE" dirty="0"/>
+                      <a:endParaRPr lang="de-DE"/>
                     </a:p>
                   </a:txBody>
                   <a:tcPr/>
@@ -6457,7 +6562,7 @@
                     <a:lstStyle/>
                     <a:p>
                       <a:r>
-                        <a:rPr lang="de-DE" sz="1400" dirty="0"/>
+                        <a:rPr lang="de-DE" sz="1400"/>
                         <a:t>Polymer*</a:t>
                       </a:r>
                     </a:p>
@@ -6469,7 +6574,7 @@
                     <a:bodyPr/>
                     <a:lstStyle/>
                     <a:p>
-                      <a:endParaRPr lang="de-DE" dirty="0"/>
+                      <a:endParaRPr lang="de-DE"/>
                     </a:p>
                   </a:txBody>
                   <a:tcPr/>
@@ -6480,30 +6585,7 @@
                     <a:lstStyle/>
                     <a:p>
                       <a:r>
-                        <a:rPr lang="de-DE" sz="1400" dirty="0"/>
-                        <a:t>Technolog*</a:t>
-                      </a:r>
-                    </a:p>
-                  </a:txBody>
-                  <a:tcPr marL="90000"/>
-                </a:tc>
-                <a:tc vMerge="1">
-                  <a:txBody>
-                    <a:bodyPr/>
-                    <a:lstStyle/>
-                    <a:p>
-                      <a:endParaRPr lang="de-DE" dirty="0"/>
-                    </a:p>
-                  </a:txBody>
-                  <a:tcPr/>
-                </a:tc>
-                <a:tc>
-                  <a:txBody>
-                    <a:bodyPr/>
-                    <a:lstStyle/>
-                    <a:p>
-                      <a:r>
-                        <a:rPr lang="de-DE" sz="1400" dirty="0"/>
+                        <a:rPr lang="de-DE" sz="1400"/>
                         <a:t>Biological </a:t>
                       </a:r>
                       <a:r>
@@ -6511,7 +6593,7 @@
                         <a:t>system</a:t>
                       </a:r>
                       <a:r>
-                        <a:rPr lang="de-DE" sz="1400" dirty="0"/>
+                        <a:rPr lang="de-DE" sz="1400"/>
                         <a:t>*</a:t>
                       </a:r>
                     </a:p>
@@ -6535,7 +6617,7 @@
                         <a:t>Autonomous</a:t>
                       </a:r>
                       <a:r>
-                        <a:rPr lang="de-DE" sz="1400" dirty="0"/>
+                        <a:rPr lang="de-DE" sz="1400"/>
                         <a:t> </a:t>
                       </a:r>
                       <a:r>
@@ -6543,7 +6625,7 @@
                         <a:t>repair</a:t>
                       </a:r>
                       <a:r>
-                        <a:rPr lang="de-DE" sz="1400" dirty="0"/>
+                        <a:rPr lang="de-DE" sz="1400"/>
                         <a:t>*</a:t>
                       </a:r>
                     </a:p>
@@ -6555,7 +6637,7 @@
                     <a:bodyPr/>
                     <a:lstStyle/>
                     <a:p>
-                      <a:endParaRPr lang="de-DE" dirty="0"/>
+                      <a:endParaRPr lang="de-DE"/>
                     </a:p>
                   </a:txBody>
                   <a:tcPr/>
@@ -6566,7 +6648,7 @@
                     <a:lstStyle/>
                     <a:p>
                       <a:r>
-                        <a:rPr lang="de-DE" sz="1400" dirty="0"/>
+                        <a:rPr lang="de-DE" sz="1400"/>
                         <a:t>Composite*</a:t>
                       </a:r>
                     </a:p>
@@ -6578,7 +6660,7 @@
                     <a:bodyPr/>
                     <a:lstStyle/>
                     <a:p>
-                      <a:endParaRPr lang="de-DE" dirty="0"/>
+                      <a:endParaRPr lang="de-DE"/>
                     </a:p>
                   </a:txBody>
                   <a:tcPr/>
@@ -6589,34 +6671,7 @@
                     <a:lstStyle/>
                     <a:p>
                       <a:r>
-                        <a:rPr lang="de-DE" sz="1400" err="1"/>
-                        <a:t>Propert</a:t>
-                      </a:r>
-                      <a:r>
-                        <a:rPr lang="de-DE" sz="1400" dirty="0"/>
-                        <a:t>*</a:t>
-                      </a:r>
-                    </a:p>
-                  </a:txBody>
-                  <a:tcPr marL="90000"/>
-                </a:tc>
-                <a:tc vMerge="1">
-                  <a:txBody>
-                    <a:bodyPr/>
-                    <a:lstStyle/>
-                    <a:p>
-                      <a:endParaRPr lang="de-DE" dirty="0"/>
-                    </a:p>
-                  </a:txBody>
-                  <a:tcPr/>
-                </a:tc>
-                <a:tc>
-                  <a:txBody>
-                    <a:bodyPr/>
-                    <a:lstStyle/>
-                    <a:p>
-                      <a:r>
-                        <a:rPr lang="de-DE" sz="1400" dirty="0"/>
+                        <a:rPr lang="de-DE" sz="1400"/>
                         <a:t>Hydrogel*</a:t>
                       </a:r>
                     </a:p>
@@ -6640,7 +6695,7 @@
                         <a:t>Autonomous</a:t>
                       </a:r>
                       <a:r>
-                        <a:rPr lang="de-DE" sz="1400" dirty="0"/>
+                        <a:rPr lang="de-DE" sz="1400"/>
                         <a:t> </a:t>
                       </a:r>
                       <a:r>
@@ -6648,7 +6703,7 @@
                         <a:t>heal</a:t>
                       </a:r>
                       <a:r>
-                        <a:rPr lang="de-DE" sz="1400" dirty="0"/>
+                        <a:rPr lang="de-DE" sz="1400"/>
                         <a:t>*</a:t>
                       </a:r>
                     </a:p>
@@ -6660,7 +6715,7 @@
                     <a:bodyPr/>
                     <a:lstStyle/>
                     <a:p>
-                      <a:endParaRPr lang="de-DE" dirty="0"/>
+                      <a:endParaRPr lang="de-DE"/>
                     </a:p>
                   </a:txBody>
                   <a:tcPr/>
@@ -6675,7 +6730,7 @@
                         <a:t>Ceramic</a:t>
                       </a:r>
                       <a:r>
-                        <a:rPr lang="de-DE" sz="1400" dirty="0"/>
+                        <a:rPr lang="de-DE" sz="1400"/>
                         <a:t>*</a:t>
                       </a:r>
                     </a:p>
@@ -6687,7 +6742,7 @@
                     <a:bodyPr/>
                     <a:lstStyle/>
                     <a:p>
-                      <a:endParaRPr lang="de-DE" dirty="0"/>
+                      <a:endParaRPr lang="de-DE"/>
                     </a:p>
                   </a:txBody>
                   <a:tcPr/>
@@ -6698,30 +6753,7 @@
                     <a:lstStyle/>
                     <a:p>
                       <a:r>
-                        <a:rPr lang="de-DE" sz="1400" dirty="0"/>
-                        <a:t>Performance*</a:t>
-                      </a:r>
-                    </a:p>
-                  </a:txBody>
-                  <a:tcPr marL="90000"/>
-                </a:tc>
-                <a:tc vMerge="1">
-                  <a:txBody>
-                    <a:bodyPr/>
-                    <a:lstStyle/>
-                    <a:p>
-                      <a:endParaRPr lang="de-DE" dirty="0"/>
-                    </a:p>
-                  </a:txBody>
-                  <a:tcPr/>
-                </a:tc>
-                <a:tc>
-                  <a:txBody>
-                    <a:bodyPr/>
-                    <a:lstStyle/>
-                    <a:p>
-                      <a:r>
-                        <a:rPr lang="de-DE" sz="1400" dirty="0"/>
+                        <a:rPr lang="de-DE" sz="1400"/>
                         <a:t>Gel*</a:t>
                       </a:r>
                     </a:p>
@@ -6740,7 +6772,7 @@
                     <a:bodyPr/>
                     <a:lstStyle/>
                     <a:p>
-                      <a:endParaRPr lang="de-DE" sz="1400" dirty="0"/>
+                      <a:endParaRPr lang="de-DE" sz="1400"/>
                     </a:p>
                   </a:txBody>
                   <a:tcPr marL="90000"/>
@@ -6750,7 +6782,7 @@
                     <a:bodyPr/>
                     <a:lstStyle/>
                     <a:p>
-                      <a:endParaRPr lang="de-DE" dirty="0"/>
+                      <a:endParaRPr lang="de-DE"/>
                     </a:p>
                   </a:txBody>
                   <a:tcPr/>
@@ -6765,7 +6797,7 @@
                         <a:t>Metal</a:t>
                       </a:r>
                       <a:r>
-                        <a:rPr lang="de-DE" sz="1400" dirty="0"/>
+                        <a:rPr lang="de-DE" sz="1400"/>
                         <a:t>*</a:t>
                       </a:r>
                     </a:p>
@@ -6777,27 +6809,7 @@
                     <a:bodyPr/>
                     <a:lstStyle/>
                     <a:p>
-                      <a:endParaRPr lang="de-DE" dirty="0"/>
-                    </a:p>
-                  </a:txBody>
-                  <a:tcPr/>
-                </a:tc>
-                <a:tc>
-                  <a:txBody>
-                    <a:bodyPr/>
-                    <a:lstStyle/>
-                    <a:p>
-                      <a:endParaRPr lang="de-DE" sz="1400" dirty="0"/>
-                    </a:p>
-                  </a:txBody>
-                  <a:tcPr marL="90000"/>
-                </a:tc>
-                <a:tc vMerge="1">
-                  <a:txBody>
-                    <a:bodyPr/>
-                    <a:lstStyle/>
-                    <a:p>
-                      <a:endParaRPr lang="de-DE" dirty="0"/>
+                      <a:endParaRPr lang="de-DE"/>
                     </a:p>
                   </a:txBody>
                   <a:tcPr/>
@@ -6812,7 +6824,7 @@
                         <a:t>Organic</a:t>
                       </a:r>
                       <a:r>
-                        <a:rPr lang="de-DE" sz="1400" dirty="0"/>
+                        <a:rPr lang="de-DE" sz="1400"/>
                         <a:t> material*</a:t>
                       </a:r>
                     </a:p>
@@ -6831,7 +6843,7 @@
                     <a:bodyPr/>
                     <a:lstStyle/>
                     <a:p>
-                      <a:endParaRPr lang="de-DE" sz="1400" dirty="0"/>
+                      <a:endParaRPr lang="de-DE" sz="1400"/>
                     </a:p>
                   </a:txBody>
                   <a:tcPr marL="90000"/>
@@ -6841,7 +6853,7 @@
                     <a:bodyPr/>
                     <a:lstStyle/>
                     <a:p>
-                      <a:endParaRPr lang="de-DE" dirty="0"/>
+                      <a:endParaRPr lang="de-DE"/>
                     </a:p>
                   </a:txBody>
                   <a:tcPr/>
@@ -6856,7 +6868,7 @@
                         <a:t>Alloy</a:t>
                       </a:r>
                       <a:r>
-                        <a:rPr lang="de-DE" sz="1400" dirty="0"/>
+                        <a:rPr lang="de-DE" sz="1400"/>
                         <a:t>*</a:t>
                       </a:r>
                     </a:p>
@@ -6868,27 +6880,7 @@
                     <a:bodyPr/>
                     <a:lstStyle/>
                     <a:p>
-                      <a:endParaRPr lang="de-DE" dirty="0"/>
-                    </a:p>
-                  </a:txBody>
-                  <a:tcPr/>
-                </a:tc>
-                <a:tc>
-                  <a:txBody>
-                    <a:bodyPr/>
-                    <a:lstStyle/>
-                    <a:p>
-                      <a:endParaRPr lang="de-DE" sz="1400" dirty="0"/>
-                    </a:p>
-                  </a:txBody>
-                  <a:tcPr marL="90000"/>
-                </a:tc>
-                <a:tc vMerge="1">
-                  <a:txBody>
-                    <a:bodyPr/>
-                    <a:lstStyle/>
-                    <a:p>
-                      <a:endParaRPr lang="de-DE" dirty="0"/>
+                      <a:endParaRPr lang="de-DE"/>
                     </a:p>
                   </a:txBody>
                   <a:tcPr/>
@@ -6903,7 +6895,7 @@
                         <a:t>Wound</a:t>
                       </a:r>
                       <a:r>
-                        <a:rPr lang="de-DE" sz="1400" dirty="0"/>
+                        <a:rPr lang="de-DE" sz="1400"/>
                         <a:t> </a:t>
                       </a:r>
                       <a:r>
@@ -6911,7 +6903,7 @@
                         <a:t>heal</a:t>
                       </a:r>
                       <a:r>
-                        <a:rPr lang="de-DE" sz="1400" dirty="0"/>
+                        <a:rPr lang="de-DE" sz="1400"/>
                         <a:t>*</a:t>
                       </a:r>
                     </a:p>
@@ -6930,7 +6922,7 @@
                     <a:bodyPr/>
                     <a:lstStyle/>
                     <a:p>
-                      <a:endParaRPr lang="de-DE" sz="1400" dirty="0"/>
+                      <a:endParaRPr lang="de-DE" sz="1400"/>
                     </a:p>
                   </a:txBody>
                   <a:tcPr marL="90000"/>
@@ -6940,7 +6932,7 @@
                     <a:bodyPr/>
                     <a:lstStyle/>
                     <a:p>
-                      <a:endParaRPr lang="de-DE" dirty="0"/>
+                      <a:endParaRPr lang="de-DE"/>
                     </a:p>
                   </a:txBody>
                   <a:tcPr/>
@@ -6955,7 +6947,7 @@
                         <a:t>Cement</a:t>
                       </a:r>
                       <a:r>
-                        <a:rPr lang="de-DE" sz="1400" dirty="0"/>
+                        <a:rPr lang="de-DE" sz="1400"/>
                         <a:t>*</a:t>
                       </a:r>
                     </a:p>
@@ -6967,27 +6959,7 @@
                     <a:bodyPr/>
                     <a:lstStyle/>
                     <a:p>
-                      <a:endParaRPr lang="de-DE" dirty="0"/>
-                    </a:p>
-                  </a:txBody>
-                  <a:tcPr/>
-                </a:tc>
-                <a:tc>
-                  <a:txBody>
-                    <a:bodyPr/>
-                    <a:lstStyle/>
-                    <a:p>
-                      <a:endParaRPr lang="de-DE" sz="1400" dirty="0"/>
-                    </a:p>
-                  </a:txBody>
-                  <a:tcPr marL="90000"/>
-                </a:tc>
-                <a:tc vMerge="1">
-                  <a:txBody>
-                    <a:bodyPr/>
-                    <a:lstStyle/>
-                    <a:p>
-                      <a:endParaRPr lang="de-DE" dirty="0"/>
+                      <a:endParaRPr lang="de-DE"/>
                     </a:p>
                   </a:txBody>
                   <a:tcPr/>
@@ -6998,7 +6970,7 @@
                     <a:lstStyle/>
                     <a:p>
                       <a:r>
-                        <a:rPr lang="de-DE" sz="1400" dirty="0"/>
+                        <a:rPr lang="de-DE" sz="1400"/>
                         <a:t>Medic*</a:t>
                       </a:r>
                     </a:p>
@@ -7017,7 +6989,7 @@
                     <a:bodyPr/>
                     <a:lstStyle/>
                     <a:p>
-                      <a:endParaRPr lang="de-DE" sz="1400" dirty="0"/>
+                      <a:endParaRPr lang="de-DE" sz="1400"/>
                     </a:p>
                   </a:txBody>
                   <a:tcPr marL="90000"/>
@@ -7027,7 +6999,7 @@
                     <a:bodyPr/>
                     <a:lstStyle/>
                     <a:p>
-                      <a:endParaRPr lang="de-DE" dirty="0"/>
+                      <a:endParaRPr lang="de-DE"/>
                     </a:p>
                   </a:txBody>
                   <a:tcPr/>
@@ -7042,7 +7014,7 @@
                         <a:t>Concrete</a:t>
                       </a:r>
                       <a:r>
-                        <a:rPr lang="de-DE" sz="1400" dirty="0"/>
+                        <a:rPr lang="de-DE" sz="1400"/>
                         <a:t>*</a:t>
                       </a:r>
                     </a:p>
@@ -7054,27 +7026,7 @@
                     <a:bodyPr/>
                     <a:lstStyle/>
                     <a:p>
-                      <a:endParaRPr lang="de-DE" dirty="0"/>
-                    </a:p>
-                  </a:txBody>
-                  <a:tcPr/>
-                </a:tc>
-                <a:tc>
-                  <a:txBody>
-                    <a:bodyPr/>
-                    <a:lstStyle/>
-                    <a:p>
-                      <a:endParaRPr lang="de-DE" sz="1400" dirty="0"/>
-                    </a:p>
-                  </a:txBody>
-                  <a:tcPr marL="90000"/>
-                </a:tc>
-                <a:tc vMerge="1">
-                  <a:txBody>
-                    <a:bodyPr/>
-                    <a:lstStyle/>
-                    <a:p>
-                      <a:endParaRPr lang="de-DE" dirty="0"/>
+                      <a:endParaRPr lang="de-DE"/>
                     </a:p>
                   </a:txBody>
                   <a:tcPr/>
@@ -7105,7 +7057,7 @@
                     <a:bodyPr/>
                     <a:lstStyle/>
                     <a:p>
-                      <a:endParaRPr lang="de-DE" sz="1400" dirty="0"/>
+                      <a:endParaRPr lang="de-DE" sz="1400"/>
                     </a:p>
                   </a:txBody>
                   <a:tcPr marL="90000"/>
@@ -7115,7 +7067,7 @@
                     <a:bodyPr/>
                     <a:lstStyle/>
                     <a:p>
-                      <a:endParaRPr lang="de-DE" dirty="0"/>
+                      <a:endParaRPr lang="de-DE"/>
                     </a:p>
                   </a:txBody>
                   <a:tcPr/>
@@ -7125,7 +7077,7 @@
                     <a:bodyPr/>
                     <a:lstStyle/>
                     <a:p>
-                      <a:endParaRPr lang="de-DE" sz="1400" dirty="0"/>
+                      <a:endParaRPr lang="de-DE" sz="1400"/>
                     </a:p>
                   </a:txBody>
                   <a:tcPr marL="90000"/>
@@ -7135,27 +7087,7 @@
                     <a:bodyPr/>
                     <a:lstStyle/>
                     <a:p>
-                      <a:endParaRPr lang="de-DE" dirty="0"/>
-                    </a:p>
-                  </a:txBody>
-                  <a:tcPr/>
-                </a:tc>
-                <a:tc>
-                  <a:txBody>
-                    <a:bodyPr/>
-                    <a:lstStyle/>
-                    <a:p>
-                      <a:endParaRPr lang="de-DE" sz="1400" dirty="0"/>
-                    </a:p>
-                  </a:txBody>
-                  <a:tcPr marL="90000"/>
-                </a:tc>
-                <a:tc vMerge="1">
-                  <a:txBody>
-                    <a:bodyPr/>
-                    <a:lstStyle/>
-                    <a:p>
-                      <a:endParaRPr lang="de-DE" dirty="0"/>
+                      <a:endParaRPr lang="de-DE"/>
                     </a:p>
                   </a:txBody>
                   <a:tcPr/>
@@ -7166,7 +7098,7 @@
                     <a:lstStyle/>
                     <a:p>
                       <a:r>
-                        <a:rPr lang="de-DE" sz="1400" dirty="0"/>
+                        <a:rPr lang="de-DE" sz="1400"/>
                         <a:t>Spirit*</a:t>
                       </a:r>
                     </a:p>
@@ -7197,7 +7129,7 @@
         </p:nvGrpSpPr>
         <p:grpSpPr>
           <a:xfrm>
-            <a:off x="1191821" y="2292889"/>
+            <a:off x="2156611" y="2292889"/>
             <a:ext cx="553878" cy="1337310"/>
             <a:chOff x="872490" y="4401996"/>
             <a:chExt cx="553878" cy="1337310"/>
@@ -7291,14 +7223,59 @@
             <a:lstStyle/>
             <a:p>
               <a:r>
-                <a:rPr lang="de-DE" sz="1600" b="1" dirty="0"/>
+                <a:rPr lang="de-DE" sz="1600" b="1"/>
                 <a:t>OR</a:t>
               </a:r>
-              <a:endParaRPr lang="de-DE" sz="1600" dirty="0"/>
+              <a:endParaRPr lang="de-DE" sz="1600"/>
             </a:p>
           </p:txBody>
         </p:sp>
       </p:grpSp>
+      <p:sp>
+        <p:nvSpPr>
+          <p:cNvPr id="6" name="TextBox 5">
+            <a:extLst>
+              <a:ext uri="{FF2B5EF4-FFF2-40B4-BE49-F238E27FC236}">
+                <a16:creationId xmlns:a16="http://schemas.microsoft.com/office/drawing/2014/main" id="{8DBD5D5B-06F5-213F-4F9C-2CD752AA9F26}"/>
+              </a:ext>
+            </a:extLst>
+          </p:cNvPr>
+          <p:cNvSpPr txBox="1"/>
+          <p:nvPr/>
+        </p:nvSpPr>
+        <p:spPr>
+          <a:xfrm>
+            <a:off x="3170903" y="2411537"/>
+            <a:ext cx="5693272" cy="1015663"/>
+          </a:xfrm>
+          <a:prstGeom prst="rect">
+            <a:avLst/>
+          </a:prstGeom>
+          <a:solidFill>
+            <a:schemeClr val="bg1"/>
+          </a:solidFill>
+        </p:spPr>
+        <p:txBody>
+          <a:bodyPr rot="0" spcFirstLastPara="0" vertOverflow="overflow" horzOverflow="overflow" vert="horz" wrap="square" lIns="91440" tIns="45720" rIns="91440" bIns="45720" numCol="1" spcCol="0" rtlCol="0" fromWordArt="0" anchor="t" anchorCtr="0" forceAA="0" compatLnSpc="1">
+            <a:prstTxWarp prst="textNoShape">
+              <a:avLst/>
+            </a:prstTxWarp>
+            <a:spAutoFit/>
+          </a:bodyPr>
+          <a:lstStyle/>
+          <a:p>
+            <a:pPr algn="l"/>
+            <a:r>
+              <a:rPr lang="en-GB" sz="6000">
+                <a:solidFill>
+                  <a:srgbClr val="FF0000"/>
+                </a:solidFill>
+              </a:rPr>
+              <a:t>UPDATEN</a:t>
+            </a:r>
+          </a:p>
+        </p:txBody>
+      </p:sp>
     </p:spTree>
     <p:extLst>
       <p:ext uri="{BB962C8B-B14F-4D97-AF65-F5344CB8AC3E}">
@@ -7351,7 +7328,7 @@
           <a:lstStyle/>
           <a:p>
             <a:r>
-              <a:rPr lang="de-DE" dirty="0"/>
+              <a:rPr lang="de-DE"/>
               <a:t>Summary</a:t>
             </a:r>
           </a:p>
@@ -7379,6 +7356,50 @@
           <a:lstStyle/>
           <a:p>
             <a:endParaRPr lang="de-DE"/>
+          </a:p>
+        </p:txBody>
+      </p:sp>
+      <p:sp>
+        <p:nvSpPr>
+          <p:cNvPr id="5" name="TextBox 4">
+            <a:extLst>
+              <a:ext uri="{FF2B5EF4-FFF2-40B4-BE49-F238E27FC236}">
+                <a16:creationId xmlns:a16="http://schemas.microsoft.com/office/drawing/2014/main" id="{ACD473AE-AD85-438B-5D31-23FA612120E3}"/>
+              </a:ext>
+            </a:extLst>
+          </p:cNvPr>
+          <p:cNvSpPr txBox="1"/>
+          <p:nvPr/>
+        </p:nvSpPr>
+        <p:spPr>
+          <a:xfrm>
+            <a:off x="3170903" y="2411537"/>
+            <a:ext cx="5693272" cy="1015663"/>
+          </a:xfrm>
+          <a:prstGeom prst="rect">
+            <a:avLst/>
+          </a:prstGeom>
+          <a:solidFill>
+            <a:schemeClr val="bg1"/>
+          </a:solidFill>
+        </p:spPr>
+        <p:txBody>
+          <a:bodyPr rot="0" spcFirstLastPara="0" vertOverflow="overflow" horzOverflow="overflow" vert="horz" wrap="square" lIns="91440" tIns="45720" rIns="91440" bIns="45720" numCol="1" spcCol="0" rtlCol="0" fromWordArt="0" anchor="t" anchorCtr="0" forceAA="0" compatLnSpc="1">
+            <a:prstTxWarp prst="textNoShape">
+              <a:avLst/>
+            </a:prstTxWarp>
+            <a:spAutoFit/>
+          </a:bodyPr>
+          <a:lstStyle/>
+          <a:p>
+            <a:r>
+              <a:rPr lang="en-GB" sz="6000">
+                <a:solidFill>
+                  <a:srgbClr val="FF0000"/>
+                </a:solidFill>
+              </a:rPr>
+              <a:t>Summary fehlt</a:t>
+            </a:r>
           </a:p>
         </p:txBody>
       </p:sp>
@@ -7448,7 +7469,7 @@
           <a:p>
             <a:pPr algn="ctr"/>
             <a:r>
-              <a:rPr lang="en-GB" dirty="0"/>
+              <a:rPr lang="en-GB"/>
               <a:t>Total number of publications regarding self-healing materials is growing fast</a:t>
             </a:r>
             <a:endParaRPr lang="en-US"/>
@@ -7487,7 +7508,7 @@
               <a:buChar char="•"/>
             </a:pPr>
             <a:r>
-              <a:rPr lang="en-GB" dirty="0"/>
+              <a:rPr lang="en-GB"/>
               <a:t>Publications per year double roughly every 5 years</a:t>
             </a:r>
           </a:p>
@@ -7495,7 +7516,7 @@
             <a:pPr marL="285750" indent="-285750">
               <a:buChar char="•"/>
             </a:pPr>
-            <a:endParaRPr lang="en-GB" dirty="0"/>
+            <a:endParaRPr lang="en-GB"/>
           </a:p>
         </p:txBody>
       </p:sp>
@@ -7755,7 +7776,7 @@
               <a:buChar char="•"/>
             </a:pPr>
             <a:r>
-              <a:rPr lang="en-GB" dirty="0"/>
+              <a:rPr lang="en-GB"/>
               <a:t>Total number of publications grows roughly quadratically</a:t>
             </a:r>
           </a:p>
@@ -7764,7 +7785,7 @@
               <a:buFont typeface="Arial" panose="020B0604020202020204" pitchFamily="34" charset="0"/>
               <a:buChar char="•"/>
             </a:pPr>
-            <a:endParaRPr lang="en-GB" dirty="0"/>
+            <a:endParaRPr lang="en-GB"/>
           </a:p>
         </p:txBody>
       </p:sp>
@@ -7827,15 +7848,15 @@
           <a:lstStyle/>
           <a:p>
             <a:r>
-              <a:rPr lang="en-GB" dirty="0"/>
+              <a:rPr lang="en-GB"/>
               <a:t>Polymers are the most researched material regarding </a:t>
             </a:r>
             <a:r>
-              <a:rPr lang="en-GB" dirty="0" err="1"/>
+              <a:rPr lang="en-GB" err="1"/>
               <a:t>self healing</a:t>
             </a:r>
             <a:r>
-              <a:rPr lang="en-GB" dirty="0"/>
+              <a:rPr lang="en-GB"/>
               <a:t> properties</a:t>
             </a:r>
           </a:p>
@@ -7874,7 +7895,7 @@
               <a:buChar char="•"/>
             </a:pPr>
             <a:r>
-              <a:rPr lang="en-GB" dirty="0"/>
+              <a:rPr lang="en-GB"/>
               <a:t>The most amount of research is done regarding self-healing polymer materials</a:t>
             </a:r>
             <a:endParaRPr lang="de-DE"/>
@@ -7885,7 +7906,7 @@
               <a:buChar char="•"/>
             </a:pPr>
             <a:r>
-              <a:rPr lang="en-GB" dirty="0"/>
+              <a:rPr lang="en-GB"/>
               <a:t>Yearly Number of Publications is generally rising for all material types. </a:t>
             </a:r>
           </a:p>
@@ -7924,7 +7945,7 @@
           <a:p>
             <a:pPr algn="l"/>
             <a:r>
-              <a:rPr lang="en-GB" sz="1600" b="1" baseline="0" dirty="0">
+              <a:rPr lang="en-GB" sz="1600" b="1" baseline="0">
                 <a:solidFill>
                   <a:srgbClr val="000080"/>
                 </a:solidFill>
@@ -7935,7 +7956,7 @@
               <a:t>AND</a:t>
             </a:r>
             <a:r>
-              <a:rPr lang="en-GB" sz="1600" baseline="0" dirty="0">
+              <a:rPr lang="en-GB" sz="1600" baseline="0">
                 <a:latin typeface="Consolas"/>
                 <a:ea typeface="Arial"/>
                 <a:cs typeface="Arial"/>
@@ -7943,7 +7964,7 @@
               <a:t> TS=</a:t>
             </a:r>
             <a:r>
-              <a:rPr lang="en-GB" sz="1600" baseline="0" dirty="0">
+              <a:rPr lang="en-GB" sz="1600" baseline="0">
                 <a:solidFill>
                   <a:schemeClr val="bg1">
                     <a:lumMod val="76000"/>
@@ -7956,7 +7977,7 @@
               <a:t>(</a:t>
             </a:r>
             <a:r>
-              <a:rPr lang="en-GB" sz="1600" strike="sngStrike" baseline="0" dirty="0">
+              <a:rPr lang="en-GB" sz="1600" strike="sngStrike" baseline="0">
                 <a:solidFill>
                   <a:schemeClr val="bg1">
                     <a:lumMod val="76000"/>
@@ -7969,7 +7990,7 @@
               <a:t>"material*" </a:t>
             </a:r>
             <a:r>
-              <a:rPr lang="en-GB" sz="1600" b="1" strike="sngStrike" baseline="0" dirty="0">
+              <a:rPr lang="en-GB" sz="1600" b="1" strike="sngStrike" baseline="0">
                 <a:solidFill>
                   <a:schemeClr val="bg1">
                     <a:lumMod val="76000"/>
@@ -7982,7 +8003,7 @@
               <a:t>OR</a:t>
             </a:r>
             <a:r>
-              <a:rPr lang="en-GB" sz="1600" baseline="0" dirty="0">
+              <a:rPr lang="en-GB" sz="1600" baseline="0">
                 <a:solidFill>
                   <a:schemeClr val="bg1">
                     <a:lumMod val="76000"/>
@@ -7995,7 +8016,7 @@
               <a:t> </a:t>
             </a:r>
             <a:r>
-              <a:rPr lang="en-GB" sz="1600" baseline="0" dirty="0">
+              <a:rPr lang="en-GB" sz="1600" baseline="0">
                 <a:solidFill>
                   <a:srgbClr val="205C96"/>
                 </a:solidFill>
@@ -8006,7 +8027,7 @@
               <a:t>"polymer*"</a:t>
             </a:r>
             <a:r>
-              <a:rPr lang="en-GB" sz="1600" baseline="0" dirty="0">
+              <a:rPr lang="en-GB" sz="1600" baseline="0">
                 <a:solidFill>
                   <a:srgbClr val="FF0000"/>
                 </a:solidFill>
@@ -8017,7 +8038,7 @@
               <a:t> </a:t>
             </a:r>
             <a:r>
-              <a:rPr lang="en-GB" sz="1600" b="1" strike="sngStrike" baseline="0" dirty="0">
+              <a:rPr lang="en-GB" sz="1600" b="1" strike="sngStrike" baseline="0">
                 <a:solidFill>
                   <a:schemeClr val="bg1">
                     <a:lumMod val="76000"/>
@@ -8030,7 +8051,7 @@
               <a:t>OR</a:t>
             </a:r>
             <a:r>
-              <a:rPr lang="en-GB" sz="1600" strike="sngStrike" baseline="0" dirty="0">
+              <a:rPr lang="en-GB" sz="1600" strike="sngStrike" baseline="0">
                 <a:solidFill>
                   <a:schemeClr val="bg1">
                     <a:lumMod val="76000"/>
@@ -8043,7 +8064,7 @@
               <a:t> "composite*" </a:t>
             </a:r>
             <a:r>
-              <a:rPr lang="en-GB" sz="1600" b="1" strike="sngStrike" baseline="0" dirty="0">
+              <a:rPr lang="en-GB" sz="1600" b="1" strike="sngStrike" baseline="0">
                 <a:solidFill>
                   <a:schemeClr val="bg1">
                     <a:lumMod val="76000"/>
@@ -8056,7 +8077,7 @@
               <a:t>OR</a:t>
             </a:r>
             <a:r>
-              <a:rPr lang="en-GB" sz="1600" strike="sngStrike" baseline="0" dirty="0">
+              <a:rPr lang="en-GB" sz="1600" strike="sngStrike" baseline="0">
                 <a:solidFill>
                   <a:schemeClr val="bg1">
                     <a:lumMod val="76000"/>
@@ -8069,7 +8090,7 @@
               <a:t> "ceramic*" </a:t>
             </a:r>
             <a:r>
-              <a:rPr lang="en-GB" sz="1600" b="1" strike="sngStrike" baseline="0" dirty="0">
+              <a:rPr lang="en-GB" sz="1600" b="1" strike="sngStrike" baseline="0">
                 <a:solidFill>
                   <a:schemeClr val="bg1">
                     <a:lumMod val="76000"/>
@@ -8082,7 +8103,7 @@
               <a:t>OR</a:t>
             </a:r>
             <a:r>
-              <a:rPr lang="en-GB" sz="1600" strike="sngStrike" baseline="0" dirty="0">
+              <a:rPr lang="en-GB" sz="1600" strike="sngStrike" baseline="0">
                 <a:solidFill>
                   <a:schemeClr val="bg1">
                     <a:lumMod val="76000"/>
@@ -8095,7 +8116,7 @@
               <a:t> "metal*" </a:t>
             </a:r>
             <a:r>
-              <a:rPr lang="en-GB" sz="1600" b="1" strike="sngStrike" baseline="0" dirty="0">
+              <a:rPr lang="en-GB" sz="1600" b="1" strike="sngStrike" baseline="0">
                 <a:solidFill>
                   <a:schemeClr val="bg1">
                     <a:lumMod val="76000"/>
@@ -8108,7 +8129,7 @@
               <a:t>OR</a:t>
             </a:r>
             <a:r>
-              <a:rPr lang="en-GB" sz="1600" strike="sngStrike" baseline="0" dirty="0">
+              <a:rPr lang="en-GB" sz="1600" strike="sngStrike" baseline="0">
                 <a:solidFill>
                   <a:schemeClr val="bg1">
                     <a:lumMod val="76000"/>
@@ -8121,7 +8142,7 @@
               <a:t>  "alloy*" </a:t>
             </a:r>
             <a:r>
-              <a:rPr lang="en-GB" sz="1600" b="1" strike="sngStrike" baseline="0" dirty="0">
+              <a:rPr lang="en-GB" sz="1600" b="1" strike="sngStrike" baseline="0">
                 <a:solidFill>
                   <a:schemeClr val="bg1">
                     <a:lumMod val="76000"/>
@@ -8134,7 +8155,7 @@
               <a:t>OR</a:t>
             </a:r>
             <a:r>
-              <a:rPr lang="en-GB" sz="1600" strike="sngStrike" baseline="0" dirty="0">
+              <a:rPr lang="en-GB" sz="1600" strike="sngStrike" baseline="0">
                 <a:solidFill>
                   <a:schemeClr val="bg1">
                     <a:lumMod val="76000"/>
@@ -8147,7 +8168,7 @@
               <a:t> "cement*" </a:t>
             </a:r>
             <a:r>
-              <a:rPr lang="en-GB" sz="1600" b="1" strike="sngStrike" baseline="0" dirty="0">
+              <a:rPr lang="en-GB" sz="1600" b="1" strike="sngStrike" baseline="0">
                 <a:solidFill>
                   <a:schemeClr val="bg1">
                     <a:lumMod val="76000"/>
@@ -8160,7 +8181,7 @@
               <a:t>OR</a:t>
             </a:r>
             <a:r>
-              <a:rPr lang="en-GB" sz="1600" strike="sngStrike" baseline="0" dirty="0">
+              <a:rPr lang="en-GB" sz="1600" strike="sngStrike" baseline="0">
                 <a:solidFill>
                   <a:schemeClr val="bg1">
                     <a:lumMod val="76000"/>
@@ -8173,7 +8194,7 @@
               <a:t> "concrete*“</a:t>
             </a:r>
             <a:r>
-              <a:rPr lang="en-GB" sz="1600" baseline="0" dirty="0">
+              <a:rPr lang="en-GB" sz="1600" baseline="0">
                 <a:solidFill>
                   <a:schemeClr val="bg1">
                     <a:lumMod val="76000"/>
@@ -8185,7 +8206,7 @@
               </a:rPr>
               <a:t>)</a:t>
             </a:r>
-            <a:endParaRPr lang="en-GB" sz="1600" dirty="0">
+            <a:endParaRPr lang="en-GB" sz="1600">
               <a:solidFill>
                 <a:schemeClr val="bg1">
                   <a:lumMod val="76000"/>
@@ -8285,18 +8306,18 @@
           <a:lstStyle/>
           <a:p>
             <a:r>
-              <a:rPr lang="en-GB" dirty="0"/>
+              <a:rPr lang="en-GB"/>
               <a:t>Polymers are the most researched material regarding </a:t>
             </a:r>
             <a:r>
-              <a:rPr lang="en-GB" dirty="0" err="1"/>
+              <a:rPr lang="en-GB" err="1"/>
               <a:t>self healing</a:t>
             </a:r>
             <a:r>
-              <a:rPr lang="en-GB" dirty="0"/>
+              <a:rPr lang="en-GB"/>
               <a:t> properties</a:t>
             </a:r>
-            <a:endParaRPr lang="en-US" dirty="0"/>
+            <a:endParaRPr lang="en-US"/>
           </a:p>
         </p:txBody>
       </p:sp>
@@ -8333,7 +8354,7 @@
               <a:buChar char="•"/>
             </a:pPr>
             <a:r>
-              <a:rPr lang="en-GB" dirty="0"/>
+              <a:rPr lang="en-GB"/>
               <a:t>The most amount of research is done regarding self-healing polymer materials</a:t>
             </a:r>
             <a:endParaRPr lang="de-DE"/>
@@ -8344,7 +8365,7 @@
               <a:buChar char="•"/>
             </a:pPr>
             <a:r>
-              <a:rPr lang="en-GB" dirty="0"/>
+              <a:rPr lang="en-GB"/>
               <a:t>Yearly Number of Publications is generally rising for all material types. </a:t>
             </a:r>
           </a:p>
@@ -8383,7 +8404,7 @@
           <a:p>
             <a:pPr algn="l"/>
             <a:r>
-              <a:rPr lang="en-GB" sz="1600" b="1" baseline="0" dirty="0">
+              <a:rPr lang="en-GB" sz="1600" b="1" baseline="0">
                 <a:solidFill>
                   <a:srgbClr val="000080"/>
                 </a:solidFill>
@@ -8394,7 +8415,7 @@
               <a:t>AND</a:t>
             </a:r>
             <a:r>
-              <a:rPr lang="en-GB" sz="1600" baseline="0" dirty="0">
+              <a:rPr lang="en-GB" sz="1600" baseline="0">
                 <a:latin typeface="Consolas"/>
                 <a:ea typeface="Arial"/>
                 <a:cs typeface="Arial"/>
@@ -8402,7 +8423,7 @@
               <a:t> TS=</a:t>
             </a:r>
             <a:r>
-              <a:rPr lang="en-GB" sz="1600" baseline="0" dirty="0">
+              <a:rPr lang="en-GB" sz="1600" baseline="0">
                 <a:solidFill>
                   <a:schemeClr val="bg1">
                     <a:lumMod val="76000"/>
@@ -8415,7 +8436,7 @@
               <a:t>(</a:t>
             </a:r>
             <a:r>
-              <a:rPr lang="en-GB" sz="1600" strike="sngStrike" baseline="0" dirty="0">
+              <a:rPr lang="en-GB" sz="1600" strike="sngStrike" baseline="0">
                 <a:solidFill>
                   <a:schemeClr val="bg1">
                     <a:lumMod val="76000"/>
@@ -8428,7 +8449,7 @@
               <a:t>"material*" </a:t>
             </a:r>
             <a:r>
-              <a:rPr lang="en-GB" sz="1600" b="1" strike="sngStrike" baseline="0" dirty="0">
+              <a:rPr lang="en-GB" sz="1600" b="1" strike="sngStrike" baseline="0">
                 <a:solidFill>
                   <a:schemeClr val="bg1">
                     <a:lumMod val="76000"/>
@@ -8441,7 +8462,7 @@
               <a:t>OR</a:t>
             </a:r>
             <a:r>
-              <a:rPr lang="en-GB" sz="1600" strike="sngStrike" baseline="0" dirty="0">
+              <a:rPr lang="en-GB" sz="1600" strike="sngStrike" baseline="0">
                 <a:solidFill>
                   <a:schemeClr val="bg1">
                     <a:lumMod val="76000"/>
@@ -8454,7 +8475,7 @@
               <a:t> "polymer*" </a:t>
             </a:r>
             <a:r>
-              <a:rPr lang="en-GB" sz="1600" b="1" strike="sngStrike" baseline="0" dirty="0">
+              <a:rPr lang="en-GB" sz="1600" b="1" strike="sngStrike" baseline="0">
                 <a:solidFill>
                   <a:schemeClr val="bg1">
                     <a:lumMod val="76000"/>
@@ -8467,7 +8488,7 @@
               <a:t>OR</a:t>
             </a:r>
             <a:r>
-              <a:rPr lang="en-GB" sz="1600" strike="sngStrike" baseline="0" dirty="0">
+              <a:rPr lang="en-GB" sz="1600" strike="sngStrike" baseline="0">
                 <a:solidFill>
                   <a:schemeClr val="bg1">
                     <a:lumMod val="76000"/>
@@ -8480,7 +8501,7 @@
               <a:t> "composite*" </a:t>
             </a:r>
             <a:r>
-              <a:rPr lang="en-GB" sz="1600" b="1" strike="sngStrike" baseline="0" dirty="0">
+              <a:rPr lang="en-GB" sz="1600" b="1" strike="sngStrike" baseline="0">
                 <a:solidFill>
                   <a:schemeClr val="bg1">
                     <a:lumMod val="76000"/>
@@ -8493,7 +8514,7 @@
               <a:t>OR</a:t>
             </a:r>
             <a:r>
-              <a:rPr lang="en-GB" sz="1600" strike="sngStrike" baseline="0" dirty="0">
+              <a:rPr lang="en-GB" sz="1600" strike="sngStrike" baseline="0">
                 <a:solidFill>
                   <a:schemeClr val="bg1">
                     <a:lumMod val="76000"/>
@@ -8506,7 +8527,7 @@
               <a:t> "ceramic*" </a:t>
             </a:r>
             <a:r>
-              <a:rPr lang="en-GB" sz="1600" b="1" strike="sngStrike" baseline="0" dirty="0">
+              <a:rPr lang="en-GB" sz="1600" b="1" strike="sngStrike" baseline="0">
                 <a:solidFill>
                   <a:schemeClr val="bg1">
                     <a:lumMod val="76000"/>
@@ -8519,7 +8540,7 @@
               <a:t>OR</a:t>
             </a:r>
             <a:r>
-              <a:rPr lang="en-GB" sz="1600" baseline="0" dirty="0">
+              <a:rPr lang="en-GB" sz="1600" baseline="0">
                 <a:solidFill>
                   <a:srgbClr val="FFC000"/>
                 </a:solidFill>
@@ -8530,7 +8551,7 @@
               <a:t> "metal*" </a:t>
             </a:r>
             <a:r>
-              <a:rPr lang="en-GB" sz="1600" b="1" strike="sngStrike" baseline="0" dirty="0">
+              <a:rPr lang="en-GB" sz="1600" b="1" strike="sngStrike" baseline="0">
                 <a:solidFill>
                   <a:schemeClr val="bg1">
                     <a:lumMod val="76000"/>
@@ -8543,7 +8564,7 @@
               <a:t>OR</a:t>
             </a:r>
             <a:r>
-              <a:rPr lang="en-GB" sz="1600" strike="sngStrike" baseline="0" dirty="0">
+              <a:rPr lang="en-GB" sz="1600" strike="sngStrike" baseline="0">
                 <a:solidFill>
                   <a:schemeClr val="bg1">
                     <a:lumMod val="76000"/>
@@ -8556,7 +8577,7 @@
               <a:t>  "alloy*" </a:t>
             </a:r>
             <a:r>
-              <a:rPr lang="en-GB" sz="1600" b="1" strike="sngStrike" baseline="0" dirty="0">
+              <a:rPr lang="en-GB" sz="1600" b="1" strike="sngStrike" baseline="0">
                 <a:solidFill>
                   <a:schemeClr val="bg1">
                     <a:lumMod val="76000"/>
@@ -8569,7 +8590,7 @@
               <a:t>OR</a:t>
             </a:r>
             <a:r>
-              <a:rPr lang="en-GB" sz="1600" strike="sngStrike" baseline="0" dirty="0">
+              <a:rPr lang="en-GB" sz="1600" strike="sngStrike" baseline="0">
                 <a:solidFill>
                   <a:schemeClr val="bg1">
                     <a:lumMod val="76000"/>
@@ -8582,7 +8603,7 @@
               <a:t> "cement*" </a:t>
             </a:r>
             <a:r>
-              <a:rPr lang="en-GB" sz="1600" b="1" strike="sngStrike" baseline="0" dirty="0">
+              <a:rPr lang="en-GB" sz="1600" b="1" strike="sngStrike" baseline="0">
                 <a:solidFill>
                   <a:schemeClr val="bg1">
                     <a:lumMod val="76000"/>
@@ -8595,7 +8616,7 @@
               <a:t>OR</a:t>
             </a:r>
             <a:r>
-              <a:rPr lang="en-GB" sz="1600" strike="sngStrike" baseline="0" dirty="0">
+              <a:rPr lang="en-GB" sz="1600" strike="sngStrike" baseline="0">
                 <a:solidFill>
                   <a:schemeClr val="bg1">
                     <a:lumMod val="76000"/>
@@ -8608,7 +8629,7 @@
               <a:t> "concrete*“</a:t>
             </a:r>
             <a:r>
-              <a:rPr lang="en-GB" sz="1600" baseline="0" dirty="0">
+              <a:rPr lang="en-GB" sz="1600" baseline="0">
                 <a:solidFill>
                   <a:schemeClr val="bg1">
                     <a:lumMod val="76000"/>
@@ -8620,7 +8641,7 @@
               </a:rPr>
               <a:t>)</a:t>
             </a:r>
-            <a:endParaRPr lang="en-GB" sz="1600" dirty="0">
+            <a:endParaRPr lang="en-GB" sz="1600">
               <a:solidFill>
                 <a:schemeClr val="bg1">
                   <a:lumMod val="76000"/>
@@ -8720,18 +8741,18 @@
           <a:lstStyle/>
           <a:p>
             <a:r>
-              <a:rPr lang="en-GB" dirty="0"/>
+              <a:rPr lang="en-GB"/>
               <a:t>Polymers are the most researched material regarding </a:t>
             </a:r>
             <a:r>
-              <a:rPr lang="en-GB" dirty="0" err="1"/>
+              <a:rPr lang="en-GB" err="1"/>
               <a:t>self healing</a:t>
             </a:r>
             <a:r>
-              <a:rPr lang="en-GB" dirty="0"/>
+              <a:rPr lang="en-GB"/>
               <a:t> properties</a:t>
             </a:r>
-            <a:endParaRPr lang="en-US" dirty="0"/>
+            <a:endParaRPr lang="en-US"/>
           </a:p>
         </p:txBody>
       </p:sp>
@@ -8768,7 +8789,7 @@
               <a:buChar char="•"/>
             </a:pPr>
             <a:r>
-              <a:rPr lang="en-GB" dirty="0"/>
+              <a:rPr lang="en-GB"/>
               <a:t>The most amount of research is done regarding self-healing polymer materials</a:t>
             </a:r>
             <a:endParaRPr lang="de-DE"/>
@@ -8779,7 +8800,7 @@
               <a:buChar char="•"/>
             </a:pPr>
             <a:r>
-              <a:rPr lang="en-GB" dirty="0"/>
+              <a:rPr lang="en-GB"/>
               <a:t>Yearly Number of Publications is generally rising for all material types. </a:t>
             </a:r>
           </a:p>
@@ -8818,7 +8839,7 @@
           <a:p>
             <a:pPr algn="l"/>
             <a:r>
-              <a:rPr lang="en-GB" sz="1600" b="1" baseline="0" dirty="0">
+              <a:rPr lang="en-GB" sz="1600" b="1" baseline="0">
                 <a:solidFill>
                   <a:srgbClr val="000080"/>
                 </a:solidFill>
@@ -8829,7 +8850,7 @@
               <a:t>AND</a:t>
             </a:r>
             <a:r>
-              <a:rPr lang="en-GB" sz="1600" baseline="0" dirty="0">
+              <a:rPr lang="en-GB" sz="1600" baseline="0">
                 <a:latin typeface="Consolas"/>
                 <a:ea typeface="Arial"/>
                 <a:cs typeface="Arial"/>
@@ -8837,7 +8858,7 @@
               <a:t> TS=</a:t>
             </a:r>
             <a:r>
-              <a:rPr lang="en-GB" sz="1600" baseline="0" dirty="0">
+              <a:rPr lang="en-GB" sz="1600" baseline="0">
                 <a:solidFill>
                   <a:schemeClr val="bg1">
                     <a:lumMod val="76000"/>
@@ -8850,7 +8871,7 @@
               <a:t>(</a:t>
             </a:r>
             <a:r>
-              <a:rPr lang="en-GB" sz="1600" strike="sngStrike" baseline="0" dirty="0">
+              <a:rPr lang="en-GB" sz="1600" strike="sngStrike" baseline="0">
                 <a:solidFill>
                   <a:schemeClr val="bg1">
                     <a:lumMod val="76000"/>
@@ -8863,7 +8884,7 @@
               <a:t>"material*" </a:t>
             </a:r>
             <a:r>
-              <a:rPr lang="en-GB" sz="1600" b="1" strike="sngStrike" baseline="0" dirty="0">
+              <a:rPr lang="en-GB" sz="1600" b="1" strike="sngStrike" baseline="0">
                 <a:solidFill>
                   <a:schemeClr val="bg1">
                     <a:lumMod val="76000"/>
@@ -8876,7 +8897,7 @@
               <a:t>OR</a:t>
             </a:r>
             <a:r>
-              <a:rPr lang="en-GB" sz="1600" strike="sngStrike" baseline="0" dirty="0">
+              <a:rPr lang="en-GB" sz="1600" strike="sngStrike" baseline="0">
                 <a:solidFill>
                   <a:schemeClr val="bg1">
                     <a:lumMod val="76000"/>
@@ -8889,7 +8910,7 @@
               <a:t> "polymer*" </a:t>
             </a:r>
             <a:r>
-              <a:rPr lang="en-GB" sz="1600" b="1" strike="sngStrike" baseline="0" dirty="0">
+              <a:rPr lang="en-GB" sz="1600" b="1" strike="sngStrike" baseline="0">
                 <a:solidFill>
                   <a:schemeClr val="bg1">
                     <a:lumMod val="76000"/>
@@ -8902,7 +8923,7 @@
               <a:t>OR</a:t>
             </a:r>
             <a:r>
-              <a:rPr lang="en-GB" sz="1600" strike="sngStrike" baseline="0" dirty="0">
+              <a:rPr lang="en-GB" sz="1600" strike="sngStrike" baseline="0">
                 <a:solidFill>
                   <a:schemeClr val="bg1">
                     <a:lumMod val="76000"/>
@@ -8915,7 +8936,7 @@
               <a:t> "composite*" </a:t>
             </a:r>
             <a:r>
-              <a:rPr lang="en-GB" sz="1600" b="1" strike="sngStrike" baseline="0" dirty="0">
+              <a:rPr lang="en-GB" sz="1600" b="1" strike="sngStrike" baseline="0">
                 <a:solidFill>
                   <a:schemeClr val="bg1">
                     <a:lumMod val="76000"/>
@@ -8928,7 +8949,7 @@
               <a:t>OR</a:t>
             </a:r>
             <a:r>
-              <a:rPr lang="en-GB" sz="1600" strike="sngStrike" baseline="0" dirty="0">
+              <a:rPr lang="en-GB" sz="1600" strike="sngStrike" baseline="0">
                 <a:solidFill>
                   <a:schemeClr val="bg1">
                     <a:lumMod val="76000"/>
@@ -8941,7 +8962,7 @@
               <a:t> "ceramic*" </a:t>
             </a:r>
             <a:r>
-              <a:rPr lang="en-GB" sz="1600" b="1" strike="sngStrike" baseline="0" dirty="0">
+              <a:rPr lang="en-GB" sz="1600" b="1" strike="sngStrike" baseline="0">
                 <a:solidFill>
                   <a:schemeClr val="bg1">
                     <a:lumMod val="76000"/>
@@ -8954,7 +8975,7 @@
               <a:t>OR</a:t>
             </a:r>
             <a:r>
-              <a:rPr lang="en-GB" sz="1600" strike="sngStrike" baseline="0" dirty="0">
+              <a:rPr lang="en-GB" sz="1600" strike="sngStrike" baseline="0">
                 <a:solidFill>
                   <a:schemeClr val="bg1">
                     <a:lumMod val="76000"/>
@@ -8967,7 +8988,7 @@
               <a:t> "metal*" </a:t>
             </a:r>
             <a:r>
-              <a:rPr lang="en-GB" sz="1600" b="1" strike="sngStrike" baseline="0" dirty="0">
+              <a:rPr lang="en-GB" sz="1600" b="1" strike="sngStrike" baseline="0">
                 <a:solidFill>
                   <a:schemeClr val="bg1">
                     <a:lumMod val="76000"/>
@@ -8980,7 +9001,7 @@
               <a:t>OR</a:t>
             </a:r>
             <a:r>
-              <a:rPr lang="en-GB" sz="1600" strike="sngStrike" baseline="0" dirty="0">
+              <a:rPr lang="en-GB" sz="1600" strike="sngStrike" baseline="0">
                 <a:solidFill>
                   <a:schemeClr val="bg1">
                     <a:lumMod val="76000"/>
@@ -8993,7 +9014,7 @@
               <a:t>  "alloy*" </a:t>
             </a:r>
             <a:r>
-              <a:rPr lang="en-GB" sz="1600" b="1" strike="sngStrike" baseline="0" dirty="0">
+              <a:rPr lang="en-GB" sz="1600" b="1" strike="sngStrike" baseline="0">
                 <a:solidFill>
                   <a:schemeClr val="bg1">
                     <a:lumMod val="76000"/>
@@ -9006,7 +9027,7 @@
               <a:t>OR</a:t>
             </a:r>
             <a:r>
-              <a:rPr lang="en-GB" sz="1600" baseline="0" dirty="0">
+              <a:rPr lang="en-GB" sz="1600" baseline="0">
                 <a:solidFill>
                   <a:schemeClr val="accent6"/>
                 </a:solidFill>
@@ -9017,7 +9038,7 @@
               <a:t> "cement*"</a:t>
             </a:r>
             <a:r>
-              <a:rPr lang="en-GB" sz="1600" strike="sngStrike" baseline="0" dirty="0">
+              <a:rPr lang="en-GB" sz="1600" strike="sngStrike" baseline="0">
                 <a:solidFill>
                   <a:schemeClr val="bg1">
                     <a:lumMod val="76000"/>
@@ -9030,7 +9051,7 @@
               <a:t> </a:t>
             </a:r>
             <a:r>
-              <a:rPr lang="en-GB" sz="1600" b="1" strike="sngStrike" baseline="0" dirty="0">
+              <a:rPr lang="en-GB" sz="1600" b="1" strike="sngStrike" baseline="0">
                 <a:solidFill>
                   <a:schemeClr val="bg1">
                     <a:lumMod val="76000"/>
@@ -9043,7 +9064,7 @@
               <a:t>OR</a:t>
             </a:r>
             <a:r>
-              <a:rPr lang="en-GB" sz="1600" strike="sngStrike" baseline="0" dirty="0">
+              <a:rPr lang="en-GB" sz="1600" strike="sngStrike" baseline="0">
                 <a:solidFill>
                   <a:schemeClr val="bg1">
                     <a:lumMod val="76000"/>
@@ -9056,7 +9077,7 @@
               <a:t> "concrete*“</a:t>
             </a:r>
             <a:r>
-              <a:rPr lang="en-GB" sz="1600" baseline="0" dirty="0">
+              <a:rPr lang="en-GB" sz="1600" baseline="0">
                 <a:solidFill>
                   <a:schemeClr val="bg1">
                     <a:lumMod val="76000"/>
@@ -9068,7 +9089,7 @@
               </a:rPr>
               <a:t>)</a:t>
             </a:r>
-            <a:endParaRPr lang="en-GB" sz="1600" dirty="0">
+            <a:endParaRPr lang="en-GB" sz="1600">
               <a:solidFill>
                 <a:schemeClr val="bg1">
                   <a:lumMod val="76000"/>
@@ -9168,18 +9189,18 @@
           <a:lstStyle/>
           <a:p>
             <a:r>
-              <a:rPr lang="en-GB" dirty="0"/>
+              <a:rPr lang="en-GB"/>
               <a:t>Polymers are the most researched material regarding </a:t>
             </a:r>
             <a:r>
-              <a:rPr lang="en-GB" dirty="0" err="1"/>
+              <a:rPr lang="en-GB" err="1"/>
               <a:t>self healing</a:t>
             </a:r>
             <a:r>
-              <a:rPr lang="en-GB" dirty="0"/>
+              <a:rPr lang="en-GB"/>
               <a:t> properties</a:t>
             </a:r>
-            <a:endParaRPr lang="en-US" dirty="0"/>
+            <a:endParaRPr lang="en-US"/>
           </a:p>
         </p:txBody>
       </p:sp>
@@ -9216,7 +9237,7 @@
               <a:buChar char="•"/>
             </a:pPr>
             <a:r>
-              <a:rPr lang="en-GB" dirty="0"/>
+              <a:rPr lang="en-GB"/>
               <a:t>The most amount of research is done regarding self-healing polymer materials</a:t>
             </a:r>
             <a:endParaRPr lang="de-DE"/>
@@ -9227,7 +9248,7 @@
               <a:buChar char="•"/>
             </a:pPr>
             <a:r>
-              <a:rPr lang="en-GB" dirty="0"/>
+              <a:rPr lang="en-GB"/>
               <a:t>Yearly Number of Publications is generally rising for all material types. </a:t>
             </a:r>
           </a:p>
@@ -9266,7 +9287,7 @@
           <a:p>
             <a:pPr algn="l"/>
             <a:r>
-              <a:rPr lang="en-GB" sz="1600" b="1" baseline="0" dirty="0">
+              <a:rPr lang="en-GB" sz="1600" b="1" baseline="0">
                 <a:solidFill>
                   <a:srgbClr val="000080"/>
                 </a:solidFill>
@@ -9277,7 +9298,7 @@
               <a:t>AND</a:t>
             </a:r>
             <a:r>
-              <a:rPr lang="en-GB" sz="1600" baseline="0" dirty="0">
+              <a:rPr lang="en-GB" sz="1600" baseline="0">
                 <a:latin typeface="Consolas"/>
                 <a:ea typeface="Arial"/>
                 <a:cs typeface="Arial"/>
@@ -9285,7 +9306,7 @@
               <a:t> TS=</a:t>
             </a:r>
             <a:r>
-              <a:rPr lang="en-GB" sz="1600" baseline="0" dirty="0">
+              <a:rPr lang="en-GB" sz="1600" baseline="0">
                 <a:solidFill>
                   <a:schemeClr val="bg1">
                     <a:lumMod val="76000"/>
@@ -9298,7 +9319,7 @@
               <a:t>(</a:t>
             </a:r>
             <a:r>
-              <a:rPr lang="en-GB" sz="1600" strike="sngStrike" baseline="0" dirty="0">
+              <a:rPr lang="en-GB" sz="1600" strike="sngStrike" baseline="0">
                 <a:solidFill>
                   <a:schemeClr val="bg1">
                     <a:lumMod val="76000"/>
@@ -9311,7 +9332,7 @@
               <a:t>"material*" </a:t>
             </a:r>
             <a:r>
-              <a:rPr lang="en-GB" sz="1600" b="1" strike="sngStrike" baseline="0" dirty="0">
+              <a:rPr lang="en-GB" sz="1600" b="1" strike="sngStrike" baseline="0">
                 <a:solidFill>
                   <a:schemeClr val="bg1">
                     <a:lumMod val="76000"/>
@@ -9324,7 +9345,7 @@
               <a:t>OR</a:t>
             </a:r>
             <a:r>
-              <a:rPr lang="en-GB" sz="1600" strike="sngStrike" baseline="0" dirty="0">
+              <a:rPr lang="en-GB" sz="1600" strike="sngStrike" baseline="0">
                 <a:solidFill>
                   <a:schemeClr val="bg1">
                     <a:lumMod val="76000"/>
@@ -9337,7 +9358,7 @@
               <a:t> "polymer*" </a:t>
             </a:r>
             <a:r>
-              <a:rPr lang="en-GB" sz="1600" b="1" strike="sngStrike" baseline="0" dirty="0">
+              <a:rPr lang="en-GB" sz="1600" b="1" strike="sngStrike" baseline="0">
                 <a:solidFill>
                   <a:schemeClr val="bg1">
                     <a:lumMod val="76000"/>
@@ -9350,7 +9371,7 @@
               <a:t>OR</a:t>
             </a:r>
             <a:r>
-              <a:rPr lang="en-GB" sz="1600" strike="sngStrike" baseline="0" dirty="0">
+              <a:rPr lang="en-GB" sz="1600" strike="sngStrike" baseline="0">
                 <a:solidFill>
                   <a:schemeClr val="bg1">
                     <a:lumMod val="76000"/>
@@ -9363,7 +9384,7 @@
               <a:t> "composite*" </a:t>
             </a:r>
             <a:r>
-              <a:rPr lang="en-GB" sz="1600" b="1" strike="sngStrike" baseline="0" dirty="0">
+              <a:rPr lang="en-GB" sz="1600" b="1" strike="sngStrike" baseline="0">
                 <a:solidFill>
                   <a:schemeClr val="bg1">
                     <a:lumMod val="76000"/>
@@ -9376,7 +9397,7 @@
               <a:t>OR</a:t>
             </a:r>
             <a:r>
-              <a:rPr lang="en-GB" sz="1600" baseline="0" dirty="0">
+              <a:rPr lang="en-GB" sz="1600" baseline="0">
                 <a:solidFill>
                   <a:srgbClr val="FF0000"/>
                 </a:solidFill>
@@ -9387,7 +9408,7 @@
               <a:t> "ceramic*" </a:t>
             </a:r>
             <a:r>
-              <a:rPr lang="en-GB" sz="1600" b="1" strike="sngStrike" baseline="0" dirty="0">
+              <a:rPr lang="en-GB" sz="1600" b="1" strike="sngStrike" baseline="0">
                 <a:solidFill>
                   <a:schemeClr val="bg1">
                     <a:lumMod val="76000"/>
@@ -9400,7 +9421,7 @@
               <a:t>OR</a:t>
             </a:r>
             <a:r>
-              <a:rPr lang="en-GB" sz="1600" strike="sngStrike" baseline="0" dirty="0">
+              <a:rPr lang="en-GB" sz="1600" strike="sngStrike" baseline="0">
                 <a:solidFill>
                   <a:schemeClr val="bg1">
                     <a:lumMod val="76000"/>
@@ -9413,7 +9434,7 @@
               <a:t> "metal*" </a:t>
             </a:r>
             <a:r>
-              <a:rPr lang="en-GB" sz="1600" b="1" strike="sngStrike" baseline="0" dirty="0">
+              <a:rPr lang="en-GB" sz="1600" b="1" strike="sngStrike" baseline="0">
                 <a:solidFill>
                   <a:schemeClr val="bg1">
                     <a:lumMod val="76000"/>
@@ -9426,7 +9447,7 @@
               <a:t>OR</a:t>
             </a:r>
             <a:r>
-              <a:rPr lang="en-GB" sz="1600" strike="sngStrike" baseline="0" dirty="0">
+              <a:rPr lang="en-GB" sz="1600" strike="sngStrike" baseline="0">
                 <a:solidFill>
                   <a:schemeClr val="bg1">
                     <a:lumMod val="76000"/>
@@ -9439,7 +9460,7 @@
               <a:t>  "alloy*" </a:t>
             </a:r>
             <a:r>
-              <a:rPr lang="en-GB" sz="1600" b="1" strike="sngStrike" baseline="0" dirty="0">
+              <a:rPr lang="en-GB" sz="1600" b="1" strike="sngStrike" baseline="0">
                 <a:solidFill>
                   <a:schemeClr val="bg1">
                     <a:lumMod val="76000"/>
@@ -9452,7 +9473,7 @@
               <a:t>OR</a:t>
             </a:r>
             <a:r>
-              <a:rPr lang="en-GB" sz="1600" strike="sngStrike" baseline="0" dirty="0">
+              <a:rPr lang="en-GB" sz="1600" strike="sngStrike" baseline="0">
                 <a:solidFill>
                   <a:schemeClr val="bg1">
                     <a:lumMod val="76000"/>
@@ -9465,7 +9486,7 @@
               <a:t> "cement*" </a:t>
             </a:r>
             <a:r>
-              <a:rPr lang="en-GB" sz="1600" b="1" strike="sngStrike" baseline="0" dirty="0">
+              <a:rPr lang="en-GB" sz="1600" b="1" strike="sngStrike" baseline="0">
                 <a:solidFill>
                   <a:schemeClr val="bg1">
                     <a:lumMod val="76000"/>
@@ -9478,7 +9499,7 @@
               <a:t>OR</a:t>
             </a:r>
             <a:r>
-              <a:rPr lang="en-GB" sz="1600" strike="sngStrike" baseline="0" dirty="0">
+              <a:rPr lang="en-GB" sz="1600" strike="sngStrike" baseline="0">
                 <a:solidFill>
                   <a:schemeClr val="bg1">
                     <a:lumMod val="76000"/>
@@ -9491,7 +9512,7 @@
               <a:t> "concrete*“</a:t>
             </a:r>
             <a:r>
-              <a:rPr lang="en-GB" sz="1600" baseline="0" dirty="0">
+              <a:rPr lang="en-GB" sz="1600" baseline="0">
                 <a:solidFill>
                   <a:schemeClr val="bg1">
                     <a:lumMod val="76000"/>
@@ -9503,7 +9524,7 @@
               </a:rPr>
               <a:t>)</a:t>
             </a:r>
-            <a:endParaRPr lang="en-GB" sz="1600" dirty="0">
+            <a:endParaRPr lang="en-GB" sz="1600">
               <a:solidFill>
                 <a:schemeClr val="bg1">
                   <a:lumMod val="76000"/>
@@ -9603,7 +9624,7 @@
           <a:lstStyle/>
           <a:p>
             <a:r>
-              <a:rPr lang="en-GB" dirty="0"/>
+              <a:rPr lang="en-GB"/>
               <a:t>Number of annual publications expected to further grow</a:t>
             </a:r>
           </a:p>
@@ -9641,7 +9662,7 @@
               <a:buChar char="•"/>
             </a:pPr>
             <a:r>
-              <a:rPr lang="en-GB" dirty="0"/>
+              <a:rPr lang="en-GB"/>
               <a:t>Total Number of Publications is growing approximately quadratically at the current time</a:t>
             </a:r>
           </a:p>
@@ -9650,7 +9671,7 @@
               <a:buChar char="•"/>
             </a:pPr>
             <a:r>
-              <a:rPr lang="en-GB" dirty="0"/>
+              <a:rPr lang="en-GB"/>
               <a:t>We can use the given data to roughly forecast the number of publications for the next years</a:t>
             </a:r>
           </a:p>
@@ -9659,7 +9680,7 @@
               <a:buChar char="•"/>
             </a:pPr>
             <a:r>
-              <a:rPr lang="en-GB" dirty="0"/>
+              <a:rPr lang="en-GB"/>
               <a:t>Research for metal and cement was done equally much up to 2020. Since then there was more research regarding metals</a:t>
             </a:r>
           </a:p>
@@ -9667,7 +9688,7 @@
             <a:pPr marL="285750" indent="-285750">
               <a:buChar char="•"/>
             </a:pPr>
-            <a:endParaRPr lang="en-GB" dirty="0"/>
+            <a:endParaRPr lang="en-GB"/>
           </a:p>
         </p:txBody>
       </p:sp>
@@ -9759,7 +9780,7 @@
           <a:lstStyle/>
           <a:p>
             <a:r>
-              <a:rPr lang="en-GB" dirty="0"/>
+              <a:rPr lang="en-GB"/>
               <a:t>Analysis of affiliations</a:t>
             </a:r>
           </a:p>
@@ -9797,7 +9818,7 @@
               <a:buChar char="•"/>
             </a:pPr>
             <a:r>
-              <a:rPr lang="en-GB" dirty="0"/>
+              <a:rPr lang="en-GB"/>
               <a:t>The majority of institutes have an affiliation with less than 25 published papers</a:t>
             </a:r>
           </a:p>
@@ -9806,7 +9827,7 @@
               <a:buChar char="•"/>
             </a:pPr>
             <a:r>
-              <a:rPr lang="en-GB" dirty="0"/>
+              <a:rPr lang="en-GB"/>
               <a:t>The institute with the most affiliations has more than 300 papers that are affiliated with their institute</a:t>
             </a:r>
           </a:p>
@@ -9815,7 +9836,7 @@
               <a:buChar char="•"/>
             </a:pPr>
             <a:r>
-              <a:rPr lang="en-GB" dirty="0"/>
+              <a:rPr lang="en-GB"/>
               <a:t>All institutes that research polymers have published more than 10 papers on the topic already</a:t>
             </a:r>
           </a:p>
@@ -9824,19 +9845,18 @@
               <a:buChar char="•"/>
             </a:pPr>
             <a:r>
-              <a:rPr lang="en-GB" dirty="0"/>
+              <a:rPr lang="en-GB"/>
               <a:t>Look at top institutes for polymers on next slide</a:t>
             </a:r>
+          </a:p>
+          <a:p>
             <a:endParaRPr lang="en-GB"/>
-          </a:p>
-          <a:p>
-            <a:endParaRPr lang="en-GB" dirty="0"/>
           </a:p>
           <a:p>
             <a:pPr marL="285750" indent="-285750">
               <a:buChar char="•"/>
             </a:pPr>
-            <a:endParaRPr lang="en-GB" dirty="0"/>
+            <a:endParaRPr lang="en-GB"/>
           </a:p>
         </p:txBody>
       </p:sp>

--- a/presentation/DataDrivenForesight.pptx
+++ b/presentation/DataDrivenForesight.pptx
@@ -1093,7 +1093,7 @@
           <a:p>
             <a:fld id="{846CE7D5-CF57-46EF-B807-FDD0502418D4}" type="datetimeFigureOut">
               <a:rPr lang="en-GB" smtClean="0"/>
-              <a:t>09/01/2025</a:t>
+              <a:t>10/01/2025</a:t>
             </a:fld>
             <a:endParaRPr lang="en-GB"/>
           </a:p>
@@ -1261,7 +1261,7 @@
           <a:p>
             <a:fld id="{846CE7D5-CF57-46EF-B807-FDD0502418D4}" type="datetimeFigureOut">
               <a:rPr lang="en-GB" smtClean="0"/>
-              <a:t>09/01/2025</a:t>
+              <a:t>10/01/2025</a:t>
             </a:fld>
             <a:endParaRPr lang="en-GB"/>
           </a:p>
@@ -1439,7 +1439,7 @@
           <a:p>
             <a:fld id="{846CE7D5-CF57-46EF-B807-FDD0502418D4}" type="datetimeFigureOut">
               <a:rPr lang="en-GB" smtClean="0"/>
-              <a:t>09/01/2025</a:t>
+              <a:t>10/01/2025</a:t>
             </a:fld>
             <a:endParaRPr lang="en-GB"/>
           </a:p>
@@ -1607,7 +1607,7 @@
           <a:p>
             <a:fld id="{846CE7D5-CF57-46EF-B807-FDD0502418D4}" type="datetimeFigureOut">
               <a:rPr lang="en-GB" smtClean="0"/>
-              <a:t>09/01/2025</a:t>
+              <a:t>10/01/2025</a:t>
             </a:fld>
             <a:endParaRPr lang="en-GB"/>
           </a:p>
@@ -1852,7 +1852,7 @@
           <a:p>
             <a:fld id="{846CE7D5-CF57-46EF-B807-FDD0502418D4}" type="datetimeFigureOut">
               <a:rPr lang="en-GB" smtClean="0"/>
-              <a:t>09/01/2025</a:t>
+              <a:t>10/01/2025</a:t>
             </a:fld>
             <a:endParaRPr lang="en-GB"/>
           </a:p>
@@ -2081,7 +2081,7 @@
           <a:p>
             <a:fld id="{846CE7D5-CF57-46EF-B807-FDD0502418D4}" type="datetimeFigureOut">
               <a:rPr lang="en-GB" smtClean="0"/>
-              <a:t>09/01/2025</a:t>
+              <a:t>10/01/2025</a:t>
             </a:fld>
             <a:endParaRPr lang="en-GB"/>
           </a:p>
@@ -2445,7 +2445,7 @@
           <a:p>
             <a:fld id="{846CE7D5-CF57-46EF-B807-FDD0502418D4}" type="datetimeFigureOut">
               <a:rPr lang="en-GB" smtClean="0"/>
-              <a:t>09/01/2025</a:t>
+              <a:t>10/01/2025</a:t>
             </a:fld>
             <a:endParaRPr lang="en-GB"/>
           </a:p>
@@ -2562,7 +2562,7 @@
           <a:p>
             <a:fld id="{846CE7D5-CF57-46EF-B807-FDD0502418D4}" type="datetimeFigureOut">
               <a:rPr lang="en-GB" smtClean="0"/>
-              <a:t>09/01/2025</a:t>
+              <a:t>10/01/2025</a:t>
             </a:fld>
             <a:endParaRPr lang="en-GB"/>
           </a:p>
@@ -2657,7 +2657,7 @@
           <a:p>
             <a:fld id="{846CE7D5-CF57-46EF-B807-FDD0502418D4}" type="datetimeFigureOut">
               <a:rPr lang="en-GB" smtClean="0"/>
-              <a:t>09/01/2025</a:t>
+              <a:t>10/01/2025</a:t>
             </a:fld>
             <a:endParaRPr lang="en-GB"/>
           </a:p>
@@ -2932,7 +2932,7 @@
           <a:p>
             <a:fld id="{846CE7D5-CF57-46EF-B807-FDD0502418D4}" type="datetimeFigureOut">
               <a:rPr lang="en-GB" smtClean="0"/>
-              <a:t>09/01/2025</a:t>
+              <a:t>10/01/2025</a:t>
             </a:fld>
             <a:endParaRPr lang="en-GB"/>
           </a:p>
@@ -3187,7 +3187,7 @@
           <a:p>
             <a:fld id="{846CE7D5-CF57-46EF-B807-FDD0502418D4}" type="datetimeFigureOut">
               <a:rPr lang="en-GB" smtClean="0"/>
-              <a:t>09/01/2025</a:t>
+              <a:t>10/01/2025</a:t>
             </a:fld>
             <a:endParaRPr lang="en-GB"/>
           </a:p>
@@ -3398,7 +3398,7 @@
           <a:p>
             <a:fld id="{846CE7D5-CF57-46EF-B807-FDD0502418D4}" type="datetimeFigureOut">
               <a:rPr lang="en-GB" smtClean="0"/>
-              <a:t>09/01/2025</a:t>
+              <a:t>10/01/2025</a:t>
             </a:fld>
             <a:endParaRPr lang="en-GB"/>
           </a:p>
@@ -5506,10 +5506,43 @@
               <a:buChar char="•"/>
             </a:pPr>
             <a:r>
-              <a:rPr lang="en-US"/>
-              <a:t>Data before 2015 shown likely due to the earliest publication being before 2015, while current publication of the corresponding patent is from 2015 onward</a:t>
-            </a:r>
-            <a:endParaRPr lang="en-DE"/>
+              <a:rPr lang="en-US" dirty="0" err="1"/>
+              <a:t>Noticable</a:t>
+            </a:r>
+            <a:r>
+              <a:rPr lang="en-US" dirty="0"/>
+              <a:t> increase starting from 2005</a:t>
+            </a:r>
+          </a:p>
+          <a:p>
+            <a:pPr marL="285750" indent="-285750">
+              <a:buFont typeface="Arial" panose="020B0604020202020204" pitchFamily="34" charset="0"/>
+              <a:buChar char="•"/>
+            </a:pPr>
+            <a:r>
+              <a:rPr lang="en-US" dirty="0"/>
+              <a:t>Exponential growth from 2014 onward</a:t>
+            </a:r>
+          </a:p>
+          <a:p>
+            <a:pPr marL="285750" indent="-285750">
+              <a:buFont typeface="Arial" panose="020B0604020202020204" pitchFamily="34" charset="0"/>
+              <a:buChar char="•"/>
+            </a:pPr>
+            <a:r>
+              <a:rPr lang="en-US" dirty="0"/>
+              <a:t>Small drop in 2022 in an otherwise steep upward trajectory</a:t>
+            </a:r>
+            <a:br>
+              <a:rPr lang="en-US" dirty="0"/>
+            </a:br>
+            <a:r>
+              <a:rPr lang="en-US" dirty="0">
+                <a:sym typeface="Wingdings" panose="05000000000000000000" pitchFamily="2" charset="2"/>
+              </a:rPr>
+              <a:t> likely due to COVID-19</a:t>
+            </a:r>
+            <a:endParaRPr lang="en-DE" dirty="0"/>
           </a:p>
         </p:txBody>
       </p:sp>
@@ -5542,51 +5575,6 @@
           </a:xfrm>
         </p:spPr>
       </p:pic>
-      <p:sp>
-        <p:nvSpPr>
-          <p:cNvPr id="5" name="TextBox 4">
-            <a:extLst>
-              <a:ext uri="{FF2B5EF4-FFF2-40B4-BE49-F238E27FC236}">
-                <a16:creationId xmlns:a16="http://schemas.microsoft.com/office/drawing/2014/main" id="{9FE5F8D1-AC54-3C3F-FF5D-3996FB214FDD}"/>
-              </a:ext>
-            </a:extLst>
-          </p:cNvPr>
-          <p:cNvSpPr txBox="1"/>
-          <p:nvPr/>
-        </p:nvSpPr>
-        <p:spPr>
-          <a:xfrm>
-            <a:off x="202790" y="4021569"/>
-            <a:ext cx="5693272" cy="1015663"/>
-          </a:xfrm>
-          <a:prstGeom prst="rect">
-            <a:avLst/>
-          </a:prstGeom>
-          <a:solidFill>
-            <a:schemeClr val="bg1"/>
-          </a:solidFill>
-        </p:spPr>
-        <p:txBody>
-          <a:bodyPr rot="0" spcFirstLastPara="0" vertOverflow="overflow" horzOverflow="overflow" vert="horz" wrap="square" lIns="91440" tIns="45720" rIns="91440" bIns="45720" numCol="1" spcCol="0" rtlCol="0" fromWordArt="0" anchor="t" anchorCtr="0" forceAA="0" compatLnSpc="1">
-            <a:prstTxWarp prst="textNoShape">
-              <a:avLst/>
-            </a:prstTxWarp>
-            <a:spAutoFit/>
-          </a:bodyPr>
-          <a:lstStyle/>
-          <a:p>
-            <a:pPr algn="l"/>
-            <a:r>
-              <a:rPr lang="en-GB" sz="6000">
-                <a:solidFill>
-                  <a:srgbClr val="FF0000"/>
-                </a:solidFill>
-              </a:rPr>
-              <a:t>UPDATEN</a:t>
-            </a:r>
-          </a:p>
-        </p:txBody>
-      </p:sp>
     </p:spTree>
     <p:extLst>
       <p:ext uri="{BB962C8B-B14F-4D97-AF65-F5344CB8AC3E}">
@@ -5672,10 +5660,30 @@
               <a:buChar char="•"/>
             </a:pPr>
             <a:r>
-              <a:rPr lang="en-US"/>
-              <a:t>Data before 2015 shown likely due to the earliest publication being before 2015, while current publication of the corresponding patent is from 2015 onward</a:t>
-            </a:r>
-            <a:endParaRPr lang="en-DE"/>
+              <a:rPr lang="en-US" dirty="0"/>
+              <a:t>Starting from 2013 the number of publications dominate the number of patents significantly</a:t>
+            </a:r>
+          </a:p>
+          <a:p>
+            <a:pPr marL="285750" indent="-285750">
+              <a:buFont typeface="Arial" panose="020B0604020202020204" pitchFamily="34" charset="0"/>
+              <a:buChar char="•"/>
+            </a:pPr>
+            <a:r>
+              <a:rPr lang="en-US" dirty="0"/>
+              <a:t>Research largely unaffected by COVID</a:t>
+            </a:r>
+          </a:p>
+          <a:p>
+            <a:pPr marL="285750" indent="-285750">
+              <a:buFont typeface="Arial" panose="020B0604020202020204" pitchFamily="34" charset="0"/>
+              <a:buChar char="•"/>
+            </a:pPr>
+            <a:r>
+              <a:rPr lang="en-US" dirty="0"/>
+              <a:t>Number of patents is expected to follow the upward trajectory in the coming years</a:t>
+            </a:r>
+            <a:endParaRPr lang="en-DE" dirty="0"/>
           </a:p>
         </p:txBody>
       </p:sp>
@@ -5708,51 +5716,6 @@
           </a:xfrm>
         </p:spPr>
       </p:pic>
-      <p:sp>
-        <p:nvSpPr>
-          <p:cNvPr id="5" name="TextBox 4">
-            <a:extLst>
-              <a:ext uri="{FF2B5EF4-FFF2-40B4-BE49-F238E27FC236}">
-                <a16:creationId xmlns:a16="http://schemas.microsoft.com/office/drawing/2014/main" id="{37A8797B-7C54-DF99-34BB-B5AD38258131}"/>
-              </a:ext>
-            </a:extLst>
-          </p:cNvPr>
-          <p:cNvSpPr txBox="1"/>
-          <p:nvPr/>
-        </p:nvSpPr>
-        <p:spPr>
-          <a:xfrm>
-            <a:off x="2636274" y="3960118"/>
-            <a:ext cx="5693272" cy="1015663"/>
-          </a:xfrm>
-          <a:prstGeom prst="rect">
-            <a:avLst/>
-          </a:prstGeom>
-          <a:solidFill>
-            <a:schemeClr val="bg1"/>
-          </a:solidFill>
-        </p:spPr>
-        <p:txBody>
-          <a:bodyPr rot="0" spcFirstLastPara="0" vertOverflow="overflow" horzOverflow="overflow" vert="horz" wrap="square" lIns="91440" tIns="45720" rIns="91440" bIns="45720" numCol="1" spcCol="0" rtlCol="0" fromWordArt="0" anchor="t" anchorCtr="0" forceAA="0" compatLnSpc="1">
-            <a:prstTxWarp prst="textNoShape">
-              <a:avLst/>
-            </a:prstTxWarp>
-            <a:spAutoFit/>
-          </a:bodyPr>
-          <a:lstStyle/>
-          <a:p>
-            <a:pPr algn="l"/>
-            <a:r>
-              <a:rPr lang="en-GB" sz="6000">
-                <a:solidFill>
-                  <a:srgbClr val="FF0000"/>
-                </a:solidFill>
-              </a:rPr>
-              <a:t>UPDATEN</a:t>
-            </a:r>
-          </a:p>
-        </p:txBody>
-      </p:sp>
     </p:spTree>
     <p:extLst>
       <p:ext uri="{BB962C8B-B14F-4D97-AF65-F5344CB8AC3E}">
@@ -5843,7 +5806,7 @@
               <a:buNone/>
             </a:pPr>
             <a:r>
-              <a:rPr lang="en-GB" sz="1400">
+              <a:rPr lang="en-GB" sz="1400" dirty="0">
                 <a:latin typeface="Consolas"/>
                 <a:ea typeface="+mn-lt"/>
                 <a:cs typeface="+mn-lt"/>
@@ -5851,7 +5814,7 @@
               <a:t>  TS=("self heal*" </a:t>
             </a:r>
             <a:r>
-              <a:rPr lang="en-GB" sz="1400" b="1">
+              <a:rPr lang="en-GB" sz="1400" b="1" dirty="0">
                 <a:solidFill>
                   <a:srgbClr val="000080"/>
                 </a:solidFill>
@@ -5862,7 +5825,7 @@
               <a:t>OR</a:t>
             </a:r>
             <a:r>
-              <a:rPr lang="en-GB" sz="1400">
+              <a:rPr lang="en-GB" sz="1400" dirty="0">
                 <a:latin typeface="Consolas"/>
                 <a:ea typeface="+mn-lt"/>
                 <a:cs typeface="+mn-lt"/>
@@ -5870,7 +5833,7 @@
               <a:t> "self repair*" </a:t>
             </a:r>
             <a:r>
-              <a:rPr lang="en-GB" sz="1400" b="1">
+              <a:rPr lang="en-GB" sz="1400" b="1" dirty="0">
                 <a:solidFill>
                   <a:srgbClr val="000080"/>
                 </a:solidFill>
@@ -5881,7 +5844,7 @@
               <a:t>OR</a:t>
             </a:r>
             <a:r>
-              <a:rPr lang="en-GB" sz="1400">
+              <a:rPr lang="en-GB" sz="1400" dirty="0">
                 <a:latin typeface="Consolas"/>
                 <a:ea typeface="+mn-lt"/>
                 <a:cs typeface="+mn-lt"/>
@@ -5889,7 +5852,7 @@
               <a:t> "</a:t>
             </a:r>
             <a:r>
-              <a:rPr lang="en-GB" sz="1400" err="1">
+              <a:rPr lang="en-GB" sz="1400" dirty="0" err="1">
                 <a:latin typeface="Consolas"/>
                 <a:ea typeface="+mn-lt"/>
                 <a:cs typeface="+mn-lt"/>
@@ -5897,7 +5860,7 @@
               <a:t>autonom</a:t>
             </a:r>
             <a:r>
-              <a:rPr lang="en-GB" sz="1400">
+              <a:rPr lang="en-GB" sz="1400" dirty="0">
                 <a:latin typeface="Consolas"/>
                 <a:ea typeface="+mn-lt"/>
                 <a:cs typeface="+mn-lt"/>
@@ -5905,7 +5868,7 @@
               <a:t>* repair*" </a:t>
             </a:r>
             <a:r>
-              <a:rPr lang="en-GB" sz="1400" b="1">
+              <a:rPr lang="en-GB" sz="1400" b="1" dirty="0">
                 <a:solidFill>
                   <a:srgbClr val="000080"/>
                 </a:solidFill>
@@ -5916,7 +5879,7 @@
               <a:t>OR</a:t>
             </a:r>
             <a:r>
-              <a:rPr lang="en-GB" sz="1400">
+              <a:rPr lang="en-GB" sz="1400" dirty="0">
                 <a:latin typeface="Consolas"/>
                 <a:ea typeface="+mn-lt"/>
                 <a:cs typeface="+mn-lt"/>
@@ -5924,7 +5887,7 @@
               <a:t> "</a:t>
             </a:r>
             <a:r>
-              <a:rPr lang="en-GB" sz="1400" err="1">
+              <a:rPr lang="en-GB" sz="1400" dirty="0" err="1">
                 <a:latin typeface="Consolas"/>
                 <a:ea typeface="+mn-lt"/>
                 <a:cs typeface="+mn-lt"/>
@@ -5932,14 +5895,14 @@
               <a:t>autonom</a:t>
             </a:r>
             <a:r>
-              <a:rPr lang="en-GB" sz="1400">
+              <a:rPr lang="en-GB" sz="1400" dirty="0">
                 <a:latin typeface="Consolas"/>
                 <a:ea typeface="+mn-lt"/>
                 <a:cs typeface="+mn-lt"/>
               </a:rPr>
               <a:t>* heal*")</a:t>
             </a:r>
-            <a:endParaRPr lang="en-US" sz="1400">
+            <a:endParaRPr lang="en-US" sz="1400" dirty="0">
               <a:latin typeface="Consolas"/>
             </a:endParaRPr>
           </a:p>
@@ -5948,7 +5911,7 @@
               <a:buNone/>
             </a:pPr>
             <a:r>
-              <a:rPr lang="en-GB" sz="1400">
+              <a:rPr lang="en-GB" sz="1400" dirty="0">
                 <a:latin typeface="Consolas"/>
                 <a:ea typeface="+mn-lt"/>
                 <a:cs typeface="+mn-lt"/>
@@ -5956,7 +5919,7 @@
               <a:t>  </a:t>
             </a:r>
             <a:r>
-              <a:rPr lang="en-GB" sz="1400" b="1">
+              <a:rPr lang="en-GB" sz="1400" b="1" dirty="0">
                 <a:solidFill>
                   <a:srgbClr val="000080"/>
                 </a:solidFill>
@@ -5967,7 +5930,7 @@
               <a:t>AND</a:t>
             </a:r>
             <a:r>
-              <a:rPr lang="en-GB" sz="1400">
+              <a:rPr lang="en-GB" sz="1400" dirty="0">
                 <a:latin typeface="Consolas"/>
                 <a:ea typeface="+mn-lt"/>
                 <a:cs typeface="+mn-lt"/>
@@ -5975,7 +5938,7 @@
               <a:t> TS=("material*" </a:t>
             </a:r>
             <a:r>
-              <a:rPr lang="en-GB" sz="1400" b="1">
+              <a:rPr lang="en-GB" sz="1400" b="1" dirty="0">
                 <a:solidFill>
                   <a:srgbClr val="000080"/>
                 </a:solidFill>
@@ -5986,7 +5949,7 @@
               <a:t>OR</a:t>
             </a:r>
             <a:r>
-              <a:rPr lang="en-GB" sz="1400">
+              <a:rPr lang="en-GB" sz="1400" dirty="0">
                 <a:latin typeface="Consolas"/>
                 <a:ea typeface="+mn-lt"/>
                 <a:cs typeface="+mn-lt"/>
@@ -5994,7 +5957,7 @@
               <a:t> "polymer*" </a:t>
             </a:r>
             <a:r>
-              <a:rPr lang="en-GB" sz="1400" b="1">
+              <a:rPr lang="en-GB" sz="1400" b="1" dirty="0">
                 <a:solidFill>
                   <a:srgbClr val="000080"/>
                 </a:solidFill>
@@ -6005,7 +5968,7 @@
               <a:t>OR</a:t>
             </a:r>
             <a:r>
-              <a:rPr lang="en-GB" sz="1400">
+              <a:rPr lang="en-GB" sz="1400" dirty="0">
                 <a:latin typeface="Consolas"/>
                 <a:ea typeface="+mn-lt"/>
                 <a:cs typeface="+mn-lt"/>
@@ -6013,7 +5976,7 @@
               <a:t> "composite*" </a:t>
             </a:r>
             <a:r>
-              <a:rPr lang="en-GB" sz="1400" b="1">
+              <a:rPr lang="en-GB" sz="1400" b="1" dirty="0">
                 <a:solidFill>
                   <a:srgbClr val="000080"/>
                 </a:solidFill>
@@ -6024,7 +5987,7 @@
               <a:t>OR</a:t>
             </a:r>
             <a:r>
-              <a:rPr lang="en-GB" sz="1400">
+              <a:rPr lang="en-GB" sz="1400" dirty="0">
                 <a:latin typeface="Consolas"/>
                 <a:ea typeface="+mn-lt"/>
                 <a:cs typeface="+mn-lt"/>
@@ -6032,7 +5995,7 @@
               <a:t> "ceramic*" </a:t>
             </a:r>
             <a:r>
-              <a:rPr lang="en-GB" sz="1400" b="1">
+              <a:rPr lang="en-GB" sz="1400" b="1" dirty="0">
                 <a:solidFill>
                   <a:srgbClr val="000080"/>
                 </a:solidFill>
@@ -6043,7 +6006,7 @@
               <a:t>OR</a:t>
             </a:r>
             <a:r>
-              <a:rPr lang="en-GB" sz="1400">
+              <a:rPr lang="en-GB" sz="1400" dirty="0">
                 <a:latin typeface="Consolas"/>
                 <a:ea typeface="+mn-lt"/>
                 <a:cs typeface="+mn-lt"/>
@@ -6051,7 +6014,7 @@
               <a:t> "metal*" </a:t>
             </a:r>
             <a:r>
-              <a:rPr lang="en-GB" sz="1400" b="1">
+              <a:rPr lang="en-GB" sz="1400" b="1" dirty="0">
                 <a:solidFill>
                   <a:srgbClr val="000080"/>
                 </a:solidFill>
@@ -6062,7 +6025,7 @@
               <a:t>OR</a:t>
             </a:r>
             <a:r>
-              <a:rPr lang="en-GB" sz="1400">
+              <a:rPr lang="en-GB" sz="1400" dirty="0">
                 <a:latin typeface="Consolas"/>
                 <a:ea typeface="+mn-lt"/>
                 <a:cs typeface="+mn-lt"/>
@@ -6070,7 +6033,7 @@
               <a:t>  "alloy*" </a:t>
             </a:r>
             <a:r>
-              <a:rPr lang="en-GB" sz="1400" b="1">
+              <a:rPr lang="en-GB" sz="1400" b="1" dirty="0">
                 <a:solidFill>
                   <a:srgbClr val="000080"/>
                 </a:solidFill>
@@ -6081,7 +6044,7 @@
               <a:t>OR</a:t>
             </a:r>
             <a:r>
-              <a:rPr lang="en-GB" sz="1400">
+              <a:rPr lang="en-GB" sz="1400" dirty="0">
                 <a:latin typeface="Consolas"/>
                 <a:ea typeface="+mn-lt"/>
                 <a:cs typeface="+mn-lt"/>
@@ -6089,7 +6052,7 @@
               <a:t> "cement*" </a:t>
             </a:r>
             <a:r>
-              <a:rPr lang="en-GB" sz="1400">
+              <a:rPr lang="en-GB" sz="1400" dirty="0">
                 <a:solidFill>
                   <a:srgbClr val="000000"/>
                 </a:solidFill>
@@ -6100,7 +6063,7 @@
               <a:t>    </a:t>
             </a:r>
             <a:r>
-              <a:rPr lang="en-GB" sz="1400" b="1">
+              <a:rPr lang="en-GB" sz="1400" b="1" dirty="0">
                 <a:solidFill>
                   <a:srgbClr val="000080"/>
                 </a:solidFill>
@@ -6111,7 +6074,7 @@
               <a:t>  OR</a:t>
             </a:r>
             <a:r>
-              <a:rPr lang="en-GB" sz="1400">
+              <a:rPr lang="en-GB" sz="1400" dirty="0">
                 <a:latin typeface="Consolas"/>
                 <a:ea typeface="+mn-lt"/>
                 <a:cs typeface="+mn-lt"/>
@@ -6124,7 +6087,7 @@
               <a:buNone/>
             </a:pPr>
             <a:r>
-              <a:rPr lang="en-GB" sz="1400" b="1">
+              <a:rPr lang="en-GB" sz="1400" b="1" dirty="0">
                 <a:solidFill>
                   <a:srgbClr val="000080"/>
                 </a:solidFill>
@@ -6135,7 +6098,7 @@
               <a:t>  NOT</a:t>
             </a:r>
             <a:r>
-              <a:rPr lang="en-GB" sz="1400">
+              <a:rPr lang="en-GB" sz="1400" dirty="0">
                 <a:latin typeface="Consolas"/>
                 <a:ea typeface="+mn-lt"/>
                 <a:cs typeface="+mn-lt"/>
@@ -6143,7 +6106,7 @@
               <a:t> TS=("biology"</a:t>
             </a:r>
             <a:r>
-              <a:rPr lang="en-GB" sz="1400">
+              <a:rPr lang="en-GB" sz="1400" dirty="0">
                 <a:solidFill>
                   <a:srgbClr val="000000"/>
                 </a:solidFill>
@@ -6154,7 +6117,7 @@
               <a:t> </a:t>
             </a:r>
             <a:r>
-              <a:rPr lang="en-GB" sz="1400" b="1">
+              <a:rPr lang="en-GB" sz="1400" b="1" dirty="0">
                 <a:solidFill>
                   <a:srgbClr val="000080"/>
                 </a:solidFill>
@@ -6165,7 +6128,7 @@
               <a:t>OR</a:t>
             </a:r>
             <a:r>
-              <a:rPr lang="en-GB" sz="1400">
+              <a:rPr lang="en-GB" sz="1400" dirty="0">
                 <a:latin typeface="Consolas"/>
                 <a:ea typeface="+mn-lt"/>
                 <a:cs typeface="+mn-lt"/>
@@ -6173,7 +6136,7 @@
               <a:t> "biological system*" </a:t>
             </a:r>
             <a:r>
-              <a:rPr lang="en-GB" sz="1400" b="1">
+              <a:rPr lang="en-GB" sz="1400" b="1" dirty="0">
                 <a:solidFill>
                   <a:srgbClr val="000080"/>
                 </a:solidFill>
@@ -6184,64 +6147,64 @@
               <a:t>OR</a:t>
             </a:r>
             <a:r>
-              <a:rPr lang="en-GB" sz="1400">
+              <a:rPr lang="en-GB" sz="1400" dirty="0">
                 <a:latin typeface="Consolas"/>
                 <a:ea typeface="+mn-lt"/>
                 <a:cs typeface="+mn-lt"/>
               </a:rPr>
-              <a:t> "hydrogel*" </a:t>
-            </a:r>
-            <a:r>
-              <a:rPr lang="en-GB" sz="1400" b="1">
-                <a:solidFill>
-                  <a:srgbClr val="000080"/>
+              <a:t> "organic material*"</a:t>
+            </a:r>
+            <a:r>
+              <a:rPr lang="en-GB" sz="1400" dirty="0">
+                <a:solidFill>
+                  <a:srgbClr val="000000"/>
                 </a:solidFill>
                 <a:latin typeface="Consolas"/>
                 <a:ea typeface="+mn-lt"/>
                 <a:cs typeface="+mn-lt"/>
               </a:rPr>
-              <a:t>OR</a:t>
-            </a:r>
-            <a:r>
-              <a:rPr lang="en-GB" sz="1400">
+              <a:t> </a:t>
+            </a:r>
+            <a:r>
+              <a:rPr lang="en-GB" sz="1400" b="1" dirty="0">
+                <a:solidFill>
+                  <a:srgbClr val="000080"/>
+                </a:solidFill>
                 <a:latin typeface="Consolas"/>
                 <a:ea typeface="+mn-lt"/>
                 <a:cs typeface="+mn-lt"/>
               </a:rPr>
-              <a:t> "gel*" </a:t>
-            </a:r>
-            <a:r>
-              <a:rPr lang="en-GB" sz="1400" b="1">
-                <a:solidFill>
-                  <a:srgbClr val="000080"/>
-                </a:solidFill>
+              <a:t>OR</a:t>
+            </a:r>
+            <a:r>
+              <a:rPr lang="en-GB" sz="1400" dirty="0">
                 <a:latin typeface="Consolas"/>
                 <a:ea typeface="+mn-lt"/>
                 <a:cs typeface="+mn-lt"/>
               </a:rPr>
-              <a:t>OR</a:t>
-            </a:r>
-            <a:r>
-              <a:rPr lang="en-GB" sz="1400">
+              <a:t> "wound     heal*" </a:t>
+            </a:r>
+            <a:r>
+              <a:rPr lang="en-GB" sz="1400" b="1" dirty="0">
+                <a:solidFill>
+                  <a:srgbClr val="000080"/>
+                </a:solidFill>
                 <a:latin typeface="Consolas"/>
                 <a:ea typeface="+mn-lt"/>
                 <a:cs typeface="+mn-lt"/>
               </a:rPr>
-              <a:t> "organic material*"</a:t>
-            </a:r>
-            <a:r>
-              <a:rPr lang="en-GB" sz="1400">
-                <a:solidFill>
-                  <a:srgbClr val="000000"/>
-                </a:solidFill>
+              <a:t>OR </a:t>
+            </a:r>
+            <a:r>
+              <a:rPr lang="en-GB" sz="1400" dirty="0">
                 <a:latin typeface="Consolas"/>
                 <a:ea typeface="+mn-lt"/>
                 <a:cs typeface="+mn-lt"/>
               </a:rPr>
-              <a:t> </a:t>
-            </a:r>
-            <a:r>
-              <a:rPr lang="en-GB" sz="1400" b="1">
+              <a:t>"medic*" </a:t>
+            </a:r>
+            <a:r>
+              <a:rPr lang="en-GB" sz="1400" b="1" dirty="0">
                 <a:solidFill>
                   <a:srgbClr val="000080"/>
                 </a:solidFill>
@@ -6252,15 +6215,15 @@
               <a:t>OR</a:t>
             </a:r>
             <a:r>
-              <a:rPr lang="en-GB" sz="1400">
+              <a:rPr lang="en-GB" sz="1400" dirty="0">
                 <a:latin typeface="Consolas"/>
                 <a:ea typeface="+mn-lt"/>
                 <a:cs typeface="+mn-lt"/>
               </a:rPr>
-              <a:t> "wound     heal*" </a:t>
-            </a:r>
-            <a:r>
-              <a:rPr lang="en-GB" sz="1400" b="1">
+              <a:t> "healthcare" </a:t>
+            </a:r>
+            <a:r>
+              <a:rPr lang="en-GB" sz="1400" b="1" dirty="0">
                 <a:solidFill>
                   <a:srgbClr val="000080"/>
                 </a:solidFill>
@@ -6268,55 +6231,17 @@
                 <a:ea typeface="+mn-lt"/>
                 <a:cs typeface="+mn-lt"/>
               </a:rPr>
-              <a:t>OR </a:t>
-            </a:r>
-            <a:r>
-              <a:rPr lang="en-GB" sz="1400">
+              <a:t>OR</a:t>
+            </a:r>
+            <a:r>
+              <a:rPr lang="en-GB" sz="1400" dirty="0">
                 <a:latin typeface="Consolas"/>
                 <a:ea typeface="+mn-lt"/>
                 <a:cs typeface="+mn-lt"/>
               </a:rPr>
-              <a:t>"medic*" </a:t>
-            </a:r>
-            <a:r>
-              <a:rPr lang="en-GB" sz="1400" b="1">
-                <a:solidFill>
-                  <a:srgbClr val="000080"/>
-                </a:solidFill>
-                <a:latin typeface="Consolas"/>
-                <a:ea typeface="+mn-lt"/>
-                <a:cs typeface="+mn-lt"/>
-              </a:rPr>
-              <a:t>OR</a:t>
-            </a:r>
-            <a:r>
-              <a:rPr lang="en-GB" sz="1400">
-                <a:latin typeface="Consolas"/>
-                <a:ea typeface="+mn-lt"/>
-                <a:cs typeface="+mn-lt"/>
-              </a:rPr>
-              <a:t> "healthcare" </a:t>
-            </a:r>
-            <a:r>
-              <a:rPr lang="en-GB" sz="1400" b="1">
-                <a:solidFill>
-                  <a:srgbClr val="000080"/>
-                </a:solidFill>
-                <a:latin typeface="Consolas"/>
-                <a:ea typeface="+mn-lt"/>
-                <a:cs typeface="+mn-lt"/>
-              </a:rPr>
-              <a:t>OR</a:t>
-            </a:r>
-            <a:r>
-              <a:rPr lang="en-GB" sz="1400">
-                <a:latin typeface="Consolas"/>
-                <a:ea typeface="+mn-lt"/>
-                <a:cs typeface="+mn-lt"/>
-              </a:rPr>
               <a:t> "spirit*")  </a:t>
             </a:r>
-            <a:endParaRPr lang="en-GB" sz="1400">
+            <a:endParaRPr lang="en-GB" sz="1400" dirty="0">
               <a:solidFill>
                 <a:srgbClr val="000000"/>
               </a:solidFill>
@@ -6324,55 +6249,6 @@
               <a:ea typeface="+mn-lt"/>
               <a:cs typeface="+mn-lt"/>
             </a:endParaRPr>
-          </a:p>
-          <a:p>
-            <a:pPr marL="0" indent="0">
-              <a:buNone/>
-            </a:pPr>
-            <a:r>
-              <a:rPr lang="en-GB" sz="1400" b="1">
-                <a:solidFill>
-                  <a:srgbClr val="000080"/>
-                </a:solidFill>
-                <a:latin typeface="Consolas"/>
-                <a:ea typeface="+mn-lt"/>
-                <a:cs typeface="+mn-lt"/>
-              </a:rPr>
-              <a:t>  AND</a:t>
-            </a:r>
-            <a:r>
-              <a:rPr lang="en-GB" sz="1400">
-                <a:latin typeface="Consolas"/>
-                <a:ea typeface="+mn-lt"/>
-                <a:cs typeface="+mn-lt"/>
-              </a:rPr>
-              <a:t> PY=(</a:t>
-            </a:r>
-            <a:r>
-              <a:rPr lang="en-GB" sz="1400">
-                <a:solidFill>
-                  <a:srgbClr val="0000FF"/>
-                </a:solidFill>
-                <a:latin typeface="Consolas"/>
-                <a:ea typeface="+mn-lt"/>
-                <a:cs typeface="+mn-lt"/>
-              </a:rPr>
-              <a:t>2015-2025</a:t>
-            </a:r>
-            <a:r>
-              <a:rPr lang="en-GB" sz="1400">
-                <a:latin typeface="Consolas"/>
-                <a:ea typeface="+mn-lt"/>
-                <a:cs typeface="+mn-lt"/>
-              </a:rPr>
-              <a:t>)</a:t>
-            </a:r>
-            <a:endParaRPr lang="en-GB" sz="1400">
-              <a:latin typeface="Consolas"/>
-            </a:endParaRPr>
-          </a:p>
-          <a:p>
-            <a:endParaRPr lang="en-GB"/>
           </a:p>
         </p:txBody>
       </p:sp>
@@ -6391,7 +6267,7 @@
           <p:nvPr>
             <p:extLst>
               <p:ext uri="{D42A27DB-BD31-4B8C-83A1-F6EECF244321}">
-                <p14:modId xmlns:p14="http://schemas.microsoft.com/office/powerpoint/2010/main" val="4036500019"/>
+                <p14:modId xmlns:p14="http://schemas.microsoft.com/office/powerpoint/2010/main" val="1733330817"/>
               </p:ext>
             </p:extLst>
           </p:nvPr>
@@ -6613,20 +6489,8 @@
                     <a:lstStyle/>
                     <a:p>
                       <a:r>
-                        <a:rPr lang="de-DE" sz="1400" err="1"/>
-                        <a:t>Autonomous</a:t>
-                      </a:r>
-                      <a:r>
-                        <a:rPr lang="de-DE" sz="1400"/>
-                        <a:t> </a:t>
-                      </a:r>
-                      <a:r>
-                        <a:rPr lang="de-DE" sz="1400" err="1"/>
-                        <a:t>repair</a:t>
-                      </a:r>
-                      <a:r>
-                        <a:rPr lang="de-DE" sz="1400"/>
-                        <a:t>*</a:t>
+                        <a:rPr lang="de-DE" sz="1400" dirty="0"/>
+                        <a:t>Autonom* repair*</a:t>
                       </a:r>
                     </a:p>
                   </a:txBody>
@@ -6671,8 +6535,8 @@
                     <a:lstStyle/>
                     <a:p>
                       <a:r>
-                        <a:rPr lang="de-DE" sz="1400"/>
-                        <a:t>Hydrogel*</a:t>
+                        <a:rPr lang="de-DE" sz="1400" dirty="0"/>
+                        <a:t>Organic material*</a:t>
                       </a:r>
                     </a:p>
                   </a:txBody>
@@ -6691,20 +6555,8 @@
                     <a:lstStyle/>
                     <a:p>
                       <a:r>
-                        <a:rPr lang="de-DE" sz="1400" err="1"/>
-                        <a:t>Autonomous</a:t>
-                      </a:r>
-                      <a:r>
-                        <a:rPr lang="de-DE" sz="1400"/>
-                        <a:t> </a:t>
-                      </a:r>
-                      <a:r>
-                        <a:rPr lang="de-DE" sz="1400" err="1"/>
-                        <a:t>heal</a:t>
-                      </a:r>
-                      <a:r>
-                        <a:rPr lang="de-DE" sz="1400"/>
-                        <a:t>*</a:t>
+                        <a:rPr lang="de-DE" sz="1400" dirty="0"/>
+                        <a:t>Autonom* heal*</a:t>
                       </a:r>
                     </a:p>
                   </a:txBody>
@@ -6753,8 +6605,20 @@
                     <a:lstStyle/>
                     <a:p>
                       <a:r>
+                        <a:rPr lang="de-DE" sz="1400" err="1"/>
+                        <a:t>Wound</a:t>
+                      </a:r>
+                      <a:r>
                         <a:rPr lang="de-DE" sz="1400"/>
-                        <a:t>Gel*</a:t>
+                        <a:t> </a:t>
+                      </a:r>
+                      <a:r>
+                        <a:rPr lang="de-DE" sz="1400" err="1"/>
+                        <a:t>heal</a:t>
+                      </a:r>
+                      <a:r>
+                        <a:rPr lang="de-DE" sz="1400"/>
+                        <a:t>*</a:t>
                       </a:r>
                     </a:p>
                   </a:txBody>
@@ -6820,12 +6684,8 @@
                     <a:lstStyle/>
                     <a:p>
                       <a:r>
-                        <a:rPr lang="de-DE" sz="1400" err="1"/>
-                        <a:t>Organic</a:t>
-                      </a:r>
-                      <a:r>
-                        <a:rPr lang="de-DE" sz="1400"/>
-                        <a:t> material*</a:t>
+                        <a:rPr lang="de-DE" sz="1400" dirty="0"/>
+                        <a:t>Medic*</a:t>
                       </a:r>
                     </a:p>
                   </a:txBody>
@@ -6891,20 +6751,8 @@
                     <a:lstStyle/>
                     <a:p>
                       <a:r>
-                        <a:rPr lang="de-DE" sz="1400" err="1"/>
-                        <a:t>Wound</a:t>
-                      </a:r>
-                      <a:r>
-                        <a:rPr lang="de-DE" sz="1400"/>
-                        <a:t> </a:t>
-                      </a:r>
-                      <a:r>
-                        <a:rPr lang="de-DE" sz="1400" err="1"/>
-                        <a:t>heal</a:t>
-                      </a:r>
-                      <a:r>
-                        <a:rPr lang="de-DE" sz="1400"/>
-                        <a:t>*</a:t>
+                        <a:rPr lang="de-DE" sz="1400" dirty="0"/>
+                        <a:t>Healthcare</a:t>
                       </a:r>
                     </a:p>
                   </a:txBody>
@@ -6970,8 +6818,8 @@
                     <a:lstStyle/>
                     <a:p>
                       <a:r>
-                        <a:rPr lang="de-DE" sz="1400"/>
-                        <a:t>Medic*</a:t>
+                        <a:rPr lang="de-DE" sz="1400" dirty="0"/>
+                        <a:t>Spirit*</a:t>
                       </a:r>
                     </a:p>
                   </a:txBody>
@@ -7010,12 +6858,8 @@
                     <a:lstStyle/>
                     <a:p>
                       <a:r>
-                        <a:rPr lang="de-DE" sz="1400" err="1"/>
-                        <a:t>Concrete</a:t>
-                      </a:r>
-                      <a:r>
-                        <a:rPr lang="de-DE" sz="1400"/>
-                        <a:t>*</a:t>
+                        <a:rPr lang="de-DE" sz="1400" dirty="0"/>
+                        <a:t>Concrete*</a:t>
                       </a:r>
                     </a:p>
                   </a:txBody>
@@ -7036,11 +6880,7 @@
                     <a:bodyPr/>
                     <a:lstStyle/>
                     <a:p>
-                      <a:r>
-                        <a:rPr lang="de-DE" sz="1400" err="1"/>
-                        <a:t>Healthcare</a:t>
-                      </a:r>
-                      <a:endParaRPr lang="de-DE" sz="1400"/>
+                      <a:endParaRPr lang="de-DE" sz="1400" dirty="0"/>
                     </a:p>
                   </a:txBody>
                   <a:tcPr marL="90000"/>
@@ -7077,7 +6917,7 @@
                     <a:bodyPr/>
                     <a:lstStyle/>
                     <a:p>
-                      <a:endParaRPr lang="de-DE" sz="1400"/>
+                      <a:endParaRPr lang="de-DE" sz="1400" dirty="0"/>
                     </a:p>
                   </a:txBody>
                   <a:tcPr marL="90000"/>
@@ -7097,10 +6937,7 @@
                     <a:bodyPr/>
                     <a:lstStyle/>
                     <a:p>
-                      <a:r>
-                        <a:rPr lang="de-DE" sz="1400"/>
-                        <a:t>Spirit*</a:t>
-                      </a:r>
+                      <a:endParaRPr lang="de-DE" sz="1400" dirty="0"/>
                     </a:p>
                   </a:txBody>
                   <a:tcPr marL="90000"/>
@@ -7231,51 +7068,6 @@
           </p:txBody>
         </p:sp>
       </p:grpSp>
-      <p:sp>
-        <p:nvSpPr>
-          <p:cNvPr id="6" name="TextBox 5">
-            <a:extLst>
-              <a:ext uri="{FF2B5EF4-FFF2-40B4-BE49-F238E27FC236}">
-                <a16:creationId xmlns:a16="http://schemas.microsoft.com/office/drawing/2014/main" id="{8DBD5D5B-06F5-213F-4F9C-2CD752AA9F26}"/>
-              </a:ext>
-            </a:extLst>
-          </p:cNvPr>
-          <p:cNvSpPr txBox="1"/>
-          <p:nvPr/>
-        </p:nvSpPr>
-        <p:spPr>
-          <a:xfrm>
-            <a:off x="3170903" y="2411537"/>
-            <a:ext cx="5693272" cy="1015663"/>
-          </a:xfrm>
-          <a:prstGeom prst="rect">
-            <a:avLst/>
-          </a:prstGeom>
-          <a:solidFill>
-            <a:schemeClr val="bg1"/>
-          </a:solidFill>
-        </p:spPr>
-        <p:txBody>
-          <a:bodyPr rot="0" spcFirstLastPara="0" vertOverflow="overflow" horzOverflow="overflow" vert="horz" wrap="square" lIns="91440" tIns="45720" rIns="91440" bIns="45720" numCol="1" spcCol="0" rtlCol="0" fromWordArt="0" anchor="t" anchorCtr="0" forceAA="0" compatLnSpc="1">
-            <a:prstTxWarp prst="textNoShape">
-              <a:avLst/>
-            </a:prstTxWarp>
-            <a:spAutoFit/>
-          </a:bodyPr>
-          <a:lstStyle/>
-          <a:p>
-            <a:pPr algn="l"/>
-            <a:r>
-              <a:rPr lang="en-GB" sz="6000">
-                <a:solidFill>
-                  <a:srgbClr val="FF0000"/>
-                </a:solidFill>
-              </a:rPr>
-              <a:t>UPDATEN</a:t>
-            </a:r>
-          </a:p>
-        </p:txBody>
-      </p:sp>
     </p:spTree>
     <p:extLst>
       <p:ext uri="{BB962C8B-B14F-4D97-AF65-F5344CB8AC3E}">

--- a/presentation/DataDrivenForesight.pptx
+++ b/presentation/DataDrivenForesight.pptx
@@ -21,8 +21,8 @@
     <p:sldId id="277" r:id="rId15"/>
     <p:sldId id="262" r:id="rId16"/>
     <p:sldId id="263" r:id="rId17"/>
-    <p:sldId id="265" r:id="rId18"/>
-    <p:sldId id="266" r:id="rId19"/>
+    <p:sldId id="266" r:id="rId18"/>
+    <p:sldId id="265" r:id="rId19"/>
     <p:sldId id="280" r:id="rId20"/>
     <p:sldId id="271" r:id="rId21"/>
   </p:sldIdLst>
@@ -135,6 +135,7 @@
 <p1510:revInfo xmlns:a="http://schemas.openxmlformats.org/drawingml/2006/main" xmlns:r="http://schemas.openxmlformats.org/officeDocument/2006/relationships" xmlns:p1510="http://schemas.microsoft.com/office/powerpoint/2015/10/main">
   <p1510:revLst>
     <p1510:client id="{6901E9F8-7762-69A4-839D-98505DAC4062}" v="409" dt="2025-01-09T15:06:13.046"/>
+    <p1510:client id="{8CDA426B-F6BE-03CE-D3BE-0C608CE54C7C}" v="12" dt="2025-01-11T10:39:06.523"/>
     <p1510:client id="{E3EB7CE3-B7CF-A62C-CCB9-60DEDDC237EE}" v="203" dt="2025-01-09T15:10:06.339"/>
   </p1510:revLst>
 </p1510:revInfo>
@@ -846,6 +847,37 @@
     </pc:docChg>
   </pc:docChgLst>
   <pc:docChgLst>
+    <pc:chgData name="Georg P" userId="53d5f090c11d6345" providerId="Windows Live" clId="Web-{8CDA426B-F6BE-03CE-D3BE-0C608CE54C7C}"/>
+    <pc:docChg chg="modSld sldOrd">
+      <pc:chgData name="Georg P" userId="53d5f090c11d6345" providerId="Windows Live" clId="Web-{8CDA426B-F6BE-03CE-D3BE-0C608CE54C7C}" dt="2025-01-11T10:39:06.523" v="11" actId="20577"/>
+      <pc:docMkLst>
+        <pc:docMk/>
+      </pc:docMkLst>
+      <pc:sldChg chg="ord">
+        <pc:chgData name="Georg P" userId="53d5f090c11d6345" providerId="Windows Live" clId="Web-{8CDA426B-F6BE-03CE-D3BE-0C608CE54C7C}" dt="2025-01-11T10:38:30.943" v="0"/>
+        <pc:sldMkLst>
+          <pc:docMk/>
+          <pc:sldMk cId="3666487214" sldId="266"/>
+        </pc:sldMkLst>
+      </pc:sldChg>
+      <pc:sldChg chg="modSp">
+        <pc:chgData name="Georg P" userId="53d5f090c11d6345" providerId="Windows Live" clId="Web-{8CDA426B-F6BE-03CE-D3BE-0C608CE54C7C}" dt="2025-01-11T10:39:06.523" v="11" actId="20577"/>
+        <pc:sldMkLst>
+          <pc:docMk/>
+          <pc:sldMk cId="767064345" sldId="273"/>
+        </pc:sldMkLst>
+        <pc:spChg chg="mod">
+          <ac:chgData name="Georg P" userId="53d5f090c11d6345" providerId="Windows Live" clId="Web-{8CDA426B-F6BE-03CE-D3BE-0C608CE54C7C}" dt="2025-01-11T10:39:06.523" v="11" actId="20577"/>
+          <ac:spMkLst>
+            <pc:docMk/>
+            <pc:sldMk cId="767064345" sldId="273"/>
+            <ac:spMk id="3" creationId="{4CE6DA70-5ED9-740E-8B84-BA7E3A128781}"/>
+          </ac:spMkLst>
+        </pc:spChg>
+      </pc:sldChg>
+    </pc:docChg>
+  </pc:docChgLst>
+  <pc:docChgLst>
     <pc:chgData name="Georg P" userId="53d5f090c11d6345" providerId="Windows Live" clId="Web-{E3EB7CE3-B7CF-A62C-CCB9-60DEDDC237EE}"/>
     <pc:docChg chg="addSld modSld sldOrd">
       <pc:chgData name="Georg P" userId="53d5f090c11d6345" providerId="Windows Live" clId="Web-{E3EB7CE3-B7CF-A62C-CCB9-60DEDDC237EE}" dt="2025-01-09T15:10:04.901" v="120" actId="20577"/>
@@ -1093,7 +1125,7 @@
           <a:p>
             <a:fld id="{846CE7D5-CF57-46EF-B807-FDD0502418D4}" type="datetimeFigureOut">
               <a:rPr lang="en-GB" smtClean="0"/>
-              <a:t>10/01/2025</a:t>
+              <a:t>11/01/2025</a:t>
             </a:fld>
             <a:endParaRPr lang="en-GB"/>
           </a:p>
@@ -1261,7 +1293,7 @@
           <a:p>
             <a:fld id="{846CE7D5-CF57-46EF-B807-FDD0502418D4}" type="datetimeFigureOut">
               <a:rPr lang="en-GB" smtClean="0"/>
-              <a:t>10/01/2025</a:t>
+              <a:t>11/01/2025</a:t>
             </a:fld>
             <a:endParaRPr lang="en-GB"/>
           </a:p>
@@ -1439,7 +1471,7 @@
           <a:p>
             <a:fld id="{846CE7D5-CF57-46EF-B807-FDD0502418D4}" type="datetimeFigureOut">
               <a:rPr lang="en-GB" smtClean="0"/>
-              <a:t>10/01/2025</a:t>
+              <a:t>11/01/2025</a:t>
             </a:fld>
             <a:endParaRPr lang="en-GB"/>
           </a:p>
@@ -1607,7 +1639,7 @@
           <a:p>
             <a:fld id="{846CE7D5-CF57-46EF-B807-FDD0502418D4}" type="datetimeFigureOut">
               <a:rPr lang="en-GB" smtClean="0"/>
-              <a:t>10/01/2025</a:t>
+              <a:t>11/01/2025</a:t>
             </a:fld>
             <a:endParaRPr lang="en-GB"/>
           </a:p>
@@ -1852,7 +1884,7 @@
           <a:p>
             <a:fld id="{846CE7D5-CF57-46EF-B807-FDD0502418D4}" type="datetimeFigureOut">
               <a:rPr lang="en-GB" smtClean="0"/>
-              <a:t>10/01/2025</a:t>
+              <a:t>11/01/2025</a:t>
             </a:fld>
             <a:endParaRPr lang="en-GB"/>
           </a:p>
@@ -2081,7 +2113,7 @@
           <a:p>
             <a:fld id="{846CE7D5-CF57-46EF-B807-FDD0502418D4}" type="datetimeFigureOut">
               <a:rPr lang="en-GB" smtClean="0"/>
-              <a:t>10/01/2025</a:t>
+              <a:t>11/01/2025</a:t>
             </a:fld>
             <a:endParaRPr lang="en-GB"/>
           </a:p>
@@ -2445,7 +2477,7 @@
           <a:p>
             <a:fld id="{846CE7D5-CF57-46EF-B807-FDD0502418D4}" type="datetimeFigureOut">
               <a:rPr lang="en-GB" smtClean="0"/>
-              <a:t>10/01/2025</a:t>
+              <a:t>11/01/2025</a:t>
             </a:fld>
             <a:endParaRPr lang="en-GB"/>
           </a:p>
@@ -2562,7 +2594,7 @@
           <a:p>
             <a:fld id="{846CE7D5-CF57-46EF-B807-FDD0502418D4}" type="datetimeFigureOut">
               <a:rPr lang="en-GB" smtClean="0"/>
-              <a:t>10/01/2025</a:t>
+              <a:t>11/01/2025</a:t>
             </a:fld>
             <a:endParaRPr lang="en-GB"/>
           </a:p>
@@ -2657,7 +2689,7 @@
           <a:p>
             <a:fld id="{846CE7D5-CF57-46EF-B807-FDD0502418D4}" type="datetimeFigureOut">
               <a:rPr lang="en-GB" smtClean="0"/>
-              <a:t>10/01/2025</a:t>
+              <a:t>11/01/2025</a:t>
             </a:fld>
             <a:endParaRPr lang="en-GB"/>
           </a:p>
@@ -2932,7 +2964,7 @@
           <a:p>
             <a:fld id="{846CE7D5-CF57-46EF-B807-FDD0502418D4}" type="datetimeFigureOut">
               <a:rPr lang="en-GB" smtClean="0"/>
-              <a:t>10/01/2025</a:t>
+              <a:t>11/01/2025</a:t>
             </a:fld>
             <a:endParaRPr lang="en-GB"/>
           </a:p>
@@ -3187,7 +3219,7 @@
           <a:p>
             <a:fld id="{846CE7D5-CF57-46EF-B807-FDD0502418D4}" type="datetimeFigureOut">
               <a:rPr lang="en-GB" smtClean="0"/>
-              <a:t>10/01/2025</a:t>
+              <a:t>11/01/2025</a:t>
             </a:fld>
             <a:endParaRPr lang="en-GB"/>
           </a:p>
@@ -3398,7 +3430,7 @@
           <a:p>
             <a:fld id="{846CE7D5-CF57-46EF-B807-FDD0502418D4}" type="datetimeFigureOut">
               <a:rPr lang="en-GB" smtClean="0"/>
-              <a:t>10/01/2025</a:t>
+              <a:t>11/01/2025</a:t>
             </a:fld>
             <a:endParaRPr lang="en-GB"/>
           </a:p>
@@ -4975,10 +5007,10 @@
       </p:grpSpPr>
       <p:sp>
         <p:nvSpPr>
-          <p:cNvPr id="4" name="Text Placeholder 3">
+          <p:cNvPr id="2" name="Title 1">
             <a:extLst>
               <a:ext uri="{FF2B5EF4-FFF2-40B4-BE49-F238E27FC236}">
-                <a16:creationId xmlns:a16="http://schemas.microsoft.com/office/drawing/2014/main" id="{8DC21876-0FFB-AD28-4A1F-84768DB132F2}"/>
+                <a16:creationId xmlns:a16="http://schemas.microsoft.com/office/drawing/2014/main" id="{A1B1FB28-5B8C-BCFB-04B3-54966AAE995C}"/>
               </a:ext>
             </a:extLst>
           </p:cNvPr>
@@ -4986,348 +5018,17 @@
             <a:spLocks noGrp="1"/>
           </p:cNvSpPr>
           <p:nvPr>
-            <p:ph type="body" sz="half" idx="2"/>
+            <p:ph type="title"/>
           </p:nvPr>
         </p:nvSpPr>
         <p:spPr/>
         <p:txBody>
-          <a:bodyPr vert="horz" lIns="91440" tIns="45720" rIns="91440" bIns="45720" rtlCol="0" anchor="t">
-            <a:normAutofit/>
-          </a:bodyPr>
+          <a:bodyPr/>
           <a:lstStyle/>
           <a:p>
-            <a:pPr marL="285750" indent="-285750">
-              <a:buFont typeface="Arial,Sans-Serif"/>
-              <a:buChar char="•"/>
-            </a:pPr>
-            <a:r>
-              <a:rPr lang="de-DE" b="1"/>
-              <a:t>China </a:t>
-            </a:r>
-            <a:r>
-              <a:rPr lang="de-DE" b="1" err="1"/>
-              <a:t>leads</a:t>
-            </a:r>
-            <a:r>
-              <a:rPr lang="de-DE" b="1"/>
-              <a:t> </a:t>
-            </a:r>
-            <a:r>
-              <a:rPr lang="de-DE" b="1" err="1"/>
-              <a:t>globally</a:t>
-            </a:r>
-            <a:r>
-              <a:rPr lang="de-DE"/>
-              <a:t>, </a:t>
-            </a:r>
-            <a:r>
-              <a:rPr lang="de-DE" err="1"/>
-              <a:t>with</a:t>
-            </a:r>
-            <a:r>
-              <a:rPr lang="de-DE"/>
-              <a:t> </a:t>
-            </a:r>
-            <a:r>
-              <a:rPr lang="de-DE" err="1"/>
-              <a:t>the</a:t>
-            </a:r>
-            <a:r>
-              <a:rPr lang="de-DE"/>
-              <a:t> </a:t>
-            </a:r>
-            <a:r>
-              <a:rPr lang="de-DE" err="1"/>
-              <a:t>highest</a:t>
-            </a:r>
-            <a:r>
-              <a:rPr lang="de-DE"/>
-              <a:t> patent </a:t>
-            </a:r>
-            <a:r>
-              <a:rPr lang="de-DE" err="1"/>
-              <a:t>activity</a:t>
-            </a:r>
-            <a:r>
-              <a:rPr lang="de-DE"/>
-              <a:t> in </a:t>
-            </a:r>
-            <a:r>
-              <a:rPr lang="de-DE" err="1"/>
-              <a:t>self-healing</a:t>
-            </a:r>
-            <a:r>
-              <a:rPr lang="de-DE"/>
-              <a:t> </a:t>
-            </a:r>
-            <a:r>
-              <a:rPr lang="de-DE" err="1"/>
-              <a:t>materials</a:t>
-            </a:r>
-            <a:r>
-              <a:rPr lang="de-DE"/>
-              <a:t>, </a:t>
-            </a:r>
-            <a:r>
-              <a:rPr lang="de-DE" err="1"/>
-              <a:t>driven</a:t>
-            </a:r>
-            <a:r>
-              <a:rPr lang="de-DE"/>
-              <a:t> </a:t>
-            </a:r>
-            <a:r>
-              <a:rPr lang="de-DE" err="1"/>
-              <a:t>by</a:t>
-            </a:r>
-            <a:r>
-              <a:rPr lang="de-DE"/>
-              <a:t> strong </a:t>
-            </a:r>
-            <a:r>
-              <a:rPr lang="de-DE" err="1"/>
-              <a:t>innovation</a:t>
-            </a:r>
-            <a:r>
-              <a:rPr lang="de-DE"/>
-              <a:t> </a:t>
-            </a:r>
-            <a:r>
-              <a:rPr lang="de-DE" err="1"/>
-              <a:t>efforts</a:t>
-            </a:r>
-            <a:r>
-              <a:rPr lang="de-DE"/>
-              <a:t>.</a:t>
-            </a:r>
-            <a:endParaRPr lang="en-US"/>
-          </a:p>
-          <a:p>
-            <a:pPr marL="285750" indent="-285750">
-              <a:buFont typeface="Arial,Sans-Serif"/>
-              <a:buChar char="•"/>
-            </a:pPr>
-            <a:r>
-              <a:rPr lang="de-DE" b="1"/>
-              <a:t>USA, South Korea, and Japan</a:t>
-            </a:r>
-            <a:r>
-              <a:rPr lang="de-DE"/>
-              <a:t> follow </a:t>
-            </a:r>
-            <a:r>
-              <a:rPr lang="de-DE" err="1"/>
-              <a:t>as</a:t>
-            </a:r>
-            <a:r>
-              <a:rPr lang="de-DE"/>
-              <a:t> </a:t>
-            </a:r>
-            <a:r>
-              <a:rPr lang="de-DE" err="1"/>
-              <a:t>key</a:t>
-            </a:r>
-            <a:r>
-              <a:rPr lang="de-DE"/>
-              <a:t> </a:t>
-            </a:r>
-            <a:r>
-              <a:rPr lang="de-DE" err="1"/>
-              <a:t>contributors</a:t>
-            </a:r>
-            <a:r>
-              <a:rPr lang="de-DE"/>
-              <a:t>, but </a:t>
-            </a:r>
-            <a:r>
-              <a:rPr lang="de-DE" err="1"/>
-              <a:t>far</a:t>
-            </a:r>
-            <a:r>
-              <a:rPr lang="de-DE"/>
-              <a:t> </a:t>
-            </a:r>
-            <a:r>
-              <a:rPr lang="de-DE" err="1"/>
-              <a:t>behind</a:t>
-            </a:r>
-            <a:r>
-              <a:rPr lang="de-DE"/>
-              <a:t> China.</a:t>
-            </a:r>
-            <a:endParaRPr lang="en-US"/>
-          </a:p>
-          <a:p>
-            <a:pPr marL="285750" indent="-285750">
-              <a:buFont typeface="Arial,Sans-Serif"/>
-              <a:buChar char="•"/>
-            </a:pPr>
-            <a:r>
-              <a:rPr lang="de-DE" b="1"/>
-              <a:t>Europe lags</a:t>
-            </a:r>
-            <a:r>
-              <a:rPr lang="de-DE"/>
-              <a:t>, </a:t>
-            </a:r>
-            <a:r>
-              <a:rPr lang="de-DE" err="1"/>
-              <a:t>with</a:t>
-            </a:r>
-            <a:r>
-              <a:rPr lang="de-DE"/>
-              <a:t> limited patent </a:t>
-            </a:r>
-            <a:r>
-              <a:rPr lang="de-DE" err="1"/>
-              <a:t>activity</a:t>
-            </a:r>
-            <a:r>
-              <a:rPr lang="de-DE"/>
-              <a:t>, </a:t>
-            </a:r>
-            <a:r>
-              <a:rPr lang="de-DE" err="1"/>
-              <a:t>suggesting</a:t>
-            </a:r>
-            <a:r>
-              <a:rPr lang="de-DE"/>
-              <a:t> a </a:t>
-            </a:r>
-            <a:r>
-              <a:rPr lang="de-DE" err="1"/>
-              <a:t>focus</a:t>
-            </a:r>
-            <a:r>
-              <a:rPr lang="de-DE"/>
-              <a:t> on </a:t>
-            </a:r>
-            <a:r>
-              <a:rPr lang="de-DE" err="1"/>
-              <a:t>other</a:t>
-            </a:r>
-            <a:r>
-              <a:rPr lang="de-DE"/>
-              <a:t> </a:t>
-            </a:r>
-            <a:r>
-              <a:rPr lang="de-DE" err="1"/>
-              <a:t>priorities</a:t>
-            </a:r>
-            <a:r>
-              <a:rPr lang="de-DE"/>
-              <a:t> </a:t>
-            </a:r>
-            <a:r>
-              <a:rPr lang="de-DE" err="1"/>
-              <a:t>or</a:t>
-            </a:r>
-            <a:r>
-              <a:rPr lang="de-DE"/>
-              <a:t> </a:t>
-            </a:r>
-            <a:r>
-              <a:rPr lang="de-DE" err="1"/>
-              <a:t>academic</a:t>
-            </a:r>
-            <a:r>
-              <a:rPr lang="de-DE"/>
-              <a:t> </a:t>
-            </a:r>
-            <a:r>
-              <a:rPr lang="de-DE" err="1"/>
-              <a:t>research</a:t>
-            </a:r>
-            <a:r>
-              <a:rPr lang="de-DE"/>
-              <a:t>.</a:t>
-            </a:r>
-            <a:endParaRPr lang="en-US"/>
-          </a:p>
-          <a:p>
-            <a:pPr marL="285750" indent="-285750">
-              <a:buFont typeface="Arial,Sans-Serif"/>
-              <a:buChar char="•"/>
-            </a:pPr>
-            <a:r>
-              <a:rPr lang="de-DE" b="1"/>
-              <a:t>Strategic </a:t>
-            </a:r>
-            <a:r>
-              <a:rPr lang="de-DE" b="1" err="1"/>
-              <a:t>focus</a:t>
-            </a:r>
-            <a:r>
-              <a:rPr lang="de-DE" b="1"/>
-              <a:t> on China</a:t>
-            </a:r>
-            <a:r>
-              <a:rPr lang="de-DE"/>
-              <a:t> </a:t>
-            </a:r>
-            <a:r>
-              <a:rPr lang="de-DE" err="1"/>
-              <a:t>is</a:t>
-            </a:r>
-            <a:r>
-              <a:rPr lang="de-DE"/>
-              <a:t> </a:t>
-            </a:r>
-            <a:r>
-              <a:rPr lang="de-DE" err="1"/>
-              <a:t>crucial</a:t>
-            </a:r>
-            <a:r>
-              <a:rPr lang="de-DE"/>
-              <a:t> </a:t>
-            </a:r>
-            <a:r>
-              <a:rPr lang="de-DE" err="1"/>
-              <a:t>to</a:t>
-            </a:r>
-            <a:r>
-              <a:rPr lang="de-DE"/>
-              <a:t> track </a:t>
-            </a:r>
-            <a:r>
-              <a:rPr lang="de-DE" err="1"/>
-              <a:t>emerging</a:t>
-            </a:r>
-            <a:r>
-              <a:rPr lang="de-DE"/>
-              <a:t> </a:t>
-            </a:r>
-            <a:r>
-              <a:rPr lang="de-DE" err="1"/>
-              <a:t>trends</a:t>
-            </a:r>
-            <a:r>
-              <a:rPr lang="de-DE"/>
-              <a:t> and </a:t>
-            </a:r>
-            <a:r>
-              <a:rPr lang="de-DE" err="1"/>
-              <a:t>opportunities</a:t>
-            </a:r>
-            <a:r>
-              <a:rPr lang="de-DE"/>
-              <a:t> in </a:t>
-            </a:r>
-            <a:r>
-              <a:rPr lang="de-DE" err="1"/>
-              <a:t>this</a:t>
-            </a:r>
-            <a:r>
-              <a:rPr lang="de-DE"/>
-              <a:t> </a:t>
-            </a:r>
-            <a:r>
-              <a:rPr lang="de-DE" err="1"/>
-              <a:t>field</a:t>
-            </a:r>
-            <a:r>
-              <a:rPr lang="de-DE"/>
-              <a:t>.</a:t>
+            <a:r>
+              <a:rPr lang="en-US" err="1"/>
+              <a:t>Espacenet</a:t>
             </a:r>
             <a:endParaRPr lang="en-DE"/>
           </a:p>
@@ -5335,69 +5036,76 @@
       </p:sp>
       <p:sp>
         <p:nvSpPr>
-          <p:cNvPr id="6" name="Title 1">
+          <p:cNvPr id="4" name="Text Placeholder 3">
             <a:extLst>
               <a:ext uri="{FF2B5EF4-FFF2-40B4-BE49-F238E27FC236}">
-                <a16:creationId xmlns:a16="http://schemas.microsoft.com/office/drawing/2014/main" id="{C57DEE2B-58F9-3509-05A9-B78DC46CAD95}"/>
+                <a16:creationId xmlns:a16="http://schemas.microsoft.com/office/drawing/2014/main" id="{EC61FC60-B060-12B2-5E82-55544DE04D4C}"/>
               </a:ext>
             </a:extLst>
           </p:cNvPr>
-          <p:cNvSpPr txBox="1">
-            <a:spLocks/>
-          </p:cNvSpPr>
-          <p:nvPr/>
-        </p:nvSpPr>
-        <p:spPr>
-          <a:xfrm>
-            <a:off x="839788" y="457200"/>
-            <a:ext cx="10486676" cy="522250"/>
-          </a:xfrm>
-          <a:prstGeom prst="rect">
-            <a:avLst/>
-          </a:prstGeom>
-        </p:spPr>
-        <p:txBody>
-          <a:bodyPr vert="horz" lIns="91440" tIns="45720" rIns="91440" bIns="45720" rtlCol="0" anchor="t">
-            <a:normAutofit lnSpcReduction="10000"/>
-          </a:bodyPr>
-          <a:lstStyle>
-            <a:lvl1pPr algn="l" defTabSz="914400" rtl="0" eaLnBrk="1" latinLnBrk="0" hangingPunct="1">
-              <a:lnSpc>
-                <a:spcPct val="90000"/>
-              </a:lnSpc>
-              <a:spcBef>
-                <a:spcPct val="0"/>
-              </a:spcBef>
-              <a:buNone/>
-              <a:defRPr sz="3200" kern="1200">
-                <a:solidFill>
-                  <a:schemeClr val="tx1"/>
-                </a:solidFill>
-                <a:latin typeface="+mj-lt"/>
-                <a:ea typeface="+mj-ea"/>
-                <a:cs typeface="+mj-cs"/>
-              </a:defRPr>
-            </a:lvl1pPr>
-          </a:lstStyle>
-          <a:p>
-            <a:r>
-              <a:rPr lang="en-GB" err="1"/>
-              <a:t>Espacenet</a:t>
-            </a:r>
-            <a:r>
-              <a:rPr lang="en-GB"/>
-              <a:t> Data: Patent families </a:t>
-            </a:r>
-            <a:endParaRPr lang="de-DE"/>
+          <p:cNvSpPr>
+            <a:spLocks noGrp="1"/>
+          </p:cNvSpPr>
+          <p:nvPr>
+            <p:ph type="body" sz="half" idx="2"/>
+          </p:nvPr>
+        </p:nvSpPr>
+        <p:spPr/>
+        <p:txBody>
+          <a:bodyPr/>
+          <a:lstStyle/>
+          <a:p>
+            <a:pPr marL="285750" indent="-285750">
+              <a:buFont typeface="Arial" panose="020B0604020202020204" pitchFamily="34" charset="0"/>
+              <a:buChar char="•"/>
+            </a:pPr>
+            <a:r>
+              <a:rPr lang="en-US" dirty="0" err="1"/>
+              <a:t>Noticable</a:t>
+            </a:r>
+            <a:r>
+              <a:rPr lang="en-US" dirty="0"/>
+              <a:t> increase starting from 2005</a:t>
+            </a:r>
+          </a:p>
+          <a:p>
+            <a:pPr marL="285750" indent="-285750">
+              <a:buFont typeface="Arial" panose="020B0604020202020204" pitchFamily="34" charset="0"/>
+              <a:buChar char="•"/>
+            </a:pPr>
+            <a:r>
+              <a:rPr lang="en-US" dirty="0"/>
+              <a:t>Exponential growth from 2014 onward</a:t>
+            </a:r>
+          </a:p>
+          <a:p>
+            <a:pPr marL="285750" indent="-285750">
+              <a:buFont typeface="Arial" panose="020B0604020202020204" pitchFamily="34" charset="0"/>
+              <a:buChar char="•"/>
+            </a:pPr>
+            <a:r>
+              <a:rPr lang="en-US" dirty="0"/>
+              <a:t>Small drop in 2022 in an otherwise steep upward trajectory</a:t>
+            </a:r>
+            <a:br>
+              <a:rPr lang="en-US" dirty="0"/>
+            </a:br>
+            <a:r>
+              <a:rPr lang="en-US" dirty="0">
+                <a:sym typeface="Wingdings" panose="05000000000000000000" pitchFamily="2" charset="2"/>
+              </a:rPr>
+              <a:t> likely due to COVID-19</a:t>
+            </a:r>
+            <a:endParaRPr lang="en-DE" dirty="0"/>
           </a:p>
         </p:txBody>
       </p:sp>
       <p:pic>
         <p:nvPicPr>
-          <p:cNvPr id="5" name="Content Placeholder 4" descr="A graph of a number of families&#10;&#10;Description automatically generated">
+          <p:cNvPr id="6" name="Content Placeholder 5" descr="A graph with a line going up&#10;&#10;Description automatically generated">
             <a:extLst>
               <a:ext uri="{FF2B5EF4-FFF2-40B4-BE49-F238E27FC236}">
-                <a16:creationId xmlns:a16="http://schemas.microsoft.com/office/drawing/2014/main" id="{E5140478-E8F8-31CF-8577-F7625D55D1AA}"/>
+                <a16:creationId xmlns:a16="http://schemas.microsoft.com/office/drawing/2014/main" id="{9D3E5814-5C9A-7F41-EC8B-5C35FFDDB850}"/>
               </a:ext>
             </a:extLst>
           </p:cNvPr>
@@ -5424,7 +5132,7 @@
     </p:spTree>
     <p:extLst>
       <p:ext uri="{BB962C8B-B14F-4D97-AF65-F5344CB8AC3E}">
-        <p14:creationId xmlns:p14="http://schemas.microsoft.com/office/powerpoint/2010/main" val="233784213"/>
+        <p14:creationId xmlns:p14="http://schemas.microsoft.com/office/powerpoint/2010/main" val="3666487214"/>
       </p:ext>
     </p:extLst>
   </p:cSld>
@@ -5453,10 +5161,10 @@
       </p:grpSpPr>
       <p:sp>
         <p:nvSpPr>
-          <p:cNvPr id="2" name="Title 1">
+          <p:cNvPr id="4" name="Text Placeholder 3">
             <a:extLst>
               <a:ext uri="{FF2B5EF4-FFF2-40B4-BE49-F238E27FC236}">
-                <a16:creationId xmlns:a16="http://schemas.microsoft.com/office/drawing/2014/main" id="{A1B1FB28-5B8C-BCFB-04B3-54966AAE995C}"/>
+                <a16:creationId xmlns:a16="http://schemas.microsoft.com/office/drawing/2014/main" id="{8DC21876-0FFB-AD28-4A1F-84768DB132F2}"/>
               </a:ext>
             </a:extLst>
           </p:cNvPr>
@@ -5464,17 +5172,348 @@
             <a:spLocks noGrp="1"/>
           </p:cNvSpPr>
           <p:nvPr>
-            <p:ph type="title"/>
+            <p:ph type="body" sz="half" idx="2"/>
           </p:nvPr>
         </p:nvSpPr>
         <p:spPr/>
         <p:txBody>
-          <a:bodyPr/>
+          <a:bodyPr vert="horz" lIns="91440" tIns="45720" rIns="91440" bIns="45720" rtlCol="0" anchor="t">
+            <a:normAutofit/>
+          </a:bodyPr>
           <a:lstStyle/>
           <a:p>
-            <a:r>
-              <a:rPr lang="en-US" err="1"/>
-              <a:t>Espacenet</a:t>
+            <a:pPr marL="285750" indent="-285750">
+              <a:buFont typeface="Arial,Sans-Serif"/>
+              <a:buChar char="•"/>
+            </a:pPr>
+            <a:r>
+              <a:rPr lang="de-DE" b="1"/>
+              <a:t>China </a:t>
+            </a:r>
+            <a:r>
+              <a:rPr lang="de-DE" b="1" err="1"/>
+              <a:t>leads</a:t>
+            </a:r>
+            <a:r>
+              <a:rPr lang="de-DE" b="1"/>
+              <a:t> </a:t>
+            </a:r>
+            <a:r>
+              <a:rPr lang="de-DE" b="1" err="1"/>
+              <a:t>globally</a:t>
+            </a:r>
+            <a:r>
+              <a:rPr lang="de-DE"/>
+              <a:t>, </a:t>
+            </a:r>
+            <a:r>
+              <a:rPr lang="de-DE" err="1"/>
+              <a:t>with</a:t>
+            </a:r>
+            <a:r>
+              <a:rPr lang="de-DE"/>
+              <a:t> </a:t>
+            </a:r>
+            <a:r>
+              <a:rPr lang="de-DE" err="1"/>
+              <a:t>the</a:t>
+            </a:r>
+            <a:r>
+              <a:rPr lang="de-DE"/>
+              <a:t> </a:t>
+            </a:r>
+            <a:r>
+              <a:rPr lang="de-DE" err="1"/>
+              <a:t>highest</a:t>
+            </a:r>
+            <a:r>
+              <a:rPr lang="de-DE"/>
+              <a:t> patent </a:t>
+            </a:r>
+            <a:r>
+              <a:rPr lang="de-DE" err="1"/>
+              <a:t>activity</a:t>
+            </a:r>
+            <a:r>
+              <a:rPr lang="de-DE"/>
+              <a:t> in </a:t>
+            </a:r>
+            <a:r>
+              <a:rPr lang="de-DE" err="1"/>
+              <a:t>self-healing</a:t>
+            </a:r>
+            <a:r>
+              <a:rPr lang="de-DE"/>
+              <a:t> </a:t>
+            </a:r>
+            <a:r>
+              <a:rPr lang="de-DE" err="1"/>
+              <a:t>materials</a:t>
+            </a:r>
+            <a:r>
+              <a:rPr lang="de-DE"/>
+              <a:t>, </a:t>
+            </a:r>
+            <a:r>
+              <a:rPr lang="de-DE" err="1"/>
+              <a:t>driven</a:t>
+            </a:r>
+            <a:r>
+              <a:rPr lang="de-DE"/>
+              <a:t> </a:t>
+            </a:r>
+            <a:r>
+              <a:rPr lang="de-DE" err="1"/>
+              <a:t>by</a:t>
+            </a:r>
+            <a:r>
+              <a:rPr lang="de-DE"/>
+              <a:t> strong </a:t>
+            </a:r>
+            <a:r>
+              <a:rPr lang="de-DE" err="1"/>
+              <a:t>innovation</a:t>
+            </a:r>
+            <a:r>
+              <a:rPr lang="de-DE"/>
+              <a:t> </a:t>
+            </a:r>
+            <a:r>
+              <a:rPr lang="de-DE" err="1"/>
+              <a:t>efforts</a:t>
+            </a:r>
+            <a:r>
+              <a:rPr lang="de-DE"/>
+              <a:t>.</a:t>
+            </a:r>
+            <a:endParaRPr lang="en-US"/>
+          </a:p>
+          <a:p>
+            <a:pPr marL="285750" indent="-285750">
+              <a:buFont typeface="Arial,Sans-Serif"/>
+              <a:buChar char="•"/>
+            </a:pPr>
+            <a:r>
+              <a:rPr lang="de-DE" b="1"/>
+              <a:t>USA, South Korea, and Japan</a:t>
+            </a:r>
+            <a:r>
+              <a:rPr lang="de-DE"/>
+              <a:t> follow </a:t>
+            </a:r>
+            <a:r>
+              <a:rPr lang="de-DE" err="1"/>
+              <a:t>as</a:t>
+            </a:r>
+            <a:r>
+              <a:rPr lang="de-DE"/>
+              <a:t> </a:t>
+            </a:r>
+            <a:r>
+              <a:rPr lang="de-DE" err="1"/>
+              <a:t>key</a:t>
+            </a:r>
+            <a:r>
+              <a:rPr lang="de-DE"/>
+              <a:t> </a:t>
+            </a:r>
+            <a:r>
+              <a:rPr lang="de-DE" err="1"/>
+              <a:t>contributors</a:t>
+            </a:r>
+            <a:r>
+              <a:rPr lang="de-DE"/>
+              <a:t>, but </a:t>
+            </a:r>
+            <a:r>
+              <a:rPr lang="de-DE" err="1"/>
+              <a:t>far</a:t>
+            </a:r>
+            <a:r>
+              <a:rPr lang="de-DE"/>
+              <a:t> </a:t>
+            </a:r>
+            <a:r>
+              <a:rPr lang="de-DE" err="1"/>
+              <a:t>behind</a:t>
+            </a:r>
+            <a:r>
+              <a:rPr lang="de-DE"/>
+              <a:t> China.</a:t>
+            </a:r>
+            <a:endParaRPr lang="en-US"/>
+          </a:p>
+          <a:p>
+            <a:pPr marL="285750" indent="-285750">
+              <a:buFont typeface="Arial,Sans-Serif"/>
+              <a:buChar char="•"/>
+            </a:pPr>
+            <a:r>
+              <a:rPr lang="de-DE" b="1"/>
+              <a:t>Europe lags</a:t>
+            </a:r>
+            <a:r>
+              <a:rPr lang="de-DE"/>
+              <a:t>, </a:t>
+            </a:r>
+            <a:r>
+              <a:rPr lang="de-DE" err="1"/>
+              <a:t>with</a:t>
+            </a:r>
+            <a:r>
+              <a:rPr lang="de-DE"/>
+              <a:t> limited patent </a:t>
+            </a:r>
+            <a:r>
+              <a:rPr lang="de-DE" err="1"/>
+              <a:t>activity</a:t>
+            </a:r>
+            <a:r>
+              <a:rPr lang="de-DE"/>
+              <a:t>, </a:t>
+            </a:r>
+            <a:r>
+              <a:rPr lang="de-DE" err="1"/>
+              <a:t>suggesting</a:t>
+            </a:r>
+            <a:r>
+              <a:rPr lang="de-DE"/>
+              <a:t> a </a:t>
+            </a:r>
+            <a:r>
+              <a:rPr lang="de-DE" err="1"/>
+              <a:t>focus</a:t>
+            </a:r>
+            <a:r>
+              <a:rPr lang="de-DE"/>
+              <a:t> on </a:t>
+            </a:r>
+            <a:r>
+              <a:rPr lang="de-DE" err="1"/>
+              <a:t>other</a:t>
+            </a:r>
+            <a:r>
+              <a:rPr lang="de-DE"/>
+              <a:t> </a:t>
+            </a:r>
+            <a:r>
+              <a:rPr lang="de-DE" err="1"/>
+              <a:t>priorities</a:t>
+            </a:r>
+            <a:r>
+              <a:rPr lang="de-DE"/>
+              <a:t> </a:t>
+            </a:r>
+            <a:r>
+              <a:rPr lang="de-DE" err="1"/>
+              <a:t>or</a:t>
+            </a:r>
+            <a:r>
+              <a:rPr lang="de-DE"/>
+              <a:t> </a:t>
+            </a:r>
+            <a:r>
+              <a:rPr lang="de-DE" err="1"/>
+              <a:t>academic</a:t>
+            </a:r>
+            <a:r>
+              <a:rPr lang="de-DE"/>
+              <a:t> </a:t>
+            </a:r>
+            <a:r>
+              <a:rPr lang="de-DE" err="1"/>
+              <a:t>research</a:t>
+            </a:r>
+            <a:r>
+              <a:rPr lang="de-DE"/>
+              <a:t>.</a:t>
+            </a:r>
+            <a:endParaRPr lang="en-US"/>
+          </a:p>
+          <a:p>
+            <a:pPr marL="285750" indent="-285750">
+              <a:buFont typeface="Arial,Sans-Serif"/>
+              <a:buChar char="•"/>
+            </a:pPr>
+            <a:r>
+              <a:rPr lang="de-DE" b="1"/>
+              <a:t>Strategic </a:t>
+            </a:r>
+            <a:r>
+              <a:rPr lang="de-DE" b="1" err="1"/>
+              <a:t>focus</a:t>
+            </a:r>
+            <a:r>
+              <a:rPr lang="de-DE" b="1"/>
+              <a:t> on China</a:t>
+            </a:r>
+            <a:r>
+              <a:rPr lang="de-DE"/>
+              <a:t> </a:t>
+            </a:r>
+            <a:r>
+              <a:rPr lang="de-DE" err="1"/>
+              <a:t>is</a:t>
+            </a:r>
+            <a:r>
+              <a:rPr lang="de-DE"/>
+              <a:t> </a:t>
+            </a:r>
+            <a:r>
+              <a:rPr lang="de-DE" err="1"/>
+              <a:t>crucial</a:t>
+            </a:r>
+            <a:r>
+              <a:rPr lang="de-DE"/>
+              <a:t> </a:t>
+            </a:r>
+            <a:r>
+              <a:rPr lang="de-DE" err="1"/>
+              <a:t>to</a:t>
+            </a:r>
+            <a:r>
+              <a:rPr lang="de-DE"/>
+              <a:t> track </a:t>
+            </a:r>
+            <a:r>
+              <a:rPr lang="de-DE" err="1"/>
+              <a:t>emerging</a:t>
+            </a:r>
+            <a:r>
+              <a:rPr lang="de-DE"/>
+              <a:t> </a:t>
+            </a:r>
+            <a:r>
+              <a:rPr lang="de-DE" err="1"/>
+              <a:t>trends</a:t>
+            </a:r>
+            <a:r>
+              <a:rPr lang="de-DE"/>
+              <a:t> and </a:t>
+            </a:r>
+            <a:r>
+              <a:rPr lang="de-DE" err="1"/>
+              <a:t>opportunities</a:t>
+            </a:r>
+            <a:r>
+              <a:rPr lang="de-DE"/>
+              <a:t> in </a:t>
+            </a:r>
+            <a:r>
+              <a:rPr lang="de-DE" err="1"/>
+              <a:t>this</a:t>
+            </a:r>
+            <a:r>
+              <a:rPr lang="de-DE"/>
+              <a:t> </a:t>
+            </a:r>
+            <a:r>
+              <a:rPr lang="de-DE" err="1"/>
+              <a:t>field</a:t>
+            </a:r>
+            <a:r>
+              <a:rPr lang="de-DE"/>
+              <a:t>.</a:t>
             </a:r>
             <a:endParaRPr lang="en-DE"/>
           </a:p>
@@ -5482,76 +5521,69 @@
       </p:sp>
       <p:sp>
         <p:nvSpPr>
-          <p:cNvPr id="4" name="Text Placeholder 3">
+          <p:cNvPr id="6" name="Title 1">
             <a:extLst>
               <a:ext uri="{FF2B5EF4-FFF2-40B4-BE49-F238E27FC236}">
-                <a16:creationId xmlns:a16="http://schemas.microsoft.com/office/drawing/2014/main" id="{EC61FC60-B060-12B2-5E82-55544DE04D4C}"/>
+                <a16:creationId xmlns:a16="http://schemas.microsoft.com/office/drawing/2014/main" id="{C57DEE2B-58F9-3509-05A9-B78DC46CAD95}"/>
               </a:ext>
             </a:extLst>
           </p:cNvPr>
-          <p:cNvSpPr>
-            <a:spLocks noGrp="1"/>
-          </p:cNvSpPr>
-          <p:nvPr>
-            <p:ph type="body" sz="half" idx="2"/>
-          </p:nvPr>
-        </p:nvSpPr>
-        <p:spPr/>
-        <p:txBody>
-          <a:bodyPr/>
-          <a:lstStyle/>
-          <a:p>
-            <a:pPr marL="285750" indent="-285750">
-              <a:buFont typeface="Arial" panose="020B0604020202020204" pitchFamily="34" charset="0"/>
-              <a:buChar char="•"/>
-            </a:pPr>
-            <a:r>
-              <a:rPr lang="en-US" dirty="0" err="1"/>
-              <a:t>Noticable</a:t>
-            </a:r>
-            <a:r>
-              <a:rPr lang="en-US" dirty="0"/>
-              <a:t> increase starting from 2005</a:t>
-            </a:r>
-          </a:p>
-          <a:p>
-            <a:pPr marL="285750" indent="-285750">
-              <a:buFont typeface="Arial" panose="020B0604020202020204" pitchFamily="34" charset="0"/>
-              <a:buChar char="•"/>
-            </a:pPr>
-            <a:r>
-              <a:rPr lang="en-US" dirty="0"/>
-              <a:t>Exponential growth from 2014 onward</a:t>
-            </a:r>
-          </a:p>
-          <a:p>
-            <a:pPr marL="285750" indent="-285750">
-              <a:buFont typeface="Arial" panose="020B0604020202020204" pitchFamily="34" charset="0"/>
-              <a:buChar char="•"/>
-            </a:pPr>
-            <a:r>
-              <a:rPr lang="en-US" dirty="0"/>
-              <a:t>Small drop in 2022 in an otherwise steep upward trajectory</a:t>
-            </a:r>
-            <a:br>
-              <a:rPr lang="en-US" dirty="0"/>
-            </a:br>
-            <a:r>
-              <a:rPr lang="en-US" dirty="0">
-                <a:sym typeface="Wingdings" panose="05000000000000000000" pitchFamily="2" charset="2"/>
-              </a:rPr>
-              <a:t> likely due to COVID-19</a:t>
-            </a:r>
-            <a:endParaRPr lang="en-DE" dirty="0"/>
+          <p:cNvSpPr txBox="1">
+            <a:spLocks/>
+          </p:cNvSpPr>
+          <p:nvPr/>
+        </p:nvSpPr>
+        <p:spPr>
+          <a:xfrm>
+            <a:off x="839788" y="457200"/>
+            <a:ext cx="10486676" cy="522250"/>
+          </a:xfrm>
+          <a:prstGeom prst="rect">
+            <a:avLst/>
+          </a:prstGeom>
+        </p:spPr>
+        <p:txBody>
+          <a:bodyPr vert="horz" lIns="91440" tIns="45720" rIns="91440" bIns="45720" rtlCol="0" anchor="t">
+            <a:normAutofit lnSpcReduction="10000"/>
+          </a:bodyPr>
+          <a:lstStyle>
+            <a:lvl1pPr algn="l" defTabSz="914400" rtl="0" eaLnBrk="1" latinLnBrk="0" hangingPunct="1">
+              <a:lnSpc>
+                <a:spcPct val="90000"/>
+              </a:lnSpc>
+              <a:spcBef>
+                <a:spcPct val="0"/>
+              </a:spcBef>
+              <a:buNone/>
+              <a:defRPr sz="3200" kern="1200">
+                <a:solidFill>
+                  <a:schemeClr val="tx1"/>
+                </a:solidFill>
+                <a:latin typeface="+mj-lt"/>
+                <a:ea typeface="+mj-ea"/>
+                <a:cs typeface="+mj-cs"/>
+              </a:defRPr>
+            </a:lvl1pPr>
+          </a:lstStyle>
+          <a:p>
+            <a:r>
+              <a:rPr lang="en-GB" err="1"/>
+              <a:t>Espacenet</a:t>
+            </a:r>
+            <a:r>
+              <a:rPr lang="en-GB"/>
+              <a:t> Data: Patent families </a:t>
+            </a:r>
+            <a:endParaRPr lang="de-DE"/>
           </a:p>
         </p:txBody>
       </p:sp>
       <p:pic>
         <p:nvPicPr>
-          <p:cNvPr id="6" name="Content Placeholder 5" descr="A graph with a line going up&#10;&#10;Description automatically generated">
+          <p:cNvPr id="5" name="Content Placeholder 4" descr="A graph of a number of families&#10;&#10;Description automatically generated">
             <a:extLst>
               <a:ext uri="{FF2B5EF4-FFF2-40B4-BE49-F238E27FC236}">
-                <a16:creationId xmlns:a16="http://schemas.microsoft.com/office/drawing/2014/main" id="{9D3E5814-5C9A-7F41-EC8B-5C35FFDDB850}"/>
+                <a16:creationId xmlns:a16="http://schemas.microsoft.com/office/drawing/2014/main" id="{E5140478-E8F8-31CF-8577-F7625D55D1AA}"/>
               </a:ext>
             </a:extLst>
           </p:cNvPr>
@@ -5578,7 +5610,7 @@
     </p:spTree>
     <p:extLst>
       <p:ext uri="{BB962C8B-B14F-4D97-AF65-F5344CB8AC3E}">
-        <p14:creationId xmlns:p14="http://schemas.microsoft.com/office/powerpoint/2010/main" val="3666487214"/>
+        <p14:creationId xmlns:p14="http://schemas.microsoft.com/office/powerpoint/2010/main" val="233784213"/>
       </p:ext>
     </p:extLst>
   </p:cSld>
@@ -6182,7 +6214,7 @@
                 <a:ea typeface="+mn-lt"/>
                 <a:cs typeface="+mn-lt"/>
               </a:rPr>
-              <a:t> "wound     heal*" </a:t>
+              <a:t> "wound heal*" </a:t>
             </a:r>
             <a:r>
               <a:rPr lang="en-GB" sz="1400" b="1" dirty="0">
@@ -6220,7 +6252,7 @@
                 <a:ea typeface="+mn-lt"/>
                 <a:cs typeface="+mn-lt"/>
               </a:rPr>
-              <a:t> "healthcare" </a:t>
+              <a:t>             "healthcare" </a:t>
             </a:r>
             <a:r>
               <a:rPr lang="en-GB" sz="1400" b="1" dirty="0">

--- a/presentation/DataDrivenForesight.pptx
+++ b/presentation/DataDrivenForesight.pptx
@@ -134,866 +134,10 @@
 <file path=ppt/revisionInfo.xml><?xml version="1.0" encoding="utf-8"?>
 <p1510:revInfo xmlns:a="http://schemas.openxmlformats.org/drawingml/2006/main" xmlns:r="http://schemas.openxmlformats.org/officeDocument/2006/relationships" xmlns:p1510="http://schemas.microsoft.com/office/powerpoint/2015/10/main">
   <p1510:revLst>
-    <p1510:client id="{6901E9F8-7762-69A4-839D-98505DAC4062}" v="409" dt="2025-01-09T15:06:13.046"/>
+    <p1510:client id="{1C05B34B-6E39-6232-9EF4-3C5D0C2E088E}" v="53" dt="2025-01-12T20:05:21.997"/>
     <p1510:client id="{8CDA426B-F6BE-03CE-D3BE-0C608CE54C7C}" v="12" dt="2025-01-11T10:39:06.523"/>
-    <p1510:client id="{E3EB7CE3-B7CF-A62C-CCB9-60DEDDC237EE}" v="203" dt="2025-01-09T15:10:06.339"/>
   </p1510:revLst>
 </p1510:revInfo>
-</file>
-
-<file path=ppt/changesInfos/changesInfo1.xml><?xml version="1.0" encoding="utf-8"?>
-<pc:chgInfo xmlns:a="http://schemas.openxmlformats.org/drawingml/2006/main" xmlns:r="http://schemas.openxmlformats.org/officeDocument/2006/relationships" xmlns:ac="http://schemas.microsoft.com/office/drawing/2013/main/command" xmlns:pc="http://schemas.microsoft.com/office/powerpoint/2013/main/command">
-  <pc:docChgLst>
-    <pc:chgData name="Georg P" userId="53d5f090c11d6345" providerId="Windows Live" clId="Web-{6901E9F8-7762-69A4-839D-98505DAC4062}"/>
-    <pc:docChg chg="addSld delSld modSld sldOrd">
-      <pc:chgData name="Georg P" userId="53d5f090c11d6345" providerId="Windows Live" clId="Web-{6901E9F8-7762-69A4-839D-98505DAC4062}" dt="2025-01-09T15:06:11.561" v="382"/>
-      <pc:docMkLst>
-        <pc:docMk/>
-      </pc:docMkLst>
-      <pc:sldChg chg="addSp delSp modSp">
-        <pc:chgData name="Georg P" userId="53d5f090c11d6345" providerId="Windows Live" clId="Web-{6901E9F8-7762-69A4-839D-98505DAC4062}" dt="2025-01-09T14:49:30.651" v="147" actId="20577"/>
-        <pc:sldMkLst>
-          <pc:docMk/>
-          <pc:sldMk cId="4224963371" sldId="257"/>
-        </pc:sldMkLst>
-        <pc:spChg chg="mod">
-          <ac:chgData name="Georg P" userId="53d5f090c11d6345" providerId="Windows Live" clId="Web-{6901E9F8-7762-69A4-839D-98505DAC4062}" dt="2025-01-09T14:49:30.651" v="147" actId="20577"/>
-          <ac:spMkLst>
-            <pc:docMk/>
-            <pc:sldMk cId="4224963371" sldId="257"/>
-            <ac:spMk id="2" creationId="{8A738D5E-E749-E8E0-A0EE-47ED215D46EF}"/>
-          </ac:spMkLst>
-        </pc:spChg>
-        <pc:spChg chg="add del mod">
-          <ac:chgData name="Georg P" userId="53d5f090c11d6345" providerId="Windows Live" clId="Web-{6901E9F8-7762-69A4-839D-98505DAC4062}" dt="2025-01-09T14:42:25.917" v="3"/>
-          <ac:spMkLst>
-            <pc:docMk/>
-            <pc:sldMk cId="4224963371" sldId="257"/>
-            <ac:spMk id="5" creationId="{F1FF5973-5A87-8D03-4264-A82F4475A352}"/>
-          </ac:spMkLst>
-        </pc:spChg>
-        <pc:picChg chg="del">
-          <ac:chgData name="Georg P" userId="53d5f090c11d6345" providerId="Windows Live" clId="Web-{6901E9F8-7762-69A4-839D-98505DAC4062}" dt="2025-01-09T14:42:24.417" v="2"/>
-          <ac:picMkLst>
-            <pc:docMk/>
-            <pc:sldMk cId="4224963371" sldId="257"/>
-            <ac:picMk id="6" creationId="{ED0031ED-5354-027E-95B4-BE0D40A43108}"/>
-          </ac:picMkLst>
-        </pc:picChg>
-        <pc:picChg chg="add mod ord">
-          <ac:chgData name="Georg P" userId="53d5f090c11d6345" providerId="Windows Live" clId="Web-{6901E9F8-7762-69A4-839D-98505DAC4062}" dt="2025-01-09T14:42:25.917" v="3"/>
-          <ac:picMkLst>
-            <pc:docMk/>
-            <pc:sldMk cId="4224963371" sldId="257"/>
-            <ac:picMk id="7" creationId="{9254F509-BE39-54A4-7B2F-A045FAEBC3B2}"/>
-          </ac:picMkLst>
-        </pc:picChg>
-      </pc:sldChg>
-      <pc:sldChg chg="addSp delSp modSp">
-        <pc:chgData name="Georg P" userId="53d5f090c11d6345" providerId="Windows Live" clId="Web-{6901E9F8-7762-69A4-839D-98505DAC4062}" dt="2025-01-09T14:50:37.169" v="164" actId="20577"/>
-        <pc:sldMkLst>
-          <pc:docMk/>
-          <pc:sldMk cId="2297290928" sldId="259"/>
-        </pc:sldMkLst>
-        <pc:spChg chg="mod">
-          <ac:chgData name="Georg P" userId="53d5f090c11d6345" providerId="Windows Live" clId="Web-{6901E9F8-7762-69A4-839D-98505DAC4062}" dt="2025-01-09T14:50:37.169" v="164" actId="20577"/>
-          <ac:spMkLst>
-            <pc:docMk/>
-            <pc:sldMk cId="2297290928" sldId="259"/>
-            <ac:spMk id="2" creationId="{8A738D5E-E749-E8E0-A0EE-47ED215D46EF}"/>
-          </ac:spMkLst>
-        </pc:spChg>
-        <pc:spChg chg="add del mod">
-          <ac:chgData name="Georg P" userId="53d5f090c11d6345" providerId="Windows Live" clId="Web-{6901E9F8-7762-69A4-839D-98505DAC4062}" dt="2025-01-09T14:42:45.183" v="11"/>
-          <ac:spMkLst>
-            <pc:docMk/>
-            <pc:sldMk cId="2297290928" sldId="259"/>
-            <ac:spMk id="4" creationId="{423CDCEF-CBFA-CEE4-3E03-BA7ADA94699C}"/>
-          </ac:spMkLst>
-        </pc:spChg>
-        <pc:picChg chg="add mod ord">
-          <ac:chgData name="Georg P" userId="53d5f090c11d6345" providerId="Windows Live" clId="Web-{6901E9F8-7762-69A4-839D-98505DAC4062}" dt="2025-01-09T14:42:45.183" v="11"/>
-          <ac:picMkLst>
-            <pc:docMk/>
-            <pc:sldMk cId="2297290928" sldId="259"/>
-            <ac:picMk id="5" creationId="{B4D2E8F1-910B-400A-110A-F3E1ED93E624}"/>
-          </ac:picMkLst>
-        </pc:picChg>
-        <pc:picChg chg="del">
-          <ac:chgData name="Georg P" userId="53d5f090c11d6345" providerId="Windows Live" clId="Web-{6901E9F8-7762-69A4-839D-98505DAC4062}" dt="2025-01-09T14:42:43.715" v="10"/>
-          <ac:picMkLst>
-            <pc:docMk/>
-            <pc:sldMk cId="2297290928" sldId="259"/>
-            <ac:picMk id="7" creationId="{877150A0-4063-5034-D87C-B34E8F9C6B2E}"/>
-          </ac:picMkLst>
-        </pc:picChg>
-      </pc:sldChg>
-      <pc:sldChg chg="modSp">
-        <pc:chgData name="Georg P" userId="53d5f090c11d6345" providerId="Windows Live" clId="Web-{6901E9F8-7762-69A4-839D-98505DAC4062}" dt="2025-01-09T14:57:07.058" v="256" actId="20577"/>
-        <pc:sldMkLst>
-          <pc:docMk/>
-          <pc:sldMk cId="1560567676" sldId="260"/>
-        </pc:sldMkLst>
-        <pc:spChg chg="mod">
-          <ac:chgData name="Georg P" userId="53d5f090c11d6345" providerId="Windows Live" clId="Web-{6901E9F8-7762-69A4-839D-98505DAC4062}" dt="2025-01-09T14:55:54.524" v="212" actId="20577"/>
-          <ac:spMkLst>
-            <pc:docMk/>
-            <pc:sldMk cId="1560567676" sldId="260"/>
-            <ac:spMk id="2" creationId="{8A738D5E-E749-E8E0-A0EE-47ED215D46EF}"/>
-          </ac:spMkLst>
-        </pc:spChg>
-        <pc:spChg chg="mod">
-          <ac:chgData name="Georg P" userId="53d5f090c11d6345" providerId="Windows Live" clId="Web-{6901E9F8-7762-69A4-839D-98505DAC4062}" dt="2025-01-09T14:57:07.058" v="256" actId="20577"/>
-          <ac:spMkLst>
-            <pc:docMk/>
-            <pc:sldMk cId="1560567676" sldId="260"/>
-            <ac:spMk id="8" creationId="{A6E5084A-F6BC-6D7F-4C69-E9374639CCDA}"/>
-          </ac:spMkLst>
-        </pc:spChg>
-      </pc:sldChg>
-      <pc:sldChg chg="addSp delSp modSp">
-        <pc:chgData name="Georg P" userId="53d5f090c11d6345" providerId="Windows Live" clId="Web-{6901E9F8-7762-69A4-839D-98505DAC4062}" dt="2025-01-09T14:57:14.292" v="258"/>
-        <pc:sldMkLst>
-          <pc:docMk/>
-          <pc:sldMk cId="1245074985" sldId="261"/>
-        </pc:sldMkLst>
-        <pc:spChg chg="add del mod">
-          <ac:chgData name="Georg P" userId="53d5f090c11d6345" providerId="Windows Live" clId="Web-{6901E9F8-7762-69A4-839D-98505DAC4062}" dt="2025-01-09T14:57:14.292" v="258"/>
-          <ac:spMkLst>
-            <pc:docMk/>
-            <pc:sldMk cId="1245074985" sldId="261"/>
-            <ac:spMk id="4" creationId="{EF4CAF92-1EE7-9B64-2DC4-1955A9B89C7E}"/>
-          </ac:spMkLst>
-        </pc:spChg>
-        <pc:picChg chg="add mod ord">
-          <ac:chgData name="Georg P" userId="53d5f090c11d6345" providerId="Windows Live" clId="Web-{6901E9F8-7762-69A4-839D-98505DAC4062}" dt="2025-01-09T14:57:14.292" v="258"/>
-          <ac:picMkLst>
-            <pc:docMk/>
-            <pc:sldMk cId="1245074985" sldId="261"/>
-            <ac:picMk id="5" creationId="{520886D8-FDE6-7DA1-8134-13CE69B3EA34}"/>
-          </ac:picMkLst>
-        </pc:picChg>
-        <pc:picChg chg="del">
-          <ac:chgData name="Georg P" userId="53d5f090c11d6345" providerId="Windows Live" clId="Web-{6901E9F8-7762-69A4-839D-98505DAC4062}" dt="2025-01-09T14:57:09.261" v="257"/>
-          <ac:picMkLst>
-            <pc:docMk/>
-            <pc:sldMk cId="1245074985" sldId="261"/>
-            <ac:picMk id="7" creationId="{30ACB7C0-A576-7C01-C14A-8F97BEDBC501}"/>
-          </ac:picMkLst>
-        </pc:picChg>
-      </pc:sldChg>
-      <pc:sldChg chg="addSp delSp modSp">
-        <pc:chgData name="Georg P" userId="53d5f090c11d6345" providerId="Windows Live" clId="Web-{6901E9F8-7762-69A4-839D-98505DAC4062}" dt="2025-01-09T15:04:57.621" v="356"/>
-        <pc:sldMkLst>
-          <pc:docMk/>
-          <pc:sldMk cId="4262371085" sldId="262"/>
-        </pc:sldMkLst>
-        <pc:spChg chg="add del mod">
-          <ac:chgData name="Georg P" userId="53d5f090c11d6345" providerId="Windows Live" clId="Web-{6901E9F8-7762-69A4-839D-98505DAC4062}" dt="2025-01-09T15:04:57.621" v="356"/>
-          <ac:spMkLst>
-            <pc:docMk/>
-            <pc:sldMk cId="4262371085" sldId="262"/>
-            <ac:spMk id="4" creationId="{0C58BE7A-9ECE-FEF1-EECA-A094B88316E5}"/>
-          </ac:spMkLst>
-        </pc:spChg>
-        <pc:picChg chg="add mod ord">
-          <ac:chgData name="Georg P" userId="53d5f090c11d6345" providerId="Windows Live" clId="Web-{6901E9F8-7762-69A4-839D-98505DAC4062}" dt="2025-01-09T15:04:57.621" v="356"/>
-          <ac:picMkLst>
-            <pc:docMk/>
-            <pc:sldMk cId="4262371085" sldId="262"/>
-            <ac:picMk id="5" creationId="{5914075A-C816-6CA2-F6AB-4348D64F1C71}"/>
-          </ac:picMkLst>
-        </pc:picChg>
-        <pc:picChg chg="del">
-          <ac:chgData name="Georg P" userId="53d5f090c11d6345" providerId="Windows Live" clId="Web-{6901E9F8-7762-69A4-839D-98505DAC4062}" dt="2025-01-09T15:04:56.387" v="355"/>
-          <ac:picMkLst>
-            <pc:docMk/>
-            <pc:sldMk cId="4262371085" sldId="262"/>
-            <ac:picMk id="6" creationId="{82690D4E-AA80-F13C-B8CF-EDB4DFD30003}"/>
-          </ac:picMkLst>
-        </pc:picChg>
-      </pc:sldChg>
-      <pc:sldChg chg="addSp delSp modSp">
-        <pc:chgData name="Georg P" userId="53d5f090c11d6345" providerId="Windows Live" clId="Web-{6901E9F8-7762-69A4-839D-98505DAC4062}" dt="2025-01-09T15:05:34.841" v="373" actId="20577"/>
-        <pc:sldMkLst>
-          <pc:docMk/>
-          <pc:sldMk cId="2163132736" sldId="263"/>
-        </pc:sldMkLst>
-        <pc:spChg chg="add del mod">
-          <ac:chgData name="Georg P" userId="53d5f090c11d6345" providerId="Windows Live" clId="Web-{6901E9F8-7762-69A4-839D-98505DAC4062}" dt="2025-01-09T15:05:04.340" v="359"/>
-          <ac:spMkLst>
-            <pc:docMk/>
-            <pc:sldMk cId="2163132736" sldId="263"/>
-            <ac:spMk id="4" creationId="{0516C6D9-C1DB-226C-5CFE-9A189AF53B95}"/>
-          </ac:spMkLst>
-        </pc:spChg>
-        <pc:spChg chg="mod">
-          <ac:chgData name="Georg P" userId="53d5f090c11d6345" providerId="Windows Live" clId="Web-{6901E9F8-7762-69A4-839D-98505DAC4062}" dt="2025-01-09T15:05:34.841" v="373" actId="20577"/>
-          <ac:spMkLst>
-            <pc:docMk/>
-            <pc:sldMk cId="2163132736" sldId="263"/>
-            <ac:spMk id="8" creationId="{A6E5084A-F6BC-6D7F-4C69-E9374639CCDA}"/>
-          </ac:spMkLst>
-        </pc:spChg>
-        <pc:picChg chg="add mod ord">
-          <ac:chgData name="Georg P" userId="53d5f090c11d6345" providerId="Windows Live" clId="Web-{6901E9F8-7762-69A4-839D-98505DAC4062}" dt="2025-01-09T15:05:13.778" v="364" actId="1076"/>
-          <ac:picMkLst>
-            <pc:docMk/>
-            <pc:sldMk cId="2163132736" sldId="263"/>
-            <ac:picMk id="5" creationId="{A6E6866C-D4BC-78C8-85B6-7E5BE0B54248}"/>
-          </ac:picMkLst>
-        </pc:picChg>
-        <pc:picChg chg="del">
-          <ac:chgData name="Georg P" userId="53d5f090c11d6345" providerId="Windows Live" clId="Web-{6901E9F8-7762-69A4-839D-98505DAC4062}" dt="2025-01-09T15:05:01.746" v="358"/>
-          <ac:picMkLst>
-            <pc:docMk/>
-            <pc:sldMk cId="2163132736" sldId="263"/>
-            <ac:picMk id="6" creationId="{E5C2298E-852A-FBF0-2C9F-61CC5D5A58A9}"/>
-          </ac:picMkLst>
-        </pc:picChg>
-        <pc:picChg chg="del">
-          <ac:chgData name="Georg P" userId="53d5f090c11d6345" providerId="Windows Live" clId="Web-{6901E9F8-7762-69A4-839D-98505DAC4062}" dt="2025-01-09T15:05:01.496" v="357"/>
-          <ac:picMkLst>
-            <pc:docMk/>
-            <pc:sldMk cId="2163132736" sldId="263"/>
-            <ac:picMk id="10" creationId="{C558C557-7972-C7A9-F5D7-43281D2AD907}"/>
-          </ac:picMkLst>
-        </pc:picChg>
-      </pc:sldChg>
-      <pc:sldChg chg="addSp delSp modSp">
-        <pc:chgData name="Georg P" userId="53d5f090c11d6345" providerId="Windows Live" clId="Web-{6901E9F8-7762-69A4-839D-98505DAC4062}" dt="2025-01-09T15:05:46.545" v="375"/>
-        <pc:sldMkLst>
-          <pc:docMk/>
-          <pc:sldMk cId="233784213" sldId="265"/>
-        </pc:sldMkLst>
-        <pc:spChg chg="add del mod">
-          <ac:chgData name="Georg P" userId="53d5f090c11d6345" providerId="Windows Live" clId="Web-{6901E9F8-7762-69A4-839D-98505DAC4062}" dt="2025-01-09T15:05:46.545" v="375"/>
-          <ac:spMkLst>
-            <pc:docMk/>
-            <pc:sldMk cId="233784213" sldId="265"/>
-            <ac:spMk id="3" creationId="{370B7CDF-CE2B-4C48-9081-608E798095FF}"/>
-          </ac:spMkLst>
-        </pc:spChg>
-        <pc:picChg chg="add mod ord">
-          <ac:chgData name="Georg P" userId="53d5f090c11d6345" providerId="Windows Live" clId="Web-{6901E9F8-7762-69A4-839D-98505DAC4062}" dt="2025-01-09T15:05:46.545" v="375"/>
-          <ac:picMkLst>
-            <pc:docMk/>
-            <pc:sldMk cId="233784213" sldId="265"/>
-            <ac:picMk id="5" creationId="{E5140478-E8F8-31CF-8577-F7625D55D1AA}"/>
-          </ac:picMkLst>
-        </pc:picChg>
-        <pc:picChg chg="del">
-          <ac:chgData name="Georg P" userId="53d5f090c11d6345" providerId="Windows Live" clId="Web-{6901E9F8-7762-69A4-839D-98505DAC4062}" dt="2025-01-09T15:05:44.060" v="374"/>
-          <ac:picMkLst>
-            <pc:docMk/>
-            <pc:sldMk cId="233784213" sldId="265"/>
-            <ac:picMk id="12" creationId="{6FC40EEA-592C-668A-0F4D-CC47AC3839DF}"/>
-          </ac:picMkLst>
-        </pc:picChg>
-      </pc:sldChg>
-      <pc:sldChg chg="addSp delSp modSp">
-        <pc:chgData name="Georg P" userId="53d5f090c11d6345" providerId="Windows Live" clId="Web-{6901E9F8-7762-69A4-839D-98505DAC4062}" dt="2025-01-09T15:05:54.217" v="377"/>
-        <pc:sldMkLst>
-          <pc:docMk/>
-          <pc:sldMk cId="3666487214" sldId="266"/>
-        </pc:sldMkLst>
-        <pc:spChg chg="add del mod">
-          <ac:chgData name="Georg P" userId="53d5f090c11d6345" providerId="Windows Live" clId="Web-{6901E9F8-7762-69A4-839D-98505DAC4062}" dt="2025-01-09T15:05:54.217" v="377"/>
-          <ac:spMkLst>
-            <pc:docMk/>
-            <pc:sldMk cId="3666487214" sldId="266"/>
-            <ac:spMk id="5" creationId="{AB6FE34F-6C35-A582-E4BD-0F243A792637}"/>
-          </ac:spMkLst>
-        </pc:spChg>
-        <pc:picChg chg="add mod ord">
-          <ac:chgData name="Georg P" userId="53d5f090c11d6345" providerId="Windows Live" clId="Web-{6901E9F8-7762-69A4-839D-98505DAC4062}" dt="2025-01-09T15:05:54.217" v="377"/>
-          <ac:picMkLst>
-            <pc:docMk/>
-            <pc:sldMk cId="3666487214" sldId="266"/>
-            <ac:picMk id="6" creationId="{9D3E5814-5C9A-7F41-EC8B-5C35FFDDB850}"/>
-          </ac:picMkLst>
-        </pc:picChg>
-        <pc:picChg chg="del">
-          <ac:chgData name="Georg P" userId="53d5f090c11d6345" providerId="Windows Live" clId="Web-{6901E9F8-7762-69A4-839D-98505DAC4062}" dt="2025-01-09T15:05:52.857" v="376"/>
-          <ac:picMkLst>
-            <pc:docMk/>
-            <pc:sldMk cId="3666487214" sldId="266"/>
-            <ac:picMk id="7" creationId="{19EA9D37-D23E-EE12-4ACB-031C10461D17}"/>
-          </ac:picMkLst>
-        </pc:picChg>
-      </pc:sldChg>
-      <pc:sldChg chg="del">
-        <pc:chgData name="Georg P" userId="53d5f090c11d6345" providerId="Windows Live" clId="Web-{6901E9F8-7762-69A4-839D-98505DAC4062}" dt="2025-01-09T15:06:01.483" v="378"/>
-        <pc:sldMkLst>
-          <pc:docMk/>
-          <pc:sldMk cId="3793083112" sldId="269"/>
-        </pc:sldMkLst>
-      </pc:sldChg>
-      <pc:sldChg chg="del">
-        <pc:chgData name="Georg P" userId="53d5f090c11d6345" providerId="Windows Live" clId="Web-{6901E9F8-7762-69A4-839D-98505DAC4062}" dt="2025-01-09T15:06:02.405" v="379"/>
-        <pc:sldMkLst>
-          <pc:docMk/>
-          <pc:sldMk cId="1780811718" sldId="270"/>
-        </pc:sldMkLst>
-      </pc:sldChg>
-      <pc:sldChg chg="addSp delSp modSp">
-        <pc:chgData name="Georg P" userId="53d5f090c11d6345" providerId="Windows Live" clId="Web-{6901E9F8-7762-69A4-839D-98505DAC4062}" dt="2025-01-09T14:48:58.181" v="119" actId="20577"/>
-        <pc:sldMkLst>
-          <pc:docMk/>
-          <pc:sldMk cId="2583637851" sldId="272"/>
-        </pc:sldMkLst>
-        <pc:spChg chg="mod">
-          <ac:chgData name="Georg P" userId="53d5f090c11d6345" providerId="Windows Live" clId="Web-{6901E9F8-7762-69A4-839D-98505DAC4062}" dt="2025-01-09T14:48:58.181" v="119" actId="20577"/>
-          <ac:spMkLst>
-            <pc:docMk/>
-            <pc:sldMk cId="2583637851" sldId="272"/>
-            <ac:spMk id="2" creationId="{00B2BAF8-5B1E-961D-5B94-0AF612A46044}"/>
-          </ac:spMkLst>
-        </pc:spChg>
-        <pc:spChg chg="add del mod">
-          <ac:chgData name="Georg P" userId="53d5f090c11d6345" providerId="Windows Live" clId="Web-{6901E9F8-7762-69A4-839D-98505DAC4062}" dt="2025-01-09T14:42:06.385" v="1"/>
-          <ac:spMkLst>
-            <pc:docMk/>
-            <pc:sldMk cId="2583637851" sldId="272"/>
-            <ac:spMk id="4" creationId="{16E14451-AB63-044C-31DF-CC05B786682D}"/>
-          </ac:spMkLst>
-        </pc:spChg>
-        <pc:spChg chg="mod">
-          <ac:chgData name="Georg P" userId="53d5f090c11d6345" providerId="Windows Live" clId="Web-{6901E9F8-7762-69A4-839D-98505DAC4062}" dt="2025-01-09T14:47:50.132" v="66" actId="1076"/>
-          <ac:spMkLst>
-            <pc:docMk/>
-            <pc:sldMk cId="2583637851" sldId="272"/>
-            <ac:spMk id="8" creationId="{DBC74D7B-5F0F-DD3B-3637-3A5FCF93D79E}"/>
-          </ac:spMkLst>
-        </pc:spChg>
-        <pc:spChg chg="add mod">
-          <ac:chgData name="Georg P" userId="53d5f090c11d6345" providerId="Windows Live" clId="Web-{6901E9F8-7762-69A4-839D-98505DAC4062}" dt="2025-01-09T14:48:19.226" v="89" actId="20577"/>
-          <ac:spMkLst>
-            <pc:docMk/>
-            <pc:sldMk cId="2583637851" sldId="272"/>
-            <ac:spMk id="10" creationId="{640B3352-CDE3-12EC-2660-793541E53B50}"/>
-          </ac:spMkLst>
-        </pc:spChg>
-        <pc:picChg chg="add mod ord">
-          <ac:chgData name="Georg P" userId="53d5f090c11d6345" providerId="Windows Live" clId="Web-{6901E9F8-7762-69A4-839D-98505DAC4062}" dt="2025-01-09T14:45:56.549" v="32" actId="1076"/>
-          <ac:picMkLst>
-            <pc:docMk/>
-            <pc:sldMk cId="2583637851" sldId="272"/>
-            <ac:picMk id="5" creationId="{A72C411E-86CF-4452-7353-7D75A1F4FCC6}"/>
-          </ac:picMkLst>
-        </pc:picChg>
-        <pc:picChg chg="add mod">
-          <ac:chgData name="Georg P" userId="53d5f090c11d6345" providerId="Windows Live" clId="Web-{6901E9F8-7762-69A4-839D-98505DAC4062}" dt="2025-01-09T14:46:02.612" v="33" actId="1076"/>
-          <ac:picMkLst>
-            <pc:docMk/>
-            <pc:sldMk cId="2583637851" sldId="272"/>
-            <ac:picMk id="6" creationId="{444125B9-BEB1-E20A-EA98-B1929EB64818}"/>
-          </ac:picMkLst>
-        </pc:picChg>
-        <pc:picChg chg="del">
-          <ac:chgData name="Georg P" userId="53d5f090c11d6345" providerId="Windows Live" clId="Web-{6901E9F8-7762-69A4-839D-98505DAC4062}" dt="2025-01-09T14:42:05.041" v="0"/>
-          <ac:picMkLst>
-            <pc:docMk/>
-            <pc:sldMk cId="2583637851" sldId="272"/>
-            <ac:picMk id="9" creationId="{4D1B89E6-3507-606D-9C55-C974AFEADE1D}"/>
-          </ac:picMkLst>
-        </pc:picChg>
-      </pc:sldChg>
-      <pc:sldChg chg="addSp delSp modSp">
-        <pc:chgData name="Georg P" userId="53d5f090c11d6345" providerId="Windows Live" clId="Web-{6901E9F8-7762-69A4-839D-98505DAC4062}" dt="2025-01-09T14:49:38.292" v="152" actId="20577"/>
-        <pc:sldMkLst>
-          <pc:docMk/>
-          <pc:sldMk cId="338522245" sldId="274"/>
-        </pc:sldMkLst>
-        <pc:spChg chg="mod">
-          <ac:chgData name="Georg P" userId="53d5f090c11d6345" providerId="Windows Live" clId="Web-{6901E9F8-7762-69A4-839D-98505DAC4062}" dt="2025-01-09T14:49:38.292" v="152" actId="20577"/>
-          <ac:spMkLst>
-            <pc:docMk/>
-            <pc:sldMk cId="338522245" sldId="274"/>
-            <ac:spMk id="2" creationId="{8A738D5E-E749-E8E0-A0EE-47ED215D46EF}"/>
-          </ac:spMkLst>
-        </pc:spChg>
-        <pc:spChg chg="add del mod">
-          <ac:chgData name="Georg P" userId="53d5f090c11d6345" providerId="Windows Live" clId="Web-{6901E9F8-7762-69A4-839D-98505DAC4062}" dt="2025-01-09T14:42:38.761" v="9"/>
-          <ac:spMkLst>
-            <pc:docMk/>
-            <pc:sldMk cId="338522245" sldId="274"/>
-            <ac:spMk id="5" creationId="{059443D7-BCB9-F1C7-1264-B91264B8D19E}"/>
-          </ac:spMkLst>
-        </pc:spChg>
-        <pc:picChg chg="del">
-          <ac:chgData name="Georg P" userId="53d5f090c11d6345" providerId="Windows Live" clId="Web-{6901E9F8-7762-69A4-839D-98505DAC4062}" dt="2025-01-09T14:42:37.417" v="8"/>
-          <ac:picMkLst>
-            <pc:docMk/>
-            <pc:sldMk cId="338522245" sldId="274"/>
-            <ac:picMk id="6" creationId="{ED0031ED-5354-027E-95B4-BE0D40A43108}"/>
-          </ac:picMkLst>
-        </pc:picChg>
-        <pc:picChg chg="add mod ord">
-          <ac:chgData name="Georg P" userId="53d5f090c11d6345" providerId="Windows Live" clId="Web-{6901E9F8-7762-69A4-839D-98505DAC4062}" dt="2025-01-09T14:42:38.761" v="9"/>
-          <ac:picMkLst>
-            <pc:docMk/>
-            <pc:sldMk cId="338522245" sldId="274"/>
-            <ac:picMk id="7" creationId="{43115BA7-3A9C-CCD7-4678-E0551D02A554}"/>
-          </ac:picMkLst>
-        </pc:picChg>
-      </pc:sldChg>
-      <pc:sldChg chg="addSp delSp modSp">
-        <pc:chgData name="Georg P" userId="53d5f090c11d6345" providerId="Windows Live" clId="Web-{6901E9F8-7762-69A4-839D-98505DAC4062}" dt="2025-01-09T14:49:33.213" v="149" actId="20577"/>
-        <pc:sldMkLst>
-          <pc:docMk/>
-          <pc:sldMk cId="1829557225" sldId="275"/>
-        </pc:sldMkLst>
-        <pc:spChg chg="mod">
-          <ac:chgData name="Georg P" userId="53d5f090c11d6345" providerId="Windows Live" clId="Web-{6901E9F8-7762-69A4-839D-98505DAC4062}" dt="2025-01-09T14:49:33.213" v="149" actId="20577"/>
-          <ac:spMkLst>
-            <pc:docMk/>
-            <pc:sldMk cId="1829557225" sldId="275"/>
-            <ac:spMk id="2" creationId="{8A738D5E-E749-E8E0-A0EE-47ED215D46EF}"/>
-          </ac:spMkLst>
-        </pc:spChg>
-        <pc:spChg chg="add del mod">
-          <ac:chgData name="Georg P" userId="53d5f090c11d6345" providerId="Windows Live" clId="Web-{6901E9F8-7762-69A4-839D-98505DAC4062}" dt="2025-01-09T14:42:29.042" v="5"/>
-          <ac:spMkLst>
-            <pc:docMk/>
-            <pc:sldMk cId="1829557225" sldId="275"/>
-            <ac:spMk id="5" creationId="{5D5DA9FC-CA04-5EE9-22FD-9D93770790FD}"/>
-          </ac:spMkLst>
-        </pc:spChg>
-        <pc:picChg chg="del">
-          <ac:chgData name="Georg P" userId="53d5f090c11d6345" providerId="Windows Live" clId="Web-{6901E9F8-7762-69A4-839D-98505DAC4062}" dt="2025-01-09T14:42:27.698" v="4"/>
-          <ac:picMkLst>
-            <pc:docMk/>
-            <pc:sldMk cId="1829557225" sldId="275"/>
-            <ac:picMk id="6" creationId="{ED0031ED-5354-027E-95B4-BE0D40A43108}"/>
-          </ac:picMkLst>
-        </pc:picChg>
-        <pc:picChg chg="add mod ord">
-          <ac:chgData name="Georg P" userId="53d5f090c11d6345" providerId="Windows Live" clId="Web-{6901E9F8-7762-69A4-839D-98505DAC4062}" dt="2025-01-09T14:42:29.042" v="5"/>
-          <ac:picMkLst>
-            <pc:docMk/>
-            <pc:sldMk cId="1829557225" sldId="275"/>
-            <ac:picMk id="7" creationId="{E0C7B4C6-F9CF-0017-6612-791A26D8DEB8}"/>
-          </ac:picMkLst>
-        </pc:picChg>
-      </pc:sldChg>
-      <pc:sldChg chg="addSp delSp modSp">
-        <pc:chgData name="Georg P" userId="53d5f090c11d6345" providerId="Windows Live" clId="Web-{6901E9F8-7762-69A4-839D-98505DAC4062}" dt="2025-01-09T14:49:35.464" v="151" actId="20577"/>
-        <pc:sldMkLst>
-          <pc:docMk/>
-          <pc:sldMk cId="2854044737" sldId="276"/>
-        </pc:sldMkLst>
-        <pc:spChg chg="mod">
-          <ac:chgData name="Georg P" userId="53d5f090c11d6345" providerId="Windows Live" clId="Web-{6901E9F8-7762-69A4-839D-98505DAC4062}" dt="2025-01-09T14:49:35.464" v="151" actId="20577"/>
-          <ac:spMkLst>
-            <pc:docMk/>
-            <pc:sldMk cId="2854044737" sldId="276"/>
-            <ac:spMk id="2" creationId="{8A738D5E-E749-E8E0-A0EE-47ED215D46EF}"/>
-          </ac:spMkLst>
-        </pc:spChg>
-        <pc:spChg chg="add del mod">
-          <ac:chgData name="Georg P" userId="53d5f090c11d6345" providerId="Windows Live" clId="Web-{6901E9F8-7762-69A4-839D-98505DAC4062}" dt="2025-01-09T14:42:33.183" v="7"/>
-          <ac:spMkLst>
-            <pc:docMk/>
-            <pc:sldMk cId="2854044737" sldId="276"/>
-            <ac:spMk id="5" creationId="{06BFD68F-3E82-BEC2-01A3-42E9595D2A39}"/>
-          </ac:spMkLst>
-        </pc:spChg>
-        <pc:picChg chg="del">
-          <ac:chgData name="Georg P" userId="53d5f090c11d6345" providerId="Windows Live" clId="Web-{6901E9F8-7762-69A4-839D-98505DAC4062}" dt="2025-01-09T14:42:31.839" v="6"/>
-          <ac:picMkLst>
-            <pc:docMk/>
-            <pc:sldMk cId="2854044737" sldId="276"/>
-            <ac:picMk id="6" creationId="{ED0031ED-5354-027E-95B4-BE0D40A43108}"/>
-          </ac:picMkLst>
-        </pc:picChg>
-        <pc:picChg chg="add mod ord">
-          <ac:chgData name="Georg P" userId="53d5f090c11d6345" providerId="Windows Live" clId="Web-{6901E9F8-7762-69A4-839D-98505DAC4062}" dt="2025-01-09T14:42:33.183" v="7"/>
-          <ac:picMkLst>
-            <pc:docMk/>
-            <pc:sldMk cId="2854044737" sldId="276"/>
-            <ac:picMk id="7" creationId="{2DF8D132-91AA-7663-FBDF-C0F316B9C151}"/>
-          </ac:picMkLst>
-        </pc:picChg>
-      </pc:sldChg>
-      <pc:sldChg chg="addSp delSp modSp">
-        <pc:chgData name="Georg P" userId="53d5f090c11d6345" providerId="Windows Live" clId="Web-{6901E9F8-7762-69A4-839D-98505DAC4062}" dt="2025-01-09T14:57:59.559" v="270"/>
-        <pc:sldMkLst>
-          <pc:docMk/>
-          <pc:sldMk cId="2588729548" sldId="277"/>
-        </pc:sldMkLst>
-        <pc:spChg chg="add del mod">
-          <ac:chgData name="Georg P" userId="53d5f090c11d6345" providerId="Windows Live" clId="Web-{6901E9F8-7762-69A4-839D-98505DAC4062}" dt="2025-01-09T14:57:59.559" v="270"/>
-          <ac:spMkLst>
-            <pc:docMk/>
-            <pc:sldMk cId="2588729548" sldId="277"/>
-            <ac:spMk id="4" creationId="{5962FCFF-2DE8-E3BA-86B2-16AC93698AB3}"/>
-          </ac:spMkLst>
-        </pc:spChg>
-        <pc:picChg chg="add mod ord">
-          <ac:chgData name="Georg P" userId="53d5f090c11d6345" providerId="Windows Live" clId="Web-{6901E9F8-7762-69A4-839D-98505DAC4062}" dt="2025-01-09T14:57:59.559" v="270"/>
-          <ac:picMkLst>
-            <pc:docMk/>
-            <pc:sldMk cId="2588729548" sldId="277"/>
-            <ac:picMk id="5" creationId="{48B9779D-3141-F267-BFD8-5618C9118D7E}"/>
-          </ac:picMkLst>
-        </pc:picChg>
-        <pc:picChg chg="del">
-          <ac:chgData name="Georg P" userId="53d5f090c11d6345" providerId="Windows Live" clId="Web-{6901E9F8-7762-69A4-839D-98505DAC4062}" dt="2025-01-09T14:57:56.091" v="269"/>
-          <ac:picMkLst>
-            <pc:docMk/>
-            <pc:sldMk cId="2588729548" sldId="277"/>
-            <ac:picMk id="7" creationId="{8B0F8B9B-7C7C-0DF7-92DA-D34F3476EB41}"/>
-          </ac:picMkLst>
-        </pc:picChg>
-      </pc:sldChg>
-      <pc:sldChg chg="addSp delSp modSp new mod ord setBg modClrScheme chgLayout">
-        <pc:chgData name="Georg P" userId="53d5f090c11d6345" providerId="Windows Live" clId="Web-{6901E9F8-7762-69A4-839D-98505DAC4062}" dt="2025-01-09T15:04:42.058" v="354"/>
-        <pc:sldMkLst>
-          <pc:docMk/>
-          <pc:sldMk cId="2081908271" sldId="278"/>
-        </pc:sldMkLst>
-        <pc:spChg chg="mod ord">
-          <ac:chgData name="Georg P" userId="53d5f090c11d6345" providerId="Windows Live" clId="Web-{6901E9F8-7762-69A4-839D-98505DAC4062}" dt="2025-01-09T15:04:42.058" v="354"/>
-          <ac:spMkLst>
-            <pc:docMk/>
-            <pc:sldMk cId="2081908271" sldId="278"/>
-            <ac:spMk id="2" creationId="{C26FA727-A523-B6BC-43A9-4FDA74659C81}"/>
-          </ac:spMkLst>
-        </pc:spChg>
-        <pc:spChg chg="mod ord">
-          <ac:chgData name="Georg P" userId="53d5f090c11d6345" providerId="Windows Live" clId="Web-{6901E9F8-7762-69A4-839D-98505DAC4062}" dt="2025-01-09T15:04:42.058" v="354"/>
-          <ac:spMkLst>
-            <pc:docMk/>
-            <pc:sldMk cId="2081908271" sldId="278"/>
-            <ac:spMk id="3" creationId="{AAE42C5C-85A3-BA6D-DFA8-A6B88FB8869E}"/>
-          </ac:spMkLst>
-        </pc:spChg>
-        <pc:spChg chg="del">
-          <ac:chgData name="Georg P" userId="53d5f090c11d6345" providerId="Windows Live" clId="Web-{6901E9F8-7762-69A4-839D-98505DAC4062}" dt="2025-01-09T14:57:29.762" v="261"/>
-          <ac:spMkLst>
-            <pc:docMk/>
-            <pc:sldMk cId="2081908271" sldId="278"/>
-            <ac:spMk id="4" creationId="{C7630074-CF8C-8310-9F55-F448930040FB}"/>
-          </ac:spMkLst>
-        </pc:spChg>
-        <pc:spChg chg="add del">
-          <ac:chgData name="Georg P" userId="53d5f090c11d6345" providerId="Windows Live" clId="Web-{6901E9F8-7762-69A4-839D-98505DAC4062}" dt="2025-01-09T15:04:42.058" v="354"/>
-          <ac:spMkLst>
-            <pc:docMk/>
-            <pc:sldMk cId="2081908271" sldId="278"/>
-            <ac:spMk id="9" creationId="{6F828D28-8E09-41CC-8229-3070B5467A96}"/>
-          </ac:spMkLst>
-        </pc:spChg>
-        <pc:spChg chg="add del">
-          <ac:chgData name="Georg P" userId="53d5f090c11d6345" providerId="Windows Live" clId="Web-{6901E9F8-7762-69A4-839D-98505DAC4062}" dt="2025-01-09T15:04:42.058" v="354"/>
-          <ac:spMkLst>
-            <pc:docMk/>
-            <pc:sldMk cId="2081908271" sldId="278"/>
-            <ac:spMk id="11" creationId="{D5B012D8-7F27-4758-9AC6-C889B154BD73}"/>
-          </ac:spMkLst>
-        </pc:spChg>
-        <pc:spChg chg="add del">
-          <ac:chgData name="Georg P" userId="53d5f090c11d6345" providerId="Windows Live" clId="Web-{6901E9F8-7762-69A4-839D-98505DAC4062}" dt="2025-01-09T15:04:42.058" v="354"/>
-          <ac:spMkLst>
-            <pc:docMk/>
-            <pc:sldMk cId="2081908271" sldId="278"/>
-            <ac:spMk id="13" creationId="{4063B759-00FC-46D1-9898-8E8625268FAF}"/>
-          </ac:spMkLst>
-        </pc:spChg>
-        <pc:picChg chg="add del">
-          <ac:chgData name="Georg P" userId="53d5f090c11d6345" providerId="Windows Live" clId="Web-{6901E9F8-7762-69A4-839D-98505DAC4062}" dt="2025-01-09T15:04:42.058" v="354"/>
-          <ac:picMkLst>
-            <pc:docMk/>
-            <pc:sldMk cId="2081908271" sldId="278"/>
-            <ac:picMk id="5" creationId="{37E72653-CACD-8BAA-5893-C4212A9BE44B}"/>
-          </ac:picMkLst>
-        </pc:picChg>
-      </pc:sldChg>
-      <pc:sldChg chg="addSp delSp modSp new mod modClrScheme chgLayout">
-        <pc:chgData name="Georg P" userId="53d5f090c11d6345" providerId="Windows Live" clId="Web-{6901E9F8-7762-69A4-839D-98505DAC4062}" dt="2025-01-09T15:03:41.478" v="352" actId="1076"/>
-        <pc:sldMkLst>
-          <pc:docMk/>
-          <pc:sldMk cId="3686345209" sldId="279"/>
-        </pc:sldMkLst>
-        <pc:spChg chg="del mod ord">
-          <ac:chgData name="Georg P" userId="53d5f090c11d6345" providerId="Windows Live" clId="Web-{6901E9F8-7762-69A4-839D-98505DAC4062}" dt="2025-01-09T15:02:11.912" v="322"/>
-          <ac:spMkLst>
-            <pc:docMk/>
-            <pc:sldMk cId="3686345209" sldId="279"/>
-            <ac:spMk id="2" creationId="{0265F586-BB31-D39B-8B16-2B731900A1F8}"/>
-          </ac:spMkLst>
-        </pc:spChg>
-        <pc:spChg chg="del mod ord">
-          <ac:chgData name="Georg P" userId="53d5f090c11d6345" providerId="Windows Live" clId="Web-{6901E9F8-7762-69A4-839D-98505DAC4062}" dt="2025-01-09T14:58:25.639" v="275"/>
-          <ac:spMkLst>
-            <pc:docMk/>
-            <pc:sldMk cId="3686345209" sldId="279"/>
-            <ac:spMk id="3" creationId="{434101E4-ED82-FCF0-C215-66328C9ACD04}"/>
-          </ac:spMkLst>
-        </pc:spChg>
-        <pc:spChg chg="del">
-          <ac:chgData name="Georg P" userId="53d5f090c11d6345" providerId="Windows Live" clId="Web-{6901E9F8-7762-69A4-839D-98505DAC4062}" dt="2025-01-09T14:58:12.372" v="272"/>
-          <ac:spMkLst>
-            <pc:docMk/>
-            <pc:sldMk cId="3686345209" sldId="279"/>
-            <ac:spMk id="4" creationId="{34AB08FF-BA85-82BA-4402-DF38B92BAF0D}"/>
-          </ac:spMkLst>
-        </pc:spChg>
-        <pc:spChg chg="add del mod">
-          <ac:chgData name="Georg P" userId="53d5f090c11d6345" providerId="Windows Live" clId="Web-{6901E9F8-7762-69A4-839D-98505DAC4062}" dt="2025-01-09T15:00:53.112" v="310"/>
-          <ac:spMkLst>
-            <pc:docMk/>
-            <pc:sldMk cId="3686345209" sldId="279"/>
-            <ac:spMk id="12" creationId="{61A88548-1411-72B1-E935-14201FEFF0F9}"/>
-          </ac:spMkLst>
-        </pc:spChg>
-        <pc:spChg chg="add del mod">
-          <ac:chgData name="Georg P" userId="53d5f090c11d6345" providerId="Windows Live" clId="Web-{6901E9F8-7762-69A4-839D-98505DAC4062}" dt="2025-01-09T15:02:15.912" v="323"/>
-          <ac:spMkLst>
-            <pc:docMk/>
-            <pc:sldMk cId="3686345209" sldId="279"/>
-            <ac:spMk id="15" creationId="{2FB24712-9D00-62B3-8AF4-1F1AFB109350}"/>
-          </ac:spMkLst>
-        </pc:spChg>
-        <pc:graphicFrameChg chg="add del mod ord modGraphic">
-          <ac:chgData name="Georg P" userId="53d5f090c11d6345" providerId="Windows Live" clId="Web-{6901E9F8-7762-69A4-839D-98505DAC4062}" dt="2025-01-09T15:00:45.315" v="307"/>
-          <ac:graphicFrameMkLst>
-            <pc:docMk/>
-            <pc:sldMk cId="3686345209" sldId="279"/>
-            <ac:graphicFrameMk id="5" creationId="{FE02E577-5431-6692-5146-2A11EBBC8AD0}"/>
-          </ac:graphicFrameMkLst>
-        </pc:graphicFrameChg>
-        <pc:picChg chg="add del mod">
-          <ac:chgData name="Georg P" userId="53d5f090c11d6345" providerId="Windows Live" clId="Web-{6901E9F8-7762-69A4-839D-98505DAC4062}" dt="2025-01-09T14:58:51.108" v="281"/>
-          <ac:picMkLst>
-            <pc:docMk/>
-            <pc:sldMk cId="3686345209" sldId="279"/>
-            <ac:picMk id="6" creationId="{1BF22E2F-37B3-B47A-00B4-E9BFD8009ACA}"/>
-          </ac:picMkLst>
-        </pc:picChg>
-        <pc:picChg chg="add del mod">
-          <ac:chgData name="Georg P" userId="53d5f090c11d6345" providerId="Windows Live" clId="Web-{6901E9F8-7762-69A4-839D-98505DAC4062}" dt="2025-01-09T14:59:01.687" v="283"/>
-          <ac:picMkLst>
-            <pc:docMk/>
-            <pc:sldMk cId="3686345209" sldId="279"/>
-            <ac:picMk id="7" creationId="{F29931E5-4080-2CAC-B018-027285BE9637}"/>
-          </ac:picMkLst>
-        </pc:picChg>
-        <pc:picChg chg="add mod">
-          <ac:chgData name="Georg P" userId="53d5f090c11d6345" providerId="Windows Live" clId="Web-{6901E9F8-7762-69A4-839D-98505DAC4062}" dt="2025-01-09T15:03:41.259" v="349" actId="1076"/>
-          <ac:picMkLst>
-            <pc:docMk/>
-            <pc:sldMk cId="3686345209" sldId="279"/>
-            <ac:picMk id="8" creationId="{2044E551-2EF2-4CA6-A5F0-BA1FACBECEED}"/>
-          </ac:picMkLst>
-        </pc:picChg>
-        <pc:picChg chg="add mod">
-          <ac:chgData name="Georg P" userId="53d5f090c11d6345" providerId="Windows Live" clId="Web-{6901E9F8-7762-69A4-839D-98505DAC4062}" dt="2025-01-09T15:03:41.337" v="350" actId="1076"/>
-          <ac:picMkLst>
-            <pc:docMk/>
-            <pc:sldMk cId="3686345209" sldId="279"/>
-            <ac:picMk id="9" creationId="{02B295B9-D327-23CE-A83A-8F1CB774B947}"/>
-          </ac:picMkLst>
-        </pc:picChg>
-        <pc:picChg chg="add mod">
-          <ac:chgData name="Georg P" userId="53d5f090c11d6345" providerId="Windows Live" clId="Web-{6901E9F8-7762-69A4-839D-98505DAC4062}" dt="2025-01-09T15:03:41.384" v="351" actId="1076"/>
-          <ac:picMkLst>
-            <pc:docMk/>
-            <pc:sldMk cId="3686345209" sldId="279"/>
-            <ac:picMk id="10" creationId="{A7695196-A241-2859-8B85-77C1B07A4EE8}"/>
-          </ac:picMkLst>
-        </pc:picChg>
-        <pc:picChg chg="add mod">
-          <ac:chgData name="Georg P" userId="53d5f090c11d6345" providerId="Windows Live" clId="Web-{6901E9F8-7762-69A4-839D-98505DAC4062}" dt="2025-01-09T15:03:41.478" v="352" actId="1076"/>
-          <ac:picMkLst>
-            <pc:docMk/>
-            <pc:sldMk cId="3686345209" sldId="279"/>
-            <ac:picMk id="13" creationId="{169025DA-1FED-1FE0-9771-38F97A07C62B}"/>
-          </ac:picMkLst>
-        </pc:picChg>
-      </pc:sldChg>
-      <pc:sldChg chg="addSp delSp modSp add replId">
-        <pc:chgData name="Georg P" userId="53d5f090c11d6345" providerId="Windows Live" clId="Web-{6901E9F8-7762-69A4-839D-98505DAC4062}" dt="2025-01-09T15:06:11.561" v="382"/>
-        <pc:sldMkLst>
-          <pc:docMk/>
-          <pc:sldMk cId="247480324" sldId="280"/>
-        </pc:sldMkLst>
-        <pc:spChg chg="add del mod">
-          <ac:chgData name="Georg P" userId="53d5f090c11d6345" providerId="Windows Live" clId="Web-{6901E9F8-7762-69A4-839D-98505DAC4062}" dt="2025-01-09T15:06:11.561" v="382"/>
-          <ac:spMkLst>
-            <pc:docMk/>
-            <pc:sldMk cId="247480324" sldId="280"/>
-            <ac:spMk id="5" creationId="{8A82E71C-A802-AF6C-0C60-B1465F76E234}"/>
-          </ac:spMkLst>
-        </pc:spChg>
-        <pc:picChg chg="del">
-          <ac:chgData name="Georg P" userId="53d5f090c11d6345" providerId="Windows Live" clId="Web-{6901E9F8-7762-69A4-839D-98505DAC4062}" dt="2025-01-09T15:06:07.920" v="381"/>
-          <ac:picMkLst>
-            <pc:docMk/>
-            <pc:sldMk cId="247480324" sldId="280"/>
-            <ac:picMk id="6" creationId="{9D3E5814-5C9A-7F41-EC8B-5C35FFDDB850}"/>
-          </ac:picMkLst>
-        </pc:picChg>
-        <pc:picChg chg="add mod ord">
-          <ac:chgData name="Georg P" userId="53d5f090c11d6345" providerId="Windows Live" clId="Web-{6901E9F8-7762-69A4-839D-98505DAC4062}" dt="2025-01-09T15:06:11.561" v="382"/>
-          <ac:picMkLst>
-            <pc:docMk/>
-            <pc:sldMk cId="247480324" sldId="280"/>
-            <ac:picMk id="7" creationId="{2E12B85E-2AB5-43B1-0DA4-A44F1B6A085E}"/>
-          </ac:picMkLst>
-        </pc:picChg>
-      </pc:sldChg>
-    </pc:docChg>
-  </pc:docChgLst>
-  <pc:docChgLst>
-    <pc:chgData name="Georg P" userId="53d5f090c11d6345" providerId="Windows Live" clId="Web-{8CDA426B-F6BE-03CE-D3BE-0C608CE54C7C}"/>
-    <pc:docChg chg="modSld sldOrd">
-      <pc:chgData name="Georg P" userId="53d5f090c11d6345" providerId="Windows Live" clId="Web-{8CDA426B-F6BE-03CE-D3BE-0C608CE54C7C}" dt="2025-01-11T10:39:06.523" v="11" actId="20577"/>
-      <pc:docMkLst>
-        <pc:docMk/>
-      </pc:docMkLst>
-      <pc:sldChg chg="ord">
-        <pc:chgData name="Georg P" userId="53d5f090c11d6345" providerId="Windows Live" clId="Web-{8CDA426B-F6BE-03CE-D3BE-0C608CE54C7C}" dt="2025-01-11T10:38:30.943" v="0"/>
-        <pc:sldMkLst>
-          <pc:docMk/>
-          <pc:sldMk cId="3666487214" sldId="266"/>
-        </pc:sldMkLst>
-      </pc:sldChg>
-      <pc:sldChg chg="modSp">
-        <pc:chgData name="Georg P" userId="53d5f090c11d6345" providerId="Windows Live" clId="Web-{8CDA426B-F6BE-03CE-D3BE-0C608CE54C7C}" dt="2025-01-11T10:39:06.523" v="11" actId="20577"/>
-        <pc:sldMkLst>
-          <pc:docMk/>
-          <pc:sldMk cId="767064345" sldId="273"/>
-        </pc:sldMkLst>
-        <pc:spChg chg="mod">
-          <ac:chgData name="Georg P" userId="53d5f090c11d6345" providerId="Windows Live" clId="Web-{8CDA426B-F6BE-03CE-D3BE-0C608CE54C7C}" dt="2025-01-11T10:39:06.523" v="11" actId="20577"/>
-          <ac:spMkLst>
-            <pc:docMk/>
-            <pc:sldMk cId="767064345" sldId="273"/>
-            <ac:spMk id="3" creationId="{4CE6DA70-5ED9-740E-8B84-BA7E3A128781}"/>
-          </ac:spMkLst>
-        </pc:spChg>
-      </pc:sldChg>
-    </pc:docChg>
-  </pc:docChgLst>
-  <pc:docChgLst>
-    <pc:chgData name="Georg P" userId="53d5f090c11d6345" providerId="Windows Live" clId="Web-{E3EB7CE3-B7CF-A62C-CCB9-60DEDDC237EE}"/>
-    <pc:docChg chg="addSld modSld sldOrd">
-      <pc:chgData name="Georg P" userId="53d5f090c11d6345" providerId="Windows Live" clId="Web-{E3EB7CE3-B7CF-A62C-CCB9-60DEDDC237EE}" dt="2025-01-09T15:10:04.901" v="120" actId="20577"/>
-      <pc:docMkLst>
-        <pc:docMk/>
-      </pc:docMkLst>
-      <pc:sldChg chg="addSp modSp">
-        <pc:chgData name="Georg P" userId="53d5f090c11d6345" providerId="Windows Live" clId="Web-{E3EB7CE3-B7CF-A62C-CCB9-60DEDDC237EE}" dt="2025-01-09T15:09:53.119" v="103" actId="1076"/>
-        <pc:sldMkLst>
-          <pc:docMk/>
-          <pc:sldMk cId="3666487214" sldId="266"/>
-        </pc:sldMkLst>
-        <pc:spChg chg="add mod">
-          <ac:chgData name="Georg P" userId="53d5f090c11d6345" providerId="Windows Live" clId="Web-{E3EB7CE3-B7CF-A62C-CCB9-60DEDDC237EE}" dt="2025-01-09T15:09:53.119" v="103" actId="1076"/>
-          <ac:spMkLst>
-            <pc:docMk/>
-            <pc:sldMk cId="3666487214" sldId="266"/>
-            <ac:spMk id="5" creationId="{9FE5F8D1-AC54-3C3F-FF5D-3996FB214FDD}"/>
-          </ac:spMkLst>
-        </pc:spChg>
-      </pc:sldChg>
-      <pc:sldChg chg="addSp modSp">
-        <pc:chgData name="Georg P" userId="53d5f090c11d6345" providerId="Windows Live" clId="Web-{E3EB7CE3-B7CF-A62C-CCB9-60DEDDC237EE}" dt="2025-01-09T15:10:04.901" v="120" actId="20577"/>
-        <pc:sldMkLst>
-          <pc:docMk/>
-          <pc:sldMk cId="2724192011" sldId="271"/>
-        </pc:sldMkLst>
-        <pc:spChg chg="add mod">
-          <ac:chgData name="Georg P" userId="53d5f090c11d6345" providerId="Windows Live" clId="Web-{E3EB7CE3-B7CF-A62C-CCB9-60DEDDC237EE}" dt="2025-01-09T15:10:04.901" v="120" actId="20577"/>
-          <ac:spMkLst>
-            <pc:docMk/>
-            <pc:sldMk cId="2724192011" sldId="271"/>
-            <ac:spMk id="5" creationId="{ACD473AE-AD85-438B-5D31-23FA612120E3}"/>
-          </ac:spMkLst>
-        </pc:spChg>
-      </pc:sldChg>
-      <pc:sldChg chg="addSp modSp">
-        <pc:chgData name="Georg P" userId="53d5f090c11d6345" providerId="Windows Live" clId="Web-{E3EB7CE3-B7CF-A62C-CCB9-60DEDDC237EE}" dt="2025-01-09T15:09:01.071" v="34" actId="1076"/>
-        <pc:sldMkLst>
-          <pc:docMk/>
-          <pc:sldMk cId="767064345" sldId="273"/>
-        </pc:sldMkLst>
-        <pc:spChg chg="mod">
-          <ac:chgData name="Georg P" userId="53d5f090c11d6345" providerId="Windows Live" clId="Web-{E3EB7CE3-B7CF-A62C-CCB9-60DEDDC237EE}" dt="2025-01-09T15:08:11.663" v="10" actId="1076"/>
-          <ac:spMkLst>
-            <pc:docMk/>
-            <pc:sldMk cId="767064345" sldId="273"/>
-            <ac:spMk id="2" creationId="{20FC69B5-48D2-4C14-C348-CFC4931FD38A}"/>
-          </ac:spMkLst>
-        </pc:spChg>
-        <pc:spChg chg="mod">
-          <ac:chgData name="Georg P" userId="53d5f090c11d6345" providerId="Windows Live" clId="Web-{E3EB7CE3-B7CF-A62C-CCB9-60DEDDC237EE}" dt="2025-01-09T15:08:24.789" v="15" actId="20577"/>
-          <ac:spMkLst>
-            <pc:docMk/>
-            <pc:sldMk cId="767064345" sldId="273"/>
-            <ac:spMk id="3" creationId="{4CE6DA70-5ED9-740E-8B84-BA7E3A128781}"/>
-          </ac:spMkLst>
-        </pc:spChg>
-        <pc:spChg chg="add mod">
-          <ac:chgData name="Georg P" userId="53d5f090c11d6345" providerId="Windows Live" clId="Web-{E3EB7CE3-B7CF-A62C-CCB9-60DEDDC237EE}" dt="2025-01-09T15:09:01.071" v="34" actId="1076"/>
-          <ac:spMkLst>
-            <pc:docMk/>
-            <pc:sldMk cId="767064345" sldId="273"/>
-            <ac:spMk id="6" creationId="{8DBD5D5B-06F5-213F-4F9C-2CD752AA9F26}"/>
-          </ac:spMkLst>
-        </pc:spChg>
-        <pc:grpChg chg="mod">
-          <ac:chgData name="Georg P" userId="53d5f090c11d6345" providerId="Windows Live" clId="Web-{E3EB7CE3-B7CF-A62C-CCB9-60DEDDC237EE}" dt="2025-01-09T15:08:22.023" v="12" actId="1076"/>
-          <ac:grpSpMkLst>
-            <pc:docMk/>
-            <pc:sldMk cId="767064345" sldId="273"/>
-            <ac:grpSpMk id="5" creationId="{334D4C06-04BE-E866-15BB-83A88A253F92}"/>
-          </ac:grpSpMkLst>
-        </pc:grpChg>
-        <pc:graphicFrameChg chg="mod modGraphic">
-          <ac:chgData name="Georg P" userId="53d5f090c11d6345" providerId="Windows Live" clId="Web-{E3EB7CE3-B7CF-A62C-CCB9-60DEDDC237EE}" dt="2025-01-09T15:08:21.976" v="11" actId="1076"/>
-          <ac:graphicFrameMkLst>
-            <pc:docMk/>
-            <pc:sldMk cId="767064345" sldId="273"/>
-            <ac:graphicFrameMk id="4" creationId="{2D65E9D7-338B-87D8-49A4-7D5A32E7A8ED}"/>
-          </ac:graphicFrameMkLst>
-        </pc:graphicFrameChg>
-      </pc:sldChg>
-      <pc:sldChg chg="addSp modSp">
-        <pc:chgData name="Georg P" userId="53d5f090c11d6345" providerId="Windows Live" clId="Web-{E3EB7CE3-B7CF-A62C-CCB9-60DEDDC237EE}" dt="2025-01-09T15:09:56.354" v="105" actId="1076"/>
-        <pc:sldMkLst>
-          <pc:docMk/>
-          <pc:sldMk cId="247480324" sldId="280"/>
-        </pc:sldMkLst>
-        <pc:spChg chg="add mod">
-          <ac:chgData name="Georg P" userId="53d5f090c11d6345" providerId="Windows Live" clId="Web-{E3EB7CE3-B7CF-A62C-CCB9-60DEDDC237EE}" dt="2025-01-09T15:09:56.354" v="105" actId="1076"/>
-          <ac:spMkLst>
-            <pc:docMk/>
-            <pc:sldMk cId="247480324" sldId="280"/>
-            <ac:spMk id="5" creationId="{37A8797B-7C54-DF99-34BB-B5AD38258131}"/>
-          </ac:spMkLst>
-        </pc:spChg>
-      </pc:sldChg>
-      <pc:sldChg chg="addSp modSp new ord">
-        <pc:chgData name="Georg P" userId="53d5f090c11d6345" providerId="Windows Live" clId="Web-{E3EB7CE3-B7CF-A62C-CCB9-60DEDDC237EE}" dt="2025-01-09T15:09:42.994" v="101" actId="1076"/>
-        <pc:sldMkLst>
-          <pc:docMk/>
-          <pc:sldMk cId="341005238" sldId="281"/>
-        </pc:sldMkLst>
-        <pc:spChg chg="add mod">
-          <ac:chgData name="Georg P" userId="53d5f090c11d6345" providerId="Windows Live" clId="Web-{E3EB7CE3-B7CF-A62C-CCB9-60DEDDC237EE}" dt="2025-01-09T15:09:42.994" v="101" actId="1076"/>
-          <ac:spMkLst>
-            <pc:docMk/>
-            <pc:sldMk cId="341005238" sldId="281"/>
-            <ac:spMk id="5" creationId="{1DB0201F-29C5-2B46-8740-EC9900921B7F}"/>
-          </ac:spMkLst>
-        </pc:spChg>
-      </pc:sldChg>
-    </pc:docChg>
-  </pc:docChgLst>
-</pc:chgInfo>
 </file>
 
 <file path=ppt/slideLayouts/slideLayout1.xml><?xml version="1.0" encoding="utf-8"?>
@@ -1125,7 +269,7 @@
           <a:p>
             <a:fld id="{846CE7D5-CF57-46EF-B807-FDD0502418D4}" type="datetimeFigureOut">
               <a:rPr lang="en-GB" smtClean="0"/>
-              <a:t>11/01/2025</a:t>
+              <a:t>12/01/2025</a:t>
             </a:fld>
             <a:endParaRPr lang="en-GB"/>
           </a:p>
@@ -1167,7 +311,7 @@
           <a:p>
             <a:fld id="{330EA680-D336-4FF7-8B7A-9848BB0A1C32}" type="slidenum">
               <a:rPr lang="en-GB" smtClean="0"/>
-              <a:t>‹#›</a:t>
+              <a:t>‹Nr.›</a:t>
             </a:fld>
             <a:endParaRPr lang="en-GB"/>
           </a:p>
@@ -1293,7 +437,7 @@
           <a:p>
             <a:fld id="{846CE7D5-CF57-46EF-B807-FDD0502418D4}" type="datetimeFigureOut">
               <a:rPr lang="en-GB" smtClean="0"/>
-              <a:t>11/01/2025</a:t>
+              <a:t>12/01/2025</a:t>
             </a:fld>
             <a:endParaRPr lang="en-GB"/>
           </a:p>
@@ -1335,7 +479,7 @@
           <a:p>
             <a:fld id="{330EA680-D336-4FF7-8B7A-9848BB0A1C32}" type="slidenum">
               <a:rPr lang="en-GB" smtClean="0"/>
-              <a:t>‹#›</a:t>
+              <a:t>‹Nr.›</a:t>
             </a:fld>
             <a:endParaRPr lang="en-GB"/>
           </a:p>
@@ -1471,7 +615,7 @@
           <a:p>
             <a:fld id="{846CE7D5-CF57-46EF-B807-FDD0502418D4}" type="datetimeFigureOut">
               <a:rPr lang="en-GB" smtClean="0"/>
-              <a:t>11/01/2025</a:t>
+              <a:t>12/01/2025</a:t>
             </a:fld>
             <a:endParaRPr lang="en-GB"/>
           </a:p>
@@ -1513,7 +657,7 @@
           <a:p>
             <a:fld id="{330EA680-D336-4FF7-8B7A-9848BB0A1C32}" type="slidenum">
               <a:rPr lang="en-GB" smtClean="0"/>
-              <a:t>‹#›</a:t>
+              <a:t>‹Nr.›</a:t>
             </a:fld>
             <a:endParaRPr lang="en-GB"/>
           </a:p>
@@ -1639,7 +783,7 @@
           <a:p>
             <a:fld id="{846CE7D5-CF57-46EF-B807-FDD0502418D4}" type="datetimeFigureOut">
               <a:rPr lang="en-GB" smtClean="0"/>
-              <a:t>11/01/2025</a:t>
+              <a:t>12/01/2025</a:t>
             </a:fld>
             <a:endParaRPr lang="en-GB"/>
           </a:p>
@@ -1681,7 +825,7 @@
           <a:p>
             <a:fld id="{330EA680-D336-4FF7-8B7A-9848BB0A1C32}" type="slidenum">
               <a:rPr lang="en-GB" smtClean="0"/>
-              <a:t>‹#›</a:t>
+              <a:t>‹Nr.›</a:t>
             </a:fld>
             <a:endParaRPr lang="en-GB"/>
           </a:p>
@@ -1884,7 +1028,7 @@
           <a:p>
             <a:fld id="{846CE7D5-CF57-46EF-B807-FDD0502418D4}" type="datetimeFigureOut">
               <a:rPr lang="en-GB" smtClean="0"/>
-              <a:t>11/01/2025</a:t>
+              <a:t>12/01/2025</a:t>
             </a:fld>
             <a:endParaRPr lang="en-GB"/>
           </a:p>
@@ -1926,7 +1070,7 @@
           <a:p>
             <a:fld id="{330EA680-D336-4FF7-8B7A-9848BB0A1C32}" type="slidenum">
               <a:rPr lang="en-GB" smtClean="0"/>
-              <a:t>‹#›</a:t>
+              <a:t>‹Nr.›</a:t>
             </a:fld>
             <a:endParaRPr lang="en-GB"/>
           </a:p>
@@ -2113,7 +1257,7 @@
           <a:p>
             <a:fld id="{846CE7D5-CF57-46EF-B807-FDD0502418D4}" type="datetimeFigureOut">
               <a:rPr lang="en-GB" smtClean="0"/>
-              <a:t>11/01/2025</a:t>
+              <a:t>12/01/2025</a:t>
             </a:fld>
             <a:endParaRPr lang="en-GB"/>
           </a:p>
@@ -2155,7 +1299,7 @@
           <a:p>
             <a:fld id="{330EA680-D336-4FF7-8B7A-9848BB0A1C32}" type="slidenum">
               <a:rPr lang="en-GB" smtClean="0"/>
-              <a:t>‹#›</a:t>
+              <a:t>‹Nr.›</a:t>
             </a:fld>
             <a:endParaRPr lang="en-GB"/>
           </a:p>
@@ -2477,7 +1621,7 @@
           <a:p>
             <a:fld id="{846CE7D5-CF57-46EF-B807-FDD0502418D4}" type="datetimeFigureOut">
               <a:rPr lang="en-GB" smtClean="0"/>
-              <a:t>11/01/2025</a:t>
+              <a:t>12/01/2025</a:t>
             </a:fld>
             <a:endParaRPr lang="en-GB"/>
           </a:p>
@@ -2519,7 +1663,7 @@
           <a:p>
             <a:fld id="{330EA680-D336-4FF7-8B7A-9848BB0A1C32}" type="slidenum">
               <a:rPr lang="en-GB" smtClean="0"/>
-              <a:t>‹#›</a:t>
+              <a:t>‹Nr.›</a:t>
             </a:fld>
             <a:endParaRPr lang="en-GB"/>
           </a:p>
@@ -2594,7 +1738,7 @@
           <a:p>
             <a:fld id="{846CE7D5-CF57-46EF-B807-FDD0502418D4}" type="datetimeFigureOut">
               <a:rPr lang="en-GB" smtClean="0"/>
-              <a:t>11/01/2025</a:t>
+              <a:t>12/01/2025</a:t>
             </a:fld>
             <a:endParaRPr lang="en-GB"/>
           </a:p>
@@ -2636,7 +1780,7 @@
           <a:p>
             <a:fld id="{330EA680-D336-4FF7-8B7A-9848BB0A1C32}" type="slidenum">
               <a:rPr lang="en-GB" smtClean="0"/>
-              <a:t>‹#›</a:t>
+              <a:t>‹Nr.›</a:t>
             </a:fld>
             <a:endParaRPr lang="en-GB"/>
           </a:p>
@@ -2689,7 +1833,7 @@
           <a:p>
             <a:fld id="{846CE7D5-CF57-46EF-B807-FDD0502418D4}" type="datetimeFigureOut">
               <a:rPr lang="en-GB" smtClean="0"/>
-              <a:t>11/01/2025</a:t>
+              <a:t>12/01/2025</a:t>
             </a:fld>
             <a:endParaRPr lang="en-GB"/>
           </a:p>
@@ -2731,7 +1875,7 @@
           <a:p>
             <a:fld id="{330EA680-D336-4FF7-8B7A-9848BB0A1C32}" type="slidenum">
               <a:rPr lang="en-GB" smtClean="0"/>
-              <a:t>‹#›</a:t>
+              <a:t>‹Nr.›</a:t>
             </a:fld>
             <a:endParaRPr lang="en-GB"/>
           </a:p>
@@ -2964,7 +2108,7 @@
           <a:p>
             <a:fld id="{846CE7D5-CF57-46EF-B807-FDD0502418D4}" type="datetimeFigureOut">
               <a:rPr lang="en-GB" smtClean="0"/>
-              <a:t>11/01/2025</a:t>
+              <a:t>12/01/2025</a:t>
             </a:fld>
             <a:endParaRPr lang="en-GB"/>
           </a:p>
@@ -3006,7 +2150,7 @@
           <a:p>
             <a:fld id="{330EA680-D336-4FF7-8B7A-9848BB0A1C32}" type="slidenum">
               <a:rPr lang="en-GB" smtClean="0"/>
-              <a:t>‹#›</a:t>
+              <a:t>‹Nr.›</a:t>
             </a:fld>
             <a:endParaRPr lang="en-GB"/>
           </a:p>
@@ -3219,7 +2363,7 @@
           <a:p>
             <a:fld id="{846CE7D5-CF57-46EF-B807-FDD0502418D4}" type="datetimeFigureOut">
               <a:rPr lang="en-GB" smtClean="0"/>
-              <a:t>11/01/2025</a:t>
+              <a:t>12/01/2025</a:t>
             </a:fld>
             <a:endParaRPr lang="en-GB"/>
           </a:p>
@@ -3261,7 +2405,7 @@
           <a:p>
             <a:fld id="{330EA680-D336-4FF7-8B7A-9848BB0A1C32}" type="slidenum">
               <a:rPr lang="en-GB" smtClean="0"/>
-              <a:t>‹#›</a:t>
+              <a:t>‹Nr.›</a:t>
             </a:fld>
             <a:endParaRPr lang="en-GB"/>
           </a:p>
@@ -3430,7 +2574,7 @@
           <a:p>
             <a:fld id="{846CE7D5-CF57-46EF-B807-FDD0502418D4}" type="datetimeFigureOut">
               <a:rPr lang="en-GB" smtClean="0"/>
-              <a:t>11/01/2025</a:t>
+              <a:t>12/01/2025</a:t>
             </a:fld>
             <a:endParaRPr lang="en-GB"/>
           </a:p>
@@ -3508,7 +2652,7 @@
           <a:p>
             <a:fld id="{330EA680-D336-4FF7-8B7A-9848BB0A1C32}" type="slidenum">
               <a:rPr lang="en-GB" smtClean="0"/>
-              <a:t>‹#›</a:t>
+              <a:t>‹Nr.›</a:t>
             </a:fld>
             <a:endParaRPr lang="en-GB"/>
           </a:p>
@@ -3851,10 +2995,9 @@
           <a:lstStyle/>
           <a:p>
             <a:r>
-              <a:rPr lang="en-GB"/>
+              <a:rPr lang="en-GB" b="1" dirty="0"/>
               <a:t> Data Driven Foresight</a:t>
             </a:r>
-            <a:endParaRPr lang="en-GB" err="1"/>
           </a:p>
         </p:txBody>
       </p:sp>
@@ -3876,23 +3019,31 @@
           <a:lstStyle/>
           <a:p>
             <a:r>
-              <a:rPr lang="en-GB" sz="3200"/>
+              <a:rPr lang="en-GB" sz="3200" dirty="0"/>
               <a:t>Topic: Self-Healing Materials </a:t>
             </a:r>
           </a:p>
           <a:p>
-            <a:endParaRPr lang="en-GB" sz="3200"/>
-          </a:p>
-          <a:p>
-            <a:r>
-              <a:rPr lang="en-GB" sz="2000"/>
-              <a:t>Presentation by Liang, Puntigam, </a:t>
-            </a:r>
-            <a:r>
-              <a:rPr lang="en-GB" sz="2000" err="1"/>
+            <a:endParaRPr lang="en-GB" sz="3200" dirty="0"/>
+          </a:p>
+          <a:p>
+            <a:r>
+              <a:rPr lang="en-GB" sz="2000" dirty="0"/>
+              <a:t>Presentation by Liang, </a:t>
+            </a:r>
+            <a:r>
+              <a:rPr lang="en-GB" sz="2000" dirty="0" err="1"/>
+              <a:t>Puntigam</a:t>
+            </a:r>
+            <a:r>
+              <a:rPr lang="en-GB" sz="2000" dirty="0"/>
+              <a:t>, </a:t>
+            </a:r>
+            <a:r>
+              <a:rPr lang="en-GB" sz="2000" dirty="0" err="1"/>
               <a:t>Yousofi</a:t>
             </a:r>
-            <a:endParaRPr lang="en-GB" sz="2000"/>
+            <a:endParaRPr lang="en-GB" sz="2000" dirty="0"/>
           </a:p>
         </p:txBody>
       </p:sp>
@@ -4296,7 +3447,7 @@
           <a:lstStyle/>
           <a:p>
             <a:r>
-              <a:rPr lang="en-GB"/>
+              <a:rPr lang="en-GB" b="1" dirty="0"/>
               <a:t>Polymers</a:t>
             </a:r>
           </a:p>
@@ -4394,7 +3545,7 @@
           <a:lstStyle/>
           <a:p>
             <a:r>
-              <a:rPr lang="en-GB"/>
+              <a:rPr lang="en-GB" b="1" dirty="0"/>
               <a:t>Institutes with most publications affiliated to them regarding polymer materials</a:t>
             </a:r>
           </a:p>
@@ -4432,8 +3583,8 @@
               <a:buChar char="•"/>
             </a:pPr>
             <a:r>
-              <a:rPr lang="en-GB"/>
-              <a:t>The institute with the most affiliations has more than twice the amount of affiliations as the institute with the second most affiliations</a:t>
+              <a:rPr lang="en-GB" dirty="0"/>
+              <a:t>The institute with the most affiliations has more than twice the number of affiliations as the institute with the second-highest number</a:t>
             </a:r>
           </a:p>
           <a:p>
@@ -4441,7 +3592,7 @@
               <a:buChar char="•"/>
             </a:pPr>
             <a:r>
-              <a:rPr lang="en-GB"/>
+              <a:rPr lang="en-GB" dirty="0"/>
               <a:t>Most institutes are located in China</a:t>
             </a:r>
           </a:p>
@@ -4450,8 +3601,8 @@
               <a:buChar char="•"/>
             </a:pPr>
             <a:r>
-              <a:rPr lang="en-GB"/>
-              <a:t>The Chinese Academy of Sciences (CAS) is listed under three different names, possibly to different translations to English:</a:t>
+              <a:rPr lang="en-GB" dirty="0"/>
+              <a:t>The Chinese Academy of Sciences (CAS) appears under three different names, possibly due to translation variations:</a:t>
             </a:r>
           </a:p>
           <a:p>
@@ -4460,7 +3611,7 @@
               <a:buChar char="o"/>
             </a:pPr>
             <a:r>
-              <a:rPr lang="en-GB"/>
+              <a:rPr lang="en-GB" dirty="0"/>
               <a:t>Chinese Academy of Sciences</a:t>
             </a:r>
           </a:p>
@@ -4470,7 +3621,7 @@
               <a:buChar char="o"/>
             </a:pPr>
             <a:r>
-              <a:rPr lang="en-GB"/>
+              <a:rPr lang="en-GB" dirty="0"/>
               <a:t>University of Chinese Academy of Sciences CAS</a:t>
             </a:r>
           </a:p>
@@ -4480,7 +3631,7 @@
               <a:buChar char="o"/>
             </a:pPr>
             <a:r>
-              <a:rPr lang="en-GB"/>
+              <a:rPr lang="en-GB" dirty="0"/>
               <a:t>University of Science Technology of China CAS</a:t>
             </a:r>
           </a:p>
@@ -4488,10 +3639,10 @@
       </p:sp>
       <p:pic>
         <p:nvPicPr>
-          <p:cNvPr id="5" name="Content Placeholder 4">
+          <p:cNvPr id="10" name="Inhaltsplatzhalter 9" descr="Ein Bild, das Text, Screenshot, Schrift, parallel enthält.&#10;&#10;Beschreibung automatisch generiert.">
             <a:extLst>
               <a:ext uri="{FF2B5EF4-FFF2-40B4-BE49-F238E27FC236}">
-                <a16:creationId xmlns:a16="http://schemas.microsoft.com/office/drawing/2014/main" id="{520886D8-FDE6-7DA1-8134-13CE69B3EA34}"/>
+                <a16:creationId xmlns:a16="http://schemas.microsoft.com/office/drawing/2014/main" id="{F14A3029-C9F7-E342-BE81-7E0EF6096C94}"/>
               </a:ext>
             </a:extLst>
           </p:cNvPr>
@@ -4580,7 +3731,7 @@
           <a:lstStyle/>
           <a:p>
             <a:r>
-              <a:rPr lang="en-GB"/>
+              <a:rPr lang="en-GB" b="1" dirty="0"/>
               <a:t>Institutes with most publications affiliated to them regarding polymer materials</a:t>
             </a:r>
           </a:p>
@@ -4618,7 +3769,7 @@
               <a:buChar char="•"/>
             </a:pPr>
             <a:r>
-              <a:rPr lang="en-GB"/>
+              <a:rPr lang="en-GB" dirty="0"/>
               <a:t>Chinese Academy of Science is a research organization, while others are university branches situated in Beijing and Hefei respectively</a:t>
             </a:r>
           </a:p>
@@ -4628,17 +3779,17 @@
               <a:buChar char="•"/>
             </a:pPr>
             <a:r>
-              <a:rPr lang="en-GB"/>
-              <a:t>Publications mentioned under variations of CAS are all included in “Chinese Academy of Sciences” </a:t>
-            </a:r>
-            <a:r>
-              <a:rPr lang="en-GB">
+              <a:rPr lang="en-GB" dirty="0"/>
+              <a:t>Publications attributed to variations of CAS have been consolidated under “Chinese Academy of Sciences” </a:t>
+            </a:r>
+            <a:r>
+              <a:rPr lang="en-GB" dirty="0">
                 <a:sym typeface="Wingdings" panose="05000000000000000000" pitchFamily="2" charset="2"/>
               </a:rPr>
               <a:t> </a:t>
             </a:r>
             <a:r>
-              <a:rPr lang="en-GB"/>
+              <a:rPr lang="en-GB" dirty="0"/>
               <a:t>others have thus been omitted</a:t>
             </a:r>
           </a:p>
@@ -4646,10 +3797,10 @@
       </p:sp>
       <p:pic>
         <p:nvPicPr>
-          <p:cNvPr id="5" name="Content Placeholder 4">
+          <p:cNvPr id="10" name="Inhaltsplatzhalter 9">
             <a:extLst>
               <a:ext uri="{FF2B5EF4-FFF2-40B4-BE49-F238E27FC236}">
-                <a16:creationId xmlns:a16="http://schemas.microsoft.com/office/drawing/2014/main" id="{48B9779D-3141-F267-BFD8-5618C9118D7E}"/>
+                <a16:creationId xmlns:a16="http://schemas.microsoft.com/office/drawing/2014/main" id="{276A2A0E-D6E4-1873-4913-402771CD7DD9}"/>
               </a:ext>
             </a:extLst>
           </p:cNvPr>
@@ -4732,7 +3883,7 @@
           <a:lstStyle/>
           <a:p>
             <a:r>
-              <a:rPr lang="en-GB"/>
+              <a:rPr lang="en-GB" b="1" dirty="0"/>
               <a:t>Countries with most publications affiliated to them regarding polymer materials</a:t>
             </a:r>
           </a:p>
@@ -4767,34 +3918,55 @@
           <a:lstStyle/>
           <a:p>
             <a:pPr marL="285750" indent="-285750">
+              <a:buFont typeface="Arial" panose="020B0604020202020204" pitchFamily="34" charset="0"/>
               <a:buChar char="•"/>
             </a:pPr>
             <a:r>
-              <a:rPr lang="en-GB"/>
-              <a:t>Most papers are published with affiliations to China or USA </a:t>
-            </a:r>
-            <a:endParaRPr lang="en-US"/>
+              <a:rPr lang="en-GB" dirty="0"/>
+              <a:t>Most papers are </a:t>
+            </a:r>
+            <a:r>
+              <a:rPr lang="de-DE" dirty="0" err="1"/>
+              <a:t>affiliated</a:t>
+            </a:r>
+            <a:r>
+              <a:rPr lang="en-GB" dirty="0"/>
+              <a:t> with institutions in </a:t>
+            </a:r>
+            <a:r>
+              <a:rPr lang="en-GB" b="1" dirty="0"/>
+              <a:t>China</a:t>
+            </a:r>
+            <a:r>
+              <a:rPr lang="en-GB" dirty="0"/>
+              <a:t> and the </a:t>
+            </a:r>
+            <a:r>
+              <a:rPr lang="en-GB" b="1" dirty="0"/>
+              <a:t>USA</a:t>
+            </a:r>
+            <a:endParaRPr lang="en-US" b="1" dirty="0"/>
           </a:p>
           <a:p>
             <a:pPr marL="285750" indent="-285750">
               <a:buChar char="•"/>
             </a:pPr>
-            <a:endParaRPr lang="en-GB"/>
+            <a:endParaRPr lang="en-GB" dirty="0"/>
           </a:p>
           <a:p>
             <a:pPr marL="285750" indent="-285750">
               <a:buChar char="•"/>
             </a:pPr>
-            <a:endParaRPr lang="en-GB"/>
+            <a:endParaRPr lang="en-GB" dirty="0"/>
           </a:p>
         </p:txBody>
       </p:sp>
       <p:pic>
         <p:nvPicPr>
-          <p:cNvPr id="5" name="Content Placeholder 4" descr="A graph of a number of publications&#10;&#10;Description automatically generated">
+          <p:cNvPr id="11" name="Inhaltsplatzhalter 10" descr="Ein Bild, das Text, Screenshot, Diagramm, Reihe enthält.&#10;&#10;Beschreibung automatisch generiert.">
             <a:extLst>
               <a:ext uri="{FF2B5EF4-FFF2-40B4-BE49-F238E27FC236}">
-                <a16:creationId xmlns:a16="http://schemas.microsoft.com/office/drawing/2014/main" id="{5914075A-C816-6CA2-F6AB-4348D64F1C71}"/>
+                <a16:creationId xmlns:a16="http://schemas.microsoft.com/office/drawing/2014/main" id="{881C3648-A168-860A-F85E-A21D2C19BE83}"/>
               </a:ext>
             </a:extLst>
           </p:cNvPr>
@@ -4877,7 +4049,7 @@
           <a:lstStyle/>
           <a:p>
             <a:r>
-              <a:rPr lang="en-GB"/>
+              <a:rPr lang="en-GB" b="1" dirty="0"/>
               <a:t>Countries with most publications affiliated to them regarding polymer materials, scaled by population</a:t>
             </a:r>
           </a:p>
@@ -4915,8 +4087,8 @@
               <a:buChar char="•"/>
             </a:pPr>
             <a:r>
-              <a:rPr lang="en-GB"/>
-              <a:t>When compared to their population, Singapore and Belgium and the Netherlands have the most publications affiliated to them</a:t>
+              <a:rPr lang="en-GB" dirty="0"/>
+              <a:t>When adjusted for population size, Singapore, Belgium, and the Netherlands have the highest number of publications affiliated to them</a:t>
             </a:r>
           </a:p>
           <a:p>
@@ -4924,11 +4096,11 @@
               <a:buChar char="•"/>
             </a:pPr>
             <a:r>
-              <a:rPr lang="en-GB"/>
-              <a:t>Population data taken from </a:t>
-            </a:r>
-            <a:r>
-              <a:rPr lang="en-GB">
+              <a:rPr lang="en-GB" dirty="0"/>
+              <a:t>Population data is sourced from </a:t>
+            </a:r>
+            <a:r>
+              <a:rPr lang="en-GB" dirty="0">
                 <a:ea typeface="+mn-lt"/>
                 <a:cs typeface="+mn-lt"/>
                 <a:hlinkClick r:id="rId2"/>
@@ -4936,13 +4108,13 @@
               <a:t>www.census.gov</a:t>
             </a:r>
             <a:r>
-              <a:rPr lang="en-GB">
+              <a:rPr lang="en-GB" dirty="0">
                 <a:ea typeface="+mn-lt"/>
                 <a:cs typeface="+mn-lt"/>
               </a:rPr>
-              <a:t> in January 2025</a:t>
-            </a:r>
-            <a:endParaRPr lang="en-GB"/>
+              <a:t> (January 2025)</a:t>
+            </a:r>
+            <a:endParaRPr lang="en-GB" dirty="0"/>
           </a:p>
         </p:txBody>
       </p:sp>
@@ -5021,16 +4193,27 @@
             <p:ph type="title"/>
           </p:nvPr>
         </p:nvSpPr>
-        <p:spPr/>
-        <p:txBody>
-          <a:bodyPr/>
+        <p:spPr>
+          <a:xfrm>
+            <a:off x="834561" y="1244006"/>
+            <a:ext cx="3937464" cy="643270"/>
+          </a:xfrm>
+        </p:spPr>
+        <p:txBody>
+          <a:bodyPr>
+            <a:normAutofit/>
+          </a:bodyPr>
           <a:lstStyle/>
           <a:p>
             <a:r>
-              <a:rPr lang="en-US" err="1"/>
+              <a:rPr lang="en-US" sz="2400" b="1" dirty="0" err="1"/>
               <a:t>Espacenet</a:t>
             </a:r>
-            <a:endParaRPr lang="en-DE"/>
+            <a:r>
+              <a:rPr lang="en-US" sz="2400" b="1" dirty="0"/>
+              <a:t> data:</a:t>
+            </a:r>
+            <a:endParaRPr lang="en-DE" sz="2800" b="1"/>
           </a:p>
         </p:txBody>
       </p:sp>
@@ -5065,7 +4248,7 @@
             </a:r>
             <a:r>
               <a:rPr lang="en-US" dirty="0"/>
-              <a:t> increase starting from 2005</a:t>
+              <a:t> increase in activity began in 2005</a:t>
             </a:r>
           </a:p>
           <a:p>
@@ -5074,8 +4257,12 @@
               <a:buChar char="•"/>
             </a:pPr>
             <a:r>
+              <a:rPr lang="en-US" b="1" dirty="0"/>
+              <a:t>Exponential growth</a:t>
+            </a:r>
+            <a:r>
               <a:rPr lang="en-US" dirty="0"/>
-              <a:t>Exponential growth from 2014 onward</a:t>
+              <a:t> from 2014 onward</a:t>
             </a:r>
           </a:p>
           <a:p>
@@ -5085,7 +4272,7 @@
             </a:pPr>
             <a:r>
               <a:rPr lang="en-US" dirty="0"/>
-              <a:t>Small drop in 2022 in an otherwise steep upward trajectory</a:t>
+              <a:t>Small drop occurred in 2022 in an otherwise steep upward trajectory</a:t>
             </a:r>
             <a:br>
               <a:rPr lang="en-US" dirty="0"/>
@@ -5094,9 +4281,15 @@
               <a:rPr lang="en-US" dirty="0">
                 <a:sym typeface="Wingdings" panose="05000000000000000000" pitchFamily="2" charset="2"/>
               </a:rPr>
-              <a:t> likely due to COVID-19</a:t>
-            </a:r>
-            <a:endParaRPr lang="en-DE" dirty="0"/>
+              <a:t> likely due to </a:t>
+            </a:r>
+            <a:r>
+              <a:rPr lang="en-US" b="1" dirty="0">
+                <a:sym typeface="Wingdings" panose="05000000000000000000" pitchFamily="2" charset="2"/>
+              </a:rPr>
+              <a:t>COVID-19</a:t>
+            </a:r>
+            <a:endParaRPr lang="en-DE" b="1" dirty="0"/>
           </a:p>
         </p:txBody>
       </p:sp>
@@ -5129,6 +4322,126 @@
           </a:xfrm>
         </p:spPr>
       </p:pic>
+      <p:sp>
+        <p:nvSpPr>
+          <p:cNvPr id="3" name="Title 1">
+            <a:extLst>
+              <a:ext uri="{FF2B5EF4-FFF2-40B4-BE49-F238E27FC236}">
+                <a16:creationId xmlns:a16="http://schemas.microsoft.com/office/drawing/2014/main" id="{75D8F28F-5F05-9710-C8A7-3EDBEE7074D6}"/>
+              </a:ext>
+            </a:extLst>
+          </p:cNvPr>
+          <p:cNvSpPr txBox="1">
+            <a:spLocks/>
+          </p:cNvSpPr>
+          <p:nvPr/>
+        </p:nvSpPr>
+        <p:spPr>
+          <a:xfrm>
+            <a:off x="839788" y="457200"/>
+            <a:ext cx="10517651" cy="1048835"/>
+          </a:xfrm>
+          <a:prstGeom prst="rect">
+            <a:avLst/>
+          </a:prstGeom>
+        </p:spPr>
+        <p:txBody>
+          <a:bodyPr vert="horz" lIns="91440" tIns="45720" rIns="91440" bIns="45720" rtlCol="0" anchor="t">
+            <a:normAutofit/>
+          </a:bodyPr>
+          <a:lstStyle>
+            <a:lvl1pPr algn="l" defTabSz="914400" rtl="0" eaLnBrk="1" latinLnBrk="0" hangingPunct="1">
+              <a:lnSpc>
+                <a:spcPct val="90000"/>
+              </a:lnSpc>
+              <a:spcBef>
+                <a:spcPct val="0"/>
+              </a:spcBef>
+              <a:buNone/>
+              <a:defRPr sz="3200" kern="1200">
+                <a:solidFill>
+                  <a:schemeClr val="tx1"/>
+                </a:solidFill>
+                <a:latin typeface="+mj-lt"/>
+                <a:ea typeface="+mj-ea"/>
+                <a:cs typeface="+mj-cs"/>
+              </a:defRPr>
+            </a:lvl1pPr>
+          </a:lstStyle>
+          <a:p>
+            <a:r>
+              <a:rPr lang="de-DE" b="1" dirty="0" err="1"/>
+              <a:t>Exponential</a:t>
+            </a:r>
+            <a:r>
+              <a:rPr lang="de-DE" b="1" dirty="0"/>
+              <a:t> </a:t>
+            </a:r>
+            <a:r>
+              <a:rPr lang="de-DE" b="1" dirty="0" err="1"/>
+              <a:t>growth</a:t>
+            </a:r>
+            <a:r>
+              <a:rPr lang="de-DE" b="1" dirty="0"/>
+              <a:t> in patent </a:t>
+            </a:r>
+            <a:r>
+              <a:rPr lang="de-DE" b="1" dirty="0" err="1"/>
+              <a:t>activity</a:t>
+            </a:r>
+            <a:endParaRPr lang="en-GB" b="1" dirty="0"/>
+          </a:p>
+        </p:txBody>
+      </p:sp>
+      <p:cxnSp>
+        <p:nvCxnSpPr>
+          <p:cNvPr id="7" name="Gerade Verbindung 6">
+            <a:extLst>
+              <a:ext uri="{FF2B5EF4-FFF2-40B4-BE49-F238E27FC236}">
+                <a16:creationId xmlns:a16="http://schemas.microsoft.com/office/drawing/2014/main" id="{DDAD23BE-4942-23FD-4252-4AA40D2DDC5D}"/>
+              </a:ext>
+            </a:extLst>
+          </p:cNvPr>
+          <p:cNvCxnSpPr>
+            <a:cxnSpLocks/>
+          </p:cNvCxnSpPr>
+          <p:nvPr/>
+        </p:nvCxnSpPr>
+        <p:spPr>
+          <a:xfrm>
+            <a:off x="9781953" y="1887276"/>
+            <a:ext cx="0" cy="3024000"/>
+          </a:xfrm>
+          <a:prstGeom prst="line">
+            <a:avLst/>
+          </a:prstGeom>
+          <a:ln w="19050" cap="flat" cmpd="sng" algn="ctr">
+            <a:solidFill>
+              <a:srgbClr val="FF0000">
+                <a:alpha val="39581"/>
+              </a:srgbClr>
+            </a:solidFill>
+            <a:prstDash val="dash"/>
+            <a:round/>
+            <a:headEnd type="none" w="med" len="med"/>
+            <a:tailEnd type="none" w="med" len="med"/>
+          </a:ln>
+        </p:spPr>
+        <p:style>
+          <a:lnRef idx="0">
+            <a:scrgbClr r="0" g="0" b="0"/>
+          </a:lnRef>
+          <a:fillRef idx="0">
+            <a:scrgbClr r="0" g="0" b="0"/>
+          </a:fillRef>
+          <a:effectRef idx="0">
+            <a:scrgbClr r="0" g="0" b="0"/>
+          </a:effectRef>
+          <a:fontRef idx="minor">
+            <a:schemeClr val="tx1"/>
+          </a:fontRef>
+        </p:style>
+      </p:cxnSp>
     </p:spTree>
     <p:extLst>
       <p:ext uri="{BB962C8B-B14F-4D97-AF65-F5344CB8AC3E}">
@@ -5187,106 +4500,102 @@
               <a:buChar char="•"/>
             </a:pPr>
             <a:r>
-              <a:rPr lang="de-DE" b="1"/>
+              <a:rPr lang="de-DE" b="1" dirty="0"/>
               <a:t>China </a:t>
             </a:r>
             <a:r>
-              <a:rPr lang="de-DE" b="1" err="1"/>
+              <a:rPr lang="de-DE" b="1" dirty="0" err="1"/>
               <a:t>leads</a:t>
             </a:r>
             <a:r>
-              <a:rPr lang="de-DE" b="1"/>
+              <a:rPr lang="de-DE" b="1" dirty="0"/>
               <a:t> </a:t>
             </a:r>
             <a:r>
-              <a:rPr lang="de-DE" b="1" err="1"/>
+              <a:rPr lang="de-DE" b="1" dirty="0" err="1"/>
               <a:t>globally</a:t>
             </a:r>
             <a:r>
-              <a:rPr lang="de-DE"/>
+              <a:rPr lang="de-DE" dirty="0"/>
               <a:t>, </a:t>
             </a:r>
             <a:r>
-              <a:rPr lang="de-DE" err="1"/>
+              <a:rPr lang="de-DE" dirty="0" err="1"/>
               <a:t>with</a:t>
             </a:r>
             <a:r>
-              <a:rPr lang="de-DE"/>
+              <a:rPr lang="de-DE" dirty="0"/>
               <a:t> </a:t>
             </a:r>
             <a:r>
-              <a:rPr lang="de-DE" err="1"/>
+              <a:rPr lang="de-DE" dirty="0" err="1"/>
               <a:t>the</a:t>
             </a:r>
             <a:r>
-              <a:rPr lang="de-DE"/>
+              <a:rPr lang="de-DE" dirty="0"/>
               <a:t> </a:t>
             </a:r>
             <a:r>
-              <a:rPr lang="de-DE" err="1"/>
+              <a:rPr lang="de-DE" dirty="0" err="1"/>
               <a:t>highest</a:t>
             </a:r>
             <a:r>
-              <a:rPr lang="de-DE"/>
+              <a:rPr lang="de-DE" dirty="0"/>
               <a:t> patent </a:t>
             </a:r>
             <a:r>
-              <a:rPr lang="de-DE" err="1"/>
+              <a:rPr lang="de-DE" dirty="0" err="1"/>
               <a:t>activity</a:t>
             </a:r>
             <a:r>
-              <a:rPr lang="de-DE"/>
+              <a:rPr lang="de-DE" dirty="0"/>
               <a:t> in </a:t>
             </a:r>
             <a:r>
-              <a:rPr lang="de-DE" err="1"/>
+              <a:rPr lang="de-DE" dirty="0" err="1"/>
               <a:t>self-healing</a:t>
             </a:r>
             <a:r>
-              <a:rPr lang="de-DE"/>
+              <a:rPr lang="de-DE" dirty="0"/>
               <a:t> </a:t>
             </a:r>
             <a:r>
-              <a:rPr lang="de-DE" err="1"/>
+              <a:rPr lang="de-DE" dirty="0" err="1"/>
               <a:t>materials</a:t>
             </a:r>
             <a:r>
-              <a:rPr lang="de-DE"/>
+              <a:rPr lang="de-DE" dirty="0"/>
               <a:t>, </a:t>
             </a:r>
             <a:r>
-              <a:rPr lang="de-DE" err="1"/>
+              <a:rPr lang="de-DE" dirty="0" err="1"/>
               <a:t>driven</a:t>
             </a:r>
             <a:r>
-              <a:rPr lang="de-DE"/>
+              <a:rPr lang="de-DE" dirty="0"/>
               <a:t> </a:t>
             </a:r>
             <a:r>
-              <a:rPr lang="de-DE" err="1"/>
+              <a:rPr lang="de-DE" dirty="0" err="1"/>
               <a:t>by</a:t>
             </a:r>
             <a:r>
-              <a:rPr lang="de-DE"/>
+              <a:rPr lang="de-DE" dirty="0"/>
               <a:t> strong </a:t>
             </a:r>
             <a:r>
-              <a:rPr lang="de-DE" err="1"/>
+              <a:rPr lang="de-DE" dirty="0" err="1"/>
               <a:t>innovation</a:t>
             </a:r>
             <a:r>
-              <a:rPr lang="de-DE"/>
+              <a:rPr lang="de-DE" dirty="0"/>
               <a:t> </a:t>
             </a:r>
             <a:r>
-              <a:rPr lang="de-DE" err="1"/>
+              <a:rPr lang="de-DE" dirty="0" err="1"/>
               <a:t>efforts</a:t>
             </a:r>
-            <a:r>
-              <a:rPr lang="de-DE"/>
-              <a:t>.</a:t>
-            </a:r>
-            <a:endParaRPr lang="en-US"/>
+            <a:endParaRPr lang="en-US" dirty="0"/>
           </a:p>
           <a:p>
             <a:pPr marL="285750" indent="-285750">
@@ -5294,54 +4603,54 @@
               <a:buChar char="•"/>
             </a:pPr>
             <a:r>
-              <a:rPr lang="de-DE" b="1"/>
+              <a:rPr lang="de-DE" b="1" dirty="0"/>
               <a:t>USA, South Korea, and Japan</a:t>
             </a:r>
             <a:r>
-              <a:rPr lang="de-DE"/>
+              <a:rPr lang="de-DE" dirty="0"/>
               <a:t> follow </a:t>
             </a:r>
             <a:r>
-              <a:rPr lang="de-DE" err="1"/>
+              <a:rPr lang="de-DE" dirty="0" err="1"/>
               <a:t>as</a:t>
             </a:r>
             <a:r>
-              <a:rPr lang="de-DE"/>
+              <a:rPr lang="de-DE" dirty="0"/>
               <a:t> </a:t>
             </a:r>
             <a:r>
-              <a:rPr lang="de-DE" err="1"/>
+              <a:rPr lang="de-DE" dirty="0" err="1"/>
               <a:t>key</a:t>
             </a:r>
             <a:r>
-              <a:rPr lang="de-DE"/>
+              <a:rPr lang="de-DE" dirty="0"/>
               <a:t> </a:t>
             </a:r>
             <a:r>
-              <a:rPr lang="de-DE" err="1"/>
+              <a:rPr lang="de-DE" dirty="0" err="1"/>
               <a:t>contributors</a:t>
             </a:r>
             <a:r>
-              <a:rPr lang="de-DE"/>
+              <a:rPr lang="de-DE" dirty="0"/>
               <a:t>, but </a:t>
             </a:r>
             <a:r>
-              <a:rPr lang="de-DE" err="1"/>
+              <a:rPr lang="de-DE" dirty="0" err="1"/>
               <a:t>far</a:t>
             </a:r>
             <a:r>
-              <a:rPr lang="de-DE"/>
+              <a:rPr lang="de-DE" dirty="0"/>
               <a:t> </a:t>
             </a:r>
             <a:r>
-              <a:rPr lang="de-DE" err="1"/>
+              <a:rPr lang="de-DE" dirty="0" err="1"/>
               <a:t>behind</a:t>
             </a:r>
             <a:r>
-              <a:rPr lang="de-DE"/>
-              <a:t> China.</a:t>
-            </a:r>
-            <a:endParaRPr lang="en-US"/>
+              <a:rPr lang="de-DE" dirty="0"/>
+              <a:t> China</a:t>
+            </a:r>
+            <a:endParaRPr lang="en-US" dirty="0"/>
           </a:p>
           <a:p>
             <a:pPr marL="285750" indent="-285750">
@@ -5349,86 +4658,82 @@
               <a:buChar char="•"/>
             </a:pPr>
             <a:r>
-              <a:rPr lang="de-DE" b="1"/>
+              <a:rPr lang="de-DE" b="1" dirty="0"/>
               <a:t>Europe lags</a:t>
             </a:r>
             <a:r>
-              <a:rPr lang="de-DE"/>
+              <a:rPr lang="de-DE" dirty="0"/>
               <a:t>, </a:t>
             </a:r>
             <a:r>
-              <a:rPr lang="de-DE" err="1"/>
+              <a:rPr lang="de-DE" dirty="0" err="1"/>
               <a:t>with</a:t>
             </a:r>
             <a:r>
-              <a:rPr lang="de-DE"/>
+              <a:rPr lang="de-DE" dirty="0"/>
               <a:t> limited patent </a:t>
             </a:r>
             <a:r>
-              <a:rPr lang="de-DE" err="1"/>
+              <a:rPr lang="de-DE" dirty="0" err="1"/>
               <a:t>activity</a:t>
             </a:r>
             <a:r>
-              <a:rPr lang="de-DE"/>
+              <a:rPr lang="de-DE" dirty="0"/>
               <a:t>, </a:t>
             </a:r>
             <a:r>
-              <a:rPr lang="de-DE" err="1"/>
+              <a:rPr lang="de-DE" dirty="0" err="1"/>
               <a:t>suggesting</a:t>
             </a:r>
             <a:r>
-              <a:rPr lang="de-DE"/>
+              <a:rPr lang="de-DE" dirty="0"/>
               <a:t> a </a:t>
             </a:r>
             <a:r>
-              <a:rPr lang="de-DE" err="1"/>
+              <a:rPr lang="de-DE" dirty="0" err="1"/>
               <a:t>focus</a:t>
             </a:r>
             <a:r>
-              <a:rPr lang="de-DE"/>
+              <a:rPr lang="de-DE" dirty="0"/>
               <a:t> on </a:t>
             </a:r>
             <a:r>
-              <a:rPr lang="de-DE" err="1"/>
+              <a:rPr lang="de-DE" dirty="0" err="1"/>
               <a:t>other</a:t>
             </a:r>
             <a:r>
-              <a:rPr lang="de-DE"/>
+              <a:rPr lang="de-DE" dirty="0"/>
               <a:t> </a:t>
             </a:r>
             <a:r>
-              <a:rPr lang="de-DE" err="1"/>
+              <a:rPr lang="de-DE" dirty="0" err="1"/>
               <a:t>priorities</a:t>
             </a:r>
             <a:r>
-              <a:rPr lang="de-DE"/>
+              <a:rPr lang="de-DE" dirty="0"/>
               <a:t> </a:t>
             </a:r>
             <a:r>
-              <a:rPr lang="de-DE" err="1"/>
+              <a:rPr lang="de-DE" dirty="0" err="1"/>
               <a:t>or</a:t>
             </a:r>
             <a:r>
-              <a:rPr lang="de-DE"/>
+              <a:rPr lang="de-DE" dirty="0"/>
               <a:t> </a:t>
             </a:r>
             <a:r>
-              <a:rPr lang="de-DE" err="1"/>
+              <a:rPr lang="de-DE" dirty="0" err="1"/>
               <a:t>academic</a:t>
             </a:r>
             <a:r>
-              <a:rPr lang="de-DE"/>
+              <a:rPr lang="de-DE" dirty="0"/>
               <a:t> </a:t>
             </a:r>
             <a:r>
-              <a:rPr lang="de-DE" err="1"/>
+              <a:rPr lang="de-DE" dirty="0" err="1"/>
               <a:t>research</a:t>
             </a:r>
-            <a:r>
-              <a:rPr lang="de-DE"/>
-              <a:t>.</a:t>
-            </a:r>
-            <a:endParaRPr lang="en-US"/>
+            <a:endParaRPr lang="en-US" dirty="0"/>
           </a:p>
           <a:p>
             <a:pPr marL="285750" indent="-285750">
@@ -5436,95 +4741,91 @@
               <a:buChar char="•"/>
             </a:pPr>
             <a:r>
-              <a:rPr lang="de-DE" b="1"/>
+              <a:rPr lang="de-DE" b="1" dirty="0"/>
               <a:t>Strategic </a:t>
             </a:r>
             <a:r>
-              <a:rPr lang="de-DE" b="1" err="1"/>
+              <a:rPr lang="de-DE" b="1" dirty="0" err="1"/>
               <a:t>focus</a:t>
             </a:r>
             <a:r>
-              <a:rPr lang="de-DE" b="1"/>
+              <a:rPr lang="de-DE" b="1" dirty="0"/>
               <a:t> on China</a:t>
             </a:r>
             <a:r>
-              <a:rPr lang="de-DE"/>
+              <a:rPr lang="de-DE" dirty="0"/>
               <a:t> </a:t>
             </a:r>
             <a:r>
-              <a:rPr lang="de-DE" err="1"/>
+              <a:rPr lang="de-DE" dirty="0" err="1"/>
               <a:t>is</a:t>
             </a:r>
             <a:r>
-              <a:rPr lang="de-DE"/>
+              <a:rPr lang="de-DE" dirty="0"/>
               <a:t> </a:t>
             </a:r>
             <a:r>
-              <a:rPr lang="de-DE" err="1"/>
+              <a:rPr lang="de-DE" dirty="0" err="1"/>
               <a:t>crucial</a:t>
             </a:r>
             <a:r>
-              <a:rPr lang="de-DE"/>
+              <a:rPr lang="de-DE" dirty="0"/>
               <a:t> </a:t>
             </a:r>
             <a:r>
-              <a:rPr lang="de-DE" err="1"/>
+              <a:rPr lang="de-DE" dirty="0" err="1"/>
               <a:t>to</a:t>
             </a:r>
             <a:r>
-              <a:rPr lang="de-DE"/>
+              <a:rPr lang="de-DE" dirty="0"/>
               <a:t> track </a:t>
             </a:r>
             <a:r>
-              <a:rPr lang="de-DE" err="1"/>
+              <a:rPr lang="de-DE" dirty="0" err="1"/>
               <a:t>emerging</a:t>
             </a:r>
             <a:r>
-              <a:rPr lang="de-DE"/>
+              <a:rPr lang="de-DE" dirty="0"/>
               <a:t> </a:t>
             </a:r>
             <a:r>
-              <a:rPr lang="de-DE" err="1"/>
+              <a:rPr lang="de-DE" dirty="0" err="1"/>
               <a:t>trends</a:t>
             </a:r>
             <a:r>
-              <a:rPr lang="de-DE"/>
+              <a:rPr lang="de-DE" dirty="0"/>
               <a:t> and </a:t>
             </a:r>
             <a:r>
-              <a:rPr lang="de-DE" err="1"/>
+              <a:rPr lang="de-DE" dirty="0" err="1"/>
               <a:t>opportunities</a:t>
             </a:r>
             <a:r>
-              <a:rPr lang="de-DE"/>
+              <a:rPr lang="de-DE" dirty="0"/>
               <a:t> in </a:t>
             </a:r>
             <a:r>
-              <a:rPr lang="de-DE" err="1"/>
+              <a:rPr lang="de-DE" dirty="0" err="1"/>
               <a:t>this</a:t>
             </a:r>
             <a:r>
-              <a:rPr lang="de-DE"/>
+              <a:rPr lang="de-DE" dirty="0"/>
               <a:t> </a:t>
             </a:r>
             <a:r>
-              <a:rPr lang="de-DE" err="1"/>
+              <a:rPr lang="de-DE" dirty="0" err="1"/>
               <a:t>field</a:t>
             </a:r>
-            <a:r>
-              <a:rPr lang="de-DE"/>
-              <a:t>.</a:t>
-            </a:r>
             <a:endParaRPr lang="en-DE"/>
           </a:p>
         </p:txBody>
       </p:sp>
       <p:sp>
         <p:nvSpPr>
-          <p:cNvPr id="6" name="Title 1">
+          <p:cNvPr id="2" name="Title 1">
             <a:extLst>
               <a:ext uri="{FF2B5EF4-FFF2-40B4-BE49-F238E27FC236}">
-                <a16:creationId xmlns:a16="http://schemas.microsoft.com/office/drawing/2014/main" id="{C57DEE2B-58F9-3509-05A9-B78DC46CAD95}"/>
+                <a16:creationId xmlns:a16="http://schemas.microsoft.com/office/drawing/2014/main" id="{016A2411-CD66-5298-380E-4AE43ACB9986}"/>
               </a:ext>
             </a:extLst>
           </p:cNvPr>
@@ -5536,7 +4837,7 @@
         <p:spPr>
           <a:xfrm>
             <a:off x="839788" y="457200"/>
-            <a:ext cx="10486676" cy="522250"/>
+            <a:ext cx="10517651" cy="1048835"/>
           </a:xfrm>
           <a:prstGeom prst="rect">
             <a:avLst/>
@@ -5544,7 +4845,7 @@
         </p:spPr>
         <p:txBody>
           <a:bodyPr vert="horz" lIns="91440" tIns="45720" rIns="91440" bIns="45720" rtlCol="0" anchor="t">
-            <a:normAutofit lnSpcReduction="10000"/>
+            <a:normAutofit/>
           </a:bodyPr>
           <a:lstStyle>
             <a:lvl1pPr algn="l" defTabSz="914400" rtl="0" eaLnBrk="1" latinLnBrk="0" hangingPunct="1">
@@ -5567,23 +4868,79 @@
           </a:lstStyle>
           <a:p>
             <a:r>
-              <a:rPr lang="en-GB" err="1"/>
-              <a:t>Espacenet</a:t>
-            </a:r>
-            <a:r>
-              <a:rPr lang="en-GB"/>
-              <a:t> Data: Patent families </a:t>
-            </a:r>
-            <a:endParaRPr lang="de-DE"/>
+              <a:rPr lang="de-DE" b="1" dirty="0"/>
+              <a:t>China </a:t>
+            </a:r>
+            <a:r>
+              <a:rPr lang="de-DE" b="1" dirty="0" err="1"/>
+              <a:t>dominates</a:t>
+            </a:r>
+            <a:r>
+              <a:rPr lang="de-DE" b="1" dirty="0"/>
+              <a:t> patent </a:t>
+            </a:r>
+            <a:r>
+              <a:rPr lang="de-DE" b="1" dirty="0" err="1"/>
+              <a:t>activity</a:t>
+            </a:r>
+            <a:r>
+              <a:rPr lang="de-DE" b="1" dirty="0"/>
+              <a:t> in </a:t>
+            </a:r>
+            <a:r>
+              <a:rPr lang="de-DE" b="1" dirty="0" err="1"/>
+              <a:t>self-healing</a:t>
+            </a:r>
+            <a:r>
+              <a:rPr lang="de-DE" b="1" dirty="0"/>
+              <a:t> </a:t>
+            </a:r>
+            <a:r>
+              <a:rPr lang="de-DE" b="1" dirty="0" err="1"/>
+              <a:t>materials</a:t>
+            </a:r>
+            <a:r>
+              <a:rPr lang="de-DE" b="1" dirty="0"/>
+              <a:t> - </a:t>
+            </a:r>
+            <a:r>
+              <a:rPr lang="de-DE" b="1" dirty="0" err="1"/>
+              <a:t>strategic</a:t>
+            </a:r>
+            <a:r>
+              <a:rPr lang="de-DE" b="1" dirty="0"/>
+              <a:t> </a:t>
+            </a:r>
+            <a:r>
+              <a:rPr lang="de-DE" b="1" dirty="0" err="1"/>
+              <a:t>focus</a:t>
+            </a:r>
+            <a:r>
+              <a:rPr lang="de-DE" b="1" dirty="0"/>
+              <a:t> </a:t>
+            </a:r>
+            <a:r>
+              <a:rPr lang="de-DE" b="1" dirty="0" err="1"/>
+              <a:t>is</a:t>
+            </a:r>
+            <a:r>
+              <a:rPr lang="de-DE" b="1" dirty="0"/>
+              <a:t> </a:t>
+            </a:r>
+            <a:r>
+              <a:rPr lang="de-DE" b="1" dirty="0" err="1"/>
+              <a:t>needed</a:t>
+            </a:r>
+            <a:endParaRPr lang="de-DE" dirty="0"/>
           </a:p>
         </p:txBody>
       </p:sp>
       <p:pic>
         <p:nvPicPr>
-          <p:cNvPr id="5" name="Content Placeholder 4" descr="A graph of a number of families&#10;&#10;Description automatically generated">
+          <p:cNvPr id="9" name="Inhaltsplatzhalter 8" descr="Ein Bild, das Text, Screenshot, Reihe, Diagramm enthält.&#10;&#10;Beschreibung automatisch generiert.">
             <a:extLst>
               <a:ext uri="{FF2B5EF4-FFF2-40B4-BE49-F238E27FC236}">
-                <a16:creationId xmlns:a16="http://schemas.microsoft.com/office/drawing/2014/main" id="{E5140478-E8F8-31CF-8577-F7625D55D1AA}"/>
+                <a16:creationId xmlns:a16="http://schemas.microsoft.com/office/drawing/2014/main" id="{E6ADB1D6-526F-7EED-3CA3-9D7A7FDA1006}"/>
               </a:ext>
             </a:extLst>
           </p:cNvPr>
@@ -5639,35 +4996,6 @@
       </p:grpSpPr>
       <p:sp>
         <p:nvSpPr>
-          <p:cNvPr id="2" name="Title 1">
-            <a:extLst>
-              <a:ext uri="{FF2B5EF4-FFF2-40B4-BE49-F238E27FC236}">
-                <a16:creationId xmlns:a16="http://schemas.microsoft.com/office/drawing/2014/main" id="{A1B1FB28-5B8C-BCFB-04B3-54966AAE995C}"/>
-              </a:ext>
-            </a:extLst>
-          </p:cNvPr>
-          <p:cNvSpPr>
-            <a:spLocks noGrp="1"/>
-          </p:cNvSpPr>
-          <p:nvPr>
-            <p:ph type="title"/>
-          </p:nvPr>
-        </p:nvSpPr>
-        <p:spPr/>
-        <p:txBody>
-          <a:bodyPr/>
-          <a:lstStyle/>
-          <a:p>
-            <a:r>
-              <a:rPr lang="en-US" err="1"/>
-              <a:t>Espacenet</a:t>
-            </a:r>
-            <a:endParaRPr lang="en-DE"/>
-          </a:p>
-        </p:txBody>
-      </p:sp>
-      <p:sp>
-        <p:nvSpPr>
           <p:cNvPr id="4" name="Text Placeholder 3">
             <a:extLst>
               <a:ext uri="{FF2B5EF4-FFF2-40B4-BE49-F238E27FC236}">
@@ -5748,6 +5076,97 @@
           </a:xfrm>
         </p:spPr>
       </p:pic>
+      <p:sp>
+        <p:nvSpPr>
+          <p:cNvPr id="3" name="Title 1">
+            <a:extLst>
+              <a:ext uri="{FF2B5EF4-FFF2-40B4-BE49-F238E27FC236}">
+                <a16:creationId xmlns:a16="http://schemas.microsoft.com/office/drawing/2014/main" id="{C6BA7668-1C29-FBBE-2932-D9238B71CE7F}"/>
+              </a:ext>
+            </a:extLst>
+          </p:cNvPr>
+          <p:cNvSpPr txBox="1">
+            <a:spLocks/>
+          </p:cNvSpPr>
+          <p:nvPr/>
+        </p:nvSpPr>
+        <p:spPr>
+          <a:xfrm>
+            <a:off x="839788" y="457200"/>
+            <a:ext cx="10517651" cy="1048835"/>
+          </a:xfrm>
+          <a:prstGeom prst="rect">
+            <a:avLst/>
+          </a:prstGeom>
+        </p:spPr>
+        <p:txBody>
+          <a:bodyPr vert="horz" lIns="91440" tIns="45720" rIns="91440" bIns="45720" rtlCol="0" anchor="t">
+            <a:normAutofit/>
+          </a:bodyPr>
+          <a:lstStyle>
+            <a:lvl1pPr algn="l" defTabSz="914400" rtl="0" eaLnBrk="1" latinLnBrk="0" hangingPunct="1">
+              <a:lnSpc>
+                <a:spcPct val="90000"/>
+              </a:lnSpc>
+              <a:spcBef>
+                <a:spcPct val="0"/>
+              </a:spcBef>
+              <a:buNone/>
+              <a:defRPr sz="3200" kern="1200">
+                <a:solidFill>
+                  <a:schemeClr val="tx1"/>
+                </a:solidFill>
+                <a:latin typeface="+mj-lt"/>
+                <a:ea typeface="+mj-ea"/>
+                <a:cs typeface="+mj-cs"/>
+              </a:defRPr>
+            </a:lvl1pPr>
+          </a:lstStyle>
+          <a:p>
+            <a:r>
+              <a:rPr lang="de-DE" b="1" dirty="0"/>
+              <a:t>Publications </a:t>
+            </a:r>
+            <a:r>
+              <a:rPr lang="de-DE" b="1" dirty="0" err="1"/>
+              <a:t>outpacing</a:t>
+            </a:r>
+            <a:r>
+              <a:rPr lang="de-DE" b="1" dirty="0"/>
+              <a:t> </a:t>
+            </a:r>
+            <a:r>
+              <a:rPr lang="de-DE" b="1" dirty="0" err="1"/>
+              <a:t>patents</a:t>
+            </a:r>
+            <a:r>
+              <a:rPr lang="de-DE" b="1" dirty="0"/>
+              <a:t> - </a:t>
+            </a:r>
+            <a:r>
+              <a:rPr lang="de-DE" b="1" dirty="0" err="1"/>
+              <a:t>continued</a:t>
+            </a:r>
+            <a:r>
+              <a:rPr lang="de-DE" b="1" dirty="0"/>
+              <a:t> </a:t>
+            </a:r>
+            <a:r>
+              <a:rPr lang="de-DE" b="1" dirty="0" err="1"/>
+              <a:t>growth</a:t>
+            </a:r>
+            <a:r>
+              <a:rPr lang="de-DE" b="1" dirty="0"/>
+              <a:t> </a:t>
+            </a:r>
+            <a:r>
+              <a:rPr lang="de-DE" b="1" dirty="0" err="1"/>
+              <a:t>expected</a:t>
+            </a:r>
+            <a:endParaRPr lang="en-GB" b="1" dirty="0"/>
+          </a:p>
+        </p:txBody>
+      </p:sp>
     </p:spTree>
     <p:extLst>
       <p:ext uri="{BB962C8B-B14F-4D97-AF65-F5344CB8AC3E}">
@@ -5800,7 +5219,7 @@
           <a:lstStyle/>
           <a:p>
             <a:r>
-              <a:rPr lang="en-GB"/>
+              <a:rPr lang="en-GB" b="1" dirty="0"/>
               <a:t>Web of Science Search String</a:t>
             </a:r>
           </a:p>
@@ -6299,14 +5718,14 @@
           <p:nvPr>
             <p:extLst>
               <p:ext uri="{D42A27DB-BD31-4B8C-83A1-F6EECF244321}">
-                <p14:modId xmlns:p14="http://schemas.microsoft.com/office/powerpoint/2010/main" val="1733330817"/>
+                <p14:modId xmlns:p14="http://schemas.microsoft.com/office/powerpoint/2010/main" val="4241572583"/>
               </p:ext>
             </p:extLst>
           </p:nvPr>
         </p:nvGraphicFramePr>
         <p:xfrm>
-          <a:off x="2721919" y="1437772"/>
-          <a:ext cx="6596191" cy="2853918"/>
+          <a:off x="2722521" y="1677898"/>
+          <a:ext cx="6400732" cy="2536514"/>
         </p:xfrm>
         <a:graphic>
           <a:graphicData uri="http://schemas.openxmlformats.org/drawingml/2006/table">
@@ -6343,7 +5762,7 @@
                     </a:ext>
                   </a:extLst>
                 </a:gridCol>
-                <a:gridCol w="1923459">
+                <a:gridCol w="1728000">
                   <a:extLst>
                     <a:ext uri="{9D8B030D-6E8A-4147-A177-3AD203B41FA5}">
                       <a16:colId xmlns:a16="http://schemas.microsoft.com/office/drawing/2014/main" val="2690576278"/>
@@ -6373,13 +5792,13 @@
                   </a:txBody>
                   <a:tcPr marL="90000"/>
                 </a:tc>
-                <a:tc rowSpan="9">
+                <a:tc rowSpan="8">
                   <a:txBody>
                     <a:bodyPr/>
                     <a:lstStyle/>
                     <a:p>
                       <a:r>
-                        <a:rPr lang="de-DE" sz="1400" b="1"/>
+                        <a:rPr lang="de-DE" sz="1400" b="1" dirty="0"/>
                         <a:t>AND</a:t>
                       </a:r>
                     </a:p>
@@ -6399,7 +5818,7 @@
                   </a:txBody>
                   <a:tcPr marL="90000"/>
                 </a:tc>
-                <a:tc rowSpan="9">
+                <a:tc rowSpan="8">
                   <a:txBody>
                     <a:bodyPr/>
                     <a:lstStyle/>
@@ -6580,7 +5999,7 @@
                   </a:ext>
                 </a:extLst>
               </a:tr>
-              <a:tr h="317102">
+              <a:tr h="316800">
                 <a:tc>
                   <a:txBody>
                     <a:bodyPr/>
@@ -6637,19 +6056,19 @@
                     <a:lstStyle/>
                     <a:p>
                       <a:r>
-                        <a:rPr lang="de-DE" sz="1400" err="1"/>
+                        <a:rPr lang="de-DE" sz="1400" dirty="0" err="1"/>
                         <a:t>Wound</a:t>
                       </a:r>
                       <a:r>
-                        <a:rPr lang="de-DE" sz="1400"/>
+                        <a:rPr lang="de-DE" sz="1400" dirty="0"/>
                         <a:t> </a:t>
                       </a:r>
                       <a:r>
-                        <a:rPr lang="de-DE" sz="1400" err="1"/>
+                        <a:rPr lang="de-DE" sz="1400" dirty="0" err="1"/>
                         <a:t>heal</a:t>
                       </a:r>
                       <a:r>
-                        <a:rPr lang="de-DE" sz="1400"/>
+                        <a:rPr lang="de-DE" sz="1400" dirty="0"/>
                         <a:t>*</a:t>
                       </a:r>
                     </a:p>
@@ -6923,63 +6342,6 @@
                   </a:ext>
                 </a:extLst>
               </a:tr>
-              <a:tr h="317102">
-                <a:tc>
-                  <a:txBody>
-                    <a:bodyPr/>
-                    <a:lstStyle/>
-                    <a:p>
-                      <a:endParaRPr lang="de-DE" sz="1400"/>
-                    </a:p>
-                  </a:txBody>
-                  <a:tcPr marL="90000"/>
-                </a:tc>
-                <a:tc vMerge="1">
-                  <a:txBody>
-                    <a:bodyPr/>
-                    <a:lstStyle/>
-                    <a:p>
-                      <a:endParaRPr lang="de-DE"/>
-                    </a:p>
-                  </a:txBody>
-                  <a:tcPr/>
-                </a:tc>
-                <a:tc>
-                  <a:txBody>
-                    <a:bodyPr/>
-                    <a:lstStyle/>
-                    <a:p>
-                      <a:endParaRPr lang="de-DE" sz="1400" dirty="0"/>
-                    </a:p>
-                  </a:txBody>
-                  <a:tcPr marL="90000"/>
-                </a:tc>
-                <a:tc vMerge="1">
-                  <a:txBody>
-                    <a:bodyPr/>
-                    <a:lstStyle/>
-                    <a:p>
-                      <a:endParaRPr lang="de-DE"/>
-                    </a:p>
-                  </a:txBody>
-                  <a:tcPr/>
-                </a:tc>
-                <a:tc>
-                  <a:txBody>
-                    <a:bodyPr/>
-                    <a:lstStyle/>
-                    <a:p>
-                      <a:endParaRPr lang="de-DE" sz="1400" dirty="0"/>
-                    </a:p>
-                  </a:txBody>
-                  <a:tcPr marL="90000"/>
-                </a:tc>
-                <a:extLst>
-                  <a:ext uri="{0D108BD9-81ED-4DB2-BD59-A6C34878D82A}">
-                    <a16:rowId xmlns:a16="http://schemas.microsoft.com/office/drawing/2014/main" val="1860320147"/>
-                  </a:ext>
-                </a:extLst>
-              </a:tr>
             </a:tbl>
           </a:graphicData>
         </a:graphic>
@@ -7152,7 +6514,7 @@
           <a:lstStyle/>
           <a:p>
             <a:r>
-              <a:rPr lang="de-DE"/>
+              <a:rPr lang="de-DE" b="1" dirty="0"/>
               <a:t>Summary</a:t>
             </a:r>
           </a:p>
@@ -7179,7 +6541,311 @@
           <a:bodyPr/>
           <a:lstStyle/>
           <a:p>
-            <a:endParaRPr lang="de-DE"/>
+            <a:r>
+              <a:rPr lang="de-DE" dirty="0"/>
+              <a:t>The </a:t>
+            </a:r>
+            <a:r>
+              <a:rPr lang="de-DE" dirty="0" err="1"/>
+              <a:t>number</a:t>
+            </a:r>
+            <a:r>
+              <a:rPr lang="de-DE" dirty="0"/>
+              <a:t> </a:t>
+            </a:r>
+            <a:r>
+              <a:rPr lang="de-DE" dirty="0" err="1"/>
+              <a:t>of</a:t>
+            </a:r>
+            <a:r>
+              <a:rPr lang="de-DE" dirty="0"/>
+              <a:t> annual </a:t>
+            </a:r>
+            <a:r>
+              <a:rPr lang="de-DE" dirty="0" err="1"/>
+              <a:t>publications</a:t>
+            </a:r>
+            <a:r>
+              <a:rPr lang="de-DE" dirty="0"/>
+              <a:t> </a:t>
+            </a:r>
+            <a:r>
+              <a:rPr lang="de-DE" dirty="0" err="1"/>
+              <a:t>is</a:t>
+            </a:r>
+            <a:r>
+              <a:rPr lang="de-DE" dirty="0"/>
+              <a:t> </a:t>
+            </a:r>
+            <a:r>
+              <a:rPr lang="de-DE" dirty="0" err="1"/>
+              <a:t>expected</a:t>
+            </a:r>
+            <a:r>
+              <a:rPr lang="de-DE" dirty="0"/>
+              <a:t> </a:t>
+            </a:r>
+            <a:r>
+              <a:rPr lang="de-DE" dirty="0" err="1"/>
+              <a:t>to</a:t>
+            </a:r>
+            <a:r>
+              <a:rPr lang="de-DE" dirty="0"/>
+              <a:t> </a:t>
+            </a:r>
+            <a:r>
+              <a:rPr lang="de-DE" b="1" dirty="0" err="1"/>
+              <a:t>grow</a:t>
+            </a:r>
+            <a:r>
+              <a:rPr lang="de-DE" b="1" dirty="0"/>
+              <a:t> </a:t>
+            </a:r>
+            <a:r>
+              <a:rPr lang="de-DE" b="1" dirty="0" err="1"/>
+              <a:t>further</a:t>
+            </a:r>
+            <a:endParaRPr lang="de-DE" b="1" dirty="0"/>
+          </a:p>
+          <a:p>
+            <a:pPr>
+              <a:buFont typeface="Arial" panose="020B0604020202020204" pitchFamily="34" charset="0"/>
+              <a:buChar char="•"/>
+            </a:pPr>
+            <a:r>
+              <a:rPr lang="de-DE" dirty="0"/>
+              <a:t>The total </a:t>
+            </a:r>
+            <a:r>
+              <a:rPr lang="de-DE" dirty="0" err="1"/>
+              <a:t>number</a:t>
+            </a:r>
+            <a:r>
+              <a:rPr lang="de-DE" dirty="0"/>
+              <a:t> </a:t>
+            </a:r>
+            <a:r>
+              <a:rPr lang="de-DE" dirty="0" err="1"/>
+              <a:t>of</a:t>
+            </a:r>
+            <a:r>
+              <a:rPr lang="de-DE" dirty="0"/>
+              <a:t> </a:t>
+            </a:r>
+            <a:r>
+              <a:rPr lang="de-DE" dirty="0" err="1"/>
+              <a:t>publications</a:t>
+            </a:r>
+            <a:r>
+              <a:rPr lang="de-DE" dirty="0"/>
+              <a:t> </a:t>
+            </a:r>
+            <a:r>
+              <a:rPr lang="de-DE" dirty="0" err="1"/>
+              <a:t>shows</a:t>
+            </a:r>
+            <a:r>
+              <a:rPr lang="de-DE" dirty="0"/>
+              <a:t> a </a:t>
+            </a:r>
+            <a:r>
+              <a:rPr lang="de-DE" dirty="0" err="1"/>
+              <a:t>roughly</a:t>
+            </a:r>
+            <a:r>
+              <a:rPr lang="de-DE" dirty="0"/>
+              <a:t> </a:t>
+            </a:r>
+            <a:r>
+              <a:rPr lang="de-DE" dirty="0" err="1"/>
+              <a:t>quadratic</a:t>
+            </a:r>
+            <a:r>
+              <a:rPr lang="de-DE" dirty="0"/>
+              <a:t> </a:t>
+            </a:r>
+            <a:r>
+              <a:rPr lang="de-DE" dirty="0" err="1"/>
+              <a:t>growth</a:t>
+            </a:r>
+            <a:r>
+              <a:rPr lang="de-DE" dirty="0"/>
+              <a:t> </a:t>
+            </a:r>
+            <a:r>
+              <a:rPr lang="de-DE" dirty="0" err="1"/>
+              <a:t>pattern</a:t>
+            </a:r>
+            <a:endParaRPr lang="de-DE" dirty="0"/>
+          </a:p>
+          <a:p>
+            <a:pPr>
+              <a:buFont typeface="Arial" panose="020B0604020202020204" pitchFamily="34" charset="0"/>
+              <a:buChar char="•"/>
+            </a:pPr>
+            <a:r>
+              <a:rPr lang="de-DE" dirty="0"/>
+              <a:t>Research </a:t>
+            </a:r>
+            <a:r>
+              <a:rPr lang="de-DE" dirty="0" err="1"/>
+              <a:t>efforts</a:t>
+            </a:r>
+            <a:r>
+              <a:rPr lang="de-DE" dirty="0"/>
+              <a:t> </a:t>
+            </a:r>
+            <a:r>
+              <a:rPr lang="de-DE" dirty="0" err="1"/>
+              <a:t>are</a:t>
+            </a:r>
+            <a:r>
+              <a:rPr lang="de-DE" dirty="0"/>
+              <a:t> </a:t>
+            </a:r>
+            <a:r>
+              <a:rPr lang="de-DE" dirty="0" err="1"/>
+              <a:t>concentrated</a:t>
+            </a:r>
+            <a:r>
+              <a:rPr lang="de-DE" dirty="0"/>
+              <a:t> on </a:t>
+            </a:r>
+            <a:r>
+              <a:rPr lang="de-DE" b="1" dirty="0" err="1"/>
+              <a:t>polymers</a:t>
+            </a:r>
+            <a:r>
+              <a:rPr lang="de-DE" dirty="0"/>
+              <a:t>, </a:t>
+            </a:r>
+            <a:r>
+              <a:rPr lang="de-DE" dirty="0" err="1"/>
+              <a:t>with</a:t>
+            </a:r>
+            <a:r>
+              <a:rPr lang="de-DE" dirty="0"/>
+              <a:t> </a:t>
+            </a:r>
+            <a:r>
+              <a:rPr lang="de-DE" b="1" dirty="0"/>
+              <a:t>China</a:t>
+            </a:r>
+            <a:r>
+              <a:rPr lang="de-DE" dirty="0"/>
+              <a:t> and </a:t>
+            </a:r>
+            <a:r>
+              <a:rPr lang="de-DE" dirty="0" err="1"/>
+              <a:t>the</a:t>
+            </a:r>
+            <a:r>
+              <a:rPr lang="de-DE" dirty="0"/>
+              <a:t> </a:t>
+            </a:r>
+            <a:r>
+              <a:rPr lang="de-DE" b="1" dirty="0"/>
+              <a:t>USA</a:t>
+            </a:r>
+            <a:r>
+              <a:rPr lang="de-DE" dirty="0"/>
+              <a:t> </a:t>
+            </a:r>
+            <a:r>
+              <a:rPr lang="de-DE" dirty="0" err="1"/>
+              <a:t>leading</a:t>
+            </a:r>
+            <a:r>
+              <a:rPr lang="de-DE" dirty="0"/>
+              <a:t> </a:t>
+            </a:r>
+            <a:r>
+              <a:rPr lang="de-DE" dirty="0" err="1"/>
+              <a:t>globally</a:t>
+            </a:r>
+            <a:endParaRPr lang="de-DE" dirty="0"/>
+          </a:p>
+          <a:p>
+            <a:pPr>
+              <a:buFont typeface="Arial" panose="020B0604020202020204" pitchFamily="34" charset="0"/>
+              <a:buChar char="•"/>
+            </a:pPr>
+            <a:r>
+              <a:rPr lang="de-DE" dirty="0"/>
+              <a:t>Patent </a:t>
+            </a:r>
+            <a:r>
+              <a:rPr lang="de-DE" dirty="0" err="1"/>
+              <a:t>activity</a:t>
+            </a:r>
+            <a:r>
+              <a:rPr lang="de-DE" dirty="0"/>
+              <a:t>, </a:t>
+            </a:r>
+            <a:r>
+              <a:rPr lang="de-DE" dirty="0" err="1"/>
+              <a:t>particularly</a:t>
+            </a:r>
+            <a:r>
+              <a:rPr lang="de-DE" dirty="0"/>
+              <a:t> in China, </a:t>
+            </a:r>
+            <a:r>
+              <a:rPr lang="de-DE" dirty="0" err="1"/>
+              <a:t>highlights</a:t>
+            </a:r>
+            <a:r>
+              <a:rPr lang="de-DE" dirty="0"/>
+              <a:t> </a:t>
+            </a:r>
+            <a:r>
+              <a:rPr lang="de-DE" dirty="0" err="1"/>
+              <a:t>the</a:t>
+            </a:r>
+            <a:r>
+              <a:rPr lang="de-DE" dirty="0"/>
+              <a:t> </a:t>
+            </a:r>
+            <a:r>
+              <a:rPr lang="de-DE" b="1" dirty="0" err="1"/>
+              <a:t>strategic</a:t>
+            </a:r>
+            <a:r>
+              <a:rPr lang="de-DE" b="1" dirty="0"/>
+              <a:t> </a:t>
+            </a:r>
+            <a:r>
+              <a:rPr lang="de-DE" b="1" dirty="0" err="1"/>
+              <a:t>importance</a:t>
+            </a:r>
+            <a:r>
+              <a:rPr lang="de-DE" dirty="0"/>
+              <a:t> </a:t>
+            </a:r>
+            <a:r>
+              <a:rPr lang="de-DE" dirty="0" err="1"/>
+              <a:t>of</a:t>
+            </a:r>
+            <a:r>
+              <a:rPr lang="de-DE" dirty="0"/>
+              <a:t> </a:t>
+            </a:r>
+            <a:r>
+              <a:rPr lang="de-DE" dirty="0" err="1"/>
+              <a:t>this</a:t>
+            </a:r>
+            <a:r>
+              <a:rPr lang="de-DE" dirty="0"/>
+              <a:t> </a:t>
+            </a:r>
+            <a:r>
+              <a:rPr lang="de-DE" dirty="0" err="1"/>
+              <a:t>region</a:t>
+            </a:r>
+            <a:endParaRPr lang="de-DE" dirty="0"/>
+          </a:p>
+          <a:p>
+            <a:endParaRPr lang="de-DE" dirty="0"/>
           </a:p>
         </p:txBody>
       </p:sp>
@@ -7197,7 +6863,7 @@
         </p:nvSpPr>
         <p:spPr>
           <a:xfrm>
-            <a:off x="3170903" y="2411537"/>
+            <a:off x="6096000" y="365125"/>
             <a:ext cx="5693272" cy="1015663"/>
           </a:xfrm>
           <a:prstGeom prst="rect">
@@ -7217,13 +6883,26 @@
           <a:lstStyle/>
           <a:p>
             <a:r>
-              <a:rPr lang="en-GB" sz="6000">
+              <a:rPr lang="en-GB" sz="6000" dirty="0">
                 <a:solidFill>
                   <a:srgbClr val="FF0000"/>
                 </a:solidFill>
               </a:rPr>
-              <a:t>Summary fehlt</a:t>
-            </a:r>
+              <a:t>Summary </a:t>
+            </a:r>
+            <a:r>
+              <a:rPr lang="en-GB" sz="6000" dirty="0" err="1">
+                <a:solidFill>
+                  <a:srgbClr val="FF0000"/>
+                </a:solidFill>
+              </a:rPr>
+              <a:t>fehlt</a:t>
+            </a:r>
+            <a:endParaRPr lang="en-GB" sz="6000" dirty="0">
+              <a:solidFill>
+                <a:srgbClr val="FF0000"/>
+              </a:solidFill>
+            </a:endParaRPr>
           </a:p>
         </p:txBody>
       </p:sp>
@@ -7291,12 +6970,11 @@
           </a:bodyPr>
           <a:lstStyle/>
           <a:p>
-            <a:pPr algn="ctr"/>
-            <a:r>
-              <a:rPr lang="en-GB"/>
-              <a:t>Total number of publications regarding self-healing materials is growing fast</a:t>
-            </a:r>
-            <a:endParaRPr lang="en-US"/>
+            <a:r>
+              <a:rPr lang="en-GB" b="1" dirty="0"/>
+              <a:t>The total number of publications regarding self-healing materials is growing fast</a:t>
+            </a:r>
+            <a:endParaRPr lang="en-US" b="1" dirty="0"/>
           </a:p>
         </p:txBody>
       </p:sp>
@@ -7329,18 +7007,48 @@
           <a:lstStyle/>
           <a:p>
             <a:pPr marL="285750" indent="-285750">
+              <a:buFont typeface="Arial" panose="020B0604020202020204" pitchFamily="34" charset="0"/>
               <a:buChar char="•"/>
             </a:pPr>
             <a:r>
-              <a:rPr lang="en-GB"/>
-              <a:t>Publications per year double roughly every 5 years</a:t>
-            </a:r>
+              <a:rPr lang="en-GB" dirty="0"/>
+              <a:t>Publications per year </a:t>
+            </a:r>
+            <a:r>
+              <a:rPr lang="de-DE" dirty="0" err="1"/>
+              <a:t>roughly</a:t>
+            </a:r>
+            <a:r>
+              <a:rPr lang="de-DE" dirty="0"/>
+              <a:t> double </a:t>
+            </a:r>
+            <a:r>
+              <a:rPr lang="de-DE" dirty="0" err="1"/>
+              <a:t>every</a:t>
+            </a:r>
+            <a:r>
+              <a:rPr lang="de-DE" dirty="0"/>
+              <a:t> </a:t>
+            </a:r>
+            <a:r>
+              <a:rPr lang="de-DE" dirty="0" err="1"/>
+              <a:t>five</a:t>
+            </a:r>
+            <a:r>
+              <a:rPr lang="de-DE" dirty="0"/>
+              <a:t> </a:t>
+            </a:r>
+            <a:r>
+              <a:rPr lang="de-DE" dirty="0" err="1"/>
+              <a:t>years</a:t>
+            </a:r>
+            <a:endParaRPr lang="de-DE" dirty="0"/>
           </a:p>
           <a:p>
             <a:pPr marL="285750" indent="-285750">
               <a:buChar char="•"/>
             </a:pPr>
-            <a:endParaRPr lang="en-GB"/>
+            <a:endParaRPr lang="en-GB" dirty="0"/>
           </a:p>
         </p:txBody>
       </p:sp>
@@ -7600,16 +7308,66 @@
               <a:buChar char="•"/>
             </a:pPr>
             <a:r>
-              <a:rPr lang="en-GB"/>
-              <a:t>Total number of publications grows roughly quadratically</a:t>
-            </a:r>
-          </a:p>
-          <a:p>
-            <a:pPr marL="285750" indent="-285750">
-              <a:buFont typeface="Arial" panose="020B0604020202020204" pitchFamily="34" charset="0"/>
-              <a:buChar char="•"/>
-            </a:pPr>
-            <a:endParaRPr lang="en-GB"/>
+              <a:rPr lang="de-DE" dirty="0"/>
+              <a:t>Total </a:t>
+            </a:r>
+            <a:r>
+              <a:rPr lang="de-DE" dirty="0" err="1"/>
+              <a:t>number</a:t>
+            </a:r>
+            <a:r>
+              <a:rPr lang="de-DE" dirty="0"/>
+              <a:t> </a:t>
+            </a:r>
+            <a:r>
+              <a:rPr lang="de-DE" dirty="0" err="1"/>
+              <a:t>of</a:t>
+            </a:r>
+            <a:r>
+              <a:rPr lang="de-DE" dirty="0"/>
+              <a:t> </a:t>
+            </a:r>
+            <a:r>
+              <a:rPr lang="de-DE" dirty="0" err="1"/>
+              <a:t>publications</a:t>
+            </a:r>
+            <a:r>
+              <a:rPr lang="de-DE" dirty="0"/>
+              <a:t> </a:t>
+            </a:r>
+            <a:r>
+              <a:rPr lang="de-DE" dirty="0" err="1"/>
+              <a:t>is</a:t>
+            </a:r>
+            <a:r>
+              <a:rPr lang="de-DE" dirty="0"/>
+              <a:t> </a:t>
+            </a:r>
+            <a:r>
+              <a:rPr lang="de-DE" dirty="0" err="1"/>
+              <a:t>increasing</a:t>
+            </a:r>
+            <a:r>
+              <a:rPr lang="de-DE" dirty="0"/>
+              <a:t> at an </a:t>
+            </a:r>
+            <a:r>
+              <a:rPr lang="de-DE" dirty="0" err="1"/>
+              <a:t>approximately</a:t>
+            </a:r>
+            <a:r>
+              <a:rPr lang="de-DE" dirty="0"/>
+              <a:t> </a:t>
+            </a:r>
+            <a:r>
+              <a:rPr lang="de-DE" dirty="0" err="1"/>
+              <a:t>quadratic</a:t>
+            </a:r>
+            <a:r>
+              <a:rPr lang="de-DE" dirty="0"/>
+              <a:t> rate.</a:t>
+            </a:r>
+            <a:endParaRPr lang="en-GB" dirty="0"/>
           </a:p>
         </p:txBody>
       </p:sp>
@@ -7672,16 +7430,8 @@
           <a:lstStyle/>
           <a:p>
             <a:r>
-              <a:rPr lang="en-GB"/>
-              <a:t>Polymers are the most researched material regarding </a:t>
-            </a:r>
-            <a:r>
-              <a:rPr lang="en-GB" err="1"/>
-              <a:t>self healing</a:t>
-            </a:r>
-            <a:r>
-              <a:rPr lang="en-GB"/>
-              <a:t> properties</a:t>
+              <a:rPr lang="en-GB" b="1" dirty="0"/>
+              <a:t>Polymers are the most researched material regarding self- healing properties</a:t>
             </a:r>
           </a:p>
         </p:txBody>
@@ -7719,10 +7469,30 @@
               <a:buChar char="•"/>
             </a:pPr>
             <a:r>
-              <a:rPr lang="en-GB"/>
-              <a:t>The most amount of research is done regarding self-healing polymer materials</a:t>
-            </a:r>
-            <a:endParaRPr lang="de-DE"/>
+              <a:rPr lang="en-GB" dirty="0"/>
+              <a:t>The largest amount of research </a:t>
+            </a:r>
+            <a:r>
+              <a:rPr lang="de-DE" dirty="0" err="1"/>
+              <a:t>focuses</a:t>
+            </a:r>
+            <a:r>
+              <a:rPr lang="de-DE" dirty="0"/>
+              <a:t> on </a:t>
+            </a:r>
+            <a:r>
+              <a:rPr lang="de-DE" dirty="0" err="1"/>
+              <a:t>self-healing</a:t>
+            </a:r>
+            <a:r>
+              <a:rPr lang="de-DE" dirty="0"/>
+              <a:t> polymer </a:t>
+            </a:r>
+            <a:r>
+              <a:rPr lang="de-DE" dirty="0" err="1"/>
+              <a:t>materials</a:t>
+            </a:r>
+            <a:endParaRPr lang="en-GB" dirty="0"/>
           </a:p>
           <a:p>
             <a:pPr marL="285750" indent="-285750">
@@ -7730,8 +7500,8 @@
               <a:buChar char="•"/>
             </a:pPr>
             <a:r>
-              <a:rPr lang="en-GB"/>
-              <a:t>Yearly Number of Publications is generally rising for all material types. </a:t>
+              <a:rPr lang="en-GB" dirty="0"/>
+              <a:t>Yearly number of publications is generally rising across all material types</a:t>
             </a:r>
           </a:p>
         </p:txBody>
@@ -8130,18 +7900,10 @@
           <a:lstStyle/>
           <a:p>
             <a:r>
-              <a:rPr lang="en-GB"/>
-              <a:t>Polymers are the most researched material regarding </a:t>
-            </a:r>
-            <a:r>
-              <a:rPr lang="en-GB" err="1"/>
-              <a:t>self healing</a:t>
-            </a:r>
-            <a:r>
-              <a:rPr lang="en-GB"/>
-              <a:t> properties</a:t>
-            </a:r>
-            <a:endParaRPr lang="en-US"/>
+              <a:rPr lang="en-GB" b="1" dirty="0"/>
+              <a:t>Polymers are the most researched material regarding self- healing properties</a:t>
+            </a:r>
+            <a:endParaRPr lang="en-US" b="1" dirty="0"/>
           </a:p>
         </p:txBody>
       </p:sp>
@@ -8178,10 +7940,30 @@
               <a:buChar char="•"/>
             </a:pPr>
             <a:r>
-              <a:rPr lang="en-GB"/>
-              <a:t>The most amount of research is done regarding self-healing polymer materials</a:t>
-            </a:r>
-            <a:endParaRPr lang="de-DE"/>
+              <a:rPr lang="en-GB" dirty="0"/>
+              <a:t>The largest amount of research </a:t>
+            </a:r>
+            <a:r>
+              <a:rPr lang="de-DE" dirty="0" err="1"/>
+              <a:t>focuses</a:t>
+            </a:r>
+            <a:r>
+              <a:rPr lang="de-DE" dirty="0"/>
+              <a:t> on </a:t>
+            </a:r>
+            <a:r>
+              <a:rPr lang="de-DE" dirty="0" err="1"/>
+              <a:t>self-healing</a:t>
+            </a:r>
+            <a:r>
+              <a:rPr lang="de-DE" dirty="0"/>
+              <a:t> polymer </a:t>
+            </a:r>
+            <a:r>
+              <a:rPr lang="de-DE" dirty="0" err="1"/>
+              <a:t>materials</a:t>
+            </a:r>
+            <a:endParaRPr lang="en-GB" dirty="0"/>
           </a:p>
           <a:p>
             <a:pPr marL="285750" indent="-285750">
@@ -8189,8 +7971,8 @@
               <a:buChar char="•"/>
             </a:pPr>
             <a:r>
-              <a:rPr lang="en-GB"/>
-              <a:t>Yearly Number of Publications is generally rising for all material types. </a:t>
+              <a:rPr lang="en-GB" dirty="0"/>
+              <a:t>Yearly number of publications is generally rising across all material types</a:t>
             </a:r>
           </a:p>
         </p:txBody>
@@ -8565,18 +8347,10 @@
           <a:lstStyle/>
           <a:p>
             <a:r>
-              <a:rPr lang="en-GB"/>
-              <a:t>Polymers are the most researched material regarding </a:t>
-            </a:r>
-            <a:r>
-              <a:rPr lang="en-GB" err="1"/>
-              <a:t>self healing</a:t>
-            </a:r>
-            <a:r>
-              <a:rPr lang="en-GB"/>
-              <a:t> properties</a:t>
-            </a:r>
-            <a:endParaRPr lang="en-US"/>
+              <a:rPr lang="en-GB" b="1" dirty="0"/>
+              <a:t>Polymers are the most researched material regarding self- healing properties</a:t>
+            </a:r>
+            <a:endParaRPr lang="en-US" b="1" dirty="0"/>
           </a:p>
         </p:txBody>
       </p:sp>
@@ -8613,10 +8387,30 @@
               <a:buChar char="•"/>
             </a:pPr>
             <a:r>
-              <a:rPr lang="en-GB"/>
-              <a:t>The most amount of research is done regarding self-healing polymer materials</a:t>
-            </a:r>
-            <a:endParaRPr lang="de-DE"/>
+              <a:rPr lang="en-GB" dirty="0"/>
+              <a:t>The largest amount of research </a:t>
+            </a:r>
+            <a:r>
+              <a:rPr lang="de-DE" dirty="0" err="1"/>
+              <a:t>focuses</a:t>
+            </a:r>
+            <a:r>
+              <a:rPr lang="de-DE" dirty="0"/>
+              <a:t> on </a:t>
+            </a:r>
+            <a:r>
+              <a:rPr lang="de-DE" dirty="0" err="1"/>
+              <a:t>self-healing</a:t>
+            </a:r>
+            <a:r>
+              <a:rPr lang="de-DE" dirty="0"/>
+              <a:t> polymer </a:t>
+            </a:r>
+            <a:r>
+              <a:rPr lang="de-DE" dirty="0" err="1"/>
+              <a:t>materials</a:t>
+            </a:r>
+            <a:endParaRPr lang="en-GB" dirty="0"/>
           </a:p>
           <a:p>
             <a:pPr marL="285750" indent="-285750">
@@ -8624,8 +8418,8 @@
               <a:buChar char="•"/>
             </a:pPr>
             <a:r>
-              <a:rPr lang="en-GB"/>
-              <a:t>Yearly Number of Publications is generally rising for all material types. </a:t>
+              <a:rPr lang="en-GB" dirty="0"/>
+              <a:t>Yearly number of publications is generally rising across all material types</a:t>
             </a:r>
           </a:p>
         </p:txBody>
@@ -9013,18 +8807,10 @@
           <a:lstStyle/>
           <a:p>
             <a:r>
-              <a:rPr lang="en-GB"/>
-              <a:t>Polymers are the most researched material regarding </a:t>
-            </a:r>
-            <a:r>
-              <a:rPr lang="en-GB" err="1"/>
-              <a:t>self healing</a:t>
-            </a:r>
-            <a:r>
-              <a:rPr lang="en-GB"/>
-              <a:t> properties</a:t>
-            </a:r>
-            <a:endParaRPr lang="en-US"/>
+              <a:rPr lang="en-GB" b="1" dirty="0"/>
+              <a:t>Polymers are the most researched material regarding self- healing properties</a:t>
+            </a:r>
+            <a:endParaRPr lang="en-US" b="1" dirty="0"/>
           </a:p>
         </p:txBody>
       </p:sp>
@@ -9061,10 +8847,30 @@
               <a:buChar char="•"/>
             </a:pPr>
             <a:r>
-              <a:rPr lang="en-GB"/>
-              <a:t>The most amount of research is done regarding self-healing polymer materials</a:t>
-            </a:r>
-            <a:endParaRPr lang="de-DE"/>
+              <a:rPr lang="en-GB" dirty="0"/>
+              <a:t>The largest amount of research </a:t>
+            </a:r>
+            <a:r>
+              <a:rPr lang="de-DE" dirty="0" err="1"/>
+              <a:t>focuses</a:t>
+            </a:r>
+            <a:r>
+              <a:rPr lang="de-DE" dirty="0"/>
+              <a:t> on </a:t>
+            </a:r>
+            <a:r>
+              <a:rPr lang="de-DE" dirty="0" err="1"/>
+              <a:t>self-healing</a:t>
+            </a:r>
+            <a:r>
+              <a:rPr lang="de-DE" dirty="0"/>
+              <a:t> polymer </a:t>
+            </a:r>
+            <a:r>
+              <a:rPr lang="de-DE" dirty="0" err="1"/>
+              <a:t>materials</a:t>
+            </a:r>
+            <a:endParaRPr lang="en-GB" dirty="0"/>
           </a:p>
           <a:p>
             <a:pPr marL="285750" indent="-285750">
@@ -9072,8 +8878,8 @@
               <a:buChar char="•"/>
             </a:pPr>
             <a:r>
-              <a:rPr lang="en-GB"/>
-              <a:t>Yearly Number of Publications is generally rising for all material types. </a:t>
+              <a:rPr lang="en-GB" dirty="0"/>
+              <a:t>Yearly number of publications is generally rising across all material types</a:t>
             </a:r>
           </a:p>
         </p:txBody>
@@ -9448,7 +9254,7 @@
           <a:lstStyle/>
           <a:p>
             <a:r>
-              <a:rPr lang="en-GB"/>
+              <a:rPr lang="en-GB" b="1" dirty="0"/>
               <a:t>Number of annual publications expected to further grow</a:t>
             </a:r>
           </a:p>
@@ -9486,8 +9292,8 @@
               <a:buChar char="•"/>
             </a:pPr>
             <a:r>
-              <a:rPr lang="en-GB"/>
-              <a:t>Total Number of Publications is growing approximately quadratically at the current time</a:t>
+              <a:rPr lang="en-GB" dirty="0"/>
+              <a:t>Total number of publications is currently growing at an approximately quadratic rate</a:t>
             </a:r>
           </a:p>
           <a:p>
@@ -9495,8 +9301,8 @@
               <a:buChar char="•"/>
             </a:pPr>
             <a:r>
-              <a:rPr lang="en-GB"/>
-              <a:t>We can use the given data to roughly forecast the number of publications for the next years</a:t>
+              <a:rPr lang="en-GB" dirty="0"/>
+              <a:t>Using the given data, we can roughly forecast the number of publications for the coming years</a:t>
             </a:r>
           </a:p>
           <a:p>
@@ -9504,15 +9310,15 @@
               <a:buChar char="•"/>
             </a:pPr>
             <a:r>
-              <a:rPr lang="en-GB"/>
-              <a:t>Research for metal and cement was done equally much up to 2020. Since then there was more research regarding metals</a:t>
+              <a:rPr lang="en-GB" dirty="0"/>
+              <a:t>Research on metals and cement was comparable up to 2020. Since then, more research has focused on metals</a:t>
             </a:r>
           </a:p>
           <a:p>
             <a:pPr marL="285750" indent="-285750">
               <a:buChar char="•"/>
             </a:pPr>
-            <a:endParaRPr lang="en-GB"/>
+            <a:endParaRPr lang="en-GB" dirty="0"/>
           </a:p>
         </p:txBody>
       </p:sp>
@@ -9604,7 +9410,7 @@
           <a:lstStyle/>
           <a:p>
             <a:r>
-              <a:rPr lang="en-GB"/>
+              <a:rPr lang="en-GB" b="1" dirty="0"/>
               <a:t>Analysis of affiliations</a:t>
             </a:r>
           </a:p>
@@ -9639,20 +9445,82 @@
           <a:lstStyle/>
           <a:p>
             <a:pPr marL="285750" indent="-285750">
+              <a:buFont typeface="Arial" panose="020B0604020202020204" pitchFamily="34" charset="0"/>
               <a:buChar char="•"/>
             </a:pPr>
             <a:r>
-              <a:rPr lang="en-GB"/>
-              <a:t>The majority of institutes have an affiliation with less than 25 published papers</a:t>
-            </a:r>
+              <a:rPr lang="en-GB" dirty="0"/>
+              <a:t>The majority of institutes </a:t>
+            </a:r>
+            <a:r>
+              <a:rPr lang="de-DE" dirty="0" err="1"/>
+              <a:t>have</a:t>
+            </a:r>
+            <a:r>
+              <a:rPr lang="de-DE" dirty="0"/>
+              <a:t> </a:t>
+            </a:r>
+            <a:r>
+              <a:rPr lang="de-DE" dirty="0" err="1"/>
+              <a:t>fewer</a:t>
+            </a:r>
+            <a:r>
+              <a:rPr lang="de-DE" dirty="0"/>
+              <a:t> </a:t>
+            </a:r>
+            <a:r>
+              <a:rPr lang="de-DE" dirty="0" err="1"/>
+              <a:t>than</a:t>
+            </a:r>
+            <a:r>
+              <a:rPr lang="de-DE" dirty="0"/>
+              <a:t> 25 </a:t>
+            </a:r>
+            <a:r>
+              <a:rPr lang="de-DE" dirty="0" err="1"/>
+              <a:t>published</a:t>
+            </a:r>
+            <a:r>
+              <a:rPr lang="de-DE" dirty="0"/>
+              <a:t> </a:t>
+            </a:r>
+            <a:r>
+              <a:rPr lang="de-DE" dirty="0" err="1"/>
+              <a:t>papers</a:t>
+            </a:r>
+            <a:r>
+              <a:rPr lang="de-DE" dirty="0"/>
+              <a:t> </a:t>
+            </a:r>
+            <a:r>
+              <a:rPr lang="de-DE" dirty="0" err="1"/>
+              <a:t>affiliated</a:t>
+            </a:r>
+            <a:r>
+              <a:rPr lang="de-DE" dirty="0"/>
+              <a:t> </a:t>
+            </a:r>
+            <a:r>
+              <a:rPr lang="de-DE" dirty="0" err="1"/>
+              <a:t>with</a:t>
+            </a:r>
+            <a:r>
+              <a:rPr lang="de-DE" dirty="0"/>
+              <a:t> </a:t>
+            </a:r>
+            <a:r>
+              <a:rPr lang="de-DE" dirty="0" err="1"/>
+              <a:t>them</a:t>
+            </a:r>
+            <a:endParaRPr lang="de-DE" dirty="0"/>
           </a:p>
           <a:p>
             <a:pPr marL="285750" indent="-285750">
               <a:buChar char="•"/>
             </a:pPr>
             <a:r>
-              <a:rPr lang="en-GB"/>
-              <a:t>The institute with the most affiliations has more than 300 papers that are affiliated with their institute</a:t>
+              <a:rPr lang="en-GB" dirty="0"/>
+              <a:t>The institute with the highest number of affiliations has more than 300 papers linked to it</a:t>
             </a:r>
           </a:p>
           <a:p>
@@ -9660,8 +9528,8 @@
               <a:buChar char="•"/>
             </a:pPr>
             <a:r>
-              <a:rPr lang="en-GB"/>
-              <a:t>All institutes that research polymers have published more than 10 papers on the topic already</a:t>
+              <a:rPr lang="en-GB" dirty="0"/>
+              <a:t>All institutes researching polymers have published more than 10 papers on the topic </a:t>
             </a:r>
           </a:p>
           <a:p>
@@ -9669,18 +9537,18 @@
               <a:buChar char="•"/>
             </a:pPr>
             <a:r>
-              <a:rPr lang="en-GB"/>
-              <a:t>Look at top institutes for polymers on next slide</a:t>
-            </a:r>
-          </a:p>
-          <a:p>
-            <a:endParaRPr lang="en-GB"/>
+              <a:rPr lang="en-GB" dirty="0"/>
+              <a:t>Look at top institutes for polymer research on the next slides</a:t>
+            </a:r>
+          </a:p>
+          <a:p>
+            <a:endParaRPr lang="en-GB" dirty="0"/>
           </a:p>
           <a:p>
             <a:pPr marL="285750" indent="-285750">
               <a:buChar char="•"/>
             </a:pPr>
-            <a:endParaRPr lang="en-GB"/>
+            <a:endParaRPr lang="en-GB" dirty="0"/>
           </a:p>
         </p:txBody>
       </p:sp>

--- a/presentation/DataDrivenForesight.pptx
+++ b/presentation/DataDrivenForesight.pptx
@@ -15,16 +15,17 @@
     <p:sldId id="259" r:id="rId9"/>
     <p:sldId id="260" r:id="rId10"/>
     <p:sldId id="279" r:id="rId11"/>
-    <p:sldId id="281" r:id="rId12"/>
-    <p:sldId id="278" r:id="rId13"/>
-    <p:sldId id="261" r:id="rId14"/>
-    <p:sldId id="277" r:id="rId15"/>
-    <p:sldId id="262" r:id="rId16"/>
-    <p:sldId id="263" r:id="rId17"/>
-    <p:sldId id="266" r:id="rId18"/>
-    <p:sldId id="265" r:id="rId19"/>
-    <p:sldId id="280" r:id="rId20"/>
+    <p:sldId id="278" r:id="rId12"/>
+    <p:sldId id="261" r:id="rId13"/>
+    <p:sldId id="277" r:id="rId14"/>
+    <p:sldId id="262" r:id="rId15"/>
+    <p:sldId id="263" r:id="rId16"/>
+    <p:sldId id="266" r:id="rId17"/>
+    <p:sldId id="265" r:id="rId18"/>
+    <p:sldId id="280" r:id="rId19"/>
+    <p:sldId id="282" r:id="rId20"/>
     <p:sldId id="271" r:id="rId21"/>
+    <p:sldId id="283" r:id="rId22"/>
   </p:sldIdLst>
   <p:sldSz cx="12192000" cy="6858000"/>
   <p:notesSz cx="6858000" cy="9144000"/>
@@ -134,7 +135,7 @@
 <file path=ppt/revisionInfo.xml><?xml version="1.0" encoding="utf-8"?>
 <p1510:revInfo xmlns:a="http://schemas.openxmlformats.org/drawingml/2006/main" xmlns:r="http://schemas.openxmlformats.org/officeDocument/2006/relationships" xmlns:p1510="http://schemas.microsoft.com/office/powerpoint/2015/10/main">
   <p1510:revLst>
-    <p1510:client id="{1C05B34B-6E39-6232-9EF4-3C5D0C2E088E}" v="53" dt="2025-01-12T20:05:21.997"/>
+    <p1510:client id="{1C05B34B-6E39-6232-9EF4-3C5D0C2E088E}" v="947" dt="2025-01-12T21:34:39.105"/>
     <p1510:client id="{8CDA426B-F6BE-03CE-D3BE-0C608CE54C7C}" v="12" dt="2025-01-11T10:39:06.523"/>
   </p1510:revLst>
 </p1510:revInfo>
@@ -290,7 +291,10 @@
           <a:bodyPr/>
           <a:lstStyle/>
           <a:p>
-            <a:endParaRPr lang="en-GB"/>
+            <a:r>
+              <a:rPr lang="en-GB"/>
+              <a:t>RWTH Aachen | Seminar Data Driven Foresight | 13.01.2025</a:t>
+            </a:r>
           </a:p>
         </p:txBody>
       </p:sp>
@@ -327,6 +331,7 @@
   <p:clrMapOvr>
     <a:masterClrMapping/>
   </p:clrMapOvr>
+  <p:hf hdr="0" dt="0"/>
 </p:sldLayout>
 </file>
 
@@ -458,7 +463,10 @@
           <a:bodyPr/>
           <a:lstStyle/>
           <a:p>
-            <a:endParaRPr lang="en-GB"/>
+            <a:r>
+              <a:rPr lang="en-GB"/>
+              <a:t>RWTH Aachen | Seminar Data Driven Foresight | 13.01.2025</a:t>
+            </a:r>
           </a:p>
         </p:txBody>
       </p:sp>
@@ -495,6 +503,7 @@
   <p:clrMapOvr>
     <a:masterClrMapping/>
   </p:clrMapOvr>
+  <p:hf hdr="0" dt="0"/>
 </p:sldLayout>
 </file>
 
@@ -636,7 +645,10 @@
           <a:bodyPr/>
           <a:lstStyle/>
           <a:p>
-            <a:endParaRPr lang="en-GB"/>
+            <a:r>
+              <a:rPr lang="en-GB"/>
+              <a:t>RWTH Aachen | Seminar Data Driven Foresight | 13.01.2025</a:t>
+            </a:r>
           </a:p>
         </p:txBody>
       </p:sp>
@@ -673,6 +685,7 @@
   <p:clrMapOvr>
     <a:masterClrMapping/>
   </p:clrMapOvr>
+  <p:hf hdr="0" dt="0"/>
 </p:sldLayout>
 </file>
 
@@ -804,7 +817,10 @@
           <a:bodyPr/>
           <a:lstStyle/>
           <a:p>
-            <a:endParaRPr lang="en-GB"/>
+            <a:r>
+              <a:rPr lang="en-GB"/>
+              <a:t>RWTH Aachen | Seminar Data Driven Foresight | 13.01.2025</a:t>
+            </a:r>
           </a:p>
         </p:txBody>
       </p:sp>
@@ -841,6 +857,7 @@
   <p:clrMapOvr>
     <a:masterClrMapping/>
   </p:clrMapOvr>
+  <p:hf hdr="0" dt="0"/>
 </p:sldLayout>
 </file>
 
@@ -1049,7 +1066,10 @@
           <a:bodyPr/>
           <a:lstStyle/>
           <a:p>
-            <a:endParaRPr lang="en-GB"/>
+            <a:r>
+              <a:rPr lang="en-GB"/>
+              <a:t>RWTH Aachen | Seminar Data Driven Foresight | 13.01.2025</a:t>
+            </a:r>
           </a:p>
         </p:txBody>
       </p:sp>
@@ -1086,6 +1106,7 @@
   <p:clrMapOvr>
     <a:masterClrMapping/>
   </p:clrMapOvr>
+  <p:hf hdr="0" dt="0"/>
 </p:sldLayout>
 </file>
 
@@ -1278,7 +1299,10 @@
           <a:bodyPr/>
           <a:lstStyle/>
           <a:p>
-            <a:endParaRPr lang="en-GB"/>
+            <a:r>
+              <a:rPr lang="en-GB"/>
+              <a:t>RWTH Aachen | Seminar Data Driven Foresight | 13.01.2025</a:t>
+            </a:r>
           </a:p>
         </p:txBody>
       </p:sp>
@@ -1315,6 +1339,7 @@
   <p:clrMapOvr>
     <a:masterClrMapping/>
   </p:clrMapOvr>
+  <p:hf hdr="0" dt="0"/>
 </p:sldLayout>
 </file>
 
@@ -1642,7 +1667,10 @@
           <a:bodyPr/>
           <a:lstStyle/>
           <a:p>
-            <a:endParaRPr lang="en-GB"/>
+            <a:r>
+              <a:rPr lang="en-GB"/>
+              <a:t>RWTH Aachen | Seminar Data Driven Foresight | 13.01.2025</a:t>
+            </a:r>
           </a:p>
         </p:txBody>
       </p:sp>
@@ -1679,6 +1707,7 @@
   <p:clrMapOvr>
     <a:masterClrMapping/>
   </p:clrMapOvr>
+  <p:hf hdr="0" dt="0"/>
 </p:sldLayout>
 </file>
 
@@ -1759,7 +1788,10 @@
           <a:bodyPr/>
           <a:lstStyle/>
           <a:p>
-            <a:endParaRPr lang="en-GB"/>
+            <a:r>
+              <a:rPr lang="en-GB"/>
+              <a:t>RWTH Aachen | Seminar Data Driven Foresight | 13.01.2025</a:t>
+            </a:r>
           </a:p>
         </p:txBody>
       </p:sp>
@@ -1796,6 +1828,7 @@
   <p:clrMapOvr>
     <a:masterClrMapping/>
   </p:clrMapOvr>
+  <p:hf hdr="0" dt="0"/>
 </p:sldLayout>
 </file>
 
@@ -1854,7 +1887,10 @@
           <a:bodyPr/>
           <a:lstStyle/>
           <a:p>
-            <a:endParaRPr lang="en-GB"/>
+            <a:r>
+              <a:rPr lang="en-GB"/>
+              <a:t>RWTH Aachen | Seminar Data Driven Foresight | 13.01.2025</a:t>
+            </a:r>
           </a:p>
         </p:txBody>
       </p:sp>
@@ -1891,6 +1927,7 @@
   <p:clrMapOvr>
     <a:masterClrMapping/>
   </p:clrMapOvr>
+  <p:hf hdr="0" dt="0"/>
 </p:sldLayout>
 </file>
 
@@ -2129,7 +2166,10 @@
           <a:bodyPr/>
           <a:lstStyle/>
           <a:p>
-            <a:endParaRPr lang="en-GB"/>
+            <a:r>
+              <a:rPr lang="en-GB"/>
+              <a:t>RWTH Aachen | Seminar Data Driven Foresight | 13.01.2025</a:t>
+            </a:r>
           </a:p>
         </p:txBody>
       </p:sp>
@@ -2166,6 +2206,7 @@
   <p:clrMapOvr>
     <a:masterClrMapping/>
   </p:clrMapOvr>
+  <p:hf hdr="0" dt="0"/>
 </p:sldLayout>
 </file>
 
@@ -2384,7 +2425,10 @@
           <a:bodyPr/>
           <a:lstStyle/>
           <a:p>
-            <a:endParaRPr lang="en-GB"/>
+            <a:r>
+              <a:rPr lang="en-GB"/>
+              <a:t>RWTH Aachen | Seminar Data Driven Foresight | 13.01.2025</a:t>
+            </a:r>
           </a:p>
         </p:txBody>
       </p:sp>
@@ -2421,6 +2465,7 @@
   <p:clrMapOvr>
     <a:masterClrMapping/>
   </p:clrMapOvr>
+  <p:hf hdr="0" dt="0"/>
 </p:sldLayout>
 </file>
 
@@ -2613,7 +2658,10 @@
             </a:lvl1pPr>
           </a:lstStyle>
           <a:p>
-            <a:endParaRPr lang="en-GB"/>
+            <a:r>
+              <a:rPr lang="en-GB"/>
+              <a:t>RWTH Aachen | Seminar Data Driven Foresight | 13.01.2025</a:t>
+            </a:r>
           </a:p>
         </p:txBody>
       </p:sp>
@@ -2679,6 +2727,7 @@
     <p:sldLayoutId id="2147483670" r:id="rId10"/>
     <p:sldLayoutId id="2147483671" r:id="rId11"/>
   </p:sldLayoutIdLst>
+  <p:hf hdr="0" dt="0"/>
   <p:txStyles>
     <p:titleStyle>
       <a:lvl1pPr algn="l" defTabSz="914400" rtl="0" eaLnBrk="1" latinLnBrk="0" hangingPunct="1">
@@ -3047,6 +3096,42 @@
           </a:p>
         </p:txBody>
       </p:sp>
+      <p:sp>
+        <p:nvSpPr>
+          <p:cNvPr id="4" name="Fußzeilenplatzhalter 3">
+            <a:extLst>
+              <a:ext uri="{FF2B5EF4-FFF2-40B4-BE49-F238E27FC236}">
+                <a16:creationId xmlns:a16="http://schemas.microsoft.com/office/drawing/2014/main" id="{7141E782-7D5B-B4AE-1469-4A6076898F93}"/>
+              </a:ext>
+            </a:extLst>
+          </p:cNvPr>
+          <p:cNvSpPr>
+            <a:spLocks noGrp="1"/>
+          </p:cNvSpPr>
+          <p:nvPr>
+            <p:ph type="ftr" sz="quarter" idx="11"/>
+          </p:nvPr>
+        </p:nvSpPr>
+        <p:spPr/>
+        <p:txBody>
+          <a:bodyPr/>
+          <a:lstStyle/>
+          <a:p>
+            <a:r>
+              <a:rPr lang="de-DE" dirty="0"/>
+              <a:t>RWTH Aachen | Seminar Data Driven </a:t>
+            </a:r>
+            <a:r>
+              <a:rPr lang="de-DE" dirty="0" err="1"/>
+              <a:t>Foresight</a:t>
+            </a:r>
+            <a:r>
+              <a:rPr lang="de-DE" dirty="0"/>
+              <a:t> | 13.01.2025</a:t>
+            </a:r>
+          </a:p>
+        </p:txBody>
+      </p:sp>
     </p:spTree>
     <p:extLst>
       <p:ext uri="{BB962C8B-B14F-4D97-AF65-F5344CB8AC3E}">
@@ -3099,7 +3184,7 @@
         </p:blipFill>
         <p:spPr>
           <a:xfrm>
-            <a:off x="915628" y="337983"/>
+            <a:off x="915628" y="232666"/>
             <a:ext cx="5088193" cy="2986550"/>
           </a:xfrm>
           <a:prstGeom prst="rect">
@@ -3129,7 +3214,7 @@
         </p:blipFill>
         <p:spPr>
           <a:xfrm>
-            <a:off x="6083710" y="337985"/>
+            <a:off x="6083710" y="232668"/>
             <a:ext cx="5088194" cy="2986548"/>
           </a:xfrm>
           <a:prstGeom prst="rect">
@@ -3159,7 +3244,7 @@
         </p:blipFill>
         <p:spPr>
           <a:xfrm>
-            <a:off x="915629" y="3385984"/>
+            <a:off x="915629" y="3280667"/>
             <a:ext cx="5088195" cy="3066434"/>
           </a:xfrm>
           <a:prstGeom prst="rect">
@@ -3189,7 +3274,7 @@
         </p:blipFill>
         <p:spPr>
           <a:xfrm>
-            <a:off x="6084587" y="3388442"/>
+            <a:off x="6084587" y="3283125"/>
             <a:ext cx="5088194" cy="3061520"/>
           </a:xfrm>
           <a:prstGeom prst="rect">
@@ -3197,6 +3282,63 @@
           </a:prstGeom>
         </p:spPr>
       </p:pic>
+      <p:sp>
+        <p:nvSpPr>
+          <p:cNvPr id="2" name="Fußzeilenplatzhalter 1">
+            <a:extLst>
+              <a:ext uri="{FF2B5EF4-FFF2-40B4-BE49-F238E27FC236}">
+                <a16:creationId xmlns:a16="http://schemas.microsoft.com/office/drawing/2014/main" id="{3831953B-1458-E626-C916-46717E29E13E}"/>
+              </a:ext>
+            </a:extLst>
+          </p:cNvPr>
+          <p:cNvSpPr>
+            <a:spLocks noGrp="1"/>
+          </p:cNvSpPr>
+          <p:nvPr>
+            <p:ph type="ftr" sz="quarter" idx="11"/>
+          </p:nvPr>
+        </p:nvSpPr>
+        <p:spPr/>
+        <p:txBody>
+          <a:bodyPr/>
+          <a:lstStyle/>
+          <a:p>
+            <a:r>
+              <a:rPr lang="de-DE"/>
+              <a:t>RWTH Aachen | Seminar Data Driven Foresight | 13.01.2025</a:t>
+            </a:r>
+          </a:p>
+        </p:txBody>
+      </p:sp>
+      <p:sp>
+        <p:nvSpPr>
+          <p:cNvPr id="3" name="Foliennummernplatzhalter 2">
+            <a:extLst>
+              <a:ext uri="{FF2B5EF4-FFF2-40B4-BE49-F238E27FC236}">
+                <a16:creationId xmlns:a16="http://schemas.microsoft.com/office/drawing/2014/main" id="{756087FE-A492-F6B7-2889-8E9C1FA1FB92}"/>
+              </a:ext>
+            </a:extLst>
+          </p:cNvPr>
+          <p:cNvSpPr>
+            <a:spLocks noGrp="1"/>
+          </p:cNvSpPr>
+          <p:nvPr>
+            <p:ph type="sldNum" sz="quarter" idx="12"/>
+          </p:nvPr>
+        </p:nvSpPr>
+        <p:spPr/>
+        <p:txBody>
+          <a:bodyPr/>
+          <a:lstStyle/>
+          <a:p>
+            <a:fld id="{330EA680-D336-4FF7-8B7A-9848BB0A1C32}" type="slidenum">
+              <a:rPr lang="en-GB" smtClean="0"/>
+              <a:t>10</a:t>
+            </a:fld>
+            <a:endParaRPr lang="de-DE"/>
+          </a:p>
+        </p:txBody>
+      </p:sp>
     </p:spTree>
     <p:extLst>
       <p:ext uri="{BB962C8B-B14F-4D97-AF65-F5344CB8AC3E}">
@@ -3232,7 +3374,7 @@
           <p:cNvPr id="2" name="Title 1">
             <a:extLst>
               <a:ext uri="{FF2B5EF4-FFF2-40B4-BE49-F238E27FC236}">
-                <a16:creationId xmlns:a16="http://schemas.microsoft.com/office/drawing/2014/main" id="{0D9E3DED-F345-A856-D255-A151064C30E9}"/>
+                <a16:creationId xmlns:a16="http://schemas.microsoft.com/office/drawing/2014/main" id="{C26FA727-A523-B6BC-43A9-4FDA74659C81}"/>
               </a:ext>
             </a:extLst>
           </p:cNvPr>
@@ -3240,7 +3382,7 @@
             <a:spLocks noGrp="1"/>
           </p:cNvSpPr>
           <p:nvPr>
-            <p:ph type="title"/>
+            <p:ph type="ctrTitle"/>
           </p:nvPr>
         </p:nvSpPr>
         <p:spPr/>
@@ -3248,7 +3390,10 @@
           <a:bodyPr/>
           <a:lstStyle/>
           <a:p>
-            <a:endParaRPr lang="en-GB"/>
+            <a:r>
+              <a:rPr lang="en-GB" b="1" dirty="0"/>
+              <a:t>Polymers</a:t>
+            </a:r>
           </a:p>
         </p:txBody>
       </p:sp>
@@ -3257,7 +3402,7 @@
           <p:cNvPr id="3" name="Content Placeholder 2">
             <a:extLst>
               <a:ext uri="{FF2B5EF4-FFF2-40B4-BE49-F238E27FC236}">
-                <a16:creationId xmlns:a16="http://schemas.microsoft.com/office/drawing/2014/main" id="{E2273137-6F7F-12C4-D4AE-E176F5F2240A}"/>
+                <a16:creationId xmlns:a16="http://schemas.microsoft.com/office/drawing/2014/main" id="{AAE42C5C-85A3-BA6D-DFA8-A6B88FB8869E}"/>
               </a:ext>
             </a:extLst>
           </p:cNvPr>
@@ -3265,140 +3410,87 @@
             <a:spLocks noGrp="1"/>
           </p:cNvSpPr>
           <p:nvPr>
-            <p:ph idx="1"/>
+            <p:ph type="subTitle" idx="1"/>
           </p:nvPr>
         </p:nvSpPr>
         <p:spPr/>
         <p:txBody>
-          <a:bodyPr/>
-          <a:lstStyle/>
-          <a:p>
-            <a:endParaRPr lang="en-GB"/>
-          </a:p>
-        </p:txBody>
-      </p:sp>
-      <p:sp>
-        <p:nvSpPr>
-          <p:cNvPr id="5" name="TextBox 4">
+          <a:bodyPr vert="horz" lIns="91440" tIns="45720" rIns="91440" bIns="45720" rtlCol="0" anchor="t">
+            <a:normAutofit/>
+          </a:bodyPr>
+          <a:lstStyle/>
+          <a:p>
+            <a:r>
+              <a:rPr lang="en-GB" sz="6000" dirty="0">
+                <a:latin typeface="Aptos Display"/>
+              </a:rPr>
+              <a:t>Detailed Analysis</a:t>
+            </a:r>
+            <a:endParaRPr lang="en-US" dirty="0"/>
+          </a:p>
+        </p:txBody>
+      </p:sp>
+      <p:sp>
+        <p:nvSpPr>
+          <p:cNvPr id="4" name="Fußzeilenplatzhalter 3">
             <a:extLst>
               <a:ext uri="{FF2B5EF4-FFF2-40B4-BE49-F238E27FC236}">
-                <a16:creationId xmlns:a16="http://schemas.microsoft.com/office/drawing/2014/main" id="{1DB0201F-29C5-2B46-8740-EC9900921B7F}"/>
+                <a16:creationId xmlns:a16="http://schemas.microsoft.com/office/drawing/2014/main" id="{324F5BCF-657F-1006-782E-5D9871D0ED83}"/>
               </a:ext>
             </a:extLst>
           </p:cNvPr>
-          <p:cNvSpPr txBox="1"/>
-          <p:nvPr/>
-        </p:nvSpPr>
-        <p:spPr>
-          <a:xfrm>
-            <a:off x="1855838" y="1157924"/>
-            <a:ext cx="8354126" cy="3785652"/>
-          </a:xfrm>
-          <a:prstGeom prst="rect">
-            <a:avLst/>
-          </a:prstGeom>
-          <a:solidFill>
-            <a:schemeClr val="bg1"/>
-          </a:solidFill>
-        </p:spPr>
-        <p:txBody>
-          <a:bodyPr rot="0" spcFirstLastPara="0" vertOverflow="overflow" horzOverflow="overflow" vert="horz" wrap="square" lIns="91440" tIns="45720" rIns="91440" bIns="45720" numCol="1" spcCol="0" rtlCol="0" fromWordArt="0" anchor="t" anchorCtr="0" forceAA="0" compatLnSpc="1">
-            <a:prstTxWarp prst="textNoShape">
-              <a:avLst/>
-            </a:prstTxWarp>
-            <a:spAutoFit/>
-          </a:bodyPr>
-          <a:lstStyle/>
-          <a:p>
-            <a:r>
-              <a:rPr lang="en-GB" sz="6000" err="1">
-                <a:solidFill>
-                  <a:srgbClr val="FF0000"/>
-                </a:solidFill>
-              </a:rPr>
-              <a:t>Ggf</a:t>
-            </a:r>
-            <a:r>
-              <a:rPr lang="en-GB" sz="6000">
-                <a:solidFill>
-                  <a:srgbClr val="FF0000"/>
-                </a:solidFill>
-              </a:rPr>
-              <a:t>. </a:t>
-            </a:r>
-            <a:r>
-              <a:rPr lang="en-GB" sz="6000" err="1">
-                <a:solidFill>
-                  <a:srgbClr val="FF0000"/>
-                </a:solidFill>
-              </a:rPr>
-              <a:t>Zusammenfassung</a:t>
-            </a:r>
-            <a:r>
-              <a:rPr lang="en-GB" sz="6000">
-                <a:solidFill>
-                  <a:srgbClr val="FF0000"/>
-                </a:solidFill>
-              </a:rPr>
-              <a:t> </a:t>
-            </a:r>
-            <a:r>
-              <a:rPr lang="en-GB" sz="6000" err="1">
-                <a:solidFill>
-                  <a:srgbClr val="FF0000"/>
-                </a:solidFill>
-              </a:rPr>
-              <a:t>Publikationsdynamik</a:t>
-            </a:r>
-          </a:p>
-          <a:p>
-            <a:r>
-              <a:rPr lang="en-GB" sz="6000">
-                <a:solidFill>
-                  <a:srgbClr val="FF0000"/>
-                </a:solidFill>
-              </a:rPr>
-              <a:t>Statt </a:t>
-            </a:r>
-            <a:r>
-              <a:rPr lang="en-GB" sz="6000" err="1">
-                <a:solidFill>
-                  <a:srgbClr val="FF0000"/>
-                </a:solidFill>
-              </a:rPr>
-              <a:t>einzelne</a:t>
-            </a:r>
-            <a:r>
-              <a:rPr lang="en-GB" sz="6000">
-                <a:solidFill>
-                  <a:srgbClr val="FF0000"/>
-                </a:solidFill>
-              </a:rPr>
-              <a:t> </a:t>
-            </a:r>
-            <a:r>
-              <a:rPr lang="en-GB" sz="6000" err="1">
-                <a:solidFill>
-                  <a:srgbClr val="FF0000"/>
-                </a:solidFill>
-              </a:rPr>
-              <a:t>Stichpunkte</a:t>
-            </a:r>
-            <a:r>
-              <a:rPr lang="en-GB" sz="6000">
-                <a:solidFill>
-                  <a:srgbClr val="FF0000"/>
-                </a:solidFill>
-              </a:rPr>
-              <a:t> </a:t>
-            </a:r>
+          <p:cNvSpPr>
+            <a:spLocks noGrp="1"/>
+          </p:cNvSpPr>
+          <p:nvPr>
+            <p:ph type="ftr" sz="quarter" idx="11"/>
+          </p:nvPr>
+        </p:nvSpPr>
+        <p:spPr/>
+        <p:txBody>
+          <a:bodyPr/>
+          <a:lstStyle/>
+          <a:p>
+            <a:r>
+              <a:rPr lang="de-DE"/>
+              <a:t>RWTH Aachen | Seminar Data Driven Foresight | 13.01.2025</a:t>
+            </a:r>
+          </a:p>
+        </p:txBody>
+      </p:sp>
+      <p:sp>
+        <p:nvSpPr>
+          <p:cNvPr id="6" name="Foliennummernplatzhalter 5">
+            <a:extLst>
+              <a:ext uri="{FF2B5EF4-FFF2-40B4-BE49-F238E27FC236}">
+                <a16:creationId xmlns:a16="http://schemas.microsoft.com/office/drawing/2014/main" id="{7F9ABCDC-8A7D-AB50-CC4A-B26A537CF7CE}"/>
+              </a:ext>
+            </a:extLst>
+          </p:cNvPr>
+          <p:cNvSpPr>
+            <a:spLocks noGrp="1"/>
+          </p:cNvSpPr>
+          <p:nvPr>
+            <p:ph type="sldNum" sz="quarter" idx="12"/>
+          </p:nvPr>
+        </p:nvSpPr>
+        <p:spPr/>
+        <p:txBody>
+          <a:bodyPr/>
+          <a:lstStyle/>
+          <a:p>
+            <a:fld id="{330EA680-D336-4FF7-8B7A-9848BB0A1C32}" type="slidenum">
+              <a:rPr lang="en-GB" smtClean="0"/>
+              <a:t>11</a:t>
+            </a:fld>
+            <a:endParaRPr lang="de-DE"/>
           </a:p>
         </p:txBody>
       </p:sp>
     </p:spTree>
     <p:extLst>
       <p:ext uri="{BB962C8B-B14F-4D97-AF65-F5344CB8AC3E}">
-        <p14:creationId xmlns:p14="http://schemas.microsoft.com/office/powerpoint/2010/main" val="341005238"/>
+        <p14:creationId xmlns:p14="http://schemas.microsoft.com/office/powerpoint/2010/main" val="2081908271"/>
       </p:ext>
     </p:extLst>
   </p:cSld>
@@ -3430,97 +3522,6 @@
           <p:cNvPr id="2" name="Title 1">
             <a:extLst>
               <a:ext uri="{FF2B5EF4-FFF2-40B4-BE49-F238E27FC236}">
-                <a16:creationId xmlns:a16="http://schemas.microsoft.com/office/drawing/2014/main" id="{C26FA727-A523-B6BC-43A9-4FDA74659C81}"/>
-              </a:ext>
-            </a:extLst>
-          </p:cNvPr>
-          <p:cNvSpPr>
-            <a:spLocks noGrp="1"/>
-          </p:cNvSpPr>
-          <p:nvPr>
-            <p:ph type="ctrTitle"/>
-          </p:nvPr>
-        </p:nvSpPr>
-        <p:spPr/>
-        <p:txBody>
-          <a:bodyPr/>
-          <a:lstStyle/>
-          <a:p>
-            <a:r>
-              <a:rPr lang="en-GB" b="1" dirty="0"/>
-              <a:t>Polymers</a:t>
-            </a:r>
-          </a:p>
-        </p:txBody>
-      </p:sp>
-      <p:sp>
-        <p:nvSpPr>
-          <p:cNvPr id="3" name="Content Placeholder 2">
-            <a:extLst>
-              <a:ext uri="{FF2B5EF4-FFF2-40B4-BE49-F238E27FC236}">
-                <a16:creationId xmlns:a16="http://schemas.microsoft.com/office/drawing/2014/main" id="{AAE42C5C-85A3-BA6D-DFA8-A6B88FB8869E}"/>
-              </a:ext>
-            </a:extLst>
-          </p:cNvPr>
-          <p:cNvSpPr>
-            <a:spLocks noGrp="1"/>
-          </p:cNvSpPr>
-          <p:nvPr>
-            <p:ph type="subTitle" idx="1"/>
-          </p:nvPr>
-        </p:nvSpPr>
-        <p:spPr/>
-        <p:txBody>
-          <a:bodyPr vert="horz" lIns="91440" tIns="45720" rIns="91440" bIns="45720" rtlCol="0" anchor="t">
-            <a:normAutofit/>
-          </a:bodyPr>
-          <a:lstStyle/>
-          <a:p>
-            <a:r>
-              <a:rPr lang="en-GB" sz="6000">
-                <a:latin typeface="Aptos Display"/>
-              </a:rPr>
-              <a:t>Detailed Analysis</a:t>
-            </a:r>
-            <a:endParaRPr lang="en-US"/>
-          </a:p>
-        </p:txBody>
-      </p:sp>
-    </p:spTree>
-    <p:extLst>
-      <p:ext uri="{BB962C8B-B14F-4D97-AF65-F5344CB8AC3E}">
-        <p14:creationId xmlns:p14="http://schemas.microsoft.com/office/powerpoint/2010/main" val="2081908271"/>
-      </p:ext>
-    </p:extLst>
-  </p:cSld>
-  <p:clrMapOvr>
-    <a:masterClrMapping/>
-  </p:clrMapOvr>
-</p:sld>
-</file>
-
-<file path=ppt/slides/slide13.xml><?xml version="1.0" encoding="utf-8"?>
-<p:sld xmlns:a="http://schemas.openxmlformats.org/drawingml/2006/main" xmlns:r="http://schemas.openxmlformats.org/officeDocument/2006/relationships" xmlns:p="http://schemas.openxmlformats.org/presentationml/2006/main">
-  <p:cSld>
-    <p:spTree>
-      <p:nvGrpSpPr>
-        <p:cNvPr id="1" name=""/>
-        <p:cNvGrpSpPr/>
-        <p:nvPr/>
-      </p:nvGrpSpPr>
-      <p:grpSpPr>
-        <a:xfrm>
-          <a:off x="0" y="0"/>
-          <a:ext cx="0" cy="0"/>
-          <a:chOff x="0" y="0"/>
-          <a:chExt cx="0" cy="0"/>
-        </a:xfrm>
-      </p:grpSpPr>
-      <p:sp>
-        <p:nvSpPr>
-          <p:cNvPr id="2" name="Title 1">
-            <a:extLst>
-              <a:ext uri="{FF2B5EF4-FFF2-40B4-BE49-F238E27FC236}">
                 <a16:creationId xmlns:a16="http://schemas.microsoft.com/office/drawing/2014/main" id="{8A738D5E-E749-E8E0-A0EE-47ED215D46EF}"/>
               </a:ext>
             </a:extLst>
@@ -3546,7 +3547,7 @@
           <a:p>
             <a:r>
               <a:rPr lang="en-GB" b="1" dirty="0"/>
-              <a:t>Institutes with most publications affiliated to them regarding polymer materials</a:t>
+              <a:t>Chinese Academy of Sciences (CAS) dominates the field</a:t>
             </a:r>
           </a:p>
         </p:txBody>
@@ -3584,7 +3585,7 @@
             </a:pPr>
             <a:r>
               <a:rPr lang="en-GB" dirty="0"/>
-              <a:t>The institute with the most affiliations has more than twice the number of affiliations as the institute with the second-highest number</a:t>
+              <a:t>The CAS has more than twice the number of affiliations as the institution with the second-highest number</a:t>
             </a:r>
           </a:p>
           <a:p>
@@ -3593,7 +3594,7 @@
             </a:pPr>
             <a:r>
               <a:rPr lang="en-GB" dirty="0"/>
-              <a:t>Most institutes are located in China</a:t>
+              <a:t>Most institutions are located in China</a:t>
             </a:r>
           </a:p>
           <a:p>
@@ -3602,7 +3603,7 @@
             </a:pPr>
             <a:r>
               <a:rPr lang="en-GB" dirty="0"/>
-              <a:t>The Chinese Academy of Sciences (CAS) appears under three different names, possibly due to translation variations:</a:t>
+              <a:t>The CAS appears under different names, e.g.:</a:t>
             </a:r>
           </a:p>
           <a:p>
@@ -3637,12 +3638,69 @@
           </a:p>
         </p:txBody>
       </p:sp>
+      <p:sp>
+        <p:nvSpPr>
+          <p:cNvPr id="11" name="Fußzeilenplatzhalter 10">
+            <a:extLst>
+              <a:ext uri="{FF2B5EF4-FFF2-40B4-BE49-F238E27FC236}">
+                <a16:creationId xmlns:a16="http://schemas.microsoft.com/office/drawing/2014/main" id="{D7EBCD02-16C0-A5B0-B949-B9ABE4B4A19F}"/>
+              </a:ext>
+            </a:extLst>
+          </p:cNvPr>
+          <p:cNvSpPr>
+            <a:spLocks noGrp="1"/>
+          </p:cNvSpPr>
+          <p:nvPr>
+            <p:ph type="ftr" sz="quarter" idx="11"/>
+          </p:nvPr>
+        </p:nvSpPr>
+        <p:spPr/>
+        <p:txBody>
+          <a:bodyPr/>
+          <a:lstStyle/>
+          <a:p>
+            <a:r>
+              <a:rPr lang="de-DE"/>
+              <a:t>RWTH Aachen | Seminar Data Driven Foresight | 13.01.2025</a:t>
+            </a:r>
+          </a:p>
+        </p:txBody>
+      </p:sp>
+      <p:sp>
+        <p:nvSpPr>
+          <p:cNvPr id="12" name="Foliennummernplatzhalter 11">
+            <a:extLst>
+              <a:ext uri="{FF2B5EF4-FFF2-40B4-BE49-F238E27FC236}">
+                <a16:creationId xmlns:a16="http://schemas.microsoft.com/office/drawing/2014/main" id="{72005631-17D0-0EDE-5416-EE31C7FC239A}"/>
+              </a:ext>
+            </a:extLst>
+          </p:cNvPr>
+          <p:cNvSpPr>
+            <a:spLocks noGrp="1"/>
+          </p:cNvSpPr>
+          <p:nvPr>
+            <p:ph type="sldNum" sz="quarter" idx="12"/>
+          </p:nvPr>
+        </p:nvSpPr>
+        <p:spPr/>
+        <p:txBody>
+          <a:bodyPr/>
+          <a:lstStyle/>
+          <a:p>
+            <a:fld id="{330EA680-D336-4FF7-8B7A-9848BB0A1C32}" type="slidenum">
+              <a:rPr lang="en-GB" smtClean="0"/>
+              <a:t>12</a:t>
+            </a:fld>
+            <a:endParaRPr lang="de-DE"/>
+          </a:p>
+        </p:txBody>
+      </p:sp>
       <p:pic>
         <p:nvPicPr>
-          <p:cNvPr id="10" name="Inhaltsplatzhalter 9" descr="Ein Bild, das Text, Screenshot, Schrift, parallel enthält.&#10;&#10;Beschreibung automatisch generiert.">
+          <p:cNvPr id="18" name="Inhaltsplatzhalter 17" descr="Ein Bild, das Text, Screenshot, parallel, Schrift enthält.&#10;&#10;Beschreibung automatisch generiert.">
             <a:extLst>
               <a:ext uri="{FF2B5EF4-FFF2-40B4-BE49-F238E27FC236}">
-                <a16:creationId xmlns:a16="http://schemas.microsoft.com/office/drawing/2014/main" id="{F14A3029-C9F7-E342-BE81-7E0EF6096C94}"/>
+                <a16:creationId xmlns:a16="http://schemas.microsoft.com/office/drawing/2014/main" id="{32E415A5-37DD-46EB-361F-D68601028D12}"/>
               </a:ext>
             </a:extLst>
           </p:cNvPr>
@@ -3679,7 +3737,7 @@
 </p:sld>
 </file>
 
-<file path=ppt/slides/slide14.xml><?xml version="1.0" encoding="utf-8"?>
+<file path=ppt/slides/slide13.xml><?xml version="1.0" encoding="utf-8"?>
 <p:sld xmlns:a="http://schemas.openxmlformats.org/drawingml/2006/main" xmlns:r="http://schemas.openxmlformats.org/officeDocument/2006/relationships" xmlns:p="http://schemas.openxmlformats.org/presentationml/2006/main">
   <p:cSld>
     <p:spTree>
@@ -3732,8 +3790,9 @@
           <a:p>
             <a:r>
               <a:rPr lang="en-GB" b="1" dirty="0"/>
-              <a:t>Institutes with most publications affiliated to them regarding polymer materials</a:t>
-            </a:r>
+              <a:t>Chinese Academy of Sciences (CAS) dominates the field</a:t>
+            </a:r>
+            <a:endParaRPr lang="de-DE" dirty="0"/>
           </a:p>
         </p:txBody>
       </p:sp>
@@ -3770,7 +3829,7 @@
             </a:pPr>
             <a:r>
               <a:rPr lang="en-GB" dirty="0"/>
-              <a:t>Chinese Academy of Science is a research organization, while others are university branches situated in Beijing and Hefei respectively</a:t>
+              <a:t>Chinese Academy of Science is a head research organization, with several branches situated in China listed additionally</a:t>
             </a:r>
           </a:p>
           <a:p>
@@ -3795,12 +3854,69 @@
           </a:p>
         </p:txBody>
       </p:sp>
+      <p:sp>
+        <p:nvSpPr>
+          <p:cNvPr id="11" name="Fußzeilenplatzhalter 10">
+            <a:extLst>
+              <a:ext uri="{FF2B5EF4-FFF2-40B4-BE49-F238E27FC236}">
+                <a16:creationId xmlns:a16="http://schemas.microsoft.com/office/drawing/2014/main" id="{254E0422-20C1-5158-FEEA-B00FC3EAAA5B}"/>
+              </a:ext>
+            </a:extLst>
+          </p:cNvPr>
+          <p:cNvSpPr>
+            <a:spLocks noGrp="1"/>
+          </p:cNvSpPr>
+          <p:nvPr>
+            <p:ph type="ftr" sz="quarter" idx="11"/>
+          </p:nvPr>
+        </p:nvSpPr>
+        <p:spPr/>
+        <p:txBody>
+          <a:bodyPr/>
+          <a:lstStyle/>
+          <a:p>
+            <a:r>
+              <a:rPr lang="de-DE"/>
+              <a:t>RWTH Aachen | Seminar Data Driven Foresight | 13.01.2025</a:t>
+            </a:r>
+          </a:p>
+        </p:txBody>
+      </p:sp>
+      <p:sp>
+        <p:nvSpPr>
+          <p:cNvPr id="12" name="Foliennummernplatzhalter 11">
+            <a:extLst>
+              <a:ext uri="{FF2B5EF4-FFF2-40B4-BE49-F238E27FC236}">
+                <a16:creationId xmlns:a16="http://schemas.microsoft.com/office/drawing/2014/main" id="{F58D2ED1-060E-ED0A-7FB4-C03E9AC557EE}"/>
+              </a:ext>
+            </a:extLst>
+          </p:cNvPr>
+          <p:cNvSpPr>
+            <a:spLocks noGrp="1"/>
+          </p:cNvSpPr>
+          <p:nvPr>
+            <p:ph type="sldNum" sz="quarter" idx="12"/>
+          </p:nvPr>
+        </p:nvSpPr>
+        <p:spPr/>
+        <p:txBody>
+          <a:bodyPr/>
+          <a:lstStyle/>
+          <a:p>
+            <a:fld id="{330EA680-D336-4FF7-8B7A-9848BB0A1C32}" type="slidenum">
+              <a:rPr lang="en-GB" smtClean="0"/>
+              <a:t>13</a:t>
+            </a:fld>
+            <a:endParaRPr lang="de-DE"/>
+          </a:p>
+        </p:txBody>
+      </p:sp>
       <p:pic>
         <p:nvPicPr>
-          <p:cNvPr id="10" name="Inhaltsplatzhalter 9">
+          <p:cNvPr id="15" name="Inhaltsplatzhalter 14" descr="Ein Bild, das Text, Screenshot, Schrift, parallel enthält.&#10;&#10;Beschreibung automatisch generiert.">
             <a:extLst>
               <a:ext uri="{FF2B5EF4-FFF2-40B4-BE49-F238E27FC236}">
-                <a16:creationId xmlns:a16="http://schemas.microsoft.com/office/drawing/2014/main" id="{276A2A0E-D6E4-1873-4913-402771CD7DD9}"/>
+                <a16:creationId xmlns:a16="http://schemas.microsoft.com/office/drawing/2014/main" id="{9BCA7541-324D-F26E-5BA5-06BFEBB48E78}"/>
               </a:ext>
             </a:extLst>
           </p:cNvPr>
@@ -3837,6 +3953,186 @@
 </p:sld>
 </file>
 
+<file path=ppt/slides/slide14.xml><?xml version="1.0" encoding="utf-8"?>
+<p:sld xmlns:a="http://schemas.openxmlformats.org/drawingml/2006/main" xmlns:r="http://schemas.openxmlformats.org/officeDocument/2006/relationships" xmlns:p="http://schemas.openxmlformats.org/presentationml/2006/main">
+  <p:cSld>
+    <p:spTree>
+      <p:nvGrpSpPr>
+        <p:cNvPr id="1" name=""/>
+        <p:cNvGrpSpPr/>
+        <p:nvPr/>
+      </p:nvGrpSpPr>
+      <p:grpSpPr>
+        <a:xfrm>
+          <a:off x="0" y="0"/>
+          <a:ext cx="0" cy="0"/>
+          <a:chOff x="0" y="0"/>
+          <a:chExt cx="0" cy="0"/>
+        </a:xfrm>
+      </p:grpSpPr>
+      <p:sp>
+        <p:nvSpPr>
+          <p:cNvPr id="2" name="Title 1">
+            <a:extLst>
+              <a:ext uri="{FF2B5EF4-FFF2-40B4-BE49-F238E27FC236}">
+                <a16:creationId xmlns:a16="http://schemas.microsoft.com/office/drawing/2014/main" id="{8A738D5E-E749-E8E0-A0EE-47ED215D46EF}"/>
+              </a:ext>
+            </a:extLst>
+          </p:cNvPr>
+          <p:cNvSpPr>
+            <a:spLocks noGrp="1"/>
+          </p:cNvSpPr>
+          <p:nvPr>
+            <p:ph type="title"/>
+          </p:nvPr>
+        </p:nvSpPr>
+        <p:spPr>
+          <a:xfrm>
+            <a:off x="839788" y="457200"/>
+            <a:ext cx="10517651" cy="1048835"/>
+          </a:xfrm>
+        </p:spPr>
+        <p:txBody>
+          <a:bodyPr vert="horz" lIns="91440" tIns="45720" rIns="91440" bIns="45720" rtlCol="0" anchor="t">
+            <a:normAutofit/>
+          </a:bodyPr>
+          <a:lstStyle/>
+          <a:p>
+            <a:pPr>
+              <a:spcBef>
+                <a:spcPts val="1000"/>
+              </a:spcBef>
+            </a:pPr>
+            <a:r>
+              <a:rPr lang="en-GB" b="1" dirty="0">
+                <a:ea typeface="+mj-lt"/>
+                <a:cs typeface="+mj-lt"/>
+              </a:rPr>
+              <a:t>Most papers are </a:t>
+            </a:r>
+            <a:r>
+              <a:rPr lang="de-DE" b="1" err="1">
+                <a:ea typeface="+mj-lt"/>
+                <a:cs typeface="+mj-lt"/>
+              </a:rPr>
+              <a:t>affiliated</a:t>
+            </a:r>
+            <a:r>
+              <a:rPr lang="en-GB" b="1" dirty="0">
+                <a:ea typeface="+mj-lt"/>
+                <a:cs typeface="+mj-lt"/>
+              </a:rPr>
+              <a:t> with institutions in China and the USA</a:t>
+            </a:r>
+            <a:endParaRPr lang="en-US" dirty="0">
+              <a:ea typeface="+mj-lt"/>
+              <a:cs typeface="+mj-lt"/>
+            </a:endParaRPr>
+          </a:p>
+          <a:p>
+            <a:endParaRPr lang="en-GB" b="1" dirty="0"/>
+          </a:p>
+        </p:txBody>
+      </p:sp>
+      <p:pic>
+        <p:nvPicPr>
+          <p:cNvPr id="11" name="Inhaltsplatzhalter 10" descr="Ein Bild, das Text, Screenshot, Diagramm, Reihe enthält.&#10;&#10;Beschreibung automatisch generiert.">
+            <a:extLst>
+              <a:ext uri="{FF2B5EF4-FFF2-40B4-BE49-F238E27FC236}">
+                <a16:creationId xmlns:a16="http://schemas.microsoft.com/office/drawing/2014/main" id="{881C3648-A168-860A-F85E-A21D2C19BE83}"/>
+              </a:ext>
+            </a:extLst>
+          </p:cNvPr>
+          <p:cNvPicPr>
+            <a:picLocks noGrp="1" noChangeAspect="1"/>
+          </p:cNvPicPr>
+          <p:nvPr>
+            <p:ph idx="1"/>
+          </p:nvPr>
+        </p:nvPicPr>
+        <p:blipFill>
+          <a:blip r:embed="rId2"/>
+          <a:stretch>
+            <a:fillRect/>
+          </a:stretch>
+        </p:blipFill>
+        <p:spPr>
+          <a:xfrm>
+            <a:off x="2198069" y="1502510"/>
+            <a:ext cx="7793463" cy="4673599"/>
+          </a:xfrm>
+        </p:spPr>
+      </p:pic>
+      <p:sp>
+        <p:nvSpPr>
+          <p:cNvPr id="12" name="Fußzeilenplatzhalter 11">
+            <a:extLst>
+              <a:ext uri="{FF2B5EF4-FFF2-40B4-BE49-F238E27FC236}">
+                <a16:creationId xmlns:a16="http://schemas.microsoft.com/office/drawing/2014/main" id="{979D8BB6-A940-CC9A-CFBC-4D5D35239055}"/>
+              </a:ext>
+            </a:extLst>
+          </p:cNvPr>
+          <p:cNvSpPr>
+            <a:spLocks noGrp="1"/>
+          </p:cNvSpPr>
+          <p:nvPr>
+            <p:ph type="ftr" sz="quarter" idx="11"/>
+          </p:nvPr>
+        </p:nvSpPr>
+        <p:spPr/>
+        <p:txBody>
+          <a:bodyPr/>
+          <a:lstStyle/>
+          <a:p>
+            <a:r>
+              <a:rPr lang="de-DE"/>
+              <a:t>RWTH Aachen | Seminar Data Driven Foresight | 13.01.2025</a:t>
+            </a:r>
+          </a:p>
+        </p:txBody>
+      </p:sp>
+      <p:sp>
+        <p:nvSpPr>
+          <p:cNvPr id="13" name="Foliennummernplatzhalter 12">
+            <a:extLst>
+              <a:ext uri="{FF2B5EF4-FFF2-40B4-BE49-F238E27FC236}">
+                <a16:creationId xmlns:a16="http://schemas.microsoft.com/office/drawing/2014/main" id="{52256555-B551-3CC9-E96E-4EFB4DD9BE86}"/>
+              </a:ext>
+            </a:extLst>
+          </p:cNvPr>
+          <p:cNvSpPr>
+            <a:spLocks noGrp="1"/>
+          </p:cNvSpPr>
+          <p:nvPr>
+            <p:ph type="sldNum" sz="quarter" idx="12"/>
+          </p:nvPr>
+        </p:nvSpPr>
+        <p:spPr/>
+        <p:txBody>
+          <a:bodyPr/>
+          <a:lstStyle/>
+          <a:p>
+            <a:fld id="{330EA680-D336-4FF7-8B7A-9848BB0A1C32}" type="slidenum">
+              <a:rPr lang="en-GB" smtClean="0"/>
+              <a:t>14</a:t>
+            </a:fld>
+            <a:endParaRPr lang="de-DE"/>
+          </a:p>
+        </p:txBody>
+      </p:sp>
+    </p:spTree>
+    <p:extLst>
+      <p:ext uri="{BB962C8B-B14F-4D97-AF65-F5344CB8AC3E}">
+        <p14:creationId xmlns:p14="http://schemas.microsoft.com/office/powerpoint/2010/main" val="4262371085"/>
+      </p:ext>
+    </p:extLst>
+  </p:cSld>
+  <p:clrMapOvr>
+    <a:masterClrMapping/>
+  </p:clrMapOvr>
+</p:sld>
+</file>
+
 <file path=ppt/slides/slide15.xml><?xml version="1.0" encoding="utf-8"?>
 <p:sld xmlns:a="http://schemas.openxmlformats.org/drawingml/2006/main" xmlns:r="http://schemas.openxmlformats.org/officeDocument/2006/relationships" xmlns:p="http://schemas.openxmlformats.org/presentationml/2006/main">
   <p:cSld>
@@ -3884,8 +4180,9 @@
           <a:p>
             <a:r>
               <a:rPr lang="en-GB" b="1" dirty="0"/>
-              <a:t>Countries with most publications affiliated to them regarding polymer materials</a:t>
-            </a:r>
+              <a:t>Adjusting for population size...</a:t>
+            </a:r>
+            <a:endParaRPr lang="de-DE" dirty="0"/>
           </a:p>
         </p:txBody>
       </p:sp>
@@ -3907,8 +4204,8 @@
         </p:nvSpPr>
         <p:spPr>
           <a:xfrm>
-            <a:off x="839788" y="1574180"/>
-            <a:ext cx="3932237" cy="3706271"/>
+            <a:off x="832733" y="4749180"/>
+            <a:ext cx="10529181" cy="1554327"/>
           </a:xfrm>
         </p:spPr>
         <p:txBody>
@@ -3918,55 +4215,46 @@
           <a:lstStyle/>
           <a:p>
             <a:pPr marL="285750" indent="-285750">
-              <a:buFont typeface="Arial" panose="020B0604020202020204" pitchFamily="34" charset="0"/>
               <a:buChar char="•"/>
             </a:pPr>
             <a:r>
               <a:rPr lang="en-GB" dirty="0"/>
-              <a:t>Most papers are </a:t>
-            </a:r>
-            <a:r>
-              <a:rPr lang="de-DE" dirty="0" err="1"/>
-              <a:t>affiliated</a:t>
-            </a:r>
-            <a:r>
-              <a:rPr lang="en-GB" dirty="0"/>
-              <a:t> with institutions in </a:t>
-            </a:r>
-            <a:r>
-              <a:rPr lang="en-GB" b="1" dirty="0"/>
-              <a:t>China</a:t>
-            </a:r>
-            <a:r>
-              <a:rPr lang="en-GB" dirty="0"/>
-              <a:t> and the </a:t>
-            </a:r>
-            <a:r>
-              <a:rPr lang="en-GB" b="1" dirty="0"/>
-              <a:t>USA</a:t>
-            </a:r>
-            <a:endParaRPr lang="en-US" b="1" dirty="0"/>
+              <a:t>Singapore, Belgium, and the Netherlands have the highest number of publications affiliated to them</a:t>
+            </a:r>
           </a:p>
           <a:p>
             <a:pPr marL="285750" indent="-285750">
               <a:buChar char="•"/>
             </a:pPr>
-            <a:endParaRPr lang="en-GB" dirty="0"/>
-          </a:p>
-          <a:p>
-            <a:pPr marL="285750" indent="-285750">
-              <a:buChar char="•"/>
-            </a:pPr>
+            <a:r>
+              <a:rPr lang="en-GB" dirty="0"/>
+              <a:t>Population data is sourced from </a:t>
+            </a:r>
+            <a:r>
+              <a:rPr lang="en-GB" dirty="0">
+                <a:ea typeface="+mn-lt"/>
+                <a:cs typeface="+mn-lt"/>
+                <a:hlinkClick r:id="rId2"/>
+              </a:rPr>
+              <a:t>www.census.gov</a:t>
+            </a:r>
+            <a:r>
+              <a:rPr lang="en-GB" dirty="0">
+                <a:ea typeface="+mn-lt"/>
+                <a:cs typeface="+mn-lt"/>
+              </a:rPr>
+              <a:t> (January 2025)</a:t>
+            </a:r>
             <a:endParaRPr lang="en-GB" dirty="0"/>
           </a:p>
         </p:txBody>
       </p:sp>
       <p:pic>
         <p:nvPicPr>
-          <p:cNvPr id="11" name="Inhaltsplatzhalter 10" descr="Ein Bild, das Text, Screenshot, Diagramm, Reihe enthält.&#10;&#10;Beschreibung automatisch generiert.">
+          <p:cNvPr id="5" name="Content Placeholder 4" descr="A graph of a number of people&#10;&#10;Description automatically generated">
             <a:extLst>
               <a:ext uri="{FF2B5EF4-FFF2-40B4-BE49-F238E27FC236}">
-                <a16:creationId xmlns:a16="http://schemas.microsoft.com/office/drawing/2014/main" id="{881C3648-A168-860A-F85E-A21D2C19BE83}"/>
+                <a16:creationId xmlns:a16="http://schemas.microsoft.com/office/drawing/2014/main" id="{A6E6866C-D4BC-78C8-85B6-7E5BE0B54248}"/>
               </a:ext>
             </a:extLst>
           </p:cNvPr>
@@ -3978,22 +4266,79 @@
           </p:nvPr>
         </p:nvPicPr>
         <p:blipFill>
-          <a:blip r:embed="rId2"/>
+          <a:blip r:embed="rId3"/>
           <a:stretch>
             <a:fillRect/>
           </a:stretch>
         </p:blipFill>
         <p:spPr>
           <a:xfrm>
-            <a:off x="5221288" y="1595437"/>
-            <a:ext cx="6096000" cy="3657600"/>
+            <a:off x="540431" y="1652588"/>
+            <a:ext cx="11110230" cy="3332388"/>
           </a:xfrm>
         </p:spPr>
       </p:pic>
+      <p:sp>
+        <p:nvSpPr>
+          <p:cNvPr id="3" name="Fußzeilenplatzhalter 2">
+            <a:extLst>
+              <a:ext uri="{FF2B5EF4-FFF2-40B4-BE49-F238E27FC236}">
+                <a16:creationId xmlns:a16="http://schemas.microsoft.com/office/drawing/2014/main" id="{B8A174D9-81FB-4E62-BEBB-414361A4556C}"/>
+              </a:ext>
+            </a:extLst>
+          </p:cNvPr>
+          <p:cNvSpPr>
+            <a:spLocks noGrp="1"/>
+          </p:cNvSpPr>
+          <p:nvPr>
+            <p:ph type="ftr" sz="quarter" idx="11"/>
+          </p:nvPr>
+        </p:nvSpPr>
+        <p:spPr/>
+        <p:txBody>
+          <a:bodyPr/>
+          <a:lstStyle/>
+          <a:p>
+            <a:r>
+              <a:rPr lang="de-DE"/>
+              <a:t>RWTH Aachen | Seminar Data Driven Foresight | 13.01.2025</a:t>
+            </a:r>
+          </a:p>
+        </p:txBody>
+      </p:sp>
+      <p:sp>
+        <p:nvSpPr>
+          <p:cNvPr id="4" name="Foliennummernplatzhalter 3">
+            <a:extLst>
+              <a:ext uri="{FF2B5EF4-FFF2-40B4-BE49-F238E27FC236}">
+                <a16:creationId xmlns:a16="http://schemas.microsoft.com/office/drawing/2014/main" id="{0884E476-427E-8321-C84E-208B353A77DB}"/>
+              </a:ext>
+            </a:extLst>
+          </p:cNvPr>
+          <p:cNvSpPr>
+            <a:spLocks noGrp="1"/>
+          </p:cNvSpPr>
+          <p:nvPr>
+            <p:ph type="sldNum" sz="quarter" idx="12"/>
+          </p:nvPr>
+        </p:nvSpPr>
+        <p:spPr/>
+        <p:txBody>
+          <a:bodyPr/>
+          <a:lstStyle/>
+          <a:p>
+            <a:fld id="{330EA680-D336-4FF7-8B7A-9848BB0A1C32}" type="slidenum">
+              <a:rPr lang="en-GB" smtClean="0"/>
+              <a:t>15</a:t>
+            </a:fld>
+            <a:endParaRPr lang="de-DE"/>
+          </a:p>
+        </p:txBody>
+      </p:sp>
     </p:spTree>
     <p:extLst>
       <p:ext uri="{BB962C8B-B14F-4D97-AF65-F5344CB8AC3E}">
-        <p14:creationId xmlns:p14="http://schemas.microsoft.com/office/powerpoint/2010/main" val="4262371085"/>
+        <p14:creationId xmlns:p14="http://schemas.microsoft.com/office/powerpoint/2010/main" val="2163132736"/>
       </p:ext>
     </p:extLst>
   </p:cSld>
@@ -4022,203 +4367,6 @@
       </p:grpSpPr>
       <p:sp>
         <p:nvSpPr>
-          <p:cNvPr id="2" name="Title 1">
-            <a:extLst>
-              <a:ext uri="{FF2B5EF4-FFF2-40B4-BE49-F238E27FC236}">
-                <a16:creationId xmlns:a16="http://schemas.microsoft.com/office/drawing/2014/main" id="{8A738D5E-E749-E8E0-A0EE-47ED215D46EF}"/>
-              </a:ext>
-            </a:extLst>
-          </p:cNvPr>
-          <p:cNvSpPr>
-            <a:spLocks noGrp="1"/>
-          </p:cNvSpPr>
-          <p:nvPr>
-            <p:ph type="title"/>
-          </p:nvPr>
-        </p:nvSpPr>
-        <p:spPr>
-          <a:xfrm>
-            <a:off x="839788" y="457200"/>
-            <a:ext cx="10517651" cy="1048835"/>
-          </a:xfrm>
-        </p:spPr>
-        <p:txBody>
-          <a:bodyPr vert="horz" lIns="91440" tIns="45720" rIns="91440" bIns="45720" rtlCol="0" anchor="t">
-            <a:normAutofit/>
-          </a:bodyPr>
-          <a:lstStyle/>
-          <a:p>
-            <a:r>
-              <a:rPr lang="en-GB" b="1" dirty="0"/>
-              <a:t>Countries with most publications affiliated to them regarding polymer materials, scaled by population</a:t>
-            </a:r>
-          </a:p>
-        </p:txBody>
-      </p:sp>
-      <p:sp>
-        <p:nvSpPr>
-          <p:cNvPr id="8" name="Text Placeholder 7">
-            <a:extLst>
-              <a:ext uri="{FF2B5EF4-FFF2-40B4-BE49-F238E27FC236}">
-                <a16:creationId xmlns:a16="http://schemas.microsoft.com/office/drawing/2014/main" id="{A6E5084A-F6BC-6D7F-4C69-E9374639CCDA}"/>
-              </a:ext>
-            </a:extLst>
-          </p:cNvPr>
-          <p:cNvSpPr>
-            <a:spLocks noGrp="1"/>
-          </p:cNvSpPr>
-          <p:nvPr>
-            <p:ph type="body" sz="half" idx="2"/>
-          </p:nvPr>
-        </p:nvSpPr>
-        <p:spPr>
-          <a:xfrm>
-            <a:off x="832733" y="4749180"/>
-            <a:ext cx="10529181" cy="1554327"/>
-          </a:xfrm>
-        </p:spPr>
-        <p:txBody>
-          <a:bodyPr vert="horz" lIns="91440" tIns="45720" rIns="91440" bIns="45720" rtlCol="0" anchor="ctr">
-            <a:normAutofit/>
-          </a:bodyPr>
-          <a:lstStyle/>
-          <a:p>
-            <a:pPr marL="285750" indent="-285750">
-              <a:buChar char="•"/>
-            </a:pPr>
-            <a:r>
-              <a:rPr lang="en-GB" dirty="0"/>
-              <a:t>When adjusted for population size, Singapore, Belgium, and the Netherlands have the highest number of publications affiliated to them</a:t>
-            </a:r>
-          </a:p>
-          <a:p>
-            <a:pPr marL="285750" indent="-285750">
-              <a:buChar char="•"/>
-            </a:pPr>
-            <a:r>
-              <a:rPr lang="en-GB" dirty="0"/>
-              <a:t>Population data is sourced from </a:t>
-            </a:r>
-            <a:r>
-              <a:rPr lang="en-GB" dirty="0">
-                <a:ea typeface="+mn-lt"/>
-                <a:cs typeface="+mn-lt"/>
-                <a:hlinkClick r:id="rId2"/>
-              </a:rPr>
-              <a:t>www.census.gov</a:t>
-            </a:r>
-            <a:r>
-              <a:rPr lang="en-GB" dirty="0">
-                <a:ea typeface="+mn-lt"/>
-                <a:cs typeface="+mn-lt"/>
-              </a:rPr>
-              <a:t> (January 2025)</a:t>
-            </a:r>
-            <a:endParaRPr lang="en-GB" dirty="0"/>
-          </a:p>
-        </p:txBody>
-      </p:sp>
-      <p:pic>
-        <p:nvPicPr>
-          <p:cNvPr id="5" name="Content Placeholder 4" descr="A graph of a number of people&#10;&#10;Description automatically generated">
-            <a:extLst>
-              <a:ext uri="{FF2B5EF4-FFF2-40B4-BE49-F238E27FC236}">
-                <a16:creationId xmlns:a16="http://schemas.microsoft.com/office/drawing/2014/main" id="{A6E6866C-D4BC-78C8-85B6-7E5BE0B54248}"/>
-              </a:ext>
-            </a:extLst>
-          </p:cNvPr>
-          <p:cNvPicPr>
-            <a:picLocks noGrp="1" noChangeAspect="1"/>
-          </p:cNvPicPr>
-          <p:nvPr>
-            <p:ph idx="1"/>
-          </p:nvPr>
-        </p:nvPicPr>
-        <p:blipFill>
-          <a:blip r:embed="rId3"/>
-          <a:stretch>
-            <a:fillRect/>
-          </a:stretch>
-        </p:blipFill>
-        <p:spPr>
-          <a:xfrm>
-            <a:off x="540431" y="1652588"/>
-            <a:ext cx="11110230" cy="3332388"/>
-          </a:xfrm>
-        </p:spPr>
-      </p:pic>
-    </p:spTree>
-    <p:extLst>
-      <p:ext uri="{BB962C8B-B14F-4D97-AF65-F5344CB8AC3E}">
-        <p14:creationId xmlns:p14="http://schemas.microsoft.com/office/powerpoint/2010/main" val="2163132736"/>
-      </p:ext>
-    </p:extLst>
-  </p:cSld>
-  <p:clrMapOvr>
-    <a:masterClrMapping/>
-  </p:clrMapOvr>
-</p:sld>
-</file>
-
-<file path=ppt/slides/slide17.xml><?xml version="1.0" encoding="utf-8"?>
-<p:sld xmlns:a="http://schemas.openxmlformats.org/drawingml/2006/main" xmlns:r="http://schemas.openxmlformats.org/officeDocument/2006/relationships" xmlns:p="http://schemas.openxmlformats.org/presentationml/2006/main">
-  <p:cSld>
-    <p:spTree>
-      <p:nvGrpSpPr>
-        <p:cNvPr id="1" name=""/>
-        <p:cNvGrpSpPr/>
-        <p:nvPr/>
-      </p:nvGrpSpPr>
-      <p:grpSpPr>
-        <a:xfrm>
-          <a:off x="0" y="0"/>
-          <a:ext cx="0" cy="0"/>
-          <a:chOff x="0" y="0"/>
-          <a:chExt cx="0" cy="0"/>
-        </a:xfrm>
-      </p:grpSpPr>
-      <p:sp>
-        <p:nvSpPr>
-          <p:cNvPr id="2" name="Title 1">
-            <a:extLst>
-              <a:ext uri="{FF2B5EF4-FFF2-40B4-BE49-F238E27FC236}">
-                <a16:creationId xmlns:a16="http://schemas.microsoft.com/office/drawing/2014/main" id="{A1B1FB28-5B8C-BCFB-04B3-54966AAE995C}"/>
-              </a:ext>
-            </a:extLst>
-          </p:cNvPr>
-          <p:cNvSpPr>
-            <a:spLocks noGrp="1"/>
-          </p:cNvSpPr>
-          <p:nvPr>
-            <p:ph type="title"/>
-          </p:nvPr>
-        </p:nvSpPr>
-        <p:spPr>
-          <a:xfrm>
-            <a:off x="834561" y="1244006"/>
-            <a:ext cx="3937464" cy="643270"/>
-          </a:xfrm>
-        </p:spPr>
-        <p:txBody>
-          <a:bodyPr>
-            <a:normAutofit/>
-          </a:bodyPr>
-          <a:lstStyle/>
-          <a:p>
-            <a:r>
-              <a:rPr lang="en-US" sz="2400" b="1" dirty="0" err="1"/>
-              <a:t>Espacenet</a:t>
-            </a:r>
-            <a:r>
-              <a:rPr lang="en-US" sz="2400" b="1" dirty="0"/>
-              <a:t> data:</a:t>
-            </a:r>
-            <a:endParaRPr lang="en-DE" sz="2800" b="1"/>
-          </a:p>
-        </p:txBody>
-      </p:sp>
-      <p:sp>
-        <p:nvSpPr>
           <p:cNvPr id="4" name="Text Placeholder 3">
             <a:extLst>
               <a:ext uri="{FF2B5EF4-FFF2-40B4-BE49-F238E27FC236}">
@@ -4233,9 +4381,16 @@
             <p:ph type="body" sz="half" idx="2"/>
           </p:nvPr>
         </p:nvSpPr>
-        <p:spPr/>
-        <p:txBody>
-          <a:bodyPr/>
+        <p:spPr>
+          <a:xfrm>
+            <a:off x="914129" y="1592766"/>
+            <a:ext cx="3932237" cy="3811588"/>
+          </a:xfrm>
+        </p:spPr>
+        <p:txBody>
+          <a:bodyPr vert="horz" lIns="91440" tIns="45720" rIns="91440" bIns="45720" rtlCol="0" anchor="ctr">
+            <a:normAutofit/>
+          </a:bodyPr>
           <a:lstStyle/>
           <a:p>
             <a:pPr marL="285750" indent="-285750">
@@ -4243,20 +4398,6 @@
               <a:buChar char="•"/>
             </a:pPr>
             <a:r>
-              <a:rPr lang="en-US" dirty="0" err="1"/>
-              <a:t>Noticable</a:t>
-            </a:r>
-            <a:r>
-              <a:rPr lang="en-US" dirty="0"/>
-              <a:t> increase in activity began in 2005</a:t>
-            </a:r>
-          </a:p>
-          <a:p>
-            <a:pPr marL="285750" indent="-285750">
-              <a:buFont typeface="Arial" panose="020B0604020202020204" pitchFamily="34" charset="0"/>
-              <a:buChar char="•"/>
-            </a:pPr>
-            <a:r>
               <a:rPr lang="en-US" b="1" dirty="0"/>
               <a:t>Exponential growth</a:t>
             </a:r>
@@ -4264,6 +4405,7 @@
               <a:rPr lang="en-US" dirty="0"/>
               <a:t> from 2014 onward</a:t>
             </a:r>
+            <a:endParaRPr lang="de-DE" dirty="0"/>
           </a:p>
           <a:p>
             <a:pPr marL="285750" indent="-285750">
@@ -4442,10 +4584,619 @@
           </a:fontRef>
         </p:style>
       </p:cxnSp>
+      <p:sp>
+        <p:nvSpPr>
+          <p:cNvPr id="5" name="Fußzeilenplatzhalter 4">
+            <a:extLst>
+              <a:ext uri="{FF2B5EF4-FFF2-40B4-BE49-F238E27FC236}">
+                <a16:creationId xmlns:a16="http://schemas.microsoft.com/office/drawing/2014/main" id="{6F5DABCA-E04A-AF5A-9698-085FC53C86C2}"/>
+              </a:ext>
+            </a:extLst>
+          </p:cNvPr>
+          <p:cNvSpPr>
+            <a:spLocks noGrp="1"/>
+          </p:cNvSpPr>
+          <p:nvPr>
+            <p:ph type="ftr" sz="quarter" idx="11"/>
+          </p:nvPr>
+        </p:nvSpPr>
+        <p:spPr/>
+        <p:txBody>
+          <a:bodyPr/>
+          <a:lstStyle/>
+          <a:p>
+            <a:r>
+              <a:rPr lang="de-DE"/>
+              <a:t>RWTH Aachen | Seminar Data Driven Foresight | 13.01.2025</a:t>
+            </a:r>
+          </a:p>
+        </p:txBody>
+      </p:sp>
+      <p:sp>
+        <p:nvSpPr>
+          <p:cNvPr id="8" name="Foliennummernplatzhalter 7">
+            <a:extLst>
+              <a:ext uri="{FF2B5EF4-FFF2-40B4-BE49-F238E27FC236}">
+                <a16:creationId xmlns:a16="http://schemas.microsoft.com/office/drawing/2014/main" id="{1C81C4E9-E074-20D1-8784-141B76F4F73F}"/>
+              </a:ext>
+            </a:extLst>
+          </p:cNvPr>
+          <p:cNvSpPr>
+            <a:spLocks noGrp="1"/>
+          </p:cNvSpPr>
+          <p:nvPr>
+            <p:ph type="sldNum" sz="quarter" idx="12"/>
+          </p:nvPr>
+        </p:nvSpPr>
+        <p:spPr/>
+        <p:txBody>
+          <a:bodyPr/>
+          <a:lstStyle/>
+          <a:p>
+            <a:fld id="{330EA680-D336-4FF7-8B7A-9848BB0A1C32}" type="slidenum">
+              <a:rPr lang="en-GB" smtClean="0"/>
+              <a:t>16</a:t>
+            </a:fld>
+            <a:endParaRPr lang="de-DE"/>
+          </a:p>
+        </p:txBody>
+      </p:sp>
+      <p:sp>
+        <p:nvSpPr>
+          <p:cNvPr id="9" name="Textfeld 8">
+            <a:extLst>
+              <a:ext uri="{FF2B5EF4-FFF2-40B4-BE49-F238E27FC236}">
+                <a16:creationId xmlns:a16="http://schemas.microsoft.com/office/drawing/2014/main" id="{2E541D2E-9F06-66F0-D6D0-611481720104}"/>
+              </a:ext>
+            </a:extLst>
+          </p:cNvPr>
+          <p:cNvSpPr txBox="1"/>
+          <p:nvPr/>
+        </p:nvSpPr>
+        <p:spPr>
+          <a:xfrm>
+            <a:off x="7124924" y="5330428"/>
+            <a:ext cx="4190723" cy="615553"/>
+          </a:xfrm>
+          <a:prstGeom prst="rect">
+            <a:avLst/>
+          </a:prstGeom>
+          <a:noFill/>
+        </p:spPr>
+        <p:txBody>
+          <a:bodyPr rot="0" spcFirstLastPara="0" vertOverflow="overflow" horzOverflow="overflow" vert="horz" wrap="square" lIns="91440" tIns="45720" rIns="91440" bIns="45720" numCol="1" spcCol="0" rtlCol="0" fromWordArt="0" anchor="t" anchorCtr="0" forceAA="0" compatLnSpc="1">
+            <a:prstTxWarp prst="textNoShape">
+              <a:avLst/>
+            </a:prstTxWarp>
+            <a:spAutoFit/>
+          </a:bodyPr>
+          <a:lstStyle/>
+          <a:p>
+            <a:pPr algn="r"/>
+            <a:r>
+              <a:rPr lang="en-US" sz="1600" dirty="0">
+                <a:latin typeface="Aptos Display"/>
+              </a:rPr>
+              <a:t>(Data taken from </a:t>
+            </a:r>
+            <a:r>
+              <a:rPr lang="en-US" sz="1600" err="1">
+                <a:latin typeface="Aptos Display"/>
+              </a:rPr>
+              <a:t>espacenet</a:t>
+            </a:r>
+            <a:r>
+              <a:rPr lang="en-US" sz="1600" dirty="0">
+                <a:latin typeface="Aptos Display"/>
+              </a:rPr>
+              <a:t>, January 2025)</a:t>
+            </a:r>
+            <a:endParaRPr lang="de-DE" sz="1600" dirty="0">
+              <a:latin typeface="Aptos Display"/>
+            </a:endParaRPr>
+          </a:p>
+          <a:p>
+            <a:pPr algn="l"/>
+            <a:endParaRPr lang="de-DE" dirty="0"/>
+          </a:p>
+        </p:txBody>
+      </p:sp>
     </p:spTree>
     <p:extLst>
       <p:ext uri="{BB962C8B-B14F-4D97-AF65-F5344CB8AC3E}">
         <p14:creationId xmlns:p14="http://schemas.microsoft.com/office/powerpoint/2010/main" val="3666487214"/>
+      </p:ext>
+    </p:extLst>
+  </p:cSld>
+  <p:clrMapOvr>
+    <a:masterClrMapping/>
+  </p:clrMapOvr>
+</p:sld>
+</file>
+
+<file path=ppt/slides/slide17.xml><?xml version="1.0" encoding="utf-8"?>
+<p:sld xmlns:a="http://schemas.openxmlformats.org/drawingml/2006/main" xmlns:r="http://schemas.openxmlformats.org/officeDocument/2006/relationships" xmlns:p="http://schemas.openxmlformats.org/presentationml/2006/main">
+  <p:cSld>
+    <p:spTree>
+      <p:nvGrpSpPr>
+        <p:cNvPr id="1" name=""/>
+        <p:cNvGrpSpPr/>
+        <p:nvPr/>
+      </p:nvGrpSpPr>
+      <p:grpSpPr>
+        <a:xfrm>
+          <a:off x="0" y="0"/>
+          <a:ext cx="0" cy="0"/>
+          <a:chOff x="0" y="0"/>
+          <a:chExt cx="0" cy="0"/>
+        </a:xfrm>
+      </p:grpSpPr>
+      <p:sp>
+        <p:nvSpPr>
+          <p:cNvPr id="4" name="Text Placeholder 3">
+            <a:extLst>
+              <a:ext uri="{FF2B5EF4-FFF2-40B4-BE49-F238E27FC236}">
+                <a16:creationId xmlns:a16="http://schemas.microsoft.com/office/drawing/2014/main" id="{8DC21876-0FFB-AD28-4A1F-84768DB132F2}"/>
+              </a:ext>
+            </a:extLst>
+          </p:cNvPr>
+          <p:cNvSpPr>
+            <a:spLocks noGrp="1"/>
+          </p:cNvSpPr>
+          <p:nvPr>
+            <p:ph type="body" sz="half" idx="2"/>
+          </p:nvPr>
+        </p:nvSpPr>
+        <p:spPr>
+          <a:xfrm>
+            <a:off x="839788" y="1543205"/>
+            <a:ext cx="3932237" cy="3762028"/>
+          </a:xfrm>
+        </p:spPr>
+        <p:txBody>
+          <a:bodyPr vert="horz" lIns="91440" tIns="45720" rIns="91440" bIns="45720" rtlCol="0" anchor="ctr">
+            <a:normAutofit/>
+          </a:bodyPr>
+          <a:lstStyle/>
+          <a:p>
+            <a:pPr marL="285750" indent="-285750">
+              <a:buFont typeface="Arial,Sans-Serif"/>
+              <a:buChar char="•"/>
+            </a:pPr>
+            <a:r>
+              <a:rPr lang="de-DE" b="1" dirty="0"/>
+              <a:t>High </a:t>
+            </a:r>
+            <a:r>
+              <a:rPr lang="de-DE" b="1" dirty="0" err="1"/>
+              <a:t>activity</a:t>
+            </a:r>
+            <a:r>
+              <a:rPr lang="de-DE" b="1" dirty="0"/>
+              <a:t> in USA, South Korea, and Japan</a:t>
+            </a:r>
+            <a:r>
+              <a:rPr lang="de-DE" dirty="0"/>
+              <a:t>, but </a:t>
+            </a:r>
+            <a:r>
+              <a:rPr lang="de-DE" dirty="0" err="1"/>
+              <a:t>far</a:t>
+            </a:r>
+            <a:r>
+              <a:rPr lang="de-DE" dirty="0"/>
+              <a:t> </a:t>
+            </a:r>
+            <a:r>
+              <a:rPr lang="de-DE" dirty="0" err="1"/>
+              <a:t>behind</a:t>
+            </a:r>
+            <a:r>
+              <a:rPr lang="de-DE" dirty="0"/>
+              <a:t> China</a:t>
+            </a:r>
+            <a:endParaRPr lang="en-US" dirty="0"/>
+          </a:p>
+          <a:p>
+            <a:pPr marL="285750" indent="-285750">
+              <a:buFont typeface="Arial,Sans-Serif"/>
+              <a:buChar char="•"/>
+            </a:pPr>
+            <a:r>
+              <a:rPr lang="de-DE" b="1" dirty="0"/>
+              <a:t>Europe lags</a:t>
+            </a:r>
+            <a:r>
+              <a:rPr lang="de-DE" dirty="0"/>
+              <a:t>, </a:t>
+            </a:r>
+            <a:r>
+              <a:rPr lang="de-DE" dirty="0" err="1"/>
+              <a:t>with</a:t>
+            </a:r>
+            <a:r>
+              <a:rPr lang="de-DE" dirty="0"/>
+              <a:t> limited patent </a:t>
+            </a:r>
+            <a:r>
+              <a:rPr lang="de-DE" dirty="0" err="1"/>
+              <a:t>activity</a:t>
+            </a:r>
+            <a:r>
+              <a:rPr lang="de-DE" dirty="0"/>
+              <a:t>, </a:t>
+            </a:r>
+            <a:r>
+              <a:rPr lang="de-DE" dirty="0" err="1"/>
+              <a:t>suggesting</a:t>
+            </a:r>
+            <a:r>
+              <a:rPr lang="de-DE" dirty="0"/>
+              <a:t> a </a:t>
+            </a:r>
+            <a:r>
+              <a:rPr lang="de-DE" dirty="0" err="1"/>
+              <a:t>focus</a:t>
+            </a:r>
+            <a:r>
+              <a:rPr lang="de-DE" dirty="0"/>
+              <a:t> on </a:t>
+            </a:r>
+            <a:r>
+              <a:rPr lang="de-DE" dirty="0" err="1"/>
+              <a:t>other</a:t>
+            </a:r>
+            <a:r>
+              <a:rPr lang="de-DE" dirty="0"/>
+              <a:t> </a:t>
+            </a:r>
+            <a:r>
+              <a:rPr lang="de-DE" dirty="0" err="1"/>
+              <a:t>priorities</a:t>
+            </a:r>
+            <a:r>
+              <a:rPr lang="de-DE" dirty="0"/>
+              <a:t> </a:t>
+            </a:r>
+            <a:r>
+              <a:rPr lang="de-DE" dirty="0" err="1"/>
+              <a:t>or</a:t>
+            </a:r>
+            <a:r>
+              <a:rPr lang="de-DE" dirty="0"/>
+              <a:t> </a:t>
+            </a:r>
+            <a:r>
+              <a:rPr lang="de-DE" dirty="0" err="1"/>
+              <a:t>academic</a:t>
+            </a:r>
+            <a:r>
+              <a:rPr lang="de-DE" dirty="0"/>
+              <a:t> </a:t>
+            </a:r>
+            <a:r>
+              <a:rPr lang="de-DE" dirty="0" err="1"/>
+              <a:t>research</a:t>
+            </a:r>
+            <a:endParaRPr lang="en-US" dirty="0"/>
+          </a:p>
+          <a:p>
+            <a:pPr marL="285750" indent="-285750">
+              <a:buFont typeface="Arial,Sans-Serif"/>
+              <a:buChar char="•"/>
+            </a:pPr>
+            <a:r>
+              <a:rPr lang="de-DE" b="1" dirty="0"/>
+              <a:t>Strategic </a:t>
+            </a:r>
+            <a:r>
+              <a:rPr lang="de-DE" b="1" dirty="0" err="1"/>
+              <a:t>focus</a:t>
+            </a:r>
+            <a:r>
+              <a:rPr lang="de-DE" b="1" dirty="0"/>
+              <a:t> on China</a:t>
+            </a:r>
+            <a:r>
+              <a:rPr lang="de-DE" dirty="0"/>
+              <a:t> </a:t>
+            </a:r>
+            <a:r>
+              <a:rPr lang="de-DE" dirty="0" err="1"/>
+              <a:t>is</a:t>
+            </a:r>
+            <a:r>
+              <a:rPr lang="de-DE" dirty="0"/>
+              <a:t> </a:t>
+            </a:r>
+            <a:r>
+              <a:rPr lang="de-DE" dirty="0" err="1"/>
+              <a:t>crucial</a:t>
+            </a:r>
+            <a:r>
+              <a:rPr lang="de-DE" dirty="0"/>
+              <a:t> </a:t>
+            </a:r>
+            <a:r>
+              <a:rPr lang="de-DE" dirty="0" err="1"/>
+              <a:t>to</a:t>
+            </a:r>
+            <a:r>
+              <a:rPr lang="de-DE" dirty="0"/>
+              <a:t> track </a:t>
+            </a:r>
+            <a:r>
+              <a:rPr lang="de-DE" dirty="0" err="1"/>
+              <a:t>emerging</a:t>
+            </a:r>
+            <a:r>
+              <a:rPr lang="de-DE" dirty="0"/>
+              <a:t> </a:t>
+            </a:r>
+            <a:r>
+              <a:rPr lang="de-DE" dirty="0" err="1"/>
+              <a:t>trends</a:t>
+            </a:r>
+            <a:r>
+              <a:rPr lang="de-DE" dirty="0"/>
+              <a:t> and </a:t>
+            </a:r>
+            <a:r>
+              <a:rPr lang="de-DE" dirty="0" err="1"/>
+              <a:t>opportunities</a:t>
+            </a:r>
+            <a:r>
+              <a:rPr lang="de-DE" dirty="0"/>
+              <a:t> in </a:t>
+            </a:r>
+            <a:r>
+              <a:rPr lang="de-DE" dirty="0" err="1"/>
+              <a:t>this</a:t>
+            </a:r>
+            <a:r>
+              <a:rPr lang="de-DE" dirty="0"/>
+              <a:t> </a:t>
+            </a:r>
+            <a:r>
+              <a:rPr lang="de-DE" dirty="0" err="1"/>
+              <a:t>field</a:t>
+            </a:r>
+            <a:endParaRPr lang="en-DE"/>
+          </a:p>
+        </p:txBody>
+      </p:sp>
+      <p:sp>
+        <p:nvSpPr>
+          <p:cNvPr id="2" name="Title 1">
+            <a:extLst>
+              <a:ext uri="{FF2B5EF4-FFF2-40B4-BE49-F238E27FC236}">
+                <a16:creationId xmlns:a16="http://schemas.microsoft.com/office/drawing/2014/main" id="{016A2411-CD66-5298-380E-4AE43ACB9986}"/>
+              </a:ext>
+            </a:extLst>
+          </p:cNvPr>
+          <p:cNvSpPr txBox="1">
+            <a:spLocks/>
+          </p:cNvSpPr>
+          <p:nvPr/>
+        </p:nvSpPr>
+        <p:spPr>
+          <a:xfrm>
+            <a:off x="839788" y="457200"/>
+            <a:ext cx="10517651" cy="1048835"/>
+          </a:xfrm>
+          <a:prstGeom prst="rect">
+            <a:avLst/>
+          </a:prstGeom>
+        </p:spPr>
+        <p:txBody>
+          <a:bodyPr vert="horz" lIns="91440" tIns="45720" rIns="91440" bIns="45720" rtlCol="0" anchor="t">
+            <a:normAutofit/>
+          </a:bodyPr>
+          <a:lstStyle>
+            <a:lvl1pPr algn="l" defTabSz="914400" rtl="0" eaLnBrk="1" latinLnBrk="0" hangingPunct="1">
+              <a:lnSpc>
+                <a:spcPct val="90000"/>
+              </a:lnSpc>
+              <a:spcBef>
+                <a:spcPct val="0"/>
+              </a:spcBef>
+              <a:buNone/>
+              <a:defRPr sz="3200" kern="1200">
+                <a:solidFill>
+                  <a:schemeClr val="tx1"/>
+                </a:solidFill>
+                <a:latin typeface="+mj-lt"/>
+                <a:ea typeface="+mj-ea"/>
+                <a:cs typeface="+mj-cs"/>
+              </a:defRPr>
+            </a:lvl1pPr>
+          </a:lstStyle>
+          <a:p>
+            <a:r>
+              <a:rPr lang="de-DE" b="1" dirty="0"/>
+              <a:t>China </a:t>
+            </a:r>
+            <a:r>
+              <a:rPr lang="de-DE" b="1" dirty="0" err="1"/>
+              <a:t>dominates</a:t>
+            </a:r>
+            <a:r>
+              <a:rPr lang="de-DE" b="1" dirty="0"/>
+              <a:t> patent </a:t>
+            </a:r>
+            <a:r>
+              <a:rPr lang="de-DE" b="1" dirty="0" err="1"/>
+              <a:t>activity</a:t>
+            </a:r>
+            <a:r>
+              <a:rPr lang="de-DE" b="1" dirty="0"/>
+              <a:t> in </a:t>
+            </a:r>
+            <a:r>
+              <a:rPr lang="de-DE" b="1" dirty="0" err="1"/>
+              <a:t>self-healing</a:t>
+            </a:r>
+            <a:r>
+              <a:rPr lang="de-DE" b="1" dirty="0"/>
+              <a:t> </a:t>
+            </a:r>
+            <a:r>
+              <a:rPr lang="de-DE" b="1" dirty="0" err="1"/>
+              <a:t>materials</a:t>
+            </a:r>
+          </a:p>
+        </p:txBody>
+      </p:sp>
+      <p:pic>
+        <p:nvPicPr>
+          <p:cNvPr id="9" name="Inhaltsplatzhalter 8" descr="Ein Bild, das Text, Screenshot, Reihe, Diagramm enthält.&#10;&#10;Beschreibung automatisch generiert.">
+            <a:extLst>
+              <a:ext uri="{FF2B5EF4-FFF2-40B4-BE49-F238E27FC236}">
+                <a16:creationId xmlns:a16="http://schemas.microsoft.com/office/drawing/2014/main" id="{E6ADB1D6-526F-7EED-3CA3-9D7A7FDA1006}"/>
+              </a:ext>
+            </a:extLst>
+          </p:cNvPr>
+          <p:cNvPicPr>
+            <a:picLocks noGrp="1" noChangeAspect="1"/>
+          </p:cNvPicPr>
+          <p:nvPr>
+            <p:ph idx="1"/>
+          </p:nvPr>
+        </p:nvPicPr>
+        <p:blipFill>
+          <a:blip r:embed="rId2"/>
+          <a:stretch>
+            <a:fillRect/>
+          </a:stretch>
+        </p:blipFill>
+        <p:spPr>
+          <a:xfrm>
+            <a:off x="5221288" y="1595437"/>
+            <a:ext cx="6096000" cy="3657600"/>
+          </a:xfrm>
+        </p:spPr>
+      </p:pic>
+      <p:sp>
+        <p:nvSpPr>
+          <p:cNvPr id="10" name="Fußzeilenplatzhalter 9">
+            <a:extLst>
+              <a:ext uri="{FF2B5EF4-FFF2-40B4-BE49-F238E27FC236}">
+                <a16:creationId xmlns:a16="http://schemas.microsoft.com/office/drawing/2014/main" id="{4EB8153C-6D31-3399-6A7E-F4A2E79626BB}"/>
+              </a:ext>
+            </a:extLst>
+          </p:cNvPr>
+          <p:cNvSpPr>
+            <a:spLocks noGrp="1"/>
+          </p:cNvSpPr>
+          <p:nvPr>
+            <p:ph type="ftr" sz="quarter" idx="11"/>
+          </p:nvPr>
+        </p:nvSpPr>
+        <p:spPr/>
+        <p:txBody>
+          <a:bodyPr/>
+          <a:lstStyle/>
+          <a:p>
+            <a:r>
+              <a:rPr lang="de-DE"/>
+              <a:t>RWTH Aachen | Seminar Data Driven Foresight | 13.01.2025</a:t>
+            </a:r>
+          </a:p>
+        </p:txBody>
+      </p:sp>
+      <p:sp>
+        <p:nvSpPr>
+          <p:cNvPr id="11" name="Foliennummernplatzhalter 10">
+            <a:extLst>
+              <a:ext uri="{FF2B5EF4-FFF2-40B4-BE49-F238E27FC236}">
+                <a16:creationId xmlns:a16="http://schemas.microsoft.com/office/drawing/2014/main" id="{C07D2A00-BBE0-9470-F8F7-4E94A34152BF}"/>
+              </a:ext>
+            </a:extLst>
+          </p:cNvPr>
+          <p:cNvSpPr>
+            <a:spLocks noGrp="1"/>
+          </p:cNvSpPr>
+          <p:nvPr>
+            <p:ph type="sldNum" sz="quarter" idx="12"/>
+          </p:nvPr>
+        </p:nvSpPr>
+        <p:spPr/>
+        <p:txBody>
+          <a:bodyPr/>
+          <a:lstStyle/>
+          <a:p>
+            <a:fld id="{330EA680-D336-4FF7-8B7A-9848BB0A1C32}" type="slidenum">
+              <a:rPr lang="en-GB" smtClean="0"/>
+              <a:t>17</a:t>
+            </a:fld>
+            <a:endParaRPr lang="de-DE"/>
+          </a:p>
+        </p:txBody>
+      </p:sp>
+      <p:sp>
+        <p:nvSpPr>
+          <p:cNvPr id="13" name="Textfeld 12">
+            <a:extLst>
+              <a:ext uri="{FF2B5EF4-FFF2-40B4-BE49-F238E27FC236}">
+                <a16:creationId xmlns:a16="http://schemas.microsoft.com/office/drawing/2014/main" id="{845307A1-3C09-E229-4535-DB13799D95B7}"/>
+              </a:ext>
+            </a:extLst>
+          </p:cNvPr>
+          <p:cNvSpPr txBox="1"/>
+          <p:nvPr/>
+        </p:nvSpPr>
+        <p:spPr>
+          <a:xfrm>
+            <a:off x="7124924" y="5330428"/>
+            <a:ext cx="4190723" cy="615553"/>
+          </a:xfrm>
+          <a:prstGeom prst="rect">
+            <a:avLst/>
+          </a:prstGeom>
+          <a:noFill/>
+        </p:spPr>
+        <p:txBody>
+          <a:bodyPr rot="0" spcFirstLastPara="0" vertOverflow="overflow" horzOverflow="overflow" vert="horz" wrap="square" lIns="91440" tIns="45720" rIns="91440" bIns="45720" numCol="1" spcCol="0" rtlCol="0" fromWordArt="0" anchor="t" anchorCtr="0" forceAA="0" compatLnSpc="1">
+            <a:prstTxWarp prst="textNoShape">
+              <a:avLst/>
+            </a:prstTxWarp>
+            <a:spAutoFit/>
+          </a:bodyPr>
+          <a:lstStyle/>
+          <a:p>
+            <a:pPr algn="r"/>
+            <a:r>
+              <a:rPr lang="en-US" sz="1600" dirty="0">
+                <a:latin typeface="Aptos Display"/>
+              </a:rPr>
+              <a:t>(Data taken from </a:t>
+            </a:r>
+            <a:r>
+              <a:rPr lang="en-US" sz="1600" err="1">
+                <a:latin typeface="Aptos Display"/>
+              </a:rPr>
+              <a:t>espacenet</a:t>
+            </a:r>
+            <a:r>
+              <a:rPr lang="en-US" sz="1600" dirty="0">
+                <a:latin typeface="Aptos Display"/>
+              </a:rPr>
+              <a:t>, January 2025)</a:t>
+            </a:r>
+            <a:endParaRPr lang="de-DE" sz="1600" dirty="0">
+              <a:latin typeface="Aptos Display"/>
+            </a:endParaRPr>
+          </a:p>
+          <a:p>
+            <a:pPr algn="l"/>
+            <a:endParaRPr lang="de-DE" dirty="0"/>
+          </a:p>
+        </p:txBody>
+      </p:sp>
+    </p:spTree>
+    <p:extLst>
+      <p:ext uri="{BB962C8B-B14F-4D97-AF65-F5344CB8AC3E}">
+        <p14:creationId xmlns:p14="http://schemas.microsoft.com/office/powerpoint/2010/main" val="233784213"/>
       </p:ext>
     </p:extLst>
   </p:cSld>
@@ -4477,7 +5228,7 @@
           <p:cNvPr id="4" name="Text Placeholder 3">
             <a:extLst>
               <a:ext uri="{FF2B5EF4-FFF2-40B4-BE49-F238E27FC236}">
-                <a16:creationId xmlns:a16="http://schemas.microsoft.com/office/drawing/2014/main" id="{8DC21876-0FFB-AD28-4A1F-84768DB132F2}"/>
+                <a16:creationId xmlns:a16="http://schemas.microsoft.com/office/drawing/2014/main" id="{EC61FC60-B060-12B2-5E82-55544DE04D4C}"/>
               </a:ext>
             </a:extLst>
           </p:cNvPr>
@@ -4488,459 +5239,84 @@
             <p:ph type="body" sz="half" idx="2"/>
           </p:nvPr>
         </p:nvSpPr>
-        <p:spPr/>
-        <p:txBody>
-          <a:bodyPr vert="horz" lIns="91440" tIns="45720" rIns="91440" bIns="45720" rtlCol="0" anchor="t">
+        <p:spPr>
+          <a:xfrm>
+            <a:off x="926520" y="1518424"/>
+            <a:ext cx="3932237" cy="3811588"/>
+          </a:xfrm>
+        </p:spPr>
+        <p:txBody>
+          <a:bodyPr vert="horz" lIns="91440" tIns="45720" rIns="91440" bIns="45720" rtlCol="0" anchor="ctr">
             <a:normAutofit/>
           </a:bodyPr>
           <a:lstStyle/>
           <a:p>
             <a:pPr marL="285750" indent="-285750">
-              <a:buFont typeface="Arial,Sans-Serif"/>
+              <a:buFont typeface="Arial" panose="020B0604020202020204" pitchFamily="34" charset="0"/>
               <a:buChar char="•"/>
             </a:pPr>
             <a:r>
-              <a:rPr lang="de-DE" b="1" dirty="0"/>
-              <a:t>China </a:t>
-            </a:r>
-            <a:r>
-              <a:rPr lang="de-DE" b="1" dirty="0" err="1"/>
-              <a:t>leads</a:t>
-            </a:r>
-            <a:r>
-              <a:rPr lang="de-DE" b="1" dirty="0"/>
-              <a:t> </a:t>
-            </a:r>
-            <a:r>
-              <a:rPr lang="de-DE" b="1" dirty="0" err="1"/>
-              <a:t>globally</a:t>
-            </a:r>
-            <a:r>
-              <a:rPr lang="de-DE" dirty="0"/>
-              <a:t>, </a:t>
-            </a:r>
-            <a:r>
-              <a:rPr lang="de-DE" dirty="0" err="1"/>
-              <a:t>with</a:t>
-            </a:r>
-            <a:r>
-              <a:rPr lang="de-DE" dirty="0"/>
-              <a:t> </a:t>
-            </a:r>
-            <a:r>
-              <a:rPr lang="de-DE" dirty="0" err="1"/>
-              <a:t>the</a:t>
-            </a:r>
-            <a:r>
-              <a:rPr lang="de-DE" dirty="0"/>
-              <a:t> </a:t>
-            </a:r>
-            <a:r>
-              <a:rPr lang="de-DE" dirty="0" err="1"/>
-              <a:t>highest</a:t>
-            </a:r>
-            <a:r>
-              <a:rPr lang="de-DE" dirty="0"/>
-              <a:t> patent </a:t>
-            </a:r>
-            <a:r>
-              <a:rPr lang="de-DE" dirty="0" err="1"/>
-              <a:t>activity</a:t>
-            </a:r>
-            <a:r>
-              <a:rPr lang="de-DE" dirty="0"/>
-              <a:t> in </a:t>
-            </a:r>
-            <a:r>
-              <a:rPr lang="de-DE" dirty="0" err="1"/>
-              <a:t>self-healing</a:t>
-            </a:r>
-            <a:r>
-              <a:rPr lang="de-DE" dirty="0"/>
-              <a:t> </a:t>
-            </a:r>
-            <a:r>
-              <a:rPr lang="de-DE" dirty="0" err="1"/>
-              <a:t>materials</a:t>
-            </a:r>
-            <a:r>
-              <a:rPr lang="de-DE" dirty="0"/>
-              <a:t>, </a:t>
-            </a:r>
-            <a:r>
-              <a:rPr lang="de-DE" dirty="0" err="1"/>
-              <a:t>driven</a:t>
-            </a:r>
-            <a:r>
-              <a:rPr lang="de-DE" dirty="0"/>
-              <a:t> </a:t>
-            </a:r>
-            <a:r>
-              <a:rPr lang="de-DE" dirty="0" err="1"/>
-              <a:t>by</a:t>
-            </a:r>
-            <a:r>
-              <a:rPr lang="de-DE" dirty="0"/>
-              <a:t> strong </a:t>
-            </a:r>
-            <a:r>
-              <a:rPr lang="de-DE" dirty="0" err="1"/>
-              <a:t>innovation</a:t>
-            </a:r>
-            <a:r>
-              <a:rPr lang="de-DE" dirty="0"/>
-              <a:t> </a:t>
-            </a:r>
-            <a:r>
-              <a:rPr lang="de-DE" dirty="0" err="1"/>
-              <a:t>efforts</a:t>
-            </a:r>
-            <a:endParaRPr lang="en-US" dirty="0"/>
+              <a:rPr lang="en-US" b="1" dirty="0"/>
+              <a:t>Starting from 2010 </a:t>
+            </a:r>
+            <a:r>
+              <a:rPr lang="en-US" dirty="0"/>
+              <a:t>the number of publications dominate the number of patents significantly</a:t>
+            </a:r>
           </a:p>
           <a:p>
             <a:pPr marL="285750" indent="-285750">
-              <a:buFont typeface="Arial,Sans-Serif"/>
+              <a:buFont typeface="Arial" panose="020B0604020202020204" pitchFamily="34" charset="0"/>
               <a:buChar char="•"/>
             </a:pPr>
             <a:r>
-              <a:rPr lang="de-DE" b="1" dirty="0"/>
-              <a:t>USA, South Korea, and Japan</a:t>
-            </a:r>
-            <a:r>
-              <a:rPr lang="de-DE" dirty="0"/>
-              <a:t> follow </a:t>
-            </a:r>
-            <a:r>
-              <a:rPr lang="de-DE" dirty="0" err="1"/>
-              <a:t>as</a:t>
-            </a:r>
-            <a:r>
-              <a:rPr lang="de-DE" dirty="0"/>
+              <a:rPr lang="en-US" dirty="0"/>
+              <a:t>Research largely </a:t>
+            </a:r>
+            <a:r>
+              <a:rPr lang="en-US" b="1" dirty="0"/>
+              <a:t>unaffected by</a:t>
+            </a:r>
+            <a:r>
+              <a:rPr lang="en-US" dirty="0"/>
               <a:t> </a:t>
             </a:r>
             <a:r>
-              <a:rPr lang="de-DE" dirty="0" err="1"/>
-              <a:t>key</a:t>
-            </a:r>
-            <a:r>
-              <a:rPr lang="de-DE" dirty="0"/>
-              <a:t> </a:t>
-            </a:r>
-            <a:r>
-              <a:rPr lang="de-DE" dirty="0" err="1"/>
-              <a:t>contributors</a:t>
-            </a:r>
-            <a:r>
-              <a:rPr lang="de-DE" dirty="0"/>
-              <a:t>, but </a:t>
-            </a:r>
-            <a:r>
-              <a:rPr lang="de-DE" dirty="0" err="1"/>
-              <a:t>far</a:t>
-            </a:r>
-            <a:r>
-              <a:rPr lang="de-DE" dirty="0"/>
-              <a:t> </a:t>
-            </a:r>
-            <a:r>
-              <a:rPr lang="de-DE" dirty="0" err="1"/>
-              <a:t>behind</a:t>
-            </a:r>
-            <a:r>
-              <a:rPr lang="de-DE" dirty="0"/>
-              <a:t> China</a:t>
-            </a:r>
-            <a:endParaRPr lang="en-US" dirty="0"/>
+              <a:rPr lang="en-US" b="1" dirty="0"/>
+              <a:t>COVID</a:t>
+            </a:r>
           </a:p>
           <a:p>
             <a:pPr marL="285750" indent="-285750">
-              <a:buFont typeface="Arial,Sans-Serif"/>
+              <a:buFont typeface="Arial" panose="020B0604020202020204" pitchFamily="34" charset="0"/>
               <a:buChar char="•"/>
             </a:pPr>
             <a:r>
-              <a:rPr lang="de-DE" b="1" dirty="0"/>
-              <a:t>Europe lags</a:t>
-            </a:r>
-            <a:r>
-              <a:rPr lang="de-DE" dirty="0"/>
-              <a:t>, </a:t>
-            </a:r>
-            <a:r>
-              <a:rPr lang="de-DE" dirty="0" err="1"/>
-              <a:t>with</a:t>
-            </a:r>
-            <a:r>
-              <a:rPr lang="de-DE" dirty="0"/>
-              <a:t> limited patent </a:t>
-            </a:r>
-            <a:r>
-              <a:rPr lang="de-DE" dirty="0" err="1"/>
-              <a:t>activity</a:t>
-            </a:r>
-            <a:r>
-              <a:rPr lang="de-DE" dirty="0"/>
-              <a:t>, </a:t>
-            </a:r>
-            <a:r>
-              <a:rPr lang="de-DE" dirty="0" err="1"/>
-              <a:t>suggesting</a:t>
-            </a:r>
-            <a:r>
-              <a:rPr lang="de-DE" dirty="0"/>
-              <a:t> a </a:t>
-            </a:r>
-            <a:r>
-              <a:rPr lang="de-DE" dirty="0" err="1"/>
-              <a:t>focus</a:t>
-            </a:r>
-            <a:r>
-              <a:rPr lang="de-DE" dirty="0"/>
-              <a:t> on </a:t>
-            </a:r>
-            <a:r>
-              <a:rPr lang="de-DE" dirty="0" err="1"/>
-              <a:t>other</a:t>
-            </a:r>
-            <a:r>
-              <a:rPr lang="de-DE" dirty="0"/>
-              <a:t> </a:t>
-            </a:r>
-            <a:r>
-              <a:rPr lang="de-DE" dirty="0" err="1"/>
-              <a:t>priorities</a:t>
-            </a:r>
-            <a:r>
-              <a:rPr lang="de-DE" dirty="0"/>
-              <a:t> </a:t>
-            </a:r>
-            <a:r>
-              <a:rPr lang="de-DE" dirty="0" err="1"/>
-              <a:t>or</a:t>
-            </a:r>
-            <a:r>
-              <a:rPr lang="de-DE" dirty="0"/>
-              <a:t> </a:t>
-            </a:r>
-            <a:r>
-              <a:rPr lang="de-DE" dirty="0" err="1"/>
-              <a:t>academic</a:t>
-            </a:r>
-            <a:r>
-              <a:rPr lang="de-DE" dirty="0"/>
-              <a:t> </a:t>
-            </a:r>
-            <a:r>
-              <a:rPr lang="de-DE" dirty="0" err="1"/>
-              <a:t>research</a:t>
-            </a:r>
-            <a:endParaRPr lang="en-US" dirty="0"/>
-          </a:p>
-          <a:p>
-            <a:pPr marL="285750" indent="-285750">
-              <a:buFont typeface="Arial,Sans-Serif"/>
-              <a:buChar char="•"/>
-            </a:pPr>
-            <a:r>
-              <a:rPr lang="de-DE" b="1" dirty="0"/>
-              <a:t>Strategic </a:t>
-            </a:r>
-            <a:r>
-              <a:rPr lang="de-DE" b="1" dirty="0" err="1"/>
-              <a:t>focus</a:t>
-            </a:r>
-            <a:r>
-              <a:rPr lang="de-DE" b="1" dirty="0"/>
-              <a:t> on China</a:t>
-            </a:r>
-            <a:r>
-              <a:rPr lang="de-DE" dirty="0"/>
-              <a:t> </a:t>
-            </a:r>
-            <a:r>
-              <a:rPr lang="de-DE" dirty="0" err="1"/>
-              <a:t>is</a:t>
-            </a:r>
-            <a:r>
-              <a:rPr lang="de-DE" dirty="0"/>
-              <a:t> </a:t>
-            </a:r>
-            <a:r>
-              <a:rPr lang="de-DE" dirty="0" err="1"/>
-              <a:t>crucial</a:t>
-            </a:r>
-            <a:r>
-              <a:rPr lang="de-DE" dirty="0"/>
-              <a:t> </a:t>
-            </a:r>
-            <a:r>
-              <a:rPr lang="de-DE" dirty="0" err="1"/>
-              <a:t>to</a:t>
-            </a:r>
-            <a:r>
-              <a:rPr lang="de-DE" dirty="0"/>
-              <a:t> track </a:t>
-            </a:r>
-            <a:r>
-              <a:rPr lang="de-DE" dirty="0" err="1"/>
-              <a:t>emerging</a:t>
-            </a:r>
-            <a:r>
-              <a:rPr lang="de-DE" dirty="0"/>
-              <a:t> </a:t>
-            </a:r>
-            <a:r>
-              <a:rPr lang="de-DE" dirty="0" err="1"/>
-              <a:t>trends</a:t>
-            </a:r>
-            <a:r>
-              <a:rPr lang="de-DE" dirty="0"/>
-              <a:t> and </a:t>
-            </a:r>
-            <a:r>
-              <a:rPr lang="de-DE" dirty="0" err="1"/>
-              <a:t>opportunities</a:t>
-            </a:r>
-            <a:r>
-              <a:rPr lang="de-DE" dirty="0"/>
-              <a:t> in </a:t>
-            </a:r>
-            <a:r>
-              <a:rPr lang="de-DE" dirty="0" err="1"/>
-              <a:t>this</a:t>
-            </a:r>
-            <a:r>
-              <a:rPr lang="de-DE" dirty="0"/>
-              <a:t> </a:t>
-            </a:r>
-            <a:r>
-              <a:rPr lang="de-DE" dirty="0" err="1"/>
-              <a:t>field</a:t>
-            </a:r>
-            <a:endParaRPr lang="en-DE"/>
-          </a:p>
-        </p:txBody>
-      </p:sp>
-      <p:sp>
-        <p:nvSpPr>
-          <p:cNvPr id="2" name="Title 1">
+              <a:rPr lang="en-US" b="1" dirty="0"/>
+              <a:t>Number of patents</a:t>
+            </a:r>
+            <a:r>
+              <a:rPr lang="en-US" dirty="0"/>
+              <a:t> is expected to follow the </a:t>
+            </a:r>
+            <a:r>
+              <a:rPr lang="en-US" b="1" dirty="0"/>
+              <a:t>upward trajectory</a:t>
+            </a:r>
+            <a:r>
+              <a:rPr lang="en-US" dirty="0"/>
+              <a:t> in the coming years</a:t>
+            </a:r>
+            <a:endParaRPr lang="en-DE" dirty="0"/>
+          </a:p>
+        </p:txBody>
+      </p:sp>
+      <p:pic>
+        <p:nvPicPr>
+          <p:cNvPr id="7" name="Content Placeholder 6" descr="A graph with blue and orange lines&#10;&#10;Description automatically generated">
             <a:extLst>
               <a:ext uri="{FF2B5EF4-FFF2-40B4-BE49-F238E27FC236}">
-                <a16:creationId xmlns:a16="http://schemas.microsoft.com/office/drawing/2014/main" id="{016A2411-CD66-5298-380E-4AE43ACB9986}"/>
-              </a:ext>
-            </a:extLst>
-          </p:cNvPr>
-          <p:cNvSpPr txBox="1">
-            <a:spLocks/>
-          </p:cNvSpPr>
-          <p:nvPr/>
-        </p:nvSpPr>
-        <p:spPr>
-          <a:xfrm>
-            <a:off x="839788" y="457200"/>
-            <a:ext cx="10517651" cy="1048835"/>
-          </a:xfrm>
-          <a:prstGeom prst="rect">
-            <a:avLst/>
-          </a:prstGeom>
-        </p:spPr>
-        <p:txBody>
-          <a:bodyPr vert="horz" lIns="91440" tIns="45720" rIns="91440" bIns="45720" rtlCol="0" anchor="t">
-            <a:normAutofit/>
-          </a:bodyPr>
-          <a:lstStyle>
-            <a:lvl1pPr algn="l" defTabSz="914400" rtl="0" eaLnBrk="1" latinLnBrk="0" hangingPunct="1">
-              <a:lnSpc>
-                <a:spcPct val="90000"/>
-              </a:lnSpc>
-              <a:spcBef>
-                <a:spcPct val="0"/>
-              </a:spcBef>
-              <a:buNone/>
-              <a:defRPr sz="3200" kern="1200">
-                <a:solidFill>
-                  <a:schemeClr val="tx1"/>
-                </a:solidFill>
-                <a:latin typeface="+mj-lt"/>
-                <a:ea typeface="+mj-ea"/>
-                <a:cs typeface="+mj-cs"/>
-              </a:defRPr>
-            </a:lvl1pPr>
-          </a:lstStyle>
-          <a:p>
-            <a:r>
-              <a:rPr lang="de-DE" b="1" dirty="0"/>
-              <a:t>China </a:t>
-            </a:r>
-            <a:r>
-              <a:rPr lang="de-DE" b="1" dirty="0" err="1"/>
-              <a:t>dominates</a:t>
-            </a:r>
-            <a:r>
-              <a:rPr lang="de-DE" b="1" dirty="0"/>
-              <a:t> patent </a:t>
-            </a:r>
-            <a:r>
-              <a:rPr lang="de-DE" b="1" dirty="0" err="1"/>
-              <a:t>activity</a:t>
-            </a:r>
-            <a:r>
-              <a:rPr lang="de-DE" b="1" dirty="0"/>
-              <a:t> in </a:t>
-            </a:r>
-            <a:r>
-              <a:rPr lang="de-DE" b="1" dirty="0" err="1"/>
-              <a:t>self-healing</a:t>
-            </a:r>
-            <a:r>
-              <a:rPr lang="de-DE" b="1" dirty="0"/>
-              <a:t> </a:t>
-            </a:r>
-            <a:r>
-              <a:rPr lang="de-DE" b="1" dirty="0" err="1"/>
-              <a:t>materials</a:t>
-            </a:r>
-            <a:r>
-              <a:rPr lang="de-DE" b="1" dirty="0"/>
-              <a:t> - </a:t>
-            </a:r>
-            <a:r>
-              <a:rPr lang="de-DE" b="1" dirty="0" err="1"/>
-              <a:t>strategic</a:t>
-            </a:r>
-            <a:r>
-              <a:rPr lang="de-DE" b="1" dirty="0"/>
-              <a:t> </a:t>
-            </a:r>
-            <a:r>
-              <a:rPr lang="de-DE" b="1" dirty="0" err="1"/>
-              <a:t>focus</a:t>
-            </a:r>
-            <a:r>
-              <a:rPr lang="de-DE" b="1" dirty="0"/>
-              <a:t> </a:t>
-            </a:r>
-            <a:r>
-              <a:rPr lang="de-DE" b="1" dirty="0" err="1"/>
-              <a:t>is</a:t>
-            </a:r>
-            <a:r>
-              <a:rPr lang="de-DE" b="1" dirty="0"/>
-              <a:t> </a:t>
-            </a:r>
-            <a:r>
-              <a:rPr lang="de-DE" b="1" dirty="0" err="1"/>
-              <a:t>needed</a:t>
-            </a:r>
-            <a:endParaRPr lang="de-DE" dirty="0"/>
-          </a:p>
-        </p:txBody>
-      </p:sp>
-      <p:pic>
-        <p:nvPicPr>
-          <p:cNvPr id="9" name="Inhaltsplatzhalter 8" descr="Ein Bild, das Text, Screenshot, Reihe, Diagramm enthält.&#10;&#10;Beschreibung automatisch generiert.">
-            <a:extLst>
-              <a:ext uri="{FF2B5EF4-FFF2-40B4-BE49-F238E27FC236}">
-                <a16:creationId xmlns:a16="http://schemas.microsoft.com/office/drawing/2014/main" id="{E6ADB1D6-526F-7EED-3CA3-9D7A7FDA1006}"/>
+                <a16:creationId xmlns:a16="http://schemas.microsoft.com/office/drawing/2014/main" id="{2E12B85E-2AB5-43B1-0DA4-A44F1B6A085E}"/>
               </a:ext>
             </a:extLst>
           </p:cNvPr>
@@ -4964,10 +5340,267 @@
           </a:xfrm>
         </p:spPr>
       </p:pic>
+      <p:sp>
+        <p:nvSpPr>
+          <p:cNvPr id="3" name="Title 1">
+            <a:extLst>
+              <a:ext uri="{FF2B5EF4-FFF2-40B4-BE49-F238E27FC236}">
+                <a16:creationId xmlns:a16="http://schemas.microsoft.com/office/drawing/2014/main" id="{C6BA7668-1C29-FBBE-2932-D9238B71CE7F}"/>
+              </a:ext>
+            </a:extLst>
+          </p:cNvPr>
+          <p:cNvSpPr txBox="1">
+            <a:spLocks/>
+          </p:cNvSpPr>
+          <p:nvPr/>
+        </p:nvSpPr>
+        <p:spPr>
+          <a:xfrm>
+            <a:off x="839788" y="457200"/>
+            <a:ext cx="10517651" cy="1048835"/>
+          </a:xfrm>
+          <a:prstGeom prst="rect">
+            <a:avLst/>
+          </a:prstGeom>
+        </p:spPr>
+        <p:txBody>
+          <a:bodyPr vert="horz" lIns="91440" tIns="45720" rIns="91440" bIns="45720" rtlCol="0" anchor="t">
+            <a:normAutofit/>
+          </a:bodyPr>
+          <a:lstStyle>
+            <a:lvl1pPr algn="l" defTabSz="914400" rtl="0" eaLnBrk="1" latinLnBrk="0" hangingPunct="1">
+              <a:lnSpc>
+                <a:spcPct val="90000"/>
+              </a:lnSpc>
+              <a:spcBef>
+                <a:spcPct val="0"/>
+              </a:spcBef>
+              <a:buNone/>
+              <a:defRPr sz="3200" kern="1200">
+                <a:solidFill>
+                  <a:schemeClr val="tx1"/>
+                </a:solidFill>
+                <a:latin typeface="+mj-lt"/>
+                <a:ea typeface="+mj-ea"/>
+                <a:cs typeface="+mj-cs"/>
+              </a:defRPr>
+            </a:lvl1pPr>
+          </a:lstStyle>
+          <a:p>
+            <a:r>
+              <a:rPr lang="de-DE" b="1" dirty="0"/>
+              <a:t>Publications </a:t>
+            </a:r>
+            <a:r>
+              <a:rPr lang="de-DE" b="1" dirty="0" err="1"/>
+              <a:t>outpacing</a:t>
+            </a:r>
+            <a:r>
+              <a:rPr lang="de-DE" b="1" dirty="0"/>
+              <a:t> </a:t>
+            </a:r>
+            <a:r>
+              <a:rPr lang="de-DE" b="1" dirty="0" err="1"/>
+              <a:t>patents</a:t>
+            </a:r>
+            <a:r>
+              <a:rPr lang="de-DE" b="1" dirty="0"/>
+              <a:t> - </a:t>
+            </a:r>
+            <a:r>
+              <a:rPr lang="de-DE" b="1" dirty="0" err="1"/>
+              <a:t>continued</a:t>
+            </a:r>
+            <a:r>
+              <a:rPr lang="de-DE" b="1" dirty="0"/>
+              <a:t> </a:t>
+            </a:r>
+            <a:r>
+              <a:rPr lang="de-DE" b="1" dirty="0" err="1"/>
+              <a:t>growth</a:t>
+            </a:r>
+            <a:r>
+              <a:rPr lang="de-DE" b="1" dirty="0"/>
+              <a:t> </a:t>
+            </a:r>
+            <a:r>
+              <a:rPr lang="de-DE" b="1" dirty="0" err="1"/>
+              <a:t>expected</a:t>
+            </a:r>
+            <a:endParaRPr lang="en-GB" b="1" dirty="0"/>
+          </a:p>
+        </p:txBody>
+      </p:sp>
+      <p:cxnSp>
+        <p:nvCxnSpPr>
+          <p:cNvPr id="5" name="Gerade Verbindung 6">
+            <a:extLst>
+              <a:ext uri="{FF2B5EF4-FFF2-40B4-BE49-F238E27FC236}">
+                <a16:creationId xmlns:a16="http://schemas.microsoft.com/office/drawing/2014/main" id="{7DC24D24-5563-190E-FA2F-35ED9A468487}"/>
+              </a:ext>
+            </a:extLst>
+          </p:cNvPr>
+          <p:cNvCxnSpPr>
+            <a:cxnSpLocks/>
+          </p:cNvCxnSpPr>
+          <p:nvPr/>
+        </p:nvCxnSpPr>
+        <p:spPr>
+          <a:xfrm>
+            <a:off x="9298734" y="1887276"/>
+            <a:ext cx="0" cy="3024000"/>
+          </a:xfrm>
+          <a:prstGeom prst="line">
+            <a:avLst/>
+          </a:prstGeom>
+          <a:ln w="19050" cap="flat" cmpd="sng" algn="ctr">
+            <a:solidFill>
+              <a:srgbClr val="FF0000">
+                <a:alpha val="39581"/>
+              </a:srgbClr>
+            </a:solidFill>
+            <a:prstDash val="dash"/>
+            <a:round/>
+            <a:headEnd type="none" w="med" len="med"/>
+            <a:tailEnd type="none" w="med" len="med"/>
+          </a:ln>
+        </p:spPr>
+        <p:style>
+          <a:lnRef idx="0">
+            <a:scrgbClr r="0" g="0" b="0"/>
+          </a:lnRef>
+          <a:fillRef idx="0">
+            <a:scrgbClr r="0" g="0" b="0"/>
+          </a:fillRef>
+          <a:effectRef idx="0">
+            <a:scrgbClr r="0" g="0" b="0"/>
+          </a:effectRef>
+          <a:fontRef idx="minor">
+            <a:schemeClr val="tx1"/>
+          </a:fontRef>
+        </p:style>
+      </p:cxnSp>
+      <p:sp>
+        <p:nvSpPr>
+          <p:cNvPr id="6" name="Fußzeilenplatzhalter 5">
+            <a:extLst>
+              <a:ext uri="{FF2B5EF4-FFF2-40B4-BE49-F238E27FC236}">
+                <a16:creationId xmlns:a16="http://schemas.microsoft.com/office/drawing/2014/main" id="{89FB978F-4248-6A73-C8FD-459691B76014}"/>
+              </a:ext>
+            </a:extLst>
+          </p:cNvPr>
+          <p:cNvSpPr>
+            <a:spLocks noGrp="1"/>
+          </p:cNvSpPr>
+          <p:nvPr>
+            <p:ph type="ftr" sz="quarter" idx="11"/>
+          </p:nvPr>
+        </p:nvSpPr>
+        <p:spPr/>
+        <p:txBody>
+          <a:bodyPr/>
+          <a:lstStyle/>
+          <a:p>
+            <a:r>
+              <a:rPr lang="de-DE"/>
+              <a:t>RWTH Aachen | Seminar Data Driven Foresight | 13.01.2025</a:t>
+            </a:r>
+          </a:p>
+        </p:txBody>
+      </p:sp>
+      <p:sp>
+        <p:nvSpPr>
+          <p:cNvPr id="8" name="Foliennummernplatzhalter 7">
+            <a:extLst>
+              <a:ext uri="{FF2B5EF4-FFF2-40B4-BE49-F238E27FC236}">
+                <a16:creationId xmlns:a16="http://schemas.microsoft.com/office/drawing/2014/main" id="{12F3BB77-9741-A5B7-EC84-4E166FF30BC9}"/>
+              </a:ext>
+            </a:extLst>
+          </p:cNvPr>
+          <p:cNvSpPr>
+            <a:spLocks noGrp="1"/>
+          </p:cNvSpPr>
+          <p:nvPr>
+            <p:ph type="sldNum" sz="quarter" idx="12"/>
+          </p:nvPr>
+        </p:nvSpPr>
+        <p:spPr/>
+        <p:txBody>
+          <a:bodyPr/>
+          <a:lstStyle/>
+          <a:p>
+            <a:fld id="{330EA680-D336-4FF7-8B7A-9848BB0A1C32}" type="slidenum">
+              <a:rPr lang="en-GB" smtClean="0"/>
+              <a:t>18</a:t>
+            </a:fld>
+            <a:endParaRPr lang="de-DE"/>
+          </a:p>
+        </p:txBody>
+      </p:sp>
+      <p:sp>
+        <p:nvSpPr>
+          <p:cNvPr id="10" name="Textfeld 9">
+            <a:extLst>
+              <a:ext uri="{FF2B5EF4-FFF2-40B4-BE49-F238E27FC236}">
+                <a16:creationId xmlns:a16="http://schemas.microsoft.com/office/drawing/2014/main" id="{84983347-E679-5D28-83C9-4A2AD62BAF9F}"/>
+              </a:ext>
+            </a:extLst>
+          </p:cNvPr>
+          <p:cNvSpPr txBox="1"/>
+          <p:nvPr/>
+        </p:nvSpPr>
+        <p:spPr>
+          <a:xfrm>
+            <a:off x="7124924" y="5330428"/>
+            <a:ext cx="4190723" cy="615553"/>
+          </a:xfrm>
+          <a:prstGeom prst="rect">
+            <a:avLst/>
+          </a:prstGeom>
+          <a:noFill/>
+        </p:spPr>
+        <p:txBody>
+          <a:bodyPr rot="0" spcFirstLastPara="0" vertOverflow="overflow" horzOverflow="overflow" vert="horz" wrap="square" lIns="91440" tIns="45720" rIns="91440" bIns="45720" numCol="1" spcCol="0" rtlCol="0" fromWordArt="0" anchor="t" anchorCtr="0" forceAA="0" compatLnSpc="1">
+            <a:prstTxWarp prst="textNoShape">
+              <a:avLst/>
+            </a:prstTxWarp>
+            <a:spAutoFit/>
+          </a:bodyPr>
+          <a:lstStyle/>
+          <a:p>
+            <a:pPr algn="r"/>
+            <a:r>
+              <a:rPr lang="en-US" sz="1600" dirty="0">
+                <a:latin typeface="Aptos Display"/>
+              </a:rPr>
+              <a:t>(Data taken from </a:t>
+            </a:r>
+            <a:r>
+              <a:rPr lang="en-US" sz="1600" err="1">
+                <a:latin typeface="Aptos Display"/>
+              </a:rPr>
+              <a:t>espacenet</a:t>
+            </a:r>
+            <a:r>
+              <a:rPr lang="en-US" sz="1600" dirty="0">
+                <a:latin typeface="Aptos Display"/>
+              </a:rPr>
+              <a:t>, January 2025)</a:t>
+            </a:r>
+            <a:endParaRPr lang="de-DE" sz="1600" dirty="0">
+              <a:latin typeface="Aptos Display"/>
+            </a:endParaRPr>
+          </a:p>
+          <a:p>
+            <a:pPr algn="l"/>
+            <a:endParaRPr lang="de-DE" dirty="0"/>
+          </a:p>
+        </p:txBody>
+      </p:sp>
     </p:spTree>
     <p:extLst>
       <p:ext uri="{BB962C8B-B14F-4D97-AF65-F5344CB8AC3E}">
-        <p14:creationId xmlns:p14="http://schemas.microsoft.com/office/powerpoint/2010/main" val="233784213"/>
+        <p14:creationId xmlns:p14="http://schemas.microsoft.com/office/powerpoint/2010/main" val="247480324"/>
       </p:ext>
     </p:extLst>
   </p:cSld>
@@ -4996,18 +5629,158 @@
       </p:grpSpPr>
       <p:sp>
         <p:nvSpPr>
-          <p:cNvPr id="4" name="Text Placeholder 3">
+          <p:cNvPr id="3" name="Title 1">
             <a:extLst>
               <a:ext uri="{FF2B5EF4-FFF2-40B4-BE49-F238E27FC236}">
-                <a16:creationId xmlns:a16="http://schemas.microsoft.com/office/drawing/2014/main" id="{EC61FC60-B060-12B2-5E82-55544DE04D4C}"/>
+                <a16:creationId xmlns:a16="http://schemas.microsoft.com/office/drawing/2014/main" id="{C6BA7668-1C29-FBBE-2932-D9238B71CE7F}"/>
               </a:ext>
             </a:extLst>
           </p:cNvPr>
-          <p:cNvSpPr>
-            <a:spLocks noGrp="1"/>
-          </p:cNvSpPr>
-          <p:nvPr>
-            <p:ph type="body" sz="half" idx="2"/>
+          <p:cNvSpPr txBox="1">
+            <a:spLocks/>
+          </p:cNvSpPr>
+          <p:nvPr/>
+        </p:nvSpPr>
+        <p:spPr>
+          <a:xfrm>
+            <a:off x="839788" y="457200"/>
+            <a:ext cx="10517651" cy="1048835"/>
+          </a:xfrm>
+          <a:prstGeom prst="rect">
+            <a:avLst/>
+          </a:prstGeom>
+        </p:spPr>
+        <p:txBody>
+          <a:bodyPr vert="horz" lIns="91440" tIns="45720" rIns="91440" bIns="45720" rtlCol="0" anchor="t">
+            <a:normAutofit/>
+          </a:bodyPr>
+          <a:lstStyle>
+            <a:lvl1pPr algn="l" defTabSz="914400" rtl="0" eaLnBrk="1" latinLnBrk="0" hangingPunct="1">
+              <a:lnSpc>
+                <a:spcPct val="90000"/>
+              </a:lnSpc>
+              <a:spcBef>
+                <a:spcPct val="0"/>
+              </a:spcBef>
+              <a:buNone/>
+              <a:defRPr sz="3200" kern="1200">
+                <a:solidFill>
+                  <a:schemeClr val="tx1"/>
+                </a:solidFill>
+                <a:latin typeface="+mj-lt"/>
+                <a:ea typeface="+mj-ea"/>
+                <a:cs typeface="+mj-cs"/>
+              </a:defRPr>
+            </a:lvl1pPr>
+          </a:lstStyle>
+          <a:p>
+            <a:r>
+              <a:rPr lang="de-DE" b="1" dirty="0"/>
+              <a:t>Publications </a:t>
+            </a:r>
+            <a:r>
+              <a:rPr lang="de-DE" b="1" dirty="0" err="1"/>
+              <a:t>outpacing</a:t>
+            </a:r>
+            <a:r>
+              <a:rPr lang="de-DE" b="1" dirty="0"/>
+              <a:t> </a:t>
+            </a:r>
+            <a:r>
+              <a:rPr lang="de-DE" b="1" dirty="0" err="1"/>
+              <a:t>patents</a:t>
+            </a:r>
+            <a:r>
+              <a:rPr lang="de-DE" b="1" dirty="0"/>
+              <a:t> - </a:t>
+            </a:r>
+            <a:r>
+              <a:rPr lang="de-DE" b="1" dirty="0" err="1"/>
+              <a:t>continued</a:t>
+            </a:r>
+            <a:r>
+              <a:rPr lang="de-DE" b="1" dirty="0"/>
+              <a:t> </a:t>
+            </a:r>
+            <a:r>
+              <a:rPr lang="de-DE" b="1" dirty="0" err="1"/>
+              <a:t>growth</a:t>
+            </a:r>
+            <a:r>
+              <a:rPr lang="de-DE" b="1" dirty="0"/>
+              <a:t> </a:t>
+            </a:r>
+            <a:r>
+              <a:rPr lang="de-DE" b="1" dirty="0" err="1"/>
+              <a:t>expected</a:t>
+            </a:r>
+            <a:endParaRPr lang="en-GB" b="1" dirty="0"/>
+          </a:p>
+        </p:txBody>
+      </p:sp>
+      <p:cxnSp>
+        <p:nvCxnSpPr>
+          <p:cNvPr id="5" name="Gerade Verbindung 6">
+            <a:extLst>
+              <a:ext uri="{FF2B5EF4-FFF2-40B4-BE49-F238E27FC236}">
+                <a16:creationId xmlns:a16="http://schemas.microsoft.com/office/drawing/2014/main" id="{7DC24D24-5563-190E-FA2F-35ED9A468487}"/>
+              </a:ext>
+            </a:extLst>
+          </p:cNvPr>
+          <p:cNvCxnSpPr>
+            <a:cxnSpLocks/>
+          </p:cNvCxnSpPr>
+          <p:nvPr/>
+        </p:nvCxnSpPr>
+        <p:spPr>
+          <a:xfrm>
+            <a:off x="9298734" y="1887276"/>
+            <a:ext cx="0" cy="3024000"/>
+          </a:xfrm>
+          <a:prstGeom prst="line">
+            <a:avLst/>
+          </a:prstGeom>
+          <a:ln w="19050" cap="flat" cmpd="sng" algn="ctr">
+            <a:solidFill>
+              <a:srgbClr val="FF0000">
+                <a:alpha val="39581"/>
+              </a:srgbClr>
+            </a:solidFill>
+            <a:prstDash val="dash"/>
+            <a:round/>
+            <a:headEnd type="none" w="med" len="med"/>
+            <a:tailEnd type="none" w="med" len="med"/>
+          </a:ln>
+        </p:spPr>
+        <p:style>
+          <a:lnRef idx="0">
+            <a:scrgbClr r="0" g="0" b="0"/>
+          </a:lnRef>
+          <a:fillRef idx="0">
+            <a:scrgbClr r="0" g="0" b="0"/>
+          </a:fillRef>
+          <a:effectRef idx="0">
+            <a:scrgbClr r="0" g="0" b="0"/>
+          </a:effectRef>
+          <a:fontRef idx="minor">
+            <a:schemeClr val="tx1"/>
+          </a:fontRef>
+        </p:style>
+      </p:cxnSp>
+      <p:sp>
+        <p:nvSpPr>
+          <p:cNvPr id="6" name="Fußzeilenplatzhalter 5">
+            <a:extLst>
+              <a:ext uri="{FF2B5EF4-FFF2-40B4-BE49-F238E27FC236}">
+                <a16:creationId xmlns:a16="http://schemas.microsoft.com/office/drawing/2014/main" id="{89FB978F-4248-6A73-C8FD-459691B76014}"/>
+              </a:ext>
+            </a:extLst>
+          </p:cNvPr>
+          <p:cNvSpPr>
+            <a:spLocks noGrp="1"/>
+          </p:cNvSpPr>
+          <p:nvPr>
+            <p:ph type="ftr" sz="quarter" idx="11"/>
           </p:nvPr>
         </p:nvSpPr>
         <p:spPr/>
@@ -5015,44 +5788,48 @@
           <a:bodyPr/>
           <a:lstStyle/>
           <a:p>
-            <a:pPr marL="285750" indent="-285750">
-              <a:buFont typeface="Arial" panose="020B0604020202020204" pitchFamily="34" charset="0"/>
-              <a:buChar char="•"/>
-            </a:pPr>
-            <a:r>
-              <a:rPr lang="en-US" dirty="0"/>
-              <a:t>Starting from 2013 the number of publications dominate the number of patents significantly</a:t>
-            </a:r>
-          </a:p>
-          <a:p>
-            <a:pPr marL="285750" indent="-285750">
-              <a:buFont typeface="Arial" panose="020B0604020202020204" pitchFamily="34" charset="0"/>
-              <a:buChar char="•"/>
-            </a:pPr>
-            <a:r>
-              <a:rPr lang="en-US" dirty="0"/>
-              <a:t>Research largely unaffected by COVID</a:t>
-            </a:r>
-          </a:p>
-          <a:p>
-            <a:pPr marL="285750" indent="-285750">
-              <a:buFont typeface="Arial" panose="020B0604020202020204" pitchFamily="34" charset="0"/>
-              <a:buChar char="•"/>
-            </a:pPr>
-            <a:r>
-              <a:rPr lang="en-US" dirty="0"/>
-              <a:t>Number of patents is expected to follow the upward trajectory in the coming years</a:t>
-            </a:r>
-            <a:endParaRPr lang="en-DE" dirty="0"/>
+            <a:r>
+              <a:rPr lang="de-DE"/>
+              <a:t>RWTH Aachen | Seminar Data Driven Foresight | 13.01.2025</a:t>
+            </a:r>
+          </a:p>
+        </p:txBody>
+      </p:sp>
+      <p:sp>
+        <p:nvSpPr>
+          <p:cNvPr id="8" name="Foliennummernplatzhalter 7">
+            <a:extLst>
+              <a:ext uri="{FF2B5EF4-FFF2-40B4-BE49-F238E27FC236}">
+                <a16:creationId xmlns:a16="http://schemas.microsoft.com/office/drawing/2014/main" id="{12F3BB77-9741-A5B7-EC84-4E166FF30BC9}"/>
+              </a:ext>
+            </a:extLst>
+          </p:cNvPr>
+          <p:cNvSpPr>
+            <a:spLocks noGrp="1"/>
+          </p:cNvSpPr>
+          <p:nvPr>
+            <p:ph type="sldNum" sz="quarter" idx="12"/>
+          </p:nvPr>
+        </p:nvSpPr>
+        <p:spPr/>
+        <p:txBody>
+          <a:bodyPr/>
+          <a:lstStyle/>
+          <a:p>
+            <a:fld id="{330EA680-D336-4FF7-8B7A-9848BB0A1C32}" type="slidenum">
+              <a:rPr lang="en-GB" smtClean="0"/>
+              <a:t>19</a:t>
+            </a:fld>
+            <a:endParaRPr lang="de-DE"/>
           </a:p>
         </p:txBody>
       </p:sp>
       <p:pic>
         <p:nvPicPr>
-          <p:cNvPr id="7" name="Content Placeholder 6" descr="A graph with blue and orange lines&#10;&#10;Description automatically generated">
+          <p:cNvPr id="10" name="Inhaltsplatzhalter 9" descr="Ein Bild, das Text, Reihe, Diagramm, Screenshot enthält.&#10;&#10;Beschreibung automatisch generiert.">
             <a:extLst>
               <a:ext uri="{FF2B5EF4-FFF2-40B4-BE49-F238E27FC236}">
-                <a16:creationId xmlns:a16="http://schemas.microsoft.com/office/drawing/2014/main" id="{2E12B85E-2AB5-43B1-0DA4-A44F1B6A085E}"/>
+                <a16:creationId xmlns:a16="http://schemas.microsoft.com/office/drawing/2014/main" id="{5AA90D66-AC59-B906-57AE-004B68228080}"/>
               </a:ext>
             </a:extLst>
           </p:cNvPr>
@@ -5078,10 +5855,70 @@
       </p:pic>
       <p:sp>
         <p:nvSpPr>
-          <p:cNvPr id="3" name="Title 1">
+          <p:cNvPr id="12" name="Textfeld 11">
             <a:extLst>
               <a:ext uri="{FF2B5EF4-FFF2-40B4-BE49-F238E27FC236}">
-                <a16:creationId xmlns:a16="http://schemas.microsoft.com/office/drawing/2014/main" id="{C6BA7668-1C29-FBBE-2932-D9238B71CE7F}"/>
+                <a16:creationId xmlns:a16="http://schemas.microsoft.com/office/drawing/2014/main" id="{6D330DB1-B15C-58D5-B96D-534F8C669A94}"/>
+              </a:ext>
+            </a:extLst>
+          </p:cNvPr>
+          <p:cNvSpPr txBox="1"/>
+          <p:nvPr/>
+        </p:nvSpPr>
+        <p:spPr>
+          <a:xfrm>
+            <a:off x="7124924" y="5330428"/>
+            <a:ext cx="4190723" cy="615553"/>
+          </a:xfrm>
+          <a:prstGeom prst="rect">
+            <a:avLst/>
+          </a:prstGeom>
+          <a:noFill/>
+        </p:spPr>
+        <p:txBody>
+          <a:bodyPr rot="0" spcFirstLastPara="0" vertOverflow="overflow" horzOverflow="overflow" vert="horz" wrap="square" lIns="91440" tIns="45720" rIns="91440" bIns="45720" numCol="1" spcCol="0" rtlCol="0" fromWordArt="0" anchor="t" anchorCtr="0" forceAA="0" compatLnSpc="1">
+            <a:prstTxWarp prst="textNoShape">
+              <a:avLst/>
+            </a:prstTxWarp>
+            <a:spAutoFit/>
+          </a:bodyPr>
+          <a:lstStyle/>
+          <a:p>
+            <a:pPr algn="r"/>
+            <a:r>
+              <a:rPr lang="en-US" sz="1600" dirty="0">
+                <a:latin typeface="Aptos Display"/>
+              </a:rPr>
+              <a:t>(Data taken from </a:t>
+            </a:r>
+            <a:r>
+              <a:rPr lang="en-US" sz="1600" err="1">
+                <a:latin typeface="Aptos Display"/>
+              </a:rPr>
+              <a:t>espacenet</a:t>
+            </a:r>
+            <a:r>
+              <a:rPr lang="en-US" sz="1600" dirty="0">
+                <a:latin typeface="Aptos Display"/>
+              </a:rPr>
+              <a:t>, January 2025)</a:t>
+            </a:r>
+            <a:endParaRPr lang="de-DE" sz="1600" dirty="0">
+              <a:latin typeface="Aptos Display"/>
+            </a:endParaRPr>
+          </a:p>
+          <a:p>
+            <a:pPr algn="l"/>
+            <a:endParaRPr lang="de-DE" dirty="0"/>
+          </a:p>
+        </p:txBody>
+      </p:sp>
+      <p:sp>
+        <p:nvSpPr>
+          <p:cNvPr id="16" name="Text Placeholder 3">
+            <a:extLst>
+              <a:ext uri="{FF2B5EF4-FFF2-40B4-BE49-F238E27FC236}">
+                <a16:creationId xmlns:a16="http://schemas.microsoft.com/office/drawing/2014/main" id="{EF290580-7221-83CB-7B80-755A49DE279E}"/>
               </a:ext>
             </a:extLst>
           </p:cNvPr>
@@ -5092,85 +5929,246 @@
         </p:nvSpPr>
         <p:spPr>
           <a:xfrm>
-            <a:off x="839788" y="457200"/>
-            <a:ext cx="10517651" cy="1048835"/>
+            <a:off x="926520" y="1518424"/>
+            <a:ext cx="3932237" cy="3811588"/>
           </a:xfrm>
           <a:prstGeom prst="rect">
             <a:avLst/>
           </a:prstGeom>
         </p:spPr>
         <p:txBody>
-          <a:bodyPr vert="horz" lIns="91440" tIns="45720" rIns="91440" bIns="45720" rtlCol="0" anchor="t">
+          <a:bodyPr vert="horz" lIns="91440" tIns="45720" rIns="91440" bIns="45720" rtlCol="0" anchor="ctr">
             <a:normAutofit/>
           </a:bodyPr>
           <a:lstStyle>
-            <a:lvl1pPr algn="l" defTabSz="914400" rtl="0" eaLnBrk="1" latinLnBrk="0" hangingPunct="1">
+            <a:lvl1pPr marL="0" indent="0" algn="l" defTabSz="914400" rtl="0" eaLnBrk="1" latinLnBrk="0" hangingPunct="1">
               <a:lnSpc>
                 <a:spcPct val="90000"/>
               </a:lnSpc>
               <a:spcBef>
-                <a:spcPct val="0"/>
+                <a:spcPts val="1000"/>
               </a:spcBef>
+              <a:buFont typeface="Arial" panose="020B0604020202020204" pitchFamily="34" charset="0"/>
               <a:buNone/>
-              <a:defRPr sz="3200" kern="1200">
+              <a:defRPr sz="1600" kern="1200">
                 <a:solidFill>
                   <a:schemeClr val="tx1"/>
                 </a:solidFill>
-                <a:latin typeface="+mj-lt"/>
-                <a:ea typeface="+mj-ea"/>
-                <a:cs typeface="+mj-cs"/>
+                <a:latin typeface="+mn-lt"/>
+                <a:ea typeface="+mn-ea"/>
+                <a:cs typeface="+mn-cs"/>
               </a:defRPr>
             </a:lvl1pPr>
+            <a:lvl2pPr marL="457200" indent="0" algn="l" defTabSz="914400" rtl="0" eaLnBrk="1" latinLnBrk="0" hangingPunct="1">
+              <a:lnSpc>
+                <a:spcPct val="90000"/>
+              </a:lnSpc>
+              <a:spcBef>
+                <a:spcPts val="500"/>
+              </a:spcBef>
+              <a:buFont typeface="Arial" panose="020B0604020202020204" pitchFamily="34" charset="0"/>
+              <a:buNone/>
+              <a:defRPr sz="1400" kern="1200">
+                <a:solidFill>
+                  <a:schemeClr val="tx1"/>
+                </a:solidFill>
+                <a:latin typeface="+mn-lt"/>
+                <a:ea typeface="+mn-ea"/>
+                <a:cs typeface="+mn-cs"/>
+              </a:defRPr>
+            </a:lvl2pPr>
+            <a:lvl3pPr marL="914400" indent="0" algn="l" defTabSz="914400" rtl="0" eaLnBrk="1" latinLnBrk="0" hangingPunct="1">
+              <a:lnSpc>
+                <a:spcPct val="90000"/>
+              </a:lnSpc>
+              <a:spcBef>
+                <a:spcPts val="500"/>
+              </a:spcBef>
+              <a:buFont typeface="Arial" panose="020B0604020202020204" pitchFamily="34" charset="0"/>
+              <a:buNone/>
+              <a:defRPr sz="1200" kern="1200">
+                <a:solidFill>
+                  <a:schemeClr val="tx1"/>
+                </a:solidFill>
+                <a:latin typeface="+mn-lt"/>
+                <a:ea typeface="+mn-ea"/>
+                <a:cs typeface="+mn-cs"/>
+              </a:defRPr>
+            </a:lvl3pPr>
+            <a:lvl4pPr marL="1371600" indent="0" algn="l" defTabSz="914400" rtl="0" eaLnBrk="1" latinLnBrk="0" hangingPunct="1">
+              <a:lnSpc>
+                <a:spcPct val="90000"/>
+              </a:lnSpc>
+              <a:spcBef>
+                <a:spcPts val="500"/>
+              </a:spcBef>
+              <a:buFont typeface="Arial" panose="020B0604020202020204" pitchFamily="34" charset="0"/>
+              <a:buNone/>
+              <a:defRPr sz="1000" kern="1200">
+                <a:solidFill>
+                  <a:schemeClr val="tx1"/>
+                </a:solidFill>
+                <a:latin typeface="+mn-lt"/>
+                <a:ea typeface="+mn-ea"/>
+                <a:cs typeface="+mn-cs"/>
+              </a:defRPr>
+            </a:lvl4pPr>
+            <a:lvl5pPr marL="1828800" indent="0" algn="l" defTabSz="914400" rtl="0" eaLnBrk="1" latinLnBrk="0" hangingPunct="1">
+              <a:lnSpc>
+                <a:spcPct val="90000"/>
+              </a:lnSpc>
+              <a:spcBef>
+                <a:spcPts val="500"/>
+              </a:spcBef>
+              <a:buFont typeface="Arial" panose="020B0604020202020204" pitchFamily="34" charset="0"/>
+              <a:buNone/>
+              <a:defRPr sz="1000" kern="1200">
+                <a:solidFill>
+                  <a:schemeClr val="tx1"/>
+                </a:solidFill>
+                <a:latin typeface="+mn-lt"/>
+                <a:ea typeface="+mn-ea"/>
+                <a:cs typeface="+mn-cs"/>
+              </a:defRPr>
+            </a:lvl5pPr>
+            <a:lvl6pPr marL="2286000" indent="0" algn="l" defTabSz="914400" rtl="0" eaLnBrk="1" latinLnBrk="0" hangingPunct="1">
+              <a:lnSpc>
+                <a:spcPct val="90000"/>
+              </a:lnSpc>
+              <a:spcBef>
+                <a:spcPts val="500"/>
+              </a:spcBef>
+              <a:buFont typeface="Arial" panose="020B0604020202020204" pitchFamily="34" charset="0"/>
+              <a:buNone/>
+              <a:defRPr sz="1000" kern="1200">
+                <a:solidFill>
+                  <a:schemeClr val="tx1"/>
+                </a:solidFill>
+                <a:latin typeface="+mn-lt"/>
+                <a:ea typeface="+mn-ea"/>
+                <a:cs typeface="+mn-cs"/>
+              </a:defRPr>
+            </a:lvl6pPr>
+            <a:lvl7pPr marL="2743200" indent="0" algn="l" defTabSz="914400" rtl="0" eaLnBrk="1" latinLnBrk="0" hangingPunct="1">
+              <a:lnSpc>
+                <a:spcPct val="90000"/>
+              </a:lnSpc>
+              <a:spcBef>
+                <a:spcPts val="500"/>
+              </a:spcBef>
+              <a:buFont typeface="Arial" panose="020B0604020202020204" pitchFamily="34" charset="0"/>
+              <a:buNone/>
+              <a:defRPr sz="1000" kern="1200">
+                <a:solidFill>
+                  <a:schemeClr val="tx1"/>
+                </a:solidFill>
+                <a:latin typeface="+mn-lt"/>
+                <a:ea typeface="+mn-ea"/>
+                <a:cs typeface="+mn-cs"/>
+              </a:defRPr>
+            </a:lvl7pPr>
+            <a:lvl8pPr marL="3200400" indent="0" algn="l" defTabSz="914400" rtl="0" eaLnBrk="1" latinLnBrk="0" hangingPunct="1">
+              <a:lnSpc>
+                <a:spcPct val="90000"/>
+              </a:lnSpc>
+              <a:spcBef>
+                <a:spcPts val="500"/>
+              </a:spcBef>
+              <a:buFont typeface="Arial" panose="020B0604020202020204" pitchFamily="34" charset="0"/>
+              <a:buNone/>
+              <a:defRPr sz="1000" kern="1200">
+                <a:solidFill>
+                  <a:schemeClr val="tx1"/>
+                </a:solidFill>
+                <a:latin typeface="+mn-lt"/>
+                <a:ea typeface="+mn-ea"/>
+                <a:cs typeface="+mn-cs"/>
+              </a:defRPr>
+            </a:lvl8pPr>
+            <a:lvl9pPr marL="3657600" indent="0" algn="l" defTabSz="914400" rtl="0" eaLnBrk="1" latinLnBrk="0" hangingPunct="1">
+              <a:lnSpc>
+                <a:spcPct val="90000"/>
+              </a:lnSpc>
+              <a:spcBef>
+                <a:spcPts val="500"/>
+              </a:spcBef>
+              <a:buFont typeface="Arial" panose="020B0604020202020204" pitchFamily="34" charset="0"/>
+              <a:buNone/>
+              <a:defRPr sz="1000" kern="1200">
+                <a:solidFill>
+                  <a:schemeClr val="tx1"/>
+                </a:solidFill>
+                <a:latin typeface="+mn-lt"/>
+                <a:ea typeface="+mn-ea"/>
+                <a:cs typeface="+mn-cs"/>
+              </a:defRPr>
+            </a:lvl9pPr>
           </a:lstStyle>
           <a:p>
-            <a:r>
-              <a:rPr lang="de-DE" b="1" dirty="0"/>
-              <a:t>Publications </a:t>
-            </a:r>
-            <a:r>
-              <a:rPr lang="de-DE" b="1" dirty="0" err="1"/>
-              <a:t>outpacing</a:t>
-            </a:r>
-            <a:r>
-              <a:rPr lang="de-DE" b="1" dirty="0"/>
+            <a:pPr marL="285750" indent="-285750">
+              <a:buFont typeface="Arial" panose="020B0604020202020204" pitchFamily="34" charset="0"/>
+              <a:buChar char="•"/>
+            </a:pPr>
+            <a:r>
+              <a:rPr lang="en-US" b="1" dirty="0"/>
+              <a:t>Starting from 2010 </a:t>
+            </a:r>
+            <a:r>
+              <a:rPr lang="en-US" dirty="0"/>
+              <a:t>the number of publications dominate the number of patents significantly</a:t>
+            </a:r>
+          </a:p>
+          <a:p>
+            <a:pPr marL="285750" indent="-285750">
+              <a:buFont typeface="Arial" panose="020B0604020202020204" pitchFamily="34" charset="0"/>
+              <a:buChar char="•"/>
+            </a:pPr>
+            <a:r>
+              <a:rPr lang="en-US" dirty="0"/>
+              <a:t>Research largely </a:t>
+            </a:r>
+            <a:r>
+              <a:rPr lang="en-US" b="1" dirty="0"/>
+              <a:t>unaffected by</a:t>
+            </a:r>
+            <a:r>
+              <a:rPr lang="en-US" dirty="0"/>
               <a:t> </a:t>
             </a:r>
             <a:r>
-              <a:rPr lang="de-DE" b="1" dirty="0" err="1"/>
-              <a:t>patents</a:t>
-            </a:r>
-            <a:r>
-              <a:rPr lang="de-DE" b="1" dirty="0"/>
-              <a:t> - </a:t>
-            </a:r>
-            <a:r>
-              <a:rPr lang="de-DE" b="1" dirty="0" err="1"/>
-              <a:t>continued</a:t>
-            </a:r>
-            <a:r>
-              <a:rPr lang="de-DE" b="1" dirty="0"/>
-              <a:t> </a:t>
-            </a:r>
-            <a:r>
-              <a:rPr lang="de-DE" b="1" dirty="0" err="1"/>
-              <a:t>growth</a:t>
-            </a:r>
-            <a:r>
-              <a:rPr lang="de-DE" b="1" dirty="0"/>
-              <a:t> </a:t>
-            </a:r>
-            <a:r>
-              <a:rPr lang="de-DE" b="1" dirty="0" err="1"/>
-              <a:t>expected</a:t>
-            </a:r>
-            <a:endParaRPr lang="en-GB" b="1" dirty="0"/>
+              <a:rPr lang="en-US" b="1" dirty="0"/>
+              <a:t>COVID</a:t>
+            </a:r>
+          </a:p>
+          <a:p>
+            <a:pPr marL="285750" indent="-285750">
+              <a:buFont typeface="Arial" panose="020B0604020202020204" pitchFamily="34" charset="0"/>
+              <a:buChar char="•"/>
+            </a:pPr>
+            <a:r>
+              <a:rPr lang="en-US" b="1" dirty="0"/>
+              <a:t>Number of patents</a:t>
+            </a:r>
+            <a:r>
+              <a:rPr lang="en-US" dirty="0"/>
+              <a:t> is expected to follow the </a:t>
+            </a:r>
+            <a:r>
+              <a:rPr lang="en-US" b="1" dirty="0"/>
+              <a:t>upward trajectory</a:t>
+            </a:r>
+            <a:r>
+              <a:rPr lang="en-US" dirty="0"/>
+              <a:t> in the coming years</a:t>
+            </a:r>
+            <a:endParaRPr lang="en-DE" dirty="0"/>
           </a:p>
         </p:txBody>
       </p:sp>
     </p:spTree>
     <p:extLst>
       <p:ext uri="{BB962C8B-B14F-4D97-AF65-F5344CB8AC3E}">
-        <p14:creationId xmlns:p14="http://schemas.microsoft.com/office/powerpoint/2010/main" val="247480324"/>
+        <p14:creationId xmlns:p14="http://schemas.microsoft.com/office/powerpoint/2010/main" val="3466779736"/>
       </p:ext>
     </p:extLst>
   </p:cSld>
@@ -5690,7 +6688,7 @@
                 <a:ea typeface="+mn-lt"/>
                 <a:cs typeface="+mn-lt"/>
               </a:rPr>
-              <a:t> "spirit*")  </a:t>
+              <a:t> "spirit*")</a:t>
             </a:r>
             <a:endParaRPr lang="en-GB" sz="1400" dirty="0">
               <a:solidFill>
@@ -5718,14 +6716,14 @@
           <p:nvPr>
             <p:extLst>
               <p:ext uri="{D42A27DB-BD31-4B8C-83A1-F6EECF244321}">
-                <p14:modId xmlns:p14="http://schemas.microsoft.com/office/powerpoint/2010/main" val="4241572583"/>
+                <p14:modId xmlns:p14="http://schemas.microsoft.com/office/powerpoint/2010/main" val="3086323057"/>
               </p:ext>
             </p:extLst>
           </p:nvPr>
         </p:nvGraphicFramePr>
         <p:xfrm>
-          <a:off x="2722521" y="1677898"/>
-          <a:ext cx="6400732" cy="2536514"/>
+          <a:off x="3060390" y="1678878"/>
+          <a:ext cx="6057816" cy="2536514"/>
         </p:xfrm>
         <a:graphic>
           <a:graphicData uri="http://schemas.openxmlformats.org/drawingml/2006/table">
@@ -5734,35 +6732,35 @@
                 <a:tableStyleId>{7E9639D4-E3E2-4D34-9284-5A2195B3D0D7}</a:tableStyleId>
               </a:tblPr>
               <a:tblGrid>
-                <a:gridCol w="2081350">
+                <a:gridCol w="1553670">
                   <a:extLst>
                     <a:ext uri="{9D8B030D-6E8A-4147-A177-3AD203B41FA5}">
                       <a16:colId xmlns:a16="http://schemas.microsoft.com/office/drawing/2014/main" val="2294655383"/>
                     </a:ext>
                   </a:extLst>
                 </a:gridCol>
-                <a:gridCol w="638875">
+                <a:gridCol w="576557">
                   <a:extLst>
                     <a:ext uri="{9D8B030D-6E8A-4147-A177-3AD203B41FA5}">
                       <a16:colId xmlns:a16="http://schemas.microsoft.com/office/drawing/2014/main" val="2338996259"/>
                     </a:ext>
                   </a:extLst>
                 </a:gridCol>
-                <a:gridCol w="1334303">
+                <a:gridCol w="1195597">
                   <a:extLst>
                     <a:ext uri="{9D8B030D-6E8A-4147-A177-3AD203B41FA5}">
                       <a16:colId xmlns:a16="http://schemas.microsoft.com/office/drawing/2014/main" val="4176836242"/>
                     </a:ext>
                   </a:extLst>
                 </a:gridCol>
-                <a:gridCol w="618204">
+                <a:gridCol w="631178">
                   <a:extLst>
                     <a:ext uri="{9D8B030D-6E8A-4147-A177-3AD203B41FA5}">
                       <a16:colId xmlns:a16="http://schemas.microsoft.com/office/drawing/2014/main" val="254465487"/>
                     </a:ext>
                   </a:extLst>
                 </a:gridCol>
-                <a:gridCol w="1728000">
+                <a:gridCol w="2100814">
                   <a:extLst>
                     <a:ext uri="{9D8B030D-6E8A-4147-A177-3AD203B41FA5}">
                       <a16:colId xmlns:a16="http://schemas.microsoft.com/office/drawing/2014/main" val="2690576278"/>
@@ -5777,20 +6775,20 @@
                     <a:lstStyle/>
                     <a:p>
                       <a:r>
-                        <a:rPr lang="de-DE" sz="1400"/>
+                        <a:rPr lang="de-DE" sz="1400" dirty="0"/>
                         <a:t>Self </a:t>
                       </a:r>
                       <a:r>
-                        <a:rPr lang="de-DE" sz="1400" err="1"/>
+                        <a:rPr lang="de-DE" sz="1400" dirty="0" err="1"/>
                         <a:t>heal</a:t>
                       </a:r>
                       <a:r>
-                        <a:rPr lang="de-DE" sz="1400"/>
+                        <a:rPr lang="de-DE" sz="1400" dirty="0"/>
                         <a:t>*</a:t>
                       </a:r>
                     </a:p>
                   </a:txBody>
-                  <a:tcPr marL="90000"/>
+                  <a:tcPr/>
                 </a:tc>
                 <a:tc rowSpan="8">
                   <a:txBody>
@@ -5803,7 +6801,7 @@
                       </a:r>
                     </a:p>
                   </a:txBody>
-                  <a:tcPr marL="90000"/>
+                  <a:tcPr/>
                 </a:tc>
                 <a:tc>
                   <a:txBody>
@@ -5811,12 +6809,12 @@
                     <a:lstStyle/>
                     <a:p>
                       <a:r>
-                        <a:rPr lang="de-DE" sz="1400"/>
+                        <a:rPr lang="de-DE" sz="1400" dirty="0"/>
                         <a:t>Material*</a:t>
                       </a:r>
                     </a:p>
                   </a:txBody>
-                  <a:tcPr marL="90000"/>
+                  <a:tcPr/>
                 </a:tc>
                 <a:tc rowSpan="8">
                   <a:txBody>
@@ -5824,12 +6822,12 @@
                     <a:lstStyle/>
                     <a:p>
                       <a:r>
-                        <a:rPr lang="de-DE" sz="1400" b="1"/>
+                        <a:rPr lang="de-DE" sz="1400" b="1" dirty="0"/>
                         <a:t>NOT</a:t>
                       </a:r>
                     </a:p>
                   </a:txBody>
-                  <a:tcPr marL="90000"/>
+                  <a:tcPr/>
                 </a:tc>
                 <a:tc>
                   <a:txBody>
@@ -5843,7 +6841,7 @@
                       <a:endParaRPr lang="de-DE" sz="1400"/>
                     </a:p>
                   </a:txBody>
-                  <a:tcPr marL="90000"/>
+                  <a:tcPr/>
                 </a:tc>
                 <a:extLst>
                   <a:ext uri="{0D108BD9-81ED-4DB2-BD59-A6C34878D82A}">
@@ -5858,20 +6856,20 @@
                     <a:lstStyle/>
                     <a:p>
                       <a:r>
-                        <a:rPr lang="de-DE" sz="1400"/>
+                        <a:rPr lang="de-DE" sz="1400" dirty="0"/>
                         <a:t>Self </a:t>
                       </a:r>
                       <a:r>
-                        <a:rPr lang="de-DE" sz="1400" err="1"/>
+                        <a:rPr lang="de-DE" sz="1400" dirty="0" err="1"/>
                         <a:t>repair</a:t>
                       </a:r>
                       <a:r>
-                        <a:rPr lang="de-DE" sz="1400"/>
+                        <a:rPr lang="de-DE" sz="1400" dirty="0"/>
                         <a:t>*</a:t>
                       </a:r>
                     </a:p>
                   </a:txBody>
-                  <a:tcPr marL="90000"/>
+                  <a:tcPr/>
                 </a:tc>
                 <a:tc vMerge="1">
                   <a:txBody>
@@ -5889,12 +6887,12 @@
                     <a:lstStyle/>
                     <a:p>
                       <a:r>
-                        <a:rPr lang="de-DE" sz="1400"/>
+                        <a:rPr lang="de-DE" sz="1400" dirty="0"/>
                         <a:t>Polymer*</a:t>
                       </a:r>
                     </a:p>
                   </a:txBody>
-                  <a:tcPr marL="90000"/>
+                  <a:tcPr/>
                 </a:tc>
                 <a:tc vMerge="1">
                   <a:txBody>
@@ -5912,7 +6910,7 @@
                     <a:lstStyle/>
                     <a:p>
                       <a:r>
-                        <a:rPr lang="de-DE" sz="1400"/>
+                        <a:rPr lang="de-DE" sz="1400" dirty="0"/>
                         <a:t>Biological </a:t>
                       </a:r>
                       <a:r>
@@ -5920,12 +6918,12 @@
                         <a:t>system</a:t>
                       </a:r>
                       <a:r>
-                        <a:rPr lang="de-DE" sz="1400"/>
+                        <a:rPr lang="de-DE" sz="1400" dirty="0"/>
                         <a:t>*</a:t>
                       </a:r>
                     </a:p>
                   </a:txBody>
-                  <a:tcPr marL="90000"/>
+                  <a:tcPr/>
                 </a:tc>
                 <a:extLst>
                   <a:ext uri="{0D108BD9-81ED-4DB2-BD59-A6C34878D82A}">
@@ -5945,7 +6943,7 @@
                       </a:r>
                     </a:p>
                   </a:txBody>
-                  <a:tcPr marL="90000"/>
+                  <a:tcPr/>
                 </a:tc>
                 <a:tc vMerge="1">
                   <a:txBody>
@@ -5963,12 +6961,12 @@
                     <a:lstStyle/>
                     <a:p>
                       <a:r>
-                        <a:rPr lang="de-DE" sz="1400"/>
+                        <a:rPr lang="de-DE" sz="1400" dirty="0"/>
                         <a:t>Composite*</a:t>
                       </a:r>
                     </a:p>
                   </a:txBody>
-                  <a:tcPr marL="90000"/>
+                  <a:tcPr/>
                 </a:tc>
                 <a:tc vMerge="1">
                   <a:txBody>
@@ -5991,7 +6989,7 @@
                       </a:r>
                     </a:p>
                   </a:txBody>
-                  <a:tcPr marL="90000"/>
+                  <a:tcPr/>
                 </a:tc>
                 <a:extLst>
                   <a:ext uri="{0D108BD9-81ED-4DB2-BD59-A6C34878D82A}">
@@ -6011,7 +7009,7 @@
                       </a:r>
                     </a:p>
                   </a:txBody>
-                  <a:tcPr marL="90000"/>
+                  <a:tcPr/>
                 </a:tc>
                 <a:tc vMerge="1">
                   <a:txBody>
@@ -6029,16 +7027,16 @@
                     <a:lstStyle/>
                     <a:p>
                       <a:r>
-                        <a:rPr lang="de-DE" sz="1400" err="1"/>
+                        <a:rPr lang="de-DE" sz="1400" dirty="0" err="1"/>
                         <a:t>Ceramic</a:t>
                       </a:r>
                       <a:r>
-                        <a:rPr lang="de-DE" sz="1400"/>
+                        <a:rPr lang="de-DE" sz="1400" dirty="0"/>
                         <a:t>*</a:t>
                       </a:r>
                     </a:p>
                   </a:txBody>
-                  <a:tcPr marL="90000"/>
+                  <a:tcPr/>
                 </a:tc>
                 <a:tc vMerge="1">
                   <a:txBody>
@@ -6073,7 +7071,7 @@
                       </a:r>
                     </a:p>
                   </a:txBody>
-                  <a:tcPr marL="90000"/>
+                  <a:tcPr/>
                 </a:tc>
                 <a:extLst>
                   <a:ext uri="{0D108BD9-81ED-4DB2-BD59-A6C34878D82A}">
@@ -6090,7 +7088,7 @@
                       <a:endParaRPr lang="de-DE" sz="1400"/>
                     </a:p>
                   </a:txBody>
-                  <a:tcPr marL="90000"/>
+                  <a:tcPr/>
                 </a:tc>
                 <a:tc vMerge="1">
                   <a:txBody>
@@ -6108,16 +7106,16 @@
                     <a:lstStyle/>
                     <a:p>
                       <a:r>
-                        <a:rPr lang="de-DE" sz="1400" err="1"/>
+                        <a:rPr lang="de-DE" sz="1400" dirty="0" err="1"/>
                         <a:t>Metal</a:t>
                       </a:r>
                       <a:r>
-                        <a:rPr lang="de-DE" sz="1400"/>
+                        <a:rPr lang="de-DE" sz="1400" dirty="0"/>
                         <a:t>*</a:t>
                       </a:r>
                     </a:p>
                   </a:txBody>
-                  <a:tcPr marL="90000"/>
+                  <a:tcPr/>
                 </a:tc>
                 <a:tc vMerge="1">
                   <a:txBody>
@@ -6140,7 +7138,7 @@
                       </a:r>
                     </a:p>
                   </a:txBody>
-                  <a:tcPr marL="90000"/>
+                  <a:tcPr/>
                 </a:tc>
                 <a:extLst>
                   <a:ext uri="{0D108BD9-81ED-4DB2-BD59-A6C34878D82A}">
@@ -6157,7 +7155,7 @@
                       <a:endParaRPr lang="de-DE" sz="1400"/>
                     </a:p>
                   </a:txBody>
-                  <a:tcPr marL="90000"/>
+                  <a:tcPr/>
                 </a:tc>
                 <a:tc vMerge="1">
                   <a:txBody>
@@ -6175,16 +7173,16 @@
                     <a:lstStyle/>
                     <a:p>
                       <a:r>
-                        <a:rPr lang="de-DE" sz="1400" err="1"/>
+                        <a:rPr lang="de-DE" sz="1400" dirty="0" err="1"/>
                         <a:t>Alloy</a:t>
                       </a:r>
                       <a:r>
-                        <a:rPr lang="de-DE" sz="1400"/>
+                        <a:rPr lang="de-DE" sz="1400" dirty="0"/>
                         <a:t>*</a:t>
                       </a:r>
                     </a:p>
                   </a:txBody>
-                  <a:tcPr marL="90000"/>
+                  <a:tcPr/>
                 </a:tc>
                 <a:tc vMerge="1">
                   <a:txBody>
@@ -6207,7 +7205,7 @@
                       </a:r>
                     </a:p>
                   </a:txBody>
-                  <a:tcPr marL="90000"/>
+                  <a:tcPr/>
                 </a:tc>
                 <a:extLst>
                   <a:ext uri="{0D108BD9-81ED-4DB2-BD59-A6C34878D82A}">
@@ -6224,7 +7222,7 @@
                       <a:endParaRPr lang="de-DE" sz="1400"/>
                     </a:p>
                   </a:txBody>
-                  <a:tcPr marL="90000"/>
+                  <a:tcPr/>
                 </a:tc>
                 <a:tc vMerge="1">
                   <a:txBody>
@@ -6242,16 +7240,16 @@
                     <a:lstStyle/>
                     <a:p>
                       <a:r>
-                        <a:rPr lang="de-DE" sz="1400" err="1"/>
+                        <a:rPr lang="de-DE" sz="1400" dirty="0" err="1"/>
                         <a:t>Cement</a:t>
                       </a:r>
                       <a:r>
-                        <a:rPr lang="de-DE" sz="1400"/>
+                        <a:rPr lang="de-DE" sz="1400" dirty="0"/>
                         <a:t>*</a:t>
                       </a:r>
                     </a:p>
                   </a:txBody>
-                  <a:tcPr marL="90000"/>
+                  <a:tcPr/>
                 </a:tc>
                 <a:tc vMerge="1">
                   <a:txBody>
@@ -6274,7 +7272,7 @@
                       </a:r>
                     </a:p>
                   </a:txBody>
-                  <a:tcPr marL="90000"/>
+                  <a:tcPr/>
                 </a:tc>
                 <a:extLst>
                   <a:ext uri="{0D108BD9-81ED-4DB2-BD59-A6C34878D82A}">
@@ -6291,7 +7289,7 @@
                       <a:endParaRPr lang="de-DE" sz="1400"/>
                     </a:p>
                   </a:txBody>
-                  <a:tcPr marL="90000"/>
+                  <a:tcPr/>
                 </a:tc>
                 <a:tc vMerge="1">
                   <a:txBody>
@@ -6314,7 +7312,7 @@
                       </a:r>
                     </a:p>
                   </a:txBody>
-                  <a:tcPr marL="90000"/>
+                  <a:tcPr/>
                 </a:tc>
                 <a:tc vMerge="1">
                   <a:txBody>
@@ -6334,7 +7332,7 @@
                       <a:endParaRPr lang="de-DE" sz="1400" dirty="0"/>
                     </a:p>
                   </a:txBody>
-                  <a:tcPr marL="90000"/>
+                  <a:tcPr/>
                 </a:tc>
                 <a:extLst>
                   <a:ext uri="{0D108BD9-81ED-4DB2-BD59-A6C34878D82A}">
@@ -6462,6 +7460,63 @@
           </p:txBody>
         </p:sp>
       </p:grpSp>
+      <p:sp>
+        <p:nvSpPr>
+          <p:cNvPr id="6" name="Fußzeilenplatzhalter 5">
+            <a:extLst>
+              <a:ext uri="{FF2B5EF4-FFF2-40B4-BE49-F238E27FC236}">
+                <a16:creationId xmlns:a16="http://schemas.microsoft.com/office/drawing/2014/main" id="{CBA5E6DE-6B6C-3E2B-E3E6-139DAB5FBC52}"/>
+              </a:ext>
+            </a:extLst>
+          </p:cNvPr>
+          <p:cNvSpPr>
+            <a:spLocks noGrp="1"/>
+          </p:cNvSpPr>
+          <p:nvPr>
+            <p:ph type="ftr" sz="quarter" idx="11"/>
+          </p:nvPr>
+        </p:nvSpPr>
+        <p:spPr/>
+        <p:txBody>
+          <a:bodyPr/>
+          <a:lstStyle/>
+          <a:p>
+            <a:r>
+              <a:rPr lang="de-DE"/>
+              <a:t>RWTH Aachen | Seminar Data Driven Foresight | 13.01.2025</a:t>
+            </a:r>
+          </a:p>
+        </p:txBody>
+      </p:sp>
+      <p:sp>
+        <p:nvSpPr>
+          <p:cNvPr id="8" name="Foliennummernplatzhalter 7">
+            <a:extLst>
+              <a:ext uri="{FF2B5EF4-FFF2-40B4-BE49-F238E27FC236}">
+                <a16:creationId xmlns:a16="http://schemas.microsoft.com/office/drawing/2014/main" id="{BD63E39D-A475-076C-5F8C-BE0A6C4F4318}"/>
+              </a:ext>
+            </a:extLst>
+          </p:cNvPr>
+          <p:cNvSpPr>
+            <a:spLocks noGrp="1"/>
+          </p:cNvSpPr>
+          <p:nvPr>
+            <p:ph type="sldNum" sz="quarter" idx="12"/>
+          </p:nvPr>
+        </p:nvSpPr>
+        <p:spPr/>
+        <p:txBody>
+          <a:bodyPr/>
+          <a:lstStyle/>
+          <a:p>
+            <a:fld id="{330EA680-D336-4FF7-8B7A-9848BB0A1C32}" type="slidenum">
+              <a:rPr lang="en-GB" smtClean="0"/>
+              <a:t>2</a:t>
+            </a:fld>
+            <a:endParaRPr lang="de-DE"/>
+          </a:p>
+        </p:txBody>
+      </p:sp>
     </p:spTree>
     <p:extLst>
       <p:ext uri="{BB962C8B-B14F-4D97-AF65-F5344CB8AC3E}">
@@ -6508,13 +7563,20 @@
             <p:ph type="title"/>
           </p:nvPr>
         </p:nvSpPr>
-        <p:spPr/>
-        <p:txBody>
-          <a:bodyPr/>
-          <a:lstStyle/>
-          <a:p>
-            <a:r>
-              <a:rPr lang="de-DE" b="1" dirty="0"/>
+        <p:spPr>
+          <a:xfrm>
+            <a:off x="838200" y="365125"/>
+            <a:ext cx="5255942" cy="1350343"/>
+          </a:xfrm>
+        </p:spPr>
+        <p:txBody>
+          <a:bodyPr>
+            <a:normAutofit/>
+          </a:bodyPr>
+          <a:lstStyle/>
+          <a:p>
+            <a:r>
+              <a:rPr lang="de-DE" sz="4000" b="1" dirty="0"/>
               <a:t>Summary</a:t>
             </a:r>
           </a:p>
@@ -6536,76 +7598,83 @@
             <p:ph idx="1"/>
           </p:nvPr>
         </p:nvSpPr>
-        <p:spPr/>
-        <p:txBody>
-          <a:bodyPr/>
-          <a:lstStyle/>
-          <a:p>
-            <a:r>
-              <a:rPr lang="de-DE" dirty="0"/>
+        <p:spPr>
+          <a:xfrm>
+            <a:off x="838200" y="1825625"/>
+            <a:ext cx="5255942" cy="4351338"/>
+          </a:xfrm>
+        </p:spPr>
+        <p:txBody>
+          <a:bodyPr vert="horz" lIns="91440" tIns="45720" rIns="91440" bIns="45720" rtlCol="0" anchor="t">
+            <a:normAutofit/>
+          </a:bodyPr>
+          <a:lstStyle/>
+          <a:p>
+            <a:r>
+              <a:rPr lang="de-DE" sz="2400" dirty="0"/>
               <a:t>The </a:t>
             </a:r>
             <a:r>
-              <a:rPr lang="de-DE" dirty="0" err="1"/>
+              <a:rPr lang="de-DE" sz="2400" err="1"/>
               <a:t>number</a:t>
             </a:r>
             <a:r>
-              <a:rPr lang="de-DE" dirty="0"/>
+              <a:rPr lang="de-DE" sz="2400" dirty="0"/>
               <a:t> </a:t>
             </a:r>
             <a:r>
-              <a:rPr lang="de-DE" dirty="0" err="1"/>
+              <a:rPr lang="de-DE" sz="2400" err="1"/>
               <a:t>of</a:t>
             </a:r>
             <a:r>
-              <a:rPr lang="de-DE" dirty="0"/>
+              <a:rPr lang="de-DE" sz="2400" dirty="0"/>
               <a:t> annual </a:t>
             </a:r>
             <a:r>
-              <a:rPr lang="de-DE" dirty="0" err="1"/>
+              <a:rPr lang="de-DE" sz="2400" err="1"/>
               <a:t>publications</a:t>
             </a:r>
             <a:r>
-              <a:rPr lang="de-DE" dirty="0"/>
+              <a:rPr lang="de-DE" sz="2400" dirty="0"/>
               <a:t> </a:t>
             </a:r>
             <a:r>
-              <a:rPr lang="de-DE" dirty="0" err="1"/>
+              <a:rPr lang="de-DE" sz="2400" err="1"/>
               <a:t>is</a:t>
             </a:r>
             <a:r>
-              <a:rPr lang="de-DE" dirty="0"/>
+              <a:rPr lang="de-DE" sz="2400" dirty="0"/>
               <a:t> </a:t>
             </a:r>
             <a:r>
-              <a:rPr lang="de-DE" dirty="0" err="1"/>
+              <a:rPr lang="de-DE" sz="2400" err="1"/>
               <a:t>expected</a:t>
             </a:r>
             <a:r>
-              <a:rPr lang="de-DE" dirty="0"/>
+              <a:rPr lang="de-DE" sz="2400" dirty="0"/>
               <a:t> </a:t>
             </a:r>
             <a:r>
-              <a:rPr lang="de-DE" dirty="0" err="1"/>
+              <a:rPr lang="de-DE" sz="2400" err="1"/>
               <a:t>to</a:t>
             </a:r>
             <a:r>
-              <a:rPr lang="de-DE" dirty="0"/>
+              <a:rPr lang="de-DE" sz="2400" dirty="0"/>
               <a:t> </a:t>
             </a:r>
             <a:r>
-              <a:rPr lang="de-DE" b="1" dirty="0" err="1"/>
+              <a:rPr lang="de-DE" sz="2400" b="1" err="1"/>
               <a:t>grow</a:t>
             </a:r>
             <a:r>
-              <a:rPr lang="de-DE" b="1" dirty="0"/>
+              <a:rPr lang="de-DE" sz="2400" b="1" dirty="0"/>
               <a:t> </a:t>
             </a:r>
             <a:r>
-              <a:rPr lang="de-DE" b="1" dirty="0" err="1"/>
+              <a:rPr lang="de-DE" sz="2400" b="1" err="1"/>
               <a:t>further</a:t>
             </a:r>
-            <a:endParaRPr lang="de-DE" b="1" dirty="0"/>
+            <a:endParaRPr lang="de-DE" sz="2400" b="1"/>
           </a:p>
           <a:p>
             <a:pPr>
@@ -6613,70 +7682,86 @@
               <a:buChar char="•"/>
             </a:pPr>
             <a:r>
-              <a:rPr lang="de-DE" dirty="0"/>
-              <a:t>The total </a:t>
-            </a:r>
-            <a:r>
-              <a:rPr lang="de-DE" dirty="0" err="1"/>
-              <a:t>number</a:t>
-            </a:r>
-            <a:r>
-              <a:rPr lang="de-DE" dirty="0"/>
+              <a:rPr lang="de-DE" sz="2400" dirty="0"/>
+              <a:t>Research </a:t>
+            </a:r>
+            <a:r>
+              <a:rPr lang="de-DE" sz="2400" err="1"/>
+              <a:t>efforts</a:t>
+            </a:r>
+            <a:r>
+              <a:rPr lang="de-DE" sz="2400" dirty="0"/>
               <a:t> </a:t>
             </a:r>
             <a:r>
-              <a:rPr lang="de-DE" dirty="0" err="1"/>
-              <a:t>of</a:t>
-            </a:r>
-            <a:r>
-              <a:rPr lang="de-DE" dirty="0"/>
+              <a:rPr lang="de-DE" sz="2400" err="1"/>
+              <a:t>are</a:t>
+            </a:r>
+            <a:r>
+              <a:rPr lang="de-DE" sz="2400" dirty="0"/>
               <a:t> </a:t>
             </a:r>
             <a:r>
-              <a:rPr lang="de-DE" dirty="0" err="1"/>
-              <a:t>publications</a:t>
-            </a:r>
-            <a:r>
-              <a:rPr lang="de-DE" dirty="0"/>
+              <a:rPr lang="de-DE" sz="2400" err="1"/>
+              <a:t>concentrated</a:t>
+            </a:r>
+            <a:r>
+              <a:rPr lang="de-DE" sz="2400" dirty="0"/>
+              <a:t> on </a:t>
+            </a:r>
+            <a:r>
+              <a:rPr lang="de-DE" sz="2400" b="1" err="1"/>
+              <a:t>polymers</a:t>
+            </a:r>
+            <a:r>
+              <a:rPr lang="de-DE" sz="2400" dirty="0"/>
+              <a:t>, </a:t>
+            </a:r>
+            <a:r>
+              <a:rPr lang="de-DE" sz="2400" err="1"/>
+              <a:t>with</a:t>
+            </a:r>
+            <a:r>
+              <a:rPr lang="de-DE" sz="2400" dirty="0"/>
               <a:t> </a:t>
             </a:r>
             <a:r>
-              <a:rPr lang="de-DE" dirty="0" err="1"/>
-              <a:t>shows</a:t>
-            </a:r>
-            <a:r>
-              <a:rPr lang="de-DE" dirty="0"/>
-              <a:t> a </a:t>
-            </a:r>
-            <a:r>
-              <a:rPr lang="de-DE" dirty="0" err="1"/>
-              <a:t>roughly</a:t>
-            </a:r>
-            <a:r>
-              <a:rPr lang="de-DE" dirty="0"/>
+              <a:rPr lang="de-DE" sz="2400" b="1" dirty="0"/>
+              <a:t>China</a:t>
+            </a:r>
+            <a:r>
+              <a:rPr lang="de-DE" sz="2400" dirty="0"/>
+              <a:t> and </a:t>
+            </a:r>
+            <a:r>
+              <a:rPr lang="de-DE" sz="2400" err="1"/>
+              <a:t>the</a:t>
+            </a:r>
+            <a:r>
+              <a:rPr lang="de-DE" sz="2400" dirty="0"/>
               <a:t> </a:t>
             </a:r>
             <a:r>
-              <a:rPr lang="de-DE" dirty="0" err="1"/>
-              <a:t>quadratic</a:t>
-            </a:r>
-            <a:r>
-              <a:rPr lang="de-DE" dirty="0"/>
+              <a:rPr lang="de-DE" sz="2400" b="1" dirty="0"/>
+              <a:t>USA</a:t>
+            </a:r>
+            <a:r>
+              <a:rPr lang="de-DE" sz="2400" dirty="0"/>
               <a:t> </a:t>
             </a:r>
             <a:r>
-              <a:rPr lang="de-DE" dirty="0" err="1"/>
-              <a:t>growth</a:t>
-            </a:r>
-            <a:r>
-              <a:rPr lang="de-DE" dirty="0"/>
+              <a:rPr lang="de-DE" sz="2400" err="1"/>
+              <a:t>leading</a:t>
+            </a:r>
+            <a:r>
+              <a:rPr lang="de-DE" sz="2400" dirty="0"/>
               <a:t> </a:t>
             </a:r>
             <a:r>
-              <a:rPr lang="de-DE" dirty="0" err="1"/>
-              <a:t>pattern</a:t>
-            </a:r>
-            <a:endParaRPr lang="de-DE" dirty="0"/>
+              <a:rPr lang="de-DE" sz="2400" err="1"/>
+              <a:t>globally</a:t>
+            </a:r>
+            <a:endParaRPr lang="de-DE" sz="2400"/>
           </a:p>
           <a:p>
             <a:pPr>
@@ -6684,225 +7769,489 @@
               <a:buChar char="•"/>
             </a:pPr>
             <a:r>
-              <a:rPr lang="de-DE" dirty="0"/>
-              <a:t>Research </a:t>
-            </a:r>
-            <a:r>
-              <a:rPr lang="de-DE" dirty="0" err="1"/>
-              <a:t>efforts</a:t>
-            </a:r>
-            <a:r>
-              <a:rPr lang="de-DE" dirty="0"/>
+              <a:rPr lang="de-DE" sz="2400" dirty="0"/>
+              <a:t>Patent </a:t>
+            </a:r>
+            <a:r>
+              <a:rPr lang="de-DE" sz="2400" err="1"/>
+              <a:t>activity</a:t>
+            </a:r>
+            <a:r>
+              <a:rPr lang="de-DE" sz="2400" dirty="0"/>
+              <a:t>, </a:t>
+            </a:r>
+            <a:r>
+              <a:rPr lang="de-DE" sz="2400" err="1"/>
+              <a:t>particularly</a:t>
+            </a:r>
+            <a:r>
+              <a:rPr lang="de-DE" sz="2400" dirty="0"/>
+              <a:t> in China, </a:t>
+            </a:r>
+            <a:r>
+              <a:rPr lang="de-DE" sz="2400" err="1"/>
+              <a:t>highlights</a:t>
+            </a:r>
+            <a:r>
+              <a:rPr lang="de-DE" sz="2400" dirty="0"/>
               <a:t> </a:t>
             </a:r>
             <a:r>
-              <a:rPr lang="de-DE" dirty="0" err="1"/>
-              <a:t>are</a:t>
-            </a:r>
-            <a:r>
-              <a:rPr lang="de-DE" dirty="0"/>
+              <a:rPr lang="de-DE" sz="2400" err="1"/>
+              <a:t>the</a:t>
+            </a:r>
+            <a:r>
+              <a:rPr lang="de-DE" sz="2400" dirty="0"/>
               <a:t> </a:t>
             </a:r>
             <a:r>
-              <a:rPr lang="de-DE" dirty="0" err="1"/>
-              <a:t>concentrated</a:t>
-            </a:r>
-            <a:r>
-              <a:rPr lang="de-DE" dirty="0"/>
-              <a:t> on </a:t>
-            </a:r>
-            <a:r>
-              <a:rPr lang="de-DE" b="1" dirty="0" err="1"/>
-              <a:t>polymers</a:t>
-            </a:r>
-            <a:r>
-              <a:rPr lang="de-DE" dirty="0"/>
-              <a:t>, </a:t>
-            </a:r>
-            <a:r>
-              <a:rPr lang="de-DE" dirty="0" err="1"/>
-              <a:t>with</a:t>
-            </a:r>
-            <a:r>
-              <a:rPr lang="de-DE" dirty="0"/>
+              <a:rPr lang="de-DE" sz="2400" b="1" err="1"/>
+              <a:t>strategic</a:t>
+            </a:r>
+            <a:r>
+              <a:rPr lang="de-DE" sz="2400" b="1" dirty="0"/>
               <a:t> </a:t>
             </a:r>
             <a:r>
-              <a:rPr lang="de-DE" b="1" dirty="0"/>
-              <a:t>China</a:t>
-            </a:r>
-            <a:r>
-              <a:rPr lang="de-DE" dirty="0"/>
-              <a:t> and </a:t>
-            </a:r>
-            <a:r>
-              <a:rPr lang="de-DE" dirty="0" err="1"/>
-              <a:t>the</a:t>
-            </a:r>
-            <a:r>
-              <a:rPr lang="de-DE" dirty="0"/>
+              <a:rPr lang="de-DE" sz="2400" b="1" err="1"/>
+              <a:t>importance</a:t>
+            </a:r>
+            <a:r>
+              <a:rPr lang="de-DE" sz="2400" dirty="0"/>
               <a:t> </a:t>
             </a:r>
             <a:r>
-              <a:rPr lang="de-DE" b="1" dirty="0"/>
-              <a:t>USA</a:t>
-            </a:r>
-            <a:r>
-              <a:rPr lang="de-DE" dirty="0"/>
+              <a:rPr lang="de-DE" sz="2400" err="1"/>
+              <a:t>of</a:t>
+            </a:r>
+            <a:r>
+              <a:rPr lang="de-DE" sz="2400" dirty="0"/>
               <a:t> </a:t>
             </a:r>
             <a:r>
-              <a:rPr lang="de-DE" dirty="0" err="1"/>
-              <a:t>leading</a:t>
-            </a:r>
-            <a:r>
-              <a:rPr lang="de-DE" dirty="0"/>
+              <a:rPr lang="de-DE" sz="2400" err="1"/>
+              <a:t>this</a:t>
+            </a:r>
+            <a:r>
+              <a:rPr lang="de-DE" sz="2400" dirty="0"/>
               <a:t> </a:t>
             </a:r>
             <a:r>
-              <a:rPr lang="de-DE" dirty="0" err="1"/>
-              <a:t>globally</a:t>
-            </a:r>
+              <a:rPr lang="de-DE" sz="2400" err="1"/>
+              <a:t>region</a:t>
+            </a:r>
+            <a:endParaRPr lang="de-DE" sz="2400"/>
+          </a:p>
+          <a:p>
             <a:endParaRPr lang="de-DE" dirty="0"/>
           </a:p>
-          <a:p>
-            <a:pPr>
-              <a:buFont typeface="Arial" panose="020B0604020202020204" pitchFamily="34" charset="0"/>
-              <a:buChar char="•"/>
-            </a:pPr>
-            <a:r>
-              <a:rPr lang="de-DE" dirty="0"/>
-              <a:t>Patent </a:t>
-            </a:r>
-            <a:r>
-              <a:rPr lang="de-DE" dirty="0" err="1"/>
-              <a:t>activity</a:t>
-            </a:r>
-            <a:r>
-              <a:rPr lang="de-DE" dirty="0"/>
-              <a:t>, </a:t>
-            </a:r>
-            <a:r>
-              <a:rPr lang="de-DE" dirty="0" err="1"/>
-              <a:t>particularly</a:t>
-            </a:r>
-            <a:r>
-              <a:rPr lang="de-DE" dirty="0"/>
-              <a:t> in China, </a:t>
-            </a:r>
-            <a:r>
-              <a:rPr lang="de-DE" dirty="0" err="1"/>
-              <a:t>highlights</a:t>
-            </a:r>
-            <a:r>
-              <a:rPr lang="de-DE" dirty="0"/>
-              <a:t> </a:t>
-            </a:r>
-            <a:r>
-              <a:rPr lang="de-DE" dirty="0" err="1"/>
-              <a:t>the</a:t>
-            </a:r>
-            <a:r>
-              <a:rPr lang="de-DE" dirty="0"/>
-              <a:t> </a:t>
-            </a:r>
-            <a:r>
-              <a:rPr lang="de-DE" b="1" dirty="0" err="1"/>
-              <a:t>strategic</a:t>
-            </a:r>
-            <a:r>
-              <a:rPr lang="de-DE" b="1" dirty="0"/>
-              <a:t> </a:t>
-            </a:r>
-            <a:r>
-              <a:rPr lang="de-DE" b="1" dirty="0" err="1"/>
-              <a:t>importance</a:t>
-            </a:r>
-            <a:r>
-              <a:rPr lang="de-DE" dirty="0"/>
-              <a:t> </a:t>
-            </a:r>
-            <a:r>
-              <a:rPr lang="de-DE" dirty="0" err="1"/>
-              <a:t>of</a:t>
-            </a:r>
-            <a:r>
-              <a:rPr lang="de-DE" dirty="0"/>
-              <a:t> </a:t>
-            </a:r>
-            <a:r>
-              <a:rPr lang="de-DE" dirty="0" err="1"/>
-              <a:t>this</a:t>
-            </a:r>
-            <a:r>
-              <a:rPr lang="de-DE" dirty="0"/>
-              <a:t> </a:t>
-            </a:r>
-            <a:r>
-              <a:rPr lang="de-DE" dirty="0" err="1"/>
-              <a:t>region</a:t>
-            </a:r>
-            <a:endParaRPr lang="de-DE" dirty="0"/>
-          </a:p>
-          <a:p>
-            <a:endParaRPr lang="de-DE" dirty="0"/>
-          </a:p>
-        </p:txBody>
-      </p:sp>
-      <p:sp>
-        <p:nvSpPr>
-          <p:cNvPr id="5" name="TextBox 4">
+        </p:txBody>
+      </p:sp>
+      <p:sp>
+        <p:nvSpPr>
+          <p:cNvPr id="4" name="Fußzeilenplatzhalter 3">
             <a:extLst>
               <a:ext uri="{FF2B5EF4-FFF2-40B4-BE49-F238E27FC236}">
-                <a16:creationId xmlns:a16="http://schemas.microsoft.com/office/drawing/2014/main" id="{ACD473AE-AD85-438B-5D31-23FA612120E3}"/>
+                <a16:creationId xmlns:a16="http://schemas.microsoft.com/office/drawing/2014/main" id="{2F7549DE-CF12-29A4-AC40-4773763772BC}"/>
               </a:ext>
             </a:extLst>
           </p:cNvPr>
-          <p:cNvSpPr txBox="1"/>
+          <p:cNvSpPr>
+            <a:spLocks noGrp="1"/>
+          </p:cNvSpPr>
+          <p:nvPr>
+            <p:ph type="ftr" sz="quarter" idx="11"/>
+          </p:nvPr>
+        </p:nvSpPr>
+        <p:spPr/>
+        <p:txBody>
+          <a:bodyPr/>
+          <a:lstStyle/>
+          <a:p>
+            <a:r>
+              <a:rPr lang="de-DE"/>
+              <a:t>RWTH Aachen | Seminar Data Driven Foresight | 13.01.2025</a:t>
+            </a:r>
+          </a:p>
+        </p:txBody>
+      </p:sp>
+      <p:sp>
+        <p:nvSpPr>
+          <p:cNvPr id="6" name="Foliennummernplatzhalter 5">
+            <a:extLst>
+              <a:ext uri="{FF2B5EF4-FFF2-40B4-BE49-F238E27FC236}">
+                <a16:creationId xmlns:a16="http://schemas.microsoft.com/office/drawing/2014/main" id="{77B27AC4-8E8A-CE2C-B8A4-930497C3E9FA}"/>
+              </a:ext>
+            </a:extLst>
+          </p:cNvPr>
+          <p:cNvSpPr>
+            <a:spLocks noGrp="1"/>
+          </p:cNvSpPr>
+          <p:nvPr>
+            <p:ph type="sldNum" sz="quarter" idx="12"/>
+          </p:nvPr>
+        </p:nvSpPr>
+        <p:spPr/>
+        <p:txBody>
+          <a:bodyPr/>
+          <a:lstStyle/>
+          <a:p>
+            <a:fld id="{330EA680-D336-4FF7-8B7A-9848BB0A1C32}" type="slidenum">
+              <a:rPr lang="en-GB" smtClean="0"/>
+              <a:t>20</a:t>
+            </a:fld>
+            <a:endParaRPr lang="de-DE"/>
+          </a:p>
+        </p:txBody>
+      </p:sp>
+      <p:sp>
+        <p:nvSpPr>
+          <p:cNvPr id="8" name="Titel 1">
+            <a:extLst>
+              <a:ext uri="{FF2B5EF4-FFF2-40B4-BE49-F238E27FC236}">
+                <a16:creationId xmlns:a16="http://schemas.microsoft.com/office/drawing/2014/main" id="{C1F636F1-B752-88D7-A44E-85A9555A77BA}"/>
+              </a:ext>
+            </a:extLst>
+          </p:cNvPr>
+          <p:cNvSpPr txBox="1">
+            <a:spLocks/>
+          </p:cNvSpPr>
           <p:nvPr/>
         </p:nvSpPr>
         <p:spPr>
           <a:xfrm>
-            <a:off x="6096000" y="365125"/>
-            <a:ext cx="5693272" cy="1015663"/>
+            <a:off x="6504258" y="474159"/>
+            <a:ext cx="5255942" cy="1350343"/>
           </a:xfrm>
           <a:prstGeom prst="rect">
             <a:avLst/>
           </a:prstGeom>
-          <a:solidFill>
-            <a:schemeClr val="bg1"/>
-          </a:solidFill>
         </p:spPr>
         <p:txBody>
-          <a:bodyPr rot="0" spcFirstLastPara="0" vertOverflow="overflow" horzOverflow="overflow" vert="horz" wrap="square" lIns="91440" tIns="45720" rIns="91440" bIns="45720" numCol="1" spcCol="0" rtlCol="0" fromWordArt="0" anchor="t" anchorCtr="0" forceAA="0" compatLnSpc="1">
-            <a:prstTxWarp prst="textNoShape">
-              <a:avLst/>
-            </a:prstTxWarp>
-            <a:spAutoFit/>
+          <a:bodyPr vert="horz" lIns="91440" tIns="45720" rIns="91440" bIns="45720" rtlCol="0" anchor="ctr">
+            <a:normAutofit/>
           </a:bodyPr>
-          <a:lstStyle/>
-          <a:p>
-            <a:r>
-              <a:rPr lang="en-GB" sz="6000" dirty="0">
-                <a:solidFill>
-                  <a:srgbClr val="FF0000"/>
-                </a:solidFill>
-              </a:rPr>
-              <a:t>Summary </a:t>
-            </a:r>
-            <a:r>
-              <a:rPr lang="en-GB" sz="6000" dirty="0" err="1">
-                <a:solidFill>
-                  <a:srgbClr val="FF0000"/>
-                </a:solidFill>
-              </a:rPr>
-              <a:t>fehlt</a:t>
-            </a:r>
-            <a:endParaRPr lang="en-GB" sz="6000" dirty="0">
-              <a:solidFill>
-                <a:srgbClr val="FF0000"/>
-              </a:solidFill>
-            </a:endParaRPr>
+          <a:lstStyle>
+            <a:lvl1pPr algn="l" defTabSz="914400" rtl="0" eaLnBrk="1" latinLnBrk="0" hangingPunct="1">
+              <a:lnSpc>
+                <a:spcPct val="90000"/>
+              </a:lnSpc>
+              <a:spcBef>
+                <a:spcPct val="0"/>
+              </a:spcBef>
+              <a:buNone/>
+              <a:defRPr sz="4400" kern="1200">
+                <a:solidFill>
+                  <a:schemeClr val="tx1"/>
+                </a:solidFill>
+                <a:latin typeface="+mj-lt"/>
+                <a:ea typeface="+mj-ea"/>
+                <a:cs typeface="+mj-cs"/>
+              </a:defRPr>
+            </a:lvl1pPr>
+          </a:lstStyle>
+          <a:p>
+            <a:r>
+              <a:rPr lang="de-DE" sz="4000" b="1"/>
+              <a:t>Recommended </a:t>
+            </a:r>
+            <a:r>
+              <a:rPr lang="de-DE" sz="4000" b="1" err="1"/>
+              <a:t>Steps</a:t>
+            </a:r>
+            <a:endParaRPr lang="de-DE" sz="4000" b="1" dirty="0" err="1"/>
+          </a:p>
+        </p:txBody>
+      </p:sp>
+      <p:sp>
+        <p:nvSpPr>
+          <p:cNvPr id="10" name="Inhaltsplatzhalter 2">
+            <a:extLst>
+              <a:ext uri="{FF2B5EF4-FFF2-40B4-BE49-F238E27FC236}">
+                <a16:creationId xmlns:a16="http://schemas.microsoft.com/office/drawing/2014/main" id="{9A0F2309-A6C9-DC75-5EB1-82C703209CBE}"/>
+              </a:ext>
+            </a:extLst>
+          </p:cNvPr>
+          <p:cNvSpPr txBox="1">
+            <a:spLocks/>
+          </p:cNvSpPr>
+          <p:nvPr/>
+        </p:nvSpPr>
+        <p:spPr>
+          <a:xfrm>
+            <a:off x="6504258" y="1816952"/>
+            <a:ext cx="5255942" cy="4351338"/>
+          </a:xfrm>
+          <a:prstGeom prst="rect">
+            <a:avLst/>
+          </a:prstGeom>
+        </p:spPr>
+        <p:txBody>
+          <a:bodyPr vert="horz" lIns="91440" tIns="45720" rIns="91440" bIns="45720" rtlCol="0" anchor="t">
+            <a:normAutofit/>
+          </a:bodyPr>
+          <a:lstStyle>
+            <a:lvl1pPr marL="228600" indent="-228600" algn="l" defTabSz="914400" rtl="0" eaLnBrk="1" latinLnBrk="0" hangingPunct="1">
+              <a:lnSpc>
+                <a:spcPct val="90000"/>
+              </a:lnSpc>
+              <a:spcBef>
+                <a:spcPts val="1000"/>
+              </a:spcBef>
+              <a:buFont typeface="Arial" panose="020B0604020202020204" pitchFamily="34" charset="0"/>
+              <a:buChar char="•"/>
+              <a:defRPr sz="2800" kern="1200">
+                <a:solidFill>
+                  <a:schemeClr val="tx1"/>
+                </a:solidFill>
+                <a:latin typeface="+mn-lt"/>
+                <a:ea typeface="+mn-ea"/>
+                <a:cs typeface="+mn-cs"/>
+              </a:defRPr>
+            </a:lvl1pPr>
+            <a:lvl2pPr marL="685800" indent="-228600" algn="l" defTabSz="914400" rtl="0" eaLnBrk="1" latinLnBrk="0" hangingPunct="1">
+              <a:lnSpc>
+                <a:spcPct val="90000"/>
+              </a:lnSpc>
+              <a:spcBef>
+                <a:spcPts val="500"/>
+              </a:spcBef>
+              <a:buFont typeface="Arial" panose="020B0604020202020204" pitchFamily="34" charset="0"/>
+              <a:buChar char="•"/>
+              <a:defRPr sz="2400" kern="1200">
+                <a:solidFill>
+                  <a:schemeClr val="tx1"/>
+                </a:solidFill>
+                <a:latin typeface="+mn-lt"/>
+                <a:ea typeface="+mn-ea"/>
+                <a:cs typeface="+mn-cs"/>
+              </a:defRPr>
+            </a:lvl2pPr>
+            <a:lvl3pPr marL="1143000" indent="-228600" algn="l" defTabSz="914400" rtl="0" eaLnBrk="1" latinLnBrk="0" hangingPunct="1">
+              <a:lnSpc>
+                <a:spcPct val="90000"/>
+              </a:lnSpc>
+              <a:spcBef>
+                <a:spcPts val="500"/>
+              </a:spcBef>
+              <a:buFont typeface="Arial" panose="020B0604020202020204" pitchFamily="34" charset="0"/>
+              <a:buChar char="•"/>
+              <a:defRPr sz="2000" kern="1200">
+                <a:solidFill>
+                  <a:schemeClr val="tx1"/>
+                </a:solidFill>
+                <a:latin typeface="+mn-lt"/>
+                <a:ea typeface="+mn-ea"/>
+                <a:cs typeface="+mn-cs"/>
+              </a:defRPr>
+            </a:lvl3pPr>
+            <a:lvl4pPr marL="1600200" indent="-228600" algn="l" defTabSz="914400" rtl="0" eaLnBrk="1" latinLnBrk="0" hangingPunct="1">
+              <a:lnSpc>
+                <a:spcPct val="90000"/>
+              </a:lnSpc>
+              <a:spcBef>
+                <a:spcPts val="500"/>
+              </a:spcBef>
+              <a:buFont typeface="Arial" panose="020B0604020202020204" pitchFamily="34" charset="0"/>
+              <a:buChar char="•"/>
+              <a:defRPr sz="1800" kern="1200">
+                <a:solidFill>
+                  <a:schemeClr val="tx1"/>
+                </a:solidFill>
+                <a:latin typeface="+mn-lt"/>
+                <a:ea typeface="+mn-ea"/>
+                <a:cs typeface="+mn-cs"/>
+              </a:defRPr>
+            </a:lvl4pPr>
+            <a:lvl5pPr marL="2057400" indent="-228600" algn="l" defTabSz="914400" rtl="0" eaLnBrk="1" latinLnBrk="0" hangingPunct="1">
+              <a:lnSpc>
+                <a:spcPct val="90000"/>
+              </a:lnSpc>
+              <a:spcBef>
+                <a:spcPts val="500"/>
+              </a:spcBef>
+              <a:buFont typeface="Arial" panose="020B0604020202020204" pitchFamily="34" charset="0"/>
+              <a:buChar char="•"/>
+              <a:defRPr sz="1800" kern="1200">
+                <a:solidFill>
+                  <a:schemeClr val="tx1"/>
+                </a:solidFill>
+                <a:latin typeface="+mn-lt"/>
+                <a:ea typeface="+mn-ea"/>
+                <a:cs typeface="+mn-cs"/>
+              </a:defRPr>
+            </a:lvl5pPr>
+            <a:lvl6pPr marL="2514600" indent="-228600" algn="l" defTabSz="914400" rtl="0" eaLnBrk="1" latinLnBrk="0" hangingPunct="1">
+              <a:lnSpc>
+                <a:spcPct val="90000"/>
+              </a:lnSpc>
+              <a:spcBef>
+                <a:spcPts val="500"/>
+              </a:spcBef>
+              <a:buFont typeface="Arial" panose="020B0604020202020204" pitchFamily="34" charset="0"/>
+              <a:buChar char="•"/>
+              <a:defRPr sz="1800" kern="1200">
+                <a:solidFill>
+                  <a:schemeClr val="tx1"/>
+                </a:solidFill>
+                <a:latin typeface="+mn-lt"/>
+                <a:ea typeface="+mn-ea"/>
+                <a:cs typeface="+mn-cs"/>
+              </a:defRPr>
+            </a:lvl6pPr>
+            <a:lvl7pPr marL="2971800" indent="-228600" algn="l" defTabSz="914400" rtl="0" eaLnBrk="1" latinLnBrk="0" hangingPunct="1">
+              <a:lnSpc>
+                <a:spcPct val="90000"/>
+              </a:lnSpc>
+              <a:spcBef>
+                <a:spcPts val="500"/>
+              </a:spcBef>
+              <a:buFont typeface="Arial" panose="020B0604020202020204" pitchFamily="34" charset="0"/>
+              <a:buChar char="•"/>
+              <a:defRPr sz="1800" kern="1200">
+                <a:solidFill>
+                  <a:schemeClr val="tx1"/>
+                </a:solidFill>
+                <a:latin typeface="+mn-lt"/>
+                <a:ea typeface="+mn-ea"/>
+                <a:cs typeface="+mn-cs"/>
+              </a:defRPr>
+            </a:lvl7pPr>
+            <a:lvl8pPr marL="3429000" indent="-228600" algn="l" defTabSz="914400" rtl="0" eaLnBrk="1" latinLnBrk="0" hangingPunct="1">
+              <a:lnSpc>
+                <a:spcPct val="90000"/>
+              </a:lnSpc>
+              <a:spcBef>
+                <a:spcPts val="500"/>
+              </a:spcBef>
+              <a:buFont typeface="Arial" panose="020B0604020202020204" pitchFamily="34" charset="0"/>
+              <a:buChar char="•"/>
+              <a:defRPr sz="1800" kern="1200">
+                <a:solidFill>
+                  <a:schemeClr val="tx1"/>
+                </a:solidFill>
+                <a:latin typeface="+mn-lt"/>
+                <a:ea typeface="+mn-ea"/>
+                <a:cs typeface="+mn-cs"/>
+              </a:defRPr>
+            </a:lvl8pPr>
+            <a:lvl9pPr marL="3886200" indent="-228600" algn="l" defTabSz="914400" rtl="0" eaLnBrk="1" latinLnBrk="0" hangingPunct="1">
+              <a:lnSpc>
+                <a:spcPct val="90000"/>
+              </a:lnSpc>
+              <a:spcBef>
+                <a:spcPts val="500"/>
+              </a:spcBef>
+              <a:buFont typeface="Arial" panose="020B0604020202020204" pitchFamily="34" charset="0"/>
+              <a:buChar char="•"/>
+              <a:defRPr sz="1800" kern="1200">
+                <a:solidFill>
+                  <a:schemeClr val="tx1"/>
+                </a:solidFill>
+                <a:latin typeface="+mn-lt"/>
+                <a:ea typeface="+mn-ea"/>
+                <a:cs typeface="+mn-cs"/>
+              </a:defRPr>
+            </a:lvl9pPr>
+          </a:lstStyle>
+          <a:p>
+            <a:r>
+              <a:rPr lang="de-DE" sz="2400" dirty="0"/>
+              <a:t>Keep an </a:t>
+            </a:r>
+            <a:r>
+              <a:rPr lang="de-DE" sz="2400" err="1"/>
+              <a:t>eye</a:t>
+            </a:r>
+            <a:r>
+              <a:rPr lang="de-DE" sz="2400" dirty="0"/>
+              <a:t> on </a:t>
+            </a:r>
+            <a:r>
+              <a:rPr lang="de-DE" sz="2400" b="1" err="1"/>
+              <a:t>metal</a:t>
+            </a:r>
+            <a:r>
+              <a:rPr lang="de-DE" sz="2400" b="1" dirty="0"/>
+              <a:t> </a:t>
+            </a:r>
+            <a:r>
+              <a:rPr lang="de-DE" sz="2400" b="1" err="1"/>
+              <a:t>research</a:t>
+            </a:r>
+            <a:endParaRPr lang="de-DE" sz="2400" b="1"/>
+          </a:p>
+          <a:p>
+            <a:r>
+              <a:rPr lang="de-DE" sz="2400" b="1" dirty="0" err="1"/>
+              <a:t>Investigate</a:t>
+            </a:r>
+            <a:r>
+              <a:rPr lang="de-DE" sz="2400" b="1" dirty="0"/>
+              <a:t> </a:t>
+            </a:r>
+            <a:r>
+              <a:rPr lang="de-DE" sz="2400" dirty="0"/>
+              <a:t>patent </a:t>
+            </a:r>
+            <a:r>
+              <a:rPr lang="de-DE" sz="2400" dirty="0" err="1"/>
+              <a:t>activity</a:t>
+            </a:r>
+            <a:r>
+              <a:rPr lang="de-DE" sz="2400" dirty="0"/>
+              <a:t> in China</a:t>
+            </a:r>
+          </a:p>
+          <a:p>
+            <a:r>
+              <a:rPr lang="de-DE" sz="2400" dirty="0" err="1"/>
+              <a:t>Assess</a:t>
+            </a:r>
+            <a:r>
+              <a:rPr lang="de-DE" sz="2400" dirty="0"/>
+              <a:t> </a:t>
+            </a:r>
+            <a:r>
+              <a:rPr lang="de-DE" sz="2400" b="1" dirty="0" err="1"/>
+              <a:t>funding</a:t>
+            </a:r>
+            <a:r>
+              <a:rPr lang="de-DE" sz="2400" b="1" dirty="0"/>
+              <a:t> and </a:t>
+            </a:r>
+            <a:r>
+              <a:rPr lang="de-DE" sz="2400" b="1" dirty="0" err="1"/>
+              <a:t>investment</a:t>
+            </a:r>
+            <a:r>
+              <a:rPr lang="de-DE" sz="2400" b="1" dirty="0"/>
+              <a:t> </a:t>
+            </a:r>
+            <a:r>
+              <a:rPr lang="de-DE" sz="2400" b="1" dirty="0" err="1"/>
+              <a:t>opportunities</a:t>
+            </a:r>
+            <a:r>
+              <a:rPr lang="de-DE" sz="2400" dirty="0"/>
+              <a:t> in different countries</a:t>
+            </a:r>
+          </a:p>
+          <a:p>
+            <a:r>
+              <a:rPr lang="de-DE" sz="2400" dirty="0"/>
+              <a:t>Market </a:t>
+            </a:r>
+            <a:r>
+              <a:rPr lang="de-DE" sz="2400" dirty="0" err="1"/>
+              <a:t>research</a:t>
+            </a:r>
+          </a:p>
+          <a:p>
+            <a:endParaRPr lang="de-DE" sz="2400" dirty="0"/>
+          </a:p>
+          <a:p>
+            <a:endParaRPr lang="de-DE" dirty="0"/>
           </a:p>
         </p:txBody>
       </p:sp>
@@ -6910,6 +8259,418 @@
     <p:extLst>
       <p:ext uri="{BB962C8B-B14F-4D97-AF65-F5344CB8AC3E}">
         <p14:creationId xmlns:p14="http://schemas.microsoft.com/office/powerpoint/2010/main" val="2724192011"/>
+      </p:ext>
+    </p:extLst>
+  </p:cSld>
+  <p:clrMapOvr>
+    <a:masterClrMapping/>
+  </p:clrMapOvr>
+</p:sld>
+</file>
+
+<file path=ppt/slides/slide21.xml><?xml version="1.0" encoding="utf-8"?>
+<p:sld xmlns:a="http://schemas.openxmlformats.org/drawingml/2006/main" xmlns:r="http://schemas.openxmlformats.org/officeDocument/2006/relationships" xmlns:p="http://schemas.openxmlformats.org/presentationml/2006/main">
+  <p:cSld>
+    <p:spTree>
+      <p:nvGrpSpPr>
+        <p:cNvPr id="1" name=""/>
+        <p:cNvGrpSpPr/>
+        <p:nvPr/>
+      </p:nvGrpSpPr>
+      <p:grpSpPr>
+        <a:xfrm>
+          <a:off x="0" y="0"/>
+          <a:ext cx="0" cy="0"/>
+          <a:chOff x="0" y="0"/>
+          <a:chExt cx="0" cy="0"/>
+        </a:xfrm>
+      </p:grpSpPr>
+      <p:sp>
+        <p:nvSpPr>
+          <p:cNvPr id="2" name="Titel 1">
+            <a:extLst>
+              <a:ext uri="{FF2B5EF4-FFF2-40B4-BE49-F238E27FC236}">
+                <a16:creationId xmlns:a16="http://schemas.microsoft.com/office/drawing/2014/main" id="{45C00360-58A7-B086-F959-C37E765A0A07}"/>
+              </a:ext>
+            </a:extLst>
+          </p:cNvPr>
+          <p:cNvSpPr>
+            <a:spLocks noGrp="1"/>
+          </p:cNvSpPr>
+          <p:nvPr>
+            <p:ph type="title"/>
+          </p:nvPr>
+        </p:nvSpPr>
+        <p:spPr/>
+        <p:txBody>
+          <a:bodyPr/>
+          <a:lstStyle/>
+          <a:p>
+            <a:r>
+              <a:rPr lang="de-DE" b="1" dirty="0" err="1"/>
+              <a:t>Reflection</a:t>
+            </a:r>
+            <a:endParaRPr lang="de-DE" b="1"/>
+          </a:p>
+        </p:txBody>
+      </p:sp>
+      <p:sp>
+        <p:nvSpPr>
+          <p:cNvPr id="3" name="Inhaltsplatzhalter 2">
+            <a:extLst>
+              <a:ext uri="{FF2B5EF4-FFF2-40B4-BE49-F238E27FC236}">
+                <a16:creationId xmlns:a16="http://schemas.microsoft.com/office/drawing/2014/main" id="{2A2D3A5F-9D06-6B1B-AB9E-166D835995B9}"/>
+              </a:ext>
+            </a:extLst>
+          </p:cNvPr>
+          <p:cNvSpPr>
+            <a:spLocks noGrp="1"/>
+          </p:cNvSpPr>
+          <p:nvPr>
+            <p:ph idx="1"/>
+          </p:nvPr>
+        </p:nvSpPr>
+        <p:spPr/>
+        <p:txBody>
+          <a:bodyPr vert="horz" lIns="91440" tIns="45720" rIns="91440" bIns="45720" rtlCol="0" anchor="t">
+            <a:normAutofit/>
+          </a:bodyPr>
+          <a:lstStyle/>
+          <a:p>
+            <a:r>
+              <a:rPr lang="de-DE" dirty="0"/>
+              <a:t>Data Driven </a:t>
+            </a:r>
+            <a:r>
+              <a:rPr lang="de-DE" err="1"/>
+              <a:t>Foresight</a:t>
+            </a:r>
+            <a:r>
+              <a:rPr lang="de-DE" dirty="0"/>
+              <a:t> </a:t>
+            </a:r>
+            <a:r>
+              <a:rPr lang="de-DE" err="1"/>
+              <a:t>is</a:t>
+            </a:r>
+            <a:r>
+              <a:rPr lang="de-DE" dirty="0"/>
+              <a:t> a </a:t>
+            </a:r>
+            <a:r>
+              <a:rPr lang="de-DE" err="1"/>
+              <a:t>efficient</a:t>
+            </a:r>
+            <a:r>
+              <a:rPr lang="de-DE" dirty="0"/>
+              <a:t> </a:t>
+            </a:r>
+            <a:r>
+              <a:rPr lang="de-DE" err="1"/>
+              <a:t>way</a:t>
+            </a:r>
+            <a:r>
+              <a:rPr lang="de-DE" dirty="0"/>
+              <a:t> </a:t>
+            </a:r>
+            <a:r>
+              <a:rPr lang="de-DE" err="1"/>
+              <a:t>to</a:t>
+            </a:r>
+            <a:r>
+              <a:rPr lang="de-DE" dirty="0"/>
+              <a:t> </a:t>
+            </a:r>
+            <a:r>
+              <a:rPr lang="de-DE" err="1"/>
+              <a:t>investigate</a:t>
+            </a:r>
+            <a:r>
+              <a:rPr lang="de-DE" dirty="0"/>
+              <a:t> </a:t>
+            </a:r>
+            <a:r>
+              <a:rPr lang="de-DE" err="1"/>
+              <a:t>current</a:t>
+            </a:r>
+            <a:r>
+              <a:rPr lang="de-DE" dirty="0"/>
+              <a:t> </a:t>
+            </a:r>
+            <a:r>
+              <a:rPr lang="de-DE" err="1"/>
+              <a:t>trends</a:t>
+            </a:r>
+            <a:r>
+              <a:rPr lang="de-DE" dirty="0"/>
+              <a:t> in </a:t>
+            </a:r>
+            <a:r>
+              <a:rPr lang="de-DE" err="1"/>
+              <a:t>research</a:t>
+            </a:r>
+            <a:r>
+              <a:rPr lang="de-DE" dirty="0"/>
+              <a:t> and </a:t>
+            </a:r>
+            <a:r>
+              <a:rPr lang="de-DE" err="1"/>
+              <a:t>development</a:t>
+            </a:r>
+            <a:endParaRPr lang="de-DE"/>
+          </a:p>
+          <a:p>
+            <a:r>
+              <a:rPr lang="de-DE" dirty="0" err="1"/>
+              <a:t>Combination</a:t>
+            </a:r>
+            <a:r>
+              <a:rPr lang="de-DE" dirty="0"/>
+              <a:t> </a:t>
+            </a:r>
+            <a:r>
+              <a:rPr lang="de-DE" dirty="0" err="1"/>
+              <a:t>of</a:t>
+            </a:r>
+            <a:r>
+              <a:rPr lang="de-DE" dirty="0"/>
+              <a:t> </a:t>
+            </a:r>
+            <a:r>
+              <a:rPr lang="de-DE" dirty="0" err="1"/>
+              <a:t>publication</a:t>
+            </a:r>
+            <a:r>
+              <a:rPr lang="de-DE" dirty="0"/>
+              <a:t> </a:t>
+            </a:r>
+            <a:r>
+              <a:rPr lang="de-DE" dirty="0" err="1"/>
+              <a:t>data</a:t>
+            </a:r>
+            <a:r>
+              <a:rPr lang="de-DE" dirty="0"/>
+              <a:t> and patent </a:t>
+            </a:r>
+            <a:r>
+              <a:rPr lang="de-DE" dirty="0" err="1"/>
+              <a:t>data</a:t>
+            </a:r>
+            <a:r>
+              <a:rPr lang="de-DE" dirty="0"/>
+              <a:t> </a:t>
+            </a:r>
+            <a:r>
+              <a:rPr lang="de-DE" dirty="0" err="1"/>
+              <a:t>offers</a:t>
+            </a:r>
+            <a:r>
+              <a:rPr lang="de-DE" dirty="0"/>
+              <a:t> </a:t>
+            </a:r>
+            <a:r>
+              <a:rPr lang="de-DE" dirty="0" err="1"/>
+              <a:t>first</a:t>
+            </a:r>
+            <a:r>
+              <a:rPr lang="de-DE" dirty="0"/>
+              <a:t> </a:t>
+            </a:r>
+            <a:r>
+              <a:rPr lang="de-DE" dirty="0" err="1"/>
+              <a:t>insights</a:t>
+            </a:r>
+            <a:r>
+              <a:rPr lang="de-DE" dirty="0"/>
+              <a:t> </a:t>
+            </a:r>
+            <a:r>
+              <a:rPr lang="de-DE" dirty="0" err="1"/>
+              <a:t>into</a:t>
+            </a:r>
+            <a:r>
+              <a:rPr lang="de-DE" dirty="0"/>
+              <a:t> potential </a:t>
+            </a:r>
+            <a:r>
+              <a:rPr lang="de-DE" dirty="0" err="1"/>
+              <a:t>technological</a:t>
+            </a:r>
+            <a:r>
+              <a:rPr lang="de-DE" dirty="0"/>
+              <a:t> </a:t>
+            </a:r>
+            <a:r>
+              <a:rPr lang="de-DE" dirty="0" err="1"/>
+              <a:t>advances</a:t>
+            </a:r>
+            <a:r>
+              <a:rPr lang="de-DE" dirty="0"/>
+              <a:t> and </a:t>
+            </a:r>
+            <a:r>
+              <a:rPr lang="de-DE" dirty="0" err="1"/>
+              <a:t>emerging</a:t>
+            </a:r>
+            <a:r>
+              <a:rPr lang="de-DE" dirty="0"/>
+              <a:t> </a:t>
+            </a:r>
+            <a:r>
+              <a:rPr lang="de-DE" dirty="0" err="1"/>
+              <a:t>market</a:t>
+            </a:r>
+            <a:r>
+              <a:rPr lang="de-DE" dirty="0"/>
+              <a:t> </a:t>
+            </a:r>
+            <a:r>
+              <a:rPr lang="de-DE" dirty="0" err="1"/>
+              <a:t>opportunities</a:t>
+            </a:r>
+            <a:endParaRPr lang="de-DE" dirty="0"/>
+          </a:p>
+          <a:p>
+            <a:r>
+              <a:rPr lang="de-DE" dirty="0"/>
+              <a:t>More </a:t>
+            </a:r>
+            <a:r>
+              <a:rPr lang="de-DE" dirty="0" err="1"/>
+              <a:t>data</a:t>
+            </a:r>
+            <a:r>
+              <a:rPr lang="de-DE" dirty="0"/>
+              <a:t> </a:t>
+            </a:r>
+            <a:r>
+              <a:rPr lang="de-DE" dirty="0" err="1"/>
+              <a:t>from</a:t>
+            </a:r>
+            <a:r>
+              <a:rPr lang="de-DE" dirty="0"/>
+              <a:t> </a:t>
+            </a:r>
+            <a:r>
+              <a:rPr lang="de-DE" dirty="0" err="1"/>
+              <a:t>other</a:t>
+            </a:r>
+            <a:r>
+              <a:rPr lang="de-DE" dirty="0"/>
+              <a:t> </a:t>
+            </a:r>
+            <a:r>
+              <a:rPr lang="de-DE" dirty="0" err="1"/>
+              <a:t>sources</a:t>
+            </a:r>
+            <a:r>
+              <a:rPr lang="de-DE" dirty="0"/>
+              <a:t> </a:t>
+            </a:r>
+            <a:r>
+              <a:rPr lang="de-DE" dirty="0" err="1"/>
+              <a:t>is</a:t>
+            </a:r>
+            <a:r>
+              <a:rPr lang="de-DE" dirty="0"/>
+              <a:t> </a:t>
+            </a:r>
+            <a:r>
+              <a:rPr lang="de-DE" dirty="0" err="1"/>
+              <a:t>needed</a:t>
+            </a:r>
+            <a:r>
+              <a:rPr lang="de-DE" dirty="0"/>
+              <a:t> </a:t>
+            </a:r>
+            <a:r>
+              <a:rPr lang="de-DE" dirty="0" err="1"/>
+              <a:t>for</a:t>
+            </a:r>
+            <a:r>
+              <a:rPr lang="de-DE" dirty="0"/>
+              <a:t> </a:t>
+            </a:r>
+            <a:r>
+              <a:rPr lang="de-DE" dirty="0" err="1"/>
+              <a:t>accurate</a:t>
+            </a:r>
+            <a:r>
+              <a:rPr lang="de-DE" dirty="0"/>
+              <a:t> </a:t>
+            </a:r>
+            <a:r>
+              <a:rPr lang="de-DE" dirty="0" err="1"/>
+              <a:t>assessment</a:t>
+            </a:r>
+            <a:r>
+              <a:rPr lang="de-DE" dirty="0"/>
+              <a:t> </a:t>
+            </a:r>
+          </a:p>
+        </p:txBody>
+      </p:sp>
+      <p:sp>
+        <p:nvSpPr>
+          <p:cNvPr id="4" name="Fußzeilenplatzhalter 3">
+            <a:extLst>
+              <a:ext uri="{FF2B5EF4-FFF2-40B4-BE49-F238E27FC236}">
+                <a16:creationId xmlns:a16="http://schemas.microsoft.com/office/drawing/2014/main" id="{89FCB473-313D-48BF-110E-021D2FCC8C66}"/>
+              </a:ext>
+            </a:extLst>
+          </p:cNvPr>
+          <p:cNvSpPr>
+            <a:spLocks noGrp="1"/>
+          </p:cNvSpPr>
+          <p:nvPr>
+            <p:ph type="ftr" sz="quarter" idx="11"/>
+          </p:nvPr>
+        </p:nvSpPr>
+        <p:spPr/>
+        <p:txBody>
+          <a:bodyPr/>
+          <a:lstStyle/>
+          <a:p>
+            <a:r>
+              <a:rPr lang="en-GB"/>
+              <a:t>RWTH Aachen | Seminar Data Driven Foresight | 13.01.2025</a:t>
+            </a:r>
+          </a:p>
+        </p:txBody>
+      </p:sp>
+      <p:sp>
+        <p:nvSpPr>
+          <p:cNvPr id="5" name="Foliennummernplatzhalter 4">
+            <a:extLst>
+              <a:ext uri="{FF2B5EF4-FFF2-40B4-BE49-F238E27FC236}">
+                <a16:creationId xmlns:a16="http://schemas.microsoft.com/office/drawing/2014/main" id="{692C98CE-C662-0556-7373-C7297BF2A60B}"/>
+              </a:ext>
+            </a:extLst>
+          </p:cNvPr>
+          <p:cNvSpPr>
+            <a:spLocks noGrp="1"/>
+          </p:cNvSpPr>
+          <p:nvPr>
+            <p:ph type="sldNum" sz="quarter" idx="12"/>
+          </p:nvPr>
+        </p:nvSpPr>
+        <p:spPr/>
+        <p:txBody>
+          <a:bodyPr/>
+          <a:lstStyle/>
+          <a:p>
+            <a:fld id="{330EA680-D336-4FF7-8B7A-9848BB0A1C32}" type="slidenum">
+              <a:rPr lang="en-GB" smtClean="0"/>
+              <a:t>21</a:t>
+            </a:fld>
+            <a:endParaRPr lang="en-GB"/>
+          </a:p>
+        </p:txBody>
+      </p:sp>
+    </p:spTree>
+    <p:extLst>
+      <p:ext uri="{BB962C8B-B14F-4D97-AF65-F5344CB8AC3E}">
+        <p14:creationId xmlns:p14="http://schemas.microsoft.com/office/powerpoint/2010/main" val="2491972231"/>
       </p:ext>
     </p:extLst>
   </p:cSld>
@@ -7345,15 +9106,7 @@
             </a:r>
             <a:r>
               <a:rPr lang="de-DE" dirty="0" err="1"/>
-              <a:t>increasing</a:t>
-            </a:r>
-            <a:r>
-              <a:rPr lang="de-DE" dirty="0"/>
-              <a:t> at an </a:t>
-            </a:r>
-            <a:r>
-              <a:rPr lang="de-DE" dirty="0" err="1"/>
-              <a:t>approximately</a:t>
+              <a:t>expected</a:t>
             </a:r>
             <a:r>
               <a:rPr lang="de-DE" dirty="0"/>
@@ -7361,13 +9114,106 @@
             </a:r>
             <a:r>
               <a:rPr lang="de-DE" dirty="0" err="1"/>
-              <a:t>quadratic</a:t>
+              <a:t>to</a:t>
             </a:r>
             <a:r>
               <a:rPr lang="de-DE" dirty="0"/>
-              <a:t> rate.</a:t>
-            </a:r>
-            <a:endParaRPr lang="en-GB" dirty="0"/>
+              <a:t> follow </a:t>
+            </a:r>
+            <a:r>
+              <a:rPr lang="de-DE" dirty="0" err="1"/>
+              <a:t>exponential</a:t>
+            </a:r>
+            <a:r>
+              <a:rPr lang="de-DE" dirty="0"/>
+              <a:t> </a:t>
+            </a:r>
+            <a:r>
+              <a:rPr lang="de-DE" dirty="0" err="1"/>
+              <a:t>growth</a:t>
+            </a:r>
+            <a:r>
+              <a:rPr lang="de-DE" dirty="0"/>
+              <a:t> </a:t>
+            </a:r>
+            <a:r>
+              <a:rPr lang="de-DE" dirty="0" err="1"/>
+              <a:t>for</a:t>
+            </a:r>
+            <a:r>
+              <a:rPr lang="de-DE" dirty="0"/>
+              <a:t> </a:t>
+            </a:r>
+            <a:r>
+              <a:rPr lang="de-DE" dirty="0" err="1"/>
+              <a:t>foreseeable</a:t>
+            </a:r>
+            <a:r>
+              <a:rPr lang="de-DE" dirty="0"/>
+              <a:t> </a:t>
+            </a:r>
+            <a:r>
+              <a:rPr lang="de-DE" dirty="0" err="1"/>
+              <a:t>future</a:t>
+            </a:r>
+            <a:endParaRPr lang="de-DE" dirty="0"/>
+          </a:p>
+        </p:txBody>
+      </p:sp>
+      <p:sp>
+        <p:nvSpPr>
+          <p:cNvPr id="3" name="Fußzeilenplatzhalter 2">
+            <a:extLst>
+              <a:ext uri="{FF2B5EF4-FFF2-40B4-BE49-F238E27FC236}">
+                <a16:creationId xmlns:a16="http://schemas.microsoft.com/office/drawing/2014/main" id="{50CDE7AA-A42C-FDBA-7217-8F02A4606CC4}"/>
+              </a:ext>
+            </a:extLst>
+          </p:cNvPr>
+          <p:cNvSpPr>
+            <a:spLocks noGrp="1"/>
+          </p:cNvSpPr>
+          <p:nvPr>
+            <p:ph type="ftr" sz="quarter" idx="11"/>
+          </p:nvPr>
+        </p:nvSpPr>
+        <p:spPr/>
+        <p:txBody>
+          <a:bodyPr/>
+          <a:lstStyle/>
+          <a:p>
+            <a:r>
+              <a:rPr lang="de-DE"/>
+              <a:t>RWTH Aachen | Seminar Data Driven Foresight | 13.01.2025</a:t>
+            </a:r>
+          </a:p>
+        </p:txBody>
+      </p:sp>
+      <p:sp>
+        <p:nvSpPr>
+          <p:cNvPr id="4" name="Foliennummernplatzhalter 3">
+            <a:extLst>
+              <a:ext uri="{FF2B5EF4-FFF2-40B4-BE49-F238E27FC236}">
+                <a16:creationId xmlns:a16="http://schemas.microsoft.com/office/drawing/2014/main" id="{4CD0E296-3063-D3BC-6CF7-11771D6CFEEB}"/>
+              </a:ext>
+            </a:extLst>
+          </p:cNvPr>
+          <p:cNvSpPr>
+            <a:spLocks noGrp="1"/>
+          </p:cNvSpPr>
+          <p:nvPr>
+            <p:ph type="sldNum" sz="quarter" idx="12"/>
+          </p:nvPr>
+        </p:nvSpPr>
+        <p:spPr/>
+        <p:txBody>
+          <a:bodyPr/>
+          <a:lstStyle/>
+          <a:p>
+            <a:fld id="{330EA680-D336-4FF7-8B7A-9848BB0A1C32}" type="slidenum">
+              <a:rPr lang="en-GB" smtClean="0"/>
+              <a:t>3</a:t>
+            </a:fld>
+            <a:endParaRPr lang="de-DE"/>
           </a:p>
         </p:txBody>
       </p:sp>
@@ -7470,15 +9316,19 @@
             </a:pPr>
             <a:r>
               <a:rPr lang="en-GB" dirty="0"/>
-              <a:t>The largest amount of research </a:t>
+              <a:t>Research is </a:t>
             </a:r>
             <a:r>
               <a:rPr lang="de-DE" dirty="0" err="1"/>
-              <a:t>focuses</a:t>
+              <a:t>focused</a:t>
+            </a:r>
+            <a:r>
+              <a:rPr lang="en-GB" dirty="0"/>
+              <a:t> </a:t>
             </a:r>
             <a:r>
               <a:rPr lang="de-DE" dirty="0"/>
-              <a:t> on </a:t>
+              <a:t>on </a:t>
             </a:r>
             <a:r>
               <a:rPr lang="de-DE" dirty="0" err="1"/>
@@ -7492,7 +9342,7 @@
               <a:rPr lang="de-DE" dirty="0" err="1"/>
               <a:t>materials</a:t>
             </a:r>
-            <a:endParaRPr lang="en-GB" dirty="0"/>
+            <a:endParaRPr lang="en-GB" dirty="0" err="1"/>
           </a:p>
           <a:p>
             <a:pPr marL="285750" indent="-285750">
@@ -7841,6 +9691,63 @@
           </a:xfrm>
         </p:spPr>
       </p:pic>
+      <p:sp>
+        <p:nvSpPr>
+          <p:cNvPr id="3" name="Fußzeilenplatzhalter 2">
+            <a:extLst>
+              <a:ext uri="{FF2B5EF4-FFF2-40B4-BE49-F238E27FC236}">
+                <a16:creationId xmlns:a16="http://schemas.microsoft.com/office/drawing/2014/main" id="{04D91C4E-4EFA-CC40-16EB-3A9347C868B8}"/>
+              </a:ext>
+            </a:extLst>
+          </p:cNvPr>
+          <p:cNvSpPr>
+            <a:spLocks noGrp="1"/>
+          </p:cNvSpPr>
+          <p:nvPr>
+            <p:ph type="ftr" sz="quarter" idx="11"/>
+          </p:nvPr>
+        </p:nvSpPr>
+        <p:spPr/>
+        <p:txBody>
+          <a:bodyPr/>
+          <a:lstStyle/>
+          <a:p>
+            <a:r>
+              <a:rPr lang="de-DE"/>
+              <a:t>RWTH Aachen | Seminar Data Driven Foresight | 13.01.2025</a:t>
+            </a:r>
+          </a:p>
+        </p:txBody>
+      </p:sp>
+      <p:sp>
+        <p:nvSpPr>
+          <p:cNvPr id="5" name="Foliennummernplatzhalter 4">
+            <a:extLst>
+              <a:ext uri="{FF2B5EF4-FFF2-40B4-BE49-F238E27FC236}">
+                <a16:creationId xmlns:a16="http://schemas.microsoft.com/office/drawing/2014/main" id="{B06A8647-FB67-8131-BA53-E2957A990391}"/>
+              </a:ext>
+            </a:extLst>
+          </p:cNvPr>
+          <p:cNvSpPr>
+            <a:spLocks noGrp="1"/>
+          </p:cNvSpPr>
+          <p:nvPr>
+            <p:ph type="sldNum" sz="quarter" idx="12"/>
+          </p:nvPr>
+        </p:nvSpPr>
+        <p:spPr/>
+        <p:txBody>
+          <a:bodyPr/>
+          <a:lstStyle/>
+          <a:p>
+            <a:fld id="{330EA680-D336-4FF7-8B7A-9848BB0A1C32}" type="slidenum">
+              <a:rPr lang="en-GB" smtClean="0"/>
+              <a:t>4</a:t>
+            </a:fld>
+            <a:endParaRPr lang="de-DE"/>
+          </a:p>
+        </p:txBody>
+      </p:sp>
     </p:spTree>
     <p:extLst>
       <p:ext uri="{BB962C8B-B14F-4D97-AF65-F5344CB8AC3E}">
@@ -7941,15 +9848,19 @@
             </a:pPr>
             <a:r>
               <a:rPr lang="en-GB" dirty="0"/>
-              <a:t>The largest amount of research </a:t>
+              <a:t>Research is </a:t>
             </a:r>
             <a:r>
               <a:rPr lang="de-DE" dirty="0" err="1"/>
-              <a:t>focuses</a:t>
+              <a:t>focused</a:t>
+            </a:r>
+            <a:r>
+              <a:rPr lang="en-GB" dirty="0"/>
+              <a:t> </a:t>
             </a:r>
             <a:r>
               <a:rPr lang="de-DE" dirty="0"/>
-              <a:t> on </a:t>
+              <a:t>on </a:t>
             </a:r>
             <a:r>
               <a:rPr lang="de-DE" dirty="0" err="1"/>
@@ -8288,6 +10199,63 @@
           </a:xfrm>
         </p:spPr>
       </p:pic>
+      <p:sp>
+        <p:nvSpPr>
+          <p:cNvPr id="3" name="Fußzeilenplatzhalter 2">
+            <a:extLst>
+              <a:ext uri="{FF2B5EF4-FFF2-40B4-BE49-F238E27FC236}">
+                <a16:creationId xmlns:a16="http://schemas.microsoft.com/office/drawing/2014/main" id="{8A6E882D-FD11-24B2-8400-E5D0E26C1B38}"/>
+              </a:ext>
+            </a:extLst>
+          </p:cNvPr>
+          <p:cNvSpPr>
+            <a:spLocks noGrp="1"/>
+          </p:cNvSpPr>
+          <p:nvPr>
+            <p:ph type="ftr" sz="quarter" idx="11"/>
+          </p:nvPr>
+        </p:nvSpPr>
+        <p:spPr/>
+        <p:txBody>
+          <a:bodyPr/>
+          <a:lstStyle/>
+          <a:p>
+            <a:r>
+              <a:rPr lang="de-DE"/>
+              <a:t>RWTH Aachen | Seminar Data Driven Foresight | 13.01.2025</a:t>
+            </a:r>
+          </a:p>
+        </p:txBody>
+      </p:sp>
+      <p:sp>
+        <p:nvSpPr>
+          <p:cNvPr id="5" name="Foliennummernplatzhalter 4">
+            <a:extLst>
+              <a:ext uri="{FF2B5EF4-FFF2-40B4-BE49-F238E27FC236}">
+                <a16:creationId xmlns:a16="http://schemas.microsoft.com/office/drawing/2014/main" id="{139D3530-40E7-231E-1FF3-3ABF6F473CB8}"/>
+              </a:ext>
+            </a:extLst>
+          </p:cNvPr>
+          <p:cNvSpPr>
+            <a:spLocks noGrp="1"/>
+          </p:cNvSpPr>
+          <p:nvPr>
+            <p:ph type="sldNum" sz="quarter" idx="12"/>
+          </p:nvPr>
+        </p:nvSpPr>
+        <p:spPr/>
+        <p:txBody>
+          <a:bodyPr/>
+          <a:lstStyle/>
+          <a:p>
+            <a:fld id="{330EA680-D336-4FF7-8B7A-9848BB0A1C32}" type="slidenum">
+              <a:rPr lang="en-GB" smtClean="0"/>
+              <a:t>5</a:t>
+            </a:fld>
+            <a:endParaRPr lang="de-DE"/>
+          </a:p>
+        </p:txBody>
+      </p:sp>
     </p:spTree>
     <p:extLst>
       <p:ext uri="{BB962C8B-B14F-4D97-AF65-F5344CB8AC3E}">
@@ -8388,15 +10356,19 @@
             </a:pPr>
             <a:r>
               <a:rPr lang="en-GB" dirty="0"/>
-              <a:t>The largest amount of research </a:t>
+              <a:t>Research is </a:t>
             </a:r>
             <a:r>
               <a:rPr lang="de-DE" dirty="0" err="1"/>
-              <a:t>focuses</a:t>
+              <a:t>focused</a:t>
+            </a:r>
+            <a:r>
+              <a:rPr lang="en-GB" dirty="0"/>
+              <a:t> </a:t>
             </a:r>
             <a:r>
               <a:rPr lang="de-DE" dirty="0"/>
-              <a:t> on </a:t>
+              <a:t>on </a:t>
             </a:r>
             <a:r>
               <a:rPr lang="de-DE" dirty="0" err="1"/>
@@ -8410,7 +10382,7 @@
               <a:rPr lang="de-DE" dirty="0" err="1"/>
               <a:t>materials</a:t>
             </a:r>
-            <a:endParaRPr lang="en-GB" dirty="0"/>
+            <a:endParaRPr lang="en-GB" dirty="0" err="1"/>
           </a:p>
           <a:p>
             <a:pPr marL="285750" indent="-285750">
@@ -8748,6 +10720,63 @@
           </a:xfrm>
         </p:spPr>
       </p:pic>
+      <p:sp>
+        <p:nvSpPr>
+          <p:cNvPr id="3" name="Fußzeilenplatzhalter 2">
+            <a:extLst>
+              <a:ext uri="{FF2B5EF4-FFF2-40B4-BE49-F238E27FC236}">
+                <a16:creationId xmlns:a16="http://schemas.microsoft.com/office/drawing/2014/main" id="{E90E823F-31C3-D3CE-6799-08328D97C7F5}"/>
+              </a:ext>
+            </a:extLst>
+          </p:cNvPr>
+          <p:cNvSpPr>
+            <a:spLocks noGrp="1"/>
+          </p:cNvSpPr>
+          <p:nvPr>
+            <p:ph type="ftr" sz="quarter" idx="11"/>
+          </p:nvPr>
+        </p:nvSpPr>
+        <p:spPr/>
+        <p:txBody>
+          <a:bodyPr/>
+          <a:lstStyle/>
+          <a:p>
+            <a:r>
+              <a:rPr lang="de-DE"/>
+              <a:t>RWTH Aachen | Seminar Data Driven Foresight | 13.01.2025</a:t>
+            </a:r>
+          </a:p>
+        </p:txBody>
+      </p:sp>
+      <p:sp>
+        <p:nvSpPr>
+          <p:cNvPr id="5" name="Foliennummernplatzhalter 4">
+            <a:extLst>
+              <a:ext uri="{FF2B5EF4-FFF2-40B4-BE49-F238E27FC236}">
+                <a16:creationId xmlns:a16="http://schemas.microsoft.com/office/drawing/2014/main" id="{E6AE31F8-9E3E-CDA4-1E9C-1AB75514812F}"/>
+              </a:ext>
+            </a:extLst>
+          </p:cNvPr>
+          <p:cNvSpPr>
+            <a:spLocks noGrp="1"/>
+          </p:cNvSpPr>
+          <p:nvPr>
+            <p:ph type="sldNum" sz="quarter" idx="12"/>
+          </p:nvPr>
+        </p:nvSpPr>
+        <p:spPr/>
+        <p:txBody>
+          <a:bodyPr/>
+          <a:lstStyle/>
+          <a:p>
+            <a:fld id="{330EA680-D336-4FF7-8B7A-9848BB0A1C32}" type="slidenum">
+              <a:rPr lang="en-GB" smtClean="0"/>
+              <a:t>6</a:t>
+            </a:fld>
+            <a:endParaRPr lang="de-DE"/>
+          </a:p>
+        </p:txBody>
+      </p:sp>
     </p:spTree>
     <p:extLst>
       <p:ext uri="{BB962C8B-B14F-4D97-AF65-F5344CB8AC3E}">
@@ -8848,15 +10877,19 @@
             </a:pPr>
             <a:r>
               <a:rPr lang="en-GB" dirty="0"/>
-              <a:t>The largest amount of research </a:t>
+              <a:t>Research is </a:t>
             </a:r>
             <a:r>
               <a:rPr lang="de-DE" dirty="0" err="1"/>
-              <a:t>focuses</a:t>
+              <a:t>focused</a:t>
+            </a:r>
+            <a:r>
+              <a:rPr lang="en-GB" dirty="0"/>
+              <a:t> </a:t>
             </a:r>
             <a:r>
               <a:rPr lang="de-DE" dirty="0"/>
-              <a:t> on </a:t>
+              <a:t>on </a:t>
             </a:r>
             <a:r>
               <a:rPr lang="de-DE" dirty="0" err="1"/>
@@ -8870,7 +10903,7 @@
               <a:rPr lang="de-DE" dirty="0" err="1"/>
               <a:t>materials</a:t>
             </a:r>
-            <a:endParaRPr lang="en-GB" dirty="0"/>
+            <a:endParaRPr lang="en-GB" dirty="0" err="1"/>
           </a:p>
           <a:p>
             <a:pPr marL="285750" indent="-285750">
@@ -9195,6 +11228,63 @@
           </a:xfrm>
         </p:spPr>
       </p:pic>
+      <p:sp>
+        <p:nvSpPr>
+          <p:cNvPr id="3" name="Fußzeilenplatzhalter 2">
+            <a:extLst>
+              <a:ext uri="{FF2B5EF4-FFF2-40B4-BE49-F238E27FC236}">
+                <a16:creationId xmlns:a16="http://schemas.microsoft.com/office/drawing/2014/main" id="{044780FE-1338-9315-31F6-2B22BCA35A33}"/>
+              </a:ext>
+            </a:extLst>
+          </p:cNvPr>
+          <p:cNvSpPr>
+            <a:spLocks noGrp="1"/>
+          </p:cNvSpPr>
+          <p:nvPr>
+            <p:ph type="ftr" sz="quarter" idx="11"/>
+          </p:nvPr>
+        </p:nvSpPr>
+        <p:spPr/>
+        <p:txBody>
+          <a:bodyPr/>
+          <a:lstStyle/>
+          <a:p>
+            <a:r>
+              <a:rPr lang="de-DE"/>
+              <a:t>RWTH Aachen | Seminar Data Driven Foresight | 13.01.2025</a:t>
+            </a:r>
+          </a:p>
+        </p:txBody>
+      </p:sp>
+      <p:sp>
+        <p:nvSpPr>
+          <p:cNvPr id="5" name="Foliennummernplatzhalter 4">
+            <a:extLst>
+              <a:ext uri="{FF2B5EF4-FFF2-40B4-BE49-F238E27FC236}">
+                <a16:creationId xmlns:a16="http://schemas.microsoft.com/office/drawing/2014/main" id="{3A92252E-DC93-5763-DFAD-1DD736B64C7F}"/>
+              </a:ext>
+            </a:extLst>
+          </p:cNvPr>
+          <p:cNvSpPr>
+            <a:spLocks noGrp="1"/>
+          </p:cNvSpPr>
+          <p:nvPr>
+            <p:ph type="sldNum" sz="quarter" idx="12"/>
+          </p:nvPr>
+        </p:nvSpPr>
+        <p:spPr/>
+        <p:txBody>
+          <a:bodyPr/>
+          <a:lstStyle/>
+          <a:p>
+            <a:fld id="{330EA680-D336-4FF7-8B7A-9848BB0A1C32}" type="slidenum">
+              <a:rPr lang="en-GB" smtClean="0"/>
+              <a:t>7</a:t>
+            </a:fld>
+            <a:endParaRPr lang="de-DE"/>
+          </a:p>
+        </p:txBody>
+      </p:sp>
     </p:spTree>
     <p:extLst>
       <p:ext uri="{BB962C8B-B14F-4D97-AF65-F5344CB8AC3E}">
@@ -9293,7 +11383,7 @@
             </a:pPr>
             <a:r>
               <a:rPr lang="en-GB" dirty="0"/>
-              <a:t>Total number of publications is currently growing at an approximately quadratic rate</a:t>
+              <a:t>Total number of publications is currently growing rapidly</a:t>
             </a:r>
           </a:p>
           <a:p>
@@ -9311,7 +11401,7 @@
             </a:pPr>
             <a:r>
               <a:rPr lang="en-GB" dirty="0"/>
-              <a:t>Research on metals and cement was comparable up to 2020. Since then, more research has focused on metals</a:t>
+              <a:t>Growth rate for research on metals and cement was comparable up to 2020. Since then, metal shows more potential</a:t>
             </a:r>
           </a:p>
           <a:p>
@@ -9351,6 +11441,63 @@
           </a:xfrm>
         </p:spPr>
       </p:pic>
+      <p:sp>
+        <p:nvSpPr>
+          <p:cNvPr id="3" name="Fußzeilenplatzhalter 2">
+            <a:extLst>
+              <a:ext uri="{FF2B5EF4-FFF2-40B4-BE49-F238E27FC236}">
+                <a16:creationId xmlns:a16="http://schemas.microsoft.com/office/drawing/2014/main" id="{07AE19A2-6DC8-50F2-6944-CBD85826D153}"/>
+              </a:ext>
+            </a:extLst>
+          </p:cNvPr>
+          <p:cNvSpPr>
+            <a:spLocks noGrp="1"/>
+          </p:cNvSpPr>
+          <p:nvPr>
+            <p:ph type="ftr" sz="quarter" idx="11"/>
+          </p:nvPr>
+        </p:nvSpPr>
+        <p:spPr/>
+        <p:txBody>
+          <a:bodyPr/>
+          <a:lstStyle/>
+          <a:p>
+            <a:r>
+              <a:rPr lang="de-DE"/>
+              <a:t>RWTH Aachen | Seminar Data Driven Foresight | 13.01.2025</a:t>
+            </a:r>
+          </a:p>
+        </p:txBody>
+      </p:sp>
+      <p:sp>
+        <p:nvSpPr>
+          <p:cNvPr id="4" name="Foliennummernplatzhalter 3">
+            <a:extLst>
+              <a:ext uri="{FF2B5EF4-FFF2-40B4-BE49-F238E27FC236}">
+                <a16:creationId xmlns:a16="http://schemas.microsoft.com/office/drawing/2014/main" id="{BCEB1CD2-11E7-6794-C717-FB229A68C33C}"/>
+              </a:ext>
+            </a:extLst>
+          </p:cNvPr>
+          <p:cNvSpPr>
+            <a:spLocks noGrp="1"/>
+          </p:cNvSpPr>
+          <p:nvPr>
+            <p:ph type="sldNum" sz="quarter" idx="12"/>
+          </p:nvPr>
+        </p:nvSpPr>
+        <p:spPr/>
+        <p:txBody>
+          <a:bodyPr/>
+          <a:lstStyle/>
+          <a:p>
+            <a:fld id="{330EA680-D336-4FF7-8B7A-9848BB0A1C32}" type="slidenum">
+              <a:rPr lang="en-GB" smtClean="0"/>
+              <a:t>8</a:t>
+            </a:fld>
+            <a:endParaRPr lang="de-DE"/>
+          </a:p>
+        </p:txBody>
+      </p:sp>
     </p:spTree>
     <p:extLst>
       <p:ext uri="{BB962C8B-B14F-4D97-AF65-F5344CB8AC3E}">
@@ -9411,8 +11558,9 @@
           <a:p>
             <a:r>
               <a:rPr lang="en-GB" b="1" dirty="0"/>
-              <a:t>Analysis of affiliations</a:t>
-            </a:r>
+              <a:t>Highly Skewed Distribution of Affiliations</a:t>
+            </a:r>
+            <a:endParaRPr lang="de-DE" dirty="0"/>
           </a:p>
         </p:txBody>
       </p:sp>
@@ -9450,7 +11598,7 @@
             </a:pPr>
             <a:r>
               <a:rPr lang="en-GB" dirty="0"/>
-              <a:t>The majority of institutes </a:t>
+              <a:t>The majority of institutions </a:t>
             </a:r>
             <a:r>
               <a:rPr lang="de-DE" dirty="0" err="1"/>
@@ -9520,7 +11668,7 @@
             </a:pPr>
             <a:r>
               <a:rPr lang="en-GB" dirty="0"/>
-              <a:t>The institute with the highest number of affiliations has more than 300 papers linked to it</a:t>
+              <a:t>The institution with the highest number of affiliations has more than 300 papers linked to it</a:t>
             </a:r>
           </a:p>
           <a:p>
@@ -9529,26 +11677,8 @@
             </a:pPr>
             <a:r>
               <a:rPr lang="en-GB" dirty="0"/>
-              <a:t>All institutes researching polymers have published more than 10 papers on the topic </a:t>
-            </a:r>
-          </a:p>
-          <a:p>
-            <a:pPr marL="285750" indent="-285750">
-              <a:buChar char="•"/>
-            </a:pPr>
-            <a:r>
-              <a:rPr lang="en-GB" dirty="0"/>
-              <a:t>Look at top institutes for polymer research on the next slides</a:t>
-            </a:r>
-          </a:p>
-          <a:p>
-            <a:endParaRPr lang="en-GB" dirty="0"/>
-          </a:p>
-          <a:p>
-            <a:pPr marL="285750" indent="-285750">
-              <a:buChar char="•"/>
-            </a:pPr>
-            <a:endParaRPr lang="en-GB" dirty="0"/>
+              <a:t>All institutions researching polymers have published more than 10 papers on the topic – a few more than 100</a:t>
+            </a:r>
           </a:p>
         </p:txBody>
       </p:sp>
@@ -9581,6 +11711,63 @@
           </a:xfrm>
         </p:spPr>
       </p:pic>
+      <p:sp>
+        <p:nvSpPr>
+          <p:cNvPr id="3" name="Fußzeilenplatzhalter 2">
+            <a:extLst>
+              <a:ext uri="{FF2B5EF4-FFF2-40B4-BE49-F238E27FC236}">
+                <a16:creationId xmlns:a16="http://schemas.microsoft.com/office/drawing/2014/main" id="{17E43D16-A7EC-6E90-7F60-C95E29889CFF}"/>
+              </a:ext>
+            </a:extLst>
+          </p:cNvPr>
+          <p:cNvSpPr>
+            <a:spLocks noGrp="1"/>
+          </p:cNvSpPr>
+          <p:nvPr>
+            <p:ph type="ftr" sz="quarter" idx="11"/>
+          </p:nvPr>
+        </p:nvSpPr>
+        <p:spPr/>
+        <p:txBody>
+          <a:bodyPr/>
+          <a:lstStyle/>
+          <a:p>
+            <a:r>
+              <a:rPr lang="de-DE"/>
+              <a:t>RWTH Aachen | Seminar Data Driven Foresight | 13.01.2025</a:t>
+            </a:r>
+          </a:p>
+        </p:txBody>
+      </p:sp>
+      <p:sp>
+        <p:nvSpPr>
+          <p:cNvPr id="4" name="Foliennummernplatzhalter 3">
+            <a:extLst>
+              <a:ext uri="{FF2B5EF4-FFF2-40B4-BE49-F238E27FC236}">
+                <a16:creationId xmlns:a16="http://schemas.microsoft.com/office/drawing/2014/main" id="{3E25C46E-DC48-1CDF-0F07-AECBB6AA4D31}"/>
+              </a:ext>
+            </a:extLst>
+          </p:cNvPr>
+          <p:cNvSpPr>
+            <a:spLocks noGrp="1"/>
+          </p:cNvSpPr>
+          <p:nvPr>
+            <p:ph type="sldNum" sz="quarter" idx="12"/>
+          </p:nvPr>
+        </p:nvSpPr>
+        <p:spPr/>
+        <p:txBody>
+          <a:bodyPr/>
+          <a:lstStyle/>
+          <a:p>
+            <a:fld id="{330EA680-D336-4FF7-8B7A-9848BB0A1C32}" type="slidenum">
+              <a:rPr lang="en-GB" smtClean="0"/>
+              <a:t>9</a:t>
+            </a:fld>
+            <a:endParaRPr lang="de-DE"/>
+          </a:p>
+        </p:txBody>
+      </p:sp>
     </p:spTree>
     <p:extLst>
       <p:ext uri="{BB962C8B-B14F-4D97-AF65-F5344CB8AC3E}">

--- a/presentation/DataDrivenForesight.pptx
+++ b/presentation/DataDrivenForesight.pptx
@@ -4,6 +4,9 @@
   <p:sldMasterIdLst>
     <p:sldMasterId id="2147483660" r:id="rId1"/>
   </p:sldMasterIdLst>
+  <p:notesMasterIdLst>
+    <p:notesMasterId r:id="rId23"/>
+  </p:notesMasterIdLst>
   <p:sldIdLst>
     <p:sldId id="256" r:id="rId2"/>
     <p:sldId id="273" r:id="rId3"/>
@@ -137,8 +140,2194 @@
   <p1510:revLst>
     <p1510:client id="{1C05B34B-6E39-6232-9EF4-3C5D0C2E088E}" v="947" dt="2025-01-12T21:34:39.105"/>
     <p1510:client id="{8CDA426B-F6BE-03CE-D3BE-0C608CE54C7C}" v="12" dt="2025-01-11T10:39:06.523"/>
+    <p1510:client id="{90A3C9C0-2634-4210-09F6-2A76E971AA20}" v="3" dt="2025-01-13T09:42:07.459"/>
   </p1510:revLst>
 </p1510:revInfo>
+</file>
+
+<file path=ppt/notesMasters/notesMaster1.xml><?xml version="1.0" encoding="utf-8"?>
+<p:notesMaster xmlns:a="http://schemas.openxmlformats.org/drawingml/2006/main" xmlns:r="http://schemas.openxmlformats.org/officeDocument/2006/relationships" xmlns:p="http://schemas.openxmlformats.org/presentationml/2006/main">
+  <p:cSld>
+    <p:bg>
+      <p:bgRef idx="1001">
+        <a:schemeClr val="bg1"/>
+      </p:bgRef>
+    </p:bg>
+    <p:spTree>
+      <p:nvGrpSpPr>
+        <p:cNvPr id="1" name=""/>
+        <p:cNvGrpSpPr/>
+        <p:nvPr/>
+      </p:nvGrpSpPr>
+      <p:grpSpPr>
+        <a:xfrm>
+          <a:off x="0" y="0"/>
+          <a:ext cx="0" cy="0"/>
+          <a:chOff x="0" y="0"/>
+          <a:chExt cx="0" cy="0"/>
+        </a:xfrm>
+      </p:grpSpPr>
+      <p:sp>
+        <p:nvSpPr>
+          <p:cNvPr id="2" name="Kopfzeilenplatzhalter 1"/>
+          <p:cNvSpPr>
+            <a:spLocks noGrp="1"/>
+          </p:cNvSpPr>
+          <p:nvPr>
+            <p:ph type="hdr" sz="quarter"/>
+          </p:nvPr>
+        </p:nvSpPr>
+        <p:spPr>
+          <a:xfrm>
+            <a:off x="0" y="0"/>
+            <a:ext cx="2971800" cy="458788"/>
+          </a:xfrm>
+          <a:prstGeom prst="rect">
+            <a:avLst/>
+          </a:prstGeom>
+        </p:spPr>
+        <p:txBody>
+          <a:bodyPr vert="horz" lIns="91440" tIns="45720" rIns="91440" bIns="45720" rtlCol="0"/>
+          <a:lstStyle>
+            <a:lvl1pPr algn="l">
+              <a:defRPr sz="1200"/>
+            </a:lvl1pPr>
+          </a:lstStyle>
+          <a:p>
+            <a:endParaRPr lang="de-DE"/>
+          </a:p>
+        </p:txBody>
+      </p:sp>
+      <p:sp>
+        <p:nvSpPr>
+          <p:cNvPr id="3" name="Datumsplatzhalter 2"/>
+          <p:cNvSpPr>
+            <a:spLocks noGrp="1"/>
+          </p:cNvSpPr>
+          <p:nvPr>
+            <p:ph type="dt" idx="1"/>
+          </p:nvPr>
+        </p:nvSpPr>
+        <p:spPr>
+          <a:xfrm>
+            <a:off x="3884613" y="0"/>
+            <a:ext cx="2971800" cy="458788"/>
+          </a:xfrm>
+          <a:prstGeom prst="rect">
+            <a:avLst/>
+          </a:prstGeom>
+        </p:spPr>
+        <p:txBody>
+          <a:bodyPr vert="horz" lIns="91440" tIns="45720" rIns="91440" bIns="45720" rtlCol="0"/>
+          <a:lstStyle>
+            <a:lvl1pPr algn="r">
+              <a:defRPr sz="1200"/>
+            </a:lvl1pPr>
+          </a:lstStyle>
+          <a:p>
+            <a:fld id="{E56CA682-DFF3-074E-916C-DFD3A875D394}" type="datetimeFigureOut">
+              <a:rPr lang="de-DE" smtClean="0"/>
+              <a:t>13.01.2025</a:t>
+            </a:fld>
+            <a:endParaRPr lang="de-DE"/>
+          </a:p>
+        </p:txBody>
+      </p:sp>
+      <p:sp>
+        <p:nvSpPr>
+          <p:cNvPr id="4" name="Folienbildplatzhalter 3"/>
+          <p:cNvSpPr>
+            <a:spLocks noGrp="1" noRot="1" noChangeAspect="1"/>
+          </p:cNvSpPr>
+          <p:nvPr>
+            <p:ph type="sldImg" idx="2"/>
+          </p:nvPr>
+        </p:nvSpPr>
+        <p:spPr>
+          <a:xfrm>
+            <a:off x="685800" y="1143000"/>
+            <a:ext cx="5486400" cy="3086100"/>
+          </a:xfrm>
+          <a:prstGeom prst="rect">
+            <a:avLst/>
+          </a:prstGeom>
+          <a:noFill/>
+          <a:ln w="12700">
+            <a:solidFill>
+              <a:prstClr val="black"/>
+            </a:solidFill>
+          </a:ln>
+        </p:spPr>
+        <p:txBody>
+          <a:bodyPr vert="horz" lIns="91440" tIns="45720" rIns="91440" bIns="45720" rtlCol="0" anchor="ctr"/>
+          <a:lstStyle/>
+          <a:p>
+            <a:endParaRPr lang="de-DE"/>
+          </a:p>
+        </p:txBody>
+      </p:sp>
+      <p:sp>
+        <p:nvSpPr>
+          <p:cNvPr id="5" name="Notizenplatzhalter 4"/>
+          <p:cNvSpPr>
+            <a:spLocks noGrp="1"/>
+          </p:cNvSpPr>
+          <p:nvPr>
+            <p:ph type="body" sz="quarter" idx="3"/>
+          </p:nvPr>
+        </p:nvSpPr>
+        <p:spPr>
+          <a:xfrm>
+            <a:off x="685800" y="4400550"/>
+            <a:ext cx="5486400" cy="3600450"/>
+          </a:xfrm>
+          <a:prstGeom prst="rect">
+            <a:avLst/>
+          </a:prstGeom>
+        </p:spPr>
+        <p:txBody>
+          <a:bodyPr vert="horz" lIns="91440" tIns="45720" rIns="91440" bIns="45720" rtlCol="0"/>
+          <a:lstStyle/>
+          <a:p>
+            <a:pPr lvl="0"/>
+            <a:r>
+              <a:rPr lang="de-DE"/>
+              <a:t>Mastertextformat bearbeiten</a:t>
+            </a:r>
+          </a:p>
+          <a:p>
+            <a:pPr lvl="1"/>
+            <a:r>
+              <a:rPr lang="de-DE"/>
+              <a:t>Zweite Ebene</a:t>
+            </a:r>
+          </a:p>
+          <a:p>
+            <a:pPr lvl="2"/>
+            <a:r>
+              <a:rPr lang="de-DE"/>
+              <a:t>Dritte Ebene</a:t>
+            </a:r>
+          </a:p>
+          <a:p>
+            <a:pPr lvl="3"/>
+            <a:r>
+              <a:rPr lang="de-DE"/>
+              <a:t>Vierte Ebene</a:t>
+            </a:r>
+          </a:p>
+          <a:p>
+            <a:pPr lvl="4"/>
+            <a:r>
+              <a:rPr lang="de-DE"/>
+              <a:t>Fünfte Ebene</a:t>
+            </a:r>
+          </a:p>
+        </p:txBody>
+      </p:sp>
+      <p:sp>
+        <p:nvSpPr>
+          <p:cNvPr id="6" name="Fußzeilenplatzhalter 5"/>
+          <p:cNvSpPr>
+            <a:spLocks noGrp="1"/>
+          </p:cNvSpPr>
+          <p:nvPr>
+            <p:ph type="ftr" sz="quarter" idx="4"/>
+          </p:nvPr>
+        </p:nvSpPr>
+        <p:spPr>
+          <a:xfrm>
+            <a:off x="0" y="8685213"/>
+            <a:ext cx="2971800" cy="458787"/>
+          </a:xfrm>
+          <a:prstGeom prst="rect">
+            <a:avLst/>
+          </a:prstGeom>
+        </p:spPr>
+        <p:txBody>
+          <a:bodyPr vert="horz" lIns="91440" tIns="45720" rIns="91440" bIns="45720" rtlCol="0" anchor="b"/>
+          <a:lstStyle>
+            <a:lvl1pPr algn="l">
+              <a:defRPr sz="1200"/>
+            </a:lvl1pPr>
+          </a:lstStyle>
+          <a:p>
+            <a:endParaRPr lang="de-DE"/>
+          </a:p>
+        </p:txBody>
+      </p:sp>
+      <p:sp>
+        <p:nvSpPr>
+          <p:cNvPr id="7" name="Foliennummernplatzhalter 6"/>
+          <p:cNvSpPr>
+            <a:spLocks noGrp="1"/>
+          </p:cNvSpPr>
+          <p:nvPr>
+            <p:ph type="sldNum" sz="quarter" idx="5"/>
+          </p:nvPr>
+        </p:nvSpPr>
+        <p:spPr>
+          <a:xfrm>
+            <a:off x="3884613" y="8685213"/>
+            <a:ext cx="2971800" cy="458787"/>
+          </a:xfrm>
+          <a:prstGeom prst="rect">
+            <a:avLst/>
+          </a:prstGeom>
+        </p:spPr>
+        <p:txBody>
+          <a:bodyPr vert="horz" lIns="91440" tIns="45720" rIns="91440" bIns="45720" rtlCol="0" anchor="b"/>
+          <a:lstStyle>
+            <a:lvl1pPr algn="r">
+              <a:defRPr sz="1200"/>
+            </a:lvl1pPr>
+          </a:lstStyle>
+          <a:p>
+            <a:fld id="{CB03B319-2333-4D45-864B-F98CFC227FC5}" type="slidenum">
+              <a:rPr lang="de-DE" smtClean="0"/>
+              <a:t>‹#›</a:t>
+            </a:fld>
+            <a:endParaRPr lang="de-DE"/>
+          </a:p>
+        </p:txBody>
+      </p:sp>
+    </p:spTree>
+    <p:extLst>
+      <p:ext uri="{BB962C8B-B14F-4D97-AF65-F5344CB8AC3E}">
+        <p14:creationId xmlns:p14="http://schemas.microsoft.com/office/powerpoint/2010/main" val="521227383"/>
+      </p:ext>
+    </p:extLst>
+  </p:cSld>
+  <p:clrMap bg1="lt1" tx1="dk1" bg2="lt2" tx2="dk2" accent1="accent1" accent2="accent2" accent3="accent3" accent4="accent4" accent5="accent5" accent6="accent6" hlink="hlink" folHlink="folHlink"/>
+  <p:notesStyle>
+    <a:lvl1pPr marL="0" algn="l" defTabSz="914400" rtl="0" eaLnBrk="1" latinLnBrk="0" hangingPunct="1">
+      <a:defRPr sz="1200" kern="1200">
+        <a:solidFill>
+          <a:schemeClr val="tx1"/>
+        </a:solidFill>
+        <a:latin typeface="+mn-lt"/>
+        <a:ea typeface="+mn-ea"/>
+        <a:cs typeface="+mn-cs"/>
+      </a:defRPr>
+    </a:lvl1pPr>
+    <a:lvl2pPr marL="457200" algn="l" defTabSz="914400" rtl="0" eaLnBrk="1" latinLnBrk="0" hangingPunct="1">
+      <a:defRPr sz="1200" kern="1200">
+        <a:solidFill>
+          <a:schemeClr val="tx1"/>
+        </a:solidFill>
+        <a:latin typeface="+mn-lt"/>
+        <a:ea typeface="+mn-ea"/>
+        <a:cs typeface="+mn-cs"/>
+      </a:defRPr>
+    </a:lvl2pPr>
+    <a:lvl3pPr marL="914400" algn="l" defTabSz="914400" rtl="0" eaLnBrk="1" latinLnBrk="0" hangingPunct="1">
+      <a:defRPr sz="1200" kern="1200">
+        <a:solidFill>
+          <a:schemeClr val="tx1"/>
+        </a:solidFill>
+        <a:latin typeface="+mn-lt"/>
+        <a:ea typeface="+mn-ea"/>
+        <a:cs typeface="+mn-cs"/>
+      </a:defRPr>
+    </a:lvl3pPr>
+    <a:lvl4pPr marL="1371600" algn="l" defTabSz="914400" rtl="0" eaLnBrk="1" latinLnBrk="0" hangingPunct="1">
+      <a:defRPr sz="1200" kern="1200">
+        <a:solidFill>
+          <a:schemeClr val="tx1"/>
+        </a:solidFill>
+        <a:latin typeface="+mn-lt"/>
+        <a:ea typeface="+mn-ea"/>
+        <a:cs typeface="+mn-cs"/>
+      </a:defRPr>
+    </a:lvl4pPr>
+    <a:lvl5pPr marL="1828800" algn="l" defTabSz="914400" rtl="0" eaLnBrk="1" latinLnBrk="0" hangingPunct="1">
+      <a:defRPr sz="1200" kern="1200">
+        <a:solidFill>
+          <a:schemeClr val="tx1"/>
+        </a:solidFill>
+        <a:latin typeface="+mn-lt"/>
+        <a:ea typeface="+mn-ea"/>
+        <a:cs typeface="+mn-cs"/>
+      </a:defRPr>
+    </a:lvl5pPr>
+    <a:lvl6pPr marL="2286000" algn="l" defTabSz="914400" rtl="0" eaLnBrk="1" latinLnBrk="0" hangingPunct="1">
+      <a:defRPr sz="1200" kern="1200">
+        <a:solidFill>
+          <a:schemeClr val="tx1"/>
+        </a:solidFill>
+        <a:latin typeface="+mn-lt"/>
+        <a:ea typeface="+mn-ea"/>
+        <a:cs typeface="+mn-cs"/>
+      </a:defRPr>
+    </a:lvl6pPr>
+    <a:lvl7pPr marL="2743200" algn="l" defTabSz="914400" rtl="0" eaLnBrk="1" latinLnBrk="0" hangingPunct="1">
+      <a:defRPr sz="1200" kern="1200">
+        <a:solidFill>
+          <a:schemeClr val="tx1"/>
+        </a:solidFill>
+        <a:latin typeface="+mn-lt"/>
+        <a:ea typeface="+mn-ea"/>
+        <a:cs typeface="+mn-cs"/>
+      </a:defRPr>
+    </a:lvl7pPr>
+    <a:lvl8pPr marL="3200400" algn="l" defTabSz="914400" rtl="0" eaLnBrk="1" latinLnBrk="0" hangingPunct="1">
+      <a:defRPr sz="1200" kern="1200">
+        <a:solidFill>
+          <a:schemeClr val="tx1"/>
+        </a:solidFill>
+        <a:latin typeface="+mn-lt"/>
+        <a:ea typeface="+mn-ea"/>
+        <a:cs typeface="+mn-cs"/>
+      </a:defRPr>
+    </a:lvl8pPr>
+    <a:lvl9pPr marL="3657600" algn="l" defTabSz="914400" rtl="0" eaLnBrk="1" latinLnBrk="0" hangingPunct="1">
+      <a:defRPr sz="1200" kern="1200">
+        <a:solidFill>
+          <a:schemeClr val="tx1"/>
+        </a:solidFill>
+        <a:latin typeface="+mn-lt"/>
+        <a:ea typeface="+mn-ea"/>
+        <a:cs typeface="+mn-cs"/>
+      </a:defRPr>
+    </a:lvl9pPr>
+  </p:notesStyle>
+</p:notesMaster>
+</file>
+
+<file path=ppt/notesSlides/notesSlide1.xml><?xml version="1.0" encoding="utf-8"?>
+<p:notes xmlns:a="http://schemas.openxmlformats.org/drawingml/2006/main" xmlns:r="http://schemas.openxmlformats.org/officeDocument/2006/relationships" xmlns:p="http://schemas.openxmlformats.org/presentationml/2006/main">
+  <p:cSld>
+    <p:spTree>
+      <p:nvGrpSpPr>
+        <p:cNvPr id="1" name=""/>
+        <p:cNvGrpSpPr/>
+        <p:nvPr/>
+      </p:nvGrpSpPr>
+      <p:grpSpPr>
+        <a:xfrm>
+          <a:off x="0" y="0"/>
+          <a:ext cx="0" cy="0"/>
+          <a:chOff x="0" y="0"/>
+          <a:chExt cx="0" cy="0"/>
+        </a:xfrm>
+      </p:grpSpPr>
+      <p:sp>
+        <p:nvSpPr>
+          <p:cNvPr id="2" name="Folienbildplatzhalter 1"/>
+          <p:cNvSpPr>
+            <a:spLocks noGrp="1" noRot="1" noChangeAspect="1"/>
+          </p:cNvSpPr>
+          <p:nvPr>
+            <p:ph type="sldImg"/>
+          </p:nvPr>
+        </p:nvSpPr>
+        <p:spPr/>
+      </p:sp>
+      <p:sp>
+        <p:nvSpPr>
+          <p:cNvPr id="3" name="Notizenplatzhalter 2"/>
+          <p:cNvSpPr>
+            <a:spLocks noGrp="1"/>
+          </p:cNvSpPr>
+          <p:nvPr>
+            <p:ph type="body" idx="1"/>
+          </p:nvPr>
+        </p:nvSpPr>
+        <p:spPr/>
+        <p:txBody>
+          <a:bodyPr/>
+          <a:lstStyle/>
+          <a:p>
+            <a:r>
+              <a:rPr lang="de-DE" dirty="0" err="1"/>
+              <a:t>Seiar</a:t>
+            </a:r>
+            <a:endParaRPr lang="de-DE" dirty="0"/>
+          </a:p>
+        </p:txBody>
+      </p:sp>
+      <p:sp>
+        <p:nvSpPr>
+          <p:cNvPr id="4" name="Foliennummernplatzhalter 3"/>
+          <p:cNvSpPr>
+            <a:spLocks noGrp="1"/>
+          </p:cNvSpPr>
+          <p:nvPr>
+            <p:ph type="sldNum" sz="quarter" idx="5"/>
+          </p:nvPr>
+        </p:nvSpPr>
+        <p:spPr/>
+        <p:txBody>
+          <a:bodyPr/>
+          <a:lstStyle/>
+          <a:p>
+            <a:fld id="{CB03B319-2333-4D45-864B-F98CFC227FC5}" type="slidenum">
+              <a:rPr lang="de-DE" smtClean="0"/>
+              <a:t>1</a:t>
+            </a:fld>
+            <a:endParaRPr lang="de-DE"/>
+          </a:p>
+        </p:txBody>
+      </p:sp>
+    </p:spTree>
+    <p:extLst>
+      <p:ext uri="{BB962C8B-B14F-4D97-AF65-F5344CB8AC3E}">
+        <p14:creationId xmlns:p14="http://schemas.microsoft.com/office/powerpoint/2010/main" val="2247291088"/>
+      </p:ext>
+    </p:extLst>
+  </p:cSld>
+  <p:clrMapOvr>
+    <a:masterClrMapping/>
+  </p:clrMapOvr>
+</p:notes>
+</file>
+
+<file path=ppt/notesSlides/notesSlide10.xml><?xml version="1.0" encoding="utf-8"?>
+<p:notes xmlns:a="http://schemas.openxmlformats.org/drawingml/2006/main" xmlns:r="http://schemas.openxmlformats.org/officeDocument/2006/relationships" xmlns:p="http://schemas.openxmlformats.org/presentationml/2006/main">
+  <p:cSld>
+    <p:spTree>
+      <p:nvGrpSpPr>
+        <p:cNvPr id="1" name=""/>
+        <p:cNvGrpSpPr/>
+        <p:nvPr/>
+      </p:nvGrpSpPr>
+      <p:grpSpPr>
+        <a:xfrm>
+          <a:off x="0" y="0"/>
+          <a:ext cx="0" cy="0"/>
+          <a:chOff x="0" y="0"/>
+          <a:chExt cx="0" cy="0"/>
+        </a:xfrm>
+      </p:grpSpPr>
+      <p:sp>
+        <p:nvSpPr>
+          <p:cNvPr id="2" name="Folienbildplatzhalter 1"/>
+          <p:cNvSpPr>
+            <a:spLocks noGrp="1" noRot="1" noChangeAspect="1"/>
+          </p:cNvSpPr>
+          <p:nvPr>
+            <p:ph type="sldImg"/>
+          </p:nvPr>
+        </p:nvSpPr>
+        <p:spPr/>
+      </p:sp>
+      <p:sp>
+        <p:nvSpPr>
+          <p:cNvPr id="3" name="Notizenplatzhalter 2"/>
+          <p:cNvSpPr>
+            <a:spLocks noGrp="1"/>
+          </p:cNvSpPr>
+          <p:nvPr>
+            <p:ph type="body" idx="1"/>
+          </p:nvPr>
+        </p:nvSpPr>
+        <p:spPr/>
+        <p:txBody>
+          <a:bodyPr/>
+          <a:lstStyle/>
+          <a:p>
+            <a:r>
+              <a:rPr lang="de-DE" dirty="0"/>
+              <a:t>Georg</a:t>
+            </a:r>
+          </a:p>
+        </p:txBody>
+      </p:sp>
+      <p:sp>
+        <p:nvSpPr>
+          <p:cNvPr id="4" name="Foliennummernplatzhalter 3"/>
+          <p:cNvSpPr>
+            <a:spLocks noGrp="1"/>
+          </p:cNvSpPr>
+          <p:nvPr>
+            <p:ph type="sldNum" sz="quarter" idx="5"/>
+          </p:nvPr>
+        </p:nvSpPr>
+        <p:spPr/>
+        <p:txBody>
+          <a:bodyPr/>
+          <a:lstStyle/>
+          <a:p>
+            <a:fld id="{CB03B319-2333-4D45-864B-F98CFC227FC5}" type="slidenum">
+              <a:rPr lang="de-DE" smtClean="0"/>
+              <a:t>10</a:t>
+            </a:fld>
+            <a:endParaRPr lang="de-DE"/>
+          </a:p>
+        </p:txBody>
+      </p:sp>
+    </p:spTree>
+    <p:extLst>
+      <p:ext uri="{BB962C8B-B14F-4D97-AF65-F5344CB8AC3E}">
+        <p14:creationId xmlns:p14="http://schemas.microsoft.com/office/powerpoint/2010/main" val="1616914413"/>
+      </p:ext>
+    </p:extLst>
+  </p:cSld>
+  <p:clrMapOvr>
+    <a:masterClrMapping/>
+  </p:clrMapOvr>
+</p:notes>
+</file>
+
+<file path=ppt/notesSlides/notesSlide11.xml><?xml version="1.0" encoding="utf-8"?>
+<p:notes xmlns:a="http://schemas.openxmlformats.org/drawingml/2006/main" xmlns:r="http://schemas.openxmlformats.org/officeDocument/2006/relationships" xmlns:p="http://schemas.openxmlformats.org/presentationml/2006/main">
+  <p:cSld>
+    <p:spTree>
+      <p:nvGrpSpPr>
+        <p:cNvPr id="1" name=""/>
+        <p:cNvGrpSpPr/>
+        <p:nvPr/>
+      </p:nvGrpSpPr>
+      <p:grpSpPr>
+        <a:xfrm>
+          <a:off x="0" y="0"/>
+          <a:ext cx="0" cy="0"/>
+          <a:chOff x="0" y="0"/>
+          <a:chExt cx="0" cy="0"/>
+        </a:xfrm>
+      </p:grpSpPr>
+      <p:sp>
+        <p:nvSpPr>
+          <p:cNvPr id="2" name="Folienbildplatzhalter 1"/>
+          <p:cNvSpPr>
+            <a:spLocks noGrp="1" noRot="1" noChangeAspect="1"/>
+          </p:cNvSpPr>
+          <p:nvPr>
+            <p:ph type="sldImg"/>
+          </p:nvPr>
+        </p:nvSpPr>
+        <p:spPr/>
+      </p:sp>
+      <p:sp>
+        <p:nvSpPr>
+          <p:cNvPr id="3" name="Notizenplatzhalter 2"/>
+          <p:cNvSpPr>
+            <a:spLocks noGrp="1"/>
+          </p:cNvSpPr>
+          <p:nvPr>
+            <p:ph type="body" idx="1"/>
+          </p:nvPr>
+        </p:nvSpPr>
+        <p:spPr/>
+        <p:txBody>
+          <a:bodyPr/>
+          <a:lstStyle/>
+          <a:p>
+            <a:r>
+              <a:rPr lang="de-DE" dirty="0"/>
+              <a:t>Andre</a:t>
+            </a:r>
+          </a:p>
+        </p:txBody>
+      </p:sp>
+      <p:sp>
+        <p:nvSpPr>
+          <p:cNvPr id="4" name="Foliennummernplatzhalter 3"/>
+          <p:cNvSpPr>
+            <a:spLocks noGrp="1"/>
+          </p:cNvSpPr>
+          <p:nvPr>
+            <p:ph type="sldNum" sz="quarter" idx="5"/>
+          </p:nvPr>
+        </p:nvSpPr>
+        <p:spPr/>
+        <p:txBody>
+          <a:bodyPr/>
+          <a:lstStyle/>
+          <a:p>
+            <a:fld id="{CB03B319-2333-4D45-864B-F98CFC227FC5}" type="slidenum">
+              <a:rPr lang="de-DE" smtClean="0"/>
+              <a:t>11</a:t>
+            </a:fld>
+            <a:endParaRPr lang="de-DE"/>
+          </a:p>
+        </p:txBody>
+      </p:sp>
+    </p:spTree>
+    <p:extLst>
+      <p:ext uri="{BB962C8B-B14F-4D97-AF65-F5344CB8AC3E}">
+        <p14:creationId xmlns:p14="http://schemas.microsoft.com/office/powerpoint/2010/main" val="2686816854"/>
+      </p:ext>
+    </p:extLst>
+  </p:cSld>
+  <p:clrMapOvr>
+    <a:masterClrMapping/>
+  </p:clrMapOvr>
+</p:notes>
+</file>
+
+<file path=ppt/notesSlides/notesSlide12.xml><?xml version="1.0" encoding="utf-8"?>
+<p:notes xmlns:a="http://schemas.openxmlformats.org/drawingml/2006/main" xmlns:r="http://schemas.openxmlformats.org/officeDocument/2006/relationships" xmlns:p="http://schemas.openxmlformats.org/presentationml/2006/main">
+  <p:cSld>
+    <p:spTree>
+      <p:nvGrpSpPr>
+        <p:cNvPr id="1" name=""/>
+        <p:cNvGrpSpPr/>
+        <p:nvPr/>
+      </p:nvGrpSpPr>
+      <p:grpSpPr>
+        <a:xfrm>
+          <a:off x="0" y="0"/>
+          <a:ext cx="0" cy="0"/>
+          <a:chOff x="0" y="0"/>
+          <a:chExt cx="0" cy="0"/>
+        </a:xfrm>
+      </p:grpSpPr>
+      <p:sp>
+        <p:nvSpPr>
+          <p:cNvPr id="2" name="Folienbildplatzhalter 1"/>
+          <p:cNvSpPr>
+            <a:spLocks noGrp="1" noRot="1" noChangeAspect="1"/>
+          </p:cNvSpPr>
+          <p:nvPr>
+            <p:ph type="sldImg"/>
+          </p:nvPr>
+        </p:nvSpPr>
+        <p:spPr/>
+      </p:sp>
+      <p:sp>
+        <p:nvSpPr>
+          <p:cNvPr id="3" name="Notizenplatzhalter 2"/>
+          <p:cNvSpPr>
+            <a:spLocks noGrp="1"/>
+          </p:cNvSpPr>
+          <p:nvPr>
+            <p:ph type="body" idx="1"/>
+          </p:nvPr>
+        </p:nvSpPr>
+        <p:spPr/>
+        <p:txBody>
+          <a:bodyPr/>
+          <a:lstStyle/>
+          <a:p>
+            <a:r>
+              <a:rPr lang="de-DE" dirty="0"/>
+              <a:t>Andre</a:t>
+            </a:r>
+          </a:p>
+        </p:txBody>
+      </p:sp>
+      <p:sp>
+        <p:nvSpPr>
+          <p:cNvPr id="4" name="Foliennummernplatzhalter 3"/>
+          <p:cNvSpPr>
+            <a:spLocks noGrp="1"/>
+          </p:cNvSpPr>
+          <p:nvPr>
+            <p:ph type="sldNum" sz="quarter" idx="5"/>
+          </p:nvPr>
+        </p:nvSpPr>
+        <p:spPr/>
+        <p:txBody>
+          <a:bodyPr/>
+          <a:lstStyle/>
+          <a:p>
+            <a:fld id="{CB03B319-2333-4D45-864B-F98CFC227FC5}" type="slidenum">
+              <a:rPr lang="de-DE" smtClean="0"/>
+              <a:t>12</a:t>
+            </a:fld>
+            <a:endParaRPr lang="de-DE"/>
+          </a:p>
+        </p:txBody>
+      </p:sp>
+    </p:spTree>
+    <p:extLst>
+      <p:ext uri="{BB962C8B-B14F-4D97-AF65-F5344CB8AC3E}">
+        <p14:creationId xmlns:p14="http://schemas.microsoft.com/office/powerpoint/2010/main" val="3607414035"/>
+      </p:ext>
+    </p:extLst>
+  </p:cSld>
+  <p:clrMapOvr>
+    <a:masterClrMapping/>
+  </p:clrMapOvr>
+</p:notes>
+</file>
+
+<file path=ppt/notesSlides/notesSlide13.xml><?xml version="1.0" encoding="utf-8"?>
+<p:notes xmlns:a="http://schemas.openxmlformats.org/drawingml/2006/main" xmlns:r="http://schemas.openxmlformats.org/officeDocument/2006/relationships" xmlns:p="http://schemas.openxmlformats.org/presentationml/2006/main">
+  <p:cSld>
+    <p:spTree>
+      <p:nvGrpSpPr>
+        <p:cNvPr id="1" name=""/>
+        <p:cNvGrpSpPr/>
+        <p:nvPr/>
+      </p:nvGrpSpPr>
+      <p:grpSpPr>
+        <a:xfrm>
+          <a:off x="0" y="0"/>
+          <a:ext cx="0" cy="0"/>
+          <a:chOff x="0" y="0"/>
+          <a:chExt cx="0" cy="0"/>
+        </a:xfrm>
+      </p:grpSpPr>
+      <p:sp>
+        <p:nvSpPr>
+          <p:cNvPr id="2" name="Folienbildplatzhalter 1"/>
+          <p:cNvSpPr>
+            <a:spLocks noGrp="1" noRot="1" noChangeAspect="1"/>
+          </p:cNvSpPr>
+          <p:nvPr>
+            <p:ph type="sldImg"/>
+          </p:nvPr>
+        </p:nvSpPr>
+        <p:spPr/>
+      </p:sp>
+      <p:sp>
+        <p:nvSpPr>
+          <p:cNvPr id="3" name="Notizenplatzhalter 2"/>
+          <p:cNvSpPr>
+            <a:spLocks noGrp="1"/>
+          </p:cNvSpPr>
+          <p:nvPr>
+            <p:ph type="body" idx="1"/>
+          </p:nvPr>
+        </p:nvSpPr>
+        <p:spPr/>
+        <p:txBody>
+          <a:bodyPr/>
+          <a:lstStyle/>
+          <a:p>
+            <a:r>
+              <a:rPr lang="de-DE" dirty="0"/>
+              <a:t>Andre</a:t>
+            </a:r>
+          </a:p>
+        </p:txBody>
+      </p:sp>
+      <p:sp>
+        <p:nvSpPr>
+          <p:cNvPr id="4" name="Foliennummernplatzhalter 3"/>
+          <p:cNvSpPr>
+            <a:spLocks noGrp="1"/>
+          </p:cNvSpPr>
+          <p:nvPr>
+            <p:ph type="sldNum" sz="quarter" idx="5"/>
+          </p:nvPr>
+        </p:nvSpPr>
+        <p:spPr/>
+        <p:txBody>
+          <a:bodyPr/>
+          <a:lstStyle/>
+          <a:p>
+            <a:fld id="{CB03B319-2333-4D45-864B-F98CFC227FC5}" type="slidenum">
+              <a:rPr lang="de-DE" smtClean="0"/>
+              <a:t>13</a:t>
+            </a:fld>
+            <a:endParaRPr lang="de-DE"/>
+          </a:p>
+        </p:txBody>
+      </p:sp>
+    </p:spTree>
+    <p:extLst>
+      <p:ext uri="{BB962C8B-B14F-4D97-AF65-F5344CB8AC3E}">
+        <p14:creationId xmlns:p14="http://schemas.microsoft.com/office/powerpoint/2010/main" val="2599768805"/>
+      </p:ext>
+    </p:extLst>
+  </p:cSld>
+  <p:clrMapOvr>
+    <a:masterClrMapping/>
+  </p:clrMapOvr>
+</p:notes>
+</file>
+
+<file path=ppt/notesSlides/notesSlide14.xml><?xml version="1.0" encoding="utf-8"?>
+<p:notes xmlns:a="http://schemas.openxmlformats.org/drawingml/2006/main" xmlns:r="http://schemas.openxmlformats.org/officeDocument/2006/relationships" xmlns:p="http://schemas.openxmlformats.org/presentationml/2006/main">
+  <p:cSld>
+    <p:spTree>
+      <p:nvGrpSpPr>
+        <p:cNvPr id="1" name=""/>
+        <p:cNvGrpSpPr/>
+        <p:nvPr/>
+      </p:nvGrpSpPr>
+      <p:grpSpPr>
+        <a:xfrm>
+          <a:off x="0" y="0"/>
+          <a:ext cx="0" cy="0"/>
+          <a:chOff x="0" y="0"/>
+          <a:chExt cx="0" cy="0"/>
+        </a:xfrm>
+      </p:grpSpPr>
+      <p:sp>
+        <p:nvSpPr>
+          <p:cNvPr id="2" name="Folienbildplatzhalter 1"/>
+          <p:cNvSpPr>
+            <a:spLocks noGrp="1" noRot="1" noChangeAspect="1"/>
+          </p:cNvSpPr>
+          <p:nvPr>
+            <p:ph type="sldImg"/>
+          </p:nvPr>
+        </p:nvSpPr>
+        <p:spPr/>
+      </p:sp>
+      <p:sp>
+        <p:nvSpPr>
+          <p:cNvPr id="3" name="Notizenplatzhalter 2"/>
+          <p:cNvSpPr>
+            <a:spLocks noGrp="1"/>
+          </p:cNvSpPr>
+          <p:nvPr>
+            <p:ph type="body" idx="1"/>
+          </p:nvPr>
+        </p:nvSpPr>
+        <p:spPr/>
+        <p:txBody>
+          <a:bodyPr/>
+          <a:lstStyle/>
+          <a:p>
+            <a:r>
+              <a:rPr lang="de-DE" dirty="0"/>
+              <a:t>Georg</a:t>
+            </a:r>
+          </a:p>
+        </p:txBody>
+      </p:sp>
+      <p:sp>
+        <p:nvSpPr>
+          <p:cNvPr id="4" name="Foliennummernplatzhalter 3"/>
+          <p:cNvSpPr>
+            <a:spLocks noGrp="1"/>
+          </p:cNvSpPr>
+          <p:nvPr>
+            <p:ph type="sldNum" sz="quarter" idx="5"/>
+          </p:nvPr>
+        </p:nvSpPr>
+        <p:spPr/>
+        <p:txBody>
+          <a:bodyPr/>
+          <a:lstStyle/>
+          <a:p>
+            <a:fld id="{CB03B319-2333-4D45-864B-F98CFC227FC5}" type="slidenum">
+              <a:rPr lang="de-DE" smtClean="0"/>
+              <a:t>14</a:t>
+            </a:fld>
+            <a:endParaRPr lang="de-DE"/>
+          </a:p>
+        </p:txBody>
+      </p:sp>
+    </p:spTree>
+    <p:extLst>
+      <p:ext uri="{BB962C8B-B14F-4D97-AF65-F5344CB8AC3E}">
+        <p14:creationId xmlns:p14="http://schemas.microsoft.com/office/powerpoint/2010/main" val="2337340935"/>
+      </p:ext>
+    </p:extLst>
+  </p:cSld>
+  <p:clrMapOvr>
+    <a:masterClrMapping/>
+  </p:clrMapOvr>
+</p:notes>
+</file>
+
+<file path=ppt/notesSlides/notesSlide15.xml><?xml version="1.0" encoding="utf-8"?>
+<p:notes xmlns:a="http://schemas.openxmlformats.org/drawingml/2006/main" xmlns:r="http://schemas.openxmlformats.org/officeDocument/2006/relationships" xmlns:p="http://schemas.openxmlformats.org/presentationml/2006/main">
+  <p:cSld>
+    <p:spTree>
+      <p:nvGrpSpPr>
+        <p:cNvPr id="1" name=""/>
+        <p:cNvGrpSpPr/>
+        <p:nvPr/>
+      </p:nvGrpSpPr>
+      <p:grpSpPr>
+        <a:xfrm>
+          <a:off x="0" y="0"/>
+          <a:ext cx="0" cy="0"/>
+          <a:chOff x="0" y="0"/>
+          <a:chExt cx="0" cy="0"/>
+        </a:xfrm>
+      </p:grpSpPr>
+      <p:sp>
+        <p:nvSpPr>
+          <p:cNvPr id="2" name="Folienbildplatzhalter 1"/>
+          <p:cNvSpPr>
+            <a:spLocks noGrp="1" noRot="1" noChangeAspect="1"/>
+          </p:cNvSpPr>
+          <p:nvPr>
+            <p:ph type="sldImg"/>
+          </p:nvPr>
+        </p:nvSpPr>
+        <p:spPr/>
+      </p:sp>
+      <p:sp>
+        <p:nvSpPr>
+          <p:cNvPr id="3" name="Notizenplatzhalter 2"/>
+          <p:cNvSpPr>
+            <a:spLocks noGrp="1"/>
+          </p:cNvSpPr>
+          <p:nvPr>
+            <p:ph type="body" idx="1"/>
+          </p:nvPr>
+        </p:nvSpPr>
+        <p:spPr/>
+        <p:txBody>
+          <a:bodyPr/>
+          <a:lstStyle/>
+          <a:p>
+            <a:r>
+              <a:rPr lang="de-DE" dirty="0"/>
+              <a:t>Georg</a:t>
+            </a:r>
+          </a:p>
+        </p:txBody>
+      </p:sp>
+      <p:sp>
+        <p:nvSpPr>
+          <p:cNvPr id="4" name="Foliennummernplatzhalter 3"/>
+          <p:cNvSpPr>
+            <a:spLocks noGrp="1"/>
+          </p:cNvSpPr>
+          <p:nvPr>
+            <p:ph type="sldNum" sz="quarter" idx="5"/>
+          </p:nvPr>
+        </p:nvSpPr>
+        <p:spPr/>
+        <p:txBody>
+          <a:bodyPr/>
+          <a:lstStyle/>
+          <a:p>
+            <a:fld id="{CB03B319-2333-4D45-864B-F98CFC227FC5}" type="slidenum">
+              <a:rPr lang="de-DE" smtClean="0"/>
+              <a:t>15</a:t>
+            </a:fld>
+            <a:endParaRPr lang="de-DE"/>
+          </a:p>
+        </p:txBody>
+      </p:sp>
+    </p:spTree>
+    <p:extLst>
+      <p:ext uri="{BB962C8B-B14F-4D97-AF65-F5344CB8AC3E}">
+        <p14:creationId xmlns:p14="http://schemas.microsoft.com/office/powerpoint/2010/main" val="3691976279"/>
+      </p:ext>
+    </p:extLst>
+  </p:cSld>
+  <p:clrMapOvr>
+    <a:masterClrMapping/>
+  </p:clrMapOvr>
+</p:notes>
+</file>
+
+<file path=ppt/notesSlides/notesSlide16.xml><?xml version="1.0" encoding="utf-8"?>
+<p:notes xmlns:a="http://schemas.openxmlformats.org/drawingml/2006/main" xmlns:r="http://schemas.openxmlformats.org/officeDocument/2006/relationships" xmlns:p="http://schemas.openxmlformats.org/presentationml/2006/main">
+  <p:cSld>
+    <p:spTree>
+      <p:nvGrpSpPr>
+        <p:cNvPr id="1" name=""/>
+        <p:cNvGrpSpPr/>
+        <p:nvPr/>
+      </p:nvGrpSpPr>
+      <p:grpSpPr>
+        <a:xfrm>
+          <a:off x="0" y="0"/>
+          <a:ext cx="0" cy="0"/>
+          <a:chOff x="0" y="0"/>
+          <a:chExt cx="0" cy="0"/>
+        </a:xfrm>
+      </p:grpSpPr>
+      <p:sp>
+        <p:nvSpPr>
+          <p:cNvPr id="2" name="Folienbildplatzhalter 1"/>
+          <p:cNvSpPr>
+            <a:spLocks noGrp="1" noRot="1" noChangeAspect="1"/>
+          </p:cNvSpPr>
+          <p:nvPr>
+            <p:ph type="sldImg"/>
+          </p:nvPr>
+        </p:nvSpPr>
+        <p:spPr/>
+      </p:sp>
+      <p:sp>
+        <p:nvSpPr>
+          <p:cNvPr id="3" name="Notizenplatzhalter 2"/>
+          <p:cNvSpPr>
+            <a:spLocks noGrp="1"/>
+          </p:cNvSpPr>
+          <p:nvPr>
+            <p:ph type="body" idx="1"/>
+          </p:nvPr>
+        </p:nvSpPr>
+        <p:spPr/>
+        <p:txBody>
+          <a:bodyPr/>
+          <a:lstStyle/>
+          <a:p>
+            <a:r>
+              <a:rPr lang="de-DE" dirty="0"/>
+              <a:t>Andre</a:t>
+            </a:r>
+          </a:p>
+        </p:txBody>
+      </p:sp>
+      <p:sp>
+        <p:nvSpPr>
+          <p:cNvPr id="4" name="Foliennummernplatzhalter 3"/>
+          <p:cNvSpPr>
+            <a:spLocks noGrp="1"/>
+          </p:cNvSpPr>
+          <p:nvPr>
+            <p:ph type="sldNum" sz="quarter" idx="5"/>
+          </p:nvPr>
+        </p:nvSpPr>
+        <p:spPr/>
+        <p:txBody>
+          <a:bodyPr/>
+          <a:lstStyle/>
+          <a:p>
+            <a:fld id="{CB03B319-2333-4D45-864B-F98CFC227FC5}" type="slidenum">
+              <a:rPr lang="de-DE" smtClean="0"/>
+              <a:t>16</a:t>
+            </a:fld>
+            <a:endParaRPr lang="de-DE"/>
+          </a:p>
+        </p:txBody>
+      </p:sp>
+    </p:spTree>
+    <p:extLst>
+      <p:ext uri="{BB962C8B-B14F-4D97-AF65-F5344CB8AC3E}">
+        <p14:creationId xmlns:p14="http://schemas.microsoft.com/office/powerpoint/2010/main" val="2169114321"/>
+      </p:ext>
+    </p:extLst>
+  </p:cSld>
+  <p:clrMapOvr>
+    <a:masterClrMapping/>
+  </p:clrMapOvr>
+</p:notes>
+</file>
+
+<file path=ppt/notesSlides/notesSlide17.xml><?xml version="1.0" encoding="utf-8"?>
+<p:notes xmlns:a="http://schemas.openxmlformats.org/drawingml/2006/main" xmlns:r="http://schemas.openxmlformats.org/officeDocument/2006/relationships" xmlns:p="http://schemas.openxmlformats.org/presentationml/2006/main">
+  <p:cSld>
+    <p:spTree>
+      <p:nvGrpSpPr>
+        <p:cNvPr id="1" name=""/>
+        <p:cNvGrpSpPr/>
+        <p:nvPr/>
+      </p:nvGrpSpPr>
+      <p:grpSpPr>
+        <a:xfrm>
+          <a:off x="0" y="0"/>
+          <a:ext cx="0" cy="0"/>
+          <a:chOff x="0" y="0"/>
+          <a:chExt cx="0" cy="0"/>
+        </a:xfrm>
+      </p:grpSpPr>
+      <p:sp>
+        <p:nvSpPr>
+          <p:cNvPr id="2" name="Folienbildplatzhalter 1"/>
+          <p:cNvSpPr>
+            <a:spLocks noGrp="1" noRot="1" noChangeAspect="1"/>
+          </p:cNvSpPr>
+          <p:nvPr>
+            <p:ph type="sldImg"/>
+          </p:nvPr>
+        </p:nvSpPr>
+        <p:spPr/>
+      </p:sp>
+      <p:sp>
+        <p:nvSpPr>
+          <p:cNvPr id="3" name="Notizenplatzhalter 2"/>
+          <p:cNvSpPr>
+            <a:spLocks noGrp="1"/>
+          </p:cNvSpPr>
+          <p:nvPr>
+            <p:ph type="body" idx="1"/>
+          </p:nvPr>
+        </p:nvSpPr>
+        <p:spPr/>
+        <p:txBody>
+          <a:bodyPr/>
+          <a:lstStyle/>
+          <a:p>
+            <a:r>
+              <a:rPr lang="de-DE" dirty="0"/>
+              <a:t>Andre</a:t>
+            </a:r>
+          </a:p>
+        </p:txBody>
+      </p:sp>
+      <p:sp>
+        <p:nvSpPr>
+          <p:cNvPr id="4" name="Foliennummernplatzhalter 3"/>
+          <p:cNvSpPr>
+            <a:spLocks noGrp="1"/>
+          </p:cNvSpPr>
+          <p:nvPr>
+            <p:ph type="sldNum" sz="quarter" idx="5"/>
+          </p:nvPr>
+        </p:nvSpPr>
+        <p:spPr/>
+        <p:txBody>
+          <a:bodyPr/>
+          <a:lstStyle/>
+          <a:p>
+            <a:fld id="{CB03B319-2333-4D45-864B-F98CFC227FC5}" type="slidenum">
+              <a:rPr lang="de-DE" smtClean="0"/>
+              <a:t>17</a:t>
+            </a:fld>
+            <a:endParaRPr lang="de-DE"/>
+          </a:p>
+        </p:txBody>
+      </p:sp>
+    </p:spTree>
+    <p:extLst>
+      <p:ext uri="{BB962C8B-B14F-4D97-AF65-F5344CB8AC3E}">
+        <p14:creationId xmlns:p14="http://schemas.microsoft.com/office/powerpoint/2010/main" val="3238545510"/>
+      </p:ext>
+    </p:extLst>
+  </p:cSld>
+  <p:clrMapOvr>
+    <a:masterClrMapping/>
+  </p:clrMapOvr>
+</p:notes>
+</file>
+
+<file path=ppt/notesSlides/notesSlide18.xml><?xml version="1.0" encoding="utf-8"?>
+<p:notes xmlns:a="http://schemas.openxmlformats.org/drawingml/2006/main" xmlns:r="http://schemas.openxmlformats.org/officeDocument/2006/relationships" xmlns:p="http://schemas.openxmlformats.org/presentationml/2006/main">
+  <p:cSld>
+    <p:spTree>
+      <p:nvGrpSpPr>
+        <p:cNvPr id="1" name=""/>
+        <p:cNvGrpSpPr/>
+        <p:nvPr/>
+      </p:nvGrpSpPr>
+      <p:grpSpPr>
+        <a:xfrm>
+          <a:off x="0" y="0"/>
+          <a:ext cx="0" cy="0"/>
+          <a:chOff x="0" y="0"/>
+          <a:chExt cx="0" cy="0"/>
+        </a:xfrm>
+      </p:grpSpPr>
+      <p:sp>
+        <p:nvSpPr>
+          <p:cNvPr id="2" name="Folienbildplatzhalter 1"/>
+          <p:cNvSpPr>
+            <a:spLocks noGrp="1" noRot="1" noChangeAspect="1"/>
+          </p:cNvSpPr>
+          <p:nvPr>
+            <p:ph type="sldImg"/>
+          </p:nvPr>
+        </p:nvSpPr>
+        <p:spPr/>
+      </p:sp>
+      <p:sp>
+        <p:nvSpPr>
+          <p:cNvPr id="3" name="Notizenplatzhalter 2"/>
+          <p:cNvSpPr>
+            <a:spLocks noGrp="1"/>
+          </p:cNvSpPr>
+          <p:nvPr>
+            <p:ph type="body" idx="1"/>
+          </p:nvPr>
+        </p:nvSpPr>
+        <p:spPr/>
+        <p:txBody>
+          <a:bodyPr/>
+          <a:lstStyle/>
+          <a:p>
+            <a:r>
+              <a:rPr lang="de-DE" dirty="0"/>
+              <a:t>Andre</a:t>
+            </a:r>
+          </a:p>
+        </p:txBody>
+      </p:sp>
+      <p:sp>
+        <p:nvSpPr>
+          <p:cNvPr id="4" name="Foliennummernplatzhalter 3"/>
+          <p:cNvSpPr>
+            <a:spLocks noGrp="1"/>
+          </p:cNvSpPr>
+          <p:nvPr>
+            <p:ph type="sldNum" sz="quarter" idx="5"/>
+          </p:nvPr>
+        </p:nvSpPr>
+        <p:spPr/>
+        <p:txBody>
+          <a:bodyPr/>
+          <a:lstStyle/>
+          <a:p>
+            <a:fld id="{CB03B319-2333-4D45-864B-F98CFC227FC5}" type="slidenum">
+              <a:rPr lang="de-DE" smtClean="0"/>
+              <a:t>18</a:t>
+            </a:fld>
+            <a:endParaRPr lang="de-DE"/>
+          </a:p>
+        </p:txBody>
+      </p:sp>
+    </p:spTree>
+    <p:extLst>
+      <p:ext uri="{BB962C8B-B14F-4D97-AF65-F5344CB8AC3E}">
+        <p14:creationId xmlns:p14="http://schemas.microsoft.com/office/powerpoint/2010/main" val="2636199236"/>
+      </p:ext>
+    </p:extLst>
+  </p:cSld>
+  <p:clrMapOvr>
+    <a:masterClrMapping/>
+  </p:clrMapOvr>
+</p:notes>
+</file>
+
+<file path=ppt/notesSlides/notesSlide19.xml><?xml version="1.0" encoding="utf-8"?>
+<p:notes xmlns:a="http://schemas.openxmlformats.org/drawingml/2006/main" xmlns:r="http://schemas.openxmlformats.org/officeDocument/2006/relationships" xmlns:p="http://schemas.openxmlformats.org/presentationml/2006/main">
+  <p:cSld>
+    <p:spTree>
+      <p:nvGrpSpPr>
+        <p:cNvPr id="1" name=""/>
+        <p:cNvGrpSpPr/>
+        <p:nvPr/>
+      </p:nvGrpSpPr>
+      <p:grpSpPr>
+        <a:xfrm>
+          <a:off x="0" y="0"/>
+          <a:ext cx="0" cy="0"/>
+          <a:chOff x="0" y="0"/>
+          <a:chExt cx="0" cy="0"/>
+        </a:xfrm>
+      </p:grpSpPr>
+      <p:sp>
+        <p:nvSpPr>
+          <p:cNvPr id="2" name="Folienbildplatzhalter 1"/>
+          <p:cNvSpPr>
+            <a:spLocks noGrp="1" noRot="1" noChangeAspect="1"/>
+          </p:cNvSpPr>
+          <p:nvPr>
+            <p:ph type="sldImg"/>
+          </p:nvPr>
+        </p:nvSpPr>
+        <p:spPr/>
+      </p:sp>
+      <p:sp>
+        <p:nvSpPr>
+          <p:cNvPr id="3" name="Notizenplatzhalter 2"/>
+          <p:cNvSpPr>
+            <a:spLocks noGrp="1"/>
+          </p:cNvSpPr>
+          <p:nvPr>
+            <p:ph type="body" idx="1"/>
+          </p:nvPr>
+        </p:nvSpPr>
+        <p:spPr/>
+        <p:txBody>
+          <a:bodyPr/>
+          <a:lstStyle/>
+          <a:p>
+            <a:r>
+              <a:rPr lang="de-DE" dirty="0"/>
+              <a:t>Andre</a:t>
+            </a:r>
+          </a:p>
+        </p:txBody>
+      </p:sp>
+      <p:sp>
+        <p:nvSpPr>
+          <p:cNvPr id="4" name="Foliennummernplatzhalter 3"/>
+          <p:cNvSpPr>
+            <a:spLocks noGrp="1"/>
+          </p:cNvSpPr>
+          <p:nvPr>
+            <p:ph type="sldNum" sz="quarter" idx="5"/>
+          </p:nvPr>
+        </p:nvSpPr>
+        <p:spPr/>
+        <p:txBody>
+          <a:bodyPr/>
+          <a:lstStyle/>
+          <a:p>
+            <a:fld id="{CB03B319-2333-4D45-864B-F98CFC227FC5}" type="slidenum">
+              <a:rPr lang="de-DE" smtClean="0"/>
+              <a:t>19</a:t>
+            </a:fld>
+            <a:endParaRPr lang="de-DE"/>
+          </a:p>
+        </p:txBody>
+      </p:sp>
+    </p:spTree>
+    <p:extLst>
+      <p:ext uri="{BB962C8B-B14F-4D97-AF65-F5344CB8AC3E}">
+        <p14:creationId xmlns:p14="http://schemas.microsoft.com/office/powerpoint/2010/main" val="1131605311"/>
+      </p:ext>
+    </p:extLst>
+  </p:cSld>
+  <p:clrMapOvr>
+    <a:masterClrMapping/>
+  </p:clrMapOvr>
+</p:notes>
+</file>
+
+<file path=ppt/notesSlides/notesSlide2.xml><?xml version="1.0" encoding="utf-8"?>
+<p:notes xmlns:a="http://schemas.openxmlformats.org/drawingml/2006/main" xmlns:r="http://schemas.openxmlformats.org/officeDocument/2006/relationships" xmlns:p="http://schemas.openxmlformats.org/presentationml/2006/main">
+  <p:cSld>
+    <p:spTree>
+      <p:nvGrpSpPr>
+        <p:cNvPr id="1" name=""/>
+        <p:cNvGrpSpPr/>
+        <p:nvPr/>
+      </p:nvGrpSpPr>
+      <p:grpSpPr>
+        <a:xfrm>
+          <a:off x="0" y="0"/>
+          <a:ext cx="0" cy="0"/>
+          <a:chOff x="0" y="0"/>
+          <a:chExt cx="0" cy="0"/>
+        </a:xfrm>
+      </p:grpSpPr>
+      <p:sp>
+        <p:nvSpPr>
+          <p:cNvPr id="2" name="Folienbildplatzhalter 1"/>
+          <p:cNvSpPr>
+            <a:spLocks noGrp="1" noRot="1" noChangeAspect="1"/>
+          </p:cNvSpPr>
+          <p:nvPr>
+            <p:ph type="sldImg"/>
+          </p:nvPr>
+        </p:nvSpPr>
+        <p:spPr/>
+      </p:sp>
+      <p:sp>
+        <p:nvSpPr>
+          <p:cNvPr id="3" name="Notizenplatzhalter 2"/>
+          <p:cNvSpPr>
+            <a:spLocks noGrp="1"/>
+          </p:cNvSpPr>
+          <p:nvPr>
+            <p:ph type="body" idx="1"/>
+          </p:nvPr>
+        </p:nvSpPr>
+        <p:spPr/>
+        <p:txBody>
+          <a:bodyPr/>
+          <a:lstStyle/>
+          <a:p>
+            <a:r>
+              <a:rPr lang="de-DE" dirty="0" err="1"/>
+              <a:t>Seiar</a:t>
+            </a:r>
+            <a:endParaRPr lang="de-DE" dirty="0"/>
+          </a:p>
+        </p:txBody>
+      </p:sp>
+      <p:sp>
+        <p:nvSpPr>
+          <p:cNvPr id="4" name="Foliennummernplatzhalter 3"/>
+          <p:cNvSpPr>
+            <a:spLocks noGrp="1"/>
+          </p:cNvSpPr>
+          <p:nvPr>
+            <p:ph type="sldNum" sz="quarter" idx="5"/>
+          </p:nvPr>
+        </p:nvSpPr>
+        <p:spPr/>
+        <p:txBody>
+          <a:bodyPr/>
+          <a:lstStyle/>
+          <a:p>
+            <a:fld id="{CB03B319-2333-4D45-864B-F98CFC227FC5}" type="slidenum">
+              <a:rPr lang="de-DE" smtClean="0"/>
+              <a:t>2</a:t>
+            </a:fld>
+            <a:endParaRPr lang="de-DE"/>
+          </a:p>
+        </p:txBody>
+      </p:sp>
+    </p:spTree>
+    <p:extLst>
+      <p:ext uri="{BB962C8B-B14F-4D97-AF65-F5344CB8AC3E}">
+        <p14:creationId xmlns:p14="http://schemas.microsoft.com/office/powerpoint/2010/main" val="461373076"/>
+      </p:ext>
+    </p:extLst>
+  </p:cSld>
+  <p:clrMapOvr>
+    <a:masterClrMapping/>
+  </p:clrMapOvr>
+</p:notes>
+</file>
+
+<file path=ppt/notesSlides/notesSlide20.xml><?xml version="1.0" encoding="utf-8"?>
+<p:notes xmlns:a="http://schemas.openxmlformats.org/drawingml/2006/main" xmlns:r="http://schemas.openxmlformats.org/officeDocument/2006/relationships" xmlns:p="http://schemas.openxmlformats.org/presentationml/2006/main">
+  <p:cSld>
+    <p:spTree>
+      <p:nvGrpSpPr>
+        <p:cNvPr id="1" name=""/>
+        <p:cNvGrpSpPr/>
+        <p:nvPr/>
+      </p:nvGrpSpPr>
+      <p:grpSpPr>
+        <a:xfrm>
+          <a:off x="0" y="0"/>
+          <a:ext cx="0" cy="0"/>
+          <a:chOff x="0" y="0"/>
+          <a:chExt cx="0" cy="0"/>
+        </a:xfrm>
+      </p:grpSpPr>
+      <p:sp>
+        <p:nvSpPr>
+          <p:cNvPr id="2" name="Folienbildplatzhalter 1"/>
+          <p:cNvSpPr>
+            <a:spLocks noGrp="1" noRot="1" noChangeAspect="1"/>
+          </p:cNvSpPr>
+          <p:nvPr>
+            <p:ph type="sldImg"/>
+          </p:nvPr>
+        </p:nvSpPr>
+        <p:spPr/>
+      </p:sp>
+      <p:sp>
+        <p:nvSpPr>
+          <p:cNvPr id="3" name="Notizenplatzhalter 2"/>
+          <p:cNvSpPr>
+            <a:spLocks noGrp="1"/>
+          </p:cNvSpPr>
+          <p:nvPr>
+            <p:ph type="body" idx="1"/>
+          </p:nvPr>
+        </p:nvSpPr>
+        <p:spPr/>
+        <p:txBody>
+          <a:bodyPr/>
+          <a:lstStyle/>
+          <a:p>
+            <a:r>
+              <a:rPr lang="de-DE" dirty="0"/>
+              <a:t>Georg</a:t>
+            </a:r>
+          </a:p>
+        </p:txBody>
+      </p:sp>
+      <p:sp>
+        <p:nvSpPr>
+          <p:cNvPr id="4" name="Foliennummernplatzhalter 3"/>
+          <p:cNvSpPr>
+            <a:spLocks noGrp="1"/>
+          </p:cNvSpPr>
+          <p:nvPr>
+            <p:ph type="sldNum" sz="quarter" idx="5"/>
+          </p:nvPr>
+        </p:nvSpPr>
+        <p:spPr/>
+        <p:txBody>
+          <a:bodyPr/>
+          <a:lstStyle/>
+          <a:p>
+            <a:fld id="{CB03B319-2333-4D45-864B-F98CFC227FC5}" type="slidenum">
+              <a:rPr lang="de-DE" smtClean="0"/>
+              <a:t>20</a:t>
+            </a:fld>
+            <a:endParaRPr lang="de-DE"/>
+          </a:p>
+        </p:txBody>
+      </p:sp>
+    </p:spTree>
+    <p:extLst>
+      <p:ext uri="{BB962C8B-B14F-4D97-AF65-F5344CB8AC3E}">
+        <p14:creationId xmlns:p14="http://schemas.microsoft.com/office/powerpoint/2010/main" val="556816856"/>
+      </p:ext>
+    </p:extLst>
+  </p:cSld>
+  <p:clrMapOvr>
+    <a:masterClrMapping/>
+  </p:clrMapOvr>
+</p:notes>
+</file>
+
+<file path=ppt/notesSlides/notesSlide21.xml><?xml version="1.0" encoding="utf-8"?>
+<p:notes xmlns:a="http://schemas.openxmlformats.org/drawingml/2006/main" xmlns:r="http://schemas.openxmlformats.org/officeDocument/2006/relationships" xmlns:p="http://schemas.openxmlformats.org/presentationml/2006/main">
+  <p:cSld>
+    <p:spTree>
+      <p:nvGrpSpPr>
+        <p:cNvPr id="1" name=""/>
+        <p:cNvGrpSpPr/>
+        <p:nvPr/>
+      </p:nvGrpSpPr>
+      <p:grpSpPr>
+        <a:xfrm>
+          <a:off x="0" y="0"/>
+          <a:ext cx="0" cy="0"/>
+          <a:chOff x="0" y="0"/>
+          <a:chExt cx="0" cy="0"/>
+        </a:xfrm>
+      </p:grpSpPr>
+      <p:sp>
+        <p:nvSpPr>
+          <p:cNvPr id="2" name="Folienbildplatzhalter 1"/>
+          <p:cNvSpPr>
+            <a:spLocks noGrp="1" noRot="1" noChangeAspect="1"/>
+          </p:cNvSpPr>
+          <p:nvPr>
+            <p:ph type="sldImg"/>
+          </p:nvPr>
+        </p:nvSpPr>
+        <p:spPr/>
+      </p:sp>
+      <p:sp>
+        <p:nvSpPr>
+          <p:cNvPr id="3" name="Notizenplatzhalter 2"/>
+          <p:cNvSpPr>
+            <a:spLocks noGrp="1"/>
+          </p:cNvSpPr>
+          <p:nvPr>
+            <p:ph type="body" idx="1"/>
+          </p:nvPr>
+        </p:nvSpPr>
+        <p:spPr/>
+        <p:txBody>
+          <a:bodyPr/>
+          <a:lstStyle/>
+          <a:p>
+            <a:r>
+              <a:rPr lang="de-DE" dirty="0" err="1"/>
+              <a:t>Seiar</a:t>
+            </a:r>
+            <a:endParaRPr lang="de-DE" dirty="0"/>
+          </a:p>
+        </p:txBody>
+      </p:sp>
+      <p:sp>
+        <p:nvSpPr>
+          <p:cNvPr id="4" name="Foliennummernplatzhalter 3"/>
+          <p:cNvSpPr>
+            <a:spLocks noGrp="1"/>
+          </p:cNvSpPr>
+          <p:nvPr>
+            <p:ph type="sldNum" sz="quarter" idx="5"/>
+          </p:nvPr>
+        </p:nvSpPr>
+        <p:spPr/>
+        <p:txBody>
+          <a:bodyPr/>
+          <a:lstStyle/>
+          <a:p>
+            <a:fld id="{CB03B319-2333-4D45-864B-F98CFC227FC5}" type="slidenum">
+              <a:rPr lang="de-DE" smtClean="0"/>
+              <a:t>21</a:t>
+            </a:fld>
+            <a:endParaRPr lang="de-DE"/>
+          </a:p>
+        </p:txBody>
+      </p:sp>
+    </p:spTree>
+    <p:extLst>
+      <p:ext uri="{BB962C8B-B14F-4D97-AF65-F5344CB8AC3E}">
+        <p14:creationId xmlns:p14="http://schemas.microsoft.com/office/powerpoint/2010/main" val="549788715"/>
+      </p:ext>
+    </p:extLst>
+  </p:cSld>
+  <p:clrMapOvr>
+    <a:masterClrMapping/>
+  </p:clrMapOvr>
+</p:notes>
+</file>
+
+<file path=ppt/notesSlides/notesSlide3.xml><?xml version="1.0" encoding="utf-8"?>
+<p:notes xmlns:a="http://schemas.openxmlformats.org/drawingml/2006/main" xmlns:r="http://schemas.openxmlformats.org/officeDocument/2006/relationships" xmlns:p="http://schemas.openxmlformats.org/presentationml/2006/main">
+  <p:cSld>
+    <p:spTree>
+      <p:nvGrpSpPr>
+        <p:cNvPr id="1" name=""/>
+        <p:cNvGrpSpPr/>
+        <p:nvPr/>
+      </p:nvGrpSpPr>
+      <p:grpSpPr>
+        <a:xfrm>
+          <a:off x="0" y="0"/>
+          <a:ext cx="0" cy="0"/>
+          <a:chOff x="0" y="0"/>
+          <a:chExt cx="0" cy="0"/>
+        </a:xfrm>
+      </p:grpSpPr>
+      <p:sp>
+        <p:nvSpPr>
+          <p:cNvPr id="2" name="Folienbildplatzhalter 1"/>
+          <p:cNvSpPr>
+            <a:spLocks noGrp="1" noRot="1" noChangeAspect="1"/>
+          </p:cNvSpPr>
+          <p:nvPr>
+            <p:ph type="sldImg"/>
+          </p:nvPr>
+        </p:nvSpPr>
+        <p:spPr/>
+      </p:sp>
+      <p:sp>
+        <p:nvSpPr>
+          <p:cNvPr id="3" name="Notizenplatzhalter 2"/>
+          <p:cNvSpPr>
+            <a:spLocks noGrp="1"/>
+          </p:cNvSpPr>
+          <p:nvPr>
+            <p:ph type="body" idx="1"/>
+          </p:nvPr>
+        </p:nvSpPr>
+        <p:spPr/>
+        <p:txBody>
+          <a:bodyPr/>
+          <a:lstStyle/>
+          <a:p>
+            <a:r>
+              <a:rPr lang="de-DE" dirty="0" err="1"/>
+              <a:t>Seiar</a:t>
+            </a:r>
+            <a:endParaRPr lang="de-DE" dirty="0"/>
+          </a:p>
+        </p:txBody>
+      </p:sp>
+      <p:sp>
+        <p:nvSpPr>
+          <p:cNvPr id="4" name="Foliennummernplatzhalter 3"/>
+          <p:cNvSpPr>
+            <a:spLocks noGrp="1"/>
+          </p:cNvSpPr>
+          <p:nvPr>
+            <p:ph type="sldNum" sz="quarter" idx="5"/>
+          </p:nvPr>
+        </p:nvSpPr>
+        <p:spPr/>
+        <p:txBody>
+          <a:bodyPr/>
+          <a:lstStyle/>
+          <a:p>
+            <a:fld id="{CB03B319-2333-4D45-864B-F98CFC227FC5}" type="slidenum">
+              <a:rPr lang="de-DE" smtClean="0"/>
+              <a:t>3</a:t>
+            </a:fld>
+            <a:endParaRPr lang="de-DE"/>
+          </a:p>
+        </p:txBody>
+      </p:sp>
+    </p:spTree>
+    <p:extLst>
+      <p:ext uri="{BB962C8B-B14F-4D97-AF65-F5344CB8AC3E}">
+        <p14:creationId xmlns:p14="http://schemas.microsoft.com/office/powerpoint/2010/main" val="2786850078"/>
+      </p:ext>
+    </p:extLst>
+  </p:cSld>
+  <p:clrMapOvr>
+    <a:masterClrMapping/>
+  </p:clrMapOvr>
+</p:notes>
+</file>
+
+<file path=ppt/notesSlides/notesSlide4.xml><?xml version="1.0" encoding="utf-8"?>
+<p:notes xmlns:a="http://schemas.openxmlformats.org/drawingml/2006/main" xmlns:r="http://schemas.openxmlformats.org/officeDocument/2006/relationships" xmlns:p="http://schemas.openxmlformats.org/presentationml/2006/main">
+  <p:cSld>
+    <p:spTree>
+      <p:nvGrpSpPr>
+        <p:cNvPr id="1" name=""/>
+        <p:cNvGrpSpPr/>
+        <p:nvPr/>
+      </p:nvGrpSpPr>
+      <p:grpSpPr>
+        <a:xfrm>
+          <a:off x="0" y="0"/>
+          <a:ext cx="0" cy="0"/>
+          <a:chOff x="0" y="0"/>
+          <a:chExt cx="0" cy="0"/>
+        </a:xfrm>
+      </p:grpSpPr>
+      <p:sp>
+        <p:nvSpPr>
+          <p:cNvPr id="2" name="Folienbildplatzhalter 1"/>
+          <p:cNvSpPr>
+            <a:spLocks noGrp="1" noRot="1" noChangeAspect="1"/>
+          </p:cNvSpPr>
+          <p:nvPr>
+            <p:ph type="sldImg"/>
+          </p:nvPr>
+        </p:nvSpPr>
+        <p:spPr/>
+      </p:sp>
+      <p:sp>
+        <p:nvSpPr>
+          <p:cNvPr id="3" name="Notizenplatzhalter 2"/>
+          <p:cNvSpPr>
+            <a:spLocks noGrp="1"/>
+          </p:cNvSpPr>
+          <p:nvPr>
+            <p:ph type="body" idx="1"/>
+          </p:nvPr>
+        </p:nvSpPr>
+        <p:spPr/>
+        <p:txBody>
+          <a:bodyPr/>
+          <a:lstStyle/>
+          <a:p>
+            <a:r>
+              <a:rPr lang="de-DE" dirty="0" err="1"/>
+              <a:t>Seiar</a:t>
+            </a:r>
+            <a:endParaRPr lang="de-DE" dirty="0"/>
+          </a:p>
+        </p:txBody>
+      </p:sp>
+      <p:sp>
+        <p:nvSpPr>
+          <p:cNvPr id="4" name="Foliennummernplatzhalter 3"/>
+          <p:cNvSpPr>
+            <a:spLocks noGrp="1"/>
+          </p:cNvSpPr>
+          <p:nvPr>
+            <p:ph type="sldNum" sz="quarter" idx="5"/>
+          </p:nvPr>
+        </p:nvSpPr>
+        <p:spPr/>
+        <p:txBody>
+          <a:bodyPr/>
+          <a:lstStyle/>
+          <a:p>
+            <a:fld id="{CB03B319-2333-4D45-864B-F98CFC227FC5}" type="slidenum">
+              <a:rPr lang="de-DE" smtClean="0"/>
+              <a:t>4</a:t>
+            </a:fld>
+            <a:endParaRPr lang="de-DE"/>
+          </a:p>
+        </p:txBody>
+      </p:sp>
+    </p:spTree>
+    <p:extLst>
+      <p:ext uri="{BB962C8B-B14F-4D97-AF65-F5344CB8AC3E}">
+        <p14:creationId xmlns:p14="http://schemas.microsoft.com/office/powerpoint/2010/main" val="809951430"/>
+      </p:ext>
+    </p:extLst>
+  </p:cSld>
+  <p:clrMapOvr>
+    <a:masterClrMapping/>
+  </p:clrMapOvr>
+</p:notes>
+</file>
+
+<file path=ppt/notesSlides/notesSlide5.xml><?xml version="1.0" encoding="utf-8"?>
+<p:notes xmlns:a="http://schemas.openxmlformats.org/drawingml/2006/main" xmlns:r="http://schemas.openxmlformats.org/officeDocument/2006/relationships" xmlns:p="http://schemas.openxmlformats.org/presentationml/2006/main">
+  <p:cSld>
+    <p:spTree>
+      <p:nvGrpSpPr>
+        <p:cNvPr id="1" name=""/>
+        <p:cNvGrpSpPr/>
+        <p:nvPr/>
+      </p:nvGrpSpPr>
+      <p:grpSpPr>
+        <a:xfrm>
+          <a:off x="0" y="0"/>
+          <a:ext cx="0" cy="0"/>
+          <a:chOff x="0" y="0"/>
+          <a:chExt cx="0" cy="0"/>
+        </a:xfrm>
+      </p:grpSpPr>
+      <p:sp>
+        <p:nvSpPr>
+          <p:cNvPr id="2" name="Folienbildplatzhalter 1"/>
+          <p:cNvSpPr>
+            <a:spLocks noGrp="1" noRot="1" noChangeAspect="1"/>
+          </p:cNvSpPr>
+          <p:nvPr>
+            <p:ph type="sldImg"/>
+          </p:nvPr>
+        </p:nvSpPr>
+        <p:spPr/>
+      </p:sp>
+      <p:sp>
+        <p:nvSpPr>
+          <p:cNvPr id="3" name="Notizenplatzhalter 2"/>
+          <p:cNvSpPr>
+            <a:spLocks noGrp="1"/>
+          </p:cNvSpPr>
+          <p:nvPr>
+            <p:ph type="body" idx="1"/>
+          </p:nvPr>
+        </p:nvSpPr>
+        <p:spPr/>
+        <p:txBody>
+          <a:bodyPr/>
+          <a:lstStyle/>
+          <a:p>
+            <a:r>
+              <a:rPr lang="de-DE" dirty="0" err="1"/>
+              <a:t>Seiar</a:t>
+            </a:r>
+            <a:endParaRPr lang="de-DE" dirty="0"/>
+          </a:p>
+        </p:txBody>
+      </p:sp>
+      <p:sp>
+        <p:nvSpPr>
+          <p:cNvPr id="4" name="Foliennummernplatzhalter 3"/>
+          <p:cNvSpPr>
+            <a:spLocks noGrp="1"/>
+          </p:cNvSpPr>
+          <p:nvPr>
+            <p:ph type="sldNum" sz="quarter" idx="5"/>
+          </p:nvPr>
+        </p:nvSpPr>
+        <p:spPr/>
+        <p:txBody>
+          <a:bodyPr/>
+          <a:lstStyle/>
+          <a:p>
+            <a:fld id="{CB03B319-2333-4D45-864B-F98CFC227FC5}" type="slidenum">
+              <a:rPr lang="de-DE" smtClean="0"/>
+              <a:t>5</a:t>
+            </a:fld>
+            <a:endParaRPr lang="de-DE"/>
+          </a:p>
+        </p:txBody>
+      </p:sp>
+    </p:spTree>
+    <p:extLst>
+      <p:ext uri="{BB962C8B-B14F-4D97-AF65-F5344CB8AC3E}">
+        <p14:creationId xmlns:p14="http://schemas.microsoft.com/office/powerpoint/2010/main" val="707356444"/>
+      </p:ext>
+    </p:extLst>
+  </p:cSld>
+  <p:clrMapOvr>
+    <a:masterClrMapping/>
+  </p:clrMapOvr>
+</p:notes>
+</file>
+
+<file path=ppt/notesSlides/notesSlide6.xml><?xml version="1.0" encoding="utf-8"?>
+<p:notes xmlns:a="http://schemas.openxmlformats.org/drawingml/2006/main" xmlns:r="http://schemas.openxmlformats.org/officeDocument/2006/relationships" xmlns:p="http://schemas.openxmlformats.org/presentationml/2006/main">
+  <p:cSld>
+    <p:spTree>
+      <p:nvGrpSpPr>
+        <p:cNvPr id="1" name=""/>
+        <p:cNvGrpSpPr/>
+        <p:nvPr/>
+      </p:nvGrpSpPr>
+      <p:grpSpPr>
+        <a:xfrm>
+          <a:off x="0" y="0"/>
+          <a:ext cx="0" cy="0"/>
+          <a:chOff x="0" y="0"/>
+          <a:chExt cx="0" cy="0"/>
+        </a:xfrm>
+      </p:grpSpPr>
+      <p:sp>
+        <p:nvSpPr>
+          <p:cNvPr id="2" name="Folienbildplatzhalter 1"/>
+          <p:cNvSpPr>
+            <a:spLocks noGrp="1" noRot="1" noChangeAspect="1"/>
+          </p:cNvSpPr>
+          <p:nvPr>
+            <p:ph type="sldImg"/>
+          </p:nvPr>
+        </p:nvSpPr>
+        <p:spPr/>
+      </p:sp>
+      <p:sp>
+        <p:nvSpPr>
+          <p:cNvPr id="3" name="Notizenplatzhalter 2"/>
+          <p:cNvSpPr>
+            <a:spLocks noGrp="1"/>
+          </p:cNvSpPr>
+          <p:nvPr>
+            <p:ph type="body" idx="1"/>
+          </p:nvPr>
+        </p:nvSpPr>
+        <p:spPr/>
+        <p:txBody>
+          <a:bodyPr/>
+          <a:lstStyle/>
+          <a:p>
+            <a:r>
+              <a:rPr lang="de-DE" dirty="0" err="1"/>
+              <a:t>Seiar</a:t>
+            </a:r>
+            <a:endParaRPr lang="de-DE" dirty="0"/>
+          </a:p>
+        </p:txBody>
+      </p:sp>
+      <p:sp>
+        <p:nvSpPr>
+          <p:cNvPr id="4" name="Foliennummernplatzhalter 3"/>
+          <p:cNvSpPr>
+            <a:spLocks noGrp="1"/>
+          </p:cNvSpPr>
+          <p:nvPr>
+            <p:ph type="sldNum" sz="quarter" idx="5"/>
+          </p:nvPr>
+        </p:nvSpPr>
+        <p:spPr/>
+        <p:txBody>
+          <a:bodyPr/>
+          <a:lstStyle/>
+          <a:p>
+            <a:fld id="{CB03B319-2333-4D45-864B-F98CFC227FC5}" type="slidenum">
+              <a:rPr lang="de-DE" smtClean="0"/>
+              <a:t>6</a:t>
+            </a:fld>
+            <a:endParaRPr lang="de-DE"/>
+          </a:p>
+        </p:txBody>
+      </p:sp>
+    </p:spTree>
+    <p:extLst>
+      <p:ext uri="{BB962C8B-B14F-4D97-AF65-F5344CB8AC3E}">
+        <p14:creationId xmlns:p14="http://schemas.microsoft.com/office/powerpoint/2010/main" val="1110514168"/>
+      </p:ext>
+    </p:extLst>
+  </p:cSld>
+  <p:clrMapOvr>
+    <a:masterClrMapping/>
+  </p:clrMapOvr>
+</p:notes>
+</file>
+
+<file path=ppt/notesSlides/notesSlide7.xml><?xml version="1.0" encoding="utf-8"?>
+<p:notes xmlns:a="http://schemas.openxmlformats.org/drawingml/2006/main" xmlns:r="http://schemas.openxmlformats.org/officeDocument/2006/relationships" xmlns:p="http://schemas.openxmlformats.org/presentationml/2006/main">
+  <p:cSld>
+    <p:spTree>
+      <p:nvGrpSpPr>
+        <p:cNvPr id="1" name=""/>
+        <p:cNvGrpSpPr/>
+        <p:nvPr/>
+      </p:nvGrpSpPr>
+      <p:grpSpPr>
+        <a:xfrm>
+          <a:off x="0" y="0"/>
+          <a:ext cx="0" cy="0"/>
+          <a:chOff x="0" y="0"/>
+          <a:chExt cx="0" cy="0"/>
+        </a:xfrm>
+      </p:grpSpPr>
+      <p:sp>
+        <p:nvSpPr>
+          <p:cNvPr id="2" name="Folienbildplatzhalter 1"/>
+          <p:cNvSpPr>
+            <a:spLocks noGrp="1" noRot="1" noChangeAspect="1"/>
+          </p:cNvSpPr>
+          <p:nvPr>
+            <p:ph type="sldImg"/>
+          </p:nvPr>
+        </p:nvSpPr>
+        <p:spPr/>
+      </p:sp>
+      <p:sp>
+        <p:nvSpPr>
+          <p:cNvPr id="3" name="Notizenplatzhalter 2"/>
+          <p:cNvSpPr>
+            <a:spLocks noGrp="1"/>
+          </p:cNvSpPr>
+          <p:nvPr>
+            <p:ph type="body" idx="1"/>
+          </p:nvPr>
+        </p:nvSpPr>
+        <p:spPr/>
+        <p:txBody>
+          <a:bodyPr/>
+          <a:lstStyle/>
+          <a:p>
+            <a:r>
+              <a:rPr lang="de-DE" dirty="0" err="1"/>
+              <a:t>Seiar</a:t>
+            </a:r>
+            <a:endParaRPr lang="de-DE" dirty="0"/>
+          </a:p>
+        </p:txBody>
+      </p:sp>
+      <p:sp>
+        <p:nvSpPr>
+          <p:cNvPr id="4" name="Foliennummernplatzhalter 3"/>
+          <p:cNvSpPr>
+            <a:spLocks noGrp="1"/>
+          </p:cNvSpPr>
+          <p:nvPr>
+            <p:ph type="sldNum" sz="quarter" idx="5"/>
+          </p:nvPr>
+        </p:nvSpPr>
+        <p:spPr/>
+        <p:txBody>
+          <a:bodyPr/>
+          <a:lstStyle/>
+          <a:p>
+            <a:fld id="{CB03B319-2333-4D45-864B-F98CFC227FC5}" type="slidenum">
+              <a:rPr lang="de-DE" smtClean="0"/>
+              <a:t>7</a:t>
+            </a:fld>
+            <a:endParaRPr lang="de-DE"/>
+          </a:p>
+        </p:txBody>
+      </p:sp>
+    </p:spTree>
+    <p:extLst>
+      <p:ext uri="{BB962C8B-B14F-4D97-AF65-F5344CB8AC3E}">
+        <p14:creationId xmlns:p14="http://schemas.microsoft.com/office/powerpoint/2010/main" val="4005106594"/>
+      </p:ext>
+    </p:extLst>
+  </p:cSld>
+  <p:clrMapOvr>
+    <a:masterClrMapping/>
+  </p:clrMapOvr>
+</p:notes>
+</file>
+
+<file path=ppt/notesSlides/notesSlide8.xml><?xml version="1.0" encoding="utf-8"?>
+<p:notes xmlns:a="http://schemas.openxmlformats.org/drawingml/2006/main" xmlns:r="http://schemas.openxmlformats.org/officeDocument/2006/relationships" xmlns:p="http://schemas.openxmlformats.org/presentationml/2006/main">
+  <p:cSld>
+    <p:spTree>
+      <p:nvGrpSpPr>
+        <p:cNvPr id="1" name=""/>
+        <p:cNvGrpSpPr/>
+        <p:nvPr/>
+      </p:nvGrpSpPr>
+      <p:grpSpPr>
+        <a:xfrm>
+          <a:off x="0" y="0"/>
+          <a:ext cx="0" cy="0"/>
+          <a:chOff x="0" y="0"/>
+          <a:chExt cx="0" cy="0"/>
+        </a:xfrm>
+      </p:grpSpPr>
+      <p:sp>
+        <p:nvSpPr>
+          <p:cNvPr id="2" name="Folienbildplatzhalter 1"/>
+          <p:cNvSpPr>
+            <a:spLocks noGrp="1" noRot="1" noChangeAspect="1"/>
+          </p:cNvSpPr>
+          <p:nvPr>
+            <p:ph type="sldImg"/>
+          </p:nvPr>
+        </p:nvSpPr>
+        <p:spPr/>
+      </p:sp>
+      <p:sp>
+        <p:nvSpPr>
+          <p:cNvPr id="3" name="Notizenplatzhalter 2"/>
+          <p:cNvSpPr>
+            <a:spLocks noGrp="1"/>
+          </p:cNvSpPr>
+          <p:nvPr>
+            <p:ph type="body" idx="1"/>
+          </p:nvPr>
+        </p:nvSpPr>
+        <p:spPr/>
+        <p:txBody>
+          <a:bodyPr/>
+          <a:lstStyle/>
+          <a:p>
+            <a:r>
+              <a:rPr lang="de-DE" dirty="0" err="1"/>
+              <a:t>Seiar</a:t>
+            </a:r>
+            <a:endParaRPr lang="de-DE" dirty="0"/>
+          </a:p>
+        </p:txBody>
+      </p:sp>
+      <p:sp>
+        <p:nvSpPr>
+          <p:cNvPr id="4" name="Foliennummernplatzhalter 3"/>
+          <p:cNvSpPr>
+            <a:spLocks noGrp="1"/>
+          </p:cNvSpPr>
+          <p:nvPr>
+            <p:ph type="sldNum" sz="quarter" idx="5"/>
+          </p:nvPr>
+        </p:nvSpPr>
+        <p:spPr/>
+        <p:txBody>
+          <a:bodyPr/>
+          <a:lstStyle/>
+          <a:p>
+            <a:fld id="{CB03B319-2333-4D45-864B-F98CFC227FC5}" type="slidenum">
+              <a:rPr lang="de-DE" smtClean="0"/>
+              <a:t>8</a:t>
+            </a:fld>
+            <a:endParaRPr lang="de-DE"/>
+          </a:p>
+        </p:txBody>
+      </p:sp>
+    </p:spTree>
+    <p:extLst>
+      <p:ext uri="{BB962C8B-B14F-4D97-AF65-F5344CB8AC3E}">
+        <p14:creationId xmlns:p14="http://schemas.microsoft.com/office/powerpoint/2010/main" val="1747705556"/>
+      </p:ext>
+    </p:extLst>
+  </p:cSld>
+  <p:clrMapOvr>
+    <a:masterClrMapping/>
+  </p:clrMapOvr>
+</p:notes>
+</file>
+
+<file path=ppt/notesSlides/notesSlide9.xml><?xml version="1.0" encoding="utf-8"?>
+<p:notes xmlns:a="http://schemas.openxmlformats.org/drawingml/2006/main" xmlns:r="http://schemas.openxmlformats.org/officeDocument/2006/relationships" xmlns:p="http://schemas.openxmlformats.org/presentationml/2006/main">
+  <p:cSld>
+    <p:spTree>
+      <p:nvGrpSpPr>
+        <p:cNvPr id="1" name=""/>
+        <p:cNvGrpSpPr/>
+        <p:nvPr/>
+      </p:nvGrpSpPr>
+      <p:grpSpPr>
+        <a:xfrm>
+          <a:off x="0" y="0"/>
+          <a:ext cx="0" cy="0"/>
+          <a:chOff x="0" y="0"/>
+          <a:chExt cx="0" cy="0"/>
+        </a:xfrm>
+      </p:grpSpPr>
+      <p:sp>
+        <p:nvSpPr>
+          <p:cNvPr id="2" name="Folienbildplatzhalter 1"/>
+          <p:cNvSpPr>
+            <a:spLocks noGrp="1" noRot="1" noChangeAspect="1"/>
+          </p:cNvSpPr>
+          <p:nvPr>
+            <p:ph type="sldImg"/>
+          </p:nvPr>
+        </p:nvSpPr>
+        <p:spPr/>
+      </p:sp>
+      <p:sp>
+        <p:nvSpPr>
+          <p:cNvPr id="3" name="Notizenplatzhalter 2"/>
+          <p:cNvSpPr>
+            <a:spLocks noGrp="1"/>
+          </p:cNvSpPr>
+          <p:nvPr>
+            <p:ph type="body" idx="1"/>
+          </p:nvPr>
+        </p:nvSpPr>
+        <p:spPr/>
+        <p:txBody>
+          <a:bodyPr/>
+          <a:lstStyle/>
+          <a:p>
+            <a:r>
+              <a:rPr lang="de-DE" dirty="0"/>
+              <a:t>Georg</a:t>
+            </a:r>
+          </a:p>
+        </p:txBody>
+      </p:sp>
+      <p:sp>
+        <p:nvSpPr>
+          <p:cNvPr id="4" name="Foliennummernplatzhalter 3"/>
+          <p:cNvSpPr>
+            <a:spLocks noGrp="1"/>
+          </p:cNvSpPr>
+          <p:nvPr>
+            <p:ph type="sldNum" sz="quarter" idx="5"/>
+          </p:nvPr>
+        </p:nvSpPr>
+        <p:spPr/>
+        <p:txBody>
+          <a:bodyPr/>
+          <a:lstStyle/>
+          <a:p>
+            <a:fld id="{CB03B319-2333-4D45-864B-F98CFC227FC5}" type="slidenum">
+              <a:rPr lang="de-DE" smtClean="0"/>
+              <a:t>9</a:t>
+            </a:fld>
+            <a:endParaRPr lang="de-DE"/>
+          </a:p>
+        </p:txBody>
+      </p:sp>
+    </p:spTree>
+    <p:extLst>
+      <p:ext uri="{BB962C8B-B14F-4D97-AF65-F5344CB8AC3E}">
+        <p14:creationId xmlns:p14="http://schemas.microsoft.com/office/powerpoint/2010/main" val="4249289796"/>
+      </p:ext>
+    </p:extLst>
+  </p:cSld>
+  <p:clrMapOvr>
+    <a:masterClrMapping/>
+  </p:clrMapOvr>
+</p:notes>
 </file>
 
 <file path=ppt/slideLayouts/slideLayout1.xml><?xml version="1.0" encoding="utf-8"?>
@@ -270,7 +2459,7 @@
           <a:p>
             <a:fld id="{846CE7D5-CF57-46EF-B807-FDD0502418D4}" type="datetimeFigureOut">
               <a:rPr lang="en-GB" smtClean="0"/>
-              <a:t>12/01/2025</a:t>
+              <a:t>13/01/2025</a:t>
             </a:fld>
             <a:endParaRPr lang="en-GB"/>
           </a:p>
@@ -315,7 +2504,7 @@
           <a:p>
             <a:fld id="{330EA680-D336-4FF7-8B7A-9848BB0A1C32}" type="slidenum">
               <a:rPr lang="en-GB" smtClean="0"/>
-              <a:t>‹Nr.›</a:t>
+              <a:t>‹#›</a:t>
             </a:fld>
             <a:endParaRPr lang="en-GB"/>
           </a:p>
@@ -442,7 +2631,7 @@
           <a:p>
             <a:fld id="{846CE7D5-CF57-46EF-B807-FDD0502418D4}" type="datetimeFigureOut">
               <a:rPr lang="en-GB" smtClean="0"/>
-              <a:t>12/01/2025</a:t>
+              <a:t>13/01/2025</a:t>
             </a:fld>
             <a:endParaRPr lang="en-GB"/>
           </a:p>
@@ -487,7 +2676,7 @@
           <a:p>
             <a:fld id="{330EA680-D336-4FF7-8B7A-9848BB0A1C32}" type="slidenum">
               <a:rPr lang="en-GB" smtClean="0"/>
-              <a:t>‹Nr.›</a:t>
+              <a:t>‹#›</a:t>
             </a:fld>
             <a:endParaRPr lang="en-GB"/>
           </a:p>
@@ -624,7 +2813,7 @@
           <a:p>
             <a:fld id="{846CE7D5-CF57-46EF-B807-FDD0502418D4}" type="datetimeFigureOut">
               <a:rPr lang="en-GB" smtClean="0"/>
-              <a:t>12/01/2025</a:t>
+              <a:t>13/01/2025</a:t>
             </a:fld>
             <a:endParaRPr lang="en-GB"/>
           </a:p>
@@ -669,7 +2858,7 @@
           <a:p>
             <a:fld id="{330EA680-D336-4FF7-8B7A-9848BB0A1C32}" type="slidenum">
               <a:rPr lang="en-GB" smtClean="0"/>
-              <a:t>‹Nr.›</a:t>
+              <a:t>‹#›</a:t>
             </a:fld>
             <a:endParaRPr lang="en-GB"/>
           </a:p>
@@ -796,7 +2985,7 @@
           <a:p>
             <a:fld id="{846CE7D5-CF57-46EF-B807-FDD0502418D4}" type="datetimeFigureOut">
               <a:rPr lang="en-GB" smtClean="0"/>
-              <a:t>12/01/2025</a:t>
+              <a:t>13/01/2025</a:t>
             </a:fld>
             <a:endParaRPr lang="en-GB"/>
           </a:p>
@@ -841,7 +3030,7 @@
           <a:p>
             <a:fld id="{330EA680-D336-4FF7-8B7A-9848BB0A1C32}" type="slidenum">
               <a:rPr lang="en-GB" smtClean="0"/>
-              <a:t>‹Nr.›</a:t>
+              <a:t>‹#›</a:t>
             </a:fld>
             <a:endParaRPr lang="en-GB"/>
           </a:p>
@@ -1045,7 +3234,7 @@
           <a:p>
             <a:fld id="{846CE7D5-CF57-46EF-B807-FDD0502418D4}" type="datetimeFigureOut">
               <a:rPr lang="en-GB" smtClean="0"/>
-              <a:t>12/01/2025</a:t>
+              <a:t>13/01/2025</a:t>
             </a:fld>
             <a:endParaRPr lang="en-GB"/>
           </a:p>
@@ -1090,7 +3279,7 @@
           <a:p>
             <a:fld id="{330EA680-D336-4FF7-8B7A-9848BB0A1C32}" type="slidenum">
               <a:rPr lang="en-GB" smtClean="0"/>
-              <a:t>‹Nr.›</a:t>
+              <a:t>‹#›</a:t>
             </a:fld>
             <a:endParaRPr lang="en-GB"/>
           </a:p>
@@ -1278,7 +3467,7 @@
           <a:p>
             <a:fld id="{846CE7D5-CF57-46EF-B807-FDD0502418D4}" type="datetimeFigureOut">
               <a:rPr lang="en-GB" smtClean="0"/>
-              <a:t>12/01/2025</a:t>
+              <a:t>13/01/2025</a:t>
             </a:fld>
             <a:endParaRPr lang="en-GB"/>
           </a:p>
@@ -1323,7 +3512,7 @@
           <a:p>
             <a:fld id="{330EA680-D336-4FF7-8B7A-9848BB0A1C32}" type="slidenum">
               <a:rPr lang="en-GB" smtClean="0"/>
-              <a:t>‹Nr.›</a:t>
+              <a:t>‹#›</a:t>
             </a:fld>
             <a:endParaRPr lang="en-GB"/>
           </a:p>
@@ -1646,7 +3835,7 @@
           <a:p>
             <a:fld id="{846CE7D5-CF57-46EF-B807-FDD0502418D4}" type="datetimeFigureOut">
               <a:rPr lang="en-GB" smtClean="0"/>
-              <a:t>12/01/2025</a:t>
+              <a:t>13/01/2025</a:t>
             </a:fld>
             <a:endParaRPr lang="en-GB"/>
           </a:p>
@@ -1691,7 +3880,7 @@
           <a:p>
             <a:fld id="{330EA680-D336-4FF7-8B7A-9848BB0A1C32}" type="slidenum">
               <a:rPr lang="en-GB" smtClean="0"/>
-              <a:t>‹Nr.›</a:t>
+              <a:t>‹#›</a:t>
             </a:fld>
             <a:endParaRPr lang="en-GB"/>
           </a:p>
@@ -1767,7 +3956,7 @@
           <a:p>
             <a:fld id="{846CE7D5-CF57-46EF-B807-FDD0502418D4}" type="datetimeFigureOut">
               <a:rPr lang="en-GB" smtClean="0"/>
-              <a:t>12/01/2025</a:t>
+              <a:t>13/01/2025</a:t>
             </a:fld>
             <a:endParaRPr lang="en-GB"/>
           </a:p>
@@ -1812,7 +4001,7 @@
           <a:p>
             <a:fld id="{330EA680-D336-4FF7-8B7A-9848BB0A1C32}" type="slidenum">
               <a:rPr lang="en-GB" smtClean="0"/>
-              <a:t>‹Nr.›</a:t>
+              <a:t>‹#›</a:t>
             </a:fld>
             <a:endParaRPr lang="en-GB"/>
           </a:p>
@@ -1866,7 +4055,7 @@
           <a:p>
             <a:fld id="{846CE7D5-CF57-46EF-B807-FDD0502418D4}" type="datetimeFigureOut">
               <a:rPr lang="en-GB" smtClean="0"/>
-              <a:t>12/01/2025</a:t>
+              <a:t>13/01/2025</a:t>
             </a:fld>
             <a:endParaRPr lang="en-GB"/>
           </a:p>
@@ -1911,7 +4100,7 @@
           <a:p>
             <a:fld id="{330EA680-D336-4FF7-8B7A-9848BB0A1C32}" type="slidenum">
               <a:rPr lang="en-GB" smtClean="0"/>
-              <a:t>‹Nr.›</a:t>
+              <a:t>‹#›</a:t>
             </a:fld>
             <a:endParaRPr lang="en-GB"/>
           </a:p>
@@ -2145,7 +4334,7 @@
           <a:p>
             <a:fld id="{846CE7D5-CF57-46EF-B807-FDD0502418D4}" type="datetimeFigureOut">
               <a:rPr lang="en-GB" smtClean="0"/>
-              <a:t>12/01/2025</a:t>
+              <a:t>13/01/2025</a:t>
             </a:fld>
             <a:endParaRPr lang="en-GB"/>
           </a:p>
@@ -2190,7 +4379,7 @@
           <a:p>
             <a:fld id="{330EA680-D336-4FF7-8B7A-9848BB0A1C32}" type="slidenum">
               <a:rPr lang="en-GB" smtClean="0"/>
-              <a:t>‹Nr.›</a:t>
+              <a:t>‹#›</a:t>
             </a:fld>
             <a:endParaRPr lang="en-GB"/>
           </a:p>
@@ -2404,7 +4593,7 @@
           <a:p>
             <a:fld id="{846CE7D5-CF57-46EF-B807-FDD0502418D4}" type="datetimeFigureOut">
               <a:rPr lang="en-GB" smtClean="0"/>
-              <a:t>12/01/2025</a:t>
+              <a:t>13/01/2025</a:t>
             </a:fld>
             <a:endParaRPr lang="en-GB"/>
           </a:p>
@@ -2449,7 +4638,7 @@
           <a:p>
             <a:fld id="{330EA680-D336-4FF7-8B7A-9848BB0A1C32}" type="slidenum">
               <a:rPr lang="en-GB" smtClean="0"/>
-              <a:t>‹Nr.›</a:t>
+              <a:t>‹#›</a:t>
             </a:fld>
             <a:endParaRPr lang="en-GB"/>
           </a:p>
@@ -2619,7 +4808,7 @@
           <a:p>
             <a:fld id="{846CE7D5-CF57-46EF-B807-FDD0502418D4}" type="datetimeFigureOut">
               <a:rPr lang="en-GB" smtClean="0"/>
-              <a:t>12/01/2025</a:t>
+              <a:t>13/01/2025</a:t>
             </a:fld>
             <a:endParaRPr lang="en-GB"/>
           </a:p>
@@ -2700,7 +4889,7 @@
           <a:p>
             <a:fld id="{330EA680-D336-4FF7-8B7A-9848BB0A1C32}" type="slidenum">
               <a:rPr lang="en-GB" smtClean="0"/>
-              <a:t>‹Nr.›</a:t>
+              <a:t>‹#›</a:t>
             </a:fld>
             <a:endParaRPr lang="en-GB"/>
           </a:p>
@@ -3044,9 +5233,10 @@
           <a:lstStyle/>
           <a:p>
             <a:r>
-              <a:rPr lang="en-GB" b="1" dirty="0"/>
+              <a:rPr lang="en-GB" b="1"/>
               <a:t> Data Driven Foresight</a:t>
             </a:r>
+            <a:endParaRPr lang="en-GB" b="1" dirty="0"/>
           </a:p>
         </p:txBody>
       </p:sp>
@@ -3068,29 +5258,17 @@
           <a:lstStyle/>
           <a:p>
             <a:r>
-              <a:rPr lang="en-GB" sz="3200" dirty="0"/>
+              <a:rPr lang="en-GB" sz="3200"/>
               <a:t>Topic: Self-Healing Materials </a:t>
             </a:r>
           </a:p>
           <a:p>
-            <a:endParaRPr lang="en-GB" sz="3200" dirty="0"/>
-          </a:p>
-          <a:p>
-            <a:r>
-              <a:rPr lang="en-GB" sz="2000" dirty="0"/>
-              <a:t>Presentation by Liang, </a:t>
-            </a:r>
-            <a:r>
-              <a:rPr lang="en-GB" sz="2000" dirty="0" err="1"/>
-              <a:t>Puntigam</a:t>
-            </a:r>
-            <a:r>
-              <a:rPr lang="en-GB" sz="2000" dirty="0"/>
-              <a:t>, </a:t>
-            </a:r>
-            <a:r>
-              <a:rPr lang="en-GB" sz="2000" dirty="0" err="1"/>
-              <a:t>Yousofi</a:t>
+            <a:endParaRPr lang="en-GB" sz="3200"/>
+          </a:p>
+          <a:p>
+            <a:r>
+              <a:rPr lang="en-GB" sz="2000"/>
+              <a:t>Presentation by Liang, Puntigam, Yousofi</a:t>
             </a:r>
             <a:endParaRPr lang="en-GB" sz="2000" dirty="0"/>
           </a:p>
@@ -3118,17 +5296,10 @@
           <a:lstStyle/>
           <a:p>
             <a:r>
-              <a:rPr lang="de-DE" dirty="0"/>
-              <a:t>RWTH Aachen | Seminar Data Driven </a:t>
-            </a:r>
-            <a:r>
-              <a:rPr lang="de-DE" dirty="0" err="1"/>
-              <a:t>Foresight</a:t>
-            </a:r>
-            <a:r>
-              <a:rPr lang="de-DE" dirty="0"/>
-              <a:t> | 13.01.2025</a:t>
-            </a:r>
+              <a:rPr lang="de-DE"/>
+              <a:t>RWTH Aachen | Seminar Data Driven Foresight | 13.01.2025</a:t>
+            </a:r>
+            <a:endParaRPr lang="de-DE" dirty="0"/>
           </a:p>
         </p:txBody>
       </p:sp>
@@ -3177,7 +5348,7 @@
           <p:nvPr/>
         </p:nvPicPr>
         <p:blipFill>
-          <a:blip r:embed="rId2"/>
+          <a:blip r:embed="rId3"/>
           <a:stretch>
             <a:fillRect/>
           </a:stretch>
@@ -3207,7 +5378,7 @@
           <p:nvPr/>
         </p:nvPicPr>
         <p:blipFill>
-          <a:blip r:embed="rId3"/>
+          <a:blip r:embed="rId4"/>
           <a:stretch>
             <a:fillRect/>
           </a:stretch>
@@ -3237,7 +5408,7 @@
           <p:nvPr/>
         </p:nvPicPr>
         <p:blipFill>
-          <a:blip r:embed="rId4"/>
+          <a:blip r:embed="rId5"/>
           <a:stretch>
             <a:fillRect/>
           </a:stretch>
@@ -3267,7 +5438,7 @@
           <p:nvPr/>
         </p:nvPicPr>
         <p:blipFill>
-          <a:blip r:embed="rId5"/>
+          <a:blip r:embed="rId6"/>
           <a:stretch>
             <a:fillRect/>
           </a:stretch>
@@ -3712,7 +5883,7 @@
           </p:nvPr>
         </p:nvPicPr>
         <p:blipFill>
-          <a:blip r:embed="rId2"/>
+          <a:blip r:embed="rId3"/>
           <a:stretch>
             <a:fillRect/>
           </a:stretch>
@@ -3928,7 +6099,7 @@
           </p:nvPr>
         </p:nvPicPr>
         <p:blipFill>
-          <a:blip r:embed="rId2"/>
+          <a:blip r:embed="rId3"/>
           <a:stretch>
             <a:fillRect/>
           </a:stretch>
@@ -4051,7 +6222,7 @@
           </p:nvPr>
         </p:nvPicPr>
         <p:blipFill>
-          <a:blip r:embed="rId2"/>
+          <a:blip r:embed="rId3"/>
           <a:stretch>
             <a:fillRect/>
           </a:stretch>
@@ -4234,7 +6405,7 @@
               <a:rPr lang="en-GB" dirty="0">
                 <a:ea typeface="+mn-lt"/>
                 <a:cs typeface="+mn-lt"/>
-                <a:hlinkClick r:id="rId2"/>
+                <a:hlinkClick r:id="rId3"/>
               </a:rPr>
               <a:t>www.census.gov</a:t>
             </a:r>
@@ -4266,7 +6437,7 @@
           </p:nvPr>
         </p:nvPicPr>
         <p:blipFill>
-          <a:blip r:embed="rId3"/>
+          <a:blip r:embed="rId4"/>
           <a:stretch>
             <a:fillRect/>
           </a:stretch>
@@ -4452,7 +6623,7 @@
           </p:nvPr>
         </p:nvPicPr>
         <p:blipFill>
-          <a:blip r:embed="rId2"/>
+          <a:blip r:embed="rId3"/>
           <a:stretch>
             <a:fillRect/>
           </a:stretch>
@@ -5064,7 +7235,7 @@
           </p:nvPr>
         </p:nvPicPr>
         <p:blipFill>
-          <a:blip r:embed="rId2"/>
+          <a:blip r:embed="rId3"/>
           <a:stretch>
             <a:fillRect/>
           </a:stretch>
@@ -5328,7 +7499,7 @@
           </p:nvPr>
         </p:nvPicPr>
         <p:blipFill>
-          <a:blip r:embed="rId2"/>
+          <a:blip r:embed="rId3"/>
           <a:stretch>
             <a:fillRect/>
           </a:stretch>
@@ -5841,7 +8012,7 @@
           </p:nvPr>
         </p:nvPicPr>
         <p:blipFill>
-          <a:blip r:embed="rId2"/>
+          <a:blip r:embed="rId3"/>
           <a:stretch>
             <a:fillRect/>
           </a:stretch>
@@ -6716,14 +8887,14 @@
           <p:nvPr>
             <p:extLst>
               <p:ext uri="{D42A27DB-BD31-4B8C-83A1-F6EECF244321}">
-                <p14:modId xmlns:p14="http://schemas.microsoft.com/office/powerpoint/2010/main" val="3086323057"/>
+                <p14:modId xmlns:p14="http://schemas.microsoft.com/office/powerpoint/2010/main" val="3278666930"/>
               </p:ext>
             </p:extLst>
           </p:nvPr>
         </p:nvGraphicFramePr>
         <p:xfrm>
           <a:off x="3060390" y="1678878"/>
-          <a:ext cx="6057816" cy="2536514"/>
+          <a:ext cx="5690645" cy="2536514"/>
         </p:xfrm>
         <a:graphic>
           <a:graphicData uri="http://schemas.openxmlformats.org/drawingml/2006/table">
@@ -6760,7 +8931,7 @@
                     </a:ext>
                   </a:extLst>
                 </a:gridCol>
-                <a:gridCol w="2100814">
+                <a:gridCol w="1733643">
                   <a:extLst>
                     <a:ext uri="{9D8B030D-6E8A-4147-A177-3AD203B41FA5}">
                       <a16:colId xmlns:a16="http://schemas.microsoft.com/office/drawing/2014/main" val="2690576278"/>
@@ -8830,7 +11001,7 @@
           </p:nvPr>
         </p:nvPicPr>
         <p:blipFill>
-          <a:blip r:embed="rId2"/>
+          <a:blip r:embed="rId3"/>
           <a:stretch>
             <a:fillRect/>
           </a:stretch>
@@ -8857,7 +11028,7 @@
           <p:nvPr/>
         </p:nvPicPr>
         <p:blipFill>
-          <a:blip r:embed="rId3"/>
+          <a:blip r:embed="rId4"/>
           <a:stretch>
             <a:fillRect/>
           </a:stretch>
@@ -9276,9 +11447,10 @@
           <a:lstStyle/>
           <a:p>
             <a:r>
-              <a:rPr lang="en-GB" b="1" dirty="0"/>
+              <a:rPr lang="en-GB" b="1"/>
               <a:t>Polymers are the most researched material regarding self- healing properties</a:t>
             </a:r>
+            <a:endParaRPr lang="en-GB" b="1" dirty="0"/>
           </a:p>
         </p:txBody>
       </p:sp>
@@ -9315,34 +11487,22 @@
               <a:buChar char="•"/>
             </a:pPr>
             <a:r>
-              <a:rPr lang="en-GB" dirty="0"/>
+              <a:rPr lang="en-GB"/>
               <a:t>Research is </a:t>
             </a:r>
             <a:r>
-              <a:rPr lang="de-DE" dirty="0" err="1"/>
+              <a:rPr lang="de-DE"/>
               <a:t>focused</a:t>
             </a:r>
             <a:r>
-              <a:rPr lang="en-GB" dirty="0"/>
+              <a:rPr lang="en-GB"/>
               <a:t> </a:t>
             </a:r>
             <a:r>
-              <a:rPr lang="de-DE" dirty="0"/>
-              <a:t>on </a:t>
-            </a:r>
-            <a:r>
-              <a:rPr lang="de-DE" dirty="0" err="1"/>
-              <a:t>self-healing</a:t>
-            </a:r>
-            <a:r>
-              <a:rPr lang="de-DE" dirty="0"/>
-              <a:t> polymer </a:t>
-            </a:r>
-            <a:r>
-              <a:rPr lang="de-DE" dirty="0" err="1"/>
-              <a:t>materials</a:t>
-            </a:r>
-            <a:endParaRPr lang="en-GB" dirty="0" err="1"/>
+              <a:rPr lang="de-DE"/>
+              <a:t>on self-healing polymer materials</a:t>
+            </a:r>
+            <a:endParaRPr lang="en-GB"/>
           </a:p>
           <a:p>
             <a:pPr marL="285750" indent="-285750">
@@ -9350,9 +11510,10 @@
               <a:buChar char="•"/>
             </a:pPr>
             <a:r>
-              <a:rPr lang="en-GB" dirty="0"/>
+              <a:rPr lang="en-GB"/>
               <a:t>Yearly number of publications is generally rising across all material types</a:t>
             </a:r>
+            <a:endParaRPr lang="en-GB" dirty="0"/>
           </a:p>
         </p:txBody>
       </p:sp>
@@ -9679,7 +11840,7 @@
           </p:nvPr>
         </p:nvPicPr>
         <p:blipFill>
-          <a:blip r:embed="rId2"/>
+          <a:blip r:embed="rId3"/>
           <a:stretch>
             <a:fillRect/>
           </a:stretch>
@@ -10187,7 +12348,7 @@
           </p:nvPr>
         </p:nvPicPr>
         <p:blipFill>
-          <a:blip r:embed="rId2"/>
+          <a:blip r:embed="rId3"/>
           <a:stretch>
             <a:fillRect/>
           </a:stretch>
@@ -10708,7 +12869,7 @@
           </p:nvPr>
         </p:nvPicPr>
         <p:blipFill>
-          <a:blip r:embed="rId2"/>
+          <a:blip r:embed="rId3"/>
           <a:stretch>
             <a:fillRect/>
           </a:stretch>
@@ -11216,7 +13377,7 @@
           </p:nvPr>
         </p:nvPicPr>
         <p:blipFill>
-          <a:blip r:embed="rId2"/>
+          <a:blip r:embed="rId3"/>
           <a:stretch>
             <a:fillRect/>
           </a:stretch>
@@ -11429,7 +13590,7 @@
           </p:nvPr>
         </p:nvPicPr>
         <p:blipFill>
-          <a:blip r:embed="rId2"/>
+          <a:blip r:embed="rId3"/>
           <a:stretch>
             <a:fillRect/>
           </a:stretch>
@@ -11682,35 +13843,6 @@
           </a:p>
         </p:txBody>
       </p:sp>
-      <p:pic>
-        <p:nvPicPr>
-          <p:cNvPr id="7" name="Inhaltsplatzhalter 6" descr="Ein Bild, das Text, Screenshot, Diagramm, Reihe enthält.&#10;&#10;Beschreibung automatisch generiert.">
-            <a:extLst>
-              <a:ext uri="{FF2B5EF4-FFF2-40B4-BE49-F238E27FC236}">
-                <a16:creationId xmlns:a16="http://schemas.microsoft.com/office/drawing/2014/main" id="{4CD85222-5961-2963-B92E-99298D207CBA}"/>
-              </a:ext>
-            </a:extLst>
-          </p:cNvPr>
-          <p:cNvPicPr>
-            <a:picLocks noGrp="1" noChangeAspect="1"/>
-          </p:cNvPicPr>
-          <p:nvPr>
-            <p:ph idx="1"/>
-          </p:nvPr>
-        </p:nvPicPr>
-        <p:blipFill>
-          <a:blip r:embed="rId2"/>
-          <a:stretch>
-            <a:fillRect/>
-          </a:stretch>
-        </p:blipFill>
-        <p:spPr>
-          <a:xfrm>
-            <a:off x="5221288" y="1595437"/>
-            <a:ext cx="6096000" cy="3657600"/>
-          </a:xfrm>
-        </p:spPr>
-      </p:pic>
       <p:sp>
         <p:nvSpPr>
           <p:cNvPr id="3" name="Fußzeilenplatzhalter 2">
@@ -11768,6 +13900,35 @@
           </a:p>
         </p:txBody>
       </p:sp>
+      <p:pic>
+        <p:nvPicPr>
+          <p:cNvPr id="9" name="Content Placeholder 8" descr="A graph of a number of publications&#10;&#10;Description automatically generated">
+            <a:extLst>
+              <a:ext uri="{FF2B5EF4-FFF2-40B4-BE49-F238E27FC236}">
+                <a16:creationId xmlns:a16="http://schemas.microsoft.com/office/drawing/2014/main" id="{4E89E306-C2A1-4172-8C50-4A02D7BBF8CD}"/>
+              </a:ext>
+            </a:extLst>
+          </p:cNvPr>
+          <p:cNvPicPr>
+            <a:picLocks noGrp="1" noChangeAspect="1"/>
+          </p:cNvPicPr>
+          <p:nvPr>
+            <p:ph idx="1"/>
+          </p:nvPr>
+        </p:nvPicPr>
+        <p:blipFill>
+          <a:blip r:embed="rId3"/>
+          <a:stretch>
+            <a:fillRect/>
+          </a:stretch>
+        </p:blipFill>
+        <p:spPr>
+          <a:xfrm>
+            <a:off x="5221288" y="1595438"/>
+            <a:ext cx="6096000" cy="3657600"/>
+          </a:xfrm>
+        </p:spPr>
+      </p:pic>
     </p:spTree>
     <p:extLst>
       <p:ext uri="{BB962C8B-B14F-4D97-AF65-F5344CB8AC3E}">
@@ -12060,4 +14221,299 @@
     </a:ext>
   </a:extLst>
 </a:theme>
+</file>
+
+<file path=ppt/theme/theme2.xml><?xml version="1.0" encoding="utf-8"?>
+<a:theme xmlns:a="http://schemas.openxmlformats.org/drawingml/2006/main" name="Office">
+  <a:themeElements>
+    <a:clrScheme name="Office">
+      <a:dk1>
+        <a:sysClr val="windowText" lastClr="000000"/>
+      </a:dk1>
+      <a:lt1>
+        <a:sysClr val="window" lastClr="FFFFFF"/>
+      </a:lt1>
+      <a:dk2>
+        <a:srgbClr val="44546A"/>
+      </a:dk2>
+      <a:lt2>
+        <a:srgbClr val="E7E6E6"/>
+      </a:lt2>
+      <a:accent1>
+        <a:srgbClr val="4472C4"/>
+      </a:accent1>
+      <a:accent2>
+        <a:srgbClr val="ED7D31"/>
+      </a:accent2>
+      <a:accent3>
+        <a:srgbClr val="A5A5A5"/>
+      </a:accent3>
+      <a:accent4>
+        <a:srgbClr val="FFC000"/>
+      </a:accent4>
+      <a:accent5>
+        <a:srgbClr val="5B9BD5"/>
+      </a:accent5>
+      <a:accent6>
+        <a:srgbClr val="70AD47"/>
+      </a:accent6>
+      <a:hlink>
+        <a:srgbClr val="0563C1"/>
+      </a:hlink>
+      <a:folHlink>
+        <a:srgbClr val="954F72"/>
+      </a:folHlink>
+    </a:clrScheme>
+    <a:fontScheme name="Office">
+      <a:majorFont>
+        <a:latin typeface="Calibri Light" panose="020F0302020204030204"/>
+        <a:ea typeface=""/>
+        <a:cs typeface=""/>
+        <a:font script="Jpan" typeface="游ゴシック Light"/>
+        <a:font script="Hang" typeface="맑은 고딕"/>
+        <a:font script="Hans" typeface="等线 Light"/>
+        <a:font script="Hant" typeface="新細明體"/>
+        <a:font script="Arab" typeface="Times New Roman"/>
+        <a:font script="Hebr" typeface="Times New Roman"/>
+        <a:font script="Thai" typeface="Angsana New"/>
+        <a:font script="Ethi" typeface="Nyala"/>
+        <a:font script="Beng" typeface="Vrinda"/>
+        <a:font script="Gujr" typeface="Shruti"/>
+        <a:font script="Khmr" typeface="MoolBoran"/>
+        <a:font script="Knda" typeface="Tunga"/>
+        <a:font script="Guru" typeface="Raavi"/>
+        <a:font script="Cans" typeface="Euphemia"/>
+        <a:font script="Cher" typeface="Plantagenet Cherokee"/>
+        <a:font script="Yiii" typeface="Microsoft Yi Baiti"/>
+        <a:font script="Tibt" typeface="Microsoft Himalaya"/>
+        <a:font script="Thaa" typeface="MV Boli"/>
+        <a:font script="Deva" typeface="Mangal"/>
+        <a:font script="Telu" typeface="Gautami"/>
+        <a:font script="Taml" typeface="Latha"/>
+        <a:font script="Syrc" typeface="Estrangelo Edessa"/>
+        <a:font script="Orya" typeface="Kalinga"/>
+        <a:font script="Mlym" typeface="Kartika"/>
+        <a:font script="Laoo" typeface="DokChampa"/>
+        <a:font script="Sinh" typeface="Iskoola Pota"/>
+        <a:font script="Mong" typeface="Mongolian Baiti"/>
+        <a:font script="Viet" typeface="Times New Roman"/>
+        <a:font script="Uigh" typeface="Microsoft Uighur"/>
+        <a:font script="Geor" typeface="Sylfaen"/>
+        <a:font script="Armn" typeface="Arial"/>
+        <a:font script="Bugi" typeface="Leelawadee UI"/>
+        <a:font script="Bopo" typeface="Microsoft JhengHei"/>
+        <a:font script="Java" typeface="Javanese Text"/>
+        <a:font script="Lisu" typeface="Segoe UI"/>
+        <a:font script="Mymr" typeface="Myanmar Text"/>
+        <a:font script="Nkoo" typeface="Ebrima"/>
+        <a:font script="Olck" typeface="Nirmala UI"/>
+        <a:font script="Osma" typeface="Ebrima"/>
+        <a:font script="Phag" typeface="Phagspa"/>
+        <a:font script="Syrn" typeface="Estrangelo Edessa"/>
+        <a:font script="Syrj" typeface="Estrangelo Edessa"/>
+        <a:font script="Syre" typeface="Estrangelo Edessa"/>
+        <a:font script="Sora" typeface="Nirmala UI"/>
+        <a:font script="Tale" typeface="Microsoft Tai Le"/>
+        <a:font script="Talu" typeface="Microsoft New Tai Lue"/>
+        <a:font script="Tfng" typeface="Ebrima"/>
+      </a:majorFont>
+      <a:minorFont>
+        <a:latin typeface="Calibri" panose="020F0502020204030204"/>
+        <a:ea typeface=""/>
+        <a:cs typeface=""/>
+        <a:font script="Jpan" typeface="游ゴシック"/>
+        <a:font script="Hang" typeface="맑은 고딕"/>
+        <a:font script="Hans" typeface="等线"/>
+        <a:font script="Hant" typeface="新細明體"/>
+        <a:font script="Arab" typeface="Arial"/>
+        <a:font script="Hebr" typeface="Arial"/>
+        <a:font script="Thai" typeface="Cordia New"/>
+        <a:font script="Ethi" typeface="Nyala"/>
+        <a:font script="Beng" typeface="Vrinda"/>
+        <a:font script="Gujr" typeface="Shruti"/>
+        <a:font script="Khmr" typeface="DaunPenh"/>
+        <a:font script="Knda" typeface="Tunga"/>
+        <a:font script="Guru" typeface="Raavi"/>
+        <a:font script="Cans" typeface="Euphemia"/>
+        <a:font script="Cher" typeface="Plantagenet Cherokee"/>
+        <a:font script="Yiii" typeface="Microsoft Yi Baiti"/>
+        <a:font script="Tibt" typeface="Microsoft Himalaya"/>
+        <a:font script="Thaa" typeface="MV Boli"/>
+        <a:font script="Deva" typeface="Mangal"/>
+        <a:font script="Telu" typeface="Gautami"/>
+        <a:font script="Taml" typeface="Latha"/>
+        <a:font script="Syrc" typeface="Estrangelo Edessa"/>
+        <a:font script="Orya" typeface="Kalinga"/>
+        <a:font script="Mlym" typeface="Kartika"/>
+        <a:font script="Laoo" typeface="DokChampa"/>
+        <a:font script="Sinh" typeface="Iskoola Pota"/>
+        <a:font script="Mong" typeface="Mongolian Baiti"/>
+        <a:font script="Viet" typeface="Arial"/>
+        <a:font script="Uigh" typeface="Microsoft Uighur"/>
+        <a:font script="Geor" typeface="Sylfaen"/>
+        <a:font script="Armn" typeface="Arial"/>
+        <a:font script="Bugi" typeface="Leelawadee UI"/>
+        <a:font script="Bopo" typeface="Microsoft JhengHei"/>
+        <a:font script="Java" typeface="Javanese Text"/>
+        <a:font script="Lisu" typeface="Segoe UI"/>
+        <a:font script="Mymr" typeface="Myanmar Text"/>
+        <a:font script="Nkoo" typeface="Ebrima"/>
+        <a:font script="Olck" typeface="Nirmala UI"/>
+        <a:font script="Osma" typeface="Ebrima"/>
+        <a:font script="Phag" typeface="Phagspa"/>
+        <a:font script="Syrn" typeface="Estrangelo Edessa"/>
+        <a:font script="Syrj" typeface="Estrangelo Edessa"/>
+        <a:font script="Syre" typeface="Estrangelo Edessa"/>
+        <a:font script="Sora" typeface="Nirmala UI"/>
+        <a:font script="Tale" typeface="Microsoft Tai Le"/>
+        <a:font script="Talu" typeface="Microsoft New Tai Lue"/>
+        <a:font script="Tfng" typeface="Ebrima"/>
+      </a:minorFont>
+    </a:fontScheme>
+    <a:fmtScheme name="Office">
+      <a:fillStyleLst>
+        <a:solidFill>
+          <a:schemeClr val="phClr"/>
+        </a:solidFill>
+        <a:gradFill rotWithShape="1">
+          <a:gsLst>
+            <a:gs pos="0">
+              <a:schemeClr val="phClr">
+                <a:lumMod val="110000"/>
+                <a:satMod val="105000"/>
+                <a:tint val="67000"/>
+              </a:schemeClr>
+            </a:gs>
+            <a:gs pos="50000">
+              <a:schemeClr val="phClr">
+                <a:lumMod val="105000"/>
+                <a:satMod val="103000"/>
+                <a:tint val="73000"/>
+              </a:schemeClr>
+            </a:gs>
+            <a:gs pos="100000">
+              <a:schemeClr val="phClr">
+                <a:lumMod val="105000"/>
+                <a:satMod val="109000"/>
+                <a:tint val="81000"/>
+              </a:schemeClr>
+            </a:gs>
+          </a:gsLst>
+          <a:lin ang="5400000" scaled="0"/>
+        </a:gradFill>
+        <a:gradFill rotWithShape="1">
+          <a:gsLst>
+            <a:gs pos="0">
+              <a:schemeClr val="phClr">
+                <a:satMod val="103000"/>
+                <a:lumMod val="102000"/>
+                <a:tint val="94000"/>
+              </a:schemeClr>
+            </a:gs>
+            <a:gs pos="50000">
+              <a:schemeClr val="phClr">
+                <a:satMod val="110000"/>
+                <a:lumMod val="100000"/>
+                <a:shade val="100000"/>
+              </a:schemeClr>
+            </a:gs>
+            <a:gs pos="100000">
+              <a:schemeClr val="phClr">
+                <a:lumMod val="99000"/>
+                <a:satMod val="120000"/>
+                <a:shade val="78000"/>
+              </a:schemeClr>
+            </a:gs>
+          </a:gsLst>
+          <a:lin ang="5400000" scaled="0"/>
+        </a:gradFill>
+      </a:fillStyleLst>
+      <a:lnStyleLst>
+        <a:ln w="6350" cap="flat" cmpd="sng" algn="ctr">
+          <a:solidFill>
+            <a:schemeClr val="phClr"/>
+          </a:solidFill>
+          <a:prstDash val="solid"/>
+          <a:miter lim="800000"/>
+        </a:ln>
+        <a:ln w="12700" cap="flat" cmpd="sng" algn="ctr">
+          <a:solidFill>
+            <a:schemeClr val="phClr"/>
+          </a:solidFill>
+          <a:prstDash val="solid"/>
+          <a:miter lim="800000"/>
+        </a:ln>
+        <a:ln w="19050" cap="flat" cmpd="sng" algn="ctr">
+          <a:solidFill>
+            <a:schemeClr val="phClr"/>
+          </a:solidFill>
+          <a:prstDash val="solid"/>
+          <a:miter lim="800000"/>
+        </a:ln>
+      </a:lnStyleLst>
+      <a:effectStyleLst>
+        <a:effectStyle>
+          <a:effectLst/>
+        </a:effectStyle>
+        <a:effectStyle>
+          <a:effectLst/>
+        </a:effectStyle>
+        <a:effectStyle>
+          <a:effectLst>
+            <a:outerShdw blurRad="57150" dist="19050" dir="5400000" algn="ctr" rotWithShape="0">
+              <a:srgbClr val="000000">
+                <a:alpha val="63000"/>
+              </a:srgbClr>
+            </a:outerShdw>
+          </a:effectLst>
+        </a:effectStyle>
+      </a:effectStyleLst>
+      <a:bgFillStyleLst>
+        <a:solidFill>
+          <a:schemeClr val="phClr"/>
+        </a:solidFill>
+        <a:solidFill>
+          <a:schemeClr val="phClr">
+            <a:tint val="95000"/>
+            <a:satMod val="170000"/>
+          </a:schemeClr>
+        </a:solidFill>
+        <a:gradFill rotWithShape="1">
+          <a:gsLst>
+            <a:gs pos="0">
+              <a:schemeClr val="phClr">
+                <a:tint val="93000"/>
+                <a:satMod val="150000"/>
+                <a:shade val="98000"/>
+                <a:lumMod val="102000"/>
+              </a:schemeClr>
+            </a:gs>
+            <a:gs pos="50000">
+              <a:schemeClr val="phClr">
+                <a:tint val="98000"/>
+                <a:satMod val="130000"/>
+                <a:shade val="90000"/>
+                <a:lumMod val="103000"/>
+              </a:schemeClr>
+            </a:gs>
+            <a:gs pos="100000">
+              <a:schemeClr val="phClr">
+                <a:shade val="63000"/>
+                <a:satMod val="120000"/>
+              </a:schemeClr>
+            </a:gs>
+          </a:gsLst>
+          <a:lin ang="5400000" scaled="0"/>
+        </a:gradFill>
+      </a:bgFillStyleLst>
+    </a:fmtScheme>
+  </a:themeElements>
+  <a:objectDefaults/>
+  <a:extraClrSchemeLst/>
+  <a:extLst>
+    <a:ext uri="{05A4C25C-085E-4340-85A3-A5531E510DB2}">
+      <thm15:themeFamily xmlns:thm15="http://schemas.microsoft.com/office/thememl/2012/main" name="Office Theme" id="{62F939B6-93AF-4DB8-9C6B-D6C7DFDC589F}" vid="{4A3C46E8-61CC-4603-A589-7422A47A8E4A}"/>
+    </a:ext>
+  </a:extLst>
+</a:theme>
 </file>
--- a/presentation/DataDrivenForesight.pptx
+++ b/presentation/DataDrivenForesight.pptx
@@ -139,7 +139,7 @@
 <p1510:revInfo xmlns:a="http://schemas.openxmlformats.org/drawingml/2006/main" xmlns:r="http://schemas.openxmlformats.org/officeDocument/2006/relationships" xmlns:p1510="http://schemas.microsoft.com/office/powerpoint/2015/10/main">
   <p1510:revLst>
     <p1510:client id="{1C05B34B-6E39-6232-9EF4-3C5D0C2E088E}" v="947" dt="2025-01-12T21:34:39.105"/>
-    <p1510:client id="{8CDA426B-F6BE-03CE-D3BE-0C608CE54C7C}" v="12" dt="2025-01-11T10:39:06.523"/>
+    <p1510:client id="{33B2A1B0-75D2-FF34-777C-60E0FA8D1AB7}" v="52" dt="2025-01-13T19:04:36.950"/>
     <p1510:client id="{90A3C9C0-2634-4210-09F6-2A76E971AA20}" v="3" dt="2025-01-13T09:42:07.459"/>
   </p1510:revLst>
 </p1510:revInfo>
@@ -5333,12 +5333,69 @@
           <a:chExt cx="0" cy="0"/>
         </a:xfrm>
       </p:grpSpPr>
+      <p:sp>
+        <p:nvSpPr>
+          <p:cNvPr id="2" name="Fußzeilenplatzhalter 1">
+            <a:extLst>
+              <a:ext uri="{FF2B5EF4-FFF2-40B4-BE49-F238E27FC236}">
+                <a16:creationId xmlns:a16="http://schemas.microsoft.com/office/drawing/2014/main" id="{3831953B-1458-E626-C916-46717E29E13E}"/>
+              </a:ext>
+            </a:extLst>
+          </p:cNvPr>
+          <p:cNvSpPr>
+            <a:spLocks noGrp="1"/>
+          </p:cNvSpPr>
+          <p:nvPr>
+            <p:ph type="ftr" sz="quarter" idx="11"/>
+          </p:nvPr>
+        </p:nvSpPr>
+        <p:spPr/>
+        <p:txBody>
+          <a:bodyPr/>
+          <a:lstStyle/>
+          <a:p>
+            <a:r>
+              <a:rPr lang="de-DE"/>
+              <a:t>RWTH Aachen | Seminar Data Driven Foresight | 13.01.2025</a:t>
+            </a:r>
+          </a:p>
+        </p:txBody>
+      </p:sp>
+      <p:sp>
+        <p:nvSpPr>
+          <p:cNvPr id="3" name="Foliennummernplatzhalter 2">
+            <a:extLst>
+              <a:ext uri="{FF2B5EF4-FFF2-40B4-BE49-F238E27FC236}">
+                <a16:creationId xmlns:a16="http://schemas.microsoft.com/office/drawing/2014/main" id="{756087FE-A492-F6B7-2889-8E9C1FA1FB92}"/>
+              </a:ext>
+            </a:extLst>
+          </p:cNvPr>
+          <p:cNvSpPr>
+            <a:spLocks noGrp="1"/>
+          </p:cNvSpPr>
+          <p:nvPr>
+            <p:ph type="sldNum" sz="quarter" idx="12"/>
+          </p:nvPr>
+        </p:nvSpPr>
+        <p:spPr/>
+        <p:txBody>
+          <a:bodyPr/>
+          <a:lstStyle/>
+          <a:p>
+            <a:fld id="{330EA680-D336-4FF7-8B7A-9848BB0A1C32}" type="slidenum">
+              <a:rPr lang="en-GB" smtClean="0"/>
+              <a:t>10</a:t>
+            </a:fld>
+            <a:endParaRPr lang="de-DE"/>
+          </a:p>
+        </p:txBody>
+      </p:sp>
       <p:pic>
         <p:nvPicPr>
-          <p:cNvPr id="8" name="Picture 7" descr="A graph with green and white bars&#10;&#10;Description automatically generated">
+          <p:cNvPr id="4" name="Picture 3" descr="A graph of a number of publications&#10;&#10;Description automatically generated">
             <a:extLst>
               <a:ext uri="{FF2B5EF4-FFF2-40B4-BE49-F238E27FC236}">
-                <a16:creationId xmlns:a16="http://schemas.microsoft.com/office/drawing/2014/main" id="{2044E551-2EF2-4CA6-A5F0-BA1FACBECEED}"/>
+                <a16:creationId xmlns:a16="http://schemas.microsoft.com/office/drawing/2014/main" id="{46557523-78FA-BA5F-690C-D41FDBE9C4C7}"/>
               </a:ext>
             </a:extLst>
           </p:cNvPr>
@@ -5355,8 +5412,8 @@
         </p:blipFill>
         <p:spPr>
           <a:xfrm>
-            <a:off x="915628" y="232666"/>
-            <a:ext cx="5088193" cy="2986550"/>
+            <a:off x="839225" y="217478"/>
+            <a:ext cx="4902534" cy="2908092"/>
           </a:xfrm>
           <a:prstGeom prst="rect">
             <a:avLst/>
@@ -5365,10 +5422,10 @@
       </p:pic>
       <p:pic>
         <p:nvPicPr>
-          <p:cNvPr id="9" name="Picture 8" descr="A graph with red squares&#10;&#10;Description automatically generated">
+          <p:cNvPr id="5" name="Picture 4" descr="A graph of a number of publications&#10;&#10;Description automatically generated">
             <a:extLst>
               <a:ext uri="{FF2B5EF4-FFF2-40B4-BE49-F238E27FC236}">
-                <a16:creationId xmlns:a16="http://schemas.microsoft.com/office/drawing/2014/main" id="{02B295B9-D327-23CE-A83A-8F1CB774B947}"/>
+                <a16:creationId xmlns:a16="http://schemas.microsoft.com/office/drawing/2014/main" id="{CA1EABBB-D69E-6296-941A-72DAB41533AB}"/>
               </a:ext>
             </a:extLst>
           </p:cNvPr>
@@ -5385,8 +5442,8 @@
         </p:blipFill>
         <p:spPr>
           <a:xfrm>
-            <a:off x="6083710" y="232668"/>
-            <a:ext cx="5088194" cy="2986548"/>
+            <a:off x="6304537" y="191596"/>
+            <a:ext cx="4903033" cy="2908093"/>
           </a:xfrm>
           <a:prstGeom prst="rect">
             <a:avLst/>
@@ -5395,10 +5452,10 @@
       </p:pic>
       <p:pic>
         <p:nvPicPr>
-          <p:cNvPr id="10" name="Picture 9" descr="A graph with numbers and lines&#10;&#10;Description automatically generated">
+          <p:cNvPr id="6" name="Picture 5" descr="A graph with numbers and letters&#10;&#10;Description automatically generated">
             <a:extLst>
               <a:ext uri="{FF2B5EF4-FFF2-40B4-BE49-F238E27FC236}">
-                <a16:creationId xmlns:a16="http://schemas.microsoft.com/office/drawing/2014/main" id="{A7695196-A241-2859-8B85-77C1B07A4EE8}"/>
+                <a16:creationId xmlns:a16="http://schemas.microsoft.com/office/drawing/2014/main" id="{04E0245D-3C12-A1D0-0F8E-3A69CD01FE9A}"/>
               </a:ext>
             </a:extLst>
           </p:cNvPr>
@@ -5415,8 +5472,8 @@
         </p:blipFill>
         <p:spPr>
           <a:xfrm>
-            <a:off x="915629" y="3280667"/>
-            <a:ext cx="5088195" cy="3066434"/>
+            <a:off x="837692" y="3378425"/>
+            <a:ext cx="4903033" cy="2901847"/>
           </a:xfrm>
           <a:prstGeom prst="rect">
             <a:avLst/>
@@ -5425,10 +5482,10 @@
       </p:pic>
       <p:pic>
         <p:nvPicPr>
-          <p:cNvPr id="13" name="Picture 12" descr="A graph of a number of publications&#10;&#10;Description automatically generated">
+          <p:cNvPr id="7" name="Picture 6">
             <a:extLst>
               <a:ext uri="{FF2B5EF4-FFF2-40B4-BE49-F238E27FC236}">
-                <a16:creationId xmlns:a16="http://schemas.microsoft.com/office/drawing/2014/main" id="{169025DA-1FED-1FE0-9771-38F97A07C62B}"/>
+                <a16:creationId xmlns:a16="http://schemas.microsoft.com/office/drawing/2014/main" id="{E8CAEEF5-23D4-9B5C-E51C-04F62E78248E}"/>
               </a:ext>
             </a:extLst>
           </p:cNvPr>
@@ -5445,71 +5502,14 @@
         </p:blipFill>
         <p:spPr>
           <a:xfrm>
-            <a:off x="6084587" y="3283125"/>
-            <a:ext cx="5088194" cy="3061520"/>
+            <a:off x="6304423" y="3303633"/>
+            <a:ext cx="4903033" cy="2901847"/>
           </a:xfrm>
           <a:prstGeom prst="rect">
             <a:avLst/>
           </a:prstGeom>
         </p:spPr>
       </p:pic>
-      <p:sp>
-        <p:nvSpPr>
-          <p:cNvPr id="2" name="Fußzeilenplatzhalter 1">
-            <a:extLst>
-              <a:ext uri="{FF2B5EF4-FFF2-40B4-BE49-F238E27FC236}">
-                <a16:creationId xmlns:a16="http://schemas.microsoft.com/office/drawing/2014/main" id="{3831953B-1458-E626-C916-46717E29E13E}"/>
-              </a:ext>
-            </a:extLst>
-          </p:cNvPr>
-          <p:cNvSpPr>
-            <a:spLocks noGrp="1"/>
-          </p:cNvSpPr>
-          <p:nvPr>
-            <p:ph type="ftr" sz="quarter" idx="11"/>
-          </p:nvPr>
-        </p:nvSpPr>
-        <p:spPr/>
-        <p:txBody>
-          <a:bodyPr/>
-          <a:lstStyle/>
-          <a:p>
-            <a:r>
-              <a:rPr lang="de-DE"/>
-              <a:t>RWTH Aachen | Seminar Data Driven Foresight | 13.01.2025</a:t>
-            </a:r>
-          </a:p>
-        </p:txBody>
-      </p:sp>
-      <p:sp>
-        <p:nvSpPr>
-          <p:cNvPr id="3" name="Foliennummernplatzhalter 2">
-            <a:extLst>
-              <a:ext uri="{FF2B5EF4-FFF2-40B4-BE49-F238E27FC236}">
-                <a16:creationId xmlns:a16="http://schemas.microsoft.com/office/drawing/2014/main" id="{756087FE-A492-F6B7-2889-8E9C1FA1FB92}"/>
-              </a:ext>
-            </a:extLst>
-          </p:cNvPr>
-          <p:cNvSpPr>
-            <a:spLocks noGrp="1"/>
-          </p:cNvSpPr>
-          <p:nvPr>
-            <p:ph type="sldNum" sz="quarter" idx="12"/>
-          </p:nvPr>
-        </p:nvSpPr>
-        <p:spPr/>
-        <p:txBody>
-          <a:bodyPr/>
-          <a:lstStyle/>
-          <a:p>
-            <a:fld id="{330EA680-D336-4FF7-8B7A-9848BB0A1C32}" type="slidenum">
-              <a:rPr lang="en-GB" smtClean="0"/>
-              <a:t>10</a:t>
-            </a:fld>
-            <a:endParaRPr lang="de-DE"/>
-          </a:p>
-        </p:txBody>
-      </p:sp>
     </p:spTree>
     <p:extLst>
       <p:ext uri="{BB962C8B-B14F-4D97-AF65-F5344CB8AC3E}">
@@ -13829,16 +13829,7 @@
             </a:pPr>
             <a:r>
               <a:rPr lang="en-GB" dirty="0"/>
-              <a:t>The institution with the highest number of affiliations has more than 300 papers linked to it</a:t>
-            </a:r>
-          </a:p>
-          <a:p>
-            <a:pPr marL="285750" indent="-285750">
-              <a:buChar char="•"/>
-            </a:pPr>
-            <a:r>
-              <a:rPr lang="en-GB" dirty="0"/>
-              <a:t>All institutions researching polymers have published more than 10 papers on the topic – a few more than 100</a:t>
+              <a:t>The institution with the highest number of affiliations has more than 300 papers linked to it (not shown in image)</a:t>
             </a:r>
           </a:p>
         </p:txBody>
@@ -13902,10 +13893,10 @@
       </p:sp>
       <p:pic>
         <p:nvPicPr>
-          <p:cNvPr id="9" name="Content Placeholder 8" descr="A graph of a number of publications&#10;&#10;Description automatically generated">
+          <p:cNvPr id="7" name="Content Placeholder 6" descr="A graph of a number of publications&#10;&#10;Description automatically generated">
             <a:extLst>
               <a:ext uri="{FF2B5EF4-FFF2-40B4-BE49-F238E27FC236}">
-                <a16:creationId xmlns:a16="http://schemas.microsoft.com/office/drawing/2014/main" id="{4E89E306-C2A1-4172-8C50-4A02D7BBF8CD}"/>
+                <a16:creationId xmlns:a16="http://schemas.microsoft.com/office/drawing/2014/main" id="{4AE588DC-ADE3-B02E-B882-7D820F0E27FE}"/>
               </a:ext>
             </a:extLst>
           </p:cNvPr>
